--- a/Slides/Not Only SQL - Picking A Database for DotNET.pptx
+++ b/Slides/Not Only SQL - Picking A Database for DotNET.pptx
@@ -37,24 +37,24 @@
     <p:sldId id="287" r:id="rId28"/>
     <p:sldId id="288" r:id="rId29"/>
     <p:sldId id="289" r:id="rId30"/>
-    <p:sldId id="290" r:id="rId31"/>
-    <p:sldId id="291" r:id="rId32"/>
-    <p:sldId id="292" r:id="rId33"/>
-    <p:sldId id="293" r:id="rId34"/>
-    <p:sldId id="294" r:id="rId35"/>
-    <p:sldId id="295" r:id="rId36"/>
-    <p:sldId id="296" r:id="rId37"/>
-    <p:sldId id="297" r:id="rId38"/>
-    <p:sldId id="314" r:id="rId39"/>
-    <p:sldId id="298" r:id="rId40"/>
-    <p:sldId id="299" r:id="rId41"/>
-    <p:sldId id="300" r:id="rId42"/>
-    <p:sldId id="301" r:id="rId43"/>
+    <p:sldId id="327" r:id="rId31"/>
+    <p:sldId id="290" r:id="rId32"/>
+    <p:sldId id="291" r:id="rId33"/>
+    <p:sldId id="295" r:id="rId34"/>
+    <p:sldId id="296" r:id="rId35"/>
+    <p:sldId id="297" r:id="rId36"/>
+    <p:sldId id="314" r:id="rId37"/>
+    <p:sldId id="298" r:id="rId38"/>
+    <p:sldId id="328" r:id="rId39"/>
+    <p:sldId id="331" r:id="rId40"/>
+    <p:sldId id="330" r:id="rId41"/>
+    <p:sldId id="326" r:id="rId42"/>
+    <p:sldId id="329" r:id="rId43"/>
     <p:sldId id="302" r:id="rId44"/>
     <p:sldId id="312" r:id="rId45"/>
     <p:sldId id="303" r:id="rId46"/>
     <p:sldId id="309" r:id="rId47"/>
-    <p:sldId id="310" r:id="rId48"/>
+    <p:sldId id="332" r:id="rId48"/>
     <p:sldId id="311" r:id="rId49"/>
     <p:sldId id="267" r:id="rId50"/>
     <p:sldId id="268" r:id="rId51"/>
@@ -2405,7 +2405,7 @@
           <a:p>
             <a:fld id="{B88E1A96-A68C-4ED7-8535-7FE27C72D2F0}" type="slidenum">
               <a:rPr lang="en-GB" smtClean="0"/>
-              <a:t>30</a:t>
+              <a:t>31</a:t>
             </a:fld>
             <a:endParaRPr lang="en-GB"/>
           </a:p>
@@ -2470,91 +2470,58 @@
           <a:p>
             <a:r>
               <a:rPr lang="en-GB" dirty="0" smtClean="0"/>
-              <a:t>So we can look at the pros and cons here of both document</a:t>
+              <a:t>We’re going to look at two AP systems,</a:t>
             </a:r>
             <a:r>
               <a:rPr lang="en-GB" baseline="0" dirty="0" smtClean="0"/>
-              <a:t> databases in general, and </a:t>
+              <a:t> </a:t>
             </a:r>
             <a:r>
               <a:rPr lang="en-GB" baseline="0" dirty="0" err="1" smtClean="0"/>
-              <a:t>MongoDB</a:t>
+              <a:t>Riak</a:t>
             </a:r>
             <a:r>
               <a:rPr lang="en-GB" baseline="0" dirty="0" smtClean="0"/>
-              <a:t> in particular.</a:t>
+              <a:t> and Cassandra, which share some key features but also have some clear differences.</a:t>
             </a:r>
           </a:p>
           <a:p>
             <a:r>
               <a:rPr lang="en-GB" baseline="0" dirty="0" smtClean="0"/>
-              <a:t>Firstly – in general.  As we’ve seen, the document model is very straightforward and flexible to use in storing serialised objects, in comparison to the relational model.  We can:</a:t>
-            </a:r>
-          </a:p>
-          <a:p>
-            <a:pPr marL="171450" indent="-171450">
-              <a:buFontTx/>
-              <a:buChar char="-"/>
-            </a:pPr>
+              <a:t>I have looked at </a:t>
+            </a:r>
+            <a:r>
+              <a:rPr lang="en-GB" baseline="0" dirty="0" err="1" smtClean="0"/>
+              <a:t>Riak</a:t>
+            </a:r>
             <a:r>
               <a:rPr lang="en-GB" baseline="0" dirty="0" smtClean="0"/>
-              <a:t>tailor the storage format to the specifics od our object</a:t>
-            </a:r>
-          </a:p>
-          <a:p>
-            <a:pPr marL="171450" indent="-171450">
-              <a:buFontTx/>
-              <a:buChar char="-"/>
-            </a:pPr>
+              <a:t> in the most detail, as it is the clearest example of an AP system and the key trade-offs made.</a:t>
+            </a:r>
+          </a:p>
+          <a:p>
             <a:r>
               <a:rPr lang="en-GB" baseline="0" dirty="0" smtClean="0"/>
-              <a:t>change it at will and</a:t>
-            </a:r>
-          </a:p>
-          <a:p>
-            <a:pPr marL="171450" indent="-171450">
-              <a:buFontTx/>
-              <a:buChar char="-"/>
-            </a:pPr>
+              <a:t>For Cassandra will simply highlight the differences, which are mainly around having a more detailed &amp; expressive data model which parallels relational/ SQL to some (limited!) extent.</a:t>
+            </a:r>
+          </a:p>
+          <a:p>
+            <a:endParaRPr lang="en-GB" baseline="0" dirty="0" smtClean="0"/>
+          </a:p>
+          <a:p>
             <a:r>
               <a:rPr lang="en-GB" baseline="0" dirty="0" smtClean="0"/>
-              <a:t>store related data in a single document – which means we don’t have to worry about the performance impact of joins on large tables.</a:t>
-            </a:r>
-          </a:p>
-          <a:p>
-            <a:pPr marL="0" indent="0">
-              <a:buFontTx/>
-              <a:buNone/>
-            </a:pPr>
+              <a:t>http://docs.basho.com/riak/1.1.0/references/appendices/comparisons/Riak-Compared-to-Cassandra/</a:t>
+            </a:r>
+          </a:p>
+          <a:p>
+            <a:endParaRPr lang="en-GB" baseline="0" dirty="0" smtClean="0"/>
+          </a:p>
+          <a:p>
             <a:r>
               <a:rPr lang="en-GB" baseline="0" dirty="0" smtClean="0"/>
-              <a:t>However – there is some cost associated with this flexibility.  The fact that the database doesn’t impose a schema means that there is less protection around the fundamental rules governing our data.  &amp; what protection/ checking there is, must be done in our application.  It’s not the case that there is no schema – the schema is implicit, we still need to think about it and not (e.g.) slightly change field names that refer to the same data in different parts of the application.  Think of it as similar to the difference between static and dynamic type checking in application programming languages.</a:t>
-            </a:r>
-          </a:p>
-          <a:p>
-            <a:pPr marL="0" indent="0">
-              <a:buFontTx/>
-              <a:buNone/>
-            </a:pPr>
-            <a:r>
-              <a:rPr lang="en-GB" baseline="0" dirty="0" smtClean="0"/>
-              <a:t>Pre-aggregating data also provides less inherent query flexibility than the relational model – we are optimising for the data structure we expect the application to use.  In particular, there may be more work to generate summary figures across multiple documents.</a:t>
-            </a:r>
-          </a:p>
-          <a:p>
-            <a:pPr marL="0" indent="0">
-              <a:buFontTx/>
-              <a:buNone/>
-            </a:pPr>
-            <a:r>
-              <a:rPr lang="en-GB" dirty="0" smtClean="0"/>
-              <a:t>BUT – a) indexing (not looked at in depth, suspect slightly less mature</a:t>
-            </a:r>
-            <a:r>
-              <a:rPr lang="en-GB" baseline="0" dirty="0" smtClean="0"/>
-              <a:t> than relational systems) and b) polyglot persistence – will discuss later how we might use more than one database for different strengths.</a:t>
-            </a:r>
-            <a:endParaRPr lang="en-GB" dirty="0"/>
+              <a:t>Please note that this is by no means a complete overview of AP systems and there may be other ways to implements, but these are representative and widely used examples!</a:t>
+            </a:r>
           </a:p>
         </p:txBody>
       </p:sp>
@@ -2584,7 +2551,7 @@
     </p:spTree>
     <p:extLst>
       <p:ext uri="{BB962C8B-B14F-4D97-AF65-F5344CB8AC3E}">
-        <p14:creationId xmlns:p14="http://schemas.microsoft.com/office/powerpoint/2010/main" val="2821679136"/>
+        <p14:creationId xmlns:p14="http://schemas.microsoft.com/office/powerpoint/2010/main" val="3766499604"/>
       </p:ext>
     </p:extLst>
   </p:cSld>
@@ -2640,53 +2607,27 @@
           <a:p>
             <a:r>
               <a:rPr lang="en-GB" dirty="0" smtClean="0"/>
-              <a:t>Within this field, we can</a:t>
+              <a:t>This is a model for data and load distribution that is shared</a:t>
             </a:r>
             <a:r>
               <a:rPr lang="en-GB" baseline="0" dirty="0" smtClean="0"/>
-              <a:t> see that </a:t>
+              <a:t> by </a:t>
             </a:r>
             <a:r>
               <a:rPr lang="en-GB" baseline="0" dirty="0" err="1" smtClean="0"/>
-              <a:t>MongoDB</a:t>
+              <a:t>Riak</a:t>
             </a:r>
             <a:r>
               <a:rPr lang="en-GB" baseline="0" dirty="0" smtClean="0"/>
-              <a:t> makes a particular set of trade-offs.</a:t>
-            </a:r>
-          </a:p>
-          <a:p>
+              <a:t> and Cassandra (diagram is from Basho (</a:t>
+            </a:r>
+            <a:r>
+              <a:rPr lang="en-GB" baseline="0" dirty="0" err="1" smtClean="0"/>
+              <a:t>Riak</a:t>
+            </a:r>
             <a:r>
               <a:rPr lang="en-GB" baseline="0" dirty="0" smtClean="0"/>
-              <a:t>So it is relatively consistent, but less so than a classic relational database in some edge cases (note that the nested aggregate structure makes multi-document transactions fairly uncommon with a well-designed schema).</a:t>
-            </a:r>
-          </a:p>
-          <a:p>
-            <a:r>
-              <a:rPr lang="en-GB" baseline="0" dirty="0" smtClean="0"/>
-              <a:t>It scales relatively well due to built-in </a:t>
-            </a:r>
-            <a:r>
-              <a:rPr lang="en-GB" baseline="0" dirty="0" err="1" smtClean="0"/>
-              <a:t>sharding</a:t>
-            </a:r>
-            <a:r>
-              <a:rPr lang="en-GB" baseline="0" dirty="0" smtClean="0"/>
-              <a:t>, but not as aggressively as a pure AP system (which we will see more of in a minute).</a:t>
-            </a:r>
-          </a:p>
-          <a:p>
-            <a:r>
-              <a:rPr lang="en-GB" baseline="0" dirty="0" smtClean="0"/>
-              <a:t>If these seem like the right trade-offs for your project, </a:t>
-            </a:r>
-            <a:r>
-              <a:rPr lang="en-GB" baseline="0" dirty="0" err="1" smtClean="0"/>
-              <a:t>MongoDB</a:t>
-            </a:r>
-            <a:r>
-              <a:rPr lang="en-GB" baseline="0" dirty="0" smtClean="0"/>
-              <a:t> is well worth looking at, especially as it is relatively widely used for a NoSQL database.</a:t>
+              <a:t>) website – but same principle), and has a deep impact on how they store, manage and retrieve data.</a:t>
             </a:r>
             <a:endParaRPr lang="en-GB" dirty="0"/>
           </a:p>
@@ -2718,7 +2659,7 @@
     </p:spTree>
     <p:extLst>
       <p:ext uri="{BB962C8B-B14F-4D97-AF65-F5344CB8AC3E}">
-        <p14:creationId xmlns:p14="http://schemas.microsoft.com/office/powerpoint/2010/main" val="2821679136"/>
+        <p14:creationId xmlns:p14="http://schemas.microsoft.com/office/powerpoint/2010/main" val="3197546564"/>
       </p:ext>
     </p:extLst>
   </p:cSld>
@@ -2774,58 +2715,15 @@
           <a:p>
             <a:r>
               <a:rPr lang="en-GB" dirty="0" smtClean="0"/>
-              <a:t>We’re going to look at two AP systems,</a:t>
-            </a:r>
-            <a:r>
-              <a:rPr lang="en-GB" baseline="0" dirty="0" smtClean="0"/>
-              <a:t> </a:t>
-            </a:r>
-            <a:r>
-              <a:rPr lang="en-GB" baseline="0" dirty="0" err="1" smtClean="0"/>
-              <a:t>Riak</a:t>
-            </a:r>
-            <a:r>
-              <a:rPr lang="en-GB" baseline="0" dirty="0" smtClean="0"/>
-              <a:t> and Cassandra, which share some key features but also have some clear differences.</a:t>
-            </a:r>
-          </a:p>
-          <a:p>
-            <a:r>
-              <a:rPr lang="en-GB" baseline="0" dirty="0" smtClean="0"/>
-              <a:t>I have looked at </a:t>
-            </a:r>
-            <a:r>
-              <a:rPr lang="en-GB" baseline="0" dirty="0" err="1" smtClean="0"/>
-              <a:t>Riak</a:t>
-            </a:r>
-            <a:r>
-              <a:rPr lang="en-GB" baseline="0" dirty="0" smtClean="0"/>
-              <a:t> in the most detail, as it is the clearest example of an AP system and the key trade-offs made.</a:t>
-            </a:r>
-          </a:p>
-          <a:p>
-            <a:r>
-              <a:rPr lang="en-GB" baseline="0" dirty="0" smtClean="0"/>
-              <a:t>For Cassandra will simply highlight the differences, which are mainly around having a more detailed &amp; expressive data model which parallels relational/ SQL to some (limited!) extent.</a:t>
-            </a:r>
-          </a:p>
-          <a:p>
-            <a:endParaRPr lang="en-GB" baseline="0" dirty="0" smtClean="0"/>
-          </a:p>
-          <a:p>
-            <a:r>
-              <a:rPr lang="en-GB" baseline="0" dirty="0" smtClean="0"/>
-              <a:t>http://docs.basho.com/riak/1.1.0/references/appendices/comparisons/Riak-Compared-to-Cassandra/</a:t>
-            </a:r>
-          </a:p>
-          <a:p>
-            <a:endParaRPr lang="en-GB" baseline="0" dirty="0" smtClean="0"/>
-          </a:p>
-          <a:p>
-            <a:r>
-              <a:rPr lang="en-GB" baseline="0" dirty="0" smtClean="0"/>
-              <a:t>Please note that this is by no means a complete overview of AP systems and there may be other ways to implements, but these are representative and widely used examples!</a:t>
-            </a:r>
+              <a:t>http://docs.basho.com/riak/latest/dev/advanced/cap-controls/</a:t>
+            </a:r>
+          </a:p>
+          <a:p>
+            <a:r>
+              <a:rPr lang="en-GB" dirty="0" smtClean="0"/>
+              <a:t>http://docs.basho.com/riak/1.1.0/references/appendices/concepts/Eventual-Consistency/</a:t>
+            </a:r>
+            <a:endParaRPr lang="en-GB" dirty="0"/>
           </a:p>
         </p:txBody>
       </p:sp>
@@ -2855,7 +2753,7 @@
     </p:spTree>
     <p:extLst>
       <p:ext uri="{BB962C8B-B14F-4D97-AF65-F5344CB8AC3E}">
-        <p14:creationId xmlns:p14="http://schemas.microsoft.com/office/powerpoint/2010/main" val="3766499604"/>
+        <p14:creationId xmlns:p14="http://schemas.microsoft.com/office/powerpoint/2010/main" val="1271775330"/>
       </p:ext>
     </p:extLst>
   </p:cSld>
@@ -2909,30 +2807,6 @@
           <a:bodyPr/>
           <a:lstStyle/>
           <a:p>
-            <a:r>
-              <a:rPr lang="en-GB" dirty="0" smtClean="0"/>
-              <a:t>This is a model for data and load distribution that is shared</a:t>
-            </a:r>
-            <a:r>
-              <a:rPr lang="en-GB" baseline="0" dirty="0" smtClean="0"/>
-              <a:t> by </a:t>
-            </a:r>
-            <a:r>
-              <a:rPr lang="en-GB" baseline="0" dirty="0" err="1" smtClean="0"/>
-              <a:t>Riak</a:t>
-            </a:r>
-            <a:r>
-              <a:rPr lang="en-GB" baseline="0" dirty="0" smtClean="0"/>
-              <a:t> and Cassandra (diagram is from Basho (</a:t>
-            </a:r>
-            <a:r>
-              <a:rPr lang="en-GB" baseline="0" dirty="0" err="1" smtClean="0"/>
-              <a:t>Riak</a:t>
-            </a:r>
-            <a:r>
-              <a:rPr lang="en-GB" baseline="0" dirty="0" smtClean="0"/>
-              <a:t>) website – but same principle), and has a deep impact on how they store, manage and retrieve data.</a:t>
-            </a:r>
             <a:endParaRPr lang="en-GB" dirty="0"/>
           </a:p>
         </p:txBody>
@@ -2954,7 +2828,7 @@
           <a:p>
             <a:fld id="{B88E1A96-A68C-4ED7-8535-7FE27C72D2F0}" type="slidenum">
               <a:rPr lang="en-GB" smtClean="0"/>
-              <a:t>36</a:t>
+              <a:t>37</a:t>
             </a:fld>
             <a:endParaRPr lang="en-GB"/>
           </a:p>
@@ -2963,7 +2837,7 @@
     </p:spTree>
     <p:extLst>
       <p:ext uri="{BB962C8B-B14F-4D97-AF65-F5344CB8AC3E}">
-        <p14:creationId xmlns:p14="http://schemas.microsoft.com/office/powerpoint/2010/main" val="3197546564"/>
+        <p14:creationId xmlns:p14="http://schemas.microsoft.com/office/powerpoint/2010/main" val="2821679136"/>
       </p:ext>
     </p:extLst>
   </p:cSld>
@@ -3017,16 +2891,6 @@
           <a:bodyPr/>
           <a:lstStyle/>
           <a:p>
-            <a:r>
-              <a:rPr lang="en-GB" dirty="0" smtClean="0"/>
-              <a:t>http://docs.basho.com/riak/latest/dev/advanced/cap-controls/</a:t>
-            </a:r>
-          </a:p>
-          <a:p>
-            <a:r>
-              <a:rPr lang="en-GB" dirty="0" smtClean="0"/>
-              <a:t>http://docs.basho.com/riak/1.1.0/references/appendices/concepts/Eventual-Consistency/</a:t>
-            </a:r>
             <a:endParaRPr lang="en-GB" dirty="0"/>
           </a:p>
         </p:txBody>
@@ -3048,7 +2912,7 @@
           <a:p>
             <a:fld id="{B88E1A96-A68C-4ED7-8535-7FE27C72D2F0}" type="slidenum">
               <a:rPr lang="en-GB" smtClean="0"/>
-              <a:t>37</a:t>
+              <a:t>43</a:t>
             </a:fld>
             <a:endParaRPr lang="en-GB"/>
           </a:p>
@@ -3057,7 +2921,7 @@
     </p:spTree>
     <p:extLst>
       <p:ext uri="{BB962C8B-B14F-4D97-AF65-F5344CB8AC3E}">
-        <p14:creationId xmlns:p14="http://schemas.microsoft.com/office/powerpoint/2010/main" val="1271775330"/>
+        <p14:creationId xmlns:p14="http://schemas.microsoft.com/office/powerpoint/2010/main" val="2245795352"/>
       </p:ext>
     </p:extLst>
   </p:cSld>
@@ -3216,7 +3080,7 @@
           <a:p>
             <a:fld id="{B88E1A96-A68C-4ED7-8535-7FE27C72D2F0}" type="slidenum">
               <a:rPr lang="en-GB" smtClean="0"/>
-              <a:t>39</a:t>
+              <a:t>46</a:t>
             </a:fld>
             <a:endParaRPr lang="en-GB"/>
           </a:p>
@@ -3225,7 +3089,7 @@
     </p:spTree>
     <p:extLst>
       <p:ext uri="{BB962C8B-B14F-4D97-AF65-F5344CB8AC3E}">
-        <p14:creationId xmlns:p14="http://schemas.microsoft.com/office/powerpoint/2010/main" val="2821679136"/>
+        <p14:creationId xmlns:p14="http://schemas.microsoft.com/office/powerpoint/2010/main" val="2539703771"/>
       </p:ext>
     </p:extLst>
   </p:cSld>
@@ -3279,6 +3143,44 @@
           <a:bodyPr/>
           <a:lstStyle/>
           <a:p>
+            <a:r>
+              <a:rPr lang="en-GB" dirty="0" smtClean="0"/>
+              <a:t>Similar to relational databases, graph</a:t>
+            </a:r>
+            <a:r>
+              <a:rPr lang="en-GB" baseline="0" dirty="0" smtClean="0"/>
+              <a:t> databases are implemented based on mathematical theory.  In this case – graph theory, dating back as far as the work of Leonhard Euler in the 18</a:t>
+            </a:r>
+            <a:r>
+              <a:rPr lang="en-GB" baseline="30000" dirty="0" smtClean="0"/>
+              <a:t>th</a:t>
+            </a:r>
+            <a:r>
+              <a:rPr lang="en-GB" baseline="0" dirty="0" smtClean="0"/>
+              <a:t> century.</a:t>
+            </a:r>
+          </a:p>
+          <a:p>
+            <a:r>
+              <a:rPr lang="en-GB" baseline="0" dirty="0" smtClean="0"/>
+              <a:t>They also have some other similarities with relational which mean that although they are often categorised as “NoSQL”, in some ways they are more similar to SQL Server than systems such as </a:t>
+            </a:r>
+            <a:r>
+              <a:rPr lang="en-GB" baseline="0" dirty="0" err="1" smtClean="0"/>
+              <a:t>Riak</a:t>
+            </a:r>
+            <a:r>
+              <a:rPr lang="en-GB" baseline="0" dirty="0" smtClean="0"/>
+              <a:t>, Cassandra or even </a:t>
+            </a:r>
+            <a:r>
+              <a:rPr lang="en-GB" baseline="0" dirty="0" err="1" smtClean="0"/>
+              <a:t>MongoDB</a:t>
+            </a:r>
+            <a:r>
+              <a:rPr lang="en-GB" baseline="0" dirty="0" smtClean="0"/>
+              <a:t>.</a:t>
+            </a:r>
             <a:endParaRPr lang="en-GB" dirty="0"/>
           </a:p>
         </p:txBody>
@@ -3300,7 +3202,7 @@
           <a:p>
             <a:fld id="{B88E1A96-A68C-4ED7-8535-7FE27C72D2F0}" type="slidenum">
               <a:rPr lang="en-GB" smtClean="0"/>
-              <a:t>40</a:t>
+              <a:t>49</a:t>
             </a:fld>
             <a:endParaRPr lang="en-GB"/>
           </a:p>
@@ -3309,7 +3211,7 @@
     </p:spTree>
     <p:extLst>
       <p:ext uri="{BB962C8B-B14F-4D97-AF65-F5344CB8AC3E}">
-        <p14:creationId xmlns:p14="http://schemas.microsoft.com/office/powerpoint/2010/main" val="1271775330"/>
+        <p14:creationId xmlns:p14="http://schemas.microsoft.com/office/powerpoint/2010/main" val="2615470488"/>
       </p:ext>
     </p:extLst>
   </p:cSld>
@@ -3363,6 +3265,18 @@
           <a:bodyPr/>
           <a:lstStyle/>
           <a:p>
+            <a:r>
+              <a:rPr lang="en-GB" dirty="0" smtClean="0"/>
+              <a:t>The</a:t>
+            </a:r>
+            <a:r>
+              <a:rPr lang="en-GB" baseline="0" dirty="0" smtClean="0"/>
+              <a:t> best way to understand the basics of Neo4j is by example – so. l</a:t>
+            </a:r>
+            <a:r>
+              <a:rPr lang="en-GB" dirty="0" smtClean="0"/>
+              <a:t>et’s go straight to a demo</a:t>
+            </a:r>
             <a:endParaRPr lang="en-GB" dirty="0"/>
           </a:p>
         </p:txBody>
@@ -3384,7 +3298,7 @@
           <a:p>
             <a:fld id="{B88E1A96-A68C-4ED7-8535-7FE27C72D2F0}" type="slidenum">
               <a:rPr lang="en-GB" smtClean="0"/>
-              <a:t>41</a:t>
+              <a:t>50</a:t>
             </a:fld>
             <a:endParaRPr lang="en-GB"/>
           </a:p>
@@ -3393,7 +3307,7 @@
     </p:spTree>
     <p:extLst>
       <p:ext uri="{BB962C8B-B14F-4D97-AF65-F5344CB8AC3E}">
-        <p14:creationId xmlns:p14="http://schemas.microsoft.com/office/powerpoint/2010/main" val="2821679136"/>
+        <p14:creationId xmlns:p14="http://schemas.microsoft.com/office/powerpoint/2010/main" val="2121811877"/>
       </p:ext>
     </p:extLst>
   </p:cSld>
@@ -3447,6 +3361,18 @@
           <a:bodyPr/>
           <a:lstStyle/>
           <a:p>
+            <a:r>
+              <a:rPr lang="en-GB" dirty="0" smtClean="0"/>
+              <a:t>The</a:t>
+            </a:r>
+            <a:r>
+              <a:rPr lang="en-GB" baseline="0" dirty="0" smtClean="0"/>
+              <a:t> best way to understand the basics of Neo4j is by example – so. l</a:t>
+            </a:r>
+            <a:r>
+              <a:rPr lang="en-GB" dirty="0" smtClean="0"/>
+              <a:t>et’s go straight to a demo</a:t>
+            </a:r>
             <a:endParaRPr lang="en-GB" dirty="0"/>
           </a:p>
         </p:txBody>
@@ -3468,7 +3394,7 @@
           <a:p>
             <a:fld id="{B88E1A96-A68C-4ED7-8535-7FE27C72D2F0}" type="slidenum">
               <a:rPr lang="en-GB" smtClean="0"/>
-              <a:t>42</a:t>
+              <a:t>51</a:t>
             </a:fld>
             <a:endParaRPr lang="en-GB"/>
           </a:p>
@@ -3477,7 +3403,7 @@
     </p:spTree>
     <p:extLst>
       <p:ext uri="{BB962C8B-B14F-4D97-AF65-F5344CB8AC3E}">
-        <p14:creationId xmlns:p14="http://schemas.microsoft.com/office/powerpoint/2010/main" val="1271775330"/>
+        <p14:creationId xmlns:p14="http://schemas.microsoft.com/office/powerpoint/2010/main" val="2121811877"/>
       </p:ext>
     </p:extLst>
   </p:cSld>
@@ -3552,7 +3478,7 @@
           <a:p>
             <a:fld id="{B88E1A96-A68C-4ED7-8535-7FE27C72D2F0}" type="slidenum">
               <a:rPr lang="en-GB" smtClean="0"/>
-              <a:t>43</a:t>
+              <a:t>52</a:t>
             </a:fld>
             <a:endParaRPr lang="en-GB"/>
           </a:p>
@@ -3561,7 +3487,7 @@
     </p:spTree>
     <p:extLst>
       <p:ext uri="{BB962C8B-B14F-4D97-AF65-F5344CB8AC3E}">
-        <p14:creationId xmlns:p14="http://schemas.microsoft.com/office/powerpoint/2010/main" val="2245795352"/>
+        <p14:creationId xmlns:p14="http://schemas.microsoft.com/office/powerpoint/2010/main" val="2121811877"/>
       </p:ext>
     </p:extLst>
   </p:cSld>
@@ -3636,7 +3562,7 @@
           <a:p>
             <a:fld id="{B88E1A96-A68C-4ED7-8535-7FE27C72D2F0}" type="slidenum">
               <a:rPr lang="en-GB" smtClean="0"/>
-              <a:t>46</a:t>
+              <a:t>53</a:t>
             </a:fld>
             <a:endParaRPr lang="en-GB"/>
           </a:p>
@@ -3645,7 +3571,7 @@
     </p:spTree>
     <p:extLst>
       <p:ext uri="{BB962C8B-B14F-4D97-AF65-F5344CB8AC3E}">
-        <p14:creationId xmlns:p14="http://schemas.microsoft.com/office/powerpoint/2010/main" val="2539703771"/>
+        <p14:creationId xmlns:p14="http://schemas.microsoft.com/office/powerpoint/2010/main" val="2821679136"/>
       </p:ext>
     </p:extLst>
   </p:cSld>
@@ -3701,41 +3627,88 @@
           <a:p>
             <a:r>
               <a:rPr lang="en-GB" dirty="0" smtClean="0"/>
-              <a:t>Similar to relational databases, graph</a:t>
-            </a:r>
-            <a:r>
-              <a:rPr lang="en-GB" baseline="0" dirty="0" smtClean="0"/>
-              <a:t> databases are implemented based on mathematical theory.  In this case – graph theory, dating back as far as the work of Leonhard Euler in the 18</a:t>
-            </a:r>
-            <a:r>
-              <a:rPr lang="en-GB" baseline="30000" dirty="0" smtClean="0"/>
-              <a:t>th</a:t>
-            </a:r>
-            <a:r>
-              <a:rPr lang="en-GB" baseline="0" dirty="0" smtClean="0"/>
-              <a:t> century.</a:t>
-            </a:r>
-          </a:p>
-          <a:p>
-            <a:r>
-              <a:rPr lang="en-GB" baseline="0" dirty="0" smtClean="0"/>
-              <a:t>They also have some other similarities with relational which mean that although they are often categorised as “NoSQL”, in some ways they are more similar to SQL Server than systems such as </a:t>
-            </a:r>
-            <a:r>
-              <a:rPr lang="en-GB" baseline="0" dirty="0" err="1" smtClean="0"/>
-              <a:t>Riak</a:t>
-            </a:r>
-            <a:r>
-              <a:rPr lang="en-GB" baseline="0" dirty="0" smtClean="0"/>
-              <a:t>, Cassandra or even </a:t>
-            </a:r>
-            <a:r>
-              <a:rPr lang="en-GB" baseline="0" dirty="0" err="1" smtClean="0"/>
-              <a:t>MongoDB</a:t>
-            </a:r>
-            <a:r>
-              <a:rPr lang="en-GB" baseline="0" dirty="0" smtClean="0"/>
-              <a:t>.</a:t>
+              <a:t>From High Scalability:</a:t>
+            </a:r>
+          </a:p>
+          <a:p>
+            <a:r>
+              <a:rPr lang="en-GB" sz="1200" b="0" i="0" kern="1200" dirty="0" smtClean="0">
+                <a:solidFill>
+                  <a:schemeClr val="tx1"/>
+                </a:solidFill>
+                <a:effectLst/>
+                <a:latin typeface="+mn-lt"/>
+                <a:ea typeface="+mn-ea"/>
+                <a:cs typeface="+mn-cs"/>
+              </a:rPr>
+              <a:t>“For the checkout process you always want to </a:t>
+            </a:r>
+            <a:r>
+              <a:rPr lang="en-GB" sz="1200" b="0" i="0" kern="1200" dirty="0" err="1" smtClean="0">
+                <a:solidFill>
+                  <a:schemeClr val="tx1"/>
+                </a:solidFill>
+                <a:effectLst/>
+                <a:latin typeface="+mn-lt"/>
+                <a:ea typeface="+mn-ea"/>
+                <a:cs typeface="+mn-cs"/>
+              </a:rPr>
+              <a:t>honor</a:t>
+            </a:r>
+            <a:r>
+              <a:rPr lang="en-GB" sz="1200" b="0" i="0" kern="1200" dirty="0" smtClean="0">
+                <a:solidFill>
+                  <a:schemeClr val="tx1"/>
+                </a:solidFill>
+                <a:effectLst/>
+                <a:latin typeface="+mn-lt"/>
+                <a:ea typeface="+mn-ea"/>
+                <a:cs typeface="+mn-cs"/>
+              </a:rPr>
+              <a:t> requests to add items to a shopping cart because it's revenue producing. In this case you choose high availability. Errors are hidden from the customer and sorted out later.” </a:t>
+            </a:r>
+            <a:r>
+              <a:rPr lang="en-GB" dirty="0" smtClean="0"/>
+              <a:t/>
+            </a:r>
+            <a:br>
+              <a:rPr lang="en-GB" dirty="0" smtClean="0"/>
+            </a:br>
+            <a:r>
+              <a:rPr lang="en-GB" sz="1200" b="0" i="0" kern="1200" dirty="0" smtClean="0">
+                <a:solidFill>
+                  <a:schemeClr val="tx1"/>
+                </a:solidFill>
+                <a:effectLst/>
+                <a:latin typeface="+mn-lt"/>
+                <a:ea typeface="+mn-ea"/>
+                <a:cs typeface="+mn-cs"/>
+              </a:rPr>
+              <a:t>“When a customer submits an order you </a:t>
+            </a:r>
+            <a:r>
+              <a:rPr lang="en-GB" sz="1200" b="0" i="0" kern="1200" dirty="0" err="1" smtClean="0">
+                <a:solidFill>
+                  <a:schemeClr val="tx1"/>
+                </a:solidFill>
+                <a:effectLst/>
+                <a:latin typeface="+mn-lt"/>
+                <a:ea typeface="+mn-ea"/>
+                <a:cs typeface="+mn-cs"/>
+              </a:rPr>
+              <a:t>favor</a:t>
+            </a:r>
+            <a:r>
+              <a:rPr lang="en-GB" sz="1200" b="0" i="0" kern="1200" dirty="0" smtClean="0">
+                <a:solidFill>
+                  <a:schemeClr val="tx1"/>
+                </a:solidFill>
+                <a:effectLst/>
+                <a:latin typeface="+mn-lt"/>
+                <a:ea typeface="+mn-ea"/>
+                <a:cs typeface="+mn-cs"/>
+              </a:rPr>
+              <a:t> consistency because several services--credit card processing, shipping and handling, reporting--are simultaneously accessing the data.”</a:t>
             </a:r>
             <a:endParaRPr lang="en-GB" dirty="0"/>
           </a:p>
@@ -3758,7 +3731,7 @@
           <a:p>
             <a:fld id="{B88E1A96-A68C-4ED7-8535-7FE27C72D2F0}" type="slidenum">
               <a:rPr lang="en-GB" smtClean="0"/>
-              <a:t>49</a:t>
+              <a:t>55</a:t>
             </a:fld>
             <a:endParaRPr lang="en-GB"/>
           </a:p>
@@ -3767,7 +3740,7 @@
     </p:spTree>
     <p:extLst>
       <p:ext uri="{BB962C8B-B14F-4D97-AF65-F5344CB8AC3E}">
-        <p14:creationId xmlns:p14="http://schemas.microsoft.com/office/powerpoint/2010/main" val="2615470488"/>
+        <p14:creationId xmlns:p14="http://schemas.microsoft.com/office/powerpoint/2010/main" val="2921631859"/>
       </p:ext>
     </p:extLst>
   </p:cSld>
@@ -3821,17 +3794,41 @@
           <a:bodyPr/>
           <a:lstStyle/>
           <a:p>
+            <a:endParaRPr lang="en-GB" dirty="0" smtClean="0"/>
+          </a:p>
+          <a:p>
             <a:r>
               <a:rPr lang="en-GB" dirty="0" smtClean="0"/>
-              <a:t>The</a:t>
+              <a:t>Event Stores ….</a:t>
+            </a:r>
+          </a:p>
+          <a:p>
+            <a:endParaRPr lang="en-GB" dirty="0" smtClean="0"/>
+          </a:p>
+          <a:p>
+            <a:r>
+              <a:rPr lang="en-GB" dirty="0" smtClean="0"/>
+              <a:t>Quick</a:t>
             </a:r>
             <a:r>
               <a:rPr lang="en-GB" baseline="0" dirty="0" smtClean="0"/>
-              <a:t> best way to understand the basics of Neo4j is by example – so. l</a:t>
-            </a:r>
-            <a:r>
-              <a:rPr lang="en-GB" dirty="0" smtClean="0"/>
-              <a:t>et’s go straight to a demo</a:t>
+              <a:t> note – </a:t>
+            </a:r>
+            <a:r>
+              <a:rPr lang="en-GB" baseline="0" dirty="0" err="1" smtClean="0"/>
+              <a:t>commutativity</a:t>
+            </a:r>
+            <a:r>
+              <a:rPr lang="en-GB" baseline="0" dirty="0" smtClean="0"/>
+              <a:t> is a really interesting approach to having AP systems without major consistency concerns, as we don’t need to worry about overall order of operations (</a:t>
+            </a:r>
+            <a:r>
+              <a:rPr lang="en-GB" baseline="0" dirty="0" err="1" smtClean="0"/>
+              <a:t>serialisability</a:t>
+            </a:r>
+            <a:r>
+              <a:rPr lang="en-GB" baseline="0" dirty="0" smtClean="0"/>
+              <a:t>) it makes “eventual consistency” more achievable and reliable.  There are obviously some considerations around how this is implemented and when it’s a practicable approach, but for example Commutative Replicated Data Types are another way to apply it, more details (e.g.) here: http://highscalability.com/blog/2010/12/23/paper-crdts-consistency-without-concurrency-control.html</a:t>
             </a:r>
             <a:endParaRPr lang="en-GB" dirty="0"/>
           </a:p>
@@ -3854,7 +3851,7 @@
           <a:p>
             <a:fld id="{B88E1A96-A68C-4ED7-8535-7FE27C72D2F0}" type="slidenum">
               <a:rPr lang="en-GB" smtClean="0"/>
-              <a:t>50</a:t>
+              <a:t>57</a:t>
             </a:fld>
             <a:endParaRPr lang="en-GB"/>
           </a:p>
@@ -3863,187 +3860,7 @@
     </p:spTree>
     <p:extLst>
       <p:ext uri="{BB962C8B-B14F-4D97-AF65-F5344CB8AC3E}">
-        <p14:creationId xmlns:p14="http://schemas.microsoft.com/office/powerpoint/2010/main" val="2121811877"/>
-      </p:ext>
-    </p:extLst>
-  </p:cSld>
-  <p:clrMapOvr>
-    <a:masterClrMapping/>
-  </p:clrMapOvr>
-</p:notes>
-</file>
-
-<file path=ppt/notesSlides/notesSlide38.xml><?xml version="1.0" encoding="utf-8"?>
-<p:notes xmlns:a="http://schemas.openxmlformats.org/drawingml/2006/main" xmlns:r="http://schemas.openxmlformats.org/officeDocument/2006/relationships" xmlns:p="http://schemas.openxmlformats.org/presentationml/2006/main">
-  <p:cSld>
-    <p:spTree>
-      <p:nvGrpSpPr>
-        <p:cNvPr id="1" name=""/>
-        <p:cNvGrpSpPr/>
-        <p:nvPr/>
-      </p:nvGrpSpPr>
-      <p:grpSpPr>
-        <a:xfrm>
-          <a:off x="0" y="0"/>
-          <a:ext cx="0" cy="0"/>
-          <a:chOff x="0" y="0"/>
-          <a:chExt cx="0" cy="0"/>
-        </a:xfrm>
-      </p:grpSpPr>
-      <p:sp>
-        <p:nvSpPr>
-          <p:cNvPr id="2" name="Slide Image Placeholder 1"/>
-          <p:cNvSpPr>
-            <a:spLocks noGrp="1" noRot="1" noChangeAspect="1"/>
-          </p:cNvSpPr>
-          <p:nvPr>
-            <p:ph type="sldImg"/>
-          </p:nvPr>
-        </p:nvSpPr>
-        <p:spPr/>
-      </p:sp>
-      <p:sp>
-        <p:nvSpPr>
-          <p:cNvPr id="3" name="Notes Placeholder 2"/>
-          <p:cNvSpPr>
-            <a:spLocks noGrp="1"/>
-          </p:cNvSpPr>
-          <p:nvPr>
-            <p:ph type="body" idx="1"/>
-          </p:nvPr>
-        </p:nvSpPr>
-        <p:spPr/>
-        <p:txBody>
-          <a:bodyPr/>
-          <a:lstStyle/>
-          <a:p>
-            <a:r>
-              <a:rPr lang="en-GB" dirty="0" smtClean="0"/>
-              <a:t>The</a:t>
-            </a:r>
-            <a:r>
-              <a:rPr lang="en-GB" baseline="0" dirty="0" smtClean="0"/>
-              <a:t> best way to understand the basics of Neo4j is by example – so. l</a:t>
-            </a:r>
-            <a:r>
-              <a:rPr lang="en-GB" dirty="0" smtClean="0"/>
-              <a:t>et’s go straight to a demo</a:t>
-            </a:r>
-            <a:endParaRPr lang="en-GB" dirty="0"/>
-          </a:p>
-        </p:txBody>
-      </p:sp>
-      <p:sp>
-        <p:nvSpPr>
-          <p:cNvPr id="4" name="Slide Number Placeholder 3"/>
-          <p:cNvSpPr>
-            <a:spLocks noGrp="1"/>
-          </p:cNvSpPr>
-          <p:nvPr>
-            <p:ph type="sldNum" sz="quarter" idx="10"/>
-          </p:nvPr>
-        </p:nvSpPr>
-        <p:spPr/>
-        <p:txBody>
-          <a:bodyPr/>
-          <a:lstStyle/>
-          <a:p>
-            <a:fld id="{B88E1A96-A68C-4ED7-8535-7FE27C72D2F0}" type="slidenum">
-              <a:rPr lang="en-GB" smtClean="0"/>
-              <a:t>51</a:t>
-            </a:fld>
-            <a:endParaRPr lang="en-GB"/>
-          </a:p>
-        </p:txBody>
-      </p:sp>
-    </p:spTree>
-    <p:extLst>
-      <p:ext uri="{BB962C8B-B14F-4D97-AF65-F5344CB8AC3E}">
-        <p14:creationId xmlns:p14="http://schemas.microsoft.com/office/powerpoint/2010/main" val="2121811877"/>
-      </p:ext>
-    </p:extLst>
-  </p:cSld>
-  <p:clrMapOvr>
-    <a:masterClrMapping/>
-  </p:clrMapOvr>
-</p:notes>
-</file>
-
-<file path=ppt/notesSlides/notesSlide39.xml><?xml version="1.0" encoding="utf-8"?>
-<p:notes xmlns:a="http://schemas.openxmlformats.org/drawingml/2006/main" xmlns:r="http://schemas.openxmlformats.org/officeDocument/2006/relationships" xmlns:p="http://schemas.openxmlformats.org/presentationml/2006/main">
-  <p:cSld>
-    <p:spTree>
-      <p:nvGrpSpPr>
-        <p:cNvPr id="1" name=""/>
-        <p:cNvGrpSpPr/>
-        <p:nvPr/>
-      </p:nvGrpSpPr>
-      <p:grpSpPr>
-        <a:xfrm>
-          <a:off x="0" y="0"/>
-          <a:ext cx="0" cy="0"/>
-          <a:chOff x="0" y="0"/>
-          <a:chExt cx="0" cy="0"/>
-        </a:xfrm>
-      </p:grpSpPr>
-      <p:sp>
-        <p:nvSpPr>
-          <p:cNvPr id="2" name="Slide Image Placeholder 1"/>
-          <p:cNvSpPr>
-            <a:spLocks noGrp="1" noRot="1" noChangeAspect="1"/>
-          </p:cNvSpPr>
-          <p:nvPr>
-            <p:ph type="sldImg"/>
-          </p:nvPr>
-        </p:nvSpPr>
-        <p:spPr/>
-      </p:sp>
-      <p:sp>
-        <p:nvSpPr>
-          <p:cNvPr id="3" name="Notes Placeholder 2"/>
-          <p:cNvSpPr>
-            <a:spLocks noGrp="1"/>
-          </p:cNvSpPr>
-          <p:nvPr>
-            <p:ph type="body" idx="1"/>
-          </p:nvPr>
-        </p:nvSpPr>
-        <p:spPr/>
-        <p:txBody>
-          <a:bodyPr/>
-          <a:lstStyle/>
-          <a:p>
-            <a:endParaRPr lang="en-GB" dirty="0"/>
-          </a:p>
-        </p:txBody>
-      </p:sp>
-      <p:sp>
-        <p:nvSpPr>
-          <p:cNvPr id="4" name="Slide Number Placeholder 3"/>
-          <p:cNvSpPr>
-            <a:spLocks noGrp="1"/>
-          </p:cNvSpPr>
-          <p:nvPr>
-            <p:ph type="sldNum" sz="quarter" idx="10"/>
-          </p:nvPr>
-        </p:nvSpPr>
-        <p:spPr/>
-        <p:txBody>
-          <a:bodyPr/>
-          <a:lstStyle/>
-          <a:p>
-            <a:fld id="{B88E1A96-A68C-4ED7-8535-7FE27C72D2F0}" type="slidenum">
-              <a:rPr lang="en-GB" smtClean="0"/>
-              <a:t>52</a:t>
-            </a:fld>
-            <a:endParaRPr lang="en-GB"/>
-          </a:p>
-        </p:txBody>
-      </p:sp>
-    </p:spTree>
-    <p:extLst>
-      <p:ext uri="{BB962C8B-B14F-4D97-AF65-F5344CB8AC3E}">
-        <p14:creationId xmlns:p14="http://schemas.microsoft.com/office/powerpoint/2010/main" val="2121811877"/>
+        <p14:creationId xmlns:p14="http://schemas.microsoft.com/office/powerpoint/2010/main" val="1134499593"/>
       </p:ext>
     </p:extLst>
   </p:cSld>
@@ -4128,379 +3945,6 @@
     <p:extLst>
       <p:ext uri="{BB962C8B-B14F-4D97-AF65-F5344CB8AC3E}">
         <p14:creationId xmlns:p14="http://schemas.microsoft.com/office/powerpoint/2010/main" val="656695592"/>
-      </p:ext>
-    </p:extLst>
-  </p:cSld>
-  <p:clrMapOvr>
-    <a:masterClrMapping/>
-  </p:clrMapOvr>
-</p:notes>
-</file>
-
-<file path=ppt/notesSlides/notesSlide40.xml><?xml version="1.0" encoding="utf-8"?>
-<p:notes xmlns:a="http://schemas.openxmlformats.org/drawingml/2006/main" xmlns:r="http://schemas.openxmlformats.org/officeDocument/2006/relationships" xmlns:p="http://schemas.openxmlformats.org/presentationml/2006/main">
-  <p:cSld>
-    <p:spTree>
-      <p:nvGrpSpPr>
-        <p:cNvPr id="1" name=""/>
-        <p:cNvGrpSpPr/>
-        <p:nvPr/>
-      </p:nvGrpSpPr>
-      <p:grpSpPr>
-        <a:xfrm>
-          <a:off x="0" y="0"/>
-          <a:ext cx="0" cy="0"/>
-          <a:chOff x="0" y="0"/>
-          <a:chExt cx="0" cy="0"/>
-        </a:xfrm>
-      </p:grpSpPr>
-      <p:sp>
-        <p:nvSpPr>
-          <p:cNvPr id="2" name="Slide Image Placeholder 1"/>
-          <p:cNvSpPr>
-            <a:spLocks noGrp="1" noRot="1" noChangeAspect="1"/>
-          </p:cNvSpPr>
-          <p:nvPr>
-            <p:ph type="sldImg"/>
-          </p:nvPr>
-        </p:nvSpPr>
-        <p:spPr/>
-      </p:sp>
-      <p:sp>
-        <p:nvSpPr>
-          <p:cNvPr id="3" name="Notes Placeholder 2"/>
-          <p:cNvSpPr>
-            <a:spLocks noGrp="1"/>
-          </p:cNvSpPr>
-          <p:nvPr>
-            <p:ph type="body" idx="1"/>
-          </p:nvPr>
-        </p:nvSpPr>
-        <p:spPr/>
-        <p:txBody>
-          <a:bodyPr/>
-          <a:lstStyle/>
-          <a:p>
-            <a:endParaRPr lang="en-GB" dirty="0"/>
-          </a:p>
-        </p:txBody>
-      </p:sp>
-      <p:sp>
-        <p:nvSpPr>
-          <p:cNvPr id="4" name="Slide Number Placeholder 3"/>
-          <p:cNvSpPr>
-            <a:spLocks noGrp="1"/>
-          </p:cNvSpPr>
-          <p:nvPr>
-            <p:ph type="sldNum" sz="quarter" idx="10"/>
-          </p:nvPr>
-        </p:nvSpPr>
-        <p:spPr/>
-        <p:txBody>
-          <a:bodyPr/>
-          <a:lstStyle/>
-          <a:p>
-            <a:fld id="{B88E1A96-A68C-4ED7-8535-7FE27C72D2F0}" type="slidenum">
-              <a:rPr lang="en-GB" smtClean="0"/>
-              <a:t>53</a:t>
-            </a:fld>
-            <a:endParaRPr lang="en-GB"/>
-          </a:p>
-        </p:txBody>
-      </p:sp>
-    </p:spTree>
-    <p:extLst>
-      <p:ext uri="{BB962C8B-B14F-4D97-AF65-F5344CB8AC3E}">
-        <p14:creationId xmlns:p14="http://schemas.microsoft.com/office/powerpoint/2010/main" val="2821679136"/>
-      </p:ext>
-    </p:extLst>
-  </p:cSld>
-  <p:clrMapOvr>
-    <a:masterClrMapping/>
-  </p:clrMapOvr>
-</p:notes>
-</file>
-
-<file path=ppt/notesSlides/notesSlide41.xml><?xml version="1.0" encoding="utf-8"?>
-<p:notes xmlns:a="http://schemas.openxmlformats.org/drawingml/2006/main" xmlns:r="http://schemas.openxmlformats.org/officeDocument/2006/relationships" xmlns:p="http://schemas.openxmlformats.org/presentationml/2006/main">
-  <p:cSld>
-    <p:spTree>
-      <p:nvGrpSpPr>
-        <p:cNvPr id="1" name=""/>
-        <p:cNvGrpSpPr/>
-        <p:nvPr/>
-      </p:nvGrpSpPr>
-      <p:grpSpPr>
-        <a:xfrm>
-          <a:off x="0" y="0"/>
-          <a:ext cx="0" cy="0"/>
-          <a:chOff x="0" y="0"/>
-          <a:chExt cx="0" cy="0"/>
-        </a:xfrm>
-      </p:grpSpPr>
-      <p:sp>
-        <p:nvSpPr>
-          <p:cNvPr id="2" name="Slide Image Placeholder 1"/>
-          <p:cNvSpPr>
-            <a:spLocks noGrp="1" noRot="1" noChangeAspect="1"/>
-          </p:cNvSpPr>
-          <p:nvPr>
-            <p:ph type="sldImg"/>
-          </p:nvPr>
-        </p:nvSpPr>
-        <p:spPr/>
-      </p:sp>
-      <p:sp>
-        <p:nvSpPr>
-          <p:cNvPr id="3" name="Notes Placeholder 2"/>
-          <p:cNvSpPr>
-            <a:spLocks noGrp="1"/>
-          </p:cNvSpPr>
-          <p:nvPr>
-            <p:ph type="body" idx="1"/>
-          </p:nvPr>
-        </p:nvSpPr>
-        <p:spPr/>
-        <p:txBody>
-          <a:bodyPr/>
-          <a:lstStyle/>
-          <a:p>
-            <a:r>
-              <a:rPr lang="en-GB" dirty="0" smtClean="0"/>
-              <a:t>From High Scalability:</a:t>
-            </a:r>
-          </a:p>
-          <a:p>
-            <a:r>
-              <a:rPr lang="en-GB" sz="1200" b="0" i="0" kern="1200" dirty="0" smtClean="0">
-                <a:solidFill>
-                  <a:schemeClr val="tx1"/>
-                </a:solidFill>
-                <a:effectLst/>
-                <a:latin typeface="+mn-lt"/>
-                <a:ea typeface="+mn-ea"/>
-                <a:cs typeface="+mn-cs"/>
-              </a:rPr>
-              <a:t>“For the checkout process you always want to </a:t>
-            </a:r>
-            <a:r>
-              <a:rPr lang="en-GB" sz="1200" b="0" i="0" kern="1200" dirty="0" err="1" smtClean="0">
-                <a:solidFill>
-                  <a:schemeClr val="tx1"/>
-                </a:solidFill>
-                <a:effectLst/>
-                <a:latin typeface="+mn-lt"/>
-                <a:ea typeface="+mn-ea"/>
-                <a:cs typeface="+mn-cs"/>
-              </a:rPr>
-              <a:t>honor</a:t>
-            </a:r>
-            <a:r>
-              <a:rPr lang="en-GB" sz="1200" b="0" i="0" kern="1200" dirty="0" smtClean="0">
-                <a:solidFill>
-                  <a:schemeClr val="tx1"/>
-                </a:solidFill>
-                <a:effectLst/>
-                <a:latin typeface="+mn-lt"/>
-                <a:ea typeface="+mn-ea"/>
-                <a:cs typeface="+mn-cs"/>
-              </a:rPr>
-              <a:t> requests to add items to a shopping cart because it's revenue producing. In this case you choose high availability. Errors are hidden from the customer and sorted out later.” </a:t>
-            </a:r>
-            <a:r>
-              <a:rPr lang="en-GB" dirty="0" smtClean="0"/>
-              <a:t/>
-            </a:r>
-            <a:br>
-              <a:rPr lang="en-GB" dirty="0" smtClean="0"/>
-            </a:br>
-            <a:r>
-              <a:rPr lang="en-GB" sz="1200" b="0" i="0" kern="1200" dirty="0" smtClean="0">
-                <a:solidFill>
-                  <a:schemeClr val="tx1"/>
-                </a:solidFill>
-                <a:effectLst/>
-                <a:latin typeface="+mn-lt"/>
-                <a:ea typeface="+mn-ea"/>
-                <a:cs typeface="+mn-cs"/>
-              </a:rPr>
-              <a:t>“When a customer submits an order you </a:t>
-            </a:r>
-            <a:r>
-              <a:rPr lang="en-GB" sz="1200" b="0" i="0" kern="1200" dirty="0" err="1" smtClean="0">
-                <a:solidFill>
-                  <a:schemeClr val="tx1"/>
-                </a:solidFill>
-                <a:effectLst/>
-                <a:latin typeface="+mn-lt"/>
-                <a:ea typeface="+mn-ea"/>
-                <a:cs typeface="+mn-cs"/>
-              </a:rPr>
-              <a:t>favor</a:t>
-            </a:r>
-            <a:r>
-              <a:rPr lang="en-GB" sz="1200" b="0" i="0" kern="1200" dirty="0" smtClean="0">
-                <a:solidFill>
-                  <a:schemeClr val="tx1"/>
-                </a:solidFill>
-                <a:effectLst/>
-                <a:latin typeface="+mn-lt"/>
-                <a:ea typeface="+mn-ea"/>
-                <a:cs typeface="+mn-cs"/>
-              </a:rPr>
-              <a:t> consistency because several services--credit card processing, shipping and handling, reporting--are simultaneously accessing the data.”</a:t>
-            </a:r>
-            <a:endParaRPr lang="en-GB" dirty="0"/>
-          </a:p>
-        </p:txBody>
-      </p:sp>
-      <p:sp>
-        <p:nvSpPr>
-          <p:cNvPr id="4" name="Slide Number Placeholder 3"/>
-          <p:cNvSpPr>
-            <a:spLocks noGrp="1"/>
-          </p:cNvSpPr>
-          <p:nvPr>
-            <p:ph type="sldNum" sz="quarter" idx="10"/>
-          </p:nvPr>
-        </p:nvSpPr>
-        <p:spPr/>
-        <p:txBody>
-          <a:bodyPr/>
-          <a:lstStyle/>
-          <a:p>
-            <a:fld id="{B88E1A96-A68C-4ED7-8535-7FE27C72D2F0}" type="slidenum">
-              <a:rPr lang="en-GB" smtClean="0"/>
-              <a:t>55</a:t>
-            </a:fld>
-            <a:endParaRPr lang="en-GB"/>
-          </a:p>
-        </p:txBody>
-      </p:sp>
-    </p:spTree>
-    <p:extLst>
-      <p:ext uri="{BB962C8B-B14F-4D97-AF65-F5344CB8AC3E}">
-        <p14:creationId xmlns:p14="http://schemas.microsoft.com/office/powerpoint/2010/main" val="2921631859"/>
-      </p:ext>
-    </p:extLst>
-  </p:cSld>
-  <p:clrMapOvr>
-    <a:masterClrMapping/>
-  </p:clrMapOvr>
-</p:notes>
-</file>
-
-<file path=ppt/notesSlides/notesSlide42.xml><?xml version="1.0" encoding="utf-8"?>
-<p:notes xmlns:a="http://schemas.openxmlformats.org/drawingml/2006/main" xmlns:r="http://schemas.openxmlformats.org/officeDocument/2006/relationships" xmlns:p="http://schemas.openxmlformats.org/presentationml/2006/main">
-  <p:cSld>
-    <p:spTree>
-      <p:nvGrpSpPr>
-        <p:cNvPr id="1" name=""/>
-        <p:cNvGrpSpPr/>
-        <p:nvPr/>
-      </p:nvGrpSpPr>
-      <p:grpSpPr>
-        <a:xfrm>
-          <a:off x="0" y="0"/>
-          <a:ext cx="0" cy="0"/>
-          <a:chOff x="0" y="0"/>
-          <a:chExt cx="0" cy="0"/>
-        </a:xfrm>
-      </p:grpSpPr>
-      <p:sp>
-        <p:nvSpPr>
-          <p:cNvPr id="2" name="Slide Image Placeholder 1"/>
-          <p:cNvSpPr>
-            <a:spLocks noGrp="1" noRot="1" noChangeAspect="1"/>
-          </p:cNvSpPr>
-          <p:nvPr>
-            <p:ph type="sldImg"/>
-          </p:nvPr>
-        </p:nvSpPr>
-        <p:spPr/>
-      </p:sp>
-      <p:sp>
-        <p:nvSpPr>
-          <p:cNvPr id="3" name="Notes Placeholder 2"/>
-          <p:cNvSpPr>
-            <a:spLocks noGrp="1"/>
-          </p:cNvSpPr>
-          <p:nvPr>
-            <p:ph type="body" idx="1"/>
-          </p:nvPr>
-        </p:nvSpPr>
-        <p:spPr/>
-        <p:txBody>
-          <a:bodyPr/>
-          <a:lstStyle/>
-          <a:p>
-            <a:endParaRPr lang="en-GB" dirty="0" smtClean="0"/>
-          </a:p>
-          <a:p>
-            <a:r>
-              <a:rPr lang="en-GB" dirty="0" smtClean="0"/>
-              <a:t>Event Stores ….</a:t>
-            </a:r>
-          </a:p>
-          <a:p>
-            <a:endParaRPr lang="en-GB" dirty="0" smtClean="0"/>
-          </a:p>
-          <a:p>
-            <a:r>
-              <a:rPr lang="en-GB" dirty="0" smtClean="0"/>
-              <a:t>Quick</a:t>
-            </a:r>
-            <a:r>
-              <a:rPr lang="en-GB" baseline="0" dirty="0" smtClean="0"/>
-              <a:t> note – </a:t>
-            </a:r>
-            <a:r>
-              <a:rPr lang="en-GB" baseline="0" dirty="0" err="1" smtClean="0"/>
-              <a:t>commutativity</a:t>
-            </a:r>
-            <a:r>
-              <a:rPr lang="en-GB" baseline="0" dirty="0" smtClean="0"/>
-              <a:t> is a really interesting approach to having AP systems without major consistency concerns, as we don’t need to worry about overall order of operations (</a:t>
-            </a:r>
-            <a:r>
-              <a:rPr lang="en-GB" baseline="0" dirty="0" err="1" smtClean="0"/>
-              <a:t>serialisability</a:t>
-            </a:r>
-            <a:r>
-              <a:rPr lang="en-GB" baseline="0" dirty="0" smtClean="0"/>
-              <a:t>) it makes “eventual consistency” more achievable and reliable.  There are obviously some considerations around how this is implemented and when it’s a practicable approach, but for example Commutative Replicated Data Types are another way to apply it, more details (e.g.) here: http://highscalability.com/blog/2010/12/23/paper-crdts-consistency-without-concurrency-control.html</a:t>
-            </a:r>
-            <a:endParaRPr lang="en-GB" dirty="0"/>
-          </a:p>
-        </p:txBody>
-      </p:sp>
-      <p:sp>
-        <p:nvSpPr>
-          <p:cNvPr id="4" name="Slide Number Placeholder 3"/>
-          <p:cNvSpPr>
-            <a:spLocks noGrp="1"/>
-          </p:cNvSpPr>
-          <p:nvPr>
-            <p:ph type="sldNum" sz="quarter" idx="10"/>
-          </p:nvPr>
-        </p:nvSpPr>
-        <p:spPr/>
-        <p:txBody>
-          <a:bodyPr/>
-          <a:lstStyle/>
-          <a:p>
-            <a:fld id="{B88E1A96-A68C-4ED7-8535-7FE27C72D2F0}" type="slidenum">
-              <a:rPr lang="en-GB" smtClean="0"/>
-              <a:t>57</a:t>
-            </a:fld>
-            <a:endParaRPr lang="en-GB"/>
-          </a:p>
-        </p:txBody>
-      </p:sp>
-    </p:spTree>
-    <p:extLst>
-      <p:ext uri="{BB962C8B-B14F-4D97-AF65-F5344CB8AC3E}">
-        <p14:creationId xmlns:p14="http://schemas.microsoft.com/office/powerpoint/2010/main" val="1134499593"/>
       </p:ext>
     </p:extLst>
   </p:cSld>
@@ -7945,24 +7389,20 @@
           <a:lstStyle/>
           <a:p>
             <a:r>
+              <a:rPr lang="en-GB" sz="5300" dirty="0" smtClean="0"/>
+              <a:t>“Not Only SQL”</a:t>
+            </a:r>
+            <a:br>
+              <a:rPr lang="en-GB" sz="5300" dirty="0" smtClean="0"/>
+            </a:br>
+            <a:r>
               <a:rPr lang="en-GB" dirty="0" smtClean="0"/>
-              <a:t>“Not Only SQL</a:t>
-            </a:r>
-            <a:r>
-              <a:rPr lang="en-GB" dirty="0" smtClean="0"/>
-              <a:t>”</a:t>
+              <a:t/>
             </a:r>
             <a:br>
               <a:rPr lang="en-GB" dirty="0" smtClean="0"/>
             </a:br>
             <a:r>
-              <a:rPr lang="en-GB" dirty="0" smtClean="0"/>
-              <a:t/>
-            </a:r>
-            <a:br>
-              <a:rPr lang="en-GB" dirty="0" smtClean="0"/>
-            </a:br>
-            <a:r>
               <a:rPr lang="en-GB" sz="3200" dirty="0" smtClean="0"/>
               <a:t>Picking A Database for .NET</a:t>
             </a:r>
@@ -7982,7 +7422,7 @@
         </p:nvSpPr>
         <p:spPr>
           <a:xfrm>
-            <a:off x="1371600" y="4149080"/>
+            <a:off x="1371600" y="4509120"/>
             <a:ext cx="6400800" cy="648072"/>
           </a:xfrm>
         </p:spPr>
@@ -7992,11 +7432,7 @@
           <a:p>
             <a:r>
               <a:rPr lang="en-GB" dirty="0" smtClean="0"/>
-              <a:t>Alex </a:t>
-            </a:r>
-            <a:r>
-              <a:rPr lang="en-GB" dirty="0" smtClean="0"/>
-              <a:t>Garland</a:t>
+              <a:t>Alex Garland</a:t>
             </a:r>
             <a:endParaRPr lang="en-GB" dirty="0"/>
           </a:p>
@@ -11035,11 +10471,7 @@
             </a:r>
             <a:r>
               <a:rPr lang="en-GB" sz="2800" dirty="0" smtClean="0"/>
-              <a:t>-&gt; Hadoop, Hive, Impala, Sp</a:t>
-            </a:r>
-            <a:r>
-              <a:rPr lang="en-GB" sz="2800" dirty="0" smtClean="0"/>
-              <a:t>ark</a:t>
+              <a:t>-&gt; Hadoop, Hive, Impala, Spark</a:t>
             </a:r>
           </a:p>
           <a:p>
@@ -13032,11 +12464,7 @@
             </a:r>
             <a:r>
               <a:rPr lang="en-GB" dirty="0" smtClean="0"/>
-              <a:t> - “No </a:t>
-            </a:r>
-            <a:r>
-              <a:rPr lang="en-GB" dirty="0" smtClean="0"/>
-              <a:t>SQL” or “Not Only SQL”</a:t>
+              <a:t> - “No SQL” or “Not Only SQL”</a:t>
             </a:r>
           </a:p>
           <a:p>
@@ -13727,7 +13155,15 @@
           <a:p>
             <a:r>
               <a:rPr lang="en-GB" dirty="0" smtClean="0"/>
-              <a:t>System can operate in conditions where nodes may fail or be unable to communicate</a:t>
+              <a:t>System can operate in conditions where nodes </a:t>
+            </a:r>
+            <a:r>
+              <a:rPr lang="en-GB" b="1" u="sng" dirty="0" smtClean="0"/>
+              <a:t>may</a:t>
+            </a:r>
+            <a:r>
+              <a:rPr lang="en-GB" dirty="0" smtClean="0"/>
+              <a:t> fail or be unable to communicate</a:t>
             </a:r>
           </a:p>
           <a:p>
@@ -15345,58 +14781,119 @@
         </p:nvSpPr>
         <p:spPr/>
         <p:txBody>
-          <a:bodyPr/>
-          <a:lstStyle/>
-          <a:p>
+          <a:bodyPr>
+            <a:normAutofit fontScale="90000"/>
+          </a:bodyPr>
+          <a:lstStyle/>
+          <a:p>
+            <a:r>
+              <a:rPr lang="en-GB" dirty="0" smtClean="0"/>
+              <a:t>Another Data Model –</a:t>
+            </a:r>
+            <a:br>
+              <a:rPr lang="en-GB" dirty="0" smtClean="0"/>
+            </a:br>
+            <a:r>
+              <a:rPr lang="en-GB" dirty="0" smtClean="0"/>
+              <a:t>Document Databases</a:t>
+            </a:r>
+            <a:endParaRPr lang="en-GB" dirty="0"/>
+          </a:p>
+        </p:txBody>
+      </p:sp>
+      <p:sp>
+        <p:nvSpPr>
+          <p:cNvPr id="3" name="Content Placeholder 2"/>
+          <p:cNvSpPr>
+            <a:spLocks noGrp="1"/>
+          </p:cNvSpPr>
+          <p:nvPr>
+            <p:ph idx="1"/>
+          </p:nvPr>
+        </p:nvSpPr>
+        <p:spPr>
+          <a:xfrm>
+            <a:off x="457200" y="1772816"/>
+            <a:ext cx="8229600" cy="4353347"/>
+          </a:xfrm>
+        </p:spPr>
+        <p:txBody>
+          <a:bodyPr>
+            <a:normAutofit fontScale="77500" lnSpcReduction="20000"/>
+          </a:bodyPr>
+          <a:lstStyle/>
+          <a:p>
+            <a:r>
+              <a:rPr lang="en-GB" dirty="0" smtClean="0"/>
+              <a:t>Store data as JSON documents</a:t>
+            </a:r>
+          </a:p>
+          <a:p>
+            <a:endParaRPr lang="en-GB" dirty="0" smtClean="0"/>
+          </a:p>
+          <a:p>
+            <a:r>
+              <a:rPr lang="en-GB" dirty="0" smtClean="0"/>
+              <a:t>Different CAP trade-offs</a:t>
+            </a:r>
+          </a:p>
+          <a:p>
+            <a:pPr lvl="1"/>
+            <a:r>
+              <a:rPr lang="en-GB" dirty="0" smtClean="0"/>
+              <a:t>e.g. </a:t>
+            </a:r>
             <a:r>
               <a:rPr lang="en-GB" dirty="0" err="1" smtClean="0"/>
-              <a:t>MongoDB</a:t>
-            </a:r>
+              <a:t>CouchDB</a:t>
+            </a:r>
+            <a:r>
+              <a:rPr lang="en-GB" dirty="0" smtClean="0"/>
+              <a:t> (AP), MongoDB (CP)</a:t>
+            </a:r>
+          </a:p>
+          <a:p>
             <a:endParaRPr lang="en-GB" dirty="0"/>
           </a:p>
-        </p:txBody>
-      </p:sp>
-      <p:sp>
-        <p:nvSpPr>
-          <p:cNvPr id="3" name="Content Placeholder 2"/>
-          <p:cNvSpPr>
-            <a:spLocks noGrp="1"/>
-          </p:cNvSpPr>
-          <p:nvPr>
-            <p:ph idx="1"/>
-          </p:nvPr>
-        </p:nvSpPr>
-        <p:spPr/>
-        <p:txBody>
-          <a:bodyPr/>
-          <a:lstStyle/>
           <a:p>
             <a:r>
               <a:rPr lang="en-GB" dirty="0" smtClean="0"/>
-              <a:t>Open-Source Document Database</a:t>
-            </a:r>
-          </a:p>
-          <a:p>
+              <a:t>Straightforward, flexible object storage</a:t>
+            </a:r>
+          </a:p>
+          <a:p>
+            <a:endParaRPr lang="en-GB" dirty="0"/>
+          </a:p>
+          <a:p>
+            <a:r>
+              <a:rPr lang="en-GB" dirty="0" smtClean="0"/>
+              <a:t>Less good at:</a:t>
+            </a:r>
+          </a:p>
+          <a:p>
+            <a:pPr marL="0" indent="0">
+              <a:buNone/>
+            </a:pPr>
             <a:endParaRPr lang="en-GB" dirty="0" smtClean="0"/>
           </a:p>
           <a:p>
+            <a:pPr lvl="1"/>
             <a:r>
               <a:rPr lang="en-GB" dirty="0" smtClean="0"/>
-              <a:t>“CP” – Favours Consistency</a:t>
+              <a:t>Protecting data integrity</a:t>
+            </a:r>
+          </a:p>
+          <a:p>
+            <a:pPr lvl="1"/>
+            <a:r>
+              <a:rPr lang="en-GB" dirty="0" smtClean="0"/>
+              <a:t>Summary queries</a:t>
             </a:r>
           </a:p>
           <a:p>
             <a:endParaRPr lang="en-GB" dirty="0"/>
           </a:p>
           <a:p>
-            <a:r>
-              <a:rPr lang="en-GB" b="1" u="sng" dirty="0" smtClean="0"/>
-              <a:t>BUT</a:t>
-            </a:r>
-            <a:r>
-              <a:rPr lang="en-GB" dirty="0" smtClean="0"/>
-              <a:t> – Still Makes Distributed Storage Easier</a:t>
-            </a:r>
             <a:endParaRPr lang="en-GB" dirty="0"/>
           </a:p>
         </p:txBody>
@@ -15404,20 +14901,13 @@
     </p:spTree>
     <p:extLst>
       <p:ext uri="{BB962C8B-B14F-4D97-AF65-F5344CB8AC3E}">
-        <p14:creationId xmlns:p14="http://schemas.microsoft.com/office/powerpoint/2010/main" val="1804820634"/>
+        <p14:creationId xmlns:p14="http://schemas.microsoft.com/office/powerpoint/2010/main" val="3399482219"/>
       </p:ext>
     </p:extLst>
   </p:cSld>
   <p:clrMapOvr>
     <a:masterClrMapping/>
   </p:clrMapOvr>
-  <p:timing>
-    <p:tnLst>
-      <p:par>
-        <p:cTn id="1" dur="indefinite" restart="never" nodeType="tmRoot"/>
-      </p:par>
-    </p:tnLst>
-  </p:timing>
 </p:sld>
 </file>
 
@@ -15457,37 +14947,94 @@
               <a:rPr lang="en-GB" dirty="0" err="1" smtClean="0"/>
               <a:t>MongoDB</a:t>
             </a:r>
+            <a:endParaRPr lang="en-GB" dirty="0"/>
+          </a:p>
+        </p:txBody>
+      </p:sp>
+      <p:sp>
+        <p:nvSpPr>
+          <p:cNvPr id="3" name="Content Placeholder 2"/>
+          <p:cNvSpPr>
+            <a:spLocks noGrp="1"/>
+          </p:cNvSpPr>
+          <p:nvPr>
+            <p:ph idx="1"/>
+          </p:nvPr>
+        </p:nvSpPr>
+        <p:spPr>
+          <a:xfrm>
+            <a:off x="457200" y="2204864"/>
+            <a:ext cx="8229600" cy="3921299"/>
+          </a:xfrm>
+        </p:spPr>
+        <p:txBody>
+          <a:bodyPr/>
+          <a:lstStyle/>
+          <a:p>
             <a:r>
               <a:rPr lang="en-GB" dirty="0" smtClean="0"/>
-              <a:t> - Demo</a:t>
-            </a:r>
+              <a:t>Open-Source Document Database</a:t>
+            </a:r>
+          </a:p>
+          <a:p>
+            <a:endParaRPr lang="en-GB" dirty="0" smtClean="0"/>
+          </a:p>
+          <a:p>
+            <a:r>
+              <a:rPr lang="en-GB" dirty="0" smtClean="0"/>
+              <a:t>“CP” – Favours Consistency</a:t>
+            </a:r>
+          </a:p>
+          <a:p>
             <a:endParaRPr lang="en-GB" dirty="0"/>
           </a:p>
-        </p:txBody>
-      </p:sp>
-      <p:sp>
-        <p:nvSpPr>
-          <p:cNvPr id="3" name="Content Placeholder 2"/>
-          <p:cNvSpPr>
-            <a:spLocks noGrp="1"/>
-          </p:cNvSpPr>
-          <p:nvPr>
-            <p:ph idx="1"/>
-          </p:nvPr>
-        </p:nvSpPr>
-        <p:spPr/>
-        <p:txBody>
-          <a:bodyPr/>
-          <a:lstStyle/>
-          <a:p>
-            <a:endParaRPr lang="en-GB"/>
-          </a:p>
-        </p:txBody>
-      </p:sp>
+          <a:p>
+            <a:r>
+              <a:rPr lang="en-GB" b="1" u="sng" dirty="0" smtClean="0"/>
+              <a:t>BUT</a:t>
+            </a:r>
+            <a:r>
+              <a:rPr lang="en-GB" dirty="0" smtClean="0"/>
+              <a:t> – Still Makes Distributed Storage Easier</a:t>
+            </a:r>
+            <a:endParaRPr lang="en-GB" dirty="0"/>
+          </a:p>
+        </p:txBody>
+      </p:sp>
+      <p:pic>
+        <p:nvPicPr>
+          <p:cNvPr id="4" name="Picture 3"/>
+          <p:cNvPicPr>
+            <a:picLocks noChangeAspect="1"/>
+          </p:cNvPicPr>
+          <p:nvPr/>
+        </p:nvPicPr>
+        <p:blipFill>
+          <a:blip r:embed="rId3" cstate="print">
+            <a:extLst>
+              <a:ext uri="{28A0092B-C50C-407E-A947-70E740481C1C}">
+                <a14:useLocalDpi xmlns:a14="http://schemas.microsoft.com/office/drawing/2010/main" val="0"/>
+              </a:ext>
+            </a:extLst>
+          </a:blip>
+          <a:stretch>
+            <a:fillRect/>
+          </a:stretch>
+        </p:blipFill>
+        <p:spPr>
+          <a:xfrm>
+            <a:off x="1115616" y="220037"/>
+            <a:ext cx="1368152" cy="1603355"/>
+          </a:xfrm>
+          <a:prstGeom prst="rect">
+            <a:avLst/>
+          </a:prstGeom>
+        </p:spPr>
+      </p:pic>
     </p:spTree>
     <p:extLst>
       <p:ext uri="{BB962C8B-B14F-4D97-AF65-F5344CB8AC3E}">
-        <p14:creationId xmlns:p14="http://schemas.microsoft.com/office/powerpoint/2010/main" val="1877163874"/>
+        <p14:creationId xmlns:p14="http://schemas.microsoft.com/office/powerpoint/2010/main" val="1804820634"/>
       </p:ext>
     </p:extLst>
   </p:cSld>
@@ -15542,11 +15089,7 @@
             </a:r>
             <a:r>
               <a:rPr lang="en-GB" dirty="0" smtClean="0"/>
-              <a:t> - </a:t>
-            </a:r>
-            <a:r>
-              <a:rPr lang="en-GB" dirty="0" err="1" smtClean="0"/>
-              <a:t>Sharding</a:t>
+              <a:t> - Demo</a:t>
             </a:r>
             <a:endParaRPr lang="en-GB" dirty="0"/>
           </a:p>
@@ -15574,7 +15117,7 @@
     </p:spTree>
     <p:extLst>
       <p:ext uri="{BB962C8B-B14F-4D97-AF65-F5344CB8AC3E}">
-        <p14:creationId xmlns:p14="http://schemas.microsoft.com/office/powerpoint/2010/main" val="2613562738"/>
+        <p14:creationId xmlns:p14="http://schemas.microsoft.com/office/powerpoint/2010/main" val="1877163874"/>
       </p:ext>
     </p:extLst>
   </p:cSld>
@@ -15620,300 +15163,73 @@
         </p:nvSpPr>
         <p:spPr/>
         <p:txBody>
-          <a:bodyPr>
-            <a:normAutofit/>
-          </a:bodyPr>
+          <a:bodyPr/>
           <a:lstStyle/>
           <a:p>
             <a:r>
               <a:rPr lang="en-GB" dirty="0" smtClean="0"/>
-              <a:t>Document Databases</a:t>
+              <a:t>“AP” Systems – </a:t>
+            </a:r>
+            <a:r>
+              <a:rPr lang="en-GB" dirty="0" err="1" smtClean="0"/>
+              <a:t>Riak</a:t>
+            </a:r>
+            <a:r>
+              <a:rPr lang="en-GB" dirty="0" smtClean="0"/>
+              <a:t> &amp; Cassandra</a:t>
             </a:r>
             <a:endParaRPr lang="en-GB" dirty="0"/>
           </a:p>
         </p:txBody>
       </p:sp>
-      <p:graphicFrame>
-        <p:nvGraphicFramePr>
-          <p:cNvPr id="4" name="Content Placeholder 3"/>
-          <p:cNvGraphicFramePr>
-            <a:graphicFrameLocks noGrp="1"/>
-          </p:cNvGraphicFramePr>
+      <p:sp>
+        <p:nvSpPr>
+          <p:cNvPr id="3" name="Content Placeholder 2"/>
+          <p:cNvSpPr>
+            <a:spLocks noGrp="1"/>
+          </p:cNvSpPr>
           <p:nvPr>
             <p:ph idx="1"/>
-            <p:extLst>
-              <p:ext uri="{D42A27DB-BD31-4B8C-83A1-F6EECF244321}">
-                <p14:modId xmlns:p14="http://schemas.microsoft.com/office/powerpoint/2010/main" val="2057838824"/>
-              </p:ext>
-            </p:extLst>
-          </p:nvPr>
-        </p:nvGraphicFramePr>
-        <p:xfrm>
-          <a:off x="467544" y="1412776"/>
-          <a:ext cx="8229600" cy="2878048"/>
-        </p:xfrm>
-        <a:graphic>
-          <a:graphicData uri="http://schemas.openxmlformats.org/drawingml/2006/table">
-            <a:tbl>
-              <a:tblPr firstRow="1" bandRow="1">
-                <a:tableStyleId>{F5AB1C69-6EDB-4FF4-983F-18BD219EF322}</a:tableStyleId>
-              </a:tblPr>
-              <a:tblGrid>
-                <a:gridCol w="4114800"/>
-                <a:gridCol w="4114800"/>
-              </a:tblGrid>
-              <a:tr h="840339">
-                <a:tc>
-                  <a:txBody>
-                    <a:bodyPr/>
-                    <a:lstStyle/>
-                    <a:p>
-                      <a:pPr algn="ctr"/>
-                      <a:endParaRPr lang="en-GB" sz="2000" dirty="0" smtClean="0"/>
-                    </a:p>
-                    <a:p>
-                      <a:pPr algn="ctr"/>
-                      <a:r>
-                        <a:rPr lang="en-GB" sz="2000" dirty="0" smtClean="0"/>
-                        <a:t>GOOD</a:t>
-                      </a:r>
-                      <a:endParaRPr lang="en-GB" sz="2000" dirty="0"/>
-                    </a:p>
-                  </a:txBody>
-                  <a:tcPr>
-                    <a:solidFill>
-                      <a:srgbClr val="15F730"/>
-                    </a:solidFill>
-                  </a:tcPr>
-                </a:tc>
-                <a:tc>
-                  <a:txBody>
-                    <a:bodyPr/>
-                    <a:lstStyle/>
-                    <a:p>
-                      <a:pPr algn="ctr"/>
-                      <a:endParaRPr lang="en-GB" sz="2000" dirty="0" smtClean="0"/>
-                    </a:p>
-                    <a:p>
-                      <a:pPr algn="ctr"/>
-                      <a:r>
-                        <a:rPr lang="en-GB" sz="2000" dirty="0" smtClean="0"/>
-                        <a:t>BAD</a:t>
-                      </a:r>
-                      <a:endParaRPr lang="en-GB" sz="2000" dirty="0"/>
-                    </a:p>
-                  </a:txBody>
-                  <a:tcPr>
-                    <a:solidFill>
-                      <a:srgbClr val="FF0000"/>
-                    </a:solidFill>
-                  </a:tcPr>
-                </a:tc>
-              </a:tr>
-              <a:tr h="527813">
-                <a:tc>
-                  <a:txBody>
-                    <a:bodyPr/>
-                    <a:lstStyle/>
-                    <a:p>
-                      <a:pPr algn="ctr"/>
-                      <a:r>
-                        <a:rPr lang="en-GB" sz="2000" dirty="0" smtClean="0"/>
-                        <a:t>Straightforward</a:t>
-                      </a:r>
-                      <a:r>
-                        <a:rPr lang="en-GB" sz="2000" baseline="0" dirty="0" smtClean="0"/>
-                        <a:t> object storage</a:t>
-                      </a:r>
-                      <a:endParaRPr lang="en-GB" sz="2000" dirty="0" smtClean="0"/>
-                    </a:p>
-                  </a:txBody>
-                  <a:tcPr/>
-                </a:tc>
-                <a:tc>
-                  <a:txBody>
-                    <a:bodyPr/>
-                    <a:lstStyle/>
-                    <a:p>
-                      <a:pPr algn="ctr"/>
-                      <a:r>
-                        <a:rPr lang="en-GB" sz="2000" dirty="0" smtClean="0"/>
-                        <a:t>Less safety around data integrity</a:t>
-                      </a:r>
-                      <a:endParaRPr lang="en-GB" sz="2000" dirty="0"/>
-                    </a:p>
-                  </a:txBody>
-                  <a:tcPr/>
-                </a:tc>
-              </a:tr>
-              <a:tr h="504056">
-                <a:tc>
-                  <a:txBody>
-                    <a:bodyPr/>
-                    <a:lstStyle/>
-                    <a:p>
-                      <a:pPr marL="0" marR="0" indent="0" algn="ctr" defTabSz="914400" rtl="0" eaLnBrk="1" fontAlgn="auto" latinLnBrk="0" hangingPunct="1">
-                        <a:lnSpc>
-                          <a:spcPct val="100000"/>
-                        </a:lnSpc>
-                        <a:spcBef>
-                          <a:spcPts val="0"/>
-                        </a:spcBef>
-                        <a:spcAft>
-                          <a:spcPts val="0"/>
-                        </a:spcAft>
-                        <a:buClrTx/>
-                        <a:buSzTx/>
-                        <a:buFontTx/>
-                        <a:buNone/>
-                        <a:tabLst/>
-                        <a:defRPr/>
-                      </a:pPr>
-                      <a:r>
-                        <a:rPr lang="en-GB" sz="2000" dirty="0" smtClean="0"/>
-                        <a:t>Flexible (implicit)</a:t>
-                      </a:r>
-                      <a:r>
-                        <a:rPr lang="en-GB" sz="2000" baseline="0" dirty="0" smtClean="0"/>
-                        <a:t> schema</a:t>
-                      </a:r>
-                      <a:endParaRPr lang="en-GB" sz="2000" dirty="0" smtClean="0"/>
-                    </a:p>
-                  </a:txBody>
-                  <a:tcPr/>
-                </a:tc>
-                <a:tc>
-                  <a:txBody>
-                    <a:bodyPr/>
-                    <a:lstStyle/>
-                    <a:p>
-                      <a:pPr marL="0" marR="0" indent="0" algn="ctr" defTabSz="914400" rtl="0" eaLnBrk="1" fontAlgn="auto" latinLnBrk="0" hangingPunct="1">
-                        <a:lnSpc>
-                          <a:spcPct val="100000"/>
-                        </a:lnSpc>
-                        <a:spcBef>
-                          <a:spcPts val="0"/>
-                        </a:spcBef>
-                        <a:spcAft>
-                          <a:spcPts val="0"/>
-                        </a:spcAft>
-                        <a:buClrTx/>
-                        <a:buSzTx/>
-                        <a:buFontTx/>
-                        <a:buNone/>
-                        <a:tabLst/>
-                        <a:defRPr/>
-                      </a:pPr>
-                      <a:r>
-                        <a:rPr lang="en-GB" sz="2000" dirty="0" smtClean="0"/>
-                        <a:t>Pushes more work to application</a:t>
-                      </a:r>
-                    </a:p>
-                  </a:txBody>
-                  <a:tcPr/>
-                </a:tc>
-              </a:tr>
-              <a:tr h="504056">
-                <a:tc>
-                  <a:txBody>
-                    <a:bodyPr/>
-                    <a:lstStyle/>
-                    <a:p>
-                      <a:pPr marL="0" marR="0" indent="0" algn="ctr" defTabSz="914400" rtl="0" eaLnBrk="1" fontAlgn="auto" latinLnBrk="0" hangingPunct="1">
-                        <a:lnSpc>
-                          <a:spcPct val="100000"/>
-                        </a:lnSpc>
-                        <a:spcBef>
-                          <a:spcPts val="0"/>
-                        </a:spcBef>
-                        <a:spcAft>
-                          <a:spcPts val="0"/>
-                        </a:spcAft>
-                        <a:buClrTx/>
-                        <a:buSzTx/>
-                        <a:buFontTx/>
-                        <a:buNone/>
-                        <a:tabLst/>
-                        <a:defRPr/>
-                      </a:pPr>
-                      <a:r>
-                        <a:rPr lang="en-GB" sz="2000" dirty="0" smtClean="0"/>
-                        <a:t>Eliminate many joins</a:t>
-                      </a:r>
-                    </a:p>
-                  </a:txBody>
-                  <a:tcPr/>
-                </a:tc>
-                <a:tc>
-                  <a:txBody>
-                    <a:bodyPr/>
-                    <a:lstStyle/>
-                    <a:p>
-                      <a:pPr marL="0" marR="0" indent="0" algn="ctr" defTabSz="914400" rtl="0" eaLnBrk="1" fontAlgn="auto" latinLnBrk="0" hangingPunct="1">
-                        <a:lnSpc>
-                          <a:spcPct val="100000"/>
-                        </a:lnSpc>
-                        <a:spcBef>
-                          <a:spcPts val="0"/>
-                        </a:spcBef>
-                        <a:spcAft>
-                          <a:spcPts val="0"/>
-                        </a:spcAft>
-                        <a:buClrTx/>
-                        <a:buSzTx/>
-                        <a:buFontTx/>
-                        <a:buNone/>
-                        <a:tabLst/>
-                        <a:defRPr/>
-                      </a:pPr>
-                      <a:r>
-                        <a:rPr lang="en-GB" sz="2000" dirty="0" smtClean="0"/>
-                        <a:t>Optimised for certain query patterns;</a:t>
-                      </a:r>
-                    </a:p>
-                    <a:p>
-                      <a:pPr marL="0" marR="0" indent="0" algn="ctr" defTabSz="914400" rtl="0" eaLnBrk="1" fontAlgn="auto" latinLnBrk="0" hangingPunct="1">
-                        <a:lnSpc>
-                          <a:spcPct val="100000"/>
-                        </a:lnSpc>
-                        <a:spcBef>
-                          <a:spcPts val="0"/>
-                        </a:spcBef>
-                        <a:spcAft>
-                          <a:spcPts val="0"/>
-                        </a:spcAft>
-                        <a:buClrTx/>
-                        <a:buSzTx/>
-                        <a:buFontTx/>
-                        <a:buNone/>
-                        <a:tabLst/>
-                        <a:defRPr/>
-                      </a:pPr>
-                      <a:r>
-                        <a:rPr lang="en-GB" sz="2000" dirty="0" smtClean="0"/>
-                        <a:t>relatively</a:t>
-                      </a:r>
-                      <a:r>
-                        <a:rPr lang="en-GB" sz="2000" baseline="0" dirty="0" smtClean="0"/>
-                        <a:t> </a:t>
-                      </a:r>
-                      <a:r>
-                        <a:rPr lang="en-GB" sz="2000" dirty="0" smtClean="0"/>
-                        <a:t>poor at multi-document aggregates</a:t>
-                      </a:r>
-                    </a:p>
-                  </a:txBody>
-                  <a:tcPr/>
-                </a:tc>
-              </a:tr>
-            </a:tbl>
-          </a:graphicData>
-        </a:graphic>
-      </p:graphicFrame>
+          </p:nvPr>
+        </p:nvSpPr>
+        <p:spPr/>
+        <p:txBody>
+          <a:bodyPr/>
+          <a:lstStyle/>
+          <a:p>
+            <a:r>
+              <a:rPr lang="en-GB" dirty="0" smtClean="0"/>
+              <a:t>“Aggregate” data models – somewhat similar to document databases</a:t>
+            </a:r>
+          </a:p>
+          <a:p>
+            <a:endParaRPr lang="en-GB" dirty="0" smtClean="0"/>
+          </a:p>
+          <a:p>
+            <a:r>
+              <a:rPr lang="en-GB" dirty="0" smtClean="0"/>
+              <a:t>Highly optimised for availability</a:t>
+            </a:r>
+          </a:p>
+          <a:p>
+            <a:endParaRPr lang="en-GB" dirty="0"/>
+          </a:p>
+          <a:p>
+            <a:r>
+              <a:rPr lang="en-GB" dirty="0" err="1" smtClean="0"/>
+              <a:t>Tunable</a:t>
+            </a:r>
+            <a:r>
+              <a:rPr lang="en-GB" dirty="0" smtClean="0"/>
+              <a:t> AP/ CP trade-off</a:t>
+            </a:r>
+          </a:p>
+        </p:txBody>
+      </p:sp>
     </p:spTree>
     <p:extLst>
       <p:ext uri="{BB962C8B-B14F-4D97-AF65-F5344CB8AC3E}">
-        <p14:creationId xmlns:p14="http://schemas.microsoft.com/office/powerpoint/2010/main" val="1033451845"/>
+        <p14:creationId xmlns:p14="http://schemas.microsoft.com/office/powerpoint/2010/main" val="2924640553"/>
       </p:ext>
     </p:extLst>
   </p:cSld>
@@ -15959,280 +15275,56 @@
         </p:nvSpPr>
         <p:spPr/>
         <p:txBody>
-          <a:bodyPr>
-            <a:normAutofit/>
-          </a:bodyPr>
-          <a:lstStyle/>
-          <a:p>
-            <a:r>
-              <a:rPr lang="en-GB" dirty="0" err="1" smtClean="0"/>
-              <a:t>MongoDB</a:t>
+          <a:bodyPr/>
+          <a:lstStyle/>
+          <a:p>
+            <a:r>
+              <a:rPr lang="en-GB" dirty="0" smtClean="0"/>
+              <a:t>The Ring Model</a:t>
             </a:r>
             <a:endParaRPr lang="en-GB" dirty="0"/>
           </a:p>
         </p:txBody>
       </p:sp>
-      <p:graphicFrame>
-        <p:nvGraphicFramePr>
+      <p:pic>
+        <p:nvPicPr>
           <p:cNvPr id="4" name="Content Placeholder 3"/>
-          <p:cNvGraphicFramePr>
-            <a:graphicFrameLocks noGrp="1"/>
-          </p:cNvGraphicFramePr>
+          <p:cNvPicPr>
+            <a:picLocks noGrp="1" noChangeAspect="1"/>
+          </p:cNvPicPr>
           <p:nvPr>
             <p:ph idx="1"/>
-            <p:extLst>
-              <p:ext uri="{D42A27DB-BD31-4B8C-83A1-F6EECF244321}">
-                <p14:modId xmlns:p14="http://schemas.microsoft.com/office/powerpoint/2010/main" val="413457341"/>
-              </p:ext>
-            </p:extLst>
-          </p:nvPr>
-        </p:nvGraphicFramePr>
-        <p:xfrm>
-          <a:off x="467544" y="1412777"/>
-          <a:ext cx="8229600" cy="2706249"/>
-        </p:xfrm>
-        <a:graphic>
-          <a:graphicData uri="http://schemas.openxmlformats.org/drawingml/2006/table">
-            <a:tbl>
-              <a:tblPr firstRow="1" bandRow="1">
-                <a:tableStyleId>{F5AB1C69-6EDB-4FF4-983F-18BD219EF322}</a:tableStyleId>
-              </a:tblPr>
-              <a:tblGrid>
-                <a:gridCol w="4114800"/>
-                <a:gridCol w="4114800"/>
-              </a:tblGrid>
-              <a:tr h="815195">
-                <a:tc>
-                  <a:txBody>
-                    <a:bodyPr/>
-                    <a:lstStyle/>
-                    <a:p>
-                      <a:pPr algn="ctr"/>
-                      <a:endParaRPr lang="en-GB" sz="2000" dirty="0" smtClean="0"/>
-                    </a:p>
-                    <a:p>
-                      <a:pPr algn="ctr"/>
-                      <a:r>
-                        <a:rPr lang="en-GB" sz="2000" dirty="0" smtClean="0"/>
-                        <a:t>GOOD</a:t>
-                      </a:r>
-                      <a:endParaRPr lang="en-GB" sz="2000" dirty="0"/>
-                    </a:p>
-                  </a:txBody>
-                  <a:tcPr>
-                    <a:solidFill>
-                      <a:srgbClr val="15F730"/>
-                    </a:solidFill>
-                  </a:tcPr>
-                </a:tc>
-                <a:tc>
-                  <a:txBody>
-                    <a:bodyPr/>
-                    <a:lstStyle/>
-                    <a:p>
-                      <a:pPr algn="ctr"/>
-                      <a:endParaRPr lang="en-GB" sz="2000" dirty="0" smtClean="0"/>
-                    </a:p>
-                    <a:p>
-                      <a:pPr algn="ctr"/>
-                      <a:r>
-                        <a:rPr lang="en-GB" sz="2000" dirty="0" smtClean="0"/>
-                        <a:t>BAD</a:t>
-                      </a:r>
-                      <a:endParaRPr lang="en-GB" sz="2000" dirty="0"/>
-                    </a:p>
-                  </a:txBody>
-                  <a:tcPr>
-                    <a:solidFill>
-                      <a:srgbClr val="FF0000"/>
-                    </a:solidFill>
-                  </a:tcPr>
-                </a:tc>
-              </a:tr>
-              <a:tr h="680064">
-                <a:tc>
-                  <a:txBody>
-                    <a:bodyPr/>
-                    <a:lstStyle/>
-                    <a:p>
-                      <a:pPr algn="ctr"/>
-                      <a:r>
-                        <a:rPr lang="en-GB" sz="2000" dirty="0" smtClean="0"/>
-                        <a:t>“CP” behaviour makes consistency straightforward</a:t>
-                      </a:r>
-                    </a:p>
-                  </a:txBody>
-                  <a:tcPr/>
-                </a:tc>
-                <a:tc>
-                  <a:txBody>
-                    <a:bodyPr/>
-                    <a:lstStyle/>
-                    <a:p>
-                      <a:pPr algn="ctr"/>
-                      <a:r>
-                        <a:rPr lang="en-GB" sz="2000" dirty="0" smtClean="0"/>
-                        <a:t>Loses transactions/ ACID </a:t>
-                      </a:r>
-                      <a:r>
-                        <a:rPr lang="en-GB" sz="2000" dirty="0" err="1" smtClean="0"/>
-                        <a:t>guaranteess</a:t>
-                      </a:r>
-                      <a:r>
-                        <a:rPr lang="en-GB" sz="2000" baseline="0" dirty="0" smtClean="0"/>
-                        <a:t> for multi-document transactions</a:t>
-                      </a:r>
-                      <a:endParaRPr lang="en-GB" sz="2000" dirty="0"/>
-                    </a:p>
-                  </a:txBody>
-                  <a:tcPr/>
-                </a:tc>
-              </a:tr>
-              <a:tr h="680064">
-                <a:tc>
-                  <a:txBody>
-                    <a:bodyPr/>
-                    <a:lstStyle/>
-                    <a:p>
-                      <a:pPr marL="0" marR="0" indent="0" algn="ctr" defTabSz="914400" rtl="0" eaLnBrk="1" fontAlgn="auto" latinLnBrk="0" hangingPunct="1">
-                        <a:lnSpc>
-                          <a:spcPct val="100000"/>
-                        </a:lnSpc>
-                        <a:spcBef>
-                          <a:spcPts val="0"/>
-                        </a:spcBef>
-                        <a:spcAft>
-                          <a:spcPts val="0"/>
-                        </a:spcAft>
-                        <a:buClrTx/>
-                        <a:buSzTx/>
-                        <a:buFontTx/>
-                        <a:buNone/>
-                        <a:tabLst/>
-                        <a:defRPr/>
-                      </a:pPr>
-                      <a:r>
-                        <a:rPr lang="en-GB" sz="2000" dirty="0" smtClean="0"/>
-                        <a:t>Automatically handles </a:t>
-                      </a:r>
-                      <a:r>
-                        <a:rPr lang="en-GB" sz="2000" dirty="0" err="1" smtClean="0"/>
-                        <a:t>sharding</a:t>
-                      </a:r>
-                      <a:endParaRPr lang="en-GB" sz="2000" dirty="0" smtClean="0"/>
-                    </a:p>
-                  </a:txBody>
-                  <a:tcPr/>
-                </a:tc>
-                <a:tc>
-                  <a:txBody>
-                    <a:bodyPr/>
-                    <a:lstStyle/>
-                    <a:p>
-                      <a:pPr marL="0" marR="0" indent="0" algn="ctr" defTabSz="914400" rtl="0" eaLnBrk="1" fontAlgn="auto" latinLnBrk="0" hangingPunct="1">
-                        <a:lnSpc>
-                          <a:spcPct val="100000"/>
-                        </a:lnSpc>
-                        <a:spcBef>
-                          <a:spcPts val="0"/>
-                        </a:spcBef>
-                        <a:spcAft>
-                          <a:spcPts val="0"/>
-                        </a:spcAft>
-                        <a:buClrTx/>
-                        <a:buSzTx/>
-                        <a:buFontTx/>
-                        <a:buNone/>
-                        <a:tabLst/>
-                        <a:defRPr/>
-                      </a:pPr>
-                      <a:r>
-                        <a:rPr lang="en-GB" sz="2000" dirty="0" smtClean="0"/>
-                        <a:t>Less available than some “AP” systems</a:t>
-                      </a:r>
-                    </a:p>
-                  </a:txBody>
-                  <a:tcPr/>
-                </a:tc>
-              </a:tr>
-              <a:tr h="488974">
-                <a:tc>
-                  <a:txBody>
-                    <a:bodyPr/>
-                    <a:lstStyle/>
-                    <a:p>
-                      <a:pPr marL="0" marR="0" indent="0" algn="ctr" defTabSz="914400" rtl="0" eaLnBrk="1" fontAlgn="auto" latinLnBrk="0" hangingPunct="1">
-                        <a:lnSpc>
-                          <a:spcPct val="100000"/>
-                        </a:lnSpc>
-                        <a:spcBef>
-                          <a:spcPts val="0"/>
-                        </a:spcBef>
-                        <a:spcAft>
-                          <a:spcPts val="0"/>
-                        </a:spcAft>
-                        <a:buClrTx/>
-                        <a:buSzTx/>
-                        <a:buFontTx/>
-                        <a:buNone/>
-                        <a:tabLst/>
-                        <a:defRPr/>
-                      </a:pPr>
-                      <a:r>
-                        <a:rPr lang="en-GB" sz="2000" dirty="0" smtClean="0"/>
-                        <a:t>Popular/</a:t>
-                      </a:r>
-                      <a:r>
-                        <a:rPr lang="en-GB" sz="2000" baseline="0" dirty="0" smtClean="0"/>
-                        <a:t> widely used</a:t>
-                      </a:r>
-                      <a:endParaRPr lang="en-GB" sz="2000" dirty="0" smtClean="0"/>
-                    </a:p>
-                  </a:txBody>
-                  <a:tcPr/>
-                </a:tc>
-                <a:tc>
-                  <a:txBody>
-                    <a:bodyPr/>
-                    <a:lstStyle/>
-                    <a:p>
-                      <a:pPr marL="0" marR="0" indent="0" algn="ctr" defTabSz="914400" rtl="0" eaLnBrk="1" fontAlgn="auto" latinLnBrk="0" hangingPunct="1">
-                        <a:lnSpc>
-                          <a:spcPct val="100000"/>
-                        </a:lnSpc>
-                        <a:spcBef>
-                          <a:spcPts val="0"/>
-                        </a:spcBef>
-                        <a:spcAft>
-                          <a:spcPts val="0"/>
-                        </a:spcAft>
-                        <a:buClrTx/>
-                        <a:buSzTx/>
-                        <a:buFontTx/>
-                        <a:buNone/>
-                        <a:tabLst/>
-                        <a:defRPr/>
-                      </a:pPr>
-                      <a:endParaRPr lang="en-GB" sz="2000" dirty="0" smtClean="0"/>
-                    </a:p>
-                  </a:txBody>
-                  <a:tcPr/>
-                </a:tc>
-              </a:tr>
-            </a:tbl>
-          </a:graphicData>
-        </a:graphic>
-      </p:graphicFrame>
-      <p:sp>
-        <p:nvSpPr>
-          <p:cNvPr id="3" name="TextBox 2"/>
+          </p:nvPr>
+        </p:nvPicPr>
+        <p:blipFill>
+          <a:blip r:embed="rId3">
+            <a:extLst>
+              <a:ext uri="{28A0092B-C50C-407E-A947-70E740481C1C}">
+                <a14:useLocalDpi xmlns:a14="http://schemas.microsoft.com/office/drawing/2010/main" val="0"/>
+              </a:ext>
+            </a:extLst>
+          </a:blip>
+          <a:stretch>
+            <a:fillRect/>
+          </a:stretch>
+        </p:blipFill>
+        <p:spPr>
+          <a:xfrm>
+            <a:off x="1403648" y="1412776"/>
+            <a:ext cx="5897548" cy="4032449"/>
+          </a:xfrm>
+        </p:spPr>
+      </p:pic>
+      <p:sp>
+        <p:nvSpPr>
+          <p:cNvPr id="5" name="TextBox 4"/>
           <p:cNvSpPr txBox="1"/>
           <p:nvPr/>
         </p:nvSpPr>
         <p:spPr>
           <a:xfrm>
-            <a:off x="539552" y="4286777"/>
-            <a:ext cx="8136904" cy="1200329"/>
+            <a:off x="1259632" y="5733256"/>
+            <a:ext cx="5904656" cy="369332"/>
           </a:xfrm>
           <a:prstGeom prst="rect">
             <a:avLst/>
@@ -16246,56 +15338,28 @@
           <a:lstStyle/>
           <a:p>
             <a:r>
+              <a:rPr lang="en-GB" dirty="0">
+                <a:hlinkClick r:id="rId4"/>
+              </a:rPr>
+              <a:t>http://docs.basho.com/riak/latest/theory/concepts</a:t>
+            </a:r>
+            <a:r>
+              <a:rPr lang="en-GB" dirty="0" smtClean="0">
+                <a:hlinkClick r:id="rId4"/>
+              </a:rPr>
+              <a:t>/</a:t>
+            </a:r>
+            <a:r>
               <a:rPr lang="en-GB" dirty="0" smtClean="0"/>
-              <a:t>NB: Document databases can make other trade-offs:</a:t>
-            </a:r>
-          </a:p>
-          <a:p>
-            <a:endParaRPr lang="en-GB" dirty="0" smtClean="0"/>
-          </a:p>
-          <a:p>
-            <a:r>
-              <a:rPr lang="en-GB" dirty="0"/>
-              <a:t>	</a:t>
-            </a:r>
-            <a:r>
-              <a:rPr lang="en-GB" dirty="0" smtClean="0"/>
-              <a:t>-&gt; </a:t>
-            </a:r>
-            <a:r>
-              <a:rPr lang="en-GB" dirty="0" err="1" smtClean="0"/>
-              <a:t>RavenDB</a:t>
-            </a:r>
-            <a:r>
-              <a:rPr lang="en-GB" dirty="0" smtClean="0"/>
-              <a:t> – stronger ACID semantics</a:t>
-            </a:r>
-          </a:p>
-          <a:p>
-            <a:r>
-              <a:rPr lang="en-GB" dirty="0"/>
-              <a:t>	</a:t>
-            </a:r>
-            <a:r>
-              <a:rPr lang="en-GB" dirty="0" smtClean="0"/>
-              <a:t>-&gt; </a:t>
-            </a:r>
-            <a:r>
-              <a:rPr lang="en-GB" dirty="0" err="1" smtClean="0"/>
-              <a:t>CouchDB</a:t>
-            </a:r>
-            <a:r>
-              <a:rPr lang="en-GB" dirty="0" smtClean="0"/>
-              <a:t> – prioritises availability (“AP”)</a:t>
-            </a:r>
-            <a:endParaRPr lang="en-GB" dirty="0"/>
+              <a:t> </a:t>
+            </a:r>
           </a:p>
         </p:txBody>
       </p:sp>
     </p:spTree>
     <p:extLst>
       <p:ext uri="{BB962C8B-B14F-4D97-AF65-F5344CB8AC3E}">
-        <p14:creationId xmlns:p14="http://schemas.microsoft.com/office/powerpoint/2010/main" val="756575689"/>
+        <p14:creationId xmlns:p14="http://schemas.microsoft.com/office/powerpoint/2010/main" val="2499050060"/>
       </p:ext>
     </p:extLst>
   </p:cSld>
@@ -16345,248 +15409,6 @@
           <a:lstStyle/>
           <a:p>
             <a:r>
-              <a:rPr lang="en-GB" dirty="0" smtClean="0"/>
-              <a:t>“AP” Systems – </a:t>
-            </a:r>
-            <a:r>
-              <a:rPr lang="en-GB" dirty="0" err="1" smtClean="0"/>
-              <a:t>Riak</a:t>
-            </a:r>
-            <a:r>
-              <a:rPr lang="en-GB" dirty="0" smtClean="0"/>
-              <a:t> &amp; Cassandra</a:t>
-            </a:r>
-            <a:endParaRPr lang="en-GB" dirty="0"/>
-          </a:p>
-        </p:txBody>
-      </p:sp>
-      <p:sp>
-        <p:nvSpPr>
-          <p:cNvPr id="3" name="Content Placeholder 2"/>
-          <p:cNvSpPr>
-            <a:spLocks noGrp="1"/>
-          </p:cNvSpPr>
-          <p:nvPr>
-            <p:ph idx="1"/>
-          </p:nvPr>
-        </p:nvSpPr>
-        <p:spPr/>
-        <p:txBody>
-          <a:bodyPr/>
-          <a:lstStyle/>
-          <a:p>
-            <a:r>
-              <a:rPr lang="en-GB" dirty="0" smtClean="0"/>
-              <a:t>“Aggregate” data models – somewhat similar to document databases</a:t>
-            </a:r>
-          </a:p>
-          <a:p>
-            <a:endParaRPr lang="en-GB" dirty="0" smtClean="0"/>
-          </a:p>
-          <a:p>
-            <a:r>
-              <a:rPr lang="en-GB" dirty="0" smtClean="0"/>
-              <a:t>Highly optimised for availability</a:t>
-            </a:r>
-          </a:p>
-          <a:p>
-            <a:endParaRPr lang="en-GB" dirty="0"/>
-          </a:p>
-          <a:p>
-            <a:r>
-              <a:rPr lang="en-GB" dirty="0" err="1" smtClean="0"/>
-              <a:t>Tunable</a:t>
-            </a:r>
-            <a:r>
-              <a:rPr lang="en-GB" dirty="0" smtClean="0"/>
-              <a:t> AP/ CP trade-off</a:t>
-            </a:r>
-          </a:p>
-        </p:txBody>
-      </p:sp>
-    </p:spTree>
-    <p:extLst>
-      <p:ext uri="{BB962C8B-B14F-4D97-AF65-F5344CB8AC3E}">
-        <p14:creationId xmlns:p14="http://schemas.microsoft.com/office/powerpoint/2010/main" val="2924640553"/>
-      </p:ext>
-    </p:extLst>
-  </p:cSld>
-  <p:clrMapOvr>
-    <a:masterClrMapping/>
-  </p:clrMapOvr>
-  <p:timing>
-    <p:tnLst>
-      <p:par>
-        <p:cTn id="1" dur="indefinite" restart="never" nodeType="tmRoot"/>
-      </p:par>
-    </p:tnLst>
-  </p:timing>
-</p:sld>
-</file>
-
-<file path=ppt/slides/slide36.xml><?xml version="1.0" encoding="utf-8"?>
-<p:sld xmlns:a="http://schemas.openxmlformats.org/drawingml/2006/main" xmlns:r="http://schemas.openxmlformats.org/officeDocument/2006/relationships" xmlns:p="http://schemas.openxmlformats.org/presentationml/2006/main">
-  <p:cSld>
-    <p:spTree>
-      <p:nvGrpSpPr>
-        <p:cNvPr id="1" name=""/>
-        <p:cNvGrpSpPr/>
-        <p:nvPr/>
-      </p:nvGrpSpPr>
-      <p:grpSpPr>
-        <a:xfrm>
-          <a:off x="0" y="0"/>
-          <a:ext cx="0" cy="0"/>
-          <a:chOff x="0" y="0"/>
-          <a:chExt cx="0" cy="0"/>
-        </a:xfrm>
-      </p:grpSpPr>
-      <p:sp>
-        <p:nvSpPr>
-          <p:cNvPr id="2" name="Title 1"/>
-          <p:cNvSpPr>
-            <a:spLocks noGrp="1"/>
-          </p:cNvSpPr>
-          <p:nvPr>
-            <p:ph type="title"/>
-          </p:nvPr>
-        </p:nvSpPr>
-        <p:spPr/>
-        <p:txBody>
-          <a:bodyPr/>
-          <a:lstStyle/>
-          <a:p>
-            <a:r>
-              <a:rPr lang="en-GB" dirty="0" smtClean="0"/>
-              <a:t>The Ring Model</a:t>
-            </a:r>
-            <a:endParaRPr lang="en-GB" dirty="0"/>
-          </a:p>
-        </p:txBody>
-      </p:sp>
-      <p:pic>
-        <p:nvPicPr>
-          <p:cNvPr id="4" name="Content Placeholder 3"/>
-          <p:cNvPicPr>
-            <a:picLocks noGrp="1" noChangeAspect="1"/>
-          </p:cNvPicPr>
-          <p:nvPr>
-            <p:ph idx="1"/>
-          </p:nvPr>
-        </p:nvPicPr>
-        <p:blipFill>
-          <a:blip r:embed="rId3">
-            <a:extLst>
-              <a:ext uri="{28A0092B-C50C-407E-A947-70E740481C1C}">
-                <a14:useLocalDpi xmlns:a14="http://schemas.microsoft.com/office/drawing/2010/main" val="0"/>
-              </a:ext>
-            </a:extLst>
-          </a:blip>
-          <a:stretch>
-            <a:fillRect/>
-          </a:stretch>
-        </p:blipFill>
-        <p:spPr>
-          <a:xfrm>
-            <a:off x="1403648" y="1412776"/>
-            <a:ext cx="5897548" cy="4032449"/>
-          </a:xfrm>
-        </p:spPr>
-      </p:pic>
-      <p:sp>
-        <p:nvSpPr>
-          <p:cNvPr id="5" name="TextBox 4"/>
-          <p:cNvSpPr txBox="1"/>
-          <p:nvPr/>
-        </p:nvSpPr>
-        <p:spPr>
-          <a:xfrm>
-            <a:off x="1259632" y="5733256"/>
-            <a:ext cx="5904656" cy="369332"/>
-          </a:xfrm>
-          <a:prstGeom prst="rect">
-            <a:avLst/>
-          </a:prstGeom>
-          <a:noFill/>
-        </p:spPr>
-        <p:txBody>
-          <a:bodyPr wrap="square" rtlCol="0">
-            <a:spAutoFit/>
-          </a:bodyPr>
-          <a:lstStyle/>
-          <a:p>
-            <a:r>
-              <a:rPr lang="en-GB" dirty="0">
-                <a:hlinkClick r:id="rId4"/>
-              </a:rPr>
-              <a:t>http://docs.basho.com/riak/latest/theory/concepts</a:t>
-            </a:r>
-            <a:r>
-              <a:rPr lang="en-GB" dirty="0" smtClean="0">
-                <a:hlinkClick r:id="rId4"/>
-              </a:rPr>
-              <a:t>/</a:t>
-            </a:r>
-            <a:r>
-              <a:rPr lang="en-GB" dirty="0" smtClean="0"/>
-              <a:t> </a:t>
-            </a:r>
-          </a:p>
-        </p:txBody>
-      </p:sp>
-    </p:spTree>
-    <p:extLst>
-      <p:ext uri="{BB962C8B-B14F-4D97-AF65-F5344CB8AC3E}">
-        <p14:creationId xmlns:p14="http://schemas.microsoft.com/office/powerpoint/2010/main" val="2499050060"/>
-      </p:ext>
-    </p:extLst>
-  </p:cSld>
-  <p:clrMapOvr>
-    <a:masterClrMapping/>
-  </p:clrMapOvr>
-  <p:timing>
-    <p:tnLst>
-      <p:par>
-        <p:cTn id="1" dur="indefinite" restart="never" nodeType="tmRoot"/>
-      </p:par>
-    </p:tnLst>
-  </p:timing>
-</p:sld>
-</file>
-
-<file path=ppt/slides/slide37.xml><?xml version="1.0" encoding="utf-8"?>
-<p:sld xmlns:a="http://schemas.openxmlformats.org/drawingml/2006/main" xmlns:r="http://schemas.openxmlformats.org/officeDocument/2006/relationships" xmlns:p="http://schemas.openxmlformats.org/presentationml/2006/main">
-  <p:cSld>
-    <p:spTree>
-      <p:nvGrpSpPr>
-        <p:cNvPr id="1" name=""/>
-        <p:cNvGrpSpPr/>
-        <p:nvPr/>
-      </p:nvGrpSpPr>
-      <p:grpSpPr>
-        <a:xfrm>
-          <a:off x="0" y="0"/>
-          <a:ext cx="0" cy="0"/>
-          <a:chOff x="0" y="0"/>
-          <a:chExt cx="0" cy="0"/>
-        </a:xfrm>
-      </p:grpSpPr>
-      <p:sp>
-        <p:nvSpPr>
-          <p:cNvPr id="2" name="Title 1"/>
-          <p:cNvSpPr>
-            <a:spLocks noGrp="1"/>
-          </p:cNvSpPr>
-          <p:nvPr>
-            <p:ph type="title"/>
-          </p:nvPr>
-        </p:nvSpPr>
-        <p:spPr/>
-        <p:txBody>
-          <a:bodyPr/>
-          <a:lstStyle/>
-          <a:p>
-            <a:r>
               <a:rPr lang="en-GB" dirty="0" err="1" smtClean="0"/>
               <a:t>Tunable</a:t>
             </a:r>
@@ -16659,7 +15481,7 @@
 </p:sld>
 </file>
 
-<file path=ppt/slides/slide38.xml><?xml version="1.0" encoding="utf-8"?>
+<file path=ppt/slides/slide36.xml><?xml version="1.0" encoding="utf-8"?>
 <p:sld xmlns:a="http://schemas.openxmlformats.org/drawingml/2006/main" xmlns:r="http://schemas.openxmlformats.org/officeDocument/2006/relationships" xmlns:p="http://schemas.openxmlformats.org/presentationml/2006/main">
   <p:cSld>
     <p:spTree>
@@ -18011,7 +16833,7 @@
 </p:sld>
 </file>
 
-<file path=ppt/slides/slide39.xml><?xml version="1.0" encoding="utf-8"?>
+<file path=ppt/slides/slide37.xml><?xml version="1.0" encoding="utf-8"?>
 <p:sld xmlns:a="http://schemas.openxmlformats.org/drawingml/2006/main" xmlns:r="http://schemas.openxmlformats.org/officeDocument/2006/relationships" xmlns:p="http://schemas.openxmlformats.org/presentationml/2006/main">
   <p:cSld>
     <p:spTree>
@@ -18290,6 +17112,158 @@
 </p:sld>
 </file>
 
+<file path=ppt/slides/slide38.xml><?xml version="1.0" encoding="utf-8"?>
+<p:sld xmlns:a="http://schemas.openxmlformats.org/drawingml/2006/main" xmlns:r="http://schemas.openxmlformats.org/officeDocument/2006/relationships" xmlns:p="http://schemas.openxmlformats.org/presentationml/2006/main">
+  <p:cSld>
+    <p:spTree>
+      <p:nvGrpSpPr>
+        <p:cNvPr id="1" name=""/>
+        <p:cNvGrpSpPr/>
+        <p:nvPr/>
+      </p:nvGrpSpPr>
+      <p:grpSpPr>
+        <a:xfrm>
+          <a:off x="0" y="0"/>
+          <a:ext cx="0" cy="0"/>
+          <a:chOff x="0" y="0"/>
+          <a:chExt cx="0" cy="0"/>
+        </a:xfrm>
+      </p:grpSpPr>
+      <p:sp>
+        <p:nvSpPr>
+          <p:cNvPr id="2" name="Title 1"/>
+          <p:cNvSpPr>
+            <a:spLocks noGrp="1"/>
+          </p:cNvSpPr>
+          <p:nvPr>
+            <p:ph type="ctrTitle"/>
+          </p:nvPr>
+        </p:nvSpPr>
+        <p:spPr/>
+        <p:txBody>
+          <a:bodyPr/>
+          <a:lstStyle/>
+          <a:p>
+            <a:r>
+              <a:rPr lang="en-GB" dirty="0" smtClean="0"/>
+              <a:t>(</a:t>
+            </a:r>
+            <a:r>
+              <a:rPr lang="en-GB" dirty="0" err="1" smtClean="0"/>
+              <a:t>Riak</a:t>
+            </a:r>
+            <a:r>
+              <a:rPr lang="en-GB" dirty="0" smtClean="0"/>
+              <a:t> Demo)</a:t>
+            </a:r>
+            <a:endParaRPr lang="en-GB" dirty="0"/>
+          </a:p>
+        </p:txBody>
+      </p:sp>
+      <p:sp>
+        <p:nvSpPr>
+          <p:cNvPr id="3" name="Subtitle 2"/>
+          <p:cNvSpPr>
+            <a:spLocks noGrp="1"/>
+          </p:cNvSpPr>
+          <p:nvPr>
+            <p:ph type="subTitle" idx="1"/>
+          </p:nvPr>
+        </p:nvSpPr>
+        <p:spPr/>
+        <p:txBody>
+          <a:bodyPr/>
+          <a:lstStyle/>
+          <a:p>
+            <a:endParaRPr lang="en-GB"/>
+          </a:p>
+        </p:txBody>
+      </p:sp>
+    </p:spTree>
+    <p:extLst>
+      <p:ext uri="{BB962C8B-B14F-4D97-AF65-F5344CB8AC3E}">
+        <p14:creationId xmlns:p14="http://schemas.microsoft.com/office/powerpoint/2010/main" val="113695456"/>
+      </p:ext>
+    </p:extLst>
+  </p:cSld>
+  <p:clrMapOvr>
+    <a:masterClrMapping/>
+  </p:clrMapOvr>
+</p:sld>
+</file>
+
+<file path=ppt/slides/slide39.xml><?xml version="1.0" encoding="utf-8"?>
+<p:sld xmlns:a="http://schemas.openxmlformats.org/drawingml/2006/main" xmlns:r="http://schemas.openxmlformats.org/officeDocument/2006/relationships" xmlns:p="http://schemas.openxmlformats.org/presentationml/2006/main">
+  <p:cSld>
+    <p:spTree>
+      <p:nvGrpSpPr>
+        <p:cNvPr id="1" name=""/>
+        <p:cNvGrpSpPr/>
+        <p:nvPr/>
+      </p:nvGrpSpPr>
+      <p:grpSpPr>
+        <a:xfrm>
+          <a:off x="0" y="0"/>
+          <a:ext cx="0" cy="0"/>
+          <a:chOff x="0" y="0"/>
+          <a:chExt cx="0" cy="0"/>
+        </a:xfrm>
+      </p:grpSpPr>
+      <p:sp>
+        <p:nvSpPr>
+          <p:cNvPr id="2" name="Title 1"/>
+          <p:cNvSpPr>
+            <a:spLocks noGrp="1"/>
+          </p:cNvSpPr>
+          <p:nvPr>
+            <p:ph type="title"/>
+          </p:nvPr>
+        </p:nvSpPr>
+        <p:spPr/>
+        <p:txBody>
+          <a:bodyPr/>
+          <a:lstStyle/>
+          <a:p>
+            <a:r>
+              <a:rPr lang="en-GB" dirty="0" smtClean="0"/>
+              <a:t>Cassandra</a:t>
+            </a:r>
+            <a:endParaRPr lang="en-GB" dirty="0"/>
+          </a:p>
+        </p:txBody>
+      </p:sp>
+      <p:sp>
+        <p:nvSpPr>
+          <p:cNvPr id="3" name="Content Placeholder 2"/>
+          <p:cNvSpPr>
+            <a:spLocks noGrp="1"/>
+          </p:cNvSpPr>
+          <p:nvPr>
+            <p:ph idx="1"/>
+          </p:nvPr>
+        </p:nvSpPr>
+        <p:spPr/>
+        <p:txBody>
+          <a:bodyPr/>
+          <a:lstStyle/>
+          <a:p>
+            <a:endParaRPr lang="en-GB"/>
+          </a:p>
+        </p:txBody>
+      </p:sp>
+    </p:spTree>
+    <p:extLst>
+      <p:ext uri="{BB962C8B-B14F-4D97-AF65-F5344CB8AC3E}">
+        <p14:creationId xmlns:p14="http://schemas.microsoft.com/office/powerpoint/2010/main" val="2213134705"/>
+      </p:ext>
+    </p:extLst>
+  </p:cSld>
+  <p:clrMapOvr>
+    <a:masterClrMapping/>
+  </p:clrMapOvr>
+</p:sld>
+</file>
+
 <file path=ppt/slides/slide4.xml><?xml version="1.0" encoding="utf-8"?>
 <p:sld xmlns:a="http://schemas.openxmlformats.org/drawingml/2006/main" xmlns:r="http://schemas.openxmlformats.org/officeDocument/2006/relationships" xmlns:p="http://schemas.openxmlformats.org/presentationml/2006/main">
   <p:cSld>
@@ -18493,7 +17467,7 @@
             <a:spLocks noGrp="1"/>
           </p:cNvSpPr>
           <p:nvPr>
-            <p:ph type="title"/>
+            <p:ph type="ctrTitle"/>
           </p:nvPr>
         </p:nvSpPr>
         <p:spPr/>
@@ -18502,12 +17476,8 @@
           <a:lstStyle/>
           <a:p>
             <a:r>
-              <a:rPr lang="en-GB" dirty="0" err="1" smtClean="0"/>
-              <a:t>Riak</a:t>
-            </a:r>
-            <a:r>
               <a:rPr lang="en-GB" dirty="0" smtClean="0"/>
-              <a:t> - Demo</a:t>
+              <a:t>(Cassandra Demo)</a:t>
             </a:r>
             <a:endParaRPr lang="en-GB" dirty="0"/>
           </a:p>
@@ -18515,12 +17485,12 @@
       </p:sp>
       <p:sp>
         <p:nvSpPr>
-          <p:cNvPr id="3" name="Content Placeholder 2"/>
-          <p:cNvSpPr>
-            <a:spLocks noGrp="1"/>
-          </p:cNvSpPr>
-          <p:nvPr>
-            <p:ph idx="1"/>
+          <p:cNvPr id="3" name="Subtitle 2"/>
+          <p:cNvSpPr>
+            <a:spLocks noGrp="1"/>
+          </p:cNvSpPr>
+          <p:nvPr>
+            <p:ph type="subTitle" idx="1"/>
           </p:nvPr>
         </p:nvSpPr>
         <p:spPr/>
@@ -18535,20 +17505,13 @@
     </p:spTree>
     <p:extLst>
       <p:ext uri="{BB962C8B-B14F-4D97-AF65-F5344CB8AC3E}">
-        <p14:creationId xmlns:p14="http://schemas.microsoft.com/office/powerpoint/2010/main" val="4125363455"/>
+        <p14:creationId xmlns:p14="http://schemas.microsoft.com/office/powerpoint/2010/main" val="3763083771"/>
       </p:ext>
     </p:extLst>
   </p:cSld>
   <p:clrMapOvr>
     <a:masterClrMapping/>
   </p:clrMapOvr>
-  <p:timing>
-    <p:tnLst>
-      <p:par>
-        <p:cTn id="1" dur="indefinite" restart="never" nodeType="tmRoot"/>
-      </p:par>
-    </p:tnLst>
-  </p:timing>
 </p:sld>
 </file>
 
@@ -18581,253 +17544,96 @@
         </p:nvSpPr>
         <p:spPr/>
         <p:txBody>
+          <a:bodyPr/>
+          <a:lstStyle/>
+          <a:p>
+            <a:r>
+              <a:rPr lang="en-GB" dirty="0" err="1" smtClean="0"/>
+              <a:t>DocumentDB</a:t>
+            </a:r>
+            <a:r>
+              <a:rPr lang="en-GB" dirty="0" smtClean="0"/>
+              <a:t> (MS Azure)</a:t>
+            </a:r>
+            <a:endParaRPr lang="en-GB" dirty="0"/>
+          </a:p>
+        </p:txBody>
+      </p:sp>
+      <p:sp>
+        <p:nvSpPr>
+          <p:cNvPr id="3" name="Content Placeholder 2"/>
+          <p:cNvSpPr>
+            <a:spLocks noGrp="1"/>
+          </p:cNvSpPr>
+          <p:nvPr>
+            <p:ph idx="1"/>
+          </p:nvPr>
+        </p:nvSpPr>
+        <p:spPr/>
+        <p:txBody>
           <a:bodyPr>
-            <a:normAutofit/>
+            <a:normAutofit fontScale="92500" lnSpcReduction="20000"/>
           </a:bodyPr>
           <a:lstStyle/>
           <a:p>
             <a:r>
               <a:rPr lang="en-GB" dirty="0" smtClean="0"/>
-              <a:t>Cassandra</a:t>
-            </a:r>
+              <a:t>Main Microsoft NoSQL offering</a:t>
+            </a:r>
+          </a:p>
+          <a:p>
+            <a:endParaRPr lang="en-GB" dirty="0" smtClean="0"/>
+          </a:p>
+          <a:p>
+            <a:r>
+              <a:rPr lang="en-GB" dirty="0" smtClean="0"/>
+              <a:t>JSON document format – similar to MongoDB</a:t>
+            </a:r>
+          </a:p>
+          <a:p>
             <a:endParaRPr lang="en-GB" dirty="0"/>
           </a:p>
-        </p:txBody>
-      </p:sp>
-      <p:graphicFrame>
-        <p:nvGraphicFramePr>
-          <p:cNvPr id="4" name="Content Placeholder 3"/>
-          <p:cNvGraphicFramePr>
-            <a:graphicFrameLocks noGrp="1"/>
-          </p:cNvGraphicFramePr>
-          <p:nvPr>
-            <p:ph idx="1"/>
-            <p:extLst>
-              <p:ext uri="{D42A27DB-BD31-4B8C-83A1-F6EECF244321}">
-                <p14:modId xmlns:p14="http://schemas.microsoft.com/office/powerpoint/2010/main" val="2439300932"/>
-              </p:ext>
-            </p:extLst>
-          </p:nvPr>
-        </p:nvGraphicFramePr>
-        <p:xfrm>
-          <a:off x="467544" y="1412777"/>
-          <a:ext cx="8229600" cy="2664297"/>
-        </p:xfrm>
-        <a:graphic>
-          <a:graphicData uri="http://schemas.openxmlformats.org/drawingml/2006/table">
-            <a:tbl>
-              <a:tblPr firstRow="1" bandRow="1">
-                <a:tableStyleId>{F5AB1C69-6EDB-4FF4-983F-18BD219EF322}</a:tableStyleId>
-              </a:tblPr>
-              <a:tblGrid>
-                <a:gridCol w="4114800"/>
-                <a:gridCol w="4114800"/>
-              </a:tblGrid>
-              <a:tr h="815195">
-                <a:tc>
-                  <a:txBody>
-                    <a:bodyPr/>
-                    <a:lstStyle/>
-                    <a:p>
-                      <a:pPr algn="ctr"/>
-                      <a:endParaRPr lang="en-GB" sz="2000" dirty="0" smtClean="0"/>
-                    </a:p>
-                    <a:p>
-                      <a:pPr algn="ctr"/>
-                      <a:r>
-                        <a:rPr lang="en-GB" sz="2000" dirty="0" smtClean="0"/>
-                        <a:t>GOOD</a:t>
-                      </a:r>
-                      <a:endParaRPr lang="en-GB" sz="2000" dirty="0"/>
-                    </a:p>
-                  </a:txBody>
-                  <a:tcPr>
-                    <a:solidFill>
-                      <a:srgbClr val="15F730"/>
-                    </a:solidFill>
-                  </a:tcPr>
-                </a:tc>
-                <a:tc>
-                  <a:txBody>
-                    <a:bodyPr/>
-                    <a:lstStyle/>
-                    <a:p>
-                      <a:pPr algn="ctr"/>
-                      <a:endParaRPr lang="en-GB" sz="2000" dirty="0" smtClean="0"/>
-                    </a:p>
-                    <a:p>
-                      <a:pPr algn="ctr"/>
-                      <a:r>
-                        <a:rPr lang="en-GB" sz="2000" dirty="0" smtClean="0"/>
-                        <a:t>BAD</a:t>
-                      </a:r>
-                      <a:endParaRPr lang="en-GB" sz="2000" dirty="0"/>
-                    </a:p>
-                  </a:txBody>
-                  <a:tcPr>
-                    <a:solidFill>
-                      <a:srgbClr val="FF0000"/>
-                    </a:solidFill>
-                  </a:tcPr>
-                </a:tc>
-              </a:tr>
-              <a:tr h="680064">
-                <a:tc>
-                  <a:txBody>
-                    <a:bodyPr/>
-                    <a:lstStyle/>
-                    <a:p>
-                      <a:pPr algn="ctr"/>
-                      <a:endParaRPr lang="en-GB" sz="2000" dirty="0" smtClean="0"/>
-                    </a:p>
-                  </a:txBody>
-                  <a:tcPr/>
-                </a:tc>
-                <a:tc>
-                  <a:txBody>
-                    <a:bodyPr/>
-                    <a:lstStyle/>
-                    <a:p>
-                      <a:pPr algn="ctr"/>
-                      <a:endParaRPr lang="en-GB" sz="2000" dirty="0"/>
-                    </a:p>
-                  </a:txBody>
-                  <a:tcPr/>
-                </a:tc>
-              </a:tr>
-              <a:tr h="680064">
-                <a:tc>
-                  <a:txBody>
-                    <a:bodyPr/>
-                    <a:lstStyle/>
-                    <a:p>
-                      <a:pPr marL="0" marR="0" indent="0" algn="ctr" defTabSz="914400" rtl="0" eaLnBrk="1" fontAlgn="auto" latinLnBrk="0" hangingPunct="1">
-                        <a:lnSpc>
-                          <a:spcPct val="100000"/>
-                        </a:lnSpc>
-                        <a:spcBef>
-                          <a:spcPts val="0"/>
-                        </a:spcBef>
-                        <a:spcAft>
-                          <a:spcPts val="0"/>
-                        </a:spcAft>
-                        <a:buClrTx/>
-                        <a:buSzTx/>
-                        <a:buFontTx/>
-                        <a:buNone/>
-                        <a:tabLst/>
-                        <a:defRPr/>
-                      </a:pPr>
-                      <a:endParaRPr lang="en-GB" sz="2000" dirty="0" smtClean="0"/>
-                    </a:p>
-                  </a:txBody>
-                  <a:tcPr/>
-                </a:tc>
-                <a:tc>
-                  <a:txBody>
-                    <a:bodyPr/>
-                    <a:lstStyle/>
-                    <a:p>
-                      <a:pPr marL="0" marR="0" indent="0" algn="ctr" defTabSz="914400" rtl="0" eaLnBrk="1" fontAlgn="auto" latinLnBrk="0" hangingPunct="1">
-                        <a:lnSpc>
-                          <a:spcPct val="100000"/>
-                        </a:lnSpc>
-                        <a:spcBef>
-                          <a:spcPts val="0"/>
-                        </a:spcBef>
-                        <a:spcAft>
-                          <a:spcPts val="0"/>
-                        </a:spcAft>
-                        <a:buClrTx/>
-                        <a:buSzTx/>
-                        <a:buFontTx/>
-                        <a:buNone/>
-                        <a:tabLst/>
-                        <a:defRPr/>
-                      </a:pPr>
-                      <a:endParaRPr lang="en-GB" sz="2000" dirty="0" smtClean="0"/>
-                    </a:p>
-                  </a:txBody>
-                  <a:tcPr/>
-                </a:tc>
-              </a:tr>
-              <a:tr h="488974">
-                <a:tc>
-                  <a:txBody>
-                    <a:bodyPr/>
-                    <a:lstStyle/>
-                    <a:p>
-                      <a:pPr marL="0" marR="0" indent="0" algn="ctr" defTabSz="914400" rtl="0" eaLnBrk="1" fontAlgn="auto" latinLnBrk="0" hangingPunct="1">
-                        <a:lnSpc>
-                          <a:spcPct val="100000"/>
-                        </a:lnSpc>
-                        <a:spcBef>
-                          <a:spcPts val="0"/>
-                        </a:spcBef>
-                        <a:spcAft>
-                          <a:spcPts val="0"/>
-                        </a:spcAft>
-                        <a:buClrTx/>
-                        <a:buSzTx/>
-                        <a:buFontTx/>
-                        <a:buNone/>
-                        <a:tabLst/>
-                        <a:defRPr/>
-                      </a:pPr>
-                      <a:endParaRPr lang="en-GB" sz="2000" dirty="0" smtClean="0"/>
-                    </a:p>
-                  </a:txBody>
-                  <a:tcPr/>
-                </a:tc>
-                <a:tc>
-                  <a:txBody>
-                    <a:bodyPr/>
-                    <a:lstStyle/>
-                    <a:p>
-                      <a:pPr marL="0" marR="0" indent="0" algn="ctr" defTabSz="914400" rtl="0" eaLnBrk="1" fontAlgn="auto" latinLnBrk="0" hangingPunct="1">
-                        <a:lnSpc>
-                          <a:spcPct val="100000"/>
-                        </a:lnSpc>
-                        <a:spcBef>
-                          <a:spcPts val="0"/>
-                        </a:spcBef>
-                        <a:spcAft>
-                          <a:spcPts val="0"/>
-                        </a:spcAft>
-                        <a:buClrTx/>
-                        <a:buSzTx/>
-                        <a:buFontTx/>
-                        <a:buNone/>
-                        <a:tabLst/>
-                        <a:defRPr/>
-                      </a:pPr>
-                      <a:endParaRPr lang="en-GB" sz="2000" dirty="0" smtClean="0"/>
-                    </a:p>
-                  </a:txBody>
-                  <a:tcPr/>
-                </a:tc>
-              </a:tr>
-            </a:tbl>
-          </a:graphicData>
-        </a:graphic>
-      </p:graphicFrame>
+          <a:p>
+            <a:r>
+              <a:rPr lang="en-GB" dirty="0" err="1" smtClean="0"/>
+              <a:t>Tunable</a:t>
+            </a:r>
+            <a:r>
+              <a:rPr lang="en-GB" dirty="0" smtClean="0"/>
+              <a:t> Consistency</a:t>
+            </a:r>
+          </a:p>
+          <a:p>
+            <a:endParaRPr lang="en-GB" dirty="0"/>
+          </a:p>
+          <a:p>
+            <a:r>
+              <a:rPr lang="en-GB" dirty="0" smtClean="0"/>
+              <a:t>In preview – not yet widely adopted or proven</a:t>
+            </a:r>
+          </a:p>
+          <a:p>
+            <a:endParaRPr lang="en-GB" dirty="0"/>
+          </a:p>
+          <a:p>
+            <a:r>
+              <a:rPr lang="en-GB" dirty="0" smtClean="0"/>
+              <a:t>High degree of vendor lock-in</a:t>
+            </a:r>
+            <a:endParaRPr lang="en-GB" dirty="0"/>
+          </a:p>
+        </p:txBody>
+      </p:sp>
     </p:spTree>
     <p:extLst>
       <p:ext uri="{BB962C8B-B14F-4D97-AF65-F5344CB8AC3E}">
-        <p14:creationId xmlns:p14="http://schemas.microsoft.com/office/powerpoint/2010/main" val="1387477763"/>
+        <p14:creationId xmlns:p14="http://schemas.microsoft.com/office/powerpoint/2010/main" val="135053581"/>
       </p:ext>
     </p:extLst>
   </p:cSld>
   <p:clrMapOvr>
     <a:masterClrMapping/>
   </p:clrMapOvr>
-  <p:timing>
-    <p:tnLst>
-      <p:par>
-        <p:cTn id="1" dur="indefinite" restart="never" nodeType="tmRoot"/>
-      </p:par>
-    </p:tnLst>
-  </p:timing>
 </p:sld>
 </file>
 
@@ -18855,7 +17661,7 @@
             <a:spLocks noGrp="1"/>
           </p:cNvSpPr>
           <p:nvPr>
-            <p:ph type="title"/>
+            <p:ph type="ctrTitle"/>
           </p:nvPr>
         </p:nvSpPr>
         <p:spPr/>
@@ -18865,7 +17671,15 @@
           <a:p>
             <a:r>
               <a:rPr lang="en-GB" dirty="0" smtClean="0"/>
-              <a:t>Cassandra - Demo</a:t>
+              <a:t>(</a:t>
+            </a:r>
+            <a:r>
+              <a:rPr lang="en-GB" dirty="0" err="1" smtClean="0"/>
+              <a:t>DocumentDB</a:t>
+            </a:r>
+            <a:r>
+              <a:rPr lang="en-GB" dirty="0" smtClean="0"/>
+              <a:t> Demo)</a:t>
             </a:r>
             <a:endParaRPr lang="en-GB" dirty="0"/>
           </a:p>
@@ -18873,12 +17687,12 @@
       </p:sp>
       <p:sp>
         <p:nvSpPr>
-          <p:cNvPr id="3" name="Content Placeholder 2"/>
-          <p:cNvSpPr>
-            <a:spLocks noGrp="1"/>
-          </p:cNvSpPr>
-          <p:nvPr>
-            <p:ph idx="1"/>
+          <p:cNvPr id="3" name="Subtitle 2"/>
+          <p:cNvSpPr>
+            <a:spLocks noGrp="1"/>
+          </p:cNvSpPr>
+          <p:nvPr>
+            <p:ph type="subTitle" idx="1"/>
           </p:nvPr>
         </p:nvSpPr>
         <p:spPr/>
@@ -18893,20 +17707,13 @@
     </p:spTree>
     <p:extLst>
       <p:ext uri="{BB962C8B-B14F-4D97-AF65-F5344CB8AC3E}">
-        <p14:creationId xmlns:p14="http://schemas.microsoft.com/office/powerpoint/2010/main" val="2734099365"/>
+        <p14:creationId xmlns:p14="http://schemas.microsoft.com/office/powerpoint/2010/main" val="1956378066"/>
       </p:ext>
     </p:extLst>
   </p:cSld>
   <p:clrMapOvr>
     <a:masterClrMapping/>
   </p:clrMapOvr>
-  <p:timing>
-    <p:tnLst>
-      <p:par>
-        <p:cTn id="1" dur="indefinite" restart="never" nodeType="tmRoot"/>
-      </p:par>
-    </p:tnLst>
-  </p:timing>
 </p:sld>
 </file>
 
@@ -20252,7 +19059,7 @@
             <a:spLocks noGrp="1"/>
           </p:cNvSpPr>
           <p:nvPr>
-            <p:ph type="title"/>
+            <p:ph type="ctrTitle"/>
           </p:nvPr>
         </p:nvSpPr>
         <p:spPr/>
@@ -20262,7 +19069,7 @@
           <a:p>
             <a:r>
               <a:rPr lang="en-GB" dirty="0" smtClean="0"/>
-              <a:t>Hadoop </a:t>
+              <a:t>(Hadoop </a:t>
             </a:r>
             <a:r>
               <a:rPr lang="en-GB" dirty="0" err="1" smtClean="0"/>
@@ -20270,7 +19077,7 @@
             </a:r>
             <a:r>
               <a:rPr lang="en-GB" dirty="0" smtClean="0"/>
-              <a:t> - Demo</a:t>
+              <a:t> Demo)</a:t>
             </a:r>
             <a:endParaRPr lang="en-GB" dirty="0"/>
           </a:p>
@@ -20278,12 +19085,12 @@
       </p:sp>
       <p:sp>
         <p:nvSpPr>
-          <p:cNvPr id="3" name="Content Placeholder 2"/>
-          <p:cNvSpPr>
-            <a:spLocks noGrp="1"/>
-          </p:cNvSpPr>
-          <p:nvPr>
-            <p:ph idx="1"/>
+          <p:cNvPr id="3" name="Subtitle 2"/>
+          <p:cNvSpPr>
+            <a:spLocks noGrp="1"/>
+          </p:cNvSpPr>
+          <p:nvPr>
+            <p:ph type="subTitle" idx="1"/>
           </p:nvPr>
         </p:nvSpPr>
         <p:spPr/>
@@ -20298,20 +19105,13 @@
     </p:spTree>
     <p:extLst>
       <p:ext uri="{BB962C8B-B14F-4D97-AF65-F5344CB8AC3E}">
-        <p14:creationId xmlns:p14="http://schemas.microsoft.com/office/powerpoint/2010/main" val="2193881214"/>
+        <p14:creationId xmlns:p14="http://schemas.microsoft.com/office/powerpoint/2010/main" val="491001508"/>
       </p:ext>
     </p:extLst>
   </p:cSld>
   <p:clrMapOvr>
     <a:masterClrMapping/>
   </p:clrMapOvr>
-  <p:timing>
-    <p:tnLst>
-      <p:par>
-        <p:cTn id="1" dur="indefinite" restart="never" nodeType="tmRoot"/>
-      </p:par>
-    </p:tnLst>
-  </p:timing>
 </p:sld>
 </file>
 

--- a/Slides/Not Only SQL - Picking A Database for DotNET.pptx
+++ b/Slides/Not Only SQL - Picking A Database for DotNET.pptx
@@ -5,7 +5,7 @@
     <p:sldMasterId id="2147483648" r:id="rId1"/>
   </p:sldMasterIdLst>
   <p:notesMasterIdLst>
-    <p:notesMasterId r:id="rId60"/>
+    <p:notesMasterId r:id="rId65"/>
   </p:notesMasterIdLst>
   <p:sldIdLst>
     <p:sldId id="256" r:id="rId2"/>
@@ -39,33 +39,38 @@
     <p:sldId id="289" r:id="rId30"/>
     <p:sldId id="327" r:id="rId31"/>
     <p:sldId id="290" r:id="rId32"/>
-    <p:sldId id="291" r:id="rId33"/>
+    <p:sldId id="334" r:id="rId33"/>
     <p:sldId id="295" r:id="rId34"/>
     <p:sldId id="296" r:id="rId35"/>
     <p:sldId id="297" r:id="rId36"/>
     <p:sldId id="314" r:id="rId37"/>
-    <p:sldId id="298" r:id="rId38"/>
+    <p:sldId id="333" r:id="rId38"/>
     <p:sldId id="328" r:id="rId39"/>
     <p:sldId id="331" r:id="rId40"/>
     <p:sldId id="330" r:id="rId41"/>
-    <p:sldId id="326" r:id="rId42"/>
-    <p:sldId id="329" r:id="rId43"/>
-    <p:sldId id="302" r:id="rId44"/>
-    <p:sldId id="312" r:id="rId45"/>
-    <p:sldId id="303" r:id="rId46"/>
-    <p:sldId id="309" r:id="rId47"/>
-    <p:sldId id="332" r:id="rId48"/>
-    <p:sldId id="311" r:id="rId49"/>
-    <p:sldId id="267" r:id="rId50"/>
-    <p:sldId id="268" r:id="rId51"/>
-    <p:sldId id="273" r:id="rId52"/>
-    <p:sldId id="272" r:id="rId53"/>
-    <p:sldId id="271" r:id="rId54"/>
-    <p:sldId id="305" r:id="rId55"/>
-    <p:sldId id="306" r:id="rId56"/>
-    <p:sldId id="307" r:id="rId57"/>
-    <p:sldId id="308" r:id="rId58"/>
-    <p:sldId id="313" r:id="rId59"/>
+    <p:sldId id="337" r:id="rId42"/>
+    <p:sldId id="338" r:id="rId43"/>
+    <p:sldId id="339" r:id="rId44"/>
+    <p:sldId id="335" r:id="rId45"/>
+    <p:sldId id="336" r:id="rId46"/>
+    <p:sldId id="326" r:id="rId47"/>
+    <p:sldId id="329" r:id="rId48"/>
+    <p:sldId id="302" r:id="rId49"/>
+    <p:sldId id="312" r:id="rId50"/>
+    <p:sldId id="303" r:id="rId51"/>
+    <p:sldId id="309" r:id="rId52"/>
+    <p:sldId id="332" r:id="rId53"/>
+    <p:sldId id="311" r:id="rId54"/>
+    <p:sldId id="267" r:id="rId55"/>
+    <p:sldId id="268" r:id="rId56"/>
+    <p:sldId id="273" r:id="rId57"/>
+    <p:sldId id="272" r:id="rId58"/>
+    <p:sldId id="271" r:id="rId59"/>
+    <p:sldId id="305" r:id="rId60"/>
+    <p:sldId id="306" r:id="rId61"/>
+    <p:sldId id="307" r:id="rId62"/>
+    <p:sldId id="308" r:id="rId63"/>
+    <p:sldId id="313" r:id="rId64"/>
   </p:sldIdLst>
   <p:sldSz cx="9144000" cy="6858000" type="screen4x3"/>
   <p:notesSz cx="6858000" cy="9144000"/>
@@ -249,7 +254,7 @@
           <a:p>
             <a:fld id="{4B8F0AD9-C137-4A52-8600-32592EF064CA}" type="datetimeFigureOut">
               <a:rPr lang="en-GB" smtClean="0"/>
-              <a:t>15/04/2015</a:t>
+              <a:t>17/04/2015</a:t>
             </a:fld>
             <a:endParaRPr lang="en-GB"/>
           </a:p>
@@ -1170,7 +1175,7 @@
             </a:pPr>
             <a:r>
               <a:rPr lang="en-GB" dirty="0" smtClean="0"/>
-              <a:t>NB: A “write-heavy” workload doesn’t need to mean a majority</a:t>
+              <a:t>NB: A “write-heavy” workload doesn’t need to mean a strict majority</a:t>
             </a:r>
             <a:r>
               <a:rPr lang="en-GB" baseline="0" dirty="0" smtClean="0"/>
@@ -2469,58 +2474,8 @@
           <a:lstStyle/>
           <a:p>
             <a:r>
-              <a:rPr lang="en-GB" dirty="0" smtClean="0"/>
-              <a:t>We’re going to look at two AP systems,</a:t>
-            </a:r>
-            <a:r>
-              <a:rPr lang="en-GB" baseline="0" dirty="0" smtClean="0"/>
-              <a:t> </a:t>
-            </a:r>
-            <a:r>
-              <a:rPr lang="en-GB" baseline="0" dirty="0" err="1" smtClean="0"/>
-              <a:t>Riak</a:t>
-            </a:r>
-            <a:r>
-              <a:rPr lang="en-GB" baseline="0" dirty="0" smtClean="0"/>
-              <a:t> and Cassandra, which share some key features but also have some clear differences.</a:t>
-            </a:r>
-          </a:p>
-          <a:p>
-            <a:r>
-              <a:rPr lang="en-GB" baseline="0" dirty="0" smtClean="0"/>
-              <a:t>I have looked at </a:t>
-            </a:r>
-            <a:r>
-              <a:rPr lang="en-GB" baseline="0" dirty="0" err="1" smtClean="0"/>
-              <a:t>Riak</a:t>
-            </a:r>
-            <a:r>
-              <a:rPr lang="en-GB" baseline="0" dirty="0" smtClean="0"/>
-              <a:t> in the most detail, as it is the clearest example of an AP system and the key trade-offs made.</a:t>
-            </a:r>
-          </a:p>
-          <a:p>
-            <a:r>
-              <a:rPr lang="en-GB" baseline="0" dirty="0" smtClean="0"/>
-              <a:t>For Cassandra will simply highlight the differences, which are mainly around having a more detailed &amp; expressive data model which parallels relational/ SQL to some (limited!) extent.</a:t>
-            </a:r>
-          </a:p>
-          <a:p>
-            <a:endParaRPr lang="en-GB" baseline="0" dirty="0" smtClean="0"/>
-          </a:p>
-          <a:p>
-            <a:r>
               <a:rPr lang="en-GB" baseline="0" dirty="0" smtClean="0"/>
               <a:t>http://docs.basho.com/riak/1.1.0/references/appendices/comparisons/Riak-Compared-to-Cassandra/</a:t>
-            </a:r>
-          </a:p>
-          <a:p>
-            <a:endParaRPr lang="en-GB" baseline="0" dirty="0" smtClean="0"/>
-          </a:p>
-          <a:p>
-            <a:r>
-              <a:rPr lang="en-GB" baseline="0" dirty="0" smtClean="0"/>
-              <a:t>Please note that this is by no means a complete overview of AP systems and there may be other ways to implements, but these are representative and widely used examples!</a:t>
             </a:r>
           </a:p>
         </p:txBody>
@@ -2828,7 +2783,7 @@
           <a:p>
             <a:fld id="{B88E1A96-A68C-4ED7-8535-7FE27C72D2F0}" type="slidenum">
               <a:rPr lang="en-GB" smtClean="0"/>
-              <a:t>37</a:t>
+              <a:t>39</a:t>
             </a:fld>
             <a:endParaRPr lang="en-GB"/>
           </a:p>
@@ -2837,7 +2792,7 @@
     </p:spTree>
     <p:extLst>
       <p:ext uri="{BB962C8B-B14F-4D97-AF65-F5344CB8AC3E}">
-        <p14:creationId xmlns:p14="http://schemas.microsoft.com/office/powerpoint/2010/main" val="2821679136"/>
+        <p14:creationId xmlns:p14="http://schemas.microsoft.com/office/powerpoint/2010/main" val="784267621"/>
       </p:ext>
     </p:extLst>
   </p:cSld>
@@ -2912,7 +2867,7 @@
           <a:p>
             <a:fld id="{B88E1A96-A68C-4ED7-8535-7FE27C72D2F0}" type="slidenum">
               <a:rPr lang="en-GB" smtClean="0"/>
-              <a:t>43</a:t>
+              <a:t>48</a:t>
             </a:fld>
             <a:endParaRPr lang="en-GB"/>
           </a:p>
@@ -3080,7 +3035,7 @@
           <a:p>
             <a:fld id="{B88E1A96-A68C-4ED7-8535-7FE27C72D2F0}" type="slidenum">
               <a:rPr lang="en-GB" smtClean="0"/>
-              <a:t>46</a:t>
+              <a:t>51</a:t>
             </a:fld>
             <a:endParaRPr lang="en-GB"/>
           </a:p>
@@ -3202,7 +3157,7 @@
           <a:p>
             <a:fld id="{B88E1A96-A68C-4ED7-8535-7FE27C72D2F0}" type="slidenum">
               <a:rPr lang="en-GB" smtClean="0"/>
-              <a:t>49</a:t>
+              <a:t>54</a:t>
             </a:fld>
             <a:endParaRPr lang="en-GB"/>
           </a:p>
@@ -3298,7 +3253,7 @@
           <a:p>
             <a:fld id="{B88E1A96-A68C-4ED7-8535-7FE27C72D2F0}" type="slidenum">
               <a:rPr lang="en-GB" smtClean="0"/>
-              <a:t>50</a:t>
+              <a:t>55</a:t>
             </a:fld>
             <a:endParaRPr lang="en-GB"/>
           </a:p>
@@ -3394,7 +3349,7 @@
           <a:p>
             <a:fld id="{B88E1A96-A68C-4ED7-8535-7FE27C72D2F0}" type="slidenum">
               <a:rPr lang="en-GB" smtClean="0"/>
-              <a:t>51</a:t>
+              <a:t>56</a:t>
             </a:fld>
             <a:endParaRPr lang="en-GB"/>
           </a:p>
@@ -3478,7 +3433,7 @@
           <a:p>
             <a:fld id="{B88E1A96-A68C-4ED7-8535-7FE27C72D2F0}" type="slidenum">
               <a:rPr lang="en-GB" smtClean="0"/>
-              <a:t>52</a:t>
+              <a:t>57</a:t>
             </a:fld>
             <a:endParaRPr lang="en-GB"/>
           </a:p>
@@ -3562,7 +3517,7 @@
           <a:p>
             <a:fld id="{B88E1A96-A68C-4ED7-8535-7FE27C72D2F0}" type="slidenum">
               <a:rPr lang="en-GB" smtClean="0"/>
-              <a:t>53</a:t>
+              <a:t>58</a:t>
             </a:fld>
             <a:endParaRPr lang="en-GB"/>
           </a:p>
@@ -3625,91 +3580,6 @@
           <a:bodyPr/>
           <a:lstStyle/>
           <a:p>
-            <a:r>
-              <a:rPr lang="en-GB" dirty="0" smtClean="0"/>
-              <a:t>From High Scalability:</a:t>
-            </a:r>
-          </a:p>
-          <a:p>
-            <a:r>
-              <a:rPr lang="en-GB" sz="1200" b="0" i="0" kern="1200" dirty="0" smtClean="0">
-                <a:solidFill>
-                  <a:schemeClr val="tx1"/>
-                </a:solidFill>
-                <a:effectLst/>
-                <a:latin typeface="+mn-lt"/>
-                <a:ea typeface="+mn-ea"/>
-                <a:cs typeface="+mn-cs"/>
-              </a:rPr>
-              <a:t>“For the checkout process you always want to </a:t>
-            </a:r>
-            <a:r>
-              <a:rPr lang="en-GB" sz="1200" b="0" i="0" kern="1200" dirty="0" err="1" smtClean="0">
-                <a:solidFill>
-                  <a:schemeClr val="tx1"/>
-                </a:solidFill>
-                <a:effectLst/>
-                <a:latin typeface="+mn-lt"/>
-                <a:ea typeface="+mn-ea"/>
-                <a:cs typeface="+mn-cs"/>
-              </a:rPr>
-              <a:t>honor</a:t>
-            </a:r>
-            <a:r>
-              <a:rPr lang="en-GB" sz="1200" b="0" i="0" kern="1200" dirty="0" smtClean="0">
-                <a:solidFill>
-                  <a:schemeClr val="tx1"/>
-                </a:solidFill>
-                <a:effectLst/>
-                <a:latin typeface="+mn-lt"/>
-                <a:ea typeface="+mn-ea"/>
-                <a:cs typeface="+mn-cs"/>
-              </a:rPr>
-              <a:t> requests to add items to a shopping cart because it's revenue producing. In this case you choose high availability. Errors are hidden from the customer and sorted out later.” </a:t>
-            </a:r>
-            <a:r>
-              <a:rPr lang="en-GB" dirty="0" smtClean="0"/>
-              <a:t/>
-            </a:r>
-            <a:br>
-              <a:rPr lang="en-GB" dirty="0" smtClean="0"/>
-            </a:br>
-            <a:r>
-              <a:rPr lang="en-GB" sz="1200" b="0" i="0" kern="1200" dirty="0" smtClean="0">
-                <a:solidFill>
-                  <a:schemeClr val="tx1"/>
-                </a:solidFill>
-                <a:effectLst/>
-                <a:latin typeface="+mn-lt"/>
-                <a:ea typeface="+mn-ea"/>
-                <a:cs typeface="+mn-cs"/>
-              </a:rPr>
-              <a:t>“When a customer submits an order you </a:t>
-            </a:r>
-            <a:r>
-              <a:rPr lang="en-GB" sz="1200" b="0" i="0" kern="1200" dirty="0" err="1" smtClean="0">
-                <a:solidFill>
-                  <a:schemeClr val="tx1"/>
-                </a:solidFill>
-                <a:effectLst/>
-                <a:latin typeface="+mn-lt"/>
-                <a:ea typeface="+mn-ea"/>
-                <a:cs typeface="+mn-cs"/>
-              </a:rPr>
-              <a:t>favor</a:t>
-            </a:r>
-            <a:r>
-              <a:rPr lang="en-GB" sz="1200" b="0" i="0" kern="1200" dirty="0" smtClean="0">
-                <a:solidFill>
-                  <a:schemeClr val="tx1"/>
-                </a:solidFill>
-                <a:effectLst/>
-                <a:latin typeface="+mn-lt"/>
-                <a:ea typeface="+mn-ea"/>
-                <a:cs typeface="+mn-cs"/>
-              </a:rPr>
-              <a:t> consistency because several services--credit card processing, shipping and handling, reporting--are simultaneously accessing the data.”</a:t>
-            </a:r>
             <a:endParaRPr lang="en-GB" dirty="0"/>
           </a:p>
         </p:txBody>
@@ -3731,7 +3601,7 @@
           <a:p>
             <a:fld id="{B88E1A96-A68C-4ED7-8535-7FE27C72D2F0}" type="slidenum">
               <a:rPr lang="en-GB" smtClean="0"/>
-              <a:t>55</a:t>
+              <a:t>60</a:t>
             </a:fld>
             <a:endParaRPr lang="en-GB"/>
           </a:p>
@@ -3851,7 +3721,7 @@
           <a:p>
             <a:fld id="{B88E1A96-A68C-4ED7-8535-7FE27C72D2F0}" type="slidenum">
               <a:rPr lang="en-GB" smtClean="0"/>
-              <a:t>57</a:t>
+              <a:t>62</a:t>
             </a:fld>
             <a:endParaRPr lang="en-GB"/>
           </a:p>
@@ -4559,7 +4429,7 @@
           <a:p>
             <a:fld id="{02F45FB7-11FC-4A5D-8578-8A11B0F11936}" type="datetimeFigureOut">
               <a:rPr lang="en-GB" smtClean="0"/>
-              <a:t>15/04/2015</a:t>
+              <a:t>17/04/2015</a:t>
             </a:fld>
             <a:endParaRPr lang="en-GB"/>
           </a:p>
@@ -4729,7 +4599,7 @@
           <a:p>
             <a:fld id="{02F45FB7-11FC-4A5D-8578-8A11B0F11936}" type="datetimeFigureOut">
               <a:rPr lang="en-GB" smtClean="0"/>
-              <a:t>15/04/2015</a:t>
+              <a:t>17/04/2015</a:t>
             </a:fld>
             <a:endParaRPr lang="en-GB"/>
           </a:p>
@@ -4909,7 +4779,7 @@
           <a:p>
             <a:fld id="{02F45FB7-11FC-4A5D-8578-8A11B0F11936}" type="datetimeFigureOut">
               <a:rPr lang="en-GB" smtClean="0"/>
-              <a:t>15/04/2015</a:t>
+              <a:t>17/04/2015</a:t>
             </a:fld>
             <a:endParaRPr lang="en-GB"/>
           </a:p>
@@ -5079,7 +4949,7 @@
           <a:p>
             <a:fld id="{02F45FB7-11FC-4A5D-8578-8A11B0F11936}" type="datetimeFigureOut">
               <a:rPr lang="en-GB" smtClean="0"/>
-              <a:t>15/04/2015</a:t>
+              <a:t>17/04/2015</a:t>
             </a:fld>
             <a:endParaRPr lang="en-GB"/>
           </a:p>
@@ -5325,7 +5195,7 @@
           <a:p>
             <a:fld id="{02F45FB7-11FC-4A5D-8578-8A11B0F11936}" type="datetimeFigureOut">
               <a:rPr lang="en-GB" smtClean="0"/>
-              <a:t>15/04/2015</a:t>
+              <a:t>17/04/2015</a:t>
             </a:fld>
             <a:endParaRPr lang="en-GB"/>
           </a:p>
@@ -5613,7 +5483,7 @@
           <a:p>
             <a:fld id="{02F45FB7-11FC-4A5D-8578-8A11B0F11936}" type="datetimeFigureOut">
               <a:rPr lang="en-GB" smtClean="0"/>
-              <a:t>15/04/2015</a:t>
+              <a:t>17/04/2015</a:t>
             </a:fld>
             <a:endParaRPr lang="en-GB"/>
           </a:p>
@@ -6035,7 +5905,7 @@
           <a:p>
             <a:fld id="{02F45FB7-11FC-4A5D-8578-8A11B0F11936}" type="datetimeFigureOut">
               <a:rPr lang="en-GB" smtClean="0"/>
-              <a:t>15/04/2015</a:t>
+              <a:t>17/04/2015</a:t>
             </a:fld>
             <a:endParaRPr lang="en-GB"/>
           </a:p>
@@ -6153,7 +6023,7 @@
           <a:p>
             <a:fld id="{02F45FB7-11FC-4A5D-8578-8A11B0F11936}" type="datetimeFigureOut">
               <a:rPr lang="en-GB" smtClean="0"/>
-              <a:t>15/04/2015</a:t>
+              <a:t>17/04/2015</a:t>
             </a:fld>
             <a:endParaRPr lang="en-GB"/>
           </a:p>
@@ -6248,7 +6118,7 @@
           <a:p>
             <a:fld id="{02F45FB7-11FC-4A5D-8578-8A11B0F11936}" type="datetimeFigureOut">
               <a:rPr lang="en-GB" smtClean="0"/>
-              <a:t>15/04/2015</a:t>
+              <a:t>17/04/2015</a:t>
             </a:fld>
             <a:endParaRPr lang="en-GB"/>
           </a:p>
@@ -6525,7 +6395,7 @@
           <a:p>
             <a:fld id="{02F45FB7-11FC-4A5D-8578-8A11B0F11936}" type="datetimeFigureOut">
               <a:rPr lang="en-GB" smtClean="0"/>
-              <a:t>15/04/2015</a:t>
+              <a:t>17/04/2015</a:t>
             </a:fld>
             <a:endParaRPr lang="en-GB"/>
           </a:p>
@@ -6778,7 +6648,7 @@
           <a:p>
             <a:fld id="{02F45FB7-11FC-4A5D-8578-8A11B0F11936}" type="datetimeFigureOut">
               <a:rPr lang="en-GB" smtClean="0"/>
-              <a:t>15/04/2015</a:t>
+              <a:t>17/04/2015</a:t>
             </a:fld>
             <a:endParaRPr lang="en-GB"/>
           </a:p>
@@ -6991,7 +6861,7 @@
           <a:p>
             <a:fld id="{02F45FB7-11FC-4A5D-8578-8A11B0F11936}" type="datetimeFigureOut">
               <a:rPr lang="en-GB" smtClean="0"/>
-              <a:t>15/04/2015</a:t>
+              <a:t>17/04/2015</a:t>
             </a:fld>
             <a:endParaRPr lang="en-GB"/>
           </a:p>
@@ -12447,7 +12317,7 @@
           <a:lstStyle/>
           <a:p>
             <a:r>
-              <a:rPr lang="en-GB" dirty="0" smtClean="0">
+              <a:rPr lang="en-GB" b="1" i="1" dirty="0" smtClean="0">
                 <a:solidFill>
                   <a:srgbClr val="0070C0"/>
                 </a:solidFill>
@@ -12455,7 +12325,7 @@
               <a:t>#</a:t>
             </a:r>
             <a:r>
-              <a:rPr lang="en-GB" dirty="0" err="1" smtClean="0">
+              <a:rPr lang="en-GB" b="1" i="1" dirty="0" err="1" smtClean="0">
                 <a:solidFill>
                   <a:srgbClr val="0070C0"/>
                 </a:solidFill>
@@ -12463,8 +12333,12 @@
               <a:t>nosql</a:t>
             </a:r>
             <a:r>
-              <a:rPr lang="en-GB" dirty="0" smtClean="0"/>
-              <a:t> - “No SQL” or “Not Only SQL”</a:t>
+              <a:rPr lang="en-GB" b="1" dirty="0" smtClean="0"/>
+              <a:t> </a:t>
+            </a:r>
+            <a:r>
+              <a:rPr lang="en-GB" dirty="0" smtClean="0"/>
+              <a:t>- “No SQL” or “Not Only SQL”</a:t>
             </a:r>
           </a:p>
           <a:p>
@@ -12497,8 +12371,13 @@
             <a:pPr lvl="1"/>
             <a:r>
               <a:rPr lang="en-GB" dirty="0" smtClean="0"/>
-              <a:t>Variety</a:t>
-            </a:r>
+              <a:t>Variety		</a:t>
+            </a:r>
+            <a:r>
+              <a:rPr lang="en-GB" sz="2200" i="1" dirty="0" smtClean="0"/>
+              <a:t>(Structured, Unstructured)</a:t>
+            </a:r>
+            <a:endParaRPr lang="en-GB" sz="2200" i="1" dirty="0" smtClean="0"/>
           </a:p>
           <a:p>
             <a:pPr lvl="1"/>
@@ -15075,7 +14954,7 @@
             <a:spLocks noGrp="1"/>
           </p:cNvSpPr>
           <p:nvPr>
-            <p:ph type="title"/>
+            <p:ph type="ctrTitle"/>
           </p:nvPr>
         </p:nvSpPr>
         <p:spPr/>
@@ -15084,12 +14963,8 @@
           <a:lstStyle/>
           <a:p>
             <a:r>
-              <a:rPr lang="en-GB" dirty="0" err="1" smtClean="0"/>
-              <a:t>MongoDB</a:t>
-            </a:r>
-            <a:r>
-              <a:rPr lang="en-GB" dirty="0" smtClean="0"/>
-              <a:t> - Demo</a:t>
+              <a:rPr lang="en-GB" dirty="0" smtClean="0"/>
+              <a:t>(MongoDB Demo)</a:t>
             </a:r>
             <a:endParaRPr lang="en-GB" dirty="0"/>
           </a:p>
@@ -15097,12 +14972,12 @@
       </p:sp>
       <p:sp>
         <p:nvSpPr>
-          <p:cNvPr id="3" name="Content Placeholder 2"/>
-          <p:cNvSpPr>
-            <a:spLocks noGrp="1"/>
-          </p:cNvSpPr>
-          <p:nvPr>
-            <p:ph idx="1"/>
+          <p:cNvPr id="3" name="Subtitle 2"/>
+          <p:cNvSpPr>
+            <a:spLocks noGrp="1"/>
+          </p:cNvSpPr>
+          <p:nvPr>
+            <p:ph type="subTitle" idx="1"/>
           </p:nvPr>
         </p:nvSpPr>
         <p:spPr/>
@@ -15117,7 +14992,7 @@
     </p:spTree>
     <p:extLst>
       <p:ext uri="{BB962C8B-B14F-4D97-AF65-F5344CB8AC3E}">
-        <p14:creationId xmlns:p14="http://schemas.microsoft.com/office/powerpoint/2010/main" val="1877163874"/>
+        <p14:creationId xmlns:p14="http://schemas.microsoft.com/office/powerpoint/2010/main" val="1942119000"/>
       </p:ext>
     </p:extLst>
   </p:cSld>
@@ -15199,7 +15074,7 @@
           <a:p>
             <a:r>
               <a:rPr lang="en-GB" dirty="0" smtClean="0"/>
-              <a:t>“Aggregate” data models – somewhat similar to document databases</a:t>
+              <a:t>“Aggregate” data models – avoid joins</a:t>
             </a:r>
           </a:p>
           <a:p>
@@ -15221,7 +15096,7 @@
             </a:r>
             <a:r>
               <a:rPr lang="en-GB" dirty="0" smtClean="0"/>
-              <a:t> AP/ CP trade-off</a:t>
+              <a:t> AP/ CP trade-offs</a:t>
             </a:r>
           </a:p>
         </p:txBody>
@@ -16421,7 +16296,7 @@
                   <a:srgbClr val="FF0000"/>
                 </a:solidFill>
               </a:rPr>
-              <a:t>Satisfies R =</a:t>
+              <a:t>Satisfies W =</a:t>
             </a:r>
           </a:p>
           <a:p>
@@ -16862,9 +16737,7 @@
         </p:nvSpPr>
         <p:spPr/>
         <p:txBody>
-          <a:bodyPr>
-            <a:normAutofit/>
-          </a:bodyPr>
+          <a:bodyPr/>
           <a:lstStyle/>
           <a:p>
             <a:r>
@@ -16875,227 +16748,132 @@
           </a:p>
         </p:txBody>
       </p:sp>
-      <p:graphicFrame>
-        <p:nvGraphicFramePr>
-          <p:cNvPr id="4" name="Content Placeholder 3"/>
-          <p:cNvGraphicFramePr>
-            <a:graphicFrameLocks noGrp="1"/>
-          </p:cNvGraphicFramePr>
+      <p:sp>
+        <p:nvSpPr>
+          <p:cNvPr id="3" name="Content Placeholder 2"/>
+          <p:cNvSpPr>
+            <a:spLocks noGrp="1"/>
+          </p:cNvSpPr>
           <p:nvPr>
             <p:ph idx="1"/>
-            <p:extLst>
-              <p:ext uri="{D42A27DB-BD31-4B8C-83A1-F6EECF244321}">
-                <p14:modId xmlns:p14="http://schemas.microsoft.com/office/powerpoint/2010/main" val="3246135352"/>
-              </p:ext>
-            </p:extLst>
-          </p:nvPr>
-        </p:nvGraphicFramePr>
-        <p:xfrm>
-          <a:off x="467544" y="1412777"/>
-          <a:ext cx="8229600" cy="2664297"/>
-        </p:xfrm>
-        <a:graphic>
-          <a:graphicData uri="http://schemas.openxmlformats.org/drawingml/2006/table">
-            <a:tbl>
-              <a:tblPr firstRow="1" bandRow="1">
-                <a:tableStyleId>{F5AB1C69-6EDB-4FF4-983F-18BD219EF322}</a:tableStyleId>
-              </a:tblPr>
-              <a:tblGrid>
-                <a:gridCol w="4114800"/>
-                <a:gridCol w="4114800"/>
-              </a:tblGrid>
-              <a:tr h="815195">
-                <a:tc>
-                  <a:txBody>
-                    <a:bodyPr/>
-                    <a:lstStyle/>
-                    <a:p>
-                      <a:pPr algn="ctr"/>
-                      <a:endParaRPr lang="en-GB" sz="2000" dirty="0" smtClean="0"/>
-                    </a:p>
-                    <a:p>
-                      <a:pPr algn="ctr"/>
-                      <a:r>
-                        <a:rPr lang="en-GB" sz="2000" dirty="0" smtClean="0"/>
-                        <a:t>GOOD</a:t>
-                      </a:r>
-                      <a:endParaRPr lang="en-GB" sz="2000" dirty="0"/>
-                    </a:p>
-                  </a:txBody>
-                  <a:tcPr>
-                    <a:solidFill>
-                      <a:srgbClr val="15F730"/>
-                    </a:solidFill>
-                  </a:tcPr>
-                </a:tc>
-                <a:tc>
-                  <a:txBody>
-                    <a:bodyPr/>
-                    <a:lstStyle/>
-                    <a:p>
-                      <a:pPr algn="ctr"/>
-                      <a:endParaRPr lang="en-GB" sz="2000" dirty="0" smtClean="0"/>
-                    </a:p>
-                    <a:p>
-                      <a:pPr algn="ctr"/>
-                      <a:r>
-                        <a:rPr lang="en-GB" sz="2000" dirty="0" smtClean="0"/>
-                        <a:t>BAD</a:t>
-                      </a:r>
-                      <a:endParaRPr lang="en-GB" sz="2000" dirty="0"/>
-                    </a:p>
-                  </a:txBody>
-                  <a:tcPr>
-                    <a:solidFill>
-                      <a:srgbClr val="FF0000"/>
-                    </a:solidFill>
-                  </a:tcPr>
-                </a:tc>
-              </a:tr>
-              <a:tr h="680064">
-                <a:tc>
-                  <a:txBody>
-                    <a:bodyPr/>
-                    <a:lstStyle/>
-                    <a:p>
-                      <a:pPr algn="ctr"/>
-                      <a:endParaRPr lang="en-GB" sz="2000" dirty="0" smtClean="0"/>
-                    </a:p>
-                  </a:txBody>
-                  <a:tcPr/>
-                </a:tc>
-                <a:tc>
-                  <a:txBody>
-                    <a:bodyPr/>
-                    <a:lstStyle/>
-                    <a:p>
-                      <a:pPr algn="ctr"/>
-                      <a:endParaRPr lang="en-GB" sz="2000" dirty="0"/>
-                    </a:p>
-                  </a:txBody>
-                  <a:tcPr/>
-                </a:tc>
-              </a:tr>
-              <a:tr h="680064">
-                <a:tc>
-                  <a:txBody>
-                    <a:bodyPr/>
-                    <a:lstStyle/>
-                    <a:p>
-                      <a:pPr marL="0" marR="0" indent="0" algn="ctr" defTabSz="914400" rtl="0" eaLnBrk="1" fontAlgn="auto" latinLnBrk="0" hangingPunct="1">
-                        <a:lnSpc>
-                          <a:spcPct val="100000"/>
-                        </a:lnSpc>
-                        <a:spcBef>
-                          <a:spcPts val="0"/>
-                        </a:spcBef>
-                        <a:spcAft>
-                          <a:spcPts val="0"/>
-                        </a:spcAft>
-                        <a:buClrTx/>
-                        <a:buSzTx/>
-                        <a:buFontTx/>
-                        <a:buNone/>
-                        <a:tabLst/>
-                        <a:defRPr/>
-                      </a:pPr>
-                      <a:endParaRPr lang="en-GB" sz="2000" dirty="0" smtClean="0"/>
-                    </a:p>
-                  </a:txBody>
-                  <a:tcPr/>
-                </a:tc>
-                <a:tc>
-                  <a:txBody>
-                    <a:bodyPr/>
-                    <a:lstStyle/>
-                    <a:p>
-                      <a:pPr marL="0" marR="0" indent="0" algn="ctr" defTabSz="914400" rtl="0" eaLnBrk="1" fontAlgn="auto" latinLnBrk="0" hangingPunct="1">
-                        <a:lnSpc>
-                          <a:spcPct val="100000"/>
-                        </a:lnSpc>
-                        <a:spcBef>
-                          <a:spcPts val="0"/>
-                        </a:spcBef>
-                        <a:spcAft>
-                          <a:spcPts val="0"/>
-                        </a:spcAft>
-                        <a:buClrTx/>
-                        <a:buSzTx/>
-                        <a:buFontTx/>
-                        <a:buNone/>
-                        <a:tabLst/>
-                        <a:defRPr/>
-                      </a:pPr>
-                      <a:endParaRPr lang="en-GB" sz="2000" dirty="0" smtClean="0"/>
-                    </a:p>
-                  </a:txBody>
-                  <a:tcPr/>
-                </a:tc>
-              </a:tr>
-              <a:tr h="488974">
-                <a:tc>
-                  <a:txBody>
-                    <a:bodyPr/>
-                    <a:lstStyle/>
-                    <a:p>
-                      <a:pPr marL="0" marR="0" indent="0" algn="ctr" defTabSz="914400" rtl="0" eaLnBrk="1" fontAlgn="auto" latinLnBrk="0" hangingPunct="1">
-                        <a:lnSpc>
-                          <a:spcPct val="100000"/>
-                        </a:lnSpc>
-                        <a:spcBef>
-                          <a:spcPts val="0"/>
-                        </a:spcBef>
-                        <a:spcAft>
-                          <a:spcPts val="0"/>
-                        </a:spcAft>
-                        <a:buClrTx/>
-                        <a:buSzTx/>
-                        <a:buFontTx/>
-                        <a:buNone/>
-                        <a:tabLst/>
-                        <a:defRPr/>
-                      </a:pPr>
-                      <a:endParaRPr lang="en-GB" sz="2000" dirty="0" smtClean="0"/>
-                    </a:p>
-                  </a:txBody>
-                  <a:tcPr/>
-                </a:tc>
-                <a:tc>
-                  <a:txBody>
-                    <a:bodyPr/>
-                    <a:lstStyle/>
-                    <a:p>
-                      <a:pPr marL="0" marR="0" indent="0" algn="ctr" defTabSz="914400" rtl="0" eaLnBrk="1" fontAlgn="auto" latinLnBrk="0" hangingPunct="1">
-                        <a:lnSpc>
-                          <a:spcPct val="100000"/>
-                        </a:lnSpc>
-                        <a:spcBef>
-                          <a:spcPts val="0"/>
-                        </a:spcBef>
-                        <a:spcAft>
-                          <a:spcPts val="0"/>
-                        </a:spcAft>
-                        <a:buClrTx/>
-                        <a:buSzTx/>
-                        <a:buFontTx/>
-                        <a:buNone/>
-                        <a:tabLst/>
-                        <a:defRPr/>
-                      </a:pPr>
-                      <a:endParaRPr lang="en-GB" sz="2000" dirty="0" smtClean="0"/>
-                    </a:p>
-                  </a:txBody>
-                  <a:tcPr/>
-                </a:tc>
-              </a:tr>
-            </a:tbl>
-          </a:graphicData>
-        </a:graphic>
-      </p:graphicFrame>
+          </p:nvPr>
+        </p:nvSpPr>
+        <p:spPr/>
+        <p:txBody>
+          <a:bodyPr/>
+          <a:lstStyle/>
+          <a:p>
+            <a:r>
+              <a:rPr lang="en-GB" dirty="0" smtClean="0"/>
+              <a:t>Distributed Key-Value Store</a:t>
+            </a:r>
+          </a:p>
+          <a:p>
+            <a:endParaRPr lang="en-GB" dirty="0"/>
+          </a:p>
+          <a:p>
+            <a:r>
+              <a:rPr lang="en-GB" dirty="0"/>
+              <a:t>Value = </a:t>
+            </a:r>
+            <a:r>
+              <a:rPr lang="en-GB" b="1" dirty="0"/>
+              <a:t>Any</a:t>
+            </a:r>
+            <a:r>
+              <a:rPr lang="en-GB" dirty="0"/>
+              <a:t> Binary Data</a:t>
+            </a:r>
+          </a:p>
+          <a:p>
+            <a:pPr marL="0" indent="0">
+              <a:buNone/>
+            </a:pPr>
+            <a:endParaRPr lang="en-GB" dirty="0" smtClean="0"/>
+          </a:p>
+          <a:p>
+            <a:r>
+              <a:rPr lang="en-GB" dirty="0" smtClean="0"/>
+              <a:t>Open-Source</a:t>
+            </a:r>
+          </a:p>
+          <a:p>
+            <a:pPr lvl="1"/>
+            <a:r>
+              <a:rPr lang="en-GB" dirty="0" smtClean="0"/>
+              <a:t>Developed/ Supported by Basho</a:t>
+            </a:r>
+            <a:endParaRPr lang="en-GB" dirty="0"/>
+          </a:p>
+          <a:p>
+            <a:endParaRPr lang="en-GB" dirty="0"/>
+          </a:p>
+        </p:txBody>
+      </p:sp>
+      <p:pic>
+        <p:nvPicPr>
+          <p:cNvPr id="4" name="Picture 3"/>
+          <p:cNvPicPr>
+            <a:picLocks noChangeAspect="1"/>
+          </p:cNvPicPr>
+          <p:nvPr/>
+        </p:nvPicPr>
+        <p:blipFill>
+          <a:blip r:embed="rId2" cstate="print">
+            <a:extLst>
+              <a:ext uri="{28A0092B-C50C-407E-A947-70E740481C1C}">
+                <a14:useLocalDpi xmlns:a14="http://schemas.microsoft.com/office/drawing/2010/main" val="0"/>
+              </a:ext>
+            </a:extLst>
+          </a:blip>
+          <a:stretch>
+            <a:fillRect/>
+          </a:stretch>
+        </p:blipFill>
+        <p:spPr>
+          <a:xfrm>
+            <a:off x="6516216" y="476672"/>
+            <a:ext cx="2016224" cy="636033"/>
+          </a:xfrm>
+          <a:prstGeom prst="rect">
+            <a:avLst/>
+          </a:prstGeom>
+        </p:spPr>
+      </p:pic>
+      <p:pic>
+        <p:nvPicPr>
+          <p:cNvPr id="5" name="Picture 4"/>
+          <p:cNvPicPr>
+            <a:picLocks noChangeAspect="1"/>
+          </p:cNvPicPr>
+          <p:nvPr/>
+        </p:nvPicPr>
+        <p:blipFill>
+          <a:blip r:embed="rId3">
+            <a:extLst>
+              <a:ext uri="{28A0092B-C50C-407E-A947-70E740481C1C}">
+                <a14:useLocalDpi xmlns:a14="http://schemas.microsoft.com/office/drawing/2010/main" val="0"/>
+              </a:ext>
+            </a:extLst>
+          </a:blip>
+          <a:stretch>
+            <a:fillRect/>
+          </a:stretch>
+        </p:blipFill>
+        <p:spPr>
+          <a:xfrm>
+            <a:off x="6876256" y="3914651"/>
+            <a:ext cx="1368152" cy="1386557"/>
+          </a:xfrm>
+          <a:prstGeom prst="rect">
+            <a:avLst/>
+          </a:prstGeom>
+        </p:spPr>
+      </p:pic>
     </p:spTree>
     <p:extLst>
       <p:ext uri="{BB962C8B-B14F-4D97-AF65-F5344CB8AC3E}">
-        <p14:creationId xmlns:p14="http://schemas.microsoft.com/office/powerpoint/2010/main" val="802519073"/>
+        <p14:creationId xmlns:p14="http://schemas.microsoft.com/office/powerpoint/2010/main" val="2422288965"/>
       </p:ext>
     </p:extLst>
   </p:cSld>
@@ -17189,6 +16967,13 @@
   <p:clrMapOvr>
     <a:masterClrMapping/>
   </p:clrMapOvr>
+  <p:timing>
+    <p:tnLst>
+      <p:par>
+        <p:cTn id="1" dur="indefinite" restart="never" nodeType="tmRoot"/>
+      </p:par>
+    </p:tnLst>
+  </p:timing>
 </p:sld>
 </file>
 
@@ -17244,13 +17029,113 @@
         </p:nvSpPr>
         <p:spPr/>
         <p:txBody>
-          <a:bodyPr/>
-          <a:lstStyle/>
-          <a:p>
-            <a:endParaRPr lang="en-GB"/>
-          </a:p>
-        </p:txBody>
-      </p:sp>
+          <a:bodyPr>
+            <a:normAutofit fontScale="92500" lnSpcReduction="20000"/>
+          </a:bodyPr>
+          <a:lstStyle/>
+          <a:p>
+            <a:r>
+              <a:rPr lang="en-GB" dirty="0" smtClean="0"/>
+              <a:t>AP Store for Structured (Column-Family) Data</a:t>
+            </a:r>
+          </a:p>
+          <a:p>
+            <a:endParaRPr lang="en-GB" dirty="0" smtClean="0"/>
+          </a:p>
+          <a:p>
+            <a:r>
+              <a:rPr lang="en-GB" dirty="0" smtClean="0"/>
+              <a:t>Supported by </a:t>
+            </a:r>
+            <a:r>
+              <a:rPr lang="en-GB" dirty="0" err="1" smtClean="0"/>
+              <a:t>DataStax</a:t>
+            </a:r>
+            <a:endParaRPr lang="en-GB" dirty="0" smtClean="0"/>
+          </a:p>
+          <a:p>
+            <a:pPr lvl="1"/>
+            <a:r>
+              <a:rPr lang="en-GB" dirty="0"/>
+              <a:t>Free Training	 </a:t>
+            </a:r>
+            <a:r>
+              <a:rPr lang="en-GB" dirty="0">
+                <a:hlinkClick r:id="rId3"/>
+              </a:rPr>
+              <a:t>https://academy.datastax.com</a:t>
+            </a:r>
+            <a:r>
+              <a:rPr lang="en-GB" dirty="0" smtClean="0">
+                <a:hlinkClick r:id="rId3"/>
+              </a:rPr>
+              <a:t>/</a:t>
+            </a:r>
+            <a:endParaRPr lang="en-GB" dirty="0" smtClean="0"/>
+          </a:p>
+          <a:p>
+            <a:pPr marL="0" indent="0">
+              <a:buNone/>
+            </a:pPr>
+            <a:endParaRPr lang="en-GB" dirty="0"/>
+          </a:p>
+          <a:p>
+            <a:r>
+              <a:rPr lang="en-GB" dirty="0" smtClean="0"/>
+              <a:t>“Thrift” RPC replaced by Cassandra Query Language</a:t>
+            </a:r>
+          </a:p>
+          <a:p>
+            <a:pPr marL="0" indent="0" algn="r">
+              <a:buNone/>
+            </a:pPr>
+            <a:r>
+              <a:rPr lang="en-GB" sz="3000" dirty="0" smtClean="0"/>
+              <a:t>Thrift -&gt; CQL1 -&gt; CQL2 -&gt; CQL3		</a:t>
+            </a:r>
+          </a:p>
+          <a:p>
+            <a:pPr lvl="1"/>
+            <a:endParaRPr lang="en-GB" dirty="0"/>
+          </a:p>
+          <a:p>
+            <a:r>
+              <a:rPr lang="en-GB" dirty="0" smtClean="0"/>
+              <a:t>Model (superficially) similar to relational</a:t>
+            </a:r>
+          </a:p>
+        </p:txBody>
+      </p:sp>
+      <p:pic>
+        <p:nvPicPr>
+          <p:cNvPr id="4" name="Picture 3"/>
+          <p:cNvPicPr>
+            <a:picLocks noChangeAspect="1"/>
+          </p:cNvPicPr>
+          <p:nvPr/>
+        </p:nvPicPr>
+        <p:blipFill>
+          <a:blip r:embed="rId4" cstate="print">
+            <a:extLst>
+              <a:ext uri="{28A0092B-C50C-407E-A947-70E740481C1C}">
+                <a14:useLocalDpi xmlns:a14="http://schemas.microsoft.com/office/drawing/2010/main" val="0"/>
+              </a:ext>
+            </a:extLst>
+          </a:blip>
+          <a:stretch>
+            <a:fillRect/>
+          </a:stretch>
+        </p:blipFill>
+        <p:spPr>
+          <a:xfrm>
+            <a:off x="6804248" y="496546"/>
+            <a:ext cx="1152128" cy="772214"/>
+          </a:xfrm>
+          <a:prstGeom prst="rect">
+            <a:avLst/>
+          </a:prstGeom>
+        </p:spPr>
+      </p:pic>
     </p:spTree>
     <p:extLst>
       <p:ext uri="{BB962C8B-B14F-4D97-AF65-F5344CB8AC3E}">
@@ -17261,6 +17146,13 @@
   <p:clrMapOvr>
     <a:masterClrMapping/>
   </p:clrMapOvr>
+  <p:timing>
+    <p:tnLst>
+      <p:par>
+        <p:cTn id="1" dur="indefinite" restart="never" nodeType="tmRoot"/>
+      </p:par>
+    </p:tnLst>
+  </p:timing>
 </p:sld>
 </file>
 
@@ -17512,6 +17404,13 @@
   <p:clrMapOvr>
     <a:masterClrMapping/>
   </p:clrMapOvr>
+  <p:timing>
+    <p:tnLst>
+      <p:par>
+        <p:cTn id="1" dur="indefinite" restart="never" nodeType="tmRoot"/>
+      </p:par>
+    </p:tnLst>
+  </p:timing>
 </p:sld>
 </file>
 
@@ -17548,12 +17447,8 @@
           <a:lstStyle/>
           <a:p>
             <a:r>
-              <a:rPr lang="en-GB" dirty="0" err="1" smtClean="0"/>
-              <a:t>DocumentDB</a:t>
-            </a:r>
-            <a:r>
-              <a:rPr lang="en-GB" dirty="0" smtClean="0"/>
-              <a:t> (MS Azure)</a:t>
+              <a:rPr lang="en-GB" dirty="0" smtClean="0"/>
+              <a:t>Cassandra Data Modelling</a:t>
             </a:r>
             <a:endParaRPr lang="en-GB" dirty="0"/>
           </a:p>
@@ -17572,14 +17467,20 @@
         <p:spPr/>
         <p:txBody>
           <a:bodyPr>
-            <a:normAutofit fontScale="92500" lnSpcReduction="20000"/>
+            <a:normAutofit/>
           </a:bodyPr>
           <a:lstStyle/>
           <a:p>
-            <a:r>
-              <a:rPr lang="en-GB" dirty="0" smtClean="0"/>
-              <a:t>Main Microsoft NoSQL offering</a:t>
-            </a:r>
+            <a:pPr marL="0" indent="0" algn="ctr">
+              <a:buNone/>
+            </a:pPr>
+            <a:r>
+              <a:rPr lang="en-GB" sz="2000" i="1" dirty="0">
+                <a:hlinkClick r:id="rId2"/>
+              </a:rPr>
+              <a:t>www.youtube.com/user/PlanetCassandra/search?query=model</a:t>
+            </a:r>
+            <a:endParaRPr lang="en-GB" sz="2000" i="1" dirty="0"/>
           </a:p>
           <a:p>
             <a:endParaRPr lang="en-GB" dirty="0" smtClean="0"/>
@@ -17587,7 +17488,7 @@
           <a:p>
             <a:r>
               <a:rPr lang="en-GB" dirty="0" smtClean="0"/>
-              <a:t>JSON document format – similar to MongoDB</a:t>
+              <a:t>No Joins</a:t>
             </a:r>
           </a:p>
           <a:p>
@@ -17595,12 +17496,8 @@
           </a:p>
           <a:p>
             <a:r>
-              <a:rPr lang="en-GB" dirty="0" err="1" smtClean="0"/>
-              <a:t>Tunable</a:t>
-            </a:r>
-            <a:r>
-              <a:rPr lang="en-GB" dirty="0" smtClean="0"/>
-              <a:t> Consistency</a:t>
+              <a:rPr lang="en-GB" dirty="0" smtClean="0"/>
+              <a:t>Write Multiple Copies/ Views of Data</a:t>
             </a:r>
           </a:p>
           <a:p>
@@ -17609,31 +17506,28 @@
           <a:p>
             <a:r>
               <a:rPr lang="en-GB" dirty="0" smtClean="0"/>
-              <a:t>In preview – not yet widely adopted or proven</a:t>
-            </a:r>
-          </a:p>
-          <a:p>
-            <a:endParaRPr lang="en-GB" dirty="0"/>
-          </a:p>
-          <a:p>
-            <a:r>
-              <a:rPr lang="en-GB" dirty="0" smtClean="0"/>
-              <a:t>High degree of vendor lock-in</a:t>
-            </a:r>
-            <a:endParaRPr lang="en-GB" dirty="0"/>
+              <a:t>Row Storage Model(s)</a:t>
+            </a:r>
           </a:p>
         </p:txBody>
       </p:sp>
     </p:spTree>
     <p:extLst>
       <p:ext uri="{BB962C8B-B14F-4D97-AF65-F5344CB8AC3E}">
-        <p14:creationId xmlns:p14="http://schemas.microsoft.com/office/powerpoint/2010/main" val="135053581"/>
+        <p14:creationId xmlns:p14="http://schemas.microsoft.com/office/powerpoint/2010/main" val="1364559123"/>
       </p:ext>
     </p:extLst>
   </p:cSld>
   <p:clrMapOvr>
     <a:masterClrMapping/>
   </p:clrMapOvr>
+  <p:timing>
+    <p:tnLst>
+      <p:par>
+        <p:cTn id="1" dur="indefinite" restart="never" nodeType="tmRoot"/>
+      </p:par>
+    </p:tnLst>
+  </p:timing>
 </p:sld>
 </file>
 
@@ -17661,7 +17555,7 @@
             <a:spLocks noGrp="1"/>
           </p:cNvSpPr>
           <p:nvPr>
-            <p:ph type="ctrTitle"/>
+            <p:ph type="title"/>
           </p:nvPr>
         </p:nvSpPr>
         <p:spPr/>
@@ -17671,15 +17565,7 @@
           <a:p>
             <a:r>
               <a:rPr lang="en-GB" dirty="0" smtClean="0"/>
-              <a:t>(</a:t>
-            </a:r>
-            <a:r>
-              <a:rPr lang="en-GB" dirty="0" err="1" smtClean="0"/>
-              <a:t>DocumentDB</a:t>
-            </a:r>
-            <a:r>
-              <a:rPr lang="en-GB" dirty="0" smtClean="0"/>
-              <a:t> Demo)</a:t>
+              <a:t>Cassandra Row Storage</a:t>
             </a:r>
             <a:endParaRPr lang="en-GB" dirty="0"/>
           </a:p>
@@ -17687,12 +17573,12 @@
       </p:sp>
       <p:sp>
         <p:nvSpPr>
-          <p:cNvPr id="3" name="Subtitle 2"/>
-          <p:cNvSpPr>
-            <a:spLocks noGrp="1"/>
-          </p:cNvSpPr>
-          <p:nvPr>
-            <p:ph type="subTitle" idx="1"/>
+          <p:cNvPr id="3" name="Content Placeholder 2"/>
+          <p:cNvSpPr>
+            <a:spLocks noGrp="1"/>
+          </p:cNvSpPr>
+          <p:nvPr>
+            <p:ph idx="1"/>
           </p:nvPr>
         </p:nvSpPr>
         <p:spPr/>
@@ -17700,20 +17586,27 @@
           <a:bodyPr/>
           <a:lstStyle/>
           <a:p>
-            <a:endParaRPr lang="en-GB"/>
+            <a:endParaRPr lang="en-GB" dirty="0" smtClean="0"/>
           </a:p>
         </p:txBody>
       </p:sp>
     </p:spTree>
     <p:extLst>
       <p:ext uri="{BB962C8B-B14F-4D97-AF65-F5344CB8AC3E}">
-        <p14:creationId xmlns:p14="http://schemas.microsoft.com/office/powerpoint/2010/main" val="1956378066"/>
+        <p14:creationId xmlns:p14="http://schemas.microsoft.com/office/powerpoint/2010/main" val="2708823517"/>
       </p:ext>
     </p:extLst>
   </p:cSld>
   <p:clrMapOvr>
     <a:masterClrMapping/>
   </p:clrMapOvr>
+  <p:timing>
+    <p:tnLst>
+      <p:par>
+        <p:cTn id="1" dur="indefinite" restart="never" nodeType="tmRoot"/>
+      </p:par>
+    </p:tnLst>
+  </p:timing>
 </p:sld>
 </file>
 
@@ -17750,8 +17643,8 @@
           <a:lstStyle/>
           <a:p>
             <a:r>
-              <a:rPr lang="en-GB" dirty="0" err="1" smtClean="0"/>
-              <a:t>MapReduce</a:t>
+              <a:rPr lang="en-GB" dirty="0" smtClean="0"/>
+              <a:t>Cassandra Row Storage</a:t>
             </a:r>
             <a:endParaRPr lang="en-GB" dirty="0"/>
           </a:p>
@@ -17774,50 +17667,27 @@
           <a:p>
             <a:r>
               <a:rPr lang="en-GB" dirty="0" smtClean="0"/>
-              <a:t>Method of aggregating data from multiple nodes</a:t>
+              <a:t>Standard</a:t>
             </a:r>
           </a:p>
           <a:p>
             <a:endParaRPr lang="en-GB" dirty="0"/>
           </a:p>
           <a:p>
-            <a:r>
-              <a:rPr lang="en-GB" dirty="0" smtClean="0"/>
-              <a:t>“Send the work to the data”</a:t>
-            </a:r>
-          </a:p>
-          <a:p>
-            <a:endParaRPr lang="en-GB" dirty="0"/>
-          </a:p>
-          <a:p>
-            <a:r>
-              <a:rPr lang="en-GB" dirty="0" smtClean="0"/>
-              <a:t>Implemented in </a:t>
-            </a:r>
-            <a:r>
-              <a:rPr lang="en-GB" dirty="0" err="1" smtClean="0"/>
-              <a:t>Riak</a:t>
-            </a:r>
-            <a:r>
-              <a:rPr lang="en-GB" dirty="0" smtClean="0"/>
-              <a:t>, </a:t>
-            </a:r>
-            <a:r>
-              <a:rPr lang="en-GB" dirty="0" err="1" smtClean="0"/>
-              <a:t>MongoDB</a:t>
-            </a:r>
-            <a:r>
-              <a:rPr lang="en-GB" dirty="0" smtClean="0"/>
-              <a:t>, Hadoop (etc.)</a:t>
-            </a:r>
-            <a:endParaRPr lang="en-GB" dirty="0"/>
+            <a:endParaRPr lang="en-GB" dirty="0" smtClean="0"/>
+          </a:p>
+          <a:p>
+            <a:r>
+              <a:rPr lang="en-GB" dirty="0" smtClean="0"/>
+              <a:t>“Wide Rows”</a:t>
+            </a:r>
           </a:p>
         </p:txBody>
       </p:sp>
     </p:spTree>
     <p:extLst>
       <p:ext uri="{BB962C8B-B14F-4D97-AF65-F5344CB8AC3E}">
-        <p14:creationId xmlns:p14="http://schemas.microsoft.com/office/powerpoint/2010/main" val="1303029299"/>
+        <p14:creationId xmlns:p14="http://schemas.microsoft.com/office/powerpoint/2010/main" val="2680485887"/>
       </p:ext>
     </p:extLst>
   </p:cSld>
@@ -17867,8 +17737,8 @@
           <a:lstStyle/>
           <a:p>
             <a:r>
-              <a:rPr lang="en-GB" dirty="0" err="1" smtClean="0"/>
-              <a:t>MapReduce</a:t>
+              <a:rPr lang="en-GB" dirty="0" smtClean="0"/>
+              <a:t>Cloud Hosting</a:t>
             </a:r>
             <a:endParaRPr lang="en-GB" dirty="0"/>
           </a:p>
@@ -17886,21 +17756,143 @@
         </p:nvSpPr>
         <p:spPr/>
         <p:txBody>
-          <a:bodyPr/>
-          <a:lstStyle/>
-          <a:p>
-            <a:r>
-              <a:rPr lang="en-GB" dirty="0" smtClean="0"/>
-              <a:t>(PUT DIAGRAM HERE)</a:t>
-            </a:r>
-            <a:endParaRPr lang="en-GB" dirty="0"/>
+          <a:bodyPr>
+            <a:normAutofit/>
+          </a:bodyPr>
+          <a:lstStyle/>
+          <a:p>
+            <a:r>
+              <a:rPr lang="en-GB" dirty="0" smtClean="0"/>
+              <a:t>Amazon Web Services</a:t>
+            </a:r>
+          </a:p>
+          <a:p>
+            <a:pPr lvl="1"/>
+            <a:r>
+              <a:rPr lang="en-GB" sz="2400" dirty="0" smtClean="0"/>
+              <a:t>Relational Database Service </a:t>
+            </a:r>
+            <a:r>
+              <a:rPr lang="en-GB" sz="1600" i="1" dirty="0" smtClean="0"/>
+              <a:t>(</a:t>
+            </a:r>
+            <a:r>
+              <a:rPr lang="en-GB" sz="1600" i="1" dirty="0"/>
+              <a:t>Oracle/ </a:t>
+            </a:r>
+            <a:r>
+              <a:rPr lang="en-GB" sz="1600" i="1" dirty="0" smtClean="0"/>
+              <a:t>MS SQL / </a:t>
+            </a:r>
+            <a:r>
+              <a:rPr lang="en-GB" sz="1600" i="1" dirty="0"/>
+              <a:t>MySQL/ </a:t>
+            </a:r>
+            <a:r>
+              <a:rPr lang="en-GB" sz="1600" i="1" dirty="0" err="1"/>
+              <a:t>Postgres</a:t>
+            </a:r>
+            <a:r>
+              <a:rPr lang="en-GB" sz="1600" i="1" dirty="0"/>
+              <a:t>/ Aurora, Read Scaling)</a:t>
+            </a:r>
+            <a:endParaRPr lang="en-GB" sz="1600" i="1" dirty="0" smtClean="0"/>
+          </a:p>
+          <a:p>
+            <a:pPr lvl="1"/>
+            <a:r>
+              <a:rPr lang="en-GB" sz="2400" dirty="0" smtClean="0"/>
+              <a:t>NoSQL</a:t>
+            </a:r>
+          </a:p>
+          <a:p>
+            <a:pPr lvl="2"/>
+            <a:r>
+              <a:rPr lang="en-GB" sz="1600" dirty="0" err="1" smtClean="0"/>
+              <a:t>DynamoDB</a:t>
+            </a:r>
+            <a:r>
+              <a:rPr lang="en-GB" sz="1600" dirty="0" smtClean="0"/>
+              <a:t> (Document/ Key-Value)</a:t>
+            </a:r>
+          </a:p>
+          <a:p>
+            <a:pPr lvl="2"/>
+            <a:r>
+              <a:rPr lang="en-GB" sz="1600" dirty="0" smtClean="0"/>
+              <a:t>EC2 Hosting – MongoDB, </a:t>
+            </a:r>
+            <a:r>
+              <a:rPr lang="en-GB" sz="1600" dirty="0" err="1" smtClean="0"/>
+              <a:t>Couchbase</a:t>
+            </a:r>
+            <a:r>
+              <a:rPr lang="en-GB" sz="1600" dirty="0" smtClean="0"/>
+              <a:t>, other …</a:t>
+            </a:r>
+          </a:p>
+          <a:p>
+            <a:pPr marL="914400" lvl="2" indent="0">
+              <a:buNone/>
+            </a:pPr>
+            <a:endParaRPr lang="en-GB" sz="1600" dirty="0" smtClean="0"/>
+          </a:p>
+          <a:p>
+            <a:pPr marL="914400" lvl="2" indent="0">
+              <a:buNone/>
+            </a:pPr>
+            <a:endParaRPr lang="en-GB" sz="1600" dirty="0" smtClean="0"/>
+          </a:p>
+          <a:p>
+            <a:r>
+              <a:rPr lang="en-GB" dirty="0" smtClean="0"/>
+              <a:t>Google Cloud Platform</a:t>
+            </a:r>
+          </a:p>
+          <a:p>
+            <a:pPr lvl="1"/>
+            <a:r>
+              <a:rPr lang="en-GB" sz="2000" dirty="0" smtClean="0"/>
+              <a:t>“Cloud SQL” (MySQL)</a:t>
+            </a:r>
+          </a:p>
+          <a:p>
+            <a:pPr lvl="1"/>
+            <a:r>
+              <a:rPr lang="en-GB" sz="2000" dirty="0" smtClean="0"/>
+              <a:t>Cloud </a:t>
+            </a:r>
+            <a:r>
+              <a:rPr lang="en-GB" sz="2000" dirty="0" err="1" smtClean="0"/>
+              <a:t>DataStore</a:t>
+            </a:r>
+            <a:r>
+              <a:rPr lang="en-GB" sz="2000" dirty="0" smtClean="0"/>
+              <a:t>. </a:t>
+            </a:r>
+            <a:r>
+              <a:rPr lang="en-GB" sz="2000" dirty="0" err="1" smtClean="0"/>
+              <a:t>BigQuery</a:t>
+            </a:r>
+            <a:r>
+              <a:rPr lang="en-GB" sz="2000" dirty="0" smtClean="0"/>
+              <a:t>, </a:t>
+            </a:r>
+            <a:r>
+              <a:rPr lang="en-GB" sz="2000" dirty="0" err="1" smtClean="0"/>
+              <a:t>DataFlow</a:t>
+            </a:r>
+            <a:r>
+              <a:rPr lang="en-GB" sz="2000" dirty="0" smtClean="0"/>
+              <a:t> etc.</a:t>
+            </a:r>
           </a:p>
         </p:txBody>
       </p:sp>
     </p:spTree>
     <p:extLst>
       <p:ext uri="{BB962C8B-B14F-4D97-AF65-F5344CB8AC3E}">
-        <p14:creationId xmlns:p14="http://schemas.microsoft.com/office/powerpoint/2010/main" val="692788270"/>
+        <p14:creationId xmlns:p14="http://schemas.microsoft.com/office/powerpoint/2010/main" val="2739295942"/>
       </p:ext>
     </p:extLst>
   </p:cSld>
@@ -17951,6 +17943,853 @@
           <a:p>
             <a:r>
               <a:rPr lang="en-GB" dirty="0" smtClean="0"/>
+              <a:t>Cloud Hosting</a:t>
+            </a:r>
+            <a:endParaRPr lang="en-GB" dirty="0"/>
+          </a:p>
+        </p:txBody>
+      </p:sp>
+      <p:sp>
+        <p:nvSpPr>
+          <p:cNvPr id="3" name="Content Placeholder 2"/>
+          <p:cNvSpPr>
+            <a:spLocks noGrp="1"/>
+          </p:cNvSpPr>
+          <p:nvPr>
+            <p:ph idx="1"/>
+          </p:nvPr>
+        </p:nvSpPr>
+        <p:spPr/>
+        <p:txBody>
+          <a:bodyPr>
+            <a:normAutofit/>
+          </a:bodyPr>
+          <a:lstStyle/>
+          <a:p>
+            <a:r>
+              <a:rPr lang="en-GB" dirty="0" smtClean="0"/>
+              <a:t>Microsoft Azure</a:t>
+            </a:r>
+          </a:p>
+          <a:p>
+            <a:pPr lvl="1"/>
+            <a:r>
+              <a:rPr lang="en-GB" dirty="0" smtClean="0"/>
+              <a:t>Relational</a:t>
+            </a:r>
+          </a:p>
+          <a:p>
+            <a:pPr lvl="1"/>
+            <a:r>
+              <a:rPr lang="en-GB" dirty="0" smtClean="0"/>
+              <a:t>NoSQL</a:t>
+            </a:r>
+          </a:p>
+          <a:p>
+            <a:pPr lvl="2"/>
+            <a:r>
+              <a:rPr lang="en-GB" sz="2000" dirty="0" err="1" smtClean="0"/>
+              <a:t>DataStax</a:t>
+            </a:r>
+            <a:r>
+              <a:rPr lang="en-GB" sz="2000" dirty="0" smtClean="0"/>
+              <a:t> Cassandra</a:t>
+            </a:r>
+          </a:p>
+          <a:p>
+            <a:pPr lvl="2"/>
+            <a:r>
+              <a:rPr lang="en-GB" sz="2000" dirty="0" err="1" smtClean="0"/>
+              <a:t>Redis</a:t>
+            </a:r>
+            <a:r>
+              <a:rPr lang="en-GB" sz="2000" dirty="0" smtClean="0"/>
+              <a:t> Cache</a:t>
+            </a:r>
+          </a:p>
+          <a:p>
+            <a:pPr lvl="2"/>
+            <a:r>
+              <a:rPr lang="en-GB" sz="2000" dirty="0" err="1" smtClean="0"/>
+              <a:t>MongoLab</a:t>
+            </a:r>
+            <a:endParaRPr lang="en-GB" sz="2000" dirty="0" smtClean="0"/>
+          </a:p>
+          <a:p>
+            <a:pPr lvl="2"/>
+            <a:r>
+              <a:rPr lang="en-GB" sz="2000" dirty="0" err="1" smtClean="0"/>
+              <a:t>DocumentDB</a:t>
+            </a:r>
+            <a:endParaRPr lang="en-GB" sz="2000" dirty="0"/>
+          </a:p>
+          <a:p>
+            <a:pPr lvl="1"/>
+            <a:r>
+              <a:rPr lang="en-GB" dirty="0" smtClean="0"/>
+              <a:t>Analytics</a:t>
+            </a:r>
+          </a:p>
+          <a:p>
+            <a:pPr lvl="2"/>
+            <a:r>
+              <a:rPr lang="en-GB" sz="2000" dirty="0" smtClean="0"/>
+              <a:t>Hadoop – </a:t>
+            </a:r>
+            <a:r>
+              <a:rPr lang="en-GB" sz="2000" dirty="0" err="1" smtClean="0"/>
+              <a:t>HDInsight</a:t>
+            </a:r>
+            <a:r>
+              <a:rPr lang="en-GB" sz="2000" dirty="0" smtClean="0"/>
+              <a:t>, Cloudera</a:t>
+            </a:r>
+          </a:p>
+          <a:p>
+            <a:pPr lvl="2"/>
+            <a:r>
+              <a:rPr lang="en-GB" sz="2000" dirty="0" smtClean="0"/>
+              <a:t>Machine Learning Services</a:t>
+            </a:r>
+            <a:endParaRPr lang="en-GB" sz="2000" dirty="0"/>
+          </a:p>
+        </p:txBody>
+      </p:sp>
+    </p:spTree>
+    <p:extLst>
+      <p:ext uri="{BB962C8B-B14F-4D97-AF65-F5344CB8AC3E}">
+        <p14:creationId xmlns:p14="http://schemas.microsoft.com/office/powerpoint/2010/main" val="409854454"/>
+      </p:ext>
+    </p:extLst>
+  </p:cSld>
+  <p:clrMapOvr>
+    <a:masterClrMapping/>
+  </p:clrMapOvr>
+  <p:timing>
+    <p:tnLst>
+      <p:par>
+        <p:cTn id="1" dur="indefinite" restart="never" nodeType="tmRoot"/>
+      </p:par>
+    </p:tnLst>
+  </p:timing>
+</p:sld>
+</file>
+
+<file path=ppt/slides/slide46.xml><?xml version="1.0" encoding="utf-8"?>
+<p:sld xmlns:a="http://schemas.openxmlformats.org/drawingml/2006/main" xmlns:r="http://schemas.openxmlformats.org/officeDocument/2006/relationships" xmlns:p="http://schemas.openxmlformats.org/presentationml/2006/main">
+  <p:cSld>
+    <p:spTree>
+      <p:nvGrpSpPr>
+        <p:cNvPr id="1" name=""/>
+        <p:cNvGrpSpPr/>
+        <p:nvPr/>
+      </p:nvGrpSpPr>
+      <p:grpSpPr>
+        <a:xfrm>
+          <a:off x="0" y="0"/>
+          <a:ext cx="0" cy="0"/>
+          <a:chOff x="0" y="0"/>
+          <a:chExt cx="0" cy="0"/>
+        </a:xfrm>
+      </p:grpSpPr>
+      <p:sp>
+        <p:nvSpPr>
+          <p:cNvPr id="2" name="Title 1"/>
+          <p:cNvSpPr>
+            <a:spLocks noGrp="1"/>
+          </p:cNvSpPr>
+          <p:nvPr>
+            <p:ph type="title"/>
+          </p:nvPr>
+        </p:nvSpPr>
+        <p:spPr/>
+        <p:txBody>
+          <a:bodyPr/>
+          <a:lstStyle/>
+          <a:p>
+            <a:r>
+              <a:rPr lang="en-GB" dirty="0" err="1" smtClean="0"/>
+              <a:t>DocumentDB</a:t>
+            </a:r>
+            <a:r>
+              <a:rPr lang="en-GB" dirty="0" smtClean="0"/>
+              <a:t> (MS Azure)</a:t>
+            </a:r>
+            <a:endParaRPr lang="en-GB" dirty="0"/>
+          </a:p>
+        </p:txBody>
+      </p:sp>
+      <p:sp>
+        <p:nvSpPr>
+          <p:cNvPr id="3" name="Content Placeholder 2"/>
+          <p:cNvSpPr>
+            <a:spLocks noGrp="1"/>
+          </p:cNvSpPr>
+          <p:nvPr>
+            <p:ph idx="1"/>
+          </p:nvPr>
+        </p:nvSpPr>
+        <p:spPr/>
+        <p:txBody>
+          <a:bodyPr>
+            <a:normAutofit lnSpcReduction="10000"/>
+          </a:bodyPr>
+          <a:lstStyle/>
+          <a:p>
+            <a:r>
+              <a:rPr lang="en-GB" dirty="0" smtClean="0"/>
+              <a:t>Proprietary Microsoft NoSQL offering</a:t>
+            </a:r>
+          </a:p>
+          <a:p>
+            <a:endParaRPr lang="en-GB" dirty="0" smtClean="0"/>
+          </a:p>
+          <a:p>
+            <a:r>
+              <a:rPr lang="en-GB" dirty="0" smtClean="0"/>
+              <a:t>JSON document </a:t>
+            </a:r>
+            <a:r>
+              <a:rPr lang="en-GB" dirty="0" smtClean="0"/>
+              <a:t>format</a:t>
+            </a:r>
+            <a:endParaRPr lang="en-GB" dirty="0"/>
+          </a:p>
+          <a:p>
+            <a:r>
+              <a:rPr lang="en-GB" dirty="0" err="1" smtClean="0"/>
+              <a:t>Tunable</a:t>
+            </a:r>
+            <a:r>
+              <a:rPr lang="en-GB" dirty="0" smtClean="0"/>
+              <a:t> Consistency</a:t>
+            </a:r>
+          </a:p>
+          <a:p>
+            <a:endParaRPr lang="en-GB" dirty="0"/>
+          </a:p>
+          <a:p>
+            <a:r>
+              <a:rPr lang="en-GB" dirty="0" smtClean="0"/>
+              <a:t>Caveats:</a:t>
+            </a:r>
+          </a:p>
+          <a:p>
+            <a:pPr lvl="1"/>
+            <a:r>
+              <a:rPr lang="en-GB" dirty="0" smtClean="0"/>
+              <a:t>In preview</a:t>
+            </a:r>
+            <a:endParaRPr lang="en-GB" dirty="0"/>
+          </a:p>
+          <a:p>
+            <a:pPr lvl="1"/>
+            <a:r>
+              <a:rPr lang="en-GB" dirty="0" smtClean="0"/>
+              <a:t>Vendor </a:t>
+            </a:r>
+            <a:r>
+              <a:rPr lang="en-GB" dirty="0" smtClean="0"/>
+              <a:t>lock-in</a:t>
+            </a:r>
+            <a:endParaRPr lang="en-GB" dirty="0"/>
+          </a:p>
+        </p:txBody>
+      </p:sp>
+    </p:spTree>
+    <p:extLst>
+      <p:ext uri="{BB962C8B-B14F-4D97-AF65-F5344CB8AC3E}">
+        <p14:creationId xmlns:p14="http://schemas.microsoft.com/office/powerpoint/2010/main" val="135053581"/>
+      </p:ext>
+    </p:extLst>
+  </p:cSld>
+  <p:clrMapOvr>
+    <a:masterClrMapping/>
+  </p:clrMapOvr>
+  <p:timing>
+    <p:tnLst>
+      <p:par>
+        <p:cTn id="1" dur="indefinite" restart="never" nodeType="tmRoot"/>
+      </p:par>
+    </p:tnLst>
+  </p:timing>
+</p:sld>
+</file>
+
+<file path=ppt/slides/slide47.xml><?xml version="1.0" encoding="utf-8"?>
+<p:sld xmlns:a="http://schemas.openxmlformats.org/drawingml/2006/main" xmlns:r="http://schemas.openxmlformats.org/officeDocument/2006/relationships" xmlns:p="http://schemas.openxmlformats.org/presentationml/2006/main">
+  <p:cSld>
+    <p:spTree>
+      <p:nvGrpSpPr>
+        <p:cNvPr id="1" name=""/>
+        <p:cNvGrpSpPr/>
+        <p:nvPr/>
+      </p:nvGrpSpPr>
+      <p:grpSpPr>
+        <a:xfrm>
+          <a:off x="0" y="0"/>
+          <a:ext cx="0" cy="0"/>
+          <a:chOff x="0" y="0"/>
+          <a:chExt cx="0" cy="0"/>
+        </a:xfrm>
+      </p:grpSpPr>
+      <p:sp>
+        <p:nvSpPr>
+          <p:cNvPr id="2" name="Title 1"/>
+          <p:cNvSpPr>
+            <a:spLocks noGrp="1"/>
+          </p:cNvSpPr>
+          <p:nvPr>
+            <p:ph type="ctrTitle"/>
+          </p:nvPr>
+        </p:nvSpPr>
+        <p:spPr/>
+        <p:txBody>
+          <a:bodyPr/>
+          <a:lstStyle/>
+          <a:p>
+            <a:r>
+              <a:rPr lang="en-GB" dirty="0" smtClean="0"/>
+              <a:t>(</a:t>
+            </a:r>
+            <a:r>
+              <a:rPr lang="en-GB" dirty="0" err="1" smtClean="0"/>
+              <a:t>DocumentDB</a:t>
+            </a:r>
+            <a:r>
+              <a:rPr lang="en-GB" dirty="0" smtClean="0"/>
+              <a:t> Demo)</a:t>
+            </a:r>
+            <a:endParaRPr lang="en-GB" dirty="0"/>
+          </a:p>
+        </p:txBody>
+      </p:sp>
+      <p:sp>
+        <p:nvSpPr>
+          <p:cNvPr id="3" name="Subtitle 2"/>
+          <p:cNvSpPr>
+            <a:spLocks noGrp="1"/>
+          </p:cNvSpPr>
+          <p:nvPr>
+            <p:ph type="subTitle" idx="1"/>
+          </p:nvPr>
+        </p:nvSpPr>
+        <p:spPr/>
+        <p:txBody>
+          <a:bodyPr/>
+          <a:lstStyle/>
+          <a:p>
+            <a:endParaRPr lang="en-GB"/>
+          </a:p>
+        </p:txBody>
+      </p:sp>
+    </p:spTree>
+    <p:extLst>
+      <p:ext uri="{BB962C8B-B14F-4D97-AF65-F5344CB8AC3E}">
+        <p14:creationId xmlns:p14="http://schemas.microsoft.com/office/powerpoint/2010/main" val="1956378066"/>
+      </p:ext>
+    </p:extLst>
+  </p:cSld>
+  <p:clrMapOvr>
+    <a:masterClrMapping/>
+  </p:clrMapOvr>
+  <p:timing>
+    <p:tnLst>
+      <p:par>
+        <p:cTn id="1" dur="indefinite" restart="never" nodeType="tmRoot"/>
+      </p:par>
+    </p:tnLst>
+  </p:timing>
+</p:sld>
+</file>
+
+<file path=ppt/slides/slide48.xml><?xml version="1.0" encoding="utf-8"?>
+<p:sld xmlns:a="http://schemas.openxmlformats.org/drawingml/2006/main" xmlns:r="http://schemas.openxmlformats.org/officeDocument/2006/relationships" xmlns:p="http://schemas.openxmlformats.org/presentationml/2006/main">
+  <p:cSld>
+    <p:spTree>
+      <p:nvGrpSpPr>
+        <p:cNvPr id="1" name=""/>
+        <p:cNvGrpSpPr/>
+        <p:nvPr/>
+      </p:nvGrpSpPr>
+      <p:grpSpPr>
+        <a:xfrm>
+          <a:off x="0" y="0"/>
+          <a:ext cx="0" cy="0"/>
+          <a:chOff x="0" y="0"/>
+          <a:chExt cx="0" cy="0"/>
+        </a:xfrm>
+      </p:grpSpPr>
+      <p:sp>
+        <p:nvSpPr>
+          <p:cNvPr id="2" name="Title 1"/>
+          <p:cNvSpPr>
+            <a:spLocks noGrp="1"/>
+          </p:cNvSpPr>
+          <p:nvPr>
+            <p:ph type="title"/>
+          </p:nvPr>
+        </p:nvSpPr>
+        <p:spPr/>
+        <p:txBody>
+          <a:bodyPr/>
+          <a:lstStyle/>
+          <a:p>
+            <a:r>
+              <a:rPr lang="en-GB" dirty="0" err="1" smtClean="0"/>
+              <a:t>MapReduce</a:t>
+            </a:r>
+            <a:endParaRPr lang="en-GB" dirty="0"/>
+          </a:p>
+        </p:txBody>
+      </p:sp>
+      <p:sp>
+        <p:nvSpPr>
+          <p:cNvPr id="3" name="Content Placeholder 2"/>
+          <p:cNvSpPr>
+            <a:spLocks noGrp="1"/>
+          </p:cNvSpPr>
+          <p:nvPr>
+            <p:ph idx="1"/>
+          </p:nvPr>
+        </p:nvSpPr>
+        <p:spPr/>
+        <p:txBody>
+          <a:bodyPr/>
+          <a:lstStyle/>
+          <a:p>
+            <a:r>
+              <a:rPr lang="en-GB" dirty="0" smtClean="0"/>
+              <a:t>Method of aggregating data from multiple nodes</a:t>
+            </a:r>
+          </a:p>
+          <a:p>
+            <a:endParaRPr lang="en-GB" dirty="0"/>
+          </a:p>
+          <a:p>
+            <a:r>
+              <a:rPr lang="en-GB" dirty="0" smtClean="0"/>
+              <a:t>“Send the work to the data”</a:t>
+            </a:r>
+          </a:p>
+          <a:p>
+            <a:endParaRPr lang="en-GB" dirty="0"/>
+          </a:p>
+          <a:p>
+            <a:r>
+              <a:rPr lang="en-GB" dirty="0" smtClean="0"/>
+              <a:t>Implemented in </a:t>
+            </a:r>
+            <a:r>
+              <a:rPr lang="en-GB" dirty="0" err="1" smtClean="0"/>
+              <a:t>Riak</a:t>
+            </a:r>
+            <a:r>
+              <a:rPr lang="en-GB" dirty="0" smtClean="0"/>
+              <a:t>, </a:t>
+            </a:r>
+            <a:r>
+              <a:rPr lang="en-GB" dirty="0" err="1" smtClean="0"/>
+              <a:t>MongoDB</a:t>
+            </a:r>
+            <a:r>
+              <a:rPr lang="en-GB" dirty="0" smtClean="0"/>
+              <a:t>, Hadoop (etc.)</a:t>
+            </a:r>
+            <a:endParaRPr lang="en-GB" dirty="0"/>
+          </a:p>
+        </p:txBody>
+      </p:sp>
+    </p:spTree>
+    <p:extLst>
+      <p:ext uri="{BB962C8B-B14F-4D97-AF65-F5344CB8AC3E}">
+        <p14:creationId xmlns:p14="http://schemas.microsoft.com/office/powerpoint/2010/main" val="1303029299"/>
+      </p:ext>
+    </p:extLst>
+  </p:cSld>
+  <p:clrMapOvr>
+    <a:masterClrMapping/>
+  </p:clrMapOvr>
+  <p:timing>
+    <p:tnLst>
+      <p:par>
+        <p:cTn id="1" dur="indefinite" restart="never" nodeType="tmRoot"/>
+      </p:par>
+    </p:tnLst>
+  </p:timing>
+</p:sld>
+</file>
+
+<file path=ppt/slides/slide49.xml><?xml version="1.0" encoding="utf-8"?>
+<p:sld xmlns:a="http://schemas.openxmlformats.org/drawingml/2006/main" xmlns:r="http://schemas.openxmlformats.org/officeDocument/2006/relationships" xmlns:p="http://schemas.openxmlformats.org/presentationml/2006/main">
+  <p:cSld>
+    <p:spTree>
+      <p:nvGrpSpPr>
+        <p:cNvPr id="1" name=""/>
+        <p:cNvGrpSpPr/>
+        <p:nvPr/>
+      </p:nvGrpSpPr>
+      <p:grpSpPr>
+        <a:xfrm>
+          <a:off x="0" y="0"/>
+          <a:ext cx="0" cy="0"/>
+          <a:chOff x="0" y="0"/>
+          <a:chExt cx="0" cy="0"/>
+        </a:xfrm>
+      </p:grpSpPr>
+      <p:sp>
+        <p:nvSpPr>
+          <p:cNvPr id="2" name="Title 1"/>
+          <p:cNvSpPr>
+            <a:spLocks noGrp="1"/>
+          </p:cNvSpPr>
+          <p:nvPr>
+            <p:ph type="title"/>
+          </p:nvPr>
+        </p:nvSpPr>
+        <p:spPr/>
+        <p:txBody>
+          <a:bodyPr/>
+          <a:lstStyle/>
+          <a:p>
+            <a:r>
+              <a:rPr lang="en-GB" dirty="0" err="1" smtClean="0"/>
+              <a:t>MapReduce</a:t>
+            </a:r>
+            <a:endParaRPr lang="en-GB" dirty="0"/>
+          </a:p>
+        </p:txBody>
+      </p:sp>
+      <p:sp>
+        <p:nvSpPr>
+          <p:cNvPr id="3" name="Content Placeholder 2"/>
+          <p:cNvSpPr>
+            <a:spLocks noGrp="1"/>
+          </p:cNvSpPr>
+          <p:nvPr>
+            <p:ph idx="1"/>
+          </p:nvPr>
+        </p:nvSpPr>
+        <p:spPr/>
+        <p:txBody>
+          <a:bodyPr/>
+          <a:lstStyle/>
+          <a:p>
+            <a:r>
+              <a:rPr lang="en-GB" dirty="0" smtClean="0"/>
+              <a:t>(PUT DIAGRAM HERE)</a:t>
+            </a:r>
+            <a:endParaRPr lang="en-GB" dirty="0"/>
+          </a:p>
+        </p:txBody>
+      </p:sp>
+    </p:spTree>
+    <p:extLst>
+      <p:ext uri="{BB962C8B-B14F-4D97-AF65-F5344CB8AC3E}">
+        <p14:creationId xmlns:p14="http://schemas.microsoft.com/office/powerpoint/2010/main" val="692788270"/>
+      </p:ext>
+    </p:extLst>
+  </p:cSld>
+  <p:clrMapOvr>
+    <a:masterClrMapping/>
+  </p:clrMapOvr>
+  <p:timing>
+    <p:tnLst>
+      <p:par>
+        <p:cTn id="1" dur="indefinite" restart="never" nodeType="tmRoot"/>
+      </p:par>
+    </p:tnLst>
+  </p:timing>
+</p:sld>
+</file>
+
+<file path=ppt/slides/slide5.xml><?xml version="1.0" encoding="utf-8"?>
+<p:sld xmlns:a="http://schemas.openxmlformats.org/drawingml/2006/main" xmlns:r="http://schemas.openxmlformats.org/officeDocument/2006/relationships" xmlns:p="http://schemas.openxmlformats.org/presentationml/2006/main">
+  <p:cSld>
+    <p:spTree>
+      <p:nvGrpSpPr>
+        <p:cNvPr id="1" name=""/>
+        <p:cNvGrpSpPr/>
+        <p:nvPr/>
+      </p:nvGrpSpPr>
+      <p:grpSpPr>
+        <a:xfrm>
+          <a:off x="0" y="0"/>
+          <a:ext cx="0" cy="0"/>
+          <a:chOff x="0" y="0"/>
+          <a:chExt cx="0" cy="0"/>
+        </a:xfrm>
+      </p:grpSpPr>
+      <p:sp>
+        <p:nvSpPr>
+          <p:cNvPr id="2" name="Title 1"/>
+          <p:cNvSpPr>
+            <a:spLocks noGrp="1"/>
+          </p:cNvSpPr>
+          <p:nvPr>
+            <p:ph type="title"/>
+          </p:nvPr>
+        </p:nvSpPr>
+        <p:spPr/>
+        <p:txBody>
+          <a:bodyPr/>
+          <a:lstStyle/>
+          <a:p>
+            <a:r>
+              <a:rPr lang="en-GB" dirty="0" smtClean="0"/>
+              <a:t>10 Years Ago</a:t>
+            </a:r>
+            <a:endParaRPr lang="en-GB" dirty="0"/>
+          </a:p>
+        </p:txBody>
+      </p:sp>
+      <p:sp>
+        <p:nvSpPr>
+          <p:cNvPr id="7" name="Content Placeholder 6"/>
+          <p:cNvSpPr>
+            <a:spLocks noGrp="1"/>
+          </p:cNvSpPr>
+          <p:nvPr>
+            <p:ph idx="1"/>
+          </p:nvPr>
+        </p:nvSpPr>
+        <p:spPr/>
+        <p:txBody>
+          <a:bodyPr>
+            <a:normAutofit lnSpcReduction="10000"/>
+          </a:bodyPr>
+          <a:lstStyle/>
+          <a:p>
+            <a:pPr marL="0" indent="0">
+              <a:buNone/>
+            </a:pPr>
+            <a:r>
+              <a:rPr lang="en-GB" dirty="0" smtClean="0"/>
+              <a:t>“OLTP”</a:t>
+            </a:r>
+          </a:p>
+          <a:p>
+            <a:r>
+              <a:rPr lang="en-GB" sz="2800" dirty="0"/>
+              <a:t>A</a:t>
+            </a:r>
+            <a:r>
+              <a:rPr lang="en-GB" sz="2800" dirty="0" smtClean="0"/>
+              <a:t>pplication access, lots of small queries, updates</a:t>
+            </a:r>
+          </a:p>
+          <a:p>
+            <a:r>
+              <a:rPr lang="en-GB" sz="2800" dirty="0" smtClean="0"/>
+              <a:t>Lightly Indexed, Normalised</a:t>
+            </a:r>
+          </a:p>
+          <a:p>
+            <a:endParaRPr lang="en-GB" sz="2800" dirty="0" smtClean="0"/>
+          </a:p>
+          <a:p>
+            <a:pPr marL="0" indent="0">
+              <a:buNone/>
+            </a:pPr>
+            <a:r>
+              <a:rPr lang="en-GB" dirty="0" smtClean="0"/>
+              <a:t>Data Warehouse/ “OLAP”</a:t>
+            </a:r>
+          </a:p>
+          <a:p>
+            <a:r>
+              <a:rPr lang="en-GB" sz="2800" dirty="0" smtClean="0"/>
+              <a:t>Large, ad-hoc </a:t>
+            </a:r>
+            <a:r>
+              <a:rPr lang="en-GB" sz="2800" dirty="0"/>
+              <a:t>a</a:t>
+            </a:r>
+            <a:r>
+              <a:rPr lang="en-GB" sz="2800" dirty="0" smtClean="0"/>
+              <a:t>nalytical </a:t>
+            </a:r>
+            <a:r>
+              <a:rPr lang="en-GB" sz="2800" dirty="0"/>
+              <a:t>q</a:t>
+            </a:r>
+            <a:r>
+              <a:rPr lang="en-GB" sz="2800" dirty="0" smtClean="0"/>
+              <a:t>ueries – read-mostly</a:t>
+            </a:r>
+          </a:p>
+          <a:p>
+            <a:r>
+              <a:rPr lang="en-GB" sz="2800" dirty="0" smtClean="0"/>
+              <a:t>Heavily Indexed, </a:t>
+            </a:r>
+            <a:r>
+              <a:rPr lang="en-GB" sz="2800" dirty="0" err="1" smtClean="0"/>
+              <a:t>Denormalised</a:t>
+            </a:r>
+            <a:endParaRPr lang="en-GB" sz="2800" dirty="0" smtClean="0"/>
+          </a:p>
+          <a:p>
+            <a:pPr marL="0" indent="0">
+              <a:buNone/>
+            </a:pPr>
+            <a:endParaRPr lang="en-GB" sz="2800" dirty="0" smtClean="0"/>
+          </a:p>
+          <a:p>
+            <a:pPr marL="0" indent="0">
+              <a:buNone/>
+            </a:pPr>
+            <a:r>
+              <a:rPr lang="en-GB" sz="2800" b="1" i="1" dirty="0" smtClean="0">
+                <a:solidFill>
+                  <a:srgbClr val="FF0000"/>
+                </a:solidFill>
+              </a:rPr>
+              <a:t>BUT – all done in SQL/ Relational</a:t>
+            </a:r>
+            <a:endParaRPr lang="en-GB" sz="2800" b="1" i="1" dirty="0">
+              <a:solidFill>
+                <a:srgbClr val="FF0000"/>
+              </a:solidFill>
+            </a:endParaRPr>
+          </a:p>
+          <a:p>
+            <a:endParaRPr lang="en-GB" sz="2800" dirty="0" smtClean="0"/>
+          </a:p>
+          <a:p>
+            <a:pPr marL="0" indent="0">
+              <a:buNone/>
+            </a:pPr>
+            <a:endParaRPr lang="en-GB" dirty="0"/>
+          </a:p>
+        </p:txBody>
+      </p:sp>
+    </p:spTree>
+    <p:extLst>
+      <p:ext uri="{BB962C8B-B14F-4D97-AF65-F5344CB8AC3E}">
+        <p14:creationId xmlns:p14="http://schemas.microsoft.com/office/powerpoint/2010/main" val="3268761550"/>
+      </p:ext>
+    </p:extLst>
+  </p:cSld>
+  <p:clrMapOvr>
+    <a:masterClrMapping/>
+  </p:clrMapOvr>
+  <p:timing>
+    <p:tnLst>
+      <p:par>
+        <p:cTn id="1" dur="indefinite" restart="never" nodeType="tmRoot">
+          <p:childTnLst>
+            <p:seq concurrent="1" nextAc="seek">
+              <p:cTn id="2" dur="indefinite" nodeType="mainSeq">
+                <p:childTnLst>
+                  <p:par>
+                    <p:cTn id="3" fill="hold">
+                      <p:stCondLst>
+                        <p:cond delay="indefinite"/>
+                      </p:stCondLst>
+                      <p:childTnLst>
+                        <p:par>
+                          <p:cTn id="4" fill="hold">
+                            <p:stCondLst>
+                              <p:cond delay="0"/>
+                            </p:stCondLst>
+                            <p:childTnLst>
+                              <p:par>
+                                <p:cTn id="5" presetID="1" presetClass="entr" presetSubtype="0" fill="hold" nodeType="clickEffect">
+                                  <p:stCondLst>
+                                    <p:cond delay="0"/>
+                                  </p:stCondLst>
+                                  <p:childTnLst>
+                                    <p:set>
+                                      <p:cBhvr>
+                                        <p:cTn id="6" dur="1" fill="hold">
+                                          <p:stCondLst>
+                                            <p:cond delay="0"/>
+                                          </p:stCondLst>
+                                        </p:cTn>
+                                        <p:tgtEl>
+                                          <p:spTgt spid="7">
+                                            <p:txEl>
+                                              <p:pRg st="8" end="8"/>
+                                            </p:txEl>
+                                          </p:spTgt>
+                                        </p:tgtEl>
+                                        <p:attrNameLst>
+                                          <p:attrName>style.visibility</p:attrName>
+                                        </p:attrNameLst>
+                                      </p:cBhvr>
+                                      <p:to>
+                                        <p:strVal val="visible"/>
+                                      </p:to>
+                                    </p:set>
+                                  </p:childTnLst>
+                                </p:cTn>
+                              </p:par>
+                            </p:childTnLst>
+                          </p:cTn>
+                        </p:par>
+                      </p:childTnLst>
+                    </p:cTn>
+                  </p:par>
+                </p:childTnLst>
+              </p:cTn>
+              <p:prevCondLst>
+                <p:cond evt="onPrev" delay="0">
+                  <p:tgtEl>
+                    <p:sldTgt/>
+                  </p:tgtEl>
+                </p:cond>
+              </p:prevCondLst>
+              <p:nextCondLst>
+                <p:cond evt="onNext" delay="0">
+                  <p:tgtEl>
+                    <p:sldTgt/>
+                  </p:tgtEl>
+                </p:cond>
+              </p:nextCondLst>
+            </p:seq>
+          </p:childTnLst>
+        </p:cTn>
+      </p:par>
+    </p:tnLst>
+  </p:timing>
+</p:sld>
+</file>
+
+<file path=ppt/slides/slide50.xml><?xml version="1.0" encoding="utf-8"?>
+<p:sld xmlns:a="http://schemas.openxmlformats.org/drawingml/2006/main" xmlns:r="http://schemas.openxmlformats.org/officeDocument/2006/relationships" xmlns:p="http://schemas.openxmlformats.org/presentationml/2006/main">
+  <p:cSld>
+    <p:spTree>
+      <p:nvGrpSpPr>
+        <p:cNvPr id="1" name=""/>
+        <p:cNvGrpSpPr/>
+        <p:nvPr/>
+      </p:nvGrpSpPr>
+      <p:grpSpPr>
+        <a:xfrm>
+          <a:off x="0" y="0"/>
+          <a:ext cx="0" cy="0"/>
+          <a:chOff x="0" y="0"/>
+          <a:chExt cx="0" cy="0"/>
+        </a:xfrm>
+      </p:grpSpPr>
+      <p:sp>
+        <p:nvSpPr>
+          <p:cNvPr id="2" name="Title 1"/>
+          <p:cNvSpPr>
+            <a:spLocks noGrp="1"/>
+          </p:cNvSpPr>
+          <p:nvPr>
+            <p:ph type="title"/>
+          </p:nvPr>
+        </p:nvSpPr>
+        <p:spPr/>
+        <p:txBody>
+          <a:bodyPr/>
+          <a:lstStyle/>
+          <a:p>
+            <a:r>
+              <a:rPr lang="en-GB" dirty="0" smtClean="0"/>
               <a:t>Hadoop</a:t>
             </a:r>
             <a:endParaRPr lang="en-GB" dirty="0"/>
@@ -18018,7 +18857,7 @@
 </p:sld>
 </file>
 
-<file path=ppt/slides/slide46.xml><?xml version="1.0" encoding="utf-8"?>
+<file path=ppt/slides/slide51.xml><?xml version="1.0" encoding="utf-8"?>
 <p:sld xmlns:a="http://schemas.openxmlformats.org/drawingml/2006/main" xmlns:r="http://schemas.openxmlformats.org/officeDocument/2006/relationships" xmlns:p="http://schemas.openxmlformats.org/presentationml/2006/main">
   <p:cSld>
     <p:spTree>
@@ -19035,7 +19874,7 @@
 </p:sld>
 </file>
 
-<file path=ppt/slides/slide47.xml><?xml version="1.0" encoding="utf-8"?>
+<file path=ppt/slides/slide52.xml><?xml version="1.0" encoding="utf-8"?>
 <p:sld xmlns:a="http://schemas.openxmlformats.org/drawingml/2006/main" xmlns:r="http://schemas.openxmlformats.org/officeDocument/2006/relationships" xmlns:p="http://schemas.openxmlformats.org/presentationml/2006/main">
   <p:cSld>
     <p:spTree>
@@ -19112,10 +19951,17 @@
   <p:clrMapOvr>
     <a:masterClrMapping/>
   </p:clrMapOvr>
+  <p:timing>
+    <p:tnLst>
+      <p:par>
+        <p:cTn id="1" dur="indefinite" restart="never" nodeType="tmRoot"/>
+      </p:par>
+    </p:tnLst>
+  </p:timing>
 </p:sld>
 </file>
 
-<file path=ppt/slides/slide48.xml><?xml version="1.0" encoding="utf-8"?>
+<file path=ppt/slides/slide53.xml><?xml version="1.0" encoding="utf-8"?>
 <p:sld xmlns:a="http://schemas.openxmlformats.org/drawingml/2006/main" xmlns:r="http://schemas.openxmlformats.org/officeDocument/2006/relationships" xmlns:p="http://schemas.openxmlformats.org/presentationml/2006/main">
   <p:cSld>
     <p:spTree>
@@ -19167,10 +20013,95 @@
         </p:nvSpPr>
         <p:spPr/>
         <p:txBody>
-          <a:bodyPr/>
-          <a:lstStyle/>
-          <a:p>
-            <a:endParaRPr lang="en-GB"/>
+          <a:bodyPr>
+            <a:normAutofit/>
+          </a:bodyPr>
+          <a:lstStyle/>
+          <a:p>
+            <a:r>
+              <a:rPr lang="en-GB" dirty="0" smtClean="0"/>
+              <a:t>A toolset/ platform – not a database – “Linux for Distributed Systems”</a:t>
+            </a:r>
+          </a:p>
+          <a:p>
+            <a:r>
+              <a:rPr lang="en-GB" dirty="0" smtClean="0"/>
+              <a:t>Related </a:t>
+            </a:r>
+            <a:r>
+              <a:rPr lang="en-GB" dirty="0"/>
+              <a:t>tools - including but not limited to:</a:t>
+            </a:r>
+          </a:p>
+          <a:p>
+            <a:pPr marL="457200" lvl="1" indent="0">
+              <a:buNone/>
+            </a:pPr>
+            <a:r>
+              <a:rPr lang="en-GB" dirty="0"/>
+              <a:t>Hive, Pig, Impala, Spark, </a:t>
+            </a:r>
+            <a:r>
+              <a:rPr lang="en-GB" dirty="0" err="1"/>
+              <a:t>HBase</a:t>
+            </a:r>
+            <a:r>
+              <a:rPr lang="en-GB" dirty="0"/>
+              <a:t>, Cassandra, </a:t>
+            </a:r>
+            <a:r>
+              <a:rPr lang="en-GB" dirty="0" err="1" smtClean="0"/>
+              <a:t>ZooKeeper</a:t>
+            </a:r>
+            <a:r>
+              <a:rPr lang="en-GB" dirty="0" smtClean="0"/>
+              <a:t>, </a:t>
+            </a:r>
+            <a:r>
+              <a:rPr lang="en-GB" dirty="0" err="1" smtClean="0"/>
+              <a:t>Giraph</a:t>
+            </a:r>
+            <a:r>
+              <a:rPr lang="en-GB" dirty="0" smtClean="0"/>
+              <a:t>, Flume, </a:t>
+            </a:r>
+            <a:r>
+              <a:rPr lang="en-GB" dirty="0" err="1" smtClean="0"/>
+              <a:t>Sqoop</a:t>
+            </a:r>
+            <a:r>
+              <a:rPr lang="en-GB" dirty="0" smtClean="0"/>
+              <a:t>, Mahout</a:t>
+            </a:r>
+            <a:endParaRPr lang="en-GB" dirty="0" smtClean="0"/>
+          </a:p>
+          <a:p>
+            <a:r>
+              <a:rPr lang="en-GB" dirty="0" err="1" smtClean="0"/>
+              <a:t>HortonWorks</a:t>
+            </a:r>
+            <a:r>
+              <a:rPr lang="en-GB" dirty="0" smtClean="0"/>
+              <a:t>, Cloudera</a:t>
+            </a:r>
+          </a:p>
+          <a:p>
+            <a:r>
+              <a:rPr lang="en-GB" dirty="0"/>
+              <a:t>Microsoft </a:t>
+            </a:r>
+            <a:r>
+              <a:rPr lang="en-GB" dirty="0" err="1"/>
+              <a:t>HDInsight</a:t>
+            </a:r>
+            <a:r>
+              <a:rPr lang="en-GB" dirty="0"/>
+              <a:t>, SAS Visual Analytics</a:t>
+            </a:r>
+            <a:endParaRPr lang="en-GB" dirty="0" smtClean="0"/>
+          </a:p>
+          <a:p>
+            <a:endParaRPr lang="en-GB" dirty="0"/>
           </a:p>
         </p:txBody>
       </p:sp>
@@ -19194,7 +20125,7 @@
 </p:sld>
 </file>
 
-<file path=ppt/slides/slide49.xml><?xml version="1.0" encoding="utf-8"?>
+<file path=ppt/slides/slide54.xml><?xml version="1.0" encoding="utf-8"?>
 <p:sld xmlns:a="http://schemas.openxmlformats.org/drawingml/2006/main" xmlns:r="http://schemas.openxmlformats.org/officeDocument/2006/relationships" xmlns:p="http://schemas.openxmlformats.org/presentationml/2006/main">
   <p:cSld>
     <p:spTree>
@@ -19300,260 +20231,7 @@
 </p:sld>
 </file>
 
-<file path=ppt/slides/slide5.xml><?xml version="1.0" encoding="utf-8"?>
-<p:sld xmlns:a="http://schemas.openxmlformats.org/drawingml/2006/main" xmlns:r="http://schemas.openxmlformats.org/officeDocument/2006/relationships" xmlns:p="http://schemas.openxmlformats.org/presentationml/2006/main">
-  <p:cSld>
-    <p:spTree>
-      <p:nvGrpSpPr>
-        <p:cNvPr id="1" name=""/>
-        <p:cNvGrpSpPr/>
-        <p:nvPr/>
-      </p:nvGrpSpPr>
-      <p:grpSpPr>
-        <a:xfrm>
-          <a:off x="0" y="0"/>
-          <a:ext cx="0" cy="0"/>
-          <a:chOff x="0" y="0"/>
-          <a:chExt cx="0" cy="0"/>
-        </a:xfrm>
-      </p:grpSpPr>
-      <p:sp>
-        <p:nvSpPr>
-          <p:cNvPr id="2" name="Title 1"/>
-          <p:cNvSpPr>
-            <a:spLocks noGrp="1"/>
-          </p:cNvSpPr>
-          <p:nvPr>
-            <p:ph type="title"/>
-          </p:nvPr>
-        </p:nvSpPr>
-        <p:spPr/>
-        <p:txBody>
-          <a:bodyPr/>
-          <a:lstStyle/>
-          <a:p>
-            <a:r>
-              <a:rPr lang="en-GB" dirty="0" smtClean="0"/>
-              <a:t>10 Years Ago</a:t>
-            </a:r>
-            <a:endParaRPr lang="en-GB" dirty="0"/>
-          </a:p>
-        </p:txBody>
-      </p:sp>
-      <p:sp>
-        <p:nvSpPr>
-          <p:cNvPr id="7" name="Content Placeholder 6"/>
-          <p:cNvSpPr>
-            <a:spLocks noGrp="1"/>
-          </p:cNvSpPr>
-          <p:nvPr>
-            <p:ph idx="1"/>
-          </p:nvPr>
-        </p:nvSpPr>
-        <p:spPr/>
-        <p:txBody>
-          <a:bodyPr>
-            <a:normAutofit lnSpcReduction="10000"/>
-          </a:bodyPr>
-          <a:lstStyle/>
-          <a:p>
-            <a:pPr marL="0" indent="0">
-              <a:buNone/>
-            </a:pPr>
-            <a:r>
-              <a:rPr lang="en-GB" dirty="0" smtClean="0"/>
-              <a:t>“OLTP”</a:t>
-            </a:r>
-          </a:p>
-          <a:p>
-            <a:r>
-              <a:rPr lang="en-GB" sz="2800" dirty="0"/>
-              <a:t>A</a:t>
-            </a:r>
-            <a:r>
-              <a:rPr lang="en-GB" sz="2800" dirty="0" smtClean="0"/>
-              <a:t>pplication access, lots of small queries, updates</a:t>
-            </a:r>
-          </a:p>
-          <a:p>
-            <a:r>
-              <a:rPr lang="en-GB" sz="2800" dirty="0" smtClean="0"/>
-              <a:t>Lightly Indexed, Normalised</a:t>
-            </a:r>
-          </a:p>
-          <a:p>
-            <a:endParaRPr lang="en-GB" sz="2800" dirty="0" smtClean="0"/>
-          </a:p>
-          <a:p>
-            <a:pPr marL="0" indent="0">
-              <a:buNone/>
-            </a:pPr>
-            <a:r>
-              <a:rPr lang="en-GB" dirty="0" smtClean="0"/>
-              <a:t>Data Warehouse/ “OLAP”</a:t>
-            </a:r>
-          </a:p>
-          <a:p>
-            <a:r>
-              <a:rPr lang="en-GB" sz="2800" dirty="0" smtClean="0"/>
-              <a:t>Large, ad-hoc </a:t>
-            </a:r>
-            <a:r>
-              <a:rPr lang="en-GB" sz="2800" dirty="0"/>
-              <a:t>a</a:t>
-            </a:r>
-            <a:r>
-              <a:rPr lang="en-GB" sz="2800" dirty="0" smtClean="0"/>
-              <a:t>nalytical </a:t>
-            </a:r>
-            <a:r>
-              <a:rPr lang="en-GB" sz="2800" dirty="0"/>
-              <a:t>q</a:t>
-            </a:r>
-            <a:r>
-              <a:rPr lang="en-GB" sz="2800" dirty="0" smtClean="0"/>
-              <a:t>ueries – read-mostly</a:t>
-            </a:r>
-          </a:p>
-          <a:p>
-            <a:r>
-              <a:rPr lang="en-GB" sz="2800" dirty="0" smtClean="0"/>
-              <a:t>Heavily Indexed, </a:t>
-            </a:r>
-            <a:r>
-              <a:rPr lang="en-GB" sz="2800" dirty="0" err="1" smtClean="0"/>
-              <a:t>Denormalised</a:t>
-            </a:r>
-            <a:endParaRPr lang="en-GB" sz="2800" dirty="0" smtClean="0"/>
-          </a:p>
-          <a:p>
-            <a:pPr marL="0" indent="0">
-              <a:buNone/>
-            </a:pPr>
-            <a:endParaRPr lang="en-GB" sz="2800" dirty="0" smtClean="0"/>
-          </a:p>
-          <a:p>
-            <a:pPr marL="0" indent="0">
-              <a:buNone/>
-            </a:pPr>
-            <a:r>
-              <a:rPr lang="en-GB" sz="2800" b="1" i="1" dirty="0" smtClean="0">
-                <a:solidFill>
-                  <a:srgbClr val="FF0000"/>
-                </a:solidFill>
-              </a:rPr>
-              <a:t>BUT – all done in SQL/ Relational</a:t>
-            </a:r>
-            <a:endParaRPr lang="en-GB" sz="2800" b="1" i="1" dirty="0">
-              <a:solidFill>
-                <a:srgbClr val="FF0000"/>
-              </a:solidFill>
-            </a:endParaRPr>
-          </a:p>
-          <a:p>
-            <a:endParaRPr lang="en-GB" sz="2800" dirty="0" smtClean="0"/>
-          </a:p>
-          <a:p>
-            <a:pPr marL="0" indent="0">
-              <a:buNone/>
-            </a:pPr>
-            <a:endParaRPr lang="en-GB" dirty="0"/>
-          </a:p>
-        </p:txBody>
-      </p:sp>
-    </p:spTree>
-    <p:extLst>
-      <p:ext uri="{BB962C8B-B14F-4D97-AF65-F5344CB8AC3E}">
-        <p14:creationId xmlns:p14="http://schemas.microsoft.com/office/powerpoint/2010/main" val="3268761550"/>
-      </p:ext>
-    </p:extLst>
-  </p:cSld>
-  <p:clrMapOvr>
-    <a:masterClrMapping/>
-  </p:clrMapOvr>
-  <p:timing>
-    <p:tnLst>
-      <p:par>
-        <p:cTn id="1" dur="indefinite" restart="never" nodeType="tmRoot">
-          <p:childTnLst>
-            <p:seq concurrent="1" nextAc="seek">
-              <p:cTn id="2" dur="indefinite" nodeType="mainSeq">
-                <p:childTnLst>
-                  <p:par>
-                    <p:cTn id="3" fill="hold">
-                      <p:stCondLst>
-                        <p:cond delay="indefinite"/>
-                      </p:stCondLst>
-                      <p:childTnLst>
-                        <p:par>
-                          <p:cTn id="4" fill="hold">
-                            <p:stCondLst>
-                              <p:cond delay="0"/>
-                            </p:stCondLst>
-                            <p:childTnLst>
-                              <p:par>
-                                <p:cTn id="5" presetID="1" presetClass="entr" presetSubtype="0" fill="hold" nodeType="clickEffect">
-                                  <p:stCondLst>
-                                    <p:cond delay="0"/>
-                                  </p:stCondLst>
-                                  <p:childTnLst>
-                                    <p:set>
-                                      <p:cBhvr>
-                                        <p:cTn id="6" dur="1" fill="hold">
-                                          <p:stCondLst>
-                                            <p:cond delay="0"/>
-                                          </p:stCondLst>
-                                        </p:cTn>
-                                        <p:tgtEl>
-                                          <p:spTgt spid="7">
-                                            <p:txEl>
-                                              <p:pRg st="8" end="8"/>
-                                            </p:txEl>
-                                          </p:spTgt>
-                                        </p:tgtEl>
-                                        <p:attrNameLst>
-                                          <p:attrName>style.visibility</p:attrName>
-                                        </p:attrNameLst>
-                                      </p:cBhvr>
-                                      <p:to>
-                                        <p:strVal val="visible"/>
-                                      </p:to>
-                                    </p:set>
-                                  </p:childTnLst>
-                                </p:cTn>
-                              </p:par>
-                            </p:childTnLst>
-                          </p:cTn>
-                        </p:par>
-                      </p:childTnLst>
-                    </p:cTn>
-                  </p:par>
-                </p:childTnLst>
-              </p:cTn>
-              <p:prevCondLst>
-                <p:cond evt="onPrev" delay="0">
-                  <p:tgtEl>
-                    <p:sldTgt/>
-                  </p:tgtEl>
-                </p:cond>
-              </p:prevCondLst>
-              <p:nextCondLst>
-                <p:cond evt="onNext" delay="0">
-                  <p:tgtEl>
-                    <p:sldTgt/>
-                  </p:tgtEl>
-                </p:cond>
-              </p:nextCondLst>
-            </p:seq>
-          </p:childTnLst>
-        </p:cTn>
-      </p:par>
-    </p:tnLst>
-  </p:timing>
-</p:sld>
-</file>
-
-<file path=ppt/slides/slide50.xml><?xml version="1.0" encoding="utf-8"?>
+<file path=ppt/slides/slide55.xml><?xml version="1.0" encoding="utf-8"?>
 <p:sld xmlns:a="http://schemas.openxmlformats.org/drawingml/2006/main" xmlns:r="http://schemas.openxmlformats.org/officeDocument/2006/relationships" xmlns:p="http://schemas.openxmlformats.org/presentationml/2006/main">
   <p:cSld>
     <p:spTree>
@@ -19671,7 +20349,7 @@
 </p:sld>
 </file>
 
-<file path=ppt/slides/slide51.xml><?xml version="1.0" encoding="utf-8"?>
+<file path=ppt/slides/slide56.xml><?xml version="1.0" encoding="utf-8"?>
 <p:sld xmlns:a="http://schemas.openxmlformats.org/drawingml/2006/main" xmlns:r="http://schemas.openxmlformats.org/officeDocument/2006/relationships" xmlns:p="http://schemas.openxmlformats.org/presentationml/2006/main">
   <p:cSld>
     <p:spTree>
@@ -19789,7 +20467,7 @@
 </p:sld>
 </file>
 
-<file path=ppt/slides/slide52.xml><?xml version="1.0" encoding="utf-8"?>
+<file path=ppt/slides/slide57.xml><?xml version="1.0" encoding="utf-8"?>
 <p:sld xmlns:a="http://schemas.openxmlformats.org/drawingml/2006/main" xmlns:r="http://schemas.openxmlformats.org/officeDocument/2006/relationships" xmlns:p="http://schemas.openxmlformats.org/presentationml/2006/main">
   <p:cSld>
     <p:spTree>
@@ -20152,7 +20830,7 @@
 </p:sld>
 </file>
 
-<file path=ppt/slides/slide53.xml><?xml version="1.0" encoding="utf-8"?>
+<file path=ppt/slides/slide58.xml><?xml version="1.0" encoding="utf-8"?>
 <p:sld xmlns:a="http://schemas.openxmlformats.org/drawingml/2006/main" xmlns:r="http://schemas.openxmlformats.org/officeDocument/2006/relationships" xmlns:p="http://schemas.openxmlformats.org/presentationml/2006/main">
   <p:cSld>
     <p:spTree>
@@ -20670,7 +21348,7 @@
 </p:sld>
 </file>
 
-<file path=ppt/slides/slide54.xml><?xml version="1.0" encoding="utf-8"?>
+<file path=ppt/slides/slide59.xml><?xml version="1.0" encoding="utf-8"?>
 <p:sld xmlns:a="http://schemas.openxmlformats.org/drawingml/2006/main" xmlns:r="http://schemas.openxmlformats.org/officeDocument/2006/relationships" xmlns:p="http://schemas.openxmlformats.org/presentationml/2006/main">
   <p:cSld>
     <p:spTree>
@@ -20778,441 +21456,6 @@
     <p:extLst>
       <p:ext uri="{BB962C8B-B14F-4D97-AF65-F5344CB8AC3E}">
         <p14:creationId xmlns:p14="http://schemas.microsoft.com/office/powerpoint/2010/main" val="1132971709"/>
-      </p:ext>
-    </p:extLst>
-  </p:cSld>
-  <p:clrMapOvr>
-    <a:masterClrMapping/>
-  </p:clrMapOvr>
-  <p:timing>
-    <p:tnLst>
-      <p:par>
-        <p:cTn id="1" dur="indefinite" restart="never" nodeType="tmRoot"/>
-      </p:par>
-    </p:tnLst>
-  </p:timing>
-</p:sld>
-</file>
-
-<file path=ppt/slides/slide55.xml><?xml version="1.0" encoding="utf-8"?>
-<p:sld xmlns:a="http://schemas.openxmlformats.org/drawingml/2006/main" xmlns:r="http://schemas.openxmlformats.org/officeDocument/2006/relationships" xmlns:p="http://schemas.openxmlformats.org/presentationml/2006/main">
-  <p:cSld>
-    <p:spTree>
-      <p:nvGrpSpPr>
-        <p:cNvPr id="1" name=""/>
-        <p:cNvGrpSpPr/>
-        <p:nvPr/>
-      </p:nvGrpSpPr>
-      <p:grpSpPr>
-        <a:xfrm>
-          <a:off x="0" y="0"/>
-          <a:ext cx="0" cy="0"/>
-          <a:chOff x="0" y="0"/>
-          <a:chExt cx="0" cy="0"/>
-        </a:xfrm>
-      </p:grpSpPr>
-      <p:sp>
-        <p:nvSpPr>
-          <p:cNvPr id="2" name="Title 1"/>
-          <p:cNvSpPr>
-            <a:spLocks noGrp="1"/>
-          </p:cNvSpPr>
-          <p:nvPr>
-            <p:ph type="title"/>
-          </p:nvPr>
-        </p:nvSpPr>
-        <p:spPr/>
-        <p:txBody>
-          <a:bodyPr/>
-          <a:lstStyle/>
-          <a:p>
-            <a:r>
-              <a:rPr lang="en-GB" dirty="0" smtClean="0"/>
-              <a:t>Business Processes (Amazon)</a:t>
-            </a:r>
-            <a:endParaRPr lang="en-GB" dirty="0"/>
-          </a:p>
-        </p:txBody>
-      </p:sp>
-      <p:sp>
-        <p:nvSpPr>
-          <p:cNvPr id="3" name="Content Placeholder 2"/>
-          <p:cNvSpPr>
-            <a:spLocks noGrp="1"/>
-          </p:cNvSpPr>
-          <p:nvPr>
-            <p:ph idx="1"/>
-          </p:nvPr>
-        </p:nvSpPr>
-        <p:spPr/>
-        <p:txBody>
-          <a:bodyPr/>
-          <a:lstStyle/>
-          <a:p>
-            <a:r>
-              <a:rPr lang="en-GB" dirty="0" smtClean="0"/>
-              <a:t>AP for shopping cart, recommendations</a:t>
-            </a:r>
-          </a:p>
-          <a:p>
-            <a:endParaRPr lang="en-GB" dirty="0"/>
-          </a:p>
-          <a:p>
-            <a:r>
-              <a:rPr lang="en-GB" dirty="0" smtClean="0"/>
-              <a:t>CP for (e.g.) financial transactions</a:t>
-            </a:r>
-          </a:p>
-          <a:p>
-            <a:pPr marL="457200" lvl="1" indent="0">
-              <a:buNone/>
-            </a:pPr>
-            <a:endParaRPr lang="en-GB" dirty="0" smtClean="0"/>
-          </a:p>
-          <a:p>
-            <a:pPr marL="457200" lvl="1" indent="0">
-              <a:buNone/>
-            </a:pPr>
-            <a:endParaRPr lang="en-GB" dirty="0"/>
-          </a:p>
-          <a:p>
-            <a:pPr marL="457200" lvl="1" indent="0" algn="ctr">
-              <a:buNone/>
-            </a:pPr>
-            <a:r>
-              <a:rPr lang="en-GB" dirty="0" smtClean="0">
-                <a:hlinkClick r:id="rId3"/>
-              </a:rPr>
-              <a:t>highscalability.com/amazon-architecture</a:t>
-            </a:r>
-            <a:endParaRPr lang="en-GB" dirty="0" smtClean="0"/>
-          </a:p>
-          <a:p>
-            <a:pPr marL="457200" lvl="1" indent="0">
-              <a:buNone/>
-            </a:pPr>
-            <a:endParaRPr lang="en-GB" dirty="0"/>
-          </a:p>
-          <a:p>
-            <a:endParaRPr lang="en-GB" dirty="0"/>
-          </a:p>
-        </p:txBody>
-      </p:sp>
-    </p:spTree>
-    <p:extLst>
-      <p:ext uri="{BB962C8B-B14F-4D97-AF65-F5344CB8AC3E}">
-        <p14:creationId xmlns:p14="http://schemas.microsoft.com/office/powerpoint/2010/main" val="2839110553"/>
-      </p:ext>
-    </p:extLst>
-  </p:cSld>
-  <p:clrMapOvr>
-    <a:masterClrMapping/>
-  </p:clrMapOvr>
-  <p:timing>
-    <p:tnLst>
-      <p:par>
-        <p:cTn id="1" dur="indefinite" restart="never" nodeType="tmRoot"/>
-      </p:par>
-    </p:tnLst>
-  </p:timing>
-</p:sld>
-</file>
-
-<file path=ppt/slides/slide56.xml><?xml version="1.0" encoding="utf-8"?>
-<p:sld xmlns:a="http://schemas.openxmlformats.org/drawingml/2006/main" xmlns:r="http://schemas.openxmlformats.org/officeDocument/2006/relationships" xmlns:p="http://schemas.openxmlformats.org/presentationml/2006/main">
-  <p:cSld>
-    <p:spTree>
-      <p:nvGrpSpPr>
-        <p:cNvPr id="1" name=""/>
-        <p:cNvGrpSpPr/>
-        <p:nvPr/>
-      </p:nvGrpSpPr>
-      <p:grpSpPr>
-        <a:xfrm>
-          <a:off x="0" y="0"/>
-          <a:ext cx="0" cy="0"/>
-          <a:chOff x="0" y="0"/>
-          <a:chExt cx="0" cy="0"/>
-        </a:xfrm>
-      </p:grpSpPr>
-      <p:sp>
-        <p:nvSpPr>
-          <p:cNvPr id="2" name="Title 1"/>
-          <p:cNvSpPr>
-            <a:spLocks noGrp="1"/>
-          </p:cNvSpPr>
-          <p:nvPr>
-            <p:ph type="title"/>
-          </p:nvPr>
-        </p:nvSpPr>
-        <p:spPr/>
-        <p:txBody>
-          <a:bodyPr/>
-          <a:lstStyle/>
-          <a:p>
-            <a:r>
-              <a:rPr lang="en-GB" dirty="0" smtClean="0"/>
-              <a:t>Reporting Systems</a:t>
-            </a:r>
-            <a:endParaRPr lang="en-GB" dirty="0"/>
-          </a:p>
-        </p:txBody>
-      </p:sp>
-      <p:sp>
-        <p:nvSpPr>
-          <p:cNvPr id="3" name="Content Placeholder 2"/>
-          <p:cNvSpPr>
-            <a:spLocks noGrp="1"/>
-          </p:cNvSpPr>
-          <p:nvPr>
-            <p:ph idx="1"/>
-          </p:nvPr>
-        </p:nvSpPr>
-        <p:spPr/>
-        <p:txBody>
-          <a:bodyPr/>
-          <a:lstStyle/>
-          <a:p>
-            <a:r>
-              <a:rPr lang="en-GB" dirty="0" smtClean="0"/>
-              <a:t>Traditional application/ BI division</a:t>
-            </a:r>
-          </a:p>
-          <a:p>
-            <a:pPr lvl="1"/>
-            <a:r>
-              <a:rPr lang="en-GB" dirty="0" smtClean="0"/>
-              <a:t>“Operational Data Store”</a:t>
-            </a:r>
-          </a:p>
-          <a:p>
-            <a:pPr lvl="1"/>
-            <a:r>
-              <a:rPr lang="en-GB" dirty="0" smtClean="0"/>
-              <a:t>Data Warehouse/ Marts</a:t>
-            </a:r>
-          </a:p>
-          <a:p>
-            <a:pPr lvl="1"/>
-            <a:r>
-              <a:rPr lang="en-GB" dirty="0"/>
-              <a:t>OLTP/ OLAP</a:t>
-            </a:r>
-            <a:endParaRPr lang="en-GB" dirty="0" smtClean="0"/>
-          </a:p>
-          <a:p>
-            <a:pPr marL="0" indent="0">
-              <a:buNone/>
-            </a:pPr>
-            <a:endParaRPr lang="en-GB" dirty="0" smtClean="0"/>
-          </a:p>
-          <a:p>
-            <a:r>
-              <a:rPr lang="en-GB" dirty="0" smtClean="0"/>
-              <a:t>Newer solutions (e.g., Cassandra &amp; Hadoop)</a:t>
-            </a:r>
-            <a:endParaRPr lang="en-GB" dirty="0"/>
-          </a:p>
-        </p:txBody>
-      </p:sp>
-    </p:spTree>
-    <p:extLst>
-      <p:ext uri="{BB962C8B-B14F-4D97-AF65-F5344CB8AC3E}">
-        <p14:creationId xmlns:p14="http://schemas.microsoft.com/office/powerpoint/2010/main" val="2578952539"/>
-      </p:ext>
-    </p:extLst>
-  </p:cSld>
-  <p:clrMapOvr>
-    <a:masterClrMapping/>
-  </p:clrMapOvr>
-  <p:timing>
-    <p:tnLst>
-      <p:par>
-        <p:cTn id="1" dur="indefinite" restart="never" nodeType="tmRoot"/>
-      </p:par>
-    </p:tnLst>
-  </p:timing>
-</p:sld>
-</file>
-
-<file path=ppt/slides/slide57.xml><?xml version="1.0" encoding="utf-8"?>
-<p:sld xmlns:a="http://schemas.openxmlformats.org/drawingml/2006/main" xmlns:r="http://schemas.openxmlformats.org/officeDocument/2006/relationships" xmlns:p="http://schemas.openxmlformats.org/presentationml/2006/main">
-  <p:cSld>
-    <p:spTree>
-      <p:nvGrpSpPr>
-        <p:cNvPr id="1" name=""/>
-        <p:cNvGrpSpPr/>
-        <p:nvPr/>
-      </p:nvGrpSpPr>
-      <p:grpSpPr>
-        <a:xfrm>
-          <a:off x="0" y="0"/>
-          <a:ext cx="0" cy="0"/>
-          <a:chOff x="0" y="0"/>
-          <a:chExt cx="0" cy="0"/>
-        </a:xfrm>
-      </p:grpSpPr>
-      <p:sp>
-        <p:nvSpPr>
-          <p:cNvPr id="2" name="Title 1"/>
-          <p:cNvSpPr>
-            <a:spLocks noGrp="1"/>
-          </p:cNvSpPr>
-          <p:nvPr>
-            <p:ph type="title"/>
-          </p:nvPr>
-        </p:nvSpPr>
-        <p:spPr/>
-        <p:txBody>
-          <a:bodyPr>
-            <a:normAutofit/>
-          </a:bodyPr>
-          <a:lstStyle/>
-          <a:p>
-            <a:r>
-              <a:rPr lang="en-GB" dirty="0" smtClean="0"/>
-              <a:t>CQRS</a:t>
-            </a:r>
-            <a:endParaRPr lang="en-GB" dirty="0"/>
-          </a:p>
-        </p:txBody>
-      </p:sp>
-      <p:sp>
-        <p:nvSpPr>
-          <p:cNvPr id="3" name="Content Placeholder 2"/>
-          <p:cNvSpPr>
-            <a:spLocks noGrp="1"/>
-          </p:cNvSpPr>
-          <p:nvPr>
-            <p:ph idx="1"/>
-          </p:nvPr>
-        </p:nvSpPr>
-        <p:spPr/>
-        <p:txBody>
-          <a:bodyPr/>
-          <a:lstStyle/>
-          <a:p>
-            <a:r>
-              <a:rPr lang="en-GB" dirty="0" smtClean="0"/>
-              <a:t>“Command-Query </a:t>
-            </a:r>
-            <a:r>
-              <a:rPr lang="en-GB" dirty="0"/>
-              <a:t>Responsibility </a:t>
-            </a:r>
-            <a:r>
-              <a:rPr lang="en-GB" dirty="0" smtClean="0"/>
-              <a:t>Segregation”</a:t>
-            </a:r>
-          </a:p>
-          <a:p>
-            <a:endParaRPr lang="en-GB" dirty="0"/>
-          </a:p>
-          <a:p>
-            <a:r>
-              <a:rPr lang="en-GB" dirty="0" smtClean="0"/>
-              <a:t>Stronger version of “Reporting Database” – stricter segregation of reads</a:t>
-            </a:r>
-          </a:p>
-          <a:p>
-            <a:endParaRPr lang="en-GB" dirty="0"/>
-          </a:p>
-          <a:p>
-            <a:r>
-              <a:rPr lang="en-GB" dirty="0" smtClean="0"/>
-              <a:t>Can pair with “Event Sourcing” – commutative operations</a:t>
-            </a:r>
-            <a:endParaRPr lang="en-GB" dirty="0"/>
-          </a:p>
-        </p:txBody>
-      </p:sp>
-    </p:spTree>
-    <p:extLst>
-      <p:ext uri="{BB962C8B-B14F-4D97-AF65-F5344CB8AC3E}">
-        <p14:creationId xmlns:p14="http://schemas.microsoft.com/office/powerpoint/2010/main" val="3062611544"/>
-      </p:ext>
-    </p:extLst>
-  </p:cSld>
-  <p:clrMapOvr>
-    <a:masterClrMapping/>
-  </p:clrMapOvr>
-  <p:timing>
-    <p:tnLst>
-      <p:par>
-        <p:cTn id="1" dur="indefinite" restart="never" nodeType="tmRoot"/>
-      </p:par>
-    </p:tnLst>
-  </p:timing>
-</p:sld>
-</file>
-
-<file path=ppt/slides/slide58.xml><?xml version="1.0" encoding="utf-8"?>
-<p:sld xmlns:a="http://schemas.openxmlformats.org/drawingml/2006/main" xmlns:r="http://schemas.openxmlformats.org/officeDocument/2006/relationships" xmlns:p="http://schemas.openxmlformats.org/presentationml/2006/main">
-  <p:cSld>
-    <p:spTree>
-      <p:nvGrpSpPr>
-        <p:cNvPr id="1" name=""/>
-        <p:cNvGrpSpPr/>
-        <p:nvPr/>
-      </p:nvGrpSpPr>
-      <p:grpSpPr>
-        <a:xfrm>
-          <a:off x="0" y="0"/>
-          <a:ext cx="0" cy="0"/>
-          <a:chOff x="0" y="0"/>
-          <a:chExt cx="0" cy="0"/>
-        </a:xfrm>
-      </p:grpSpPr>
-      <p:sp>
-        <p:nvSpPr>
-          <p:cNvPr id="2" name="Title 1"/>
-          <p:cNvSpPr>
-            <a:spLocks noGrp="1"/>
-          </p:cNvSpPr>
-          <p:nvPr>
-            <p:ph type="title"/>
-          </p:nvPr>
-        </p:nvSpPr>
-        <p:spPr/>
-        <p:txBody>
-          <a:bodyPr/>
-          <a:lstStyle/>
-          <a:p>
-            <a:r>
-              <a:rPr lang="en-GB" dirty="0" smtClean="0"/>
-              <a:t>CQRS</a:t>
-            </a:r>
-            <a:endParaRPr lang="en-GB" dirty="0"/>
-          </a:p>
-        </p:txBody>
-      </p:sp>
-      <p:sp>
-        <p:nvSpPr>
-          <p:cNvPr id="3" name="Content Placeholder 2"/>
-          <p:cNvSpPr>
-            <a:spLocks noGrp="1"/>
-          </p:cNvSpPr>
-          <p:nvPr>
-            <p:ph idx="1"/>
-          </p:nvPr>
-        </p:nvSpPr>
-        <p:spPr/>
-        <p:txBody>
-          <a:bodyPr/>
-          <a:lstStyle/>
-          <a:p>
-            <a:r>
-              <a:rPr lang="en-GB" dirty="0" smtClean="0"/>
-              <a:t>(PUT DIAGRAM HERE)</a:t>
-            </a:r>
-            <a:endParaRPr lang="en-GB" dirty="0"/>
-          </a:p>
-        </p:txBody>
-      </p:sp>
-    </p:spTree>
-    <p:extLst>
-      <p:ext uri="{BB962C8B-B14F-4D97-AF65-F5344CB8AC3E}">
-        <p14:creationId xmlns:p14="http://schemas.microsoft.com/office/powerpoint/2010/main" val="3631744002"/>
       </p:ext>
     </p:extLst>
   </p:cSld>
@@ -21324,6 +21567,471 @@
     <p:extLst>
       <p:ext uri="{BB962C8B-B14F-4D97-AF65-F5344CB8AC3E}">
         <p14:creationId xmlns:p14="http://schemas.microsoft.com/office/powerpoint/2010/main" val="645039834"/>
+      </p:ext>
+    </p:extLst>
+  </p:cSld>
+  <p:clrMapOvr>
+    <a:masterClrMapping/>
+  </p:clrMapOvr>
+  <p:timing>
+    <p:tnLst>
+      <p:par>
+        <p:cTn id="1" dur="indefinite" restart="never" nodeType="tmRoot"/>
+      </p:par>
+    </p:tnLst>
+  </p:timing>
+</p:sld>
+</file>
+
+<file path=ppt/slides/slide60.xml><?xml version="1.0" encoding="utf-8"?>
+<p:sld xmlns:a="http://schemas.openxmlformats.org/drawingml/2006/main" xmlns:r="http://schemas.openxmlformats.org/officeDocument/2006/relationships" xmlns:p="http://schemas.openxmlformats.org/presentationml/2006/main">
+  <p:cSld>
+    <p:spTree>
+      <p:nvGrpSpPr>
+        <p:cNvPr id="1" name=""/>
+        <p:cNvGrpSpPr/>
+        <p:nvPr/>
+      </p:nvGrpSpPr>
+      <p:grpSpPr>
+        <a:xfrm>
+          <a:off x="0" y="0"/>
+          <a:ext cx="0" cy="0"/>
+          <a:chOff x="0" y="0"/>
+          <a:chExt cx="0" cy="0"/>
+        </a:xfrm>
+      </p:grpSpPr>
+      <p:sp>
+        <p:nvSpPr>
+          <p:cNvPr id="2" name="Title 1"/>
+          <p:cNvSpPr>
+            <a:spLocks noGrp="1"/>
+          </p:cNvSpPr>
+          <p:nvPr>
+            <p:ph type="title"/>
+          </p:nvPr>
+        </p:nvSpPr>
+        <p:spPr/>
+        <p:txBody>
+          <a:bodyPr/>
+          <a:lstStyle/>
+          <a:p>
+            <a:r>
+              <a:rPr lang="en-GB" dirty="0" smtClean="0"/>
+              <a:t>Business Processes (Amazon)</a:t>
+            </a:r>
+            <a:endParaRPr lang="en-GB" dirty="0"/>
+          </a:p>
+        </p:txBody>
+      </p:sp>
+      <p:sp>
+        <p:nvSpPr>
+          <p:cNvPr id="3" name="Content Placeholder 2"/>
+          <p:cNvSpPr>
+            <a:spLocks noGrp="1"/>
+          </p:cNvSpPr>
+          <p:nvPr>
+            <p:ph idx="1"/>
+          </p:nvPr>
+        </p:nvSpPr>
+        <p:spPr/>
+        <p:txBody>
+          <a:bodyPr>
+            <a:normAutofit fontScale="85000" lnSpcReduction="20000"/>
+          </a:bodyPr>
+          <a:lstStyle/>
+          <a:p>
+            <a:r>
+              <a:rPr lang="en-GB" dirty="0"/>
+              <a:t>“For the checkout process you always want to </a:t>
+            </a:r>
+            <a:r>
+              <a:rPr lang="en-GB" dirty="0" err="1"/>
+              <a:t>honor</a:t>
+            </a:r>
+            <a:r>
+              <a:rPr lang="en-GB" dirty="0"/>
+              <a:t> requests to add items to a shopping cart because it's revenue producing. </a:t>
+            </a:r>
+            <a:r>
+              <a:rPr lang="en-GB" b="1" dirty="0"/>
+              <a:t>In this case you choose high availability.</a:t>
+            </a:r>
+            <a:r>
+              <a:rPr lang="en-GB" dirty="0"/>
+              <a:t> Errors are hidden from the customer and sorted out later.” </a:t>
+            </a:r>
+            <a:endParaRPr lang="en-GB" dirty="0" smtClean="0"/>
+          </a:p>
+          <a:p>
+            <a:endParaRPr lang="en-GB" dirty="0"/>
+          </a:p>
+          <a:p>
+            <a:r>
+              <a:rPr lang="en-GB" dirty="0" smtClean="0"/>
+              <a:t>“</a:t>
+            </a:r>
+            <a:r>
+              <a:rPr lang="en-GB" b="1" dirty="0"/>
+              <a:t>When a customer submits an order you </a:t>
+            </a:r>
+            <a:r>
+              <a:rPr lang="en-GB" b="1" dirty="0" err="1"/>
+              <a:t>favor</a:t>
+            </a:r>
+            <a:r>
+              <a:rPr lang="en-GB" b="1" dirty="0"/>
+              <a:t> consistency </a:t>
+            </a:r>
+            <a:r>
+              <a:rPr lang="en-GB" dirty="0"/>
+              <a:t>because several services--credit card processing, shipping and handling, reporting--are simultaneously accessing the data</a:t>
+            </a:r>
+            <a:r>
+              <a:rPr lang="en-GB" dirty="0" smtClean="0"/>
+              <a:t>.”</a:t>
+            </a:r>
+          </a:p>
+          <a:p>
+            <a:endParaRPr lang="en-GB" dirty="0"/>
+          </a:p>
+          <a:p>
+            <a:pPr marL="457200" lvl="1" indent="0" algn="ctr">
+              <a:buNone/>
+            </a:pPr>
+            <a:r>
+              <a:rPr lang="en-GB" dirty="0" smtClean="0">
+                <a:hlinkClick r:id="rId3"/>
+              </a:rPr>
+              <a:t>highscalability.com/amazon-architecture</a:t>
+            </a:r>
+            <a:endParaRPr lang="en-GB" dirty="0" smtClean="0"/>
+          </a:p>
+          <a:p>
+            <a:pPr marL="457200" lvl="1" indent="0">
+              <a:buNone/>
+            </a:pPr>
+            <a:endParaRPr lang="en-GB" dirty="0"/>
+          </a:p>
+          <a:p>
+            <a:endParaRPr lang="en-GB" dirty="0"/>
+          </a:p>
+        </p:txBody>
+      </p:sp>
+    </p:spTree>
+    <p:extLst>
+      <p:ext uri="{BB962C8B-B14F-4D97-AF65-F5344CB8AC3E}">
+        <p14:creationId xmlns:p14="http://schemas.microsoft.com/office/powerpoint/2010/main" val="2839110553"/>
+      </p:ext>
+    </p:extLst>
+  </p:cSld>
+  <p:clrMapOvr>
+    <a:masterClrMapping/>
+  </p:clrMapOvr>
+  <p:timing>
+    <p:tnLst>
+      <p:par>
+        <p:cTn id="1" dur="indefinite" restart="never" nodeType="tmRoot"/>
+      </p:par>
+    </p:tnLst>
+  </p:timing>
+</p:sld>
+</file>
+
+<file path=ppt/slides/slide61.xml><?xml version="1.0" encoding="utf-8"?>
+<p:sld xmlns:a="http://schemas.openxmlformats.org/drawingml/2006/main" xmlns:r="http://schemas.openxmlformats.org/officeDocument/2006/relationships" xmlns:p="http://schemas.openxmlformats.org/presentationml/2006/main">
+  <p:cSld>
+    <p:spTree>
+      <p:nvGrpSpPr>
+        <p:cNvPr id="1" name=""/>
+        <p:cNvGrpSpPr/>
+        <p:nvPr/>
+      </p:nvGrpSpPr>
+      <p:grpSpPr>
+        <a:xfrm>
+          <a:off x="0" y="0"/>
+          <a:ext cx="0" cy="0"/>
+          <a:chOff x="0" y="0"/>
+          <a:chExt cx="0" cy="0"/>
+        </a:xfrm>
+      </p:grpSpPr>
+      <p:sp>
+        <p:nvSpPr>
+          <p:cNvPr id="2" name="Title 1"/>
+          <p:cNvSpPr>
+            <a:spLocks noGrp="1"/>
+          </p:cNvSpPr>
+          <p:nvPr>
+            <p:ph type="title"/>
+          </p:nvPr>
+        </p:nvSpPr>
+        <p:spPr/>
+        <p:txBody>
+          <a:bodyPr/>
+          <a:lstStyle/>
+          <a:p>
+            <a:r>
+              <a:rPr lang="en-GB" dirty="0" smtClean="0"/>
+              <a:t>Reporting Systems</a:t>
+            </a:r>
+            <a:endParaRPr lang="en-GB" dirty="0"/>
+          </a:p>
+        </p:txBody>
+      </p:sp>
+      <p:sp>
+        <p:nvSpPr>
+          <p:cNvPr id="3" name="Content Placeholder 2"/>
+          <p:cNvSpPr>
+            <a:spLocks noGrp="1"/>
+          </p:cNvSpPr>
+          <p:nvPr>
+            <p:ph idx="1"/>
+          </p:nvPr>
+        </p:nvSpPr>
+        <p:spPr/>
+        <p:txBody>
+          <a:bodyPr/>
+          <a:lstStyle/>
+          <a:p>
+            <a:r>
+              <a:rPr lang="en-GB" dirty="0" smtClean="0"/>
+              <a:t>Traditional application/ BI division</a:t>
+            </a:r>
+          </a:p>
+          <a:p>
+            <a:pPr lvl="1"/>
+            <a:r>
+              <a:rPr lang="en-GB" dirty="0" smtClean="0"/>
+              <a:t>“Operational Data Store”</a:t>
+            </a:r>
+          </a:p>
+          <a:p>
+            <a:pPr lvl="1"/>
+            <a:r>
+              <a:rPr lang="en-GB" dirty="0" smtClean="0"/>
+              <a:t>Data Warehouse/ Marts</a:t>
+            </a:r>
+          </a:p>
+          <a:p>
+            <a:pPr lvl="1"/>
+            <a:r>
+              <a:rPr lang="en-GB" dirty="0"/>
+              <a:t>OLTP/ OLAP</a:t>
+            </a:r>
+            <a:endParaRPr lang="en-GB" dirty="0" smtClean="0"/>
+          </a:p>
+          <a:p>
+            <a:pPr marL="0" indent="0">
+              <a:buNone/>
+            </a:pPr>
+            <a:endParaRPr lang="en-GB" dirty="0" smtClean="0"/>
+          </a:p>
+          <a:p>
+            <a:r>
+              <a:rPr lang="en-GB" dirty="0" smtClean="0"/>
+              <a:t>Newer solutions (e.g., Cassandra &amp; Hadoop)</a:t>
+            </a:r>
+            <a:endParaRPr lang="en-GB" dirty="0"/>
+          </a:p>
+        </p:txBody>
+      </p:sp>
+    </p:spTree>
+    <p:extLst>
+      <p:ext uri="{BB962C8B-B14F-4D97-AF65-F5344CB8AC3E}">
+        <p14:creationId xmlns:p14="http://schemas.microsoft.com/office/powerpoint/2010/main" val="2578952539"/>
+      </p:ext>
+    </p:extLst>
+  </p:cSld>
+  <p:clrMapOvr>
+    <a:masterClrMapping/>
+  </p:clrMapOvr>
+  <p:timing>
+    <p:tnLst>
+      <p:par>
+        <p:cTn id="1" dur="indefinite" restart="never" nodeType="tmRoot"/>
+      </p:par>
+    </p:tnLst>
+  </p:timing>
+</p:sld>
+</file>
+
+<file path=ppt/slides/slide62.xml><?xml version="1.0" encoding="utf-8"?>
+<p:sld xmlns:a="http://schemas.openxmlformats.org/drawingml/2006/main" xmlns:r="http://schemas.openxmlformats.org/officeDocument/2006/relationships" xmlns:p="http://schemas.openxmlformats.org/presentationml/2006/main">
+  <p:cSld>
+    <p:spTree>
+      <p:nvGrpSpPr>
+        <p:cNvPr id="1" name=""/>
+        <p:cNvGrpSpPr/>
+        <p:nvPr/>
+      </p:nvGrpSpPr>
+      <p:grpSpPr>
+        <a:xfrm>
+          <a:off x="0" y="0"/>
+          <a:ext cx="0" cy="0"/>
+          <a:chOff x="0" y="0"/>
+          <a:chExt cx="0" cy="0"/>
+        </a:xfrm>
+      </p:grpSpPr>
+      <p:sp>
+        <p:nvSpPr>
+          <p:cNvPr id="2" name="Title 1"/>
+          <p:cNvSpPr>
+            <a:spLocks noGrp="1"/>
+          </p:cNvSpPr>
+          <p:nvPr>
+            <p:ph type="title"/>
+          </p:nvPr>
+        </p:nvSpPr>
+        <p:spPr/>
+        <p:txBody>
+          <a:bodyPr>
+            <a:normAutofit/>
+          </a:bodyPr>
+          <a:lstStyle/>
+          <a:p>
+            <a:r>
+              <a:rPr lang="en-GB" dirty="0" smtClean="0"/>
+              <a:t>CQRS</a:t>
+            </a:r>
+            <a:endParaRPr lang="en-GB" dirty="0"/>
+          </a:p>
+        </p:txBody>
+      </p:sp>
+      <p:sp>
+        <p:nvSpPr>
+          <p:cNvPr id="3" name="Content Placeholder 2"/>
+          <p:cNvSpPr>
+            <a:spLocks noGrp="1"/>
+          </p:cNvSpPr>
+          <p:nvPr>
+            <p:ph idx="1"/>
+          </p:nvPr>
+        </p:nvSpPr>
+        <p:spPr/>
+        <p:txBody>
+          <a:bodyPr/>
+          <a:lstStyle/>
+          <a:p>
+            <a:r>
+              <a:rPr lang="en-GB" dirty="0" smtClean="0"/>
+              <a:t>“Command-Query </a:t>
+            </a:r>
+            <a:r>
+              <a:rPr lang="en-GB" dirty="0"/>
+              <a:t>Responsibility </a:t>
+            </a:r>
+            <a:r>
+              <a:rPr lang="en-GB" dirty="0" smtClean="0"/>
+              <a:t>Segregation”</a:t>
+            </a:r>
+          </a:p>
+          <a:p>
+            <a:endParaRPr lang="en-GB" dirty="0"/>
+          </a:p>
+          <a:p>
+            <a:r>
+              <a:rPr lang="en-GB" dirty="0" smtClean="0"/>
+              <a:t>Stronger version of “Reporting Database” – stricter segregation of reads</a:t>
+            </a:r>
+          </a:p>
+          <a:p>
+            <a:endParaRPr lang="en-GB" dirty="0"/>
+          </a:p>
+          <a:p>
+            <a:r>
+              <a:rPr lang="en-GB" dirty="0" smtClean="0"/>
+              <a:t>Can pair with “Event Sourcing” – commutative operations</a:t>
+            </a:r>
+            <a:endParaRPr lang="en-GB" dirty="0"/>
+          </a:p>
+        </p:txBody>
+      </p:sp>
+    </p:spTree>
+    <p:extLst>
+      <p:ext uri="{BB962C8B-B14F-4D97-AF65-F5344CB8AC3E}">
+        <p14:creationId xmlns:p14="http://schemas.microsoft.com/office/powerpoint/2010/main" val="3062611544"/>
+      </p:ext>
+    </p:extLst>
+  </p:cSld>
+  <p:clrMapOvr>
+    <a:masterClrMapping/>
+  </p:clrMapOvr>
+  <p:timing>
+    <p:tnLst>
+      <p:par>
+        <p:cTn id="1" dur="indefinite" restart="never" nodeType="tmRoot"/>
+      </p:par>
+    </p:tnLst>
+  </p:timing>
+</p:sld>
+</file>
+
+<file path=ppt/slides/slide63.xml><?xml version="1.0" encoding="utf-8"?>
+<p:sld xmlns:a="http://schemas.openxmlformats.org/drawingml/2006/main" xmlns:r="http://schemas.openxmlformats.org/officeDocument/2006/relationships" xmlns:p="http://schemas.openxmlformats.org/presentationml/2006/main">
+  <p:cSld>
+    <p:spTree>
+      <p:nvGrpSpPr>
+        <p:cNvPr id="1" name=""/>
+        <p:cNvGrpSpPr/>
+        <p:nvPr/>
+      </p:nvGrpSpPr>
+      <p:grpSpPr>
+        <a:xfrm>
+          <a:off x="0" y="0"/>
+          <a:ext cx="0" cy="0"/>
+          <a:chOff x="0" y="0"/>
+          <a:chExt cx="0" cy="0"/>
+        </a:xfrm>
+      </p:grpSpPr>
+      <p:sp>
+        <p:nvSpPr>
+          <p:cNvPr id="2" name="Title 1"/>
+          <p:cNvSpPr>
+            <a:spLocks noGrp="1"/>
+          </p:cNvSpPr>
+          <p:nvPr>
+            <p:ph type="title"/>
+          </p:nvPr>
+        </p:nvSpPr>
+        <p:spPr/>
+        <p:txBody>
+          <a:bodyPr/>
+          <a:lstStyle/>
+          <a:p>
+            <a:r>
+              <a:rPr lang="en-GB" dirty="0" smtClean="0"/>
+              <a:t>CQRS</a:t>
+            </a:r>
+            <a:endParaRPr lang="en-GB" dirty="0"/>
+          </a:p>
+        </p:txBody>
+      </p:sp>
+      <p:sp>
+        <p:nvSpPr>
+          <p:cNvPr id="3" name="Content Placeholder 2"/>
+          <p:cNvSpPr>
+            <a:spLocks noGrp="1"/>
+          </p:cNvSpPr>
+          <p:nvPr>
+            <p:ph idx="1"/>
+          </p:nvPr>
+        </p:nvSpPr>
+        <p:spPr/>
+        <p:txBody>
+          <a:bodyPr/>
+          <a:lstStyle/>
+          <a:p>
+            <a:r>
+              <a:rPr lang="en-GB" dirty="0" smtClean="0"/>
+              <a:t>(PUT DIAGRAM HERE)</a:t>
+            </a:r>
+            <a:endParaRPr lang="en-GB" dirty="0"/>
+          </a:p>
+        </p:txBody>
+      </p:sp>
+    </p:spTree>
+    <p:extLst>
+      <p:ext uri="{BB962C8B-B14F-4D97-AF65-F5344CB8AC3E}">
+        <p14:creationId xmlns:p14="http://schemas.microsoft.com/office/powerpoint/2010/main" val="3631744002"/>
       </p:ext>
     </p:extLst>
   </p:cSld>

--- a/Slides/Not Only SQL - Picking A Database for DotNET.pptx
+++ b/Slides/Not Only SQL - Picking A Database for DotNET.pptx
@@ -5,7 +5,7 @@
     <p:sldMasterId id="2147483648" r:id="rId1"/>
   </p:sldMasterIdLst>
   <p:notesMasterIdLst>
-    <p:notesMasterId r:id="rId65"/>
+    <p:notesMasterId r:id="rId66"/>
   </p:notesMasterIdLst>
   <p:sldIdLst>
     <p:sldId id="256" r:id="rId2"/>
@@ -57,20 +57,21 @@
     <p:sldId id="329" r:id="rId48"/>
     <p:sldId id="302" r:id="rId49"/>
     <p:sldId id="312" r:id="rId50"/>
-    <p:sldId id="303" r:id="rId51"/>
-    <p:sldId id="309" r:id="rId52"/>
-    <p:sldId id="332" r:id="rId53"/>
-    <p:sldId id="311" r:id="rId54"/>
-    <p:sldId id="267" r:id="rId55"/>
-    <p:sldId id="268" r:id="rId56"/>
-    <p:sldId id="273" r:id="rId57"/>
-    <p:sldId id="272" r:id="rId58"/>
-    <p:sldId id="271" r:id="rId59"/>
-    <p:sldId id="305" r:id="rId60"/>
-    <p:sldId id="306" r:id="rId61"/>
-    <p:sldId id="307" r:id="rId62"/>
-    <p:sldId id="308" r:id="rId63"/>
-    <p:sldId id="313" r:id="rId64"/>
+    <p:sldId id="341" r:id="rId51"/>
+    <p:sldId id="340" r:id="rId52"/>
+    <p:sldId id="309" r:id="rId53"/>
+    <p:sldId id="332" r:id="rId54"/>
+    <p:sldId id="311" r:id="rId55"/>
+    <p:sldId id="267" r:id="rId56"/>
+    <p:sldId id="268" r:id="rId57"/>
+    <p:sldId id="273" r:id="rId58"/>
+    <p:sldId id="272" r:id="rId59"/>
+    <p:sldId id="271" r:id="rId60"/>
+    <p:sldId id="305" r:id="rId61"/>
+    <p:sldId id="306" r:id="rId62"/>
+    <p:sldId id="307" r:id="rId63"/>
+    <p:sldId id="308" r:id="rId64"/>
+    <p:sldId id="313" r:id="rId65"/>
   </p:sldIdLst>
   <p:sldSz cx="9144000" cy="6858000" type="screen4x3"/>
   <p:notesSz cx="6858000" cy="9144000"/>
@@ -3044,7 +3045,7 @@
     </p:spTree>
     <p:extLst>
       <p:ext uri="{BB962C8B-B14F-4D97-AF65-F5344CB8AC3E}">
-        <p14:creationId xmlns:p14="http://schemas.microsoft.com/office/powerpoint/2010/main" val="2539703771"/>
+        <p14:creationId xmlns:p14="http://schemas.microsoft.com/office/powerpoint/2010/main" val="1960653282"/>
       </p:ext>
     </p:extLst>
   </p:cSld>
@@ -3098,44 +3099,6 @@
           <a:bodyPr/>
           <a:lstStyle/>
           <a:p>
-            <a:r>
-              <a:rPr lang="en-GB" dirty="0" smtClean="0"/>
-              <a:t>Similar to relational databases, graph</a:t>
-            </a:r>
-            <a:r>
-              <a:rPr lang="en-GB" baseline="0" dirty="0" smtClean="0"/>
-              <a:t> databases are implemented based on mathematical theory.  In this case – graph theory, dating back as far as the work of Leonhard Euler in the 18</a:t>
-            </a:r>
-            <a:r>
-              <a:rPr lang="en-GB" baseline="30000" dirty="0" smtClean="0"/>
-              <a:t>th</a:t>
-            </a:r>
-            <a:r>
-              <a:rPr lang="en-GB" baseline="0" dirty="0" smtClean="0"/>
-              <a:t> century.</a:t>
-            </a:r>
-          </a:p>
-          <a:p>
-            <a:r>
-              <a:rPr lang="en-GB" baseline="0" dirty="0" smtClean="0"/>
-              <a:t>They also have some other similarities with relational which mean that although they are often categorised as “NoSQL”, in some ways they are more similar to SQL Server than systems such as </a:t>
-            </a:r>
-            <a:r>
-              <a:rPr lang="en-GB" baseline="0" dirty="0" err="1" smtClean="0"/>
-              <a:t>Riak</a:t>
-            </a:r>
-            <a:r>
-              <a:rPr lang="en-GB" baseline="0" dirty="0" smtClean="0"/>
-              <a:t>, Cassandra or even </a:t>
-            </a:r>
-            <a:r>
-              <a:rPr lang="en-GB" baseline="0" dirty="0" err="1" smtClean="0"/>
-              <a:t>MongoDB</a:t>
-            </a:r>
-            <a:r>
-              <a:rPr lang="en-GB" baseline="0" dirty="0" smtClean="0"/>
-              <a:t>.</a:t>
-            </a:r>
             <a:endParaRPr lang="en-GB" dirty="0"/>
           </a:p>
         </p:txBody>
@@ -3157,7 +3120,7 @@
           <a:p>
             <a:fld id="{B88E1A96-A68C-4ED7-8535-7FE27C72D2F0}" type="slidenum">
               <a:rPr lang="en-GB" smtClean="0"/>
-              <a:t>54</a:t>
+              <a:t>52</a:t>
             </a:fld>
             <a:endParaRPr lang="en-GB"/>
           </a:p>
@@ -3166,7 +3129,7 @@
     </p:spTree>
     <p:extLst>
       <p:ext uri="{BB962C8B-B14F-4D97-AF65-F5344CB8AC3E}">
-        <p14:creationId xmlns:p14="http://schemas.microsoft.com/office/powerpoint/2010/main" val="2615470488"/>
+        <p14:creationId xmlns:p14="http://schemas.microsoft.com/office/powerpoint/2010/main" val="2539703771"/>
       </p:ext>
     </p:extLst>
   </p:cSld>
@@ -3222,15 +3185,41 @@
           <a:p>
             <a:r>
               <a:rPr lang="en-GB" dirty="0" smtClean="0"/>
-              <a:t>The</a:t>
+              <a:t>Similar to relational databases, graph</a:t>
             </a:r>
             <a:r>
               <a:rPr lang="en-GB" baseline="0" dirty="0" smtClean="0"/>
-              <a:t> best way to understand the basics of Neo4j is by example – so. l</a:t>
-            </a:r>
-            <a:r>
-              <a:rPr lang="en-GB" dirty="0" smtClean="0"/>
-              <a:t>et’s go straight to a demo</a:t>
+              <a:t> databases are implemented based on mathematical theory.  In this case – graph theory, dating back as far as the work of Leonhard Euler in the 18</a:t>
+            </a:r>
+            <a:r>
+              <a:rPr lang="en-GB" baseline="30000" dirty="0" smtClean="0"/>
+              <a:t>th</a:t>
+            </a:r>
+            <a:r>
+              <a:rPr lang="en-GB" baseline="0" dirty="0" smtClean="0"/>
+              <a:t> century.</a:t>
+            </a:r>
+          </a:p>
+          <a:p>
+            <a:r>
+              <a:rPr lang="en-GB" baseline="0" dirty="0" smtClean="0"/>
+              <a:t>They also have some other similarities with relational which mean that although they are often categorised as “NoSQL”, in some ways they are more similar to SQL Server than systems such as </a:t>
+            </a:r>
+            <a:r>
+              <a:rPr lang="en-GB" baseline="0" dirty="0" err="1" smtClean="0"/>
+              <a:t>Riak</a:t>
+            </a:r>
+            <a:r>
+              <a:rPr lang="en-GB" baseline="0" dirty="0" smtClean="0"/>
+              <a:t>, Cassandra or even </a:t>
+            </a:r>
+            <a:r>
+              <a:rPr lang="en-GB" baseline="0" dirty="0" err="1" smtClean="0"/>
+              <a:t>MongoDB</a:t>
+            </a:r>
+            <a:r>
+              <a:rPr lang="en-GB" baseline="0" dirty="0" smtClean="0"/>
+              <a:t>.</a:t>
             </a:r>
             <a:endParaRPr lang="en-GB" dirty="0"/>
           </a:p>
@@ -3262,7 +3251,7 @@
     </p:spTree>
     <p:extLst>
       <p:ext uri="{BB962C8B-B14F-4D97-AF65-F5344CB8AC3E}">
-        <p14:creationId xmlns:p14="http://schemas.microsoft.com/office/powerpoint/2010/main" val="2121811877"/>
+        <p14:creationId xmlns:p14="http://schemas.microsoft.com/office/powerpoint/2010/main" val="2615470488"/>
       </p:ext>
     </p:extLst>
   </p:cSld>
@@ -3412,6 +3401,18 @@
           <a:bodyPr/>
           <a:lstStyle/>
           <a:p>
+            <a:r>
+              <a:rPr lang="en-GB" dirty="0" smtClean="0"/>
+              <a:t>The</a:t>
+            </a:r>
+            <a:r>
+              <a:rPr lang="en-GB" baseline="0" dirty="0" smtClean="0"/>
+              <a:t> best way to understand the basics of Neo4j is by example – so. l</a:t>
+            </a:r>
+            <a:r>
+              <a:rPr lang="en-GB" dirty="0" smtClean="0"/>
+              <a:t>et’s go straight to a demo</a:t>
+            </a:r>
             <a:endParaRPr lang="en-GB" dirty="0"/>
           </a:p>
         </p:txBody>
@@ -3526,7 +3527,7 @@
     </p:spTree>
     <p:extLst>
       <p:ext uri="{BB962C8B-B14F-4D97-AF65-F5344CB8AC3E}">
-        <p14:creationId xmlns:p14="http://schemas.microsoft.com/office/powerpoint/2010/main" val="2821679136"/>
+        <p14:creationId xmlns:p14="http://schemas.microsoft.com/office/powerpoint/2010/main" val="2121811877"/>
       </p:ext>
     </p:extLst>
   </p:cSld>
@@ -3601,7 +3602,7 @@
           <a:p>
             <a:fld id="{B88E1A96-A68C-4ED7-8535-7FE27C72D2F0}" type="slidenum">
               <a:rPr lang="en-GB" smtClean="0"/>
-              <a:t>60</a:t>
+              <a:t>59</a:t>
             </a:fld>
             <a:endParaRPr lang="en-GB"/>
           </a:p>
@@ -3610,7 +3611,7 @@
     </p:spTree>
     <p:extLst>
       <p:ext uri="{BB962C8B-B14F-4D97-AF65-F5344CB8AC3E}">
-        <p14:creationId xmlns:p14="http://schemas.microsoft.com/office/powerpoint/2010/main" val="2921631859"/>
+        <p14:creationId xmlns:p14="http://schemas.microsoft.com/office/powerpoint/2010/main" val="2821679136"/>
       </p:ext>
     </p:extLst>
   </p:cSld>
@@ -3664,6 +3665,90 @@
           <a:bodyPr/>
           <a:lstStyle/>
           <a:p>
+            <a:endParaRPr lang="en-GB" dirty="0"/>
+          </a:p>
+        </p:txBody>
+      </p:sp>
+      <p:sp>
+        <p:nvSpPr>
+          <p:cNvPr id="4" name="Slide Number Placeholder 3"/>
+          <p:cNvSpPr>
+            <a:spLocks noGrp="1"/>
+          </p:cNvSpPr>
+          <p:nvPr>
+            <p:ph type="sldNum" sz="quarter" idx="10"/>
+          </p:nvPr>
+        </p:nvSpPr>
+        <p:spPr/>
+        <p:txBody>
+          <a:bodyPr/>
+          <a:lstStyle/>
+          <a:p>
+            <a:fld id="{B88E1A96-A68C-4ED7-8535-7FE27C72D2F0}" type="slidenum">
+              <a:rPr lang="en-GB" smtClean="0"/>
+              <a:t>61</a:t>
+            </a:fld>
+            <a:endParaRPr lang="en-GB"/>
+          </a:p>
+        </p:txBody>
+      </p:sp>
+    </p:spTree>
+    <p:extLst>
+      <p:ext uri="{BB962C8B-B14F-4D97-AF65-F5344CB8AC3E}">
+        <p14:creationId xmlns:p14="http://schemas.microsoft.com/office/powerpoint/2010/main" val="2921631859"/>
+      </p:ext>
+    </p:extLst>
+  </p:cSld>
+  <p:clrMapOvr>
+    <a:masterClrMapping/>
+  </p:clrMapOvr>
+</p:notes>
+</file>
+
+<file path=ppt/notesSlides/notesSlide38.xml><?xml version="1.0" encoding="utf-8"?>
+<p:notes xmlns:a="http://schemas.openxmlformats.org/drawingml/2006/main" xmlns:r="http://schemas.openxmlformats.org/officeDocument/2006/relationships" xmlns:p="http://schemas.openxmlformats.org/presentationml/2006/main">
+  <p:cSld>
+    <p:spTree>
+      <p:nvGrpSpPr>
+        <p:cNvPr id="1" name=""/>
+        <p:cNvGrpSpPr/>
+        <p:nvPr/>
+      </p:nvGrpSpPr>
+      <p:grpSpPr>
+        <a:xfrm>
+          <a:off x="0" y="0"/>
+          <a:ext cx="0" cy="0"/>
+          <a:chOff x="0" y="0"/>
+          <a:chExt cx="0" cy="0"/>
+        </a:xfrm>
+      </p:grpSpPr>
+      <p:sp>
+        <p:nvSpPr>
+          <p:cNvPr id="2" name="Slide Image Placeholder 1"/>
+          <p:cNvSpPr>
+            <a:spLocks noGrp="1" noRot="1" noChangeAspect="1"/>
+          </p:cNvSpPr>
+          <p:nvPr>
+            <p:ph type="sldImg"/>
+          </p:nvPr>
+        </p:nvSpPr>
+        <p:spPr/>
+      </p:sp>
+      <p:sp>
+        <p:nvSpPr>
+          <p:cNvPr id="3" name="Notes Placeholder 2"/>
+          <p:cNvSpPr>
+            <a:spLocks noGrp="1"/>
+          </p:cNvSpPr>
+          <p:nvPr>
+            <p:ph type="body" idx="1"/>
+          </p:nvPr>
+        </p:nvSpPr>
+        <p:spPr/>
+        <p:txBody>
+          <a:bodyPr/>
+          <a:lstStyle/>
+          <a:p>
             <a:endParaRPr lang="en-GB" dirty="0" smtClean="0"/>
           </a:p>
           <a:p>
@@ -3721,7 +3806,7 @@
           <a:p>
             <a:fld id="{B88E1A96-A68C-4ED7-8535-7FE27C72D2F0}" type="slidenum">
               <a:rPr lang="en-GB" smtClean="0"/>
-              <a:t>62</a:t>
+              <a:t>63</a:t>
             </a:fld>
             <a:endParaRPr lang="en-GB"/>
           </a:p>
@@ -7664,7 +7749,11 @@
             <a:pPr algn="ctr"/>
             <a:r>
               <a:rPr lang="en-GB" sz="3600" dirty="0" smtClean="0"/>
-              <a:t>“No”</a:t>
+              <a:t>“</a:t>
+            </a:r>
+            <a:r>
+              <a:rPr lang="en-GB" sz="3600" dirty="0" smtClean="0"/>
+              <a:t>No!”</a:t>
             </a:r>
             <a:endParaRPr lang="en-GB" sz="3600" dirty="0"/>
           </a:p>
@@ -7962,7 +8051,11 @@
             <a:pPr algn="ctr"/>
             <a:r>
               <a:rPr lang="en-GB" sz="3600" dirty="0" smtClean="0"/>
-              <a:t>“We Don’t Have Time”</a:t>
+              <a:t>“We Don’t Have </a:t>
+            </a:r>
+            <a:r>
+              <a:rPr lang="en-GB" sz="3600" dirty="0" smtClean="0"/>
+              <a:t>Time!”</a:t>
             </a:r>
             <a:endParaRPr lang="en-GB" sz="3600" dirty="0"/>
           </a:p>
@@ -14787,6 +14880,13 @@
   <p:clrMapOvr>
     <a:masterClrMapping/>
   </p:clrMapOvr>
+  <p:timing>
+    <p:tnLst>
+      <p:par>
+        <p:cTn id="1" dur="indefinite" restart="never" nodeType="tmRoot"/>
+      </p:par>
+    </p:tnLst>
+  </p:timing>
 </p:sld>
 </file>
 
@@ -17030,7 +17130,7 @@
         <p:spPr/>
         <p:txBody>
           <a:bodyPr>
-            <a:normAutofit fontScale="92500" lnSpcReduction="20000"/>
+            <a:normAutofit lnSpcReduction="10000"/>
           </a:bodyPr>
           <a:lstStyle/>
           <a:p>
@@ -17051,27 +17151,39 @@
               <a:rPr lang="en-GB" dirty="0" err="1" smtClean="0"/>
               <a:t>DataStax</a:t>
             </a:r>
-            <a:endParaRPr lang="en-GB" dirty="0" smtClean="0"/>
-          </a:p>
-          <a:p>
-            <a:pPr lvl="1"/>
-            <a:r>
-              <a:rPr lang="en-GB" dirty="0"/>
-              <a:t>Free Training	 </a:t>
-            </a:r>
-            <a:r>
-              <a:rPr lang="en-GB" dirty="0">
+            <a:endParaRPr lang="en-GB" dirty="0"/>
+          </a:p>
+          <a:p>
+            <a:pPr marL="0" indent="0">
+              <a:buNone/>
+            </a:pPr>
+            <a:r>
+              <a:rPr lang="en-GB" sz="2200" dirty="0" smtClean="0"/>
+              <a:t>	</a:t>
+            </a:r>
+            <a:r>
+              <a:rPr lang="en-GB" sz="2200" i="1" dirty="0" smtClean="0"/>
+              <a:t>Free training - </a:t>
+            </a:r>
+            <a:r>
+              <a:rPr lang="en-GB" sz="2200" i="1" dirty="0" smtClean="0">
                 <a:hlinkClick r:id="rId3"/>
               </a:rPr>
-              <a:t>https://academy.datastax.com</a:t>
-            </a:r>
-            <a:r>
-              <a:rPr lang="en-GB" dirty="0" smtClean="0">
+              <a:t>https</a:t>
+            </a:r>
+            <a:r>
+              <a:rPr lang="en-GB" sz="2200" i="1" dirty="0">
+                <a:hlinkClick r:id="rId3"/>
+              </a:rPr>
+              <a:t>://academy.datastax.com</a:t>
+            </a:r>
+            <a:r>
+              <a:rPr lang="en-GB" sz="2200" i="1" dirty="0" smtClean="0">
                 <a:hlinkClick r:id="rId3"/>
               </a:rPr>
               <a:t>/</a:t>
             </a:r>
-            <a:endParaRPr lang="en-GB" dirty="0" smtClean="0"/>
+            <a:endParaRPr lang="en-GB" sz="2200" i="1" dirty="0" smtClean="0"/>
           </a:p>
           <a:p>
             <a:pPr marL="0" indent="0">
@@ -17082,16 +17194,28 @@
           <a:p>
             <a:r>
               <a:rPr lang="en-GB" dirty="0" smtClean="0"/>
-              <a:t>“Thrift” RPC replaced by Cassandra Query Language</a:t>
-            </a:r>
-          </a:p>
-          <a:p>
-            <a:pPr marL="0" indent="0" algn="r">
+              <a:t>Cassandra Query Language</a:t>
+            </a:r>
+          </a:p>
+          <a:p>
+            <a:pPr marL="0" indent="0">
               <a:buNone/>
             </a:pPr>
             <a:r>
-              <a:rPr lang="en-GB" sz="3000" dirty="0" smtClean="0"/>
-              <a:t>Thrift -&gt; CQL1 -&gt; CQL2 -&gt; CQL3		</a:t>
+              <a:rPr lang="en-GB" sz="2600" dirty="0"/>
+              <a:t>	</a:t>
+            </a:r>
+            <a:r>
+              <a:rPr lang="en-GB" sz="2600" dirty="0" smtClean="0"/>
+              <a:t>	</a:t>
+            </a:r>
+            <a:r>
+              <a:rPr lang="en-GB" sz="2600" i="1" dirty="0" smtClean="0"/>
+              <a:t>Thrift -&gt; CQL1 -&gt; CQL2 -&gt; CQL3</a:t>
+            </a:r>
+            <a:r>
+              <a:rPr lang="en-GB" sz="2600" dirty="0" smtClean="0"/>
+              <a:t>	</a:t>
             </a:r>
           </a:p>
           <a:p>
@@ -17128,8 +17252,38 @@
         </p:blipFill>
         <p:spPr>
           <a:xfrm>
-            <a:off x="6804248" y="496546"/>
+            <a:off x="7020272" y="496546"/>
             <a:ext cx="1152128" cy="772214"/>
+          </a:xfrm>
+          <a:prstGeom prst="rect">
+            <a:avLst/>
+          </a:prstGeom>
+        </p:spPr>
+      </p:pic>
+      <p:pic>
+        <p:nvPicPr>
+          <p:cNvPr id="5" name="Picture 4"/>
+          <p:cNvPicPr>
+            <a:picLocks noChangeAspect="1"/>
+          </p:cNvPicPr>
+          <p:nvPr/>
+        </p:nvPicPr>
+        <p:blipFill>
+          <a:blip r:embed="rId5" cstate="print">
+            <a:extLst>
+              <a:ext uri="{28A0092B-C50C-407E-A947-70E740481C1C}">
+                <a14:useLocalDpi xmlns:a14="http://schemas.microsoft.com/office/drawing/2010/main" val="0"/>
+              </a:ext>
+            </a:extLst>
+          </a:blip>
+          <a:stretch>
+            <a:fillRect/>
+          </a:stretch>
+        </p:blipFill>
+        <p:spPr>
+          <a:xfrm>
+            <a:off x="6444208" y="2636912"/>
+            <a:ext cx="1800200" cy="370203"/>
           </a:xfrm>
           <a:prstGeom prst="rect">
             <a:avLst/>
@@ -17581,15 +17735,56 @@
             <p:ph idx="1"/>
           </p:nvPr>
         </p:nvSpPr>
-        <p:spPr/>
+        <p:spPr>
+          <a:xfrm>
+            <a:off x="457200" y="1600201"/>
+            <a:ext cx="8229600" cy="604664"/>
+          </a:xfrm>
+        </p:spPr>
         <p:txBody>
           <a:bodyPr/>
           <a:lstStyle/>
           <a:p>
-            <a:endParaRPr lang="en-GB" dirty="0" smtClean="0"/>
-          </a:p>
-        </p:txBody>
-      </p:sp>
+            <a:pPr marL="0" indent="0">
+              <a:buNone/>
+            </a:pPr>
+            <a:r>
+              <a:rPr lang="en-GB" dirty="0" smtClean="0"/>
+              <a:t>Spot The Difference:</a:t>
+            </a:r>
+          </a:p>
+        </p:txBody>
+      </p:sp>
+      <p:pic>
+        <p:nvPicPr>
+          <p:cNvPr id="5" name="Picture 4"/>
+          <p:cNvPicPr>
+            <a:picLocks noChangeAspect="1"/>
+          </p:cNvPicPr>
+          <p:nvPr/>
+        </p:nvPicPr>
+        <p:blipFill>
+          <a:blip r:embed="rId2">
+            <a:extLst>
+              <a:ext uri="{28A0092B-C50C-407E-A947-70E740481C1C}">
+                <a14:useLocalDpi xmlns:a14="http://schemas.microsoft.com/office/drawing/2010/main" val="0"/>
+              </a:ext>
+            </a:extLst>
+          </a:blip>
+          <a:stretch>
+            <a:fillRect/>
+          </a:stretch>
+        </p:blipFill>
+        <p:spPr>
+          <a:xfrm>
+            <a:off x="304800" y="2780928"/>
+            <a:ext cx="8659688" cy="1768664"/>
+          </a:xfrm>
+          <a:prstGeom prst="rect">
+            <a:avLst/>
+          </a:prstGeom>
+        </p:spPr>
+      </p:pic>
     </p:spTree>
     <p:extLst>
       <p:ext uri="{BB962C8B-B14F-4D97-AF65-F5344CB8AC3E}">
@@ -17667,23 +17862,184 @@
           <a:p>
             <a:r>
               <a:rPr lang="en-GB" dirty="0" smtClean="0"/>
-              <a:t>Standard</a:t>
-            </a:r>
-          </a:p>
-          <a:p>
-            <a:endParaRPr lang="en-GB" dirty="0"/>
+              <a:t>Composite Row (Partition) Key</a:t>
+            </a:r>
+          </a:p>
+          <a:p>
+            <a:pPr marL="0" indent="0">
+              <a:buNone/>
+            </a:pPr>
+            <a:r>
+              <a:rPr lang="en-GB" dirty="0" smtClean="0"/>
+              <a:t>			</a:t>
+            </a:r>
+            <a:r>
+              <a:rPr lang="en-GB" sz="2400" dirty="0" smtClean="0">
+                <a:solidFill>
+                  <a:srgbClr val="0070C0"/>
+                </a:solidFill>
+              </a:rPr>
+              <a:t>PRIMARY </a:t>
+            </a:r>
+            <a:r>
+              <a:rPr lang="en-GB" sz="2400" dirty="0">
+                <a:solidFill>
+                  <a:srgbClr val="0070C0"/>
+                </a:solidFill>
+              </a:rPr>
+              <a:t>KEY </a:t>
+            </a:r>
+            <a:r>
+              <a:rPr lang="en-GB" sz="2400" dirty="0"/>
+              <a:t>(</a:t>
+            </a:r>
+            <a:r>
+              <a:rPr lang="en-GB" sz="2400" b="1" dirty="0">
+                <a:solidFill>
+                  <a:srgbClr val="FF0000"/>
+                </a:solidFill>
+              </a:rPr>
+              <a:t>(</a:t>
+            </a:r>
+            <a:r>
+              <a:rPr lang="en-GB" sz="2400" dirty="0" err="1"/>
+              <a:t>OrderID</a:t>
+            </a:r>
+            <a:r>
+              <a:rPr lang="en-GB" sz="2400" dirty="0"/>
+              <a:t>, </a:t>
+            </a:r>
+            <a:r>
+              <a:rPr lang="en-GB" sz="2400" dirty="0" err="1"/>
+              <a:t>ItemID</a:t>
+            </a:r>
+            <a:r>
+              <a:rPr lang="en-GB" sz="2400" b="1" dirty="0">
+                <a:solidFill>
+                  <a:srgbClr val="FF0000"/>
+                </a:solidFill>
+              </a:rPr>
+              <a:t>)</a:t>
+            </a:r>
+            <a:r>
+              <a:rPr lang="en-GB" sz="2400" dirty="0"/>
+              <a:t>)</a:t>
+            </a:r>
           </a:p>
           <a:p>
             <a:endParaRPr lang="en-GB" dirty="0" smtClean="0"/>
           </a:p>
           <a:p>
-            <a:r>
-              <a:rPr lang="en-GB" dirty="0" smtClean="0"/>
-              <a:t>“Wide Rows”</a:t>
-            </a:r>
-          </a:p>
-        </p:txBody>
-      </p:sp>
+            <a:endParaRPr lang="en-GB" dirty="0" smtClean="0"/>
+          </a:p>
+          <a:p>
+            <a:r>
+              <a:rPr lang="en-GB" dirty="0" smtClean="0"/>
+              <a:t>“Wide Rows”	</a:t>
+            </a:r>
+            <a:r>
+              <a:rPr lang="en-GB" sz="2400" dirty="0" smtClean="0">
+                <a:solidFill>
+                  <a:srgbClr val="0070C0"/>
+                </a:solidFill>
+              </a:rPr>
+              <a:t>PRIMARY </a:t>
+            </a:r>
+            <a:r>
+              <a:rPr lang="en-GB" sz="2400" dirty="0">
+                <a:solidFill>
+                  <a:srgbClr val="0070C0"/>
+                </a:solidFill>
+              </a:rPr>
+              <a:t>KEY </a:t>
+            </a:r>
+            <a:r>
+              <a:rPr lang="en-GB" sz="2400" dirty="0" smtClean="0"/>
+              <a:t>(</a:t>
+            </a:r>
+            <a:r>
+              <a:rPr lang="en-GB" sz="2400" dirty="0" err="1" smtClean="0"/>
+              <a:t>OrderID</a:t>
+            </a:r>
+            <a:r>
+              <a:rPr lang="en-GB" sz="2400" dirty="0"/>
+              <a:t>, </a:t>
+            </a:r>
+            <a:r>
+              <a:rPr lang="en-GB" sz="2400" dirty="0" err="1" smtClean="0"/>
+              <a:t>ItemID</a:t>
+            </a:r>
+            <a:r>
+              <a:rPr lang="en-GB" sz="2400" dirty="0" smtClean="0"/>
+              <a:t>)</a:t>
+            </a:r>
+            <a:endParaRPr lang="en-GB" sz="2400" dirty="0"/>
+          </a:p>
+          <a:p>
+            <a:endParaRPr lang="en-GB" dirty="0" smtClean="0"/>
+          </a:p>
+        </p:txBody>
+      </p:sp>
+      <p:pic>
+        <p:nvPicPr>
+          <p:cNvPr id="7" name="Picture 6"/>
+          <p:cNvPicPr>
+            <a:picLocks noChangeAspect="1"/>
+          </p:cNvPicPr>
+          <p:nvPr/>
+        </p:nvPicPr>
+        <p:blipFill>
+          <a:blip r:embed="rId2">
+            <a:extLst>
+              <a:ext uri="{28A0092B-C50C-407E-A947-70E740481C1C}">
+                <a14:useLocalDpi xmlns:a14="http://schemas.microsoft.com/office/drawing/2010/main" val="0"/>
+              </a:ext>
+            </a:extLst>
+          </a:blip>
+          <a:stretch>
+            <a:fillRect/>
+          </a:stretch>
+        </p:blipFill>
+        <p:spPr>
+          <a:xfrm>
+            <a:off x="291405" y="4941168"/>
+            <a:ext cx="8601075" cy="390525"/>
+          </a:xfrm>
+          <a:prstGeom prst="rect">
+            <a:avLst/>
+          </a:prstGeom>
+        </p:spPr>
+      </p:pic>
+      <p:pic>
+        <p:nvPicPr>
+          <p:cNvPr id="8" name="Picture 7"/>
+          <p:cNvPicPr>
+            <a:picLocks noChangeAspect="1"/>
+          </p:cNvPicPr>
+          <p:nvPr/>
+        </p:nvPicPr>
+        <p:blipFill>
+          <a:blip r:embed="rId3">
+            <a:extLst>
+              <a:ext uri="{28A0092B-C50C-407E-A947-70E740481C1C}">
+                <a14:useLocalDpi xmlns:a14="http://schemas.microsoft.com/office/drawing/2010/main" val="0"/>
+              </a:ext>
+            </a:extLst>
+          </a:blip>
+          <a:stretch>
+            <a:fillRect/>
+          </a:stretch>
+        </p:blipFill>
+        <p:spPr>
+          <a:xfrm>
+            <a:off x="360040" y="2996952"/>
+            <a:ext cx="4572000" cy="581025"/>
+          </a:xfrm>
+          <a:prstGeom prst="rect">
+            <a:avLst/>
+          </a:prstGeom>
+        </p:spPr>
+      </p:pic>
     </p:spTree>
     <p:extLst>
       <p:ext uri="{BB962C8B-B14F-4D97-AF65-F5344CB8AC3E}">
@@ -18808,12 +19164,31 @@
         </p:nvSpPr>
         <p:spPr/>
         <p:txBody>
-          <a:bodyPr/>
-          <a:lstStyle/>
-          <a:p>
-            <a:r>
-              <a:rPr lang="en-GB" dirty="0" smtClean="0"/>
-              <a:t>Not a database!</a:t>
+          <a:bodyPr>
+            <a:normAutofit/>
+          </a:bodyPr>
+          <a:lstStyle/>
+          <a:p>
+            <a:r>
+              <a:rPr lang="en-GB" dirty="0" smtClean="0"/>
+              <a:t>Basis - GFS, </a:t>
+            </a:r>
+            <a:r>
+              <a:rPr lang="en-GB" dirty="0" err="1" smtClean="0"/>
+              <a:t>MapReduce</a:t>
+            </a:r>
+            <a:r>
+              <a:rPr lang="en-GB" dirty="0" smtClean="0"/>
+              <a:t> etc.</a:t>
+            </a:r>
+          </a:p>
+          <a:p>
+            <a:endParaRPr lang="en-GB" dirty="0" smtClean="0"/>
+          </a:p>
+          <a:p>
+            <a:r>
+              <a:rPr lang="en-GB" dirty="0" smtClean="0"/>
+              <a:t>Yahoo! – Doug Cutting</a:t>
             </a:r>
           </a:p>
           <a:p>
@@ -18822,7 +19197,7 @@
           <a:p>
             <a:r>
               <a:rPr lang="en-GB" dirty="0" smtClean="0"/>
-              <a:t>Core tools</a:t>
+              <a:t>Apache Top-Level Project</a:t>
             </a:r>
           </a:p>
           <a:p>
@@ -18831,16 +19206,136 @@
           <a:p>
             <a:r>
               <a:rPr lang="en-GB" dirty="0" smtClean="0"/>
-              <a:t>Wider ecosystem</a:t>
+              <a:t>“Big” Data-Warehousing (++)</a:t>
             </a:r>
             <a:endParaRPr lang="en-GB" dirty="0"/>
           </a:p>
         </p:txBody>
       </p:sp>
+      <p:pic>
+        <p:nvPicPr>
+          <p:cNvPr id="4" name="Picture 3"/>
+          <p:cNvPicPr>
+            <a:picLocks noChangeAspect="1"/>
+          </p:cNvPicPr>
+          <p:nvPr/>
+        </p:nvPicPr>
+        <p:blipFill>
+          <a:blip r:embed="rId2">
+            <a:extLst>
+              <a:ext uri="{28A0092B-C50C-407E-A947-70E740481C1C}">
+                <a14:useLocalDpi xmlns:a14="http://schemas.microsoft.com/office/drawing/2010/main" val="0"/>
+              </a:ext>
+            </a:extLst>
+          </a:blip>
+          <a:stretch>
+            <a:fillRect/>
+          </a:stretch>
+        </p:blipFill>
+        <p:spPr>
+          <a:xfrm>
+            <a:off x="683568" y="404664"/>
+            <a:ext cx="1368152" cy="917467"/>
+          </a:xfrm>
+          <a:prstGeom prst="rect">
+            <a:avLst/>
+          </a:prstGeom>
+        </p:spPr>
+      </p:pic>
+      <p:pic>
+        <p:nvPicPr>
+          <p:cNvPr id="6" name="Picture 5"/>
+          <p:cNvPicPr>
+            <a:picLocks noChangeAspect="1"/>
+          </p:cNvPicPr>
+          <p:nvPr/>
+        </p:nvPicPr>
+        <p:blipFill>
+          <a:blip r:embed="rId3">
+            <a:extLst>
+              <a:ext uri="{28A0092B-C50C-407E-A947-70E740481C1C}">
+                <a14:useLocalDpi xmlns:a14="http://schemas.microsoft.com/office/drawing/2010/main" val="0"/>
+              </a:ext>
+            </a:extLst>
+          </a:blip>
+          <a:stretch>
+            <a:fillRect/>
+          </a:stretch>
+        </p:blipFill>
+        <p:spPr>
+          <a:xfrm>
+            <a:off x="6012160" y="4119078"/>
+            <a:ext cx="2066803" cy="534058"/>
+          </a:xfrm>
+          <a:prstGeom prst="rect">
+            <a:avLst/>
+          </a:prstGeom>
+        </p:spPr>
+      </p:pic>
+      <p:pic>
+        <p:nvPicPr>
+          <p:cNvPr id="8" name="Picture 7"/>
+          <p:cNvPicPr>
+            <a:picLocks noChangeAspect="1"/>
+          </p:cNvPicPr>
+          <p:nvPr/>
+        </p:nvPicPr>
+        <p:blipFill>
+          <a:blip r:embed="rId4" cstate="print">
+            <a:extLst>
+              <a:ext uri="{28A0092B-C50C-407E-A947-70E740481C1C}">
+                <a14:useLocalDpi xmlns:a14="http://schemas.microsoft.com/office/drawing/2010/main" val="0"/>
+              </a:ext>
+            </a:extLst>
+          </a:blip>
+          <a:stretch>
+            <a:fillRect/>
+          </a:stretch>
+        </p:blipFill>
+        <p:spPr>
+          <a:xfrm>
+            <a:off x="6177605" y="2734958"/>
+            <a:ext cx="1850779" cy="694042"/>
+          </a:xfrm>
+          <a:prstGeom prst="rect">
+            <a:avLst/>
+          </a:prstGeom>
+        </p:spPr>
+      </p:pic>
+      <p:pic>
+        <p:nvPicPr>
+          <p:cNvPr id="9" name="Picture 8"/>
+          <p:cNvPicPr>
+            <a:picLocks noChangeAspect="1"/>
+          </p:cNvPicPr>
+          <p:nvPr/>
+        </p:nvPicPr>
+        <p:blipFill>
+          <a:blip r:embed="rId5">
+            <a:extLst>
+              <a:ext uri="{28A0092B-C50C-407E-A947-70E740481C1C}">
+                <a14:useLocalDpi xmlns:a14="http://schemas.microsoft.com/office/drawing/2010/main" val="0"/>
+              </a:ext>
+            </a:extLst>
+          </a:blip>
+          <a:stretch>
+            <a:fillRect/>
+          </a:stretch>
+        </p:blipFill>
+        <p:spPr>
+          <a:xfrm>
+            <a:off x="6300167" y="1694132"/>
+            <a:ext cx="1656209" cy="582740"/>
+          </a:xfrm>
+          <a:prstGeom prst="rect">
+            <a:avLst/>
+          </a:prstGeom>
+        </p:spPr>
+      </p:pic>
     </p:spTree>
     <p:extLst>
       <p:ext uri="{BB962C8B-B14F-4D97-AF65-F5344CB8AC3E}">
-        <p14:creationId xmlns:p14="http://schemas.microsoft.com/office/powerpoint/2010/main" val="2210824370"/>
+        <p14:creationId xmlns:p14="http://schemas.microsoft.com/office/powerpoint/2010/main" val="1317141560"/>
       </p:ext>
     </p:extLst>
   </p:cSld>
@@ -18858,6 +19353,166 @@
 </file>
 
 <file path=ppt/slides/slide51.xml><?xml version="1.0" encoding="utf-8"?>
+<p:sld xmlns:a="http://schemas.openxmlformats.org/drawingml/2006/main" xmlns:r="http://schemas.openxmlformats.org/officeDocument/2006/relationships" xmlns:p="http://schemas.openxmlformats.org/presentationml/2006/main">
+  <p:cSld>
+    <p:spTree>
+      <p:nvGrpSpPr>
+        <p:cNvPr id="1" name=""/>
+        <p:cNvGrpSpPr/>
+        <p:nvPr/>
+      </p:nvGrpSpPr>
+      <p:grpSpPr>
+        <a:xfrm>
+          <a:off x="0" y="0"/>
+          <a:ext cx="0" cy="0"/>
+          <a:chOff x="0" y="0"/>
+          <a:chExt cx="0" cy="0"/>
+        </a:xfrm>
+      </p:grpSpPr>
+      <p:sp>
+        <p:nvSpPr>
+          <p:cNvPr id="2" name="Title 1"/>
+          <p:cNvSpPr>
+            <a:spLocks noGrp="1"/>
+          </p:cNvSpPr>
+          <p:nvPr>
+            <p:ph type="title"/>
+          </p:nvPr>
+        </p:nvSpPr>
+        <p:spPr>
+          <a:xfrm>
+            <a:off x="1763688" y="274638"/>
+            <a:ext cx="6923112" cy="1143000"/>
+          </a:xfrm>
+        </p:spPr>
+        <p:txBody>
+          <a:bodyPr>
+            <a:normAutofit fontScale="90000"/>
+          </a:bodyPr>
+          <a:lstStyle/>
+          <a:p>
+            <a:r>
+              <a:rPr lang="en-GB" dirty="0" smtClean="0"/>
+              <a:t>Distributed File System (HDFS)</a:t>
+            </a:r>
+            <a:endParaRPr lang="en-GB" dirty="0"/>
+          </a:p>
+        </p:txBody>
+      </p:sp>
+      <p:sp>
+        <p:nvSpPr>
+          <p:cNvPr id="3" name="Content Placeholder 2"/>
+          <p:cNvSpPr>
+            <a:spLocks noGrp="1"/>
+          </p:cNvSpPr>
+          <p:nvPr>
+            <p:ph idx="1"/>
+          </p:nvPr>
+        </p:nvSpPr>
+        <p:spPr/>
+        <p:txBody>
+          <a:bodyPr/>
+          <a:lstStyle/>
+          <a:p>
+            <a:r>
+              <a:rPr lang="en-GB" dirty="0" smtClean="0"/>
+              <a:t>Distributed, CP, Append-Only </a:t>
+            </a:r>
+            <a:r>
+              <a:rPr lang="en-GB" dirty="0" err="1" smtClean="0"/>
+              <a:t>FileSystem</a:t>
+            </a:r>
+            <a:endParaRPr lang="en-GB" dirty="0" smtClean="0"/>
+          </a:p>
+          <a:p>
+            <a:endParaRPr lang="en-GB" dirty="0"/>
+          </a:p>
+          <a:p>
+            <a:r>
+              <a:rPr lang="en-GB" dirty="0" smtClean="0"/>
+              <a:t>High-Latency Access/ ETL via Java </a:t>
+            </a:r>
+            <a:r>
+              <a:rPr lang="en-GB" dirty="0" err="1" smtClean="0"/>
+              <a:t>MapReduce</a:t>
+            </a:r>
+            <a:endParaRPr lang="en-GB" dirty="0" smtClean="0"/>
+          </a:p>
+          <a:p>
+            <a:pPr lvl="1"/>
+            <a:r>
+              <a:rPr lang="en-GB" dirty="0" smtClean="0"/>
+              <a:t>vs. -&gt; </a:t>
+            </a:r>
+            <a:r>
+              <a:rPr lang="en-GB" dirty="0" err="1" smtClean="0"/>
+              <a:t>HBase</a:t>
+            </a:r>
+            <a:endParaRPr lang="en-GB" dirty="0" smtClean="0"/>
+          </a:p>
+          <a:p>
+            <a:endParaRPr lang="en-GB" dirty="0"/>
+          </a:p>
+          <a:p>
+            <a:r>
+              <a:rPr lang="en-GB" dirty="0" smtClean="0"/>
+              <a:t>Basis for other analysis/ query tools</a:t>
+            </a:r>
+            <a:endParaRPr lang="en-GB" dirty="0"/>
+          </a:p>
+        </p:txBody>
+      </p:sp>
+      <p:pic>
+        <p:nvPicPr>
+          <p:cNvPr id="4" name="Picture 3"/>
+          <p:cNvPicPr>
+            <a:picLocks noChangeAspect="1"/>
+          </p:cNvPicPr>
+          <p:nvPr/>
+        </p:nvPicPr>
+        <p:blipFill>
+          <a:blip r:embed="rId3">
+            <a:extLst>
+              <a:ext uri="{28A0092B-C50C-407E-A947-70E740481C1C}">
+                <a14:useLocalDpi xmlns:a14="http://schemas.microsoft.com/office/drawing/2010/main" val="0"/>
+              </a:ext>
+            </a:extLst>
+          </a:blip>
+          <a:stretch>
+            <a:fillRect/>
+          </a:stretch>
+        </p:blipFill>
+        <p:spPr>
+          <a:xfrm>
+            <a:off x="395536" y="260648"/>
+            <a:ext cx="1368152" cy="917467"/>
+          </a:xfrm>
+          <a:prstGeom prst="rect">
+            <a:avLst/>
+          </a:prstGeom>
+        </p:spPr>
+      </p:pic>
+    </p:spTree>
+    <p:extLst>
+      <p:ext uri="{BB962C8B-B14F-4D97-AF65-F5344CB8AC3E}">
+        <p14:creationId xmlns:p14="http://schemas.microsoft.com/office/powerpoint/2010/main" val="2855720551"/>
+      </p:ext>
+    </p:extLst>
+  </p:cSld>
+  <p:clrMapOvr>
+    <a:masterClrMapping/>
+  </p:clrMapOvr>
+  <p:timing>
+    <p:tnLst>
+      <p:par>
+        <p:cTn id="1" dur="indefinite" restart="never" nodeType="tmRoot"/>
+      </p:par>
+    </p:tnLst>
+  </p:timing>
+</p:sld>
+</file>
+
+<file path=ppt/slides/slide52.xml><?xml version="1.0" encoding="utf-8"?>
 <p:sld xmlns:a="http://schemas.openxmlformats.org/drawingml/2006/main" xmlns:r="http://schemas.openxmlformats.org/officeDocument/2006/relationships" xmlns:p="http://schemas.openxmlformats.org/presentationml/2006/main">
   <p:cSld>
     <p:spTree>
@@ -19605,25 +20260,35 @@
           </p:txBody>
         </p:sp>
       </p:grpSp>
-      <p:sp>
-        <p:nvSpPr>
-          <p:cNvPr id="32" name="Content Placeholder 31"/>
-          <p:cNvSpPr>
-            <a:spLocks noGrp="1"/>
-          </p:cNvSpPr>
+      <p:pic>
+        <p:nvPicPr>
+          <p:cNvPr id="3" name="Content Placeholder 2"/>
+          <p:cNvPicPr>
+            <a:picLocks noGrp="1" noChangeAspect="1"/>
+          </p:cNvPicPr>
           <p:nvPr>
             <p:ph idx="1"/>
           </p:nvPr>
-        </p:nvSpPr>
-        <p:spPr/>
-        <p:txBody>
-          <a:bodyPr/>
-          <a:lstStyle/>
-          <a:p>
-            <a:endParaRPr lang="en-GB"/>
-          </a:p>
-        </p:txBody>
-      </p:sp>
+        </p:nvPicPr>
+        <p:blipFill>
+          <a:blip r:embed="rId3">
+            <a:extLst>
+              <a:ext uri="{28A0092B-C50C-407E-A947-70E740481C1C}">
+                <a14:useLocalDpi xmlns:a14="http://schemas.microsoft.com/office/drawing/2010/main" val="0"/>
+              </a:ext>
+            </a:extLst>
+          </a:blip>
+          <a:stretch>
+            <a:fillRect/>
+          </a:stretch>
+        </p:blipFill>
+        <p:spPr>
+          <a:xfrm>
+            <a:off x="509453" y="355677"/>
+            <a:ext cx="1254235" cy="841075"/>
+          </a:xfrm>
+        </p:spPr>
+      </p:pic>
     </p:spTree>
     <p:extLst>
       <p:ext uri="{BB962C8B-B14F-4D97-AF65-F5344CB8AC3E}">
@@ -19874,93 +20539,6 @@
 </p:sld>
 </file>
 
-<file path=ppt/slides/slide52.xml><?xml version="1.0" encoding="utf-8"?>
-<p:sld xmlns:a="http://schemas.openxmlformats.org/drawingml/2006/main" xmlns:r="http://schemas.openxmlformats.org/officeDocument/2006/relationships" xmlns:p="http://schemas.openxmlformats.org/presentationml/2006/main">
-  <p:cSld>
-    <p:spTree>
-      <p:nvGrpSpPr>
-        <p:cNvPr id="1" name=""/>
-        <p:cNvGrpSpPr/>
-        <p:nvPr/>
-      </p:nvGrpSpPr>
-      <p:grpSpPr>
-        <a:xfrm>
-          <a:off x="0" y="0"/>
-          <a:ext cx="0" cy="0"/>
-          <a:chOff x="0" y="0"/>
-          <a:chExt cx="0" cy="0"/>
-        </a:xfrm>
-      </p:grpSpPr>
-      <p:sp>
-        <p:nvSpPr>
-          <p:cNvPr id="2" name="Title 1"/>
-          <p:cNvSpPr>
-            <a:spLocks noGrp="1"/>
-          </p:cNvSpPr>
-          <p:nvPr>
-            <p:ph type="ctrTitle"/>
-          </p:nvPr>
-        </p:nvSpPr>
-        <p:spPr/>
-        <p:txBody>
-          <a:bodyPr/>
-          <a:lstStyle/>
-          <a:p>
-            <a:r>
-              <a:rPr lang="en-GB" dirty="0" smtClean="0"/>
-              <a:t>(Hadoop </a:t>
-            </a:r>
-            <a:r>
-              <a:rPr lang="en-GB" dirty="0" err="1" smtClean="0"/>
-              <a:t>MapReduce</a:t>
-            </a:r>
-            <a:r>
-              <a:rPr lang="en-GB" dirty="0" smtClean="0"/>
-              <a:t> Demo)</a:t>
-            </a:r>
-            <a:endParaRPr lang="en-GB" dirty="0"/>
-          </a:p>
-        </p:txBody>
-      </p:sp>
-      <p:sp>
-        <p:nvSpPr>
-          <p:cNvPr id="3" name="Subtitle 2"/>
-          <p:cNvSpPr>
-            <a:spLocks noGrp="1"/>
-          </p:cNvSpPr>
-          <p:nvPr>
-            <p:ph type="subTitle" idx="1"/>
-          </p:nvPr>
-        </p:nvSpPr>
-        <p:spPr/>
-        <p:txBody>
-          <a:bodyPr/>
-          <a:lstStyle/>
-          <a:p>
-            <a:endParaRPr lang="en-GB"/>
-          </a:p>
-        </p:txBody>
-      </p:sp>
-    </p:spTree>
-    <p:extLst>
-      <p:ext uri="{BB962C8B-B14F-4D97-AF65-F5344CB8AC3E}">
-        <p14:creationId xmlns:p14="http://schemas.microsoft.com/office/powerpoint/2010/main" val="491001508"/>
-      </p:ext>
-    </p:extLst>
-  </p:cSld>
-  <p:clrMapOvr>
-    <a:masterClrMapping/>
-  </p:clrMapOvr>
-  <p:timing>
-    <p:tnLst>
-      <p:par>
-        <p:cTn id="1" dur="indefinite" restart="never" nodeType="tmRoot"/>
-      </p:par>
-    </p:tnLst>
-  </p:timing>
-</p:sld>
-</file>
-
 <file path=ppt/slides/slide53.xml><?xml version="1.0" encoding="utf-8"?>
 <p:sld xmlns:a="http://schemas.openxmlformats.org/drawingml/2006/main" xmlns:r="http://schemas.openxmlformats.org/officeDocument/2006/relationships" xmlns:p="http://schemas.openxmlformats.org/presentationml/2006/main">
   <p:cSld>
@@ -19985,7 +20563,7 @@
             <a:spLocks noGrp="1"/>
           </p:cNvSpPr>
           <p:nvPr>
-            <p:ph type="title"/>
+            <p:ph type="ctrTitle"/>
           </p:nvPr>
         </p:nvSpPr>
         <p:spPr/>
@@ -19995,7 +20573,15 @@
           <a:p>
             <a:r>
               <a:rPr lang="en-GB" dirty="0" smtClean="0"/>
-              <a:t>Apache/ Hadoop Ecosystem</a:t>
+              <a:t>(Hadoop </a:t>
+            </a:r>
+            <a:r>
+              <a:rPr lang="en-GB" dirty="0" err="1" smtClean="0"/>
+              <a:t>MapReduce</a:t>
+            </a:r>
+            <a:r>
+              <a:rPr lang="en-GB" dirty="0" smtClean="0"/>
+              <a:t> Demo)</a:t>
             </a:r>
             <a:endParaRPr lang="en-GB" dirty="0"/>
           </a:p>
@@ -20003,112 +20589,27 @@
       </p:sp>
       <p:sp>
         <p:nvSpPr>
-          <p:cNvPr id="3" name="Content Placeholder 2"/>
-          <p:cNvSpPr>
-            <a:spLocks noGrp="1"/>
-          </p:cNvSpPr>
-          <p:nvPr>
-            <p:ph idx="1"/>
-          </p:nvPr>
-        </p:nvSpPr>
-        <p:spPr/>
-        <p:txBody>
-          <a:bodyPr>
-            <a:normAutofit/>
-          </a:bodyPr>
-          <a:lstStyle/>
-          <a:p>
-            <a:r>
-              <a:rPr lang="en-GB" dirty="0" smtClean="0"/>
-              <a:t>A toolset/ platform – not a database – “Linux for Distributed Systems”</a:t>
-            </a:r>
-          </a:p>
-          <a:p>
-            <a:r>
-              <a:rPr lang="en-GB" dirty="0" smtClean="0"/>
-              <a:t>Related </a:t>
-            </a:r>
-            <a:r>
-              <a:rPr lang="en-GB" dirty="0"/>
-              <a:t>tools - including but not limited to:</a:t>
-            </a:r>
-          </a:p>
-          <a:p>
-            <a:pPr marL="457200" lvl="1" indent="0">
-              <a:buNone/>
-            </a:pPr>
-            <a:r>
-              <a:rPr lang="en-GB" dirty="0"/>
-              <a:t>Hive, Pig, Impala, Spark, </a:t>
-            </a:r>
-            <a:r>
-              <a:rPr lang="en-GB" dirty="0" err="1"/>
-              <a:t>HBase</a:t>
-            </a:r>
-            <a:r>
-              <a:rPr lang="en-GB" dirty="0"/>
-              <a:t>, Cassandra, </a:t>
-            </a:r>
-            <a:r>
-              <a:rPr lang="en-GB" dirty="0" err="1" smtClean="0"/>
-              <a:t>ZooKeeper</a:t>
-            </a:r>
-            <a:r>
-              <a:rPr lang="en-GB" dirty="0" smtClean="0"/>
-              <a:t>, </a:t>
-            </a:r>
-            <a:r>
-              <a:rPr lang="en-GB" dirty="0" err="1" smtClean="0"/>
-              <a:t>Giraph</a:t>
-            </a:r>
-            <a:r>
-              <a:rPr lang="en-GB" dirty="0" smtClean="0"/>
-              <a:t>, Flume, </a:t>
-            </a:r>
-            <a:r>
-              <a:rPr lang="en-GB" dirty="0" err="1" smtClean="0"/>
-              <a:t>Sqoop</a:t>
-            </a:r>
-            <a:r>
-              <a:rPr lang="en-GB" dirty="0" smtClean="0"/>
-              <a:t>, Mahout</a:t>
-            </a:r>
-            <a:endParaRPr lang="en-GB" dirty="0" smtClean="0"/>
-          </a:p>
-          <a:p>
-            <a:r>
-              <a:rPr lang="en-GB" dirty="0" err="1" smtClean="0"/>
-              <a:t>HortonWorks</a:t>
-            </a:r>
-            <a:r>
-              <a:rPr lang="en-GB" dirty="0" smtClean="0"/>
-              <a:t>, Cloudera</a:t>
-            </a:r>
-          </a:p>
-          <a:p>
-            <a:r>
-              <a:rPr lang="en-GB" dirty="0"/>
-              <a:t>Microsoft </a:t>
-            </a:r>
-            <a:r>
-              <a:rPr lang="en-GB" dirty="0" err="1"/>
-              <a:t>HDInsight</a:t>
-            </a:r>
-            <a:r>
-              <a:rPr lang="en-GB" dirty="0"/>
-              <a:t>, SAS Visual Analytics</a:t>
-            </a:r>
-            <a:endParaRPr lang="en-GB" dirty="0" smtClean="0"/>
-          </a:p>
-          <a:p>
-            <a:endParaRPr lang="en-GB" dirty="0"/>
+          <p:cNvPr id="3" name="Subtitle 2"/>
+          <p:cNvSpPr>
+            <a:spLocks noGrp="1"/>
+          </p:cNvSpPr>
+          <p:nvPr>
+            <p:ph type="subTitle" idx="1"/>
+          </p:nvPr>
+        </p:nvSpPr>
+        <p:spPr/>
+        <p:txBody>
+          <a:bodyPr/>
+          <a:lstStyle/>
+          <a:p>
+            <a:endParaRPr lang="en-GB"/>
           </a:p>
         </p:txBody>
       </p:sp>
     </p:spTree>
     <p:extLst>
       <p:ext uri="{BB962C8B-B14F-4D97-AF65-F5344CB8AC3E}">
-        <p14:creationId xmlns:p14="http://schemas.microsoft.com/office/powerpoint/2010/main" val="3667704260"/>
+        <p14:creationId xmlns:p14="http://schemas.microsoft.com/office/powerpoint/2010/main" val="491001508"/>
       </p:ext>
     </p:extLst>
   </p:cSld>
@@ -20159,6 +20660,349 @@
           <a:p>
             <a:r>
               <a:rPr lang="en-GB" dirty="0" smtClean="0"/>
+              <a:t>Hadoop </a:t>
+            </a:r>
+            <a:r>
+              <a:rPr lang="en-GB" dirty="0" smtClean="0"/>
+              <a:t>Ecosystem</a:t>
+            </a:r>
+            <a:endParaRPr lang="en-GB" dirty="0"/>
+          </a:p>
+        </p:txBody>
+      </p:sp>
+      <p:sp>
+        <p:nvSpPr>
+          <p:cNvPr id="3" name="Content Placeholder 2"/>
+          <p:cNvSpPr>
+            <a:spLocks noGrp="1"/>
+          </p:cNvSpPr>
+          <p:nvPr>
+            <p:ph idx="1"/>
+          </p:nvPr>
+        </p:nvSpPr>
+        <p:spPr/>
+        <p:txBody>
+          <a:bodyPr>
+            <a:normAutofit fontScale="92500" lnSpcReduction="20000"/>
+          </a:bodyPr>
+          <a:lstStyle/>
+          <a:p>
+            <a:r>
+              <a:rPr lang="en-GB" dirty="0" smtClean="0"/>
+              <a:t>“</a:t>
+            </a:r>
+            <a:r>
+              <a:rPr lang="en-GB" dirty="0" smtClean="0"/>
+              <a:t>Linux for Distributed Systems</a:t>
+            </a:r>
+            <a:r>
+              <a:rPr lang="en-GB" dirty="0" smtClean="0"/>
+              <a:t>”</a:t>
+            </a:r>
+          </a:p>
+          <a:p>
+            <a:pPr marL="0" indent="0">
+              <a:buNone/>
+            </a:pPr>
+            <a:r>
+              <a:rPr lang="en-GB" dirty="0"/>
+              <a:t>	</a:t>
+            </a:r>
+            <a:r>
+              <a:rPr lang="en-GB" dirty="0" smtClean="0"/>
+              <a:t>– </a:t>
+            </a:r>
+            <a:r>
+              <a:rPr lang="en-GB" b="1" dirty="0" smtClean="0"/>
+              <a:t>HDFS, </a:t>
+            </a:r>
+            <a:r>
+              <a:rPr lang="en-GB" b="1" dirty="0" err="1" smtClean="0"/>
+              <a:t>MapReduce</a:t>
+            </a:r>
+            <a:r>
+              <a:rPr lang="en-GB" b="1" dirty="0" smtClean="0"/>
+              <a:t>, YARN</a:t>
+            </a:r>
+            <a:endParaRPr lang="en-GB" b="1" dirty="0" smtClean="0"/>
+          </a:p>
+          <a:p>
+            <a:endParaRPr lang="en-GB" dirty="0" smtClean="0"/>
+          </a:p>
+          <a:p>
+            <a:r>
+              <a:rPr lang="en-GB" dirty="0" smtClean="0"/>
+              <a:t>Related tools:</a:t>
+            </a:r>
+            <a:endParaRPr lang="en-GB" dirty="0"/>
+          </a:p>
+          <a:p>
+            <a:pPr marL="457200" lvl="1" indent="0">
+              <a:buNone/>
+            </a:pPr>
+            <a:r>
+              <a:rPr lang="en-GB" sz="2400" i="1" dirty="0" smtClean="0"/>
+              <a:t>	Hive</a:t>
+            </a:r>
+            <a:r>
+              <a:rPr lang="en-GB" sz="2400" i="1" dirty="0"/>
+              <a:t>, Pig, </a:t>
+            </a:r>
+            <a:r>
+              <a:rPr lang="en-GB" sz="2400" i="1" dirty="0" smtClean="0"/>
+              <a:t>Spark, Impala</a:t>
+            </a:r>
+            <a:r>
+              <a:rPr lang="en-GB" sz="2400" i="1" dirty="0"/>
+              <a:t>, </a:t>
+            </a:r>
+            <a:r>
+              <a:rPr lang="en-GB" sz="2400" i="1" dirty="0" smtClean="0"/>
+              <a:t>Mahout,</a:t>
+            </a:r>
+            <a:r>
+              <a:rPr lang="en-GB" sz="2400" i="1" dirty="0"/>
+              <a:t> </a:t>
+            </a:r>
+            <a:r>
+              <a:rPr lang="en-GB" sz="2400" i="1" dirty="0" err="1"/>
+              <a:t>Giraph</a:t>
+            </a:r>
+            <a:r>
+              <a:rPr lang="en-GB" sz="2400" i="1" dirty="0"/>
+              <a:t>, </a:t>
+            </a:r>
+            <a:r>
+              <a:rPr lang="en-GB" sz="2400" i="1" dirty="0" err="1"/>
+              <a:t>HBase</a:t>
+            </a:r>
+            <a:r>
+              <a:rPr lang="en-GB" sz="2400" i="1" dirty="0"/>
+              <a:t>, Cassandra, </a:t>
+            </a:r>
+            <a:r>
+              <a:rPr lang="en-GB" sz="2400" i="1" dirty="0" smtClean="0"/>
+              <a:t>		</a:t>
+            </a:r>
+            <a:r>
+              <a:rPr lang="en-GB" sz="2400" i="1" dirty="0" err="1" smtClean="0"/>
+              <a:t>ZooKeeper</a:t>
+            </a:r>
+            <a:r>
+              <a:rPr lang="en-GB" sz="2400" i="1" dirty="0" smtClean="0"/>
+              <a:t>, </a:t>
+            </a:r>
+            <a:r>
+              <a:rPr lang="en-GB" sz="2400" i="1" dirty="0" smtClean="0"/>
+              <a:t>Flume</a:t>
+            </a:r>
+            <a:r>
+              <a:rPr lang="en-GB" sz="2400" i="1" dirty="0" smtClean="0"/>
+              <a:t>, </a:t>
+            </a:r>
+            <a:r>
+              <a:rPr lang="en-GB" sz="2400" i="1" dirty="0" err="1" smtClean="0"/>
+              <a:t>Sqoop</a:t>
+            </a:r>
+            <a:r>
+              <a:rPr lang="en-GB" sz="2400" i="1" dirty="0" smtClean="0"/>
+              <a:t> … (etc.) …</a:t>
+            </a:r>
+            <a:endParaRPr lang="en-GB" sz="2400" i="1" dirty="0" smtClean="0"/>
+          </a:p>
+          <a:p>
+            <a:endParaRPr lang="en-GB" dirty="0" smtClean="0"/>
+          </a:p>
+          <a:p>
+            <a:r>
+              <a:rPr lang="en-GB" dirty="0" err="1" smtClean="0"/>
+              <a:t>HortonWorks</a:t>
+            </a:r>
+            <a:r>
+              <a:rPr lang="en-GB" dirty="0" smtClean="0"/>
+              <a:t>, </a:t>
+            </a:r>
+            <a:r>
+              <a:rPr lang="en-GB" dirty="0" smtClean="0"/>
+              <a:t>Cloudera</a:t>
+            </a:r>
+            <a:endParaRPr lang="en-GB" dirty="0" smtClean="0"/>
+          </a:p>
+          <a:p>
+            <a:endParaRPr lang="en-GB" dirty="0" smtClean="0"/>
+          </a:p>
+          <a:p>
+            <a:r>
+              <a:rPr lang="en-GB" dirty="0" smtClean="0"/>
+              <a:t>3</a:t>
+            </a:r>
+            <a:r>
+              <a:rPr lang="en-GB" baseline="30000" dirty="0" smtClean="0"/>
+              <a:t>rd</a:t>
+            </a:r>
+            <a:r>
+              <a:rPr lang="en-GB" dirty="0" smtClean="0"/>
+              <a:t> Party – e.g. </a:t>
+            </a:r>
+            <a:r>
+              <a:rPr lang="en-GB" dirty="0" err="1" smtClean="0"/>
+              <a:t>HDInsight</a:t>
+            </a:r>
+            <a:r>
+              <a:rPr lang="en-GB" dirty="0"/>
+              <a:t>, SAS Visual Analytics</a:t>
+            </a:r>
+            <a:endParaRPr lang="en-GB" dirty="0" smtClean="0"/>
+          </a:p>
+          <a:p>
+            <a:endParaRPr lang="en-GB" dirty="0"/>
+          </a:p>
+        </p:txBody>
+      </p:sp>
+      <p:pic>
+        <p:nvPicPr>
+          <p:cNvPr id="4" name="Picture 3"/>
+          <p:cNvPicPr>
+            <a:picLocks noChangeAspect="1"/>
+          </p:cNvPicPr>
+          <p:nvPr/>
+        </p:nvPicPr>
+        <p:blipFill>
+          <a:blip r:embed="rId2">
+            <a:extLst>
+              <a:ext uri="{28A0092B-C50C-407E-A947-70E740481C1C}">
+                <a14:useLocalDpi xmlns:a14="http://schemas.microsoft.com/office/drawing/2010/main" val="0"/>
+              </a:ext>
+            </a:extLst>
+          </a:blip>
+          <a:stretch>
+            <a:fillRect/>
+          </a:stretch>
+        </p:blipFill>
+        <p:spPr>
+          <a:xfrm>
+            <a:off x="467544" y="351293"/>
+            <a:ext cx="1368152" cy="917467"/>
+          </a:xfrm>
+          <a:prstGeom prst="rect">
+            <a:avLst/>
+          </a:prstGeom>
+        </p:spPr>
+      </p:pic>
+      <p:pic>
+        <p:nvPicPr>
+          <p:cNvPr id="5" name="Picture 4"/>
+          <p:cNvPicPr>
+            <a:picLocks noChangeAspect="1"/>
+          </p:cNvPicPr>
+          <p:nvPr/>
+        </p:nvPicPr>
+        <p:blipFill>
+          <a:blip r:embed="rId3" cstate="print">
+            <a:extLst>
+              <a:ext uri="{28A0092B-C50C-407E-A947-70E740481C1C}">
+                <a14:useLocalDpi xmlns:a14="http://schemas.microsoft.com/office/drawing/2010/main" val="0"/>
+              </a:ext>
+            </a:extLst>
+          </a:blip>
+          <a:stretch>
+            <a:fillRect/>
+          </a:stretch>
+        </p:blipFill>
+        <p:spPr>
+          <a:xfrm>
+            <a:off x="5014799" y="4365104"/>
+            <a:ext cx="1357401" cy="513209"/>
+          </a:xfrm>
+          <a:prstGeom prst="rect">
+            <a:avLst/>
+          </a:prstGeom>
+        </p:spPr>
+      </p:pic>
+      <p:pic>
+        <p:nvPicPr>
+          <p:cNvPr id="6" name="Picture 5"/>
+          <p:cNvPicPr>
+            <a:picLocks noChangeAspect="1"/>
+          </p:cNvPicPr>
+          <p:nvPr/>
+        </p:nvPicPr>
+        <p:blipFill>
+          <a:blip r:embed="rId4" cstate="print">
+            <a:extLst>
+              <a:ext uri="{28A0092B-C50C-407E-A947-70E740481C1C}">
+                <a14:useLocalDpi xmlns:a14="http://schemas.microsoft.com/office/drawing/2010/main" val="0"/>
+              </a:ext>
+            </a:extLst>
+          </a:blip>
+          <a:stretch>
+            <a:fillRect/>
+          </a:stretch>
+        </p:blipFill>
+        <p:spPr>
+          <a:xfrm>
+            <a:off x="6804248" y="4572127"/>
+            <a:ext cx="1584176" cy="297033"/>
+          </a:xfrm>
+          <a:prstGeom prst="rect">
+            <a:avLst/>
+          </a:prstGeom>
+        </p:spPr>
+      </p:pic>
+    </p:spTree>
+    <p:extLst>
+      <p:ext uri="{BB962C8B-B14F-4D97-AF65-F5344CB8AC3E}">
+        <p14:creationId xmlns:p14="http://schemas.microsoft.com/office/powerpoint/2010/main" val="3667704260"/>
+      </p:ext>
+    </p:extLst>
+  </p:cSld>
+  <p:clrMapOvr>
+    <a:masterClrMapping/>
+  </p:clrMapOvr>
+  <p:timing>
+    <p:tnLst>
+      <p:par>
+        <p:cTn id="1" dur="indefinite" restart="never" nodeType="tmRoot"/>
+      </p:par>
+    </p:tnLst>
+  </p:timing>
+</p:sld>
+</file>
+
+<file path=ppt/slides/slide55.xml><?xml version="1.0" encoding="utf-8"?>
+<p:sld xmlns:a="http://schemas.openxmlformats.org/drawingml/2006/main" xmlns:r="http://schemas.openxmlformats.org/officeDocument/2006/relationships" xmlns:p="http://schemas.openxmlformats.org/presentationml/2006/main">
+  <p:cSld>
+    <p:spTree>
+      <p:nvGrpSpPr>
+        <p:cNvPr id="1" name=""/>
+        <p:cNvGrpSpPr/>
+        <p:nvPr/>
+      </p:nvGrpSpPr>
+      <p:grpSpPr>
+        <a:xfrm>
+          <a:off x="0" y="0"/>
+          <a:ext cx="0" cy="0"/>
+          <a:chOff x="0" y="0"/>
+          <a:chExt cx="0" cy="0"/>
+        </a:xfrm>
+      </p:grpSpPr>
+      <p:sp>
+        <p:nvSpPr>
+          <p:cNvPr id="2" name="Title 1"/>
+          <p:cNvSpPr>
+            <a:spLocks noGrp="1"/>
+          </p:cNvSpPr>
+          <p:nvPr>
+            <p:ph type="title"/>
+          </p:nvPr>
+        </p:nvSpPr>
+        <p:spPr/>
+        <p:txBody>
+          <a:bodyPr/>
+          <a:lstStyle/>
+          <a:p>
+            <a:r>
+              <a:rPr lang="en-GB" dirty="0" smtClean="0"/>
               <a:t>Graph Databases – Neo4j</a:t>
             </a:r>
             <a:endParaRPr lang="en-GB" dirty="0"/>
@@ -20231,7 +21075,7 @@
 </p:sld>
 </file>
 
-<file path=ppt/slides/slide55.xml><?xml version="1.0" encoding="utf-8"?>
+<file path=ppt/slides/slide56.xml><?xml version="1.0" encoding="utf-8"?>
 <p:sld xmlns:a="http://schemas.openxmlformats.org/drawingml/2006/main" xmlns:r="http://schemas.openxmlformats.org/officeDocument/2006/relationships" xmlns:p="http://schemas.openxmlformats.org/presentationml/2006/main">
   <p:cSld>
     <p:spTree>
@@ -20349,7 +21193,7 @@
 </p:sld>
 </file>
 
-<file path=ppt/slides/slide56.xml><?xml version="1.0" encoding="utf-8"?>
+<file path=ppt/slides/slide57.xml><?xml version="1.0" encoding="utf-8"?>
 <p:sld xmlns:a="http://schemas.openxmlformats.org/drawingml/2006/main" xmlns:r="http://schemas.openxmlformats.org/officeDocument/2006/relationships" xmlns:p="http://schemas.openxmlformats.org/presentationml/2006/main">
   <p:cSld>
     <p:spTree>
@@ -20467,7 +21311,7 @@
 </p:sld>
 </file>
 
-<file path=ppt/slides/slide57.xml><?xml version="1.0" encoding="utf-8"?>
+<file path=ppt/slides/slide58.xml><?xml version="1.0" encoding="utf-8"?>
 <p:sld xmlns:a="http://schemas.openxmlformats.org/drawingml/2006/main" xmlns:r="http://schemas.openxmlformats.org/officeDocument/2006/relationships" xmlns:p="http://schemas.openxmlformats.org/presentationml/2006/main">
   <p:cSld>
     <p:spTree>
@@ -20830,7 +21674,7 @@
 </p:sld>
 </file>
 
-<file path=ppt/slides/slide58.xml><?xml version="1.0" encoding="utf-8"?>
+<file path=ppt/slides/slide59.xml><?xml version="1.0" encoding="utf-8"?>
 <p:sld xmlns:a="http://schemas.openxmlformats.org/drawingml/2006/main" xmlns:r="http://schemas.openxmlformats.org/officeDocument/2006/relationships" xmlns:p="http://schemas.openxmlformats.org/presentationml/2006/main">
   <p:cSld>
     <p:spTree>
@@ -21348,130 +22192,6 @@
 </p:sld>
 </file>
 
-<file path=ppt/slides/slide59.xml><?xml version="1.0" encoding="utf-8"?>
-<p:sld xmlns:a="http://schemas.openxmlformats.org/drawingml/2006/main" xmlns:r="http://schemas.openxmlformats.org/officeDocument/2006/relationships" xmlns:p="http://schemas.openxmlformats.org/presentationml/2006/main">
-  <p:cSld>
-    <p:spTree>
-      <p:nvGrpSpPr>
-        <p:cNvPr id="1" name=""/>
-        <p:cNvGrpSpPr/>
-        <p:nvPr/>
-      </p:nvGrpSpPr>
-      <p:grpSpPr>
-        <a:xfrm>
-          <a:off x="0" y="0"/>
-          <a:ext cx="0" cy="0"/>
-          <a:chOff x="0" y="0"/>
-          <a:chExt cx="0" cy="0"/>
-        </a:xfrm>
-      </p:grpSpPr>
-      <p:sp>
-        <p:nvSpPr>
-          <p:cNvPr id="2" name="Title 1"/>
-          <p:cNvSpPr>
-            <a:spLocks noGrp="1"/>
-          </p:cNvSpPr>
-          <p:nvPr>
-            <p:ph type="title"/>
-          </p:nvPr>
-        </p:nvSpPr>
-        <p:spPr/>
-        <p:txBody>
-          <a:bodyPr/>
-          <a:lstStyle/>
-          <a:p>
-            <a:r>
-              <a:rPr lang="en-GB" dirty="0" smtClean="0"/>
-              <a:t>Mixed Architectures</a:t>
-            </a:r>
-            <a:endParaRPr lang="en-GB" dirty="0"/>
-          </a:p>
-        </p:txBody>
-      </p:sp>
-      <p:sp>
-        <p:nvSpPr>
-          <p:cNvPr id="3" name="Content Placeholder 2"/>
-          <p:cNvSpPr>
-            <a:spLocks noGrp="1"/>
-          </p:cNvSpPr>
-          <p:nvPr>
-            <p:ph idx="1"/>
-          </p:nvPr>
-        </p:nvSpPr>
-        <p:spPr/>
-        <p:txBody>
-          <a:bodyPr>
-            <a:normAutofit/>
-          </a:bodyPr>
-          <a:lstStyle/>
-          <a:p>
-            <a:r>
-              <a:rPr lang="en-GB" dirty="0" smtClean="0"/>
-              <a:t>“Polyglot Persistence” (Fowler)</a:t>
-            </a:r>
-          </a:p>
-          <a:p>
-            <a:endParaRPr lang="en-GB" dirty="0" smtClean="0"/>
-          </a:p>
-          <a:p>
-            <a:r>
-              <a:rPr lang="en-GB" dirty="0" smtClean="0"/>
-              <a:t>Business Process Requirements</a:t>
-            </a:r>
-          </a:p>
-          <a:p>
-            <a:endParaRPr lang="en-GB" dirty="0" smtClean="0"/>
-          </a:p>
-          <a:p>
-            <a:r>
-              <a:rPr lang="en-GB" dirty="0" smtClean="0"/>
-              <a:t>Read-Write Split:</a:t>
-            </a:r>
-          </a:p>
-          <a:p>
-            <a:pPr lvl="1"/>
-            <a:r>
-              <a:rPr lang="en-GB" dirty="0" smtClean="0"/>
-              <a:t>Reporting Database</a:t>
-            </a:r>
-          </a:p>
-          <a:p>
-            <a:pPr lvl="1"/>
-            <a:r>
-              <a:rPr lang="en-GB" dirty="0" smtClean="0"/>
-              <a:t>Data Warehousing</a:t>
-            </a:r>
-          </a:p>
-          <a:p>
-            <a:pPr lvl="1"/>
-            <a:r>
-              <a:rPr lang="en-GB" dirty="0" smtClean="0"/>
-              <a:t>CQRS</a:t>
-            </a:r>
-            <a:endParaRPr lang="en-GB" dirty="0"/>
-          </a:p>
-        </p:txBody>
-      </p:sp>
-    </p:spTree>
-    <p:extLst>
-      <p:ext uri="{BB962C8B-B14F-4D97-AF65-F5344CB8AC3E}">
-        <p14:creationId xmlns:p14="http://schemas.microsoft.com/office/powerpoint/2010/main" val="1132971709"/>
-      </p:ext>
-    </p:extLst>
-  </p:cSld>
-  <p:clrMapOvr>
-    <a:masterClrMapping/>
-  </p:clrMapOvr>
-  <p:timing>
-    <p:tnLst>
-      <p:par>
-        <p:cTn id="1" dur="indefinite" restart="never" nodeType="tmRoot"/>
-      </p:par>
-    </p:tnLst>
-  </p:timing>
-</p:sld>
-</file>
-
 <file path=ppt/slides/slide6.xml><?xml version="1.0" encoding="utf-8"?>
 <p:sld xmlns:a="http://schemas.openxmlformats.org/drawingml/2006/main" xmlns:r="http://schemas.openxmlformats.org/officeDocument/2006/relationships" xmlns:p="http://schemas.openxmlformats.org/presentationml/2006/main">
   <p:cSld>
@@ -21617,7 +22337,7 @@
           <a:p>
             <a:r>
               <a:rPr lang="en-GB" dirty="0" smtClean="0"/>
-              <a:t>Business Processes (Amazon)</a:t>
+              <a:t>Mixed Architectures</a:t>
             </a:r>
             <a:endParaRPr lang="en-GB" dirty="0"/>
           </a:p>
@@ -21636,83 +22356,53 @@
         <p:spPr/>
         <p:txBody>
           <a:bodyPr>
-            <a:normAutofit fontScale="85000" lnSpcReduction="20000"/>
+            <a:normAutofit/>
           </a:bodyPr>
           <a:lstStyle/>
           <a:p>
             <a:r>
-              <a:rPr lang="en-GB" dirty="0"/>
-              <a:t>“For the checkout process you always want to </a:t>
-            </a:r>
-            <a:r>
-              <a:rPr lang="en-GB" dirty="0" err="1"/>
-              <a:t>honor</a:t>
-            </a:r>
-            <a:r>
-              <a:rPr lang="en-GB" dirty="0"/>
-              <a:t> requests to add items to a shopping cart because it's revenue producing. </a:t>
-            </a:r>
-            <a:r>
-              <a:rPr lang="en-GB" b="1" dirty="0"/>
-              <a:t>In this case you choose high availability.</a:t>
-            </a:r>
-            <a:r>
-              <a:rPr lang="en-GB" dirty="0"/>
-              <a:t> Errors are hidden from the customer and sorted out later.” </a:t>
-            </a:r>
+              <a:rPr lang="en-GB" dirty="0" smtClean="0"/>
+              <a:t>“Polyglot Persistence” (Fowler)</a:t>
+            </a:r>
+          </a:p>
+          <a:p>
             <a:endParaRPr lang="en-GB" dirty="0" smtClean="0"/>
           </a:p>
           <a:p>
-            <a:endParaRPr lang="en-GB" dirty="0"/>
-          </a:p>
-          <a:p>
-            <a:r>
-              <a:rPr lang="en-GB" dirty="0" smtClean="0"/>
-              <a:t>“</a:t>
-            </a:r>
-            <a:r>
-              <a:rPr lang="en-GB" b="1" dirty="0"/>
-              <a:t>When a customer submits an order you </a:t>
-            </a:r>
-            <a:r>
-              <a:rPr lang="en-GB" b="1" dirty="0" err="1"/>
-              <a:t>favor</a:t>
-            </a:r>
-            <a:r>
-              <a:rPr lang="en-GB" b="1" dirty="0"/>
-              <a:t> consistency </a:t>
-            </a:r>
-            <a:r>
-              <a:rPr lang="en-GB" dirty="0"/>
-              <a:t>because several services--credit card processing, shipping and handling, reporting--are simultaneously accessing the data</a:t>
-            </a:r>
-            <a:r>
-              <a:rPr lang="en-GB" dirty="0" smtClean="0"/>
-              <a:t>.”</a:t>
-            </a:r>
-          </a:p>
-          <a:p>
-            <a:endParaRPr lang="en-GB" dirty="0"/>
-          </a:p>
-          <a:p>
-            <a:pPr marL="457200" lvl="1" indent="0" algn="ctr">
-              <a:buNone/>
-            </a:pPr>
-            <a:r>
-              <a:rPr lang="en-GB" dirty="0" smtClean="0">
-                <a:hlinkClick r:id="rId3"/>
-              </a:rPr>
-              <a:t>highscalability.com/amazon-architecture</a:t>
-            </a:r>
+            <a:r>
+              <a:rPr lang="en-GB" dirty="0" smtClean="0"/>
+              <a:t>Business Process Requirements</a:t>
+            </a:r>
+          </a:p>
+          <a:p>
             <a:endParaRPr lang="en-GB" dirty="0" smtClean="0"/>
           </a:p>
           <a:p>
-            <a:pPr marL="457200" lvl="1" indent="0">
-              <a:buNone/>
-            </a:pPr>
-            <a:endParaRPr lang="en-GB" dirty="0"/>
-          </a:p>
-          <a:p>
+            <a:r>
+              <a:rPr lang="en-GB" dirty="0" smtClean="0"/>
+              <a:t>Read-Write Split:</a:t>
+            </a:r>
+          </a:p>
+          <a:p>
+            <a:pPr lvl="1"/>
+            <a:r>
+              <a:rPr lang="en-GB" dirty="0" smtClean="0"/>
+              <a:t>Reporting Database</a:t>
+            </a:r>
+          </a:p>
+          <a:p>
+            <a:pPr lvl="1"/>
+            <a:r>
+              <a:rPr lang="en-GB" dirty="0" smtClean="0"/>
+              <a:t>Data Warehousing</a:t>
+            </a:r>
+          </a:p>
+          <a:p>
+            <a:pPr lvl="1"/>
+            <a:r>
+              <a:rPr lang="en-GB" dirty="0" smtClean="0"/>
+              <a:t>CQRS</a:t>
+            </a:r>
             <a:endParaRPr lang="en-GB" dirty="0"/>
           </a:p>
         </p:txBody>
@@ -21720,7 +22410,7 @@
     </p:spTree>
     <p:extLst>
       <p:ext uri="{BB962C8B-B14F-4D97-AF65-F5344CB8AC3E}">
-        <p14:creationId xmlns:p14="http://schemas.microsoft.com/office/powerpoint/2010/main" val="2839110553"/>
+        <p14:creationId xmlns:p14="http://schemas.microsoft.com/office/powerpoint/2010/main" val="1132971709"/>
       </p:ext>
     </p:extLst>
   </p:cSld>
@@ -21771,7 +22461,7 @@
           <a:p>
             <a:r>
               <a:rPr lang="en-GB" dirty="0" smtClean="0"/>
-              <a:t>Reporting Systems</a:t>
+              <a:t>Business Processes (Amazon)</a:t>
             </a:r>
             <a:endParaRPr lang="en-GB" dirty="0"/>
           </a:p>
@@ -21789,47 +22479,84 @@
         </p:nvSpPr>
         <p:spPr/>
         <p:txBody>
-          <a:bodyPr/>
-          <a:lstStyle/>
-          <a:p>
-            <a:r>
-              <a:rPr lang="en-GB" dirty="0" smtClean="0"/>
-              <a:t>Traditional application/ BI division</a:t>
-            </a:r>
-          </a:p>
-          <a:p>
-            <a:pPr lvl="1"/>
-            <a:r>
-              <a:rPr lang="en-GB" dirty="0" smtClean="0"/>
-              <a:t>“Operational Data Store”</a:t>
-            </a:r>
-          </a:p>
-          <a:p>
-            <a:pPr lvl="1"/>
-            <a:r>
-              <a:rPr lang="en-GB" dirty="0" smtClean="0"/>
-              <a:t>Data Warehouse/ Marts</a:t>
-            </a:r>
-          </a:p>
-          <a:p>
-            <a:pPr lvl="1"/>
+          <a:bodyPr>
+            <a:normAutofit fontScale="85000" lnSpcReduction="20000"/>
+          </a:bodyPr>
+          <a:lstStyle/>
+          <a:p>
             <a:r>
               <a:rPr lang="en-GB" dirty="0"/>
-              <a:t>OLTP/ OLAP</a:t>
+              <a:t>“For the checkout process you always want to </a:t>
+            </a:r>
+            <a:r>
+              <a:rPr lang="en-GB" dirty="0" err="1"/>
+              <a:t>honor</a:t>
+            </a:r>
+            <a:r>
+              <a:rPr lang="en-GB" dirty="0"/>
+              <a:t> requests to add items to a shopping cart because it's revenue producing. </a:t>
+            </a:r>
+            <a:r>
+              <a:rPr lang="en-GB" b="1" dirty="0"/>
+              <a:t>In this case you choose high availability.</a:t>
+            </a:r>
+            <a:r>
+              <a:rPr lang="en-GB" dirty="0"/>
+              <a:t> Errors are hidden from the customer and sorted out later.” </a:t>
             </a:r>
             <a:endParaRPr lang="en-GB" dirty="0" smtClean="0"/>
           </a:p>
           <a:p>
-            <a:pPr marL="0" indent="0">
+            <a:endParaRPr lang="en-GB" dirty="0"/>
+          </a:p>
+          <a:p>
+            <a:r>
+              <a:rPr lang="en-GB" dirty="0" smtClean="0"/>
+              <a:t>“</a:t>
+            </a:r>
+            <a:r>
+              <a:rPr lang="en-GB" b="1" dirty="0"/>
+              <a:t>When a customer submits an order you </a:t>
+            </a:r>
+            <a:r>
+              <a:rPr lang="en-GB" b="1" dirty="0" err="1"/>
+              <a:t>favor</a:t>
+            </a:r>
+            <a:r>
+              <a:rPr lang="en-GB" b="1" dirty="0"/>
+              <a:t> consistency </a:t>
+            </a:r>
+            <a:r>
+              <a:rPr lang="en-GB" dirty="0"/>
+              <a:t>because several services--credit card processing, shipping and handling, reporting--are simultaneously accessing the data</a:t>
+            </a:r>
+            <a:r>
+              <a:rPr lang="en-GB" dirty="0" smtClean="0"/>
+              <a:t>.”</a:t>
+            </a:r>
+          </a:p>
+          <a:p>
+            <a:endParaRPr lang="en-GB" dirty="0"/>
+          </a:p>
+          <a:p>
+            <a:pPr marL="457200" lvl="1" indent="0" algn="ctr">
               <a:buNone/>
             </a:pPr>
+            <a:r>
+              <a:rPr lang="en-GB" dirty="0" smtClean="0">
+                <a:hlinkClick r:id="rId3"/>
+              </a:rPr>
+              <a:t>highscalability.com/amazon-architecture</a:t>
+            </a:r>
             <a:endParaRPr lang="en-GB" dirty="0" smtClean="0"/>
           </a:p>
           <a:p>
-            <a:r>
-              <a:rPr lang="en-GB" dirty="0" smtClean="0"/>
-              <a:t>Newer solutions (e.g., Cassandra &amp; Hadoop)</a:t>
-            </a:r>
+            <a:pPr marL="457200" lvl="1" indent="0">
+              <a:buNone/>
+            </a:pPr>
+            <a:endParaRPr lang="en-GB" dirty="0"/>
+          </a:p>
+          <a:p>
             <a:endParaRPr lang="en-GB" dirty="0"/>
           </a:p>
         </p:txBody>
@@ -21837,7 +22564,7 @@
     </p:spTree>
     <p:extLst>
       <p:ext uri="{BB962C8B-B14F-4D97-AF65-F5344CB8AC3E}">
-        <p14:creationId xmlns:p14="http://schemas.microsoft.com/office/powerpoint/2010/main" val="2578952539"/>
+        <p14:creationId xmlns:p14="http://schemas.microsoft.com/office/powerpoint/2010/main" val="2839110553"/>
       </p:ext>
     </p:extLst>
   </p:cSld>
@@ -21883,6 +22610,123 @@
         </p:nvSpPr>
         <p:spPr/>
         <p:txBody>
+          <a:bodyPr/>
+          <a:lstStyle/>
+          <a:p>
+            <a:r>
+              <a:rPr lang="en-GB" dirty="0" smtClean="0"/>
+              <a:t>Reporting Systems</a:t>
+            </a:r>
+            <a:endParaRPr lang="en-GB" dirty="0"/>
+          </a:p>
+        </p:txBody>
+      </p:sp>
+      <p:sp>
+        <p:nvSpPr>
+          <p:cNvPr id="3" name="Content Placeholder 2"/>
+          <p:cNvSpPr>
+            <a:spLocks noGrp="1"/>
+          </p:cNvSpPr>
+          <p:nvPr>
+            <p:ph idx="1"/>
+          </p:nvPr>
+        </p:nvSpPr>
+        <p:spPr/>
+        <p:txBody>
+          <a:bodyPr/>
+          <a:lstStyle/>
+          <a:p>
+            <a:r>
+              <a:rPr lang="en-GB" dirty="0" smtClean="0"/>
+              <a:t>Traditional application/ BI division</a:t>
+            </a:r>
+          </a:p>
+          <a:p>
+            <a:pPr lvl="1"/>
+            <a:r>
+              <a:rPr lang="en-GB" dirty="0" smtClean="0"/>
+              <a:t>“Operational Data Store”</a:t>
+            </a:r>
+          </a:p>
+          <a:p>
+            <a:pPr lvl="1"/>
+            <a:r>
+              <a:rPr lang="en-GB" dirty="0" smtClean="0"/>
+              <a:t>Data Warehouse/ Marts</a:t>
+            </a:r>
+          </a:p>
+          <a:p>
+            <a:pPr lvl="1"/>
+            <a:r>
+              <a:rPr lang="en-GB" dirty="0"/>
+              <a:t>OLTP/ OLAP</a:t>
+            </a:r>
+            <a:endParaRPr lang="en-GB" dirty="0" smtClean="0"/>
+          </a:p>
+          <a:p>
+            <a:pPr marL="0" indent="0">
+              <a:buNone/>
+            </a:pPr>
+            <a:endParaRPr lang="en-GB" dirty="0" smtClean="0"/>
+          </a:p>
+          <a:p>
+            <a:r>
+              <a:rPr lang="en-GB" dirty="0" smtClean="0"/>
+              <a:t>Newer solutions (e.g., Cassandra &amp; Hadoop)</a:t>
+            </a:r>
+            <a:endParaRPr lang="en-GB" dirty="0"/>
+          </a:p>
+        </p:txBody>
+      </p:sp>
+    </p:spTree>
+    <p:extLst>
+      <p:ext uri="{BB962C8B-B14F-4D97-AF65-F5344CB8AC3E}">
+        <p14:creationId xmlns:p14="http://schemas.microsoft.com/office/powerpoint/2010/main" val="2578952539"/>
+      </p:ext>
+    </p:extLst>
+  </p:cSld>
+  <p:clrMapOvr>
+    <a:masterClrMapping/>
+  </p:clrMapOvr>
+  <p:timing>
+    <p:tnLst>
+      <p:par>
+        <p:cTn id="1" dur="indefinite" restart="never" nodeType="tmRoot"/>
+      </p:par>
+    </p:tnLst>
+  </p:timing>
+</p:sld>
+</file>
+
+<file path=ppt/slides/slide63.xml><?xml version="1.0" encoding="utf-8"?>
+<p:sld xmlns:a="http://schemas.openxmlformats.org/drawingml/2006/main" xmlns:r="http://schemas.openxmlformats.org/officeDocument/2006/relationships" xmlns:p="http://schemas.openxmlformats.org/presentationml/2006/main">
+  <p:cSld>
+    <p:spTree>
+      <p:nvGrpSpPr>
+        <p:cNvPr id="1" name=""/>
+        <p:cNvGrpSpPr/>
+        <p:nvPr/>
+      </p:nvGrpSpPr>
+      <p:grpSpPr>
+        <a:xfrm>
+          <a:off x="0" y="0"/>
+          <a:ext cx="0" cy="0"/>
+          <a:chOff x="0" y="0"/>
+          <a:chExt cx="0" cy="0"/>
+        </a:xfrm>
+      </p:grpSpPr>
+      <p:sp>
+        <p:nvSpPr>
+          <p:cNvPr id="2" name="Title 1"/>
+          <p:cNvSpPr>
+            <a:spLocks noGrp="1"/>
+          </p:cNvSpPr>
+          <p:nvPr>
+            <p:ph type="title"/>
+          </p:nvPr>
+        </p:nvSpPr>
+        <p:spPr/>
+        <p:txBody>
           <a:bodyPr>
             <a:normAutofit/>
           </a:bodyPr>
@@ -21930,8 +22774,17 @@
           <a:p>
             <a:r>
               <a:rPr lang="en-GB" dirty="0" smtClean="0"/>
-              <a:t>Stronger version of “Reporting Database” – stricter segregation of reads</a:t>
-            </a:r>
+              <a:t>~ Stronger </a:t>
+            </a:r>
+            <a:r>
+              <a:rPr lang="en-GB" dirty="0" smtClean="0"/>
+              <a:t>version of “Reporting Database</a:t>
+            </a:r>
+            <a:r>
+              <a:rPr lang="en-GB" dirty="0" smtClean="0"/>
+              <a:t>”</a:t>
+            </a:r>
+            <a:endParaRPr lang="en-GB" dirty="0" smtClean="0"/>
           </a:p>
           <a:p>
             <a:endParaRPr lang="en-GB" dirty="0"/>
@@ -21965,7 +22818,7 @@
 </p:sld>
 </file>
 
-<file path=ppt/slides/slide63.xml><?xml version="1.0" encoding="utf-8"?>
+<file path=ppt/slides/slide64.xml><?xml version="1.0" encoding="utf-8"?>
 <p:sld xmlns:a="http://schemas.openxmlformats.org/drawingml/2006/main" xmlns:r="http://schemas.openxmlformats.org/officeDocument/2006/relationships" xmlns:p="http://schemas.openxmlformats.org/presentationml/2006/main">
   <p:cSld>
     <p:spTree>

--- a/Slides/Not Only SQL - Picking A Database for DotNET.pptx
+++ b/Slides/Not Only SQL - Picking A Database for DotNET.pptx
@@ -5,7 +5,7 @@
     <p:sldMasterId id="2147483648" r:id="rId1"/>
   </p:sldMasterIdLst>
   <p:notesMasterIdLst>
-    <p:notesMasterId r:id="rId66"/>
+    <p:notesMasterId r:id="rId65"/>
   </p:notesMasterIdLst>
   <p:sldIdLst>
     <p:sldId id="256" r:id="rId2"/>
@@ -55,23 +55,22 @@
     <p:sldId id="336" r:id="rId46"/>
     <p:sldId id="326" r:id="rId47"/>
     <p:sldId id="329" r:id="rId48"/>
-    <p:sldId id="302" r:id="rId49"/>
-    <p:sldId id="312" r:id="rId50"/>
-    <p:sldId id="341" r:id="rId51"/>
-    <p:sldId id="340" r:id="rId52"/>
-    <p:sldId id="309" r:id="rId53"/>
-    <p:sldId id="332" r:id="rId54"/>
-    <p:sldId id="311" r:id="rId55"/>
-    <p:sldId id="267" r:id="rId56"/>
-    <p:sldId id="268" r:id="rId57"/>
-    <p:sldId id="273" r:id="rId58"/>
-    <p:sldId id="272" r:id="rId59"/>
-    <p:sldId id="271" r:id="rId60"/>
-    <p:sldId id="305" r:id="rId61"/>
-    <p:sldId id="306" r:id="rId62"/>
-    <p:sldId id="307" r:id="rId63"/>
-    <p:sldId id="308" r:id="rId64"/>
-    <p:sldId id="313" r:id="rId65"/>
+    <p:sldId id="341" r:id="rId49"/>
+    <p:sldId id="340" r:id="rId50"/>
+    <p:sldId id="309" r:id="rId51"/>
+    <p:sldId id="302" r:id="rId52"/>
+    <p:sldId id="332" r:id="rId53"/>
+    <p:sldId id="311" r:id="rId54"/>
+    <p:sldId id="267" r:id="rId55"/>
+    <p:sldId id="268" r:id="rId56"/>
+    <p:sldId id="273" r:id="rId57"/>
+    <p:sldId id="272" r:id="rId58"/>
+    <p:sldId id="271" r:id="rId59"/>
+    <p:sldId id="305" r:id="rId60"/>
+    <p:sldId id="306" r:id="rId61"/>
+    <p:sldId id="307" r:id="rId62"/>
+    <p:sldId id="308" r:id="rId63"/>
+    <p:sldId id="313" r:id="rId64"/>
   </p:sldIdLst>
   <p:sldSz cx="9144000" cy="6858000" type="screen4x3"/>
   <p:notesSz cx="6858000" cy="9144000"/>
@@ -170,6 +169,127 @@
       </a:defRPr>
     </a:lvl9pPr>
   </p:defaultTextStyle>
+  <p:extLst>
+    <p:ext uri="{521415D9-36F7-43E2-AB2F-B90AF26B5E84}">
+      <p14:sectionLst xmlns:p14="http://schemas.microsoft.com/office/powerpoint/2010/main">
+        <p14:section name="Intoduction" id="{04188E7F-5034-4F10-9EF1-6C01687BBA24}">
+          <p14:sldIdLst>
+            <p14:sldId id="256"/>
+            <p14:sldId id="257"/>
+            <p14:sldId id="258"/>
+          </p14:sldIdLst>
+        </p14:section>
+        <p14:section name="Background and Context" id="{759BFAAB-39A0-4148-8838-5648D049BBEC}">
+          <p14:sldIdLst>
+            <p14:sldId id="259"/>
+            <p14:sldId id="315"/>
+            <p14:sldId id="317"/>
+            <p14:sldId id="316"/>
+            <p14:sldId id="318"/>
+            <p14:sldId id="319"/>
+            <p14:sldId id="320"/>
+            <p14:sldId id="321"/>
+            <p14:sldId id="322"/>
+          </p14:sldIdLst>
+        </p14:section>
+        <p14:section name="Improving Relational? MS SQL &amp; Postgres" id="{F65E2DF1-E0AD-42D2-8BA4-F0C7101E4368}">
+          <p14:sldIdLst>
+            <p14:sldId id="323"/>
+            <p14:sldId id="264"/>
+            <p14:sldId id="265"/>
+          </p14:sldIdLst>
+        </p14:section>
+        <p14:section name="Scalability (Relational)" id="{B2F08BAC-3FB6-4021-8595-21CEAC80FD9A}">
+          <p14:sldIdLst>
+            <p14:sldId id="274"/>
+            <p14:sldId id="276"/>
+            <p14:sldId id="324"/>
+            <p14:sldId id="277"/>
+            <p14:sldId id="325"/>
+            <p14:sldId id="280"/>
+            <p14:sldId id="281"/>
+          </p14:sldIdLst>
+        </p14:section>
+        <p14:section name="NoSQL &amp; CAP Theorem" id="{2E6C02D4-0032-4DA3-9CD1-3D8498C4A07E}">
+          <p14:sldIdLst>
+            <p14:sldId id="283"/>
+            <p14:sldId id="284"/>
+            <p14:sldId id="285"/>
+            <p14:sldId id="286"/>
+            <p14:sldId id="287"/>
+            <p14:sldId id="288"/>
+            <p14:sldId id="289"/>
+            <p14:sldId id="327"/>
+          </p14:sldIdLst>
+        </p14:section>
+        <p14:section name="Document Databases/ MongoDB" id="{1F6EB145-E808-4F5D-B4C3-BFA82607383A}">
+          <p14:sldIdLst>
+            <p14:sldId id="290"/>
+            <p14:sldId id="334"/>
+          </p14:sldIdLst>
+        </p14:section>
+        <p14:section name="AP - Riak &amp; Cassandra" id="{BD5FAAEB-85ED-43B1-9F71-45F33E59E497}">
+          <p14:sldIdLst>
+            <p14:sldId id="295"/>
+            <p14:sldId id="296"/>
+            <p14:sldId id="297"/>
+            <p14:sldId id="314"/>
+          </p14:sldIdLst>
+        </p14:section>
+        <p14:section name="Riak" id="{FEC1A9D6-5CA8-4E0D-A207-A95678A39932}">
+          <p14:sldIdLst>
+            <p14:sldId id="333"/>
+            <p14:sldId id="328"/>
+          </p14:sldIdLst>
+        </p14:section>
+        <p14:section name="Cassandra" id="{00EA9F98-D9E3-4383-AD4C-0983685A93C8}">
+          <p14:sldIdLst>
+            <p14:sldId id="331"/>
+            <p14:sldId id="330"/>
+            <p14:sldId id="337"/>
+            <p14:sldId id="338"/>
+            <p14:sldId id="339"/>
+          </p14:sldIdLst>
+        </p14:section>
+        <p14:section name="Cloud Hosting, DocumentDB" id="{7EF5B686-4036-46D1-A2CE-8ED4330CE460}">
+          <p14:sldIdLst>
+            <p14:sldId id="335"/>
+            <p14:sldId id="336"/>
+            <p14:sldId id="326"/>
+            <p14:sldId id="329"/>
+          </p14:sldIdLst>
+        </p14:section>
+        <p14:section name="Hadoop/ MapReduce" id="{207844E5-265B-4741-9015-15490DD38719}">
+          <p14:sldIdLst>
+            <p14:sldId id="341"/>
+            <p14:sldId id="340"/>
+            <p14:sldId id="309"/>
+            <p14:sldId id="302"/>
+            <p14:sldId id="332"/>
+            <p14:sldId id="311"/>
+          </p14:sldIdLst>
+        </p14:section>
+        <p14:section name="Graph DBs - Neo4j" id="{C6E735CF-19D2-4EAD-B7DE-DA03EA3AD71F}">
+          <p14:sldIdLst>
+            <p14:sldId id="267"/>
+            <p14:sldId id="268"/>
+            <p14:sldId id="273"/>
+            <p14:sldId id="272"/>
+            <p14:sldId id="271"/>
+          </p14:sldIdLst>
+        </p14:section>
+        <p14:section name="Patterns &amp; Architectures" id="{D5E4F245-62F7-4542-A0E3-51984C389616}">
+          <p14:sldIdLst>
+            <p14:sldId id="305"/>
+            <p14:sldId id="306"/>
+            <p14:sldId id="307"/>
+            <p14:sldId id="308"/>
+            <p14:sldId id="313"/>
+          </p14:sldIdLst>
+        </p14:section>
+      </p14:sectionLst>
+    </p:ext>
+  </p:extLst>
 </p:presentation>
 </file>
 
@@ -659,24 +779,6 @@
           <a:bodyPr/>
           <a:lstStyle/>
           <a:p>
-            <a:r>
-              <a:rPr lang="en-GB" baseline="0" dirty="0" smtClean="0"/>
-              <a:t>Even using what is basically still relational database software, there are some things we can do to work a bit more easily with application code.</a:t>
-            </a:r>
-          </a:p>
-          <a:p>
-            <a:r>
-              <a:rPr lang="en-GB" baseline="0" dirty="0" smtClean="0"/>
-              <a:t>SQL Server gives us some options (e.g. XML, binary storage) but I’d like to quickly show you some cool features in a database I’ve been learning about in 2014 - </a:t>
-            </a:r>
-            <a:r>
-              <a:rPr lang="en-GB" baseline="0" dirty="0" err="1" smtClean="0"/>
-              <a:t>PostgreSQL</a:t>
-            </a:r>
-            <a:r>
-              <a:rPr lang="en-GB" baseline="0" dirty="0" smtClean="0"/>
-              <a:t>.</a:t>
-            </a:r>
             <a:endParaRPr lang="en-GB" dirty="0"/>
           </a:p>
         </p:txBody>
@@ -2868,7 +2970,7 @@
           <a:p>
             <a:fld id="{B88E1A96-A68C-4ED7-8535-7FE27C72D2F0}" type="slidenum">
               <a:rPr lang="en-GB" smtClean="0"/>
-              <a:t>48</a:t>
+              <a:t>49</a:t>
             </a:fld>
             <a:endParaRPr lang="en-GB"/>
           </a:p>
@@ -2877,7 +2979,7 @@
     </p:spTree>
     <p:extLst>
       <p:ext uri="{BB962C8B-B14F-4D97-AF65-F5344CB8AC3E}">
-        <p14:creationId xmlns:p14="http://schemas.microsoft.com/office/powerpoint/2010/main" val="2245795352"/>
+        <p14:creationId xmlns:p14="http://schemas.microsoft.com/office/powerpoint/2010/main" val="1960653282"/>
       </p:ext>
     </p:extLst>
   </p:cSld>
@@ -3036,7 +3138,7 @@
           <a:p>
             <a:fld id="{B88E1A96-A68C-4ED7-8535-7FE27C72D2F0}" type="slidenum">
               <a:rPr lang="en-GB" smtClean="0"/>
-              <a:t>51</a:t>
+              <a:t>50</a:t>
             </a:fld>
             <a:endParaRPr lang="en-GB"/>
           </a:p>
@@ -3045,7 +3147,7 @@
     </p:spTree>
     <p:extLst>
       <p:ext uri="{BB962C8B-B14F-4D97-AF65-F5344CB8AC3E}">
-        <p14:creationId xmlns:p14="http://schemas.microsoft.com/office/powerpoint/2010/main" val="1960653282"/>
+        <p14:creationId xmlns:p14="http://schemas.microsoft.com/office/powerpoint/2010/main" val="2539703771"/>
       </p:ext>
     </p:extLst>
   </p:cSld>
@@ -3120,7 +3222,7 @@
           <a:p>
             <a:fld id="{B88E1A96-A68C-4ED7-8535-7FE27C72D2F0}" type="slidenum">
               <a:rPr lang="en-GB" smtClean="0"/>
-              <a:t>52</a:t>
+              <a:t>51</a:t>
             </a:fld>
             <a:endParaRPr lang="en-GB"/>
           </a:p>
@@ -3129,7 +3231,7 @@
     </p:spTree>
     <p:extLst>
       <p:ext uri="{BB962C8B-B14F-4D97-AF65-F5344CB8AC3E}">
-        <p14:creationId xmlns:p14="http://schemas.microsoft.com/office/powerpoint/2010/main" val="2539703771"/>
+        <p14:creationId xmlns:p14="http://schemas.microsoft.com/office/powerpoint/2010/main" val="2245795352"/>
       </p:ext>
     </p:extLst>
   </p:cSld>
@@ -3242,7 +3344,7 @@
           <a:p>
             <a:fld id="{B88E1A96-A68C-4ED7-8535-7FE27C72D2F0}" type="slidenum">
               <a:rPr lang="en-GB" smtClean="0"/>
-              <a:t>55</a:t>
+              <a:t>54</a:t>
             </a:fld>
             <a:endParaRPr lang="en-GB"/>
           </a:p>
@@ -3338,7 +3440,7 @@
           <a:p>
             <a:fld id="{B88E1A96-A68C-4ED7-8535-7FE27C72D2F0}" type="slidenum">
               <a:rPr lang="en-GB" smtClean="0"/>
-              <a:t>56</a:t>
+              <a:t>55</a:t>
             </a:fld>
             <a:endParaRPr lang="en-GB"/>
           </a:p>
@@ -3434,7 +3536,7 @@
           <a:p>
             <a:fld id="{B88E1A96-A68C-4ED7-8535-7FE27C72D2F0}" type="slidenum">
               <a:rPr lang="en-GB" smtClean="0"/>
-              <a:t>57</a:t>
+              <a:t>56</a:t>
             </a:fld>
             <a:endParaRPr lang="en-GB"/>
           </a:p>
@@ -3518,7 +3620,7 @@
           <a:p>
             <a:fld id="{B88E1A96-A68C-4ED7-8535-7FE27C72D2F0}" type="slidenum">
               <a:rPr lang="en-GB" smtClean="0"/>
-              <a:t>58</a:t>
+              <a:t>57</a:t>
             </a:fld>
             <a:endParaRPr lang="en-GB"/>
           </a:p>
@@ -3602,7 +3704,7 @@
           <a:p>
             <a:fld id="{B88E1A96-A68C-4ED7-8535-7FE27C72D2F0}" type="slidenum">
               <a:rPr lang="en-GB" smtClean="0"/>
-              <a:t>59</a:t>
+              <a:t>58</a:t>
             </a:fld>
             <a:endParaRPr lang="en-GB"/>
           </a:p>
@@ -3686,7 +3788,7 @@
           <a:p>
             <a:fld id="{B88E1A96-A68C-4ED7-8535-7FE27C72D2F0}" type="slidenum">
               <a:rPr lang="en-GB" smtClean="0"/>
-              <a:t>61</a:t>
+              <a:t>60</a:t>
             </a:fld>
             <a:endParaRPr lang="en-GB"/>
           </a:p>
@@ -3806,7 +3908,7 @@
           <a:p>
             <a:fld id="{B88E1A96-A68C-4ED7-8535-7FE27C72D2F0}" type="slidenum">
               <a:rPr lang="en-GB" smtClean="0"/>
-              <a:t>63</a:t>
+              <a:t>62</a:t>
             </a:fld>
             <a:endParaRPr lang="en-GB"/>
           </a:p>
@@ -8363,6 +8465,179 @@
                                     <p:set>
                                       <p:cBhvr>
                                         <p:cTn id="6" dur="1" fill="hold">
+                                          <p:stCondLst>
+                                            <p:cond delay="0"/>
+                                          </p:stCondLst>
+                                        </p:cTn>
+                                        <p:tgtEl>
+                                          <p:spTgt spid="3">
+                                            <p:txEl>
+                                              <p:pRg st="0" end="0"/>
+                                            </p:txEl>
+                                          </p:spTgt>
+                                        </p:tgtEl>
+                                        <p:attrNameLst>
+                                          <p:attrName>style.visibility</p:attrName>
+                                        </p:attrNameLst>
+                                      </p:cBhvr>
+                                      <p:to>
+                                        <p:strVal val="visible"/>
+                                      </p:to>
+                                    </p:set>
+                                  </p:childTnLst>
+                                </p:cTn>
+                              </p:par>
+                              <p:par>
+                                <p:cTn id="7" presetID="1" presetClass="entr" presetSubtype="0" fill="hold" nodeType="withEffect">
+                                  <p:stCondLst>
+                                    <p:cond delay="0"/>
+                                  </p:stCondLst>
+                                  <p:childTnLst>
+                                    <p:set>
+                                      <p:cBhvr>
+                                        <p:cTn id="8" dur="1" fill="hold">
+                                          <p:stCondLst>
+                                            <p:cond delay="0"/>
+                                          </p:stCondLst>
+                                        </p:cTn>
+                                        <p:tgtEl>
+                                          <p:spTgt spid="3">
+                                            <p:txEl>
+                                              <p:pRg st="1" end="1"/>
+                                            </p:txEl>
+                                          </p:spTgt>
+                                        </p:tgtEl>
+                                        <p:attrNameLst>
+                                          <p:attrName>style.visibility</p:attrName>
+                                        </p:attrNameLst>
+                                      </p:cBhvr>
+                                      <p:to>
+                                        <p:strVal val="visible"/>
+                                      </p:to>
+                                    </p:set>
+                                  </p:childTnLst>
+                                </p:cTn>
+                              </p:par>
+                              <p:par>
+                                <p:cTn id="9" presetID="1" presetClass="entr" presetSubtype="0" fill="hold" nodeType="withEffect">
+                                  <p:stCondLst>
+                                    <p:cond delay="0"/>
+                                  </p:stCondLst>
+                                  <p:childTnLst>
+                                    <p:set>
+                                      <p:cBhvr>
+                                        <p:cTn id="10" dur="1" fill="hold">
+                                          <p:stCondLst>
+                                            <p:cond delay="0"/>
+                                          </p:stCondLst>
+                                        </p:cTn>
+                                        <p:tgtEl>
+                                          <p:spTgt spid="3">
+                                            <p:txEl>
+                                              <p:pRg st="2" end="2"/>
+                                            </p:txEl>
+                                          </p:spTgt>
+                                        </p:tgtEl>
+                                        <p:attrNameLst>
+                                          <p:attrName>style.visibility</p:attrName>
+                                        </p:attrNameLst>
+                                      </p:cBhvr>
+                                      <p:to>
+                                        <p:strVal val="visible"/>
+                                      </p:to>
+                                    </p:set>
+                                  </p:childTnLst>
+                                </p:cTn>
+                              </p:par>
+                              <p:par>
+                                <p:cTn id="11" presetID="1" presetClass="entr" presetSubtype="0" fill="hold" nodeType="withEffect">
+                                  <p:stCondLst>
+                                    <p:cond delay="0"/>
+                                  </p:stCondLst>
+                                  <p:childTnLst>
+                                    <p:set>
+                                      <p:cBhvr>
+                                        <p:cTn id="12" dur="1" fill="hold">
+                                          <p:stCondLst>
+                                            <p:cond delay="0"/>
+                                          </p:stCondLst>
+                                        </p:cTn>
+                                        <p:tgtEl>
+                                          <p:spTgt spid="3">
+                                            <p:txEl>
+                                              <p:pRg st="3" end="3"/>
+                                            </p:txEl>
+                                          </p:spTgt>
+                                        </p:tgtEl>
+                                        <p:attrNameLst>
+                                          <p:attrName>style.visibility</p:attrName>
+                                        </p:attrNameLst>
+                                      </p:cBhvr>
+                                      <p:to>
+                                        <p:strVal val="visible"/>
+                                      </p:to>
+                                    </p:set>
+                                  </p:childTnLst>
+                                </p:cTn>
+                              </p:par>
+                              <p:par>
+                                <p:cTn id="13" presetID="1" presetClass="entr" presetSubtype="0" fill="hold" nodeType="withEffect">
+                                  <p:stCondLst>
+                                    <p:cond delay="0"/>
+                                  </p:stCondLst>
+                                  <p:childTnLst>
+                                    <p:set>
+                                      <p:cBhvr>
+                                        <p:cTn id="14" dur="1" fill="hold">
+                                          <p:stCondLst>
+                                            <p:cond delay="0"/>
+                                          </p:stCondLst>
+                                        </p:cTn>
+                                        <p:tgtEl>
+                                          <p:spTgt spid="3">
+                                            <p:txEl>
+                                              <p:pRg st="4" end="4"/>
+                                            </p:txEl>
+                                          </p:spTgt>
+                                        </p:tgtEl>
+                                        <p:attrNameLst>
+                                          <p:attrName>style.visibility</p:attrName>
+                                        </p:attrNameLst>
+                                      </p:cBhvr>
+                                      <p:to>
+                                        <p:strVal val="visible"/>
+                                      </p:to>
+                                    </p:set>
+                                  </p:childTnLst>
+                                </p:cTn>
+                              </p:par>
+                            </p:childTnLst>
+                          </p:cTn>
+                        </p:par>
+                      </p:childTnLst>
+                    </p:cTn>
+                  </p:par>
+                  <p:par>
+                    <p:cTn id="15" fill="hold">
+                      <p:stCondLst>
+                        <p:cond delay="indefinite"/>
+                      </p:stCondLst>
+                      <p:childTnLst>
+                        <p:par>
+                          <p:cTn id="16" fill="hold">
+                            <p:stCondLst>
+                              <p:cond delay="0"/>
+                            </p:stCondLst>
+                            <p:childTnLst>
+                              <p:par>
+                                <p:cTn id="17" presetID="1" presetClass="entr" presetSubtype="0" fill="hold" nodeType="clickEffect">
+                                  <p:stCondLst>
+                                    <p:cond delay="0"/>
+                                  </p:stCondLst>
+                                  <p:childTnLst>
+                                    <p:set>
+                                      <p:cBhvr>
+                                        <p:cTn id="18" dur="1" fill="hold">
                                           <p:stCondLst>
                                             <p:cond delay="0"/>
                                           </p:stCondLst>
@@ -14801,30 +15076,9 @@
             </a:r>
           </a:p>
           <a:p>
-            <a:endParaRPr lang="en-GB" dirty="0" smtClean="0"/>
-          </a:p>
-          <a:p>
-            <a:r>
-              <a:rPr lang="en-GB" dirty="0" smtClean="0"/>
-              <a:t>Different CAP trade-offs</a:t>
-            </a:r>
-          </a:p>
-          <a:p>
-            <a:pPr lvl="1"/>
-            <a:r>
-              <a:rPr lang="en-GB" dirty="0" smtClean="0"/>
-              <a:t>e.g. </a:t>
-            </a:r>
-            <a:r>
-              <a:rPr lang="en-GB" dirty="0" err="1" smtClean="0"/>
-              <a:t>CouchDB</a:t>
-            </a:r>
-            <a:r>
-              <a:rPr lang="en-GB" dirty="0" smtClean="0"/>
-              <a:t> (AP), MongoDB (CP)</a:t>
-            </a:r>
-          </a:p>
-          <a:p>
+            <a:pPr marL="0" indent="0">
+              <a:buNone/>
+            </a:pPr>
             <a:endParaRPr lang="en-GB" dirty="0"/>
           </a:p>
           <a:p>
@@ -14859,8 +15113,44 @@
             <a:pPr lvl="1"/>
             <a:r>
               <a:rPr lang="en-GB" dirty="0" smtClean="0"/>
-              <a:t>Summary queries</a:t>
-            </a:r>
+              <a:t>Summary </a:t>
+            </a:r>
+            <a:r>
+              <a:rPr lang="en-GB" dirty="0" smtClean="0"/>
+              <a:t>queries</a:t>
+            </a:r>
+          </a:p>
+          <a:p>
+            <a:endParaRPr lang="en-GB" dirty="0" smtClean="0"/>
+          </a:p>
+          <a:p>
+            <a:r>
+              <a:rPr lang="en-GB" dirty="0" smtClean="0"/>
+              <a:t>Different </a:t>
+            </a:r>
+            <a:r>
+              <a:rPr lang="en-GB" dirty="0"/>
+              <a:t>CAP trade-offs</a:t>
+            </a:r>
+          </a:p>
+          <a:p>
+            <a:pPr lvl="1"/>
+            <a:r>
+              <a:rPr lang="en-GB" dirty="0"/>
+              <a:t>e.g. </a:t>
+            </a:r>
+            <a:r>
+              <a:rPr lang="en-GB" dirty="0" err="1"/>
+              <a:t>CouchDB</a:t>
+            </a:r>
+            <a:r>
+              <a:rPr lang="en-GB" dirty="0"/>
+              <a:t> (AP), MongoDB (CP)</a:t>
+            </a:r>
+          </a:p>
+          <a:p>
+            <a:pPr lvl="1"/>
+            <a:endParaRPr lang="en-GB" dirty="0" smtClean="0"/>
           </a:p>
           <a:p>
             <a:endParaRPr lang="en-GB" dirty="0"/>
@@ -16932,7 +17222,7 @@
         </p:blipFill>
         <p:spPr>
           <a:xfrm>
-            <a:off x="6516216" y="476672"/>
+            <a:off x="467544" y="476672"/>
             <a:ext cx="2016224" cy="636033"/>
           </a:xfrm>
           <a:prstGeom prst="rect">
@@ -17104,14 +17394,19 @@
             <p:ph type="title"/>
           </p:nvPr>
         </p:nvSpPr>
-        <p:spPr/>
+        <p:spPr>
+          <a:xfrm>
+            <a:off x="457200" y="274638"/>
+            <a:ext cx="6419056" cy="1143000"/>
+          </a:xfrm>
+        </p:spPr>
         <p:txBody>
           <a:bodyPr/>
           <a:lstStyle/>
           <a:p>
             <a:r>
               <a:rPr lang="en-GB" dirty="0" smtClean="0"/>
-              <a:t>Cassandra</a:t>
+              <a:t>Apache Cassandra</a:t>
             </a:r>
             <a:endParaRPr lang="en-GB" dirty="0"/>
           </a:p>
@@ -18692,459 +18987,6 @@
           <a:lstStyle/>
           <a:p>
             <a:r>
-              <a:rPr lang="en-GB" dirty="0" err="1" smtClean="0"/>
-              <a:t>MapReduce</a:t>
-            </a:r>
-            <a:endParaRPr lang="en-GB" dirty="0"/>
-          </a:p>
-        </p:txBody>
-      </p:sp>
-      <p:sp>
-        <p:nvSpPr>
-          <p:cNvPr id="3" name="Content Placeholder 2"/>
-          <p:cNvSpPr>
-            <a:spLocks noGrp="1"/>
-          </p:cNvSpPr>
-          <p:nvPr>
-            <p:ph idx="1"/>
-          </p:nvPr>
-        </p:nvSpPr>
-        <p:spPr/>
-        <p:txBody>
-          <a:bodyPr/>
-          <a:lstStyle/>
-          <a:p>
-            <a:r>
-              <a:rPr lang="en-GB" dirty="0" smtClean="0"/>
-              <a:t>Method of aggregating data from multiple nodes</a:t>
-            </a:r>
-          </a:p>
-          <a:p>
-            <a:endParaRPr lang="en-GB" dirty="0"/>
-          </a:p>
-          <a:p>
-            <a:r>
-              <a:rPr lang="en-GB" dirty="0" smtClean="0"/>
-              <a:t>“Send the work to the data”</a:t>
-            </a:r>
-          </a:p>
-          <a:p>
-            <a:endParaRPr lang="en-GB" dirty="0"/>
-          </a:p>
-          <a:p>
-            <a:r>
-              <a:rPr lang="en-GB" dirty="0" smtClean="0"/>
-              <a:t>Implemented in </a:t>
-            </a:r>
-            <a:r>
-              <a:rPr lang="en-GB" dirty="0" err="1" smtClean="0"/>
-              <a:t>Riak</a:t>
-            </a:r>
-            <a:r>
-              <a:rPr lang="en-GB" dirty="0" smtClean="0"/>
-              <a:t>, </a:t>
-            </a:r>
-            <a:r>
-              <a:rPr lang="en-GB" dirty="0" err="1" smtClean="0"/>
-              <a:t>MongoDB</a:t>
-            </a:r>
-            <a:r>
-              <a:rPr lang="en-GB" dirty="0" smtClean="0"/>
-              <a:t>, Hadoop (etc.)</a:t>
-            </a:r>
-            <a:endParaRPr lang="en-GB" dirty="0"/>
-          </a:p>
-        </p:txBody>
-      </p:sp>
-    </p:spTree>
-    <p:extLst>
-      <p:ext uri="{BB962C8B-B14F-4D97-AF65-F5344CB8AC3E}">
-        <p14:creationId xmlns:p14="http://schemas.microsoft.com/office/powerpoint/2010/main" val="1303029299"/>
-      </p:ext>
-    </p:extLst>
-  </p:cSld>
-  <p:clrMapOvr>
-    <a:masterClrMapping/>
-  </p:clrMapOvr>
-  <p:timing>
-    <p:tnLst>
-      <p:par>
-        <p:cTn id="1" dur="indefinite" restart="never" nodeType="tmRoot"/>
-      </p:par>
-    </p:tnLst>
-  </p:timing>
-</p:sld>
-</file>
-
-<file path=ppt/slides/slide49.xml><?xml version="1.0" encoding="utf-8"?>
-<p:sld xmlns:a="http://schemas.openxmlformats.org/drawingml/2006/main" xmlns:r="http://schemas.openxmlformats.org/officeDocument/2006/relationships" xmlns:p="http://schemas.openxmlformats.org/presentationml/2006/main">
-  <p:cSld>
-    <p:spTree>
-      <p:nvGrpSpPr>
-        <p:cNvPr id="1" name=""/>
-        <p:cNvGrpSpPr/>
-        <p:nvPr/>
-      </p:nvGrpSpPr>
-      <p:grpSpPr>
-        <a:xfrm>
-          <a:off x="0" y="0"/>
-          <a:ext cx="0" cy="0"/>
-          <a:chOff x="0" y="0"/>
-          <a:chExt cx="0" cy="0"/>
-        </a:xfrm>
-      </p:grpSpPr>
-      <p:sp>
-        <p:nvSpPr>
-          <p:cNvPr id="2" name="Title 1"/>
-          <p:cNvSpPr>
-            <a:spLocks noGrp="1"/>
-          </p:cNvSpPr>
-          <p:nvPr>
-            <p:ph type="title"/>
-          </p:nvPr>
-        </p:nvSpPr>
-        <p:spPr/>
-        <p:txBody>
-          <a:bodyPr/>
-          <a:lstStyle/>
-          <a:p>
-            <a:r>
-              <a:rPr lang="en-GB" dirty="0" err="1" smtClean="0"/>
-              <a:t>MapReduce</a:t>
-            </a:r>
-            <a:endParaRPr lang="en-GB" dirty="0"/>
-          </a:p>
-        </p:txBody>
-      </p:sp>
-      <p:sp>
-        <p:nvSpPr>
-          <p:cNvPr id="3" name="Content Placeholder 2"/>
-          <p:cNvSpPr>
-            <a:spLocks noGrp="1"/>
-          </p:cNvSpPr>
-          <p:nvPr>
-            <p:ph idx="1"/>
-          </p:nvPr>
-        </p:nvSpPr>
-        <p:spPr/>
-        <p:txBody>
-          <a:bodyPr/>
-          <a:lstStyle/>
-          <a:p>
-            <a:r>
-              <a:rPr lang="en-GB" dirty="0" smtClean="0"/>
-              <a:t>(PUT DIAGRAM HERE)</a:t>
-            </a:r>
-            <a:endParaRPr lang="en-GB" dirty="0"/>
-          </a:p>
-        </p:txBody>
-      </p:sp>
-    </p:spTree>
-    <p:extLst>
-      <p:ext uri="{BB962C8B-B14F-4D97-AF65-F5344CB8AC3E}">
-        <p14:creationId xmlns:p14="http://schemas.microsoft.com/office/powerpoint/2010/main" val="692788270"/>
-      </p:ext>
-    </p:extLst>
-  </p:cSld>
-  <p:clrMapOvr>
-    <a:masterClrMapping/>
-  </p:clrMapOvr>
-  <p:timing>
-    <p:tnLst>
-      <p:par>
-        <p:cTn id="1" dur="indefinite" restart="never" nodeType="tmRoot"/>
-      </p:par>
-    </p:tnLst>
-  </p:timing>
-</p:sld>
-</file>
-
-<file path=ppt/slides/slide5.xml><?xml version="1.0" encoding="utf-8"?>
-<p:sld xmlns:a="http://schemas.openxmlformats.org/drawingml/2006/main" xmlns:r="http://schemas.openxmlformats.org/officeDocument/2006/relationships" xmlns:p="http://schemas.openxmlformats.org/presentationml/2006/main">
-  <p:cSld>
-    <p:spTree>
-      <p:nvGrpSpPr>
-        <p:cNvPr id="1" name=""/>
-        <p:cNvGrpSpPr/>
-        <p:nvPr/>
-      </p:nvGrpSpPr>
-      <p:grpSpPr>
-        <a:xfrm>
-          <a:off x="0" y="0"/>
-          <a:ext cx="0" cy="0"/>
-          <a:chOff x="0" y="0"/>
-          <a:chExt cx="0" cy="0"/>
-        </a:xfrm>
-      </p:grpSpPr>
-      <p:sp>
-        <p:nvSpPr>
-          <p:cNvPr id="2" name="Title 1"/>
-          <p:cNvSpPr>
-            <a:spLocks noGrp="1"/>
-          </p:cNvSpPr>
-          <p:nvPr>
-            <p:ph type="title"/>
-          </p:nvPr>
-        </p:nvSpPr>
-        <p:spPr/>
-        <p:txBody>
-          <a:bodyPr/>
-          <a:lstStyle/>
-          <a:p>
-            <a:r>
-              <a:rPr lang="en-GB" dirty="0" smtClean="0"/>
-              <a:t>10 Years Ago</a:t>
-            </a:r>
-            <a:endParaRPr lang="en-GB" dirty="0"/>
-          </a:p>
-        </p:txBody>
-      </p:sp>
-      <p:sp>
-        <p:nvSpPr>
-          <p:cNvPr id="7" name="Content Placeholder 6"/>
-          <p:cNvSpPr>
-            <a:spLocks noGrp="1"/>
-          </p:cNvSpPr>
-          <p:nvPr>
-            <p:ph idx="1"/>
-          </p:nvPr>
-        </p:nvSpPr>
-        <p:spPr/>
-        <p:txBody>
-          <a:bodyPr>
-            <a:normAutofit lnSpcReduction="10000"/>
-          </a:bodyPr>
-          <a:lstStyle/>
-          <a:p>
-            <a:pPr marL="0" indent="0">
-              <a:buNone/>
-            </a:pPr>
-            <a:r>
-              <a:rPr lang="en-GB" dirty="0" smtClean="0"/>
-              <a:t>“OLTP”</a:t>
-            </a:r>
-          </a:p>
-          <a:p>
-            <a:r>
-              <a:rPr lang="en-GB" sz="2800" dirty="0"/>
-              <a:t>A</a:t>
-            </a:r>
-            <a:r>
-              <a:rPr lang="en-GB" sz="2800" dirty="0" smtClean="0"/>
-              <a:t>pplication access, lots of small queries, updates</a:t>
-            </a:r>
-          </a:p>
-          <a:p>
-            <a:r>
-              <a:rPr lang="en-GB" sz="2800" dirty="0" smtClean="0"/>
-              <a:t>Lightly Indexed, Normalised</a:t>
-            </a:r>
-          </a:p>
-          <a:p>
-            <a:endParaRPr lang="en-GB" sz="2800" dirty="0" smtClean="0"/>
-          </a:p>
-          <a:p>
-            <a:pPr marL="0" indent="0">
-              <a:buNone/>
-            </a:pPr>
-            <a:r>
-              <a:rPr lang="en-GB" dirty="0" smtClean="0"/>
-              <a:t>Data Warehouse/ “OLAP”</a:t>
-            </a:r>
-          </a:p>
-          <a:p>
-            <a:r>
-              <a:rPr lang="en-GB" sz="2800" dirty="0" smtClean="0"/>
-              <a:t>Large, ad-hoc </a:t>
-            </a:r>
-            <a:r>
-              <a:rPr lang="en-GB" sz="2800" dirty="0"/>
-              <a:t>a</a:t>
-            </a:r>
-            <a:r>
-              <a:rPr lang="en-GB" sz="2800" dirty="0" smtClean="0"/>
-              <a:t>nalytical </a:t>
-            </a:r>
-            <a:r>
-              <a:rPr lang="en-GB" sz="2800" dirty="0"/>
-              <a:t>q</a:t>
-            </a:r>
-            <a:r>
-              <a:rPr lang="en-GB" sz="2800" dirty="0" smtClean="0"/>
-              <a:t>ueries – read-mostly</a:t>
-            </a:r>
-          </a:p>
-          <a:p>
-            <a:r>
-              <a:rPr lang="en-GB" sz="2800" dirty="0" smtClean="0"/>
-              <a:t>Heavily Indexed, </a:t>
-            </a:r>
-            <a:r>
-              <a:rPr lang="en-GB" sz="2800" dirty="0" err="1" smtClean="0"/>
-              <a:t>Denormalised</a:t>
-            </a:r>
-            <a:endParaRPr lang="en-GB" sz="2800" dirty="0" smtClean="0"/>
-          </a:p>
-          <a:p>
-            <a:pPr marL="0" indent="0">
-              <a:buNone/>
-            </a:pPr>
-            <a:endParaRPr lang="en-GB" sz="2800" dirty="0" smtClean="0"/>
-          </a:p>
-          <a:p>
-            <a:pPr marL="0" indent="0">
-              <a:buNone/>
-            </a:pPr>
-            <a:r>
-              <a:rPr lang="en-GB" sz="2800" b="1" i="1" dirty="0" smtClean="0">
-                <a:solidFill>
-                  <a:srgbClr val="FF0000"/>
-                </a:solidFill>
-              </a:rPr>
-              <a:t>BUT – all done in SQL/ Relational</a:t>
-            </a:r>
-            <a:endParaRPr lang="en-GB" sz="2800" b="1" i="1" dirty="0">
-              <a:solidFill>
-                <a:srgbClr val="FF0000"/>
-              </a:solidFill>
-            </a:endParaRPr>
-          </a:p>
-          <a:p>
-            <a:endParaRPr lang="en-GB" sz="2800" dirty="0" smtClean="0"/>
-          </a:p>
-          <a:p>
-            <a:pPr marL="0" indent="0">
-              <a:buNone/>
-            </a:pPr>
-            <a:endParaRPr lang="en-GB" dirty="0"/>
-          </a:p>
-        </p:txBody>
-      </p:sp>
-    </p:spTree>
-    <p:extLst>
-      <p:ext uri="{BB962C8B-B14F-4D97-AF65-F5344CB8AC3E}">
-        <p14:creationId xmlns:p14="http://schemas.microsoft.com/office/powerpoint/2010/main" val="3268761550"/>
-      </p:ext>
-    </p:extLst>
-  </p:cSld>
-  <p:clrMapOvr>
-    <a:masterClrMapping/>
-  </p:clrMapOvr>
-  <p:timing>
-    <p:tnLst>
-      <p:par>
-        <p:cTn id="1" dur="indefinite" restart="never" nodeType="tmRoot">
-          <p:childTnLst>
-            <p:seq concurrent="1" nextAc="seek">
-              <p:cTn id="2" dur="indefinite" nodeType="mainSeq">
-                <p:childTnLst>
-                  <p:par>
-                    <p:cTn id="3" fill="hold">
-                      <p:stCondLst>
-                        <p:cond delay="indefinite"/>
-                      </p:stCondLst>
-                      <p:childTnLst>
-                        <p:par>
-                          <p:cTn id="4" fill="hold">
-                            <p:stCondLst>
-                              <p:cond delay="0"/>
-                            </p:stCondLst>
-                            <p:childTnLst>
-                              <p:par>
-                                <p:cTn id="5" presetID="1" presetClass="entr" presetSubtype="0" fill="hold" nodeType="clickEffect">
-                                  <p:stCondLst>
-                                    <p:cond delay="0"/>
-                                  </p:stCondLst>
-                                  <p:childTnLst>
-                                    <p:set>
-                                      <p:cBhvr>
-                                        <p:cTn id="6" dur="1" fill="hold">
-                                          <p:stCondLst>
-                                            <p:cond delay="0"/>
-                                          </p:stCondLst>
-                                        </p:cTn>
-                                        <p:tgtEl>
-                                          <p:spTgt spid="7">
-                                            <p:txEl>
-                                              <p:pRg st="8" end="8"/>
-                                            </p:txEl>
-                                          </p:spTgt>
-                                        </p:tgtEl>
-                                        <p:attrNameLst>
-                                          <p:attrName>style.visibility</p:attrName>
-                                        </p:attrNameLst>
-                                      </p:cBhvr>
-                                      <p:to>
-                                        <p:strVal val="visible"/>
-                                      </p:to>
-                                    </p:set>
-                                  </p:childTnLst>
-                                </p:cTn>
-                              </p:par>
-                            </p:childTnLst>
-                          </p:cTn>
-                        </p:par>
-                      </p:childTnLst>
-                    </p:cTn>
-                  </p:par>
-                </p:childTnLst>
-              </p:cTn>
-              <p:prevCondLst>
-                <p:cond evt="onPrev" delay="0">
-                  <p:tgtEl>
-                    <p:sldTgt/>
-                  </p:tgtEl>
-                </p:cond>
-              </p:prevCondLst>
-              <p:nextCondLst>
-                <p:cond evt="onNext" delay="0">
-                  <p:tgtEl>
-                    <p:sldTgt/>
-                  </p:tgtEl>
-                </p:cond>
-              </p:nextCondLst>
-            </p:seq>
-          </p:childTnLst>
-        </p:cTn>
-      </p:par>
-    </p:tnLst>
-  </p:timing>
-</p:sld>
-</file>
-
-<file path=ppt/slides/slide50.xml><?xml version="1.0" encoding="utf-8"?>
-<p:sld xmlns:a="http://schemas.openxmlformats.org/drawingml/2006/main" xmlns:r="http://schemas.openxmlformats.org/officeDocument/2006/relationships" xmlns:p="http://schemas.openxmlformats.org/presentationml/2006/main">
-  <p:cSld>
-    <p:spTree>
-      <p:nvGrpSpPr>
-        <p:cNvPr id="1" name=""/>
-        <p:cNvGrpSpPr/>
-        <p:nvPr/>
-      </p:nvGrpSpPr>
-      <p:grpSpPr>
-        <a:xfrm>
-          <a:off x="0" y="0"/>
-          <a:ext cx="0" cy="0"/>
-          <a:chOff x="0" y="0"/>
-          <a:chExt cx="0" cy="0"/>
-        </a:xfrm>
-      </p:grpSpPr>
-      <p:sp>
-        <p:nvSpPr>
-          <p:cNvPr id="2" name="Title 1"/>
-          <p:cNvSpPr>
-            <a:spLocks noGrp="1"/>
-          </p:cNvSpPr>
-          <p:nvPr>
-            <p:ph type="title"/>
-          </p:nvPr>
-        </p:nvSpPr>
-        <p:spPr/>
-        <p:txBody>
-          <a:bodyPr/>
-          <a:lstStyle/>
-          <a:p>
-            <a:r>
               <a:rPr lang="en-GB" dirty="0" smtClean="0"/>
               <a:t>Hadoop</a:t>
             </a:r>
@@ -19352,7 +19194,7 @@
 </p:sld>
 </file>
 
-<file path=ppt/slides/slide51.xml><?xml version="1.0" encoding="utf-8"?>
+<file path=ppt/slides/slide49.xml><?xml version="1.0" encoding="utf-8"?>
 <p:sld xmlns:a="http://schemas.openxmlformats.org/drawingml/2006/main" xmlns:r="http://schemas.openxmlformats.org/officeDocument/2006/relationships" xmlns:p="http://schemas.openxmlformats.org/presentationml/2006/main">
   <p:cSld>
     <p:spTree>
@@ -19512,7 +19354,260 @@
 </p:sld>
 </file>
 
-<file path=ppt/slides/slide52.xml><?xml version="1.0" encoding="utf-8"?>
+<file path=ppt/slides/slide5.xml><?xml version="1.0" encoding="utf-8"?>
+<p:sld xmlns:a="http://schemas.openxmlformats.org/drawingml/2006/main" xmlns:r="http://schemas.openxmlformats.org/officeDocument/2006/relationships" xmlns:p="http://schemas.openxmlformats.org/presentationml/2006/main">
+  <p:cSld>
+    <p:spTree>
+      <p:nvGrpSpPr>
+        <p:cNvPr id="1" name=""/>
+        <p:cNvGrpSpPr/>
+        <p:nvPr/>
+      </p:nvGrpSpPr>
+      <p:grpSpPr>
+        <a:xfrm>
+          <a:off x="0" y="0"/>
+          <a:ext cx="0" cy="0"/>
+          <a:chOff x="0" y="0"/>
+          <a:chExt cx="0" cy="0"/>
+        </a:xfrm>
+      </p:grpSpPr>
+      <p:sp>
+        <p:nvSpPr>
+          <p:cNvPr id="2" name="Title 1"/>
+          <p:cNvSpPr>
+            <a:spLocks noGrp="1"/>
+          </p:cNvSpPr>
+          <p:nvPr>
+            <p:ph type="title"/>
+          </p:nvPr>
+        </p:nvSpPr>
+        <p:spPr/>
+        <p:txBody>
+          <a:bodyPr/>
+          <a:lstStyle/>
+          <a:p>
+            <a:r>
+              <a:rPr lang="en-GB" dirty="0" smtClean="0"/>
+              <a:t>10 Years Ago</a:t>
+            </a:r>
+            <a:endParaRPr lang="en-GB" dirty="0"/>
+          </a:p>
+        </p:txBody>
+      </p:sp>
+      <p:sp>
+        <p:nvSpPr>
+          <p:cNvPr id="7" name="Content Placeholder 6"/>
+          <p:cNvSpPr>
+            <a:spLocks noGrp="1"/>
+          </p:cNvSpPr>
+          <p:nvPr>
+            <p:ph idx="1"/>
+          </p:nvPr>
+        </p:nvSpPr>
+        <p:spPr/>
+        <p:txBody>
+          <a:bodyPr>
+            <a:normAutofit lnSpcReduction="10000"/>
+          </a:bodyPr>
+          <a:lstStyle/>
+          <a:p>
+            <a:pPr marL="0" indent="0">
+              <a:buNone/>
+            </a:pPr>
+            <a:r>
+              <a:rPr lang="en-GB" dirty="0" smtClean="0"/>
+              <a:t>“OLTP”</a:t>
+            </a:r>
+          </a:p>
+          <a:p>
+            <a:r>
+              <a:rPr lang="en-GB" sz="2800" dirty="0"/>
+              <a:t>A</a:t>
+            </a:r>
+            <a:r>
+              <a:rPr lang="en-GB" sz="2800" dirty="0" smtClean="0"/>
+              <a:t>pplication access, lots of small queries, updates</a:t>
+            </a:r>
+          </a:p>
+          <a:p>
+            <a:r>
+              <a:rPr lang="en-GB" sz="2800" dirty="0" smtClean="0"/>
+              <a:t>Lightly Indexed, Normalised</a:t>
+            </a:r>
+          </a:p>
+          <a:p>
+            <a:endParaRPr lang="en-GB" sz="2800" dirty="0" smtClean="0"/>
+          </a:p>
+          <a:p>
+            <a:pPr marL="0" indent="0">
+              <a:buNone/>
+            </a:pPr>
+            <a:r>
+              <a:rPr lang="en-GB" dirty="0" smtClean="0"/>
+              <a:t>Data Warehouse/ “OLAP”</a:t>
+            </a:r>
+          </a:p>
+          <a:p>
+            <a:r>
+              <a:rPr lang="en-GB" sz="2800" dirty="0" smtClean="0"/>
+              <a:t>Large, ad-hoc </a:t>
+            </a:r>
+            <a:r>
+              <a:rPr lang="en-GB" sz="2800" dirty="0"/>
+              <a:t>a</a:t>
+            </a:r>
+            <a:r>
+              <a:rPr lang="en-GB" sz="2800" dirty="0" smtClean="0"/>
+              <a:t>nalytical </a:t>
+            </a:r>
+            <a:r>
+              <a:rPr lang="en-GB" sz="2800" dirty="0"/>
+              <a:t>q</a:t>
+            </a:r>
+            <a:r>
+              <a:rPr lang="en-GB" sz="2800" dirty="0" smtClean="0"/>
+              <a:t>ueries – read-mostly</a:t>
+            </a:r>
+          </a:p>
+          <a:p>
+            <a:r>
+              <a:rPr lang="en-GB" sz="2800" dirty="0" smtClean="0"/>
+              <a:t>Heavily Indexed, </a:t>
+            </a:r>
+            <a:r>
+              <a:rPr lang="en-GB" sz="2800" dirty="0" err="1" smtClean="0"/>
+              <a:t>Denormalised</a:t>
+            </a:r>
+            <a:endParaRPr lang="en-GB" sz="2800" dirty="0" smtClean="0"/>
+          </a:p>
+          <a:p>
+            <a:pPr marL="0" indent="0">
+              <a:buNone/>
+            </a:pPr>
+            <a:endParaRPr lang="en-GB" sz="2800" dirty="0" smtClean="0"/>
+          </a:p>
+          <a:p>
+            <a:pPr marL="0" indent="0">
+              <a:buNone/>
+            </a:pPr>
+            <a:r>
+              <a:rPr lang="en-GB" sz="2800" b="1" i="1" dirty="0" smtClean="0">
+                <a:solidFill>
+                  <a:srgbClr val="FF0000"/>
+                </a:solidFill>
+              </a:rPr>
+              <a:t>BUT – all done in SQL/ Relational</a:t>
+            </a:r>
+            <a:endParaRPr lang="en-GB" sz="2800" b="1" i="1" dirty="0">
+              <a:solidFill>
+                <a:srgbClr val="FF0000"/>
+              </a:solidFill>
+            </a:endParaRPr>
+          </a:p>
+          <a:p>
+            <a:endParaRPr lang="en-GB" sz="2800" dirty="0" smtClean="0"/>
+          </a:p>
+          <a:p>
+            <a:pPr marL="0" indent="0">
+              <a:buNone/>
+            </a:pPr>
+            <a:endParaRPr lang="en-GB" dirty="0"/>
+          </a:p>
+        </p:txBody>
+      </p:sp>
+    </p:spTree>
+    <p:extLst>
+      <p:ext uri="{BB962C8B-B14F-4D97-AF65-F5344CB8AC3E}">
+        <p14:creationId xmlns:p14="http://schemas.microsoft.com/office/powerpoint/2010/main" val="3268761550"/>
+      </p:ext>
+    </p:extLst>
+  </p:cSld>
+  <p:clrMapOvr>
+    <a:masterClrMapping/>
+  </p:clrMapOvr>
+  <p:timing>
+    <p:tnLst>
+      <p:par>
+        <p:cTn id="1" dur="indefinite" restart="never" nodeType="tmRoot">
+          <p:childTnLst>
+            <p:seq concurrent="1" nextAc="seek">
+              <p:cTn id="2" dur="indefinite" nodeType="mainSeq">
+                <p:childTnLst>
+                  <p:par>
+                    <p:cTn id="3" fill="hold">
+                      <p:stCondLst>
+                        <p:cond delay="indefinite"/>
+                      </p:stCondLst>
+                      <p:childTnLst>
+                        <p:par>
+                          <p:cTn id="4" fill="hold">
+                            <p:stCondLst>
+                              <p:cond delay="0"/>
+                            </p:stCondLst>
+                            <p:childTnLst>
+                              <p:par>
+                                <p:cTn id="5" presetID="1" presetClass="entr" presetSubtype="0" fill="hold" nodeType="clickEffect">
+                                  <p:stCondLst>
+                                    <p:cond delay="0"/>
+                                  </p:stCondLst>
+                                  <p:childTnLst>
+                                    <p:set>
+                                      <p:cBhvr>
+                                        <p:cTn id="6" dur="1" fill="hold">
+                                          <p:stCondLst>
+                                            <p:cond delay="0"/>
+                                          </p:stCondLst>
+                                        </p:cTn>
+                                        <p:tgtEl>
+                                          <p:spTgt spid="7">
+                                            <p:txEl>
+                                              <p:pRg st="8" end="8"/>
+                                            </p:txEl>
+                                          </p:spTgt>
+                                        </p:tgtEl>
+                                        <p:attrNameLst>
+                                          <p:attrName>style.visibility</p:attrName>
+                                        </p:attrNameLst>
+                                      </p:cBhvr>
+                                      <p:to>
+                                        <p:strVal val="visible"/>
+                                      </p:to>
+                                    </p:set>
+                                  </p:childTnLst>
+                                </p:cTn>
+                              </p:par>
+                            </p:childTnLst>
+                          </p:cTn>
+                        </p:par>
+                      </p:childTnLst>
+                    </p:cTn>
+                  </p:par>
+                </p:childTnLst>
+              </p:cTn>
+              <p:prevCondLst>
+                <p:cond evt="onPrev" delay="0">
+                  <p:tgtEl>
+                    <p:sldTgt/>
+                  </p:tgtEl>
+                </p:cond>
+              </p:prevCondLst>
+              <p:nextCondLst>
+                <p:cond evt="onNext" delay="0">
+                  <p:tgtEl>
+                    <p:sldTgt/>
+                  </p:tgtEl>
+                </p:cond>
+              </p:nextCondLst>
+            </p:seq>
+          </p:childTnLst>
+        </p:cTn>
+      </p:par>
+    </p:tnLst>
+  </p:timing>
+</p:sld>
+</file>
+
+<file path=ppt/slides/slide50.xml><?xml version="1.0" encoding="utf-8"?>
 <p:sld xmlns:a="http://schemas.openxmlformats.org/drawingml/2006/main" xmlns:r="http://schemas.openxmlformats.org/officeDocument/2006/relationships" xmlns:p="http://schemas.openxmlformats.org/presentationml/2006/main">
   <p:cSld>
     <p:spTree>
@@ -20539,7 +20634,140 @@
 </p:sld>
 </file>
 
-<file path=ppt/slides/slide53.xml><?xml version="1.0" encoding="utf-8"?>
+<file path=ppt/slides/slide51.xml><?xml version="1.0" encoding="utf-8"?>
+<p:sld xmlns:a="http://schemas.openxmlformats.org/drawingml/2006/main" xmlns:r="http://schemas.openxmlformats.org/officeDocument/2006/relationships" xmlns:p="http://schemas.openxmlformats.org/presentationml/2006/main">
+  <p:cSld>
+    <p:spTree>
+      <p:nvGrpSpPr>
+        <p:cNvPr id="1" name=""/>
+        <p:cNvGrpSpPr/>
+        <p:nvPr/>
+      </p:nvGrpSpPr>
+      <p:grpSpPr>
+        <a:xfrm>
+          <a:off x="0" y="0"/>
+          <a:ext cx="0" cy="0"/>
+          <a:chOff x="0" y="0"/>
+          <a:chExt cx="0" cy="0"/>
+        </a:xfrm>
+      </p:grpSpPr>
+      <p:sp>
+        <p:nvSpPr>
+          <p:cNvPr id="2" name="Title 1"/>
+          <p:cNvSpPr>
+            <a:spLocks noGrp="1"/>
+          </p:cNvSpPr>
+          <p:nvPr>
+            <p:ph type="title"/>
+          </p:nvPr>
+        </p:nvSpPr>
+        <p:spPr/>
+        <p:txBody>
+          <a:bodyPr/>
+          <a:lstStyle/>
+          <a:p>
+            <a:r>
+              <a:rPr lang="en-GB" dirty="0" err="1" smtClean="0"/>
+              <a:t>MapReduce</a:t>
+            </a:r>
+            <a:endParaRPr lang="en-GB" dirty="0"/>
+          </a:p>
+        </p:txBody>
+      </p:sp>
+      <p:sp>
+        <p:nvSpPr>
+          <p:cNvPr id="3" name="Content Placeholder 2"/>
+          <p:cNvSpPr>
+            <a:spLocks noGrp="1"/>
+          </p:cNvSpPr>
+          <p:nvPr>
+            <p:ph idx="1"/>
+          </p:nvPr>
+        </p:nvSpPr>
+        <p:spPr/>
+        <p:txBody>
+          <a:bodyPr/>
+          <a:lstStyle/>
+          <a:p>
+            <a:r>
+              <a:rPr lang="en-GB" dirty="0" smtClean="0"/>
+              <a:t>Method of aggregating data from multiple nodes</a:t>
+            </a:r>
+          </a:p>
+          <a:p>
+            <a:endParaRPr lang="en-GB" dirty="0"/>
+          </a:p>
+          <a:p>
+            <a:r>
+              <a:rPr lang="en-GB" dirty="0" smtClean="0"/>
+              <a:t>“Send the work to the data”</a:t>
+            </a:r>
+          </a:p>
+          <a:p>
+            <a:endParaRPr lang="en-GB" dirty="0"/>
+          </a:p>
+          <a:p>
+            <a:r>
+              <a:rPr lang="en-GB" dirty="0" smtClean="0"/>
+              <a:t>Also i</a:t>
+            </a:r>
+            <a:r>
+              <a:rPr lang="en-GB" dirty="0" smtClean="0"/>
+              <a:t>mplemented </a:t>
+            </a:r>
+            <a:r>
+              <a:rPr lang="en-GB" dirty="0" smtClean="0"/>
+              <a:t>in </a:t>
+            </a:r>
+            <a:r>
+              <a:rPr lang="en-GB" dirty="0" err="1" smtClean="0"/>
+              <a:t>Riak</a:t>
+            </a:r>
+            <a:r>
+              <a:rPr lang="en-GB" dirty="0" smtClean="0"/>
+              <a:t>, </a:t>
+            </a:r>
+            <a:r>
+              <a:rPr lang="en-GB" dirty="0" smtClean="0"/>
+              <a:t>MongoDB</a:t>
+            </a:r>
+            <a:r>
+              <a:rPr lang="en-GB" dirty="0"/>
+              <a:t> </a:t>
+            </a:r>
+            <a:r>
+              <a:rPr lang="en-GB" dirty="0" smtClean="0"/>
+              <a:t>(etc</a:t>
+            </a:r>
+            <a:r>
+              <a:rPr lang="en-GB" dirty="0" smtClean="0"/>
+              <a:t>.)</a:t>
+            </a:r>
+            <a:endParaRPr lang="en-GB" dirty="0"/>
+          </a:p>
+        </p:txBody>
+      </p:sp>
+    </p:spTree>
+    <p:extLst>
+      <p:ext uri="{BB962C8B-B14F-4D97-AF65-F5344CB8AC3E}">
+        <p14:creationId xmlns:p14="http://schemas.microsoft.com/office/powerpoint/2010/main" val="1303029299"/>
+      </p:ext>
+    </p:extLst>
+  </p:cSld>
+  <p:clrMapOvr>
+    <a:masterClrMapping/>
+  </p:clrMapOvr>
+  <p:timing>
+    <p:tnLst>
+      <p:par>
+        <p:cTn id="1" dur="indefinite" restart="never" nodeType="tmRoot"/>
+      </p:par>
+    </p:tnLst>
+  </p:timing>
+</p:sld>
+</file>
+
+<file path=ppt/slides/slide52.xml><?xml version="1.0" encoding="utf-8"?>
 <p:sld xmlns:a="http://schemas.openxmlformats.org/drawingml/2006/main" xmlns:r="http://schemas.openxmlformats.org/officeDocument/2006/relationships" xmlns:p="http://schemas.openxmlformats.org/presentationml/2006/main">
   <p:cSld>
     <p:spTree>
@@ -20626,7 +20854,7 @@
 </p:sld>
 </file>
 
-<file path=ppt/slides/slide54.xml><?xml version="1.0" encoding="utf-8"?>
+<file path=ppt/slides/slide53.xml><?xml version="1.0" encoding="utf-8"?>
 <p:sld xmlns:a="http://schemas.openxmlformats.org/drawingml/2006/main" xmlns:r="http://schemas.openxmlformats.org/officeDocument/2006/relationships" xmlns:p="http://schemas.openxmlformats.org/presentationml/2006/main">
   <p:cSld>
     <p:spTree>
@@ -20683,7 +20911,7 @@
         <p:spPr/>
         <p:txBody>
           <a:bodyPr>
-            <a:normAutofit fontScale="92500" lnSpcReduction="20000"/>
+            <a:normAutofit fontScale="85000" lnSpcReduction="20000"/>
           </a:bodyPr>
           <a:lstStyle/>
           <a:p>
@@ -20735,6 +20963,12 @@
               <a:t>Related tools:</a:t>
             </a:r>
             <a:endParaRPr lang="en-GB" dirty="0"/>
+          </a:p>
+          <a:p>
+            <a:pPr marL="457200" lvl="1" indent="0">
+              <a:buNone/>
+            </a:pPr>
+            <a:endParaRPr lang="en-GB" sz="2400" i="1" dirty="0" smtClean="0"/>
           </a:p>
           <a:p>
             <a:pPr marL="457200" lvl="1" indent="0">
@@ -20941,7 +21175,7 @@
         </p:blipFill>
         <p:spPr>
           <a:xfrm>
-            <a:off x="6804248" y="4572127"/>
+            <a:off x="6732240" y="4509120"/>
             <a:ext cx="1584176" cy="297033"/>
           </a:xfrm>
           <a:prstGeom prst="rect">
@@ -20969,7 +21203,7 @@
 </p:sld>
 </file>
 
-<file path=ppt/slides/slide55.xml><?xml version="1.0" encoding="utf-8"?>
+<file path=ppt/slides/slide54.xml><?xml version="1.0" encoding="utf-8"?>
 <p:sld xmlns:a="http://schemas.openxmlformats.org/drawingml/2006/main" xmlns:r="http://schemas.openxmlformats.org/officeDocument/2006/relationships" xmlns:p="http://schemas.openxmlformats.org/presentationml/2006/main">
   <p:cSld>
     <p:spTree>
@@ -21075,7 +21309,7 @@
 </p:sld>
 </file>
 
-<file path=ppt/slides/slide56.xml><?xml version="1.0" encoding="utf-8"?>
+<file path=ppt/slides/slide55.xml><?xml version="1.0" encoding="utf-8"?>
 <p:sld xmlns:a="http://schemas.openxmlformats.org/drawingml/2006/main" xmlns:r="http://schemas.openxmlformats.org/officeDocument/2006/relationships" xmlns:p="http://schemas.openxmlformats.org/presentationml/2006/main">
   <p:cSld>
     <p:spTree>
@@ -21193,7 +21427,7 @@
 </p:sld>
 </file>
 
-<file path=ppt/slides/slide57.xml><?xml version="1.0" encoding="utf-8"?>
+<file path=ppt/slides/slide56.xml><?xml version="1.0" encoding="utf-8"?>
 <p:sld xmlns:a="http://schemas.openxmlformats.org/drawingml/2006/main" xmlns:r="http://schemas.openxmlformats.org/officeDocument/2006/relationships" xmlns:p="http://schemas.openxmlformats.org/presentationml/2006/main">
   <p:cSld>
     <p:spTree>
@@ -21311,7 +21545,7 @@
 </p:sld>
 </file>
 
-<file path=ppt/slides/slide58.xml><?xml version="1.0" encoding="utf-8"?>
+<file path=ppt/slides/slide57.xml><?xml version="1.0" encoding="utf-8"?>
 <p:sld xmlns:a="http://schemas.openxmlformats.org/drawingml/2006/main" xmlns:r="http://schemas.openxmlformats.org/officeDocument/2006/relationships" xmlns:p="http://schemas.openxmlformats.org/presentationml/2006/main">
   <p:cSld>
     <p:spTree>
@@ -21674,7 +21908,7 @@
 </p:sld>
 </file>
 
-<file path=ppt/slides/slide59.xml><?xml version="1.0" encoding="utf-8"?>
+<file path=ppt/slides/slide58.xml><?xml version="1.0" encoding="utf-8"?>
 <p:sld xmlns:a="http://schemas.openxmlformats.org/drawingml/2006/main" xmlns:r="http://schemas.openxmlformats.org/officeDocument/2006/relationships" xmlns:p="http://schemas.openxmlformats.org/presentationml/2006/main">
   <p:cSld>
     <p:spTree>
@@ -22192,6 +22426,130 @@
 </p:sld>
 </file>
 
+<file path=ppt/slides/slide59.xml><?xml version="1.0" encoding="utf-8"?>
+<p:sld xmlns:a="http://schemas.openxmlformats.org/drawingml/2006/main" xmlns:r="http://schemas.openxmlformats.org/officeDocument/2006/relationships" xmlns:p="http://schemas.openxmlformats.org/presentationml/2006/main">
+  <p:cSld>
+    <p:spTree>
+      <p:nvGrpSpPr>
+        <p:cNvPr id="1" name=""/>
+        <p:cNvGrpSpPr/>
+        <p:nvPr/>
+      </p:nvGrpSpPr>
+      <p:grpSpPr>
+        <a:xfrm>
+          <a:off x="0" y="0"/>
+          <a:ext cx="0" cy="0"/>
+          <a:chOff x="0" y="0"/>
+          <a:chExt cx="0" cy="0"/>
+        </a:xfrm>
+      </p:grpSpPr>
+      <p:sp>
+        <p:nvSpPr>
+          <p:cNvPr id="2" name="Title 1"/>
+          <p:cNvSpPr>
+            <a:spLocks noGrp="1"/>
+          </p:cNvSpPr>
+          <p:nvPr>
+            <p:ph type="title"/>
+          </p:nvPr>
+        </p:nvSpPr>
+        <p:spPr/>
+        <p:txBody>
+          <a:bodyPr/>
+          <a:lstStyle/>
+          <a:p>
+            <a:r>
+              <a:rPr lang="en-GB" dirty="0" smtClean="0"/>
+              <a:t>Mixed Architectures</a:t>
+            </a:r>
+            <a:endParaRPr lang="en-GB" dirty="0"/>
+          </a:p>
+        </p:txBody>
+      </p:sp>
+      <p:sp>
+        <p:nvSpPr>
+          <p:cNvPr id="3" name="Content Placeholder 2"/>
+          <p:cNvSpPr>
+            <a:spLocks noGrp="1"/>
+          </p:cNvSpPr>
+          <p:nvPr>
+            <p:ph idx="1"/>
+          </p:nvPr>
+        </p:nvSpPr>
+        <p:spPr/>
+        <p:txBody>
+          <a:bodyPr>
+            <a:normAutofit/>
+          </a:bodyPr>
+          <a:lstStyle/>
+          <a:p>
+            <a:r>
+              <a:rPr lang="en-GB" dirty="0" smtClean="0"/>
+              <a:t>“Polyglot Persistence” (Fowler)</a:t>
+            </a:r>
+          </a:p>
+          <a:p>
+            <a:endParaRPr lang="en-GB" dirty="0" smtClean="0"/>
+          </a:p>
+          <a:p>
+            <a:r>
+              <a:rPr lang="en-GB" dirty="0" smtClean="0"/>
+              <a:t>Business Process Requirements</a:t>
+            </a:r>
+          </a:p>
+          <a:p>
+            <a:endParaRPr lang="en-GB" dirty="0" smtClean="0"/>
+          </a:p>
+          <a:p>
+            <a:r>
+              <a:rPr lang="en-GB" dirty="0" smtClean="0"/>
+              <a:t>Read-Write Split:</a:t>
+            </a:r>
+          </a:p>
+          <a:p>
+            <a:pPr lvl="1"/>
+            <a:r>
+              <a:rPr lang="en-GB" dirty="0" smtClean="0"/>
+              <a:t>Reporting Database</a:t>
+            </a:r>
+          </a:p>
+          <a:p>
+            <a:pPr lvl="1"/>
+            <a:r>
+              <a:rPr lang="en-GB" dirty="0" smtClean="0"/>
+              <a:t>Data Warehousing</a:t>
+            </a:r>
+          </a:p>
+          <a:p>
+            <a:pPr lvl="1"/>
+            <a:r>
+              <a:rPr lang="en-GB" dirty="0" smtClean="0"/>
+              <a:t>CQRS</a:t>
+            </a:r>
+            <a:endParaRPr lang="en-GB" dirty="0"/>
+          </a:p>
+        </p:txBody>
+      </p:sp>
+    </p:spTree>
+    <p:extLst>
+      <p:ext uri="{BB962C8B-B14F-4D97-AF65-F5344CB8AC3E}">
+        <p14:creationId xmlns:p14="http://schemas.microsoft.com/office/powerpoint/2010/main" val="1132971709"/>
+      </p:ext>
+    </p:extLst>
+  </p:cSld>
+  <p:clrMapOvr>
+    <a:masterClrMapping/>
+  </p:clrMapOvr>
+  <p:timing>
+    <p:tnLst>
+      <p:par>
+        <p:cTn id="1" dur="indefinite" restart="never" nodeType="tmRoot"/>
+      </p:par>
+    </p:tnLst>
+  </p:timing>
+</p:sld>
+</file>
+
 <file path=ppt/slides/slide6.xml><?xml version="1.0" encoding="utf-8"?>
 <p:sld xmlns:a="http://schemas.openxmlformats.org/drawingml/2006/main" xmlns:r="http://schemas.openxmlformats.org/officeDocument/2006/relationships" xmlns:p="http://schemas.openxmlformats.org/presentationml/2006/main">
   <p:cSld>
@@ -22337,7 +22695,7 @@
           <a:p>
             <a:r>
               <a:rPr lang="en-GB" dirty="0" smtClean="0"/>
-              <a:t>Mixed Architectures</a:t>
+              <a:t>Business Processes (Amazon)</a:t>
             </a:r>
             <a:endParaRPr lang="en-GB" dirty="0"/>
           </a:p>
@@ -22356,53 +22714,83 @@
         <p:spPr/>
         <p:txBody>
           <a:bodyPr>
-            <a:normAutofit/>
+            <a:normAutofit fontScale="85000" lnSpcReduction="20000"/>
           </a:bodyPr>
           <a:lstStyle/>
           <a:p>
             <a:r>
-              <a:rPr lang="en-GB" dirty="0" smtClean="0"/>
-              <a:t>“Polyglot Persistence” (Fowler)</a:t>
-            </a:r>
-          </a:p>
-          <a:p>
+              <a:rPr lang="en-GB" dirty="0"/>
+              <a:t>“For the checkout process you always want to </a:t>
+            </a:r>
+            <a:r>
+              <a:rPr lang="en-GB" dirty="0" err="1"/>
+              <a:t>honor</a:t>
+            </a:r>
+            <a:r>
+              <a:rPr lang="en-GB" dirty="0"/>
+              <a:t> requests to add items to a shopping cart because it's revenue producing. </a:t>
+            </a:r>
+            <a:r>
+              <a:rPr lang="en-GB" b="1" dirty="0"/>
+              <a:t>In this case you choose high availability.</a:t>
+            </a:r>
+            <a:r>
+              <a:rPr lang="en-GB" dirty="0"/>
+              <a:t> Errors are hidden from the customer and sorted out later.” </a:t>
+            </a:r>
             <a:endParaRPr lang="en-GB" dirty="0" smtClean="0"/>
           </a:p>
           <a:p>
-            <a:r>
-              <a:rPr lang="en-GB" dirty="0" smtClean="0"/>
-              <a:t>Business Process Requirements</a:t>
-            </a:r>
-          </a:p>
-          <a:p>
+            <a:endParaRPr lang="en-GB" dirty="0"/>
+          </a:p>
+          <a:p>
+            <a:r>
+              <a:rPr lang="en-GB" dirty="0" smtClean="0"/>
+              <a:t>“</a:t>
+            </a:r>
+            <a:r>
+              <a:rPr lang="en-GB" b="1" dirty="0"/>
+              <a:t>When a customer submits an order you </a:t>
+            </a:r>
+            <a:r>
+              <a:rPr lang="en-GB" b="1" dirty="0" err="1"/>
+              <a:t>favor</a:t>
+            </a:r>
+            <a:r>
+              <a:rPr lang="en-GB" b="1" dirty="0"/>
+              <a:t> consistency </a:t>
+            </a:r>
+            <a:r>
+              <a:rPr lang="en-GB" dirty="0"/>
+              <a:t>because several services--credit card processing, shipping and handling, reporting--are simultaneously accessing the data</a:t>
+            </a:r>
+            <a:r>
+              <a:rPr lang="en-GB" dirty="0" smtClean="0"/>
+              <a:t>.”</a:t>
+            </a:r>
+          </a:p>
+          <a:p>
+            <a:endParaRPr lang="en-GB" dirty="0"/>
+          </a:p>
+          <a:p>
+            <a:pPr marL="457200" lvl="1" indent="0" algn="ctr">
+              <a:buNone/>
+            </a:pPr>
+            <a:r>
+              <a:rPr lang="en-GB" dirty="0" smtClean="0">
+                <a:hlinkClick r:id="rId3"/>
+              </a:rPr>
+              <a:t>highscalability.com/amazon-architecture</a:t>
+            </a:r>
             <a:endParaRPr lang="en-GB" dirty="0" smtClean="0"/>
           </a:p>
           <a:p>
-            <a:r>
-              <a:rPr lang="en-GB" dirty="0" smtClean="0"/>
-              <a:t>Read-Write Split:</a:t>
-            </a:r>
-          </a:p>
-          <a:p>
-            <a:pPr lvl="1"/>
-            <a:r>
-              <a:rPr lang="en-GB" dirty="0" smtClean="0"/>
-              <a:t>Reporting Database</a:t>
-            </a:r>
-          </a:p>
-          <a:p>
-            <a:pPr lvl="1"/>
-            <a:r>
-              <a:rPr lang="en-GB" dirty="0" smtClean="0"/>
-              <a:t>Data Warehousing</a:t>
-            </a:r>
-          </a:p>
-          <a:p>
-            <a:pPr lvl="1"/>
-            <a:r>
-              <a:rPr lang="en-GB" dirty="0" smtClean="0"/>
-              <a:t>CQRS</a:t>
-            </a:r>
+            <a:pPr marL="457200" lvl="1" indent="0">
+              <a:buNone/>
+            </a:pPr>
+            <a:endParaRPr lang="en-GB" dirty="0"/>
+          </a:p>
+          <a:p>
             <a:endParaRPr lang="en-GB" dirty="0"/>
           </a:p>
         </p:txBody>
@@ -22410,7 +22798,7 @@
     </p:spTree>
     <p:extLst>
       <p:ext uri="{BB962C8B-B14F-4D97-AF65-F5344CB8AC3E}">
-        <p14:creationId xmlns:p14="http://schemas.microsoft.com/office/powerpoint/2010/main" val="1132971709"/>
+        <p14:creationId xmlns:p14="http://schemas.microsoft.com/office/powerpoint/2010/main" val="2839110553"/>
       </p:ext>
     </p:extLst>
   </p:cSld>
@@ -22461,7 +22849,7 @@
           <a:p>
             <a:r>
               <a:rPr lang="en-GB" dirty="0" smtClean="0"/>
-              <a:t>Business Processes (Amazon)</a:t>
+              <a:t>Reporting Systems</a:t>
             </a:r>
             <a:endParaRPr lang="en-GB" dirty="0"/>
           </a:p>
@@ -22479,84 +22867,47 @@
         </p:nvSpPr>
         <p:spPr/>
         <p:txBody>
-          <a:bodyPr>
-            <a:normAutofit fontScale="85000" lnSpcReduction="20000"/>
-          </a:bodyPr>
-          <a:lstStyle/>
-          <a:p>
+          <a:bodyPr/>
+          <a:lstStyle/>
+          <a:p>
+            <a:r>
+              <a:rPr lang="en-GB" dirty="0" smtClean="0"/>
+              <a:t>Traditional application/ BI division</a:t>
+            </a:r>
+          </a:p>
+          <a:p>
+            <a:pPr lvl="1"/>
+            <a:r>
+              <a:rPr lang="en-GB" dirty="0" smtClean="0"/>
+              <a:t>“Operational Data Store”</a:t>
+            </a:r>
+          </a:p>
+          <a:p>
+            <a:pPr lvl="1"/>
+            <a:r>
+              <a:rPr lang="en-GB" dirty="0" smtClean="0"/>
+              <a:t>Data Warehouse/ Marts</a:t>
+            </a:r>
+          </a:p>
+          <a:p>
+            <a:pPr lvl="1"/>
             <a:r>
               <a:rPr lang="en-GB" dirty="0"/>
-              <a:t>“For the checkout process you always want to </a:t>
-            </a:r>
-            <a:r>
-              <a:rPr lang="en-GB" dirty="0" err="1"/>
-              <a:t>honor</a:t>
-            </a:r>
-            <a:r>
-              <a:rPr lang="en-GB" dirty="0"/>
-              <a:t> requests to add items to a shopping cart because it's revenue producing. </a:t>
-            </a:r>
-            <a:r>
-              <a:rPr lang="en-GB" b="1" dirty="0"/>
-              <a:t>In this case you choose high availability.</a:t>
-            </a:r>
-            <a:r>
-              <a:rPr lang="en-GB" dirty="0"/>
-              <a:t> Errors are hidden from the customer and sorted out later.” </a:t>
+              <a:t>OLTP/ OLAP</a:t>
             </a:r>
             <a:endParaRPr lang="en-GB" dirty="0" smtClean="0"/>
           </a:p>
           <a:p>
-            <a:endParaRPr lang="en-GB" dirty="0"/>
-          </a:p>
-          <a:p>
-            <a:r>
-              <a:rPr lang="en-GB" dirty="0" smtClean="0"/>
-              <a:t>“</a:t>
-            </a:r>
-            <a:r>
-              <a:rPr lang="en-GB" b="1" dirty="0"/>
-              <a:t>When a customer submits an order you </a:t>
-            </a:r>
-            <a:r>
-              <a:rPr lang="en-GB" b="1" dirty="0" err="1"/>
-              <a:t>favor</a:t>
-            </a:r>
-            <a:r>
-              <a:rPr lang="en-GB" b="1" dirty="0"/>
-              <a:t> consistency </a:t>
-            </a:r>
-            <a:r>
-              <a:rPr lang="en-GB" dirty="0"/>
-              <a:t>because several services--credit card processing, shipping and handling, reporting--are simultaneously accessing the data</a:t>
-            </a:r>
-            <a:r>
-              <a:rPr lang="en-GB" dirty="0" smtClean="0"/>
-              <a:t>.”</a:t>
-            </a:r>
-          </a:p>
-          <a:p>
-            <a:endParaRPr lang="en-GB" dirty="0"/>
-          </a:p>
-          <a:p>
-            <a:pPr marL="457200" lvl="1" indent="0" algn="ctr">
+            <a:pPr marL="0" indent="0">
               <a:buNone/>
             </a:pPr>
-            <a:r>
-              <a:rPr lang="en-GB" dirty="0" smtClean="0">
-                <a:hlinkClick r:id="rId3"/>
-              </a:rPr>
-              <a:t>highscalability.com/amazon-architecture</a:t>
-            </a:r>
             <a:endParaRPr lang="en-GB" dirty="0" smtClean="0"/>
           </a:p>
           <a:p>
-            <a:pPr marL="457200" lvl="1" indent="0">
-              <a:buNone/>
-            </a:pPr>
-            <a:endParaRPr lang="en-GB" dirty="0"/>
-          </a:p>
-          <a:p>
+            <a:r>
+              <a:rPr lang="en-GB" dirty="0" smtClean="0"/>
+              <a:t>Newer solutions (e.g., Cassandra &amp; Hadoop)</a:t>
+            </a:r>
             <a:endParaRPr lang="en-GB" dirty="0"/>
           </a:p>
         </p:txBody>
@@ -22564,7 +22915,7 @@
     </p:spTree>
     <p:extLst>
       <p:ext uri="{BB962C8B-B14F-4D97-AF65-F5344CB8AC3E}">
-        <p14:creationId xmlns:p14="http://schemas.microsoft.com/office/powerpoint/2010/main" val="2839110553"/>
+        <p14:creationId xmlns:p14="http://schemas.microsoft.com/office/powerpoint/2010/main" val="2578952539"/>
       </p:ext>
     </p:extLst>
   </p:cSld>
@@ -22610,123 +22961,6 @@
         </p:nvSpPr>
         <p:spPr/>
         <p:txBody>
-          <a:bodyPr/>
-          <a:lstStyle/>
-          <a:p>
-            <a:r>
-              <a:rPr lang="en-GB" dirty="0" smtClean="0"/>
-              <a:t>Reporting Systems</a:t>
-            </a:r>
-            <a:endParaRPr lang="en-GB" dirty="0"/>
-          </a:p>
-        </p:txBody>
-      </p:sp>
-      <p:sp>
-        <p:nvSpPr>
-          <p:cNvPr id="3" name="Content Placeholder 2"/>
-          <p:cNvSpPr>
-            <a:spLocks noGrp="1"/>
-          </p:cNvSpPr>
-          <p:nvPr>
-            <p:ph idx="1"/>
-          </p:nvPr>
-        </p:nvSpPr>
-        <p:spPr/>
-        <p:txBody>
-          <a:bodyPr/>
-          <a:lstStyle/>
-          <a:p>
-            <a:r>
-              <a:rPr lang="en-GB" dirty="0" smtClean="0"/>
-              <a:t>Traditional application/ BI division</a:t>
-            </a:r>
-          </a:p>
-          <a:p>
-            <a:pPr lvl="1"/>
-            <a:r>
-              <a:rPr lang="en-GB" dirty="0" smtClean="0"/>
-              <a:t>“Operational Data Store”</a:t>
-            </a:r>
-          </a:p>
-          <a:p>
-            <a:pPr lvl="1"/>
-            <a:r>
-              <a:rPr lang="en-GB" dirty="0" smtClean="0"/>
-              <a:t>Data Warehouse/ Marts</a:t>
-            </a:r>
-          </a:p>
-          <a:p>
-            <a:pPr lvl="1"/>
-            <a:r>
-              <a:rPr lang="en-GB" dirty="0"/>
-              <a:t>OLTP/ OLAP</a:t>
-            </a:r>
-            <a:endParaRPr lang="en-GB" dirty="0" smtClean="0"/>
-          </a:p>
-          <a:p>
-            <a:pPr marL="0" indent="0">
-              <a:buNone/>
-            </a:pPr>
-            <a:endParaRPr lang="en-GB" dirty="0" smtClean="0"/>
-          </a:p>
-          <a:p>
-            <a:r>
-              <a:rPr lang="en-GB" dirty="0" smtClean="0"/>
-              <a:t>Newer solutions (e.g., Cassandra &amp; Hadoop)</a:t>
-            </a:r>
-            <a:endParaRPr lang="en-GB" dirty="0"/>
-          </a:p>
-        </p:txBody>
-      </p:sp>
-    </p:spTree>
-    <p:extLst>
-      <p:ext uri="{BB962C8B-B14F-4D97-AF65-F5344CB8AC3E}">
-        <p14:creationId xmlns:p14="http://schemas.microsoft.com/office/powerpoint/2010/main" val="2578952539"/>
-      </p:ext>
-    </p:extLst>
-  </p:cSld>
-  <p:clrMapOvr>
-    <a:masterClrMapping/>
-  </p:clrMapOvr>
-  <p:timing>
-    <p:tnLst>
-      <p:par>
-        <p:cTn id="1" dur="indefinite" restart="never" nodeType="tmRoot"/>
-      </p:par>
-    </p:tnLst>
-  </p:timing>
-</p:sld>
-</file>
-
-<file path=ppt/slides/slide63.xml><?xml version="1.0" encoding="utf-8"?>
-<p:sld xmlns:a="http://schemas.openxmlformats.org/drawingml/2006/main" xmlns:r="http://schemas.openxmlformats.org/officeDocument/2006/relationships" xmlns:p="http://schemas.openxmlformats.org/presentationml/2006/main">
-  <p:cSld>
-    <p:spTree>
-      <p:nvGrpSpPr>
-        <p:cNvPr id="1" name=""/>
-        <p:cNvGrpSpPr/>
-        <p:nvPr/>
-      </p:nvGrpSpPr>
-      <p:grpSpPr>
-        <a:xfrm>
-          <a:off x="0" y="0"/>
-          <a:ext cx="0" cy="0"/>
-          <a:chOff x="0" y="0"/>
-          <a:chExt cx="0" cy="0"/>
-        </a:xfrm>
-      </p:grpSpPr>
-      <p:sp>
-        <p:nvSpPr>
-          <p:cNvPr id="2" name="Title 1"/>
-          <p:cNvSpPr>
-            <a:spLocks noGrp="1"/>
-          </p:cNvSpPr>
-          <p:nvPr>
-            <p:ph type="title"/>
-          </p:nvPr>
-        </p:nvSpPr>
-        <p:spPr/>
-        <p:txBody>
           <a:bodyPr>
             <a:normAutofit/>
           </a:bodyPr>
@@ -22818,7 +23052,7 @@
 </p:sld>
 </file>
 
-<file path=ppt/slides/slide64.xml><?xml version="1.0" encoding="utf-8"?>
+<file path=ppt/slides/slide63.xml><?xml version="1.0" encoding="utf-8"?>
 <p:sld xmlns:a="http://schemas.openxmlformats.org/drawingml/2006/main" xmlns:r="http://schemas.openxmlformats.org/officeDocument/2006/relationships" xmlns:p="http://schemas.openxmlformats.org/presentationml/2006/main">
   <p:cSld>
     <p:spTree>
@@ -23068,10 +23302,34 @@
           <a:p>
             <a:r>
               <a:rPr lang="en-GB" dirty="0" smtClean="0"/>
-              <a:t>Object-Relational Impedance Mismatch</a:t>
-            </a:r>
-          </a:p>
-          <a:p>
+              <a:t>Programming Model:</a:t>
+            </a:r>
+          </a:p>
+          <a:p>
+            <a:pPr lvl="1"/>
+            <a:r>
+              <a:rPr lang="en-GB" dirty="0" smtClean="0"/>
+              <a:t>Object-Relational </a:t>
+            </a:r>
+            <a:r>
+              <a:rPr lang="en-GB" dirty="0" smtClean="0"/>
+              <a:t>Impedance </a:t>
+            </a:r>
+            <a:r>
+              <a:rPr lang="en-GB" dirty="0" smtClean="0"/>
+              <a:t>Mismatch</a:t>
+            </a:r>
+          </a:p>
+          <a:p>
+            <a:pPr lvl="1"/>
+            <a:r>
+              <a:rPr lang="en-GB" dirty="0" smtClean="0"/>
+              <a:t>Schema Changes</a:t>
+            </a:r>
+            <a:endParaRPr lang="en-GB" dirty="0"/>
+          </a:p>
+          <a:p>
+            <a:pPr lvl="1"/>
             <a:endParaRPr lang="en-GB" dirty="0"/>
           </a:p>
           <a:p>
@@ -23169,7 +23427,7 @@
                                         <p:tgtEl>
                                           <p:spTgt spid="3">
                                             <p:txEl>
-                                              <p:pRg st="2" end="2"/>
+                                              <p:pRg st="1" end="1"/>
                                             </p:txEl>
                                           </p:spTgt>
                                         </p:tgtEl>
@@ -23200,7 +23458,69 @@
                                         <p:tgtEl>
                                           <p:spTgt spid="3">
                                             <p:txEl>
+                                              <p:pRg st="2" end="2"/>
+                                            </p:txEl>
+                                          </p:spTgt>
+                                        </p:tgtEl>
+                                        <p:attrNameLst>
+                                          <p:attrName>style.visibility</p:attrName>
+                                        </p:attrNameLst>
+                                      </p:cBhvr>
+                                      <p:to>
+                                        <p:strVal val="visible"/>
+                                      </p:to>
+                                    </p:set>
+                                  </p:childTnLst>
+                                </p:cTn>
+                              </p:par>
+                              <p:par>
+                                <p:cTn id="11" presetID="1" presetClass="entr" presetSubtype="0" fill="hold" grpId="0" nodeType="withEffect">
+                                  <p:stCondLst>
+                                    <p:cond delay="0"/>
+                                  </p:stCondLst>
+                                  <p:childTnLst>
+                                    <p:set>
+                                      <p:cBhvr>
+                                        <p:cTn id="12" dur="1" fill="hold">
+                                          <p:stCondLst>
+                                            <p:cond delay="0"/>
+                                          </p:stCondLst>
+                                        </p:cTn>
+                                        <p:tgtEl>
+                                          <p:spTgt spid="3">
+                                            <p:txEl>
                                               <p:pRg st="4" end="4"/>
+                                            </p:txEl>
+                                          </p:spTgt>
+                                        </p:tgtEl>
+                                        <p:attrNameLst>
+                                          <p:attrName>style.visibility</p:attrName>
+                                        </p:attrNameLst>
+                                      </p:cBhvr>
+                                      <p:to>
+                                        <p:strVal val="visible"/>
+                                      </p:to>
+                                    </p:set>
+                                  </p:childTnLst>
+                                </p:cTn>
+                              </p:par>
+                              <p:par>
+                                <p:cTn id="13" presetID="1" presetClass="entr" presetSubtype="0" fill="hold" grpId="0" nodeType="withEffect">
+                                  <p:stCondLst>
+                                    <p:cond delay="0"/>
+                                  </p:stCondLst>
+                                  <p:childTnLst>
+                                    <p:set>
+                                      <p:cBhvr>
+                                        <p:cTn id="14" dur="1" fill="hold">
+                                          <p:stCondLst>
+                                            <p:cond delay="0"/>
+                                          </p:stCondLst>
+                                        </p:cTn>
+                                        <p:tgtEl>
+                                          <p:spTgt spid="3">
+                                            <p:txEl>
+                                              <p:pRg st="6" end="6"/>
                                             </p:txEl>
                                           </p:spTgt>
                                         </p:tgtEl>

--- a/Slides/Not Only SQL - Picking A Database for DotNET.pptx
+++ b/Slides/Not Only SQL - Picking A Database for DotNET.pptx
@@ -5,38 +5,38 @@
     <p:sldMasterId id="2147483648" r:id="rId1"/>
   </p:sldMasterIdLst>
   <p:notesMasterIdLst>
-    <p:notesMasterId r:id="rId65"/>
+    <p:notesMasterId r:id="rId64"/>
   </p:notesMasterIdLst>
   <p:sldIdLst>
     <p:sldId id="256" r:id="rId2"/>
     <p:sldId id="257" r:id="rId3"/>
     <p:sldId id="258" r:id="rId4"/>
     <p:sldId id="259" r:id="rId5"/>
-    <p:sldId id="315" r:id="rId6"/>
-    <p:sldId id="317" r:id="rId7"/>
-    <p:sldId id="316" r:id="rId8"/>
-    <p:sldId id="318" r:id="rId9"/>
-    <p:sldId id="319" r:id="rId10"/>
-    <p:sldId id="320" r:id="rId11"/>
-    <p:sldId id="321" r:id="rId12"/>
-    <p:sldId id="322" r:id="rId13"/>
-    <p:sldId id="323" r:id="rId14"/>
-    <p:sldId id="264" r:id="rId15"/>
-    <p:sldId id="265" r:id="rId16"/>
-    <p:sldId id="274" r:id="rId17"/>
-    <p:sldId id="276" r:id="rId18"/>
-    <p:sldId id="324" r:id="rId19"/>
-    <p:sldId id="277" r:id="rId20"/>
-    <p:sldId id="325" r:id="rId21"/>
-    <p:sldId id="280" r:id="rId22"/>
-    <p:sldId id="281" r:id="rId23"/>
-    <p:sldId id="283" r:id="rId24"/>
-    <p:sldId id="284" r:id="rId25"/>
-    <p:sldId id="285" r:id="rId26"/>
-    <p:sldId id="286" r:id="rId27"/>
-    <p:sldId id="287" r:id="rId28"/>
-    <p:sldId id="288" r:id="rId29"/>
-    <p:sldId id="289" r:id="rId30"/>
+    <p:sldId id="317" r:id="rId6"/>
+    <p:sldId id="316" r:id="rId7"/>
+    <p:sldId id="318" r:id="rId8"/>
+    <p:sldId id="319" r:id="rId9"/>
+    <p:sldId id="320" r:id="rId10"/>
+    <p:sldId id="321" r:id="rId11"/>
+    <p:sldId id="322" r:id="rId12"/>
+    <p:sldId id="323" r:id="rId13"/>
+    <p:sldId id="264" r:id="rId14"/>
+    <p:sldId id="265" r:id="rId15"/>
+    <p:sldId id="274" r:id="rId16"/>
+    <p:sldId id="276" r:id="rId17"/>
+    <p:sldId id="324" r:id="rId18"/>
+    <p:sldId id="277" r:id="rId19"/>
+    <p:sldId id="325" r:id="rId20"/>
+    <p:sldId id="280" r:id="rId21"/>
+    <p:sldId id="281" r:id="rId22"/>
+    <p:sldId id="283" r:id="rId23"/>
+    <p:sldId id="284" r:id="rId24"/>
+    <p:sldId id="285" r:id="rId25"/>
+    <p:sldId id="286" r:id="rId26"/>
+    <p:sldId id="287" r:id="rId27"/>
+    <p:sldId id="288" r:id="rId28"/>
+    <p:sldId id="289" r:id="rId29"/>
+    <p:sldId id="342" r:id="rId30"/>
     <p:sldId id="327" r:id="rId31"/>
     <p:sldId id="290" r:id="rId32"/>
     <p:sldId id="334" r:id="rId33"/>
@@ -62,15 +62,14 @@
     <p:sldId id="332" r:id="rId53"/>
     <p:sldId id="311" r:id="rId54"/>
     <p:sldId id="267" r:id="rId55"/>
-    <p:sldId id="268" r:id="rId56"/>
-    <p:sldId id="273" r:id="rId57"/>
+    <p:sldId id="343" r:id="rId56"/>
+    <p:sldId id="268" r:id="rId57"/>
     <p:sldId id="272" r:id="rId58"/>
-    <p:sldId id="271" r:id="rId59"/>
-    <p:sldId id="305" r:id="rId60"/>
-    <p:sldId id="306" r:id="rId61"/>
-    <p:sldId id="307" r:id="rId62"/>
-    <p:sldId id="308" r:id="rId63"/>
-    <p:sldId id="313" r:id="rId64"/>
+    <p:sldId id="305" r:id="rId59"/>
+    <p:sldId id="306" r:id="rId60"/>
+    <p:sldId id="307" r:id="rId61"/>
+    <p:sldId id="308" r:id="rId62"/>
+    <p:sldId id="313" r:id="rId63"/>
   </p:sldIdLst>
   <p:sldSz cx="9144000" cy="6858000" type="screen4x3"/>
   <p:notesSz cx="6858000" cy="9144000"/>
@@ -182,7 +181,6 @@
         <p14:section name="Background and Context" id="{759BFAAB-39A0-4148-8838-5648D049BBEC}">
           <p14:sldIdLst>
             <p14:sldId id="259"/>
-            <p14:sldId id="315"/>
             <p14:sldId id="317"/>
             <p14:sldId id="316"/>
             <p14:sldId id="318"/>
@@ -219,11 +217,12 @@
             <p14:sldId id="287"/>
             <p14:sldId id="288"/>
             <p14:sldId id="289"/>
-            <p14:sldId id="327"/>
+            <p14:sldId id="342"/>
           </p14:sldIdLst>
         </p14:section>
-        <p14:section name="Document Databases/ MongoDB" id="{1F6EB145-E808-4F5D-B4C3-BFA82607383A}">
+        <p14:section name="Document Databases/ MongoDB" id="{E655A865-53EA-482B-B2F2-2C10D4372D9A}">
           <p14:sldIdLst>
+            <p14:sldId id="327"/>
             <p14:sldId id="290"/>
             <p14:sldId id="334"/>
           </p14:sldIdLst>
@@ -272,10 +271,9 @@
         <p14:section name="Graph DBs - Neo4j" id="{C6E735CF-19D2-4EAD-B7DE-DA03EA3AD71F}">
           <p14:sldIdLst>
             <p14:sldId id="267"/>
+            <p14:sldId id="343"/>
             <p14:sldId id="268"/>
-            <p14:sldId id="273"/>
             <p14:sldId id="272"/>
-            <p14:sldId id="271"/>
           </p14:sldIdLst>
         </p14:section>
         <p14:section name="Patterns &amp; Architectures" id="{D5E4F245-62F7-4542-A0E3-51984C389616}">
@@ -375,7 +373,7 @@
           <a:p>
             <a:fld id="{4B8F0AD9-C137-4A52-8600-32592EF064CA}" type="datetimeFigureOut">
               <a:rPr lang="en-GB" smtClean="0"/>
-              <a:t>17/04/2015</a:t>
+              <a:t>18/04/2015</a:t>
             </a:fld>
             <a:endParaRPr lang="en-GB"/>
           </a:p>
@@ -687,14 +685,6 @@
           <a:bodyPr/>
           <a:lstStyle/>
           <a:p>
-            <a:r>
-              <a:rPr lang="en-GB" dirty="0" smtClean="0"/>
-              <a:t>Welcome</a:t>
-            </a:r>
-            <a:r>
-              <a:rPr lang="en-GB" baseline="0" dirty="0" smtClean="0"/>
-              <a:t> – who I am …..</a:t>
-            </a:r>
             <a:endParaRPr lang="en-GB" dirty="0"/>
           </a:p>
         </p:txBody>
@@ -779,6 +769,14 @@
           <a:bodyPr/>
           <a:lstStyle/>
           <a:p>
+            <a:r>
+              <a:rPr lang="en-GB" dirty="0" smtClean="0"/>
+              <a:t>Let’s take</a:t>
+            </a:r>
+            <a:r>
+              <a:rPr lang="en-GB" baseline="0" dirty="0" smtClean="0"/>
+              <a:t> a quick look at how some of these features work.</a:t>
+            </a:r>
             <a:endParaRPr lang="en-GB" dirty="0"/>
           </a:p>
         </p:txBody>
@@ -809,7 +807,7 @@
     </p:spTree>
     <p:extLst>
       <p:ext uri="{BB962C8B-B14F-4D97-AF65-F5344CB8AC3E}">
-        <p14:creationId xmlns:p14="http://schemas.microsoft.com/office/powerpoint/2010/main" val="2430726693"/>
+        <p14:creationId xmlns:p14="http://schemas.microsoft.com/office/powerpoint/2010/main" val="340896733"/>
       </p:ext>
     </p:extLst>
   </p:cSld>
@@ -863,14 +861,6 @@
           <a:bodyPr/>
           <a:lstStyle/>
           <a:p>
-            <a:r>
-              <a:rPr lang="en-GB" dirty="0" smtClean="0"/>
-              <a:t>Let’s take</a:t>
-            </a:r>
-            <a:r>
-              <a:rPr lang="en-GB" baseline="0" dirty="0" smtClean="0"/>
-              <a:t> a quick look at how some of these features work.</a:t>
-            </a:r>
             <a:endParaRPr lang="en-GB" dirty="0"/>
           </a:p>
         </p:txBody>
@@ -901,7 +891,7 @@
     </p:spTree>
     <p:extLst>
       <p:ext uri="{BB962C8B-B14F-4D97-AF65-F5344CB8AC3E}">
-        <p14:creationId xmlns:p14="http://schemas.microsoft.com/office/powerpoint/2010/main" val="340896733"/>
+        <p14:creationId xmlns:p14="http://schemas.microsoft.com/office/powerpoint/2010/main" val="3709681251"/>
       </p:ext>
     </p:extLst>
   </p:cSld>
@@ -957,11 +947,11 @@
           <a:p>
             <a:r>
               <a:rPr lang="en-GB" dirty="0" smtClean="0"/>
-              <a:t>So getting a little bit</a:t>
+              <a:t>Vertical scaling means that when we are</a:t>
             </a:r>
             <a:r>
               <a:rPr lang="en-GB" baseline="0" dirty="0" smtClean="0"/>
-              <a:t> more clever in how we select and use a relational database may help a bit with how our code interfaces with the database, and may make the gap in skill-sets less pronounced.  But what about my third point – scalability?</a:t>
+              <a:t> scoping a larger project, or adding capacity to an existing solution, we increase the resources allocated to each of one or more existing servers.  So more/ more powerful CPU cores, more RAM, bigger and faster disks, etc.</a:t>
             </a:r>
             <a:endParaRPr lang="en-GB" dirty="0"/>
           </a:p>
@@ -993,7 +983,7 @@
     </p:spTree>
     <p:extLst>
       <p:ext uri="{BB962C8B-B14F-4D97-AF65-F5344CB8AC3E}">
-        <p14:creationId xmlns:p14="http://schemas.microsoft.com/office/powerpoint/2010/main" val="3709681251"/>
+        <p14:creationId xmlns:p14="http://schemas.microsoft.com/office/powerpoint/2010/main" val="3148679627"/>
       </p:ext>
     </p:extLst>
   </p:cSld>
@@ -1049,11 +1039,23 @@
           <a:p>
             <a:r>
               <a:rPr lang="en-GB" dirty="0" smtClean="0"/>
-              <a:t>Vertical scaling means that when we are</a:t>
+              <a:t>The</a:t>
             </a:r>
             <a:r>
               <a:rPr lang="en-GB" baseline="0" dirty="0" smtClean="0"/>
-              <a:t> scoping a larger project, or adding capacity to an existing solution, we increase the resources allocated to each of one or more existing servers.  So more/ more powerful CPU cores, more RAM, bigger and faster disks, etc.</a:t>
+              <a:t> alternative is horizontal scaling.  We don’t increase the size of the boxes but …</a:t>
+            </a:r>
+          </a:p>
+          <a:p>
+            <a:r>
+              <a:rPr lang="en-GB" baseline="0" dirty="0" smtClean="0"/>
+              <a:t>(SHOW ANIMATION)</a:t>
+            </a:r>
+          </a:p>
+          <a:p>
+            <a:r>
+              <a:rPr lang="en-GB" baseline="0" dirty="0" smtClean="0"/>
+              <a:t>…we use more of them.</a:t>
             </a:r>
             <a:endParaRPr lang="en-GB" dirty="0"/>
           </a:p>
@@ -1076,7 +1078,7 @@
           <a:p>
             <a:fld id="{B88E1A96-A68C-4ED7-8535-7FE27C72D2F0}" type="slidenum">
               <a:rPr lang="en-GB" smtClean="0"/>
-              <a:t>17</a:t>
+              <a:t>18</a:t>
             </a:fld>
             <a:endParaRPr lang="en-GB"/>
           </a:p>
@@ -1085,7 +1087,7 @@
     </p:spTree>
     <p:extLst>
       <p:ext uri="{BB962C8B-B14F-4D97-AF65-F5344CB8AC3E}">
-        <p14:creationId xmlns:p14="http://schemas.microsoft.com/office/powerpoint/2010/main" val="3148679627"/>
+        <p14:creationId xmlns:p14="http://schemas.microsoft.com/office/powerpoint/2010/main" val="2536771516"/>
       </p:ext>
     </p:extLst>
   </p:cSld>
@@ -1141,25 +1143,46 @@
           <a:p>
             <a:r>
               <a:rPr lang="en-GB" dirty="0" smtClean="0"/>
-              <a:t>The</a:t>
+              <a:t>The feasibility</a:t>
             </a:r>
             <a:r>
               <a:rPr lang="en-GB" baseline="0" dirty="0" smtClean="0"/>
-              <a:t> alternative is horizontal scaling.  We don’t increase the size of the boxes but …</a:t>
+              <a:t> of scaling horizontally really depends on the required workload.  If we’re dealing mostly with reads, we can use what’s called master-slave replication.  Basically, there is still one definitive version of the data – the master – and all writes are sent there.  We then push data out (replication techniques vary…) to copies of the master – these are the slaves.  These multiple servers allow us to respond to many more read requests.</a:t>
             </a:r>
           </a:p>
           <a:p>
             <a:r>
               <a:rPr lang="en-GB" baseline="0" dirty="0" smtClean="0"/>
-              <a:t>(SHOW ANIMATION)</a:t>
-            </a:r>
-          </a:p>
-          <a:p>
+              <a:t>The key thing to note here is that there is still only a single server for the write workload, and if anything it is doing more work than before (it also has to do some sort of work to broadcast changes to the slaves).  So if we have a lot of writes, we are going to either run into the same problems with vertical scaling as before, or need to move to an alternative (probably more complex) architecture.</a:t>
+            </a:r>
+          </a:p>
+          <a:p>
+            <a:pPr marL="0" marR="0" indent="0" algn="l" defTabSz="914400" rtl="0" eaLnBrk="1" fontAlgn="auto" latinLnBrk="0" hangingPunct="1">
+              <a:lnSpc>
+                <a:spcPct val="100000"/>
+              </a:lnSpc>
+              <a:spcBef>
+                <a:spcPts val="0"/>
+              </a:spcBef>
+              <a:spcAft>
+                <a:spcPts val="0"/>
+              </a:spcAft>
+              <a:buClrTx/>
+              <a:buSzTx/>
+              <a:buFontTx/>
+              <a:buNone/>
+              <a:tabLst/>
+              <a:defRPr/>
+            </a:pPr>
+            <a:r>
+              <a:rPr lang="en-GB" dirty="0" smtClean="0"/>
+              <a:t>NB: A “write-heavy” workload doesn’t need to mean a strict majority</a:t>
+            </a:r>
             <a:r>
               <a:rPr lang="en-GB" baseline="0" dirty="0" smtClean="0"/>
-              <a:t>…we use more of them.</a:t>
-            </a:r>
-            <a:endParaRPr lang="en-GB" dirty="0"/>
+              <a:t> of requests are writes, just that there are enough that this architecture of having one master, many slaves is not going to work.</a:t>
+            </a:r>
+            <a:endParaRPr lang="en-GB" dirty="0" smtClean="0"/>
           </a:p>
         </p:txBody>
       </p:sp>
@@ -1180,7 +1203,7 @@
           <a:p>
             <a:fld id="{B88E1A96-A68C-4ED7-8535-7FE27C72D2F0}" type="slidenum">
               <a:rPr lang="en-GB" smtClean="0"/>
-              <a:t>19</a:t>
+              <a:t>20</a:t>
             </a:fld>
             <a:endParaRPr lang="en-GB"/>
           </a:p>
@@ -1189,7 +1212,7 @@
     </p:spTree>
     <p:extLst>
       <p:ext uri="{BB962C8B-B14F-4D97-AF65-F5344CB8AC3E}">
-        <p14:creationId xmlns:p14="http://schemas.microsoft.com/office/powerpoint/2010/main" val="2536771516"/>
+        <p14:creationId xmlns:p14="http://schemas.microsoft.com/office/powerpoint/2010/main" val="915869242"/>
       </p:ext>
     </p:extLst>
   </p:cSld>
@@ -1245,17 +1268,33 @@
           <a:p>
             <a:r>
               <a:rPr lang="en-GB" dirty="0" smtClean="0"/>
-              <a:t>The feasibility</a:t>
+              <a:t>One of the</a:t>
             </a:r>
             <a:r>
               <a:rPr lang="en-GB" baseline="0" dirty="0" smtClean="0"/>
-              <a:t> of scaling horizontally really depends on the required workload.  If we’re dealing mostly with reads, we can use what’s called master-slave replication.  Basically, there is still one definitive version of the data – the master – and all writes are sent there.  We then push data out (replication techniques vary…) to copies of the master – these are the slaves.  These multiple servers allow us to respond to many more read requests.</a:t>
-            </a:r>
-          </a:p>
-          <a:p>
+              <a:t> main ways that most database systems (including relational) can be scaled up horizontally for write workloads is through </a:t>
+            </a:r>
+            <a:r>
+              <a:rPr lang="en-GB" baseline="0" dirty="0" err="1" smtClean="0"/>
+              <a:t>sharding</a:t>
+            </a:r>
             <a:r>
               <a:rPr lang="en-GB" baseline="0" dirty="0" smtClean="0"/>
-              <a:t>The key thing to note here is that there is still only a single server for the write workload, and if anything it is doing more work than before (it also has to do some sort of work to broadcast changes to the slaves).  So if we have a lot of writes, we are going to either run into the same problems with vertical scaling as before, or need to move to an alternative (probably more complex) architecture.</a:t>
+              <a:t>.</a:t>
+            </a:r>
+          </a:p>
+          <a:p>
+            <a:r>
+              <a:rPr lang="en-GB" baseline="0" dirty="0" smtClean="0"/>
+              <a:t>At the highest level, </a:t>
+            </a:r>
+            <a:r>
+              <a:rPr lang="en-GB" baseline="0" dirty="0" err="1" smtClean="0"/>
+              <a:t>sharding</a:t>
+            </a:r>
+            <a:r>
+              <a:rPr lang="en-GB" baseline="0" dirty="0" smtClean="0"/>
+              <a:t> is relatively straightforward.  We store distinct parts of the data on each of several nodes.  Each node handles both reads and writes, so we can handle plenty of both types of traffic.</a:t>
             </a:r>
           </a:p>
           <a:p>
@@ -1277,14 +1316,17 @@
               <a:defRPr/>
             </a:pPr>
             <a:r>
-              <a:rPr lang="en-GB" dirty="0" smtClean="0"/>
-              <a:t>NB: A “write-heavy” workload doesn’t need to mean a strict majority</a:t>
-            </a:r>
-            <a:r>
               <a:rPr lang="en-GB" baseline="0" dirty="0" smtClean="0"/>
-              <a:t> of requests are writes, just that there are enough that this architecture of having one master, many slaves is not going to work.</a:t>
-            </a:r>
-            <a:endParaRPr lang="en-GB" dirty="0" smtClean="0"/>
+              <a:t>However – the devil is in the detail – what strategy do we use to distribute the data? – making sure our application knows where to send data to and retrieve it from?  How do we make sure we keep data sufficiently and evenly distributed?  This can add complexity to </a:t>
+            </a:r>
+            <a:r>
+              <a:rPr lang="en-GB" baseline="0" dirty="0" err="1" smtClean="0"/>
+              <a:t>sharding</a:t>
+            </a:r>
+            <a:r>
+              <a:rPr lang="en-GB" baseline="0" dirty="0" smtClean="0"/>
+              <a:t>, and traditional relational databases don’t always make this easy “out of the box”.</a:t>
+            </a:r>
           </a:p>
         </p:txBody>
       </p:sp>
@@ -1370,64 +1412,55 @@
           <a:p>
             <a:r>
               <a:rPr lang="en-GB" dirty="0" smtClean="0"/>
-              <a:t>One of the</a:t>
+              <a:t>So</a:t>
             </a:r>
             <a:r>
               <a:rPr lang="en-GB" baseline="0" dirty="0" smtClean="0"/>
-              <a:t> main ways that most database systems (including relational) can be scaled up horizontally for write workloads is through </a:t>
+              <a:t> now we’re starting to see some of the limitations of traditional database approaches.  It’s time to focus a bit more clearly on what we mean by “NoSQL”.</a:t>
+            </a:r>
+          </a:p>
+          <a:p>
+            <a:r>
+              <a:rPr lang="en-GB" baseline="0" dirty="0" smtClean="0"/>
+              <a:t>Firstly, the term itself – it can be interpreted as excluding SQL and relational altogether, or the “NO” can be interpreted as meaning “Not Only”, implying a more mixed approach of the right database for the right problem.</a:t>
+            </a:r>
+          </a:p>
+          <a:p>
+            <a:r>
+              <a:rPr lang="en-GB" baseline="0" dirty="0" smtClean="0"/>
+              <a:t>This broader interpretation is probably more helpful for general-purpose usage.</a:t>
+            </a:r>
+          </a:p>
+          <a:p>
+            <a:r>
+              <a:rPr lang="en-GB" baseline="0" dirty="0" smtClean="0"/>
+              <a:t>The original idea of getting away from relational as the main storage medium came from “Web-Scale” companies like Google, Amazon and later social networks like Facebook.</a:t>
+            </a:r>
+          </a:p>
+          <a:p>
+            <a:r>
+              <a:rPr lang="en-GB" baseline="0" dirty="0" smtClean="0"/>
+              <a:t>They faced the challenge of building massive distributed systems with “Big Data” meeting the “Three Vs” conditions.  This meant they were brought up sharply against the limits of relational databases.</a:t>
+            </a:r>
+          </a:p>
+          <a:p>
+            <a:r>
+              <a:rPr lang="en-GB" baseline="0" dirty="0" smtClean="0"/>
+              <a:t>These are companies that pride themselves on having highly-skilled engineering teams, so they started to build in-house systems which helped them manage data on this scale as well as maintain and scale clusters relatively easily.  Some of their work (e.g. Google </a:t>
             </a:r>
             <a:r>
               <a:rPr lang="en-GB" baseline="0" dirty="0" err="1" smtClean="0"/>
-              <a:t>sharding</a:t>
+              <a:t>BigTable</a:t>
             </a:r>
             <a:r>
               <a:rPr lang="en-GB" baseline="0" dirty="0" smtClean="0"/>
-              <a:t>.</a:t>
+              <a:t> &amp; GFS, Amazon Dynamo) was published as white papers and was an early influence on the wider NoSQL movement, which has grown since then</a:t>
             </a:r>
           </a:p>
           <a:p>
             <a:r>
               <a:rPr lang="en-GB" baseline="0" dirty="0" smtClean="0"/>
-              <a:t>At the highest level, </a:t>
-            </a:r>
-            <a:r>
-              <a:rPr lang="en-GB" baseline="0" dirty="0" err="1" smtClean="0"/>
-              <a:t>sharding</a:t>
-            </a:r>
-            <a:r>
-              <a:rPr lang="en-GB" baseline="0" dirty="0" smtClean="0"/>
-              <a:t> is relatively straightforward.  We store distinct parts of the data on each of several nodes.  Each node handles both reads and writes, so we can handle plenty of both types of traffic.</a:t>
-            </a:r>
-          </a:p>
-          <a:p>
-            <a:pPr marL="0" marR="0" indent="0" algn="l" defTabSz="914400" rtl="0" eaLnBrk="1" fontAlgn="auto" latinLnBrk="0" hangingPunct="1">
-              <a:lnSpc>
-                <a:spcPct val="100000"/>
-              </a:lnSpc>
-              <a:spcBef>
-                <a:spcPts val="0"/>
-              </a:spcBef>
-              <a:spcAft>
-                <a:spcPts val="0"/>
-              </a:spcAft>
-              <a:buClrTx/>
-              <a:buSzTx/>
-              <a:buFontTx/>
-              <a:buNone/>
-              <a:tabLst/>
-              <a:defRPr/>
-            </a:pPr>
-            <a:r>
-              <a:rPr lang="en-GB" baseline="0" dirty="0" smtClean="0"/>
-              <a:t>However – the devil is in the detail – what strategy do we use to distribute the data? – making sure our application knows where to send data to and retrieve it from?  How do we make sure we keep data sufficiently and evenly distributed?  This can add complexity to </a:t>
-            </a:r>
-            <a:r>
-              <a:rPr lang="en-GB" baseline="0" dirty="0" err="1" smtClean="0"/>
-              <a:t>sharding</a:t>
-            </a:r>
-            <a:r>
-              <a:rPr lang="en-GB" baseline="0" dirty="0" smtClean="0"/>
-              <a:t>, and traditional relational databases don’t always make this easy “out of the box”.</a:t>
+              <a:t>In particular there have been a number of freely-available open-source “NoSQL” systems created and released.</a:t>
             </a:r>
           </a:p>
         </p:txBody>
@@ -1458,7 +1491,7 @@
     </p:spTree>
     <p:extLst>
       <p:ext uri="{BB962C8B-B14F-4D97-AF65-F5344CB8AC3E}">
-        <p14:creationId xmlns:p14="http://schemas.microsoft.com/office/powerpoint/2010/main" val="915869242"/>
+        <p14:creationId xmlns:p14="http://schemas.microsoft.com/office/powerpoint/2010/main" val="2584747744"/>
       </p:ext>
     </p:extLst>
   </p:cSld>
@@ -1512,58 +1545,7 @@
           <a:bodyPr/>
           <a:lstStyle/>
           <a:p>
-            <a:r>
-              <a:rPr lang="en-GB" dirty="0" smtClean="0"/>
-              <a:t>So</a:t>
-            </a:r>
-            <a:r>
-              <a:rPr lang="en-GB" baseline="0" dirty="0" smtClean="0"/>
-              <a:t> now we’re starting to see some of the limitations of traditional database approaches.  It’s time to focus a bit more clearly on what we mean by “NoSQL”.</a:t>
-            </a:r>
-          </a:p>
-          <a:p>
-            <a:r>
-              <a:rPr lang="en-GB" baseline="0" dirty="0" smtClean="0"/>
-              <a:t>Firstly, the term itself – it can be interpreted as excluding SQL and relational altogether, or the “NO” can be interpreted as meaning “Not Only”, implying a more mixed approach of the right database for the right problem.</a:t>
-            </a:r>
-          </a:p>
-          <a:p>
-            <a:r>
-              <a:rPr lang="en-GB" baseline="0" dirty="0" smtClean="0"/>
-              <a:t>This broader interpretation is probably more helpful for general-purpose usage.</a:t>
-            </a:r>
-          </a:p>
-          <a:p>
-            <a:r>
-              <a:rPr lang="en-GB" baseline="0" dirty="0" smtClean="0"/>
-              <a:t>The original idea of getting away from relational as the main storage medium came from “Web-Scale” companies like Google, Amazon and later social networks like Facebook.</a:t>
-            </a:r>
-          </a:p>
-          <a:p>
-            <a:r>
-              <a:rPr lang="en-GB" baseline="0" dirty="0" smtClean="0"/>
-              <a:t>They faced the challenge of building massive distributed systems with “Big Data” meeting the “Three Vs” conditions.  This meant they were brought up sharply against the limits of relational databases.</a:t>
-            </a:r>
-          </a:p>
-          <a:p>
-            <a:r>
-              <a:rPr lang="en-GB" baseline="0" dirty="0" smtClean="0"/>
-              <a:t>These are companies that pride themselves on having highly-skilled engineering teams, so they started to build in-house systems which helped them manage data on this scale as well as maintain and scale clusters relatively easily.  Some of their work (e.g. Google </a:t>
-            </a:r>
-            <a:r>
-              <a:rPr lang="en-GB" baseline="0" dirty="0" err="1" smtClean="0"/>
-              <a:t>BigTable</a:t>
-            </a:r>
-            <a:r>
-              <a:rPr lang="en-GB" baseline="0" dirty="0" smtClean="0"/>
-              <a:t> &amp; GFS, Amazon Dynamo) was published as white papers and was an early influence on the wider NoSQL movement, which has grown since then</a:t>
-            </a:r>
-          </a:p>
-          <a:p>
-            <a:r>
-              <a:rPr lang="en-GB" baseline="0" dirty="0" smtClean="0"/>
-              <a:t>In particular there have been a number of freely-available open-source “NoSQL” systems created and released.</a:t>
-            </a:r>
+            <a:endParaRPr lang="en-GB" dirty="0"/>
           </a:p>
         </p:txBody>
       </p:sp>
@@ -1593,7 +1575,7 @@
     </p:spTree>
     <p:extLst>
       <p:ext uri="{BB962C8B-B14F-4D97-AF65-F5344CB8AC3E}">
-        <p14:creationId xmlns:p14="http://schemas.microsoft.com/office/powerpoint/2010/main" val="2584747744"/>
+        <p14:creationId xmlns:p14="http://schemas.microsoft.com/office/powerpoint/2010/main" val="3248895338"/>
       </p:ext>
     </p:extLst>
   </p:cSld>
@@ -1647,6 +1629,23 @@
           <a:bodyPr/>
           <a:lstStyle/>
           <a:p>
+            <a:r>
+              <a:rPr lang="en-GB" dirty="0" smtClean="0"/>
+              <a:t>This is the CAP theorem</a:t>
+            </a:r>
+            <a:r>
+              <a:rPr lang="en-GB" baseline="0" dirty="0" smtClean="0"/>
+              <a:t> in its simplest form.  So at face value at least, a classic engineering trade-off – “pick any two”.</a:t>
+            </a:r>
+          </a:p>
+          <a:p>
+            <a:endParaRPr lang="en-GB" baseline="0" dirty="0" smtClean="0"/>
+          </a:p>
+          <a:p>
+            <a:r>
+              <a:rPr lang="en-GB" baseline="0" dirty="0" smtClean="0"/>
+              <a:t>We’ll need to unpack this a little bit more, particularly to understand what we mean by these three properties.</a:t>
+            </a:r>
             <a:endParaRPr lang="en-GB" dirty="0"/>
           </a:p>
         </p:txBody>
@@ -1677,7 +1676,7 @@
     </p:spTree>
     <p:extLst>
       <p:ext uri="{BB962C8B-B14F-4D97-AF65-F5344CB8AC3E}">
-        <p14:creationId xmlns:p14="http://schemas.microsoft.com/office/powerpoint/2010/main" val="3248895338"/>
+        <p14:creationId xmlns:p14="http://schemas.microsoft.com/office/powerpoint/2010/main" val="982279908"/>
       </p:ext>
     </p:extLst>
   </p:cSld>
@@ -1733,21 +1732,26 @@
           <a:p>
             <a:r>
               <a:rPr lang="en-GB" dirty="0" smtClean="0"/>
-              <a:t>This is the CAP theorem</a:t>
+              <a:t>Consistency is not the same as the “Consistency” of ACID database properties (which is more to do with logical integrity and invariants).</a:t>
             </a:r>
             <a:r>
               <a:rPr lang="en-GB" baseline="0" dirty="0" smtClean="0"/>
-              <a:t> in its simplest form.  So at face value at least, a classic engineering trade-off – “pick any two”.</a:t>
-            </a:r>
-          </a:p>
-          <a:p>
-            <a:endParaRPr lang="en-GB" baseline="0" dirty="0" smtClean="0"/>
-          </a:p>
-          <a:p>
+              <a:t> CAP “Consistency”</a:t>
+            </a:r>
+            <a:r>
+              <a:rPr lang="en-GB" dirty="0" smtClean="0"/>
+              <a:t> is closer to ACID “Isolation” – we get some level of ability</a:t>
+            </a:r>
             <a:r>
               <a:rPr lang="en-GB" baseline="0" dirty="0" smtClean="0"/>
-              <a:t>We’ll need to unpack this a little bit more, particularly to understand what we mean by these three properties.</a:t>
-            </a:r>
+              <a:t> to reason about data as if it were being acted on sequentially on a single machine</a:t>
+            </a:r>
+            <a:r>
+              <a:rPr lang="en-GB" dirty="0" smtClean="0"/>
+              <a:t>.</a:t>
+            </a:r>
+          </a:p>
+          <a:p>
             <a:endParaRPr lang="en-GB" dirty="0"/>
           </a:p>
         </p:txBody>
@@ -1778,7 +1782,7 @@
     </p:spTree>
     <p:extLst>
       <p:ext uri="{BB962C8B-B14F-4D97-AF65-F5344CB8AC3E}">
-        <p14:creationId xmlns:p14="http://schemas.microsoft.com/office/powerpoint/2010/main" val="982279908"/>
+        <p14:creationId xmlns:p14="http://schemas.microsoft.com/office/powerpoint/2010/main" val="3648366239"/>
       </p:ext>
     </p:extLst>
   </p:cSld>
@@ -1935,29 +1939,85 @@
           <a:bodyPr/>
           <a:lstStyle/>
           <a:p>
-            <a:r>
-              <a:rPr lang="en-GB" dirty="0" smtClean="0"/>
-              <a:t>Consistency is not the same as the “Consistency” of ACID database properties (which is more to do with logical integrity and invariants).</a:t>
-            </a:r>
-            <a:r>
-              <a:rPr lang="en-GB" baseline="0" dirty="0" smtClean="0"/>
-              <a:t> CAP “Consistency”</a:t>
-            </a:r>
-            <a:r>
-              <a:rPr lang="en-GB" dirty="0" smtClean="0"/>
-              <a:t> is closer to ACID “Isolation” – we get some level of ability</a:t>
-            </a:r>
-            <a:r>
-              <a:rPr lang="en-GB" baseline="0" dirty="0" smtClean="0"/>
-              <a:t> to reason about data as if it were being acted on sequentially on a single machine</a:t>
-            </a:r>
-            <a:r>
-              <a:rPr lang="en-GB" dirty="0" smtClean="0"/>
-              <a:t>.</a:t>
-            </a:r>
-          </a:p>
-          <a:p>
-            <a:endParaRPr lang="en-GB" dirty="0"/>
+            <a:pPr rtl="0"/>
+            <a:r>
+              <a:rPr lang="en-GB" sz="1200" b="0" i="0" u="none" strike="noStrike" kern="1200" dirty="0" smtClean="0">
+                <a:solidFill>
+                  <a:schemeClr val="tx1"/>
+                </a:solidFill>
+                <a:effectLst/>
+                <a:latin typeface="+mn-lt"/>
+                <a:ea typeface="+mn-ea"/>
+                <a:cs typeface="+mn-cs"/>
+              </a:rPr>
+              <a:t>High latency/ delay is impossible to cleanly identify vs complete failure, non-availability.</a:t>
+            </a:r>
+          </a:p>
+          <a:p>
+            <a:pPr rtl="0"/>
+            <a:r>
+              <a:rPr lang="en-GB" sz="1200" b="0" i="0" u="none" strike="noStrike" kern="1200" dirty="0" smtClean="0">
+                <a:solidFill>
+                  <a:schemeClr val="tx1"/>
+                </a:solidFill>
+                <a:effectLst/>
+                <a:latin typeface="+mn-lt"/>
+                <a:ea typeface="+mn-ea"/>
+                <a:cs typeface="+mn-cs"/>
+              </a:rPr>
+              <a:t>At extreme - latency approaching infinity</a:t>
+            </a:r>
+            <a:r>
+              <a:rPr lang="en-GB" sz="1200" b="0" i="0" u="none" strike="noStrike" kern="1200" baseline="0" dirty="0" smtClean="0">
+                <a:solidFill>
+                  <a:schemeClr val="tx1"/>
+                </a:solidFill>
+                <a:effectLst/>
+                <a:latin typeface="+mn-lt"/>
+                <a:ea typeface="+mn-ea"/>
+                <a:cs typeface="+mn-cs"/>
+              </a:rPr>
+              <a:t> </a:t>
+            </a:r>
+            <a:r>
+              <a:rPr lang="en-GB" sz="1200" b="0" i="0" u="none" strike="noStrike" kern="1200" dirty="0" smtClean="0">
+                <a:solidFill>
+                  <a:schemeClr val="tx1"/>
+                </a:solidFill>
+                <a:effectLst/>
+                <a:latin typeface="+mn-lt"/>
+                <a:ea typeface="+mn-ea"/>
+                <a:cs typeface="+mn-cs"/>
+              </a:rPr>
+              <a:t>[or operationally, some unacceptably high value - timeouts/ SLAs etc.]</a:t>
+            </a:r>
+            <a:r>
+              <a:rPr lang="en-GB" sz="1200" b="0" i="0" u="none" strike="noStrike" kern="1200" baseline="0" dirty="0" smtClean="0">
+                <a:solidFill>
+                  <a:schemeClr val="tx1"/>
+                </a:solidFill>
+                <a:effectLst/>
+                <a:latin typeface="+mn-lt"/>
+                <a:ea typeface="+mn-ea"/>
+                <a:cs typeface="+mn-cs"/>
+              </a:rPr>
+              <a:t> </a:t>
+            </a:r>
+            <a:r>
+              <a:rPr lang="en-GB" sz="1200" b="0" i="0" u="none" strike="noStrike" kern="1200" dirty="0" smtClean="0">
+                <a:solidFill>
+                  <a:schemeClr val="tx1"/>
+                </a:solidFill>
+                <a:effectLst/>
+                <a:latin typeface="+mn-lt"/>
+                <a:ea typeface="+mn-ea"/>
+                <a:cs typeface="+mn-cs"/>
+              </a:rPr>
+              <a:t>is effectively equivalent to non-availability.</a:t>
+            </a:r>
+            <a:endParaRPr lang="en-GB" b="0" dirty="0" smtClean="0">
+              <a:effectLst/>
+            </a:endParaRPr>
           </a:p>
         </p:txBody>
       </p:sp>
@@ -1987,7 +2047,7 @@
     </p:spTree>
     <p:extLst>
       <p:ext uri="{BB962C8B-B14F-4D97-AF65-F5344CB8AC3E}">
-        <p14:creationId xmlns:p14="http://schemas.microsoft.com/office/powerpoint/2010/main" val="3648366239"/>
+        <p14:creationId xmlns:p14="http://schemas.microsoft.com/office/powerpoint/2010/main" val="473042898"/>
       </p:ext>
     </p:extLst>
   </p:cSld>
@@ -2041,85 +2101,27 @@
           <a:bodyPr/>
           <a:lstStyle/>
           <a:p>
-            <a:pPr rtl="0"/>
-            <a:r>
-              <a:rPr lang="en-GB" sz="1200" b="0" i="0" u="none" strike="noStrike" kern="1200" dirty="0" smtClean="0">
-                <a:solidFill>
-                  <a:schemeClr val="tx1"/>
-                </a:solidFill>
-                <a:effectLst/>
-                <a:latin typeface="+mn-lt"/>
-                <a:ea typeface="+mn-ea"/>
-                <a:cs typeface="+mn-cs"/>
-              </a:rPr>
-              <a:t>High latency/ delay is impossible to cleanly identify vs complete failure, non-availability.</a:t>
-            </a:r>
-          </a:p>
-          <a:p>
-            <a:pPr rtl="0"/>
-            <a:r>
-              <a:rPr lang="en-GB" sz="1200" b="0" i="0" u="none" strike="noStrike" kern="1200" dirty="0" smtClean="0">
-                <a:solidFill>
-                  <a:schemeClr val="tx1"/>
-                </a:solidFill>
-                <a:effectLst/>
-                <a:latin typeface="+mn-lt"/>
-                <a:ea typeface="+mn-ea"/>
-                <a:cs typeface="+mn-cs"/>
-              </a:rPr>
-              <a:t>At extreme - latency approaching infinity</a:t>
-            </a:r>
-            <a:r>
-              <a:rPr lang="en-GB" sz="1200" b="0" i="0" u="none" strike="noStrike" kern="1200" baseline="0" dirty="0" smtClean="0">
-                <a:solidFill>
-                  <a:schemeClr val="tx1"/>
-                </a:solidFill>
-                <a:effectLst/>
-                <a:latin typeface="+mn-lt"/>
-                <a:ea typeface="+mn-ea"/>
-                <a:cs typeface="+mn-cs"/>
-              </a:rPr>
-              <a:t> </a:t>
-            </a:r>
-            <a:r>
-              <a:rPr lang="en-GB" sz="1200" b="0" i="0" u="none" strike="noStrike" kern="1200" dirty="0" smtClean="0">
-                <a:solidFill>
-                  <a:schemeClr val="tx1"/>
-                </a:solidFill>
-                <a:effectLst/>
-                <a:latin typeface="+mn-lt"/>
-                <a:ea typeface="+mn-ea"/>
-                <a:cs typeface="+mn-cs"/>
-              </a:rPr>
-              <a:t>[or operationally, some unacceptably high value - timeouts/ SLAs etc.]</a:t>
-            </a:r>
-            <a:r>
-              <a:rPr lang="en-GB" sz="1200" b="0" i="0" u="none" strike="noStrike" kern="1200" baseline="0" dirty="0" smtClean="0">
-                <a:solidFill>
-                  <a:schemeClr val="tx1"/>
-                </a:solidFill>
-                <a:effectLst/>
-                <a:latin typeface="+mn-lt"/>
-                <a:ea typeface="+mn-ea"/>
-                <a:cs typeface="+mn-cs"/>
-              </a:rPr>
-              <a:t> </a:t>
-            </a:r>
-            <a:r>
-              <a:rPr lang="en-GB" sz="1200" b="0" i="0" u="none" strike="noStrike" kern="1200" dirty="0" smtClean="0">
-                <a:solidFill>
-                  <a:schemeClr val="tx1"/>
-                </a:solidFill>
-                <a:effectLst/>
-                <a:latin typeface="+mn-lt"/>
-                <a:ea typeface="+mn-ea"/>
-                <a:cs typeface="+mn-cs"/>
-              </a:rPr>
-              <a:t>is effectively equivalent to non-availability.</a:t>
-            </a:r>
-            <a:endParaRPr lang="en-GB" b="0" dirty="0" smtClean="0">
-              <a:effectLst/>
-            </a:endParaRPr>
+            <a:r>
+              <a:rPr lang="en-GB" dirty="0" smtClean="0"/>
+              <a:t>Practically</a:t>
+            </a:r>
+            <a:r>
+              <a:rPr lang="en-GB" baseline="0" dirty="0" smtClean="0"/>
+              <a:t> speaking, any real-world distributed system must deal with the possibility of failure – delay in network communication, server garbage collection etc. count just as much as complete network partition/ node failure.</a:t>
+            </a:r>
+          </a:p>
+          <a:p>
+            <a:r>
+              <a:rPr lang="en-GB" baseline="0" dirty="0" smtClean="0"/>
+              <a:t>&amp; the larger the system gets, the more expected hardware failures become.  E.g. mean time to server failure = 3 years –&gt; with 1000 servers you expect to average around 1 failure per day.</a:t>
+            </a:r>
+          </a:p>
+          <a:p>
+            <a:r>
+              <a:rPr lang="en-GB" baseline="0" dirty="0" smtClean="0"/>
+              <a:t>So in reality we have to decide, when these failures (“partitions”) happen, do we favour consistency or availability – the other cannot be guaranteed.</a:t>
+            </a:r>
+            <a:endParaRPr lang="en-GB" dirty="0"/>
           </a:p>
         </p:txBody>
       </p:sp>
@@ -2149,7 +2151,7 @@
     </p:spTree>
     <p:extLst>
       <p:ext uri="{BB962C8B-B14F-4D97-AF65-F5344CB8AC3E}">
-        <p14:creationId xmlns:p14="http://schemas.microsoft.com/office/powerpoint/2010/main" val="473042898"/>
+        <p14:creationId xmlns:p14="http://schemas.microsoft.com/office/powerpoint/2010/main" val="2160327570"/>
       </p:ext>
     </p:extLst>
   </p:cSld>
@@ -2205,25 +2207,73 @@
           <a:p>
             <a:r>
               <a:rPr lang="en-GB" dirty="0" smtClean="0"/>
-              <a:t>Practically</a:t>
+              <a:t>So to give a simple example – say we have five</a:t>
             </a:r>
             <a:r>
               <a:rPr lang="en-GB" baseline="0" dirty="0" smtClean="0"/>
-              <a:t> speaking, any real-world distributed system must deal with the possibility of failure – delay in network communication, server garbage collection etc. count just as much as complete network partition/ node failure.</a:t>
-            </a:r>
+              <a:t> nodes which are collaborating to manage the same data.  They might be part of a wider cluster, but these five all contain a record of the value for “a”.  At first, all the nodes can communicate happily – and so if there is a change to the value of “a”, they all know about it and stay in sync with minimal latency.</a:t>
+            </a:r>
+          </a:p>
+          <a:p>
+            <a:endParaRPr lang="en-GB" baseline="0" dirty="0" smtClean="0"/>
           </a:p>
           <a:p>
             <a:r>
               <a:rPr lang="en-GB" baseline="0" dirty="0" smtClean="0"/>
-              <a:t>&amp; the larger the system gets, the more expected hardware failures become.  E.g. mean time to server failure = 3 years –&gt; with 1000 servers you expect to average around 1 failure per day.</a:t>
-            </a:r>
-          </a:p>
-          <a:p>
+              <a:t>HOWEVER (ANIMATION 1) – if we split them in half with a network partition, we have more of a problem.  Not all the nodes can share information.  If an update comes in during the partition (ANIMATION 2), we have a choice:</a:t>
+            </a:r>
+          </a:p>
+          <a:p>
+            <a:endParaRPr lang="en-GB" baseline="0" dirty="0" smtClean="0"/>
+          </a:p>
+          <a:p>
+            <a:pPr marL="171450" indent="-171450">
+              <a:buFontTx/>
+              <a:buChar char="-"/>
+            </a:pPr>
             <a:r>
               <a:rPr lang="en-GB" baseline="0" dirty="0" smtClean="0"/>
-              <a:t>So in reality we have to decide, when these failures (“partitions”) happen, do we favour consistency or availability – the other cannot be guaranteed.</a:t>
-            </a:r>
-            <a:endParaRPr lang="en-GB" dirty="0"/>
+              <a:t>Allow the write on the nodes that can receive it.  That means these nodes on the bottom right can get the new value and acknowledge success to the application.  This is favouring availability, but then these nodes have a different value from those on the top left, so losing consistency.  This is especially a problem if we also get a new update to the top-left partition (ANIMATION 3) – now we don’t even have a consistent HISTORY of updates – when the partition heals, we have to decide which update to keep/ which is the latest in the global “</a:t>
+            </a:r>
+            <a:r>
+              <a:rPr lang="en-GB" baseline="0" smtClean="0"/>
+              <a:t>history”.</a:t>
+            </a:r>
+            <a:endParaRPr lang="en-GB" baseline="0" dirty="0" smtClean="0"/>
+          </a:p>
+          <a:p>
+            <a:pPr marL="171450" indent="-171450">
+              <a:buFontTx/>
+              <a:buChar char="-"/>
+            </a:pPr>
+            <a:endParaRPr lang="en-GB" baseline="0" dirty="0" smtClean="0"/>
+          </a:p>
+          <a:p>
+            <a:pPr marL="171450" indent="-171450">
+              <a:buFontTx/>
+              <a:buChar char="-"/>
+            </a:pPr>
+            <a:r>
+              <a:rPr lang="en-GB" baseline="0" dirty="0" smtClean="0"/>
+              <a:t>Alternatively, we can delay acknowledging and committing the write until all nodes can respond.  This preserves consistency (all nodes have value 1, up until the point they can all accept value 2) but means we cannot write data while the network is partitioned – so availability is lost.</a:t>
+            </a:r>
+          </a:p>
+          <a:p>
+            <a:pPr marL="0" indent="0">
+              <a:buFontTx/>
+              <a:buNone/>
+            </a:pPr>
+            <a:endParaRPr lang="en-GB" baseline="0" dirty="0" smtClean="0"/>
+          </a:p>
+          <a:p>
+            <a:pPr marL="0" indent="0">
+              <a:buFontTx/>
+              <a:buNone/>
+            </a:pPr>
+            <a:r>
+              <a:rPr lang="en-GB" baseline="0" dirty="0" smtClean="0"/>
+              <a:t>Traditional databases tend to be CP (favouring consistency) – one of the key insights of the NoSQL movement is that sometimes it is possible – and desirable - to favour availability.</a:t>
+            </a:r>
           </a:p>
         </p:txBody>
       </p:sp>
@@ -2253,7 +2303,7 @@
     </p:spTree>
     <p:extLst>
       <p:ext uri="{BB962C8B-B14F-4D97-AF65-F5344CB8AC3E}">
-        <p14:creationId xmlns:p14="http://schemas.microsoft.com/office/powerpoint/2010/main" val="2160327570"/>
+        <p14:creationId xmlns:p14="http://schemas.microsoft.com/office/powerpoint/2010/main" val="2777403628"/>
       </p:ext>
     </p:extLst>
   </p:cSld>
@@ -2309,11 +2359,11 @@
           <a:p>
             <a:r>
               <a:rPr lang="en-GB" dirty="0" smtClean="0"/>
-              <a:t>So to give a simple example – say we have five</a:t>
+              <a:t>Using this new terminology,</a:t>
             </a:r>
             <a:r>
               <a:rPr lang="en-GB" baseline="0" dirty="0" smtClean="0"/>
-              <a:t> nodes which are collaborating to manage the same data.  They might be part of a wider cluster, but these five all contain a record of the value for “a”.  At first, all the nodes can communicate happily – and so if there is a change to the value of “a”, they all know about it and stay in sync with minimal latency.</a:t>
+              <a:t> we can take a look at some “proper” NoSQL systems and categorise them accordingly.</a:t>
             </a:r>
           </a:p>
           <a:p>
@@ -2321,61 +2371,26 @@
           </a:p>
           <a:p>
             <a:r>
+              <a:rPr lang="en-GB" dirty="0" err="1" smtClean="0"/>
+              <a:t>MongoDB</a:t>
+            </a:r>
+            <a:r>
+              <a:rPr lang="en-GB" dirty="0" smtClean="0"/>
+              <a:t> is a common</a:t>
+            </a:r>
+            <a:r>
               <a:rPr lang="en-GB" baseline="0" dirty="0" smtClean="0"/>
-              <a:t>HOWEVER (ANIMATION 1) – if we split them in half with a network partition, we have more of a problem.  Not all the nodes can share information.  If an update comes in during the partition (ANIMATION 2), we have a choice:</a:t>
-            </a:r>
-          </a:p>
-          <a:p>
-            <a:endParaRPr lang="en-GB" baseline="0" dirty="0" smtClean="0"/>
-          </a:p>
-          <a:p>
-            <a:pPr marL="171450" indent="-171450">
-              <a:buFontTx/>
-              <a:buChar char="-"/>
-            </a:pPr>
+              <a:t> (and reasonably good) place for developers to start with NoSQL, as it is decent at scaling up while still being basically “CP”, and (perhaps more importantly to many </a:t>
+            </a:r>
+            <a:r>
+              <a:rPr lang="en-GB" baseline="0" dirty="0" err="1" smtClean="0"/>
+              <a:t>devs</a:t>
+            </a:r>
             <a:r>
               <a:rPr lang="en-GB" baseline="0" dirty="0" smtClean="0"/>
-              <a:t>Allow the write on the nodes that can receive it.  That means these nodes on the bottom right can get the new value and acknowledge success to the application.  This is favouring availability, but then these nodes have a different value from those on the top left, so losing consistency.  This is especially a problem if we also get a new update to the top-left partition (ANIMATION 3) – now we don’t even have a consistent HISTORY of updates – when the partition heals, we have to decide which update to keep/ which is the latest in the global “</a:t>
-            </a:r>
-            <a:r>
-              <a:rPr lang="en-GB" baseline="0" smtClean="0"/>
-              <a:t>history”.</a:t>
-            </a:r>
-            <a:endParaRPr lang="en-GB" baseline="0" dirty="0" smtClean="0"/>
-          </a:p>
-          <a:p>
-            <a:pPr marL="171450" indent="-171450">
-              <a:buFontTx/>
-              <a:buChar char="-"/>
-            </a:pPr>
-            <a:endParaRPr lang="en-GB" baseline="0" dirty="0" smtClean="0"/>
-          </a:p>
-          <a:p>
-            <a:pPr marL="171450" indent="-171450">
-              <a:buFontTx/>
-              <a:buChar char="-"/>
-            </a:pPr>
-            <a:r>
-              <a:rPr lang="en-GB" baseline="0" dirty="0" smtClean="0"/>
-              <a:t>Alternatively, we can delay acknowledging and committing the write until all nodes can respond.  This preserves consistency (all nodes have value 1, up until the point they can all accept value 2) but means we cannot write data while the network is partitioned – so availability is lost.</a:t>
-            </a:r>
-          </a:p>
-          <a:p>
-            <a:pPr marL="0" indent="0">
-              <a:buFontTx/>
-              <a:buNone/>
-            </a:pPr>
-            <a:endParaRPr lang="en-GB" baseline="0" dirty="0" smtClean="0"/>
-          </a:p>
-          <a:p>
-            <a:pPr marL="0" indent="0">
-              <a:buFontTx/>
-              <a:buNone/>
-            </a:pPr>
-            <a:r>
-              <a:rPr lang="en-GB" baseline="0" dirty="0" smtClean="0"/>
-              <a:t>Traditional databases tend to be CP (favouring consistency) – one of the key insights of the NoSQL movement is that sometimes it is possible – and desirable - to favour availability.</a:t>
-            </a:r>
+              <a:t>!) it avoids the impedance problems of relational DBs by storing data as BSON (binary JSON) documents.</a:t>
+            </a:r>
+            <a:endParaRPr lang="en-GB" dirty="0"/>
           </a:p>
         </p:txBody>
       </p:sp>
@@ -2396,7 +2411,7 @@
           <a:p>
             <a:fld id="{B88E1A96-A68C-4ED7-8535-7FE27C72D2F0}" type="slidenum">
               <a:rPr lang="en-GB" smtClean="0"/>
-              <a:t>29</a:t>
+              <a:t>31</a:t>
             </a:fld>
             <a:endParaRPr lang="en-GB"/>
           </a:p>
@@ -2405,7 +2420,7 @@
     </p:spTree>
     <p:extLst>
       <p:ext uri="{BB962C8B-B14F-4D97-AF65-F5344CB8AC3E}">
-        <p14:creationId xmlns:p14="http://schemas.microsoft.com/office/powerpoint/2010/main" val="2777403628"/>
+        <p14:creationId xmlns:p14="http://schemas.microsoft.com/office/powerpoint/2010/main" val="3893714852"/>
       </p:ext>
     </p:extLst>
   </p:cSld>
@@ -2460,39 +2475,9 @@
           <a:lstStyle/>
           <a:p>
             <a:r>
-              <a:rPr lang="en-GB" dirty="0" smtClean="0"/>
-              <a:t>Using this new terminology,</a:t>
-            </a:r>
-            <a:r>
               <a:rPr lang="en-GB" baseline="0" dirty="0" smtClean="0"/>
-              <a:t> we can take a look at some “proper” NoSQL systems and categorise them accordingly.</a:t>
-            </a:r>
-          </a:p>
-          <a:p>
-            <a:endParaRPr lang="en-GB" baseline="0" dirty="0" smtClean="0"/>
-          </a:p>
-          <a:p>
-            <a:r>
-              <a:rPr lang="en-GB" dirty="0" err="1" smtClean="0"/>
-              <a:t>MongoDB</a:t>
-            </a:r>
-            <a:r>
-              <a:rPr lang="en-GB" dirty="0" smtClean="0"/>
-              <a:t> is a common</a:t>
-            </a:r>
-            <a:r>
-              <a:rPr lang="en-GB" baseline="0" dirty="0" smtClean="0"/>
-              <a:t> (and reasonably good) place for developers to start with NoSQL, as it is decent at scaling up while still being basically “CP”, and (perhaps more importantly to many </a:t>
-            </a:r>
-            <a:r>
-              <a:rPr lang="en-GB" baseline="0" dirty="0" err="1" smtClean="0"/>
-              <a:t>devs</a:t>
-            </a:r>
-            <a:r>
-              <a:rPr lang="en-GB" baseline="0" dirty="0" smtClean="0"/>
-              <a:t>!) it avoids the impedance problems of relational DBs by storing data as BSON (binary JSON) documents.</a:t>
-            </a:r>
-            <a:endParaRPr lang="en-GB" dirty="0"/>
+              <a:t>http://docs.basho.com/riak/1.1.0/references/appendices/comparisons/Riak-Compared-to-Cassandra/</a:t>
+            </a:r>
           </a:p>
         </p:txBody>
       </p:sp>
@@ -2513,7 +2498,7 @@
           <a:p>
             <a:fld id="{B88E1A96-A68C-4ED7-8535-7FE27C72D2F0}" type="slidenum">
               <a:rPr lang="en-GB" smtClean="0"/>
-              <a:t>31</a:t>
+              <a:t>33</a:t>
             </a:fld>
             <a:endParaRPr lang="en-GB"/>
           </a:p>
@@ -2522,7 +2507,7 @@
     </p:spTree>
     <p:extLst>
       <p:ext uri="{BB962C8B-B14F-4D97-AF65-F5344CB8AC3E}">
-        <p14:creationId xmlns:p14="http://schemas.microsoft.com/office/powerpoint/2010/main" val="3893714852"/>
+        <p14:creationId xmlns:p14="http://schemas.microsoft.com/office/powerpoint/2010/main" val="3766499604"/>
       </p:ext>
     </p:extLst>
   </p:cSld>
@@ -2577,9 +2562,30 @@
           <a:lstStyle/>
           <a:p>
             <a:r>
+              <a:rPr lang="en-GB" dirty="0" smtClean="0"/>
+              <a:t>This is a model for data and load distribution that is shared</a:t>
+            </a:r>
+            <a:r>
               <a:rPr lang="en-GB" baseline="0" dirty="0" smtClean="0"/>
-              <a:t>http://docs.basho.com/riak/1.1.0/references/appendices/comparisons/Riak-Compared-to-Cassandra/</a:t>
-            </a:r>
+              <a:t> by </a:t>
+            </a:r>
+            <a:r>
+              <a:rPr lang="en-GB" baseline="0" dirty="0" err="1" smtClean="0"/>
+              <a:t>Riak</a:t>
+            </a:r>
+            <a:r>
+              <a:rPr lang="en-GB" baseline="0" dirty="0" smtClean="0"/>
+              <a:t> and Cassandra (diagram is from Basho (</a:t>
+            </a:r>
+            <a:r>
+              <a:rPr lang="en-GB" baseline="0" dirty="0" err="1" smtClean="0"/>
+              <a:t>Riak</a:t>
+            </a:r>
+            <a:r>
+              <a:rPr lang="en-GB" baseline="0" dirty="0" smtClean="0"/>
+              <a:t>) website – but same principle), and has a deep impact on how they store, manage and retrieve data.</a:t>
+            </a:r>
+            <a:endParaRPr lang="en-GB" dirty="0"/>
           </a:p>
         </p:txBody>
       </p:sp>
@@ -2600,7 +2606,7 @@
           <a:p>
             <a:fld id="{B88E1A96-A68C-4ED7-8535-7FE27C72D2F0}" type="slidenum">
               <a:rPr lang="en-GB" smtClean="0"/>
-              <a:t>33</a:t>
+              <a:t>34</a:t>
             </a:fld>
             <a:endParaRPr lang="en-GB"/>
           </a:p>
@@ -2609,7 +2615,7 @@
     </p:spTree>
     <p:extLst>
       <p:ext uri="{BB962C8B-B14F-4D97-AF65-F5344CB8AC3E}">
-        <p14:creationId xmlns:p14="http://schemas.microsoft.com/office/powerpoint/2010/main" val="3766499604"/>
+        <p14:creationId xmlns:p14="http://schemas.microsoft.com/office/powerpoint/2010/main" val="3197546564"/>
       </p:ext>
     </p:extLst>
   </p:cSld>
@@ -2665,27 +2671,13 @@
           <a:p>
             <a:r>
               <a:rPr lang="en-GB" dirty="0" smtClean="0"/>
-              <a:t>This is a model for data and load distribution that is shared</a:t>
-            </a:r>
-            <a:r>
-              <a:rPr lang="en-GB" baseline="0" dirty="0" smtClean="0"/>
-              <a:t> by </a:t>
-            </a:r>
-            <a:r>
-              <a:rPr lang="en-GB" baseline="0" dirty="0" err="1" smtClean="0"/>
-              <a:t>Riak</a:t>
-            </a:r>
-            <a:r>
-              <a:rPr lang="en-GB" baseline="0" dirty="0" smtClean="0"/>
-              <a:t> and Cassandra (diagram is from Basho (</a:t>
-            </a:r>
-            <a:r>
-              <a:rPr lang="en-GB" baseline="0" dirty="0" err="1" smtClean="0"/>
-              <a:t>Riak</a:t>
-            </a:r>
-            <a:r>
-              <a:rPr lang="en-GB" baseline="0" dirty="0" smtClean="0"/>
-              <a:t>) website – but same principle), and has a deep impact on how they store, manage and retrieve data.</a:t>
+              <a:t>http://docs.basho.com/riak/latest/dev/advanced/cap-controls/</a:t>
+            </a:r>
+          </a:p>
+          <a:p>
+            <a:r>
+              <a:rPr lang="en-GB" dirty="0" smtClean="0"/>
+              <a:t>http://docs.basho.com/riak/1.1.0/references/appendices/concepts/Eventual-Consistency/</a:t>
             </a:r>
             <a:endParaRPr lang="en-GB" dirty="0"/>
           </a:p>
@@ -2708,7 +2700,7 @@
           <a:p>
             <a:fld id="{B88E1A96-A68C-4ED7-8535-7FE27C72D2F0}" type="slidenum">
               <a:rPr lang="en-GB" smtClean="0"/>
-              <a:t>34</a:t>
+              <a:t>35</a:t>
             </a:fld>
             <a:endParaRPr lang="en-GB"/>
           </a:p>
@@ -2717,7 +2709,7 @@
     </p:spTree>
     <p:extLst>
       <p:ext uri="{BB962C8B-B14F-4D97-AF65-F5344CB8AC3E}">
-        <p14:creationId xmlns:p14="http://schemas.microsoft.com/office/powerpoint/2010/main" val="3197546564"/>
+        <p14:creationId xmlns:p14="http://schemas.microsoft.com/office/powerpoint/2010/main" val="1271775330"/>
       </p:ext>
     </p:extLst>
   </p:cSld>
@@ -2771,16 +2763,6 @@
           <a:bodyPr/>
           <a:lstStyle/>
           <a:p>
-            <a:r>
-              <a:rPr lang="en-GB" dirty="0" smtClean="0"/>
-              <a:t>http://docs.basho.com/riak/latest/dev/advanced/cap-controls/</a:t>
-            </a:r>
-          </a:p>
-          <a:p>
-            <a:r>
-              <a:rPr lang="en-GB" dirty="0" smtClean="0"/>
-              <a:t>http://docs.basho.com/riak/1.1.0/references/appendices/concepts/Eventual-Consistency/</a:t>
-            </a:r>
             <a:endParaRPr lang="en-GB" dirty="0"/>
           </a:p>
         </p:txBody>
@@ -2802,7 +2784,7 @@
           <a:p>
             <a:fld id="{B88E1A96-A68C-4ED7-8535-7FE27C72D2F0}" type="slidenum">
               <a:rPr lang="en-GB" smtClean="0"/>
-              <a:t>35</a:t>
+              <a:t>39</a:t>
             </a:fld>
             <a:endParaRPr lang="en-GB"/>
           </a:p>
@@ -2811,7 +2793,7 @@
     </p:spTree>
     <p:extLst>
       <p:ext uri="{BB962C8B-B14F-4D97-AF65-F5344CB8AC3E}">
-        <p14:creationId xmlns:p14="http://schemas.microsoft.com/office/powerpoint/2010/main" val="1271775330"/>
+        <p14:creationId xmlns:p14="http://schemas.microsoft.com/office/powerpoint/2010/main" val="784267621"/>
       </p:ext>
     </p:extLst>
   </p:cSld>
@@ -2886,7 +2868,7 @@
           <a:p>
             <a:fld id="{B88E1A96-A68C-4ED7-8535-7FE27C72D2F0}" type="slidenum">
               <a:rPr lang="en-GB" smtClean="0"/>
-              <a:t>39</a:t>
+              <a:t>49</a:t>
             </a:fld>
             <a:endParaRPr lang="en-GB"/>
           </a:p>
@@ -2895,7 +2877,7 @@
     </p:spTree>
     <p:extLst>
       <p:ext uri="{BB962C8B-B14F-4D97-AF65-F5344CB8AC3E}">
-        <p14:creationId xmlns:p14="http://schemas.microsoft.com/office/powerpoint/2010/main" val="784267621"/>
+        <p14:creationId xmlns:p14="http://schemas.microsoft.com/office/powerpoint/2010/main" val="1960653282"/>
       </p:ext>
     </p:extLst>
   </p:cSld>
@@ -2970,7 +2952,7 @@
           <a:p>
             <a:fld id="{B88E1A96-A68C-4ED7-8535-7FE27C72D2F0}" type="slidenum">
               <a:rPr lang="en-GB" smtClean="0"/>
-              <a:t>49</a:t>
+              <a:t>50</a:t>
             </a:fld>
             <a:endParaRPr lang="en-GB"/>
           </a:p>
@@ -2979,7 +2961,7 @@
     </p:spTree>
     <p:extLst>
       <p:ext uri="{BB962C8B-B14F-4D97-AF65-F5344CB8AC3E}">
-        <p14:creationId xmlns:p14="http://schemas.microsoft.com/office/powerpoint/2010/main" val="1960653282"/>
+        <p14:creationId xmlns:p14="http://schemas.microsoft.com/office/powerpoint/2010/main" val="2539703771"/>
       </p:ext>
     </p:extLst>
   </p:cSld>
@@ -3138,7 +3120,7 @@
           <a:p>
             <a:fld id="{B88E1A96-A68C-4ED7-8535-7FE27C72D2F0}" type="slidenum">
               <a:rPr lang="en-GB" smtClean="0"/>
-              <a:t>50</a:t>
+              <a:t>51</a:t>
             </a:fld>
             <a:endParaRPr lang="en-GB"/>
           </a:p>
@@ -3147,7 +3129,7 @@
     </p:spTree>
     <p:extLst>
       <p:ext uri="{BB962C8B-B14F-4D97-AF65-F5344CB8AC3E}">
-        <p14:creationId xmlns:p14="http://schemas.microsoft.com/office/powerpoint/2010/main" val="2539703771"/>
+        <p14:creationId xmlns:p14="http://schemas.microsoft.com/office/powerpoint/2010/main" val="2245795352"/>
       </p:ext>
     </p:extLst>
   </p:cSld>
@@ -3201,6 +3183,44 @@
           <a:bodyPr/>
           <a:lstStyle/>
           <a:p>
+            <a:r>
+              <a:rPr lang="en-GB" dirty="0" smtClean="0"/>
+              <a:t>Similar to relational databases, graph</a:t>
+            </a:r>
+            <a:r>
+              <a:rPr lang="en-GB" baseline="0" dirty="0" smtClean="0"/>
+              <a:t> databases are implemented based on mathematical theory.  In this case – graph theory, dating back as far as the work of Leonhard Euler in the 18</a:t>
+            </a:r>
+            <a:r>
+              <a:rPr lang="en-GB" baseline="30000" dirty="0" smtClean="0"/>
+              <a:t>th</a:t>
+            </a:r>
+            <a:r>
+              <a:rPr lang="en-GB" baseline="0" dirty="0" smtClean="0"/>
+              <a:t> century.</a:t>
+            </a:r>
+          </a:p>
+          <a:p>
+            <a:r>
+              <a:rPr lang="en-GB" baseline="0" dirty="0" smtClean="0"/>
+              <a:t>They also have some other similarities with relational which mean that although they are often categorised as “NoSQL”, in some ways they are more similar to SQL Server than systems such as </a:t>
+            </a:r>
+            <a:r>
+              <a:rPr lang="en-GB" baseline="0" dirty="0" err="1" smtClean="0"/>
+              <a:t>Riak</a:t>
+            </a:r>
+            <a:r>
+              <a:rPr lang="en-GB" baseline="0" dirty="0" smtClean="0"/>
+              <a:t>, Cassandra or even </a:t>
+            </a:r>
+            <a:r>
+              <a:rPr lang="en-GB" baseline="0" dirty="0" err="1" smtClean="0"/>
+              <a:t>MongoDB</a:t>
+            </a:r>
+            <a:r>
+              <a:rPr lang="en-GB" baseline="0" dirty="0" smtClean="0"/>
+              <a:t>.</a:t>
+            </a:r>
             <a:endParaRPr lang="en-GB" dirty="0"/>
           </a:p>
         </p:txBody>
@@ -3222,7 +3242,7 @@
           <a:p>
             <a:fld id="{B88E1A96-A68C-4ED7-8535-7FE27C72D2F0}" type="slidenum">
               <a:rPr lang="en-GB" smtClean="0"/>
-              <a:t>51</a:t>
+              <a:t>54</a:t>
             </a:fld>
             <a:endParaRPr lang="en-GB"/>
           </a:p>
@@ -3231,7 +3251,7 @@
     </p:spTree>
     <p:extLst>
       <p:ext uri="{BB962C8B-B14F-4D97-AF65-F5344CB8AC3E}">
-        <p14:creationId xmlns:p14="http://schemas.microsoft.com/office/powerpoint/2010/main" val="2245795352"/>
+        <p14:creationId xmlns:p14="http://schemas.microsoft.com/office/powerpoint/2010/main" val="2615470488"/>
       </p:ext>
     </p:extLst>
   </p:cSld>
@@ -3287,41 +3307,15 @@
           <a:p>
             <a:r>
               <a:rPr lang="en-GB" dirty="0" smtClean="0"/>
-              <a:t>Similar to relational databases, graph</a:t>
+              <a:t>The</a:t>
             </a:r>
             <a:r>
               <a:rPr lang="en-GB" baseline="0" dirty="0" smtClean="0"/>
-              <a:t> databases are implemented based on mathematical theory.  In this case – graph theory, dating back as far as the work of Leonhard Euler in the 18</a:t>
-            </a:r>
-            <a:r>
-              <a:rPr lang="en-GB" baseline="30000" dirty="0" smtClean="0"/>
-              <a:t>th</a:t>
-            </a:r>
-            <a:r>
-              <a:rPr lang="en-GB" baseline="0" dirty="0" smtClean="0"/>
-              <a:t> century.</a:t>
-            </a:r>
-          </a:p>
-          <a:p>
-            <a:r>
-              <a:rPr lang="en-GB" baseline="0" dirty="0" smtClean="0"/>
-              <a:t>They also have some other similarities with relational which mean that although they are often categorised as “NoSQL”, in some ways they are more similar to SQL Server than systems such as </a:t>
-            </a:r>
-            <a:r>
-              <a:rPr lang="en-GB" baseline="0" dirty="0" err="1" smtClean="0"/>
-              <a:t>Riak</a:t>
-            </a:r>
-            <a:r>
-              <a:rPr lang="en-GB" baseline="0" dirty="0" smtClean="0"/>
-              <a:t>, Cassandra or even </a:t>
-            </a:r>
-            <a:r>
-              <a:rPr lang="en-GB" baseline="0" dirty="0" err="1" smtClean="0"/>
-              <a:t>MongoDB</a:t>
-            </a:r>
-            <a:r>
-              <a:rPr lang="en-GB" baseline="0" dirty="0" smtClean="0"/>
-              <a:t>.</a:t>
+              <a:t> best way to understand the basics of Neo4j is by example – so. l</a:t>
+            </a:r>
+            <a:r>
+              <a:rPr lang="en-GB" dirty="0" smtClean="0"/>
+              <a:t>et’s go straight to a demo</a:t>
             </a:r>
             <a:endParaRPr lang="en-GB" dirty="0"/>
           </a:p>
@@ -3344,7 +3338,7 @@
           <a:p>
             <a:fld id="{B88E1A96-A68C-4ED7-8535-7FE27C72D2F0}" type="slidenum">
               <a:rPr lang="en-GB" smtClean="0"/>
-              <a:t>54</a:t>
+              <a:t>56</a:t>
             </a:fld>
             <a:endParaRPr lang="en-GB"/>
           </a:p>
@@ -3353,7 +3347,7 @@
     </p:spTree>
     <p:extLst>
       <p:ext uri="{BB962C8B-B14F-4D97-AF65-F5344CB8AC3E}">
-        <p14:creationId xmlns:p14="http://schemas.microsoft.com/office/powerpoint/2010/main" val="2615470488"/>
+        <p14:creationId xmlns:p14="http://schemas.microsoft.com/office/powerpoint/2010/main" val="2121811877"/>
       </p:ext>
     </p:extLst>
   </p:cSld>
@@ -3407,18 +3401,6 @@
           <a:bodyPr/>
           <a:lstStyle/>
           <a:p>
-            <a:r>
-              <a:rPr lang="en-GB" dirty="0" smtClean="0"/>
-              <a:t>The</a:t>
-            </a:r>
-            <a:r>
-              <a:rPr lang="en-GB" baseline="0" dirty="0" smtClean="0"/>
-              <a:t> best way to understand the basics of Neo4j is by example – so. l</a:t>
-            </a:r>
-            <a:r>
-              <a:rPr lang="en-GB" dirty="0" smtClean="0"/>
-              <a:t>et’s go straight to a demo</a:t>
-            </a:r>
             <a:endParaRPr lang="en-GB" dirty="0"/>
           </a:p>
         </p:txBody>
@@ -3440,7 +3422,7 @@
           <a:p>
             <a:fld id="{B88E1A96-A68C-4ED7-8535-7FE27C72D2F0}" type="slidenum">
               <a:rPr lang="en-GB" smtClean="0"/>
-              <a:t>55</a:t>
+              <a:t>57</a:t>
             </a:fld>
             <a:endParaRPr lang="en-GB"/>
           </a:p>
@@ -3503,18 +3485,6 @@
           <a:bodyPr/>
           <a:lstStyle/>
           <a:p>
-            <a:r>
-              <a:rPr lang="en-GB" dirty="0" smtClean="0"/>
-              <a:t>The</a:t>
-            </a:r>
-            <a:r>
-              <a:rPr lang="en-GB" baseline="0" dirty="0" smtClean="0"/>
-              <a:t> best way to understand the basics of Neo4j is by example – so. l</a:t>
-            </a:r>
-            <a:r>
-              <a:rPr lang="en-GB" dirty="0" smtClean="0"/>
-              <a:t>et’s go straight to a demo</a:t>
-            </a:r>
             <a:endParaRPr lang="en-GB" dirty="0"/>
           </a:p>
         </p:txBody>
@@ -3536,7 +3506,7 @@
           <a:p>
             <a:fld id="{B88E1A96-A68C-4ED7-8535-7FE27C72D2F0}" type="slidenum">
               <a:rPr lang="en-GB" smtClean="0"/>
-              <a:t>56</a:t>
+              <a:t>59</a:t>
             </a:fld>
             <a:endParaRPr lang="en-GB"/>
           </a:p>
@@ -3545,7 +3515,7 @@
     </p:spTree>
     <p:extLst>
       <p:ext uri="{BB962C8B-B14F-4D97-AF65-F5344CB8AC3E}">
-        <p14:creationId xmlns:p14="http://schemas.microsoft.com/office/powerpoint/2010/main" val="2121811877"/>
+        <p14:creationId xmlns:p14="http://schemas.microsoft.com/office/powerpoint/2010/main" val="2921631859"/>
       </p:ext>
     </p:extLst>
   </p:cSld>
@@ -3599,6 +3569,42 @@
           <a:bodyPr/>
           <a:lstStyle/>
           <a:p>
+            <a:endParaRPr lang="en-GB" dirty="0" smtClean="0"/>
+          </a:p>
+          <a:p>
+            <a:r>
+              <a:rPr lang="en-GB" dirty="0" smtClean="0"/>
+              <a:t>Event Stores ….</a:t>
+            </a:r>
+          </a:p>
+          <a:p>
+            <a:endParaRPr lang="en-GB" dirty="0" smtClean="0"/>
+          </a:p>
+          <a:p>
+            <a:r>
+              <a:rPr lang="en-GB" dirty="0" smtClean="0"/>
+              <a:t>Quick</a:t>
+            </a:r>
+            <a:r>
+              <a:rPr lang="en-GB" baseline="0" dirty="0" smtClean="0"/>
+              <a:t> note – </a:t>
+            </a:r>
+            <a:r>
+              <a:rPr lang="en-GB" baseline="0" dirty="0" err="1" smtClean="0"/>
+              <a:t>commutativity</a:t>
+            </a:r>
+            <a:r>
+              <a:rPr lang="en-GB" baseline="0" dirty="0" smtClean="0"/>
+              <a:t> is a really interesting approach to having AP systems without major consistency concerns, as we don’t need to worry about overall order of operations (</a:t>
+            </a:r>
+            <a:r>
+              <a:rPr lang="en-GB" baseline="0" dirty="0" err="1" smtClean="0"/>
+              <a:t>serialisability</a:t>
+            </a:r>
+            <a:r>
+              <a:rPr lang="en-GB" baseline="0" dirty="0" smtClean="0"/>
+              <a:t>) it makes “eventual consistency” more achievable and reliable.  There are obviously some considerations around how this is implemented and when it’s a practicable approach, but for example Commutative Replicated Data Types are another way to apply it, more details (e.g.) here: http://highscalability.com/blog/2010/12/23/paper-crdts-consistency-without-concurrency-control.html</a:t>
+            </a:r>
             <a:endParaRPr lang="en-GB" dirty="0"/>
           </a:p>
         </p:txBody>
@@ -3620,295 +3626,7 @@
           <a:p>
             <a:fld id="{B88E1A96-A68C-4ED7-8535-7FE27C72D2F0}" type="slidenum">
               <a:rPr lang="en-GB" smtClean="0"/>
-              <a:t>57</a:t>
-            </a:fld>
-            <a:endParaRPr lang="en-GB"/>
-          </a:p>
-        </p:txBody>
-      </p:sp>
-    </p:spTree>
-    <p:extLst>
-      <p:ext uri="{BB962C8B-B14F-4D97-AF65-F5344CB8AC3E}">
-        <p14:creationId xmlns:p14="http://schemas.microsoft.com/office/powerpoint/2010/main" val="2121811877"/>
-      </p:ext>
-    </p:extLst>
-  </p:cSld>
-  <p:clrMapOvr>
-    <a:masterClrMapping/>
-  </p:clrMapOvr>
-</p:notes>
-</file>
-
-<file path=ppt/notesSlides/notesSlide36.xml><?xml version="1.0" encoding="utf-8"?>
-<p:notes xmlns:a="http://schemas.openxmlformats.org/drawingml/2006/main" xmlns:r="http://schemas.openxmlformats.org/officeDocument/2006/relationships" xmlns:p="http://schemas.openxmlformats.org/presentationml/2006/main">
-  <p:cSld>
-    <p:spTree>
-      <p:nvGrpSpPr>
-        <p:cNvPr id="1" name=""/>
-        <p:cNvGrpSpPr/>
-        <p:nvPr/>
-      </p:nvGrpSpPr>
-      <p:grpSpPr>
-        <a:xfrm>
-          <a:off x="0" y="0"/>
-          <a:ext cx="0" cy="0"/>
-          <a:chOff x="0" y="0"/>
-          <a:chExt cx="0" cy="0"/>
-        </a:xfrm>
-      </p:grpSpPr>
-      <p:sp>
-        <p:nvSpPr>
-          <p:cNvPr id="2" name="Slide Image Placeholder 1"/>
-          <p:cNvSpPr>
-            <a:spLocks noGrp="1" noRot="1" noChangeAspect="1"/>
-          </p:cNvSpPr>
-          <p:nvPr>
-            <p:ph type="sldImg"/>
-          </p:nvPr>
-        </p:nvSpPr>
-        <p:spPr/>
-      </p:sp>
-      <p:sp>
-        <p:nvSpPr>
-          <p:cNvPr id="3" name="Notes Placeholder 2"/>
-          <p:cNvSpPr>
-            <a:spLocks noGrp="1"/>
-          </p:cNvSpPr>
-          <p:nvPr>
-            <p:ph type="body" idx="1"/>
-          </p:nvPr>
-        </p:nvSpPr>
-        <p:spPr/>
-        <p:txBody>
-          <a:bodyPr/>
-          <a:lstStyle/>
-          <a:p>
-            <a:endParaRPr lang="en-GB" dirty="0"/>
-          </a:p>
-        </p:txBody>
-      </p:sp>
-      <p:sp>
-        <p:nvSpPr>
-          <p:cNvPr id="4" name="Slide Number Placeholder 3"/>
-          <p:cNvSpPr>
-            <a:spLocks noGrp="1"/>
-          </p:cNvSpPr>
-          <p:nvPr>
-            <p:ph type="sldNum" sz="quarter" idx="10"/>
-          </p:nvPr>
-        </p:nvSpPr>
-        <p:spPr/>
-        <p:txBody>
-          <a:bodyPr/>
-          <a:lstStyle/>
-          <a:p>
-            <a:fld id="{B88E1A96-A68C-4ED7-8535-7FE27C72D2F0}" type="slidenum">
-              <a:rPr lang="en-GB" smtClean="0"/>
-              <a:t>58</a:t>
-            </a:fld>
-            <a:endParaRPr lang="en-GB"/>
-          </a:p>
-        </p:txBody>
-      </p:sp>
-    </p:spTree>
-    <p:extLst>
-      <p:ext uri="{BB962C8B-B14F-4D97-AF65-F5344CB8AC3E}">
-        <p14:creationId xmlns:p14="http://schemas.microsoft.com/office/powerpoint/2010/main" val="2821679136"/>
-      </p:ext>
-    </p:extLst>
-  </p:cSld>
-  <p:clrMapOvr>
-    <a:masterClrMapping/>
-  </p:clrMapOvr>
-</p:notes>
-</file>
-
-<file path=ppt/notesSlides/notesSlide37.xml><?xml version="1.0" encoding="utf-8"?>
-<p:notes xmlns:a="http://schemas.openxmlformats.org/drawingml/2006/main" xmlns:r="http://schemas.openxmlformats.org/officeDocument/2006/relationships" xmlns:p="http://schemas.openxmlformats.org/presentationml/2006/main">
-  <p:cSld>
-    <p:spTree>
-      <p:nvGrpSpPr>
-        <p:cNvPr id="1" name=""/>
-        <p:cNvGrpSpPr/>
-        <p:nvPr/>
-      </p:nvGrpSpPr>
-      <p:grpSpPr>
-        <a:xfrm>
-          <a:off x="0" y="0"/>
-          <a:ext cx="0" cy="0"/>
-          <a:chOff x="0" y="0"/>
-          <a:chExt cx="0" cy="0"/>
-        </a:xfrm>
-      </p:grpSpPr>
-      <p:sp>
-        <p:nvSpPr>
-          <p:cNvPr id="2" name="Slide Image Placeholder 1"/>
-          <p:cNvSpPr>
-            <a:spLocks noGrp="1" noRot="1" noChangeAspect="1"/>
-          </p:cNvSpPr>
-          <p:nvPr>
-            <p:ph type="sldImg"/>
-          </p:nvPr>
-        </p:nvSpPr>
-        <p:spPr/>
-      </p:sp>
-      <p:sp>
-        <p:nvSpPr>
-          <p:cNvPr id="3" name="Notes Placeholder 2"/>
-          <p:cNvSpPr>
-            <a:spLocks noGrp="1"/>
-          </p:cNvSpPr>
-          <p:nvPr>
-            <p:ph type="body" idx="1"/>
-          </p:nvPr>
-        </p:nvSpPr>
-        <p:spPr/>
-        <p:txBody>
-          <a:bodyPr/>
-          <a:lstStyle/>
-          <a:p>
-            <a:endParaRPr lang="en-GB" dirty="0"/>
-          </a:p>
-        </p:txBody>
-      </p:sp>
-      <p:sp>
-        <p:nvSpPr>
-          <p:cNvPr id="4" name="Slide Number Placeholder 3"/>
-          <p:cNvSpPr>
-            <a:spLocks noGrp="1"/>
-          </p:cNvSpPr>
-          <p:nvPr>
-            <p:ph type="sldNum" sz="quarter" idx="10"/>
-          </p:nvPr>
-        </p:nvSpPr>
-        <p:spPr/>
-        <p:txBody>
-          <a:bodyPr/>
-          <a:lstStyle/>
-          <a:p>
-            <a:fld id="{B88E1A96-A68C-4ED7-8535-7FE27C72D2F0}" type="slidenum">
-              <a:rPr lang="en-GB" smtClean="0"/>
-              <a:t>60</a:t>
-            </a:fld>
-            <a:endParaRPr lang="en-GB"/>
-          </a:p>
-        </p:txBody>
-      </p:sp>
-    </p:spTree>
-    <p:extLst>
-      <p:ext uri="{BB962C8B-B14F-4D97-AF65-F5344CB8AC3E}">
-        <p14:creationId xmlns:p14="http://schemas.microsoft.com/office/powerpoint/2010/main" val="2921631859"/>
-      </p:ext>
-    </p:extLst>
-  </p:cSld>
-  <p:clrMapOvr>
-    <a:masterClrMapping/>
-  </p:clrMapOvr>
-</p:notes>
-</file>
-
-<file path=ppt/notesSlides/notesSlide38.xml><?xml version="1.0" encoding="utf-8"?>
-<p:notes xmlns:a="http://schemas.openxmlformats.org/drawingml/2006/main" xmlns:r="http://schemas.openxmlformats.org/officeDocument/2006/relationships" xmlns:p="http://schemas.openxmlformats.org/presentationml/2006/main">
-  <p:cSld>
-    <p:spTree>
-      <p:nvGrpSpPr>
-        <p:cNvPr id="1" name=""/>
-        <p:cNvGrpSpPr/>
-        <p:nvPr/>
-      </p:nvGrpSpPr>
-      <p:grpSpPr>
-        <a:xfrm>
-          <a:off x="0" y="0"/>
-          <a:ext cx="0" cy="0"/>
-          <a:chOff x="0" y="0"/>
-          <a:chExt cx="0" cy="0"/>
-        </a:xfrm>
-      </p:grpSpPr>
-      <p:sp>
-        <p:nvSpPr>
-          <p:cNvPr id="2" name="Slide Image Placeholder 1"/>
-          <p:cNvSpPr>
-            <a:spLocks noGrp="1" noRot="1" noChangeAspect="1"/>
-          </p:cNvSpPr>
-          <p:nvPr>
-            <p:ph type="sldImg"/>
-          </p:nvPr>
-        </p:nvSpPr>
-        <p:spPr/>
-      </p:sp>
-      <p:sp>
-        <p:nvSpPr>
-          <p:cNvPr id="3" name="Notes Placeholder 2"/>
-          <p:cNvSpPr>
-            <a:spLocks noGrp="1"/>
-          </p:cNvSpPr>
-          <p:nvPr>
-            <p:ph type="body" idx="1"/>
-          </p:nvPr>
-        </p:nvSpPr>
-        <p:spPr/>
-        <p:txBody>
-          <a:bodyPr/>
-          <a:lstStyle/>
-          <a:p>
-            <a:endParaRPr lang="en-GB" dirty="0" smtClean="0"/>
-          </a:p>
-          <a:p>
-            <a:r>
-              <a:rPr lang="en-GB" dirty="0" smtClean="0"/>
-              <a:t>Event Stores ….</a:t>
-            </a:r>
-          </a:p>
-          <a:p>
-            <a:endParaRPr lang="en-GB" dirty="0" smtClean="0"/>
-          </a:p>
-          <a:p>
-            <a:r>
-              <a:rPr lang="en-GB" dirty="0" smtClean="0"/>
-              <a:t>Quick</a:t>
-            </a:r>
-            <a:r>
-              <a:rPr lang="en-GB" baseline="0" dirty="0" smtClean="0"/>
-              <a:t> note – </a:t>
-            </a:r>
-            <a:r>
-              <a:rPr lang="en-GB" baseline="0" dirty="0" err="1" smtClean="0"/>
-              <a:t>commutativity</a:t>
-            </a:r>
-            <a:r>
-              <a:rPr lang="en-GB" baseline="0" dirty="0" smtClean="0"/>
-              <a:t> is a really interesting approach to having AP systems without major consistency concerns, as we don’t need to worry about overall order of operations (</a:t>
-            </a:r>
-            <a:r>
-              <a:rPr lang="en-GB" baseline="0" dirty="0" err="1" smtClean="0"/>
-              <a:t>serialisability</a:t>
-            </a:r>
-            <a:r>
-              <a:rPr lang="en-GB" baseline="0" dirty="0" smtClean="0"/>
-              <a:t>) it makes “eventual consistency” more achievable and reliable.  There are obviously some considerations around how this is implemented and when it’s a practicable approach, but for example Commutative Replicated Data Types are another way to apply it, more details (e.g.) here: http://highscalability.com/blog/2010/12/23/paper-crdts-consistency-without-concurrency-control.html</a:t>
-            </a:r>
-            <a:endParaRPr lang="en-GB" dirty="0"/>
-          </a:p>
-        </p:txBody>
-      </p:sp>
-      <p:sp>
-        <p:nvSpPr>
-          <p:cNvPr id="4" name="Slide Number Placeholder 3"/>
-          <p:cNvSpPr>
-            <a:spLocks noGrp="1"/>
-          </p:cNvSpPr>
-          <p:nvPr>
-            <p:ph type="sldNum" sz="quarter" idx="10"/>
-          </p:nvPr>
-        </p:nvSpPr>
-        <p:spPr/>
-        <p:txBody>
-          <a:bodyPr/>
-          <a:lstStyle/>
-          <a:p>
-            <a:fld id="{B88E1A96-A68C-4ED7-8535-7FE27C72D2F0}" type="slidenum">
-              <a:rPr lang="en-GB" smtClean="0"/>
-              <a:t>62</a:t>
+              <a:t>61</a:t>
             </a:fld>
             <a:endParaRPr lang="en-GB"/>
           </a:p>
@@ -4076,7 +3794,7 @@
           <a:p>
             <a:fld id="{B88E1A96-A68C-4ED7-8535-7FE27C72D2F0}" type="slidenum">
               <a:rPr lang="en-GB" smtClean="0"/>
-              <a:t>5</a:t>
+              <a:t>6</a:t>
             </a:fld>
             <a:endParaRPr lang="en-GB"/>
           </a:p>
@@ -4085,7 +3803,7 @@
     </p:spTree>
     <p:extLst>
       <p:ext uri="{BB962C8B-B14F-4D97-AF65-F5344CB8AC3E}">
-        <p14:creationId xmlns:p14="http://schemas.microsoft.com/office/powerpoint/2010/main" val="656695592"/>
+        <p14:creationId xmlns:p14="http://schemas.microsoft.com/office/powerpoint/2010/main" val="3483741092"/>
       </p:ext>
     </p:extLst>
   </p:cSld>
@@ -4139,6 +3857,10 @@
           <a:bodyPr/>
           <a:lstStyle/>
           <a:p>
+            <a:r>
+              <a:rPr lang="en-GB" dirty="0" smtClean="0"/>
+              <a:t>(Audience Participation)</a:t>
+            </a:r>
             <a:endParaRPr lang="en-GB" dirty="0"/>
           </a:p>
         </p:txBody>
@@ -4169,7 +3891,7 @@
     </p:spTree>
     <p:extLst>
       <p:ext uri="{BB962C8B-B14F-4D97-AF65-F5344CB8AC3E}">
-        <p14:creationId xmlns:p14="http://schemas.microsoft.com/office/powerpoint/2010/main" val="3483741092"/>
+        <p14:creationId xmlns:p14="http://schemas.microsoft.com/office/powerpoint/2010/main" val="3740755916"/>
       </p:ext>
     </p:extLst>
   </p:cSld>
@@ -4223,10 +3945,6 @@
           <a:bodyPr/>
           <a:lstStyle/>
           <a:p>
-            <a:r>
-              <a:rPr lang="en-GB" dirty="0" smtClean="0"/>
-              <a:t>(Audience Participation)</a:t>
-            </a:r>
             <a:endParaRPr lang="en-GB" dirty="0"/>
           </a:p>
         </p:txBody>
@@ -4248,7 +3966,7 @@
           <a:p>
             <a:fld id="{B88E1A96-A68C-4ED7-8535-7FE27C72D2F0}" type="slidenum">
               <a:rPr lang="en-GB" smtClean="0"/>
-              <a:t>8</a:t>
+              <a:t>10</a:t>
             </a:fld>
             <a:endParaRPr lang="en-GB"/>
           </a:p>
@@ -4257,7 +3975,7 @@
     </p:spTree>
     <p:extLst>
       <p:ext uri="{BB962C8B-B14F-4D97-AF65-F5344CB8AC3E}">
-        <p14:creationId xmlns:p14="http://schemas.microsoft.com/office/powerpoint/2010/main" val="3740755916"/>
+        <p14:creationId xmlns:p14="http://schemas.microsoft.com/office/powerpoint/2010/main" val="1923992651"/>
       </p:ext>
     </p:extLst>
   </p:cSld>
@@ -4416,7 +4134,7 @@
           <a:p>
             <a:fld id="{B88E1A96-A68C-4ED7-8535-7FE27C72D2F0}" type="slidenum">
               <a:rPr lang="en-GB" smtClean="0"/>
-              <a:t>12</a:t>
+              <a:t>13</a:t>
             </a:fld>
             <a:endParaRPr lang="en-GB"/>
           </a:p>
@@ -4425,7 +4143,7 @@
     </p:spTree>
     <p:extLst>
       <p:ext uri="{BB962C8B-B14F-4D97-AF65-F5344CB8AC3E}">
-        <p14:creationId xmlns:p14="http://schemas.microsoft.com/office/powerpoint/2010/main" val="1923992651"/>
+        <p14:creationId xmlns:p14="http://schemas.microsoft.com/office/powerpoint/2010/main" val="2430726693"/>
       </p:ext>
     </p:extLst>
   </p:cSld>
@@ -4616,7 +4334,7 @@
           <a:p>
             <a:fld id="{02F45FB7-11FC-4A5D-8578-8A11B0F11936}" type="datetimeFigureOut">
               <a:rPr lang="en-GB" smtClean="0"/>
-              <a:t>17/04/2015</a:t>
+              <a:t>18/04/2015</a:t>
             </a:fld>
             <a:endParaRPr lang="en-GB"/>
           </a:p>
@@ -4786,7 +4504,7 @@
           <a:p>
             <a:fld id="{02F45FB7-11FC-4A5D-8578-8A11B0F11936}" type="datetimeFigureOut">
               <a:rPr lang="en-GB" smtClean="0"/>
-              <a:t>17/04/2015</a:t>
+              <a:t>18/04/2015</a:t>
             </a:fld>
             <a:endParaRPr lang="en-GB"/>
           </a:p>
@@ -4966,7 +4684,7 @@
           <a:p>
             <a:fld id="{02F45FB7-11FC-4A5D-8578-8A11B0F11936}" type="datetimeFigureOut">
               <a:rPr lang="en-GB" smtClean="0"/>
-              <a:t>17/04/2015</a:t>
+              <a:t>18/04/2015</a:t>
             </a:fld>
             <a:endParaRPr lang="en-GB"/>
           </a:p>
@@ -5136,7 +4854,7 @@
           <a:p>
             <a:fld id="{02F45FB7-11FC-4A5D-8578-8A11B0F11936}" type="datetimeFigureOut">
               <a:rPr lang="en-GB" smtClean="0"/>
-              <a:t>17/04/2015</a:t>
+              <a:t>18/04/2015</a:t>
             </a:fld>
             <a:endParaRPr lang="en-GB"/>
           </a:p>
@@ -5382,7 +5100,7 @@
           <a:p>
             <a:fld id="{02F45FB7-11FC-4A5D-8578-8A11B0F11936}" type="datetimeFigureOut">
               <a:rPr lang="en-GB" smtClean="0"/>
-              <a:t>17/04/2015</a:t>
+              <a:t>18/04/2015</a:t>
             </a:fld>
             <a:endParaRPr lang="en-GB"/>
           </a:p>
@@ -5670,7 +5388,7 @@
           <a:p>
             <a:fld id="{02F45FB7-11FC-4A5D-8578-8A11B0F11936}" type="datetimeFigureOut">
               <a:rPr lang="en-GB" smtClean="0"/>
-              <a:t>17/04/2015</a:t>
+              <a:t>18/04/2015</a:t>
             </a:fld>
             <a:endParaRPr lang="en-GB"/>
           </a:p>
@@ -6092,7 +5810,7 @@
           <a:p>
             <a:fld id="{02F45FB7-11FC-4A5D-8578-8A11B0F11936}" type="datetimeFigureOut">
               <a:rPr lang="en-GB" smtClean="0"/>
-              <a:t>17/04/2015</a:t>
+              <a:t>18/04/2015</a:t>
             </a:fld>
             <a:endParaRPr lang="en-GB"/>
           </a:p>
@@ -6210,7 +5928,7 @@
           <a:p>
             <a:fld id="{02F45FB7-11FC-4A5D-8578-8A11B0F11936}" type="datetimeFigureOut">
               <a:rPr lang="en-GB" smtClean="0"/>
-              <a:t>17/04/2015</a:t>
+              <a:t>18/04/2015</a:t>
             </a:fld>
             <a:endParaRPr lang="en-GB"/>
           </a:p>
@@ -6305,7 +6023,7 @@
           <a:p>
             <a:fld id="{02F45FB7-11FC-4A5D-8578-8A11B0F11936}" type="datetimeFigureOut">
               <a:rPr lang="en-GB" smtClean="0"/>
-              <a:t>17/04/2015</a:t>
+              <a:t>18/04/2015</a:t>
             </a:fld>
             <a:endParaRPr lang="en-GB"/>
           </a:p>
@@ -6582,7 +6300,7 @@
           <a:p>
             <a:fld id="{02F45FB7-11FC-4A5D-8578-8A11B0F11936}" type="datetimeFigureOut">
               <a:rPr lang="en-GB" smtClean="0"/>
-              <a:t>17/04/2015</a:t>
+              <a:t>18/04/2015</a:t>
             </a:fld>
             <a:endParaRPr lang="en-GB"/>
           </a:p>
@@ -6835,7 +6553,7 @@
           <a:p>
             <a:fld id="{02F45FB7-11FC-4A5D-8578-8A11B0F11936}" type="datetimeFigureOut">
               <a:rPr lang="en-GB" smtClean="0"/>
-              <a:t>17/04/2015</a:t>
+              <a:t>18/04/2015</a:t>
             </a:fld>
             <a:endParaRPr lang="en-GB"/>
           </a:p>
@@ -7048,7 +6766,7 @@
           <a:p>
             <a:fld id="{02F45FB7-11FC-4A5D-8578-8A11B0F11936}" type="datetimeFigureOut">
               <a:rPr lang="en-GB" smtClean="0"/>
-              <a:t>17/04/2015</a:t>
+              <a:t>18/04/2015</a:t>
             </a:fld>
             <a:endParaRPr lang="en-GB"/>
           </a:p>
@@ -7409,6 +7127,14 @@
 <file path=ppt/slides/slide1.xml><?xml version="1.0" encoding="utf-8"?>
 <p:sld xmlns:a="http://schemas.openxmlformats.org/drawingml/2006/main" xmlns:r="http://schemas.openxmlformats.org/officeDocument/2006/relationships" xmlns:p="http://schemas.openxmlformats.org/presentationml/2006/main">
   <p:cSld>
+    <p:bg>
+      <p:bgPr>
+        <a:solidFill>
+          <a:schemeClr val="bg1"/>
+        </a:solidFill>
+        <a:effectLst/>
+      </p:bgPr>
+    </p:bg>
     <p:spTree>
       <p:nvGrpSpPr>
         <p:cNvPr id="1" name=""/>
@@ -7488,10 +7214,18 @@
           <a:lstStyle/>
           <a:p>
             <a:r>
-              <a:rPr lang="en-GB" dirty="0" smtClean="0"/>
+              <a:rPr lang="en-GB" dirty="0" smtClean="0">
+                <a:solidFill>
+                  <a:schemeClr val="tx1"/>
+                </a:solidFill>
+              </a:rPr>
               <a:t>Alex Garland</a:t>
             </a:r>
-            <a:endParaRPr lang="en-GB" dirty="0"/>
+            <a:endParaRPr lang="en-GB" dirty="0">
+              <a:solidFill>
+                <a:schemeClr val="tx1"/>
+              </a:solidFill>
+            </a:endParaRPr>
           </a:p>
         </p:txBody>
       </p:sp>
@@ -7518,187 +7252,14 @@
 <file path=ppt/slides/slide10.xml><?xml version="1.0" encoding="utf-8"?>
 <p:sld xmlns:a="http://schemas.openxmlformats.org/drawingml/2006/main" xmlns:r="http://schemas.openxmlformats.org/officeDocument/2006/relationships" xmlns:p="http://schemas.openxmlformats.org/presentationml/2006/main">
   <p:cSld>
-    <p:spTree>
-      <p:nvGrpSpPr>
-        <p:cNvPr id="1" name=""/>
-        <p:cNvGrpSpPr/>
-        <p:nvPr/>
-      </p:nvGrpSpPr>
-      <p:grpSpPr>
-        <a:xfrm>
-          <a:off x="0" y="0"/>
-          <a:ext cx="0" cy="0"/>
-          <a:chOff x="0" y="0"/>
-          <a:chExt cx="0" cy="0"/>
-        </a:xfrm>
-      </p:grpSpPr>
-      <p:sp>
-        <p:nvSpPr>
-          <p:cNvPr id="2" name="Title 1"/>
-          <p:cNvSpPr>
-            <a:spLocks noGrp="1"/>
-          </p:cNvSpPr>
-          <p:nvPr>
-            <p:ph type="title"/>
-          </p:nvPr>
-        </p:nvSpPr>
-        <p:spPr/>
-        <p:txBody>
-          <a:bodyPr/>
-          <a:lstStyle/>
-          <a:p>
-            <a:r>
-              <a:rPr lang="en-GB" dirty="0" smtClean="0"/>
-              <a:t>Separate Skill-Sets</a:t>
-            </a:r>
-            <a:endParaRPr lang="en-GB" dirty="0"/>
-          </a:p>
-        </p:txBody>
-      </p:sp>
-      <p:pic>
-        <p:nvPicPr>
-          <p:cNvPr id="4" name="Content Placeholder 3"/>
-          <p:cNvPicPr>
-            <a:picLocks noGrp="1" noChangeAspect="1"/>
-          </p:cNvPicPr>
-          <p:nvPr>
-            <p:ph idx="1"/>
-          </p:nvPr>
-        </p:nvPicPr>
-        <p:blipFill>
-          <a:blip r:embed="rId2" cstate="print">
-            <a:extLst>
-              <a:ext uri="{28A0092B-C50C-407E-A947-70E740481C1C}">
-                <a14:useLocalDpi xmlns:a14="http://schemas.microsoft.com/office/drawing/2010/main" val="0"/>
-              </a:ext>
-            </a:extLst>
-          </a:blip>
-          <a:stretch>
-            <a:fillRect/>
-          </a:stretch>
-        </p:blipFill>
-        <p:spPr>
-          <a:xfrm>
-            <a:off x="539552" y="2276872"/>
-            <a:ext cx="3637795" cy="2044824"/>
-          </a:xfrm>
-        </p:spPr>
-      </p:pic>
-      <p:pic>
-        <p:nvPicPr>
-          <p:cNvPr id="5" name="Picture 4"/>
-          <p:cNvPicPr>
-            <a:picLocks noChangeAspect="1"/>
-          </p:cNvPicPr>
-          <p:nvPr/>
-        </p:nvPicPr>
-        <p:blipFill>
-          <a:blip r:embed="rId3">
-            <a:extLst>
-              <a:ext uri="{28A0092B-C50C-407E-A947-70E740481C1C}">
-                <a14:useLocalDpi xmlns:a14="http://schemas.microsoft.com/office/drawing/2010/main" val="0"/>
-              </a:ext>
-            </a:extLst>
-          </a:blip>
-          <a:stretch>
-            <a:fillRect/>
-          </a:stretch>
-        </p:blipFill>
-        <p:spPr>
-          <a:xfrm>
-            <a:off x="4932040" y="2276872"/>
-            <a:ext cx="3096344" cy="2059194"/>
-          </a:xfrm>
-          <a:prstGeom prst="rect">
-            <a:avLst/>
-          </a:prstGeom>
-        </p:spPr>
-      </p:pic>
-      <p:sp>
-        <p:nvSpPr>
-          <p:cNvPr id="6" name="TextBox 5"/>
-          <p:cNvSpPr txBox="1"/>
-          <p:nvPr/>
-        </p:nvSpPr>
-        <p:spPr>
-          <a:xfrm>
-            <a:off x="1187624" y="4514183"/>
-            <a:ext cx="2304256" cy="646331"/>
-          </a:xfrm>
-          <a:prstGeom prst="rect">
-            <a:avLst/>
-          </a:prstGeom>
-          <a:noFill/>
-        </p:spPr>
-        <p:txBody>
-          <a:bodyPr wrap="square" rtlCol="0">
-            <a:spAutoFit/>
-          </a:bodyPr>
-          <a:lstStyle/>
-          <a:p>
-            <a:pPr algn="ctr"/>
-            <a:r>
-              <a:rPr lang="en-GB" sz="3600" dirty="0" smtClean="0"/>
-              <a:t>Developer</a:t>
-            </a:r>
-            <a:endParaRPr lang="en-GB" sz="3600" dirty="0"/>
-          </a:p>
-        </p:txBody>
-      </p:sp>
-      <p:sp>
-        <p:nvSpPr>
-          <p:cNvPr id="7" name="TextBox 6"/>
-          <p:cNvSpPr txBox="1"/>
-          <p:nvPr/>
-        </p:nvSpPr>
-        <p:spPr>
-          <a:xfrm>
-            <a:off x="5831820" y="4533354"/>
-            <a:ext cx="1296144" cy="646331"/>
-          </a:xfrm>
-          <a:prstGeom prst="rect">
-            <a:avLst/>
-          </a:prstGeom>
-          <a:noFill/>
-        </p:spPr>
-        <p:txBody>
-          <a:bodyPr wrap="square" rtlCol="0">
-            <a:spAutoFit/>
-          </a:bodyPr>
-          <a:lstStyle/>
-          <a:p>
-            <a:pPr algn="ctr"/>
-            <a:r>
-              <a:rPr lang="en-GB" sz="3600" dirty="0" smtClean="0"/>
-              <a:t>DBA</a:t>
-            </a:r>
-            <a:endParaRPr lang="en-GB" sz="3600" dirty="0"/>
-          </a:p>
-        </p:txBody>
-      </p:sp>
-    </p:spTree>
-    <p:extLst>
-      <p:ext uri="{BB962C8B-B14F-4D97-AF65-F5344CB8AC3E}">
-        <p14:creationId xmlns:p14="http://schemas.microsoft.com/office/powerpoint/2010/main" val="3307758774"/>
-      </p:ext>
-    </p:extLst>
-  </p:cSld>
-  <p:clrMapOvr>
-    <a:masterClrMapping/>
-  </p:clrMapOvr>
-  <p:timing>
-    <p:tnLst>
-      <p:par>
-        <p:cTn id="1" dur="indefinite" restart="never" nodeType="tmRoot"/>
-      </p:par>
-    </p:tnLst>
-  </p:timing>
-</p:sld>
-</file>
-
-<file path=ppt/slides/slide11.xml><?xml version="1.0" encoding="utf-8"?>
-<p:sld xmlns:a="http://schemas.openxmlformats.org/drawingml/2006/main" xmlns:r="http://schemas.openxmlformats.org/officeDocument/2006/relationships" xmlns:p="http://schemas.openxmlformats.org/presentationml/2006/main">
-  <p:cSld>
+    <p:bg>
+      <p:bgPr>
+        <a:solidFill>
+          <a:schemeClr val="bg1"/>
+        </a:solidFill>
+        <a:effectLst/>
+      </p:bgPr>
+    </p:bg>
     <p:spTree>
       <p:nvGrpSpPr>
         <p:cNvPr id="1" name=""/>
@@ -7851,11 +7412,7 @@
             <a:pPr algn="ctr"/>
             <a:r>
               <a:rPr lang="en-GB" sz="3600" dirty="0" smtClean="0"/>
-              <a:t>“</a:t>
-            </a:r>
-            <a:r>
-              <a:rPr lang="en-GB" sz="3600" dirty="0" smtClean="0"/>
-              <a:t>No!”</a:t>
+              <a:t>“No!”</a:t>
             </a:r>
             <a:endParaRPr lang="en-GB" sz="3600" dirty="0"/>
           </a:p>
@@ -7998,9 +7555,17 @@
 </p:sld>
 </file>
 
-<file path=ppt/slides/slide12.xml><?xml version="1.0" encoding="utf-8"?>
+<file path=ppt/slides/slide11.xml><?xml version="1.0" encoding="utf-8"?>
 <p:sld xmlns:a="http://schemas.openxmlformats.org/drawingml/2006/main" xmlns:r="http://schemas.openxmlformats.org/officeDocument/2006/relationships" xmlns:p="http://schemas.openxmlformats.org/presentationml/2006/main">
   <p:cSld>
+    <p:bg>
+      <p:bgPr>
+        <a:solidFill>
+          <a:schemeClr val="bg1"/>
+        </a:solidFill>
+        <a:effectLst/>
+      </p:bgPr>
+    </p:bg>
     <p:spTree>
       <p:nvGrpSpPr>
         <p:cNvPr id="1" name=""/>
@@ -8153,11 +7718,7 @@
             <a:pPr algn="ctr"/>
             <a:r>
               <a:rPr lang="en-GB" sz="3600" dirty="0" smtClean="0"/>
-              <a:t>“We Don’t Have </a:t>
-            </a:r>
-            <a:r>
-              <a:rPr lang="en-GB" sz="3600" dirty="0" smtClean="0"/>
-              <a:t>Time!”</a:t>
+              <a:t>“We Don’t Have Time!”</a:t>
             </a:r>
             <a:endParaRPr lang="en-GB" sz="3600" dirty="0"/>
           </a:p>
@@ -8300,9 +7861,17 @@
 </p:sld>
 </file>
 
-<file path=ppt/slides/slide13.xml><?xml version="1.0" encoding="utf-8"?>
+<file path=ppt/slides/slide12.xml><?xml version="1.0" encoding="utf-8"?>
 <p:sld xmlns:a="http://schemas.openxmlformats.org/drawingml/2006/main" xmlns:r="http://schemas.openxmlformats.org/officeDocument/2006/relationships" xmlns:p="http://schemas.openxmlformats.org/presentationml/2006/main">
   <p:cSld>
+    <p:bg>
+      <p:bgPr>
+        <a:solidFill>
+          <a:schemeClr val="bg1"/>
+        </a:solidFill>
+        <a:effectLst/>
+      </p:bgPr>
+    </p:bg>
     <p:spTree>
       <p:nvGrpSpPr>
         <p:cNvPr id="1" name=""/>
@@ -8691,9 +8260,17 @@
 </p:sld>
 </file>
 
-<file path=ppt/slides/slide14.xml><?xml version="1.0" encoding="utf-8"?>
+<file path=ppt/slides/slide13.xml><?xml version="1.0" encoding="utf-8"?>
 <p:sld xmlns:a="http://schemas.openxmlformats.org/drawingml/2006/main" xmlns:r="http://schemas.openxmlformats.org/officeDocument/2006/relationships" xmlns:p="http://schemas.openxmlformats.org/presentationml/2006/main">
   <p:cSld>
+    <p:bg>
+      <p:bgPr>
+        <a:solidFill>
+          <a:schemeClr val="bg1"/>
+        </a:solidFill>
+        <a:effectLst/>
+      </p:bgPr>
+    </p:bg>
     <p:spTree>
       <p:nvGrpSpPr>
         <p:cNvPr id="1" name=""/>
@@ -8781,6 +8358,36 @@
           </a:p>
         </p:txBody>
       </p:sp>
+      <p:pic>
+        <p:nvPicPr>
+          <p:cNvPr id="4" name="Picture 3"/>
+          <p:cNvPicPr>
+            <a:picLocks noChangeAspect="1"/>
+          </p:cNvPicPr>
+          <p:nvPr/>
+        </p:nvPicPr>
+        <p:blipFill>
+          <a:blip r:embed="rId3">
+            <a:extLst>
+              <a:ext uri="{28A0092B-C50C-407E-A947-70E740481C1C}">
+                <a14:useLocalDpi xmlns:a14="http://schemas.microsoft.com/office/drawing/2010/main" val="0"/>
+              </a:ext>
+            </a:extLst>
+          </a:blip>
+          <a:stretch>
+            <a:fillRect/>
+          </a:stretch>
+        </p:blipFill>
+        <p:spPr>
+          <a:xfrm>
+            <a:off x="677267" y="339844"/>
+            <a:ext cx="1158429" cy="1288956"/>
+          </a:xfrm>
+          <a:prstGeom prst="rect">
+            <a:avLst/>
+          </a:prstGeom>
+        </p:spPr>
+      </p:pic>
     </p:spTree>
     <p:extLst>
       <p:ext uri="{BB962C8B-B14F-4D97-AF65-F5344CB8AC3E}">
@@ -8801,9 +8408,17 @@
 </p:sld>
 </file>
 
-<file path=ppt/slides/slide15.xml><?xml version="1.0" encoding="utf-8"?>
+<file path=ppt/slides/slide14.xml><?xml version="1.0" encoding="utf-8"?>
 <p:sld xmlns:a="http://schemas.openxmlformats.org/drawingml/2006/main" xmlns:r="http://schemas.openxmlformats.org/officeDocument/2006/relationships" xmlns:p="http://schemas.openxmlformats.org/presentationml/2006/main">
   <p:cSld>
+    <p:bg>
+      <p:bgPr>
+        <a:solidFill>
+          <a:schemeClr val="bg1"/>
+        </a:solidFill>
+        <a:effectLst/>
+      </p:bgPr>
+    </p:bg>
     <p:spTree>
       <p:nvGrpSpPr>
         <p:cNvPr id="1" name=""/>
@@ -9157,9 +8772,17 @@
 </p:sld>
 </file>
 
-<file path=ppt/slides/slide16.xml><?xml version="1.0" encoding="utf-8"?>
+<file path=ppt/slides/slide15.xml><?xml version="1.0" encoding="utf-8"?>
 <p:sld xmlns:a="http://schemas.openxmlformats.org/drawingml/2006/main" xmlns:r="http://schemas.openxmlformats.org/officeDocument/2006/relationships" xmlns:p="http://schemas.openxmlformats.org/presentationml/2006/main">
   <p:cSld>
+    <p:bg>
+      <p:bgPr>
+        <a:solidFill>
+          <a:schemeClr val="bg1"/>
+        </a:solidFill>
+        <a:effectLst/>
+      </p:bgPr>
+    </p:bg>
     <p:spTree>
       <p:nvGrpSpPr>
         <p:cNvPr id="1" name=""/>
@@ -9320,9 +8943,17 @@
 </p:sld>
 </file>
 
-<file path=ppt/slides/slide17.xml><?xml version="1.0" encoding="utf-8"?>
+<file path=ppt/slides/slide16.xml><?xml version="1.0" encoding="utf-8"?>
 <p:sld xmlns:a="http://schemas.openxmlformats.org/drawingml/2006/main" xmlns:r="http://schemas.openxmlformats.org/officeDocument/2006/relationships" xmlns:p="http://schemas.openxmlformats.org/presentationml/2006/main">
   <p:cSld>
+    <p:bg>
+      <p:bgPr>
+        <a:solidFill>
+          <a:schemeClr val="bg1"/>
+        </a:solidFill>
+        <a:effectLst/>
+      </p:bgPr>
+    </p:bg>
     <p:spTree>
       <p:nvGrpSpPr>
         <p:cNvPr id="1" name=""/>
@@ -9740,9 +9371,17 @@
 </p:sld>
 </file>
 
-<file path=ppt/slides/slide18.xml><?xml version="1.0" encoding="utf-8"?>
+<file path=ppt/slides/slide17.xml><?xml version="1.0" encoding="utf-8"?>
 <p:sld xmlns:a="http://schemas.openxmlformats.org/drawingml/2006/main" xmlns:r="http://schemas.openxmlformats.org/officeDocument/2006/relationships" xmlns:p="http://schemas.openxmlformats.org/presentationml/2006/main">
   <p:cSld>
+    <p:bg>
+      <p:bgPr>
+        <a:solidFill>
+          <a:schemeClr val="bg1"/>
+        </a:solidFill>
+        <a:effectLst/>
+      </p:bgPr>
+    </p:bg>
     <p:spTree>
       <p:nvGrpSpPr>
         <p:cNvPr id="1" name=""/>
@@ -10024,9 +9663,17 @@
 </p:sld>
 </file>
 
-<file path=ppt/slides/slide19.xml><?xml version="1.0" encoding="utf-8"?>
+<file path=ppt/slides/slide18.xml><?xml version="1.0" encoding="utf-8"?>
 <p:sld xmlns:a="http://schemas.openxmlformats.org/drawingml/2006/main" xmlns:r="http://schemas.openxmlformats.org/officeDocument/2006/relationships" xmlns:p="http://schemas.openxmlformats.org/presentationml/2006/main">
   <p:cSld>
+    <p:bg>
+      <p:bgPr>
+        <a:solidFill>
+          <a:schemeClr val="bg1"/>
+        </a:solidFill>
+        <a:effectLst/>
+      </p:bgPr>
+    </p:bg>
     <p:spTree>
       <p:nvGrpSpPr>
         <p:cNvPr id="1" name=""/>
@@ -10592,264 +10239,17 @@
 </p:sld>
 </file>
 
-<file path=ppt/slides/slide2.xml><?xml version="1.0" encoding="utf-8"?>
+<file path=ppt/slides/slide19.xml><?xml version="1.0" encoding="utf-8"?>
 <p:sld xmlns:a="http://schemas.openxmlformats.org/drawingml/2006/main" xmlns:r="http://schemas.openxmlformats.org/officeDocument/2006/relationships" xmlns:p="http://schemas.openxmlformats.org/presentationml/2006/main">
   <p:cSld>
-    <p:spTree>
-      <p:nvGrpSpPr>
-        <p:cNvPr id="1" name=""/>
-        <p:cNvGrpSpPr/>
-        <p:nvPr/>
-      </p:nvGrpSpPr>
-      <p:grpSpPr>
-        <a:xfrm>
-          <a:off x="0" y="0"/>
-          <a:ext cx="0" cy="0"/>
-          <a:chOff x="0" y="0"/>
-          <a:chExt cx="0" cy="0"/>
-        </a:xfrm>
-      </p:grpSpPr>
-      <p:sp>
-        <p:nvSpPr>
-          <p:cNvPr id="2" name="Title 1"/>
-          <p:cNvSpPr>
-            <a:spLocks noGrp="1"/>
-          </p:cNvSpPr>
-          <p:nvPr>
-            <p:ph type="title"/>
-          </p:nvPr>
-        </p:nvSpPr>
-        <p:spPr/>
-        <p:txBody>
-          <a:bodyPr>
-            <a:normAutofit/>
-          </a:bodyPr>
-          <a:lstStyle/>
-          <a:p>
-            <a:r>
-              <a:rPr lang="en-GB" dirty="0" smtClean="0"/>
-              <a:t>About Me</a:t>
-            </a:r>
-            <a:endParaRPr lang="en-GB" dirty="0"/>
-          </a:p>
-        </p:txBody>
-      </p:sp>
-      <p:sp>
-        <p:nvSpPr>
-          <p:cNvPr id="3" name="Content Placeholder 2"/>
-          <p:cNvSpPr>
-            <a:spLocks noGrp="1"/>
-          </p:cNvSpPr>
-          <p:nvPr>
-            <p:ph idx="1"/>
-          </p:nvPr>
-        </p:nvSpPr>
-        <p:spPr/>
-        <p:txBody>
-          <a:bodyPr>
-            <a:normAutofit/>
-          </a:bodyPr>
-          <a:lstStyle/>
-          <a:p>
-            <a:pPr marL="0" indent="0" fontAlgn="base">
-              <a:buNone/>
-            </a:pPr>
-            <a:endParaRPr lang="en-GB" sz="2800" dirty="0" smtClean="0"/>
-          </a:p>
-          <a:p>
-            <a:pPr marL="0" indent="0" fontAlgn="base">
-              <a:buNone/>
-            </a:pPr>
-            <a:r>
-              <a:rPr lang="en-GB" sz="2800" dirty="0" smtClean="0"/>
-              <a:t>Senior Database Developer</a:t>
-            </a:r>
-          </a:p>
-          <a:p>
-            <a:pPr marL="0" indent="0" fontAlgn="base">
-              <a:buNone/>
-            </a:pPr>
-            <a:r>
-              <a:rPr lang="en-GB" sz="2800" dirty="0"/>
-              <a:t>	</a:t>
-            </a:r>
-            <a:r>
-              <a:rPr lang="en-GB" sz="2800" dirty="0" smtClean="0"/>
-              <a:t>-&gt; MS SQL Server, Hadoop (HDFS)</a:t>
-            </a:r>
-          </a:p>
-          <a:p>
-            <a:pPr marL="0" indent="0" fontAlgn="base">
-              <a:buNone/>
-            </a:pPr>
-            <a:endParaRPr lang="en-GB" sz="2800" dirty="0" smtClean="0"/>
-          </a:p>
-          <a:p>
-            <a:pPr marL="0" indent="0" fontAlgn="base">
-              <a:buNone/>
-            </a:pPr>
-            <a:endParaRPr lang="en-GB" sz="2800" dirty="0" smtClean="0"/>
-          </a:p>
-          <a:p>
-            <a:pPr marL="0" indent="0" fontAlgn="base">
-              <a:buNone/>
-            </a:pPr>
-            <a:r>
-              <a:rPr lang="en-GB" sz="2800" dirty="0" smtClean="0"/>
-              <a:t>Senior Data Engineer</a:t>
-            </a:r>
-          </a:p>
-          <a:p>
-            <a:pPr marL="0" indent="0" fontAlgn="base">
-              <a:buNone/>
-            </a:pPr>
-            <a:r>
-              <a:rPr lang="en-GB" sz="2800" dirty="0"/>
-              <a:t>	</a:t>
-            </a:r>
-            <a:r>
-              <a:rPr lang="en-GB" sz="2800" dirty="0" smtClean="0"/>
-              <a:t>-&gt; Hadoop, Hive, Impala, Spark</a:t>
-            </a:r>
-          </a:p>
-          <a:p>
-            <a:pPr marL="0" indent="0" fontAlgn="base">
-              <a:buNone/>
-            </a:pPr>
-            <a:endParaRPr lang="en-GB" sz="2800" dirty="0"/>
-          </a:p>
-        </p:txBody>
-      </p:sp>
-      <p:pic>
-        <p:nvPicPr>
-          <p:cNvPr id="4" name="Picture 3"/>
-          <p:cNvPicPr>
-            <a:picLocks noChangeAspect="1"/>
-          </p:cNvPicPr>
-          <p:nvPr/>
-        </p:nvPicPr>
-        <p:blipFill>
-          <a:blip r:embed="rId3">
-            <a:extLst>
-              <a:ext uri="{28A0092B-C50C-407E-A947-70E740481C1C}">
-                <a14:useLocalDpi xmlns:a14="http://schemas.microsoft.com/office/drawing/2010/main" val="0"/>
-              </a:ext>
-            </a:extLst>
-          </a:blip>
-          <a:stretch>
-            <a:fillRect/>
-          </a:stretch>
-        </p:blipFill>
-        <p:spPr>
-          <a:xfrm>
-            <a:off x="6843427" y="2132856"/>
-            <a:ext cx="1334262" cy="884969"/>
-          </a:xfrm>
-          <a:prstGeom prst="rect">
-            <a:avLst/>
-          </a:prstGeom>
-        </p:spPr>
-      </p:pic>
-      <p:pic>
-        <p:nvPicPr>
-          <p:cNvPr id="5" name="Picture 4"/>
-          <p:cNvPicPr>
-            <a:picLocks noChangeAspect="1"/>
-          </p:cNvPicPr>
-          <p:nvPr/>
-        </p:nvPicPr>
-        <p:blipFill>
-          <a:blip r:embed="rId4">
-            <a:extLst>
-              <a:ext uri="{28A0092B-C50C-407E-A947-70E740481C1C}">
-                <a14:useLocalDpi xmlns:a14="http://schemas.microsoft.com/office/drawing/2010/main" val="0"/>
-              </a:ext>
-            </a:extLst>
-          </a:blip>
-          <a:stretch>
-            <a:fillRect/>
-          </a:stretch>
-        </p:blipFill>
-        <p:spPr>
-          <a:xfrm>
-            <a:off x="6473297" y="3789040"/>
-            <a:ext cx="2158091" cy="1728192"/>
-          </a:xfrm>
-          <a:prstGeom prst="rect">
-            <a:avLst/>
-          </a:prstGeom>
-        </p:spPr>
-      </p:pic>
-      <p:sp>
-        <p:nvSpPr>
-          <p:cNvPr id="6" name="TextBox 5"/>
-          <p:cNvSpPr txBox="1"/>
-          <p:nvPr/>
-        </p:nvSpPr>
-        <p:spPr>
-          <a:xfrm>
-            <a:off x="683568" y="6011996"/>
-            <a:ext cx="7848872" cy="369332"/>
-          </a:xfrm>
-          <a:prstGeom prst="rect">
-            <a:avLst/>
-          </a:prstGeom>
-          <a:noFill/>
-        </p:spPr>
-        <p:txBody>
-          <a:bodyPr wrap="square" rtlCol="0">
-            <a:spAutoFit/>
-          </a:bodyPr>
-          <a:lstStyle/>
-          <a:p>
-            <a:pPr algn="ctr"/>
-            <a:r>
-              <a:rPr lang="en-GB" i="1" dirty="0" smtClean="0">
-                <a:hlinkClick r:id="rId5"/>
-              </a:rPr>
-              <a:t>www.alexdgarland.com</a:t>
-            </a:r>
-            <a:r>
-              <a:rPr lang="en-GB" i="1" dirty="0"/>
-              <a:t>		</a:t>
-            </a:r>
-            <a:r>
-              <a:rPr lang="en-GB" i="1" dirty="0" smtClean="0">
-                <a:hlinkClick r:id="rId6"/>
-              </a:rPr>
-              <a:t>www.twitter.com/alexdgarland</a:t>
-            </a:r>
-            <a:r>
-              <a:rPr lang="en-GB" i="1" dirty="0" smtClean="0"/>
-              <a:t> </a:t>
-            </a:r>
-            <a:endParaRPr lang="en-GB" i="1" dirty="0"/>
-          </a:p>
-        </p:txBody>
-      </p:sp>
-    </p:spTree>
-    <p:extLst>
-      <p:ext uri="{BB962C8B-B14F-4D97-AF65-F5344CB8AC3E}">
-        <p14:creationId xmlns:p14="http://schemas.microsoft.com/office/powerpoint/2010/main" val="2351351091"/>
-      </p:ext>
-    </p:extLst>
-  </p:cSld>
-  <p:clrMapOvr>
-    <a:masterClrMapping/>
-  </p:clrMapOvr>
-  <p:timing>
-    <p:tnLst>
-      <p:par>
-        <p:cTn id="1" dur="indefinite" restart="never" nodeType="tmRoot"/>
-      </p:par>
-    </p:tnLst>
-  </p:timing>
-</p:sld>
-</file>
-
-<file path=ppt/slides/slide20.xml><?xml version="1.0" encoding="utf-8"?>
-<p:sld xmlns:a="http://schemas.openxmlformats.org/drawingml/2006/main" xmlns:r="http://schemas.openxmlformats.org/officeDocument/2006/relationships" xmlns:p="http://schemas.openxmlformats.org/presentationml/2006/main">
-  <p:cSld>
+    <p:bg>
+      <p:bgPr>
+        <a:solidFill>
+          <a:schemeClr val="bg1"/>
+        </a:solidFill>
+        <a:effectLst/>
+      </p:bgPr>
+    </p:bg>
     <p:spTree>
       <p:nvGrpSpPr>
         <p:cNvPr id="1" name=""/>
@@ -11058,9 +10458,280 @@
 </p:sld>
 </file>
 
-<file path=ppt/slides/slide21.xml><?xml version="1.0" encoding="utf-8"?>
+<file path=ppt/slides/slide2.xml><?xml version="1.0" encoding="utf-8"?>
 <p:sld xmlns:a="http://schemas.openxmlformats.org/drawingml/2006/main" xmlns:r="http://schemas.openxmlformats.org/officeDocument/2006/relationships" xmlns:p="http://schemas.openxmlformats.org/presentationml/2006/main">
   <p:cSld>
+    <p:bg>
+      <p:bgPr>
+        <a:solidFill>
+          <a:schemeClr val="bg1"/>
+        </a:solidFill>
+        <a:effectLst/>
+      </p:bgPr>
+    </p:bg>
+    <p:spTree>
+      <p:nvGrpSpPr>
+        <p:cNvPr id="1" name=""/>
+        <p:cNvGrpSpPr/>
+        <p:nvPr/>
+      </p:nvGrpSpPr>
+      <p:grpSpPr>
+        <a:xfrm>
+          <a:off x="0" y="0"/>
+          <a:ext cx="0" cy="0"/>
+          <a:chOff x="0" y="0"/>
+          <a:chExt cx="0" cy="0"/>
+        </a:xfrm>
+      </p:grpSpPr>
+      <p:sp>
+        <p:nvSpPr>
+          <p:cNvPr id="2" name="Title 1"/>
+          <p:cNvSpPr>
+            <a:spLocks noGrp="1"/>
+          </p:cNvSpPr>
+          <p:nvPr>
+            <p:ph type="title"/>
+          </p:nvPr>
+        </p:nvSpPr>
+        <p:spPr/>
+        <p:txBody>
+          <a:bodyPr>
+            <a:normAutofit/>
+          </a:bodyPr>
+          <a:lstStyle/>
+          <a:p>
+            <a:r>
+              <a:rPr lang="en-GB" dirty="0" smtClean="0"/>
+              <a:t>About Me</a:t>
+            </a:r>
+            <a:endParaRPr lang="en-GB" dirty="0"/>
+          </a:p>
+        </p:txBody>
+      </p:sp>
+      <p:sp>
+        <p:nvSpPr>
+          <p:cNvPr id="3" name="Content Placeholder 2"/>
+          <p:cNvSpPr>
+            <a:spLocks noGrp="1"/>
+          </p:cNvSpPr>
+          <p:nvPr>
+            <p:ph idx="1"/>
+          </p:nvPr>
+        </p:nvSpPr>
+        <p:spPr/>
+        <p:txBody>
+          <a:bodyPr>
+            <a:normAutofit/>
+          </a:bodyPr>
+          <a:lstStyle/>
+          <a:p>
+            <a:pPr marL="0" indent="0" fontAlgn="base">
+              <a:buNone/>
+            </a:pPr>
+            <a:endParaRPr lang="en-GB" sz="2800" dirty="0" smtClean="0"/>
+          </a:p>
+          <a:p>
+            <a:pPr marL="0" indent="0" fontAlgn="base">
+              <a:buNone/>
+            </a:pPr>
+            <a:r>
+              <a:rPr lang="en-GB" sz="2800" dirty="0" smtClean="0"/>
+              <a:t>Senior Database Developer</a:t>
+            </a:r>
+          </a:p>
+          <a:p>
+            <a:pPr marL="0" indent="0" fontAlgn="base">
+              <a:buNone/>
+            </a:pPr>
+            <a:r>
+              <a:rPr lang="en-GB" sz="2800" dirty="0"/>
+              <a:t>	</a:t>
+            </a:r>
+            <a:r>
+              <a:rPr lang="en-GB" sz="2800" dirty="0" smtClean="0"/>
+              <a:t>-&gt; MS SQL Server, Hadoop (HDFS)</a:t>
+            </a:r>
+          </a:p>
+          <a:p>
+            <a:pPr marL="0" indent="0" fontAlgn="base">
+              <a:buNone/>
+            </a:pPr>
+            <a:endParaRPr lang="en-GB" sz="2800" dirty="0" smtClean="0"/>
+          </a:p>
+          <a:p>
+            <a:pPr marL="0" indent="0" fontAlgn="base">
+              <a:buNone/>
+            </a:pPr>
+            <a:endParaRPr lang="en-GB" sz="2800" dirty="0" smtClean="0"/>
+          </a:p>
+          <a:p>
+            <a:pPr marL="0" indent="0" fontAlgn="base">
+              <a:buNone/>
+            </a:pPr>
+            <a:r>
+              <a:rPr lang="en-GB" sz="2800" dirty="0" smtClean="0"/>
+              <a:t>Senior Data Engineer</a:t>
+            </a:r>
+          </a:p>
+          <a:p>
+            <a:pPr marL="0" indent="0" fontAlgn="base">
+              <a:buNone/>
+            </a:pPr>
+            <a:r>
+              <a:rPr lang="en-GB" sz="2800" dirty="0"/>
+              <a:t>	</a:t>
+            </a:r>
+            <a:r>
+              <a:rPr lang="en-GB" sz="2800" dirty="0" smtClean="0"/>
+              <a:t>-&gt; Hadoop, Hive, Impala, Spark</a:t>
+            </a:r>
+          </a:p>
+          <a:p>
+            <a:pPr marL="0" indent="0" fontAlgn="base">
+              <a:buNone/>
+            </a:pPr>
+            <a:endParaRPr lang="en-GB" sz="2800" dirty="0"/>
+          </a:p>
+        </p:txBody>
+      </p:sp>
+      <p:pic>
+        <p:nvPicPr>
+          <p:cNvPr id="4" name="Picture 3"/>
+          <p:cNvPicPr>
+            <a:picLocks noChangeAspect="1"/>
+          </p:cNvPicPr>
+          <p:nvPr/>
+        </p:nvPicPr>
+        <p:blipFill>
+          <a:blip r:embed="rId3">
+            <a:extLst>
+              <a:ext uri="{28A0092B-C50C-407E-A947-70E740481C1C}">
+                <a14:useLocalDpi xmlns:a14="http://schemas.microsoft.com/office/drawing/2010/main" val="0"/>
+              </a:ext>
+            </a:extLst>
+          </a:blip>
+          <a:stretch>
+            <a:fillRect/>
+          </a:stretch>
+        </p:blipFill>
+        <p:spPr>
+          <a:xfrm>
+            <a:off x="6910146" y="2132856"/>
+            <a:ext cx="1334262" cy="884969"/>
+          </a:xfrm>
+          <a:prstGeom prst="rect">
+            <a:avLst/>
+          </a:prstGeom>
+        </p:spPr>
+      </p:pic>
+      <p:pic>
+        <p:nvPicPr>
+          <p:cNvPr id="5" name="Picture 4"/>
+          <p:cNvPicPr>
+            <a:picLocks noChangeAspect="1"/>
+          </p:cNvPicPr>
+          <p:nvPr/>
+        </p:nvPicPr>
+        <p:blipFill>
+          <a:blip r:embed="rId4">
+            <a:extLst>
+              <a:ext uri="{28A0092B-C50C-407E-A947-70E740481C1C}">
+                <a14:useLocalDpi xmlns:a14="http://schemas.microsoft.com/office/drawing/2010/main" val="0"/>
+              </a:ext>
+            </a:extLst>
+          </a:blip>
+          <a:stretch>
+            <a:fillRect/>
+          </a:stretch>
+        </p:blipFill>
+        <p:spPr>
+          <a:xfrm>
+            <a:off x="6473297" y="3789040"/>
+            <a:ext cx="2158091" cy="1728192"/>
+          </a:xfrm>
+          <a:prstGeom prst="rect">
+            <a:avLst/>
+          </a:prstGeom>
+        </p:spPr>
+      </p:pic>
+      <p:sp>
+        <p:nvSpPr>
+          <p:cNvPr id="6" name="TextBox 5"/>
+          <p:cNvSpPr txBox="1"/>
+          <p:nvPr/>
+        </p:nvSpPr>
+        <p:spPr>
+          <a:xfrm>
+            <a:off x="683568" y="6011996"/>
+            <a:ext cx="7848872" cy="369332"/>
+          </a:xfrm>
+          <a:prstGeom prst="rect">
+            <a:avLst/>
+          </a:prstGeom>
+          <a:noFill/>
+        </p:spPr>
+        <p:txBody>
+          <a:bodyPr wrap="square" rtlCol="0">
+            <a:spAutoFit/>
+          </a:bodyPr>
+          <a:lstStyle/>
+          <a:p>
+            <a:pPr algn="ctr"/>
+            <a:r>
+              <a:rPr lang="en-GB" i="1" dirty="0" smtClean="0">
+                <a:hlinkClick r:id="rId5"/>
+              </a:rPr>
+              <a:t>www.alexdgarland.com</a:t>
+            </a:r>
+            <a:r>
+              <a:rPr lang="en-GB" i="1" dirty="0"/>
+              <a:t>		</a:t>
+            </a:r>
+            <a:r>
+              <a:rPr lang="en-GB" i="1" dirty="0" smtClean="0">
+                <a:hlinkClick r:id="rId6"/>
+              </a:rPr>
+              <a:t>www.twitter.com/alexdgarland</a:t>
+            </a:r>
+            <a:r>
+              <a:rPr lang="en-GB" i="1" dirty="0" smtClean="0"/>
+              <a:t> </a:t>
+            </a:r>
+            <a:endParaRPr lang="en-GB" i="1" dirty="0"/>
+          </a:p>
+        </p:txBody>
+      </p:sp>
+    </p:spTree>
+    <p:extLst>
+      <p:ext uri="{BB962C8B-B14F-4D97-AF65-F5344CB8AC3E}">
+        <p14:creationId xmlns:p14="http://schemas.microsoft.com/office/powerpoint/2010/main" val="2351351091"/>
+      </p:ext>
+    </p:extLst>
+  </p:cSld>
+  <p:clrMapOvr>
+    <a:masterClrMapping/>
+  </p:clrMapOvr>
+  <p:timing>
+    <p:tnLst>
+      <p:par>
+        <p:cTn id="1" dur="indefinite" restart="never" nodeType="tmRoot"/>
+      </p:par>
+    </p:tnLst>
+  </p:timing>
+</p:sld>
+</file>
+
+<file path=ppt/slides/slide20.xml><?xml version="1.0" encoding="utf-8"?>
+<p:sld xmlns:a="http://schemas.openxmlformats.org/drawingml/2006/main" xmlns:r="http://schemas.openxmlformats.org/officeDocument/2006/relationships" xmlns:p="http://schemas.openxmlformats.org/presentationml/2006/main">
+  <p:cSld>
+    <p:bg>
+      <p:bgPr>
+        <a:solidFill>
+          <a:schemeClr val="bg1"/>
+        </a:solidFill>
+        <a:effectLst/>
+      </p:bgPr>
+    </p:bg>
     <p:spTree>
       <p:nvGrpSpPr>
         <p:cNvPr id="1" name=""/>
@@ -11816,9 +11487,17 @@
 </p:sld>
 </file>
 
-<file path=ppt/slides/slide22.xml><?xml version="1.0" encoding="utf-8"?>
+<file path=ppt/slides/slide21.xml><?xml version="1.0" encoding="utf-8"?>
 <p:sld xmlns:a="http://schemas.openxmlformats.org/drawingml/2006/main" xmlns:r="http://schemas.openxmlformats.org/officeDocument/2006/relationships" xmlns:p="http://schemas.openxmlformats.org/presentationml/2006/main">
   <p:cSld>
+    <p:bg>
+      <p:bgPr>
+        <a:solidFill>
+          <a:schemeClr val="bg1"/>
+        </a:solidFill>
+        <a:effectLst/>
+      </p:bgPr>
+    </p:bg>
     <p:spTree>
       <p:nvGrpSpPr>
         <p:cNvPr id="1" name=""/>
@@ -12627,9 +12306,17 @@
 </p:sld>
 </file>
 
-<file path=ppt/slides/slide23.xml><?xml version="1.0" encoding="utf-8"?>
+<file path=ppt/slides/slide22.xml><?xml version="1.0" encoding="utf-8"?>
 <p:sld xmlns:a="http://schemas.openxmlformats.org/drawingml/2006/main" xmlns:r="http://schemas.openxmlformats.org/officeDocument/2006/relationships" xmlns:p="http://schemas.openxmlformats.org/presentationml/2006/main">
   <p:cSld>
+    <p:bg>
+      <p:bgPr>
+        <a:solidFill>
+          <a:schemeClr val="bg1"/>
+        </a:solidFill>
+        <a:effectLst/>
+      </p:bgPr>
+    </p:bg>
     <p:spTree>
       <p:nvGrpSpPr>
         <p:cNvPr id="1" name=""/>
@@ -12745,7 +12432,6 @@
               <a:rPr lang="en-GB" sz="2200" i="1" dirty="0" smtClean="0"/>
               <a:t>(Structured, Unstructured)</a:t>
             </a:r>
-            <a:endParaRPr lang="en-GB" sz="2200" i="1" dirty="0" smtClean="0"/>
           </a:p>
           <a:p>
             <a:pPr lvl="1"/>
@@ -12785,9 +12471,17 @@
 </p:sld>
 </file>
 
-<file path=ppt/slides/slide24.xml><?xml version="1.0" encoding="utf-8"?>
+<file path=ppt/slides/slide23.xml><?xml version="1.0" encoding="utf-8"?>
 <p:sld xmlns:a="http://schemas.openxmlformats.org/drawingml/2006/main" xmlns:r="http://schemas.openxmlformats.org/officeDocument/2006/relationships" xmlns:p="http://schemas.openxmlformats.org/presentationml/2006/main">
   <p:cSld>
+    <p:bg>
+      <p:bgPr>
+        <a:solidFill>
+          <a:schemeClr val="bg1"/>
+        </a:solidFill>
+        <a:effectLst/>
+      </p:bgPr>
+    </p:bg>
     <p:spTree>
       <p:nvGrpSpPr>
         <p:cNvPr id="1" name=""/>
@@ -12993,9 +12687,17 @@
 </p:sld>
 </file>
 
-<file path=ppt/slides/slide25.xml><?xml version="1.0" encoding="utf-8"?>
+<file path=ppt/slides/slide24.xml><?xml version="1.0" encoding="utf-8"?>
 <p:sld xmlns:a="http://schemas.openxmlformats.org/drawingml/2006/main" xmlns:r="http://schemas.openxmlformats.org/officeDocument/2006/relationships" xmlns:p="http://schemas.openxmlformats.org/presentationml/2006/main">
   <p:cSld>
+    <p:bg>
+      <p:bgPr>
+        <a:solidFill>
+          <a:schemeClr val="bg1"/>
+        </a:solidFill>
+        <a:effectLst/>
+      </p:bgPr>
+    </p:bg>
     <p:spTree>
       <p:nvGrpSpPr>
         <p:cNvPr id="1" name=""/>
@@ -13113,9 +12815,17 @@
 </p:sld>
 </file>
 
-<file path=ppt/slides/slide26.xml><?xml version="1.0" encoding="utf-8"?>
+<file path=ppt/slides/slide25.xml><?xml version="1.0" encoding="utf-8"?>
 <p:sld xmlns:a="http://schemas.openxmlformats.org/drawingml/2006/main" xmlns:r="http://schemas.openxmlformats.org/officeDocument/2006/relationships" xmlns:p="http://schemas.openxmlformats.org/presentationml/2006/main">
   <p:cSld>
+    <p:bg>
+      <p:bgPr>
+        <a:solidFill>
+          <a:schemeClr val="bg1"/>
+        </a:solidFill>
+        <a:effectLst/>
+      </p:bgPr>
+    </p:bg>
     <p:spTree>
       <p:nvGrpSpPr>
         <p:cNvPr id="1" name=""/>
@@ -13251,9 +12961,17 @@
 </p:sld>
 </file>
 
-<file path=ppt/slides/slide27.xml><?xml version="1.0" encoding="utf-8"?>
+<file path=ppt/slides/slide26.xml><?xml version="1.0" encoding="utf-8"?>
 <p:sld xmlns:a="http://schemas.openxmlformats.org/drawingml/2006/main" xmlns:r="http://schemas.openxmlformats.org/officeDocument/2006/relationships" xmlns:p="http://schemas.openxmlformats.org/presentationml/2006/main">
   <p:cSld>
+    <p:bg>
+      <p:bgPr>
+        <a:solidFill>
+          <a:schemeClr val="bg1"/>
+        </a:solidFill>
+        <a:effectLst/>
+      </p:bgPr>
+    </p:bg>
     <p:spTree>
       <p:nvGrpSpPr>
         <p:cNvPr id="1" name=""/>
@@ -13343,9 +13061,17 @@
 </p:sld>
 </file>
 
-<file path=ppt/slides/slide28.xml><?xml version="1.0" encoding="utf-8"?>
+<file path=ppt/slides/slide27.xml><?xml version="1.0" encoding="utf-8"?>
 <p:sld xmlns:a="http://schemas.openxmlformats.org/drawingml/2006/main" xmlns:r="http://schemas.openxmlformats.org/officeDocument/2006/relationships" xmlns:p="http://schemas.openxmlformats.org/presentationml/2006/main">
   <p:cSld>
+    <p:bg>
+      <p:bgPr>
+        <a:solidFill>
+          <a:schemeClr val="bg1"/>
+        </a:solidFill>
+        <a:effectLst/>
+      </p:bgPr>
+    </p:bg>
     <p:spTree>
       <p:nvGrpSpPr>
         <p:cNvPr id="1" name=""/>
@@ -13490,9 +13216,17 @@
 </p:sld>
 </file>
 
-<file path=ppt/slides/slide29.xml><?xml version="1.0" encoding="utf-8"?>
+<file path=ppt/slides/slide28.xml><?xml version="1.0" encoding="utf-8"?>
 <p:sld xmlns:a="http://schemas.openxmlformats.org/drawingml/2006/main" xmlns:r="http://schemas.openxmlformats.org/officeDocument/2006/relationships" xmlns:p="http://schemas.openxmlformats.org/presentationml/2006/main">
   <p:cSld>
+    <p:bg>
+      <p:bgPr>
+        <a:solidFill>
+          <a:schemeClr val="bg1"/>
+        </a:solidFill>
+        <a:effectLst/>
+      </p:bgPr>
+    </p:bg>
     <p:spTree>
       <p:nvGrpSpPr>
         <p:cNvPr id="1" name=""/>
@@ -14861,9 +14595,121 @@
 </p:sld>
 </file>
 
+<file path=ppt/slides/slide29.xml><?xml version="1.0" encoding="utf-8"?>
+<p:sld xmlns:a="http://schemas.openxmlformats.org/drawingml/2006/main" xmlns:r="http://schemas.openxmlformats.org/officeDocument/2006/relationships" xmlns:p="http://schemas.openxmlformats.org/presentationml/2006/main">
+  <p:cSld>
+    <p:spTree>
+      <p:nvGrpSpPr>
+        <p:cNvPr id="1" name=""/>
+        <p:cNvGrpSpPr/>
+        <p:nvPr/>
+      </p:nvGrpSpPr>
+      <p:grpSpPr>
+        <a:xfrm>
+          <a:off x="0" y="0"/>
+          <a:ext cx="0" cy="0"/>
+          <a:chOff x="0" y="0"/>
+          <a:chExt cx="0" cy="0"/>
+        </a:xfrm>
+      </p:grpSpPr>
+      <p:sp>
+        <p:nvSpPr>
+          <p:cNvPr id="2" name="Title 1"/>
+          <p:cNvSpPr>
+            <a:spLocks noGrp="1"/>
+          </p:cNvSpPr>
+          <p:nvPr>
+            <p:ph type="title"/>
+          </p:nvPr>
+        </p:nvSpPr>
+        <p:spPr>
+          <a:xfrm>
+            <a:off x="1259632" y="260648"/>
+            <a:ext cx="6480720" cy="1143000"/>
+          </a:xfrm>
+        </p:spPr>
+        <p:txBody>
+          <a:bodyPr>
+            <a:normAutofit fontScale="90000"/>
+          </a:bodyPr>
+          <a:lstStyle/>
+          <a:p>
+            <a:r>
+              <a:rPr lang="en-GB" dirty="0" smtClean="0"/>
+              <a:t>So - Two Questions When Picking A Database:</a:t>
+            </a:r>
+            <a:endParaRPr lang="en-GB" dirty="0"/>
+          </a:p>
+        </p:txBody>
+      </p:sp>
+      <p:sp>
+        <p:nvSpPr>
+          <p:cNvPr id="3" name="Content Placeholder 2"/>
+          <p:cNvSpPr>
+            <a:spLocks noGrp="1"/>
+          </p:cNvSpPr>
+          <p:nvPr>
+            <p:ph idx="1"/>
+          </p:nvPr>
+        </p:nvSpPr>
+        <p:spPr/>
+        <p:txBody>
+          <a:bodyPr>
+            <a:normAutofit/>
+          </a:bodyPr>
+          <a:lstStyle/>
+          <a:p>
+            <a:endParaRPr lang="en-GB" sz="4000" dirty="0" smtClean="0"/>
+          </a:p>
+          <a:p>
+            <a:r>
+              <a:rPr lang="en-GB" sz="4000" dirty="0" smtClean="0"/>
+              <a:t>CP or AP?</a:t>
+            </a:r>
+          </a:p>
+          <a:p>
+            <a:endParaRPr lang="en-GB" sz="4000" dirty="0"/>
+          </a:p>
+          <a:p>
+            <a:r>
+              <a:rPr lang="en-GB" sz="4000" dirty="0" smtClean="0"/>
+              <a:t>What Data Model?</a:t>
+            </a:r>
+            <a:endParaRPr lang="en-GB" sz="4000" dirty="0"/>
+          </a:p>
+        </p:txBody>
+      </p:sp>
+    </p:spTree>
+    <p:extLst>
+      <p:ext uri="{BB962C8B-B14F-4D97-AF65-F5344CB8AC3E}">
+        <p14:creationId xmlns:p14="http://schemas.microsoft.com/office/powerpoint/2010/main" val="811052958"/>
+      </p:ext>
+    </p:extLst>
+  </p:cSld>
+  <p:clrMapOvr>
+    <a:masterClrMapping/>
+  </p:clrMapOvr>
+  <p:timing>
+    <p:tnLst>
+      <p:par>
+        <p:cTn id="1" dur="indefinite" restart="never" nodeType="tmRoot"/>
+      </p:par>
+    </p:tnLst>
+  </p:timing>
+</p:sld>
+</file>
+
 <file path=ppt/slides/slide3.xml><?xml version="1.0" encoding="utf-8"?>
 <p:sld xmlns:a="http://schemas.openxmlformats.org/drawingml/2006/main" xmlns:r="http://schemas.openxmlformats.org/officeDocument/2006/relationships" xmlns:p="http://schemas.openxmlformats.org/presentationml/2006/main">
   <p:cSld>
+    <p:bg>
+      <p:bgPr>
+        <a:solidFill>
+          <a:schemeClr val="bg1"/>
+        </a:solidFill>
+        <a:effectLst/>
+      </p:bgPr>
+    </p:bg>
     <p:spTree>
       <p:nvGrpSpPr>
         <p:cNvPr id="1" name=""/>
@@ -15002,6 +14848,14 @@
 <file path=ppt/slides/slide30.xml><?xml version="1.0" encoding="utf-8"?>
 <p:sld xmlns:a="http://schemas.openxmlformats.org/drawingml/2006/main" xmlns:r="http://schemas.openxmlformats.org/officeDocument/2006/relationships" xmlns:p="http://schemas.openxmlformats.org/presentationml/2006/main">
   <p:cSld>
+    <p:bg>
+      <p:bgPr>
+        <a:solidFill>
+          <a:schemeClr val="bg1"/>
+        </a:solidFill>
+        <a:effectLst/>
+      </p:bgPr>
+    </p:bg>
     <p:spTree>
       <p:nvGrpSpPr>
         <p:cNvPr id="1" name=""/>
@@ -15113,11 +14967,7 @@
             <a:pPr lvl="1"/>
             <a:r>
               <a:rPr lang="en-GB" dirty="0" smtClean="0"/>
-              <a:t>Summary </a:t>
-            </a:r>
-            <a:r>
-              <a:rPr lang="en-GB" dirty="0" smtClean="0"/>
-              <a:t>queries</a:t>
+              <a:t>Summary queries</a:t>
             </a:r>
           </a:p>
           <a:p>
@@ -15183,6 +15033,14 @@
 <file path=ppt/slides/slide31.xml><?xml version="1.0" encoding="utf-8"?>
 <p:sld xmlns:a="http://schemas.openxmlformats.org/drawingml/2006/main" xmlns:r="http://schemas.openxmlformats.org/officeDocument/2006/relationships" xmlns:p="http://schemas.openxmlformats.org/presentationml/2006/main">
   <p:cSld>
+    <p:bg>
+      <p:bgPr>
+        <a:solidFill>
+          <a:schemeClr val="bg1"/>
+        </a:solidFill>
+        <a:effectLst/>
+      </p:bgPr>
+    </p:bg>
     <p:spTree>
       <p:nvGrpSpPr>
         <p:cNvPr id="1" name=""/>
@@ -15323,6 +15181,14 @@
 <file path=ppt/slides/slide32.xml><?xml version="1.0" encoding="utf-8"?>
 <p:sld xmlns:a="http://schemas.openxmlformats.org/drawingml/2006/main" xmlns:r="http://schemas.openxmlformats.org/officeDocument/2006/relationships" xmlns:p="http://schemas.openxmlformats.org/presentationml/2006/main">
   <p:cSld>
+    <p:bg>
+      <p:bgPr>
+        <a:solidFill>
+          <a:schemeClr val="bg1"/>
+        </a:solidFill>
+        <a:effectLst/>
+      </p:bgPr>
+    </p:bg>
     <p:spTree>
       <p:nvGrpSpPr>
         <p:cNvPr id="1" name=""/>
@@ -15402,6 +15268,14 @@
 <file path=ppt/slides/slide33.xml><?xml version="1.0" encoding="utf-8"?>
 <p:sld xmlns:a="http://schemas.openxmlformats.org/drawingml/2006/main" xmlns:r="http://schemas.openxmlformats.org/officeDocument/2006/relationships" xmlns:p="http://schemas.openxmlformats.org/presentationml/2006/main">
   <p:cSld>
+    <p:bg>
+      <p:bgPr>
+        <a:solidFill>
+          <a:schemeClr val="bg1"/>
+        </a:solidFill>
+        <a:effectLst/>
+      </p:bgPr>
+    </p:bg>
     <p:spTree>
       <p:nvGrpSpPr>
         <p:cNvPr id="1" name=""/>
@@ -15514,6 +15388,14 @@
 <file path=ppt/slides/slide34.xml><?xml version="1.0" encoding="utf-8"?>
 <p:sld xmlns:a="http://schemas.openxmlformats.org/drawingml/2006/main" xmlns:r="http://schemas.openxmlformats.org/officeDocument/2006/relationships" xmlns:p="http://schemas.openxmlformats.org/presentationml/2006/main">
   <p:cSld>
+    <p:bg>
+      <p:bgPr>
+        <a:solidFill>
+          <a:schemeClr val="bg1"/>
+        </a:solidFill>
+        <a:effectLst/>
+      </p:bgPr>
+    </p:bg>
     <p:spTree>
       <p:nvGrpSpPr>
         <p:cNvPr id="1" name=""/>
@@ -15644,6 +15526,14 @@
 <file path=ppt/slides/slide35.xml><?xml version="1.0" encoding="utf-8"?>
 <p:sld xmlns:a="http://schemas.openxmlformats.org/drawingml/2006/main" xmlns:r="http://schemas.openxmlformats.org/officeDocument/2006/relationships" xmlns:p="http://schemas.openxmlformats.org/presentationml/2006/main">
   <p:cSld>
+    <p:bg>
+      <p:bgPr>
+        <a:solidFill>
+          <a:schemeClr val="bg1"/>
+        </a:solidFill>
+        <a:effectLst/>
+      </p:bgPr>
+    </p:bg>
     <p:spTree>
       <p:nvGrpSpPr>
         <p:cNvPr id="1" name=""/>
@@ -15749,6 +15639,14 @@
 <file path=ppt/slides/slide36.xml><?xml version="1.0" encoding="utf-8"?>
 <p:sld xmlns:a="http://schemas.openxmlformats.org/drawingml/2006/main" xmlns:r="http://schemas.openxmlformats.org/officeDocument/2006/relationships" xmlns:p="http://schemas.openxmlformats.org/presentationml/2006/main">
   <p:cSld>
+    <p:bg>
+      <p:bgPr>
+        <a:solidFill>
+          <a:schemeClr val="bg1"/>
+        </a:solidFill>
+        <a:effectLst/>
+      </p:bgPr>
+    </p:bg>
     <p:spTree>
       <p:nvGrpSpPr>
         <p:cNvPr id="1" name=""/>
@@ -17101,6 +16999,14 @@
 <file path=ppt/slides/slide37.xml><?xml version="1.0" encoding="utf-8"?>
 <p:sld xmlns:a="http://schemas.openxmlformats.org/drawingml/2006/main" xmlns:r="http://schemas.openxmlformats.org/officeDocument/2006/relationships" xmlns:p="http://schemas.openxmlformats.org/presentationml/2006/main">
   <p:cSld>
+    <p:bg>
+      <p:bgPr>
+        <a:solidFill>
+          <a:schemeClr val="bg1"/>
+        </a:solidFill>
+        <a:effectLst/>
+      </p:bgPr>
+    </p:bg>
     <p:spTree>
       <p:nvGrpSpPr>
         <p:cNvPr id="1" name=""/>
@@ -17150,7 +17056,9 @@
         </p:nvSpPr>
         <p:spPr/>
         <p:txBody>
-          <a:bodyPr/>
+          <a:bodyPr>
+            <a:normAutofit lnSpcReduction="10000"/>
+          </a:bodyPr>
           <a:lstStyle/>
           <a:p>
             <a:r>
@@ -17196,6 +17104,17 @@
             <a:endParaRPr lang="en-GB" dirty="0"/>
           </a:p>
           <a:p>
+            <a:endParaRPr lang="en-GB" dirty="0" smtClean="0"/>
+          </a:p>
+          <a:p>
+            <a:r>
+              <a:rPr lang="en-GB" dirty="0" smtClean="0"/>
+              <a:t>Linux/ </a:t>
+            </a:r>
+            <a:r>
+              <a:rPr lang="en-GB" dirty="0" err="1" smtClean="0"/>
+              <a:t>Erlang</a:t>
+            </a:r>
             <a:endParaRPr lang="en-GB" dirty="0"/>
           </a:p>
         </p:txBody>
@@ -17252,7 +17171,7 @@
         </p:blipFill>
         <p:spPr>
           <a:xfrm>
-            <a:off x="6876256" y="3914651"/>
+            <a:off x="6876256" y="3501008"/>
             <a:ext cx="1368152" cy="1386557"/>
           </a:xfrm>
           <a:prstGeom prst="rect">
@@ -17283,6 +17202,14 @@
 <file path=ppt/slides/slide38.xml><?xml version="1.0" encoding="utf-8"?>
 <p:sld xmlns:a="http://schemas.openxmlformats.org/drawingml/2006/main" xmlns:r="http://schemas.openxmlformats.org/officeDocument/2006/relationships" xmlns:p="http://schemas.openxmlformats.org/presentationml/2006/main">
   <p:cSld>
+    <p:bg>
+      <p:bgPr>
+        <a:solidFill>
+          <a:schemeClr val="bg1"/>
+        </a:solidFill>
+        <a:effectLst/>
+      </p:bgPr>
+    </p:bg>
     <p:spTree>
       <p:nvGrpSpPr>
         <p:cNvPr id="1" name=""/>
@@ -17370,6 +17297,14 @@
 <file path=ppt/slides/slide39.xml><?xml version="1.0" encoding="utf-8"?>
 <p:sld xmlns:a="http://schemas.openxmlformats.org/drawingml/2006/main" xmlns:r="http://schemas.openxmlformats.org/officeDocument/2006/relationships" xmlns:p="http://schemas.openxmlformats.org/presentationml/2006/main">
   <p:cSld>
+    <p:bg>
+      <p:bgPr>
+        <a:solidFill>
+          <a:schemeClr val="bg1"/>
+        </a:solidFill>
+        <a:effectLst/>
+      </p:bgPr>
+    </p:bg>
     <p:spTree>
       <p:nvGrpSpPr>
         <p:cNvPr id="1" name=""/>
@@ -17425,7 +17360,7 @@
         <p:spPr/>
         <p:txBody>
           <a:bodyPr>
-            <a:normAutofit lnSpcReduction="10000"/>
+            <a:normAutofit fontScale="92500" lnSpcReduction="10000"/>
           </a:bodyPr>
           <a:lstStyle/>
           <a:p>
@@ -17457,28 +17392,20 @@
               <a:t>	</a:t>
             </a:r>
             <a:r>
-              <a:rPr lang="en-GB" sz="2200" i="1" dirty="0" smtClean="0"/>
+              <a:rPr lang="en-GB" sz="1900" i="1" dirty="0" smtClean="0"/>
               <a:t>Free training - </a:t>
             </a:r>
             <a:r>
-              <a:rPr lang="en-GB" sz="2200" i="1" dirty="0" smtClean="0">
+              <a:rPr lang="en-GB" sz="1900" i="1" dirty="0" smtClean="0">
                 <a:hlinkClick r:id="rId3"/>
               </a:rPr>
-              <a:t>https</a:t>
-            </a:r>
-            <a:r>
-              <a:rPr lang="en-GB" sz="2200" i="1" dirty="0">
-                <a:hlinkClick r:id="rId3"/>
-              </a:rPr>
-              <a:t>://academy.datastax.com</a:t>
-            </a:r>
-            <a:r>
-              <a:rPr lang="en-GB" sz="2200" i="1" dirty="0" smtClean="0">
-                <a:hlinkClick r:id="rId3"/>
-              </a:rPr>
-              <a:t>/</a:t>
-            </a:r>
-            <a:endParaRPr lang="en-GB" sz="2200" i="1" dirty="0" smtClean="0"/>
+              <a:t>www.datastax.com/what-we-offer/products-services/training</a:t>
+            </a:r>
+            <a:r>
+              <a:rPr lang="en-GB" sz="1900" i="1" dirty="0" smtClean="0"/>
+              <a:t> </a:t>
+            </a:r>
+            <a:endParaRPr lang="en-GB" sz="1900" i="1" dirty="0" smtClean="0"/>
           </a:p>
           <a:p>
             <a:pPr marL="0" indent="0">
@@ -17608,6 +17535,14 @@
 <file path=ppt/slides/slide4.xml><?xml version="1.0" encoding="utf-8"?>
 <p:sld xmlns:a="http://schemas.openxmlformats.org/drawingml/2006/main" xmlns:r="http://schemas.openxmlformats.org/officeDocument/2006/relationships" xmlns:p="http://schemas.openxmlformats.org/presentationml/2006/main">
   <p:cSld>
+    <p:bg>
+      <p:bgPr>
+        <a:solidFill>
+          <a:schemeClr val="bg1"/>
+        </a:solidFill>
+        <a:effectLst/>
+      </p:bgPr>
+    </p:bg>
     <p:spTree>
       <p:nvGrpSpPr>
         <p:cNvPr id="1" name=""/>
@@ -17669,8 +17604,8 @@
         </p:blipFill>
         <p:spPr>
           <a:xfrm>
-            <a:off x="1763688" y="1484784"/>
-            <a:ext cx="1753477" cy="1440160"/>
+            <a:off x="1475656" y="2797644"/>
+            <a:ext cx="1512873" cy="1242548"/>
           </a:xfrm>
         </p:spPr>
       </p:pic>
@@ -17696,8 +17631,8 @@
         </p:blipFill>
         <p:spPr>
           <a:xfrm>
-            <a:off x="4991368" y="1217211"/>
-            <a:ext cx="2448272" cy="2448272"/>
+            <a:off x="4115852" y="2420888"/>
+            <a:ext cx="2112332" cy="2112332"/>
           </a:xfrm>
           <a:prstGeom prst="rect">
             <a:avLst/>
@@ -17726,8 +17661,8 @@
         </p:blipFill>
         <p:spPr>
           <a:xfrm>
-            <a:off x="1475656" y="3468216"/>
-            <a:ext cx="2121024" cy="2121024"/>
+            <a:off x="2627784" y="4335316"/>
+            <a:ext cx="1829988" cy="1829988"/>
           </a:xfrm>
           <a:prstGeom prst="rect">
             <a:avLst/>
@@ -17756,14 +17691,61 @@
         </p:blipFill>
         <p:spPr>
           <a:xfrm>
-            <a:off x="5292081" y="3284984"/>
-            <a:ext cx="1800200" cy="2003039"/>
+            <a:off x="6372200" y="4005064"/>
+            <a:ext cx="1553186" cy="1728192"/>
           </a:xfrm>
           <a:prstGeom prst="rect">
             <a:avLst/>
           </a:prstGeom>
         </p:spPr>
       </p:pic>
+      <p:sp>
+        <p:nvSpPr>
+          <p:cNvPr id="8" name="TextBox 7"/>
+          <p:cNvSpPr txBox="1"/>
+          <p:nvPr/>
+        </p:nvSpPr>
+        <p:spPr>
+          <a:xfrm>
+            <a:off x="611560" y="1702549"/>
+            <a:ext cx="8064896" cy="523220"/>
+          </a:xfrm>
+          <a:prstGeom prst="rect">
+            <a:avLst/>
+          </a:prstGeom>
+          <a:noFill/>
+        </p:spPr>
+        <p:txBody>
+          <a:bodyPr wrap="square" rtlCol="0">
+            <a:spAutoFit/>
+          </a:bodyPr>
+          <a:lstStyle/>
+          <a:p>
+            <a:pPr algn="ctr"/>
+            <a:r>
+              <a:rPr lang="en-GB" sz="2800" dirty="0" smtClean="0"/>
+              <a:t>Application/“OLTP”</a:t>
+            </a:r>
+            <a:r>
+              <a:rPr lang="en-GB" sz="2800" dirty="0"/>
+              <a:t>	</a:t>
+            </a:r>
+            <a:r>
+              <a:rPr lang="en-GB" sz="2800" dirty="0" smtClean="0"/>
+              <a:t>Data </a:t>
+            </a:r>
+            <a:r>
+              <a:rPr lang="en-GB" sz="2800" dirty="0"/>
+              <a:t>Warehouse/ “OLAP</a:t>
+            </a:r>
+            <a:r>
+              <a:rPr lang="en-GB" sz="2800" dirty="0" smtClean="0"/>
+              <a:t>”</a:t>
+            </a:r>
+            <a:endParaRPr lang="en-GB" sz="2800" dirty="0"/>
+          </a:p>
+        </p:txBody>
+      </p:sp>
     </p:spTree>
     <p:extLst>
       <p:ext uri="{BB962C8B-B14F-4D97-AF65-F5344CB8AC3E}">
@@ -17787,6 +17769,14 @@
 <file path=ppt/slides/slide40.xml><?xml version="1.0" encoding="utf-8"?>
 <p:sld xmlns:a="http://schemas.openxmlformats.org/drawingml/2006/main" xmlns:r="http://schemas.openxmlformats.org/officeDocument/2006/relationships" xmlns:p="http://schemas.openxmlformats.org/presentationml/2006/main">
   <p:cSld>
+    <p:bg>
+      <p:bgPr>
+        <a:solidFill>
+          <a:schemeClr val="bg1"/>
+        </a:solidFill>
+        <a:effectLst/>
+      </p:bgPr>
+    </p:bg>
     <p:spTree>
       <p:nvGrpSpPr>
         <p:cNvPr id="1" name=""/>
@@ -17866,6 +17856,14 @@
 <file path=ppt/slides/slide41.xml><?xml version="1.0" encoding="utf-8"?>
 <p:sld xmlns:a="http://schemas.openxmlformats.org/drawingml/2006/main" xmlns:r="http://schemas.openxmlformats.org/officeDocument/2006/relationships" xmlns:p="http://schemas.openxmlformats.org/presentationml/2006/main">
   <p:cSld>
+    <p:bg>
+      <p:bgPr>
+        <a:solidFill>
+          <a:schemeClr val="bg1"/>
+        </a:solidFill>
+        <a:effectLst/>
+      </p:bgPr>
+    </p:bg>
     <p:spTree>
       <p:nvGrpSpPr>
         <p:cNvPr id="1" name=""/>
@@ -17983,6 +17981,14 @@
 <file path=ppt/slides/slide42.xml><?xml version="1.0" encoding="utf-8"?>
 <p:sld xmlns:a="http://schemas.openxmlformats.org/drawingml/2006/main" xmlns:r="http://schemas.openxmlformats.org/officeDocument/2006/relationships" xmlns:p="http://schemas.openxmlformats.org/presentationml/2006/main">
   <p:cSld>
+    <p:bg>
+      <p:bgPr>
+        <a:solidFill>
+          <a:schemeClr val="bg1"/>
+        </a:solidFill>
+        <a:effectLst/>
+      </p:bgPr>
+    </p:bg>
     <p:spTree>
       <p:nvGrpSpPr>
         <p:cNvPr id="1" name=""/>
@@ -18103,6 +18109,14 @@
 <file path=ppt/slides/slide43.xml><?xml version="1.0" encoding="utf-8"?>
 <p:sld xmlns:a="http://schemas.openxmlformats.org/drawingml/2006/main" xmlns:r="http://schemas.openxmlformats.org/officeDocument/2006/relationships" xmlns:p="http://schemas.openxmlformats.org/presentationml/2006/main">
   <p:cSld>
+    <p:bg>
+      <p:bgPr>
+        <a:solidFill>
+          <a:schemeClr val="bg1"/>
+        </a:solidFill>
+        <a:effectLst/>
+      </p:bgPr>
+    </p:bg>
     <p:spTree>
       <p:nvGrpSpPr>
         <p:cNvPr id="1" name=""/>
@@ -18358,6 +18372,14 @@
 <file path=ppt/slides/slide44.xml><?xml version="1.0" encoding="utf-8"?>
 <p:sld xmlns:a="http://schemas.openxmlformats.org/drawingml/2006/main" xmlns:r="http://schemas.openxmlformats.org/officeDocument/2006/relationships" xmlns:p="http://schemas.openxmlformats.org/presentationml/2006/main">
   <p:cSld>
+    <p:bg>
+      <p:bgPr>
+        <a:solidFill>
+          <a:schemeClr val="bg1"/>
+        </a:solidFill>
+        <a:effectLst/>
+      </p:bgPr>
+    </p:bg>
     <p:spTree>
       <p:nvGrpSpPr>
         <p:cNvPr id="1" name=""/>
@@ -18563,6 +18585,14 @@
 <file path=ppt/slides/slide45.xml><?xml version="1.0" encoding="utf-8"?>
 <p:sld xmlns:a="http://schemas.openxmlformats.org/drawingml/2006/main" xmlns:r="http://schemas.openxmlformats.org/officeDocument/2006/relationships" xmlns:p="http://schemas.openxmlformats.org/presentationml/2006/main">
   <p:cSld>
+    <p:bg>
+      <p:bgPr>
+        <a:solidFill>
+          <a:schemeClr val="bg1"/>
+        </a:solidFill>
+        <a:effectLst/>
+      </p:bgPr>
+    </p:bg>
     <p:spTree>
       <p:nvGrpSpPr>
         <p:cNvPr id="1" name=""/>
@@ -18729,6 +18759,14 @@
 <file path=ppt/slides/slide46.xml><?xml version="1.0" encoding="utf-8"?>
 <p:sld xmlns:a="http://schemas.openxmlformats.org/drawingml/2006/main" xmlns:r="http://schemas.openxmlformats.org/officeDocument/2006/relationships" xmlns:p="http://schemas.openxmlformats.org/presentationml/2006/main">
   <p:cSld>
+    <p:bg>
+      <p:bgPr>
+        <a:solidFill>
+          <a:schemeClr val="bg1"/>
+        </a:solidFill>
+        <a:effectLst/>
+      </p:bgPr>
+    </p:bg>
     <p:spTree>
       <p:nvGrpSpPr>
         <p:cNvPr id="1" name=""/>
@@ -18798,11 +18836,7 @@
           <a:p>
             <a:r>
               <a:rPr lang="en-GB" dirty="0" smtClean="0"/>
-              <a:t>JSON document </a:t>
-            </a:r>
-            <a:r>
-              <a:rPr lang="en-GB" dirty="0" smtClean="0"/>
-              <a:t>format</a:t>
+              <a:t>JSON document format</a:t>
             </a:r>
             <a:endParaRPr lang="en-GB" dirty="0"/>
           </a:p>
@@ -18837,11 +18871,7 @@
             <a:pPr lvl="1"/>
             <a:r>
               <a:rPr lang="en-GB" dirty="0" smtClean="0"/>
-              <a:t>Vendor </a:t>
-            </a:r>
-            <a:r>
-              <a:rPr lang="en-GB" dirty="0" smtClean="0"/>
-              <a:t>lock-in</a:t>
+              <a:t>Vendor lock-in</a:t>
             </a:r>
             <a:endParaRPr lang="en-GB" dirty="0"/>
           </a:p>
@@ -18870,6 +18900,14 @@
 <file path=ppt/slides/slide47.xml><?xml version="1.0" encoding="utf-8"?>
 <p:sld xmlns:a="http://schemas.openxmlformats.org/drawingml/2006/main" xmlns:r="http://schemas.openxmlformats.org/officeDocument/2006/relationships" xmlns:p="http://schemas.openxmlformats.org/presentationml/2006/main">
   <p:cSld>
+    <p:bg>
+      <p:bgPr>
+        <a:solidFill>
+          <a:schemeClr val="bg1"/>
+        </a:solidFill>
+        <a:effectLst/>
+      </p:bgPr>
+    </p:bg>
     <p:spTree>
       <p:nvGrpSpPr>
         <p:cNvPr id="1" name=""/>
@@ -18957,6 +18995,14 @@
 <file path=ppt/slides/slide48.xml><?xml version="1.0" encoding="utf-8"?>
 <p:sld xmlns:a="http://schemas.openxmlformats.org/drawingml/2006/main" xmlns:r="http://schemas.openxmlformats.org/officeDocument/2006/relationships" xmlns:p="http://schemas.openxmlformats.org/presentationml/2006/main">
   <p:cSld>
+    <p:bg>
+      <p:bgPr>
+        <a:solidFill>
+          <a:schemeClr val="bg1"/>
+        </a:solidFill>
+        <a:effectLst/>
+      </p:bgPr>
+    </p:bg>
     <p:spTree>
       <p:nvGrpSpPr>
         <p:cNvPr id="1" name=""/>
@@ -19197,6 +19243,14 @@
 <file path=ppt/slides/slide49.xml><?xml version="1.0" encoding="utf-8"?>
 <p:sld xmlns:a="http://schemas.openxmlformats.org/drawingml/2006/main" xmlns:r="http://schemas.openxmlformats.org/officeDocument/2006/relationships" xmlns:p="http://schemas.openxmlformats.org/presentationml/2006/main">
   <p:cSld>
+    <p:bg>
+      <p:bgPr>
+        <a:solidFill>
+          <a:schemeClr val="bg1"/>
+        </a:solidFill>
+        <a:effectLst/>
+      </p:bgPr>
+    </p:bg>
     <p:spTree>
       <p:nvGrpSpPr>
         <p:cNvPr id="1" name=""/>
@@ -19357,6 +19411,14 @@
 <file path=ppt/slides/slide5.xml><?xml version="1.0" encoding="utf-8"?>
 <p:sld xmlns:a="http://schemas.openxmlformats.org/drawingml/2006/main" xmlns:r="http://schemas.openxmlformats.org/officeDocument/2006/relationships" xmlns:p="http://schemas.openxmlformats.org/presentationml/2006/main">
   <p:cSld>
+    <p:bg>
+      <p:bgPr>
+        <a:solidFill>
+          <a:schemeClr val="bg1"/>
+        </a:solidFill>
+        <a:effectLst/>
+      </p:bgPr>
+    </p:bg>
     <p:spTree>
       <p:nvGrpSpPr>
         <p:cNvPr id="1" name=""/>
@@ -19388,7 +19450,7 @@
           <a:p>
             <a:r>
               <a:rPr lang="en-GB" dirty="0" smtClean="0"/>
-              <a:t>10 Years Ago</a:t>
+              <a:t>Relational Dominance</a:t>
             </a:r>
             <a:endParaRPr lang="en-GB" dirty="0"/>
           </a:p>
@@ -19396,7 +19458,7 @@
       </p:sp>
       <p:sp>
         <p:nvSpPr>
-          <p:cNvPr id="7" name="Content Placeholder 6"/>
+          <p:cNvPr id="3" name="Content Placeholder 2"/>
           <p:cNvSpPr>
             <a:spLocks noGrp="1"/>
           </p:cNvSpPr>
@@ -19406,111 +19468,41 @@
         </p:nvSpPr>
         <p:spPr/>
         <p:txBody>
-          <a:bodyPr>
-            <a:normAutofit lnSpcReduction="10000"/>
-          </a:bodyPr>
-          <a:lstStyle/>
-          <a:p>
-            <a:pPr marL="0" indent="0">
-              <a:buNone/>
-            </a:pPr>
-            <a:r>
-              <a:rPr lang="en-GB" dirty="0" smtClean="0"/>
-              <a:t>“OLTP”</a:t>
-            </a:r>
-          </a:p>
-          <a:p>
-            <a:r>
-              <a:rPr lang="en-GB" sz="2800" dirty="0"/>
-              <a:t>A</a:t>
-            </a:r>
-            <a:r>
-              <a:rPr lang="en-GB" sz="2800" dirty="0" smtClean="0"/>
-              <a:t>pplication access, lots of small queries, updates</a:t>
-            </a:r>
-          </a:p>
-          <a:p>
-            <a:r>
-              <a:rPr lang="en-GB" sz="2800" dirty="0" smtClean="0"/>
-              <a:t>Lightly Indexed, Normalised</a:t>
-            </a:r>
-          </a:p>
-          <a:p>
-            <a:endParaRPr lang="en-GB" sz="2800" dirty="0" smtClean="0"/>
-          </a:p>
-          <a:p>
-            <a:pPr marL="0" indent="0">
-              <a:buNone/>
-            </a:pPr>
-            <a:r>
-              <a:rPr lang="en-GB" dirty="0" smtClean="0"/>
-              <a:t>Data Warehouse/ “OLAP”</a:t>
-            </a:r>
-          </a:p>
-          <a:p>
-            <a:r>
-              <a:rPr lang="en-GB" sz="2800" dirty="0" smtClean="0"/>
-              <a:t>Large, ad-hoc </a:t>
-            </a:r>
-            <a:r>
-              <a:rPr lang="en-GB" sz="2800" dirty="0"/>
-              <a:t>a</a:t>
-            </a:r>
-            <a:r>
-              <a:rPr lang="en-GB" sz="2800" dirty="0" smtClean="0"/>
-              <a:t>nalytical </a:t>
-            </a:r>
-            <a:r>
-              <a:rPr lang="en-GB" sz="2800" dirty="0"/>
-              <a:t>q</a:t>
-            </a:r>
-            <a:r>
-              <a:rPr lang="en-GB" sz="2800" dirty="0" smtClean="0"/>
-              <a:t>ueries – read-mostly</a:t>
-            </a:r>
-          </a:p>
-          <a:p>
-            <a:r>
-              <a:rPr lang="en-GB" sz="2800" dirty="0" smtClean="0"/>
-              <a:t>Heavily Indexed, </a:t>
-            </a:r>
-            <a:r>
-              <a:rPr lang="en-GB" sz="2800" dirty="0" err="1" smtClean="0"/>
-              <a:t>Denormalised</a:t>
-            </a:r>
-            <a:endParaRPr lang="en-GB" sz="2800" dirty="0" smtClean="0"/>
-          </a:p>
-          <a:p>
-            <a:pPr marL="0" indent="0">
-              <a:buNone/>
-            </a:pPr>
-            <a:endParaRPr lang="en-GB" sz="2800" dirty="0" smtClean="0"/>
-          </a:p>
-          <a:p>
-            <a:pPr marL="0" indent="0">
-              <a:buNone/>
-            </a:pPr>
-            <a:r>
-              <a:rPr lang="en-GB" sz="2800" b="1" i="1" dirty="0" smtClean="0">
-                <a:solidFill>
-                  <a:srgbClr val="FF0000"/>
-                </a:solidFill>
-              </a:rPr>
-              <a:t>BUT – all done in SQL/ Relational</a:t>
-            </a:r>
-            <a:endParaRPr lang="en-GB" sz="2800" b="1" i="1" dirty="0">
-              <a:solidFill>
-                <a:srgbClr val="FF0000"/>
-              </a:solidFill>
-            </a:endParaRPr>
-          </a:p>
-          <a:p>
-            <a:endParaRPr lang="en-GB" sz="2800" dirty="0" smtClean="0"/>
-          </a:p>
-          <a:p>
-            <a:pPr marL="0" indent="0">
-              <a:buNone/>
-            </a:pPr>
+          <a:bodyPr/>
+          <a:lstStyle/>
+          <a:p>
+            <a:r>
+              <a:rPr lang="en-GB" dirty="0" smtClean="0"/>
+              <a:t>1970s – Early 2000s</a:t>
+            </a:r>
+          </a:p>
+          <a:p>
+            <a:endParaRPr lang="en-GB" dirty="0"/>
+          </a:p>
+          <a:p>
+            <a:r>
+              <a:rPr lang="en-GB" dirty="0" smtClean="0"/>
+              <a:t>E.F. </a:t>
+            </a:r>
+            <a:r>
+              <a:rPr lang="en-GB" dirty="0" err="1" smtClean="0"/>
+              <a:t>Codd</a:t>
+            </a:r>
+            <a:r>
+              <a:rPr lang="en-GB" dirty="0" smtClean="0"/>
+              <a:t>  - “A Relational Model of Data for Large Shared Data Banks”</a:t>
+            </a:r>
+          </a:p>
+          <a:p>
+            <a:endParaRPr lang="en-GB" dirty="0"/>
+          </a:p>
+          <a:p>
+            <a:r>
+              <a:rPr lang="en-GB" dirty="0" smtClean="0"/>
+              <a:t>Widespread Adoption, Heavy Vendor Investment</a:t>
+            </a:r>
+          </a:p>
+          <a:p>
             <a:endParaRPr lang="en-GB" dirty="0"/>
           </a:p>
         </p:txBody>
@@ -19518,7 +19510,7 @@
     </p:spTree>
     <p:extLst>
       <p:ext uri="{BB962C8B-B14F-4D97-AF65-F5344CB8AC3E}">
-        <p14:creationId xmlns:p14="http://schemas.microsoft.com/office/powerpoint/2010/main" val="3268761550"/>
+        <p14:creationId xmlns:p14="http://schemas.microsoft.com/office/powerpoint/2010/main" val="645039834"/>
       </p:ext>
     </p:extLst>
   </p:cSld>
@@ -19528,79 +19520,7 @@
   <p:timing>
     <p:tnLst>
       <p:par>
-        <p:cTn id="1" dur="indefinite" restart="never" nodeType="tmRoot">
-          <p:childTnLst>
-            <p:seq concurrent="1" nextAc="seek">
-              <p:cTn id="2" dur="indefinite" nodeType="mainSeq">
-                <p:childTnLst>
-                  <p:par>
-                    <p:cTn id="3" fill="hold">
-                      <p:stCondLst>
-                        <p:cond delay="indefinite"/>
-                      </p:stCondLst>
-                      <p:childTnLst>
-                        <p:par>
-                          <p:cTn id="4" fill="hold">
-                            <p:stCondLst>
-                              <p:cond delay="0"/>
-                            </p:stCondLst>
-                            <p:childTnLst>
-                              <p:par>
-                                <p:cTn id="5" presetID="1" presetClass="entr" presetSubtype="0" fill="hold" nodeType="clickEffect">
-                                  <p:stCondLst>
-                                    <p:cond delay="0"/>
-                                  </p:stCondLst>
-                                  <p:childTnLst>
-                                    <p:set>
-                                      <p:cBhvr>
-                                        <p:cTn id="6" dur="1" fill="hold">
-                                          <p:stCondLst>
-                                            <p:cond delay="0"/>
-                                          </p:stCondLst>
-                                        </p:cTn>
-                                        <p:tgtEl>
-                                          <p:spTgt spid="7">
-                                            <p:txEl>
-                                              <p:pRg st="8" end="8"/>
-                                            </p:txEl>
-                                          </p:spTgt>
-                                        </p:tgtEl>
-                                        <p:attrNameLst>
-                                          <p:attrName>style.visibility</p:attrName>
-                                        </p:attrNameLst>
-                                      </p:cBhvr>
-                                      <p:to>
-                                        <p:strVal val="visible"/>
-                                      </p:to>
-                                    </p:set>
-                                  </p:childTnLst>
-                                </p:cTn>
-                              </p:par>
-                            </p:childTnLst>
-                          </p:cTn>
-                        </p:par>
-                      </p:childTnLst>
-                    </p:cTn>
-                  </p:par>
-                </p:childTnLst>
-              </p:cTn>
-              <p:prevCondLst>
-                <p:cond evt="onPrev" delay="0">
-                  <p:tgtEl>
-                    <p:sldTgt/>
-                  </p:tgtEl>
-                </p:cond>
-              </p:prevCondLst>
-              <p:nextCondLst>
-                <p:cond evt="onNext" delay="0">
-                  <p:tgtEl>
-                    <p:sldTgt/>
-                  </p:tgtEl>
-                </p:cond>
-              </p:nextCondLst>
-            </p:seq>
-          </p:childTnLst>
-        </p:cTn>
+        <p:cTn id="1" dur="indefinite" restart="never" nodeType="tmRoot"/>
       </p:par>
     </p:tnLst>
   </p:timing>
@@ -19610,6 +19530,14 @@
 <file path=ppt/slides/slide50.xml><?xml version="1.0" encoding="utf-8"?>
 <p:sld xmlns:a="http://schemas.openxmlformats.org/drawingml/2006/main" xmlns:r="http://schemas.openxmlformats.org/officeDocument/2006/relationships" xmlns:p="http://schemas.openxmlformats.org/presentationml/2006/main">
   <p:cSld>
+    <p:bg>
+      <p:bgPr>
+        <a:solidFill>
+          <a:schemeClr val="bg1"/>
+        </a:solidFill>
+        <a:effectLst/>
+      </p:bgPr>
+    </p:bg>
     <p:spTree>
       <p:nvGrpSpPr>
         <p:cNvPr id="1" name=""/>
@@ -20637,6 +20565,14 @@
 <file path=ppt/slides/slide51.xml><?xml version="1.0" encoding="utf-8"?>
 <p:sld xmlns:a="http://schemas.openxmlformats.org/drawingml/2006/main" xmlns:r="http://schemas.openxmlformats.org/officeDocument/2006/relationships" xmlns:p="http://schemas.openxmlformats.org/presentationml/2006/main">
   <p:cSld>
+    <p:bg>
+      <p:bgPr>
+        <a:solidFill>
+          <a:schemeClr val="bg1"/>
+        </a:solidFill>
+        <a:effectLst/>
+      </p:bgPr>
+    </p:bg>
     <p:spTree>
       <p:nvGrpSpPr>
         <p:cNvPr id="1" name=""/>
@@ -20709,15 +20645,7 @@
           <a:p>
             <a:r>
               <a:rPr lang="en-GB" dirty="0" smtClean="0"/>
-              <a:t>Also i</a:t>
-            </a:r>
-            <a:r>
-              <a:rPr lang="en-GB" dirty="0" smtClean="0"/>
-              <a:t>mplemented </a:t>
-            </a:r>
-            <a:r>
-              <a:rPr lang="en-GB" dirty="0" smtClean="0"/>
-              <a:t>in </a:t>
+              <a:t>Also implemented in </a:t>
             </a:r>
             <a:r>
               <a:rPr lang="en-GB" dirty="0" err="1" smtClean="0"/>
@@ -20725,11 +20653,7 @@
             </a:r>
             <a:r>
               <a:rPr lang="en-GB" dirty="0" smtClean="0"/>
-              <a:t>, </a:t>
-            </a:r>
-            <a:r>
-              <a:rPr lang="en-GB" dirty="0" smtClean="0"/>
-              <a:t>MongoDB</a:t>
+              <a:t>, MongoDB</a:t>
             </a:r>
             <a:r>
               <a:rPr lang="en-GB" dirty="0"/>
@@ -20737,11 +20661,7 @@
             </a:r>
             <a:r>
               <a:rPr lang="en-GB" dirty="0" smtClean="0"/>
-              <a:t>(etc</a:t>
-            </a:r>
-            <a:r>
-              <a:rPr lang="en-GB" dirty="0" smtClean="0"/>
-              <a:t>.)</a:t>
+              <a:t>(etc.)</a:t>
             </a:r>
             <a:endParaRPr lang="en-GB" dirty="0"/>
           </a:p>
@@ -20770,6 +20690,14 @@
 <file path=ppt/slides/slide52.xml><?xml version="1.0" encoding="utf-8"?>
 <p:sld xmlns:a="http://schemas.openxmlformats.org/drawingml/2006/main" xmlns:r="http://schemas.openxmlformats.org/officeDocument/2006/relationships" xmlns:p="http://schemas.openxmlformats.org/presentationml/2006/main">
   <p:cSld>
+    <p:bg>
+      <p:bgPr>
+        <a:solidFill>
+          <a:schemeClr val="bg1"/>
+        </a:solidFill>
+        <a:effectLst/>
+      </p:bgPr>
+    </p:bg>
     <p:spTree>
       <p:nvGrpSpPr>
         <p:cNvPr id="1" name=""/>
@@ -20857,6 +20785,14 @@
 <file path=ppt/slides/slide53.xml><?xml version="1.0" encoding="utf-8"?>
 <p:sld xmlns:a="http://schemas.openxmlformats.org/drawingml/2006/main" xmlns:r="http://schemas.openxmlformats.org/officeDocument/2006/relationships" xmlns:p="http://schemas.openxmlformats.org/presentationml/2006/main">
   <p:cSld>
+    <p:bg>
+      <p:bgPr>
+        <a:solidFill>
+          <a:schemeClr val="bg1"/>
+        </a:solidFill>
+        <a:effectLst/>
+      </p:bgPr>
+    </p:bg>
     <p:spTree>
       <p:nvGrpSpPr>
         <p:cNvPr id="1" name=""/>
@@ -20888,11 +20824,7 @@
           <a:p>
             <a:r>
               <a:rPr lang="en-GB" dirty="0" smtClean="0"/>
-              <a:t>Hadoop </a:t>
-            </a:r>
-            <a:r>
-              <a:rPr lang="en-GB" dirty="0" smtClean="0"/>
-              <a:t>Ecosystem</a:t>
+              <a:t>Hadoop Ecosystem</a:t>
             </a:r>
             <a:endParaRPr lang="en-GB" dirty="0"/>
           </a:p>
@@ -20917,15 +20849,7 @@
           <a:p>
             <a:r>
               <a:rPr lang="en-GB" dirty="0" smtClean="0"/>
-              <a:t>“</a:t>
-            </a:r>
-            <a:r>
-              <a:rPr lang="en-GB" dirty="0" smtClean="0"/>
-              <a:t>Linux for Distributed Systems</a:t>
-            </a:r>
-            <a:r>
-              <a:rPr lang="en-GB" dirty="0" smtClean="0"/>
-              <a:t>”</a:t>
+              <a:t>“Linux for Distributed Systems”</a:t>
             </a:r>
           </a:p>
           <a:p>
@@ -20952,7 +20876,6 @@
               <a:rPr lang="en-GB" b="1" dirty="0" smtClean="0"/>
               <a:t>, YARN</a:t>
             </a:r>
-            <a:endParaRPr lang="en-GB" b="1" dirty="0" smtClean="0"/>
           </a:p>
           <a:p>
             <a:endParaRPr lang="en-GB" dirty="0" smtClean="0"/>
@@ -21024,15 +20947,7 @@
             </a:r>
             <a:r>
               <a:rPr lang="en-GB" sz="2400" i="1" dirty="0" smtClean="0"/>
-              <a:t>, </a:t>
-            </a:r>
-            <a:r>
-              <a:rPr lang="en-GB" sz="2400" i="1" dirty="0" smtClean="0"/>
-              <a:t>Flume</a:t>
-            </a:r>
-            <a:r>
-              <a:rPr lang="en-GB" sz="2400" i="1" dirty="0" smtClean="0"/>
-              <a:t>, </a:t>
+              <a:t>, Flume, </a:t>
             </a:r>
             <a:r>
               <a:rPr lang="en-GB" sz="2400" i="1" dirty="0" err="1" smtClean="0"/>
@@ -21042,7 +20957,6 @@
               <a:rPr lang="en-GB" sz="2400" i="1" dirty="0" smtClean="0"/>
               <a:t> … (etc.) …</a:t>
             </a:r>
-            <a:endParaRPr lang="en-GB" sz="2400" i="1" dirty="0" smtClean="0"/>
           </a:p>
           <a:p>
             <a:endParaRPr lang="en-GB" dirty="0" smtClean="0"/>
@@ -21054,13 +20968,8 @@
             </a:r>
             <a:r>
               <a:rPr lang="en-GB" dirty="0" smtClean="0"/>
-              <a:t>, </a:t>
-            </a:r>
-            <a:r>
-              <a:rPr lang="en-GB" dirty="0" smtClean="0"/>
-              <a:t>Cloudera</a:t>
-            </a:r>
-            <a:endParaRPr lang="en-GB" dirty="0" smtClean="0"/>
+              <a:t>, Cloudera</a:t>
+            </a:r>
           </a:p>
           <a:p>
             <a:endParaRPr lang="en-GB" dirty="0" smtClean="0"/>
@@ -21206,6 +21115,14 @@
 <file path=ppt/slides/slide54.xml><?xml version="1.0" encoding="utf-8"?>
 <p:sld xmlns:a="http://schemas.openxmlformats.org/drawingml/2006/main" xmlns:r="http://schemas.openxmlformats.org/officeDocument/2006/relationships" xmlns:p="http://schemas.openxmlformats.org/presentationml/2006/main">
   <p:cSld>
+    <p:bg>
+      <p:bgPr>
+        <a:solidFill>
+          <a:schemeClr val="bg1"/>
+        </a:solidFill>
+        <a:effectLst/>
+      </p:bgPr>
+    </p:bg>
     <p:spTree>
       <p:nvGrpSpPr>
         <p:cNvPr id="1" name=""/>
@@ -21237,7 +21154,11 @@
           <a:p>
             <a:r>
               <a:rPr lang="en-GB" dirty="0" smtClean="0"/>
-              <a:t>Graph Databases – Neo4j</a:t>
+              <a:t>Graph </a:t>
+            </a:r>
+            <a:r>
+              <a:rPr lang="en-GB" dirty="0" smtClean="0"/>
+              <a:t>Databases</a:t>
             </a:r>
             <a:endParaRPr lang="en-GB" dirty="0"/>
           </a:p>
@@ -21343,7 +21264,200 @@
           <a:p>
             <a:r>
               <a:rPr lang="en-GB" dirty="0" smtClean="0"/>
-              <a:t>Neo4j - Demo</a:t>
+              <a:t>Neo4j</a:t>
+            </a:r>
+            <a:endParaRPr lang="en-GB" dirty="0"/>
+          </a:p>
+        </p:txBody>
+      </p:sp>
+      <p:sp>
+        <p:nvSpPr>
+          <p:cNvPr id="3" name="Content Placeholder 2"/>
+          <p:cNvSpPr>
+            <a:spLocks noGrp="1"/>
+          </p:cNvSpPr>
+          <p:nvPr>
+            <p:ph idx="1"/>
+          </p:nvPr>
+        </p:nvSpPr>
+        <p:spPr>
+          <a:xfrm>
+            <a:off x="457200" y="1340768"/>
+            <a:ext cx="8229600" cy="4785395"/>
+          </a:xfrm>
+        </p:spPr>
+        <p:txBody>
+          <a:bodyPr>
+            <a:normAutofit fontScale="92500" lnSpcReduction="10000"/>
+          </a:bodyPr>
+          <a:lstStyle/>
+          <a:p>
+            <a:pPr fontAlgn="t"/>
+            <a:r>
+              <a:rPr lang="en-GB" dirty="0"/>
+              <a:t>Easy to install, </a:t>
+            </a:r>
+            <a:r>
+              <a:rPr lang="en-GB" dirty="0" smtClean="0"/>
+              <a:t>use</a:t>
+            </a:r>
+          </a:p>
+          <a:p>
+            <a:pPr fontAlgn="t"/>
+            <a:endParaRPr lang="en-GB" dirty="0" smtClean="0"/>
+          </a:p>
+          <a:p>
+            <a:pPr fontAlgn="t"/>
+            <a:r>
+              <a:rPr lang="en-GB" dirty="0" smtClean="0"/>
+              <a:t>Expressive, flexible </a:t>
+            </a:r>
+            <a:r>
+              <a:rPr lang="en-GB" dirty="0"/>
+              <a:t>d</a:t>
+            </a:r>
+            <a:r>
+              <a:rPr lang="en-GB" dirty="0" smtClean="0"/>
+              <a:t>ata model for related data</a:t>
+            </a:r>
+            <a:endParaRPr lang="en-GB" dirty="0"/>
+          </a:p>
+          <a:p>
+            <a:endParaRPr lang="en-GB" dirty="0" smtClean="0"/>
+          </a:p>
+          <a:p>
+            <a:r>
+              <a:rPr lang="en-GB" dirty="0" smtClean="0"/>
+              <a:t>Use </a:t>
+            </a:r>
+            <a:r>
+              <a:rPr lang="en-GB" dirty="0"/>
+              <a:t>cases </a:t>
+            </a:r>
+            <a:r>
+              <a:rPr lang="en-GB" dirty="0" smtClean="0"/>
+              <a:t>(YouTube playlist) - </a:t>
+            </a:r>
+            <a:r>
+              <a:rPr lang="en-GB" sz="2600" dirty="0" smtClean="0">
+                <a:hlinkClick r:id="rId2"/>
+              </a:rPr>
+              <a:t>goo.gl/</a:t>
+            </a:r>
+            <a:r>
+              <a:rPr lang="en-GB" sz="2600" dirty="0" err="1" smtClean="0">
+                <a:hlinkClick r:id="rId2"/>
+              </a:rPr>
+              <a:t>RrdQjp</a:t>
+            </a:r>
+            <a:endParaRPr lang="en-GB" sz="2600" dirty="0" smtClean="0"/>
+          </a:p>
+          <a:p>
+            <a:pPr marL="0" indent="0">
+              <a:buNone/>
+            </a:pPr>
+            <a:endParaRPr lang="en-GB" dirty="0" smtClean="0"/>
+          </a:p>
+          <a:p>
+            <a:r>
+              <a:rPr lang="en-GB" dirty="0" smtClean="0"/>
+              <a:t>ACID semantics, scalability limits as relational</a:t>
+            </a:r>
+          </a:p>
+          <a:p>
+            <a:endParaRPr lang="en-GB" dirty="0" smtClean="0"/>
+          </a:p>
+          <a:p>
+            <a:r>
+              <a:rPr lang="en-GB" dirty="0" smtClean="0"/>
+              <a:t>More from me - </a:t>
+            </a:r>
+            <a:r>
+              <a:rPr lang="en-GB" sz="2600" dirty="0">
+                <a:hlinkClick r:id="rId3"/>
+              </a:rPr>
+              <a:t>http://alexdgarland.com/category/neo4j</a:t>
+            </a:r>
+            <a:endParaRPr lang="en-GB" sz="2600" dirty="0"/>
+          </a:p>
+          <a:p>
+            <a:endParaRPr lang="en-GB" dirty="0"/>
+          </a:p>
+          <a:p>
+            <a:pPr marL="0" indent="0">
+              <a:buNone/>
+            </a:pPr>
+            <a:endParaRPr lang="en-GB" dirty="0"/>
+          </a:p>
+        </p:txBody>
+      </p:sp>
+    </p:spTree>
+    <p:extLst>
+      <p:ext uri="{BB962C8B-B14F-4D97-AF65-F5344CB8AC3E}">
+        <p14:creationId xmlns:p14="http://schemas.microsoft.com/office/powerpoint/2010/main" val="1956913382"/>
+      </p:ext>
+    </p:extLst>
+  </p:cSld>
+  <p:clrMapOvr>
+    <a:masterClrMapping/>
+  </p:clrMapOvr>
+  <p:timing>
+    <p:tnLst>
+      <p:par>
+        <p:cTn id="1" dur="indefinite" restart="never" nodeType="tmRoot"/>
+      </p:par>
+    </p:tnLst>
+  </p:timing>
+</p:sld>
+</file>
+
+<file path=ppt/slides/slide56.xml><?xml version="1.0" encoding="utf-8"?>
+<p:sld xmlns:a="http://schemas.openxmlformats.org/drawingml/2006/main" xmlns:r="http://schemas.openxmlformats.org/officeDocument/2006/relationships" xmlns:p="http://schemas.openxmlformats.org/presentationml/2006/main">
+  <p:cSld>
+    <p:bg>
+      <p:bgPr>
+        <a:solidFill>
+          <a:schemeClr val="bg1"/>
+        </a:solidFill>
+        <a:effectLst/>
+      </p:bgPr>
+    </p:bg>
+    <p:spTree>
+      <p:nvGrpSpPr>
+        <p:cNvPr id="1" name=""/>
+        <p:cNvGrpSpPr/>
+        <p:nvPr/>
+      </p:nvGrpSpPr>
+      <p:grpSpPr>
+        <a:xfrm>
+          <a:off x="0" y="0"/>
+          <a:ext cx="0" cy="0"/>
+          <a:chOff x="0" y="0"/>
+          <a:chExt cx="0" cy="0"/>
+        </a:xfrm>
+      </p:grpSpPr>
+      <p:sp>
+        <p:nvSpPr>
+          <p:cNvPr id="2" name="Title 1"/>
+          <p:cNvSpPr>
+            <a:spLocks noGrp="1"/>
+          </p:cNvSpPr>
+          <p:nvPr>
+            <p:ph type="title"/>
+          </p:nvPr>
+        </p:nvSpPr>
+        <p:spPr/>
+        <p:txBody>
+          <a:bodyPr/>
+          <a:lstStyle/>
+          <a:p>
+            <a:r>
+              <a:rPr lang="en-GB" dirty="0" smtClean="0"/>
+              <a:t>Neo4j </a:t>
+            </a:r>
+            <a:r>
+              <a:rPr lang="en-GB" dirty="0" smtClean="0"/>
+              <a:t>– Data Model Design</a:t>
             </a:r>
             <a:endParaRPr lang="en-GB" dirty="0"/>
           </a:p>
@@ -21399,14 +21513,182 @@
         </p:blipFill>
         <p:spPr>
           <a:xfrm>
-            <a:off x="1187623" y="1628800"/>
-            <a:ext cx="6624737" cy="4322922"/>
+            <a:off x="2815876" y="1393329"/>
+            <a:ext cx="3340300" cy="2179687"/>
           </a:xfrm>
           <a:prstGeom prst="rect">
             <a:avLst/>
           </a:prstGeom>
         </p:spPr>
       </p:pic>
+      <p:pic>
+        <p:nvPicPr>
+          <p:cNvPr id="1026" name="Picture 2"/>
+          <p:cNvPicPr>
+            <a:picLocks noChangeAspect="1" noChangeArrowheads="1"/>
+          </p:cNvPicPr>
+          <p:nvPr/>
+        </p:nvPicPr>
+        <p:blipFill>
+          <a:blip r:embed="rId4" cstate="print">
+            <a:extLst>
+              <a:ext uri="{28A0092B-C50C-407E-A947-70E740481C1C}">
+                <a14:useLocalDpi xmlns:a14="http://schemas.microsoft.com/office/drawing/2010/main" val="0"/>
+              </a:ext>
+            </a:extLst>
+          </a:blip>
+          <a:srcRect/>
+          <a:stretch>
+            <a:fillRect/>
+          </a:stretch>
+        </p:blipFill>
+        <p:spPr bwMode="auto">
+          <a:xfrm>
+            <a:off x="5341746" y="4005064"/>
+            <a:ext cx="3478726" cy="2448272"/>
+          </a:xfrm>
+          <a:prstGeom prst="rect">
+            <a:avLst/>
+          </a:prstGeom>
+          <a:noFill/>
+          <a:ln>
+            <a:noFill/>
+          </a:ln>
+          <a:effectLst/>
+          <a:extLst>
+            <a:ext uri="{909E8E84-426E-40DD-AFC4-6F175D3DCCD1}">
+              <a14:hiddenFill xmlns:a14="http://schemas.microsoft.com/office/drawing/2010/main">
+                <a:solidFill>
+                  <a:schemeClr val="accent1"/>
+                </a:solidFill>
+              </a14:hiddenFill>
+            </a:ext>
+            <a:ext uri="{91240B29-F687-4F45-9708-019B960494DF}">
+              <a14:hiddenLine xmlns:a14="http://schemas.microsoft.com/office/drawing/2010/main" w="9525">
+                <a:solidFill>
+                  <a:schemeClr val="tx1"/>
+                </a:solidFill>
+                <a:miter lim="800000"/>
+                <a:headEnd/>
+                <a:tailEnd/>
+              </a14:hiddenLine>
+            </a:ext>
+            <a:ext uri="{AF507438-7753-43E0-B8FC-AC1667EBCBE1}">
+              <a14:hiddenEffects xmlns:a14="http://schemas.microsoft.com/office/drawing/2010/main">
+                <a:effectLst>
+                  <a:outerShdw dist="35921" dir="2700000" algn="ctr" rotWithShape="0">
+                    <a:schemeClr val="bg2"/>
+                  </a:outerShdw>
+                </a:effectLst>
+              </a14:hiddenEffects>
+            </a:ext>
+          </a:extLst>
+        </p:spPr>
+      </p:pic>
+      <p:pic>
+        <p:nvPicPr>
+          <p:cNvPr id="6" name="Picture 5"/>
+          <p:cNvPicPr>
+            <a:picLocks noChangeAspect="1"/>
+          </p:cNvPicPr>
+          <p:nvPr/>
+        </p:nvPicPr>
+        <p:blipFill>
+          <a:blip r:embed="rId5">
+            <a:extLst>
+              <a:ext uri="{28A0092B-C50C-407E-A947-70E740481C1C}">
+                <a14:useLocalDpi xmlns:a14="http://schemas.microsoft.com/office/drawing/2010/main" val="0"/>
+              </a:ext>
+            </a:extLst>
+          </a:blip>
+          <a:stretch>
+            <a:fillRect/>
+          </a:stretch>
+        </p:blipFill>
+        <p:spPr>
+          <a:xfrm>
+            <a:off x="395536" y="3770934"/>
+            <a:ext cx="3435276" cy="2754410"/>
+          </a:xfrm>
+          <a:prstGeom prst="rect">
+            <a:avLst/>
+          </a:prstGeom>
+        </p:spPr>
+      </p:pic>
+      <p:cxnSp>
+        <p:nvCxnSpPr>
+          <p:cNvPr id="8" name="Elbow Connector 7"/>
+          <p:cNvCxnSpPr/>
+          <p:nvPr/>
+        </p:nvCxnSpPr>
+        <p:spPr>
+          <a:xfrm rot="5400000">
+            <a:off x="1362734" y="2389799"/>
+            <a:ext cx="1638077" cy="1268209"/>
+          </a:xfrm>
+          <a:prstGeom prst="bentConnector3">
+            <a:avLst>
+              <a:gd name="adj1" fmla="val 1085"/>
+            </a:avLst>
+          </a:prstGeom>
+          <a:ln w="38100">
+            <a:solidFill>
+              <a:srgbClr val="00B050"/>
+            </a:solidFill>
+            <a:tailEnd type="arrow"/>
+          </a:ln>
+        </p:spPr>
+        <p:style>
+          <a:lnRef idx="1">
+            <a:schemeClr val="accent1"/>
+          </a:lnRef>
+          <a:fillRef idx="0">
+            <a:schemeClr val="accent1"/>
+          </a:fillRef>
+          <a:effectRef idx="0">
+            <a:schemeClr val="accent1"/>
+          </a:effectRef>
+          <a:fontRef idx="minor">
+            <a:schemeClr val="tx1"/>
+          </a:fontRef>
+        </p:style>
+      </p:cxnSp>
+      <p:cxnSp>
+        <p:nvCxnSpPr>
+          <p:cNvPr id="14" name="Elbow Connector 13"/>
+          <p:cNvCxnSpPr/>
+          <p:nvPr/>
+        </p:nvCxnSpPr>
+        <p:spPr>
+          <a:xfrm>
+            <a:off x="3491880" y="5107608"/>
+            <a:ext cx="1849866" cy="12700"/>
+          </a:xfrm>
+          <a:prstGeom prst="straightConnector1">
+            <a:avLst/>
+          </a:prstGeom>
+          <a:ln w="38100">
+            <a:solidFill>
+              <a:srgbClr val="00B050"/>
+            </a:solidFill>
+            <a:tailEnd type="arrow"/>
+          </a:ln>
+        </p:spPr>
+        <p:style>
+          <a:lnRef idx="1">
+            <a:schemeClr val="accent1"/>
+          </a:lnRef>
+          <a:fillRef idx="0">
+            <a:schemeClr val="accent1"/>
+          </a:fillRef>
+          <a:effectRef idx="0">
+            <a:schemeClr val="accent1"/>
+          </a:effectRef>
+          <a:fontRef idx="minor">
+            <a:schemeClr val="tx1"/>
+          </a:fontRef>
+        </p:style>
+      </p:cxnSp>
     </p:spTree>
     <p:extLst>
       <p:ext uri="{BB962C8B-B14F-4D97-AF65-F5344CB8AC3E}">
@@ -21427,9 +21709,17 @@
 </p:sld>
 </file>
 
-<file path=ppt/slides/slide56.xml><?xml version="1.0" encoding="utf-8"?>
+<file path=ppt/slides/slide57.xml><?xml version="1.0" encoding="utf-8"?>
 <p:sld xmlns:a="http://schemas.openxmlformats.org/drawingml/2006/main" xmlns:r="http://schemas.openxmlformats.org/officeDocument/2006/relationships" xmlns:p="http://schemas.openxmlformats.org/presentationml/2006/main">
   <p:cSld>
+    <p:bg>
+      <p:bgPr>
+        <a:solidFill>
+          <a:schemeClr val="bg1"/>
+        </a:solidFill>
+        <a:effectLst/>
+      </p:bgPr>
+    </p:bg>
     <p:spTree>
       <p:nvGrpSpPr>
         <p:cNvPr id="1" name=""/>
@@ -21479,187 +21769,48 @@
         </p:nvSpPr>
         <p:spPr/>
         <p:txBody>
-          <a:bodyPr/>
-          <a:lstStyle/>
+          <a:bodyPr>
+            <a:normAutofit/>
+          </a:bodyPr>
+          <a:lstStyle/>
+          <a:p>
+            <a:endParaRPr lang="en-GB" sz="3600" dirty="0" smtClean="0"/>
+          </a:p>
+          <a:p>
+            <a:r>
+              <a:rPr lang="en-GB" sz="3600" dirty="0" smtClean="0"/>
+              <a:t>Sketch  </a:t>
+            </a:r>
+            <a:r>
+              <a:rPr lang="en-GB" sz="3600" dirty="0" smtClean="0"/>
+              <a:t>-&gt; </a:t>
+            </a:r>
+            <a:r>
+              <a:rPr lang="en-GB" sz="3600" dirty="0" smtClean="0"/>
+              <a:t>Code -&gt; </a:t>
+            </a:r>
+            <a:r>
+              <a:rPr lang="en-GB" sz="3600" dirty="0" smtClean="0"/>
+              <a:t>Model</a:t>
+            </a:r>
+          </a:p>
+          <a:p>
+            <a:endParaRPr lang="en-GB" sz="3600" dirty="0" smtClean="0"/>
+          </a:p>
+          <a:p>
+            <a:endParaRPr lang="en-GB" sz="3600" dirty="0"/>
+          </a:p>
+          <a:p>
+            <a:r>
+              <a:rPr lang="en-GB" sz="3600" dirty="0" smtClean="0"/>
+              <a:t>Client access (Neo4jClient)</a:t>
+            </a:r>
+          </a:p>
           <a:p>
             <a:pPr marL="0" indent="0">
               <a:buNone/>
             </a:pPr>
             <a:endParaRPr lang="en-GB" sz="2400" dirty="0" smtClean="0"/>
-          </a:p>
-          <a:p>
-            <a:pPr marL="457200" lvl="1" indent="0">
-              <a:buNone/>
-            </a:pPr>
-            <a:endParaRPr lang="en-GB" dirty="0"/>
-          </a:p>
-        </p:txBody>
-      </p:sp>
-      <p:pic>
-        <p:nvPicPr>
-          <p:cNvPr id="5" name="Picture 4"/>
-          <p:cNvPicPr>
-            <a:picLocks noChangeAspect="1"/>
-          </p:cNvPicPr>
-          <p:nvPr/>
-        </p:nvPicPr>
-        <p:blipFill>
-          <a:blip r:embed="rId3">
-            <a:extLst>
-              <a:ext uri="{28A0092B-C50C-407E-A947-70E740481C1C}">
-                <a14:useLocalDpi xmlns:a14="http://schemas.microsoft.com/office/drawing/2010/main" val="0"/>
-              </a:ext>
-            </a:extLst>
-          </a:blip>
-          <a:stretch>
-            <a:fillRect/>
-          </a:stretch>
-        </p:blipFill>
-        <p:spPr>
-          <a:xfrm>
-            <a:off x="1298219" y="1556792"/>
-            <a:ext cx="6502071" cy="4357877"/>
-          </a:xfrm>
-          <a:prstGeom prst="rect">
-            <a:avLst/>
-          </a:prstGeom>
-        </p:spPr>
-      </p:pic>
-    </p:spTree>
-    <p:extLst>
-      <p:ext uri="{BB962C8B-B14F-4D97-AF65-F5344CB8AC3E}">
-        <p14:creationId xmlns:p14="http://schemas.microsoft.com/office/powerpoint/2010/main" val="432581663"/>
-      </p:ext>
-    </p:extLst>
-  </p:cSld>
-  <p:clrMapOvr>
-    <a:masterClrMapping/>
-  </p:clrMapOvr>
-  <p:timing>
-    <p:tnLst>
-      <p:par>
-        <p:cTn id="1" dur="indefinite" restart="never" nodeType="tmRoot"/>
-      </p:par>
-    </p:tnLst>
-  </p:timing>
-</p:sld>
-</file>
-
-<file path=ppt/slides/slide57.xml><?xml version="1.0" encoding="utf-8"?>
-<p:sld xmlns:a="http://schemas.openxmlformats.org/drawingml/2006/main" xmlns:r="http://schemas.openxmlformats.org/officeDocument/2006/relationships" xmlns:p="http://schemas.openxmlformats.org/presentationml/2006/main">
-  <p:cSld>
-    <p:spTree>
-      <p:nvGrpSpPr>
-        <p:cNvPr id="1" name=""/>
-        <p:cNvGrpSpPr/>
-        <p:nvPr/>
-      </p:nvGrpSpPr>
-      <p:grpSpPr>
-        <a:xfrm>
-          <a:off x="0" y="0"/>
-          <a:ext cx="0" cy="0"/>
-          <a:chOff x="0" y="0"/>
-          <a:chExt cx="0" cy="0"/>
-        </a:xfrm>
-      </p:grpSpPr>
-      <p:sp>
-        <p:nvSpPr>
-          <p:cNvPr id="2" name="Title 1"/>
-          <p:cNvSpPr>
-            <a:spLocks noGrp="1"/>
-          </p:cNvSpPr>
-          <p:nvPr>
-            <p:ph type="title"/>
-          </p:nvPr>
-        </p:nvSpPr>
-        <p:spPr/>
-        <p:txBody>
-          <a:bodyPr/>
-          <a:lstStyle/>
-          <a:p>
-            <a:r>
-              <a:rPr lang="en-GB" dirty="0" smtClean="0"/>
-              <a:t>Neo4j - Demo</a:t>
-            </a:r>
-            <a:endParaRPr lang="en-GB" dirty="0"/>
-          </a:p>
-        </p:txBody>
-      </p:sp>
-      <p:sp>
-        <p:nvSpPr>
-          <p:cNvPr id="3" name="Content Placeholder 2"/>
-          <p:cNvSpPr>
-            <a:spLocks noGrp="1"/>
-          </p:cNvSpPr>
-          <p:nvPr>
-            <p:ph idx="1"/>
-          </p:nvPr>
-        </p:nvSpPr>
-        <p:spPr/>
-        <p:txBody>
-          <a:bodyPr>
-            <a:normAutofit/>
-          </a:bodyPr>
-          <a:lstStyle/>
-          <a:p>
-            <a:r>
-              <a:rPr lang="en-GB" dirty="0" smtClean="0"/>
-              <a:t>Business Process  -&gt;  Sketch  -&gt;  Model</a:t>
-            </a:r>
-          </a:p>
-          <a:p>
-            <a:endParaRPr lang="en-GB" dirty="0"/>
-          </a:p>
-          <a:p>
-            <a:r>
-              <a:rPr lang="en-GB" dirty="0" smtClean="0"/>
-              <a:t>Client access (Neo4jClient)</a:t>
-            </a:r>
-          </a:p>
-          <a:p>
-            <a:pPr marL="0" indent="0">
-              <a:buNone/>
-            </a:pPr>
-            <a:endParaRPr lang="en-GB" sz="2400" dirty="0" smtClean="0"/>
-          </a:p>
-          <a:p>
-            <a:r>
-              <a:rPr lang="en-GB" dirty="0"/>
-              <a:t>Lots more from me here</a:t>
-            </a:r>
-            <a:r>
-              <a:rPr lang="en-GB" dirty="0" smtClean="0"/>
-              <a:t>:</a:t>
-            </a:r>
-          </a:p>
-          <a:p>
-            <a:endParaRPr lang="en-GB" sz="2400" dirty="0" smtClean="0"/>
-          </a:p>
-          <a:p>
-            <a:pPr marL="0" indent="0">
-              <a:buNone/>
-            </a:pPr>
-            <a:r>
-              <a:rPr lang="en-GB" sz="2400" dirty="0"/>
-              <a:t>	</a:t>
-            </a:r>
-            <a:r>
-              <a:rPr lang="en-GB" sz="2400" dirty="0" smtClean="0"/>
-              <a:t>	</a:t>
-            </a:r>
-            <a:r>
-              <a:rPr lang="en-GB" sz="2400" dirty="0" smtClean="0">
-                <a:hlinkClick r:id="rId3"/>
-              </a:rPr>
-              <a:t>http://alexdgarland.com/category/neo4j</a:t>
-            </a:r>
-            <a:endParaRPr lang="en-GB" sz="2400" dirty="0" smtClean="0"/>
-          </a:p>
-          <a:p>
-            <a:pPr marL="0" indent="0">
-              <a:buNone/>
-            </a:pPr>
-            <a:endParaRPr lang="en-GB" sz="2400" dirty="0"/>
           </a:p>
           <a:p>
             <a:pPr marL="457200" lvl="1" indent="0">
@@ -21733,7 +21884,7 @@
                                         <p:tgtEl>
                                           <p:spTgt spid="3">
                                             <p:txEl>
-                                              <p:pRg st="0" end="0"/>
+                                              <p:pRg st="1" end="1"/>
                                             </p:txEl>
                                           </p:spTgt>
                                         </p:tgtEl>
@@ -21782,87 +21933,7 @@
                                         <p:tgtEl>
                                           <p:spTgt spid="3">
                                             <p:txEl>
-                                              <p:pRg st="2" end="2"/>
-                                            </p:txEl>
-                                          </p:spTgt>
-                                        </p:tgtEl>
-                                        <p:attrNameLst>
-                                          <p:attrName>style.visibility</p:attrName>
-                                        </p:attrNameLst>
-                                      </p:cBhvr>
-                                      <p:to>
-                                        <p:strVal val="visible"/>
-                                      </p:to>
-                                    </p:set>
-                                  </p:childTnLst>
-                                </p:cTn>
-                              </p:par>
-                            </p:childTnLst>
-                          </p:cTn>
-                        </p:par>
-                      </p:childTnLst>
-                    </p:cTn>
-                  </p:par>
-                  <p:par>
-                    <p:cTn id="11" fill="hold">
-                      <p:stCondLst>
-                        <p:cond delay="indefinite"/>
-                      </p:stCondLst>
-                      <p:childTnLst>
-                        <p:par>
-                          <p:cTn id="12" fill="hold">
-                            <p:stCondLst>
-                              <p:cond delay="0"/>
-                            </p:stCondLst>
-                            <p:childTnLst>
-                              <p:par>
-                                <p:cTn id="13" presetID="1" presetClass="entr" presetSubtype="0" fill="hold" nodeType="clickEffect">
-                                  <p:stCondLst>
-                                    <p:cond delay="0"/>
-                                  </p:stCondLst>
-                                  <p:childTnLst>
-                                    <p:set>
-                                      <p:cBhvr>
-                                        <p:cTn id="14" dur="1" fill="hold">
-                                          <p:stCondLst>
-                                            <p:cond delay="0"/>
-                                          </p:stCondLst>
-                                        </p:cTn>
-                                        <p:tgtEl>
-                                          <p:spTgt spid="3">
-                                            <p:txEl>
                                               <p:pRg st="4" end="4"/>
-                                            </p:txEl>
-                                          </p:spTgt>
-                                        </p:tgtEl>
-                                        <p:attrNameLst>
-                                          <p:attrName>style.visibility</p:attrName>
-                                        </p:attrNameLst>
-                                      </p:cBhvr>
-                                      <p:to>
-                                        <p:strVal val="visible"/>
-                                      </p:to>
-                                    </p:set>
-                                  </p:childTnLst>
-                                </p:cTn>
-                              </p:par>
-                              <p:par>
-                                <p:cTn id="15" presetID="1" presetClass="entr" presetSubtype="0" fill="hold" nodeType="withEffect">
-                                  <p:stCondLst>
-                                    <p:cond delay="0"/>
-                                  </p:stCondLst>
-                                  <p:childTnLst>
-                                    <p:set>
-                                      <p:cBhvr>
-                                        <p:cTn id="16" dur="1" fill="hold">
-                                          <p:stCondLst>
-                                            <p:cond delay="0"/>
-                                          </p:stCondLst>
-                                        </p:cTn>
-                                        <p:tgtEl>
-                                          <p:spTgt spid="3">
-                                            <p:txEl>
-                                              <p:pRg st="6" end="6"/>
                                             </p:txEl>
                                           </p:spTgt>
                                         </p:tgtEl>
@@ -21911,524 +21982,14 @@
 <file path=ppt/slides/slide58.xml><?xml version="1.0" encoding="utf-8"?>
 <p:sld xmlns:a="http://schemas.openxmlformats.org/drawingml/2006/main" xmlns:r="http://schemas.openxmlformats.org/officeDocument/2006/relationships" xmlns:p="http://schemas.openxmlformats.org/presentationml/2006/main">
   <p:cSld>
-    <p:spTree>
-      <p:nvGrpSpPr>
-        <p:cNvPr id="1" name=""/>
-        <p:cNvGrpSpPr/>
-        <p:nvPr/>
-      </p:nvGrpSpPr>
-      <p:grpSpPr>
-        <a:xfrm>
-          <a:off x="0" y="0"/>
-          <a:ext cx="0" cy="0"/>
-          <a:chOff x="0" y="0"/>
-          <a:chExt cx="0" cy="0"/>
-        </a:xfrm>
-      </p:grpSpPr>
-      <p:sp>
-        <p:nvSpPr>
-          <p:cNvPr id="2" name="Title 1"/>
-          <p:cNvSpPr>
-            <a:spLocks noGrp="1"/>
-          </p:cNvSpPr>
-          <p:nvPr>
-            <p:ph type="title"/>
-          </p:nvPr>
-        </p:nvSpPr>
-        <p:spPr/>
-        <p:txBody>
-          <a:bodyPr>
-            <a:normAutofit/>
-          </a:bodyPr>
-          <a:lstStyle/>
-          <a:p>
-            <a:r>
-              <a:rPr lang="en-GB" dirty="0" smtClean="0"/>
-              <a:t>Neo4j</a:t>
-            </a:r>
-            <a:endParaRPr lang="en-GB" dirty="0"/>
-          </a:p>
-        </p:txBody>
-      </p:sp>
-      <p:graphicFrame>
-        <p:nvGraphicFramePr>
-          <p:cNvPr id="4" name="Content Placeholder 3"/>
-          <p:cNvGraphicFramePr>
-            <a:graphicFrameLocks noGrp="1"/>
-          </p:cNvGraphicFramePr>
-          <p:nvPr>
-            <p:ph idx="1"/>
-            <p:extLst>
-              <p:ext uri="{D42A27DB-BD31-4B8C-83A1-F6EECF244321}">
-                <p14:modId xmlns:p14="http://schemas.microsoft.com/office/powerpoint/2010/main" val="2455054316"/>
-              </p:ext>
-            </p:extLst>
-          </p:nvPr>
-        </p:nvGraphicFramePr>
-        <p:xfrm>
-          <a:off x="467544" y="1412776"/>
-          <a:ext cx="8229600" cy="4458889"/>
-        </p:xfrm>
-        <a:graphic>
-          <a:graphicData uri="http://schemas.openxmlformats.org/drawingml/2006/table">
-            <a:tbl>
-              <a:tblPr firstRow="1" bandRow="1">
-                <a:tableStyleId>{F5AB1C69-6EDB-4FF4-983F-18BD219EF322}</a:tableStyleId>
-              </a:tblPr>
-              <a:tblGrid>
-                <a:gridCol w="4114800"/>
-                <a:gridCol w="4114800"/>
-              </a:tblGrid>
-              <a:tr h="840339">
-                <a:tc>
-                  <a:txBody>
-                    <a:bodyPr/>
-                    <a:lstStyle/>
-                    <a:p>
-                      <a:pPr algn="ctr"/>
-                      <a:endParaRPr lang="en-GB" sz="2000" dirty="0" smtClean="0"/>
-                    </a:p>
-                    <a:p>
-                      <a:pPr algn="ctr"/>
-                      <a:r>
-                        <a:rPr lang="en-GB" sz="2000" dirty="0" smtClean="0"/>
-                        <a:t>GOOD</a:t>
-                      </a:r>
-                      <a:endParaRPr lang="en-GB" sz="2000" dirty="0"/>
-                    </a:p>
-                  </a:txBody>
-                  <a:tcPr>
-                    <a:solidFill>
-                      <a:srgbClr val="15F730"/>
-                    </a:solidFill>
-                  </a:tcPr>
-                </a:tc>
-                <a:tc>
-                  <a:txBody>
-                    <a:bodyPr/>
-                    <a:lstStyle/>
-                    <a:p>
-                      <a:pPr algn="ctr"/>
-                      <a:endParaRPr lang="en-GB" sz="2000" dirty="0" smtClean="0"/>
-                    </a:p>
-                    <a:p>
-                      <a:pPr algn="ctr"/>
-                      <a:r>
-                        <a:rPr lang="en-GB" sz="2000" dirty="0" smtClean="0"/>
-                        <a:t>BAD</a:t>
-                      </a:r>
-                      <a:endParaRPr lang="en-GB" sz="2000" dirty="0"/>
-                    </a:p>
-                  </a:txBody>
-                  <a:tcPr>
-                    <a:solidFill>
-                      <a:srgbClr val="FF0000"/>
-                    </a:solidFill>
-                  </a:tcPr>
-                </a:tc>
-              </a:tr>
-              <a:tr h="527813">
-                <a:tc>
-                  <a:txBody>
-                    <a:bodyPr/>
-                    <a:lstStyle/>
-                    <a:p>
-                      <a:pPr algn="ctr"/>
-                      <a:r>
-                        <a:rPr lang="en-GB" sz="2000" dirty="0" smtClean="0"/>
-                        <a:t>Expressive Data Model</a:t>
-                      </a:r>
-                    </a:p>
-                  </a:txBody>
-                  <a:tcPr/>
-                </a:tc>
-                <a:tc>
-                  <a:txBody>
-                    <a:bodyPr/>
-                    <a:lstStyle/>
-                    <a:p>
-                      <a:pPr algn="ctr"/>
-                      <a:r>
-                        <a:rPr lang="en-GB" sz="2000" dirty="0" smtClean="0"/>
-                        <a:t>New approach/ data model</a:t>
-                      </a:r>
-                      <a:r>
-                        <a:rPr lang="en-GB" sz="2000" baseline="0" dirty="0" smtClean="0"/>
-                        <a:t> to learn</a:t>
-                      </a:r>
-                      <a:endParaRPr lang="en-GB" sz="2000" dirty="0"/>
-                    </a:p>
-                  </a:txBody>
-                  <a:tcPr/>
-                </a:tc>
-              </a:tr>
-              <a:tr h="504056">
-                <a:tc>
-                  <a:txBody>
-                    <a:bodyPr/>
-                    <a:lstStyle/>
-                    <a:p>
-                      <a:pPr marL="0" marR="0" indent="0" algn="ctr" defTabSz="914400" rtl="0" eaLnBrk="1" fontAlgn="auto" latinLnBrk="0" hangingPunct="1">
-                        <a:lnSpc>
-                          <a:spcPct val="100000"/>
-                        </a:lnSpc>
-                        <a:spcBef>
-                          <a:spcPts val="0"/>
-                        </a:spcBef>
-                        <a:spcAft>
-                          <a:spcPts val="0"/>
-                        </a:spcAft>
-                        <a:buClrTx/>
-                        <a:buSzTx/>
-                        <a:buFontTx/>
-                        <a:buNone/>
-                        <a:tabLst/>
-                        <a:defRPr/>
-                      </a:pPr>
-                      <a:r>
-                        <a:rPr lang="en-GB" sz="2000" dirty="0" smtClean="0"/>
-                        <a:t>Easy</a:t>
-                      </a:r>
-                      <a:r>
-                        <a:rPr lang="en-GB" sz="2000" baseline="0" dirty="0" smtClean="0"/>
-                        <a:t> to install, use</a:t>
-                      </a:r>
-                      <a:endParaRPr lang="en-GB" sz="2000" dirty="0" smtClean="0"/>
-                    </a:p>
-                  </a:txBody>
-                  <a:tcPr/>
-                </a:tc>
-                <a:tc>
-                  <a:txBody>
-                    <a:bodyPr/>
-                    <a:lstStyle/>
-                    <a:p>
-                      <a:pPr marL="0" marR="0" indent="0" algn="ctr" defTabSz="914400" rtl="0" eaLnBrk="1" fontAlgn="auto" latinLnBrk="0" hangingPunct="1">
-                        <a:lnSpc>
-                          <a:spcPct val="100000"/>
-                        </a:lnSpc>
-                        <a:spcBef>
-                          <a:spcPts val="0"/>
-                        </a:spcBef>
-                        <a:spcAft>
-                          <a:spcPts val="0"/>
-                        </a:spcAft>
-                        <a:buClrTx/>
-                        <a:buSzTx/>
-                        <a:buFontTx/>
-                        <a:buNone/>
-                        <a:tabLst/>
-                        <a:defRPr/>
-                      </a:pPr>
-                      <a:r>
-                        <a:rPr lang="en-GB" sz="2000" dirty="0" smtClean="0"/>
-                        <a:t>Scalability limits similar to relational</a:t>
-                      </a:r>
-                    </a:p>
-                  </a:txBody>
-                  <a:tcPr/>
-                </a:tc>
-              </a:tr>
-              <a:tr h="504056">
-                <a:tc>
-                  <a:txBody>
-                    <a:bodyPr/>
-                    <a:lstStyle/>
-                    <a:p>
-                      <a:pPr marL="0" marR="0" indent="0" algn="ctr" defTabSz="914400" rtl="0" eaLnBrk="1" fontAlgn="auto" latinLnBrk="0" hangingPunct="1">
-                        <a:lnSpc>
-                          <a:spcPct val="100000"/>
-                        </a:lnSpc>
-                        <a:spcBef>
-                          <a:spcPts val="0"/>
-                        </a:spcBef>
-                        <a:spcAft>
-                          <a:spcPts val="0"/>
-                        </a:spcAft>
-                        <a:buClrTx/>
-                        <a:buSzTx/>
-                        <a:buFontTx/>
-                        <a:buNone/>
-                        <a:tabLst/>
-                        <a:defRPr/>
-                      </a:pPr>
-                      <a:r>
-                        <a:rPr lang="en-GB" sz="2000" dirty="0" smtClean="0"/>
-                        <a:t>Optimised for related data</a:t>
-                      </a:r>
-                    </a:p>
-                  </a:txBody>
-                  <a:tcPr/>
-                </a:tc>
-                <a:tc>
-                  <a:txBody>
-                    <a:bodyPr/>
-                    <a:lstStyle/>
-                    <a:p>
-                      <a:pPr marL="0" marR="0" indent="0" algn="ctr" defTabSz="914400" rtl="0" eaLnBrk="1" fontAlgn="auto" latinLnBrk="0" hangingPunct="1">
-                        <a:lnSpc>
-                          <a:spcPct val="100000"/>
-                        </a:lnSpc>
-                        <a:spcBef>
-                          <a:spcPts val="0"/>
-                        </a:spcBef>
-                        <a:spcAft>
-                          <a:spcPts val="0"/>
-                        </a:spcAft>
-                        <a:buClrTx/>
-                        <a:buSzTx/>
-                        <a:buFontTx/>
-                        <a:buNone/>
-                        <a:tabLst/>
-                        <a:defRPr/>
-                      </a:pPr>
-                      <a:endParaRPr lang="en-GB" sz="2000" dirty="0" smtClean="0"/>
-                    </a:p>
-                  </a:txBody>
-                  <a:tcPr/>
-                </a:tc>
-              </a:tr>
-              <a:tr h="504056">
-                <a:tc>
-                  <a:txBody>
-                    <a:bodyPr/>
-                    <a:lstStyle/>
-                    <a:p>
-                      <a:pPr marL="0" marR="0" indent="0" algn="ctr" defTabSz="914400" rtl="0" eaLnBrk="1" fontAlgn="auto" latinLnBrk="0" hangingPunct="1">
-                        <a:lnSpc>
-                          <a:spcPct val="100000"/>
-                        </a:lnSpc>
-                        <a:spcBef>
-                          <a:spcPts val="0"/>
-                        </a:spcBef>
-                        <a:spcAft>
-                          <a:spcPts val="0"/>
-                        </a:spcAft>
-                        <a:buClrTx/>
-                        <a:buSzTx/>
-                        <a:buFontTx/>
-                        <a:buNone/>
-                        <a:tabLst/>
-                        <a:defRPr/>
-                      </a:pPr>
-                      <a:r>
-                        <a:rPr lang="en-GB" sz="2000" dirty="0" smtClean="0"/>
-                        <a:t>Strong theoretical roots</a:t>
-                      </a:r>
-                    </a:p>
-                  </a:txBody>
-                  <a:tcPr/>
-                </a:tc>
-                <a:tc>
-                  <a:txBody>
-                    <a:bodyPr/>
-                    <a:lstStyle/>
-                    <a:p>
-                      <a:pPr marL="0" marR="0" indent="0" algn="ctr" defTabSz="914400" rtl="0" eaLnBrk="1" fontAlgn="auto" latinLnBrk="0" hangingPunct="1">
-                        <a:lnSpc>
-                          <a:spcPct val="100000"/>
-                        </a:lnSpc>
-                        <a:spcBef>
-                          <a:spcPts val="0"/>
-                        </a:spcBef>
-                        <a:spcAft>
-                          <a:spcPts val="0"/>
-                        </a:spcAft>
-                        <a:buClrTx/>
-                        <a:buSzTx/>
-                        <a:buFontTx/>
-                        <a:buNone/>
-                        <a:tabLst/>
-                        <a:defRPr/>
-                      </a:pPr>
-                      <a:endParaRPr lang="en-GB" sz="2000" dirty="0" smtClean="0"/>
-                    </a:p>
-                  </a:txBody>
-                  <a:tcPr/>
-                </a:tc>
-              </a:tr>
-              <a:tr h="504056">
-                <a:tc>
-                  <a:txBody>
-                    <a:bodyPr/>
-                    <a:lstStyle/>
-                    <a:p>
-                      <a:pPr algn="ctr"/>
-                      <a:r>
-                        <a:rPr lang="en-GB" sz="2000" dirty="0" smtClean="0"/>
-                        <a:t>Greater flexibility</a:t>
-                      </a:r>
-                      <a:r>
-                        <a:rPr lang="en-GB" sz="2000" baseline="0" dirty="0" smtClean="0"/>
-                        <a:t> (vs. relational)</a:t>
-                      </a:r>
-                      <a:endParaRPr lang="en-GB" sz="2000" dirty="0" smtClean="0"/>
-                    </a:p>
-                  </a:txBody>
-                  <a:tcPr/>
-                </a:tc>
-                <a:tc>
-                  <a:txBody>
-                    <a:bodyPr/>
-                    <a:lstStyle/>
-                    <a:p>
-                      <a:pPr marL="0" marR="0" indent="0" algn="ctr" defTabSz="914400" rtl="0" eaLnBrk="1" fontAlgn="auto" latinLnBrk="0" hangingPunct="1">
-                        <a:lnSpc>
-                          <a:spcPct val="100000"/>
-                        </a:lnSpc>
-                        <a:spcBef>
-                          <a:spcPts val="0"/>
-                        </a:spcBef>
-                        <a:spcAft>
-                          <a:spcPts val="0"/>
-                        </a:spcAft>
-                        <a:buClrTx/>
-                        <a:buSzTx/>
-                        <a:buFontTx/>
-                        <a:buNone/>
-                        <a:tabLst/>
-                        <a:defRPr/>
-                      </a:pPr>
-                      <a:endParaRPr lang="en-GB" sz="2000" dirty="0" smtClean="0"/>
-                    </a:p>
-                  </a:txBody>
-                  <a:tcPr/>
-                </a:tc>
-              </a:tr>
-              <a:tr h="576064">
-                <a:tc>
-                  <a:txBody>
-                    <a:bodyPr/>
-                    <a:lstStyle/>
-                    <a:p>
-                      <a:pPr marL="0" marR="0" indent="0" algn="ctr" defTabSz="914400" rtl="0" eaLnBrk="1" fontAlgn="auto" latinLnBrk="0" hangingPunct="1">
-                        <a:lnSpc>
-                          <a:spcPct val="100000"/>
-                        </a:lnSpc>
-                        <a:spcBef>
-                          <a:spcPts val="0"/>
-                        </a:spcBef>
-                        <a:spcAft>
-                          <a:spcPts val="0"/>
-                        </a:spcAft>
-                        <a:buClrTx/>
-                        <a:buSzTx/>
-                        <a:buFontTx/>
-                        <a:buNone/>
-                        <a:tabLst/>
-                        <a:defRPr/>
-                      </a:pPr>
-                      <a:r>
-                        <a:rPr lang="en-GB" sz="2000" dirty="0" smtClean="0"/>
-                        <a:t>Retain</a:t>
-                      </a:r>
-                      <a:r>
-                        <a:rPr lang="en-GB" sz="2000" baseline="0" dirty="0" smtClean="0"/>
-                        <a:t> </a:t>
-                      </a:r>
-                      <a:r>
-                        <a:rPr lang="en-GB" sz="2000" dirty="0" smtClean="0"/>
-                        <a:t>ACID semantics (etc.)</a:t>
-                      </a:r>
-                    </a:p>
-                  </a:txBody>
-                  <a:tcPr/>
-                </a:tc>
-                <a:tc>
-                  <a:txBody>
-                    <a:bodyPr/>
-                    <a:lstStyle/>
-                    <a:p>
-                      <a:pPr algn="ctr"/>
-                      <a:endParaRPr lang="en-GB" sz="2000" dirty="0"/>
-                    </a:p>
-                  </a:txBody>
-                  <a:tcPr/>
-                </a:tc>
-              </a:tr>
-              <a:tr h="498449">
-                <a:tc>
-                  <a:txBody>
-                    <a:bodyPr/>
-                    <a:lstStyle/>
-                    <a:p>
-                      <a:pPr marL="0" marR="0" indent="0" algn="ctr" defTabSz="914400" rtl="0" eaLnBrk="1" fontAlgn="auto" latinLnBrk="0" hangingPunct="1">
-                        <a:lnSpc>
-                          <a:spcPct val="100000"/>
-                        </a:lnSpc>
-                        <a:spcBef>
-                          <a:spcPts val="0"/>
-                        </a:spcBef>
-                        <a:spcAft>
-                          <a:spcPts val="0"/>
-                        </a:spcAft>
-                        <a:buClrTx/>
-                        <a:buSzTx/>
-                        <a:buFontTx/>
-                        <a:buNone/>
-                        <a:tabLst/>
-                        <a:defRPr/>
-                      </a:pPr>
-                      <a:r>
-                        <a:rPr lang="en-GB" sz="2000" dirty="0" smtClean="0"/>
-                        <a:t>Built-in algorithms (e.g. </a:t>
-                      </a:r>
-                      <a:r>
-                        <a:rPr lang="en-GB" sz="2000" dirty="0" err="1" smtClean="0"/>
-                        <a:t>Dijkstra</a:t>
-                      </a:r>
-                      <a:r>
-                        <a:rPr lang="en-GB" sz="2000" dirty="0" smtClean="0"/>
-                        <a:t>/</a:t>
-                      </a:r>
-                      <a:r>
-                        <a:rPr lang="en-GB" sz="2000" baseline="0" dirty="0" smtClean="0"/>
-                        <a:t> A*)</a:t>
-                      </a:r>
-                      <a:endParaRPr lang="en-GB" sz="2000" dirty="0" smtClean="0"/>
-                    </a:p>
-                  </a:txBody>
-                  <a:tcPr/>
-                </a:tc>
-                <a:tc>
-                  <a:txBody>
-                    <a:bodyPr/>
-                    <a:lstStyle/>
-                    <a:p>
-                      <a:pPr algn="ctr"/>
-                      <a:endParaRPr lang="en-GB" sz="2000" dirty="0"/>
-                    </a:p>
-                  </a:txBody>
-                  <a:tcPr/>
-                </a:tc>
-              </a:tr>
-            </a:tbl>
-          </a:graphicData>
-        </a:graphic>
-      </p:graphicFrame>
-    </p:spTree>
-    <p:extLst>
-      <p:ext uri="{BB962C8B-B14F-4D97-AF65-F5344CB8AC3E}">
-        <p14:creationId xmlns:p14="http://schemas.microsoft.com/office/powerpoint/2010/main" val="3267368973"/>
-      </p:ext>
-    </p:extLst>
-  </p:cSld>
-  <p:clrMapOvr>
-    <a:masterClrMapping/>
-  </p:clrMapOvr>
-  <p:timing>
-    <p:tnLst>
-      <p:par>
-        <p:cTn id="1" dur="indefinite" restart="never" nodeType="tmRoot"/>
-      </p:par>
-    </p:tnLst>
-  </p:timing>
-</p:sld>
-</file>
-
-<file path=ppt/slides/slide59.xml><?xml version="1.0" encoding="utf-8"?>
-<p:sld xmlns:a="http://schemas.openxmlformats.org/drawingml/2006/main" xmlns:r="http://schemas.openxmlformats.org/officeDocument/2006/relationships" xmlns:p="http://schemas.openxmlformats.org/presentationml/2006/main">
-  <p:cSld>
+    <p:bg>
+      <p:bgPr>
+        <a:solidFill>
+          <a:schemeClr val="bg1"/>
+        </a:solidFill>
+        <a:effectLst/>
+      </p:bgPr>
+    </p:bg>
     <p:spTree>
       <p:nvGrpSpPr>
         <p:cNvPr id="1" name=""/>
@@ -22550,120 +22111,17 @@
 </p:sld>
 </file>
 
-<file path=ppt/slides/slide6.xml><?xml version="1.0" encoding="utf-8"?>
+<file path=ppt/slides/slide59.xml><?xml version="1.0" encoding="utf-8"?>
 <p:sld xmlns:a="http://schemas.openxmlformats.org/drawingml/2006/main" xmlns:r="http://schemas.openxmlformats.org/officeDocument/2006/relationships" xmlns:p="http://schemas.openxmlformats.org/presentationml/2006/main">
   <p:cSld>
-    <p:spTree>
-      <p:nvGrpSpPr>
-        <p:cNvPr id="1" name=""/>
-        <p:cNvGrpSpPr/>
-        <p:nvPr/>
-      </p:nvGrpSpPr>
-      <p:grpSpPr>
-        <a:xfrm>
-          <a:off x="0" y="0"/>
-          <a:ext cx="0" cy="0"/>
-          <a:chOff x="0" y="0"/>
-          <a:chExt cx="0" cy="0"/>
-        </a:xfrm>
-      </p:grpSpPr>
-      <p:sp>
-        <p:nvSpPr>
-          <p:cNvPr id="2" name="Title 1"/>
-          <p:cNvSpPr>
-            <a:spLocks noGrp="1"/>
-          </p:cNvSpPr>
-          <p:nvPr>
-            <p:ph type="title"/>
-          </p:nvPr>
-        </p:nvSpPr>
-        <p:spPr/>
-        <p:txBody>
-          <a:bodyPr/>
-          <a:lstStyle/>
-          <a:p>
-            <a:r>
-              <a:rPr lang="en-GB" dirty="0" smtClean="0"/>
-              <a:t>Relational Dominance</a:t>
-            </a:r>
-            <a:endParaRPr lang="en-GB" dirty="0"/>
-          </a:p>
-        </p:txBody>
-      </p:sp>
-      <p:sp>
-        <p:nvSpPr>
-          <p:cNvPr id="3" name="Content Placeholder 2"/>
-          <p:cNvSpPr>
-            <a:spLocks noGrp="1"/>
-          </p:cNvSpPr>
-          <p:nvPr>
-            <p:ph idx="1"/>
-          </p:nvPr>
-        </p:nvSpPr>
-        <p:spPr/>
-        <p:txBody>
-          <a:bodyPr/>
-          <a:lstStyle/>
-          <a:p>
-            <a:r>
-              <a:rPr lang="en-GB" dirty="0" smtClean="0"/>
-              <a:t>1970s – Early 2000s</a:t>
-            </a:r>
-          </a:p>
-          <a:p>
-            <a:endParaRPr lang="en-GB" dirty="0"/>
-          </a:p>
-          <a:p>
-            <a:r>
-              <a:rPr lang="en-GB" dirty="0" smtClean="0"/>
-              <a:t>E.F. </a:t>
-            </a:r>
-            <a:r>
-              <a:rPr lang="en-GB" dirty="0" err="1" smtClean="0"/>
-              <a:t>Codd</a:t>
-            </a:r>
-            <a:r>
-              <a:rPr lang="en-GB" dirty="0" smtClean="0"/>
-              <a:t>  - “A Relational Model of Data for Large Shared Data Banks”</a:t>
-            </a:r>
-          </a:p>
-          <a:p>
-            <a:endParaRPr lang="en-GB" dirty="0"/>
-          </a:p>
-          <a:p>
-            <a:r>
-              <a:rPr lang="en-GB" dirty="0" smtClean="0"/>
-              <a:t>Widespread Adoption, Heavy Vendor Investment</a:t>
-            </a:r>
-          </a:p>
-          <a:p>
-            <a:endParaRPr lang="en-GB" dirty="0"/>
-          </a:p>
-        </p:txBody>
-      </p:sp>
-    </p:spTree>
-    <p:extLst>
-      <p:ext uri="{BB962C8B-B14F-4D97-AF65-F5344CB8AC3E}">
-        <p14:creationId xmlns:p14="http://schemas.microsoft.com/office/powerpoint/2010/main" val="645039834"/>
-      </p:ext>
-    </p:extLst>
-  </p:cSld>
-  <p:clrMapOvr>
-    <a:masterClrMapping/>
-  </p:clrMapOvr>
-  <p:timing>
-    <p:tnLst>
-      <p:par>
-        <p:cTn id="1" dur="indefinite" restart="never" nodeType="tmRoot"/>
-      </p:par>
-    </p:tnLst>
-  </p:timing>
-</p:sld>
-</file>
-
-<file path=ppt/slides/slide60.xml><?xml version="1.0" encoding="utf-8"?>
-<p:sld xmlns:a="http://schemas.openxmlformats.org/drawingml/2006/main" xmlns:r="http://schemas.openxmlformats.org/officeDocument/2006/relationships" xmlns:p="http://schemas.openxmlformats.org/presentationml/2006/main">
-  <p:cSld>
+    <p:bg>
+      <p:bgPr>
+        <a:solidFill>
+          <a:schemeClr val="bg1"/>
+        </a:solidFill>
+        <a:effectLst/>
+      </p:bgPr>
+    </p:bg>
     <p:spTree>
       <p:nvGrpSpPr>
         <p:cNvPr id="1" name=""/>
@@ -22815,9 +22273,135 @@
 </p:sld>
 </file>
 
-<file path=ppt/slides/slide61.xml><?xml version="1.0" encoding="utf-8"?>
+<file path=ppt/slides/slide6.xml><?xml version="1.0" encoding="utf-8"?>
 <p:sld xmlns:a="http://schemas.openxmlformats.org/drawingml/2006/main" xmlns:r="http://schemas.openxmlformats.org/officeDocument/2006/relationships" xmlns:p="http://schemas.openxmlformats.org/presentationml/2006/main">
   <p:cSld>
+    <p:bg>
+      <p:bgPr>
+        <a:solidFill>
+          <a:schemeClr val="bg1"/>
+        </a:solidFill>
+        <a:effectLst/>
+      </p:bgPr>
+    </p:bg>
+    <p:spTree>
+      <p:nvGrpSpPr>
+        <p:cNvPr id="1" name=""/>
+        <p:cNvGrpSpPr/>
+        <p:nvPr/>
+      </p:nvGrpSpPr>
+      <p:grpSpPr>
+        <a:xfrm>
+          <a:off x="0" y="0"/>
+          <a:ext cx="0" cy="0"/>
+          <a:chOff x="0" y="0"/>
+          <a:chExt cx="0" cy="0"/>
+        </a:xfrm>
+      </p:grpSpPr>
+      <p:sp>
+        <p:nvSpPr>
+          <p:cNvPr id="2" name="Title 1"/>
+          <p:cNvSpPr>
+            <a:spLocks noGrp="1"/>
+          </p:cNvSpPr>
+          <p:nvPr>
+            <p:ph type="title"/>
+          </p:nvPr>
+        </p:nvSpPr>
+        <p:spPr/>
+        <p:txBody>
+          <a:bodyPr/>
+          <a:lstStyle/>
+          <a:p>
+            <a:r>
+              <a:rPr lang="en-GB" dirty="0" smtClean="0"/>
+              <a:t>Relational – The Good Parts</a:t>
+            </a:r>
+            <a:endParaRPr lang="en-GB" dirty="0"/>
+          </a:p>
+        </p:txBody>
+      </p:sp>
+      <p:sp>
+        <p:nvSpPr>
+          <p:cNvPr id="3" name="Content Placeholder 2"/>
+          <p:cNvSpPr>
+            <a:spLocks noGrp="1"/>
+          </p:cNvSpPr>
+          <p:nvPr>
+            <p:ph idx="1"/>
+          </p:nvPr>
+        </p:nvSpPr>
+        <p:spPr/>
+        <p:txBody>
+          <a:bodyPr/>
+          <a:lstStyle/>
+          <a:p>
+            <a:r>
+              <a:rPr lang="en-GB" dirty="0" smtClean="0"/>
+              <a:t>Flexible - Good “All-Rounder”</a:t>
+            </a:r>
+          </a:p>
+          <a:p>
+            <a:endParaRPr lang="en-GB" dirty="0" smtClean="0"/>
+          </a:p>
+          <a:p>
+            <a:r>
+              <a:rPr lang="en-GB" dirty="0" smtClean="0"/>
+              <a:t>Plain-English Query Language (SQL)</a:t>
+            </a:r>
+          </a:p>
+          <a:p>
+            <a:endParaRPr lang="en-GB" dirty="0" smtClean="0"/>
+          </a:p>
+          <a:p>
+            <a:r>
+              <a:rPr lang="en-GB" dirty="0" smtClean="0"/>
+              <a:t>Strong Theoretical Basis (Maths/ Logic, ACID)</a:t>
+            </a:r>
+          </a:p>
+          <a:p>
+            <a:endParaRPr lang="en-GB" dirty="0"/>
+          </a:p>
+          <a:p>
+            <a:r>
+              <a:rPr lang="en-GB" dirty="0" smtClean="0"/>
+              <a:t>Mature Technology</a:t>
+            </a:r>
+            <a:endParaRPr lang="en-GB" dirty="0"/>
+          </a:p>
+        </p:txBody>
+      </p:sp>
+    </p:spTree>
+    <p:extLst>
+      <p:ext uri="{BB962C8B-B14F-4D97-AF65-F5344CB8AC3E}">
+        <p14:creationId xmlns:p14="http://schemas.microsoft.com/office/powerpoint/2010/main" val="2299222946"/>
+      </p:ext>
+    </p:extLst>
+  </p:cSld>
+  <p:clrMapOvr>
+    <a:masterClrMapping/>
+  </p:clrMapOvr>
+  <p:timing>
+    <p:tnLst>
+      <p:par>
+        <p:cTn id="1" dur="indefinite" restart="never" nodeType="tmRoot"/>
+      </p:par>
+    </p:tnLst>
+  </p:timing>
+</p:sld>
+</file>
+
+<file path=ppt/slides/slide60.xml><?xml version="1.0" encoding="utf-8"?>
+<p:sld xmlns:a="http://schemas.openxmlformats.org/drawingml/2006/main" xmlns:r="http://schemas.openxmlformats.org/officeDocument/2006/relationships" xmlns:p="http://schemas.openxmlformats.org/presentationml/2006/main">
+  <p:cSld>
+    <p:bg>
+      <p:bgPr>
+        <a:solidFill>
+          <a:schemeClr val="bg1"/>
+        </a:solidFill>
+        <a:effectLst/>
+      </p:bgPr>
+    </p:bg>
     <p:spTree>
       <p:nvGrpSpPr>
         <p:cNvPr id="1" name=""/>
@@ -22932,9 +22516,17 @@
 </p:sld>
 </file>
 
-<file path=ppt/slides/slide62.xml><?xml version="1.0" encoding="utf-8"?>
+<file path=ppt/slides/slide61.xml><?xml version="1.0" encoding="utf-8"?>
 <p:sld xmlns:a="http://schemas.openxmlformats.org/drawingml/2006/main" xmlns:r="http://schemas.openxmlformats.org/officeDocument/2006/relationships" xmlns:p="http://schemas.openxmlformats.org/presentationml/2006/main">
   <p:cSld>
+    <p:bg>
+      <p:bgPr>
+        <a:solidFill>
+          <a:schemeClr val="bg1"/>
+        </a:solidFill>
+        <a:effectLst/>
+      </p:bgPr>
+    </p:bg>
     <p:spTree>
       <p:nvGrpSpPr>
         <p:cNvPr id="1" name=""/>
@@ -23008,17 +22600,8 @@
           <a:p>
             <a:r>
               <a:rPr lang="en-GB" dirty="0" smtClean="0"/>
-              <a:t>~ Stronger </a:t>
-            </a:r>
-            <a:r>
-              <a:rPr lang="en-GB" dirty="0" smtClean="0"/>
-              <a:t>version of “Reporting Database</a:t>
-            </a:r>
-            <a:r>
-              <a:rPr lang="en-GB" dirty="0" smtClean="0"/>
-              <a:t>”</a:t>
-            </a:r>
-            <a:endParaRPr lang="en-GB" dirty="0" smtClean="0"/>
+              <a:t>~ Stronger version of “Reporting Database”</a:t>
+            </a:r>
           </a:p>
           <a:p>
             <a:endParaRPr lang="en-GB" dirty="0"/>
@@ -23052,9 +22635,17 @@
 </p:sld>
 </file>
 
-<file path=ppt/slides/slide63.xml><?xml version="1.0" encoding="utf-8"?>
+<file path=ppt/slides/slide62.xml><?xml version="1.0" encoding="utf-8"?>
 <p:sld xmlns:a="http://schemas.openxmlformats.org/drawingml/2006/main" xmlns:r="http://schemas.openxmlformats.org/officeDocument/2006/relationships" xmlns:p="http://schemas.openxmlformats.org/presentationml/2006/main">
   <p:cSld>
+    <p:bg>
+      <p:bgPr>
+        <a:solidFill>
+          <a:schemeClr val="bg1"/>
+        </a:solidFill>
+        <a:effectLst/>
+      </p:bgPr>
+    </p:bg>
     <p:spTree>
       <p:nvGrpSpPr>
         <p:cNvPr id="1" name=""/>
@@ -23138,6 +22729,14 @@
 <file path=ppt/slides/slide7.xml><?xml version="1.0" encoding="utf-8"?>
 <p:sld xmlns:a="http://schemas.openxmlformats.org/drawingml/2006/main" xmlns:r="http://schemas.openxmlformats.org/officeDocument/2006/relationships" xmlns:p="http://schemas.openxmlformats.org/presentationml/2006/main">
   <p:cSld>
+    <p:bg>
+      <p:bgPr>
+        <a:solidFill>
+          <a:schemeClr val="bg1"/>
+        </a:solidFill>
+        <a:effectLst/>
+      </p:bgPr>
+    </p:bg>
     <p:spTree>
       <p:nvGrpSpPr>
         <p:cNvPr id="1" name=""/>
@@ -23169,7 +22768,7 @@
           <a:p>
             <a:r>
               <a:rPr lang="en-GB" dirty="0" smtClean="0"/>
-              <a:t>Relational – The Good Parts</a:t>
+              <a:t>So What’s Not To Like?</a:t>
             </a:r>
             <a:endParaRPr lang="en-GB" dirty="0"/>
           </a:p>
@@ -23192,116 +22791,6 @@
           <a:p>
             <a:r>
               <a:rPr lang="en-GB" dirty="0" smtClean="0"/>
-              <a:t>Flexible - Good “All-Rounder”</a:t>
-            </a:r>
-          </a:p>
-          <a:p>
-            <a:endParaRPr lang="en-GB" dirty="0" smtClean="0"/>
-          </a:p>
-          <a:p>
-            <a:r>
-              <a:rPr lang="en-GB" dirty="0" smtClean="0"/>
-              <a:t>Plain-English Query Language (SQL)</a:t>
-            </a:r>
-          </a:p>
-          <a:p>
-            <a:endParaRPr lang="en-GB" dirty="0" smtClean="0"/>
-          </a:p>
-          <a:p>
-            <a:r>
-              <a:rPr lang="en-GB" dirty="0" smtClean="0"/>
-              <a:t>Strong Theoretical Basis (Maths/ Logic, ACID)</a:t>
-            </a:r>
-          </a:p>
-          <a:p>
-            <a:endParaRPr lang="en-GB" dirty="0"/>
-          </a:p>
-          <a:p>
-            <a:r>
-              <a:rPr lang="en-GB" dirty="0" smtClean="0"/>
-              <a:t>Mature Technology</a:t>
-            </a:r>
-            <a:endParaRPr lang="en-GB" dirty="0"/>
-          </a:p>
-        </p:txBody>
-      </p:sp>
-    </p:spTree>
-    <p:extLst>
-      <p:ext uri="{BB962C8B-B14F-4D97-AF65-F5344CB8AC3E}">
-        <p14:creationId xmlns:p14="http://schemas.microsoft.com/office/powerpoint/2010/main" val="2299222946"/>
-      </p:ext>
-    </p:extLst>
-  </p:cSld>
-  <p:clrMapOvr>
-    <a:masterClrMapping/>
-  </p:clrMapOvr>
-  <p:timing>
-    <p:tnLst>
-      <p:par>
-        <p:cTn id="1" dur="indefinite" restart="never" nodeType="tmRoot"/>
-      </p:par>
-    </p:tnLst>
-  </p:timing>
-</p:sld>
-</file>
-
-<file path=ppt/slides/slide8.xml><?xml version="1.0" encoding="utf-8"?>
-<p:sld xmlns:a="http://schemas.openxmlformats.org/drawingml/2006/main" xmlns:r="http://schemas.openxmlformats.org/officeDocument/2006/relationships" xmlns:p="http://schemas.openxmlformats.org/presentationml/2006/main">
-  <p:cSld>
-    <p:spTree>
-      <p:nvGrpSpPr>
-        <p:cNvPr id="1" name=""/>
-        <p:cNvGrpSpPr/>
-        <p:nvPr/>
-      </p:nvGrpSpPr>
-      <p:grpSpPr>
-        <a:xfrm>
-          <a:off x="0" y="0"/>
-          <a:ext cx="0" cy="0"/>
-          <a:chOff x="0" y="0"/>
-          <a:chExt cx="0" cy="0"/>
-        </a:xfrm>
-      </p:grpSpPr>
-      <p:sp>
-        <p:nvSpPr>
-          <p:cNvPr id="2" name="Title 1"/>
-          <p:cNvSpPr>
-            <a:spLocks noGrp="1"/>
-          </p:cNvSpPr>
-          <p:nvPr>
-            <p:ph type="title"/>
-          </p:nvPr>
-        </p:nvSpPr>
-        <p:spPr/>
-        <p:txBody>
-          <a:bodyPr/>
-          <a:lstStyle/>
-          <a:p>
-            <a:r>
-              <a:rPr lang="en-GB" dirty="0" smtClean="0"/>
-              <a:t>So What’s Not To Like?</a:t>
-            </a:r>
-            <a:endParaRPr lang="en-GB" dirty="0"/>
-          </a:p>
-        </p:txBody>
-      </p:sp>
-      <p:sp>
-        <p:nvSpPr>
-          <p:cNvPr id="3" name="Content Placeholder 2"/>
-          <p:cNvSpPr>
-            <a:spLocks noGrp="1"/>
-          </p:cNvSpPr>
-          <p:nvPr>
-            <p:ph idx="1"/>
-          </p:nvPr>
-        </p:nvSpPr>
-        <p:spPr/>
-        <p:txBody>
-          <a:bodyPr/>
-          <a:lstStyle/>
-          <a:p>
-            <a:r>
-              <a:rPr lang="en-GB" dirty="0" smtClean="0"/>
               <a:t>Programming Model:</a:t>
             </a:r>
           </a:p>
@@ -23309,15 +22798,7 @@
             <a:pPr lvl="1"/>
             <a:r>
               <a:rPr lang="en-GB" dirty="0" smtClean="0"/>
-              <a:t>Object-Relational </a:t>
-            </a:r>
-            <a:r>
-              <a:rPr lang="en-GB" dirty="0" smtClean="0"/>
-              <a:t>Impedance </a:t>
-            </a:r>
-            <a:r>
-              <a:rPr lang="en-GB" dirty="0" smtClean="0"/>
-              <a:t>Mismatch</a:t>
+              <a:t>Object-Relational Impedance Mismatch</a:t>
             </a:r>
           </a:p>
           <a:p>
@@ -23569,9 +23050,17 @@
 </p:sld>
 </file>
 
-<file path=ppt/slides/slide9.xml><?xml version="1.0" encoding="utf-8"?>
+<file path=ppt/slides/slide8.xml><?xml version="1.0" encoding="utf-8"?>
 <p:sld xmlns:a="http://schemas.openxmlformats.org/drawingml/2006/main" xmlns:r="http://schemas.openxmlformats.org/officeDocument/2006/relationships" xmlns:p="http://schemas.openxmlformats.org/presentationml/2006/main">
   <p:cSld>
+    <p:bg>
+      <p:bgPr>
+        <a:solidFill>
+          <a:schemeClr val="bg1"/>
+        </a:solidFill>
+        <a:effectLst/>
+      </p:bgPr>
+    </p:bg>
     <p:spTree>
       <p:nvGrpSpPr>
         <p:cNvPr id="1" name=""/>
@@ -23703,6 +23192,195 @@
     <p:extLst>
       <p:ext uri="{BB962C8B-B14F-4D97-AF65-F5344CB8AC3E}">
         <p14:creationId xmlns:p14="http://schemas.microsoft.com/office/powerpoint/2010/main" val="4208704850"/>
+      </p:ext>
+    </p:extLst>
+  </p:cSld>
+  <p:clrMapOvr>
+    <a:masterClrMapping/>
+  </p:clrMapOvr>
+  <p:timing>
+    <p:tnLst>
+      <p:par>
+        <p:cTn id="1" dur="indefinite" restart="never" nodeType="tmRoot"/>
+      </p:par>
+    </p:tnLst>
+  </p:timing>
+</p:sld>
+</file>
+
+<file path=ppt/slides/slide9.xml><?xml version="1.0" encoding="utf-8"?>
+<p:sld xmlns:a="http://schemas.openxmlformats.org/drawingml/2006/main" xmlns:r="http://schemas.openxmlformats.org/officeDocument/2006/relationships" xmlns:p="http://schemas.openxmlformats.org/presentationml/2006/main">
+  <p:cSld>
+    <p:bg>
+      <p:bgPr>
+        <a:solidFill>
+          <a:schemeClr val="bg1"/>
+        </a:solidFill>
+        <a:effectLst/>
+      </p:bgPr>
+    </p:bg>
+    <p:spTree>
+      <p:nvGrpSpPr>
+        <p:cNvPr id="1" name=""/>
+        <p:cNvGrpSpPr/>
+        <p:nvPr/>
+      </p:nvGrpSpPr>
+      <p:grpSpPr>
+        <a:xfrm>
+          <a:off x="0" y="0"/>
+          <a:ext cx="0" cy="0"/>
+          <a:chOff x="0" y="0"/>
+          <a:chExt cx="0" cy="0"/>
+        </a:xfrm>
+      </p:grpSpPr>
+      <p:sp>
+        <p:nvSpPr>
+          <p:cNvPr id="2" name="Title 1"/>
+          <p:cNvSpPr>
+            <a:spLocks noGrp="1"/>
+          </p:cNvSpPr>
+          <p:nvPr>
+            <p:ph type="title"/>
+          </p:nvPr>
+        </p:nvSpPr>
+        <p:spPr/>
+        <p:txBody>
+          <a:bodyPr/>
+          <a:lstStyle/>
+          <a:p>
+            <a:r>
+              <a:rPr lang="en-GB" dirty="0" smtClean="0"/>
+              <a:t>Separate Skill-Sets</a:t>
+            </a:r>
+            <a:endParaRPr lang="en-GB" dirty="0"/>
+          </a:p>
+        </p:txBody>
+      </p:sp>
+      <p:pic>
+        <p:nvPicPr>
+          <p:cNvPr id="4" name="Content Placeholder 3"/>
+          <p:cNvPicPr>
+            <a:picLocks noGrp="1" noChangeAspect="1"/>
+          </p:cNvPicPr>
+          <p:nvPr>
+            <p:ph idx="1"/>
+          </p:nvPr>
+        </p:nvPicPr>
+        <p:blipFill>
+          <a:blip r:embed="rId2" cstate="print">
+            <a:extLst>
+              <a:ext uri="{28A0092B-C50C-407E-A947-70E740481C1C}">
+                <a14:useLocalDpi xmlns:a14="http://schemas.microsoft.com/office/drawing/2010/main" val="0"/>
+              </a:ext>
+            </a:extLst>
+          </a:blip>
+          <a:stretch>
+            <a:fillRect/>
+          </a:stretch>
+        </p:blipFill>
+        <p:spPr>
+          <a:xfrm>
+            <a:off x="539552" y="2276872"/>
+            <a:ext cx="3637795" cy="2044824"/>
+          </a:xfrm>
+        </p:spPr>
+      </p:pic>
+      <p:pic>
+        <p:nvPicPr>
+          <p:cNvPr id="5" name="Picture 4"/>
+          <p:cNvPicPr>
+            <a:picLocks noChangeAspect="1"/>
+          </p:cNvPicPr>
+          <p:nvPr/>
+        </p:nvPicPr>
+        <p:blipFill>
+          <a:blip r:embed="rId3">
+            <a:extLst>
+              <a:ext uri="{28A0092B-C50C-407E-A947-70E740481C1C}">
+                <a14:useLocalDpi xmlns:a14="http://schemas.microsoft.com/office/drawing/2010/main" val="0"/>
+              </a:ext>
+            </a:extLst>
+          </a:blip>
+          <a:stretch>
+            <a:fillRect/>
+          </a:stretch>
+        </p:blipFill>
+        <p:spPr>
+          <a:xfrm>
+            <a:off x="4932040" y="2276872"/>
+            <a:ext cx="3096344" cy="2059194"/>
+          </a:xfrm>
+          <a:prstGeom prst="rect">
+            <a:avLst/>
+          </a:prstGeom>
+        </p:spPr>
+      </p:pic>
+      <p:sp>
+        <p:nvSpPr>
+          <p:cNvPr id="6" name="TextBox 5"/>
+          <p:cNvSpPr txBox="1"/>
+          <p:nvPr/>
+        </p:nvSpPr>
+        <p:spPr>
+          <a:xfrm>
+            <a:off x="1187624" y="4514183"/>
+            <a:ext cx="2304256" cy="646331"/>
+          </a:xfrm>
+          <a:prstGeom prst="rect">
+            <a:avLst/>
+          </a:prstGeom>
+          <a:noFill/>
+        </p:spPr>
+        <p:txBody>
+          <a:bodyPr wrap="square" rtlCol="0">
+            <a:spAutoFit/>
+          </a:bodyPr>
+          <a:lstStyle/>
+          <a:p>
+            <a:pPr algn="ctr"/>
+            <a:r>
+              <a:rPr lang="en-GB" sz="3600" dirty="0" smtClean="0"/>
+              <a:t>Developer</a:t>
+            </a:r>
+            <a:endParaRPr lang="en-GB" sz="3600" dirty="0"/>
+          </a:p>
+        </p:txBody>
+      </p:sp>
+      <p:sp>
+        <p:nvSpPr>
+          <p:cNvPr id="7" name="TextBox 6"/>
+          <p:cNvSpPr txBox="1"/>
+          <p:nvPr/>
+        </p:nvSpPr>
+        <p:spPr>
+          <a:xfrm>
+            <a:off x="5831820" y="4533354"/>
+            <a:ext cx="1296144" cy="646331"/>
+          </a:xfrm>
+          <a:prstGeom prst="rect">
+            <a:avLst/>
+          </a:prstGeom>
+          <a:noFill/>
+        </p:spPr>
+        <p:txBody>
+          <a:bodyPr wrap="square" rtlCol="0">
+            <a:spAutoFit/>
+          </a:bodyPr>
+          <a:lstStyle/>
+          <a:p>
+            <a:pPr algn="ctr"/>
+            <a:r>
+              <a:rPr lang="en-GB" sz="3600" dirty="0" smtClean="0"/>
+              <a:t>DBA</a:t>
+            </a:r>
+            <a:endParaRPr lang="en-GB" sz="3600" dirty="0"/>
+          </a:p>
+        </p:txBody>
+      </p:sp>
+    </p:spTree>
+    <p:extLst>
+      <p:ext uri="{BB962C8B-B14F-4D97-AF65-F5344CB8AC3E}">
+        <p14:creationId xmlns:p14="http://schemas.microsoft.com/office/powerpoint/2010/main" val="3307758774"/>
       </p:ext>
     </p:extLst>
   </p:cSld>

--- a/Slides/Not Only SQL - Picking A Database for DotNET.pptx
+++ b/Slides/Not Only SQL - Picking A Database for DotNET.pptx
@@ -69,7 +69,7 @@
     <p:sldId id="306" r:id="rId60"/>
     <p:sldId id="307" r:id="rId61"/>
     <p:sldId id="308" r:id="rId62"/>
-    <p:sldId id="313" r:id="rId63"/>
+    <p:sldId id="344" r:id="rId63"/>
   </p:sldIdLst>
   <p:sldSz cx="9144000" cy="6858000" type="screen4x3"/>
   <p:notesSz cx="6858000" cy="9144000"/>
@@ -282,7 +282,7 @@
             <p14:sldId id="306"/>
             <p14:sldId id="307"/>
             <p14:sldId id="308"/>
-            <p14:sldId id="313"/>
+            <p14:sldId id="344"/>
           </p14:sldIdLst>
         </p14:section>
       </p14:sectionLst>
@@ -3183,44 +3183,6 @@
           <a:bodyPr/>
           <a:lstStyle/>
           <a:p>
-            <a:r>
-              <a:rPr lang="en-GB" dirty="0" smtClean="0"/>
-              <a:t>Similar to relational databases, graph</a:t>
-            </a:r>
-            <a:r>
-              <a:rPr lang="en-GB" baseline="0" dirty="0" smtClean="0"/>
-              <a:t> databases are implemented based on mathematical theory.  In this case – graph theory, dating back as far as the work of Leonhard Euler in the 18</a:t>
-            </a:r>
-            <a:r>
-              <a:rPr lang="en-GB" baseline="30000" dirty="0" smtClean="0"/>
-              <a:t>th</a:t>
-            </a:r>
-            <a:r>
-              <a:rPr lang="en-GB" baseline="0" dirty="0" smtClean="0"/>
-              <a:t> century.</a:t>
-            </a:r>
-          </a:p>
-          <a:p>
-            <a:r>
-              <a:rPr lang="en-GB" baseline="0" dirty="0" smtClean="0"/>
-              <a:t>They also have some other similarities with relational which mean that although they are often categorised as “NoSQL”, in some ways they are more similar to SQL Server than systems such as </a:t>
-            </a:r>
-            <a:r>
-              <a:rPr lang="en-GB" baseline="0" dirty="0" err="1" smtClean="0"/>
-              <a:t>Riak</a:t>
-            </a:r>
-            <a:r>
-              <a:rPr lang="en-GB" baseline="0" dirty="0" smtClean="0"/>
-              <a:t>, Cassandra or even </a:t>
-            </a:r>
-            <a:r>
-              <a:rPr lang="en-GB" baseline="0" dirty="0" err="1" smtClean="0"/>
-              <a:t>MongoDB</a:t>
-            </a:r>
-            <a:r>
-              <a:rPr lang="en-GB" baseline="0" dirty="0" smtClean="0"/>
-              <a:t>.</a:t>
-            </a:r>
             <a:endParaRPr lang="en-GB" dirty="0"/>
           </a:p>
         </p:txBody>
@@ -21176,13 +21138,27 @@
         </p:nvSpPr>
         <p:spPr/>
         <p:txBody>
-          <a:bodyPr/>
+          <a:bodyPr>
+            <a:normAutofit lnSpcReduction="10000"/>
+          </a:bodyPr>
           <a:lstStyle/>
           <a:p>
             <a:r>
               <a:rPr lang="en-GB" dirty="0" smtClean="0"/>
               <a:t>Based on Graph Theory (Euler et al.)</a:t>
             </a:r>
+          </a:p>
+          <a:p>
+            <a:pPr marL="0" indent="0">
+              <a:buNone/>
+            </a:pPr>
+            <a:endParaRPr lang="en-GB" dirty="0" smtClean="0"/>
+          </a:p>
+          <a:p>
+            <a:pPr marL="0" indent="0">
+              <a:buNone/>
+            </a:pPr>
+            <a:endParaRPr lang="en-GB" dirty="0" smtClean="0"/>
           </a:p>
           <a:p>
             <a:pPr marL="0" indent="0">
@@ -21191,25 +21167,95 @@
             <a:endParaRPr lang="en-GB" dirty="0"/>
           </a:p>
           <a:p>
-            <a:r>
-              <a:rPr lang="en-GB" dirty="0" smtClean="0"/>
-              <a:t>“NoSQL” in that not relational – but not “standard” NoSQL</a:t>
-            </a:r>
-          </a:p>
-          <a:p>
+            <a:pPr marL="0" indent="0">
+              <a:buNone/>
+            </a:pPr>
             <a:endParaRPr lang="en-GB" dirty="0"/>
           </a:p>
           <a:p>
-            <a:r>
-              <a:rPr lang="en-GB" dirty="0"/>
-              <a:t>Neo4j is a popular  open-source implementation</a:t>
-            </a:r>
-          </a:p>
-          <a:p>
+            <a:pPr marL="0" indent="0">
+              <a:buNone/>
+            </a:pPr>
             <a:endParaRPr lang="en-GB" dirty="0"/>
           </a:p>
-        </p:txBody>
-      </p:sp>
+          <a:p>
+            <a:endParaRPr lang="en-GB" dirty="0" smtClean="0"/>
+          </a:p>
+          <a:p>
+            <a:r>
+              <a:rPr lang="en-GB" dirty="0" smtClean="0"/>
+              <a:t>Not </a:t>
+            </a:r>
+            <a:r>
+              <a:rPr lang="en-GB" dirty="0" smtClean="0"/>
+              <a:t>relational – but not “standard” NoSQL</a:t>
+            </a:r>
+          </a:p>
+          <a:p>
+            <a:endParaRPr lang="en-GB" dirty="0"/>
+          </a:p>
+        </p:txBody>
+      </p:sp>
+      <p:pic>
+        <p:nvPicPr>
+          <p:cNvPr id="4" name="Picture 3"/>
+          <p:cNvPicPr>
+            <a:picLocks noChangeAspect="1"/>
+          </p:cNvPicPr>
+          <p:nvPr/>
+        </p:nvPicPr>
+        <p:blipFill>
+          <a:blip r:embed="rId3" cstate="print">
+            <a:extLst>
+              <a:ext uri="{28A0092B-C50C-407E-A947-70E740481C1C}">
+                <a14:useLocalDpi xmlns:a14="http://schemas.microsoft.com/office/drawing/2010/main" val="0"/>
+              </a:ext>
+            </a:extLst>
+          </a:blip>
+          <a:stretch>
+            <a:fillRect/>
+          </a:stretch>
+        </p:blipFill>
+        <p:spPr>
+          <a:xfrm>
+            <a:off x="899592" y="2420888"/>
+            <a:ext cx="1944216" cy="2428686"/>
+          </a:xfrm>
+          <a:prstGeom prst="rect">
+            <a:avLst/>
+          </a:prstGeom>
+        </p:spPr>
+      </p:pic>
+      <p:pic>
+        <p:nvPicPr>
+          <p:cNvPr id="5" name="Picture 4"/>
+          <p:cNvPicPr>
+            <a:picLocks noChangeAspect="1"/>
+          </p:cNvPicPr>
+          <p:nvPr/>
+        </p:nvPicPr>
+        <p:blipFill>
+          <a:blip r:embed="rId4">
+            <a:extLst>
+              <a:ext uri="{28A0092B-C50C-407E-A947-70E740481C1C}">
+                <a14:useLocalDpi xmlns:a14="http://schemas.microsoft.com/office/drawing/2010/main" val="0"/>
+              </a:ext>
+            </a:extLst>
+          </a:blip>
+          <a:stretch>
+            <a:fillRect/>
+          </a:stretch>
+        </p:blipFill>
+        <p:spPr>
+          <a:xfrm>
+            <a:off x="3995936" y="2466257"/>
+            <a:ext cx="3816424" cy="2383317"/>
+          </a:xfrm>
+          <a:prstGeom prst="rect">
+            <a:avLst/>
+          </a:prstGeom>
+        </p:spPr>
+      </p:pic>
     </p:spTree>
     <p:extLst>
       <p:ext uri="{BB962C8B-B14F-4D97-AF65-F5344CB8AC3E}">
@@ -22576,7 +22622,12 @@
             <p:ph idx="1"/>
           </p:nvPr>
         </p:nvSpPr>
-        <p:spPr/>
+        <p:spPr>
+          <a:xfrm>
+            <a:off x="457200" y="1340768"/>
+            <a:ext cx="8229600" cy="4785395"/>
+          </a:xfrm>
+        </p:spPr>
         <p:txBody>
           <a:bodyPr/>
           <a:lstStyle/>
@@ -22595,23 +22646,47 @@
             </a:r>
           </a:p>
           <a:p>
+            <a:pPr lvl="1"/>
+            <a:endParaRPr lang="en-GB" i="1" dirty="0" smtClean="0"/>
+          </a:p>
+          <a:p>
+            <a:pPr marL="457200" lvl="1" indent="0">
+              <a:buNone/>
+            </a:pPr>
+            <a:r>
+              <a:rPr lang="en-GB" sz="2400" i="1" u="sng" dirty="0" smtClean="0"/>
+              <a:t>Asking a question is not the same as making a change</a:t>
+            </a:r>
+            <a:endParaRPr lang="en-GB" sz="2400" i="1" u="sng" dirty="0" smtClean="0"/>
+          </a:p>
+          <a:p>
+            <a:pPr marL="0" indent="0">
+              <a:buNone/>
+            </a:pPr>
             <a:endParaRPr lang="en-GB" dirty="0"/>
           </a:p>
           <a:p>
             <a:r>
               <a:rPr lang="en-GB" dirty="0" smtClean="0"/>
-              <a:t>~ Stronger version of “Reporting Database”</a:t>
-            </a:r>
-          </a:p>
-          <a:p>
-            <a:endParaRPr lang="en-GB" dirty="0"/>
-          </a:p>
-          <a:p>
-            <a:r>
-              <a:rPr lang="en-GB" dirty="0" smtClean="0"/>
-              <a:t>Can pair with “Event Sourcing” – commutative operations</a:t>
-            </a:r>
-            <a:endParaRPr lang="en-GB" dirty="0"/>
+              <a:t>NOT a specific architecture pattern</a:t>
+            </a:r>
+          </a:p>
+          <a:p>
+            <a:endParaRPr lang="en-GB" dirty="0" smtClean="0"/>
+          </a:p>
+          <a:p>
+            <a:r>
+              <a:rPr lang="en-GB" dirty="0" smtClean="0"/>
+              <a:t>Can </a:t>
+            </a:r>
+            <a:r>
+              <a:rPr lang="en-GB" dirty="0" smtClean="0"/>
+              <a:t>pair with “Event Sourcing” – commutative </a:t>
+            </a:r>
+            <a:r>
+              <a:rPr lang="en-GB" dirty="0" smtClean="0"/>
+              <a:t>operations</a:t>
+            </a:r>
           </a:p>
         </p:txBody>
       </p:sp>
@@ -22638,14 +22713,6 @@
 <file path=ppt/slides/slide62.xml><?xml version="1.0" encoding="utf-8"?>
 <p:sld xmlns:a="http://schemas.openxmlformats.org/drawingml/2006/main" xmlns:r="http://schemas.openxmlformats.org/officeDocument/2006/relationships" xmlns:p="http://schemas.openxmlformats.org/presentationml/2006/main">
   <p:cSld>
-    <p:bg>
-      <p:bgPr>
-        <a:solidFill>
-          <a:schemeClr val="bg1"/>
-        </a:solidFill>
-        <a:effectLst/>
-      </p:bgPr>
-    </p:bg>
     <p:spTree>
       <p:nvGrpSpPr>
         <p:cNvPr id="1" name=""/>
@@ -22660,56 +22727,40 @@
           <a:chExt cx="0" cy="0"/>
         </a:xfrm>
       </p:grpSpPr>
-      <p:sp>
-        <p:nvSpPr>
-          <p:cNvPr id="2" name="Title 1"/>
-          <p:cNvSpPr>
-            <a:spLocks noGrp="1"/>
-          </p:cNvSpPr>
-          <p:nvPr>
-            <p:ph type="title"/>
-          </p:nvPr>
-        </p:nvSpPr>
-        <p:spPr/>
-        <p:txBody>
-          <a:bodyPr/>
-          <a:lstStyle/>
-          <a:p>
-            <a:r>
-              <a:rPr lang="en-GB" dirty="0" smtClean="0"/>
-              <a:t>CQRS</a:t>
-            </a:r>
-            <a:endParaRPr lang="en-GB" dirty="0"/>
-          </a:p>
-        </p:txBody>
-      </p:sp>
-      <p:sp>
-        <p:nvSpPr>
-          <p:cNvPr id="3" name="Content Placeholder 2"/>
-          <p:cNvSpPr>
-            <a:spLocks noGrp="1"/>
-          </p:cNvSpPr>
-          <p:nvPr>
-            <p:ph idx="1"/>
-          </p:nvPr>
-        </p:nvSpPr>
-        <p:spPr/>
-        <p:txBody>
-          <a:bodyPr/>
-          <a:lstStyle/>
-          <a:p>
-            <a:r>
-              <a:rPr lang="en-GB" dirty="0" smtClean="0"/>
-              <a:t>(PUT DIAGRAM HERE)</a:t>
-            </a:r>
-            <a:endParaRPr lang="en-GB" dirty="0"/>
-          </a:p>
-        </p:txBody>
-      </p:sp>
+      <p:pic>
+        <p:nvPicPr>
+          <p:cNvPr id="2" name="Picture 1"/>
+          <p:cNvPicPr>
+            <a:picLocks noChangeAspect="1"/>
+          </p:cNvPicPr>
+          <p:nvPr/>
+        </p:nvPicPr>
+        <p:blipFill>
+          <a:blip r:embed="rId2">
+            <a:extLst>
+              <a:ext uri="{28A0092B-C50C-407E-A947-70E740481C1C}">
+                <a14:useLocalDpi xmlns:a14="http://schemas.microsoft.com/office/drawing/2010/main" val="0"/>
+              </a:ext>
+            </a:extLst>
+          </a:blip>
+          <a:stretch>
+            <a:fillRect/>
+          </a:stretch>
+        </p:blipFill>
+        <p:spPr>
+          <a:xfrm>
+            <a:off x="410300" y="620687"/>
+            <a:ext cx="8338164" cy="5616625"/>
+          </a:xfrm>
+          <a:prstGeom prst="rect">
+            <a:avLst/>
+          </a:prstGeom>
+        </p:spPr>
+      </p:pic>
     </p:spTree>
     <p:extLst>
       <p:ext uri="{BB962C8B-B14F-4D97-AF65-F5344CB8AC3E}">
-        <p14:creationId xmlns:p14="http://schemas.microsoft.com/office/powerpoint/2010/main" val="3631744002"/>
+        <p14:creationId xmlns:p14="http://schemas.microsoft.com/office/powerpoint/2010/main" val="2275762274"/>
       </p:ext>
     </p:extLst>
   </p:cSld>

--- a/Slides/Not Only SQL - Picking A Database for DotNET.pptx
+++ b/Slides/Not Only SQL - Picking A Database for DotNET.pptx
@@ -5,7 +5,7 @@
     <p:sldMasterId id="2147483648" r:id="rId1"/>
   </p:sldMasterIdLst>
   <p:notesMasterIdLst>
-    <p:notesMasterId r:id="rId64"/>
+    <p:notesMasterId r:id="rId65"/>
   </p:notesMasterIdLst>
   <p:sldIdLst>
     <p:sldId id="256" r:id="rId2"/>
@@ -38,38 +38,39 @@
     <p:sldId id="289" r:id="rId29"/>
     <p:sldId id="342" r:id="rId30"/>
     <p:sldId id="327" r:id="rId31"/>
-    <p:sldId id="290" r:id="rId32"/>
-    <p:sldId id="334" r:id="rId33"/>
-    <p:sldId id="295" r:id="rId34"/>
-    <p:sldId id="296" r:id="rId35"/>
-    <p:sldId id="297" r:id="rId36"/>
-    <p:sldId id="314" r:id="rId37"/>
-    <p:sldId id="333" r:id="rId38"/>
-    <p:sldId id="328" r:id="rId39"/>
-    <p:sldId id="331" r:id="rId40"/>
-    <p:sldId id="330" r:id="rId41"/>
-    <p:sldId id="337" r:id="rId42"/>
-    <p:sldId id="338" r:id="rId43"/>
-    <p:sldId id="339" r:id="rId44"/>
-    <p:sldId id="335" r:id="rId45"/>
-    <p:sldId id="336" r:id="rId46"/>
-    <p:sldId id="326" r:id="rId47"/>
-    <p:sldId id="329" r:id="rId48"/>
-    <p:sldId id="341" r:id="rId49"/>
-    <p:sldId id="340" r:id="rId50"/>
-    <p:sldId id="309" r:id="rId51"/>
-    <p:sldId id="302" r:id="rId52"/>
-    <p:sldId id="332" r:id="rId53"/>
-    <p:sldId id="311" r:id="rId54"/>
-    <p:sldId id="267" r:id="rId55"/>
-    <p:sldId id="343" r:id="rId56"/>
-    <p:sldId id="268" r:id="rId57"/>
-    <p:sldId id="272" r:id="rId58"/>
-    <p:sldId id="305" r:id="rId59"/>
-    <p:sldId id="306" r:id="rId60"/>
-    <p:sldId id="307" r:id="rId61"/>
-    <p:sldId id="308" r:id="rId62"/>
-    <p:sldId id="344" r:id="rId63"/>
+    <p:sldId id="345" r:id="rId32"/>
+    <p:sldId id="290" r:id="rId33"/>
+    <p:sldId id="334" r:id="rId34"/>
+    <p:sldId id="295" r:id="rId35"/>
+    <p:sldId id="296" r:id="rId36"/>
+    <p:sldId id="297" r:id="rId37"/>
+    <p:sldId id="314" r:id="rId38"/>
+    <p:sldId id="333" r:id="rId39"/>
+    <p:sldId id="328" r:id="rId40"/>
+    <p:sldId id="331" r:id="rId41"/>
+    <p:sldId id="330" r:id="rId42"/>
+    <p:sldId id="337" r:id="rId43"/>
+    <p:sldId id="338" r:id="rId44"/>
+    <p:sldId id="339" r:id="rId45"/>
+    <p:sldId id="335" r:id="rId46"/>
+    <p:sldId id="336" r:id="rId47"/>
+    <p:sldId id="326" r:id="rId48"/>
+    <p:sldId id="329" r:id="rId49"/>
+    <p:sldId id="341" r:id="rId50"/>
+    <p:sldId id="340" r:id="rId51"/>
+    <p:sldId id="309" r:id="rId52"/>
+    <p:sldId id="302" r:id="rId53"/>
+    <p:sldId id="332" r:id="rId54"/>
+    <p:sldId id="311" r:id="rId55"/>
+    <p:sldId id="267" r:id="rId56"/>
+    <p:sldId id="343" r:id="rId57"/>
+    <p:sldId id="268" r:id="rId58"/>
+    <p:sldId id="272" r:id="rId59"/>
+    <p:sldId id="305" r:id="rId60"/>
+    <p:sldId id="306" r:id="rId61"/>
+    <p:sldId id="307" r:id="rId62"/>
+    <p:sldId id="308" r:id="rId63"/>
+    <p:sldId id="344" r:id="rId64"/>
   </p:sldIdLst>
   <p:sldSz cx="9144000" cy="6858000" type="screen4x3"/>
   <p:notesSz cx="6858000" cy="9144000"/>
@@ -223,6 +224,7 @@
         <p14:section name="Document Databases/ MongoDB" id="{E655A865-53EA-482B-B2F2-2C10D4372D9A}">
           <p14:sldIdLst>
             <p14:sldId id="327"/>
+            <p14:sldId id="345"/>
             <p14:sldId id="290"/>
             <p14:sldId id="334"/>
           </p14:sldIdLst>
@@ -2411,7 +2413,7 @@
           <a:p>
             <a:fld id="{B88E1A96-A68C-4ED7-8535-7FE27C72D2F0}" type="slidenum">
               <a:rPr lang="en-GB" smtClean="0"/>
-              <a:t>31</a:t>
+              <a:t>32</a:t>
             </a:fld>
             <a:endParaRPr lang="en-GB"/>
           </a:p>
@@ -2498,7 +2500,7 @@
           <a:p>
             <a:fld id="{B88E1A96-A68C-4ED7-8535-7FE27C72D2F0}" type="slidenum">
               <a:rPr lang="en-GB" smtClean="0"/>
-              <a:t>33</a:t>
+              <a:t>34</a:t>
             </a:fld>
             <a:endParaRPr lang="en-GB"/>
           </a:p>
@@ -2606,7 +2608,7 @@
           <a:p>
             <a:fld id="{B88E1A96-A68C-4ED7-8535-7FE27C72D2F0}" type="slidenum">
               <a:rPr lang="en-GB" smtClean="0"/>
-              <a:t>34</a:t>
+              <a:t>35</a:t>
             </a:fld>
             <a:endParaRPr lang="en-GB"/>
           </a:p>
@@ -2700,7 +2702,7 @@
           <a:p>
             <a:fld id="{B88E1A96-A68C-4ED7-8535-7FE27C72D2F0}" type="slidenum">
               <a:rPr lang="en-GB" smtClean="0"/>
-              <a:t>35</a:t>
+              <a:t>36</a:t>
             </a:fld>
             <a:endParaRPr lang="en-GB"/>
           </a:p>
@@ -2784,7 +2786,7 @@
           <a:p>
             <a:fld id="{B88E1A96-A68C-4ED7-8535-7FE27C72D2F0}" type="slidenum">
               <a:rPr lang="en-GB" smtClean="0"/>
-              <a:t>39</a:t>
+              <a:t>40</a:t>
             </a:fld>
             <a:endParaRPr lang="en-GB"/>
           </a:p>
@@ -2868,7 +2870,7 @@
           <a:p>
             <a:fld id="{B88E1A96-A68C-4ED7-8535-7FE27C72D2F0}" type="slidenum">
               <a:rPr lang="en-GB" smtClean="0"/>
-              <a:t>49</a:t>
+              <a:t>50</a:t>
             </a:fld>
             <a:endParaRPr lang="en-GB"/>
           </a:p>
@@ -2952,7 +2954,7 @@
           <a:p>
             <a:fld id="{B88E1A96-A68C-4ED7-8535-7FE27C72D2F0}" type="slidenum">
               <a:rPr lang="en-GB" smtClean="0"/>
-              <a:t>50</a:t>
+              <a:t>51</a:t>
             </a:fld>
             <a:endParaRPr lang="en-GB"/>
           </a:p>
@@ -3120,7 +3122,7 @@
           <a:p>
             <a:fld id="{B88E1A96-A68C-4ED7-8535-7FE27C72D2F0}" type="slidenum">
               <a:rPr lang="en-GB" smtClean="0"/>
-              <a:t>51</a:t>
+              <a:t>52</a:t>
             </a:fld>
             <a:endParaRPr lang="en-GB"/>
           </a:p>
@@ -3204,7 +3206,7 @@
           <a:p>
             <a:fld id="{B88E1A96-A68C-4ED7-8535-7FE27C72D2F0}" type="slidenum">
               <a:rPr lang="en-GB" smtClean="0"/>
-              <a:t>54</a:t>
+              <a:t>55</a:t>
             </a:fld>
             <a:endParaRPr lang="en-GB"/>
           </a:p>
@@ -3267,18 +3269,6 @@
           <a:bodyPr/>
           <a:lstStyle/>
           <a:p>
-            <a:r>
-              <a:rPr lang="en-GB" dirty="0" smtClean="0"/>
-              <a:t>The</a:t>
-            </a:r>
-            <a:r>
-              <a:rPr lang="en-GB" baseline="0" dirty="0" smtClean="0"/>
-              <a:t> best way to understand the basics of Neo4j is by example – so. l</a:t>
-            </a:r>
-            <a:r>
-              <a:rPr lang="en-GB" dirty="0" smtClean="0"/>
-              <a:t>et’s go straight to a demo</a:t>
-            </a:r>
             <a:endParaRPr lang="en-GB" dirty="0"/>
           </a:p>
         </p:txBody>
@@ -3300,7 +3290,7 @@
           <a:p>
             <a:fld id="{B88E1A96-A68C-4ED7-8535-7FE27C72D2F0}" type="slidenum">
               <a:rPr lang="en-GB" smtClean="0"/>
-              <a:t>56</a:t>
+              <a:t>57</a:t>
             </a:fld>
             <a:endParaRPr lang="en-GB"/>
           </a:p>
@@ -3384,7 +3374,7 @@
           <a:p>
             <a:fld id="{B88E1A96-A68C-4ED7-8535-7FE27C72D2F0}" type="slidenum">
               <a:rPr lang="en-GB" smtClean="0"/>
-              <a:t>57</a:t>
+              <a:t>58</a:t>
             </a:fld>
             <a:endParaRPr lang="en-GB"/>
           </a:p>
@@ -3468,7 +3458,7 @@
           <a:p>
             <a:fld id="{B88E1A96-A68C-4ED7-8535-7FE27C72D2F0}" type="slidenum">
               <a:rPr lang="en-GB" smtClean="0"/>
-              <a:t>59</a:t>
+              <a:t>60</a:t>
             </a:fld>
             <a:endParaRPr lang="en-GB"/>
           </a:p>
@@ -3588,7 +3578,7 @@
           <a:p>
             <a:fld id="{B88E1A96-A68C-4ED7-8535-7FE27C72D2F0}" type="slidenum">
               <a:rPr lang="en-GB" smtClean="0"/>
-              <a:t>61</a:t>
+              <a:t>62</a:t>
             </a:fld>
             <a:endParaRPr lang="en-GB"/>
           </a:p>
@@ -7149,7 +7139,11 @@
             </a:br>
             <a:r>
               <a:rPr lang="en-GB" sz="3200" dirty="0" smtClean="0"/>
-              <a:t>Picking A Database for .NET</a:t>
+              <a:t>Data Storage Options </a:t>
+            </a:r>
+            <a:r>
+              <a:rPr lang="en-GB" sz="3200" dirty="0" smtClean="0"/>
+              <a:t>for .NET</a:t>
             </a:r>
             <a:endParaRPr lang="en-GB" sz="3200" dirty="0"/>
           </a:p>
@@ -10283,16 +10277,26 @@
             </a:r>
             <a:r>
               <a:rPr lang="en-GB" dirty="0" smtClean="0"/>
-              <a:t> – increased complexity of architecture/ programming model</a:t>
-            </a:r>
-          </a:p>
-          <a:p>
+              <a:t> – increased complexity of architecture/ programming </a:t>
+            </a:r>
+            <a:r>
+              <a:rPr lang="en-GB" dirty="0" smtClean="0"/>
+              <a:t>model</a:t>
+            </a:r>
+          </a:p>
+          <a:p>
+            <a:pPr lvl="1"/>
             <a:endParaRPr lang="en-GB" dirty="0" smtClean="0"/>
           </a:p>
           <a:p>
-            <a:r>
-              <a:rPr lang="en-GB" dirty="0" smtClean="0"/>
-              <a:t>Especially challenging for data storage</a:t>
+            <a:pPr lvl="1"/>
+            <a:r>
+              <a:rPr lang="en-GB" dirty="0" smtClean="0"/>
+              <a:t>Especially </a:t>
+            </a:r>
+            <a:r>
+              <a:rPr lang="en-GB" dirty="0" smtClean="0"/>
+              <a:t>challenging for data storage</a:t>
             </a:r>
           </a:p>
         </p:txBody>
@@ -12839,16 +12843,6 @@
         <p:txBody>
           <a:bodyPr/>
           <a:lstStyle/>
-          <a:p>
-            <a:r>
-              <a:rPr lang="en-GB" b="1" u="sng" dirty="0" smtClean="0"/>
-              <a:t>NOT</a:t>
-            </a:r>
-            <a:r>
-              <a:rPr lang="en-GB" dirty="0" smtClean="0"/>
-              <a:t> the same as ACID “Consistency”</a:t>
-            </a:r>
-          </a:p>
           <a:p>
             <a:endParaRPr lang="en-GB" dirty="0" smtClean="0"/>
           </a:p>
@@ -14626,8 +14620,17 @@
           <a:p>
             <a:r>
               <a:rPr lang="en-GB" sz="4000" dirty="0" smtClean="0"/>
-              <a:t>CP or AP?</a:t>
-            </a:r>
+              <a:t>Consistent (“CP”) </a:t>
+            </a:r>
+            <a:r>
+              <a:rPr lang="en-GB" sz="4000" dirty="0" smtClean="0"/>
+              <a:t>or </a:t>
+            </a:r>
+            <a:r>
+              <a:rPr lang="en-GB" sz="4000" dirty="0" smtClean="0"/>
+              <a:t>Available (“AP”)?</a:t>
+            </a:r>
+            <a:endParaRPr lang="en-GB" sz="4000" dirty="0" smtClean="0"/>
           </a:p>
           <a:p>
             <a:endParaRPr lang="en-GB" sz="4000" dirty="0"/>
@@ -14722,7 +14725,7 @@
         <p:spPr/>
         <p:txBody>
           <a:bodyPr>
-            <a:normAutofit lnSpcReduction="10000"/>
+            <a:normAutofit fontScale="92500" lnSpcReduction="10000"/>
           </a:bodyPr>
           <a:lstStyle/>
           <a:p>
@@ -14746,20 +14749,31 @@
           <a:p>
             <a:r>
               <a:rPr lang="en-GB" dirty="0" smtClean="0"/>
-              <a:t>Practical code examples!</a:t>
-            </a:r>
+              <a:t>Lots of code </a:t>
+            </a:r>
+            <a:r>
+              <a:rPr lang="en-GB" dirty="0" smtClean="0"/>
+              <a:t>examples</a:t>
+            </a:r>
+            <a:r>
+              <a:rPr lang="en-GB" dirty="0" smtClean="0"/>
+              <a:t>!</a:t>
+            </a:r>
+          </a:p>
+          <a:p>
+            <a:endParaRPr lang="en-GB" dirty="0" smtClean="0"/>
           </a:p>
           <a:p>
             <a:pPr marL="0" lvl="1" indent="0" algn="r">
               <a:buNone/>
             </a:pPr>
             <a:r>
-              <a:rPr lang="en-GB" sz="2600" dirty="0" smtClean="0">
+              <a:rPr lang="en-GB" sz="2200" i="1" dirty="0" smtClean="0">
                 <a:hlinkClick r:id="rId3"/>
               </a:rPr>
               <a:t>https://github.com/alexdgarland/database-demos</a:t>
             </a:r>
-            <a:endParaRPr lang="en-GB" sz="2600" dirty="0" smtClean="0"/>
+            <a:endParaRPr lang="en-GB" sz="2200" i="1" dirty="0" smtClean="0"/>
           </a:p>
           <a:p>
             <a:pPr marL="342900" lvl="1" indent="-342900">
@@ -14842,136 +14856,131 @@
             <p:ph type="title"/>
           </p:nvPr>
         </p:nvSpPr>
-        <p:spPr/>
-        <p:txBody>
-          <a:bodyPr>
-            <a:normAutofit fontScale="90000"/>
-          </a:bodyPr>
-          <a:lstStyle/>
-          <a:p>
-            <a:r>
-              <a:rPr lang="en-GB" dirty="0" smtClean="0"/>
-              <a:t>Another Data Model –</a:t>
-            </a:r>
-            <a:br>
-              <a:rPr lang="en-GB" dirty="0" smtClean="0"/>
-            </a:br>
-            <a:r>
-              <a:rPr lang="en-GB" dirty="0" smtClean="0"/>
-              <a:t>Document Databases</a:t>
-            </a:r>
-            <a:endParaRPr lang="en-GB" dirty="0"/>
-          </a:p>
-        </p:txBody>
-      </p:sp>
-      <p:sp>
-        <p:nvSpPr>
-          <p:cNvPr id="3" name="Content Placeholder 2"/>
-          <p:cNvSpPr>
-            <a:spLocks noGrp="1"/>
-          </p:cNvSpPr>
-          <p:nvPr>
-            <p:ph idx="1"/>
-          </p:nvPr>
-        </p:nvSpPr>
         <p:spPr>
           <a:xfrm>
-            <a:off x="457200" y="1772816"/>
-            <a:ext cx="8229600" cy="4353347"/>
+            <a:off x="457200" y="274638"/>
+            <a:ext cx="8229600" cy="850106"/>
           </a:xfrm>
         </p:spPr>
         <p:txBody>
           <a:bodyPr>
-            <a:normAutofit fontScale="77500" lnSpcReduction="20000"/>
+            <a:normAutofit/>
           </a:bodyPr>
           <a:lstStyle/>
           <a:p>
             <a:r>
               <a:rPr lang="en-GB" dirty="0" smtClean="0"/>
-              <a:t>Store data as JSON documents</a:t>
-            </a:r>
-          </a:p>
-          <a:p>
-            <a:pPr marL="0" indent="0">
-              <a:buNone/>
-            </a:pPr>
+              <a:t>Document </a:t>
+            </a:r>
+            <a:r>
+              <a:rPr lang="en-GB" dirty="0" smtClean="0"/>
+              <a:t>Databases</a:t>
+            </a:r>
             <a:endParaRPr lang="en-GB" dirty="0"/>
           </a:p>
-          <a:p>
-            <a:r>
-              <a:rPr lang="en-GB" dirty="0" smtClean="0"/>
-              <a:t>Straightforward, flexible object storage</a:t>
-            </a:r>
-          </a:p>
-          <a:p>
+        </p:txBody>
+      </p:sp>
+      <p:sp>
+        <p:nvSpPr>
+          <p:cNvPr id="3" name="Content Placeholder 2"/>
+          <p:cNvSpPr>
+            <a:spLocks noGrp="1"/>
+          </p:cNvSpPr>
+          <p:nvPr>
+            <p:ph idx="1"/>
+          </p:nvPr>
+        </p:nvSpPr>
+        <p:spPr>
+          <a:xfrm>
+            <a:off x="457200" y="1340768"/>
+            <a:ext cx="8229600" cy="4785395"/>
+          </a:xfrm>
+        </p:spPr>
+        <p:txBody>
+          <a:bodyPr>
+            <a:normAutofit/>
+          </a:bodyPr>
+          <a:lstStyle/>
+          <a:p>
+            <a:r>
+              <a:rPr lang="en-GB" dirty="0" smtClean="0"/>
+              <a:t>Store data as JSON </a:t>
+            </a:r>
+            <a:r>
+              <a:rPr lang="en-GB" dirty="0" smtClean="0"/>
+              <a:t>documents</a:t>
+            </a:r>
             <a:endParaRPr lang="en-GB" dirty="0"/>
-          </a:p>
-          <a:p>
-            <a:r>
-              <a:rPr lang="en-GB" dirty="0" smtClean="0"/>
-              <a:t>Less good at:</a:t>
-            </a:r>
-          </a:p>
-          <a:p>
-            <a:pPr marL="0" indent="0">
-              <a:buNone/>
-            </a:pPr>
-            <a:endParaRPr lang="en-GB" dirty="0" smtClean="0"/>
-          </a:p>
-          <a:p>
-            <a:pPr lvl="1"/>
-            <a:r>
-              <a:rPr lang="en-GB" dirty="0" smtClean="0"/>
-              <a:t>Protecting data integrity</a:t>
-            </a:r>
-          </a:p>
-          <a:p>
-            <a:pPr lvl="1"/>
-            <a:r>
-              <a:rPr lang="en-GB" dirty="0" smtClean="0"/>
-              <a:t>Summary queries</a:t>
-            </a:r>
-          </a:p>
-          <a:p>
-            <a:endParaRPr lang="en-GB" dirty="0" smtClean="0"/>
-          </a:p>
-          <a:p>
-            <a:r>
-              <a:rPr lang="en-GB" dirty="0" smtClean="0"/>
-              <a:t>Different </a:t>
-            </a:r>
-            <a:r>
-              <a:rPr lang="en-GB" dirty="0"/>
-              <a:t>CAP trade-offs</a:t>
-            </a:r>
-          </a:p>
-          <a:p>
-            <a:pPr lvl="1"/>
-            <a:r>
-              <a:rPr lang="en-GB" dirty="0"/>
-              <a:t>e.g. </a:t>
-            </a:r>
-            <a:r>
-              <a:rPr lang="en-GB" dirty="0" err="1"/>
-              <a:t>CouchDB</a:t>
-            </a:r>
-            <a:r>
-              <a:rPr lang="en-GB" dirty="0"/>
-              <a:t> (AP), MongoDB (CP)</a:t>
-            </a:r>
           </a:p>
           <a:p>
             <a:pPr lvl="1"/>
             <a:endParaRPr lang="en-GB" dirty="0" smtClean="0"/>
           </a:p>
           <a:p>
+            <a:pPr lvl="1"/>
+            <a:r>
+              <a:rPr lang="en-GB" dirty="0" smtClean="0"/>
+              <a:t>Straightforward</a:t>
+            </a:r>
+            <a:r>
+              <a:rPr lang="en-GB" dirty="0" smtClean="0"/>
+              <a:t>, flexible object storage</a:t>
+            </a:r>
+          </a:p>
+          <a:p>
+            <a:endParaRPr lang="en-GB" dirty="0" smtClean="0"/>
+          </a:p>
+          <a:p>
+            <a:endParaRPr lang="en-GB" dirty="0" smtClean="0"/>
+          </a:p>
+          <a:p>
             <a:endParaRPr lang="en-GB" dirty="0"/>
           </a:p>
           <a:p>
             <a:endParaRPr lang="en-GB" dirty="0"/>
           </a:p>
-        </p:txBody>
-      </p:sp>
+          <a:p>
+            <a:pPr lvl="1"/>
+            <a:endParaRPr lang="en-GB" dirty="0" smtClean="0"/>
+          </a:p>
+          <a:p>
+            <a:endParaRPr lang="en-GB" dirty="0"/>
+          </a:p>
+          <a:p>
+            <a:endParaRPr lang="en-GB" dirty="0"/>
+          </a:p>
+        </p:txBody>
+      </p:sp>
+      <p:pic>
+        <p:nvPicPr>
+          <p:cNvPr id="4" name="Picture 3"/>
+          <p:cNvPicPr>
+            <a:picLocks noChangeAspect="1"/>
+          </p:cNvPicPr>
+          <p:nvPr/>
+        </p:nvPicPr>
+        <p:blipFill>
+          <a:blip r:embed="rId2">
+            <a:extLst>
+              <a:ext uri="{28A0092B-C50C-407E-A947-70E740481C1C}">
+                <a14:useLocalDpi xmlns:a14="http://schemas.microsoft.com/office/drawing/2010/main" val="0"/>
+              </a:ext>
+            </a:extLst>
+          </a:blip>
+          <a:stretch>
+            <a:fillRect/>
+          </a:stretch>
+        </p:blipFill>
+        <p:spPr>
+          <a:xfrm>
+            <a:off x="700682" y="3212976"/>
+            <a:ext cx="7159887" cy="2520280"/>
+          </a:xfrm>
+          <a:prstGeom prst="rect">
+            <a:avLst/>
+          </a:prstGeom>
+        </p:spPr>
+      </p:pic>
     </p:spTree>
     <p:extLst>
       <p:ext uri="{BB962C8B-B14F-4D97-AF65-F5344CB8AC3E}">
@@ -14993,6 +15002,201 @@
 </file>
 
 <file path=ppt/slides/slide31.xml><?xml version="1.0" encoding="utf-8"?>
+<p:sld xmlns:a="http://schemas.openxmlformats.org/drawingml/2006/main" xmlns:r="http://schemas.openxmlformats.org/officeDocument/2006/relationships" xmlns:p="http://schemas.openxmlformats.org/presentationml/2006/main">
+  <p:cSld>
+    <p:bg>
+      <p:bgPr>
+        <a:solidFill>
+          <a:schemeClr val="bg1"/>
+        </a:solidFill>
+        <a:effectLst/>
+      </p:bgPr>
+    </p:bg>
+    <p:spTree>
+      <p:nvGrpSpPr>
+        <p:cNvPr id="1" name=""/>
+        <p:cNvGrpSpPr/>
+        <p:nvPr/>
+      </p:nvGrpSpPr>
+      <p:grpSpPr>
+        <a:xfrm>
+          <a:off x="0" y="0"/>
+          <a:ext cx="0" cy="0"/>
+          <a:chOff x="0" y="0"/>
+          <a:chExt cx="0" cy="0"/>
+        </a:xfrm>
+      </p:grpSpPr>
+      <p:sp>
+        <p:nvSpPr>
+          <p:cNvPr id="2" name="Title 1"/>
+          <p:cNvSpPr>
+            <a:spLocks noGrp="1"/>
+          </p:cNvSpPr>
+          <p:nvPr>
+            <p:ph type="title"/>
+          </p:nvPr>
+        </p:nvSpPr>
+        <p:spPr>
+          <a:xfrm>
+            <a:off x="457200" y="274638"/>
+            <a:ext cx="8229600" cy="850106"/>
+          </a:xfrm>
+        </p:spPr>
+        <p:txBody>
+          <a:bodyPr>
+            <a:normAutofit/>
+          </a:bodyPr>
+          <a:lstStyle/>
+          <a:p>
+            <a:r>
+              <a:rPr lang="en-GB" dirty="0" smtClean="0"/>
+              <a:t>Document </a:t>
+            </a:r>
+            <a:r>
+              <a:rPr lang="en-GB" dirty="0" smtClean="0"/>
+              <a:t>Databases</a:t>
+            </a:r>
+            <a:endParaRPr lang="en-GB" dirty="0"/>
+          </a:p>
+        </p:txBody>
+      </p:sp>
+      <p:sp>
+        <p:nvSpPr>
+          <p:cNvPr id="3" name="Content Placeholder 2"/>
+          <p:cNvSpPr>
+            <a:spLocks noGrp="1"/>
+          </p:cNvSpPr>
+          <p:nvPr>
+            <p:ph idx="1"/>
+          </p:nvPr>
+        </p:nvSpPr>
+        <p:spPr>
+          <a:xfrm>
+            <a:off x="457200" y="1340768"/>
+            <a:ext cx="8229600" cy="4785395"/>
+          </a:xfrm>
+        </p:spPr>
+        <p:txBody>
+          <a:bodyPr>
+            <a:normAutofit/>
+          </a:bodyPr>
+          <a:lstStyle/>
+          <a:p>
+            <a:r>
+              <a:rPr lang="en-GB" dirty="0" smtClean="0"/>
+              <a:t>Less </a:t>
+            </a:r>
+            <a:r>
+              <a:rPr lang="en-GB" dirty="0" smtClean="0"/>
+              <a:t>good at</a:t>
+            </a:r>
+            <a:r>
+              <a:rPr lang="en-GB" dirty="0" smtClean="0"/>
+              <a:t>:</a:t>
+            </a:r>
+            <a:endParaRPr lang="en-GB" dirty="0" smtClean="0"/>
+          </a:p>
+          <a:p>
+            <a:pPr lvl="1"/>
+            <a:r>
+              <a:rPr lang="en-GB" dirty="0" smtClean="0"/>
+              <a:t>Protecting data integrity</a:t>
+            </a:r>
+          </a:p>
+          <a:p>
+            <a:pPr lvl="1"/>
+            <a:r>
+              <a:rPr lang="en-GB" dirty="0" smtClean="0"/>
+              <a:t>Summary queries</a:t>
+            </a:r>
+          </a:p>
+          <a:p>
+            <a:endParaRPr lang="en-GB" dirty="0" smtClean="0"/>
+          </a:p>
+          <a:p>
+            <a:r>
+              <a:rPr lang="en-GB" dirty="0" smtClean="0"/>
+              <a:t>Different </a:t>
+            </a:r>
+            <a:r>
+              <a:rPr lang="en-GB" dirty="0"/>
+              <a:t>CAP </a:t>
+            </a:r>
+            <a:r>
+              <a:rPr lang="en-GB" dirty="0" smtClean="0"/>
+              <a:t>trade-offs</a:t>
+            </a:r>
+          </a:p>
+          <a:p>
+            <a:pPr lvl="1"/>
+            <a:r>
+              <a:rPr lang="en-GB" dirty="0" smtClean="0"/>
+              <a:t>e.g.</a:t>
+            </a:r>
+          </a:p>
+          <a:p>
+            <a:pPr lvl="2"/>
+            <a:r>
+              <a:rPr lang="en-GB" dirty="0" err="1" smtClean="0"/>
+              <a:t>CouchDB</a:t>
+            </a:r>
+            <a:r>
+              <a:rPr lang="en-GB" dirty="0" smtClean="0"/>
+              <a:t> </a:t>
+            </a:r>
+            <a:r>
+              <a:rPr lang="en-GB" dirty="0"/>
+              <a:t>(</a:t>
+            </a:r>
+            <a:r>
+              <a:rPr lang="en-GB" dirty="0" smtClean="0"/>
+              <a:t>AP)</a:t>
+            </a:r>
+          </a:p>
+          <a:p>
+            <a:pPr lvl="2"/>
+            <a:r>
+              <a:rPr lang="en-GB" dirty="0" smtClean="0"/>
+              <a:t>MongoDB </a:t>
+            </a:r>
+            <a:r>
+              <a:rPr lang="en-GB" dirty="0"/>
+              <a:t>(CP)</a:t>
+            </a:r>
+          </a:p>
+          <a:p>
+            <a:pPr lvl="1"/>
+            <a:endParaRPr lang="en-GB" dirty="0" smtClean="0"/>
+          </a:p>
+          <a:p>
+            <a:endParaRPr lang="en-GB" dirty="0"/>
+          </a:p>
+          <a:p>
+            <a:endParaRPr lang="en-GB" dirty="0"/>
+          </a:p>
+        </p:txBody>
+      </p:sp>
+    </p:spTree>
+    <p:extLst>
+      <p:ext uri="{BB962C8B-B14F-4D97-AF65-F5344CB8AC3E}">
+        <p14:creationId xmlns:p14="http://schemas.microsoft.com/office/powerpoint/2010/main" val="52318775"/>
+      </p:ext>
+    </p:extLst>
+  </p:cSld>
+  <p:clrMapOvr>
+    <a:masterClrMapping/>
+  </p:clrMapOvr>
+  <p:timing>
+    <p:tnLst>
+      <p:par>
+        <p:cTn id="1" dur="indefinite" restart="never" nodeType="tmRoot"/>
+      </p:par>
+    </p:tnLst>
+  </p:timing>
+</p:sld>
+</file>
+
+<file path=ppt/slides/slide32.xml><?xml version="1.0" encoding="utf-8"?>
 <p:sld xmlns:a="http://schemas.openxmlformats.org/drawingml/2006/main" xmlns:r="http://schemas.openxmlformats.org/officeDocument/2006/relationships" xmlns:p="http://schemas.openxmlformats.org/presentationml/2006/main">
   <p:cSld>
     <p:bg>
@@ -15140,93 +15344,6 @@
 </p:sld>
 </file>
 
-<file path=ppt/slides/slide32.xml><?xml version="1.0" encoding="utf-8"?>
-<p:sld xmlns:a="http://schemas.openxmlformats.org/drawingml/2006/main" xmlns:r="http://schemas.openxmlformats.org/officeDocument/2006/relationships" xmlns:p="http://schemas.openxmlformats.org/presentationml/2006/main">
-  <p:cSld>
-    <p:bg>
-      <p:bgPr>
-        <a:solidFill>
-          <a:schemeClr val="bg1"/>
-        </a:solidFill>
-        <a:effectLst/>
-      </p:bgPr>
-    </p:bg>
-    <p:spTree>
-      <p:nvGrpSpPr>
-        <p:cNvPr id="1" name=""/>
-        <p:cNvGrpSpPr/>
-        <p:nvPr/>
-      </p:nvGrpSpPr>
-      <p:grpSpPr>
-        <a:xfrm>
-          <a:off x="0" y="0"/>
-          <a:ext cx="0" cy="0"/>
-          <a:chOff x="0" y="0"/>
-          <a:chExt cx="0" cy="0"/>
-        </a:xfrm>
-      </p:grpSpPr>
-      <p:sp>
-        <p:nvSpPr>
-          <p:cNvPr id="2" name="Title 1"/>
-          <p:cNvSpPr>
-            <a:spLocks noGrp="1"/>
-          </p:cNvSpPr>
-          <p:nvPr>
-            <p:ph type="ctrTitle"/>
-          </p:nvPr>
-        </p:nvSpPr>
-        <p:spPr/>
-        <p:txBody>
-          <a:bodyPr/>
-          <a:lstStyle/>
-          <a:p>
-            <a:r>
-              <a:rPr lang="en-GB" dirty="0" smtClean="0"/>
-              <a:t>(MongoDB Demo)</a:t>
-            </a:r>
-            <a:endParaRPr lang="en-GB" dirty="0"/>
-          </a:p>
-        </p:txBody>
-      </p:sp>
-      <p:sp>
-        <p:nvSpPr>
-          <p:cNvPr id="3" name="Subtitle 2"/>
-          <p:cNvSpPr>
-            <a:spLocks noGrp="1"/>
-          </p:cNvSpPr>
-          <p:nvPr>
-            <p:ph type="subTitle" idx="1"/>
-          </p:nvPr>
-        </p:nvSpPr>
-        <p:spPr/>
-        <p:txBody>
-          <a:bodyPr/>
-          <a:lstStyle/>
-          <a:p>
-            <a:endParaRPr lang="en-GB"/>
-          </a:p>
-        </p:txBody>
-      </p:sp>
-    </p:spTree>
-    <p:extLst>
-      <p:ext uri="{BB962C8B-B14F-4D97-AF65-F5344CB8AC3E}">
-        <p14:creationId xmlns:p14="http://schemas.microsoft.com/office/powerpoint/2010/main" val="1942119000"/>
-      </p:ext>
-    </p:extLst>
-  </p:cSld>
-  <p:clrMapOvr>
-    <a:masterClrMapping/>
-  </p:clrMapOvr>
-  <p:timing>
-    <p:tnLst>
-      <p:par>
-        <p:cTn id="1" dur="indefinite" restart="never" nodeType="tmRoot"/>
-      </p:par>
-    </p:tnLst>
-  </p:timing>
-</p:sld>
-</file>
-
 <file path=ppt/slides/slide33.xml><?xml version="1.0" encoding="utf-8"?>
 <p:sld xmlns:a="http://schemas.openxmlformats.org/drawingml/2006/main" xmlns:r="http://schemas.openxmlformats.org/officeDocument/2006/relationships" xmlns:p="http://schemas.openxmlformats.org/presentationml/2006/main">
   <p:cSld>
@@ -15259,7 +15376,7 @@
             <a:spLocks noGrp="1"/>
           </p:cNvSpPr>
           <p:nvPr>
-            <p:ph type="title"/>
+            <p:ph type="ctrTitle"/>
           </p:nvPr>
         </p:nvSpPr>
         <p:spPr/>
@@ -15269,15 +15386,7 @@
           <a:p>
             <a:r>
               <a:rPr lang="en-GB" dirty="0" smtClean="0"/>
-              <a:t>“AP” Systems – </a:t>
-            </a:r>
-            <a:r>
-              <a:rPr lang="en-GB" dirty="0" err="1" smtClean="0"/>
-              <a:t>Riak</a:t>
-            </a:r>
-            <a:r>
-              <a:rPr lang="en-GB" dirty="0" smtClean="0"/>
-              <a:t> &amp; Cassandra</a:t>
+              <a:t>(MongoDB Demo)</a:t>
             </a:r>
             <a:endParaRPr lang="en-GB" dirty="0"/>
           </a:p>
@@ -15285,12 +15394,12 @@
       </p:sp>
       <p:sp>
         <p:nvSpPr>
-          <p:cNvPr id="3" name="Content Placeholder 2"/>
-          <p:cNvSpPr>
-            <a:spLocks noGrp="1"/>
-          </p:cNvSpPr>
-          <p:nvPr>
-            <p:ph idx="1"/>
+          <p:cNvPr id="3" name="Subtitle 2"/>
+          <p:cNvSpPr>
+            <a:spLocks noGrp="1"/>
+          </p:cNvSpPr>
+          <p:nvPr>
+            <p:ph type="subTitle" idx="1"/>
           </p:nvPr>
         </p:nvSpPr>
         <p:spPr/>
@@ -15298,39 +15407,14 @@
           <a:bodyPr/>
           <a:lstStyle/>
           <a:p>
-            <a:r>
-              <a:rPr lang="en-GB" dirty="0" smtClean="0"/>
-              <a:t>“Aggregate” data models – avoid joins</a:t>
-            </a:r>
-          </a:p>
-          <a:p>
-            <a:endParaRPr lang="en-GB" dirty="0" smtClean="0"/>
-          </a:p>
-          <a:p>
-            <a:r>
-              <a:rPr lang="en-GB" dirty="0" smtClean="0"/>
-              <a:t>Highly optimised for availability</a:t>
-            </a:r>
-          </a:p>
-          <a:p>
-            <a:endParaRPr lang="en-GB" dirty="0"/>
-          </a:p>
-          <a:p>
-            <a:r>
-              <a:rPr lang="en-GB" dirty="0" err="1" smtClean="0"/>
-              <a:t>Tunable</a:t>
-            </a:r>
-            <a:r>
-              <a:rPr lang="en-GB" dirty="0" smtClean="0"/>
-              <a:t> AP/ CP trade-offs</a:t>
-            </a:r>
+            <a:endParaRPr lang="en-GB"/>
           </a:p>
         </p:txBody>
       </p:sp>
     </p:spTree>
     <p:extLst>
       <p:ext uri="{BB962C8B-B14F-4D97-AF65-F5344CB8AC3E}">
-        <p14:creationId xmlns:p14="http://schemas.microsoft.com/office/powerpoint/2010/main" val="2924640553"/>
+        <p14:creationId xmlns:p14="http://schemas.microsoft.com/office/powerpoint/2010/main" val="1942119000"/>
       </p:ext>
     </p:extLst>
   </p:cSld>
@@ -15389,78 +15473,64 @@
           <a:p>
             <a:r>
               <a:rPr lang="en-GB" dirty="0" smtClean="0"/>
-              <a:t>The Ring Model</a:t>
+              <a:t>“AP” Systems – </a:t>
+            </a:r>
+            <a:r>
+              <a:rPr lang="en-GB" dirty="0" err="1" smtClean="0"/>
+              <a:t>Riak</a:t>
+            </a:r>
+            <a:r>
+              <a:rPr lang="en-GB" dirty="0" smtClean="0"/>
+              <a:t> &amp; Cassandra</a:t>
             </a:r>
             <a:endParaRPr lang="en-GB" dirty="0"/>
           </a:p>
         </p:txBody>
       </p:sp>
-      <p:pic>
-        <p:nvPicPr>
-          <p:cNvPr id="4" name="Content Placeholder 3"/>
-          <p:cNvPicPr>
-            <a:picLocks noGrp="1" noChangeAspect="1"/>
-          </p:cNvPicPr>
+      <p:sp>
+        <p:nvSpPr>
+          <p:cNvPr id="3" name="Content Placeholder 2"/>
+          <p:cNvSpPr>
+            <a:spLocks noGrp="1"/>
+          </p:cNvSpPr>
           <p:nvPr>
             <p:ph idx="1"/>
           </p:nvPr>
-        </p:nvPicPr>
-        <p:blipFill>
-          <a:blip r:embed="rId3">
-            <a:extLst>
-              <a:ext uri="{28A0092B-C50C-407E-A947-70E740481C1C}">
-                <a14:useLocalDpi xmlns:a14="http://schemas.microsoft.com/office/drawing/2010/main" val="0"/>
-              </a:ext>
-            </a:extLst>
-          </a:blip>
-          <a:stretch>
-            <a:fillRect/>
-          </a:stretch>
-        </p:blipFill>
-        <p:spPr>
-          <a:xfrm>
-            <a:off x="1403648" y="1412776"/>
-            <a:ext cx="5897548" cy="4032449"/>
-          </a:xfrm>
-        </p:spPr>
-      </p:pic>
-      <p:sp>
-        <p:nvSpPr>
-          <p:cNvPr id="5" name="TextBox 4"/>
-          <p:cNvSpPr txBox="1"/>
-          <p:nvPr/>
-        </p:nvSpPr>
-        <p:spPr>
-          <a:xfrm>
-            <a:off x="1259632" y="5733256"/>
-            <a:ext cx="5904656" cy="369332"/>
-          </a:xfrm>
-          <a:prstGeom prst="rect">
-            <a:avLst/>
-          </a:prstGeom>
-          <a:noFill/>
-        </p:spPr>
-        <p:txBody>
-          <a:bodyPr wrap="square" rtlCol="0">
-            <a:spAutoFit/>
-          </a:bodyPr>
-          <a:lstStyle/>
-          <a:p>
-            <a:r>
-              <a:rPr lang="en-GB" dirty="0">
-                <a:hlinkClick r:id="rId4"/>
-              </a:rPr>
-              <a:t>http://docs.basho.com/riak/latest/theory/concepts</a:t>
-            </a:r>
-            <a:r>
-              <a:rPr lang="en-GB" dirty="0" smtClean="0">
-                <a:hlinkClick r:id="rId4"/>
-              </a:rPr>
-              <a:t>/</a:t>
-            </a:r>
-            <a:r>
-              <a:rPr lang="en-GB" dirty="0" smtClean="0"/>
-              <a:t> </a:t>
+        </p:nvSpPr>
+        <p:spPr/>
+        <p:txBody>
+          <a:bodyPr/>
+          <a:lstStyle/>
+          <a:p>
+            <a:r>
+              <a:rPr lang="en-GB" dirty="0" smtClean="0"/>
+              <a:t>Also “Aggregate</a:t>
+            </a:r>
+            <a:r>
+              <a:rPr lang="en-GB" dirty="0" smtClean="0"/>
+              <a:t>” data models – avoid joins</a:t>
+            </a:r>
+          </a:p>
+          <a:p>
+            <a:endParaRPr lang="en-GB" dirty="0" smtClean="0"/>
+          </a:p>
+          <a:p>
+            <a:r>
+              <a:rPr lang="en-GB" dirty="0" smtClean="0"/>
+              <a:t>Highly optimised for availability</a:t>
+            </a:r>
+          </a:p>
+          <a:p>
+            <a:endParaRPr lang="en-GB" dirty="0"/>
+          </a:p>
+          <a:p>
+            <a:r>
+              <a:rPr lang="en-GB" dirty="0" err="1" smtClean="0"/>
+              <a:t>Tunable</a:t>
+            </a:r>
+            <a:r>
+              <a:rPr lang="en-GB" dirty="0" smtClean="0"/>
+              <a:t> AP/ CP trade-offs</a:t>
             </a:r>
           </a:p>
         </p:txBody>
@@ -15468,7 +15538,7 @@
     </p:spTree>
     <p:extLst>
       <p:ext uri="{BB962C8B-B14F-4D97-AF65-F5344CB8AC3E}">
-        <p14:creationId xmlns:p14="http://schemas.microsoft.com/office/powerpoint/2010/main" val="2499050060"/>
+        <p14:creationId xmlns:p14="http://schemas.microsoft.com/office/powerpoint/2010/main" val="2924640553"/>
       </p:ext>
     </p:extLst>
   </p:cSld>
@@ -15526,6 +15596,144 @@
           <a:lstStyle/>
           <a:p>
             <a:r>
+              <a:rPr lang="en-GB" dirty="0" smtClean="0"/>
+              <a:t>The Ring Model</a:t>
+            </a:r>
+            <a:endParaRPr lang="en-GB" dirty="0"/>
+          </a:p>
+        </p:txBody>
+      </p:sp>
+      <p:pic>
+        <p:nvPicPr>
+          <p:cNvPr id="4" name="Content Placeholder 3"/>
+          <p:cNvPicPr>
+            <a:picLocks noGrp="1" noChangeAspect="1"/>
+          </p:cNvPicPr>
+          <p:nvPr>
+            <p:ph idx="1"/>
+          </p:nvPr>
+        </p:nvPicPr>
+        <p:blipFill>
+          <a:blip r:embed="rId3">
+            <a:extLst>
+              <a:ext uri="{28A0092B-C50C-407E-A947-70E740481C1C}">
+                <a14:useLocalDpi xmlns:a14="http://schemas.microsoft.com/office/drawing/2010/main" val="0"/>
+              </a:ext>
+            </a:extLst>
+          </a:blip>
+          <a:stretch>
+            <a:fillRect/>
+          </a:stretch>
+        </p:blipFill>
+        <p:spPr>
+          <a:xfrm>
+            <a:off x="1403648" y="1412776"/>
+            <a:ext cx="5897548" cy="4032449"/>
+          </a:xfrm>
+        </p:spPr>
+      </p:pic>
+      <p:sp>
+        <p:nvSpPr>
+          <p:cNvPr id="5" name="TextBox 4"/>
+          <p:cNvSpPr txBox="1"/>
+          <p:nvPr/>
+        </p:nvSpPr>
+        <p:spPr>
+          <a:xfrm>
+            <a:off x="1259632" y="5733256"/>
+            <a:ext cx="5904656" cy="369332"/>
+          </a:xfrm>
+          <a:prstGeom prst="rect">
+            <a:avLst/>
+          </a:prstGeom>
+          <a:noFill/>
+        </p:spPr>
+        <p:txBody>
+          <a:bodyPr wrap="square" rtlCol="0">
+            <a:spAutoFit/>
+          </a:bodyPr>
+          <a:lstStyle/>
+          <a:p>
+            <a:r>
+              <a:rPr lang="en-GB" dirty="0">
+                <a:hlinkClick r:id="rId4"/>
+              </a:rPr>
+              <a:t>http://docs.basho.com/riak/latest/theory/concepts</a:t>
+            </a:r>
+            <a:r>
+              <a:rPr lang="en-GB" dirty="0" smtClean="0">
+                <a:hlinkClick r:id="rId4"/>
+              </a:rPr>
+              <a:t>/</a:t>
+            </a:r>
+            <a:r>
+              <a:rPr lang="en-GB" dirty="0" smtClean="0"/>
+              <a:t> </a:t>
+            </a:r>
+          </a:p>
+        </p:txBody>
+      </p:sp>
+    </p:spTree>
+    <p:extLst>
+      <p:ext uri="{BB962C8B-B14F-4D97-AF65-F5344CB8AC3E}">
+        <p14:creationId xmlns:p14="http://schemas.microsoft.com/office/powerpoint/2010/main" val="2499050060"/>
+      </p:ext>
+    </p:extLst>
+  </p:cSld>
+  <p:clrMapOvr>
+    <a:masterClrMapping/>
+  </p:clrMapOvr>
+  <p:timing>
+    <p:tnLst>
+      <p:par>
+        <p:cTn id="1" dur="indefinite" restart="never" nodeType="tmRoot"/>
+      </p:par>
+    </p:tnLst>
+  </p:timing>
+</p:sld>
+</file>
+
+<file path=ppt/slides/slide36.xml><?xml version="1.0" encoding="utf-8"?>
+<p:sld xmlns:a="http://schemas.openxmlformats.org/drawingml/2006/main" xmlns:r="http://schemas.openxmlformats.org/officeDocument/2006/relationships" xmlns:p="http://schemas.openxmlformats.org/presentationml/2006/main">
+  <p:cSld>
+    <p:bg>
+      <p:bgPr>
+        <a:solidFill>
+          <a:schemeClr val="bg1"/>
+        </a:solidFill>
+        <a:effectLst/>
+      </p:bgPr>
+    </p:bg>
+    <p:spTree>
+      <p:nvGrpSpPr>
+        <p:cNvPr id="1" name=""/>
+        <p:cNvGrpSpPr/>
+        <p:nvPr/>
+      </p:nvGrpSpPr>
+      <p:grpSpPr>
+        <a:xfrm>
+          <a:off x="0" y="0"/>
+          <a:ext cx="0" cy="0"/>
+          <a:chOff x="0" y="0"/>
+          <a:chExt cx="0" cy="0"/>
+        </a:xfrm>
+      </p:grpSpPr>
+      <p:sp>
+        <p:nvSpPr>
+          <p:cNvPr id="2" name="Title 1"/>
+          <p:cNvSpPr>
+            <a:spLocks noGrp="1"/>
+          </p:cNvSpPr>
+          <p:nvPr>
+            <p:ph type="title"/>
+          </p:nvPr>
+        </p:nvSpPr>
+        <p:spPr/>
+        <p:txBody>
+          <a:bodyPr/>
+          <a:lstStyle/>
+          <a:p>
+            <a:r>
               <a:rPr lang="en-GB" dirty="0" err="1" smtClean="0"/>
               <a:t>Tunable</a:t>
             </a:r>
@@ -15598,7 +15806,7 @@
 </p:sld>
 </file>
 
-<file path=ppt/slides/slide36.xml><?xml version="1.0" encoding="utf-8"?>
+<file path=ppt/slides/slide37.xml><?xml version="1.0" encoding="utf-8"?>
 <p:sld xmlns:a="http://schemas.openxmlformats.org/drawingml/2006/main" xmlns:r="http://schemas.openxmlformats.org/officeDocument/2006/relationships" xmlns:p="http://schemas.openxmlformats.org/presentationml/2006/main">
   <p:cSld>
     <p:bg>
@@ -16958,7 +17166,7 @@
 </p:sld>
 </file>
 
-<file path=ppt/slides/slide37.xml><?xml version="1.0" encoding="utf-8"?>
+<file path=ppt/slides/slide38.xml><?xml version="1.0" encoding="utf-8"?>
 <p:sld xmlns:a="http://schemas.openxmlformats.org/drawingml/2006/main" xmlns:r="http://schemas.openxmlformats.org/officeDocument/2006/relationships" xmlns:p="http://schemas.openxmlformats.org/presentationml/2006/main">
   <p:cSld>
     <p:bg>
@@ -17161,101 +17369,6 @@
 </p:sld>
 </file>
 
-<file path=ppt/slides/slide38.xml><?xml version="1.0" encoding="utf-8"?>
-<p:sld xmlns:a="http://schemas.openxmlformats.org/drawingml/2006/main" xmlns:r="http://schemas.openxmlformats.org/officeDocument/2006/relationships" xmlns:p="http://schemas.openxmlformats.org/presentationml/2006/main">
-  <p:cSld>
-    <p:bg>
-      <p:bgPr>
-        <a:solidFill>
-          <a:schemeClr val="bg1"/>
-        </a:solidFill>
-        <a:effectLst/>
-      </p:bgPr>
-    </p:bg>
-    <p:spTree>
-      <p:nvGrpSpPr>
-        <p:cNvPr id="1" name=""/>
-        <p:cNvGrpSpPr/>
-        <p:nvPr/>
-      </p:nvGrpSpPr>
-      <p:grpSpPr>
-        <a:xfrm>
-          <a:off x="0" y="0"/>
-          <a:ext cx="0" cy="0"/>
-          <a:chOff x="0" y="0"/>
-          <a:chExt cx="0" cy="0"/>
-        </a:xfrm>
-      </p:grpSpPr>
-      <p:sp>
-        <p:nvSpPr>
-          <p:cNvPr id="2" name="Title 1"/>
-          <p:cNvSpPr>
-            <a:spLocks noGrp="1"/>
-          </p:cNvSpPr>
-          <p:nvPr>
-            <p:ph type="ctrTitle"/>
-          </p:nvPr>
-        </p:nvSpPr>
-        <p:spPr/>
-        <p:txBody>
-          <a:bodyPr/>
-          <a:lstStyle/>
-          <a:p>
-            <a:r>
-              <a:rPr lang="en-GB" dirty="0" smtClean="0"/>
-              <a:t>(</a:t>
-            </a:r>
-            <a:r>
-              <a:rPr lang="en-GB" dirty="0" err="1" smtClean="0"/>
-              <a:t>Riak</a:t>
-            </a:r>
-            <a:r>
-              <a:rPr lang="en-GB" dirty="0" smtClean="0"/>
-              <a:t> Demo)</a:t>
-            </a:r>
-            <a:endParaRPr lang="en-GB" dirty="0"/>
-          </a:p>
-        </p:txBody>
-      </p:sp>
-      <p:sp>
-        <p:nvSpPr>
-          <p:cNvPr id="3" name="Subtitle 2"/>
-          <p:cNvSpPr>
-            <a:spLocks noGrp="1"/>
-          </p:cNvSpPr>
-          <p:nvPr>
-            <p:ph type="subTitle" idx="1"/>
-          </p:nvPr>
-        </p:nvSpPr>
-        <p:spPr/>
-        <p:txBody>
-          <a:bodyPr/>
-          <a:lstStyle/>
-          <a:p>
-            <a:endParaRPr lang="en-GB"/>
-          </a:p>
-        </p:txBody>
-      </p:sp>
-    </p:spTree>
-    <p:extLst>
-      <p:ext uri="{BB962C8B-B14F-4D97-AF65-F5344CB8AC3E}">
-        <p14:creationId xmlns:p14="http://schemas.microsoft.com/office/powerpoint/2010/main" val="113695456"/>
-      </p:ext>
-    </p:extLst>
-  </p:cSld>
-  <p:clrMapOvr>
-    <a:masterClrMapping/>
-  </p:clrMapOvr>
-  <p:timing>
-    <p:tnLst>
-      <p:par>
-        <p:cTn id="1" dur="indefinite" restart="never" nodeType="tmRoot"/>
-      </p:par>
-    </p:tnLst>
-  </p:timing>
-</p:sld>
-</file>
-
 <file path=ppt/slides/slide39.xml><?xml version="1.0" encoding="utf-8"?>
 <p:sld xmlns:a="http://schemas.openxmlformats.org/drawingml/2006/main" xmlns:r="http://schemas.openxmlformats.org/officeDocument/2006/relationships" xmlns:p="http://schemas.openxmlformats.org/presentationml/2006/main">
   <p:cSld>
@@ -17288,6 +17401,335 @@
             <a:spLocks noGrp="1"/>
           </p:cNvSpPr>
           <p:nvPr>
+            <p:ph type="ctrTitle"/>
+          </p:nvPr>
+        </p:nvSpPr>
+        <p:spPr/>
+        <p:txBody>
+          <a:bodyPr/>
+          <a:lstStyle/>
+          <a:p>
+            <a:r>
+              <a:rPr lang="en-GB" dirty="0" smtClean="0"/>
+              <a:t>(</a:t>
+            </a:r>
+            <a:r>
+              <a:rPr lang="en-GB" dirty="0" err="1" smtClean="0"/>
+              <a:t>Riak</a:t>
+            </a:r>
+            <a:r>
+              <a:rPr lang="en-GB" dirty="0" smtClean="0"/>
+              <a:t> Demo)</a:t>
+            </a:r>
+            <a:endParaRPr lang="en-GB" dirty="0"/>
+          </a:p>
+        </p:txBody>
+      </p:sp>
+      <p:sp>
+        <p:nvSpPr>
+          <p:cNvPr id="3" name="Subtitle 2"/>
+          <p:cNvSpPr>
+            <a:spLocks noGrp="1"/>
+          </p:cNvSpPr>
+          <p:nvPr>
+            <p:ph type="subTitle" idx="1"/>
+          </p:nvPr>
+        </p:nvSpPr>
+        <p:spPr/>
+        <p:txBody>
+          <a:bodyPr/>
+          <a:lstStyle/>
+          <a:p>
+            <a:endParaRPr lang="en-GB"/>
+          </a:p>
+        </p:txBody>
+      </p:sp>
+    </p:spTree>
+    <p:extLst>
+      <p:ext uri="{BB962C8B-B14F-4D97-AF65-F5344CB8AC3E}">
+        <p14:creationId xmlns:p14="http://schemas.microsoft.com/office/powerpoint/2010/main" val="113695456"/>
+      </p:ext>
+    </p:extLst>
+  </p:cSld>
+  <p:clrMapOvr>
+    <a:masterClrMapping/>
+  </p:clrMapOvr>
+  <p:timing>
+    <p:tnLst>
+      <p:par>
+        <p:cTn id="1" dur="indefinite" restart="never" nodeType="tmRoot"/>
+      </p:par>
+    </p:tnLst>
+  </p:timing>
+</p:sld>
+</file>
+
+<file path=ppt/slides/slide4.xml><?xml version="1.0" encoding="utf-8"?>
+<p:sld xmlns:a="http://schemas.openxmlformats.org/drawingml/2006/main" xmlns:r="http://schemas.openxmlformats.org/officeDocument/2006/relationships" xmlns:p="http://schemas.openxmlformats.org/presentationml/2006/main">
+  <p:cSld>
+    <p:bg>
+      <p:bgPr>
+        <a:solidFill>
+          <a:schemeClr val="bg1"/>
+        </a:solidFill>
+        <a:effectLst/>
+      </p:bgPr>
+    </p:bg>
+    <p:spTree>
+      <p:nvGrpSpPr>
+        <p:cNvPr id="1" name=""/>
+        <p:cNvGrpSpPr/>
+        <p:nvPr/>
+      </p:nvGrpSpPr>
+      <p:grpSpPr>
+        <a:xfrm>
+          <a:off x="0" y="0"/>
+          <a:ext cx="0" cy="0"/>
+          <a:chOff x="0" y="0"/>
+          <a:chExt cx="0" cy="0"/>
+        </a:xfrm>
+      </p:grpSpPr>
+      <p:sp>
+        <p:nvSpPr>
+          <p:cNvPr id="2" name="Title 1"/>
+          <p:cNvSpPr>
+            <a:spLocks noGrp="1"/>
+          </p:cNvSpPr>
+          <p:nvPr>
+            <p:ph type="title"/>
+          </p:nvPr>
+        </p:nvSpPr>
+        <p:spPr/>
+        <p:txBody>
+          <a:bodyPr/>
+          <a:lstStyle/>
+          <a:p>
+            <a:r>
+              <a:rPr lang="en-GB" dirty="0" smtClean="0"/>
+              <a:t>10 Years Ago</a:t>
+            </a:r>
+            <a:endParaRPr lang="en-GB" dirty="0"/>
+          </a:p>
+        </p:txBody>
+      </p:sp>
+      <p:pic>
+        <p:nvPicPr>
+          <p:cNvPr id="4" name="Content Placeholder 3"/>
+          <p:cNvPicPr>
+            <a:picLocks noGrp="1" noChangeAspect="1"/>
+          </p:cNvPicPr>
+          <p:nvPr>
+            <p:ph idx="1"/>
+          </p:nvPr>
+        </p:nvPicPr>
+        <p:blipFill>
+          <a:blip r:embed="rId3">
+            <a:extLst>
+              <a:ext uri="{28A0092B-C50C-407E-A947-70E740481C1C}">
+                <a14:useLocalDpi xmlns:a14="http://schemas.microsoft.com/office/drawing/2010/main" val="0"/>
+              </a:ext>
+            </a:extLst>
+          </a:blip>
+          <a:stretch>
+            <a:fillRect/>
+          </a:stretch>
+        </p:blipFill>
+        <p:spPr>
+          <a:xfrm>
+            <a:off x="1475656" y="2797644"/>
+            <a:ext cx="1512873" cy="1242548"/>
+          </a:xfrm>
+        </p:spPr>
+      </p:pic>
+      <p:pic>
+        <p:nvPicPr>
+          <p:cNvPr id="3" name="Picture 2"/>
+          <p:cNvPicPr>
+            <a:picLocks noChangeAspect="1"/>
+          </p:cNvPicPr>
+          <p:nvPr/>
+        </p:nvPicPr>
+        <p:blipFill>
+          <a:blip r:embed="rId4">
+            <a:extLst>
+              <a:ext uri="{28A0092B-C50C-407E-A947-70E740481C1C}">
+                <a14:useLocalDpi xmlns:a14="http://schemas.microsoft.com/office/drawing/2010/main" val="0"/>
+              </a:ext>
+            </a:extLst>
+          </a:blip>
+          <a:stretch>
+            <a:fillRect/>
+          </a:stretch>
+        </p:blipFill>
+        <p:spPr>
+          <a:xfrm>
+            <a:off x="4115852" y="2132856"/>
+            <a:ext cx="2112332" cy="2112332"/>
+          </a:xfrm>
+          <a:prstGeom prst="rect">
+            <a:avLst/>
+          </a:prstGeom>
+        </p:spPr>
+      </p:pic>
+      <p:pic>
+        <p:nvPicPr>
+          <p:cNvPr id="5" name="Picture 4"/>
+          <p:cNvPicPr>
+            <a:picLocks noChangeAspect="1"/>
+          </p:cNvPicPr>
+          <p:nvPr/>
+        </p:nvPicPr>
+        <p:blipFill>
+          <a:blip r:embed="rId5">
+            <a:extLst>
+              <a:ext uri="{28A0092B-C50C-407E-A947-70E740481C1C}">
+                <a14:useLocalDpi xmlns:a14="http://schemas.microsoft.com/office/drawing/2010/main" val="0"/>
+              </a:ext>
+            </a:extLst>
+          </a:blip>
+          <a:stretch>
+            <a:fillRect/>
+          </a:stretch>
+        </p:blipFill>
+        <p:spPr>
+          <a:xfrm>
+            <a:off x="2627784" y="4335316"/>
+            <a:ext cx="1829988" cy="1829988"/>
+          </a:xfrm>
+          <a:prstGeom prst="rect">
+            <a:avLst/>
+          </a:prstGeom>
+        </p:spPr>
+      </p:pic>
+      <p:pic>
+        <p:nvPicPr>
+          <p:cNvPr id="6" name="Picture 5"/>
+          <p:cNvPicPr>
+            <a:picLocks noChangeAspect="1"/>
+          </p:cNvPicPr>
+          <p:nvPr/>
+        </p:nvPicPr>
+        <p:blipFill>
+          <a:blip r:embed="rId6">
+            <a:extLst>
+              <a:ext uri="{28A0092B-C50C-407E-A947-70E740481C1C}">
+                <a14:useLocalDpi xmlns:a14="http://schemas.microsoft.com/office/drawing/2010/main" val="0"/>
+              </a:ext>
+            </a:extLst>
+          </a:blip>
+          <a:stretch>
+            <a:fillRect/>
+          </a:stretch>
+        </p:blipFill>
+        <p:spPr>
+          <a:xfrm>
+            <a:off x="6475198" y="3789040"/>
+            <a:ext cx="1553186" cy="1728192"/>
+          </a:xfrm>
+          <a:prstGeom prst="rect">
+            <a:avLst/>
+          </a:prstGeom>
+        </p:spPr>
+      </p:pic>
+      <p:sp>
+        <p:nvSpPr>
+          <p:cNvPr id="8" name="TextBox 7"/>
+          <p:cNvSpPr txBox="1"/>
+          <p:nvPr/>
+        </p:nvSpPr>
+        <p:spPr>
+          <a:xfrm>
+            <a:off x="611560" y="1702549"/>
+            <a:ext cx="8064896" cy="523220"/>
+          </a:xfrm>
+          <a:prstGeom prst="rect">
+            <a:avLst/>
+          </a:prstGeom>
+          <a:noFill/>
+        </p:spPr>
+        <p:txBody>
+          <a:bodyPr wrap="square" rtlCol="0">
+            <a:spAutoFit/>
+          </a:bodyPr>
+          <a:lstStyle/>
+          <a:p>
+            <a:pPr algn="ctr"/>
+            <a:r>
+              <a:rPr lang="en-GB" sz="2800" dirty="0" smtClean="0"/>
+              <a:t>Application/“OLTP”</a:t>
+            </a:r>
+            <a:r>
+              <a:rPr lang="en-GB" sz="2800" dirty="0"/>
+              <a:t>	</a:t>
+            </a:r>
+            <a:r>
+              <a:rPr lang="en-GB" sz="2800" dirty="0" smtClean="0"/>
+              <a:t>Data </a:t>
+            </a:r>
+            <a:r>
+              <a:rPr lang="en-GB" sz="2800" dirty="0"/>
+              <a:t>Warehouse/ “OLAP</a:t>
+            </a:r>
+            <a:r>
+              <a:rPr lang="en-GB" sz="2800" dirty="0" smtClean="0"/>
+              <a:t>”</a:t>
+            </a:r>
+            <a:endParaRPr lang="en-GB" sz="2800" dirty="0"/>
+          </a:p>
+        </p:txBody>
+      </p:sp>
+    </p:spTree>
+    <p:extLst>
+      <p:ext uri="{BB962C8B-B14F-4D97-AF65-F5344CB8AC3E}">
+        <p14:creationId xmlns:p14="http://schemas.microsoft.com/office/powerpoint/2010/main" val="2789532668"/>
+      </p:ext>
+    </p:extLst>
+  </p:cSld>
+  <p:clrMapOvr>
+    <a:masterClrMapping/>
+  </p:clrMapOvr>
+  <p:timing>
+    <p:tnLst>
+      <p:par>
+        <p:cTn id="1" dur="indefinite" restart="never" nodeType="tmRoot"/>
+      </p:par>
+    </p:tnLst>
+  </p:timing>
+</p:sld>
+</file>
+
+<file path=ppt/slides/slide40.xml><?xml version="1.0" encoding="utf-8"?>
+<p:sld xmlns:a="http://schemas.openxmlformats.org/drawingml/2006/main" xmlns:r="http://schemas.openxmlformats.org/officeDocument/2006/relationships" xmlns:p="http://schemas.openxmlformats.org/presentationml/2006/main">
+  <p:cSld>
+    <p:bg>
+      <p:bgPr>
+        <a:solidFill>
+          <a:schemeClr val="bg1"/>
+        </a:solidFill>
+        <a:effectLst/>
+      </p:bgPr>
+    </p:bg>
+    <p:spTree>
+      <p:nvGrpSpPr>
+        <p:cNvPr id="1" name=""/>
+        <p:cNvGrpSpPr/>
+        <p:nvPr/>
+      </p:nvGrpSpPr>
+      <p:grpSpPr>
+        <a:xfrm>
+          <a:off x="0" y="0"/>
+          <a:ext cx="0" cy="0"/>
+          <a:chOff x="0" y="0"/>
+          <a:chExt cx="0" cy="0"/>
+        </a:xfrm>
+      </p:grpSpPr>
+      <p:sp>
+        <p:nvSpPr>
+          <p:cNvPr id="2" name="Title 1"/>
+          <p:cNvSpPr>
+            <a:spLocks noGrp="1"/>
+          </p:cNvSpPr>
+          <p:nvPr>
             <p:ph type="title"/>
           </p:nvPr>
         </p:nvSpPr>
@@ -17367,7 +17809,6 @@
               <a:rPr lang="en-GB" sz="1900" i="1" dirty="0" smtClean="0"/>
               <a:t> </a:t>
             </a:r>
-            <a:endParaRPr lang="en-GB" sz="1900" i="1" dirty="0" smtClean="0"/>
           </a:p>
           <a:p>
             <a:pPr marL="0" indent="0">
@@ -17494,327 +17935,6 @@
 </p:sld>
 </file>
 
-<file path=ppt/slides/slide4.xml><?xml version="1.0" encoding="utf-8"?>
-<p:sld xmlns:a="http://schemas.openxmlformats.org/drawingml/2006/main" xmlns:r="http://schemas.openxmlformats.org/officeDocument/2006/relationships" xmlns:p="http://schemas.openxmlformats.org/presentationml/2006/main">
-  <p:cSld>
-    <p:bg>
-      <p:bgPr>
-        <a:solidFill>
-          <a:schemeClr val="bg1"/>
-        </a:solidFill>
-        <a:effectLst/>
-      </p:bgPr>
-    </p:bg>
-    <p:spTree>
-      <p:nvGrpSpPr>
-        <p:cNvPr id="1" name=""/>
-        <p:cNvGrpSpPr/>
-        <p:nvPr/>
-      </p:nvGrpSpPr>
-      <p:grpSpPr>
-        <a:xfrm>
-          <a:off x="0" y="0"/>
-          <a:ext cx="0" cy="0"/>
-          <a:chOff x="0" y="0"/>
-          <a:chExt cx="0" cy="0"/>
-        </a:xfrm>
-      </p:grpSpPr>
-      <p:sp>
-        <p:nvSpPr>
-          <p:cNvPr id="2" name="Title 1"/>
-          <p:cNvSpPr>
-            <a:spLocks noGrp="1"/>
-          </p:cNvSpPr>
-          <p:nvPr>
-            <p:ph type="title"/>
-          </p:nvPr>
-        </p:nvSpPr>
-        <p:spPr/>
-        <p:txBody>
-          <a:bodyPr/>
-          <a:lstStyle/>
-          <a:p>
-            <a:r>
-              <a:rPr lang="en-GB" dirty="0" smtClean="0"/>
-              <a:t>10 Years Ago</a:t>
-            </a:r>
-            <a:endParaRPr lang="en-GB" dirty="0"/>
-          </a:p>
-        </p:txBody>
-      </p:sp>
-      <p:pic>
-        <p:nvPicPr>
-          <p:cNvPr id="4" name="Content Placeholder 3"/>
-          <p:cNvPicPr>
-            <a:picLocks noGrp="1" noChangeAspect="1"/>
-          </p:cNvPicPr>
-          <p:nvPr>
-            <p:ph idx="1"/>
-          </p:nvPr>
-        </p:nvPicPr>
-        <p:blipFill>
-          <a:blip r:embed="rId3">
-            <a:extLst>
-              <a:ext uri="{28A0092B-C50C-407E-A947-70E740481C1C}">
-                <a14:useLocalDpi xmlns:a14="http://schemas.microsoft.com/office/drawing/2010/main" val="0"/>
-              </a:ext>
-            </a:extLst>
-          </a:blip>
-          <a:stretch>
-            <a:fillRect/>
-          </a:stretch>
-        </p:blipFill>
-        <p:spPr>
-          <a:xfrm>
-            <a:off x="1475656" y="2797644"/>
-            <a:ext cx="1512873" cy="1242548"/>
-          </a:xfrm>
-        </p:spPr>
-      </p:pic>
-      <p:pic>
-        <p:nvPicPr>
-          <p:cNvPr id="3" name="Picture 2"/>
-          <p:cNvPicPr>
-            <a:picLocks noChangeAspect="1"/>
-          </p:cNvPicPr>
-          <p:nvPr/>
-        </p:nvPicPr>
-        <p:blipFill>
-          <a:blip r:embed="rId4">
-            <a:extLst>
-              <a:ext uri="{28A0092B-C50C-407E-A947-70E740481C1C}">
-                <a14:useLocalDpi xmlns:a14="http://schemas.microsoft.com/office/drawing/2010/main" val="0"/>
-              </a:ext>
-            </a:extLst>
-          </a:blip>
-          <a:stretch>
-            <a:fillRect/>
-          </a:stretch>
-        </p:blipFill>
-        <p:spPr>
-          <a:xfrm>
-            <a:off x="4115852" y="2420888"/>
-            <a:ext cx="2112332" cy="2112332"/>
-          </a:xfrm>
-          <a:prstGeom prst="rect">
-            <a:avLst/>
-          </a:prstGeom>
-        </p:spPr>
-      </p:pic>
-      <p:pic>
-        <p:nvPicPr>
-          <p:cNvPr id="5" name="Picture 4"/>
-          <p:cNvPicPr>
-            <a:picLocks noChangeAspect="1"/>
-          </p:cNvPicPr>
-          <p:nvPr/>
-        </p:nvPicPr>
-        <p:blipFill>
-          <a:blip r:embed="rId5">
-            <a:extLst>
-              <a:ext uri="{28A0092B-C50C-407E-A947-70E740481C1C}">
-                <a14:useLocalDpi xmlns:a14="http://schemas.microsoft.com/office/drawing/2010/main" val="0"/>
-              </a:ext>
-            </a:extLst>
-          </a:blip>
-          <a:stretch>
-            <a:fillRect/>
-          </a:stretch>
-        </p:blipFill>
-        <p:spPr>
-          <a:xfrm>
-            <a:off x="2627784" y="4335316"/>
-            <a:ext cx="1829988" cy="1829988"/>
-          </a:xfrm>
-          <a:prstGeom prst="rect">
-            <a:avLst/>
-          </a:prstGeom>
-        </p:spPr>
-      </p:pic>
-      <p:pic>
-        <p:nvPicPr>
-          <p:cNvPr id="6" name="Picture 5"/>
-          <p:cNvPicPr>
-            <a:picLocks noChangeAspect="1"/>
-          </p:cNvPicPr>
-          <p:nvPr/>
-        </p:nvPicPr>
-        <p:blipFill>
-          <a:blip r:embed="rId6">
-            <a:extLst>
-              <a:ext uri="{28A0092B-C50C-407E-A947-70E740481C1C}">
-                <a14:useLocalDpi xmlns:a14="http://schemas.microsoft.com/office/drawing/2010/main" val="0"/>
-              </a:ext>
-            </a:extLst>
-          </a:blip>
-          <a:stretch>
-            <a:fillRect/>
-          </a:stretch>
-        </p:blipFill>
-        <p:spPr>
-          <a:xfrm>
-            <a:off x="6372200" y="4005064"/>
-            <a:ext cx="1553186" cy="1728192"/>
-          </a:xfrm>
-          <a:prstGeom prst="rect">
-            <a:avLst/>
-          </a:prstGeom>
-        </p:spPr>
-      </p:pic>
-      <p:sp>
-        <p:nvSpPr>
-          <p:cNvPr id="8" name="TextBox 7"/>
-          <p:cNvSpPr txBox="1"/>
-          <p:nvPr/>
-        </p:nvSpPr>
-        <p:spPr>
-          <a:xfrm>
-            <a:off x="611560" y="1702549"/>
-            <a:ext cx="8064896" cy="523220"/>
-          </a:xfrm>
-          <a:prstGeom prst="rect">
-            <a:avLst/>
-          </a:prstGeom>
-          <a:noFill/>
-        </p:spPr>
-        <p:txBody>
-          <a:bodyPr wrap="square" rtlCol="0">
-            <a:spAutoFit/>
-          </a:bodyPr>
-          <a:lstStyle/>
-          <a:p>
-            <a:pPr algn="ctr"/>
-            <a:r>
-              <a:rPr lang="en-GB" sz="2800" dirty="0" smtClean="0"/>
-              <a:t>Application/“OLTP”</a:t>
-            </a:r>
-            <a:r>
-              <a:rPr lang="en-GB" sz="2800" dirty="0"/>
-              <a:t>	</a:t>
-            </a:r>
-            <a:r>
-              <a:rPr lang="en-GB" sz="2800" dirty="0" smtClean="0"/>
-              <a:t>Data </a:t>
-            </a:r>
-            <a:r>
-              <a:rPr lang="en-GB" sz="2800" dirty="0"/>
-              <a:t>Warehouse/ “OLAP</a:t>
-            </a:r>
-            <a:r>
-              <a:rPr lang="en-GB" sz="2800" dirty="0" smtClean="0"/>
-              <a:t>”</a:t>
-            </a:r>
-            <a:endParaRPr lang="en-GB" sz="2800" dirty="0"/>
-          </a:p>
-        </p:txBody>
-      </p:sp>
-    </p:spTree>
-    <p:extLst>
-      <p:ext uri="{BB962C8B-B14F-4D97-AF65-F5344CB8AC3E}">
-        <p14:creationId xmlns:p14="http://schemas.microsoft.com/office/powerpoint/2010/main" val="2789532668"/>
-      </p:ext>
-    </p:extLst>
-  </p:cSld>
-  <p:clrMapOvr>
-    <a:masterClrMapping/>
-  </p:clrMapOvr>
-  <p:timing>
-    <p:tnLst>
-      <p:par>
-        <p:cTn id="1" dur="indefinite" restart="never" nodeType="tmRoot"/>
-      </p:par>
-    </p:tnLst>
-  </p:timing>
-</p:sld>
-</file>
-
-<file path=ppt/slides/slide40.xml><?xml version="1.0" encoding="utf-8"?>
-<p:sld xmlns:a="http://schemas.openxmlformats.org/drawingml/2006/main" xmlns:r="http://schemas.openxmlformats.org/officeDocument/2006/relationships" xmlns:p="http://schemas.openxmlformats.org/presentationml/2006/main">
-  <p:cSld>
-    <p:bg>
-      <p:bgPr>
-        <a:solidFill>
-          <a:schemeClr val="bg1"/>
-        </a:solidFill>
-        <a:effectLst/>
-      </p:bgPr>
-    </p:bg>
-    <p:spTree>
-      <p:nvGrpSpPr>
-        <p:cNvPr id="1" name=""/>
-        <p:cNvGrpSpPr/>
-        <p:nvPr/>
-      </p:nvGrpSpPr>
-      <p:grpSpPr>
-        <a:xfrm>
-          <a:off x="0" y="0"/>
-          <a:ext cx="0" cy="0"/>
-          <a:chOff x="0" y="0"/>
-          <a:chExt cx="0" cy="0"/>
-        </a:xfrm>
-      </p:grpSpPr>
-      <p:sp>
-        <p:nvSpPr>
-          <p:cNvPr id="2" name="Title 1"/>
-          <p:cNvSpPr>
-            <a:spLocks noGrp="1"/>
-          </p:cNvSpPr>
-          <p:nvPr>
-            <p:ph type="ctrTitle"/>
-          </p:nvPr>
-        </p:nvSpPr>
-        <p:spPr/>
-        <p:txBody>
-          <a:bodyPr/>
-          <a:lstStyle/>
-          <a:p>
-            <a:r>
-              <a:rPr lang="en-GB" dirty="0" smtClean="0"/>
-              <a:t>(Cassandra Demo)</a:t>
-            </a:r>
-            <a:endParaRPr lang="en-GB" dirty="0"/>
-          </a:p>
-        </p:txBody>
-      </p:sp>
-      <p:sp>
-        <p:nvSpPr>
-          <p:cNvPr id="3" name="Subtitle 2"/>
-          <p:cNvSpPr>
-            <a:spLocks noGrp="1"/>
-          </p:cNvSpPr>
-          <p:nvPr>
-            <p:ph type="subTitle" idx="1"/>
-          </p:nvPr>
-        </p:nvSpPr>
-        <p:spPr/>
-        <p:txBody>
-          <a:bodyPr/>
-          <a:lstStyle/>
-          <a:p>
-            <a:endParaRPr lang="en-GB"/>
-          </a:p>
-        </p:txBody>
-      </p:sp>
-    </p:spTree>
-    <p:extLst>
-      <p:ext uri="{BB962C8B-B14F-4D97-AF65-F5344CB8AC3E}">
-        <p14:creationId xmlns:p14="http://schemas.microsoft.com/office/powerpoint/2010/main" val="3763083771"/>
-      </p:ext>
-    </p:extLst>
-  </p:cSld>
-  <p:clrMapOvr>
-    <a:masterClrMapping/>
-  </p:clrMapOvr>
-  <p:timing>
-    <p:tnLst>
-      <p:par>
-        <p:cTn id="1" dur="indefinite" restart="never" nodeType="tmRoot"/>
-      </p:par>
-    </p:tnLst>
-  </p:timing>
-</p:sld>
-</file>
-
 <file path=ppt/slides/slide41.xml><?xml version="1.0" encoding="utf-8"?>
 <p:sld xmlns:a="http://schemas.openxmlformats.org/drawingml/2006/main" xmlns:r="http://schemas.openxmlformats.org/officeDocument/2006/relationships" xmlns:p="http://schemas.openxmlformats.org/presentationml/2006/main">
   <p:cSld>
@@ -17847,6 +17967,93 @@
             <a:spLocks noGrp="1"/>
           </p:cNvSpPr>
           <p:nvPr>
+            <p:ph type="ctrTitle"/>
+          </p:nvPr>
+        </p:nvSpPr>
+        <p:spPr/>
+        <p:txBody>
+          <a:bodyPr/>
+          <a:lstStyle/>
+          <a:p>
+            <a:r>
+              <a:rPr lang="en-GB" dirty="0" smtClean="0"/>
+              <a:t>(Cassandra Demo)</a:t>
+            </a:r>
+            <a:endParaRPr lang="en-GB" dirty="0"/>
+          </a:p>
+        </p:txBody>
+      </p:sp>
+      <p:sp>
+        <p:nvSpPr>
+          <p:cNvPr id="3" name="Subtitle 2"/>
+          <p:cNvSpPr>
+            <a:spLocks noGrp="1"/>
+          </p:cNvSpPr>
+          <p:nvPr>
+            <p:ph type="subTitle" idx="1"/>
+          </p:nvPr>
+        </p:nvSpPr>
+        <p:spPr/>
+        <p:txBody>
+          <a:bodyPr/>
+          <a:lstStyle/>
+          <a:p>
+            <a:endParaRPr lang="en-GB"/>
+          </a:p>
+        </p:txBody>
+      </p:sp>
+    </p:spTree>
+    <p:extLst>
+      <p:ext uri="{BB962C8B-B14F-4D97-AF65-F5344CB8AC3E}">
+        <p14:creationId xmlns:p14="http://schemas.microsoft.com/office/powerpoint/2010/main" val="3763083771"/>
+      </p:ext>
+    </p:extLst>
+  </p:cSld>
+  <p:clrMapOvr>
+    <a:masterClrMapping/>
+  </p:clrMapOvr>
+  <p:timing>
+    <p:tnLst>
+      <p:par>
+        <p:cTn id="1" dur="indefinite" restart="never" nodeType="tmRoot"/>
+      </p:par>
+    </p:tnLst>
+  </p:timing>
+</p:sld>
+</file>
+
+<file path=ppt/slides/slide42.xml><?xml version="1.0" encoding="utf-8"?>
+<p:sld xmlns:a="http://schemas.openxmlformats.org/drawingml/2006/main" xmlns:r="http://schemas.openxmlformats.org/officeDocument/2006/relationships" xmlns:p="http://schemas.openxmlformats.org/presentationml/2006/main">
+  <p:cSld>
+    <p:bg>
+      <p:bgPr>
+        <a:solidFill>
+          <a:schemeClr val="bg1"/>
+        </a:solidFill>
+        <a:effectLst/>
+      </p:bgPr>
+    </p:bg>
+    <p:spTree>
+      <p:nvGrpSpPr>
+        <p:cNvPr id="1" name=""/>
+        <p:cNvGrpSpPr/>
+        <p:nvPr/>
+      </p:nvGrpSpPr>
+      <p:grpSpPr>
+        <a:xfrm>
+          <a:off x="0" y="0"/>
+          <a:ext cx="0" cy="0"/>
+          <a:chOff x="0" y="0"/>
+          <a:chExt cx="0" cy="0"/>
+        </a:xfrm>
+      </p:grpSpPr>
+      <p:sp>
+        <p:nvSpPr>
+          <p:cNvPr id="2" name="Title 1"/>
+          <p:cNvSpPr>
+            <a:spLocks noGrp="1"/>
+          </p:cNvSpPr>
+          <p:nvPr>
             <p:ph type="title"/>
           </p:nvPr>
         </p:nvSpPr>
@@ -17940,7 +18147,7 @@
 </p:sld>
 </file>
 
-<file path=ppt/slides/slide42.xml><?xml version="1.0" encoding="utf-8"?>
+<file path=ppt/slides/slide43.xml><?xml version="1.0" encoding="utf-8"?>
 <p:sld xmlns:a="http://schemas.openxmlformats.org/drawingml/2006/main" xmlns:r="http://schemas.openxmlformats.org/officeDocument/2006/relationships" xmlns:p="http://schemas.openxmlformats.org/presentationml/2006/main">
   <p:cSld>
     <p:bg>
@@ -18068,7 +18275,7 @@
 </p:sld>
 </file>
 
-<file path=ppt/slides/slide43.xml><?xml version="1.0" encoding="utf-8"?>
+<file path=ppt/slides/slide44.xml><?xml version="1.0" encoding="utf-8"?>
 <p:sld xmlns:a="http://schemas.openxmlformats.org/drawingml/2006/main" xmlns:r="http://schemas.openxmlformats.org/officeDocument/2006/relationships" xmlns:p="http://schemas.openxmlformats.org/presentationml/2006/main">
   <p:cSld>
     <p:bg>
@@ -18331,219 +18538,6 @@
 </p:sld>
 </file>
 
-<file path=ppt/slides/slide44.xml><?xml version="1.0" encoding="utf-8"?>
-<p:sld xmlns:a="http://schemas.openxmlformats.org/drawingml/2006/main" xmlns:r="http://schemas.openxmlformats.org/officeDocument/2006/relationships" xmlns:p="http://schemas.openxmlformats.org/presentationml/2006/main">
-  <p:cSld>
-    <p:bg>
-      <p:bgPr>
-        <a:solidFill>
-          <a:schemeClr val="bg1"/>
-        </a:solidFill>
-        <a:effectLst/>
-      </p:bgPr>
-    </p:bg>
-    <p:spTree>
-      <p:nvGrpSpPr>
-        <p:cNvPr id="1" name=""/>
-        <p:cNvGrpSpPr/>
-        <p:nvPr/>
-      </p:nvGrpSpPr>
-      <p:grpSpPr>
-        <a:xfrm>
-          <a:off x="0" y="0"/>
-          <a:ext cx="0" cy="0"/>
-          <a:chOff x="0" y="0"/>
-          <a:chExt cx="0" cy="0"/>
-        </a:xfrm>
-      </p:grpSpPr>
-      <p:sp>
-        <p:nvSpPr>
-          <p:cNvPr id="2" name="Title 1"/>
-          <p:cNvSpPr>
-            <a:spLocks noGrp="1"/>
-          </p:cNvSpPr>
-          <p:nvPr>
-            <p:ph type="title"/>
-          </p:nvPr>
-        </p:nvSpPr>
-        <p:spPr/>
-        <p:txBody>
-          <a:bodyPr/>
-          <a:lstStyle/>
-          <a:p>
-            <a:r>
-              <a:rPr lang="en-GB" dirty="0" smtClean="0"/>
-              <a:t>Cloud Hosting</a:t>
-            </a:r>
-            <a:endParaRPr lang="en-GB" dirty="0"/>
-          </a:p>
-        </p:txBody>
-      </p:sp>
-      <p:sp>
-        <p:nvSpPr>
-          <p:cNvPr id="3" name="Content Placeholder 2"/>
-          <p:cNvSpPr>
-            <a:spLocks noGrp="1"/>
-          </p:cNvSpPr>
-          <p:nvPr>
-            <p:ph idx="1"/>
-          </p:nvPr>
-        </p:nvSpPr>
-        <p:spPr/>
-        <p:txBody>
-          <a:bodyPr>
-            <a:normAutofit/>
-          </a:bodyPr>
-          <a:lstStyle/>
-          <a:p>
-            <a:r>
-              <a:rPr lang="en-GB" dirty="0" smtClean="0"/>
-              <a:t>Amazon Web Services</a:t>
-            </a:r>
-          </a:p>
-          <a:p>
-            <a:pPr lvl="1"/>
-            <a:r>
-              <a:rPr lang="en-GB" sz="2400" dirty="0" smtClean="0"/>
-              <a:t>Relational Database Service </a:t>
-            </a:r>
-            <a:r>
-              <a:rPr lang="en-GB" sz="1600" i="1" dirty="0" smtClean="0"/>
-              <a:t>(</a:t>
-            </a:r>
-            <a:r>
-              <a:rPr lang="en-GB" sz="1600" i="1" dirty="0"/>
-              <a:t>Oracle/ </a:t>
-            </a:r>
-            <a:r>
-              <a:rPr lang="en-GB" sz="1600" i="1" dirty="0" smtClean="0"/>
-              <a:t>MS SQL / </a:t>
-            </a:r>
-            <a:r>
-              <a:rPr lang="en-GB" sz="1600" i="1" dirty="0"/>
-              <a:t>MySQL/ </a:t>
-            </a:r>
-            <a:r>
-              <a:rPr lang="en-GB" sz="1600" i="1" dirty="0" err="1"/>
-              <a:t>Postgres</a:t>
-            </a:r>
-            <a:r>
-              <a:rPr lang="en-GB" sz="1600" i="1" dirty="0"/>
-              <a:t>/ Aurora, Read Scaling)</a:t>
-            </a:r>
-            <a:endParaRPr lang="en-GB" sz="1600" i="1" dirty="0" smtClean="0"/>
-          </a:p>
-          <a:p>
-            <a:pPr lvl="1"/>
-            <a:r>
-              <a:rPr lang="en-GB" sz="2400" dirty="0" smtClean="0"/>
-              <a:t>NoSQL</a:t>
-            </a:r>
-          </a:p>
-          <a:p>
-            <a:pPr lvl="2"/>
-            <a:r>
-              <a:rPr lang="en-GB" sz="1600" dirty="0" err="1" smtClean="0"/>
-              <a:t>DynamoDB</a:t>
-            </a:r>
-            <a:r>
-              <a:rPr lang="en-GB" sz="1600" dirty="0" smtClean="0"/>
-              <a:t> (Document/ Key-Value)</a:t>
-            </a:r>
-          </a:p>
-          <a:p>
-            <a:pPr lvl="2"/>
-            <a:r>
-              <a:rPr lang="en-GB" sz="1600" dirty="0" smtClean="0"/>
-              <a:t>EC2 Hosting – MongoDB, </a:t>
-            </a:r>
-            <a:r>
-              <a:rPr lang="en-GB" sz="1600" dirty="0" err="1" smtClean="0"/>
-              <a:t>Couchbase</a:t>
-            </a:r>
-            <a:r>
-              <a:rPr lang="en-GB" sz="1600" dirty="0" smtClean="0"/>
-              <a:t>, other …</a:t>
-            </a:r>
-          </a:p>
-          <a:p>
-            <a:pPr marL="914400" lvl="2" indent="0">
-              <a:buNone/>
-            </a:pPr>
-            <a:endParaRPr lang="en-GB" sz="1600" dirty="0" smtClean="0"/>
-          </a:p>
-          <a:p>
-            <a:pPr marL="914400" lvl="2" indent="0">
-              <a:buNone/>
-            </a:pPr>
-            <a:endParaRPr lang="en-GB" sz="1600" dirty="0" smtClean="0"/>
-          </a:p>
-          <a:p>
-            <a:r>
-              <a:rPr lang="en-GB" dirty="0" smtClean="0"/>
-              <a:t>Google Cloud Platform</a:t>
-            </a:r>
-          </a:p>
-          <a:p>
-            <a:pPr lvl="1"/>
-            <a:r>
-              <a:rPr lang="en-GB" sz="2000" dirty="0" smtClean="0"/>
-              <a:t>“Cloud SQL” (MySQL)</a:t>
-            </a:r>
-          </a:p>
-          <a:p>
-            <a:pPr lvl="1"/>
-            <a:r>
-              <a:rPr lang="en-GB" sz="2000" dirty="0" smtClean="0"/>
-              <a:t>Cloud </a:t>
-            </a:r>
-            <a:r>
-              <a:rPr lang="en-GB" sz="2000" dirty="0" err="1" smtClean="0"/>
-              <a:t>DataStore</a:t>
-            </a:r>
-            <a:r>
-              <a:rPr lang="en-GB" sz="2000" dirty="0" smtClean="0"/>
-              <a:t>. </a:t>
-            </a:r>
-            <a:r>
-              <a:rPr lang="en-GB" sz="2000" dirty="0" err="1" smtClean="0"/>
-              <a:t>BigQuery</a:t>
-            </a:r>
-            <a:r>
-              <a:rPr lang="en-GB" sz="2000" dirty="0" smtClean="0"/>
-              <a:t>, </a:t>
-            </a:r>
-            <a:r>
-              <a:rPr lang="en-GB" sz="2000" dirty="0" err="1" smtClean="0"/>
-              <a:t>DataFlow</a:t>
-            </a:r>
-            <a:r>
-              <a:rPr lang="en-GB" sz="2000" dirty="0" smtClean="0"/>
-              <a:t> etc.</a:t>
-            </a:r>
-          </a:p>
-        </p:txBody>
-      </p:sp>
-    </p:spTree>
-    <p:extLst>
-      <p:ext uri="{BB962C8B-B14F-4D97-AF65-F5344CB8AC3E}">
-        <p14:creationId xmlns:p14="http://schemas.microsoft.com/office/powerpoint/2010/main" val="2739295942"/>
-      </p:ext>
-    </p:extLst>
-  </p:cSld>
-  <p:clrMapOvr>
-    <a:masterClrMapping/>
-  </p:clrMapOvr>
-  <p:timing>
-    <p:tnLst>
-      <p:par>
-        <p:cTn id="1" dur="indefinite" restart="never" nodeType="tmRoot"/>
-      </p:par>
-    </p:tnLst>
-  </p:timing>
-</p:sld>
-</file>
-
 <file path=ppt/slides/slide45.xml><?xml version="1.0" encoding="utf-8"?>
 <p:sld xmlns:a="http://schemas.openxmlformats.org/drawingml/2006/main" xmlns:r="http://schemas.openxmlformats.org/officeDocument/2006/relationships" xmlns:p="http://schemas.openxmlformats.org/presentationml/2006/main">
   <p:cSld>
@@ -18611,97 +18605,141 @@
           <a:p>
             <a:r>
               <a:rPr lang="en-GB" dirty="0" smtClean="0"/>
-              <a:t>Microsoft Azure</a:t>
+              <a:t>Amazon Web Services</a:t>
             </a:r>
           </a:p>
           <a:p>
             <a:pPr lvl="1"/>
             <a:r>
-              <a:rPr lang="en-GB" dirty="0" smtClean="0"/>
-              <a:t>Relational</a:t>
-            </a:r>
+              <a:rPr lang="en-GB" sz="2400" dirty="0" smtClean="0"/>
+              <a:t>Relational Database </a:t>
+            </a:r>
+            <a:r>
+              <a:rPr lang="en-GB" sz="2400" dirty="0" smtClean="0"/>
+              <a:t>Service</a:t>
+            </a:r>
+          </a:p>
+          <a:p>
+            <a:pPr lvl="2"/>
+            <a:r>
+              <a:rPr lang="en-GB" sz="1600" i="1" dirty="0" smtClean="0"/>
+              <a:t>Oracle</a:t>
+            </a:r>
+            <a:r>
+              <a:rPr lang="en-GB" sz="1600" i="1" dirty="0"/>
+              <a:t>/ </a:t>
+            </a:r>
+            <a:r>
+              <a:rPr lang="en-GB" sz="1600" i="1" dirty="0" smtClean="0"/>
+              <a:t>MS SQL / </a:t>
+            </a:r>
+            <a:r>
+              <a:rPr lang="en-GB" sz="1600" i="1" dirty="0"/>
+              <a:t>MySQL/ </a:t>
+            </a:r>
+            <a:r>
+              <a:rPr lang="en-GB" sz="1600" i="1" dirty="0" err="1"/>
+              <a:t>Postgres</a:t>
+            </a:r>
+            <a:r>
+              <a:rPr lang="en-GB" sz="1600" i="1" dirty="0"/>
+              <a:t>/ Aurora, </a:t>
+            </a:r>
+            <a:r>
+              <a:rPr lang="en-GB" sz="1600" i="1" dirty="0" smtClean="0"/>
+              <a:t>Read-Scaling</a:t>
+            </a:r>
+            <a:endParaRPr lang="en-GB" sz="1600" i="1" dirty="0" smtClean="0"/>
           </a:p>
           <a:p>
             <a:pPr lvl="1"/>
             <a:r>
-              <a:rPr lang="en-GB" dirty="0" smtClean="0"/>
+              <a:rPr lang="en-GB" sz="2400" dirty="0" smtClean="0"/>
               <a:t>NoSQL</a:t>
             </a:r>
           </a:p>
           <a:p>
             <a:pPr lvl="2"/>
             <a:r>
+              <a:rPr lang="en-GB" sz="1600" dirty="0" err="1" smtClean="0"/>
+              <a:t>DynamoDB</a:t>
+            </a:r>
+            <a:r>
+              <a:rPr lang="en-GB" sz="1600" dirty="0" smtClean="0"/>
+              <a:t> (Document/ Key-Value)</a:t>
+            </a:r>
+          </a:p>
+          <a:p>
+            <a:pPr lvl="2"/>
+            <a:r>
+              <a:rPr lang="en-GB" sz="1600" dirty="0" smtClean="0"/>
+              <a:t>EC2 Hosting – MongoDB, </a:t>
+            </a:r>
+            <a:r>
+              <a:rPr lang="en-GB" sz="1600" dirty="0" err="1" smtClean="0"/>
+              <a:t>Couchbase</a:t>
+            </a:r>
+            <a:r>
+              <a:rPr lang="en-GB" sz="1600" dirty="0" smtClean="0"/>
+              <a:t>, other …</a:t>
+            </a:r>
+          </a:p>
+          <a:p>
+            <a:pPr marL="914400" lvl="2" indent="0">
+              <a:buNone/>
+            </a:pPr>
+            <a:endParaRPr lang="en-GB" sz="1600" dirty="0" smtClean="0"/>
+          </a:p>
+          <a:p>
+            <a:r>
+              <a:rPr lang="en-GB" dirty="0" smtClean="0"/>
+              <a:t>Google Cloud Platform</a:t>
+            </a:r>
+          </a:p>
+          <a:p>
+            <a:pPr lvl="1"/>
+            <a:r>
+              <a:rPr lang="en-GB" sz="2000" dirty="0" smtClean="0"/>
+              <a:t>“Cloud SQL” (MySQL)</a:t>
+            </a:r>
+          </a:p>
+          <a:p>
+            <a:pPr lvl="1"/>
+            <a:r>
+              <a:rPr lang="en-GB" sz="2000" dirty="0" smtClean="0"/>
+              <a:t>Cloud </a:t>
+            </a:r>
+            <a:r>
               <a:rPr lang="en-GB" sz="2000" dirty="0" err="1" smtClean="0"/>
-              <a:t>DataStax</a:t>
+              <a:t>DataStore</a:t>
             </a:r>
             <a:r>
               <a:rPr lang="en-GB" sz="2000" dirty="0" smtClean="0"/>
-              <a:t> Cassandra</a:t>
-            </a:r>
-          </a:p>
-          <a:p>
-            <a:pPr lvl="2"/>
+              <a:t>. </a:t>
+            </a:r>
             <a:r>
               <a:rPr lang="en-GB" sz="2000" dirty="0" err="1" smtClean="0"/>
-              <a:t>Redis</a:t>
+              <a:t>BigQuery</a:t>
             </a:r>
             <a:r>
               <a:rPr lang="en-GB" sz="2000" dirty="0" smtClean="0"/>
-              <a:t> Cache</a:t>
-            </a:r>
-          </a:p>
-          <a:p>
-            <a:pPr lvl="2"/>
+              <a:t>, </a:t>
+            </a:r>
             <a:r>
               <a:rPr lang="en-GB" sz="2000" dirty="0" err="1" smtClean="0"/>
-              <a:t>MongoLab</a:t>
-            </a:r>
-            <a:endParaRPr lang="en-GB" sz="2000" dirty="0" smtClean="0"/>
-          </a:p>
-          <a:p>
-            <a:pPr lvl="2"/>
-            <a:r>
-              <a:rPr lang="en-GB" sz="2000" dirty="0" err="1" smtClean="0"/>
-              <a:t>DocumentDB</a:t>
-            </a:r>
-            <a:endParaRPr lang="en-GB" sz="2000" dirty="0"/>
-          </a:p>
-          <a:p>
-            <a:pPr lvl="1"/>
-            <a:r>
-              <a:rPr lang="en-GB" dirty="0" smtClean="0"/>
-              <a:t>Analytics</a:t>
-            </a:r>
-          </a:p>
-          <a:p>
-            <a:pPr lvl="2"/>
+              <a:t>DataFlow</a:t>
+            </a:r>
             <a:r>
               <a:rPr lang="en-GB" sz="2000" dirty="0" smtClean="0"/>
-              <a:t>Hadoop – </a:t>
-            </a:r>
-            <a:r>
-              <a:rPr lang="en-GB" sz="2000" dirty="0" err="1" smtClean="0"/>
-              <a:t>HDInsight</a:t>
-            </a:r>
-            <a:r>
-              <a:rPr lang="en-GB" sz="2000" dirty="0" smtClean="0"/>
-              <a:t>, Cloudera</a:t>
-            </a:r>
-          </a:p>
-          <a:p>
-            <a:pPr lvl="2"/>
-            <a:r>
-              <a:rPr lang="en-GB" sz="2000" dirty="0" smtClean="0"/>
-              <a:t>Machine Learning Services</a:t>
-            </a:r>
-            <a:endParaRPr lang="en-GB" sz="2000" dirty="0"/>
+              <a:t> etc.</a:t>
+            </a:r>
           </a:p>
         </p:txBody>
       </p:sp>
     </p:spTree>
     <p:extLst>
       <p:ext uri="{BB962C8B-B14F-4D97-AF65-F5344CB8AC3E}">
-        <p14:creationId xmlns:p14="http://schemas.microsoft.com/office/powerpoint/2010/main" val="409854454"/>
+        <p14:creationId xmlns:p14="http://schemas.microsoft.com/office/powerpoint/2010/main" val="2739295942"/>
       </p:ext>
     </p:extLst>
   </p:cSld>
@@ -18759,90 +18797,123 @@
           <a:lstStyle/>
           <a:p>
             <a:r>
-              <a:rPr lang="en-GB" dirty="0" err="1" smtClean="0"/>
+              <a:rPr lang="en-GB" dirty="0" smtClean="0"/>
+              <a:t>Cloud Hosting</a:t>
+            </a:r>
+            <a:endParaRPr lang="en-GB" dirty="0"/>
+          </a:p>
+        </p:txBody>
+      </p:sp>
+      <p:sp>
+        <p:nvSpPr>
+          <p:cNvPr id="3" name="Content Placeholder 2"/>
+          <p:cNvSpPr>
+            <a:spLocks noGrp="1"/>
+          </p:cNvSpPr>
+          <p:nvPr>
+            <p:ph idx="1"/>
+          </p:nvPr>
+        </p:nvSpPr>
+        <p:spPr/>
+        <p:txBody>
+          <a:bodyPr>
+            <a:normAutofit/>
+          </a:bodyPr>
+          <a:lstStyle/>
+          <a:p>
+            <a:r>
+              <a:rPr lang="en-GB" dirty="0" smtClean="0"/>
+              <a:t>Microsoft Azure</a:t>
+            </a:r>
+          </a:p>
+          <a:p>
+            <a:pPr lvl="1"/>
+            <a:r>
+              <a:rPr lang="en-GB" dirty="0" smtClean="0"/>
+              <a:t>Relational</a:t>
+            </a:r>
+          </a:p>
+          <a:p>
+            <a:pPr lvl="1"/>
+            <a:r>
+              <a:rPr lang="en-GB" dirty="0" smtClean="0"/>
+              <a:t>NoSQL</a:t>
+            </a:r>
+          </a:p>
+          <a:p>
+            <a:pPr lvl="2"/>
+            <a:r>
+              <a:rPr lang="en-GB" sz="2000" dirty="0" err="1" smtClean="0"/>
+              <a:t>DataStax</a:t>
+            </a:r>
+            <a:r>
+              <a:rPr lang="en-GB" sz="2000" dirty="0" smtClean="0"/>
+              <a:t> Cassandra</a:t>
+            </a:r>
+          </a:p>
+          <a:p>
+            <a:pPr lvl="2"/>
+            <a:r>
+              <a:rPr lang="en-GB" sz="2000" dirty="0" err="1" smtClean="0"/>
+              <a:t>Redis</a:t>
+            </a:r>
+            <a:r>
+              <a:rPr lang="en-GB" sz="2000" dirty="0" smtClean="0"/>
+              <a:t> Cache</a:t>
+            </a:r>
+          </a:p>
+          <a:p>
+            <a:pPr lvl="2"/>
+            <a:r>
+              <a:rPr lang="en-GB" sz="2000" dirty="0" err="1" smtClean="0"/>
+              <a:t>MongoLab</a:t>
+            </a:r>
+            <a:endParaRPr lang="en-GB" sz="2000" dirty="0" smtClean="0"/>
+          </a:p>
+          <a:p>
+            <a:pPr lvl="2"/>
+            <a:r>
+              <a:rPr lang="en-GB" sz="2000" dirty="0" err="1" smtClean="0"/>
               <a:t>DocumentDB</a:t>
             </a:r>
-            <a:r>
-              <a:rPr lang="en-GB" dirty="0" smtClean="0"/>
-              <a:t> (MS Azure)</a:t>
-            </a:r>
-            <a:endParaRPr lang="en-GB" dirty="0"/>
-          </a:p>
-        </p:txBody>
-      </p:sp>
-      <p:sp>
-        <p:nvSpPr>
-          <p:cNvPr id="3" name="Content Placeholder 2"/>
-          <p:cNvSpPr>
-            <a:spLocks noGrp="1"/>
-          </p:cNvSpPr>
-          <p:nvPr>
-            <p:ph idx="1"/>
-          </p:nvPr>
-        </p:nvSpPr>
-        <p:spPr/>
-        <p:txBody>
-          <a:bodyPr>
-            <a:normAutofit lnSpcReduction="10000"/>
-          </a:bodyPr>
-          <a:lstStyle/>
-          <a:p>
-            <a:r>
-              <a:rPr lang="en-GB" dirty="0" smtClean="0"/>
-              <a:t>Proprietary Microsoft NoSQL offering</a:t>
-            </a:r>
-          </a:p>
-          <a:p>
-            <a:endParaRPr lang="en-GB" dirty="0" smtClean="0"/>
-          </a:p>
-          <a:p>
-            <a:r>
-              <a:rPr lang="en-GB" dirty="0" smtClean="0"/>
-              <a:t>JSON document format</a:t>
-            </a:r>
-            <a:endParaRPr lang="en-GB" dirty="0"/>
-          </a:p>
-          <a:p>
-            <a:r>
-              <a:rPr lang="en-GB" dirty="0" err="1" smtClean="0"/>
-              <a:t>Tunable</a:t>
-            </a:r>
-            <a:r>
-              <a:rPr lang="en-GB" dirty="0" smtClean="0"/>
-              <a:t> Consistency</a:t>
-            </a:r>
-          </a:p>
-          <a:p>
-            <a:endParaRPr lang="en-GB" dirty="0"/>
-          </a:p>
-          <a:p>
-            <a:r>
-              <a:rPr lang="en-GB" dirty="0" smtClean="0"/>
-              <a:t>Caveats:</a:t>
-            </a:r>
+            <a:endParaRPr lang="en-GB" sz="2000" dirty="0"/>
           </a:p>
           <a:p>
             <a:pPr lvl="1"/>
             <a:r>
               <a:rPr lang="en-GB" dirty="0" smtClean="0"/>
-              <a:t>In preview</a:t>
-            </a:r>
-            <a:endParaRPr lang="en-GB" dirty="0"/>
-          </a:p>
-          <a:p>
-            <a:pPr lvl="1"/>
-            <a:r>
-              <a:rPr lang="en-GB" dirty="0" smtClean="0"/>
-              <a:t>Vendor lock-in</a:t>
-            </a:r>
-            <a:endParaRPr lang="en-GB" dirty="0"/>
+              <a:t>Analytics</a:t>
+            </a:r>
+          </a:p>
+          <a:p>
+            <a:pPr lvl="2"/>
+            <a:r>
+              <a:rPr lang="en-GB" sz="2000" dirty="0" smtClean="0"/>
+              <a:t>Hadoop – </a:t>
+            </a:r>
+            <a:r>
+              <a:rPr lang="en-GB" sz="2000" dirty="0" err="1" smtClean="0"/>
+              <a:t>HDInsight</a:t>
+            </a:r>
+            <a:r>
+              <a:rPr lang="en-GB" sz="2000" dirty="0" smtClean="0"/>
+              <a:t>, Cloudera</a:t>
+            </a:r>
+          </a:p>
+          <a:p>
+            <a:pPr lvl="2"/>
+            <a:r>
+              <a:rPr lang="en-GB" sz="2000" dirty="0" smtClean="0"/>
+              <a:t>Machine Learning Services</a:t>
+            </a:r>
+            <a:endParaRPr lang="en-GB" sz="2000" dirty="0"/>
           </a:p>
         </p:txBody>
       </p:sp>
     </p:spTree>
     <p:extLst>
       <p:ext uri="{BB962C8B-B14F-4D97-AF65-F5344CB8AC3E}">
-        <p14:creationId xmlns:p14="http://schemas.microsoft.com/office/powerpoint/2010/main" val="135053581"/>
+        <p14:creationId xmlns:p14="http://schemas.microsoft.com/office/powerpoint/2010/main" val="409854454"/>
       </p:ext>
     </p:extLst>
   </p:cSld>
@@ -18891,6 +18962,147 @@
             <a:spLocks noGrp="1"/>
           </p:cNvSpPr>
           <p:nvPr>
+            <p:ph type="title"/>
+          </p:nvPr>
+        </p:nvSpPr>
+        <p:spPr/>
+        <p:txBody>
+          <a:bodyPr/>
+          <a:lstStyle/>
+          <a:p>
+            <a:r>
+              <a:rPr lang="en-GB" dirty="0" err="1" smtClean="0"/>
+              <a:t>DocumentDB</a:t>
+            </a:r>
+            <a:r>
+              <a:rPr lang="en-GB" dirty="0" smtClean="0"/>
+              <a:t> (MS Azure)</a:t>
+            </a:r>
+            <a:endParaRPr lang="en-GB" dirty="0"/>
+          </a:p>
+        </p:txBody>
+      </p:sp>
+      <p:sp>
+        <p:nvSpPr>
+          <p:cNvPr id="3" name="Content Placeholder 2"/>
+          <p:cNvSpPr>
+            <a:spLocks noGrp="1"/>
+          </p:cNvSpPr>
+          <p:nvPr>
+            <p:ph idx="1"/>
+          </p:nvPr>
+        </p:nvSpPr>
+        <p:spPr/>
+        <p:txBody>
+          <a:bodyPr>
+            <a:normAutofit lnSpcReduction="10000"/>
+          </a:bodyPr>
+          <a:lstStyle/>
+          <a:p>
+            <a:r>
+              <a:rPr lang="en-GB" dirty="0" smtClean="0"/>
+              <a:t>Proprietary Microsoft NoSQL offering</a:t>
+            </a:r>
+          </a:p>
+          <a:p>
+            <a:endParaRPr lang="en-GB" dirty="0" smtClean="0"/>
+          </a:p>
+          <a:p>
+            <a:r>
+              <a:rPr lang="en-GB" dirty="0" smtClean="0"/>
+              <a:t>JSON document format</a:t>
+            </a:r>
+            <a:endParaRPr lang="en-GB" dirty="0"/>
+          </a:p>
+          <a:p>
+            <a:r>
+              <a:rPr lang="en-GB" dirty="0" err="1" smtClean="0"/>
+              <a:t>Tunable</a:t>
+            </a:r>
+            <a:r>
+              <a:rPr lang="en-GB" dirty="0" smtClean="0"/>
+              <a:t> Consistency</a:t>
+            </a:r>
+          </a:p>
+          <a:p>
+            <a:endParaRPr lang="en-GB" dirty="0"/>
+          </a:p>
+          <a:p>
+            <a:r>
+              <a:rPr lang="en-GB" dirty="0" smtClean="0"/>
+              <a:t>Caveats:</a:t>
+            </a:r>
+          </a:p>
+          <a:p>
+            <a:pPr lvl="1"/>
+            <a:r>
+              <a:rPr lang="en-GB" dirty="0" smtClean="0"/>
+              <a:t>In preview</a:t>
+            </a:r>
+            <a:endParaRPr lang="en-GB" dirty="0"/>
+          </a:p>
+          <a:p>
+            <a:pPr lvl="1"/>
+            <a:r>
+              <a:rPr lang="en-GB" dirty="0" smtClean="0"/>
+              <a:t>Vendor lock-in</a:t>
+            </a:r>
+            <a:endParaRPr lang="en-GB" dirty="0"/>
+          </a:p>
+        </p:txBody>
+      </p:sp>
+    </p:spTree>
+    <p:extLst>
+      <p:ext uri="{BB962C8B-B14F-4D97-AF65-F5344CB8AC3E}">
+        <p14:creationId xmlns:p14="http://schemas.microsoft.com/office/powerpoint/2010/main" val="135053581"/>
+      </p:ext>
+    </p:extLst>
+  </p:cSld>
+  <p:clrMapOvr>
+    <a:masterClrMapping/>
+  </p:clrMapOvr>
+  <p:timing>
+    <p:tnLst>
+      <p:par>
+        <p:cTn id="1" dur="indefinite" restart="never" nodeType="tmRoot"/>
+      </p:par>
+    </p:tnLst>
+  </p:timing>
+</p:sld>
+</file>
+
+<file path=ppt/slides/slide48.xml><?xml version="1.0" encoding="utf-8"?>
+<p:sld xmlns:a="http://schemas.openxmlformats.org/drawingml/2006/main" xmlns:r="http://schemas.openxmlformats.org/officeDocument/2006/relationships" xmlns:p="http://schemas.openxmlformats.org/presentationml/2006/main">
+  <p:cSld>
+    <p:bg>
+      <p:bgPr>
+        <a:solidFill>
+          <a:schemeClr val="bg1"/>
+        </a:solidFill>
+        <a:effectLst/>
+      </p:bgPr>
+    </p:bg>
+    <p:spTree>
+      <p:nvGrpSpPr>
+        <p:cNvPr id="1" name=""/>
+        <p:cNvGrpSpPr/>
+        <p:nvPr/>
+      </p:nvGrpSpPr>
+      <p:grpSpPr>
+        <a:xfrm>
+          <a:off x="0" y="0"/>
+          <a:ext cx="0" cy="0"/>
+          <a:chOff x="0" y="0"/>
+          <a:chExt cx="0" cy="0"/>
+        </a:xfrm>
+      </p:grpSpPr>
+      <p:sp>
+        <p:nvSpPr>
+          <p:cNvPr id="2" name="Title 1"/>
+          <p:cNvSpPr>
+            <a:spLocks noGrp="1"/>
+          </p:cNvSpPr>
+          <p:nvPr>
             <p:ph type="ctrTitle"/>
           </p:nvPr>
         </p:nvSpPr>
@@ -18954,7 +19166,7 @@
 </p:sld>
 </file>
 
-<file path=ppt/slides/slide48.xml><?xml version="1.0" encoding="utf-8"?>
+<file path=ppt/slides/slide49.xml><?xml version="1.0" encoding="utf-8"?>
 <p:sld xmlns:a="http://schemas.openxmlformats.org/drawingml/2006/main" xmlns:r="http://schemas.openxmlformats.org/officeDocument/2006/relationships" xmlns:p="http://schemas.openxmlformats.org/presentationml/2006/main">
   <p:cSld>
     <p:bg>
@@ -19202,7 +19414,126 @@
 </p:sld>
 </file>
 
-<file path=ppt/slides/slide49.xml><?xml version="1.0" encoding="utf-8"?>
+<file path=ppt/slides/slide5.xml><?xml version="1.0" encoding="utf-8"?>
+<p:sld xmlns:a="http://schemas.openxmlformats.org/drawingml/2006/main" xmlns:r="http://schemas.openxmlformats.org/officeDocument/2006/relationships" xmlns:p="http://schemas.openxmlformats.org/presentationml/2006/main">
+  <p:cSld>
+    <p:bg>
+      <p:bgPr>
+        <a:solidFill>
+          <a:schemeClr val="bg1"/>
+        </a:solidFill>
+        <a:effectLst/>
+      </p:bgPr>
+    </p:bg>
+    <p:spTree>
+      <p:nvGrpSpPr>
+        <p:cNvPr id="1" name=""/>
+        <p:cNvGrpSpPr/>
+        <p:nvPr/>
+      </p:nvGrpSpPr>
+      <p:grpSpPr>
+        <a:xfrm>
+          <a:off x="0" y="0"/>
+          <a:ext cx="0" cy="0"/>
+          <a:chOff x="0" y="0"/>
+          <a:chExt cx="0" cy="0"/>
+        </a:xfrm>
+      </p:grpSpPr>
+      <p:sp>
+        <p:nvSpPr>
+          <p:cNvPr id="2" name="Title 1"/>
+          <p:cNvSpPr>
+            <a:spLocks noGrp="1"/>
+          </p:cNvSpPr>
+          <p:nvPr>
+            <p:ph type="title"/>
+          </p:nvPr>
+        </p:nvSpPr>
+        <p:spPr/>
+        <p:txBody>
+          <a:bodyPr/>
+          <a:lstStyle/>
+          <a:p>
+            <a:r>
+              <a:rPr lang="en-GB" dirty="0" smtClean="0"/>
+              <a:t>Relational Dominance</a:t>
+            </a:r>
+            <a:endParaRPr lang="en-GB" dirty="0"/>
+          </a:p>
+        </p:txBody>
+      </p:sp>
+      <p:sp>
+        <p:nvSpPr>
+          <p:cNvPr id="3" name="Content Placeholder 2"/>
+          <p:cNvSpPr>
+            <a:spLocks noGrp="1"/>
+          </p:cNvSpPr>
+          <p:nvPr>
+            <p:ph idx="1"/>
+          </p:nvPr>
+        </p:nvSpPr>
+        <p:spPr/>
+        <p:txBody>
+          <a:bodyPr/>
+          <a:lstStyle/>
+          <a:p>
+            <a:r>
+              <a:rPr lang="en-GB" dirty="0" smtClean="0"/>
+              <a:t>1970s – Early 2000s</a:t>
+            </a:r>
+          </a:p>
+          <a:p>
+            <a:endParaRPr lang="en-GB" dirty="0"/>
+          </a:p>
+          <a:p>
+            <a:r>
+              <a:rPr lang="en-GB" dirty="0" smtClean="0"/>
+              <a:t>E.F. </a:t>
+            </a:r>
+            <a:r>
+              <a:rPr lang="en-GB" dirty="0" err="1" smtClean="0"/>
+              <a:t>Codd</a:t>
+            </a:r>
+            <a:r>
+              <a:rPr lang="en-GB" dirty="0" smtClean="0"/>
+              <a:t>  - “A Relational Model of Data for Large Shared Data Banks”</a:t>
+            </a:r>
+          </a:p>
+          <a:p>
+            <a:endParaRPr lang="en-GB" dirty="0"/>
+          </a:p>
+          <a:p>
+            <a:r>
+              <a:rPr lang="en-GB" dirty="0" smtClean="0"/>
+              <a:t>Widespread Adoption, Heavy Vendor Investment</a:t>
+            </a:r>
+          </a:p>
+          <a:p>
+            <a:endParaRPr lang="en-GB" dirty="0"/>
+          </a:p>
+        </p:txBody>
+      </p:sp>
+    </p:spTree>
+    <p:extLst>
+      <p:ext uri="{BB962C8B-B14F-4D97-AF65-F5344CB8AC3E}">
+        <p14:creationId xmlns:p14="http://schemas.microsoft.com/office/powerpoint/2010/main" val="645039834"/>
+      </p:ext>
+    </p:extLst>
+  </p:cSld>
+  <p:clrMapOvr>
+    <a:masterClrMapping/>
+  </p:clrMapOvr>
+  <p:timing>
+    <p:tnLst>
+      <p:par>
+        <p:cTn id="1" dur="indefinite" restart="never" nodeType="tmRoot"/>
+      </p:par>
+    </p:tnLst>
+  </p:timing>
+</p:sld>
+</file>
+
+<file path=ppt/slides/slide50.xml><?xml version="1.0" encoding="utf-8"?>
 <p:sld xmlns:a="http://schemas.openxmlformats.org/drawingml/2006/main" xmlns:r="http://schemas.openxmlformats.org/officeDocument/2006/relationships" xmlns:p="http://schemas.openxmlformats.org/presentationml/2006/main">
   <p:cSld>
     <p:bg>
@@ -19370,126 +19701,7 @@
 </p:sld>
 </file>
 
-<file path=ppt/slides/slide5.xml><?xml version="1.0" encoding="utf-8"?>
-<p:sld xmlns:a="http://schemas.openxmlformats.org/drawingml/2006/main" xmlns:r="http://schemas.openxmlformats.org/officeDocument/2006/relationships" xmlns:p="http://schemas.openxmlformats.org/presentationml/2006/main">
-  <p:cSld>
-    <p:bg>
-      <p:bgPr>
-        <a:solidFill>
-          <a:schemeClr val="bg1"/>
-        </a:solidFill>
-        <a:effectLst/>
-      </p:bgPr>
-    </p:bg>
-    <p:spTree>
-      <p:nvGrpSpPr>
-        <p:cNvPr id="1" name=""/>
-        <p:cNvGrpSpPr/>
-        <p:nvPr/>
-      </p:nvGrpSpPr>
-      <p:grpSpPr>
-        <a:xfrm>
-          <a:off x="0" y="0"/>
-          <a:ext cx="0" cy="0"/>
-          <a:chOff x="0" y="0"/>
-          <a:chExt cx="0" cy="0"/>
-        </a:xfrm>
-      </p:grpSpPr>
-      <p:sp>
-        <p:nvSpPr>
-          <p:cNvPr id="2" name="Title 1"/>
-          <p:cNvSpPr>
-            <a:spLocks noGrp="1"/>
-          </p:cNvSpPr>
-          <p:nvPr>
-            <p:ph type="title"/>
-          </p:nvPr>
-        </p:nvSpPr>
-        <p:spPr/>
-        <p:txBody>
-          <a:bodyPr/>
-          <a:lstStyle/>
-          <a:p>
-            <a:r>
-              <a:rPr lang="en-GB" dirty="0" smtClean="0"/>
-              <a:t>Relational Dominance</a:t>
-            </a:r>
-            <a:endParaRPr lang="en-GB" dirty="0"/>
-          </a:p>
-        </p:txBody>
-      </p:sp>
-      <p:sp>
-        <p:nvSpPr>
-          <p:cNvPr id="3" name="Content Placeholder 2"/>
-          <p:cNvSpPr>
-            <a:spLocks noGrp="1"/>
-          </p:cNvSpPr>
-          <p:nvPr>
-            <p:ph idx="1"/>
-          </p:nvPr>
-        </p:nvSpPr>
-        <p:spPr/>
-        <p:txBody>
-          <a:bodyPr/>
-          <a:lstStyle/>
-          <a:p>
-            <a:r>
-              <a:rPr lang="en-GB" dirty="0" smtClean="0"/>
-              <a:t>1970s – Early 2000s</a:t>
-            </a:r>
-          </a:p>
-          <a:p>
-            <a:endParaRPr lang="en-GB" dirty="0"/>
-          </a:p>
-          <a:p>
-            <a:r>
-              <a:rPr lang="en-GB" dirty="0" smtClean="0"/>
-              <a:t>E.F. </a:t>
-            </a:r>
-            <a:r>
-              <a:rPr lang="en-GB" dirty="0" err="1" smtClean="0"/>
-              <a:t>Codd</a:t>
-            </a:r>
-            <a:r>
-              <a:rPr lang="en-GB" dirty="0" smtClean="0"/>
-              <a:t>  - “A Relational Model of Data for Large Shared Data Banks”</a:t>
-            </a:r>
-          </a:p>
-          <a:p>
-            <a:endParaRPr lang="en-GB" dirty="0"/>
-          </a:p>
-          <a:p>
-            <a:r>
-              <a:rPr lang="en-GB" dirty="0" smtClean="0"/>
-              <a:t>Widespread Adoption, Heavy Vendor Investment</a:t>
-            </a:r>
-          </a:p>
-          <a:p>
-            <a:endParaRPr lang="en-GB" dirty="0"/>
-          </a:p>
-        </p:txBody>
-      </p:sp>
-    </p:spTree>
-    <p:extLst>
-      <p:ext uri="{BB962C8B-B14F-4D97-AF65-F5344CB8AC3E}">
-        <p14:creationId xmlns:p14="http://schemas.microsoft.com/office/powerpoint/2010/main" val="645039834"/>
-      </p:ext>
-    </p:extLst>
-  </p:cSld>
-  <p:clrMapOvr>
-    <a:masterClrMapping/>
-  </p:clrMapOvr>
-  <p:timing>
-    <p:tnLst>
-      <p:par>
-        <p:cTn id="1" dur="indefinite" restart="never" nodeType="tmRoot"/>
-      </p:par>
-    </p:tnLst>
-  </p:timing>
-</p:sld>
-</file>
-
-<file path=ppt/slides/slide50.xml><?xml version="1.0" encoding="utf-8"?>
+<file path=ppt/slides/slide51.xml><?xml version="1.0" encoding="utf-8"?>
 <p:sld xmlns:a="http://schemas.openxmlformats.org/drawingml/2006/main" xmlns:r="http://schemas.openxmlformats.org/officeDocument/2006/relationships" xmlns:p="http://schemas.openxmlformats.org/presentationml/2006/main">
   <p:cSld>
     <p:bg>
@@ -20524,131 +20736,6 @@
 </p:sld>
 </file>
 
-<file path=ppt/slides/slide51.xml><?xml version="1.0" encoding="utf-8"?>
-<p:sld xmlns:a="http://schemas.openxmlformats.org/drawingml/2006/main" xmlns:r="http://schemas.openxmlformats.org/officeDocument/2006/relationships" xmlns:p="http://schemas.openxmlformats.org/presentationml/2006/main">
-  <p:cSld>
-    <p:bg>
-      <p:bgPr>
-        <a:solidFill>
-          <a:schemeClr val="bg1"/>
-        </a:solidFill>
-        <a:effectLst/>
-      </p:bgPr>
-    </p:bg>
-    <p:spTree>
-      <p:nvGrpSpPr>
-        <p:cNvPr id="1" name=""/>
-        <p:cNvGrpSpPr/>
-        <p:nvPr/>
-      </p:nvGrpSpPr>
-      <p:grpSpPr>
-        <a:xfrm>
-          <a:off x="0" y="0"/>
-          <a:ext cx="0" cy="0"/>
-          <a:chOff x="0" y="0"/>
-          <a:chExt cx="0" cy="0"/>
-        </a:xfrm>
-      </p:grpSpPr>
-      <p:sp>
-        <p:nvSpPr>
-          <p:cNvPr id="2" name="Title 1"/>
-          <p:cNvSpPr>
-            <a:spLocks noGrp="1"/>
-          </p:cNvSpPr>
-          <p:nvPr>
-            <p:ph type="title"/>
-          </p:nvPr>
-        </p:nvSpPr>
-        <p:spPr/>
-        <p:txBody>
-          <a:bodyPr/>
-          <a:lstStyle/>
-          <a:p>
-            <a:r>
-              <a:rPr lang="en-GB" dirty="0" err="1" smtClean="0"/>
-              <a:t>MapReduce</a:t>
-            </a:r>
-            <a:endParaRPr lang="en-GB" dirty="0"/>
-          </a:p>
-        </p:txBody>
-      </p:sp>
-      <p:sp>
-        <p:nvSpPr>
-          <p:cNvPr id="3" name="Content Placeholder 2"/>
-          <p:cNvSpPr>
-            <a:spLocks noGrp="1"/>
-          </p:cNvSpPr>
-          <p:nvPr>
-            <p:ph idx="1"/>
-          </p:nvPr>
-        </p:nvSpPr>
-        <p:spPr/>
-        <p:txBody>
-          <a:bodyPr/>
-          <a:lstStyle/>
-          <a:p>
-            <a:r>
-              <a:rPr lang="en-GB" dirty="0" smtClean="0"/>
-              <a:t>Method of aggregating data from multiple nodes</a:t>
-            </a:r>
-          </a:p>
-          <a:p>
-            <a:endParaRPr lang="en-GB" dirty="0"/>
-          </a:p>
-          <a:p>
-            <a:r>
-              <a:rPr lang="en-GB" dirty="0" smtClean="0"/>
-              <a:t>“Send the work to the data”</a:t>
-            </a:r>
-          </a:p>
-          <a:p>
-            <a:endParaRPr lang="en-GB" dirty="0"/>
-          </a:p>
-          <a:p>
-            <a:r>
-              <a:rPr lang="en-GB" dirty="0" smtClean="0"/>
-              <a:t>Also implemented in </a:t>
-            </a:r>
-            <a:r>
-              <a:rPr lang="en-GB" dirty="0" err="1" smtClean="0"/>
-              <a:t>Riak</a:t>
-            </a:r>
-            <a:r>
-              <a:rPr lang="en-GB" dirty="0" smtClean="0"/>
-              <a:t>, MongoDB</a:t>
-            </a:r>
-            <a:r>
-              <a:rPr lang="en-GB" dirty="0"/>
-              <a:t> </a:t>
-            </a:r>
-            <a:r>
-              <a:rPr lang="en-GB" dirty="0" smtClean="0"/>
-              <a:t>(etc.)</a:t>
-            </a:r>
-            <a:endParaRPr lang="en-GB" dirty="0"/>
-          </a:p>
-        </p:txBody>
-      </p:sp>
-    </p:spTree>
-    <p:extLst>
-      <p:ext uri="{BB962C8B-B14F-4D97-AF65-F5344CB8AC3E}">
-        <p14:creationId xmlns:p14="http://schemas.microsoft.com/office/powerpoint/2010/main" val="1303029299"/>
-      </p:ext>
-    </p:extLst>
-  </p:cSld>
-  <p:clrMapOvr>
-    <a:masterClrMapping/>
-  </p:clrMapOvr>
-  <p:timing>
-    <p:tnLst>
-      <p:par>
-        <p:cTn id="1" dur="indefinite" restart="never" nodeType="tmRoot"/>
-      </p:par>
-    </p:tnLst>
-  </p:timing>
-</p:sld>
-</file>
-
 <file path=ppt/slides/slide52.xml><?xml version="1.0" encoding="utf-8"?>
 <p:sld xmlns:a="http://schemas.openxmlformats.org/drawingml/2006/main" xmlns:r="http://schemas.openxmlformats.org/officeDocument/2006/relationships" xmlns:p="http://schemas.openxmlformats.org/presentationml/2006/main">
   <p:cSld>
@@ -20681,7 +20768,7 @@
             <a:spLocks noGrp="1"/>
           </p:cNvSpPr>
           <p:nvPr>
-            <p:ph type="ctrTitle"/>
+            <p:ph type="title"/>
           </p:nvPr>
         </p:nvSpPr>
         <p:spPr/>
@@ -20689,30 +20776,22 @@
           <a:bodyPr/>
           <a:lstStyle/>
           <a:p>
-            <a:r>
-              <a:rPr lang="en-GB" dirty="0" smtClean="0"/>
-              <a:t>(Hadoop </a:t>
-            </a:r>
             <a:r>
               <a:rPr lang="en-GB" dirty="0" err="1" smtClean="0"/>
               <a:t>MapReduce</a:t>
             </a:r>
-            <a:r>
-              <a:rPr lang="en-GB" dirty="0" smtClean="0"/>
-              <a:t> Demo)</a:t>
-            </a:r>
             <a:endParaRPr lang="en-GB" dirty="0"/>
           </a:p>
         </p:txBody>
       </p:sp>
       <p:sp>
         <p:nvSpPr>
-          <p:cNvPr id="3" name="Subtitle 2"/>
-          <p:cNvSpPr>
-            <a:spLocks noGrp="1"/>
-          </p:cNvSpPr>
-          <p:nvPr>
-            <p:ph type="subTitle" idx="1"/>
+          <p:cNvPr id="3" name="Content Placeholder 2"/>
+          <p:cNvSpPr>
+            <a:spLocks noGrp="1"/>
+          </p:cNvSpPr>
+          <p:nvPr>
+            <p:ph idx="1"/>
           </p:nvPr>
         </p:nvSpPr>
         <p:spPr/>
@@ -20720,14 +20799,52 @@
           <a:bodyPr/>
           <a:lstStyle/>
           <a:p>
-            <a:endParaRPr lang="en-GB"/>
+            <a:r>
+              <a:rPr lang="en-GB" dirty="0" smtClean="0"/>
+              <a:t>Method of aggregating data from multiple nodes</a:t>
+            </a:r>
+          </a:p>
+          <a:p>
+            <a:endParaRPr lang="en-GB" dirty="0"/>
+          </a:p>
+          <a:p>
+            <a:r>
+              <a:rPr lang="en-GB" dirty="0" smtClean="0"/>
+              <a:t>“Send the work to the data”</a:t>
+            </a:r>
+          </a:p>
+          <a:p>
+            <a:endParaRPr lang="en-GB" dirty="0"/>
+          </a:p>
+          <a:p>
+            <a:r>
+              <a:rPr lang="en-GB" dirty="0" smtClean="0"/>
+              <a:t>Also implemented in </a:t>
+            </a:r>
+            <a:r>
+              <a:rPr lang="en-GB" dirty="0" err="1" smtClean="0"/>
+              <a:t>Riak</a:t>
+            </a:r>
+            <a:r>
+              <a:rPr lang="en-GB" dirty="0" smtClean="0"/>
+              <a:t>, MongoDB</a:t>
+            </a:r>
+            <a:r>
+              <a:rPr lang="en-GB" dirty="0"/>
+              <a:t> </a:t>
+            </a:r>
+            <a:r>
+              <a:rPr lang="en-GB" dirty="0" smtClean="0"/>
+              <a:t>(etc.)</a:t>
+            </a:r>
+            <a:endParaRPr lang="en-GB" dirty="0"/>
           </a:p>
         </p:txBody>
       </p:sp>
     </p:spTree>
     <p:extLst>
       <p:ext uri="{BB962C8B-B14F-4D97-AF65-F5344CB8AC3E}">
-        <p14:creationId xmlns:p14="http://schemas.microsoft.com/office/powerpoint/2010/main" val="491001508"/>
+        <p14:creationId xmlns:p14="http://schemas.microsoft.com/office/powerpoint/2010/main" val="1303029299"/>
       </p:ext>
     </p:extLst>
   </p:cSld>
@@ -20776,6 +20893,101 @@
             <a:spLocks noGrp="1"/>
           </p:cNvSpPr>
           <p:nvPr>
+            <p:ph type="ctrTitle"/>
+          </p:nvPr>
+        </p:nvSpPr>
+        <p:spPr/>
+        <p:txBody>
+          <a:bodyPr/>
+          <a:lstStyle/>
+          <a:p>
+            <a:r>
+              <a:rPr lang="en-GB" dirty="0" smtClean="0"/>
+              <a:t>(Hadoop </a:t>
+            </a:r>
+            <a:r>
+              <a:rPr lang="en-GB" dirty="0" err="1" smtClean="0"/>
+              <a:t>MapReduce</a:t>
+            </a:r>
+            <a:r>
+              <a:rPr lang="en-GB" dirty="0" smtClean="0"/>
+              <a:t> Demo)</a:t>
+            </a:r>
+            <a:endParaRPr lang="en-GB" dirty="0"/>
+          </a:p>
+        </p:txBody>
+      </p:sp>
+      <p:sp>
+        <p:nvSpPr>
+          <p:cNvPr id="3" name="Subtitle 2"/>
+          <p:cNvSpPr>
+            <a:spLocks noGrp="1"/>
+          </p:cNvSpPr>
+          <p:nvPr>
+            <p:ph type="subTitle" idx="1"/>
+          </p:nvPr>
+        </p:nvSpPr>
+        <p:spPr/>
+        <p:txBody>
+          <a:bodyPr/>
+          <a:lstStyle/>
+          <a:p>
+            <a:endParaRPr lang="en-GB"/>
+          </a:p>
+        </p:txBody>
+      </p:sp>
+    </p:spTree>
+    <p:extLst>
+      <p:ext uri="{BB962C8B-B14F-4D97-AF65-F5344CB8AC3E}">
+        <p14:creationId xmlns:p14="http://schemas.microsoft.com/office/powerpoint/2010/main" val="491001508"/>
+      </p:ext>
+    </p:extLst>
+  </p:cSld>
+  <p:clrMapOvr>
+    <a:masterClrMapping/>
+  </p:clrMapOvr>
+  <p:timing>
+    <p:tnLst>
+      <p:par>
+        <p:cTn id="1" dur="indefinite" restart="never" nodeType="tmRoot"/>
+      </p:par>
+    </p:tnLst>
+  </p:timing>
+</p:sld>
+</file>
+
+<file path=ppt/slides/slide54.xml><?xml version="1.0" encoding="utf-8"?>
+<p:sld xmlns:a="http://schemas.openxmlformats.org/drawingml/2006/main" xmlns:r="http://schemas.openxmlformats.org/officeDocument/2006/relationships" xmlns:p="http://schemas.openxmlformats.org/presentationml/2006/main">
+  <p:cSld>
+    <p:bg>
+      <p:bgPr>
+        <a:solidFill>
+          <a:schemeClr val="bg1"/>
+        </a:solidFill>
+        <a:effectLst/>
+      </p:bgPr>
+    </p:bg>
+    <p:spTree>
+      <p:nvGrpSpPr>
+        <p:cNvPr id="1" name=""/>
+        <p:cNvGrpSpPr/>
+        <p:nvPr/>
+      </p:nvGrpSpPr>
+      <p:grpSpPr>
+        <a:xfrm>
+          <a:off x="0" y="0"/>
+          <a:ext cx="0" cy="0"/>
+          <a:chOff x="0" y="0"/>
+          <a:chExt cx="0" cy="0"/>
+        </a:xfrm>
+      </p:grpSpPr>
+      <p:sp>
+        <p:nvSpPr>
+          <p:cNvPr id="2" name="Title 1"/>
+          <p:cNvSpPr>
+            <a:spLocks noGrp="1"/>
+          </p:cNvSpPr>
+          <p:nvPr>
             <p:ph type="title"/>
           </p:nvPr>
         </p:nvSpPr>
@@ -20909,7 +21121,19 @@
             </a:r>
             <a:r>
               <a:rPr lang="en-GB" sz="2400" i="1" dirty="0" smtClean="0"/>
-              <a:t>, Flume, </a:t>
+              <a:t>, </a:t>
+            </a:r>
+            <a:r>
+              <a:rPr lang="en-GB" sz="2400" i="1" dirty="0" err="1" smtClean="0"/>
+              <a:t>Ambari</a:t>
+            </a:r>
+            <a:r>
+              <a:rPr lang="en-GB" sz="2400" i="1" dirty="0" smtClean="0"/>
+              <a:t>, Flume</a:t>
+            </a:r>
+            <a:r>
+              <a:rPr lang="en-GB" sz="2400" i="1" dirty="0" smtClean="0"/>
+              <a:t>, </a:t>
             </a:r>
             <a:r>
               <a:rPr lang="en-GB" sz="2400" i="1" dirty="0" err="1" smtClean="0"/>
@@ -21074,7 +21298,7 @@
 </p:sld>
 </file>
 
-<file path=ppt/slides/slide54.xml><?xml version="1.0" encoding="utf-8"?>
+<file path=ppt/slides/slide55.xml><?xml version="1.0" encoding="utf-8"?>
 <p:sld xmlns:a="http://schemas.openxmlformats.org/drawingml/2006/main" xmlns:r="http://schemas.openxmlformats.org/officeDocument/2006/relationships" xmlns:p="http://schemas.openxmlformats.org/presentationml/2006/main">
   <p:cSld>
     <p:bg>
@@ -21116,11 +21340,7 @@
           <a:p>
             <a:r>
               <a:rPr lang="en-GB" dirty="0" smtClean="0"/>
-              <a:t>Graph </a:t>
-            </a:r>
-            <a:r>
-              <a:rPr lang="en-GB" dirty="0" smtClean="0"/>
-              <a:t>Databases</a:t>
+              <a:t>Graph Databases</a:t>
             </a:r>
             <a:endParaRPr lang="en-GB" dirty="0"/>
           </a:p>
@@ -21184,11 +21404,7 @@
           <a:p>
             <a:r>
               <a:rPr lang="en-GB" dirty="0" smtClean="0"/>
-              <a:t>Not </a:t>
-            </a:r>
-            <a:r>
-              <a:rPr lang="en-GB" dirty="0" smtClean="0"/>
-              <a:t>relational – but not “standard” NoSQL</a:t>
+              <a:t>Not relational – but not “standard” NoSQL</a:t>
             </a:r>
           </a:p>
           <a:p>
@@ -21276,7 +21492,7 @@
 </p:sld>
 </file>
 
-<file path=ppt/slides/slide55.xml><?xml version="1.0" encoding="utf-8"?>
+<file path=ppt/slides/slide56.xml><?xml version="1.0" encoding="utf-8"?>
 <p:sld xmlns:a="http://schemas.openxmlformats.org/drawingml/2006/main" xmlns:r="http://schemas.openxmlformats.org/officeDocument/2006/relationships" xmlns:p="http://schemas.openxmlformats.org/presentationml/2006/main">
   <p:cSld>
     <p:spTree>
@@ -21437,6 +21653,36 @@
           </a:p>
         </p:txBody>
       </p:sp>
+      <p:pic>
+        <p:nvPicPr>
+          <p:cNvPr id="4" name="Picture 3"/>
+          <p:cNvPicPr>
+            <a:picLocks noChangeAspect="1"/>
+          </p:cNvPicPr>
+          <p:nvPr/>
+        </p:nvPicPr>
+        <p:blipFill>
+          <a:blip r:embed="rId4">
+            <a:extLst>
+              <a:ext uri="{28A0092B-C50C-407E-A947-70E740481C1C}">
+                <a14:useLocalDpi xmlns:a14="http://schemas.microsoft.com/office/drawing/2010/main" val="0"/>
+              </a:ext>
+            </a:extLst>
+          </a:blip>
+          <a:stretch>
+            <a:fillRect/>
+          </a:stretch>
+        </p:blipFill>
+        <p:spPr>
+          <a:xfrm>
+            <a:off x="6444208" y="692696"/>
+            <a:ext cx="1872208" cy="1009524"/>
+          </a:xfrm>
+          <a:prstGeom prst="rect">
+            <a:avLst/>
+          </a:prstGeom>
+        </p:spPr>
+      </p:pic>
     </p:spTree>
     <p:extLst>
       <p:ext uri="{BB962C8B-B14F-4D97-AF65-F5344CB8AC3E}">
@@ -21457,7 +21703,7 @@
 </p:sld>
 </file>
 
-<file path=ppt/slides/slide56.xml><?xml version="1.0" encoding="utf-8"?>
+<file path=ppt/slides/slide57.xml><?xml version="1.0" encoding="utf-8"?>
 <p:sld xmlns:a="http://schemas.openxmlformats.org/drawingml/2006/main" xmlns:r="http://schemas.openxmlformats.org/officeDocument/2006/relationships" xmlns:p="http://schemas.openxmlformats.org/presentationml/2006/main">
   <p:cSld>
     <p:bg>
@@ -21499,11 +21745,7 @@
           <a:p>
             <a:r>
               <a:rPr lang="en-GB" dirty="0" smtClean="0"/>
-              <a:t>Neo4j </a:t>
-            </a:r>
-            <a:r>
-              <a:rPr lang="en-GB" dirty="0" smtClean="0"/>
-              <a:t>– Data Model Design</a:t>
+              <a:t>Neo4j – Data Model Design</a:t>
             </a:r>
             <a:endParaRPr lang="en-GB" dirty="0"/>
           </a:p>
@@ -21735,6 +21977,36 @@
           </a:fontRef>
         </p:style>
       </p:cxnSp>
+      <p:pic>
+        <p:nvPicPr>
+          <p:cNvPr id="9" name="Picture 8"/>
+          <p:cNvPicPr>
+            <a:picLocks noChangeAspect="1"/>
+          </p:cNvPicPr>
+          <p:nvPr/>
+        </p:nvPicPr>
+        <p:blipFill>
+          <a:blip r:embed="rId6">
+            <a:extLst>
+              <a:ext uri="{28A0092B-C50C-407E-A947-70E740481C1C}">
+                <a14:useLocalDpi xmlns:a14="http://schemas.microsoft.com/office/drawing/2010/main" val="0"/>
+              </a:ext>
+            </a:extLst>
+          </a:blip>
+          <a:stretch>
+            <a:fillRect/>
+          </a:stretch>
+        </p:blipFill>
+        <p:spPr>
+          <a:xfrm>
+            <a:off x="6876256" y="1988840"/>
+            <a:ext cx="1512168" cy="815385"/>
+          </a:xfrm>
+          <a:prstGeom prst="rect">
+            <a:avLst/>
+          </a:prstGeom>
+        </p:spPr>
+      </p:pic>
     </p:spTree>
     <p:extLst>
       <p:ext uri="{BB962C8B-B14F-4D97-AF65-F5344CB8AC3E}">
@@ -21755,7 +22027,7 @@
 </p:sld>
 </file>
 
-<file path=ppt/slides/slide57.xml><?xml version="1.0" encoding="utf-8"?>
+<file path=ppt/slides/slide58.xml><?xml version="1.0" encoding="utf-8"?>
 <p:sld xmlns:a="http://schemas.openxmlformats.org/drawingml/2006/main" xmlns:r="http://schemas.openxmlformats.org/officeDocument/2006/relationships" xmlns:p="http://schemas.openxmlformats.org/presentationml/2006/main">
   <p:cSld>
     <p:bg>
@@ -21825,19 +22097,7 @@
           <a:p>
             <a:r>
               <a:rPr lang="en-GB" sz="3600" dirty="0" smtClean="0"/>
-              <a:t>Sketch  </a:t>
-            </a:r>
-            <a:r>
-              <a:rPr lang="en-GB" sz="3600" dirty="0" smtClean="0"/>
-              <a:t>-&gt; </a:t>
-            </a:r>
-            <a:r>
-              <a:rPr lang="en-GB" sz="3600" dirty="0" smtClean="0"/>
-              <a:t>Code -&gt; </a:t>
-            </a:r>
-            <a:r>
-              <a:rPr lang="en-GB" sz="3600" dirty="0" smtClean="0"/>
-              <a:t>Model</a:t>
+              <a:t>Sketch  -&gt; Code -&gt; Model</a:t>
             </a:r>
           </a:p>
           <a:p>
@@ -21884,6 +22144,36 @@
           </a:p>
         </p:txBody>
       </p:sp>
+      <p:pic>
+        <p:nvPicPr>
+          <p:cNvPr id="4" name="Picture 3"/>
+          <p:cNvPicPr>
+            <a:picLocks noChangeAspect="1"/>
+          </p:cNvPicPr>
+          <p:nvPr/>
+        </p:nvPicPr>
+        <p:blipFill>
+          <a:blip r:embed="rId3">
+            <a:extLst>
+              <a:ext uri="{28A0092B-C50C-407E-A947-70E740481C1C}">
+                <a14:useLocalDpi xmlns:a14="http://schemas.microsoft.com/office/drawing/2010/main" val="0"/>
+              </a:ext>
+            </a:extLst>
+          </a:blip>
+          <a:stretch>
+            <a:fillRect/>
+          </a:stretch>
+        </p:blipFill>
+        <p:spPr>
+          <a:xfrm>
+            <a:off x="6876256" y="476672"/>
+            <a:ext cx="1872208" cy="1009524"/>
+          </a:xfrm>
+          <a:prstGeom prst="rect">
+            <a:avLst/>
+          </a:prstGeom>
+        </p:spPr>
+      </p:pic>
     </p:spTree>
     <p:extLst>
       <p:ext uri="{BB962C8B-B14F-4D97-AF65-F5344CB8AC3E}">
@@ -22025,138 +22315,6 @@
 </p:sld>
 </file>
 
-<file path=ppt/slides/slide58.xml><?xml version="1.0" encoding="utf-8"?>
-<p:sld xmlns:a="http://schemas.openxmlformats.org/drawingml/2006/main" xmlns:r="http://schemas.openxmlformats.org/officeDocument/2006/relationships" xmlns:p="http://schemas.openxmlformats.org/presentationml/2006/main">
-  <p:cSld>
-    <p:bg>
-      <p:bgPr>
-        <a:solidFill>
-          <a:schemeClr val="bg1"/>
-        </a:solidFill>
-        <a:effectLst/>
-      </p:bgPr>
-    </p:bg>
-    <p:spTree>
-      <p:nvGrpSpPr>
-        <p:cNvPr id="1" name=""/>
-        <p:cNvGrpSpPr/>
-        <p:nvPr/>
-      </p:nvGrpSpPr>
-      <p:grpSpPr>
-        <a:xfrm>
-          <a:off x="0" y="0"/>
-          <a:ext cx="0" cy="0"/>
-          <a:chOff x="0" y="0"/>
-          <a:chExt cx="0" cy="0"/>
-        </a:xfrm>
-      </p:grpSpPr>
-      <p:sp>
-        <p:nvSpPr>
-          <p:cNvPr id="2" name="Title 1"/>
-          <p:cNvSpPr>
-            <a:spLocks noGrp="1"/>
-          </p:cNvSpPr>
-          <p:nvPr>
-            <p:ph type="title"/>
-          </p:nvPr>
-        </p:nvSpPr>
-        <p:spPr/>
-        <p:txBody>
-          <a:bodyPr/>
-          <a:lstStyle/>
-          <a:p>
-            <a:r>
-              <a:rPr lang="en-GB" dirty="0" smtClean="0"/>
-              <a:t>Mixed Architectures</a:t>
-            </a:r>
-            <a:endParaRPr lang="en-GB" dirty="0"/>
-          </a:p>
-        </p:txBody>
-      </p:sp>
-      <p:sp>
-        <p:nvSpPr>
-          <p:cNvPr id="3" name="Content Placeholder 2"/>
-          <p:cNvSpPr>
-            <a:spLocks noGrp="1"/>
-          </p:cNvSpPr>
-          <p:nvPr>
-            <p:ph idx="1"/>
-          </p:nvPr>
-        </p:nvSpPr>
-        <p:spPr/>
-        <p:txBody>
-          <a:bodyPr>
-            <a:normAutofit/>
-          </a:bodyPr>
-          <a:lstStyle/>
-          <a:p>
-            <a:r>
-              <a:rPr lang="en-GB" dirty="0" smtClean="0"/>
-              <a:t>“Polyglot Persistence” (Fowler)</a:t>
-            </a:r>
-          </a:p>
-          <a:p>
-            <a:endParaRPr lang="en-GB" dirty="0" smtClean="0"/>
-          </a:p>
-          <a:p>
-            <a:r>
-              <a:rPr lang="en-GB" dirty="0" smtClean="0"/>
-              <a:t>Business Process Requirements</a:t>
-            </a:r>
-          </a:p>
-          <a:p>
-            <a:endParaRPr lang="en-GB" dirty="0" smtClean="0"/>
-          </a:p>
-          <a:p>
-            <a:r>
-              <a:rPr lang="en-GB" dirty="0" smtClean="0"/>
-              <a:t>Read-Write Split:</a:t>
-            </a:r>
-          </a:p>
-          <a:p>
-            <a:pPr lvl="1"/>
-            <a:r>
-              <a:rPr lang="en-GB" dirty="0" smtClean="0"/>
-              <a:t>Reporting Database</a:t>
-            </a:r>
-          </a:p>
-          <a:p>
-            <a:pPr lvl="1"/>
-            <a:r>
-              <a:rPr lang="en-GB" dirty="0" smtClean="0"/>
-              <a:t>Data Warehousing</a:t>
-            </a:r>
-          </a:p>
-          <a:p>
-            <a:pPr lvl="1"/>
-            <a:r>
-              <a:rPr lang="en-GB" dirty="0" smtClean="0"/>
-              <a:t>CQRS</a:t>
-            </a:r>
-            <a:endParaRPr lang="en-GB" dirty="0"/>
-          </a:p>
-        </p:txBody>
-      </p:sp>
-    </p:spTree>
-    <p:extLst>
-      <p:ext uri="{BB962C8B-B14F-4D97-AF65-F5344CB8AC3E}">
-        <p14:creationId xmlns:p14="http://schemas.microsoft.com/office/powerpoint/2010/main" val="1132971709"/>
-      </p:ext>
-    </p:extLst>
-  </p:cSld>
-  <p:clrMapOvr>
-    <a:masterClrMapping/>
-  </p:clrMapOvr>
-  <p:timing>
-    <p:tnLst>
-      <p:par>
-        <p:cTn id="1" dur="indefinite" restart="never" nodeType="tmRoot"/>
-      </p:par>
-    </p:tnLst>
-  </p:timing>
-</p:sld>
-</file>
-
 <file path=ppt/slides/slide59.xml><?xml version="1.0" encoding="utf-8"?>
 <p:sld xmlns:a="http://schemas.openxmlformats.org/drawingml/2006/main" xmlns:r="http://schemas.openxmlformats.org/officeDocument/2006/relationships" xmlns:p="http://schemas.openxmlformats.org/presentationml/2006/main">
   <p:cSld>
@@ -22199,7 +22357,7 @@
           <a:p>
             <a:r>
               <a:rPr lang="en-GB" dirty="0" smtClean="0"/>
-              <a:t>Business Processes (Amazon)</a:t>
+              <a:t>Mixed Architectures</a:t>
             </a:r>
             <a:endParaRPr lang="en-GB" dirty="0"/>
           </a:p>
@@ -22218,83 +22376,81 @@
         <p:spPr/>
         <p:txBody>
           <a:bodyPr>
-            <a:normAutofit fontScale="85000" lnSpcReduction="20000"/>
+            <a:normAutofit lnSpcReduction="10000"/>
           </a:bodyPr>
           <a:lstStyle/>
           <a:p>
             <a:r>
-              <a:rPr lang="en-GB" dirty="0"/>
-              <a:t>“For the checkout process you always want to </a:t>
-            </a:r>
-            <a:r>
-              <a:rPr lang="en-GB" dirty="0" err="1"/>
-              <a:t>honor</a:t>
-            </a:r>
-            <a:r>
-              <a:rPr lang="en-GB" dirty="0"/>
-              <a:t> requests to add items to a shopping cart because it's revenue producing. </a:t>
-            </a:r>
-            <a:r>
-              <a:rPr lang="en-GB" b="1" dirty="0"/>
-              <a:t>In this case you choose high availability.</a:t>
-            </a:r>
-            <a:r>
-              <a:rPr lang="en-GB" dirty="0"/>
-              <a:t> Errors are hidden from the customer and sorted out later.” </a:t>
+              <a:rPr lang="en-GB" dirty="0" smtClean="0"/>
+              <a:t>“Polyglot </a:t>
+            </a:r>
+            <a:r>
+              <a:rPr lang="en-GB" dirty="0" smtClean="0"/>
+              <a:t>Persistence”</a:t>
+            </a:r>
+            <a:endParaRPr lang="en-GB" dirty="0"/>
+          </a:p>
+          <a:p>
+            <a:pPr lvl="1"/>
+            <a:r>
+              <a:rPr lang="en-GB" sz="2000" dirty="0" smtClean="0">
+                <a:hlinkClick r:id="rId2"/>
+              </a:rPr>
+              <a:t>martinfowler.com/</a:t>
+            </a:r>
+            <a:r>
+              <a:rPr lang="en-GB" sz="2000" dirty="0" err="1" smtClean="0">
+                <a:hlinkClick r:id="rId2"/>
+              </a:rPr>
+              <a:t>bliki</a:t>
+            </a:r>
+            <a:r>
+              <a:rPr lang="en-GB" sz="2000" dirty="0" smtClean="0">
+                <a:hlinkClick r:id="rId2"/>
+              </a:rPr>
+              <a:t>/PolyglotPersistence.html</a:t>
+            </a:r>
+            <a:endParaRPr lang="en-GB" sz="2000" dirty="0" smtClean="0"/>
+          </a:p>
+          <a:p>
+            <a:endParaRPr lang="en-GB" sz="2000" dirty="0" smtClean="0"/>
+          </a:p>
+          <a:p>
+            <a:r>
+              <a:rPr lang="en-GB" dirty="0" smtClean="0"/>
+              <a:t>Different Business Processes</a:t>
             </a:r>
             <a:endParaRPr lang="en-GB" dirty="0" smtClean="0"/>
           </a:p>
           <a:p>
-            <a:endParaRPr lang="en-GB" dirty="0"/>
-          </a:p>
-          <a:p>
-            <a:r>
-              <a:rPr lang="en-GB" dirty="0" smtClean="0"/>
-              <a:t>“</a:t>
-            </a:r>
-            <a:r>
-              <a:rPr lang="en-GB" b="1" dirty="0"/>
-              <a:t>When a customer submits an order you </a:t>
-            </a:r>
-            <a:r>
-              <a:rPr lang="en-GB" b="1" dirty="0" err="1"/>
-              <a:t>favor</a:t>
-            </a:r>
-            <a:r>
-              <a:rPr lang="en-GB" b="1" dirty="0"/>
-              <a:t> consistency </a:t>
-            </a:r>
-            <a:r>
-              <a:rPr lang="en-GB" dirty="0"/>
-              <a:t>because several services--credit card processing, shipping and handling, reporting--are simultaneously accessing the data</a:t>
-            </a:r>
-            <a:r>
-              <a:rPr lang="en-GB" dirty="0" smtClean="0"/>
-              <a:t>.”</a:t>
-            </a:r>
-          </a:p>
-          <a:p>
-            <a:endParaRPr lang="en-GB" dirty="0"/>
-          </a:p>
-          <a:p>
-            <a:pPr marL="457200" lvl="1" indent="0" algn="ctr">
-              <a:buNone/>
-            </a:pPr>
-            <a:r>
-              <a:rPr lang="en-GB" dirty="0" smtClean="0">
-                <a:hlinkClick r:id="rId3"/>
-              </a:rPr>
-              <a:t>highscalability.com/amazon-architecture</a:t>
-            </a:r>
             <a:endParaRPr lang="en-GB" dirty="0" smtClean="0"/>
           </a:p>
           <a:p>
-            <a:pPr marL="457200" lvl="1" indent="0">
-              <a:buNone/>
-            </a:pPr>
-            <a:endParaRPr lang="en-GB" dirty="0"/>
-          </a:p>
-          <a:p>
+            <a:r>
+              <a:rPr lang="en-GB" dirty="0" smtClean="0"/>
+              <a:t>Read-Write Split:</a:t>
+            </a:r>
+          </a:p>
+          <a:p>
+            <a:pPr lvl="1"/>
+            <a:r>
+              <a:rPr lang="en-GB" dirty="0" smtClean="0"/>
+              <a:t>Reporting Database</a:t>
+            </a:r>
+          </a:p>
+          <a:p>
+            <a:pPr lvl="1"/>
+            <a:r>
+              <a:rPr lang="en-GB" dirty="0" smtClean="0"/>
+              <a:t>Data Warehousing</a:t>
+            </a:r>
+          </a:p>
+          <a:p>
+            <a:pPr lvl="1"/>
+            <a:r>
+              <a:rPr lang="en-GB" dirty="0" smtClean="0"/>
+              <a:t>CQRS</a:t>
+            </a:r>
             <a:endParaRPr lang="en-GB" dirty="0"/>
           </a:p>
         </p:txBody>
@@ -22302,7 +22458,7 @@
     </p:spTree>
     <p:extLst>
       <p:ext uri="{BB962C8B-B14F-4D97-AF65-F5344CB8AC3E}">
-        <p14:creationId xmlns:p14="http://schemas.microsoft.com/office/powerpoint/2010/main" val="2839110553"/>
+        <p14:creationId xmlns:p14="http://schemas.microsoft.com/office/powerpoint/2010/main" val="1132971709"/>
       </p:ext>
     </p:extLst>
   </p:cSld>
@@ -22479,7 +22635,7 @@
           <a:p>
             <a:r>
               <a:rPr lang="en-GB" dirty="0" smtClean="0"/>
-              <a:t>Reporting Systems</a:t>
+              <a:t>Business Processes (Amazon)</a:t>
             </a:r>
             <a:endParaRPr lang="en-GB" dirty="0"/>
           </a:p>
@@ -22497,47 +22653,100 @@
         </p:nvSpPr>
         <p:spPr/>
         <p:txBody>
-          <a:bodyPr/>
-          <a:lstStyle/>
-          <a:p>
-            <a:r>
-              <a:rPr lang="en-GB" dirty="0" smtClean="0"/>
-              <a:t>Traditional application/ BI division</a:t>
-            </a:r>
-          </a:p>
-          <a:p>
-            <a:pPr lvl="1"/>
-            <a:r>
-              <a:rPr lang="en-GB" dirty="0" smtClean="0"/>
-              <a:t>“Operational Data Store”</a:t>
-            </a:r>
-          </a:p>
-          <a:p>
-            <a:pPr lvl="1"/>
-            <a:r>
-              <a:rPr lang="en-GB" dirty="0" smtClean="0"/>
-              <a:t>Data Warehouse/ Marts</a:t>
-            </a:r>
-          </a:p>
-          <a:p>
-            <a:pPr lvl="1"/>
+          <a:bodyPr>
+            <a:normAutofit fontScale="85000" lnSpcReduction="20000"/>
+          </a:bodyPr>
+          <a:lstStyle/>
+          <a:p>
             <a:r>
               <a:rPr lang="en-GB" dirty="0"/>
-              <a:t>OLTP/ OLAP</a:t>
+              <a:t>“For the checkout process you always want to </a:t>
+            </a:r>
+            <a:r>
+              <a:rPr lang="en-GB" dirty="0" err="1"/>
+              <a:t>honor</a:t>
+            </a:r>
+            <a:r>
+              <a:rPr lang="en-GB" dirty="0"/>
+              <a:t> requests to add items to a shopping cart because it's revenue producing. </a:t>
+            </a:r>
+            <a:r>
+              <a:rPr lang="en-GB" b="1" dirty="0">
+                <a:solidFill>
+                  <a:srgbClr val="0070C0"/>
+                </a:solidFill>
+              </a:rPr>
+              <a:t>In this case you choose high availability.</a:t>
+            </a:r>
+            <a:r>
+              <a:rPr lang="en-GB" dirty="0"/>
+              <a:t> Errors are hidden from the customer and sorted out later.” </a:t>
             </a:r>
             <a:endParaRPr lang="en-GB" dirty="0" smtClean="0"/>
           </a:p>
           <a:p>
-            <a:pPr marL="0" indent="0">
+            <a:endParaRPr lang="en-GB" dirty="0"/>
+          </a:p>
+          <a:p>
+            <a:r>
+              <a:rPr lang="en-GB" dirty="0" smtClean="0"/>
+              <a:t>“</a:t>
+            </a:r>
+            <a:r>
+              <a:rPr lang="en-GB" b="1" dirty="0">
+                <a:solidFill>
+                  <a:srgbClr val="0070C0"/>
+                </a:solidFill>
+              </a:rPr>
+              <a:t>When a customer submits an order you </a:t>
+            </a:r>
+            <a:r>
+              <a:rPr lang="en-GB" b="1" dirty="0" err="1">
+                <a:solidFill>
+                  <a:srgbClr val="0070C0"/>
+                </a:solidFill>
+              </a:rPr>
+              <a:t>favor</a:t>
+            </a:r>
+            <a:r>
+              <a:rPr lang="en-GB" b="1" dirty="0">
+                <a:solidFill>
+                  <a:srgbClr val="0070C0"/>
+                </a:solidFill>
+              </a:rPr>
+              <a:t> consistency </a:t>
+            </a:r>
+            <a:r>
+              <a:rPr lang="en-GB" dirty="0"/>
+              <a:t>because several services--credit card processing, shipping and handling, reporting--are simultaneously accessing the data</a:t>
+            </a:r>
+            <a:r>
+              <a:rPr lang="en-GB" dirty="0" smtClean="0"/>
+              <a:t>.”</a:t>
+            </a:r>
+          </a:p>
+          <a:p>
+            <a:endParaRPr lang="en-GB" dirty="0"/>
+          </a:p>
+          <a:p>
+            <a:pPr marL="457200" lvl="1" indent="0" algn="ctr">
               <a:buNone/>
             </a:pPr>
+            <a:r>
+              <a:rPr lang="en-GB" dirty="0" smtClean="0">
+                <a:hlinkClick r:id="rId3"/>
+              </a:rPr>
+              <a:t>highscalability.com/amazon-architecture</a:t>
+            </a:r>
             <a:endParaRPr lang="en-GB" dirty="0" smtClean="0"/>
           </a:p>
           <a:p>
-            <a:r>
-              <a:rPr lang="en-GB" dirty="0" smtClean="0"/>
-              <a:t>Newer solutions (e.g., Cassandra &amp; Hadoop)</a:t>
-            </a:r>
+            <a:pPr marL="457200" lvl="1" indent="0">
+              <a:buNone/>
+            </a:pPr>
+            <a:endParaRPr lang="en-GB" dirty="0"/>
+          </a:p>
+          <a:p>
             <a:endParaRPr lang="en-GB" dirty="0"/>
           </a:p>
         </p:txBody>
@@ -22545,7 +22754,7 @@
     </p:spTree>
     <p:extLst>
       <p:ext uri="{BB962C8B-B14F-4D97-AF65-F5344CB8AC3E}">
-        <p14:creationId xmlns:p14="http://schemas.microsoft.com/office/powerpoint/2010/main" val="2578952539"/>
+        <p14:creationId xmlns:p14="http://schemas.microsoft.com/office/powerpoint/2010/main" val="2839110553"/>
       </p:ext>
     </p:extLst>
   </p:cSld>
@@ -22599,6 +22808,131 @@
         </p:nvSpPr>
         <p:spPr/>
         <p:txBody>
+          <a:bodyPr/>
+          <a:lstStyle/>
+          <a:p>
+            <a:r>
+              <a:rPr lang="en-GB" dirty="0" smtClean="0"/>
+              <a:t>Reporting Systems</a:t>
+            </a:r>
+            <a:endParaRPr lang="en-GB" dirty="0"/>
+          </a:p>
+        </p:txBody>
+      </p:sp>
+      <p:sp>
+        <p:nvSpPr>
+          <p:cNvPr id="3" name="Content Placeholder 2"/>
+          <p:cNvSpPr>
+            <a:spLocks noGrp="1"/>
+          </p:cNvSpPr>
+          <p:nvPr>
+            <p:ph idx="1"/>
+          </p:nvPr>
+        </p:nvSpPr>
+        <p:spPr/>
+        <p:txBody>
+          <a:bodyPr/>
+          <a:lstStyle/>
+          <a:p>
+            <a:r>
+              <a:rPr lang="en-GB" dirty="0" smtClean="0"/>
+              <a:t>Traditional application/ BI division</a:t>
+            </a:r>
+          </a:p>
+          <a:p>
+            <a:pPr lvl="1"/>
+            <a:r>
+              <a:rPr lang="en-GB" dirty="0" smtClean="0"/>
+              <a:t>“Operational Data Store”</a:t>
+            </a:r>
+          </a:p>
+          <a:p>
+            <a:pPr lvl="1"/>
+            <a:r>
+              <a:rPr lang="en-GB" dirty="0" smtClean="0"/>
+              <a:t>Data Warehouse/ Marts</a:t>
+            </a:r>
+          </a:p>
+          <a:p>
+            <a:pPr lvl="1"/>
+            <a:r>
+              <a:rPr lang="en-GB" dirty="0"/>
+              <a:t>OLTP/ OLAP</a:t>
+            </a:r>
+            <a:endParaRPr lang="en-GB" dirty="0" smtClean="0"/>
+          </a:p>
+          <a:p>
+            <a:pPr marL="0" indent="0">
+              <a:buNone/>
+            </a:pPr>
+            <a:endParaRPr lang="en-GB" dirty="0" smtClean="0"/>
+          </a:p>
+          <a:p>
+            <a:r>
+              <a:rPr lang="en-GB" dirty="0" smtClean="0"/>
+              <a:t>Newer solutions (e.g., Cassandra &amp; Hadoop)</a:t>
+            </a:r>
+            <a:endParaRPr lang="en-GB" dirty="0"/>
+          </a:p>
+        </p:txBody>
+      </p:sp>
+    </p:spTree>
+    <p:extLst>
+      <p:ext uri="{BB962C8B-B14F-4D97-AF65-F5344CB8AC3E}">
+        <p14:creationId xmlns:p14="http://schemas.microsoft.com/office/powerpoint/2010/main" val="2578952539"/>
+      </p:ext>
+    </p:extLst>
+  </p:cSld>
+  <p:clrMapOvr>
+    <a:masterClrMapping/>
+  </p:clrMapOvr>
+  <p:timing>
+    <p:tnLst>
+      <p:par>
+        <p:cTn id="1" dur="indefinite" restart="never" nodeType="tmRoot"/>
+      </p:par>
+    </p:tnLst>
+  </p:timing>
+</p:sld>
+</file>
+
+<file path=ppt/slides/slide62.xml><?xml version="1.0" encoding="utf-8"?>
+<p:sld xmlns:a="http://schemas.openxmlformats.org/drawingml/2006/main" xmlns:r="http://schemas.openxmlformats.org/officeDocument/2006/relationships" xmlns:p="http://schemas.openxmlformats.org/presentationml/2006/main">
+  <p:cSld>
+    <p:bg>
+      <p:bgPr>
+        <a:solidFill>
+          <a:schemeClr val="bg1"/>
+        </a:solidFill>
+        <a:effectLst/>
+      </p:bgPr>
+    </p:bg>
+    <p:spTree>
+      <p:nvGrpSpPr>
+        <p:cNvPr id="1" name=""/>
+        <p:cNvGrpSpPr/>
+        <p:nvPr/>
+      </p:nvGrpSpPr>
+      <p:grpSpPr>
+        <a:xfrm>
+          <a:off x="0" y="0"/>
+          <a:ext cx="0" cy="0"/>
+          <a:chOff x="0" y="0"/>
+          <a:chExt cx="0" cy="0"/>
+        </a:xfrm>
+      </p:grpSpPr>
+      <p:sp>
+        <p:nvSpPr>
+          <p:cNvPr id="2" name="Title 1"/>
+          <p:cNvSpPr>
+            <a:spLocks noGrp="1"/>
+          </p:cNvSpPr>
+          <p:nvPr>
+            <p:ph type="title"/>
+          </p:nvPr>
+        </p:nvSpPr>
+        <p:spPr/>
+        <p:txBody>
           <a:bodyPr>
             <a:normAutofit/>
           </a:bodyPr>
@@ -22657,7 +22991,6 @@
               <a:rPr lang="en-GB" sz="2400" i="1" u="sng" dirty="0" smtClean="0"/>
               <a:t>Asking a question is not the same as making a change</a:t>
             </a:r>
-            <a:endParaRPr lang="en-GB" sz="2400" i="1" u="sng" dirty="0" smtClean="0"/>
           </a:p>
           <a:p>
             <a:pPr marL="0" indent="0">
@@ -22677,15 +23010,7 @@
           <a:p>
             <a:r>
               <a:rPr lang="en-GB" dirty="0" smtClean="0"/>
-              <a:t>Can </a:t>
-            </a:r>
-            <a:r>
-              <a:rPr lang="en-GB" dirty="0" smtClean="0"/>
-              <a:t>pair with “Event Sourcing” – commutative </a:t>
-            </a:r>
-            <a:r>
-              <a:rPr lang="en-GB" dirty="0" smtClean="0"/>
-              <a:t>operations</a:t>
+              <a:t>Can pair with “Event Sourcing” – commutative operations</a:t>
             </a:r>
           </a:p>
         </p:txBody>
@@ -22710,7 +23035,7 @@
 </p:sld>
 </file>
 
-<file path=ppt/slides/slide62.xml><?xml version="1.0" encoding="utf-8"?>
+<file path=ppt/slides/slide63.xml><?xml version="1.0" encoding="utf-8"?>
 <p:sld xmlns:a="http://schemas.openxmlformats.org/drawingml/2006/main" xmlns:r="http://schemas.openxmlformats.org/officeDocument/2006/relationships" xmlns:p="http://schemas.openxmlformats.org/presentationml/2006/main">
   <p:cSld>
     <p:spTree>

--- a/Slides/Not Only SQL - Picking A Database for DotNET.pptx
+++ b/Slides/Not Only SQL - Picking A Database for DotNET.pptx
@@ -771,14 +771,6 @@
           <a:bodyPr/>
           <a:lstStyle/>
           <a:p>
-            <a:r>
-              <a:rPr lang="en-GB" dirty="0" smtClean="0"/>
-              <a:t>Let’s take</a:t>
-            </a:r>
-            <a:r>
-              <a:rPr lang="en-GB" baseline="0" dirty="0" smtClean="0"/>
-              <a:t> a quick look at how some of these features work.</a:t>
-            </a:r>
             <a:endParaRPr lang="en-GB" dirty="0"/>
           </a:p>
         </p:txBody>
@@ -2476,10 +2468,7 @@
           <a:bodyPr/>
           <a:lstStyle/>
           <a:p>
-            <a:r>
-              <a:rPr lang="en-GB" baseline="0" dirty="0" smtClean="0"/>
-              <a:t>http://docs.basho.com/riak/1.1.0/references/appendices/comparisons/Riak-Compared-to-Cassandra/</a:t>
-            </a:r>
+            <a:endParaRPr lang="en-GB" baseline="0" dirty="0" smtClean="0"/>
           </a:p>
         </p:txBody>
       </p:sp>
@@ -8276,7 +8265,9 @@
         </p:nvSpPr>
         <p:spPr/>
         <p:txBody>
-          <a:bodyPr/>
+          <a:bodyPr>
+            <a:normAutofit/>
+          </a:bodyPr>
           <a:lstStyle/>
           <a:p>
             <a:r>
@@ -8289,6 +8280,28 @@
           </a:p>
           <a:p>
             <a:r>
+              <a:rPr lang="en-GB" dirty="0"/>
+              <a:t>Runs </a:t>
+            </a:r>
+            <a:r>
+              <a:rPr lang="en-GB" dirty="0" smtClean="0"/>
+              <a:t>on </a:t>
+            </a:r>
+            <a:r>
+              <a:rPr lang="en-GB" dirty="0"/>
+              <a:t>Windows </a:t>
+            </a:r>
+            <a:r>
+              <a:rPr lang="en-GB" dirty="0" smtClean="0"/>
+              <a:t>(as well as Linux/ MAC OS)</a:t>
+            </a:r>
+            <a:endParaRPr lang="en-GB" dirty="0" smtClean="0"/>
+          </a:p>
+          <a:p>
+            <a:endParaRPr lang="en-GB" dirty="0" smtClean="0"/>
+          </a:p>
+          <a:p>
+            <a:r>
               <a:rPr lang="en-GB" dirty="0" smtClean="0"/>
               <a:t>“Object-Relational”</a:t>
             </a:r>
@@ -8303,13 +8316,6 @@
             </a:r>
           </a:p>
           <a:p>
-            <a:endParaRPr lang="en-GB" dirty="0"/>
-          </a:p>
-          <a:p>
-            <a:r>
-              <a:rPr lang="en-GB" dirty="0" smtClean="0"/>
-              <a:t>Runs okay on Windows or Linux</a:t>
-            </a:r>
             <a:endParaRPr lang="en-GB" dirty="0"/>
           </a:p>
         </p:txBody>
@@ -15517,8 +15523,20 @@
           <a:p>
             <a:r>
               <a:rPr lang="en-GB" dirty="0" smtClean="0"/>
-              <a:t>Highly optimised for availability</a:t>
-            </a:r>
+              <a:t>Highly optimised for </a:t>
+            </a:r>
+            <a:r>
+              <a:rPr lang="en-GB" dirty="0" smtClean="0"/>
+              <a:t>availability</a:t>
+            </a:r>
+          </a:p>
+          <a:p>
+            <a:pPr lvl="1"/>
+            <a:r>
+              <a:rPr lang="en-GB" dirty="0" smtClean="0"/>
+              <a:t>Based on Amazon “Dynamo” paper</a:t>
+            </a:r>
+            <a:endParaRPr lang="en-GB" dirty="0" smtClean="0"/>
           </a:p>
           <a:p>
             <a:endParaRPr lang="en-GB" dirty="0"/>
@@ -18736,6 +18754,66 @@
           </a:p>
         </p:txBody>
       </p:sp>
+      <p:pic>
+        <p:nvPicPr>
+          <p:cNvPr id="4" name="Picture 3"/>
+          <p:cNvPicPr>
+            <a:picLocks noChangeAspect="1"/>
+          </p:cNvPicPr>
+          <p:nvPr/>
+        </p:nvPicPr>
+        <p:blipFill>
+          <a:blip r:embed="rId2">
+            <a:extLst>
+              <a:ext uri="{28A0092B-C50C-407E-A947-70E740481C1C}">
+                <a14:useLocalDpi xmlns:a14="http://schemas.microsoft.com/office/drawing/2010/main" val="0"/>
+              </a:ext>
+            </a:extLst>
+          </a:blip>
+          <a:stretch>
+            <a:fillRect/>
+          </a:stretch>
+        </p:blipFill>
+        <p:spPr>
+          <a:xfrm>
+            <a:off x="6948264" y="1700808"/>
+            <a:ext cx="1525712" cy="1015292"/>
+          </a:xfrm>
+          <a:prstGeom prst="rect">
+            <a:avLst/>
+          </a:prstGeom>
+        </p:spPr>
+      </p:pic>
+      <p:pic>
+        <p:nvPicPr>
+          <p:cNvPr id="6" name="Picture 5"/>
+          <p:cNvPicPr>
+            <a:picLocks noChangeAspect="1"/>
+          </p:cNvPicPr>
+          <p:nvPr/>
+        </p:nvPicPr>
+        <p:blipFill>
+          <a:blip r:embed="rId3">
+            <a:extLst>
+              <a:ext uri="{28A0092B-C50C-407E-A947-70E740481C1C}">
+                <a14:useLocalDpi xmlns:a14="http://schemas.microsoft.com/office/drawing/2010/main" val="0"/>
+              </a:ext>
+            </a:extLst>
+          </a:blip>
+          <a:stretch>
+            <a:fillRect/>
+          </a:stretch>
+        </p:blipFill>
+        <p:spPr>
+          <a:xfrm>
+            <a:off x="7020272" y="4365104"/>
+            <a:ext cx="1449685" cy="935281"/>
+          </a:xfrm>
+          <a:prstGeom prst="rect">
+            <a:avLst/>
+          </a:prstGeom>
+        </p:spPr>
+      </p:pic>
     </p:spTree>
     <p:extLst>
       <p:ext uri="{BB962C8B-B14F-4D97-AF65-F5344CB8AC3E}">
@@ -18791,50 +18869,71 @@
             <p:ph type="title"/>
           </p:nvPr>
         </p:nvSpPr>
+        <p:spPr>
+          <a:xfrm>
+            <a:off x="457200" y="274638"/>
+            <a:ext cx="6707088" cy="1143000"/>
+          </a:xfrm>
+        </p:spPr>
+        <p:txBody>
+          <a:bodyPr/>
+          <a:lstStyle/>
+          <a:p>
+            <a:r>
+              <a:rPr lang="en-GB" dirty="0" smtClean="0"/>
+              <a:t>Cloud </a:t>
+            </a:r>
+            <a:r>
+              <a:rPr lang="en-GB" dirty="0"/>
+              <a:t>Hosting </a:t>
+            </a:r>
+            <a:r>
+              <a:rPr lang="en-GB" dirty="0" smtClean="0"/>
+              <a:t>– MS Azure</a:t>
+            </a:r>
+            <a:endParaRPr lang="en-GB" dirty="0"/>
+          </a:p>
+        </p:txBody>
+      </p:sp>
+      <p:sp>
+        <p:nvSpPr>
+          <p:cNvPr id="3" name="Content Placeholder 2"/>
+          <p:cNvSpPr>
+            <a:spLocks noGrp="1"/>
+          </p:cNvSpPr>
+          <p:nvPr>
+            <p:ph idx="1"/>
+          </p:nvPr>
+        </p:nvSpPr>
         <p:spPr/>
         <p:txBody>
-          <a:bodyPr/>
-          <a:lstStyle/>
-          <a:p>
-            <a:r>
-              <a:rPr lang="en-GB" dirty="0" smtClean="0"/>
-              <a:t>Cloud Hosting</a:t>
-            </a:r>
-            <a:endParaRPr lang="en-GB" dirty="0"/>
-          </a:p>
-        </p:txBody>
-      </p:sp>
-      <p:sp>
-        <p:nvSpPr>
-          <p:cNvPr id="3" name="Content Placeholder 2"/>
-          <p:cNvSpPr>
-            <a:spLocks noGrp="1"/>
-          </p:cNvSpPr>
-          <p:nvPr>
-            <p:ph idx="1"/>
-          </p:nvPr>
-        </p:nvSpPr>
-        <p:spPr/>
-        <p:txBody>
           <a:bodyPr>
-            <a:normAutofit/>
+            <a:normAutofit lnSpcReduction="10000"/>
           </a:bodyPr>
           <a:lstStyle/>
           <a:p>
-            <a:r>
-              <a:rPr lang="en-GB" dirty="0" smtClean="0"/>
-              <a:t>Microsoft Azure</a:t>
-            </a:r>
-          </a:p>
-          <a:p>
-            <a:pPr lvl="1"/>
+            <a:pPr lvl="1">
+              <a:buFont typeface="Arial" panose="020B0604020202020204" pitchFamily="34" charset="0"/>
+              <a:buChar char="•"/>
+            </a:pPr>
             <a:r>
               <a:rPr lang="en-GB" dirty="0" smtClean="0"/>
               <a:t>Relational</a:t>
             </a:r>
-          </a:p>
-          <a:p>
-            <a:pPr lvl="1"/>
+            <a:endParaRPr lang="en-GB" dirty="0" smtClean="0"/>
+          </a:p>
+          <a:p>
+            <a:pPr lvl="1">
+              <a:buFont typeface="Arial" panose="020B0604020202020204" pitchFamily="34" charset="0"/>
+              <a:buChar char="•"/>
+            </a:pPr>
+            <a:endParaRPr lang="en-GB" dirty="0" smtClean="0"/>
+          </a:p>
+          <a:p>
+            <a:pPr lvl="1">
+              <a:buFont typeface="Arial" panose="020B0604020202020204" pitchFamily="34" charset="0"/>
+              <a:buChar char="•"/>
+            </a:pPr>
             <a:r>
               <a:rPr lang="en-GB" dirty="0" smtClean="0"/>
               <a:t>NoSQL</a:t>
@@ -18879,11 +18978,22 @@
             <a:endParaRPr lang="en-GB" sz="2000" dirty="0"/>
           </a:p>
           <a:p>
-            <a:pPr lvl="1"/>
+            <a:pPr lvl="1">
+              <a:buFont typeface="Arial" panose="020B0604020202020204" pitchFamily="34" charset="0"/>
+              <a:buChar char="•"/>
+            </a:pPr>
+            <a:endParaRPr lang="en-GB" dirty="0" smtClean="0"/>
+          </a:p>
+          <a:p>
+            <a:pPr lvl="1">
+              <a:buFont typeface="Arial" panose="020B0604020202020204" pitchFamily="34" charset="0"/>
+              <a:buChar char="•"/>
+            </a:pPr>
             <a:r>
               <a:rPr lang="en-GB" dirty="0" smtClean="0"/>
               <a:t>Analytics</a:t>
             </a:r>
+            <a:endParaRPr lang="en-GB" dirty="0" smtClean="0"/>
           </a:p>
           <a:p>
             <a:pPr lvl="2"/>
@@ -18910,6 +19020,36 @@
           </a:p>
         </p:txBody>
       </p:sp>
+      <p:pic>
+        <p:nvPicPr>
+          <p:cNvPr id="4" name="Picture 3"/>
+          <p:cNvPicPr>
+            <a:picLocks noChangeAspect="1"/>
+          </p:cNvPicPr>
+          <p:nvPr/>
+        </p:nvPicPr>
+        <p:blipFill>
+          <a:blip r:embed="rId2">
+            <a:extLst>
+              <a:ext uri="{28A0092B-C50C-407E-A947-70E740481C1C}">
+                <a14:useLocalDpi xmlns:a14="http://schemas.microsoft.com/office/drawing/2010/main" val="0"/>
+              </a:ext>
+            </a:extLst>
+          </a:blip>
+          <a:stretch>
+            <a:fillRect/>
+          </a:stretch>
+        </p:blipFill>
+        <p:spPr>
+          <a:xfrm>
+            <a:off x="7405439" y="332656"/>
+            <a:ext cx="1343025" cy="1343025"/>
+          </a:xfrm>
+          <a:prstGeom prst="rect">
+            <a:avLst/>
+          </a:prstGeom>
+        </p:spPr>
+      </p:pic>
     </p:spTree>
     <p:extLst>
       <p:ext uri="{BB962C8B-B14F-4D97-AF65-F5344CB8AC3E}">
@@ -18965,7 +19105,12 @@
             <p:ph type="title"/>
           </p:nvPr>
         </p:nvSpPr>
-        <p:spPr/>
+        <p:spPr>
+          <a:xfrm>
+            <a:off x="457200" y="274638"/>
+            <a:ext cx="6635080" cy="1143000"/>
+          </a:xfrm>
+        </p:spPr>
         <p:txBody>
           <a:bodyPr/>
           <a:lstStyle/>
@@ -18995,33 +19140,48 @@
         <p:spPr/>
         <p:txBody>
           <a:bodyPr>
-            <a:normAutofit lnSpcReduction="10000"/>
+            <a:normAutofit/>
           </a:bodyPr>
           <a:lstStyle/>
           <a:p>
             <a:r>
               <a:rPr lang="en-GB" dirty="0" smtClean="0"/>
-              <a:t>Proprietary Microsoft NoSQL offering</a:t>
-            </a:r>
-          </a:p>
-          <a:p>
-            <a:endParaRPr lang="en-GB" dirty="0" smtClean="0"/>
-          </a:p>
-          <a:p>
-            <a:r>
-              <a:rPr lang="en-GB" dirty="0" smtClean="0"/>
-              <a:t>JSON document format</a:t>
+              <a:t>Proprietary Microsoft NoSQL </a:t>
+            </a:r>
+            <a:r>
+              <a:rPr lang="en-GB" dirty="0" smtClean="0"/>
+              <a:t>DB</a:t>
+            </a:r>
+          </a:p>
+          <a:p>
+            <a:pPr lvl="1"/>
+            <a:r>
+              <a:rPr lang="en-GB" dirty="0" smtClean="0"/>
+              <a:t>JSON </a:t>
+            </a:r>
+            <a:r>
+              <a:rPr lang="en-GB" dirty="0" smtClean="0"/>
+              <a:t>document </a:t>
+            </a:r>
+            <a:r>
+              <a:rPr lang="en-GB" dirty="0" smtClean="0"/>
+              <a:t>format</a:t>
             </a:r>
             <a:endParaRPr lang="en-GB" dirty="0"/>
           </a:p>
           <a:p>
+            <a:pPr lvl="1"/>
             <a:r>
               <a:rPr lang="en-GB" dirty="0" err="1" smtClean="0"/>
               <a:t>Tunable</a:t>
             </a:r>
             <a:r>
               <a:rPr lang="en-GB" dirty="0" smtClean="0"/>
-              <a:t> Consistency</a:t>
+              <a:t> </a:t>
+            </a:r>
+            <a:r>
+              <a:rPr lang="en-GB" dirty="0" smtClean="0"/>
+              <a:t>Consistency</a:t>
             </a:r>
           </a:p>
           <a:p>
@@ -19030,8 +19190,13 @@
           <a:p>
             <a:r>
               <a:rPr lang="en-GB" dirty="0" smtClean="0"/>
-              <a:t>Caveats:</a:t>
-            </a:r>
+              <a:t>Caveats</a:t>
+            </a:r>
+            <a:r>
+              <a:rPr lang="en-GB" dirty="0" smtClean="0"/>
+              <a:t>:</a:t>
+            </a:r>
+            <a:endParaRPr lang="en-GB" dirty="0" smtClean="0"/>
           </a:p>
           <a:p>
             <a:pPr lvl="1"/>
@@ -19051,6 +19216,36 @@
           </a:p>
         </p:txBody>
       </p:sp>
+      <p:pic>
+        <p:nvPicPr>
+          <p:cNvPr id="4" name="Picture 3"/>
+          <p:cNvPicPr>
+            <a:picLocks noChangeAspect="1"/>
+          </p:cNvPicPr>
+          <p:nvPr/>
+        </p:nvPicPr>
+        <p:blipFill>
+          <a:blip r:embed="rId2">
+            <a:extLst>
+              <a:ext uri="{28A0092B-C50C-407E-A947-70E740481C1C}">
+                <a14:useLocalDpi xmlns:a14="http://schemas.microsoft.com/office/drawing/2010/main" val="0"/>
+              </a:ext>
+            </a:extLst>
+          </a:blip>
+          <a:stretch>
+            <a:fillRect/>
+          </a:stretch>
+        </p:blipFill>
+        <p:spPr>
+          <a:xfrm>
+            <a:off x="7405439" y="332656"/>
+            <a:ext cx="1343025" cy="1343025"/>
+          </a:xfrm>
+          <a:prstGeom prst="rect">
+            <a:avLst/>
+          </a:prstGeom>
+        </p:spPr>
+      </p:pic>
     </p:spTree>
     <p:extLst>
       <p:ext uri="{BB962C8B-B14F-4D97-AF65-F5344CB8AC3E}">

--- a/Slides/Not Only SQL - Picking A Database for DotNET.pptx
+++ b/Slides/Not Only SQL - Picking A Database for DotNET.pptx
@@ -19,47 +19,47 @@
     <p:sldId id="320" r:id="rId10"/>
     <p:sldId id="321" r:id="rId11"/>
     <p:sldId id="322" r:id="rId12"/>
-    <p:sldId id="323" r:id="rId13"/>
-    <p:sldId id="264" r:id="rId14"/>
-    <p:sldId id="265" r:id="rId15"/>
-    <p:sldId id="274" r:id="rId16"/>
-    <p:sldId id="276" r:id="rId17"/>
-    <p:sldId id="324" r:id="rId18"/>
-    <p:sldId id="277" r:id="rId19"/>
-    <p:sldId id="325" r:id="rId20"/>
-    <p:sldId id="280" r:id="rId21"/>
-    <p:sldId id="281" r:id="rId22"/>
-    <p:sldId id="283" r:id="rId23"/>
-    <p:sldId id="284" r:id="rId24"/>
-    <p:sldId id="285" r:id="rId25"/>
-    <p:sldId id="286" r:id="rId26"/>
-    <p:sldId id="287" r:id="rId27"/>
-    <p:sldId id="288" r:id="rId28"/>
-    <p:sldId id="289" r:id="rId29"/>
-    <p:sldId id="342" r:id="rId30"/>
-    <p:sldId id="327" r:id="rId31"/>
-    <p:sldId id="345" r:id="rId32"/>
-    <p:sldId id="290" r:id="rId33"/>
-    <p:sldId id="334" r:id="rId34"/>
-    <p:sldId id="295" r:id="rId35"/>
-    <p:sldId id="296" r:id="rId36"/>
-    <p:sldId id="297" r:id="rId37"/>
-    <p:sldId id="314" r:id="rId38"/>
-    <p:sldId id="333" r:id="rId39"/>
-    <p:sldId id="328" r:id="rId40"/>
-    <p:sldId id="331" r:id="rId41"/>
-    <p:sldId id="330" r:id="rId42"/>
-    <p:sldId id="337" r:id="rId43"/>
-    <p:sldId id="338" r:id="rId44"/>
-    <p:sldId id="339" r:id="rId45"/>
-    <p:sldId id="335" r:id="rId46"/>
-    <p:sldId id="336" r:id="rId47"/>
-    <p:sldId id="326" r:id="rId48"/>
-    <p:sldId id="329" r:id="rId49"/>
-    <p:sldId id="341" r:id="rId50"/>
-    <p:sldId id="340" r:id="rId51"/>
-    <p:sldId id="309" r:id="rId52"/>
-    <p:sldId id="302" r:id="rId53"/>
+    <p:sldId id="347" r:id="rId13"/>
+    <p:sldId id="323" r:id="rId14"/>
+    <p:sldId id="274" r:id="rId15"/>
+    <p:sldId id="276" r:id="rId16"/>
+    <p:sldId id="324" r:id="rId17"/>
+    <p:sldId id="277" r:id="rId18"/>
+    <p:sldId id="325" r:id="rId19"/>
+    <p:sldId id="280" r:id="rId20"/>
+    <p:sldId id="281" r:id="rId21"/>
+    <p:sldId id="283" r:id="rId22"/>
+    <p:sldId id="284" r:id="rId23"/>
+    <p:sldId id="285" r:id="rId24"/>
+    <p:sldId id="286" r:id="rId25"/>
+    <p:sldId id="287" r:id="rId26"/>
+    <p:sldId id="288" r:id="rId27"/>
+    <p:sldId id="289" r:id="rId28"/>
+    <p:sldId id="342" r:id="rId29"/>
+    <p:sldId id="327" r:id="rId30"/>
+    <p:sldId id="345" r:id="rId31"/>
+    <p:sldId id="290" r:id="rId32"/>
+    <p:sldId id="334" r:id="rId33"/>
+    <p:sldId id="295" r:id="rId34"/>
+    <p:sldId id="296" r:id="rId35"/>
+    <p:sldId id="297" r:id="rId36"/>
+    <p:sldId id="314" r:id="rId37"/>
+    <p:sldId id="333" r:id="rId38"/>
+    <p:sldId id="328" r:id="rId39"/>
+    <p:sldId id="331" r:id="rId40"/>
+    <p:sldId id="330" r:id="rId41"/>
+    <p:sldId id="337" r:id="rId42"/>
+    <p:sldId id="338" r:id="rId43"/>
+    <p:sldId id="339" r:id="rId44"/>
+    <p:sldId id="335" r:id="rId45"/>
+    <p:sldId id="336" r:id="rId46"/>
+    <p:sldId id="326" r:id="rId47"/>
+    <p:sldId id="329" r:id="rId48"/>
+    <p:sldId id="341" r:id="rId49"/>
+    <p:sldId id="340" r:id="rId50"/>
+    <p:sldId id="309" r:id="rId51"/>
+    <p:sldId id="302" r:id="rId52"/>
+    <p:sldId id="346" r:id="rId53"/>
     <p:sldId id="332" r:id="rId54"/>
     <p:sldId id="311" r:id="rId55"/>
     <p:sldId id="267" r:id="rId56"/>
@@ -191,11 +191,10 @@
             <p14:sldId id="322"/>
           </p14:sldIdLst>
         </p14:section>
-        <p14:section name="Improving Relational? MS SQL &amp; Postgres" id="{F65E2DF1-E0AD-42D2-8BA4-F0C7101E4368}">
+        <p14:section name="Serialization" id="{F65E2DF1-E0AD-42D2-8BA4-F0C7101E4368}">
           <p14:sldIdLst>
+            <p14:sldId id="347"/>
             <p14:sldId id="323"/>
-            <p14:sldId id="264"/>
-            <p14:sldId id="265"/>
           </p14:sldIdLst>
         </p14:section>
         <p14:section name="Scalability (Relational)" id="{B2F08BAC-3FB6-4021-8595-21CEAC80FD9A}">
@@ -266,6 +265,7 @@
             <p14:sldId id="340"/>
             <p14:sldId id="309"/>
             <p14:sldId id="302"/>
+            <p14:sldId id="346"/>
             <p14:sldId id="332"/>
             <p14:sldId id="311"/>
           </p14:sldIdLst>
@@ -375,7 +375,7 @@
           <a:p>
             <a:fld id="{4B8F0AD9-C137-4A52-8600-32592EF064CA}" type="datetimeFigureOut">
               <a:rPr lang="en-GB" smtClean="0"/>
-              <a:t>18/04/2015</a:t>
+              <a:t>26/04/2015</a:t>
             </a:fld>
             <a:endParaRPr lang="en-GB"/>
           </a:p>
@@ -771,6 +771,14 @@
           <a:bodyPr/>
           <a:lstStyle/>
           <a:p>
+            <a:r>
+              <a:rPr lang="en-GB" dirty="0" smtClean="0"/>
+              <a:t>Vertical scaling means that when we are</a:t>
+            </a:r>
+            <a:r>
+              <a:rPr lang="en-GB" baseline="0" dirty="0" smtClean="0"/>
+              <a:t> scoping a larger project, or adding capacity to an existing solution, we increase the resources allocated to each of one or more existing servers.  So more/ more powerful CPU cores, more RAM, bigger and faster disks, etc.</a:t>
+            </a:r>
             <a:endParaRPr lang="en-GB" dirty="0"/>
           </a:p>
         </p:txBody>
@@ -792,7 +800,7 @@
           <a:p>
             <a:fld id="{B88E1A96-A68C-4ED7-8535-7FE27C72D2F0}" type="slidenum">
               <a:rPr lang="en-GB" smtClean="0"/>
-              <a:t>14</a:t>
+              <a:t>15</a:t>
             </a:fld>
             <a:endParaRPr lang="en-GB"/>
           </a:p>
@@ -801,7 +809,7 @@
     </p:spTree>
     <p:extLst>
       <p:ext uri="{BB962C8B-B14F-4D97-AF65-F5344CB8AC3E}">
-        <p14:creationId xmlns:p14="http://schemas.microsoft.com/office/powerpoint/2010/main" val="340896733"/>
+        <p14:creationId xmlns:p14="http://schemas.microsoft.com/office/powerpoint/2010/main" val="3148679627"/>
       </p:ext>
     </p:extLst>
   </p:cSld>
@@ -855,6 +863,26 @@
           <a:bodyPr/>
           <a:lstStyle/>
           <a:p>
+            <a:r>
+              <a:rPr lang="en-GB" dirty="0" smtClean="0"/>
+              <a:t>The</a:t>
+            </a:r>
+            <a:r>
+              <a:rPr lang="en-GB" baseline="0" dirty="0" smtClean="0"/>
+              <a:t> alternative is horizontal scaling.  We don’t increase the size of the boxes but …</a:t>
+            </a:r>
+          </a:p>
+          <a:p>
+            <a:r>
+              <a:rPr lang="en-GB" baseline="0" dirty="0" smtClean="0"/>
+              <a:t>(SHOW ANIMATION)</a:t>
+            </a:r>
+          </a:p>
+          <a:p>
+            <a:r>
+              <a:rPr lang="en-GB" baseline="0" dirty="0" smtClean="0"/>
+              <a:t>…we use more of them.</a:t>
+            </a:r>
             <a:endParaRPr lang="en-GB" dirty="0"/>
           </a:p>
         </p:txBody>
@@ -876,7 +904,7 @@
           <a:p>
             <a:fld id="{B88E1A96-A68C-4ED7-8535-7FE27C72D2F0}" type="slidenum">
               <a:rPr lang="en-GB" smtClean="0"/>
-              <a:t>15</a:t>
+              <a:t>17</a:t>
             </a:fld>
             <a:endParaRPr lang="en-GB"/>
           </a:p>
@@ -885,7 +913,7 @@
     </p:spTree>
     <p:extLst>
       <p:ext uri="{BB962C8B-B14F-4D97-AF65-F5344CB8AC3E}">
-        <p14:creationId xmlns:p14="http://schemas.microsoft.com/office/powerpoint/2010/main" val="3709681251"/>
+        <p14:creationId xmlns:p14="http://schemas.microsoft.com/office/powerpoint/2010/main" val="2536771516"/>
       </p:ext>
     </p:extLst>
   </p:cSld>
@@ -941,13 +969,46 @@
           <a:p>
             <a:r>
               <a:rPr lang="en-GB" dirty="0" smtClean="0"/>
-              <a:t>Vertical scaling means that when we are</a:t>
+              <a:t>The feasibility</a:t>
             </a:r>
             <a:r>
               <a:rPr lang="en-GB" baseline="0" dirty="0" smtClean="0"/>
-              <a:t> scoping a larger project, or adding capacity to an existing solution, we increase the resources allocated to each of one or more existing servers.  So more/ more powerful CPU cores, more RAM, bigger and faster disks, etc.</a:t>
-            </a:r>
-            <a:endParaRPr lang="en-GB" dirty="0"/>
+              <a:t> of scaling horizontally really depends on the required workload.  If we’re dealing mostly with reads, we can use what’s called master-slave replication.  Basically, there is still one definitive version of the data – the master – and all writes are sent there.  We then push data out (replication techniques vary…) to copies of the master – these are the slaves.  These multiple servers allow us to respond to many more read requests.</a:t>
+            </a:r>
+          </a:p>
+          <a:p>
+            <a:r>
+              <a:rPr lang="en-GB" baseline="0" dirty="0" smtClean="0"/>
+              <a:t>The key thing to note here is that there is still only a single server for the write workload, and if anything it is doing more work than before (it also has to do some sort of work to broadcast changes to the slaves).  So if we have a lot of writes, we are going to either run into the same problems with vertical scaling as before, or need to move to an alternative (probably more complex) architecture.</a:t>
+            </a:r>
+          </a:p>
+          <a:p>
+            <a:pPr marL="0" marR="0" indent="0" algn="l" defTabSz="914400" rtl="0" eaLnBrk="1" fontAlgn="auto" latinLnBrk="0" hangingPunct="1">
+              <a:lnSpc>
+                <a:spcPct val="100000"/>
+              </a:lnSpc>
+              <a:spcBef>
+                <a:spcPts val="0"/>
+              </a:spcBef>
+              <a:spcAft>
+                <a:spcPts val="0"/>
+              </a:spcAft>
+              <a:buClrTx/>
+              <a:buSzTx/>
+              <a:buFontTx/>
+              <a:buNone/>
+              <a:tabLst/>
+              <a:defRPr/>
+            </a:pPr>
+            <a:r>
+              <a:rPr lang="en-GB" dirty="0" smtClean="0"/>
+              <a:t>NB: A “write-heavy” workload doesn’t need to mean a strict majority</a:t>
+            </a:r>
+            <a:r>
+              <a:rPr lang="en-GB" baseline="0" dirty="0" smtClean="0"/>
+              <a:t> of requests are writes, just that there are enough that this architecture of having one master, many slaves is not going to work.</a:t>
+            </a:r>
+            <a:endParaRPr lang="en-GB" dirty="0" smtClean="0"/>
           </a:p>
         </p:txBody>
       </p:sp>
@@ -968,7 +1029,7 @@
           <a:p>
             <a:fld id="{B88E1A96-A68C-4ED7-8535-7FE27C72D2F0}" type="slidenum">
               <a:rPr lang="en-GB" smtClean="0"/>
-              <a:t>16</a:t>
+              <a:t>19</a:t>
             </a:fld>
             <a:endParaRPr lang="en-GB"/>
           </a:p>
@@ -977,7 +1038,7 @@
     </p:spTree>
     <p:extLst>
       <p:ext uri="{BB962C8B-B14F-4D97-AF65-F5344CB8AC3E}">
-        <p14:creationId xmlns:p14="http://schemas.microsoft.com/office/powerpoint/2010/main" val="3148679627"/>
+        <p14:creationId xmlns:p14="http://schemas.microsoft.com/office/powerpoint/2010/main" val="915869242"/>
       </p:ext>
     </p:extLst>
   </p:cSld>
@@ -1033,25 +1094,65 @@
           <a:p>
             <a:r>
               <a:rPr lang="en-GB" dirty="0" smtClean="0"/>
-              <a:t>The</a:t>
+              <a:t>One of the</a:t>
             </a:r>
             <a:r>
               <a:rPr lang="en-GB" baseline="0" dirty="0" smtClean="0"/>
-              <a:t> alternative is horizontal scaling.  We don’t increase the size of the boxes but …</a:t>
-            </a:r>
-          </a:p>
-          <a:p>
+              <a:t> main ways that most database systems (including relational) can be scaled up horizontally for write workloads is through </a:t>
+            </a:r>
+            <a:r>
+              <a:rPr lang="en-GB" baseline="0" dirty="0" err="1" smtClean="0"/>
+              <a:t>sharding</a:t>
+            </a:r>
             <a:r>
               <a:rPr lang="en-GB" baseline="0" dirty="0" smtClean="0"/>
-              <a:t>(SHOW ANIMATION)</a:t>
+              <a:t>.</a:t>
             </a:r>
           </a:p>
           <a:p>
             <a:r>
               <a:rPr lang="en-GB" baseline="0" dirty="0" smtClean="0"/>
-              <a:t>…we use more of them.</a:t>
-            </a:r>
-            <a:endParaRPr lang="en-GB" dirty="0"/>
+              <a:t>At the highest level, </a:t>
+            </a:r>
+            <a:r>
+              <a:rPr lang="en-GB" baseline="0" dirty="0" err="1" smtClean="0"/>
+              <a:t>sharding</a:t>
+            </a:r>
+            <a:r>
+              <a:rPr lang="en-GB" baseline="0" dirty="0" smtClean="0"/>
+              <a:t> is relatively straightforward.  We store distinct parts of the data on each of several nodes.  Each node handles both reads and writes, so we can handle plenty of both types of traffic.</a:t>
+            </a:r>
+          </a:p>
+          <a:p>
+            <a:pPr marL="0" marR="0" indent="0" algn="l" defTabSz="914400" rtl="0" eaLnBrk="1" fontAlgn="auto" latinLnBrk="0" hangingPunct="1">
+              <a:lnSpc>
+                <a:spcPct val="100000"/>
+              </a:lnSpc>
+              <a:spcBef>
+                <a:spcPts val="0"/>
+              </a:spcBef>
+              <a:spcAft>
+                <a:spcPts val="0"/>
+              </a:spcAft>
+              <a:buClrTx/>
+              <a:buSzTx/>
+              <a:buFontTx/>
+              <a:buNone/>
+              <a:tabLst/>
+              <a:defRPr/>
+            </a:pPr>
+            <a:r>
+              <a:rPr lang="en-GB" baseline="0" dirty="0" smtClean="0"/>
+              <a:t>However – the devil is in the detail – what strategy do we use to distribute the data? – making sure our application knows where to send data to and retrieve it from?  How do we make sure we keep data sufficiently and evenly distributed?  This can add complexity to </a:t>
+            </a:r>
+            <a:r>
+              <a:rPr lang="en-GB" baseline="0" dirty="0" err="1" smtClean="0"/>
+              <a:t>sharding</a:t>
+            </a:r>
+            <a:r>
+              <a:rPr lang="en-GB" baseline="0" dirty="0" smtClean="0"/>
+              <a:t>, and traditional relational databases don’t always make this easy “out of the box”.</a:t>
+            </a:r>
           </a:p>
         </p:txBody>
       </p:sp>
@@ -1072,7 +1173,7 @@
           <a:p>
             <a:fld id="{B88E1A96-A68C-4ED7-8535-7FE27C72D2F0}" type="slidenum">
               <a:rPr lang="en-GB" smtClean="0"/>
-              <a:t>18</a:t>
+              <a:t>20</a:t>
             </a:fld>
             <a:endParaRPr lang="en-GB"/>
           </a:p>
@@ -1081,7 +1182,7 @@
     </p:spTree>
     <p:extLst>
       <p:ext uri="{BB962C8B-B14F-4D97-AF65-F5344CB8AC3E}">
-        <p14:creationId xmlns:p14="http://schemas.microsoft.com/office/powerpoint/2010/main" val="2536771516"/>
+        <p14:creationId xmlns:p14="http://schemas.microsoft.com/office/powerpoint/2010/main" val="915869242"/>
       </p:ext>
     </p:extLst>
   </p:cSld>
@@ -1137,46 +1238,56 @@
           <a:p>
             <a:r>
               <a:rPr lang="en-GB" dirty="0" smtClean="0"/>
-              <a:t>The feasibility</a:t>
+              <a:t>So</a:t>
             </a:r>
             <a:r>
               <a:rPr lang="en-GB" baseline="0" dirty="0" smtClean="0"/>
-              <a:t> of scaling horizontally really depends on the required workload.  If we’re dealing mostly with reads, we can use what’s called master-slave replication.  Basically, there is still one definitive version of the data – the master – and all writes are sent there.  We then push data out (replication techniques vary…) to copies of the master – these are the slaves.  These multiple servers allow us to respond to many more read requests.</a:t>
+              <a:t> now we’re starting to see some of the limitations of traditional database approaches.  It’s time to focus a bit more clearly on what we mean by “NoSQL”.</a:t>
             </a:r>
           </a:p>
           <a:p>
             <a:r>
               <a:rPr lang="en-GB" baseline="0" dirty="0" smtClean="0"/>
-              <a:t>The key thing to note here is that there is still only a single server for the write workload, and if anything it is doing more work than before (it also has to do some sort of work to broadcast changes to the slaves).  So if we have a lot of writes, we are going to either run into the same problems with vertical scaling as before, or need to move to an alternative (probably more complex) architecture.</a:t>
-            </a:r>
-          </a:p>
-          <a:p>
-            <a:pPr marL="0" marR="0" indent="0" algn="l" defTabSz="914400" rtl="0" eaLnBrk="1" fontAlgn="auto" latinLnBrk="0" hangingPunct="1">
-              <a:lnSpc>
-                <a:spcPct val="100000"/>
-              </a:lnSpc>
-              <a:spcBef>
-                <a:spcPts val="0"/>
-              </a:spcBef>
-              <a:spcAft>
-                <a:spcPts val="0"/>
-              </a:spcAft>
-              <a:buClrTx/>
-              <a:buSzTx/>
-              <a:buFontTx/>
-              <a:buNone/>
-              <a:tabLst/>
-              <a:defRPr/>
-            </a:pPr>
-            <a:r>
-              <a:rPr lang="en-GB" dirty="0" smtClean="0"/>
-              <a:t>NB: A “write-heavy” workload doesn’t need to mean a strict majority</a:t>
-            </a:r>
+              <a:t>Firstly, the term itself – it can be interpreted as excluding SQL and relational altogether, or the “NO” can be interpreted as meaning “Not Only”, implying a more mixed approach of the right database for the right problem.</a:t>
+            </a:r>
+          </a:p>
+          <a:p>
             <a:r>
               <a:rPr lang="en-GB" baseline="0" dirty="0" smtClean="0"/>
-              <a:t> of requests are writes, just that there are enough that this architecture of having one master, many slaves is not going to work.</a:t>
-            </a:r>
-            <a:endParaRPr lang="en-GB" dirty="0" smtClean="0"/>
+              <a:t>This broader interpretation is probably more helpful for general-purpose usage.</a:t>
+            </a:r>
+          </a:p>
+          <a:p>
+            <a:r>
+              <a:rPr lang="en-GB" baseline="0" dirty="0" smtClean="0"/>
+              <a:t>The original idea of getting away from relational as the main storage medium came from “Web-Scale” companies like Google, Amazon and later social networks like Facebook.</a:t>
+            </a:r>
+          </a:p>
+          <a:p>
+            <a:r>
+              <a:rPr lang="en-GB" baseline="0" dirty="0" smtClean="0"/>
+              <a:t>They faced the challenge of building massive distributed systems with “Big Data” meeting the “Three Vs” conditions.  This meant they were brought up sharply against the limits of relational databases.</a:t>
+            </a:r>
+          </a:p>
+          <a:p>
+            <a:r>
+              <a:rPr lang="en-GB" baseline="0" dirty="0" smtClean="0"/>
+              <a:t>These are companies that pride themselves on having highly-skilled engineering teams, so they started to build in-house systems which helped them manage data on this scale as well as maintain and scale clusters relatively easily.  Some of their work (e.g. Google </a:t>
+            </a:r>
+            <a:r>
+              <a:rPr lang="en-GB" baseline="0" dirty="0" err="1" smtClean="0"/>
+              <a:t>BigTable</a:t>
+            </a:r>
+            <a:r>
+              <a:rPr lang="en-GB" baseline="0" dirty="0" smtClean="0"/>
+              <a:t> &amp; GFS, Amazon Dynamo) was published as white papers and was an early influence on the wider NoSQL movement, which has grown since then</a:t>
+            </a:r>
+          </a:p>
+          <a:p>
+            <a:r>
+              <a:rPr lang="en-GB" baseline="0" dirty="0" smtClean="0"/>
+              <a:t>In particular there have been a number of freely-available open-source “NoSQL” systems created and released.</a:t>
+            </a:r>
           </a:p>
         </p:txBody>
       </p:sp>
@@ -1197,7 +1308,7 @@
           <a:p>
             <a:fld id="{B88E1A96-A68C-4ED7-8535-7FE27C72D2F0}" type="slidenum">
               <a:rPr lang="en-GB" smtClean="0"/>
-              <a:t>20</a:t>
+              <a:t>21</a:t>
             </a:fld>
             <a:endParaRPr lang="en-GB"/>
           </a:p>
@@ -1206,7 +1317,7 @@
     </p:spTree>
     <p:extLst>
       <p:ext uri="{BB962C8B-B14F-4D97-AF65-F5344CB8AC3E}">
-        <p14:creationId xmlns:p14="http://schemas.microsoft.com/office/powerpoint/2010/main" val="915869242"/>
+        <p14:creationId xmlns:p14="http://schemas.microsoft.com/office/powerpoint/2010/main" val="2584747744"/>
       </p:ext>
     </p:extLst>
   </p:cSld>
@@ -1260,67 +1371,7 @@
           <a:bodyPr/>
           <a:lstStyle/>
           <a:p>
-            <a:r>
-              <a:rPr lang="en-GB" dirty="0" smtClean="0"/>
-              <a:t>One of the</a:t>
-            </a:r>
-            <a:r>
-              <a:rPr lang="en-GB" baseline="0" dirty="0" smtClean="0"/>
-              <a:t> main ways that most database systems (including relational) can be scaled up horizontally for write workloads is through </a:t>
-            </a:r>
-            <a:r>
-              <a:rPr lang="en-GB" baseline="0" dirty="0" err="1" smtClean="0"/>
-              <a:t>sharding</a:t>
-            </a:r>
-            <a:r>
-              <a:rPr lang="en-GB" baseline="0" dirty="0" smtClean="0"/>
-              <a:t>.</a:t>
-            </a:r>
-          </a:p>
-          <a:p>
-            <a:r>
-              <a:rPr lang="en-GB" baseline="0" dirty="0" smtClean="0"/>
-              <a:t>At the highest level, </a:t>
-            </a:r>
-            <a:r>
-              <a:rPr lang="en-GB" baseline="0" dirty="0" err="1" smtClean="0"/>
-              <a:t>sharding</a:t>
-            </a:r>
-            <a:r>
-              <a:rPr lang="en-GB" baseline="0" dirty="0" smtClean="0"/>
-              <a:t> is relatively straightforward.  We store distinct parts of the data on each of several nodes.  Each node handles both reads and writes, so we can handle plenty of both types of traffic.</a:t>
-            </a:r>
-          </a:p>
-          <a:p>
-            <a:pPr marL="0" marR="0" indent="0" algn="l" defTabSz="914400" rtl="0" eaLnBrk="1" fontAlgn="auto" latinLnBrk="0" hangingPunct="1">
-              <a:lnSpc>
-                <a:spcPct val="100000"/>
-              </a:lnSpc>
-              <a:spcBef>
-                <a:spcPts val="0"/>
-              </a:spcBef>
-              <a:spcAft>
-                <a:spcPts val="0"/>
-              </a:spcAft>
-              <a:buClrTx/>
-              <a:buSzTx/>
-              <a:buFontTx/>
-              <a:buNone/>
-              <a:tabLst/>
-              <a:defRPr/>
-            </a:pPr>
-            <a:r>
-              <a:rPr lang="en-GB" baseline="0" dirty="0" smtClean="0"/>
-              <a:t>However – the devil is in the detail – what strategy do we use to distribute the data? – making sure our application knows where to send data to and retrieve it from?  How do we make sure we keep data sufficiently and evenly distributed?  This can add complexity to </a:t>
-            </a:r>
-            <a:r>
-              <a:rPr lang="en-GB" baseline="0" dirty="0" err="1" smtClean="0"/>
-              <a:t>sharding</a:t>
-            </a:r>
-            <a:r>
-              <a:rPr lang="en-GB" baseline="0" dirty="0" smtClean="0"/>
-              <a:t>, and traditional relational databases don’t always make this easy “out of the box”.</a:t>
-            </a:r>
+            <a:endParaRPr lang="en-GB" dirty="0"/>
           </a:p>
         </p:txBody>
       </p:sp>
@@ -1341,7 +1392,7 @@
           <a:p>
             <a:fld id="{B88E1A96-A68C-4ED7-8535-7FE27C72D2F0}" type="slidenum">
               <a:rPr lang="en-GB" smtClean="0"/>
-              <a:t>21</a:t>
+              <a:t>22</a:t>
             </a:fld>
             <a:endParaRPr lang="en-GB"/>
           </a:p>
@@ -1350,7 +1401,7 @@
     </p:spTree>
     <p:extLst>
       <p:ext uri="{BB962C8B-B14F-4D97-AF65-F5344CB8AC3E}">
-        <p14:creationId xmlns:p14="http://schemas.microsoft.com/office/powerpoint/2010/main" val="915869242"/>
+        <p14:creationId xmlns:p14="http://schemas.microsoft.com/office/powerpoint/2010/main" val="3248895338"/>
       </p:ext>
     </p:extLst>
   </p:cSld>
@@ -1406,56 +1457,22 @@
           <a:p>
             <a:r>
               <a:rPr lang="en-GB" dirty="0" smtClean="0"/>
-              <a:t>So</a:t>
+              <a:t>This is the CAP theorem</a:t>
             </a:r>
             <a:r>
               <a:rPr lang="en-GB" baseline="0" dirty="0" smtClean="0"/>
-              <a:t> now we’re starting to see some of the limitations of traditional database approaches.  It’s time to focus a bit more clearly on what we mean by “NoSQL”.</a:t>
-            </a:r>
+              <a:t> in its simplest form.  So at face value at least, a classic engineering trade-off – “pick any two”.</a:t>
+            </a:r>
+          </a:p>
+          <a:p>
+            <a:endParaRPr lang="en-GB" baseline="0" dirty="0" smtClean="0"/>
           </a:p>
           <a:p>
             <a:r>
               <a:rPr lang="en-GB" baseline="0" dirty="0" smtClean="0"/>
-              <a:t>Firstly, the term itself – it can be interpreted as excluding SQL and relational altogether, or the “NO” can be interpreted as meaning “Not Only”, implying a more mixed approach of the right database for the right problem.</a:t>
-            </a:r>
-          </a:p>
-          <a:p>
-            <a:r>
-              <a:rPr lang="en-GB" baseline="0" dirty="0" smtClean="0"/>
-              <a:t>This broader interpretation is probably more helpful for general-purpose usage.</a:t>
-            </a:r>
-          </a:p>
-          <a:p>
-            <a:r>
-              <a:rPr lang="en-GB" baseline="0" dirty="0" smtClean="0"/>
-              <a:t>The original idea of getting away from relational as the main storage medium came from “Web-Scale” companies like Google, Amazon and later social networks like Facebook.</a:t>
-            </a:r>
-          </a:p>
-          <a:p>
-            <a:r>
-              <a:rPr lang="en-GB" baseline="0" dirty="0" smtClean="0"/>
-              <a:t>They faced the challenge of building massive distributed systems with “Big Data” meeting the “Three Vs” conditions.  This meant they were brought up sharply against the limits of relational databases.</a:t>
-            </a:r>
-          </a:p>
-          <a:p>
-            <a:r>
-              <a:rPr lang="en-GB" baseline="0" dirty="0" smtClean="0"/>
-              <a:t>These are companies that pride themselves on having highly-skilled engineering teams, so they started to build in-house systems which helped them manage data on this scale as well as maintain and scale clusters relatively easily.  Some of their work (e.g. Google </a:t>
-            </a:r>
-            <a:r>
-              <a:rPr lang="en-GB" baseline="0" dirty="0" err="1" smtClean="0"/>
-              <a:t>BigTable</a:t>
-            </a:r>
-            <a:r>
-              <a:rPr lang="en-GB" baseline="0" dirty="0" smtClean="0"/>
-              <a:t> &amp; GFS, Amazon Dynamo) was published as white papers and was an early influence on the wider NoSQL movement, which has grown since then</a:t>
-            </a:r>
-          </a:p>
-          <a:p>
-            <a:r>
-              <a:rPr lang="en-GB" baseline="0" dirty="0" smtClean="0"/>
-              <a:t>In particular there have been a number of freely-available open-source “NoSQL” systems created and released.</a:t>
-            </a:r>
+              <a:t>We’ll need to unpack this a little bit more, particularly to understand what we mean by these three properties.</a:t>
+            </a:r>
+            <a:endParaRPr lang="en-GB" dirty="0"/>
           </a:p>
         </p:txBody>
       </p:sp>
@@ -1476,7 +1493,7 @@
           <a:p>
             <a:fld id="{B88E1A96-A68C-4ED7-8535-7FE27C72D2F0}" type="slidenum">
               <a:rPr lang="en-GB" smtClean="0"/>
-              <a:t>22</a:t>
+              <a:t>23</a:t>
             </a:fld>
             <a:endParaRPr lang="en-GB"/>
           </a:p>
@@ -1485,7 +1502,7 @@
     </p:spTree>
     <p:extLst>
       <p:ext uri="{BB962C8B-B14F-4D97-AF65-F5344CB8AC3E}">
-        <p14:creationId xmlns:p14="http://schemas.microsoft.com/office/powerpoint/2010/main" val="2584747744"/>
+        <p14:creationId xmlns:p14="http://schemas.microsoft.com/office/powerpoint/2010/main" val="982279908"/>
       </p:ext>
     </p:extLst>
   </p:cSld>
@@ -1539,6 +1556,28 @@
           <a:bodyPr/>
           <a:lstStyle/>
           <a:p>
+            <a:r>
+              <a:rPr lang="en-GB" dirty="0" smtClean="0"/>
+              <a:t>Consistency is not the same as the “Consistency” of ACID database properties (which is more to do with logical integrity and invariants).</a:t>
+            </a:r>
+            <a:r>
+              <a:rPr lang="en-GB" baseline="0" dirty="0" smtClean="0"/>
+              <a:t> CAP “Consistency”</a:t>
+            </a:r>
+            <a:r>
+              <a:rPr lang="en-GB" dirty="0" smtClean="0"/>
+              <a:t> is closer to ACID “Isolation” – we get some level of ability</a:t>
+            </a:r>
+            <a:r>
+              <a:rPr lang="en-GB" baseline="0" dirty="0" smtClean="0"/>
+              <a:t> to reason about data as if it were being acted on sequentially on a single machine</a:t>
+            </a:r>
+            <a:r>
+              <a:rPr lang="en-GB" dirty="0" smtClean="0"/>
+              <a:t>.</a:t>
+            </a:r>
+          </a:p>
+          <a:p>
             <a:endParaRPr lang="en-GB" dirty="0"/>
           </a:p>
         </p:txBody>
@@ -1560,7 +1599,7 @@
           <a:p>
             <a:fld id="{B88E1A96-A68C-4ED7-8535-7FE27C72D2F0}" type="slidenum">
               <a:rPr lang="en-GB" smtClean="0"/>
-              <a:t>23</a:t>
+              <a:t>24</a:t>
             </a:fld>
             <a:endParaRPr lang="en-GB"/>
           </a:p>
@@ -1569,7 +1608,7 @@
     </p:spTree>
     <p:extLst>
       <p:ext uri="{BB962C8B-B14F-4D97-AF65-F5344CB8AC3E}">
-        <p14:creationId xmlns:p14="http://schemas.microsoft.com/office/powerpoint/2010/main" val="3248895338"/>
+        <p14:creationId xmlns:p14="http://schemas.microsoft.com/office/powerpoint/2010/main" val="3648366239"/>
       </p:ext>
     </p:extLst>
   </p:cSld>
@@ -1623,24 +1662,85 @@
           <a:bodyPr/>
           <a:lstStyle/>
           <a:p>
-            <a:r>
-              <a:rPr lang="en-GB" dirty="0" smtClean="0"/>
-              <a:t>This is the CAP theorem</a:t>
-            </a:r>
-            <a:r>
-              <a:rPr lang="en-GB" baseline="0" dirty="0" smtClean="0"/>
-              <a:t> in its simplest form.  So at face value at least, a classic engineering trade-off – “pick any two”.</a:t>
-            </a:r>
-          </a:p>
-          <a:p>
-            <a:endParaRPr lang="en-GB" baseline="0" dirty="0" smtClean="0"/>
-          </a:p>
-          <a:p>
-            <a:r>
-              <a:rPr lang="en-GB" baseline="0" dirty="0" smtClean="0"/>
-              <a:t>We’ll need to unpack this a little bit more, particularly to understand what we mean by these three properties.</a:t>
-            </a:r>
-            <a:endParaRPr lang="en-GB" dirty="0"/>
+            <a:pPr rtl="0"/>
+            <a:r>
+              <a:rPr lang="en-GB" sz="1200" b="0" i="0" u="none" strike="noStrike" kern="1200" dirty="0" smtClean="0">
+                <a:solidFill>
+                  <a:schemeClr val="tx1"/>
+                </a:solidFill>
+                <a:effectLst/>
+                <a:latin typeface="+mn-lt"/>
+                <a:ea typeface="+mn-ea"/>
+                <a:cs typeface="+mn-cs"/>
+              </a:rPr>
+              <a:t>High latency/ delay is impossible to cleanly identify vs complete failure, non-availability.</a:t>
+            </a:r>
+          </a:p>
+          <a:p>
+            <a:pPr rtl="0"/>
+            <a:r>
+              <a:rPr lang="en-GB" sz="1200" b="0" i="0" u="none" strike="noStrike" kern="1200" dirty="0" smtClean="0">
+                <a:solidFill>
+                  <a:schemeClr val="tx1"/>
+                </a:solidFill>
+                <a:effectLst/>
+                <a:latin typeface="+mn-lt"/>
+                <a:ea typeface="+mn-ea"/>
+                <a:cs typeface="+mn-cs"/>
+              </a:rPr>
+              <a:t>At extreme - latency approaching infinity</a:t>
+            </a:r>
+            <a:r>
+              <a:rPr lang="en-GB" sz="1200" b="0" i="0" u="none" strike="noStrike" kern="1200" baseline="0" dirty="0" smtClean="0">
+                <a:solidFill>
+                  <a:schemeClr val="tx1"/>
+                </a:solidFill>
+                <a:effectLst/>
+                <a:latin typeface="+mn-lt"/>
+                <a:ea typeface="+mn-ea"/>
+                <a:cs typeface="+mn-cs"/>
+              </a:rPr>
+              <a:t> </a:t>
+            </a:r>
+            <a:r>
+              <a:rPr lang="en-GB" sz="1200" b="0" i="0" u="none" strike="noStrike" kern="1200" dirty="0" smtClean="0">
+                <a:solidFill>
+                  <a:schemeClr val="tx1"/>
+                </a:solidFill>
+                <a:effectLst/>
+                <a:latin typeface="+mn-lt"/>
+                <a:ea typeface="+mn-ea"/>
+                <a:cs typeface="+mn-cs"/>
+              </a:rPr>
+              <a:t>[or operationally, some unacceptably high value - timeouts/ SLAs etc.]</a:t>
+            </a:r>
+            <a:r>
+              <a:rPr lang="en-GB" sz="1200" b="0" i="0" u="none" strike="noStrike" kern="1200" baseline="0" dirty="0" smtClean="0">
+                <a:solidFill>
+                  <a:schemeClr val="tx1"/>
+                </a:solidFill>
+                <a:effectLst/>
+                <a:latin typeface="+mn-lt"/>
+                <a:ea typeface="+mn-ea"/>
+                <a:cs typeface="+mn-cs"/>
+              </a:rPr>
+              <a:t> </a:t>
+            </a:r>
+            <a:r>
+              <a:rPr lang="en-GB" sz="1200" b="0" i="0" u="none" strike="noStrike" kern="1200" dirty="0" smtClean="0">
+                <a:solidFill>
+                  <a:schemeClr val="tx1"/>
+                </a:solidFill>
+                <a:effectLst/>
+                <a:latin typeface="+mn-lt"/>
+                <a:ea typeface="+mn-ea"/>
+                <a:cs typeface="+mn-cs"/>
+              </a:rPr>
+              <a:t>is effectively equivalent to non-availability.</a:t>
+            </a:r>
+            <a:endParaRPr lang="en-GB" b="0" dirty="0" smtClean="0">
+              <a:effectLst/>
+            </a:endParaRPr>
           </a:p>
         </p:txBody>
       </p:sp>
@@ -1661,7 +1761,7 @@
           <a:p>
             <a:fld id="{B88E1A96-A68C-4ED7-8535-7FE27C72D2F0}" type="slidenum">
               <a:rPr lang="en-GB" smtClean="0"/>
-              <a:t>24</a:t>
+              <a:t>25</a:t>
             </a:fld>
             <a:endParaRPr lang="en-GB"/>
           </a:p>
@@ -1670,7 +1770,7 @@
     </p:spTree>
     <p:extLst>
       <p:ext uri="{BB962C8B-B14F-4D97-AF65-F5344CB8AC3E}">
-        <p14:creationId xmlns:p14="http://schemas.microsoft.com/office/powerpoint/2010/main" val="982279908"/>
+        <p14:creationId xmlns:p14="http://schemas.microsoft.com/office/powerpoint/2010/main" val="473042898"/>
       </p:ext>
     </p:extLst>
   </p:cSld>
@@ -1726,26 +1826,24 @@
           <a:p>
             <a:r>
               <a:rPr lang="en-GB" dirty="0" smtClean="0"/>
-              <a:t>Consistency is not the same as the “Consistency” of ACID database properties (which is more to do with logical integrity and invariants).</a:t>
+              <a:t>Practically</a:t>
             </a:r>
             <a:r>
               <a:rPr lang="en-GB" baseline="0" dirty="0" smtClean="0"/>
-              <a:t> CAP “Consistency”</a:t>
-            </a:r>
-            <a:r>
-              <a:rPr lang="en-GB" dirty="0" smtClean="0"/>
-              <a:t> is closer to ACID “Isolation” – we get some level of ability</a:t>
-            </a:r>
+              <a:t> speaking, any real-world distributed system must deal with the possibility of failure – delay in network communication, server garbage collection etc. count just as much as complete network partition/ node failure.</a:t>
+            </a:r>
+          </a:p>
+          <a:p>
             <a:r>
               <a:rPr lang="en-GB" baseline="0" dirty="0" smtClean="0"/>
-              <a:t> to reason about data as if it were being acted on sequentially on a single machine</a:t>
-            </a:r>
-            <a:r>
-              <a:rPr lang="en-GB" dirty="0" smtClean="0"/>
-              <a:t>.</a:t>
-            </a:r>
-          </a:p>
-          <a:p>
+              <a:t>&amp; the larger the system gets, the more expected hardware failures become.  E.g. mean time to server failure = 3 years –&gt; with 1000 servers you expect to average around 1 failure per day.</a:t>
+            </a:r>
+          </a:p>
+          <a:p>
+            <a:r>
+              <a:rPr lang="en-GB" baseline="0" dirty="0" smtClean="0"/>
+              <a:t>So in reality we have to decide, when these failures (“partitions”) happen, do we favour consistency or availability – the other cannot be guaranteed.</a:t>
+            </a:r>
             <a:endParaRPr lang="en-GB" dirty="0"/>
           </a:p>
         </p:txBody>
@@ -1767,7 +1865,7 @@
           <a:p>
             <a:fld id="{B88E1A96-A68C-4ED7-8535-7FE27C72D2F0}" type="slidenum">
               <a:rPr lang="en-GB" smtClean="0"/>
-              <a:t>25</a:t>
+              <a:t>26</a:t>
             </a:fld>
             <a:endParaRPr lang="en-GB"/>
           </a:p>
@@ -1776,7 +1874,7 @@
     </p:spTree>
     <p:extLst>
       <p:ext uri="{BB962C8B-B14F-4D97-AF65-F5344CB8AC3E}">
-        <p14:creationId xmlns:p14="http://schemas.microsoft.com/office/powerpoint/2010/main" val="3648366239"/>
+        <p14:creationId xmlns:p14="http://schemas.microsoft.com/office/powerpoint/2010/main" val="2160327570"/>
       </p:ext>
     </p:extLst>
   </p:cSld>
@@ -1933,85 +2031,75 @@
           <a:bodyPr/>
           <a:lstStyle/>
           <a:p>
-            <a:pPr rtl="0"/>
-            <a:r>
-              <a:rPr lang="en-GB" sz="1200" b="0" i="0" u="none" strike="noStrike" kern="1200" dirty="0" smtClean="0">
-                <a:solidFill>
-                  <a:schemeClr val="tx1"/>
-                </a:solidFill>
-                <a:effectLst/>
-                <a:latin typeface="+mn-lt"/>
-                <a:ea typeface="+mn-ea"/>
-                <a:cs typeface="+mn-cs"/>
-              </a:rPr>
-              <a:t>High latency/ delay is impossible to cleanly identify vs complete failure, non-availability.</a:t>
-            </a:r>
-          </a:p>
-          <a:p>
-            <a:pPr rtl="0"/>
-            <a:r>
-              <a:rPr lang="en-GB" sz="1200" b="0" i="0" u="none" strike="noStrike" kern="1200" dirty="0" smtClean="0">
-                <a:solidFill>
-                  <a:schemeClr val="tx1"/>
-                </a:solidFill>
-                <a:effectLst/>
-                <a:latin typeface="+mn-lt"/>
-                <a:ea typeface="+mn-ea"/>
-                <a:cs typeface="+mn-cs"/>
-              </a:rPr>
-              <a:t>At extreme - latency approaching infinity</a:t>
-            </a:r>
-            <a:r>
-              <a:rPr lang="en-GB" sz="1200" b="0" i="0" u="none" strike="noStrike" kern="1200" baseline="0" dirty="0" smtClean="0">
-                <a:solidFill>
-                  <a:schemeClr val="tx1"/>
-                </a:solidFill>
-                <a:effectLst/>
-                <a:latin typeface="+mn-lt"/>
-                <a:ea typeface="+mn-ea"/>
-                <a:cs typeface="+mn-cs"/>
-              </a:rPr>
-              <a:t> </a:t>
-            </a:r>
-            <a:r>
-              <a:rPr lang="en-GB" sz="1200" b="0" i="0" u="none" strike="noStrike" kern="1200" dirty="0" smtClean="0">
-                <a:solidFill>
-                  <a:schemeClr val="tx1"/>
-                </a:solidFill>
-                <a:effectLst/>
-                <a:latin typeface="+mn-lt"/>
-                <a:ea typeface="+mn-ea"/>
-                <a:cs typeface="+mn-cs"/>
-              </a:rPr>
-              <a:t>[or operationally, some unacceptably high value - timeouts/ SLAs etc.]</a:t>
-            </a:r>
-            <a:r>
-              <a:rPr lang="en-GB" sz="1200" b="0" i="0" u="none" strike="noStrike" kern="1200" baseline="0" dirty="0" smtClean="0">
-                <a:solidFill>
-                  <a:schemeClr val="tx1"/>
-                </a:solidFill>
-                <a:effectLst/>
-                <a:latin typeface="+mn-lt"/>
-                <a:ea typeface="+mn-ea"/>
-                <a:cs typeface="+mn-cs"/>
-              </a:rPr>
-              <a:t> </a:t>
-            </a:r>
-            <a:r>
-              <a:rPr lang="en-GB" sz="1200" b="0" i="0" u="none" strike="noStrike" kern="1200" dirty="0" smtClean="0">
-                <a:solidFill>
-                  <a:schemeClr val="tx1"/>
-                </a:solidFill>
-                <a:effectLst/>
-                <a:latin typeface="+mn-lt"/>
-                <a:ea typeface="+mn-ea"/>
-                <a:cs typeface="+mn-cs"/>
-              </a:rPr>
-              <a:t>is effectively equivalent to non-availability.</a:t>
-            </a:r>
-            <a:endParaRPr lang="en-GB" b="0" dirty="0" smtClean="0">
-              <a:effectLst/>
-            </a:endParaRPr>
+            <a:r>
+              <a:rPr lang="en-GB" dirty="0" smtClean="0"/>
+              <a:t>So to give a simple example – say we have five</a:t>
+            </a:r>
+            <a:r>
+              <a:rPr lang="en-GB" baseline="0" dirty="0" smtClean="0"/>
+              <a:t> nodes which are collaborating to manage the same data.  They might be part of a wider cluster, but these five all contain a record of the value for “a”.  At first, all the nodes can communicate happily – and so if there is a change to the value of “a”, they all know about it and stay in sync with minimal latency.</a:t>
+            </a:r>
+          </a:p>
+          <a:p>
+            <a:endParaRPr lang="en-GB" baseline="0" dirty="0" smtClean="0"/>
+          </a:p>
+          <a:p>
+            <a:r>
+              <a:rPr lang="en-GB" baseline="0" dirty="0" smtClean="0"/>
+              <a:t>HOWEVER (ANIMATION 1) – if we split them in half with a network partition, we have more of a problem.  Not all the nodes can share information.  If an update comes in during the partition (ANIMATION 2), we have a choice:</a:t>
+            </a:r>
+          </a:p>
+          <a:p>
+            <a:endParaRPr lang="en-GB" baseline="0" dirty="0" smtClean="0"/>
+          </a:p>
+          <a:p>
+            <a:pPr marL="171450" indent="-171450">
+              <a:buFontTx/>
+              <a:buChar char="-"/>
+            </a:pPr>
+            <a:r>
+              <a:rPr lang="en-GB" baseline="0" dirty="0" smtClean="0"/>
+              <a:t>Allow the write on the nodes that can receive it.  That means these nodes on the bottom right can get the new value and acknowledge success to the application.  This is favouring availability, but then these nodes have a different value from those on the top left, so losing consistency.  This is especially a problem if we also get a new update to the top-left partition (ANIMATION 3) – now we don’t even have a consistent HISTORY of updates – when the partition heals, we have to decide which update to keep/ which is the latest in the global “</a:t>
+            </a:r>
+            <a:r>
+              <a:rPr lang="en-GB" baseline="0" smtClean="0"/>
+              <a:t>history”.</a:t>
+            </a:r>
+            <a:endParaRPr lang="en-GB" baseline="0" dirty="0" smtClean="0"/>
+          </a:p>
+          <a:p>
+            <a:pPr marL="171450" indent="-171450">
+              <a:buFontTx/>
+              <a:buChar char="-"/>
+            </a:pPr>
+            <a:endParaRPr lang="en-GB" baseline="0" dirty="0" smtClean="0"/>
+          </a:p>
+          <a:p>
+            <a:pPr marL="171450" indent="-171450">
+              <a:buFontTx/>
+              <a:buChar char="-"/>
+            </a:pPr>
+            <a:r>
+              <a:rPr lang="en-GB" baseline="0" dirty="0" smtClean="0"/>
+              <a:t>Alternatively, we can delay acknowledging and committing the write until all nodes can respond.  This preserves consistency (all nodes have value 1, up until the point they can all accept value 2) but means we cannot write data while the network is partitioned – so availability is lost.</a:t>
+            </a:r>
+          </a:p>
+          <a:p>
+            <a:pPr marL="0" indent="0">
+              <a:buFontTx/>
+              <a:buNone/>
+            </a:pPr>
+            <a:endParaRPr lang="en-GB" baseline="0" dirty="0" smtClean="0"/>
+          </a:p>
+          <a:p>
+            <a:pPr marL="0" indent="0">
+              <a:buFontTx/>
+              <a:buNone/>
+            </a:pPr>
+            <a:r>
+              <a:rPr lang="en-GB" baseline="0" dirty="0" smtClean="0"/>
+              <a:t>Traditional databases tend to be CP (favouring consistency) – one of the key insights of the NoSQL movement is that sometimes it is possible – and desirable - to favour availability.</a:t>
+            </a:r>
           </a:p>
         </p:txBody>
       </p:sp>
@@ -2032,7 +2120,7 @@
           <a:p>
             <a:fld id="{B88E1A96-A68C-4ED7-8535-7FE27C72D2F0}" type="slidenum">
               <a:rPr lang="en-GB" smtClean="0"/>
-              <a:t>26</a:t>
+              <a:t>27</a:t>
             </a:fld>
             <a:endParaRPr lang="en-GB"/>
           </a:p>
@@ -2041,7 +2129,7 @@
     </p:spTree>
     <p:extLst>
       <p:ext uri="{BB962C8B-B14F-4D97-AF65-F5344CB8AC3E}">
-        <p14:creationId xmlns:p14="http://schemas.microsoft.com/office/powerpoint/2010/main" val="473042898"/>
+        <p14:creationId xmlns:p14="http://schemas.microsoft.com/office/powerpoint/2010/main" val="2777403628"/>
       </p:ext>
     </p:extLst>
   </p:cSld>
@@ -2097,23 +2185,36 @@
           <a:p>
             <a:r>
               <a:rPr lang="en-GB" dirty="0" smtClean="0"/>
-              <a:t>Practically</a:t>
+              <a:t>Using this new terminology,</a:t>
             </a:r>
             <a:r>
               <a:rPr lang="en-GB" baseline="0" dirty="0" smtClean="0"/>
-              <a:t> speaking, any real-world distributed system must deal with the possibility of failure – delay in network communication, server garbage collection etc. count just as much as complete network partition/ node failure.</a:t>
-            </a:r>
-          </a:p>
-          <a:p>
+              <a:t> we can take a look at some “proper” NoSQL systems and categorise them accordingly.</a:t>
+            </a:r>
+          </a:p>
+          <a:p>
+            <a:endParaRPr lang="en-GB" baseline="0" dirty="0" smtClean="0"/>
+          </a:p>
+          <a:p>
+            <a:r>
+              <a:rPr lang="en-GB" dirty="0" err="1" smtClean="0"/>
+              <a:t>MongoDB</a:t>
+            </a:r>
+            <a:r>
+              <a:rPr lang="en-GB" dirty="0" smtClean="0"/>
+              <a:t> is a common</a:t>
+            </a:r>
             <a:r>
               <a:rPr lang="en-GB" baseline="0" dirty="0" smtClean="0"/>
-              <a:t>&amp; the larger the system gets, the more expected hardware failures become.  E.g. mean time to server failure = 3 years –&gt; with 1000 servers you expect to average around 1 failure per day.</a:t>
-            </a:r>
-          </a:p>
-          <a:p>
+              <a:t> (and reasonably good) place for developers to start with NoSQL, as it is decent at scaling up while still being basically “CP”, and (perhaps more importantly to many </a:t>
+            </a:r>
+            <a:r>
+              <a:rPr lang="en-GB" baseline="0" dirty="0" err="1" smtClean="0"/>
+              <a:t>devs</a:t>
+            </a:r>
             <a:r>
               <a:rPr lang="en-GB" baseline="0" dirty="0" smtClean="0"/>
-              <a:t>So in reality we have to decide, when these failures (“partitions”) happen, do we favour consistency or availability – the other cannot be guaranteed.</a:t>
+              <a:t>!) it avoids the impedance problems of relational DBs by storing data as BSON (binary JSON) documents.</a:t>
             </a:r>
             <a:endParaRPr lang="en-GB" dirty="0"/>
           </a:p>
@@ -2136,7 +2237,7 @@
           <a:p>
             <a:fld id="{B88E1A96-A68C-4ED7-8535-7FE27C72D2F0}" type="slidenum">
               <a:rPr lang="en-GB" smtClean="0"/>
-              <a:t>27</a:t>
+              <a:t>31</a:t>
             </a:fld>
             <a:endParaRPr lang="en-GB"/>
           </a:p>
@@ -2145,7 +2246,7 @@
     </p:spTree>
     <p:extLst>
       <p:ext uri="{BB962C8B-B14F-4D97-AF65-F5344CB8AC3E}">
-        <p14:creationId xmlns:p14="http://schemas.microsoft.com/office/powerpoint/2010/main" val="2160327570"/>
+        <p14:creationId xmlns:p14="http://schemas.microsoft.com/office/powerpoint/2010/main" val="3893714852"/>
       </p:ext>
     </p:extLst>
   </p:cSld>
@@ -2199,75 +2300,7 @@
           <a:bodyPr/>
           <a:lstStyle/>
           <a:p>
-            <a:r>
-              <a:rPr lang="en-GB" dirty="0" smtClean="0"/>
-              <a:t>So to give a simple example – say we have five</a:t>
-            </a:r>
-            <a:r>
-              <a:rPr lang="en-GB" baseline="0" dirty="0" smtClean="0"/>
-              <a:t> nodes which are collaborating to manage the same data.  They might be part of a wider cluster, but these five all contain a record of the value for “a”.  At first, all the nodes can communicate happily – and so if there is a change to the value of “a”, they all know about it and stay in sync with minimal latency.</a:t>
-            </a:r>
-          </a:p>
-          <a:p>
             <a:endParaRPr lang="en-GB" baseline="0" dirty="0" smtClean="0"/>
-          </a:p>
-          <a:p>
-            <a:r>
-              <a:rPr lang="en-GB" baseline="0" dirty="0" smtClean="0"/>
-              <a:t>HOWEVER (ANIMATION 1) – if we split them in half with a network partition, we have more of a problem.  Not all the nodes can share information.  If an update comes in during the partition (ANIMATION 2), we have a choice:</a:t>
-            </a:r>
-          </a:p>
-          <a:p>
-            <a:endParaRPr lang="en-GB" baseline="0" dirty="0" smtClean="0"/>
-          </a:p>
-          <a:p>
-            <a:pPr marL="171450" indent="-171450">
-              <a:buFontTx/>
-              <a:buChar char="-"/>
-            </a:pPr>
-            <a:r>
-              <a:rPr lang="en-GB" baseline="0" dirty="0" smtClean="0"/>
-              <a:t>Allow the write on the nodes that can receive it.  That means these nodes on the bottom right can get the new value and acknowledge success to the application.  This is favouring availability, but then these nodes have a different value from those on the top left, so losing consistency.  This is especially a problem if we also get a new update to the top-left partition (ANIMATION 3) – now we don’t even have a consistent HISTORY of updates – when the partition heals, we have to decide which update to keep/ which is the latest in the global “</a:t>
-            </a:r>
-            <a:r>
-              <a:rPr lang="en-GB" baseline="0" smtClean="0"/>
-              <a:t>history”.</a:t>
-            </a:r>
-            <a:endParaRPr lang="en-GB" baseline="0" dirty="0" smtClean="0"/>
-          </a:p>
-          <a:p>
-            <a:pPr marL="171450" indent="-171450">
-              <a:buFontTx/>
-              <a:buChar char="-"/>
-            </a:pPr>
-            <a:endParaRPr lang="en-GB" baseline="0" dirty="0" smtClean="0"/>
-          </a:p>
-          <a:p>
-            <a:pPr marL="171450" indent="-171450">
-              <a:buFontTx/>
-              <a:buChar char="-"/>
-            </a:pPr>
-            <a:r>
-              <a:rPr lang="en-GB" baseline="0" dirty="0" smtClean="0"/>
-              <a:t>Alternatively, we can delay acknowledging and committing the write until all nodes can respond.  This preserves consistency (all nodes have value 1, up until the point they can all accept value 2) but means we cannot write data while the network is partitioned – so availability is lost.</a:t>
-            </a:r>
-          </a:p>
-          <a:p>
-            <a:pPr marL="0" indent="0">
-              <a:buFontTx/>
-              <a:buNone/>
-            </a:pPr>
-            <a:endParaRPr lang="en-GB" baseline="0" dirty="0" smtClean="0"/>
-          </a:p>
-          <a:p>
-            <a:pPr marL="0" indent="0">
-              <a:buFontTx/>
-              <a:buNone/>
-            </a:pPr>
-            <a:r>
-              <a:rPr lang="en-GB" baseline="0" dirty="0" smtClean="0"/>
-              <a:t>Traditional databases tend to be CP (favouring consistency) – one of the key insights of the NoSQL movement is that sometimes it is possible – and desirable - to favour availability.</a:t>
-            </a:r>
           </a:p>
         </p:txBody>
       </p:sp>
@@ -2288,7 +2321,7 @@
           <a:p>
             <a:fld id="{B88E1A96-A68C-4ED7-8535-7FE27C72D2F0}" type="slidenum">
               <a:rPr lang="en-GB" smtClean="0"/>
-              <a:t>28</a:t>
+              <a:t>33</a:t>
             </a:fld>
             <a:endParaRPr lang="en-GB"/>
           </a:p>
@@ -2297,7 +2330,7 @@
     </p:spTree>
     <p:extLst>
       <p:ext uri="{BB962C8B-B14F-4D97-AF65-F5344CB8AC3E}">
-        <p14:creationId xmlns:p14="http://schemas.microsoft.com/office/powerpoint/2010/main" val="2777403628"/>
+        <p14:creationId xmlns:p14="http://schemas.microsoft.com/office/powerpoint/2010/main" val="3766499604"/>
       </p:ext>
     </p:extLst>
   </p:cSld>
@@ -2353,36 +2386,27 @@
           <a:p>
             <a:r>
               <a:rPr lang="en-GB" dirty="0" smtClean="0"/>
-              <a:t>Using this new terminology,</a:t>
+              <a:t>This is a model for data and load distribution that is shared</a:t>
             </a:r>
             <a:r>
               <a:rPr lang="en-GB" baseline="0" dirty="0" smtClean="0"/>
-              <a:t> we can take a look at some “proper” NoSQL systems and categorise them accordingly.</a:t>
-            </a:r>
-          </a:p>
-          <a:p>
-            <a:endParaRPr lang="en-GB" baseline="0" dirty="0" smtClean="0"/>
-          </a:p>
-          <a:p>
-            <a:r>
-              <a:rPr lang="en-GB" dirty="0" err="1" smtClean="0"/>
-              <a:t>MongoDB</a:t>
-            </a:r>
-            <a:r>
-              <a:rPr lang="en-GB" dirty="0" smtClean="0"/>
-              <a:t> is a common</a:t>
+              <a:t> by </a:t>
+            </a:r>
+            <a:r>
+              <a:rPr lang="en-GB" baseline="0" dirty="0" err="1" smtClean="0"/>
+              <a:t>Riak</a:t>
             </a:r>
             <a:r>
               <a:rPr lang="en-GB" baseline="0" dirty="0" smtClean="0"/>
-              <a:t> (and reasonably good) place for developers to start with NoSQL, as it is decent at scaling up while still being basically “CP”, and (perhaps more importantly to many </a:t>
+              <a:t> and Cassandra (diagram is from Basho (</a:t>
             </a:r>
             <a:r>
               <a:rPr lang="en-GB" baseline="0" dirty="0" err="1" smtClean="0"/>
-              <a:t>devs</a:t>
+              <a:t>Riak</a:t>
             </a:r>
             <a:r>
               <a:rPr lang="en-GB" baseline="0" dirty="0" smtClean="0"/>
-              <a:t>!) it avoids the impedance problems of relational DBs by storing data as BSON (binary JSON) documents.</a:t>
+              <a:t>) website – but same principle), and has a deep impact on how they store, manage and retrieve data.</a:t>
             </a:r>
             <a:endParaRPr lang="en-GB" dirty="0"/>
           </a:p>
@@ -2405,7 +2429,7 @@
           <a:p>
             <a:fld id="{B88E1A96-A68C-4ED7-8535-7FE27C72D2F0}" type="slidenum">
               <a:rPr lang="en-GB" smtClean="0"/>
-              <a:t>32</a:t>
+              <a:t>34</a:t>
             </a:fld>
             <a:endParaRPr lang="en-GB"/>
           </a:p>
@@ -2414,7 +2438,7 @@
     </p:spTree>
     <p:extLst>
       <p:ext uri="{BB962C8B-B14F-4D97-AF65-F5344CB8AC3E}">
-        <p14:creationId xmlns:p14="http://schemas.microsoft.com/office/powerpoint/2010/main" val="3893714852"/>
+        <p14:creationId xmlns:p14="http://schemas.microsoft.com/office/powerpoint/2010/main" val="3197546564"/>
       </p:ext>
     </p:extLst>
   </p:cSld>
@@ -2468,7 +2492,17 @@
           <a:bodyPr/>
           <a:lstStyle/>
           <a:p>
-            <a:endParaRPr lang="en-GB" baseline="0" dirty="0" smtClean="0"/>
+            <a:r>
+              <a:rPr lang="en-GB" dirty="0" smtClean="0"/>
+              <a:t>http://docs.basho.com/riak/latest/dev/advanced/cap-controls/</a:t>
+            </a:r>
+          </a:p>
+          <a:p>
+            <a:r>
+              <a:rPr lang="en-GB" dirty="0" smtClean="0"/>
+              <a:t>http://docs.basho.com/riak/1.1.0/references/appendices/concepts/Eventual-Consistency/</a:t>
+            </a:r>
+            <a:endParaRPr lang="en-GB" dirty="0"/>
           </a:p>
         </p:txBody>
       </p:sp>
@@ -2489,7 +2523,7 @@
           <a:p>
             <a:fld id="{B88E1A96-A68C-4ED7-8535-7FE27C72D2F0}" type="slidenum">
               <a:rPr lang="en-GB" smtClean="0"/>
-              <a:t>34</a:t>
+              <a:t>35</a:t>
             </a:fld>
             <a:endParaRPr lang="en-GB"/>
           </a:p>
@@ -2498,7 +2532,7 @@
     </p:spTree>
     <p:extLst>
       <p:ext uri="{BB962C8B-B14F-4D97-AF65-F5344CB8AC3E}">
-        <p14:creationId xmlns:p14="http://schemas.microsoft.com/office/powerpoint/2010/main" val="3766499604"/>
+        <p14:creationId xmlns:p14="http://schemas.microsoft.com/office/powerpoint/2010/main" val="1271775330"/>
       </p:ext>
     </p:extLst>
   </p:cSld>
@@ -2552,30 +2586,6 @@
           <a:bodyPr/>
           <a:lstStyle/>
           <a:p>
-            <a:r>
-              <a:rPr lang="en-GB" dirty="0" smtClean="0"/>
-              <a:t>This is a model for data and load distribution that is shared</a:t>
-            </a:r>
-            <a:r>
-              <a:rPr lang="en-GB" baseline="0" dirty="0" smtClean="0"/>
-              <a:t> by </a:t>
-            </a:r>
-            <a:r>
-              <a:rPr lang="en-GB" baseline="0" dirty="0" err="1" smtClean="0"/>
-              <a:t>Riak</a:t>
-            </a:r>
-            <a:r>
-              <a:rPr lang="en-GB" baseline="0" dirty="0" smtClean="0"/>
-              <a:t> and Cassandra (diagram is from Basho (</a:t>
-            </a:r>
-            <a:r>
-              <a:rPr lang="en-GB" baseline="0" dirty="0" err="1" smtClean="0"/>
-              <a:t>Riak</a:t>
-            </a:r>
-            <a:r>
-              <a:rPr lang="en-GB" baseline="0" dirty="0" smtClean="0"/>
-              <a:t>) website – but same principle), and has a deep impact on how they store, manage and retrieve data.</a:t>
-            </a:r>
             <a:endParaRPr lang="en-GB" dirty="0"/>
           </a:p>
         </p:txBody>
@@ -2597,7 +2607,7 @@
           <a:p>
             <a:fld id="{B88E1A96-A68C-4ED7-8535-7FE27C72D2F0}" type="slidenum">
               <a:rPr lang="en-GB" smtClean="0"/>
-              <a:t>35</a:t>
+              <a:t>39</a:t>
             </a:fld>
             <a:endParaRPr lang="en-GB"/>
           </a:p>
@@ -2606,7 +2616,7 @@
     </p:spTree>
     <p:extLst>
       <p:ext uri="{BB962C8B-B14F-4D97-AF65-F5344CB8AC3E}">
-        <p14:creationId xmlns:p14="http://schemas.microsoft.com/office/powerpoint/2010/main" val="3197546564"/>
+        <p14:creationId xmlns:p14="http://schemas.microsoft.com/office/powerpoint/2010/main" val="784267621"/>
       </p:ext>
     </p:extLst>
   </p:cSld>
@@ -2660,16 +2670,6 @@
           <a:bodyPr/>
           <a:lstStyle/>
           <a:p>
-            <a:r>
-              <a:rPr lang="en-GB" dirty="0" smtClean="0"/>
-              <a:t>http://docs.basho.com/riak/latest/dev/advanced/cap-controls/</a:t>
-            </a:r>
-          </a:p>
-          <a:p>
-            <a:r>
-              <a:rPr lang="en-GB" dirty="0" smtClean="0"/>
-              <a:t>http://docs.basho.com/riak/1.1.0/references/appendices/concepts/Eventual-Consistency/</a:t>
-            </a:r>
             <a:endParaRPr lang="en-GB" dirty="0"/>
           </a:p>
         </p:txBody>
@@ -2691,7 +2691,7 @@
           <a:p>
             <a:fld id="{B88E1A96-A68C-4ED7-8535-7FE27C72D2F0}" type="slidenum">
               <a:rPr lang="en-GB" smtClean="0"/>
-              <a:t>36</a:t>
+              <a:t>49</a:t>
             </a:fld>
             <a:endParaRPr lang="en-GB"/>
           </a:p>
@@ -2700,7 +2700,7 @@
     </p:spTree>
     <p:extLst>
       <p:ext uri="{BB962C8B-B14F-4D97-AF65-F5344CB8AC3E}">
-        <p14:creationId xmlns:p14="http://schemas.microsoft.com/office/powerpoint/2010/main" val="1271775330"/>
+        <p14:creationId xmlns:p14="http://schemas.microsoft.com/office/powerpoint/2010/main" val="1960653282"/>
       </p:ext>
     </p:extLst>
   </p:cSld>
@@ -2775,7 +2775,7 @@
           <a:p>
             <a:fld id="{B88E1A96-A68C-4ED7-8535-7FE27C72D2F0}" type="slidenum">
               <a:rPr lang="en-GB" smtClean="0"/>
-              <a:t>40</a:t>
+              <a:t>50</a:t>
             </a:fld>
             <a:endParaRPr lang="en-GB"/>
           </a:p>
@@ -2784,7 +2784,7 @@
     </p:spTree>
     <p:extLst>
       <p:ext uri="{BB962C8B-B14F-4D97-AF65-F5344CB8AC3E}">
-        <p14:creationId xmlns:p14="http://schemas.microsoft.com/office/powerpoint/2010/main" val="784267621"/>
+        <p14:creationId xmlns:p14="http://schemas.microsoft.com/office/powerpoint/2010/main" val="2539703771"/>
       </p:ext>
     </p:extLst>
   </p:cSld>
@@ -2859,7 +2859,7 @@
           <a:p>
             <a:fld id="{B88E1A96-A68C-4ED7-8535-7FE27C72D2F0}" type="slidenum">
               <a:rPr lang="en-GB" smtClean="0"/>
-              <a:t>50</a:t>
+              <a:t>51</a:t>
             </a:fld>
             <a:endParaRPr lang="en-GB"/>
           </a:p>
@@ -2868,7 +2868,7 @@
     </p:spTree>
     <p:extLst>
       <p:ext uri="{BB962C8B-B14F-4D97-AF65-F5344CB8AC3E}">
-        <p14:creationId xmlns:p14="http://schemas.microsoft.com/office/powerpoint/2010/main" val="1960653282"/>
+        <p14:creationId xmlns:p14="http://schemas.microsoft.com/office/powerpoint/2010/main" val="2245795352"/>
       </p:ext>
     </p:extLst>
   </p:cSld>
@@ -2943,7 +2943,7 @@
           <a:p>
             <a:fld id="{B88E1A96-A68C-4ED7-8535-7FE27C72D2F0}" type="slidenum">
               <a:rPr lang="en-GB" smtClean="0"/>
-              <a:t>51</a:t>
+              <a:t>55</a:t>
             </a:fld>
             <a:endParaRPr lang="en-GB"/>
           </a:p>
@@ -2952,7 +2952,7 @@
     </p:spTree>
     <p:extLst>
       <p:ext uri="{BB962C8B-B14F-4D97-AF65-F5344CB8AC3E}">
-        <p14:creationId xmlns:p14="http://schemas.microsoft.com/office/powerpoint/2010/main" val="2539703771"/>
+        <p14:creationId xmlns:p14="http://schemas.microsoft.com/office/powerpoint/2010/main" val="2615470488"/>
       </p:ext>
     </p:extLst>
   </p:cSld>
@@ -3111,7 +3111,7 @@
           <a:p>
             <a:fld id="{B88E1A96-A68C-4ED7-8535-7FE27C72D2F0}" type="slidenum">
               <a:rPr lang="en-GB" smtClean="0"/>
-              <a:t>52</a:t>
+              <a:t>57</a:t>
             </a:fld>
             <a:endParaRPr lang="en-GB"/>
           </a:p>
@@ -3120,7 +3120,7 @@
     </p:spTree>
     <p:extLst>
       <p:ext uri="{BB962C8B-B14F-4D97-AF65-F5344CB8AC3E}">
-        <p14:creationId xmlns:p14="http://schemas.microsoft.com/office/powerpoint/2010/main" val="2245795352"/>
+        <p14:creationId xmlns:p14="http://schemas.microsoft.com/office/powerpoint/2010/main" val="2121811877"/>
       </p:ext>
     </p:extLst>
   </p:cSld>
@@ -3195,7 +3195,7 @@
           <a:p>
             <a:fld id="{B88E1A96-A68C-4ED7-8535-7FE27C72D2F0}" type="slidenum">
               <a:rPr lang="en-GB" smtClean="0"/>
-              <a:t>55</a:t>
+              <a:t>58</a:t>
             </a:fld>
             <a:endParaRPr lang="en-GB"/>
           </a:p>
@@ -3204,7 +3204,7 @@
     </p:spTree>
     <p:extLst>
       <p:ext uri="{BB962C8B-B14F-4D97-AF65-F5344CB8AC3E}">
-        <p14:creationId xmlns:p14="http://schemas.microsoft.com/office/powerpoint/2010/main" val="2615470488"/>
+        <p14:creationId xmlns:p14="http://schemas.microsoft.com/office/powerpoint/2010/main" val="2121811877"/>
       </p:ext>
     </p:extLst>
   </p:cSld>
@@ -3279,174 +3279,6 @@
           <a:p>
             <a:fld id="{B88E1A96-A68C-4ED7-8535-7FE27C72D2F0}" type="slidenum">
               <a:rPr lang="en-GB" smtClean="0"/>
-              <a:t>57</a:t>
-            </a:fld>
-            <a:endParaRPr lang="en-GB"/>
-          </a:p>
-        </p:txBody>
-      </p:sp>
-    </p:spTree>
-    <p:extLst>
-      <p:ext uri="{BB962C8B-B14F-4D97-AF65-F5344CB8AC3E}">
-        <p14:creationId xmlns:p14="http://schemas.microsoft.com/office/powerpoint/2010/main" val="2121811877"/>
-      </p:ext>
-    </p:extLst>
-  </p:cSld>
-  <p:clrMapOvr>
-    <a:masterClrMapping/>
-  </p:clrMapOvr>
-</p:notes>
-</file>
-
-<file path=ppt/notesSlides/notesSlide33.xml><?xml version="1.0" encoding="utf-8"?>
-<p:notes xmlns:a="http://schemas.openxmlformats.org/drawingml/2006/main" xmlns:r="http://schemas.openxmlformats.org/officeDocument/2006/relationships" xmlns:p="http://schemas.openxmlformats.org/presentationml/2006/main">
-  <p:cSld>
-    <p:spTree>
-      <p:nvGrpSpPr>
-        <p:cNvPr id="1" name=""/>
-        <p:cNvGrpSpPr/>
-        <p:nvPr/>
-      </p:nvGrpSpPr>
-      <p:grpSpPr>
-        <a:xfrm>
-          <a:off x="0" y="0"/>
-          <a:ext cx="0" cy="0"/>
-          <a:chOff x="0" y="0"/>
-          <a:chExt cx="0" cy="0"/>
-        </a:xfrm>
-      </p:grpSpPr>
-      <p:sp>
-        <p:nvSpPr>
-          <p:cNvPr id="2" name="Slide Image Placeholder 1"/>
-          <p:cNvSpPr>
-            <a:spLocks noGrp="1" noRot="1" noChangeAspect="1"/>
-          </p:cNvSpPr>
-          <p:nvPr>
-            <p:ph type="sldImg"/>
-          </p:nvPr>
-        </p:nvSpPr>
-        <p:spPr/>
-      </p:sp>
-      <p:sp>
-        <p:nvSpPr>
-          <p:cNvPr id="3" name="Notes Placeholder 2"/>
-          <p:cNvSpPr>
-            <a:spLocks noGrp="1"/>
-          </p:cNvSpPr>
-          <p:nvPr>
-            <p:ph type="body" idx="1"/>
-          </p:nvPr>
-        </p:nvSpPr>
-        <p:spPr/>
-        <p:txBody>
-          <a:bodyPr/>
-          <a:lstStyle/>
-          <a:p>
-            <a:endParaRPr lang="en-GB" dirty="0"/>
-          </a:p>
-        </p:txBody>
-      </p:sp>
-      <p:sp>
-        <p:nvSpPr>
-          <p:cNvPr id="4" name="Slide Number Placeholder 3"/>
-          <p:cNvSpPr>
-            <a:spLocks noGrp="1"/>
-          </p:cNvSpPr>
-          <p:nvPr>
-            <p:ph type="sldNum" sz="quarter" idx="10"/>
-          </p:nvPr>
-        </p:nvSpPr>
-        <p:spPr/>
-        <p:txBody>
-          <a:bodyPr/>
-          <a:lstStyle/>
-          <a:p>
-            <a:fld id="{B88E1A96-A68C-4ED7-8535-7FE27C72D2F0}" type="slidenum">
-              <a:rPr lang="en-GB" smtClean="0"/>
-              <a:t>58</a:t>
-            </a:fld>
-            <a:endParaRPr lang="en-GB"/>
-          </a:p>
-        </p:txBody>
-      </p:sp>
-    </p:spTree>
-    <p:extLst>
-      <p:ext uri="{BB962C8B-B14F-4D97-AF65-F5344CB8AC3E}">
-        <p14:creationId xmlns:p14="http://schemas.microsoft.com/office/powerpoint/2010/main" val="2121811877"/>
-      </p:ext>
-    </p:extLst>
-  </p:cSld>
-  <p:clrMapOvr>
-    <a:masterClrMapping/>
-  </p:clrMapOvr>
-</p:notes>
-</file>
-
-<file path=ppt/notesSlides/notesSlide34.xml><?xml version="1.0" encoding="utf-8"?>
-<p:notes xmlns:a="http://schemas.openxmlformats.org/drawingml/2006/main" xmlns:r="http://schemas.openxmlformats.org/officeDocument/2006/relationships" xmlns:p="http://schemas.openxmlformats.org/presentationml/2006/main">
-  <p:cSld>
-    <p:spTree>
-      <p:nvGrpSpPr>
-        <p:cNvPr id="1" name=""/>
-        <p:cNvGrpSpPr/>
-        <p:nvPr/>
-      </p:nvGrpSpPr>
-      <p:grpSpPr>
-        <a:xfrm>
-          <a:off x="0" y="0"/>
-          <a:ext cx="0" cy="0"/>
-          <a:chOff x="0" y="0"/>
-          <a:chExt cx="0" cy="0"/>
-        </a:xfrm>
-      </p:grpSpPr>
-      <p:sp>
-        <p:nvSpPr>
-          <p:cNvPr id="2" name="Slide Image Placeholder 1"/>
-          <p:cNvSpPr>
-            <a:spLocks noGrp="1" noRot="1" noChangeAspect="1"/>
-          </p:cNvSpPr>
-          <p:nvPr>
-            <p:ph type="sldImg"/>
-          </p:nvPr>
-        </p:nvSpPr>
-        <p:spPr/>
-      </p:sp>
-      <p:sp>
-        <p:nvSpPr>
-          <p:cNvPr id="3" name="Notes Placeholder 2"/>
-          <p:cNvSpPr>
-            <a:spLocks noGrp="1"/>
-          </p:cNvSpPr>
-          <p:nvPr>
-            <p:ph type="body" idx="1"/>
-          </p:nvPr>
-        </p:nvSpPr>
-        <p:spPr/>
-        <p:txBody>
-          <a:bodyPr/>
-          <a:lstStyle/>
-          <a:p>
-            <a:endParaRPr lang="en-GB" dirty="0"/>
-          </a:p>
-        </p:txBody>
-      </p:sp>
-      <p:sp>
-        <p:nvSpPr>
-          <p:cNvPr id="4" name="Slide Number Placeholder 3"/>
-          <p:cNvSpPr>
-            <a:spLocks noGrp="1"/>
-          </p:cNvSpPr>
-          <p:nvPr>
-            <p:ph type="sldNum" sz="quarter" idx="10"/>
-          </p:nvPr>
-        </p:nvSpPr>
-        <p:spPr/>
-        <p:txBody>
-          <a:bodyPr/>
-          <a:lstStyle/>
-          <a:p>
-            <a:fld id="{B88E1A96-A68C-4ED7-8535-7FE27C72D2F0}" type="slidenum">
-              <a:rPr lang="en-GB" smtClean="0"/>
               <a:t>60</a:t>
             </a:fld>
             <a:endParaRPr lang="en-GB"/>
@@ -3466,7 +3298,7 @@
 </p:notes>
 </file>
 
-<file path=ppt/notesSlides/notesSlide35.xml><?xml version="1.0" encoding="utf-8"?>
+<file path=ppt/notesSlides/notesSlide33.xml><?xml version="1.0" encoding="utf-8"?>
 <p:notes xmlns:a="http://schemas.openxmlformats.org/drawingml/2006/main" xmlns:r="http://schemas.openxmlformats.org/officeDocument/2006/relationships" xmlns:p="http://schemas.openxmlformats.org/presentationml/2006/main">
   <p:cSld>
     <p:spTree>
@@ -4075,7 +3907,7 @@
           <a:p>
             <a:fld id="{B88E1A96-A68C-4ED7-8535-7FE27C72D2F0}" type="slidenum">
               <a:rPr lang="en-GB" smtClean="0"/>
-              <a:t>13</a:t>
+              <a:t>14</a:t>
             </a:fld>
             <a:endParaRPr lang="en-GB"/>
           </a:p>
@@ -4084,7 +3916,7 @@
     </p:spTree>
     <p:extLst>
       <p:ext uri="{BB962C8B-B14F-4D97-AF65-F5344CB8AC3E}">
-        <p14:creationId xmlns:p14="http://schemas.microsoft.com/office/powerpoint/2010/main" val="2430726693"/>
+        <p14:creationId xmlns:p14="http://schemas.microsoft.com/office/powerpoint/2010/main" val="3709681251"/>
       </p:ext>
     </p:extLst>
   </p:cSld>
@@ -4275,7 +4107,7 @@
           <a:p>
             <a:fld id="{02F45FB7-11FC-4A5D-8578-8A11B0F11936}" type="datetimeFigureOut">
               <a:rPr lang="en-GB" smtClean="0"/>
-              <a:t>18/04/2015</a:t>
+              <a:t>26/04/2015</a:t>
             </a:fld>
             <a:endParaRPr lang="en-GB"/>
           </a:p>
@@ -4445,7 +4277,7 @@
           <a:p>
             <a:fld id="{02F45FB7-11FC-4A5D-8578-8A11B0F11936}" type="datetimeFigureOut">
               <a:rPr lang="en-GB" smtClean="0"/>
-              <a:t>18/04/2015</a:t>
+              <a:t>26/04/2015</a:t>
             </a:fld>
             <a:endParaRPr lang="en-GB"/>
           </a:p>
@@ -4625,7 +4457,7 @@
           <a:p>
             <a:fld id="{02F45FB7-11FC-4A5D-8578-8A11B0F11936}" type="datetimeFigureOut">
               <a:rPr lang="en-GB" smtClean="0"/>
-              <a:t>18/04/2015</a:t>
+              <a:t>26/04/2015</a:t>
             </a:fld>
             <a:endParaRPr lang="en-GB"/>
           </a:p>
@@ -4795,7 +4627,7 @@
           <a:p>
             <a:fld id="{02F45FB7-11FC-4A5D-8578-8A11B0F11936}" type="datetimeFigureOut">
               <a:rPr lang="en-GB" smtClean="0"/>
-              <a:t>18/04/2015</a:t>
+              <a:t>26/04/2015</a:t>
             </a:fld>
             <a:endParaRPr lang="en-GB"/>
           </a:p>
@@ -5041,7 +4873,7 @@
           <a:p>
             <a:fld id="{02F45FB7-11FC-4A5D-8578-8A11B0F11936}" type="datetimeFigureOut">
               <a:rPr lang="en-GB" smtClean="0"/>
-              <a:t>18/04/2015</a:t>
+              <a:t>26/04/2015</a:t>
             </a:fld>
             <a:endParaRPr lang="en-GB"/>
           </a:p>
@@ -5329,7 +5161,7 @@
           <a:p>
             <a:fld id="{02F45FB7-11FC-4A5D-8578-8A11B0F11936}" type="datetimeFigureOut">
               <a:rPr lang="en-GB" smtClean="0"/>
-              <a:t>18/04/2015</a:t>
+              <a:t>26/04/2015</a:t>
             </a:fld>
             <a:endParaRPr lang="en-GB"/>
           </a:p>
@@ -5751,7 +5583,7 @@
           <a:p>
             <a:fld id="{02F45FB7-11FC-4A5D-8578-8A11B0F11936}" type="datetimeFigureOut">
               <a:rPr lang="en-GB" smtClean="0"/>
-              <a:t>18/04/2015</a:t>
+              <a:t>26/04/2015</a:t>
             </a:fld>
             <a:endParaRPr lang="en-GB"/>
           </a:p>
@@ -5869,7 +5701,7 @@
           <a:p>
             <a:fld id="{02F45FB7-11FC-4A5D-8578-8A11B0F11936}" type="datetimeFigureOut">
               <a:rPr lang="en-GB" smtClean="0"/>
-              <a:t>18/04/2015</a:t>
+              <a:t>26/04/2015</a:t>
             </a:fld>
             <a:endParaRPr lang="en-GB"/>
           </a:p>
@@ -5964,7 +5796,7 @@
           <a:p>
             <a:fld id="{02F45FB7-11FC-4A5D-8578-8A11B0F11936}" type="datetimeFigureOut">
               <a:rPr lang="en-GB" smtClean="0"/>
-              <a:t>18/04/2015</a:t>
+              <a:t>26/04/2015</a:t>
             </a:fld>
             <a:endParaRPr lang="en-GB"/>
           </a:p>
@@ -6241,7 +6073,7 @@
           <a:p>
             <a:fld id="{02F45FB7-11FC-4A5D-8578-8A11B0F11936}" type="datetimeFigureOut">
               <a:rPr lang="en-GB" smtClean="0"/>
-              <a:t>18/04/2015</a:t>
+              <a:t>26/04/2015</a:t>
             </a:fld>
             <a:endParaRPr lang="en-GB"/>
           </a:p>
@@ -6494,7 +6326,7 @@
           <a:p>
             <a:fld id="{02F45FB7-11FC-4A5D-8578-8A11B0F11936}" type="datetimeFigureOut">
               <a:rPr lang="en-GB" smtClean="0"/>
-              <a:t>18/04/2015</a:t>
+              <a:t>26/04/2015</a:t>
             </a:fld>
             <a:endParaRPr lang="en-GB"/>
           </a:p>
@@ -6707,7 +6539,7 @@
           <a:p>
             <a:fld id="{02F45FB7-11FC-4A5D-8578-8A11B0F11936}" type="datetimeFigureOut">
               <a:rPr lang="en-GB" smtClean="0"/>
-              <a:t>18/04/2015</a:t>
+              <a:t>26/04/2015</a:t>
             </a:fld>
             <a:endParaRPr lang="en-GB"/>
           </a:p>
@@ -7128,11 +6960,7 @@
             </a:br>
             <a:r>
               <a:rPr lang="en-GB" sz="3200" dirty="0" smtClean="0"/>
-              <a:t>Data Storage Options </a:t>
-            </a:r>
-            <a:r>
-              <a:rPr lang="en-GB" sz="3200" dirty="0" smtClean="0"/>
-              <a:t>for .NET</a:t>
+              <a:t>Data Storage Options for .NET</a:t>
             </a:r>
             <a:endParaRPr lang="en-GB" sz="3200" dirty="0"/>
           </a:p>
@@ -7809,14 +7637,6 @@
 <file path=ppt/slides/slide12.xml><?xml version="1.0" encoding="utf-8"?>
 <p:sld xmlns:a="http://schemas.openxmlformats.org/drawingml/2006/main" xmlns:r="http://schemas.openxmlformats.org/officeDocument/2006/relationships" xmlns:p="http://schemas.openxmlformats.org/presentationml/2006/main">
   <p:cSld>
-    <p:bg>
-      <p:bgPr>
-        <a:solidFill>
-          <a:schemeClr val="bg1"/>
-        </a:solidFill>
-        <a:effectLst/>
-      </p:bgPr>
-    </p:bg>
     <p:spTree>
       <p:nvGrpSpPr>
         <p:cNvPr id="1" name=""/>
@@ -7848,7 +7668,7 @@
           <a:p>
             <a:r>
               <a:rPr lang="en-GB" dirty="0" smtClean="0"/>
-              <a:t>Can We Improve Relational?</a:t>
+              <a:t>Serialization</a:t>
             </a:r>
             <a:endParaRPr lang="en-GB" dirty="0"/>
           </a:p>
@@ -7867,83 +7687,102 @@
         <p:spPr/>
         <p:txBody>
           <a:bodyPr>
-            <a:normAutofit/>
+            <a:normAutofit fontScale="85000" lnSpcReduction="20000"/>
           </a:bodyPr>
           <a:lstStyle/>
           <a:p>
-            <a:pPr marL="0" indent="0">
-              <a:buNone/>
-            </a:pPr>
-            <a:r>
-              <a:rPr lang="en-GB" dirty="0" smtClean="0"/>
-              <a:t>MS SQL Server</a:t>
-            </a:r>
-          </a:p>
-          <a:p>
-            <a:pPr lvl="1">
-              <a:buFont typeface="Arial" panose="020B0604020202020204" pitchFamily="34" charset="0"/>
-              <a:buChar char="•"/>
-            </a:pPr>
-            <a:r>
-              <a:rPr lang="en-GB" dirty="0" smtClean="0"/>
-              <a:t>XML Data</a:t>
-            </a:r>
-          </a:p>
-          <a:p>
-            <a:pPr lvl="1">
-              <a:buFont typeface="Arial" panose="020B0604020202020204" pitchFamily="34" charset="0"/>
-              <a:buChar char="•"/>
-            </a:pPr>
-            <a:r>
-              <a:rPr lang="en-GB" dirty="0" smtClean="0"/>
-              <a:t>Binary Storage</a:t>
-            </a:r>
-          </a:p>
-          <a:p>
-            <a:pPr lvl="1">
-              <a:buFont typeface="Arial" panose="020B0604020202020204" pitchFamily="34" charset="0"/>
-              <a:buChar char="•"/>
-            </a:pPr>
+            <a:r>
+              <a:rPr lang="en-GB" dirty="0" smtClean="0"/>
+              <a:t>Standard, flexible </a:t>
+            </a:r>
+            <a:r>
+              <a:rPr lang="en-GB" dirty="0"/>
+              <a:t>w</a:t>
+            </a:r>
+            <a:r>
+              <a:rPr lang="en-GB" dirty="0" smtClean="0"/>
+              <a:t>ay(s) to store objects</a:t>
+            </a:r>
+          </a:p>
+          <a:p>
+            <a:pPr lvl="1"/>
+            <a:r>
+              <a:rPr lang="en-GB" dirty="0" smtClean="0"/>
+              <a:t>“Across-The-Wire”</a:t>
+            </a:r>
+          </a:p>
+          <a:p>
+            <a:pPr lvl="1"/>
             <a:r>
               <a:rPr lang="en-GB" dirty="0" err="1" smtClean="0"/>
-              <a:t>FileStream</a:t>
+              <a:t>Persistable</a:t>
             </a:r>
             <a:endParaRPr lang="en-GB" dirty="0" smtClean="0"/>
           </a:p>
           <a:p>
-            <a:pPr lvl="1">
-              <a:buFont typeface="Arial" panose="020B0604020202020204" pitchFamily="34" charset="0"/>
-              <a:buChar char="•"/>
-            </a:pPr>
-            <a:r>
-              <a:rPr lang="en-GB" dirty="0" smtClean="0"/>
-              <a:t>(etc. ….)</a:t>
-            </a:r>
-          </a:p>
-          <a:p>
             <a:endParaRPr lang="en-GB" dirty="0"/>
           </a:p>
           <a:p>
             <a:r>
-              <a:rPr lang="en-GB" b="1" dirty="0" smtClean="0">
-                <a:solidFill>
-                  <a:srgbClr val="FF0000"/>
-                </a:solidFill>
-              </a:rPr>
-              <a:t>BUT</a:t>
-            </a:r>
-            <a:r>
-              <a:rPr lang="en-GB" dirty="0" smtClean="0"/>
-              <a:t> – very expensive way to get non-relational features!</a:t>
-            </a:r>
-            <a:endParaRPr lang="en-GB" dirty="0"/>
+              <a:rPr lang="en-GB" dirty="0" smtClean="0"/>
+              <a:t>Binary – efficient but:</a:t>
+            </a:r>
+          </a:p>
+          <a:p>
+            <a:pPr lvl="1"/>
+            <a:r>
+              <a:rPr lang="en-GB" dirty="0" smtClean="0"/>
+              <a:t>Hard to debug</a:t>
+            </a:r>
+          </a:p>
+          <a:p>
+            <a:pPr lvl="1"/>
+            <a:r>
+              <a:rPr lang="en-GB" dirty="0" smtClean="0"/>
+              <a:t>Non-portable </a:t>
+            </a:r>
+            <a:r>
+              <a:rPr lang="en-GB" sz="2400" dirty="0" smtClean="0"/>
+              <a:t>(although – Protocol </a:t>
+            </a:r>
+            <a:r>
+              <a:rPr lang="en-GB" sz="2400" dirty="0"/>
+              <a:t>B</a:t>
+            </a:r>
+            <a:r>
+              <a:rPr lang="en-GB" sz="2400" dirty="0" smtClean="0"/>
+              <a:t>uffers, etc.)</a:t>
+            </a:r>
+          </a:p>
+          <a:p>
+            <a:endParaRPr lang="en-GB" dirty="0" smtClean="0"/>
+          </a:p>
+          <a:p>
+            <a:r>
+              <a:rPr lang="en-GB" dirty="0" smtClean="0"/>
+              <a:t>Text</a:t>
+            </a:r>
+          </a:p>
+          <a:p>
+            <a:pPr lvl="1"/>
+            <a:r>
+              <a:rPr lang="en-GB" dirty="0" smtClean="0"/>
+              <a:t>XML</a:t>
+            </a:r>
+          </a:p>
+          <a:p>
+            <a:pPr lvl="1"/>
+            <a:r>
+              <a:rPr lang="en-GB" dirty="0" smtClean="0"/>
+              <a:t>JSON</a:t>
+            </a:r>
           </a:p>
         </p:txBody>
       </p:sp>
     </p:spTree>
     <p:extLst>
       <p:ext uri="{BB962C8B-B14F-4D97-AF65-F5344CB8AC3E}">
-        <p14:creationId xmlns:p14="http://schemas.microsoft.com/office/powerpoint/2010/main" val="1585944694"/>
+        <p14:creationId xmlns:p14="http://schemas.microsoft.com/office/powerpoint/2010/main" val="2607942636"/>
       </p:ext>
     </p:extLst>
   </p:cSld>
@@ -7953,252 +7792,7 @@
   <p:timing>
     <p:tnLst>
       <p:par>
-        <p:cTn id="1" dur="indefinite" restart="never" nodeType="tmRoot">
-          <p:childTnLst>
-            <p:seq concurrent="1" nextAc="seek">
-              <p:cTn id="2" dur="indefinite" nodeType="mainSeq">
-                <p:childTnLst>
-                  <p:par>
-                    <p:cTn id="3" fill="hold">
-                      <p:stCondLst>
-                        <p:cond delay="indefinite"/>
-                      </p:stCondLst>
-                      <p:childTnLst>
-                        <p:par>
-                          <p:cTn id="4" fill="hold">
-                            <p:stCondLst>
-                              <p:cond delay="0"/>
-                            </p:stCondLst>
-                            <p:childTnLst>
-                              <p:par>
-                                <p:cTn id="5" presetID="1" presetClass="entr" presetSubtype="0" fill="hold" nodeType="clickEffect">
-                                  <p:stCondLst>
-                                    <p:cond delay="0"/>
-                                  </p:stCondLst>
-                                  <p:childTnLst>
-                                    <p:set>
-                                      <p:cBhvr>
-                                        <p:cTn id="6" dur="1" fill="hold">
-                                          <p:stCondLst>
-                                            <p:cond delay="0"/>
-                                          </p:stCondLst>
-                                        </p:cTn>
-                                        <p:tgtEl>
-                                          <p:spTgt spid="3">
-                                            <p:txEl>
-                                              <p:pRg st="0" end="0"/>
-                                            </p:txEl>
-                                          </p:spTgt>
-                                        </p:tgtEl>
-                                        <p:attrNameLst>
-                                          <p:attrName>style.visibility</p:attrName>
-                                        </p:attrNameLst>
-                                      </p:cBhvr>
-                                      <p:to>
-                                        <p:strVal val="visible"/>
-                                      </p:to>
-                                    </p:set>
-                                  </p:childTnLst>
-                                </p:cTn>
-                              </p:par>
-                              <p:par>
-                                <p:cTn id="7" presetID="1" presetClass="entr" presetSubtype="0" fill="hold" nodeType="withEffect">
-                                  <p:stCondLst>
-                                    <p:cond delay="0"/>
-                                  </p:stCondLst>
-                                  <p:childTnLst>
-                                    <p:set>
-                                      <p:cBhvr>
-                                        <p:cTn id="8" dur="1" fill="hold">
-                                          <p:stCondLst>
-                                            <p:cond delay="0"/>
-                                          </p:stCondLst>
-                                        </p:cTn>
-                                        <p:tgtEl>
-                                          <p:spTgt spid="3">
-                                            <p:txEl>
-                                              <p:pRg st="1" end="1"/>
-                                            </p:txEl>
-                                          </p:spTgt>
-                                        </p:tgtEl>
-                                        <p:attrNameLst>
-                                          <p:attrName>style.visibility</p:attrName>
-                                        </p:attrNameLst>
-                                      </p:cBhvr>
-                                      <p:to>
-                                        <p:strVal val="visible"/>
-                                      </p:to>
-                                    </p:set>
-                                  </p:childTnLst>
-                                </p:cTn>
-                              </p:par>
-                              <p:par>
-                                <p:cTn id="9" presetID="1" presetClass="entr" presetSubtype="0" fill="hold" nodeType="withEffect">
-                                  <p:stCondLst>
-                                    <p:cond delay="0"/>
-                                  </p:stCondLst>
-                                  <p:childTnLst>
-                                    <p:set>
-                                      <p:cBhvr>
-                                        <p:cTn id="10" dur="1" fill="hold">
-                                          <p:stCondLst>
-                                            <p:cond delay="0"/>
-                                          </p:stCondLst>
-                                        </p:cTn>
-                                        <p:tgtEl>
-                                          <p:spTgt spid="3">
-                                            <p:txEl>
-                                              <p:pRg st="2" end="2"/>
-                                            </p:txEl>
-                                          </p:spTgt>
-                                        </p:tgtEl>
-                                        <p:attrNameLst>
-                                          <p:attrName>style.visibility</p:attrName>
-                                        </p:attrNameLst>
-                                      </p:cBhvr>
-                                      <p:to>
-                                        <p:strVal val="visible"/>
-                                      </p:to>
-                                    </p:set>
-                                  </p:childTnLst>
-                                </p:cTn>
-                              </p:par>
-                              <p:par>
-                                <p:cTn id="11" presetID="1" presetClass="entr" presetSubtype="0" fill="hold" nodeType="withEffect">
-                                  <p:stCondLst>
-                                    <p:cond delay="0"/>
-                                  </p:stCondLst>
-                                  <p:childTnLst>
-                                    <p:set>
-                                      <p:cBhvr>
-                                        <p:cTn id="12" dur="1" fill="hold">
-                                          <p:stCondLst>
-                                            <p:cond delay="0"/>
-                                          </p:stCondLst>
-                                        </p:cTn>
-                                        <p:tgtEl>
-                                          <p:spTgt spid="3">
-                                            <p:txEl>
-                                              <p:pRg st="3" end="3"/>
-                                            </p:txEl>
-                                          </p:spTgt>
-                                        </p:tgtEl>
-                                        <p:attrNameLst>
-                                          <p:attrName>style.visibility</p:attrName>
-                                        </p:attrNameLst>
-                                      </p:cBhvr>
-                                      <p:to>
-                                        <p:strVal val="visible"/>
-                                      </p:to>
-                                    </p:set>
-                                  </p:childTnLst>
-                                </p:cTn>
-                              </p:par>
-                              <p:par>
-                                <p:cTn id="13" presetID="1" presetClass="entr" presetSubtype="0" fill="hold" nodeType="withEffect">
-                                  <p:stCondLst>
-                                    <p:cond delay="0"/>
-                                  </p:stCondLst>
-                                  <p:childTnLst>
-                                    <p:set>
-                                      <p:cBhvr>
-                                        <p:cTn id="14" dur="1" fill="hold">
-                                          <p:stCondLst>
-                                            <p:cond delay="0"/>
-                                          </p:stCondLst>
-                                        </p:cTn>
-                                        <p:tgtEl>
-                                          <p:spTgt spid="3">
-                                            <p:txEl>
-                                              <p:pRg st="4" end="4"/>
-                                            </p:txEl>
-                                          </p:spTgt>
-                                        </p:tgtEl>
-                                        <p:attrNameLst>
-                                          <p:attrName>style.visibility</p:attrName>
-                                        </p:attrNameLst>
-                                      </p:cBhvr>
-                                      <p:to>
-                                        <p:strVal val="visible"/>
-                                      </p:to>
-                                    </p:set>
-                                  </p:childTnLst>
-                                </p:cTn>
-                              </p:par>
-                            </p:childTnLst>
-                          </p:cTn>
-                        </p:par>
-                      </p:childTnLst>
-                    </p:cTn>
-                  </p:par>
-                  <p:par>
-                    <p:cTn id="15" fill="hold">
-                      <p:stCondLst>
-                        <p:cond delay="indefinite"/>
-                      </p:stCondLst>
-                      <p:childTnLst>
-                        <p:par>
-                          <p:cTn id="16" fill="hold">
-                            <p:stCondLst>
-                              <p:cond delay="0"/>
-                            </p:stCondLst>
-                            <p:childTnLst>
-                              <p:par>
-                                <p:cTn id="17" presetID="1" presetClass="entr" presetSubtype="0" fill="hold" nodeType="clickEffect">
-                                  <p:stCondLst>
-                                    <p:cond delay="0"/>
-                                  </p:stCondLst>
-                                  <p:childTnLst>
-                                    <p:set>
-                                      <p:cBhvr>
-                                        <p:cTn id="18" dur="1" fill="hold">
-                                          <p:stCondLst>
-                                            <p:cond delay="0"/>
-                                          </p:stCondLst>
-                                        </p:cTn>
-                                        <p:tgtEl>
-                                          <p:spTgt spid="3">
-                                            <p:txEl>
-                                              <p:pRg st="6" end="6"/>
-                                            </p:txEl>
-                                          </p:spTgt>
-                                        </p:tgtEl>
-                                        <p:attrNameLst>
-                                          <p:attrName>style.visibility</p:attrName>
-                                        </p:attrNameLst>
-                                      </p:cBhvr>
-                                      <p:to>
-                                        <p:strVal val="visible"/>
-                                      </p:to>
-                                    </p:set>
-                                  </p:childTnLst>
-                                </p:cTn>
-                              </p:par>
-                            </p:childTnLst>
-                          </p:cTn>
-                        </p:par>
-                      </p:childTnLst>
-                    </p:cTn>
-                  </p:par>
-                </p:childTnLst>
-              </p:cTn>
-              <p:prevCondLst>
-                <p:cond evt="onPrev" delay="0">
-                  <p:tgtEl>
-                    <p:sldTgt/>
-                  </p:tgtEl>
-                </p:cond>
-              </p:prevCondLst>
-              <p:nextCondLst>
-                <p:cond evt="onNext" delay="0">
-                  <p:tgtEl>
-                    <p:sldTgt/>
-                  </p:tgtEl>
-                </p:cond>
-              </p:nextCondLst>
-            </p:seq>
-          </p:childTnLst>
-        </p:cTn>
+        <p:cTn id="1" dur="indefinite" restart="never" nodeType="tmRoot"/>
       </p:par>
     </p:tnLst>
   </p:timing>
@@ -8246,8 +7840,8 @@
           <a:lstStyle/>
           <a:p>
             <a:r>
-              <a:rPr lang="en-GB" dirty="0" err="1" smtClean="0"/>
-              <a:t>PostgreSQL</a:t>
+              <a:rPr lang="en-GB" dirty="0" smtClean="0"/>
+              <a:t>Serializing to Relational Storage?</a:t>
             </a:r>
             <a:endParaRPr lang="en-GB" dirty="0"/>
           </a:p>
@@ -8270,90 +7864,41 @@
           </a:bodyPr>
           <a:lstStyle/>
           <a:p>
-            <a:r>
-              <a:rPr lang="en-GB" dirty="0" smtClean="0"/>
-              <a:t>Open-source relational database</a:t>
-            </a:r>
-          </a:p>
-          <a:p>
             <a:endParaRPr lang="en-GB" dirty="0" smtClean="0"/>
           </a:p>
           <a:p>
             <a:r>
-              <a:rPr lang="en-GB" dirty="0"/>
-              <a:t>Runs </a:t>
-            </a:r>
-            <a:r>
-              <a:rPr lang="en-GB" dirty="0" smtClean="0"/>
-              <a:t>on </a:t>
-            </a:r>
-            <a:r>
-              <a:rPr lang="en-GB" dirty="0"/>
-              <a:t>Windows </a:t>
-            </a:r>
-            <a:r>
-              <a:rPr lang="en-GB" dirty="0" smtClean="0"/>
-              <a:t>(as well as Linux/ MAC OS)</a:t>
-            </a:r>
+              <a:rPr lang="en-GB" dirty="0" smtClean="0"/>
+              <a:t>MS </a:t>
+            </a:r>
+            <a:r>
+              <a:rPr lang="en-GB" dirty="0" smtClean="0"/>
+              <a:t>SQL </a:t>
+            </a:r>
+            <a:r>
+              <a:rPr lang="en-GB" dirty="0" smtClean="0"/>
+              <a:t>Server – XML</a:t>
+            </a:r>
+          </a:p>
+          <a:p>
+            <a:endParaRPr lang="en-GB" dirty="0"/>
+          </a:p>
+          <a:p>
             <a:endParaRPr lang="en-GB" dirty="0" smtClean="0"/>
           </a:p>
           <a:p>
+            <a:r>
+              <a:rPr lang="en-GB" dirty="0" smtClean="0"/>
+              <a:t>PostgreSQL - JSON</a:t>
+            </a:r>
             <a:endParaRPr lang="en-GB" dirty="0" smtClean="0"/>
           </a:p>
-          <a:p>
-            <a:r>
-              <a:rPr lang="en-GB" dirty="0" smtClean="0"/>
-              <a:t>“Object-Relational”</a:t>
-            </a:r>
-          </a:p>
-          <a:p>
-            <a:endParaRPr lang="en-GB" dirty="0" smtClean="0"/>
-          </a:p>
-          <a:p>
-            <a:r>
-              <a:rPr lang="en-GB" dirty="0" smtClean="0"/>
-              <a:t>Rich type system</a:t>
-            </a:r>
-          </a:p>
-          <a:p>
-            <a:endParaRPr lang="en-GB" dirty="0"/>
-          </a:p>
-        </p:txBody>
-      </p:sp>
-      <p:pic>
-        <p:nvPicPr>
-          <p:cNvPr id="4" name="Picture 3"/>
-          <p:cNvPicPr>
-            <a:picLocks noChangeAspect="1"/>
-          </p:cNvPicPr>
-          <p:nvPr/>
-        </p:nvPicPr>
-        <p:blipFill>
-          <a:blip r:embed="rId3">
-            <a:extLst>
-              <a:ext uri="{28A0092B-C50C-407E-A947-70E740481C1C}">
-                <a14:useLocalDpi xmlns:a14="http://schemas.microsoft.com/office/drawing/2010/main" val="0"/>
-              </a:ext>
-            </a:extLst>
-          </a:blip>
-          <a:stretch>
-            <a:fillRect/>
-          </a:stretch>
-        </p:blipFill>
-        <p:spPr>
-          <a:xfrm>
-            <a:off x="677267" y="339844"/>
-            <a:ext cx="1158429" cy="1288956"/>
-          </a:xfrm>
-          <a:prstGeom prst="rect">
-            <a:avLst/>
-          </a:prstGeom>
-        </p:spPr>
-      </p:pic>
+        </p:txBody>
+      </p:sp>
     </p:spTree>
     <p:extLst>
       <p:ext uri="{BB962C8B-B14F-4D97-AF65-F5344CB8AC3E}">
-        <p14:creationId xmlns:p14="http://schemas.microsoft.com/office/powerpoint/2010/main" val="2296129517"/>
+        <p14:creationId xmlns:p14="http://schemas.microsoft.com/office/powerpoint/2010/main" val="1585944694"/>
       </p:ext>
     </p:extLst>
   </p:cSld>
@@ -8371,370 +7916,6 @@
 </file>
 
 <file path=ppt/slides/slide14.xml><?xml version="1.0" encoding="utf-8"?>
-<p:sld xmlns:a="http://schemas.openxmlformats.org/drawingml/2006/main" xmlns:r="http://schemas.openxmlformats.org/officeDocument/2006/relationships" xmlns:p="http://schemas.openxmlformats.org/presentationml/2006/main">
-  <p:cSld>
-    <p:bg>
-      <p:bgPr>
-        <a:solidFill>
-          <a:schemeClr val="bg1"/>
-        </a:solidFill>
-        <a:effectLst/>
-      </p:bgPr>
-    </p:bg>
-    <p:spTree>
-      <p:nvGrpSpPr>
-        <p:cNvPr id="1" name=""/>
-        <p:cNvGrpSpPr/>
-        <p:nvPr/>
-      </p:nvGrpSpPr>
-      <p:grpSpPr>
-        <a:xfrm>
-          <a:off x="0" y="0"/>
-          <a:ext cx="0" cy="0"/>
-          <a:chOff x="0" y="0"/>
-          <a:chExt cx="0" cy="0"/>
-        </a:xfrm>
-      </p:grpSpPr>
-      <p:sp>
-        <p:nvSpPr>
-          <p:cNvPr id="2" name="Title 1"/>
-          <p:cNvSpPr>
-            <a:spLocks noGrp="1"/>
-          </p:cNvSpPr>
-          <p:nvPr>
-            <p:ph type="title"/>
-          </p:nvPr>
-        </p:nvSpPr>
-        <p:spPr/>
-        <p:txBody>
-          <a:bodyPr/>
-          <a:lstStyle/>
-          <a:p>
-            <a:r>
-              <a:rPr lang="en-GB" dirty="0" err="1" smtClean="0"/>
-              <a:t>PostgreSQL</a:t>
-            </a:r>
-            <a:r>
-              <a:rPr lang="en-GB" dirty="0" smtClean="0"/>
-              <a:t> - Demos</a:t>
-            </a:r>
-            <a:endParaRPr lang="en-GB" dirty="0"/>
-          </a:p>
-        </p:txBody>
-      </p:sp>
-      <p:sp>
-        <p:nvSpPr>
-          <p:cNvPr id="3" name="Content Placeholder 2"/>
-          <p:cNvSpPr>
-            <a:spLocks noGrp="1"/>
-          </p:cNvSpPr>
-          <p:nvPr>
-            <p:ph idx="1"/>
-          </p:nvPr>
-        </p:nvSpPr>
-        <p:spPr/>
-        <p:txBody>
-          <a:bodyPr/>
-          <a:lstStyle/>
-          <a:p>
-            <a:r>
-              <a:rPr lang="en-GB" dirty="0" smtClean="0"/>
-              <a:t>Table Inheritance</a:t>
-            </a:r>
-          </a:p>
-          <a:p>
-            <a:endParaRPr lang="en-GB" dirty="0"/>
-          </a:p>
-          <a:p>
-            <a:r>
-              <a:rPr lang="en-GB" dirty="0" smtClean="0"/>
-              <a:t>Type System </a:t>
-            </a:r>
-          </a:p>
-          <a:p>
-            <a:pPr lvl="1"/>
-            <a:r>
-              <a:rPr lang="en-GB" dirty="0"/>
-              <a:t>Arrays</a:t>
-            </a:r>
-          </a:p>
-          <a:p>
-            <a:pPr lvl="1"/>
-            <a:r>
-              <a:rPr lang="en-GB" dirty="0"/>
-              <a:t>IP addresses</a:t>
-            </a:r>
-          </a:p>
-          <a:p>
-            <a:pPr marL="0" indent="0">
-              <a:buNone/>
-            </a:pPr>
-            <a:endParaRPr lang="en-GB" dirty="0" smtClean="0"/>
-          </a:p>
-          <a:p>
-            <a:r>
-              <a:rPr lang="en-GB" dirty="0" smtClean="0"/>
-              <a:t>JSON storage</a:t>
-            </a:r>
-          </a:p>
-        </p:txBody>
-      </p:sp>
-    </p:spTree>
-    <p:extLst>
-      <p:ext uri="{BB962C8B-B14F-4D97-AF65-F5344CB8AC3E}">
-        <p14:creationId xmlns:p14="http://schemas.microsoft.com/office/powerpoint/2010/main" val="3622542683"/>
-      </p:ext>
-    </p:extLst>
-  </p:cSld>
-  <p:clrMapOvr>
-    <a:masterClrMapping/>
-  </p:clrMapOvr>
-  <p:timing>
-    <p:tnLst>
-      <p:par>
-        <p:cTn id="1" dur="indefinite" restart="never" nodeType="tmRoot">
-          <p:childTnLst>
-            <p:seq concurrent="1" nextAc="seek">
-              <p:cTn id="2" dur="indefinite" nodeType="mainSeq">
-                <p:childTnLst>
-                  <p:par>
-                    <p:cTn id="3" fill="hold">
-                      <p:stCondLst>
-                        <p:cond delay="indefinite"/>
-                      </p:stCondLst>
-                      <p:childTnLst>
-                        <p:par>
-                          <p:cTn id="4" fill="hold">
-                            <p:stCondLst>
-                              <p:cond delay="0"/>
-                            </p:stCondLst>
-                            <p:childTnLst>
-                              <p:par>
-                                <p:cTn id="5" presetID="1" presetClass="entr" presetSubtype="0" fill="hold" grpId="0" nodeType="clickEffect">
-                                  <p:stCondLst>
-                                    <p:cond delay="0"/>
-                                  </p:stCondLst>
-                                  <p:childTnLst>
-                                    <p:set>
-                                      <p:cBhvr>
-                                        <p:cTn id="6" dur="1" fill="hold">
-                                          <p:stCondLst>
-                                            <p:cond delay="0"/>
-                                          </p:stCondLst>
-                                        </p:cTn>
-                                        <p:tgtEl>
-                                          <p:spTgt spid="3">
-                                            <p:txEl>
-                                              <p:pRg st="0" end="0"/>
-                                            </p:txEl>
-                                          </p:spTgt>
-                                        </p:tgtEl>
-                                        <p:attrNameLst>
-                                          <p:attrName>style.visibility</p:attrName>
-                                        </p:attrNameLst>
-                                      </p:cBhvr>
-                                      <p:to>
-                                        <p:strVal val="visible"/>
-                                      </p:to>
-                                    </p:set>
-                                  </p:childTnLst>
-                                </p:cTn>
-                              </p:par>
-                            </p:childTnLst>
-                          </p:cTn>
-                        </p:par>
-                      </p:childTnLst>
-                    </p:cTn>
-                  </p:par>
-                  <p:par>
-                    <p:cTn id="7" fill="hold">
-                      <p:stCondLst>
-                        <p:cond delay="indefinite"/>
-                      </p:stCondLst>
-                      <p:childTnLst>
-                        <p:par>
-                          <p:cTn id="8" fill="hold">
-                            <p:stCondLst>
-                              <p:cond delay="0"/>
-                            </p:stCondLst>
-                            <p:childTnLst>
-                              <p:par>
-                                <p:cTn id="9" presetID="1" presetClass="entr" presetSubtype="0" fill="hold" grpId="0" nodeType="clickEffect">
-                                  <p:stCondLst>
-                                    <p:cond delay="0"/>
-                                  </p:stCondLst>
-                                  <p:childTnLst>
-                                    <p:set>
-                                      <p:cBhvr>
-                                        <p:cTn id="10" dur="1" fill="hold">
-                                          <p:stCondLst>
-                                            <p:cond delay="0"/>
-                                          </p:stCondLst>
-                                        </p:cTn>
-                                        <p:tgtEl>
-                                          <p:spTgt spid="3">
-                                            <p:txEl>
-                                              <p:pRg st="2" end="2"/>
-                                            </p:txEl>
-                                          </p:spTgt>
-                                        </p:tgtEl>
-                                        <p:attrNameLst>
-                                          <p:attrName>style.visibility</p:attrName>
-                                        </p:attrNameLst>
-                                      </p:cBhvr>
-                                      <p:to>
-                                        <p:strVal val="visible"/>
-                                      </p:to>
-                                    </p:set>
-                                  </p:childTnLst>
-                                </p:cTn>
-                              </p:par>
-                              <p:par>
-                                <p:cTn id="11" presetID="1" presetClass="entr" presetSubtype="0" fill="hold" grpId="0" nodeType="withEffect">
-                                  <p:stCondLst>
-                                    <p:cond delay="0"/>
-                                  </p:stCondLst>
-                                  <p:childTnLst>
-                                    <p:set>
-                                      <p:cBhvr>
-                                        <p:cTn id="12" dur="1" fill="hold">
-                                          <p:stCondLst>
-                                            <p:cond delay="0"/>
-                                          </p:stCondLst>
-                                        </p:cTn>
-                                        <p:tgtEl>
-                                          <p:spTgt spid="3">
-                                            <p:txEl>
-                                              <p:pRg st="3" end="3"/>
-                                            </p:txEl>
-                                          </p:spTgt>
-                                        </p:tgtEl>
-                                        <p:attrNameLst>
-                                          <p:attrName>style.visibility</p:attrName>
-                                        </p:attrNameLst>
-                                      </p:cBhvr>
-                                      <p:to>
-                                        <p:strVal val="visible"/>
-                                      </p:to>
-                                    </p:set>
-                                  </p:childTnLst>
-                                </p:cTn>
-                              </p:par>
-                              <p:par>
-                                <p:cTn id="13" presetID="1" presetClass="entr" presetSubtype="0" fill="hold" grpId="0" nodeType="withEffect">
-                                  <p:stCondLst>
-                                    <p:cond delay="0"/>
-                                  </p:stCondLst>
-                                  <p:childTnLst>
-                                    <p:set>
-                                      <p:cBhvr>
-                                        <p:cTn id="14" dur="1" fill="hold">
-                                          <p:stCondLst>
-                                            <p:cond delay="0"/>
-                                          </p:stCondLst>
-                                        </p:cTn>
-                                        <p:tgtEl>
-                                          <p:spTgt spid="3">
-                                            <p:txEl>
-                                              <p:pRg st="4" end="4"/>
-                                            </p:txEl>
-                                          </p:spTgt>
-                                        </p:tgtEl>
-                                        <p:attrNameLst>
-                                          <p:attrName>style.visibility</p:attrName>
-                                        </p:attrNameLst>
-                                      </p:cBhvr>
-                                      <p:to>
-                                        <p:strVal val="visible"/>
-                                      </p:to>
-                                    </p:set>
-                                  </p:childTnLst>
-                                </p:cTn>
-                              </p:par>
-                            </p:childTnLst>
-                          </p:cTn>
-                        </p:par>
-                      </p:childTnLst>
-                    </p:cTn>
-                  </p:par>
-                  <p:par>
-                    <p:cTn id="15" fill="hold">
-                      <p:stCondLst>
-                        <p:cond delay="indefinite"/>
-                      </p:stCondLst>
-                      <p:childTnLst>
-                        <p:par>
-                          <p:cTn id="16" fill="hold">
-                            <p:stCondLst>
-                              <p:cond delay="0"/>
-                            </p:stCondLst>
-                            <p:childTnLst>
-                              <p:par>
-                                <p:cTn id="17" presetID="1" presetClass="entr" presetSubtype="0" fill="hold" grpId="0" nodeType="clickEffect">
-                                  <p:stCondLst>
-                                    <p:cond delay="0"/>
-                                  </p:stCondLst>
-                                  <p:childTnLst>
-                                    <p:set>
-                                      <p:cBhvr>
-                                        <p:cTn id="18" dur="1" fill="hold">
-                                          <p:stCondLst>
-                                            <p:cond delay="0"/>
-                                          </p:stCondLst>
-                                        </p:cTn>
-                                        <p:tgtEl>
-                                          <p:spTgt spid="3">
-                                            <p:txEl>
-                                              <p:pRg st="6" end="6"/>
-                                            </p:txEl>
-                                          </p:spTgt>
-                                        </p:tgtEl>
-                                        <p:attrNameLst>
-                                          <p:attrName>style.visibility</p:attrName>
-                                        </p:attrNameLst>
-                                      </p:cBhvr>
-                                      <p:to>
-                                        <p:strVal val="visible"/>
-                                      </p:to>
-                                    </p:set>
-                                  </p:childTnLst>
-                                </p:cTn>
-                              </p:par>
-                            </p:childTnLst>
-                          </p:cTn>
-                        </p:par>
-                      </p:childTnLst>
-                    </p:cTn>
-                  </p:par>
-                </p:childTnLst>
-              </p:cTn>
-              <p:prevCondLst>
-                <p:cond evt="onPrev" delay="0">
-                  <p:tgtEl>
-                    <p:sldTgt/>
-                  </p:tgtEl>
-                </p:cond>
-              </p:prevCondLst>
-              <p:nextCondLst>
-                <p:cond evt="onNext" delay="0">
-                  <p:tgtEl>
-                    <p:sldTgt/>
-                  </p:tgtEl>
-                </p:cond>
-              </p:nextCondLst>
-            </p:seq>
-          </p:childTnLst>
-        </p:cTn>
-      </p:par>
-    </p:tnLst>
-    <p:bldLst>
-      <p:bldP spid="3" grpId="0" build="p"/>
-    </p:bldLst>
-  </p:timing>
-</p:sld>
-</file>
-
-<file path=ppt/slides/slide15.xml><?xml version="1.0" encoding="utf-8"?>
 <p:sld xmlns:a="http://schemas.openxmlformats.org/drawingml/2006/main" xmlns:r="http://schemas.openxmlformats.org/officeDocument/2006/relationships" xmlns:p="http://schemas.openxmlformats.org/presentationml/2006/main">
   <p:cSld>
     <p:bg>
@@ -8905,7 +8086,7 @@
 </p:sld>
 </file>
 
-<file path=ppt/slides/slide16.xml><?xml version="1.0" encoding="utf-8"?>
+<file path=ppt/slides/slide15.xml><?xml version="1.0" encoding="utf-8"?>
 <p:sld xmlns:a="http://schemas.openxmlformats.org/drawingml/2006/main" xmlns:r="http://schemas.openxmlformats.org/officeDocument/2006/relationships" xmlns:p="http://schemas.openxmlformats.org/presentationml/2006/main">
   <p:cSld>
     <p:bg>
@@ -9333,7 +8514,7 @@
 </p:sld>
 </file>
 
-<file path=ppt/slides/slide17.xml><?xml version="1.0" encoding="utf-8"?>
+<file path=ppt/slides/slide16.xml><?xml version="1.0" encoding="utf-8"?>
 <p:sld xmlns:a="http://schemas.openxmlformats.org/drawingml/2006/main" xmlns:r="http://schemas.openxmlformats.org/officeDocument/2006/relationships" xmlns:p="http://schemas.openxmlformats.org/presentationml/2006/main">
   <p:cSld>
     <p:bg>
@@ -9625,7 +8806,7 @@
 </p:sld>
 </file>
 
-<file path=ppt/slides/slide18.xml><?xml version="1.0" encoding="utf-8"?>
+<file path=ppt/slides/slide17.xml><?xml version="1.0" encoding="utf-8"?>
 <p:sld xmlns:a="http://schemas.openxmlformats.org/drawingml/2006/main" xmlns:r="http://schemas.openxmlformats.org/officeDocument/2006/relationships" xmlns:p="http://schemas.openxmlformats.org/presentationml/2006/main">
   <p:cSld>
     <p:bg>
@@ -10201,7 +9382,7 @@
 </p:sld>
 </file>
 
-<file path=ppt/slides/slide19.xml><?xml version="1.0" encoding="utf-8"?>
+<file path=ppt/slides/slide18.xml><?xml version="1.0" encoding="utf-8"?>
 <p:sld xmlns:a="http://schemas.openxmlformats.org/drawingml/2006/main" xmlns:r="http://schemas.openxmlformats.org/officeDocument/2006/relationships" xmlns:p="http://schemas.openxmlformats.org/presentationml/2006/main">
   <p:cSld>
     <p:bg>
@@ -10283,11 +9464,7 @@
             </a:r>
             <a:r>
               <a:rPr lang="en-GB" dirty="0" smtClean="0"/>
-              <a:t> – increased complexity of architecture/ programming </a:t>
-            </a:r>
-            <a:r>
-              <a:rPr lang="en-GB" dirty="0" smtClean="0"/>
-              <a:t>model</a:t>
+              <a:t> – increased complexity of architecture/ programming model</a:t>
             </a:r>
           </a:p>
           <a:p>
@@ -10298,11 +9475,7 @@
             <a:pPr lvl="1"/>
             <a:r>
               <a:rPr lang="en-GB" dirty="0" smtClean="0"/>
-              <a:t>Especially </a:t>
-            </a:r>
-            <a:r>
-              <a:rPr lang="en-GB" dirty="0" smtClean="0"/>
-              <a:t>challenging for data storage</a:t>
+              <a:t>Especially challenging for data storage</a:t>
             </a:r>
           </a:p>
         </p:txBody>
@@ -10430,270 +9603,7 @@
 </p:sld>
 </file>
 
-<file path=ppt/slides/slide2.xml><?xml version="1.0" encoding="utf-8"?>
-<p:sld xmlns:a="http://schemas.openxmlformats.org/drawingml/2006/main" xmlns:r="http://schemas.openxmlformats.org/officeDocument/2006/relationships" xmlns:p="http://schemas.openxmlformats.org/presentationml/2006/main">
-  <p:cSld>
-    <p:bg>
-      <p:bgPr>
-        <a:solidFill>
-          <a:schemeClr val="bg1"/>
-        </a:solidFill>
-        <a:effectLst/>
-      </p:bgPr>
-    </p:bg>
-    <p:spTree>
-      <p:nvGrpSpPr>
-        <p:cNvPr id="1" name=""/>
-        <p:cNvGrpSpPr/>
-        <p:nvPr/>
-      </p:nvGrpSpPr>
-      <p:grpSpPr>
-        <a:xfrm>
-          <a:off x="0" y="0"/>
-          <a:ext cx="0" cy="0"/>
-          <a:chOff x="0" y="0"/>
-          <a:chExt cx="0" cy="0"/>
-        </a:xfrm>
-      </p:grpSpPr>
-      <p:sp>
-        <p:nvSpPr>
-          <p:cNvPr id="2" name="Title 1"/>
-          <p:cNvSpPr>
-            <a:spLocks noGrp="1"/>
-          </p:cNvSpPr>
-          <p:nvPr>
-            <p:ph type="title"/>
-          </p:nvPr>
-        </p:nvSpPr>
-        <p:spPr/>
-        <p:txBody>
-          <a:bodyPr>
-            <a:normAutofit/>
-          </a:bodyPr>
-          <a:lstStyle/>
-          <a:p>
-            <a:r>
-              <a:rPr lang="en-GB" dirty="0" smtClean="0"/>
-              <a:t>About Me</a:t>
-            </a:r>
-            <a:endParaRPr lang="en-GB" dirty="0"/>
-          </a:p>
-        </p:txBody>
-      </p:sp>
-      <p:sp>
-        <p:nvSpPr>
-          <p:cNvPr id="3" name="Content Placeholder 2"/>
-          <p:cNvSpPr>
-            <a:spLocks noGrp="1"/>
-          </p:cNvSpPr>
-          <p:nvPr>
-            <p:ph idx="1"/>
-          </p:nvPr>
-        </p:nvSpPr>
-        <p:spPr/>
-        <p:txBody>
-          <a:bodyPr>
-            <a:normAutofit/>
-          </a:bodyPr>
-          <a:lstStyle/>
-          <a:p>
-            <a:pPr marL="0" indent="0" fontAlgn="base">
-              <a:buNone/>
-            </a:pPr>
-            <a:endParaRPr lang="en-GB" sz="2800" dirty="0" smtClean="0"/>
-          </a:p>
-          <a:p>
-            <a:pPr marL="0" indent="0" fontAlgn="base">
-              <a:buNone/>
-            </a:pPr>
-            <a:r>
-              <a:rPr lang="en-GB" sz="2800" dirty="0" smtClean="0"/>
-              <a:t>Senior Database Developer</a:t>
-            </a:r>
-          </a:p>
-          <a:p>
-            <a:pPr marL="0" indent="0" fontAlgn="base">
-              <a:buNone/>
-            </a:pPr>
-            <a:r>
-              <a:rPr lang="en-GB" sz="2800" dirty="0"/>
-              <a:t>	</a:t>
-            </a:r>
-            <a:r>
-              <a:rPr lang="en-GB" sz="2800" dirty="0" smtClean="0"/>
-              <a:t>-&gt; MS SQL Server, Hadoop (HDFS)</a:t>
-            </a:r>
-          </a:p>
-          <a:p>
-            <a:pPr marL="0" indent="0" fontAlgn="base">
-              <a:buNone/>
-            </a:pPr>
-            <a:endParaRPr lang="en-GB" sz="2800" dirty="0" smtClean="0"/>
-          </a:p>
-          <a:p>
-            <a:pPr marL="0" indent="0" fontAlgn="base">
-              <a:buNone/>
-            </a:pPr>
-            <a:endParaRPr lang="en-GB" sz="2800" dirty="0" smtClean="0"/>
-          </a:p>
-          <a:p>
-            <a:pPr marL="0" indent="0" fontAlgn="base">
-              <a:buNone/>
-            </a:pPr>
-            <a:r>
-              <a:rPr lang="en-GB" sz="2800" dirty="0" smtClean="0"/>
-              <a:t>Senior Data Engineer</a:t>
-            </a:r>
-          </a:p>
-          <a:p>
-            <a:pPr marL="0" indent="0" fontAlgn="base">
-              <a:buNone/>
-            </a:pPr>
-            <a:r>
-              <a:rPr lang="en-GB" sz="2800" dirty="0"/>
-              <a:t>	</a:t>
-            </a:r>
-            <a:r>
-              <a:rPr lang="en-GB" sz="2800" dirty="0" smtClean="0"/>
-              <a:t>-&gt; Hadoop, Hive, Impala, Spark</a:t>
-            </a:r>
-          </a:p>
-          <a:p>
-            <a:pPr marL="0" indent="0" fontAlgn="base">
-              <a:buNone/>
-            </a:pPr>
-            <a:endParaRPr lang="en-GB" sz="2800" dirty="0"/>
-          </a:p>
-        </p:txBody>
-      </p:sp>
-      <p:pic>
-        <p:nvPicPr>
-          <p:cNvPr id="4" name="Picture 3"/>
-          <p:cNvPicPr>
-            <a:picLocks noChangeAspect="1"/>
-          </p:cNvPicPr>
-          <p:nvPr/>
-        </p:nvPicPr>
-        <p:blipFill>
-          <a:blip r:embed="rId3">
-            <a:extLst>
-              <a:ext uri="{28A0092B-C50C-407E-A947-70E740481C1C}">
-                <a14:useLocalDpi xmlns:a14="http://schemas.microsoft.com/office/drawing/2010/main" val="0"/>
-              </a:ext>
-            </a:extLst>
-          </a:blip>
-          <a:stretch>
-            <a:fillRect/>
-          </a:stretch>
-        </p:blipFill>
-        <p:spPr>
-          <a:xfrm>
-            <a:off x="6910146" y="2132856"/>
-            <a:ext cx="1334262" cy="884969"/>
-          </a:xfrm>
-          <a:prstGeom prst="rect">
-            <a:avLst/>
-          </a:prstGeom>
-        </p:spPr>
-      </p:pic>
-      <p:pic>
-        <p:nvPicPr>
-          <p:cNvPr id="5" name="Picture 4"/>
-          <p:cNvPicPr>
-            <a:picLocks noChangeAspect="1"/>
-          </p:cNvPicPr>
-          <p:nvPr/>
-        </p:nvPicPr>
-        <p:blipFill>
-          <a:blip r:embed="rId4">
-            <a:extLst>
-              <a:ext uri="{28A0092B-C50C-407E-A947-70E740481C1C}">
-                <a14:useLocalDpi xmlns:a14="http://schemas.microsoft.com/office/drawing/2010/main" val="0"/>
-              </a:ext>
-            </a:extLst>
-          </a:blip>
-          <a:stretch>
-            <a:fillRect/>
-          </a:stretch>
-        </p:blipFill>
-        <p:spPr>
-          <a:xfrm>
-            <a:off x="6473297" y="3789040"/>
-            <a:ext cx="2158091" cy="1728192"/>
-          </a:xfrm>
-          <a:prstGeom prst="rect">
-            <a:avLst/>
-          </a:prstGeom>
-        </p:spPr>
-      </p:pic>
-      <p:sp>
-        <p:nvSpPr>
-          <p:cNvPr id="6" name="TextBox 5"/>
-          <p:cNvSpPr txBox="1"/>
-          <p:nvPr/>
-        </p:nvSpPr>
-        <p:spPr>
-          <a:xfrm>
-            <a:off x="683568" y="6011996"/>
-            <a:ext cx="7848872" cy="369332"/>
-          </a:xfrm>
-          <a:prstGeom prst="rect">
-            <a:avLst/>
-          </a:prstGeom>
-          <a:noFill/>
-        </p:spPr>
-        <p:txBody>
-          <a:bodyPr wrap="square" rtlCol="0">
-            <a:spAutoFit/>
-          </a:bodyPr>
-          <a:lstStyle/>
-          <a:p>
-            <a:pPr algn="ctr"/>
-            <a:r>
-              <a:rPr lang="en-GB" i="1" dirty="0" smtClean="0">
-                <a:hlinkClick r:id="rId5"/>
-              </a:rPr>
-              <a:t>www.alexdgarland.com</a:t>
-            </a:r>
-            <a:r>
-              <a:rPr lang="en-GB" i="1" dirty="0"/>
-              <a:t>		</a:t>
-            </a:r>
-            <a:r>
-              <a:rPr lang="en-GB" i="1" dirty="0" smtClean="0">
-                <a:hlinkClick r:id="rId6"/>
-              </a:rPr>
-              <a:t>www.twitter.com/alexdgarland</a:t>
-            </a:r>
-            <a:r>
-              <a:rPr lang="en-GB" i="1" dirty="0" smtClean="0"/>
-              <a:t> </a:t>
-            </a:r>
-            <a:endParaRPr lang="en-GB" i="1" dirty="0"/>
-          </a:p>
-        </p:txBody>
-      </p:sp>
-    </p:spTree>
-    <p:extLst>
-      <p:ext uri="{BB962C8B-B14F-4D97-AF65-F5344CB8AC3E}">
-        <p14:creationId xmlns:p14="http://schemas.microsoft.com/office/powerpoint/2010/main" val="2351351091"/>
-      </p:ext>
-    </p:extLst>
-  </p:cSld>
-  <p:clrMapOvr>
-    <a:masterClrMapping/>
-  </p:clrMapOvr>
-  <p:timing>
-    <p:tnLst>
-      <p:par>
-        <p:cTn id="1" dur="indefinite" restart="never" nodeType="tmRoot"/>
-      </p:par>
-    </p:tnLst>
-  </p:timing>
-</p:sld>
-</file>
-
-<file path=ppt/slides/slide20.xml><?xml version="1.0" encoding="utf-8"?>
+<file path=ppt/slides/slide19.xml><?xml version="1.0" encoding="utf-8"?>
 <p:sld xmlns:a="http://schemas.openxmlformats.org/drawingml/2006/main" xmlns:r="http://schemas.openxmlformats.org/officeDocument/2006/relationships" xmlns:p="http://schemas.openxmlformats.org/presentationml/2006/main">
   <p:cSld>
     <p:bg>
@@ -11459,7 +10369,270 @@
 </p:sld>
 </file>
 
-<file path=ppt/slides/slide21.xml><?xml version="1.0" encoding="utf-8"?>
+<file path=ppt/slides/slide2.xml><?xml version="1.0" encoding="utf-8"?>
+<p:sld xmlns:a="http://schemas.openxmlformats.org/drawingml/2006/main" xmlns:r="http://schemas.openxmlformats.org/officeDocument/2006/relationships" xmlns:p="http://schemas.openxmlformats.org/presentationml/2006/main">
+  <p:cSld>
+    <p:bg>
+      <p:bgPr>
+        <a:solidFill>
+          <a:schemeClr val="bg1"/>
+        </a:solidFill>
+        <a:effectLst/>
+      </p:bgPr>
+    </p:bg>
+    <p:spTree>
+      <p:nvGrpSpPr>
+        <p:cNvPr id="1" name=""/>
+        <p:cNvGrpSpPr/>
+        <p:nvPr/>
+      </p:nvGrpSpPr>
+      <p:grpSpPr>
+        <a:xfrm>
+          <a:off x="0" y="0"/>
+          <a:ext cx="0" cy="0"/>
+          <a:chOff x="0" y="0"/>
+          <a:chExt cx="0" cy="0"/>
+        </a:xfrm>
+      </p:grpSpPr>
+      <p:sp>
+        <p:nvSpPr>
+          <p:cNvPr id="2" name="Title 1"/>
+          <p:cNvSpPr>
+            <a:spLocks noGrp="1"/>
+          </p:cNvSpPr>
+          <p:nvPr>
+            <p:ph type="title"/>
+          </p:nvPr>
+        </p:nvSpPr>
+        <p:spPr/>
+        <p:txBody>
+          <a:bodyPr>
+            <a:normAutofit/>
+          </a:bodyPr>
+          <a:lstStyle/>
+          <a:p>
+            <a:r>
+              <a:rPr lang="en-GB" dirty="0" smtClean="0"/>
+              <a:t>About Me</a:t>
+            </a:r>
+            <a:endParaRPr lang="en-GB" dirty="0"/>
+          </a:p>
+        </p:txBody>
+      </p:sp>
+      <p:sp>
+        <p:nvSpPr>
+          <p:cNvPr id="3" name="Content Placeholder 2"/>
+          <p:cNvSpPr>
+            <a:spLocks noGrp="1"/>
+          </p:cNvSpPr>
+          <p:nvPr>
+            <p:ph idx="1"/>
+          </p:nvPr>
+        </p:nvSpPr>
+        <p:spPr/>
+        <p:txBody>
+          <a:bodyPr>
+            <a:normAutofit/>
+          </a:bodyPr>
+          <a:lstStyle/>
+          <a:p>
+            <a:pPr marL="0" indent="0" fontAlgn="base">
+              <a:buNone/>
+            </a:pPr>
+            <a:endParaRPr lang="en-GB" sz="2800" dirty="0" smtClean="0"/>
+          </a:p>
+          <a:p>
+            <a:pPr marL="0" indent="0" fontAlgn="base">
+              <a:buNone/>
+            </a:pPr>
+            <a:r>
+              <a:rPr lang="en-GB" sz="2800" dirty="0" smtClean="0"/>
+              <a:t>Senior Database Developer</a:t>
+            </a:r>
+          </a:p>
+          <a:p>
+            <a:pPr marL="0" indent="0" fontAlgn="base">
+              <a:buNone/>
+            </a:pPr>
+            <a:r>
+              <a:rPr lang="en-GB" sz="2800" dirty="0"/>
+              <a:t>	</a:t>
+            </a:r>
+            <a:r>
+              <a:rPr lang="en-GB" sz="2800" dirty="0" smtClean="0"/>
+              <a:t>-&gt; MS SQL Server, Hadoop (HDFS)</a:t>
+            </a:r>
+          </a:p>
+          <a:p>
+            <a:pPr marL="0" indent="0" fontAlgn="base">
+              <a:buNone/>
+            </a:pPr>
+            <a:endParaRPr lang="en-GB" sz="2800" dirty="0" smtClean="0"/>
+          </a:p>
+          <a:p>
+            <a:pPr marL="0" indent="0" fontAlgn="base">
+              <a:buNone/>
+            </a:pPr>
+            <a:endParaRPr lang="en-GB" sz="2800" dirty="0" smtClean="0"/>
+          </a:p>
+          <a:p>
+            <a:pPr marL="0" indent="0" fontAlgn="base">
+              <a:buNone/>
+            </a:pPr>
+            <a:r>
+              <a:rPr lang="en-GB" sz="2800" dirty="0" smtClean="0"/>
+              <a:t>Senior Data Engineer</a:t>
+            </a:r>
+          </a:p>
+          <a:p>
+            <a:pPr marL="0" indent="0" fontAlgn="base">
+              <a:buNone/>
+            </a:pPr>
+            <a:r>
+              <a:rPr lang="en-GB" sz="2800" dirty="0"/>
+              <a:t>	</a:t>
+            </a:r>
+            <a:r>
+              <a:rPr lang="en-GB" sz="2800" dirty="0" smtClean="0"/>
+              <a:t>-&gt; Hadoop, Hive, Impala, Spark</a:t>
+            </a:r>
+          </a:p>
+          <a:p>
+            <a:pPr marL="0" indent="0" fontAlgn="base">
+              <a:buNone/>
+            </a:pPr>
+            <a:endParaRPr lang="en-GB" sz="2800" dirty="0"/>
+          </a:p>
+        </p:txBody>
+      </p:sp>
+      <p:pic>
+        <p:nvPicPr>
+          <p:cNvPr id="4" name="Picture 3"/>
+          <p:cNvPicPr>
+            <a:picLocks noChangeAspect="1"/>
+          </p:cNvPicPr>
+          <p:nvPr/>
+        </p:nvPicPr>
+        <p:blipFill>
+          <a:blip r:embed="rId3">
+            <a:extLst>
+              <a:ext uri="{28A0092B-C50C-407E-A947-70E740481C1C}">
+                <a14:useLocalDpi xmlns:a14="http://schemas.microsoft.com/office/drawing/2010/main" val="0"/>
+              </a:ext>
+            </a:extLst>
+          </a:blip>
+          <a:stretch>
+            <a:fillRect/>
+          </a:stretch>
+        </p:blipFill>
+        <p:spPr>
+          <a:xfrm>
+            <a:off x="6910146" y="2132856"/>
+            <a:ext cx="1334262" cy="884969"/>
+          </a:xfrm>
+          <a:prstGeom prst="rect">
+            <a:avLst/>
+          </a:prstGeom>
+        </p:spPr>
+      </p:pic>
+      <p:pic>
+        <p:nvPicPr>
+          <p:cNvPr id="5" name="Picture 4"/>
+          <p:cNvPicPr>
+            <a:picLocks noChangeAspect="1"/>
+          </p:cNvPicPr>
+          <p:nvPr/>
+        </p:nvPicPr>
+        <p:blipFill>
+          <a:blip r:embed="rId4">
+            <a:extLst>
+              <a:ext uri="{28A0092B-C50C-407E-A947-70E740481C1C}">
+                <a14:useLocalDpi xmlns:a14="http://schemas.microsoft.com/office/drawing/2010/main" val="0"/>
+              </a:ext>
+            </a:extLst>
+          </a:blip>
+          <a:stretch>
+            <a:fillRect/>
+          </a:stretch>
+        </p:blipFill>
+        <p:spPr>
+          <a:xfrm>
+            <a:off x="6473297" y="3789040"/>
+            <a:ext cx="2158091" cy="1728192"/>
+          </a:xfrm>
+          <a:prstGeom prst="rect">
+            <a:avLst/>
+          </a:prstGeom>
+        </p:spPr>
+      </p:pic>
+      <p:sp>
+        <p:nvSpPr>
+          <p:cNvPr id="6" name="TextBox 5"/>
+          <p:cNvSpPr txBox="1"/>
+          <p:nvPr/>
+        </p:nvSpPr>
+        <p:spPr>
+          <a:xfrm>
+            <a:off x="683568" y="6011996"/>
+            <a:ext cx="7848872" cy="369332"/>
+          </a:xfrm>
+          <a:prstGeom prst="rect">
+            <a:avLst/>
+          </a:prstGeom>
+          <a:noFill/>
+        </p:spPr>
+        <p:txBody>
+          <a:bodyPr wrap="square" rtlCol="0">
+            <a:spAutoFit/>
+          </a:bodyPr>
+          <a:lstStyle/>
+          <a:p>
+            <a:pPr algn="ctr"/>
+            <a:r>
+              <a:rPr lang="en-GB" i="1" dirty="0" smtClean="0">
+                <a:hlinkClick r:id="rId5"/>
+              </a:rPr>
+              <a:t>www.alexdgarland.com</a:t>
+            </a:r>
+            <a:r>
+              <a:rPr lang="en-GB" i="1" dirty="0"/>
+              <a:t>		</a:t>
+            </a:r>
+            <a:r>
+              <a:rPr lang="en-GB" i="1" dirty="0" smtClean="0">
+                <a:hlinkClick r:id="rId6"/>
+              </a:rPr>
+              <a:t>www.twitter.com/alexdgarland</a:t>
+            </a:r>
+            <a:r>
+              <a:rPr lang="en-GB" i="1" dirty="0" smtClean="0"/>
+              <a:t> </a:t>
+            </a:r>
+            <a:endParaRPr lang="en-GB" i="1" dirty="0"/>
+          </a:p>
+        </p:txBody>
+      </p:sp>
+    </p:spTree>
+    <p:extLst>
+      <p:ext uri="{BB962C8B-B14F-4D97-AF65-F5344CB8AC3E}">
+        <p14:creationId xmlns:p14="http://schemas.microsoft.com/office/powerpoint/2010/main" val="2351351091"/>
+      </p:ext>
+    </p:extLst>
+  </p:cSld>
+  <p:clrMapOvr>
+    <a:masterClrMapping/>
+  </p:clrMapOvr>
+  <p:timing>
+    <p:tnLst>
+      <p:par>
+        <p:cTn id="1" dur="indefinite" restart="never" nodeType="tmRoot"/>
+      </p:par>
+    </p:tnLst>
+  </p:timing>
+</p:sld>
+</file>
+
+<file path=ppt/slides/slide20.xml><?xml version="1.0" encoding="utf-8"?>
 <p:sld xmlns:a="http://schemas.openxmlformats.org/drawingml/2006/main" xmlns:r="http://schemas.openxmlformats.org/officeDocument/2006/relationships" xmlns:p="http://schemas.openxmlformats.org/presentationml/2006/main">
   <p:cSld>
     <p:bg>
@@ -12278,6 +11451,171 @@
 </p:sld>
 </file>
 
+<file path=ppt/slides/slide21.xml><?xml version="1.0" encoding="utf-8"?>
+<p:sld xmlns:a="http://schemas.openxmlformats.org/drawingml/2006/main" xmlns:r="http://schemas.openxmlformats.org/officeDocument/2006/relationships" xmlns:p="http://schemas.openxmlformats.org/presentationml/2006/main">
+  <p:cSld>
+    <p:bg>
+      <p:bgPr>
+        <a:solidFill>
+          <a:schemeClr val="bg1"/>
+        </a:solidFill>
+        <a:effectLst/>
+      </p:bgPr>
+    </p:bg>
+    <p:spTree>
+      <p:nvGrpSpPr>
+        <p:cNvPr id="1" name=""/>
+        <p:cNvGrpSpPr/>
+        <p:nvPr/>
+      </p:nvGrpSpPr>
+      <p:grpSpPr>
+        <a:xfrm>
+          <a:off x="0" y="0"/>
+          <a:ext cx="0" cy="0"/>
+          <a:chOff x="0" y="0"/>
+          <a:chExt cx="0" cy="0"/>
+        </a:xfrm>
+      </p:grpSpPr>
+      <p:sp>
+        <p:nvSpPr>
+          <p:cNvPr id="2" name="Title 1"/>
+          <p:cNvSpPr>
+            <a:spLocks noGrp="1"/>
+          </p:cNvSpPr>
+          <p:nvPr>
+            <p:ph type="title"/>
+          </p:nvPr>
+        </p:nvSpPr>
+        <p:spPr/>
+        <p:txBody>
+          <a:bodyPr/>
+          <a:lstStyle/>
+          <a:p>
+            <a:r>
+              <a:rPr lang="en-GB" dirty="0" smtClean="0"/>
+              <a:t>What is NOSQL?</a:t>
+            </a:r>
+            <a:endParaRPr lang="en-GB" dirty="0"/>
+          </a:p>
+        </p:txBody>
+      </p:sp>
+      <p:sp>
+        <p:nvSpPr>
+          <p:cNvPr id="3" name="Content Placeholder 2"/>
+          <p:cNvSpPr>
+            <a:spLocks noGrp="1"/>
+          </p:cNvSpPr>
+          <p:nvPr>
+            <p:ph idx="1"/>
+          </p:nvPr>
+        </p:nvSpPr>
+        <p:spPr/>
+        <p:txBody>
+          <a:bodyPr>
+            <a:normAutofit fontScale="92500" lnSpcReduction="20000"/>
+          </a:bodyPr>
+          <a:lstStyle/>
+          <a:p>
+            <a:r>
+              <a:rPr lang="en-GB" b="1" i="1" dirty="0" smtClean="0">
+                <a:solidFill>
+                  <a:srgbClr val="0070C0"/>
+                </a:solidFill>
+              </a:rPr>
+              <a:t>#</a:t>
+            </a:r>
+            <a:r>
+              <a:rPr lang="en-GB" b="1" i="1" dirty="0" err="1" smtClean="0">
+                <a:solidFill>
+                  <a:srgbClr val="0070C0"/>
+                </a:solidFill>
+              </a:rPr>
+              <a:t>nosql</a:t>
+            </a:r>
+            <a:r>
+              <a:rPr lang="en-GB" b="1" dirty="0" smtClean="0"/>
+              <a:t> </a:t>
+            </a:r>
+            <a:r>
+              <a:rPr lang="en-GB" dirty="0" smtClean="0"/>
+              <a:t>- “No SQL” or “Not Only SQL”</a:t>
+            </a:r>
+          </a:p>
+          <a:p>
+            <a:endParaRPr lang="en-GB" dirty="0" smtClean="0"/>
+          </a:p>
+          <a:p>
+            <a:r>
+              <a:rPr lang="en-GB" dirty="0" smtClean="0"/>
+              <a:t>Early 2000’s – “Web-Scale” companies</a:t>
+            </a:r>
+          </a:p>
+          <a:p>
+            <a:endParaRPr lang="en-GB" dirty="0" smtClean="0"/>
+          </a:p>
+          <a:p>
+            <a:r>
+              <a:rPr lang="en-GB" dirty="0" smtClean="0"/>
+              <a:t>“Big Data” – 3 V’s</a:t>
+            </a:r>
+            <a:endParaRPr lang="en-GB" dirty="0"/>
+          </a:p>
+          <a:p>
+            <a:pPr lvl="1"/>
+            <a:r>
+              <a:rPr lang="en-GB" dirty="0" smtClean="0"/>
+              <a:t>Volume</a:t>
+            </a:r>
+          </a:p>
+          <a:p>
+            <a:pPr lvl="1"/>
+            <a:r>
+              <a:rPr lang="en-GB" dirty="0" smtClean="0"/>
+              <a:t>Variety		</a:t>
+            </a:r>
+            <a:r>
+              <a:rPr lang="en-GB" sz="2200" i="1" dirty="0" smtClean="0"/>
+              <a:t>(Structured, Unstructured)</a:t>
+            </a:r>
+          </a:p>
+          <a:p>
+            <a:pPr lvl="1"/>
+            <a:r>
+              <a:rPr lang="en-GB" dirty="0" smtClean="0"/>
+              <a:t>Velocity</a:t>
+            </a:r>
+          </a:p>
+          <a:p>
+            <a:endParaRPr lang="en-GB" dirty="0" smtClean="0"/>
+          </a:p>
+          <a:p>
+            <a:r>
+              <a:rPr lang="en-GB" dirty="0" smtClean="0"/>
+              <a:t>Tools for Massively Distributed Systems</a:t>
+            </a:r>
+          </a:p>
+        </p:txBody>
+      </p:sp>
+    </p:spTree>
+    <p:extLst>
+      <p:ext uri="{BB962C8B-B14F-4D97-AF65-F5344CB8AC3E}">
+        <p14:creationId xmlns:p14="http://schemas.microsoft.com/office/powerpoint/2010/main" val="2375340114"/>
+      </p:ext>
+    </p:extLst>
+  </p:cSld>
+  <p:clrMapOvr>
+    <a:masterClrMapping/>
+  </p:clrMapOvr>
+  <p:timing>
+    <p:tnLst>
+      <p:par>
+        <p:cTn id="1" dur="indefinite" restart="never" nodeType="tmRoot"/>
+      </p:par>
+    </p:tnLst>
+  </p:timing>
+</p:sld>
+</file>
+
 <file path=ppt/slides/slide22.xml><?xml version="1.0" encoding="utf-8"?>
 <p:sld xmlns:a="http://schemas.openxmlformats.org/drawingml/2006/main" xmlns:r="http://schemas.openxmlformats.org/officeDocument/2006/relationships" xmlns:p="http://schemas.openxmlformats.org/presentationml/2006/main">
   <p:cSld>
@@ -12320,7 +11658,7 @@
           <a:p>
             <a:r>
               <a:rPr lang="en-GB" dirty="0" smtClean="0"/>
-              <a:t>What is NOSQL?</a:t>
+              <a:t>CAP Theorem</a:t>
             </a:r>
             <a:endParaRPr lang="en-GB" dirty="0"/>
           </a:p>
@@ -12339,94 +11677,145 @@
         <p:spPr/>
         <p:txBody>
           <a:bodyPr>
-            <a:normAutofit fontScale="92500" lnSpcReduction="20000"/>
+            <a:normAutofit/>
           </a:bodyPr>
           <a:lstStyle/>
           <a:p>
-            <a:r>
-              <a:rPr lang="en-GB" b="1" i="1" dirty="0" smtClean="0">
-                <a:solidFill>
-                  <a:srgbClr val="0070C0"/>
-                </a:solidFill>
+            <a:pPr fontAlgn="base"/>
+            <a:r>
+              <a:rPr lang="en-GB" sz="2400" dirty="0"/>
+              <a:t>Eric A. </a:t>
+            </a:r>
+            <a:r>
+              <a:rPr lang="en-GB" sz="2400" dirty="0" smtClean="0"/>
+              <a:t>Brewer.</a:t>
+            </a:r>
+          </a:p>
+          <a:p>
+            <a:pPr marL="0" indent="0" fontAlgn="base">
+              <a:buNone/>
+            </a:pPr>
+            <a:r>
+              <a:rPr lang="en-GB" sz="2800" b="1" dirty="0" smtClean="0"/>
+              <a:t>“Towards </a:t>
+            </a:r>
+            <a:r>
+              <a:rPr lang="en-GB" sz="2800" b="1" dirty="0"/>
+              <a:t>robust distributed </a:t>
+            </a:r>
+            <a:r>
+              <a:rPr lang="en-GB" sz="2800" b="1" dirty="0" smtClean="0"/>
+              <a:t>systems”</a:t>
+            </a:r>
+            <a:endParaRPr lang="en-GB" sz="2400" dirty="0"/>
+          </a:p>
+          <a:p>
+            <a:pPr marL="0" indent="0">
+              <a:buNone/>
+            </a:pPr>
+            <a:r>
+              <a:rPr lang="en-GB" sz="2000" dirty="0"/>
+              <a:t>Principles of Distributed </a:t>
+            </a:r>
+            <a:r>
+              <a:rPr lang="en-GB" sz="2000" dirty="0" smtClean="0"/>
+              <a:t>Computing</a:t>
+            </a:r>
+            <a:r>
+              <a:rPr lang="en-GB" sz="2000" dirty="0"/>
+              <a:t>, Portland, Oregon, July </a:t>
+            </a:r>
+            <a:r>
+              <a:rPr lang="en-GB" sz="2000" dirty="0" smtClean="0"/>
+              <a:t>2000</a:t>
+            </a:r>
+          </a:p>
+          <a:p>
+            <a:pPr marL="0" indent="0">
+              <a:buNone/>
+            </a:pPr>
+            <a:r>
+              <a:rPr lang="en-GB" sz="2000" i="1" dirty="0">
+                <a:hlinkClick r:id="rId3"/>
               </a:rPr>
-              <a:t>#</a:t>
-            </a:r>
-            <a:r>
-              <a:rPr lang="en-GB" b="1" i="1" dirty="0" err="1" smtClean="0">
-                <a:solidFill>
-                  <a:srgbClr val="0070C0"/>
-                </a:solidFill>
+              <a:t>https://www.cs.berkeley.edu/~</a:t>
+            </a:r>
+            <a:r>
+              <a:rPr lang="en-GB" sz="2000" i="1" dirty="0" smtClean="0">
+                <a:hlinkClick r:id="rId3"/>
               </a:rPr>
-              <a:t>nosql</a:t>
-            </a:r>
-            <a:r>
-              <a:rPr lang="en-GB" b="1" dirty="0" smtClean="0"/>
-              <a:t> </a:t>
-            </a:r>
-            <a:r>
-              <a:rPr lang="en-GB" dirty="0" smtClean="0"/>
-              <a:t>- “No SQL” or “Not Only SQL”</a:t>
-            </a:r>
-          </a:p>
-          <a:p>
-            <a:endParaRPr lang="en-GB" dirty="0" smtClean="0"/>
-          </a:p>
-          <a:p>
-            <a:r>
-              <a:rPr lang="en-GB" dirty="0" smtClean="0"/>
-              <a:t>Early 2000’s – “Web-Scale” companies</a:t>
-            </a:r>
-          </a:p>
-          <a:p>
-            <a:endParaRPr lang="en-GB" dirty="0" smtClean="0"/>
-          </a:p>
-          <a:p>
-            <a:r>
-              <a:rPr lang="en-GB" dirty="0" smtClean="0"/>
-              <a:t>“Big Data” – 3 V’s</a:t>
-            </a:r>
-            <a:endParaRPr lang="en-GB" dirty="0"/>
-          </a:p>
-          <a:p>
-            <a:pPr lvl="1"/>
-            <a:r>
-              <a:rPr lang="en-GB" dirty="0" smtClean="0"/>
-              <a:t>Volume</a:t>
-            </a:r>
-          </a:p>
-          <a:p>
-            <a:pPr lvl="1"/>
-            <a:r>
-              <a:rPr lang="en-GB" dirty="0" smtClean="0"/>
-              <a:t>Variety		</a:t>
-            </a:r>
-            <a:r>
-              <a:rPr lang="en-GB" sz="2200" i="1" dirty="0" smtClean="0"/>
-              <a:t>(Structured, Unstructured)</a:t>
-            </a:r>
-          </a:p>
-          <a:p>
-            <a:pPr lvl="1"/>
-            <a:r>
-              <a:rPr lang="en-GB" dirty="0" smtClean="0"/>
-              <a:t>Velocity</a:t>
-            </a:r>
-          </a:p>
-          <a:p>
-            <a:endParaRPr lang="en-GB" dirty="0" smtClean="0"/>
-          </a:p>
-          <a:p>
-            <a:r>
-              <a:rPr lang="en-GB" dirty="0" smtClean="0"/>
-              <a:t>Tools for Massively Distributed Systems</a:t>
-            </a:r>
+              <a:t>brewer/cs262b-2004/PODC-keynote.pdf</a:t>
+            </a:r>
+            <a:endParaRPr lang="en-GB" sz="2000" i="1" dirty="0" smtClean="0"/>
+          </a:p>
+          <a:p>
+            <a:pPr marL="0" indent="0">
+              <a:buNone/>
+            </a:pPr>
+            <a:endParaRPr lang="en-GB" sz="2400" dirty="0" smtClean="0"/>
+          </a:p>
+          <a:p>
+            <a:pPr fontAlgn="base"/>
+            <a:r>
+              <a:rPr lang="en-GB" sz="2400" dirty="0"/>
+              <a:t>Seth Gilbert, Nancy Lynch</a:t>
+            </a:r>
+          </a:p>
+          <a:p>
+            <a:pPr marL="0" indent="0">
+              <a:buNone/>
+            </a:pPr>
+            <a:r>
+              <a:rPr lang="en-GB" sz="2800" b="1" dirty="0" smtClean="0"/>
+              <a:t>“Brewer’s </a:t>
+            </a:r>
+            <a:r>
+              <a:rPr lang="en-GB" sz="2800" b="1" dirty="0"/>
+              <a:t>Conjecture and the Feasibility of Consistent, Available, Partition-Tolerant Web </a:t>
+            </a:r>
+            <a:r>
+              <a:rPr lang="en-GB" sz="2800" b="1" dirty="0" smtClean="0"/>
+              <a:t>Services”</a:t>
+            </a:r>
+            <a:endParaRPr lang="en-GB" sz="2800" b="1" dirty="0"/>
+          </a:p>
+          <a:p>
+            <a:pPr marL="0" indent="0">
+              <a:buNone/>
+            </a:pPr>
+            <a:r>
+              <a:rPr lang="en-GB" sz="2000" dirty="0"/>
+              <a:t>ACM SIGACT News Volume 33 Issue 2, June </a:t>
+            </a:r>
+            <a:r>
+              <a:rPr lang="en-GB" sz="2000" dirty="0" smtClean="0"/>
+              <a:t>2002</a:t>
+            </a:r>
+          </a:p>
+          <a:p>
+            <a:pPr marL="0" indent="0">
+              <a:buNone/>
+            </a:pPr>
+            <a:r>
+              <a:rPr lang="en-GB" sz="2000" i="1" dirty="0">
+                <a:hlinkClick r:id="rId4"/>
+              </a:rPr>
+              <a:t>http://webpages.cs.luc.edu/~</a:t>
+            </a:r>
+            <a:r>
+              <a:rPr lang="en-GB" sz="2000" i="1" dirty="0" smtClean="0">
+                <a:hlinkClick r:id="rId4"/>
+              </a:rPr>
+              <a:t>pld/353/gilbert_lynch_brewer_proof.pdf</a:t>
+            </a:r>
+            <a:endParaRPr lang="en-GB" sz="2000" i="1" dirty="0" smtClean="0"/>
           </a:p>
         </p:txBody>
       </p:sp>
     </p:spTree>
     <p:extLst>
       <p:ext uri="{BB962C8B-B14F-4D97-AF65-F5344CB8AC3E}">
-        <p14:creationId xmlns:p14="http://schemas.microsoft.com/office/powerpoint/2010/main" val="2375340114"/>
+        <p14:creationId xmlns:p14="http://schemas.microsoft.com/office/powerpoint/2010/main" val="3075418744"/>
       </p:ext>
     </p:extLst>
   </p:cSld>
@@ -12503,146 +11892,58 @@
         </p:nvSpPr>
         <p:spPr/>
         <p:txBody>
-          <a:bodyPr>
-            <a:normAutofit/>
-          </a:bodyPr>
-          <a:lstStyle/>
-          <a:p>
-            <a:pPr fontAlgn="base"/>
-            <a:r>
-              <a:rPr lang="en-GB" sz="2400" dirty="0"/>
-              <a:t>Eric A. </a:t>
-            </a:r>
-            <a:r>
-              <a:rPr lang="en-GB" sz="2400" dirty="0" smtClean="0"/>
-              <a:t>Brewer.</a:t>
-            </a:r>
-          </a:p>
-          <a:p>
-            <a:pPr marL="0" indent="0" fontAlgn="base">
-              <a:buNone/>
-            </a:pPr>
-            <a:r>
-              <a:rPr lang="en-GB" sz="2800" b="1" dirty="0" smtClean="0"/>
-              <a:t>“Towards </a:t>
-            </a:r>
-            <a:r>
-              <a:rPr lang="en-GB" sz="2800" b="1" dirty="0"/>
-              <a:t>robust distributed </a:t>
-            </a:r>
-            <a:r>
-              <a:rPr lang="en-GB" sz="2800" b="1" dirty="0" smtClean="0"/>
-              <a:t>systems”</a:t>
-            </a:r>
-            <a:endParaRPr lang="en-GB" sz="2400" dirty="0"/>
-          </a:p>
-          <a:p>
-            <a:pPr marL="0" indent="0">
-              <a:buNone/>
-            </a:pPr>
-            <a:r>
-              <a:rPr lang="en-GB" sz="2000" dirty="0"/>
-              <a:t>Principles of Distributed </a:t>
-            </a:r>
-            <a:r>
-              <a:rPr lang="en-GB" sz="2000" dirty="0" smtClean="0"/>
-              <a:t>Computing</a:t>
-            </a:r>
-            <a:r>
-              <a:rPr lang="en-GB" sz="2000" dirty="0"/>
-              <a:t>, Portland, Oregon, July </a:t>
-            </a:r>
-            <a:r>
-              <a:rPr lang="en-GB" sz="2000" dirty="0" smtClean="0"/>
-              <a:t>2000</a:t>
-            </a:r>
-          </a:p>
-          <a:p>
-            <a:pPr marL="0" indent="0">
-              <a:buNone/>
-            </a:pPr>
-            <a:r>
-              <a:rPr lang="en-GB" sz="2000" i="1" dirty="0">
-                <a:hlinkClick r:id="rId3"/>
-              </a:rPr>
-              <a:t>https://www.cs.berkeley.edu/~</a:t>
-            </a:r>
-            <a:r>
-              <a:rPr lang="en-GB" sz="2000" i="1" dirty="0" smtClean="0">
-                <a:hlinkClick r:id="rId3"/>
-              </a:rPr>
-              <a:t>brewer/cs262b-2004/PODC-keynote.pdf</a:t>
-            </a:r>
-            <a:endParaRPr lang="en-GB" sz="2000" i="1" dirty="0" smtClean="0"/>
-          </a:p>
-          <a:p>
-            <a:pPr marL="0" indent="0">
-              <a:buNone/>
-            </a:pPr>
-            <a:endParaRPr lang="en-GB" sz="2400" dirty="0" smtClean="0"/>
-          </a:p>
-          <a:p>
-            <a:pPr fontAlgn="base"/>
-            <a:r>
-              <a:rPr lang="en-GB" sz="2400" dirty="0"/>
-              <a:t>Seth Gilbert, Nancy Lynch</a:t>
-            </a:r>
-          </a:p>
-          <a:p>
-            <a:pPr marL="0" indent="0">
-              <a:buNone/>
-            </a:pPr>
-            <a:r>
-              <a:rPr lang="en-GB" sz="2800" b="1" dirty="0" smtClean="0"/>
-              <a:t>“Brewer’s </a:t>
-            </a:r>
-            <a:r>
-              <a:rPr lang="en-GB" sz="2800" b="1" dirty="0"/>
-              <a:t>Conjecture and the Feasibility of Consistent, Available, Partition-Tolerant Web </a:t>
-            </a:r>
-            <a:r>
-              <a:rPr lang="en-GB" sz="2800" b="1" dirty="0" smtClean="0"/>
-              <a:t>Services”</a:t>
-            </a:r>
-            <a:endParaRPr lang="en-GB" sz="2800" b="1" dirty="0"/>
-          </a:p>
-          <a:p>
-            <a:pPr marL="0" indent="0">
-              <a:buNone/>
-            </a:pPr>
-            <a:r>
-              <a:rPr lang="en-GB" sz="2000" dirty="0"/>
-              <a:t>ACM SIGACT News Volume 33 Issue 2, June </a:t>
-            </a:r>
-            <a:r>
-              <a:rPr lang="en-GB" sz="2000" dirty="0" smtClean="0"/>
-              <a:t>2002</a:t>
-            </a:r>
-          </a:p>
-          <a:p>
-            <a:pPr marL="0" indent="0">
-              <a:buNone/>
-            </a:pPr>
-            <a:r>
-              <a:rPr lang="en-GB" sz="2000" i="1" dirty="0">
-                <a:hlinkClick r:id="rId4"/>
-              </a:rPr>
-              <a:t>http://webpages.cs.luc.edu/~</a:t>
-            </a:r>
-            <a:r>
-              <a:rPr lang="en-GB" sz="2000" i="1" dirty="0" smtClean="0">
-                <a:hlinkClick r:id="rId4"/>
-              </a:rPr>
-              <a:t>pld/353/gilbert_lynch_brewer_proof.pdf</a:t>
-            </a:r>
-            <a:endParaRPr lang="en-GB" sz="2000" i="1" dirty="0" smtClean="0"/>
+          <a:bodyPr/>
+          <a:lstStyle/>
+          <a:p>
+            <a:r>
+              <a:rPr lang="en-GB" dirty="0" smtClean="0"/>
+              <a:t>We can guarantee (at most) two of:</a:t>
+            </a:r>
+          </a:p>
+          <a:p>
+            <a:pPr lvl="1"/>
+            <a:endParaRPr lang="en-GB" dirty="0" smtClean="0"/>
+          </a:p>
+          <a:p>
+            <a:pPr lvl="1"/>
+            <a:r>
+              <a:rPr lang="en-GB" dirty="0" smtClean="0"/>
+              <a:t>Consistency</a:t>
+            </a:r>
+          </a:p>
+          <a:p>
+            <a:pPr lvl="1"/>
+            <a:endParaRPr lang="en-GB" dirty="0" smtClean="0"/>
+          </a:p>
+          <a:p>
+            <a:pPr lvl="1"/>
+            <a:r>
+              <a:rPr lang="en-GB" dirty="0" smtClean="0"/>
+              <a:t>Availability</a:t>
+            </a:r>
+          </a:p>
+          <a:p>
+            <a:pPr lvl="1"/>
+            <a:endParaRPr lang="en-GB" dirty="0" smtClean="0"/>
+          </a:p>
+          <a:p>
+            <a:pPr lvl="1"/>
+            <a:r>
+              <a:rPr lang="en-GB" dirty="0" smtClean="0"/>
+              <a:t>Partition Tolerance</a:t>
+            </a:r>
+            <a:endParaRPr lang="en-GB" dirty="0"/>
+          </a:p>
+          <a:p>
+            <a:pPr lvl="1"/>
+            <a:endParaRPr lang="en-GB" dirty="0"/>
           </a:p>
         </p:txBody>
       </p:sp>
     </p:spTree>
     <p:extLst>
       <p:ext uri="{BB962C8B-B14F-4D97-AF65-F5344CB8AC3E}">
-        <p14:creationId xmlns:p14="http://schemas.microsoft.com/office/powerpoint/2010/main" val="3075418744"/>
+        <p14:creationId xmlns:p14="http://schemas.microsoft.com/office/powerpoint/2010/main" val="3703200671"/>
       </p:ext>
     </p:extLst>
   </p:cSld>
@@ -12701,7 +12002,7 @@
           <a:p>
             <a:r>
               <a:rPr lang="en-GB" dirty="0" smtClean="0"/>
-              <a:t>CAP Theorem</a:t>
+              <a:t>Consistency</a:t>
             </a:r>
             <a:endParaRPr lang="en-GB" dirty="0"/>
           </a:p>
@@ -12722,55 +12023,63 @@
           <a:bodyPr/>
           <a:lstStyle/>
           <a:p>
-            <a:r>
-              <a:rPr lang="en-GB" dirty="0" smtClean="0"/>
-              <a:t>We can guarantee (at most) two of:</a:t>
-            </a:r>
-          </a:p>
-          <a:p>
-            <a:pPr lvl="1"/>
             <a:endParaRPr lang="en-GB" dirty="0" smtClean="0"/>
           </a:p>
           <a:p>
-            <a:pPr lvl="1"/>
-            <a:r>
-              <a:rPr lang="en-GB" dirty="0" smtClean="0"/>
-              <a:t>Consistency</a:t>
-            </a:r>
-          </a:p>
-          <a:p>
-            <a:pPr lvl="1"/>
+            <a:r>
+              <a:rPr lang="en-GB" dirty="0" smtClean="0"/>
+              <a:t>All nodes see the same data/ history</a:t>
+            </a:r>
+          </a:p>
+          <a:p>
             <a:endParaRPr lang="en-GB" dirty="0" smtClean="0"/>
           </a:p>
           <a:p>
-            <a:pPr lvl="1"/>
-            <a:r>
-              <a:rPr lang="en-GB" dirty="0" smtClean="0"/>
-              <a:t>Availability</a:t>
-            </a:r>
-          </a:p>
-          <a:p>
-            <a:pPr lvl="1"/>
-            <a:endParaRPr lang="en-GB" dirty="0" smtClean="0"/>
-          </a:p>
-          <a:p>
-            <a:pPr lvl="1"/>
-            <a:r>
-              <a:rPr lang="en-GB" dirty="0" smtClean="0"/>
-              <a:t>Partition Tolerance</a:t>
-            </a:r>
-            <a:endParaRPr lang="en-GB" dirty="0"/>
-          </a:p>
-          <a:p>
-            <a:pPr lvl="1"/>
-            <a:endParaRPr lang="en-GB" dirty="0"/>
+            <a:r>
+              <a:rPr lang="en-GB" dirty="0" smtClean="0"/>
+              <a:t>Various strengths of consistency guarantee</a:t>
+            </a:r>
+          </a:p>
+          <a:p>
+            <a:pPr marL="0" indent="0" algn="ctr">
+              <a:buNone/>
+            </a:pPr>
+            <a:endParaRPr lang="en-GB" sz="2000" i="1" dirty="0" smtClean="0"/>
+          </a:p>
+          <a:p>
+            <a:pPr marL="0" indent="0" algn="ctr">
+              <a:buNone/>
+            </a:pPr>
+            <a:r>
+              <a:rPr lang="en-GB" sz="2000" i="1" dirty="0" smtClean="0"/>
+              <a:t>e.g.  </a:t>
+            </a:r>
+            <a:r>
+              <a:rPr lang="en-GB" sz="2000" i="1" dirty="0" smtClean="0">
+                <a:hlinkClick r:id="rId3"/>
+              </a:rPr>
+              <a:t>http</a:t>
+            </a:r>
+            <a:r>
+              <a:rPr lang="en-GB" sz="2000" i="1" dirty="0">
+                <a:hlinkClick r:id="rId3"/>
+              </a:rPr>
+              <a:t>://</a:t>
+            </a:r>
+            <a:r>
+              <a:rPr lang="en-GB" sz="2000" i="1" dirty="0" smtClean="0">
+                <a:hlinkClick r:id="rId3"/>
+              </a:rPr>
+              <a:t>www.bailis.org/blog/linearizability-versus-serializability</a:t>
+            </a:r>
+            <a:endParaRPr lang="en-GB" sz="2000" i="1" dirty="0"/>
           </a:p>
         </p:txBody>
       </p:sp>
     </p:spTree>
     <p:extLst>
       <p:ext uri="{BB962C8B-B14F-4D97-AF65-F5344CB8AC3E}">
-        <p14:creationId xmlns:p14="http://schemas.microsoft.com/office/powerpoint/2010/main" val="3703200671"/>
+        <p14:creationId xmlns:p14="http://schemas.microsoft.com/office/powerpoint/2010/main" val="33179141"/>
       </p:ext>
     </p:extLst>
   </p:cSld>
@@ -12829,7 +12138,7 @@
           <a:p>
             <a:r>
               <a:rPr lang="en-GB" dirty="0" smtClean="0"/>
-              <a:t>Consistency</a:t>
+              <a:t>Availability</a:t>
             </a:r>
             <a:endParaRPr lang="en-GB" dirty="0"/>
           </a:p>
@@ -12850,63 +12159,27 @@
           <a:bodyPr/>
           <a:lstStyle/>
           <a:p>
-            <a:endParaRPr lang="en-GB" dirty="0" smtClean="0"/>
-          </a:p>
-          <a:p>
-            <a:r>
-              <a:rPr lang="en-GB" dirty="0" smtClean="0"/>
-              <a:t>All nodes see the same data/ history</a:t>
-            </a:r>
-          </a:p>
-          <a:p>
-            <a:endParaRPr lang="en-GB" dirty="0" smtClean="0"/>
-          </a:p>
-          <a:p>
-            <a:r>
-              <a:rPr lang="en-GB" dirty="0" smtClean="0"/>
-              <a:t>Various strengths of consistency guarantee</a:t>
-            </a:r>
-          </a:p>
-          <a:p>
-            <a:pPr marL="0" indent="0" algn="ctr">
-              <a:buNone/>
-            </a:pPr>
-            <a:endParaRPr lang="en-GB" sz="2000" i="1" dirty="0" smtClean="0"/>
-          </a:p>
-          <a:p>
-            <a:pPr marL="0" indent="0" algn="ctr">
-              <a:buNone/>
-            </a:pPr>
-            <a:r>
-              <a:rPr lang="en-GB" sz="2000" i="1" dirty="0" smtClean="0"/>
-              <a:t>e.g.  </a:t>
-            </a:r>
-            <a:r>
-              <a:rPr lang="en-GB" sz="2000" i="1" dirty="0" smtClean="0">
-                <a:hlinkClick r:id="rId3"/>
-              </a:rPr>
-              <a:t>http</a:t>
-            </a:r>
-            <a:r>
-              <a:rPr lang="en-GB" sz="2000" i="1" dirty="0">
-                <a:hlinkClick r:id="rId3"/>
-              </a:rPr>
-              <a:t>://</a:t>
-            </a:r>
-            <a:r>
-              <a:rPr lang="en-GB" sz="2000" i="1" dirty="0" smtClean="0">
-                <a:hlinkClick r:id="rId3"/>
-              </a:rPr>
-              <a:t>www.bailis.org/blog/linearizability-versus-serializability</a:t>
-            </a:r>
-            <a:endParaRPr lang="en-GB" sz="2000" i="1" dirty="0"/>
+            <a:r>
+              <a:rPr lang="en-GB" dirty="0" smtClean="0"/>
+              <a:t>All non-failed nodes must be able to respond to any request</a:t>
+            </a:r>
+          </a:p>
+          <a:p>
+            <a:endParaRPr lang="en-GB" dirty="0"/>
+          </a:p>
+          <a:p>
+            <a:r>
+              <a:rPr lang="en-GB" dirty="0" smtClean="0"/>
+              <a:t>Tends to be associated with (but not the same as) low latency</a:t>
+            </a:r>
+            <a:endParaRPr lang="en-GB" dirty="0"/>
           </a:p>
         </p:txBody>
       </p:sp>
     </p:spTree>
     <p:extLst>
       <p:ext uri="{BB962C8B-B14F-4D97-AF65-F5344CB8AC3E}">
-        <p14:creationId xmlns:p14="http://schemas.microsoft.com/office/powerpoint/2010/main" val="33179141"/>
+        <p14:creationId xmlns:p14="http://schemas.microsoft.com/office/powerpoint/2010/main" val="3475748258"/>
       </p:ext>
     </p:extLst>
   </p:cSld>
@@ -12965,106 +12238,6 @@
           <a:p>
             <a:r>
               <a:rPr lang="en-GB" dirty="0" smtClean="0"/>
-              <a:t>Availability</a:t>
-            </a:r>
-            <a:endParaRPr lang="en-GB" dirty="0"/>
-          </a:p>
-        </p:txBody>
-      </p:sp>
-      <p:sp>
-        <p:nvSpPr>
-          <p:cNvPr id="3" name="Content Placeholder 2"/>
-          <p:cNvSpPr>
-            <a:spLocks noGrp="1"/>
-          </p:cNvSpPr>
-          <p:nvPr>
-            <p:ph idx="1"/>
-          </p:nvPr>
-        </p:nvSpPr>
-        <p:spPr/>
-        <p:txBody>
-          <a:bodyPr/>
-          <a:lstStyle/>
-          <a:p>
-            <a:r>
-              <a:rPr lang="en-GB" dirty="0" smtClean="0"/>
-              <a:t>All non-failed nodes must be able to respond to any request</a:t>
-            </a:r>
-          </a:p>
-          <a:p>
-            <a:endParaRPr lang="en-GB" dirty="0"/>
-          </a:p>
-          <a:p>
-            <a:r>
-              <a:rPr lang="en-GB" dirty="0" smtClean="0"/>
-              <a:t>Tends to be associated with (but not the same as) low latency</a:t>
-            </a:r>
-            <a:endParaRPr lang="en-GB" dirty="0"/>
-          </a:p>
-        </p:txBody>
-      </p:sp>
-    </p:spTree>
-    <p:extLst>
-      <p:ext uri="{BB962C8B-B14F-4D97-AF65-F5344CB8AC3E}">
-        <p14:creationId xmlns:p14="http://schemas.microsoft.com/office/powerpoint/2010/main" val="3475748258"/>
-      </p:ext>
-    </p:extLst>
-  </p:cSld>
-  <p:clrMapOvr>
-    <a:masterClrMapping/>
-  </p:clrMapOvr>
-  <p:timing>
-    <p:tnLst>
-      <p:par>
-        <p:cTn id="1" dur="indefinite" restart="never" nodeType="tmRoot"/>
-      </p:par>
-    </p:tnLst>
-  </p:timing>
-</p:sld>
-</file>
-
-<file path=ppt/slides/slide27.xml><?xml version="1.0" encoding="utf-8"?>
-<p:sld xmlns:a="http://schemas.openxmlformats.org/drawingml/2006/main" xmlns:r="http://schemas.openxmlformats.org/officeDocument/2006/relationships" xmlns:p="http://schemas.openxmlformats.org/presentationml/2006/main">
-  <p:cSld>
-    <p:bg>
-      <p:bgPr>
-        <a:solidFill>
-          <a:schemeClr val="bg1"/>
-        </a:solidFill>
-        <a:effectLst/>
-      </p:bgPr>
-    </p:bg>
-    <p:spTree>
-      <p:nvGrpSpPr>
-        <p:cNvPr id="1" name=""/>
-        <p:cNvGrpSpPr/>
-        <p:nvPr/>
-      </p:nvGrpSpPr>
-      <p:grpSpPr>
-        <a:xfrm>
-          <a:off x="0" y="0"/>
-          <a:ext cx="0" cy="0"/>
-          <a:chOff x="0" y="0"/>
-          <a:chExt cx="0" cy="0"/>
-        </a:xfrm>
-      </p:grpSpPr>
-      <p:sp>
-        <p:nvSpPr>
-          <p:cNvPr id="2" name="Title 1"/>
-          <p:cNvSpPr>
-            <a:spLocks noGrp="1"/>
-          </p:cNvSpPr>
-          <p:nvPr>
-            <p:ph type="title"/>
-          </p:nvPr>
-        </p:nvSpPr>
-        <p:spPr/>
-        <p:txBody>
-          <a:bodyPr/>
-          <a:lstStyle/>
-          <a:p>
-            <a:r>
-              <a:rPr lang="en-GB" dirty="0" smtClean="0"/>
               <a:t>Partition Tolerance</a:t>
             </a:r>
             <a:endParaRPr lang="en-GB" dirty="0"/>
@@ -13178,7 +12351,7 @@
 </p:sld>
 </file>
 
-<file path=ppt/slides/slide28.xml><?xml version="1.0" encoding="utf-8"?>
+<file path=ppt/slides/slide27.xml><?xml version="1.0" encoding="utf-8"?>
 <p:sld xmlns:a="http://schemas.openxmlformats.org/drawingml/2006/main" xmlns:r="http://schemas.openxmlformats.org/officeDocument/2006/relationships" xmlns:p="http://schemas.openxmlformats.org/presentationml/2006/main">
   <p:cSld>
     <p:bg>
@@ -14557,7 +13730,7 @@
 </p:sld>
 </file>
 
-<file path=ppt/slides/slide29.xml><?xml version="1.0" encoding="utf-8"?>
+<file path=ppt/slides/slide28.xml><?xml version="1.0" encoding="utf-8"?>
 <p:sld xmlns:a="http://schemas.openxmlformats.org/drawingml/2006/main" xmlns:r="http://schemas.openxmlformats.org/officeDocument/2006/relationships" xmlns:p="http://schemas.openxmlformats.org/presentationml/2006/main">
   <p:cSld>
     <p:spTree>
@@ -14626,17 +13799,8 @@
           <a:p>
             <a:r>
               <a:rPr lang="en-GB" sz="4000" dirty="0" smtClean="0"/>
-              <a:t>Consistent (“CP”) </a:t>
-            </a:r>
-            <a:r>
-              <a:rPr lang="en-GB" sz="4000" dirty="0" smtClean="0"/>
-              <a:t>or </a:t>
-            </a:r>
-            <a:r>
-              <a:rPr lang="en-GB" sz="4000" dirty="0" smtClean="0"/>
-              <a:t>Available (“AP”)?</a:t>
-            </a:r>
-            <a:endParaRPr lang="en-GB" sz="4000" dirty="0" smtClean="0"/>
+              <a:t>Consistent (“CP”) or Available (“AP”)?</a:t>
+            </a:r>
           </a:p>
           <a:p>
             <a:endParaRPr lang="en-GB" sz="4000" dirty="0"/>
@@ -14670,7 +13834,7 @@
 </p:sld>
 </file>
 
-<file path=ppt/slides/slide3.xml><?xml version="1.0" encoding="utf-8"?>
+<file path=ppt/slides/slide29.xml><?xml version="1.0" encoding="utf-8"?>
 <p:sld xmlns:a="http://schemas.openxmlformats.org/drawingml/2006/main" xmlns:r="http://schemas.openxmlformats.org/officeDocument/2006/relationships" xmlns:p="http://schemas.openxmlformats.org/presentationml/2006/main">
   <p:cSld>
     <p:bg>
@@ -14705,163 +13869,6 @@
             <p:ph type="title"/>
           </p:nvPr>
         </p:nvSpPr>
-        <p:spPr/>
-        <p:txBody>
-          <a:bodyPr/>
-          <a:lstStyle/>
-          <a:p>
-            <a:r>
-              <a:rPr lang="en-GB" dirty="0" smtClean="0"/>
-              <a:t>In This Presentation…</a:t>
-            </a:r>
-            <a:endParaRPr lang="en-GB" dirty="0"/>
-          </a:p>
-        </p:txBody>
-      </p:sp>
-      <p:sp>
-        <p:nvSpPr>
-          <p:cNvPr id="3" name="Content Placeholder 2"/>
-          <p:cNvSpPr>
-            <a:spLocks noGrp="1"/>
-          </p:cNvSpPr>
-          <p:nvPr>
-            <p:ph idx="1"/>
-          </p:nvPr>
-        </p:nvSpPr>
-        <p:spPr/>
-        <p:txBody>
-          <a:bodyPr>
-            <a:normAutofit fontScale="92500" lnSpcReduction="10000"/>
-          </a:bodyPr>
-          <a:lstStyle/>
-          <a:p>
-            <a:r>
-              <a:rPr lang="en-GB" dirty="0" smtClean="0"/>
-              <a:t>Theory</a:t>
-            </a:r>
-          </a:p>
-          <a:p>
-            <a:endParaRPr lang="en-GB" dirty="0"/>
-          </a:p>
-          <a:p>
-            <a:r>
-              <a:rPr lang="en-GB" dirty="0" smtClean="0"/>
-              <a:t>Comparison of database systems</a:t>
-            </a:r>
-          </a:p>
-          <a:p>
-            <a:endParaRPr lang="en-GB" dirty="0"/>
-          </a:p>
-          <a:p>
-            <a:r>
-              <a:rPr lang="en-GB" dirty="0" smtClean="0"/>
-              <a:t>Lots of code </a:t>
-            </a:r>
-            <a:r>
-              <a:rPr lang="en-GB" dirty="0" smtClean="0"/>
-              <a:t>examples</a:t>
-            </a:r>
-            <a:r>
-              <a:rPr lang="en-GB" dirty="0" smtClean="0"/>
-              <a:t>!</a:t>
-            </a:r>
-          </a:p>
-          <a:p>
-            <a:endParaRPr lang="en-GB" dirty="0" smtClean="0"/>
-          </a:p>
-          <a:p>
-            <a:pPr marL="0" lvl="1" indent="0" algn="r">
-              <a:buNone/>
-            </a:pPr>
-            <a:r>
-              <a:rPr lang="en-GB" sz="2200" i="1" dirty="0" smtClean="0">
-                <a:hlinkClick r:id="rId3"/>
-              </a:rPr>
-              <a:t>https://github.com/alexdgarland/database-demos</a:t>
-            </a:r>
-            <a:endParaRPr lang="en-GB" sz="2200" i="1" dirty="0" smtClean="0"/>
-          </a:p>
-          <a:p>
-            <a:pPr marL="342900" lvl="1" indent="-342900">
-              <a:buFont typeface="Arial" panose="020B0604020202020204" pitchFamily="34" charset="0"/>
-              <a:buChar char="•"/>
-            </a:pPr>
-            <a:endParaRPr lang="en-GB" sz="3200" dirty="0" smtClean="0"/>
-          </a:p>
-          <a:p>
-            <a:pPr marL="342900" lvl="1" indent="-342900">
-              <a:buFont typeface="Arial" panose="020B0604020202020204" pitchFamily="34" charset="0"/>
-              <a:buChar char="•"/>
-            </a:pPr>
-            <a:r>
-              <a:rPr lang="en-GB" sz="3200" dirty="0" smtClean="0"/>
-              <a:t>Architectures</a:t>
-            </a:r>
-            <a:endParaRPr lang="en-GB" dirty="0" smtClean="0"/>
-          </a:p>
-          <a:p>
-            <a:pPr marL="457200" lvl="1" indent="0">
-              <a:buNone/>
-            </a:pPr>
-            <a:endParaRPr lang="en-GB" dirty="0"/>
-          </a:p>
-        </p:txBody>
-      </p:sp>
-    </p:spTree>
-    <p:extLst>
-      <p:ext uri="{BB962C8B-B14F-4D97-AF65-F5344CB8AC3E}">
-        <p14:creationId xmlns:p14="http://schemas.microsoft.com/office/powerpoint/2010/main" val="28346961"/>
-      </p:ext>
-    </p:extLst>
-  </p:cSld>
-  <p:clrMapOvr>
-    <a:masterClrMapping/>
-  </p:clrMapOvr>
-  <p:timing>
-    <p:tnLst>
-      <p:par>
-        <p:cTn id="1" dur="indefinite" restart="never" nodeType="tmRoot"/>
-      </p:par>
-    </p:tnLst>
-  </p:timing>
-</p:sld>
-</file>
-
-<file path=ppt/slides/slide30.xml><?xml version="1.0" encoding="utf-8"?>
-<p:sld xmlns:a="http://schemas.openxmlformats.org/drawingml/2006/main" xmlns:r="http://schemas.openxmlformats.org/officeDocument/2006/relationships" xmlns:p="http://schemas.openxmlformats.org/presentationml/2006/main">
-  <p:cSld>
-    <p:bg>
-      <p:bgPr>
-        <a:solidFill>
-          <a:schemeClr val="bg1"/>
-        </a:solidFill>
-        <a:effectLst/>
-      </p:bgPr>
-    </p:bg>
-    <p:spTree>
-      <p:nvGrpSpPr>
-        <p:cNvPr id="1" name=""/>
-        <p:cNvGrpSpPr/>
-        <p:nvPr/>
-      </p:nvGrpSpPr>
-      <p:grpSpPr>
-        <a:xfrm>
-          <a:off x="0" y="0"/>
-          <a:ext cx="0" cy="0"/>
-          <a:chOff x="0" y="0"/>
-          <a:chExt cx="0" cy="0"/>
-        </a:xfrm>
-      </p:grpSpPr>
-      <p:sp>
-        <p:nvSpPr>
-          <p:cNvPr id="2" name="Title 1"/>
-          <p:cNvSpPr>
-            <a:spLocks noGrp="1"/>
-          </p:cNvSpPr>
-          <p:nvPr>
-            <p:ph type="title"/>
-          </p:nvPr>
-        </p:nvSpPr>
         <p:spPr>
           <a:xfrm>
             <a:off x="457200" y="274638"/>
@@ -14876,11 +13883,7 @@
           <a:p>
             <a:r>
               <a:rPr lang="en-GB" dirty="0" smtClean="0"/>
-              <a:t>Document </a:t>
-            </a:r>
-            <a:r>
-              <a:rPr lang="en-GB" dirty="0" smtClean="0"/>
-              <a:t>Databases</a:t>
+              <a:t>Document Databases</a:t>
             </a:r>
             <a:endParaRPr lang="en-GB" dirty="0"/>
           </a:p>
@@ -14910,11 +13913,7 @@
           <a:p>
             <a:r>
               <a:rPr lang="en-GB" dirty="0" smtClean="0"/>
-              <a:t>Store data as JSON </a:t>
-            </a:r>
-            <a:r>
-              <a:rPr lang="en-GB" dirty="0" smtClean="0"/>
-              <a:t>documents</a:t>
+              <a:t>Store data as JSON documents</a:t>
             </a:r>
             <a:endParaRPr lang="en-GB" dirty="0"/>
           </a:p>
@@ -14926,11 +13925,7 @@
             <a:pPr lvl="1"/>
             <a:r>
               <a:rPr lang="en-GB" dirty="0" smtClean="0"/>
-              <a:t>Straightforward</a:t>
-            </a:r>
-            <a:r>
-              <a:rPr lang="en-GB" dirty="0" smtClean="0"/>
-              <a:t>, flexible object storage</a:t>
+              <a:t>Straightforward, flexible object storage</a:t>
             </a:r>
           </a:p>
           <a:p>
@@ -15007,7 +14002,7 @@
 </p:sld>
 </file>
 
-<file path=ppt/slides/slide31.xml><?xml version="1.0" encoding="utf-8"?>
+<file path=ppt/slides/slide3.xml><?xml version="1.0" encoding="utf-8"?>
 <p:sld xmlns:a="http://schemas.openxmlformats.org/drawingml/2006/main" xmlns:r="http://schemas.openxmlformats.org/officeDocument/2006/relationships" xmlns:p="http://schemas.openxmlformats.org/presentationml/2006/main">
   <p:cSld>
     <p:bg>
@@ -15042,6 +14037,155 @@
             <p:ph type="title"/>
           </p:nvPr>
         </p:nvSpPr>
+        <p:spPr/>
+        <p:txBody>
+          <a:bodyPr/>
+          <a:lstStyle/>
+          <a:p>
+            <a:r>
+              <a:rPr lang="en-GB" dirty="0" smtClean="0"/>
+              <a:t>In This Presentation…</a:t>
+            </a:r>
+            <a:endParaRPr lang="en-GB" dirty="0"/>
+          </a:p>
+        </p:txBody>
+      </p:sp>
+      <p:sp>
+        <p:nvSpPr>
+          <p:cNvPr id="3" name="Content Placeholder 2"/>
+          <p:cNvSpPr>
+            <a:spLocks noGrp="1"/>
+          </p:cNvSpPr>
+          <p:nvPr>
+            <p:ph idx="1"/>
+          </p:nvPr>
+        </p:nvSpPr>
+        <p:spPr/>
+        <p:txBody>
+          <a:bodyPr>
+            <a:normAutofit fontScale="92500" lnSpcReduction="10000"/>
+          </a:bodyPr>
+          <a:lstStyle/>
+          <a:p>
+            <a:r>
+              <a:rPr lang="en-GB" dirty="0" smtClean="0"/>
+              <a:t>Theory</a:t>
+            </a:r>
+          </a:p>
+          <a:p>
+            <a:endParaRPr lang="en-GB" dirty="0"/>
+          </a:p>
+          <a:p>
+            <a:r>
+              <a:rPr lang="en-GB" dirty="0" smtClean="0"/>
+              <a:t>Comparison of database systems</a:t>
+            </a:r>
+          </a:p>
+          <a:p>
+            <a:endParaRPr lang="en-GB" dirty="0"/>
+          </a:p>
+          <a:p>
+            <a:r>
+              <a:rPr lang="en-GB" dirty="0" smtClean="0"/>
+              <a:t>Lots of code examples!</a:t>
+            </a:r>
+          </a:p>
+          <a:p>
+            <a:endParaRPr lang="en-GB" dirty="0" smtClean="0"/>
+          </a:p>
+          <a:p>
+            <a:pPr marL="0" lvl="1" indent="0" algn="r">
+              <a:buNone/>
+            </a:pPr>
+            <a:r>
+              <a:rPr lang="en-GB" sz="2200" i="1" dirty="0" smtClean="0">
+                <a:hlinkClick r:id="rId3"/>
+              </a:rPr>
+              <a:t>https://github.com/alexdgarland/database-demos</a:t>
+            </a:r>
+            <a:endParaRPr lang="en-GB" sz="2200" i="1" dirty="0" smtClean="0"/>
+          </a:p>
+          <a:p>
+            <a:pPr marL="342900" lvl="1" indent="-342900">
+              <a:buFont typeface="Arial" panose="020B0604020202020204" pitchFamily="34" charset="0"/>
+              <a:buChar char="•"/>
+            </a:pPr>
+            <a:endParaRPr lang="en-GB" sz="3200" dirty="0" smtClean="0"/>
+          </a:p>
+          <a:p>
+            <a:pPr marL="342900" lvl="1" indent="-342900">
+              <a:buFont typeface="Arial" panose="020B0604020202020204" pitchFamily="34" charset="0"/>
+              <a:buChar char="•"/>
+            </a:pPr>
+            <a:r>
+              <a:rPr lang="en-GB" sz="3200" dirty="0" smtClean="0"/>
+              <a:t>Architectures</a:t>
+            </a:r>
+            <a:endParaRPr lang="en-GB" dirty="0" smtClean="0"/>
+          </a:p>
+          <a:p>
+            <a:pPr marL="457200" lvl="1" indent="0">
+              <a:buNone/>
+            </a:pPr>
+            <a:endParaRPr lang="en-GB" dirty="0"/>
+          </a:p>
+        </p:txBody>
+      </p:sp>
+    </p:spTree>
+    <p:extLst>
+      <p:ext uri="{BB962C8B-B14F-4D97-AF65-F5344CB8AC3E}">
+        <p14:creationId xmlns:p14="http://schemas.microsoft.com/office/powerpoint/2010/main" val="28346961"/>
+      </p:ext>
+    </p:extLst>
+  </p:cSld>
+  <p:clrMapOvr>
+    <a:masterClrMapping/>
+  </p:clrMapOvr>
+  <p:timing>
+    <p:tnLst>
+      <p:par>
+        <p:cTn id="1" dur="indefinite" restart="never" nodeType="tmRoot"/>
+      </p:par>
+    </p:tnLst>
+  </p:timing>
+</p:sld>
+</file>
+
+<file path=ppt/slides/slide30.xml><?xml version="1.0" encoding="utf-8"?>
+<p:sld xmlns:a="http://schemas.openxmlformats.org/drawingml/2006/main" xmlns:r="http://schemas.openxmlformats.org/officeDocument/2006/relationships" xmlns:p="http://schemas.openxmlformats.org/presentationml/2006/main">
+  <p:cSld>
+    <p:bg>
+      <p:bgPr>
+        <a:solidFill>
+          <a:schemeClr val="bg1"/>
+        </a:solidFill>
+        <a:effectLst/>
+      </p:bgPr>
+    </p:bg>
+    <p:spTree>
+      <p:nvGrpSpPr>
+        <p:cNvPr id="1" name=""/>
+        <p:cNvGrpSpPr/>
+        <p:nvPr/>
+      </p:nvGrpSpPr>
+      <p:grpSpPr>
+        <a:xfrm>
+          <a:off x="0" y="0"/>
+          <a:ext cx="0" cy="0"/>
+          <a:chOff x="0" y="0"/>
+          <a:chExt cx="0" cy="0"/>
+        </a:xfrm>
+      </p:grpSpPr>
+      <p:sp>
+        <p:nvSpPr>
+          <p:cNvPr id="2" name="Title 1"/>
+          <p:cNvSpPr>
+            <a:spLocks noGrp="1"/>
+          </p:cNvSpPr>
+          <p:nvPr>
+            <p:ph type="title"/>
+          </p:nvPr>
+        </p:nvSpPr>
         <p:spPr>
           <a:xfrm>
             <a:off x="457200" y="274638"/>
@@ -15056,11 +14200,7 @@
           <a:p>
             <a:r>
               <a:rPr lang="en-GB" dirty="0" smtClean="0"/>
-              <a:t>Document </a:t>
-            </a:r>
-            <a:r>
-              <a:rPr lang="en-GB" dirty="0" smtClean="0"/>
-              <a:t>Databases</a:t>
+              <a:t>Document Databases</a:t>
             </a:r>
             <a:endParaRPr lang="en-GB" dirty="0"/>
           </a:p>
@@ -15090,17 +14230,8 @@
           <a:p>
             <a:r>
               <a:rPr lang="en-GB" dirty="0" smtClean="0"/>
-              <a:t>Less </a:t>
-            </a:r>
-            <a:r>
-              <a:rPr lang="en-GB" dirty="0" smtClean="0"/>
-              <a:t>good at</a:t>
-            </a:r>
-            <a:r>
-              <a:rPr lang="en-GB" dirty="0" smtClean="0"/>
-              <a:t>:</a:t>
-            </a:r>
-            <a:endParaRPr lang="en-GB" dirty="0" smtClean="0"/>
+              <a:t>Less good at:</a:t>
+            </a:r>
           </a:p>
           <a:p>
             <a:pPr lvl="1"/>
@@ -15202,7 +14333,7 @@
 </p:sld>
 </file>
 
-<file path=ppt/slides/slide32.xml><?xml version="1.0" encoding="utf-8"?>
+<file path=ppt/slides/slide31.xml><?xml version="1.0" encoding="utf-8"?>
 <p:sld xmlns:a="http://schemas.openxmlformats.org/drawingml/2006/main" xmlns:r="http://schemas.openxmlformats.org/officeDocument/2006/relationships" xmlns:p="http://schemas.openxmlformats.org/presentationml/2006/main">
   <p:cSld>
     <p:bg>
@@ -15350,6 +14481,93 @@
 </p:sld>
 </file>
 
+<file path=ppt/slides/slide32.xml><?xml version="1.0" encoding="utf-8"?>
+<p:sld xmlns:a="http://schemas.openxmlformats.org/drawingml/2006/main" xmlns:r="http://schemas.openxmlformats.org/officeDocument/2006/relationships" xmlns:p="http://schemas.openxmlformats.org/presentationml/2006/main">
+  <p:cSld>
+    <p:bg>
+      <p:bgPr>
+        <a:solidFill>
+          <a:schemeClr val="bg1"/>
+        </a:solidFill>
+        <a:effectLst/>
+      </p:bgPr>
+    </p:bg>
+    <p:spTree>
+      <p:nvGrpSpPr>
+        <p:cNvPr id="1" name=""/>
+        <p:cNvGrpSpPr/>
+        <p:nvPr/>
+      </p:nvGrpSpPr>
+      <p:grpSpPr>
+        <a:xfrm>
+          <a:off x="0" y="0"/>
+          <a:ext cx="0" cy="0"/>
+          <a:chOff x="0" y="0"/>
+          <a:chExt cx="0" cy="0"/>
+        </a:xfrm>
+      </p:grpSpPr>
+      <p:sp>
+        <p:nvSpPr>
+          <p:cNvPr id="2" name="Title 1"/>
+          <p:cNvSpPr>
+            <a:spLocks noGrp="1"/>
+          </p:cNvSpPr>
+          <p:nvPr>
+            <p:ph type="ctrTitle"/>
+          </p:nvPr>
+        </p:nvSpPr>
+        <p:spPr/>
+        <p:txBody>
+          <a:bodyPr/>
+          <a:lstStyle/>
+          <a:p>
+            <a:r>
+              <a:rPr lang="en-GB" dirty="0" smtClean="0"/>
+              <a:t>(MongoDB Demo)</a:t>
+            </a:r>
+            <a:endParaRPr lang="en-GB" dirty="0"/>
+          </a:p>
+        </p:txBody>
+      </p:sp>
+      <p:sp>
+        <p:nvSpPr>
+          <p:cNvPr id="3" name="Subtitle 2"/>
+          <p:cNvSpPr>
+            <a:spLocks noGrp="1"/>
+          </p:cNvSpPr>
+          <p:nvPr>
+            <p:ph type="subTitle" idx="1"/>
+          </p:nvPr>
+        </p:nvSpPr>
+        <p:spPr/>
+        <p:txBody>
+          <a:bodyPr/>
+          <a:lstStyle/>
+          <a:p>
+            <a:endParaRPr lang="en-GB"/>
+          </a:p>
+        </p:txBody>
+      </p:sp>
+    </p:spTree>
+    <p:extLst>
+      <p:ext uri="{BB962C8B-B14F-4D97-AF65-F5344CB8AC3E}">
+        <p14:creationId xmlns:p14="http://schemas.microsoft.com/office/powerpoint/2010/main" val="1942119000"/>
+      </p:ext>
+    </p:extLst>
+  </p:cSld>
+  <p:clrMapOvr>
+    <a:masterClrMapping/>
+  </p:clrMapOvr>
+  <p:timing>
+    <p:tnLst>
+      <p:par>
+        <p:cTn id="1" dur="indefinite" restart="never" nodeType="tmRoot"/>
+      </p:par>
+    </p:tnLst>
+  </p:timing>
+</p:sld>
+</file>
+
 <file path=ppt/slides/slide33.xml><?xml version="1.0" encoding="utf-8"?>
 <p:sld xmlns:a="http://schemas.openxmlformats.org/drawingml/2006/main" xmlns:r="http://schemas.openxmlformats.org/officeDocument/2006/relationships" xmlns:p="http://schemas.openxmlformats.org/presentationml/2006/main">
   <p:cSld>
@@ -15382,7 +14600,7 @@
             <a:spLocks noGrp="1"/>
           </p:cNvSpPr>
           <p:nvPr>
-            <p:ph type="ctrTitle"/>
+            <p:ph type="title"/>
           </p:nvPr>
         </p:nvSpPr>
         <p:spPr/>
@@ -15392,7 +14610,15 @@
           <a:p>
             <a:r>
               <a:rPr lang="en-GB" dirty="0" smtClean="0"/>
-              <a:t>(MongoDB Demo)</a:t>
+              <a:t>“AP” Systems – </a:t>
+            </a:r>
+            <a:r>
+              <a:rPr lang="en-GB" dirty="0" err="1" smtClean="0"/>
+              <a:t>Riak</a:t>
+            </a:r>
+            <a:r>
+              <a:rPr lang="en-GB" dirty="0" smtClean="0"/>
+              <a:t> &amp; Cassandra</a:t>
             </a:r>
             <a:endParaRPr lang="en-GB" dirty="0"/>
           </a:p>
@@ -15400,12 +14626,12 @@
       </p:sp>
       <p:sp>
         <p:nvSpPr>
-          <p:cNvPr id="3" name="Subtitle 2"/>
-          <p:cNvSpPr>
-            <a:spLocks noGrp="1"/>
-          </p:cNvSpPr>
-          <p:nvPr>
-            <p:ph type="subTitle" idx="1"/>
+          <p:cNvPr id="3" name="Content Placeholder 2"/>
+          <p:cNvSpPr>
+            <a:spLocks noGrp="1"/>
+          </p:cNvSpPr>
+          <p:nvPr>
+            <p:ph idx="1"/>
           </p:nvPr>
         </p:nvSpPr>
         <p:spPr/>
@@ -15413,14 +14639,46 @@
           <a:bodyPr/>
           <a:lstStyle/>
           <a:p>
-            <a:endParaRPr lang="en-GB"/>
+            <a:r>
+              <a:rPr lang="en-GB" dirty="0" smtClean="0"/>
+              <a:t>Also “Aggregate” data models – avoid joins</a:t>
+            </a:r>
+          </a:p>
+          <a:p>
+            <a:endParaRPr lang="en-GB" dirty="0" smtClean="0"/>
+          </a:p>
+          <a:p>
+            <a:r>
+              <a:rPr lang="en-GB" dirty="0" smtClean="0"/>
+              <a:t>Highly optimised for availability</a:t>
+            </a:r>
+          </a:p>
+          <a:p>
+            <a:pPr lvl="1"/>
+            <a:r>
+              <a:rPr lang="en-GB" dirty="0" smtClean="0"/>
+              <a:t>Based on Amazon “Dynamo” paper</a:t>
+            </a:r>
+          </a:p>
+          <a:p>
+            <a:endParaRPr lang="en-GB" dirty="0"/>
+          </a:p>
+          <a:p>
+            <a:r>
+              <a:rPr lang="en-GB" dirty="0" err="1" smtClean="0"/>
+              <a:t>Tunable</a:t>
+            </a:r>
+            <a:r>
+              <a:rPr lang="en-GB" dirty="0" smtClean="0"/>
+              <a:t> AP/ CP trade-offs</a:t>
+            </a:r>
           </a:p>
         </p:txBody>
       </p:sp>
     </p:spTree>
     <p:extLst>
       <p:ext uri="{BB962C8B-B14F-4D97-AF65-F5344CB8AC3E}">
-        <p14:creationId xmlns:p14="http://schemas.microsoft.com/office/powerpoint/2010/main" val="1942119000"/>
+        <p14:creationId xmlns:p14="http://schemas.microsoft.com/office/powerpoint/2010/main" val="2924640553"/>
       </p:ext>
     </p:extLst>
   </p:cSld>
@@ -15479,76 +14737,78 @@
           <a:p>
             <a:r>
               <a:rPr lang="en-GB" dirty="0" smtClean="0"/>
-              <a:t>“AP” Systems – </a:t>
-            </a:r>
-            <a:r>
-              <a:rPr lang="en-GB" dirty="0" err="1" smtClean="0"/>
-              <a:t>Riak</a:t>
-            </a:r>
-            <a:r>
-              <a:rPr lang="en-GB" dirty="0" smtClean="0"/>
-              <a:t> &amp; Cassandra</a:t>
+              <a:t>The Ring Model</a:t>
             </a:r>
             <a:endParaRPr lang="en-GB" dirty="0"/>
           </a:p>
         </p:txBody>
       </p:sp>
-      <p:sp>
-        <p:nvSpPr>
-          <p:cNvPr id="3" name="Content Placeholder 2"/>
-          <p:cNvSpPr>
-            <a:spLocks noGrp="1"/>
-          </p:cNvSpPr>
+      <p:pic>
+        <p:nvPicPr>
+          <p:cNvPr id="4" name="Content Placeholder 3"/>
+          <p:cNvPicPr>
+            <a:picLocks noGrp="1" noChangeAspect="1"/>
+          </p:cNvPicPr>
           <p:nvPr>
             <p:ph idx="1"/>
           </p:nvPr>
-        </p:nvSpPr>
-        <p:spPr/>
-        <p:txBody>
-          <a:bodyPr/>
-          <a:lstStyle/>
-          <a:p>
-            <a:r>
-              <a:rPr lang="en-GB" dirty="0" smtClean="0"/>
-              <a:t>Also “Aggregate</a:t>
-            </a:r>
-            <a:r>
-              <a:rPr lang="en-GB" dirty="0" smtClean="0"/>
-              <a:t>” data models – avoid joins</a:t>
-            </a:r>
-          </a:p>
-          <a:p>
-            <a:endParaRPr lang="en-GB" dirty="0" smtClean="0"/>
-          </a:p>
-          <a:p>
-            <a:r>
-              <a:rPr lang="en-GB" dirty="0" smtClean="0"/>
-              <a:t>Highly optimised for </a:t>
-            </a:r>
-            <a:r>
-              <a:rPr lang="en-GB" dirty="0" smtClean="0"/>
-              <a:t>availability</a:t>
-            </a:r>
-          </a:p>
-          <a:p>
-            <a:pPr lvl="1"/>
-            <a:r>
-              <a:rPr lang="en-GB" dirty="0" smtClean="0"/>
-              <a:t>Based on Amazon “Dynamo” paper</a:t>
-            </a:r>
-            <a:endParaRPr lang="en-GB" dirty="0" smtClean="0"/>
-          </a:p>
-          <a:p>
-            <a:endParaRPr lang="en-GB" dirty="0"/>
-          </a:p>
-          <a:p>
-            <a:r>
-              <a:rPr lang="en-GB" dirty="0" err="1" smtClean="0"/>
-              <a:t>Tunable</a:t>
-            </a:r>
-            <a:r>
-              <a:rPr lang="en-GB" dirty="0" smtClean="0"/>
-              <a:t> AP/ CP trade-offs</a:t>
+        </p:nvPicPr>
+        <p:blipFill>
+          <a:blip r:embed="rId3">
+            <a:extLst>
+              <a:ext uri="{28A0092B-C50C-407E-A947-70E740481C1C}">
+                <a14:useLocalDpi xmlns:a14="http://schemas.microsoft.com/office/drawing/2010/main" val="0"/>
+              </a:ext>
+            </a:extLst>
+          </a:blip>
+          <a:stretch>
+            <a:fillRect/>
+          </a:stretch>
+        </p:blipFill>
+        <p:spPr>
+          <a:xfrm>
+            <a:off x="1403648" y="1412776"/>
+            <a:ext cx="5897548" cy="4032449"/>
+          </a:xfrm>
+        </p:spPr>
+      </p:pic>
+      <p:sp>
+        <p:nvSpPr>
+          <p:cNvPr id="5" name="TextBox 4"/>
+          <p:cNvSpPr txBox="1"/>
+          <p:nvPr/>
+        </p:nvSpPr>
+        <p:spPr>
+          <a:xfrm>
+            <a:off x="1259632" y="5733256"/>
+            <a:ext cx="5904656" cy="369332"/>
+          </a:xfrm>
+          <a:prstGeom prst="rect">
+            <a:avLst/>
+          </a:prstGeom>
+          <a:noFill/>
+        </p:spPr>
+        <p:txBody>
+          <a:bodyPr wrap="square" rtlCol="0">
+            <a:spAutoFit/>
+          </a:bodyPr>
+          <a:lstStyle/>
+          <a:p>
+            <a:r>
+              <a:rPr lang="en-GB" dirty="0">
+                <a:hlinkClick r:id="rId4"/>
+              </a:rPr>
+              <a:t>http://docs.basho.com/riak/latest/theory/concepts</a:t>
+            </a:r>
+            <a:r>
+              <a:rPr lang="en-GB" dirty="0" smtClean="0">
+                <a:hlinkClick r:id="rId4"/>
+              </a:rPr>
+              <a:t>/</a:t>
+            </a:r>
+            <a:r>
+              <a:rPr lang="en-GB" dirty="0" smtClean="0"/>
+              <a:t> </a:t>
             </a:r>
           </a:p>
         </p:txBody>
@@ -15556,7 +14816,7 @@
     </p:spTree>
     <p:extLst>
       <p:ext uri="{BB962C8B-B14F-4D97-AF65-F5344CB8AC3E}">
-        <p14:creationId xmlns:p14="http://schemas.microsoft.com/office/powerpoint/2010/main" val="2924640553"/>
+        <p14:creationId xmlns:p14="http://schemas.microsoft.com/office/powerpoint/2010/main" val="2499050060"/>
       </p:ext>
     </p:extLst>
   </p:cSld>
@@ -15614,144 +14874,6 @@
           <a:lstStyle/>
           <a:p>
             <a:r>
-              <a:rPr lang="en-GB" dirty="0" smtClean="0"/>
-              <a:t>The Ring Model</a:t>
-            </a:r>
-            <a:endParaRPr lang="en-GB" dirty="0"/>
-          </a:p>
-        </p:txBody>
-      </p:sp>
-      <p:pic>
-        <p:nvPicPr>
-          <p:cNvPr id="4" name="Content Placeholder 3"/>
-          <p:cNvPicPr>
-            <a:picLocks noGrp="1" noChangeAspect="1"/>
-          </p:cNvPicPr>
-          <p:nvPr>
-            <p:ph idx="1"/>
-          </p:nvPr>
-        </p:nvPicPr>
-        <p:blipFill>
-          <a:blip r:embed="rId3">
-            <a:extLst>
-              <a:ext uri="{28A0092B-C50C-407E-A947-70E740481C1C}">
-                <a14:useLocalDpi xmlns:a14="http://schemas.microsoft.com/office/drawing/2010/main" val="0"/>
-              </a:ext>
-            </a:extLst>
-          </a:blip>
-          <a:stretch>
-            <a:fillRect/>
-          </a:stretch>
-        </p:blipFill>
-        <p:spPr>
-          <a:xfrm>
-            <a:off x="1403648" y="1412776"/>
-            <a:ext cx="5897548" cy="4032449"/>
-          </a:xfrm>
-        </p:spPr>
-      </p:pic>
-      <p:sp>
-        <p:nvSpPr>
-          <p:cNvPr id="5" name="TextBox 4"/>
-          <p:cNvSpPr txBox="1"/>
-          <p:nvPr/>
-        </p:nvSpPr>
-        <p:spPr>
-          <a:xfrm>
-            <a:off x="1259632" y="5733256"/>
-            <a:ext cx="5904656" cy="369332"/>
-          </a:xfrm>
-          <a:prstGeom prst="rect">
-            <a:avLst/>
-          </a:prstGeom>
-          <a:noFill/>
-        </p:spPr>
-        <p:txBody>
-          <a:bodyPr wrap="square" rtlCol="0">
-            <a:spAutoFit/>
-          </a:bodyPr>
-          <a:lstStyle/>
-          <a:p>
-            <a:r>
-              <a:rPr lang="en-GB" dirty="0">
-                <a:hlinkClick r:id="rId4"/>
-              </a:rPr>
-              <a:t>http://docs.basho.com/riak/latest/theory/concepts</a:t>
-            </a:r>
-            <a:r>
-              <a:rPr lang="en-GB" dirty="0" smtClean="0">
-                <a:hlinkClick r:id="rId4"/>
-              </a:rPr>
-              <a:t>/</a:t>
-            </a:r>
-            <a:r>
-              <a:rPr lang="en-GB" dirty="0" smtClean="0"/>
-              <a:t> </a:t>
-            </a:r>
-          </a:p>
-        </p:txBody>
-      </p:sp>
-    </p:spTree>
-    <p:extLst>
-      <p:ext uri="{BB962C8B-B14F-4D97-AF65-F5344CB8AC3E}">
-        <p14:creationId xmlns:p14="http://schemas.microsoft.com/office/powerpoint/2010/main" val="2499050060"/>
-      </p:ext>
-    </p:extLst>
-  </p:cSld>
-  <p:clrMapOvr>
-    <a:masterClrMapping/>
-  </p:clrMapOvr>
-  <p:timing>
-    <p:tnLst>
-      <p:par>
-        <p:cTn id="1" dur="indefinite" restart="never" nodeType="tmRoot"/>
-      </p:par>
-    </p:tnLst>
-  </p:timing>
-</p:sld>
-</file>
-
-<file path=ppt/slides/slide36.xml><?xml version="1.0" encoding="utf-8"?>
-<p:sld xmlns:a="http://schemas.openxmlformats.org/drawingml/2006/main" xmlns:r="http://schemas.openxmlformats.org/officeDocument/2006/relationships" xmlns:p="http://schemas.openxmlformats.org/presentationml/2006/main">
-  <p:cSld>
-    <p:bg>
-      <p:bgPr>
-        <a:solidFill>
-          <a:schemeClr val="bg1"/>
-        </a:solidFill>
-        <a:effectLst/>
-      </p:bgPr>
-    </p:bg>
-    <p:spTree>
-      <p:nvGrpSpPr>
-        <p:cNvPr id="1" name=""/>
-        <p:cNvGrpSpPr/>
-        <p:nvPr/>
-      </p:nvGrpSpPr>
-      <p:grpSpPr>
-        <a:xfrm>
-          <a:off x="0" y="0"/>
-          <a:ext cx="0" cy="0"/>
-          <a:chOff x="0" y="0"/>
-          <a:chExt cx="0" cy="0"/>
-        </a:xfrm>
-      </p:grpSpPr>
-      <p:sp>
-        <p:nvSpPr>
-          <p:cNvPr id="2" name="Title 1"/>
-          <p:cNvSpPr>
-            <a:spLocks noGrp="1"/>
-          </p:cNvSpPr>
-          <p:nvPr>
-            <p:ph type="title"/>
-          </p:nvPr>
-        </p:nvSpPr>
-        <p:spPr/>
-        <p:txBody>
-          <a:bodyPr/>
-          <a:lstStyle/>
-          <a:p>
-            <a:r>
               <a:rPr lang="en-GB" dirty="0" err="1" smtClean="0"/>
               <a:t>Tunable</a:t>
             </a:r>
@@ -15824,7 +14946,7 @@
 </p:sld>
 </file>
 
-<file path=ppt/slides/slide37.xml><?xml version="1.0" encoding="utf-8"?>
+<file path=ppt/slides/slide36.xml><?xml version="1.0" encoding="utf-8"?>
 <p:sld xmlns:a="http://schemas.openxmlformats.org/drawingml/2006/main" xmlns:r="http://schemas.openxmlformats.org/officeDocument/2006/relationships" xmlns:p="http://schemas.openxmlformats.org/presentationml/2006/main">
   <p:cSld>
     <p:bg>
@@ -17184,7 +16306,7 @@
 </p:sld>
 </file>
 
-<file path=ppt/slides/slide38.xml><?xml version="1.0" encoding="utf-8"?>
+<file path=ppt/slides/slide37.xml><?xml version="1.0" encoding="utf-8"?>
 <p:sld xmlns:a="http://schemas.openxmlformats.org/drawingml/2006/main" xmlns:r="http://schemas.openxmlformats.org/officeDocument/2006/relationships" xmlns:p="http://schemas.openxmlformats.org/presentationml/2006/main">
   <p:cSld>
     <p:bg>
@@ -17387,6 +16509,101 @@
 </p:sld>
 </file>
 
+<file path=ppt/slides/slide38.xml><?xml version="1.0" encoding="utf-8"?>
+<p:sld xmlns:a="http://schemas.openxmlformats.org/drawingml/2006/main" xmlns:r="http://schemas.openxmlformats.org/officeDocument/2006/relationships" xmlns:p="http://schemas.openxmlformats.org/presentationml/2006/main">
+  <p:cSld>
+    <p:bg>
+      <p:bgPr>
+        <a:solidFill>
+          <a:schemeClr val="bg1"/>
+        </a:solidFill>
+        <a:effectLst/>
+      </p:bgPr>
+    </p:bg>
+    <p:spTree>
+      <p:nvGrpSpPr>
+        <p:cNvPr id="1" name=""/>
+        <p:cNvGrpSpPr/>
+        <p:nvPr/>
+      </p:nvGrpSpPr>
+      <p:grpSpPr>
+        <a:xfrm>
+          <a:off x="0" y="0"/>
+          <a:ext cx="0" cy="0"/>
+          <a:chOff x="0" y="0"/>
+          <a:chExt cx="0" cy="0"/>
+        </a:xfrm>
+      </p:grpSpPr>
+      <p:sp>
+        <p:nvSpPr>
+          <p:cNvPr id="2" name="Title 1"/>
+          <p:cNvSpPr>
+            <a:spLocks noGrp="1"/>
+          </p:cNvSpPr>
+          <p:nvPr>
+            <p:ph type="ctrTitle"/>
+          </p:nvPr>
+        </p:nvSpPr>
+        <p:spPr/>
+        <p:txBody>
+          <a:bodyPr/>
+          <a:lstStyle/>
+          <a:p>
+            <a:r>
+              <a:rPr lang="en-GB" dirty="0" smtClean="0"/>
+              <a:t>(</a:t>
+            </a:r>
+            <a:r>
+              <a:rPr lang="en-GB" dirty="0" err="1" smtClean="0"/>
+              <a:t>Riak</a:t>
+            </a:r>
+            <a:r>
+              <a:rPr lang="en-GB" dirty="0" smtClean="0"/>
+              <a:t> Demo)</a:t>
+            </a:r>
+            <a:endParaRPr lang="en-GB" dirty="0"/>
+          </a:p>
+        </p:txBody>
+      </p:sp>
+      <p:sp>
+        <p:nvSpPr>
+          <p:cNvPr id="3" name="Subtitle 2"/>
+          <p:cNvSpPr>
+            <a:spLocks noGrp="1"/>
+          </p:cNvSpPr>
+          <p:nvPr>
+            <p:ph type="subTitle" idx="1"/>
+          </p:nvPr>
+        </p:nvSpPr>
+        <p:spPr/>
+        <p:txBody>
+          <a:bodyPr/>
+          <a:lstStyle/>
+          <a:p>
+            <a:endParaRPr lang="en-GB"/>
+          </a:p>
+        </p:txBody>
+      </p:sp>
+    </p:spTree>
+    <p:extLst>
+      <p:ext uri="{BB962C8B-B14F-4D97-AF65-F5344CB8AC3E}">
+        <p14:creationId xmlns:p14="http://schemas.microsoft.com/office/powerpoint/2010/main" val="113695456"/>
+      </p:ext>
+    </p:extLst>
+  </p:cSld>
+  <p:clrMapOvr>
+    <a:masterClrMapping/>
+  </p:clrMapOvr>
+  <p:timing>
+    <p:tnLst>
+      <p:par>
+        <p:cTn id="1" dur="indefinite" restart="never" nodeType="tmRoot"/>
+      </p:par>
+    </p:tnLst>
+  </p:timing>
+</p:sld>
+</file>
+
 <file path=ppt/slides/slide39.xml><?xml version="1.0" encoding="utf-8"?>
 <p:sld xmlns:a="http://schemas.openxmlformats.org/drawingml/2006/main" xmlns:r="http://schemas.openxmlformats.org/officeDocument/2006/relationships" xmlns:p="http://schemas.openxmlformats.org/presentationml/2006/main">
   <p:cSld>
@@ -17419,53 +16636,195 @@
             <a:spLocks noGrp="1"/>
           </p:cNvSpPr>
           <p:nvPr>
-            <p:ph type="ctrTitle"/>
+            <p:ph type="title"/>
+          </p:nvPr>
+        </p:nvSpPr>
+        <p:spPr>
+          <a:xfrm>
+            <a:off x="457200" y="274638"/>
+            <a:ext cx="6419056" cy="1143000"/>
+          </a:xfrm>
+        </p:spPr>
+        <p:txBody>
+          <a:bodyPr/>
+          <a:lstStyle/>
+          <a:p>
+            <a:r>
+              <a:rPr lang="en-GB" dirty="0" smtClean="0"/>
+              <a:t>Apache Cassandra</a:t>
+            </a:r>
+            <a:endParaRPr lang="en-GB" dirty="0"/>
+          </a:p>
+        </p:txBody>
+      </p:sp>
+      <p:sp>
+        <p:nvSpPr>
+          <p:cNvPr id="3" name="Content Placeholder 2"/>
+          <p:cNvSpPr>
+            <a:spLocks noGrp="1"/>
+          </p:cNvSpPr>
+          <p:nvPr>
+            <p:ph idx="1"/>
           </p:nvPr>
         </p:nvSpPr>
         <p:spPr/>
         <p:txBody>
-          <a:bodyPr/>
-          <a:lstStyle/>
-          <a:p>
-            <a:r>
-              <a:rPr lang="en-GB" dirty="0" smtClean="0"/>
-              <a:t>(</a:t>
+          <a:bodyPr>
+            <a:normAutofit fontScale="92500" lnSpcReduction="10000"/>
+          </a:bodyPr>
+          <a:lstStyle/>
+          <a:p>
+            <a:r>
+              <a:rPr lang="en-GB" dirty="0" smtClean="0"/>
+              <a:t>AP Store for Structured (Column-Family) Data</a:t>
+            </a:r>
+          </a:p>
+          <a:p>
+            <a:endParaRPr lang="en-GB" dirty="0" smtClean="0"/>
+          </a:p>
+          <a:p>
+            <a:r>
+              <a:rPr lang="en-GB" dirty="0" smtClean="0"/>
+              <a:t>Supported by </a:t>
             </a:r>
             <a:r>
               <a:rPr lang="en-GB" dirty="0" err="1" smtClean="0"/>
-              <a:t>Riak</a:t>
-            </a:r>
-            <a:r>
-              <a:rPr lang="en-GB" dirty="0" smtClean="0"/>
-              <a:t> Demo)</a:t>
+              <a:t>DataStax</a:t>
             </a:r>
             <a:endParaRPr lang="en-GB" dirty="0"/>
           </a:p>
-        </p:txBody>
-      </p:sp>
-      <p:sp>
-        <p:nvSpPr>
-          <p:cNvPr id="3" name="Subtitle 2"/>
-          <p:cNvSpPr>
-            <a:spLocks noGrp="1"/>
-          </p:cNvSpPr>
-          <p:nvPr>
-            <p:ph type="subTitle" idx="1"/>
-          </p:nvPr>
-        </p:nvSpPr>
-        <p:spPr/>
-        <p:txBody>
-          <a:bodyPr/>
-          <a:lstStyle/>
-          <a:p>
-            <a:endParaRPr lang="en-GB"/>
-          </a:p>
-        </p:txBody>
-      </p:sp>
+          <a:p>
+            <a:pPr marL="0" indent="0">
+              <a:buNone/>
+            </a:pPr>
+            <a:r>
+              <a:rPr lang="en-GB" sz="2200" dirty="0" smtClean="0"/>
+              <a:t>	</a:t>
+            </a:r>
+            <a:r>
+              <a:rPr lang="en-GB" sz="1900" i="1" dirty="0" smtClean="0"/>
+              <a:t>Free training - </a:t>
+            </a:r>
+            <a:r>
+              <a:rPr lang="en-GB" sz="1900" i="1" dirty="0" smtClean="0">
+                <a:hlinkClick r:id="rId3"/>
+              </a:rPr>
+              <a:t>www.datastax.com/what-we-offer/products-services/training</a:t>
+            </a:r>
+            <a:r>
+              <a:rPr lang="en-GB" sz="1900" i="1" dirty="0" smtClean="0"/>
+              <a:t> </a:t>
+            </a:r>
+          </a:p>
+          <a:p>
+            <a:pPr marL="0" indent="0">
+              <a:buNone/>
+            </a:pPr>
+            <a:endParaRPr lang="en-GB" dirty="0"/>
+          </a:p>
+          <a:p>
+            <a:r>
+              <a:rPr lang="en-GB" dirty="0" smtClean="0"/>
+              <a:t>Cassandra Query Language</a:t>
+            </a:r>
+          </a:p>
+          <a:p>
+            <a:pPr marL="0" indent="0">
+              <a:buNone/>
+            </a:pPr>
+            <a:r>
+              <a:rPr lang="en-GB" sz="2600" dirty="0"/>
+              <a:t>	</a:t>
+            </a:r>
+            <a:r>
+              <a:rPr lang="en-GB" sz="2600" dirty="0" smtClean="0"/>
+              <a:t>	</a:t>
+            </a:r>
+            <a:r>
+              <a:rPr lang="en-GB" sz="2600" i="1" dirty="0" smtClean="0"/>
+              <a:t>Thrift -&gt; CQL1 -&gt; CQL2 -&gt; CQL3</a:t>
+            </a:r>
+            <a:r>
+              <a:rPr lang="en-GB" sz="2600" dirty="0" smtClean="0"/>
+              <a:t>	</a:t>
+            </a:r>
+          </a:p>
+          <a:p>
+            <a:pPr lvl="1"/>
+            <a:endParaRPr lang="en-GB" dirty="0"/>
+          </a:p>
+          <a:p>
+            <a:r>
+              <a:rPr lang="en-GB" dirty="0" smtClean="0"/>
+              <a:t>Model (superficially) similar to relational</a:t>
+            </a:r>
+          </a:p>
+        </p:txBody>
+      </p:sp>
+      <p:pic>
+        <p:nvPicPr>
+          <p:cNvPr id="4" name="Picture 3"/>
+          <p:cNvPicPr>
+            <a:picLocks noChangeAspect="1"/>
+          </p:cNvPicPr>
+          <p:nvPr/>
+        </p:nvPicPr>
+        <p:blipFill>
+          <a:blip r:embed="rId4" cstate="print">
+            <a:extLst>
+              <a:ext uri="{28A0092B-C50C-407E-A947-70E740481C1C}">
+                <a14:useLocalDpi xmlns:a14="http://schemas.microsoft.com/office/drawing/2010/main" val="0"/>
+              </a:ext>
+            </a:extLst>
+          </a:blip>
+          <a:stretch>
+            <a:fillRect/>
+          </a:stretch>
+        </p:blipFill>
+        <p:spPr>
+          <a:xfrm>
+            <a:off x="7020272" y="496546"/>
+            <a:ext cx="1152128" cy="772214"/>
+          </a:xfrm>
+          <a:prstGeom prst="rect">
+            <a:avLst/>
+          </a:prstGeom>
+        </p:spPr>
+      </p:pic>
+      <p:pic>
+        <p:nvPicPr>
+          <p:cNvPr id="5" name="Picture 4"/>
+          <p:cNvPicPr>
+            <a:picLocks noChangeAspect="1"/>
+          </p:cNvPicPr>
+          <p:nvPr/>
+        </p:nvPicPr>
+        <p:blipFill>
+          <a:blip r:embed="rId5" cstate="print">
+            <a:extLst>
+              <a:ext uri="{28A0092B-C50C-407E-A947-70E740481C1C}">
+                <a14:useLocalDpi xmlns:a14="http://schemas.microsoft.com/office/drawing/2010/main" val="0"/>
+              </a:ext>
+            </a:extLst>
+          </a:blip>
+          <a:stretch>
+            <a:fillRect/>
+          </a:stretch>
+        </p:blipFill>
+        <p:spPr>
+          <a:xfrm>
+            <a:off x="6444208" y="2636912"/>
+            <a:ext cx="1800200" cy="370203"/>
+          </a:xfrm>
+          <a:prstGeom prst="rect">
+            <a:avLst/>
+          </a:prstGeom>
+        </p:spPr>
+      </p:pic>
     </p:spTree>
     <p:extLst>
       <p:ext uri="{BB962C8B-B14F-4D97-AF65-F5344CB8AC3E}">
-        <p14:creationId xmlns:p14="http://schemas.microsoft.com/office/powerpoint/2010/main" val="113695456"/>
+        <p14:creationId xmlns:p14="http://schemas.microsoft.com/office/powerpoint/2010/main" val="2213134705"/>
       </p:ext>
     </p:extLst>
   </p:cSld>
@@ -17748,22 +17107,17 @@
             <a:spLocks noGrp="1"/>
           </p:cNvSpPr>
           <p:nvPr>
-            <p:ph type="title"/>
-          </p:nvPr>
-        </p:nvSpPr>
-        <p:spPr>
-          <a:xfrm>
-            <a:off x="457200" y="274638"/>
-            <a:ext cx="6419056" cy="1143000"/>
-          </a:xfrm>
-        </p:spPr>
+            <p:ph type="ctrTitle"/>
+          </p:nvPr>
+        </p:nvSpPr>
+        <p:spPr/>
         <p:txBody>
           <a:bodyPr/>
           <a:lstStyle/>
           <a:p>
             <a:r>
               <a:rPr lang="en-GB" dirty="0" smtClean="0"/>
-              <a:t>Apache Cassandra</a:t>
+              <a:t>(Cassandra Demo)</a:t>
             </a:r>
             <a:endParaRPr lang="en-GB" dirty="0"/>
           </a:p>
@@ -17771,172 +17125,27 @@
       </p:sp>
       <p:sp>
         <p:nvSpPr>
-          <p:cNvPr id="3" name="Content Placeholder 2"/>
-          <p:cNvSpPr>
-            <a:spLocks noGrp="1"/>
-          </p:cNvSpPr>
-          <p:nvPr>
-            <p:ph idx="1"/>
+          <p:cNvPr id="3" name="Subtitle 2"/>
+          <p:cNvSpPr>
+            <a:spLocks noGrp="1"/>
+          </p:cNvSpPr>
+          <p:nvPr>
+            <p:ph type="subTitle" idx="1"/>
           </p:nvPr>
         </p:nvSpPr>
         <p:spPr/>
         <p:txBody>
-          <a:bodyPr>
-            <a:normAutofit fontScale="92500" lnSpcReduction="10000"/>
-          </a:bodyPr>
-          <a:lstStyle/>
-          <a:p>
-            <a:r>
-              <a:rPr lang="en-GB" dirty="0" smtClean="0"/>
-              <a:t>AP Store for Structured (Column-Family) Data</a:t>
-            </a:r>
-          </a:p>
-          <a:p>
-            <a:endParaRPr lang="en-GB" dirty="0" smtClean="0"/>
-          </a:p>
-          <a:p>
-            <a:r>
-              <a:rPr lang="en-GB" dirty="0" smtClean="0"/>
-              <a:t>Supported by </a:t>
-            </a:r>
-            <a:r>
-              <a:rPr lang="en-GB" dirty="0" err="1" smtClean="0"/>
-              <a:t>DataStax</a:t>
-            </a:r>
-            <a:endParaRPr lang="en-GB" dirty="0"/>
-          </a:p>
-          <a:p>
-            <a:pPr marL="0" indent="0">
-              <a:buNone/>
-            </a:pPr>
-            <a:r>
-              <a:rPr lang="en-GB" sz="2200" dirty="0" smtClean="0"/>
-              <a:t>	</a:t>
-            </a:r>
-            <a:r>
-              <a:rPr lang="en-GB" sz="1900" i="1" dirty="0" smtClean="0"/>
-              <a:t>Free training - </a:t>
-            </a:r>
-            <a:r>
-              <a:rPr lang="en-GB" sz="1900" i="1" dirty="0" smtClean="0">
-                <a:hlinkClick r:id="rId3"/>
-              </a:rPr>
-              <a:t>www.datastax.com/what-we-offer/products-services/training</a:t>
-            </a:r>
-            <a:r>
-              <a:rPr lang="en-GB" sz="1900" i="1" dirty="0" smtClean="0"/>
-              <a:t> </a:t>
-            </a:r>
-          </a:p>
-          <a:p>
-            <a:pPr marL="0" indent="0">
-              <a:buNone/>
-            </a:pPr>
-            <a:endParaRPr lang="en-GB" dirty="0"/>
-          </a:p>
-          <a:p>
-            <a:r>
-              <a:rPr lang="en-GB" dirty="0" smtClean="0"/>
-              <a:t>Cassandra Query Language</a:t>
-            </a:r>
-          </a:p>
-          <a:p>
-            <a:pPr marL="0" indent="0">
-              <a:buNone/>
-            </a:pPr>
-            <a:r>
-              <a:rPr lang="en-GB" sz="2600" dirty="0"/>
-              <a:t>	</a:t>
-            </a:r>
-            <a:r>
-              <a:rPr lang="en-GB" sz="2600" dirty="0" smtClean="0"/>
-              <a:t>	</a:t>
-            </a:r>
-            <a:r>
-              <a:rPr lang="en-GB" sz="2600" i="1" dirty="0" smtClean="0"/>
-              <a:t>Thrift -&gt; CQL1 -&gt; CQL2 -&gt; CQL3</a:t>
-            </a:r>
-            <a:r>
-              <a:rPr lang="en-GB" sz="2600" dirty="0" smtClean="0"/>
-              <a:t>	</a:t>
-            </a:r>
-          </a:p>
-          <a:p>
-            <a:pPr lvl="1"/>
-            <a:endParaRPr lang="en-GB" dirty="0"/>
-          </a:p>
-          <a:p>
-            <a:r>
-              <a:rPr lang="en-GB" dirty="0" smtClean="0"/>
-              <a:t>Model (superficially) similar to relational</a:t>
-            </a:r>
-          </a:p>
-        </p:txBody>
-      </p:sp>
-      <p:pic>
-        <p:nvPicPr>
-          <p:cNvPr id="4" name="Picture 3"/>
-          <p:cNvPicPr>
-            <a:picLocks noChangeAspect="1"/>
-          </p:cNvPicPr>
-          <p:nvPr/>
-        </p:nvPicPr>
-        <p:blipFill>
-          <a:blip r:embed="rId4" cstate="print">
-            <a:extLst>
-              <a:ext uri="{28A0092B-C50C-407E-A947-70E740481C1C}">
-                <a14:useLocalDpi xmlns:a14="http://schemas.microsoft.com/office/drawing/2010/main" val="0"/>
-              </a:ext>
-            </a:extLst>
-          </a:blip>
-          <a:stretch>
-            <a:fillRect/>
-          </a:stretch>
-        </p:blipFill>
-        <p:spPr>
-          <a:xfrm>
-            <a:off x="7020272" y="496546"/>
-            <a:ext cx="1152128" cy="772214"/>
-          </a:xfrm>
-          <a:prstGeom prst="rect">
-            <a:avLst/>
-          </a:prstGeom>
-        </p:spPr>
-      </p:pic>
-      <p:pic>
-        <p:nvPicPr>
-          <p:cNvPr id="5" name="Picture 4"/>
-          <p:cNvPicPr>
-            <a:picLocks noChangeAspect="1"/>
-          </p:cNvPicPr>
-          <p:nvPr/>
-        </p:nvPicPr>
-        <p:blipFill>
-          <a:blip r:embed="rId5" cstate="print">
-            <a:extLst>
-              <a:ext uri="{28A0092B-C50C-407E-A947-70E740481C1C}">
-                <a14:useLocalDpi xmlns:a14="http://schemas.microsoft.com/office/drawing/2010/main" val="0"/>
-              </a:ext>
-            </a:extLst>
-          </a:blip>
-          <a:stretch>
-            <a:fillRect/>
-          </a:stretch>
-        </p:blipFill>
-        <p:spPr>
-          <a:xfrm>
-            <a:off x="6444208" y="2636912"/>
-            <a:ext cx="1800200" cy="370203"/>
-          </a:xfrm>
-          <a:prstGeom prst="rect">
-            <a:avLst/>
-          </a:prstGeom>
-        </p:spPr>
-      </p:pic>
+          <a:bodyPr/>
+          <a:lstStyle/>
+          <a:p>
+            <a:endParaRPr lang="en-GB"/>
+          </a:p>
+        </p:txBody>
+      </p:sp>
     </p:spTree>
     <p:extLst>
       <p:ext uri="{BB962C8B-B14F-4D97-AF65-F5344CB8AC3E}">
-        <p14:creationId xmlns:p14="http://schemas.microsoft.com/office/powerpoint/2010/main" val="2213134705"/>
+        <p14:creationId xmlns:p14="http://schemas.microsoft.com/office/powerpoint/2010/main" val="3763083771"/>
       </p:ext>
     </p:extLst>
   </p:cSld>
@@ -17985,93 +17194,6 @@
             <a:spLocks noGrp="1"/>
           </p:cNvSpPr>
           <p:nvPr>
-            <p:ph type="ctrTitle"/>
-          </p:nvPr>
-        </p:nvSpPr>
-        <p:spPr/>
-        <p:txBody>
-          <a:bodyPr/>
-          <a:lstStyle/>
-          <a:p>
-            <a:r>
-              <a:rPr lang="en-GB" dirty="0" smtClean="0"/>
-              <a:t>(Cassandra Demo)</a:t>
-            </a:r>
-            <a:endParaRPr lang="en-GB" dirty="0"/>
-          </a:p>
-        </p:txBody>
-      </p:sp>
-      <p:sp>
-        <p:nvSpPr>
-          <p:cNvPr id="3" name="Subtitle 2"/>
-          <p:cNvSpPr>
-            <a:spLocks noGrp="1"/>
-          </p:cNvSpPr>
-          <p:nvPr>
-            <p:ph type="subTitle" idx="1"/>
-          </p:nvPr>
-        </p:nvSpPr>
-        <p:spPr/>
-        <p:txBody>
-          <a:bodyPr/>
-          <a:lstStyle/>
-          <a:p>
-            <a:endParaRPr lang="en-GB"/>
-          </a:p>
-        </p:txBody>
-      </p:sp>
-    </p:spTree>
-    <p:extLst>
-      <p:ext uri="{BB962C8B-B14F-4D97-AF65-F5344CB8AC3E}">
-        <p14:creationId xmlns:p14="http://schemas.microsoft.com/office/powerpoint/2010/main" val="3763083771"/>
-      </p:ext>
-    </p:extLst>
-  </p:cSld>
-  <p:clrMapOvr>
-    <a:masterClrMapping/>
-  </p:clrMapOvr>
-  <p:timing>
-    <p:tnLst>
-      <p:par>
-        <p:cTn id="1" dur="indefinite" restart="never" nodeType="tmRoot"/>
-      </p:par>
-    </p:tnLst>
-  </p:timing>
-</p:sld>
-</file>
-
-<file path=ppt/slides/slide42.xml><?xml version="1.0" encoding="utf-8"?>
-<p:sld xmlns:a="http://schemas.openxmlformats.org/drawingml/2006/main" xmlns:r="http://schemas.openxmlformats.org/officeDocument/2006/relationships" xmlns:p="http://schemas.openxmlformats.org/presentationml/2006/main">
-  <p:cSld>
-    <p:bg>
-      <p:bgPr>
-        <a:solidFill>
-          <a:schemeClr val="bg1"/>
-        </a:solidFill>
-        <a:effectLst/>
-      </p:bgPr>
-    </p:bg>
-    <p:spTree>
-      <p:nvGrpSpPr>
-        <p:cNvPr id="1" name=""/>
-        <p:cNvGrpSpPr/>
-        <p:nvPr/>
-      </p:nvGrpSpPr>
-      <p:grpSpPr>
-        <a:xfrm>
-          <a:off x="0" y="0"/>
-          <a:ext cx="0" cy="0"/>
-          <a:chOff x="0" y="0"/>
-          <a:chExt cx="0" cy="0"/>
-        </a:xfrm>
-      </p:grpSpPr>
-      <p:sp>
-        <p:nvSpPr>
-          <p:cNvPr id="2" name="Title 1"/>
-          <p:cNvSpPr>
-            <a:spLocks noGrp="1"/>
-          </p:cNvSpPr>
-          <p:nvPr>
             <p:ph type="title"/>
           </p:nvPr>
         </p:nvSpPr>
@@ -18165,7 +17287,7 @@
 </p:sld>
 </file>
 
-<file path=ppt/slides/slide43.xml><?xml version="1.0" encoding="utf-8"?>
+<file path=ppt/slides/slide42.xml><?xml version="1.0" encoding="utf-8"?>
 <p:sld xmlns:a="http://schemas.openxmlformats.org/drawingml/2006/main" xmlns:r="http://schemas.openxmlformats.org/officeDocument/2006/relationships" xmlns:p="http://schemas.openxmlformats.org/presentationml/2006/main">
   <p:cSld>
     <p:bg>
@@ -18293,7 +17415,7 @@
 </p:sld>
 </file>
 
-<file path=ppt/slides/slide44.xml><?xml version="1.0" encoding="utf-8"?>
+<file path=ppt/slides/slide43.xml><?xml version="1.0" encoding="utf-8"?>
 <p:sld xmlns:a="http://schemas.openxmlformats.org/drawingml/2006/main" xmlns:r="http://schemas.openxmlformats.org/officeDocument/2006/relationships" xmlns:p="http://schemas.openxmlformats.org/presentationml/2006/main">
   <p:cSld>
     <p:bg>
@@ -18556,7 +17678,7 @@
 </p:sld>
 </file>
 
-<file path=ppt/slides/slide45.xml><?xml version="1.0" encoding="utf-8"?>
+<file path=ppt/slides/slide44.xml><?xml version="1.0" encoding="utf-8"?>
 <p:sld xmlns:a="http://schemas.openxmlformats.org/drawingml/2006/main" xmlns:r="http://schemas.openxmlformats.org/officeDocument/2006/relationships" xmlns:p="http://schemas.openxmlformats.org/presentationml/2006/main">
   <p:cSld>
     <p:bg>
@@ -18630,11 +17752,7 @@
             <a:pPr lvl="1"/>
             <a:r>
               <a:rPr lang="en-GB" sz="2400" dirty="0" smtClean="0"/>
-              <a:t>Relational Database </a:t>
-            </a:r>
-            <a:r>
-              <a:rPr lang="en-GB" sz="2400" dirty="0" smtClean="0"/>
-              <a:t>Service</a:t>
+              <a:t>Relational Database Service</a:t>
             </a:r>
           </a:p>
           <a:p>
@@ -18667,7 +17785,6 @@
               <a:rPr lang="en-GB" sz="1600" i="1" dirty="0" smtClean="0"/>
               <a:t>Read-Scaling</a:t>
             </a:r>
-            <a:endParaRPr lang="en-GB" sz="1600" i="1" dirty="0" smtClean="0"/>
           </a:p>
           <a:p>
             <a:pPr lvl="1"/>
@@ -18834,7 +17951,7 @@
 </p:sld>
 </file>
 
-<file path=ppt/slides/slide46.xml><?xml version="1.0" encoding="utf-8"?>
+<file path=ppt/slides/slide45.xml><?xml version="1.0" encoding="utf-8"?>
 <p:sld xmlns:a="http://schemas.openxmlformats.org/drawingml/2006/main" xmlns:r="http://schemas.openxmlformats.org/officeDocument/2006/relationships" xmlns:p="http://schemas.openxmlformats.org/presentationml/2006/main">
   <p:cSld>
     <p:bg>
@@ -18920,7 +18037,6 @@
               <a:rPr lang="en-GB" dirty="0" smtClean="0"/>
               <a:t>Relational</a:t>
             </a:r>
-            <a:endParaRPr lang="en-GB" dirty="0" smtClean="0"/>
           </a:p>
           <a:p>
             <a:pPr lvl="1">
@@ -18993,7 +18109,6 @@
               <a:rPr lang="en-GB" dirty="0" smtClean="0"/>
               <a:t>Analytics</a:t>
             </a:r>
-            <a:endParaRPr lang="en-GB" dirty="0" smtClean="0"/>
           </a:p>
           <a:p>
             <a:pPr lvl="2"/>
@@ -19070,7 +18185,7 @@
 </p:sld>
 </file>
 
-<file path=ppt/slides/slide47.xml><?xml version="1.0" encoding="utf-8"?>
+<file path=ppt/slides/slide46.xml><?xml version="1.0" encoding="utf-8"?>
 <p:sld xmlns:a="http://schemas.openxmlformats.org/drawingml/2006/main" xmlns:r="http://schemas.openxmlformats.org/officeDocument/2006/relationships" xmlns:p="http://schemas.openxmlformats.org/presentationml/2006/main">
   <p:cSld>
     <p:bg>
@@ -19146,26 +18261,14 @@
           <a:p>
             <a:r>
               <a:rPr lang="en-GB" dirty="0" smtClean="0"/>
-              <a:t>Proprietary Microsoft NoSQL </a:t>
-            </a:r>
-            <a:r>
-              <a:rPr lang="en-GB" dirty="0" smtClean="0"/>
-              <a:t>DB</a:t>
+              <a:t>Proprietary Microsoft NoSQL DB</a:t>
             </a:r>
           </a:p>
           <a:p>
             <a:pPr lvl="1"/>
             <a:r>
               <a:rPr lang="en-GB" dirty="0" smtClean="0"/>
-              <a:t>JSON </a:t>
-            </a:r>
-            <a:r>
-              <a:rPr lang="en-GB" dirty="0" smtClean="0"/>
-              <a:t>document </a:t>
-            </a:r>
-            <a:r>
-              <a:rPr lang="en-GB" dirty="0" smtClean="0"/>
-              <a:t>format</a:t>
+              <a:t>JSON document format</a:t>
             </a:r>
             <a:endParaRPr lang="en-GB" dirty="0"/>
           </a:p>
@@ -19177,11 +18280,7 @@
             </a:r>
             <a:r>
               <a:rPr lang="en-GB" dirty="0" smtClean="0"/>
-              <a:t> </a:t>
-            </a:r>
-            <a:r>
-              <a:rPr lang="en-GB" dirty="0" smtClean="0"/>
-              <a:t>Consistency</a:t>
+              <a:t> Consistency</a:t>
             </a:r>
           </a:p>
           <a:p>
@@ -19190,13 +18289,8 @@
           <a:p>
             <a:r>
               <a:rPr lang="en-GB" dirty="0" smtClean="0"/>
-              <a:t>Caveats</a:t>
-            </a:r>
-            <a:r>
-              <a:rPr lang="en-GB" dirty="0" smtClean="0"/>
-              <a:t>:</a:t>
-            </a:r>
-            <a:endParaRPr lang="en-GB" dirty="0" smtClean="0"/>
+              <a:t>Caveats:</a:t>
+            </a:r>
           </a:p>
           <a:p>
             <a:pPr lvl="1"/>
@@ -19266,7 +18360,7 @@
 </p:sld>
 </file>
 
-<file path=ppt/slides/slide48.xml><?xml version="1.0" encoding="utf-8"?>
+<file path=ppt/slides/slide47.xml><?xml version="1.0" encoding="utf-8"?>
 <p:sld xmlns:a="http://schemas.openxmlformats.org/drawingml/2006/main" xmlns:r="http://schemas.openxmlformats.org/officeDocument/2006/relationships" xmlns:p="http://schemas.openxmlformats.org/presentationml/2006/main">
   <p:cSld>
     <p:bg>
@@ -19361,7 +18455,7 @@
 </p:sld>
 </file>
 
-<file path=ppt/slides/slide49.xml><?xml version="1.0" encoding="utf-8"?>
+<file path=ppt/slides/slide48.xml><?xml version="1.0" encoding="utf-8"?>
 <p:sld xmlns:a="http://schemas.openxmlformats.org/drawingml/2006/main" xmlns:r="http://schemas.openxmlformats.org/officeDocument/2006/relationships" xmlns:p="http://schemas.openxmlformats.org/presentationml/2006/main">
   <p:cSld>
     <p:bg>
@@ -19609,126 +18703,7 @@
 </p:sld>
 </file>
 
-<file path=ppt/slides/slide5.xml><?xml version="1.0" encoding="utf-8"?>
-<p:sld xmlns:a="http://schemas.openxmlformats.org/drawingml/2006/main" xmlns:r="http://schemas.openxmlformats.org/officeDocument/2006/relationships" xmlns:p="http://schemas.openxmlformats.org/presentationml/2006/main">
-  <p:cSld>
-    <p:bg>
-      <p:bgPr>
-        <a:solidFill>
-          <a:schemeClr val="bg1"/>
-        </a:solidFill>
-        <a:effectLst/>
-      </p:bgPr>
-    </p:bg>
-    <p:spTree>
-      <p:nvGrpSpPr>
-        <p:cNvPr id="1" name=""/>
-        <p:cNvGrpSpPr/>
-        <p:nvPr/>
-      </p:nvGrpSpPr>
-      <p:grpSpPr>
-        <a:xfrm>
-          <a:off x="0" y="0"/>
-          <a:ext cx="0" cy="0"/>
-          <a:chOff x="0" y="0"/>
-          <a:chExt cx="0" cy="0"/>
-        </a:xfrm>
-      </p:grpSpPr>
-      <p:sp>
-        <p:nvSpPr>
-          <p:cNvPr id="2" name="Title 1"/>
-          <p:cNvSpPr>
-            <a:spLocks noGrp="1"/>
-          </p:cNvSpPr>
-          <p:nvPr>
-            <p:ph type="title"/>
-          </p:nvPr>
-        </p:nvSpPr>
-        <p:spPr/>
-        <p:txBody>
-          <a:bodyPr/>
-          <a:lstStyle/>
-          <a:p>
-            <a:r>
-              <a:rPr lang="en-GB" dirty="0" smtClean="0"/>
-              <a:t>Relational Dominance</a:t>
-            </a:r>
-            <a:endParaRPr lang="en-GB" dirty="0"/>
-          </a:p>
-        </p:txBody>
-      </p:sp>
-      <p:sp>
-        <p:nvSpPr>
-          <p:cNvPr id="3" name="Content Placeholder 2"/>
-          <p:cNvSpPr>
-            <a:spLocks noGrp="1"/>
-          </p:cNvSpPr>
-          <p:nvPr>
-            <p:ph idx="1"/>
-          </p:nvPr>
-        </p:nvSpPr>
-        <p:spPr/>
-        <p:txBody>
-          <a:bodyPr/>
-          <a:lstStyle/>
-          <a:p>
-            <a:r>
-              <a:rPr lang="en-GB" dirty="0" smtClean="0"/>
-              <a:t>1970s – Early 2000s</a:t>
-            </a:r>
-          </a:p>
-          <a:p>
-            <a:endParaRPr lang="en-GB" dirty="0"/>
-          </a:p>
-          <a:p>
-            <a:r>
-              <a:rPr lang="en-GB" dirty="0" smtClean="0"/>
-              <a:t>E.F. </a:t>
-            </a:r>
-            <a:r>
-              <a:rPr lang="en-GB" dirty="0" err="1" smtClean="0"/>
-              <a:t>Codd</a:t>
-            </a:r>
-            <a:r>
-              <a:rPr lang="en-GB" dirty="0" smtClean="0"/>
-              <a:t>  - “A Relational Model of Data for Large Shared Data Banks”</a:t>
-            </a:r>
-          </a:p>
-          <a:p>
-            <a:endParaRPr lang="en-GB" dirty="0"/>
-          </a:p>
-          <a:p>
-            <a:r>
-              <a:rPr lang="en-GB" dirty="0" smtClean="0"/>
-              <a:t>Widespread Adoption, Heavy Vendor Investment</a:t>
-            </a:r>
-          </a:p>
-          <a:p>
-            <a:endParaRPr lang="en-GB" dirty="0"/>
-          </a:p>
-        </p:txBody>
-      </p:sp>
-    </p:spTree>
-    <p:extLst>
-      <p:ext uri="{BB962C8B-B14F-4D97-AF65-F5344CB8AC3E}">
-        <p14:creationId xmlns:p14="http://schemas.microsoft.com/office/powerpoint/2010/main" val="645039834"/>
-      </p:ext>
-    </p:extLst>
-  </p:cSld>
-  <p:clrMapOvr>
-    <a:masterClrMapping/>
-  </p:clrMapOvr>
-  <p:timing>
-    <p:tnLst>
-      <p:par>
-        <p:cTn id="1" dur="indefinite" restart="never" nodeType="tmRoot"/>
-      </p:par>
-    </p:tnLst>
-  </p:timing>
-</p:sld>
-</file>
-
-<file path=ppt/slides/slide50.xml><?xml version="1.0" encoding="utf-8"?>
+<file path=ppt/slides/slide49.xml><?xml version="1.0" encoding="utf-8"?>
 <p:sld xmlns:a="http://schemas.openxmlformats.org/drawingml/2006/main" xmlns:r="http://schemas.openxmlformats.org/officeDocument/2006/relationships" xmlns:p="http://schemas.openxmlformats.org/presentationml/2006/main">
   <p:cSld>
     <p:bg>
@@ -19896,7 +18871,126 @@
 </p:sld>
 </file>
 
-<file path=ppt/slides/slide51.xml><?xml version="1.0" encoding="utf-8"?>
+<file path=ppt/slides/slide5.xml><?xml version="1.0" encoding="utf-8"?>
+<p:sld xmlns:a="http://schemas.openxmlformats.org/drawingml/2006/main" xmlns:r="http://schemas.openxmlformats.org/officeDocument/2006/relationships" xmlns:p="http://schemas.openxmlformats.org/presentationml/2006/main">
+  <p:cSld>
+    <p:bg>
+      <p:bgPr>
+        <a:solidFill>
+          <a:schemeClr val="bg1"/>
+        </a:solidFill>
+        <a:effectLst/>
+      </p:bgPr>
+    </p:bg>
+    <p:spTree>
+      <p:nvGrpSpPr>
+        <p:cNvPr id="1" name=""/>
+        <p:cNvGrpSpPr/>
+        <p:nvPr/>
+      </p:nvGrpSpPr>
+      <p:grpSpPr>
+        <a:xfrm>
+          <a:off x="0" y="0"/>
+          <a:ext cx="0" cy="0"/>
+          <a:chOff x="0" y="0"/>
+          <a:chExt cx="0" cy="0"/>
+        </a:xfrm>
+      </p:grpSpPr>
+      <p:sp>
+        <p:nvSpPr>
+          <p:cNvPr id="2" name="Title 1"/>
+          <p:cNvSpPr>
+            <a:spLocks noGrp="1"/>
+          </p:cNvSpPr>
+          <p:nvPr>
+            <p:ph type="title"/>
+          </p:nvPr>
+        </p:nvSpPr>
+        <p:spPr/>
+        <p:txBody>
+          <a:bodyPr/>
+          <a:lstStyle/>
+          <a:p>
+            <a:r>
+              <a:rPr lang="en-GB" dirty="0" smtClean="0"/>
+              <a:t>Relational Dominance</a:t>
+            </a:r>
+            <a:endParaRPr lang="en-GB" dirty="0"/>
+          </a:p>
+        </p:txBody>
+      </p:sp>
+      <p:sp>
+        <p:nvSpPr>
+          <p:cNvPr id="3" name="Content Placeholder 2"/>
+          <p:cNvSpPr>
+            <a:spLocks noGrp="1"/>
+          </p:cNvSpPr>
+          <p:nvPr>
+            <p:ph idx="1"/>
+          </p:nvPr>
+        </p:nvSpPr>
+        <p:spPr/>
+        <p:txBody>
+          <a:bodyPr/>
+          <a:lstStyle/>
+          <a:p>
+            <a:r>
+              <a:rPr lang="en-GB" dirty="0" smtClean="0"/>
+              <a:t>1970s – Early 2000s</a:t>
+            </a:r>
+          </a:p>
+          <a:p>
+            <a:endParaRPr lang="en-GB" dirty="0"/>
+          </a:p>
+          <a:p>
+            <a:r>
+              <a:rPr lang="en-GB" dirty="0" smtClean="0"/>
+              <a:t>E.F. </a:t>
+            </a:r>
+            <a:r>
+              <a:rPr lang="en-GB" dirty="0" err="1" smtClean="0"/>
+              <a:t>Codd</a:t>
+            </a:r>
+            <a:r>
+              <a:rPr lang="en-GB" dirty="0" smtClean="0"/>
+              <a:t>  - “A Relational Model of Data for Large Shared Data Banks”</a:t>
+            </a:r>
+          </a:p>
+          <a:p>
+            <a:endParaRPr lang="en-GB" dirty="0"/>
+          </a:p>
+          <a:p>
+            <a:r>
+              <a:rPr lang="en-GB" dirty="0" smtClean="0"/>
+              <a:t>Widespread Adoption, Heavy Vendor Investment</a:t>
+            </a:r>
+          </a:p>
+          <a:p>
+            <a:endParaRPr lang="en-GB" dirty="0"/>
+          </a:p>
+        </p:txBody>
+      </p:sp>
+    </p:spTree>
+    <p:extLst>
+      <p:ext uri="{BB962C8B-B14F-4D97-AF65-F5344CB8AC3E}">
+        <p14:creationId xmlns:p14="http://schemas.microsoft.com/office/powerpoint/2010/main" val="645039834"/>
+      </p:ext>
+    </p:extLst>
+  </p:cSld>
+  <p:clrMapOvr>
+    <a:masterClrMapping/>
+  </p:clrMapOvr>
+  <p:timing>
+    <p:tnLst>
+      <p:par>
+        <p:cTn id="1" dur="indefinite" restart="never" nodeType="tmRoot"/>
+      </p:par>
+    </p:tnLst>
+  </p:timing>
+</p:sld>
+</file>
+
+<file path=ppt/slides/slide50.xml><?xml version="1.0" encoding="utf-8"?>
 <p:sld xmlns:a="http://schemas.openxmlformats.org/drawingml/2006/main" xmlns:r="http://schemas.openxmlformats.org/officeDocument/2006/relationships" xmlns:p="http://schemas.openxmlformats.org/presentationml/2006/main">
   <p:cSld>
     <p:bg>
@@ -20931,17 +20025,9 @@
 </p:sld>
 </file>
 
-<file path=ppt/slides/slide52.xml><?xml version="1.0" encoding="utf-8"?>
+<file path=ppt/slides/slide51.xml><?xml version="1.0" encoding="utf-8"?>
 <p:sld xmlns:a="http://schemas.openxmlformats.org/drawingml/2006/main" xmlns:r="http://schemas.openxmlformats.org/officeDocument/2006/relationships" xmlns:p="http://schemas.openxmlformats.org/presentationml/2006/main">
   <p:cSld>
-    <p:bg>
-      <p:bgPr>
-        <a:solidFill>
-          <a:schemeClr val="bg1"/>
-        </a:solidFill>
-        <a:effectLst/>
-      </p:bgPr>
-    </p:bg>
     <p:spTree>
       <p:nvGrpSpPr>
         <p:cNvPr id="1" name=""/>
@@ -21040,6 +20126,73 @@
     <p:extLst>
       <p:ext uri="{BB962C8B-B14F-4D97-AF65-F5344CB8AC3E}">
         <p14:creationId xmlns:p14="http://schemas.microsoft.com/office/powerpoint/2010/main" val="1303029299"/>
+      </p:ext>
+    </p:extLst>
+  </p:cSld>
+  <p:clrMapOvr>
+    <a:masterClrMapping/>
+  </p:clrMapOvr>
+  <p:timing>
+    <p:tnLst>
+      <p:par>
+        <p:cTn id="1" dur="indefinite" restart="never" nodeType="tmRoot"/>
+      </p:par>
+    </p:tnLst>
+  </p:timing>
+</p:sld>
+</file>
+
+<file path=ppt/slides/slide52.xml><?xml version="1.0" encoding="utf-8"?>
+<p:sld xmlns:a="http://schemas.openxmlformats.org/drawingml/2006/main" xmlns:r="http://schemas.openxmlformats.org/officeDocument/2006/relationships" xmlns:p="http://schemas.openxmlformats.org/presentationml/2006/main">
+  <p:cSld>
+    <p:spTree>
+      <p:nvGrpSpPr>
+        <p:cNvPr id="1" name=""/>
+        <p:cNvGrpSpPr/>
+        <p:nvPr/>
+      </p:nvGrpSpPr>
+      <p:grpSpPr>
+        <a:xfrm>
+          <a:off x="0" y="0"/>
+          <a:ext cx="0" cy="0"/>
+          <a:chOff x="0" y="0"/>
+          <a:chExt cx="0" cy="0"/>
+        </a:xfrm>
+      </p:grpSpPr>
+      <p:pic>
+        <p:nvPicPr>
+          <p:cNvPr id="3" name="Picture 2"/>
+          <p:cNvPicPr>
+            <a:picLocks noChangeAspect="1"/>
+          </p:cNvPicPr>
+          <p:nvPr/>
+        </p:nvPicPr>
+        <p:blipFill>
+          <a:blip r:embed="rId2">
+            <a:extLst>
+              <a:ext uri="{28A0092B-C50C-407E-A947-70E740481C1C}">
+                <a14:useLocalDpi xmlns:a14="http://schemas.microsoft.com/office/drawing/2010/main" val="0"/>
+              </a:ext>
+            </a:extLst>
+          </a:blip>
+          <a:stretch>
+            <a:fillRect/>
+          </a:stretch>
+        </p:blipFill>
+        <p:spPr>
+          <a:xfrm>
+            <a:off x="467544" y="469908"/>
+            <a:ext cx="8208912" cy="5839412"/>
+          </a:xfrm>
+          <a:prstGeom prst="rect">
+            <a:avLst/>
+          </a:prstGeom>
+        </p:spPr>
+      </p:pic>
+    </p:spTree>
+    <p:extLst>
+      <p:ext uri="{BB962C8B-B14F-4D97-AF65-F5344CB8AC3E}">
+        <p14:creationId xmlns:p14="http://schemas.microsoft.com/office/powerpoint/2010/main" val="3187523074"/>
       </p:ext>
     </p:extLst>
   </p:cSld>
@@ -21324,11 +20477,7 @@
             </a:r>
             <a:r>
               <a:rPr lang="en-GB" sz="2400" i="1" dirty="0" smtClean="0"/>
-              <a:t>, Flume</a:t>
-            </a:r>
-            <a:r>
-              <a:rPr lang="en-GB" sz="2400" i="1" dirty="0" smtClean="0"/>
-              <a:t>, </a:t>
+              <a:t>, Flume, </a:t>
             </a:r>
             <a:r>
               <a:rPr lang="en-GB" sz="2400" i="1" dirty="0" err="1" smtClean="0"/>
@@ -22577,11 +21726,7 @@
           <a:p>
             <a:r>
               <a:rPr lang="en-GB" dirty="0" smtClean="0"/>
-              <a:t>“Polyglot </a:t>
-            </a:r>
-            <a:r>
-              <a:rPr lang="en-GB" dirty="0" smtClean="0"/>
-              <a:t>Persistence”</a:t>
+              <a:t>“Polyglot Persistence”</a:t>
             </a:r>
             <a:endParaRPr lang="en-GB" dirty="0"/>
           </a:p>
@@ -22615,7 +21760,6 @@
               <a:rPr lang="en-GB" dirty="0" smtClean="0"/>
               <a:t>Different Business Processes</a:t>
             </a:r>
-            <a:endParaRPr lang="en-GB" dirty="0" smtClean="0"/>
           </a:p>
           <a:p>
             <a:endParaRPr lang="en-GB" dirty="0" smtClean="0"/>

--- a/Slides/Not Only SQL - Picking A Database for DotNET.pptx
+++ b/Slides/Not Only SQL - Picking A Database for DotNET.pptx
@@ -22175,30 +22175,17 @@
           <a:p>
             <a:r>
               <a:rPr lang="en-GB" dirty="0" smtClean="0"/>
-              <a:t>Traditional application/ BI division</a:t>
-            </a:r>
-          </a:p>
-          <a:p>
-            <a:pPr lvl="1"/>
-            <a:r>
-              <a:rPr lang="en-GB" dirty="0" smtClean="0"/>
-              <a:t>“Operational Data Store”</a:t>
-            </a:r>
-          </a:p>
-          <a:p>
-            <a:pPr lvl="1"/>
-            <a:r>
-              <a:rPr lang="en-GB" dirty="0" smtClean="0"/>
-              <a:t>Data Warehouse/ Marts</a:t>
-            </a:r>
-          </a:p>
-          <a:p>
-            <a:pPr lvl="1"/>
+              <a:t>Old-World – OLTP vs </a:t>
+            </a:r>
             <a:r>
               <a:rPr lang="en-GB" dirty="0"/>
-              <a:t>OLTP/ OLAP</a:t>
-            </a:r>
-            <a:endParaRPr lang="en-GB" dirty="0" smtClean="0"/>
+              <a:t>OLAP – </a:t>
+            </a:r>
+            <a:r>
+              <a:rPr lang="en-GB" u="sng" dirty="0" smtClean="0"/>
+              <a:t>Relational</a:t>
+            </a:r>
+            <a:endParaRPr lang="en-GB" u="sng" dirty="0" smtClean="0"/>
           </a:p>
           <a:p>
             <a:pPr marL="0" indent="0">
@@ -22209,7 +22196,35 @@
           <a:p>
             <a:r>
               <a:rPr lang="en-GB" dirty="0" smtClean="0"/>
-              <a:t>Newer solutions (e.g., Cassandra &amp; Hadoop)</a:t>
+              <a:t>New-World :</a:t>
+            </a:r>
+          </a:p>
+          <a:p>
+            <a:pPr lvl="1"/>
+            <a:r>
+              <a:rPr lang="en-GB" dirty="0" smtClean="0"/>
+              <a:t>Separate Analytics (Hadoop, etc.)</a:t>
+            </a:r>
+          </a:p>
+          <a:p>
+            <a:pPr lvl="1"/>
+            <a:r>
+              <a:rPr lang="en-GB" dirty="0" smtClean="0"/>
+              <a:t>Integrate with (e.g.) Cassandra</a:t>
+            </a:r>
+          </a:p>
+          <a:p>
+            <a:pPr lvl="1"/>
+            <a:r>
+              <a:rPr lang="en-GB" dirty="0" smtClean="0"/>
+              <a:t>Streaming Analytics</a:t>
+            </a:r>
+          </a:p>
+          <a:p>
+            <a:pPr lvl="1"/>
+            <a:r>
+              <a:rPr lang="en-GB" dirty="0" smtClean="0"/>
+              <a:t>Lambda Architecture</a:t>
             </a:r>
             <a:endParaRPr lang="en-GB" dirty="0"/>
           </a:p>
@@ -22393,7 +22408,7 @@
       </p:grpSpPr>
       <p:pic>
         <p:nvPicPr>
-          <p:cNvPr id="2" name="Picture 1"/>
+          <p:cNvPr id="3" name="Picture 2"/>
           <p:cNvPicPr>
             <a:picLocks noChangeAspect="1"/>
           </p:cNvPicPr>
@@ -22413,8 +22428,8 @@
         </p:blipFill>
         <p:spPr>
           <a:xfrm>
-            <a:off x="410300" y="620687"/>
-            <a:ext cx="8338164" cy="5616625"/>
+            <a:off x="432048" y="476672"/>
+            <a:ext cx="8316416" cy="5693910"/>
           </a:xfrm>
           <a:prstGeom prst="rect">
             <a:avLst/>

--- a/Slides/Not Only SQL - Picking A Database for DotNET.pptx
+++ b/Slides/Not Only SQL - Picking A Database for DotNET.pptx
@@ -5,7 +5,7 @@
     <p:sldMasterId id="2147483648" r:id="rId1"/>
   </p:sldMasterIdLst>
   <p:notesMasterIdLst>
-    <p:notesMasterId r:id="rId53"/>
+    <p:notesMasterId r:id="rId50"/>
   </p:notesMasterIdLst>
   <p:sldIdLst>
     <p:sldId id="256" r:id="rId2"/>
@@ -14,51 +14,48 @@
     <p:sldId id="259" r:id="rId5"/>
     <p:sldId id="316" r:id="rId6"/>
     <p:sldId id="318" r:id="rId7"/>
-    <p:sldId id="323" r:id="rId8"/>
-    <p:sldId id="347" r:id="rId9"/>
-    <p:sldId id="276" r:id="rId10"/>
-    <p:sldId id="324" r:id="rId11"/>
-    <p:sldId id="277" r:id="rId12"/>
-    <p:sldId id="325" r:id="rId13"/>
-    <p:sldId id="280" r:id="rId14"/>
-    <p:sldId id="281" r:id="rId15"/>
-    <p:sldId id="283" r:id="rId16"/>
-    <p:sldId id="284" r:id="rId17"/>
-    <p:sldId id="285" r:id="rId18"/>
-    <p:sldId id="289" r:id="rId19"/>
-    <p:sldId id="327" r:id="rId20"/>
-    <p:sldId id="345" r:id="rId21"/>
-    <p:sldId id="290" r:id="rId22"/>
-    <p:sldId id="295" r:id="rId23"/>
-    <p:sldId id="296" r:id="rId24"/>
-    <p:sldId id="297" r:id="rId25"/>
-    <p:sldId id="314" r:id="rId26"/>
-    <p:sldId id="333" r:id="rId27"/>
-    <p:sldId id="328" r:id="rId28"/>
-    <p:sldId id="331" r:id="rId29"/>
-    <p:sldId id="330" r:id="rId30"/>
-    <p:sldId id="337" r:id="rId31"/>
-    <p:sldId id="338" r:id="rId32"/>
-    <p:sldId id="339" r:id="rId33"/>
-    <p:sldId id="335" r:id="rId34"/>
-    <p:sldId id="336" r:id="rId35"/>
-    <p:sldId id="326" r:id="rId36"/>
-    <p:sldId id="329" r:id="rId37"/>
-    <p:sldId id="305" r:id="rId38"/>
-    <p:sldId id="306" r:id="rId39"/>
-    <p:sldId id="307" r:id="rId40"/>
-    <p:sldId id="344" r:id="rId41"/>
-    <p:sldId id="341" r:id="rId42"/>
-    <p:sldId id="340" r:id="rId43"/>
-    <p:sldId id="309" r:id="rId44"/>
-    <p:sldId id="302" r:id="rId45"/>
-    <p:sldId id="346" r:id="rId46"/>
-    <p:sldId id="332" r:id="rId47"/>
-    <p:sldId id="311" r:id="rId48"/>
-    <p:sldId id="267" r:id="rId49"/>
-    <p:sldId id="343" r:id="rId50"/>
-    <p:sldId id="268" r:id="rId51"/>
-    <p:sldId id="272" r:id="rId52"/>
+    <p:sldId id="283" r:id="rId8"/>
+    <p:sldId id="323" r:id="rId9"/>
+    <p:sldId id="347" r:id="rId10"/>
+    <p:sldId id="327" r:id="rId11"/>
+    <p:sldId id="290" r:id="rId12"/>
+    <p:sldId id="276" r:id="rId13"/>
+    <p:sldId id="324" r:id="rId14"/>
+    <p:sldId id="277" r:id="rId15"/>
+    <p:sldId id="325" r:id="rId16"/>
+    <p:sldId id="280" r:id="rId17"/>
+    <p:sldId id="281" r:id="rId18"/>
+    <p:sldId id="284" r:id="rId19"/>
+    <p:sldId id="285" r:id="rId20"/>
+    <p:sldId id="289" r:id="rId21"/>
+    <p:sldId id="295" r:id="rId22"/>
+    <p:sldId id="296" r:id="rId23"/>
+    <p:sldId id="333" r:id="rId24"/>
+    <p:sldId id="328" r:id="rId25"/>
+    <p:sldId id="331" r:id="rId26"/>
+    <p:sldId id="330" r:id="rId27"/>
+    <p:sldId id="337" r:id="rId28"/>
+    <p:sldId id="338" r:id="rId29"/>
+    <p:sldId id="339" r:id="rId30"/>
+    <p:sldId id="335" r:id="rId31"/>
+    <p:sldId id="336" r:id="rId32"/>
+    <p:sldId id="326" r:id="rId33"/>
+    <p:sldId id="329" r:id="rId34"/>
+    <p:sldId id="305" r:id="rId35"/>
+    <p:sldId id="306" r:id="rId36"/>
+    <p:sldId id="307" r:id="rId37"/>
+    <p:sldId id="344" r:id="rId38"/>
+    <p:sldId id="341" r:id="rId39"/>
+    <p:sldId id="340" r:id="rId40"/>
+    <p:sldId id="309" r:id="rId41"/>
+    <p:sldId id="302" r:id="rId42"/>
+    <p:sldId id="346" r:id="rId43"/>
+    <p:sldId id="332" r:id="rId44"/>
+    <p:sldId id="311" r:id="rId45"/>
+    <p:sldId id="267" r:id="rId46"/>
+    <p:sldId id="343" r:id="rId47"/>
+    <p:sldId id="268" r:id="rId48"/>
+    <p:sldId id="272" r:id="rId49"/>
   </p:sldIdLst>
   <p:sldSz cx="9144000" cy="6858000" type="screen4x3"/>
   <p:notesSz cx="6858000" cy="9144000"/>
@@ -172,12 +169,19 @@
             <p14:sldId id="259"/>
             <p14:sldId id="316"/>
             <p14:sldId id="318"/>
+            <p14:sldId id="283"/>
           </p14:sldIdLst>
         </p14:section>
         <p14:section name="Serialization" id="{F65E2DF1-E0AD-42D2-8BA4-F0C7101E4368}">
           <p14:sldIdLst>
             <p14:sldId id="323"/>
             <p14:sldId id="347"/>
+          </p14:sldIdLst>
+        </p14:section>
+        <p14:section name="Document Databases/ MongoDB" id="{BDC13D3E-AFB0-4C47-9028-19099FE45D5B}">
+          <p14:sldIdLst>
+            <p14:sldId id="327"/>
+            <p14:sldId id="290"/>
           </p14:sldIdLst>
         </p14:section>
         <p14:section name="Scalability (Relational)" id="{B2F08BAC-3FB6-4021-8595-21CEAC80FD9A}">
@@ -192,25 +196,15 @@
         </p14:section>
         <p14:section name="NoSQL &amp; CAP Theorem" id="{2E6C02D4-0032-4DA3-9CD1-3D8498C4A07E}">
           <p14:sldIdLst>
-            <p14:sldId id="283"/>
             <p14:sldId id="284"/>
             <p14:sldId id="285"/>
             <p14:sldId id="289"/>
-          </p14:sldIdLst>
-        </p14:section>
-        <p14:section name="Document Databases/ MongoDB" id="{E655A865-53EA-482B-B2F2-2C10D4372D9A}">
-          <p14:sldIdLst>
-            <p14:sldId id="327"/>
-            <p14:sldId id="345"/>
-            <p14:sldId id="290"/>
           </p14:sldIdLst>
         </p14:section>
         <p14:section name="AP - Riak &amp; Cassandra" id="{BD5FAAEB-85ED-43B1-9F71-45F33E59E497}">
           <p14:sldIdLst>
             <p14:sldId id="295"/>
             <p14:sldId id="296"/>
-            <p14:sldId id="297"/>
-            <p14:sldId id="314"/>
           </p14:sldIdLst>
         </p14:section>
         <p14:section name="Riak" id="{FEC1A9D6-5CA8-4E0D-A207-A95678A39932}">
@@ -351,7 +345,7 @@
           <a:p>
             <a:fld id="{4B8F0AD9-C137-4A52-8600-32592EF064CA}" type="datetimeFigureOut">
               <a:rPr lang="en-GB" smtClean="0"/>
-              <a:t>26/04/2015</a:t>
+              <a:t>27/04/2015</a:t>
             </a:fld>
             <a:endParaRPr lang="en-GB"/>
           </a:p>
@@ -747,67 +741,7 @@
           <a:bodyPr/>
           <a:lstStyle/>
           <a:p>
-            <a:r>
-              <a:rPr lang="en-GB" dirty="0" smtClean="0"/>
-              <a:t>One of the</a:t>
-            </a:r>
-            <a:r>
-              <a:rPr lang="en-GB" baseline="0" dirty="0" smtClean="0"/>
-              <a:t> main ways that most database systems (including relational) can be scaled up horizontally for write workloads is through </a:t>
-            </a:r>
-            <a:r>
-              <a:rPr lang="en-GB" baseline="0" dirty="0" err="1" smtClean="0"/>
-              <a:t>sharding</a:t>
-            </a:r>
-            <a:r>
-              <a:rPr lang="en-GB" baseline="0" dirty="0" smtClean="0"/>
-              <a:t>.</a:t>
-            </a:r>
-          </a:p>
-          <a:p>
-            <a:r>
-              <a:rPr lang="en-GB" baseline="0" dirty="0" smtClean="0"/>
-              <a:t>At the highest level, </a:t>
-            </a:r>
-            <a:r>
-              <a:rPr lang="en-GB" baseline="0" dirty="0" err="1" smtClean="0"/>
-              <a:t>sharding</a:t>
-            </a:r>
-            <a:r>
-              <a:rPr lang="en-GB" baseline="0" dirty="0" smtClean="0"/>
-              <a:t> is relatively straightforward.  We store distinct parts of the data on each of several nodes.  Each node handles both reads and writes, so we can handle plenty of both types of traffic.</a:t>
-            </a:r>
-          </a:p>
-          <a:p>
-            <a:pPr marL="0" marR="0" indent="0" algn="l" defTabSz="914400" rtl="0" eaLnBrk="1" fontAlgn="auto" latinLnBrk="0" hangingPunct="1">
-              <a:lnSpc>
-                <a:spcPct val="100000"/>
-              </a:lnSpc>
-              <a:spcBef>
-                <a:spcPts val="0"/>
-              </a:spcBef>
-              <a:spcAft>
-                <a:spcPts val="0"/>
-              </a:spcAft>
-              <a:buClrTx/>
-              <a:buSzTx/>
-              <a:buFontTx/>
-              <a:buNone/>
-              <a:tabLst/>
-              <a:defRPr/>
-            </a:pPr>
-            <a:r>
-              <a:rPr lang="en-GB" baseline="0" dirty="0" smtClean="0"/>
-              <a:t>However – the devil is in the detail – what strategy do we use to distribute the data? – making sure our application knows where to send data to and retrieve it from?  How do we make sure we keep data sufficiently and evenly distributed?  This can add complexity to </a:t>
-            </a:r>
-            <a:r>
-              <a:rPr lang="en-GB" baseline="0" dirty="0" err="1" smtClean="0"/>
-              <a:t>sharding</a:t>
-            </a:r>
-            <a:r>
-              <a:rPr lang="en-GB" baseline="0" dirty="0" smtClean="0"/>
-              <a:t>, and traditional relational databases don’t always make this easy “out of the box”.</a:t>
-            </a:r>
+            <a:endParaRPr lang="en-GB" dirty="0"/>
           </a:p>
         </p:txBody>
       </p:sp>
@@ -837,7 +771,7 @@
     </p:spTree>
     <p:extLst>
       <p:ext uri="{BB962C8B-B14F-4D97-AF65-F5344CB8AC3E}">
-        <p14:creationId xmlns:p14="http://schemas.microsoft.com/office/powerpoint/2010/main" val="915869242"/>
+        <p14:creationId xmlns:p14="http://schemas.microsoft.com/office/powerpoint/2010/main" val="2536771516"/>
       </p:ext>
     </p:extLst>
   </p:cSld>
@@ -891,7 +825,48 @@
           <a:bodyPr/>
           <a:lstStyle/>
           <a:p>
-            <a:endParaRPr lang="en-GB" baseline="0" dirty="0" smtClean="0"/>
+            <a:r>
+              <a:rPr lang="en-GB" dirty="0" smtClean="0"/>
+              <a:t>The feasibility</a:t>
+            </a:r>
+            <a:r>
+              <a:rPr lang="en-GB" baseline="0" dirty="0" smtClean="0"/>
+              <a:t> of scaling horizontally really depends on the required workload.  If we’re dealing mostly with reads, we can use what’s called master-slave replication.  Basically, there is still one definitive version of the data – the master – and all writes are sent there.  We then push data out (replication techniques vary…) to copies of the master – these are the slaves.  These multiple servers allow us to respond to many more read requests.</a:t>
+            </a:r>
+          </a:p>
+          <a:p>
+            <a:r>
+              <a:rPr lang="en-GB" baseline="0" dirty="0" smtClean="0"/>
+              <a:t>The key thing to note here is that there is still only a single server for the write workload, and if anything it is doing more work than before (it also has to do some sort of work to broadcast changes to the slaves).  So if we have a lot of writes, we are going to either run into the same problems with vertical scaling as before, or need to move to an alternative (probably more complex) architecture.</a:t>
+            </a:r>
+          </a:p>
+          <a:p>
+            <a:pPr marL="0" marR="0" indent="0" algn="l" defTabSz="914400" rtl="0" eaLnBrk="1" fontAlgn="auto" latinLnBrk="0" hangingPunct="1">
+              <a:lnSpc>
+                <a:spcPct val="100000"/>
+              </a:lnSpc>
+              <a:spcBef>
+                <a:spcPts val="0"/>
+              </a:spcBef>
+              <a:spcAft>
+                <a:spcPts val="0"/>
+              </a:spcAft>
+              <a:buClrTx/>
+              <a:buSzTx/>
+              <a:buFontTx/>
+              <a:buNone/>
+              <a:tabLst/>
+              <a:defRPr/>
+            </a:pPr>
+            <a:r>
+              <a:rPr lang="en-GB" dirty="0" smtClean="0"/>
+              <a:t>NB: A “write-heavy” workload doesn’t need to mean a strict majority</a:t>
+            </a:r>
+            <a:r>
+              <a:rPr lang="en-GB" baseline="0" dirty="0" smtClean="0"/>
+              <a:t> of requests are writes, just that there are enough that this architecture of having one master, many slaves is not going to work.</a:t>
+            </a:r>
+            <a:endParaRPr lang="en-GB" dirty="0" smtClean="0"/>
           </a:p>
         </p:txBody>
       </p:sp>
@@ -912,7 +887,7 @@
           <a:p>
             <a:fld id="{B88E1A96-A68C-4ED7-8535-7FE27C72D2F0}" type="slidenum">
               <a:rPr lang="en-GB" smtClean="0"/>
-              <a:t>15</a:t>
+              <a:t>16</a:t>
             </a:fld>
             <a:endParaRPr lang="en-GB"/>
           </a:p>
@@ -921,7 +896,7 @@
     </p:spTree>
     <p:extLst>
       <p:ext uri="{BB962C8B-B14F-4D97-AF65-F5344CB8AC3E}">
-        <p14:creationId xmlns:p14="http://schemas.microsoft.com/office/powerpoint/2010/main" val="2584747744"/>
+        <p14:creationId xmlns:p14="http://schemas.microsoft.com/office/powerpoint/2010/main" val="915869242"/>
       </p:ext>
     </p:extLst>
   </p:cSld>
@@ -975,7 +950,67 @@
           <a:bodyPr/>
           <a:lstStyle/>
           <a:p>
-            <a:endParaRPr lang="en-GB" dirty="0"/>
+            <a:r>
+              <a:rPr lang="en-GB" dirty="0" smtClean="0"/>
+              <a:t>One of the</a:t>
+            </a:r>
+            <a:r>
+              <a:rPr lang="en-GB" baseline="0" dirty="0" smtClean="0"/>
+              <a:t> main ways that most database systems (including relational) can be scaled up horizontally for write workloads is through </a:t>
+            </a:r>
+            <a:r>
+              <a:rPr lang="en-GB" baseline="0" dirty="0" err="1" smtClean="0"/>
+              <a:t>sharding</a:t>
+            </a:r>
+            <a:r>
+              <a:rPr lang="en-GB" baseline="0" dirty="0" smtClean="0"/>
+              <a:t>.</a:t>
+            </a:r>
+          </a:p>
+          <a:p>
+            <a:r>
+              <a:rPr lang="en-GB" baseline="0" dirty="0" smtClean="0"/>
+              <a:t>At the highest level, </a:t>
+            </a:r>
+            <a:r>
+              <a:rPr lang="en-GB" baseline="0" dirty="0" err="1" smtClean="0"/>
+              <a:t>sharding</a:t>
+            </a:r>
+            <a:r>
+              <a:rPr lang="en-GB" baseline="0" dirty="0" smtClean="0"/>
+              <a:t> is relatively straightforward.  We store distinct parts of the data on each of several nodes.  Each node handles both reads and writes, so we can handle plenty of both types of traffic.</a:t>
+            </a:r>
+          </a:p>
+          <a:p>
+            <a:pPr marL="0" marR="0" indent="0" algn="l" defTabSz="914400" rtl="0" eaLnBrk="1" fontAlgn="auto" latinLnBrk="0" hangingPunct="1">
+              <a:lnSpc>
+                <a:spcPct val="100000"/>
+              </a:lnSpc>
+              <a:spcBef>
+                <a:spcPts val="0"/>
+              </a:spcBef>
+              <a:spcAft>
+                <a:spcPts val="0"/>
+              </a:spcAft>
+              <a:buClrTx/>
+              <a:buSzTx/>
+              <a:buFontTx/>
+              <a:buNone/>
+              <a:tabLst/>
+              <a:defRPr/>
+            </a:pPr>
+            <a:r>
+              <a:rPr lang="en-GB" baseline="0" dirty="0" smtClean="0"/>
+              <a:t>However – the devil is in the detail – what strategy do we use to distribute the data? – making sure our application knows where to send data to and retrieve it from?  How do we make sure we keep data sufficiently and evenly distributed?  This can add complexity to </a:t>
+            </a:r>
+            <a:r>
+              <a:rPr lang="en-GB" baseline="0" dirty="0" err="1" smtClean="0"/>
+              <a:t>sharding</a:t>
+            </a:r>
+            <a:r>
+              <a:rPr lang="en-GB" baseline="0" dirty="0" smtClean="0"/>
+              <a:t>, and traditional relational databases don’t always make this easy “out of the box”.</a:t>
+            </a:r>
           </a:p>
         </p:txBody>
       </p:sp>
@@ -996,7 +1031,7 @@
           <a:p>
             <a:fld id="{B88E1A96-A68C-4ED7-8535-7FE27C72D2F0}" type="slidenum">
               <a:rPr lang="en-GB" smtClean="0"/>
-              <a:t>16</a:t>
+              <a:t>17</a:t>
             </a:fld>
             <a:endParaRPr lang="en-GB"/>
           </a:p>
@@ -1005,7 +1040,7 @@
     </p:spTree>
     <p:extLst>
       <p:ext uri="{BB962C8B-B14F-4D97-AF65-F5344CB8AC3E}">
-        <p14:creationId xmlns:p14="http://schemas.microsoft.com/office/powerpoint/2010/main" val="3248895338"/>
+        <p14:creationId xmlns:p14="http://schemas.microsoft.com/office/powerpoint/2010/main" val="915869242"/>
       </p:ext>
     </p:extLst>
   </p:cSld>
@@ -1080,7 +1115,7 @@
           <a:p>
             <a:fld id="{B88E1A96-A68C-4ED7-8535-7FE27C72D2F0}" type="slidenum">
               <a:rPr lang="en-GB" smtClean="0"/>
-              <a:t>17</a:t>
+              <a:t>18</a:t>
             </a:fld>
             <a:endParaRPr lang="en-GB"/>
           </a:p>
@@ -1089,7 +1124,7 @@
     </p:spTree>
     <p:extLst>
       <p:ext uri="{BB962C8B-B14F-4D97-AF65-F5344CB8AC3E}">
-        <p14:creationId xmlns:p14="http://schemas.microsoft.com/office/powerpoint/2010/main" val="982279908"/>
+        <p14:creationId xmlns:p14="http://schemas.microsoft.com/office/powerpoint/2010/main" val="3248895338"/>
       </p:ext>
     </p:extLst>
   </p:cSld>
@@ -1143,7 +1178,7 @@
           <a:bodyPr/>
           <a:lstStyle/>
           <a:p>
-            <a:endParaRPr lang="en-GB" baseline="0" dirty="0" smtClean="0"/>
+            <a:endParaRPr lang="en-GB" dirty="0"/>
           </a:p>
         </p:txBody>
       </p:sp>
@@ -1164,7 +1199,7 @@
           <a:p>
             <a:fld id="{B88E1A96-A68C-4ED7-8535-7FE27C72D2F0}" type="slidenum">
               <a:rPr lang="en-GB" smtClean="0"/>
-              <a:t>18</a:t>
+              <a:t>19</a:t>
             </a:fld>
             <a:endParaRPr lang="en-GB"/>
           </a:p>
@@ -1173,7 +1208,7 @@
     </p:spTree>
     <p:extLst>
       <p:ext uri="{BB962C8B-B14F-4D97-AF65-F5344CB8AC3E}">
-        <p14:creationId xmlns:p14="http://schemas.microsoft.com/office/powerpoint/2010/main" val="2777403628"/>
+        <p14:creationId xmlns:p14="http://schemas.microsoft.com/office/powerpoint/2010/main" val="982279908"/>
       </p:ext>
     </p:extLst>
   </p:cSld>
@@ -1227,7 +1262,7 @@
           <a:bodyPr/>
           <a:lstStyle/>
           <a:p>
-            <a:endParaRPr lang="en-GB" dirty="0"/>
+            <a:endParaRPr lang="en-GB" baseline="0" dirty="0" smtClean="0"/>
           </a:p>
         </p:txBody>
       </p:sp>
@@ -1248,7 +1283,7 @@
           <a:p>
             <a:fld id="{B88E1A96-A68C-4ED7-8535-7FE27C72D2F0}" type="slidenum">
               <a:rPr lang="en-GB" smtClean="0"/>
-              <a:t>21</a:t>
+              <a:t>20</a:t>
             </a:fld>
             <a:endParaRPr lang="en-GB"/>
           </a:p>
@@ -1257,7 +1292,7 @@
     </p:spTree>
     <p:extLst>
       <p:ext uri="{BB962C8B-B14F-4D97-AF65-F5344CB8AC3E}">
-        <p14:creationId xmlns:p14="http://schemas.microsoft.com/office/powerpoint/2010/main" val="3893714852"/>
+        <p14:creationId xmlns:p14="http://schemas.microsoft.com/office/powerpoint/2010/main" val="2777403628"/>
       </p:ext>
     </p:extLst>
   </p:cSld>
@@ -1332,7 +1367,7 @@
           <a:p>
             <a:fld id="{B88E1A96-A68C-4ED7-8535-7FE27C72D2F0}" type="slidenum">
               <a:rPr lang="en-GB" smtClean="0"/>
-              <a:t>22</a:t>
+              <a:t>21</a:t>
             </a:fld>
             <a:endParaRPr lang="en-GB"/>
           </a:p>
@@ -1440,7 +1475,7 @@
           <a:p>
             <a:fld id="{B88E1A96-A68C-4ED7-8535-7FE27C72D2F0}" type="slidenum">
               <a:rPr lang="en-GB" smtClean="0"/>
-              <a:t>23</a:t>
+              <a:t>22</a:t>
             </a:fld>
             <a:endParaRPr lang="en-GB"/>
           </a:p>
@@ -1503,16 +1538,6 @@
           <a:bodyPr/>
           <a:lstStyle/>
           <a:p>
-            <a:r>
-              <a:rPr lang="en-GB" dirty="0" smtClean="0"/>
-              <a:t>http://docs.basho.com/riak/latest/dev/advanced/cap-controls/</a:t>
-            </a:r>
-          </a:p>
-          <a:p>
-            <a:r>
-              <a:rPr lang="en-GB" dirty="0" smtClean="0"/>
-              <a:t>http://docs.basho.com/riak/1.1.0/references/appendices/concepts/Eventual-Consistency/</a:t>
-            </a:r>
             <a:endParaRPr lang="en-GB" dirty="0"/>
           </a:p>
         </p:txBody>
@@ -1534,7 +1559,7 @@
           <a:p>
             <a:fld id="{B88E1A96-A68C-4ED7-8535-7FE27C72D2F0}" type="slidenum">
               <a:rPr lang="en-GB" smtClean="0"/>
-              <a:t>24</a:t>
+              <a:t>25</a:t>
             </a:fld>
             <a:endParaRPr lang="en-GB"/>
           </a:p>
@@ -1543,7 +1568,7 @@
     </p:spTree>
     <p:extLst>
       <p:ext uri="{BB962C8B-B14F-4D97-AF65-F5344CB8AC3E}">
-        <p14:creationId xmlns:p14="http://schemas.microsoft.com/office/powerpoint/2010/main" val="1271775330"/>
+        <p14:creationId xmlns:p14="http://schemas.microsoft.com/office/powerpoint/2010/main" val="784267621"/>
       </p:ext>
     </p:extLst>
   </p:cSld>
@@ -1618,7 +1643,7 @@
           <a:p>
             <a:fld id="{B88E1A96-A68C-4ED7-8535-7FE27C72D2F0}" type="slidenum">
               <a:rPr lang="en-GB" smtClean="0"/>
-              <a:t>28</a:t>
+              <a:t>35</a:t>
             </a:fld>
             <a:endParaRPr lang="en-GB"/>
           </a:p>
@@ -1627,7 +1652,7 @@
     </p:spTree>
     <p:extLst>
       <p:ext uri="{BB962C8B-B14F-4D97-AF65-F5344CB8AC3E}">
-        <p14:creationId xmlns:p14="http://schemas.microsoft.com/office/powerpoint/2010/main" val="784267621"/>
+        <p14:creationId xmlns:p14="http://schemas.microsoft.com/office/powerpoint/2010/main" val="2921631859"/>
       </p:ext>
     </p:extLst>
   </p:cSld>
@@ -1786,7 +1811,7 @@
           <a:p>
             <a:fld id="{B88E1A96-A68C-4ED7-8535-7FE27C72D2F0}" type="slidenum">
               <a:rPr lang="en-GB" smtClean="0"/>
-              <a:t>38</a:t>
+              <a:t>39</a:t>
             </a:fld>
             <a:endParaRPr lang="en-GB"/>
           </a:p>
@@ -1795,7 +1820,7 @@
     </p:spTree>
     <p:extLst>
       <p:ext uri="{BB962C8B-B14F-4D97-AF65-F5344CB8AC3E}">
-        <p14:creationId xmlns:p14="http://schemas.microsoft.com/office/powerpoint/2010/main" val="2921631859"/>
+        <p14:creationId xmlns:p14="http://schemas.microsoft.com/office/powerpoint/2010/main" val="1960653282"/>
       </p:ext>
     </p:extLst>
   </p:cSld>
@@ -1870,7 +1895,7 @@
           <a:p>
             <a:fld id="{B88E1A96-A68C-4ED7-8535-7FE27C72D2F0}" type="slidenum">
               <a:rPr lang="en-GB" smtClean="0"/>
-              <a:t>42</a:t>
+              <a:t>40</a:t>
             </a:fld>
             <a:endParaRPr lang="en-GB"/>
           </a:p>
@@ -1879,7 +1904,7 @@
     </p:spTree>
     <p:extLst>
       <p:ext uri="{BB962C8B-B14F-4D97-AF65-F5344CB8AC3E}">
-        <p14:creationId xmlns:p14="http://schemas.microsoft.com/office/powerpoint/2010/main" val="1960653282"/>
+        <p14:creationId xmlns:p14="http://schemas.microsoft.com/office/powerpoint/2010/main" val="2539703771"/>
       </p:ext>
     </p:extLst>
   </p:cSld>
@@ -1954,7 +1979,7 @@
           <a:p>
             <a:fld id="{B88E1A96-A68C-4ED7-8535-7FE27C72D2F0}" type="slidenum">
               <a:rPr lang="en-GB" smtClean="0"/>
-              <a:t>43</a:t>
+              <a:t>41</a:t>
             </a:fld>
             <a:endParaRPr lang="en-GB"/>
           </a:p>
@@ -1963,7 +1988,7 @@
     </p:spTree>
     <p:extLst>
       <p:ext uri="{BB962C8B-B14F-4D97-AF65-F5344CB8AC3E}">
-        <p14:creationId xmlns:p14="http://schemas.microsoft.com/office/powerpoint/2010/main" val="2539703771"/>
+        <p14:creationId xmlns:p14="http://schemas.microsoft.com/office/powerpoint/2010/main" val="2245795352"/>
       </p:ext>
     </p:extLst>
   </p:cSld>
@@ -2038,7 +2063,7 @@
           <a:p>
             <a:fld id="{B88E1A96-A68C-4ED7-8535-7FE27C72D2F0}" type="slidenum">
               <a:rPr lang="en-GB" smtClean="0"/>
-              <a:t>44</a:t>
+              <a:t>45</a:t>
             </a:fld>
             <a:endParaRPr lang="en-GB"/>
           </a:p>
@@ -2047,7 +2072,7 @@
     </p:spTree>
     <p:extLst>
       <p:ext uri="{BB962C8B-B14F-4D97-AF65-F5344CB8AC3E}">
-        <p14:creationId xmlns:p14="http://schemas.microsoft.com/office/powerpoint/2010/main" val="2245795352"/>
+        <p14:creationId xmlns:p14="http://schemas.microsoft.com/office/powerpoint/2010/main" val="2615470488"/>
       </p:ext>
     </p:extLst>
   </p:cSld>
@@ -2122,7 +2147,7 @@
           <a:p>
             <a:fld id="{B88E1A96-A68C-4ED7-8535-7FE27C72D2F0}" type="slidenum">
               <a:rPr lang="en-GB" smtClean="0"/>
-              <a:t>48</a:t>
+              <a:t>47</a:t>
             </a:fld>
             <a:endParaRPr lang="en-GB"/>
           </a:p>
@@ -2131,7 +2156,7 @@
     </p:spTree>
     <p:extLst>
       <p:ext uri="{BB962C8B-B14F-4D97-AF65-F5344CB8AC3E}">
-        <p14:creationId xmlns:p14="http://schemas.microsoft.com/office/powerpoint/2010/main" val="2615470488"/>
+        <p14:creationId xmlns:p14="http://schemas.microsoft.com/office/powerpoint/2010/main" val="2121811877"/>
       </p:ext>
     </p:extLst>
   </p:cSld>
@@ -2206,91 +2231,7 @@
           <a:p>
             <a:fld id="{B88E1A96-A68C-4ED7-8535-7FE27C72D2F0}" type="slidenum">
               <a:rPr lang="en-GB" smtClean="0"/>
-              <a:t>50</a:t>
-            </a:fld>
-            <a:endParaRPr lang="en-GB"/>
-          </a:p>
-        </p:txBody>
-      </p:sp>
-    </p:spTree>
-    <p:extLst>
-      <p:ext uri="{BB962C8B-B14F-4D97-AF65-F5344CB8AC3E}">
-        <p14:creationId xmlns:p14="http://schemas.microsoft.com/office/powerpoint/2010/main" val="2121811877"/>
-      </p:ext>
-    </p:extLst>
-  </p:cSld>
-  <p:clrMapOvr>
-    <a:masterClrMapping/>
-  </p:clrMapOvr>
-</p:notes>
-</file>
-
-<file path=ppt/notesSlides/notesSlide26.xml><?xml version="1.0" encoding="utf-8"?>
-<p:notes xmlns:a="http://schemas.openxmlformats.org/drawingml/2006/main" xmlns:r="http://schemas.openxmlformats.org/officeDocument/2006/relationships" xmlns:p="http://schemas.openxmlformats.org/presentationml/2006/main">
-  <p:cSld>
-    <p:spTree>
-      <p:nvGrpSpPr>
-        <p:cNvPr id="1" name=""/>
-        <p:cNvGrpSpPr/>
-        <p:nvPr/>
-      </p:nvGrpSpPr>
-      <p:grpSpPr>
-        <a:xfrm>
-          <a:off x="0" y="0"/>
-          <a:ext cx="0" cy="0"/>
-          <a:chOff x="0" y="0"/>
-          <a:chExt cx="0" cy="0"/>
-        </a:xfrm>
-      </p:grpSpPr>
-      <p:sp>
-        <p:nvSpPr>
-          <p:cNvPr id="2" name="Slide Image Placeholder 1"/>
-          <p:cNvSpPr>
-            <a:spLocks noGrp="1" noRot="1" noChangeAspect="1"/>
-          </p:cNvSpPr>
-          <p:nvPr>
-            <p:ph type="sldImg"/>
-          </p:nvPr>
-        </p:nvSpPr>
-        <p:spPr/>
-      </p:sp>
-      <p:sp>
-        <p:nvSpPr>
-          <p:cNvPr id="3" name="Notes Placeholder 2"/>
-          <p:cNvSpPr>
-            <a:spLocks noGrp="1"/>
-          </p:cNvSpPr>
-          <p:nvPr>
-            <p:ph type="body" idx="1"/>
-          </p:nvPr>
-        </p:nvSpPr>
-        <p:spPr/>
-        <p:txBody>
-          <a:bodyPr/>
-          <a:lstStyle/>
-          <a:p>
-            <a:endParaRPr lang="en-GB" dirty="0"/>
-          </a:p>
-        </p:txBody>
-      </p:sp>
-      <p:sp>
-        <p:nvSpPr>
-          <p:cNvPr id="4" name="Slide Number Placeholder 3"/>
-          <p:cNvSpPr>
-            <a:spLocks noGrp="1"/>
-          </p:cNvSpPr>
-          <p:nvPr>
-            <p:ph type="sldNum" sz="quarter" idx="10"/>
-          </p:nvPr>
-        </p:nvSpPr>
-        <p:spPr/>
-        <p:txBody>
-          <a:bodyPr/>
-          <a:lstStyle/>
-          <a:p>
-            <a:fld id="{B88E1A96-A68C-4ED7-8535-7FE27C72D2F0}" type="slidenum">
-              <a:rPr lang="en-GB" smtClean="0"/>
-              <a:t>51</a:t>
+              <a:t>48</a:t>
             </a:fld>
             <a:endParaRPr lang="en-GB"/>
           </a:p>
@@ -2693,7 +2634,7 @@
           <a:bodyPr/>
           <a:lstStyle/>
           <a:p>
-            <a:endParaRPr lang="en-GB" dirty="0"/>
+            <a:endParaRPr lang="en-GB" baseline="0" dirty="0" smtClean="0"/>
           </a:p>
         </p:txBody>
       </p:sp>
@@ -2714,7 +2655,7 @@
           <a:p>
             <a:fld id="{B88E1A96-A68C-4ED7-8535-7FE27C72D2F0}" type="slidenum">
               <a:rPr lang="en-GB" smtClean="0"/>
-              <a:t>9</a:t>
+              <a:t>7</a:t>
             </a:fld>
             <a:endParaRPr lang="en-GB"/>
           </a:p>
@@ -2723,7 +2664,7 @@
     </p:spTree>
     <p:extLst>
       <p:ext uri="{BB962C8B-B14F-4D97-AF65-F5344CB8AC3E}">
-        <p14:creationId xmlns:p14="http://schemas.microsoft.com/office/powerpoint/2010/main" val="3148679627"/>
+        <p14:creationId xmlns:p14="http://schemas.microsoft.com/office/powerpoint/2010/main" val="2584747744"/>
       </p:ext>
     </p:extLst>
   </p:cSld>
@@ -2807,7 +2748,7 @@
     </p:spTree>
     <p:extLst>
       <p:ext uri="{BB962C8B-B14F-4D97-AF65-F5344CB8AC3E}">
-        <p14:creationId xmlns:p14="http://schemas.microsoft.com/office/powerpoint/2010/main" val="2536771516"/>
+        <p14:creationId xmlns:p14="http://schemas.microsoft.com/office/powerpoint/2010/main" val="3893714852"/>
       </p:ext>
     </p:extLst>
   </p:cSld>
@@ -2861,48 +2802,7 @@
           <a:bodyPr/>
           <a:lstStyle/>
           <a:p>
-            <a:r>
-              <a:rPr lang="en-GB" dirty="0" smtClean="0"/>
-              <a:t>The feasibility</a:t>
-            </a:r>
-            <a:r>
-              <a:rPr lang="en-GB" baseline="0" dirty="0" smtClean="0"/>
-              <a:t> of scaling horizontally really depends on the required workload.  If we’re dealing mostly with reads, we can use what’s called master-slave replication.  Basically, there is still one definitive version of the data – the master – and all writes are sent there.  We then push data out (replication techniques vary…) to copies of the master – these are the slaves.  These multiple servers allow us to respond to many more read requests.</a:t>
-            </a:r>
-          </a:p>
-          <a:p>
-            <a:r>
-              <a:rPr lang="en-GB" baseline="0" dirty="0" smtClean="0"/>
-              <a:t>The key thing to note here is that there is still only a single server for the write workload, and if anything it is doing more work than before (it also has to do some sort of work to broadcast changes to the slaves).  So if we have a lot of writes, we are going to either run into the same problems with vertical scaling as before, or need to move to an alternative (probably more complex) architecture.</a:t>
-            </a:r>
-          </a:p>
-          <a:p>
-            <a:pPr marL="0" marR="0" indent="0" algn="l" defTabSz="914400" rtl="0" eaLnBrk="1" fontAlgn="auto" latinLnBrk="0" hangingPunct="1">
-              <a:lnSpc>
-                <a:spcPct val="100000"/>
-              </a:lnSpc>
-              <a:spcBef>
-                <a:spcPts val="0"/>
-              </a:spcBef>
-              <a:spcAft>
-                <a:spcPts val="0"/>
-              </a:spcAft>
-              <a:buClrTx/>
-              <a:buSzTx/>
-              <a:buFontTx/>
-              <a:buNone/>
-              <a:tabLst/>
-              <a:defRPr/>
-            </a:pPr>
-            <a:r>
-              <a:rPr lang="en-GB" dirty="0" smtClean="0"/>
-              <a:t>NB: A “write-heavy” workload doesn’t need to mean a strict majority</a:t>
-            </a:r>
-            <a:r>
-              <a:rPr lang="en-GB" baseline="0" dirty="0" smtClean="0"/>
-              <a:t> of requests are writes, just that there are enough that this architecture of having one master, many slaves is not going to work.</a:t>
-            </a:r>
-            <a:endParaRPr lang="en-GB" dirty="0" smtClean="0"/>
+            <a:endParaRPr lang="en-GB" dirty="0"/>
           </a:p>
         </p:txBody>
       </p:sp>
@@ -2923,7 +2823,7 @@
           <a:p>
             <a:fld id="{B88E1A96-A68C-4ED7-8535-7FE27C72D2F0}" type="slidenum">
               <a:rPr lang="en-GB" smtClean="0"/>
-              <a:t>13</a:t>
+              <a:t>12</a:t>
             </a:fld>
             <a:endParaRPr lang="en-GB"/>
           </a:p>
@@ -2932,7 +2832,7 @@
     </p:spTree>
     <p:extLst>
       <p:ext uri="{BB962C8B-B14F-4D97-AF65-F5344CB8AC3E}">
-        <p14:creationId xmlns:p14="http://schemas.microsoft.com/office/powerpoint/2010/main" val="915869242"/>
+        <p14:creationId xmlns:p14="http://schemas.microsoft.com/office/powerpoint/2010/main" val="3148679627"/>
       </p:ext>
     </p:extLst>
   </p:cSld>
@@ -3123,7 +3023,7 @@
           <a:p>
             <a:fld id="{02F45FB7-11FC-4A5D-8578-8A11B0F11936}" type="datetimeFigureOut">
               <a:rPr lang="en-GB" smtClean="0"/>
-              <a:t>26/04/2015</a:t>
+              <a:t>27/04/2015</a:t>
             </a:fld>
             <a:endParaRPr lang="en-GB"/>
           </a:p>
@@ -3293,7 +3193,7 @@
           <a:p>
             <a:fld id="{02F45FB7-11FC-4A5D-8578-8A11B0F11936}" type="datetimeFigureOut">
               <a:rPr lang="en-GB" smtClean="0"/>
-              <a:t>26/04/2015</a:t>
+              <a:t>27/04/2015</a:t>
             </a:fld>
             <a:endParaRPr lang="en-GB"/>
           </a:p>
@@ -3473,7 +3373,7 @@
           <a:p>
             <a:fld id="{02F45FB7-11FC-4A5D-8578-8A11B0F11936}" type="datetimeFigureOut">
               <a:rPr lang="en-GB" smtClean="0"/>
-              <a:t>26/04/2015</a:t>
+              <a:t>27/04/2015</a:t>
             </a:fld>
             <a:endParaRPr lang="en-GB"/>
           </a:p>
@@ -3643,7 +3543,7 @@
           <a:p>
             <a:fld id="{02F45FB7-11FC-4A5D-8578-8A11B0F11936}" type="datetimeFigureOut">
               <a:rPr lang="en-GB" smtClean="0"/>
-              <a:t>26/04/2015</a:t>
+              <a:t>27/04/2015</a:t>
             </a:fld>
             <a:endParaRPr lang="en-GB"/>
           </a:p>
@@ -3889,7 +3789,7 @@
           <a:p>
             <a:fld id="{02F45FB7-11FC-4A5D-8578-8A11B0F11936}" type="datetimeFigureOut">
               <a:rPr lang="en-GB" smtClean="0"/>
-              <a:t>26/04/2015</a:t>
+              <a:t>27/04/2015</a:t>
             </a:fld>
             <a:endParaRPr lang="en-GB"/>
           </a:p>
@@ -4177,7 +4077,7 @@
           <a:p>
             <a:fld id="{02F45FB7-11FC-4A5D-8578-8A11B0F11936}" type="datetimeFigureOut">
               <a:rPr lang="en-GB" smtClean="0"/>
-              <a:t>26/04/2015</a:t>
+              <a:t>27/04/2015</a:t>
             </a:fld>
             <a:endParaRPr lang="en-GB"/>
           </a:p>
@@ -4599,7 +4499,7 @@
           <a:p>
             <a:fld id="{02F45FB7-11FC-4A5D-8578-8A11B0F11936}" type="datetimeFigureOut">
               <a:rPr lang="en-GB" smtClean="0"/>
-              <a:t>26/04/2015</a:t>
+              <a:t>27/04/2015</a:t>
             </a:fld>
             <a:endParaRPr lang="en-GB"/>
           </a:p>
@@ -4717,7 +4617,7 @@
           <a:p>
             <a:fld id="{02F45FB7-11FC-4A5D-8578-8A11B0F11936}" type="datetimeFigureOut">
               <a:rPr lang="en-GB" smtClean="0"/>
-              <a:t>26/04/2015</a:t>
+              <a:t>27/04/2015</a:t>
             </a:fld>
             <a:endParaRPr lang="en-GB"/>
           </a:p>
@@ -4812,7 +4712,7 @@
           <a:p>
             <a:fld id="{02F45FB7-11FC-4A5D-8578-8A11B0F11936}" type="datetimeFigureOut">
               <a:rPr lang="en-GB" smtClean="0"/>
-              <a:t>26/04/2015</a:t>
+              <a:t>27/04/2015</a:t>
             </a:fld>
             <a:endParaRPr lang="en-GB"/>
           </a:p>
@@ -5089,7 +4989,7 @@
           <a:p>
             <a:fld id="{02F45FB7-11FC-4A5D-8578-8A11B0F11936}" type="datetimeFigureOut">
               <a:rPr lang="en-GB" smtClean="0"/>
-              <a:t>26/04/2015</a:t>
+              <a:t>27/04/2015</a:t>
             </a:fld>
             <a:endParaRPr lang="en-GB"/>
           </a:p>
@@ -5342,7 +5242,7 @@
           <a:p>
             <a:fld id="{02F45FB7-11FC-4A5D-8578-8A11B0F11936}" type="datetimeFigureOut">
               <a:rPr lang="en-GB" smtClean="0"/>
-              <a:t>26/04/2015</a:t>
+              <a:t>27/04/2015</a:t>
             </a:fld>
             <a:endParaRPr lang="en-GB"/>
           </a:p>
@@ -5555,7 +5455,7 @@
           <a:p>
             <a:fld id="{02F45FB7-11FC-4A5D-8578-8A11B0F11936}" type="datetimeFigureOut">
               <a:rPr lang="en-GB" smtClean="0"/>
-              <a:t>26/04/2015</a:t>
+              <a:t>27/04/2015</a:t>
             </a:fld>
             <a:endParaRPr lang="en-GB"/>
           </a:p>
@@ -6073,6 +5973,748 @@
             <p:ph type="title"/>
           </p:nvPr>
         </p:nvSpPr>
+        <p:spPr>
+          <a:xfrm>
+            <a:off x="457200" y="274638"/>
+            <a:ext cx="8229600" cy="850106"/>
+          </a:xfrm>
+        </p:spPr>
+        <p:txBody>
+          <a:bodyPr>
+            <a:normAutofit/>
+          </a:bodyPr>
+          <a:lstStyle/>
+          <a:p>
+            <a:r>
+              <a:rPr lang="en-GB" dirty="0" smtClean="0"/>
+              <a:t>Document Databases</a:t>
+            </a:r>
+            <a:endParaRPr lang="en-GB" dirty="0"/>
+          </a:p>
+        </p:txBody>
+      </p:sp>
+      <p:sp>
+        <p:nvSpPr>
+          <p:cNvPr id="3" name="Content Placeholder 2"/>
+          <p:cNvSpPr>
+            <a:spLocks noGrp="1"/>
+          </p:cNvSpPr>
+          <p:nvPr>
+            <p:ph idx="1"/>
+          </p:nvPr>
+        </p:nvSpPr>
+        <p:spPr>
+          <a:xfrm>
+            <a:off x="457200" y="1340768"/>
+            <a:ext cx="8229600" cy="4785395"/>
+          </a:xfrm>
+        </p:spPr>
+        <p:txBody>
+          <a:bodyPr>
+            <a:normAutofit lnSpcReduction="10000"/>
+          </a:bodyPr>
+          <a:lstStyle/>
+          <a:p>
+            <a:r>
+              <a:rPr lang="en-GB" dirty="0" smtClean="0"/>
+              <a:t>Extends the idea of document serialization to primary storage format</a:t>
+            </a:r>
+          </a:p>
+          <a:p>
+            <a:pPr marL="0" indent="0">
+              <a:buNone/>
+            </a:pPr>
+            <a:endParaRPr lang="en-GB" dirty="0" smtClean="0"/>
+          </a:p>
+          <a:p>
+            <a:endParaRPr lang="en-GB" dirty="0" smtClean="0"/>
+          </a:p>
+          <a:p>
+            <a:endParaRPr lang="en-GB" dirty="0"/>
+          </a:p>
+          <a:p>
+            <a:endParaRPr lang="en-GB" dirty="0"/>
+          </a:p>
+          <a:p>
+            <a:r>
+              <a:rPr lang="en-GB" dirty="0"/>
+              <a:t>Less good at:</a:t>
+            </a:r>
+          </a:p>
+          <a:p>
+            <a:pPr lvl="1"/>
+            <a:r>
+              <a:rPr lang="en-GB" dirty="0"/>
+              <a:t>Protecting data integrity</a:t>
+            </a:r>
+          </a:p>
+          <a:p>
+            <a:pPr lvl="1"/>
+            <a:r>
+              <a:rPr lang="en-GB" dirty="0"/>
+              <a:t>Summary queries</a:t>
+            </a:r>
+          </a:p>
+          <a:p>
+            <a:pPr lvl="1"/>
+            <a:endParaRPr lang="en-GB" dirty="0" smtClean="0"/>
+          </a:p>
+          <a:p>
+            <a:endParaRPr lang="en-GB" dirty="0"/>
+          </a:p>
+          <a:p>
+            <a:endParaRPr lang="en-GB" dirty="0"/>
+          </a:p>
+        </p:txBody>
+      </p:sp>
+      <p:pic>
+        <p:nvPicPr>
+          <p:cNvPr id="4" name="Picture 3"/>
+          <p:cNvPicPr>
+            <a:picLocks noChangeAspect="1"/>
+          </p:cNvPicPr>
+          <p:nvPr/>
+        </p:nvPicPr>
+        <p:blipFill>
+          <a:blip r:embed="rId2">
+            <a:extLst>
+              <a:ext uri="{28A0092B-C50C-407E-A947-70E740481C1C}">
+                <a14:useLocalDpi xmlns:a14="http://schemas.microsoft.com/office/drawing/2010/main" val="0"/>
+              </a:ext>
+            </a:extLst>
+          </a:blip>
+          <a:stretch>
+            <a:fillRect/>
+          </a:stretch>
+        </p:blipFill>
+        <p:spPr>
+          <a:xfrm>
+            <a:off x="1536582" y="2348880"/>
+            <a:ext cx="5843730" cy="2056993"/>
+          </a:xfrm>
+          <a:prstGeom prst="rect">
+            <a:avLst/>
+          </a:prstGeom>
+        </p:spPr>
+      </p:pic>
+    </p:spTree>
+    <p:extLst>
+      <p:ext uri="{BB962C8B-B14F-4D97-AF65-F5344CB8AC3E}">
+        <p14:creationId xmlns:p14="http://schemas.microsoft.com/office/powerpoint/2010/main" val="3399482219"/>
+      </p:ext>
+    </p:extLst>
+  </p:cSld>
+  <p:clrMapOvr>
+    <a:masterClrMapping/>
+  </p:clrMapOvr>
+  <p:timing>
+    <p:tnLst>
+      <p:par>
+        <p:cTn id="1" dur="indefinite" restart="never" nodeType="tmRoot"/>
+      </p:par>
+    </p:tnLst>
+  </p:timing>
+</p:sld>
+</file>
+
+<file path=ppt/slides/slide11.xml><?xml version="1.0" encoding="utf-8"?>
+<p:sld xmlns:a="http://schemas.openxmlformats.org/drawingml/2006/main" xmlns:r="http://schemas.openxmlformats.org/officeDocument/2006/relationships" xmlns:p="http://schemas.openxmlformats.org/presentationml/2006/main">
+  <p:cSld>
+    <p:bg>
+      <p:bgPr>
+        <a:solidFill>
+          <a:schemeClr val="bg1"/>
+        </a:solidFill>
+        <a:effectLst/>
+      </p:bgPr>
+    </p:bg>
+    <p:spTree>
+      <p:nvGrpSpPr>
+        <p:cNvPr id="1" name=""/>
+        <p:cNvGrpSpPr/>
+        <p:nvPr/>
+      </p:nvGrpSpPr>
+      <p:grpSpPr>
+        <a:xfrm>
+          <a:off x="0" y="0"/>
+          <a:ext cx="0" cy="0"/>
+          <a:chOff x="0" y="0"/>
+          <a:chExt cx="0" cy="0"/>
+        </a:xfrm>
+      </p:grpSpPr>
+      <p:sp>
+        <p:nvSpPr>
+          <p:cNvPr id="2" name="Title 1"/>
+          <p:cNvSpPr>
+            <a:spLocks noGrp="1"/>
+          </p:cNvSpPr>
+          <p:nvPr>
+            <p:ph type="title"/>
+          </p:nvPr>
+        </p:nvSpPr>
+        <p:spPr/>
+        <p:txBody>
+          <a:bodyPr/>
+          <a:lstStyle/>
+          <a:p>
+            <a:pPr marL="0" indent="0"/>
+            <a:endParaRPr lang="en-GB" dirty="0"/>
+          </a:p>
+        </p:txBody>
+      </p:sp>
+      <p:sp>
+        <p:nvSpPr>
+          <p:cNvPr id="3" name="Content Placeholder 2"/>
+          <p:cNvSpPr>
+            <a:spLocks noGrp="1"/>
+          </p:cNvSpPr>
+          <p:nvPr>
+            <p:ph idx="1"/>
+          </p:nvPr>
+        </p:nvSpPr>
+        <p:spPr>
+          <a:xfrm>
+            <a:off x="457200" y="2204864"/>
+            <a:ext cx="8229600" cy="3921299"/>
+          </a:xfrm>
+        </p:spPr>
+        <p:txBody>
+          <a:bodyPr/>
+          <a:lstStyle/>
+          <a:p>
+            <a:pPr marL="0" indent="0" algn="ctr">
+              <a:buNone/>
+            </a:pPr>
+            <a:endParaRPr lang="en-GB" dirty="0" smtClean="0"/>
+          </a:p>
+          <a:p>
+            <a:pPr marL="0" indent="0" algn="ctr">
+              <a:buNone/>
+            </a:pPr>
+            <a:r>
+              <a:rPr lang="en-GB" sz="4400" dirty="0" smtClean="0"/>
+              <a:t>(</a:t>
+            </a:r>
+            <a:r>
+              <a:rPr lang="en-GB" sz="4400" dirty="0"/>
+              <a:t>MongoDB Demo)</a:t>
+            </a:r>
+          </a:p>
+        </p:txBody>
+      </p:sp>
+      <p:pic>
+        <p:nvPicPr>
+          <p:cNvPr id="4" name="Picture 3"/>
+          <p:cNvPicPr>
+            <a:picLocks noChangeAspect="1"/>
+          </p:cNvPicPr>
+          <p:nvPr/>
+        </p:nvPicPr>
+        <p:blipFill>
+          <a:blip r:embed="rId3" cstate="print">
+            <a:extLst>
+              <a:ext uri="{28A0092B-C50C-407E-A947-70E740481C1C}">
+                <a14:useLocalDpi xmlns:a14="http://schemas.microsoft.com/office/drawing/2010/main" val="0"/>
+              </a:ext>
+            </a:extLst>
+          </a:blip>
+          <a:stretch>
+            <a:fillRect/>
+          </a:stretch>
+        </p:blipFill>
+        <p:spPr>
+          <a:xfrm>
+            <a:off x="539552" y="220037"/>
+            <a:ext cx="1368152" cy="1603355"/>
+          </a:xfrm>
+          <a:prstGeom prst="rect">
+            <a:avLst/>
+          </a:prstGeom>
+        </p:spPr>
+      </p:pic>
+    </p:spTree>
+    <p:extLst>
+      <p:ext uri="{BB962C8B-B14F-4D97-AF65-F5344CB8AC3E}">
+        <p14:creationId xmlns:p14="http://schemas.microsoft.com/office/powerpoint/2010/main" val="1804820634"/>
+      </p:ext>
+    </p:extLst>
+  </p:cSld>
+  <p:clrMapOvr>
+    <a:masterClrMapping/>
+  </p:clrMapOvr>
+  <p:timing>
+    <p:tnLst>
+      <p:par>
+        <p:cTn id="1" dur="indefinite" restart="never" nodeType="tmRoot"/>
+      </p:par>
+    </p:tnLst>
+  </p:timing>
+</p:sld>
+</file>
+
+<file path=ppt/slides/slide12.xml><?xml version="1.0" encoding="utf-8"?>
+<p:sld xmlns:a="http://schemas.openxmlformats.org/drawingml/2006/main" xmlns:r="http://schemas.openxmlformats.org/officeDocument/2006/relationships" xmlns:p="http://schemas.openxmlformats.org/presentationml/2006/main">
+  <p:cSld>
+    <p:bg>
+      <p:bgPr>
+        <a:solidFill>
+          <a:schemeClr val="bg1"/>
+        </a:solidFill>
+        <a:effectLst/>
+      </p:bgPr>
+    </p:bg>
+    <p:spTree>
+      <p:nvGrpSpPr>
+        <p:cNvPr id="1" name=""/>
+        <p:cNvGrpSpPr/>
+        <p:nvPr/>
+      </p:nvGrpSpPr>
+      <p:grpSpPr>
+        <a:xfrm>
+          <a:off x="0" y="0"/>
+          <a:ext cx="0" cy="0"/>
+          <a:chOff x="0" y="0"/>
+          <a:chExt cx="0" cy="0"/>
+        </a:xfrm>
+      </p:grpSpPr>
+      <p:sp>
+        <p:nvSpPr>
+          <p:cNvPr id="2" name="Title 1"/>
+          <p:cNvSpPr>
+            <a:spLocks noGrp="1"/>
+          </p:cNvSpPr>
+          <p:nvPr>
+            <p:ph type="title"/>
+          </p:nvPr>
+        </p:nvSpPr>
+        <p:spPr/>
+        <p:txBody>
+          <a:bodyPr/>
+          <a:lstStyle/>
+          <a:p>
+            <a:r>
+              <a:rPr lang="en-GB" dirty="0" smtClean="0"/>
+              <a:t>Vertical Scaling</a:t>
+            </a:r>
+            <a:endParaRPr lang="en-GB" dirty="0"/>
+          </a:p>
+        </p:txBody>
+      </p:sp>
+      <p:sp>
+        <p:nvSpPr>
+          <p:cNvPr id="3" name="Content Placeholder 2"/>
+          <p:cNvSpPr>
+            <a:spLocks noGrp="1"/>
+          </p:cNvSpPr>
+          <p:nvPr>
+            <p:ph idx="1"/>
+          </p:nvPr>
+        </p:nvSpPr>
+        <p:spPr/>
+        <p:txBody>
+          <a:bodyPr/>
+          <a:lstStyle/>
+          <a:p>
+            <a:endParaRPr lang="en-GB" dirty="0"/>
+          </a:p>
+        </p:txBody>
+      </p:sp>
+      <p:pic>
+        <p:nvPicPr>
+          <p:cNvPr id="4" name="Content Placeholder 3"/>
+          <p:cNvPicPr>
+            <a:picLocks noChangeAspect="1"/>
+          </p:cNvPicPr>
+          <p:nvPr/>
+        </p:nvPicPr>
+        <p:blipFill>
+          <a:blip r:embed="rId3" cstate="print">
+            <a:extLst>
+              <a:ext uri="{28A0092B-C50C-407E-A947-70E740481C1C}">
+                <a14:useLocalDpi xmlns:a14="http://schemas.microsoft.com/office/drawing/2010/main" val="0"/>
+              </a:ext>
+            </a:extLst>
+          </a:blip>
+          <a:stretch>
+            <a:fillRect/>
+          </a:stretch>
+        </p:blipFill>
+        <p:spPr>
+          <a:xfrm>
+            <a:off x="827584" y="3065275"/>
+            <a:ext cx="1252735" cy="1252735"/>
+          </a:xfrm>
+          <a:prstGeom prst="rect">
+            <a:avLst/>
+          </a:prstGeom>
+        </p:spPr>
+      </p:pic>
+      <p:pic>
+        <p:nvPicPr>
+          <p:cNvPr id="5" name="Content Placeholder 3"/>
+          <p:cNvPicPr>
+            <a:picLocks noChangeAspect="1"/>
+          </p:cNvPicPr>
+          <p:nvPr/>
+        </p:nvPicPr>
+        <p:blipFill>
+          <a:blip r:embed="rId4" cstate="print">
+            <a:extLst>
+              <a:ext uri="{28A0092B-C50C-407E-A947-70E740481C1C}">
+                <a14:useLocalDpi xmlns:a14="http://schemas.microsoft.com/office/drawing/2010/main" val="0"/>
+              </a:ext>
+            </a:extLst>
+          </a:blip>
+          <a:stretch>
+            <a:fillRect/>
+          </a:stretch>
+        </p:blipFill>
+        <p:spPr>
+          <a:xfrm>
+            <a:off x="2843808" y="2633227"/>
+            <a:ext cx="1970675" cy="1970675"/>
+          </a:xfrm>
+          <a:prstGeom prst="rect">
+            <a:avLst/>
+          </a:prstGeom>
+        </p:spPr>
+      </p:pic>
+      <p:pic>
+        <p:nvPicPr>
+          <p:cNvPr id="6" name="Content Placeholder 3"/>
+          <p:cNvPicPr>
+            <a:picLocks noChangeAspect="1"/>
+          </p:cNvPicPr>
+          <p:nvPr/>
+        </p:nvPicPr>
+        <p:blipFill>
+          <a:blip r:embed="rId4">
+            <a:extLst>
+              <a:ext uri="{28A0092B-C50C-407E-A947-70E740481C1C}">
+                <a14:useLocalDpi xmlns:a14="http://schemas.microsoft.com/office/drawing/2010/main" val="0"/>
+              </a:ext>
+            </a:extLst>
+          </a:blip>
+          <a:stretch>
+            <a:fillRect/>
+          </a:stretch>
+        </p:blipFill>
+        <p:spPr>
+          <a:xfrm>
+            <a:off x="5166716" y="1769131"/>
+            <a:ext cx="3456384" cy="3456384"/>
+          </a:xfrm>
+          <a:prstGeom prst="rect">
+            <a:avLst/>
+          </a:prstGeom>
+        </p:spPr>
+      </p:pic>
+      <p:sp>
+        <p:nvSpPr>
+          <p:cNvPr id="7" name="Right Arrow 6"/>
+          <p:cNvSpPr/>
+          <p:nvPr/>
+        </p:nvSpPr>
+        <p:spPr>
+          <a:xfrm>
+            <a:off x="2267744" y="3497323"/>
+            <a:ext cx="648072" cy="504056"/>
+          </a:xfrm>
+          <a:prstGeom prst="rightArrow">
+            <a:avLst/>
+          </a:prstGeom>
+        </p:spPr>
+        <p:style>
+          <a:lnRef idx="2">
+            <a:schemeClr val="accent1">
+              <a:shade val="50000"/>
+            </a:schemeClr>
+          </a:lnRef>
+          <a:fillRef idx="1">
+            <a:schemeClr val="accent1"/>
+          </a:fillRef>
+          <a:effectRef idx="0">
+            <a:schemeClr val="accent1"/>
+          </a:effectRef>
+          <a:fontRef idx="minor">
+            <a:schemeClr val="lt1"/>
+          </a:fontRef>
+        </p:style>
+        <p:txBody>
+          <a:bodyPr rtlCol="0" anchor="ctr"/>
+          <a:lstStyle/>
+          <a:p>
+            <a:pPr algn="ctr"/>
+            <a:endParaRPr lang="en-GB"/>
+          </a:p>
+        </p:txBody>
+      </p:sp>
+      <p:sp>
+        <p:nvSpPr>
+          <p:cNvPr id="8" name="Right Arrow 7"/>
+          <p:cNvSpPr/>
+          <p:nvPr/>
+        </p:nvSpPr>
+        <p:spPr>
+          <a:xfrm>
+            <a:off x="4814483" y="3497323"/>
+            <a:ext cx="648072" cy="504056"/>
+          </a:xfrm>
+          <a:prstGeom prst="rightArrow">
+            <a:avLst/>
+          </a:prstGeom>
+        </p:spPr>
+        <p:style>
+          <a:lnRef idx="2">
+            <a:schemeClr val="accent1">
+              <a:shade val="50000"/>
+            </a:schemeClr>
+          </a:lnRef>
+          <a:fillRef idx="1">
+            <a:schemeClr val="accent1"/>
+          </a:fillRef>
+          <a:effectRef idx="0">
+            <a:schemeClr val="accent1"/>
+          </a:effectRef>
+          <a:fontRef idx="minor">
+            <a:schemeClr val="lt1"/>
+          </a:fontRef>
+        </p:style>
+        <p:txBody>
+          <a:bodyPr rtlCol="0" anchor="ctr"/>
+          <a:lstStyle/>
+          <a:p>
+            <a:pPr algn="ctr"/>
+            <a:endParaRPr lang="en-GB"/>
+          </a:p>
+        </p:txBody>
+      </p:sp>
+    </p:spTree>
+    <p:extLst>
+      <p:ext uri="{BB962C8B-B14F-4D97-AF65-F5344CB8AC3E}">
+        <p14:creationId xmlns:p14="http://schemas.microsoft.com/office/powerpoint/2010/main" val="35232764"/>
+      </p:ext>
+    </p:extLst>
+  </p:cSld>
+  <p:clrMapOvr>
+    <a:masterClrMapping/>
+  </p:clrMapOvr>
+  <p:timing>
+    <p:tnLst>
+      <p:par>
+        <p:cTn id="1" dur="indefinite" restart="never" nodeType="tmRoot">
+          <p:childTnLst>
+            <p:seq concurrent="1" nextAc="seek">
+              <p:cTn id="2" dur="indefinite" nodeType="mainSeq">
+                <p:childTnLst>
+                  <p:par>
+                    <p:cTn id="3" fill="hold">
+                      <p:stCondLst>
+                        <p:cond delay="indefinite"/>
+                      </p:stCondLst>
+                      <p:childTnLst>
+                        <p:par>
+                          <p:cTn id="4" fill="hold">
+                            <p:stCondLst>
+                              <p:cond delay="0"/>
+                            </p:stCondLst>
+                            <p:childTnLst>
+                              <p:par>
+                                <p:cTn id="5" presetID="1" presetClass="entr" presetSubtype="0" fill="hold" grpId="0" nodeType="clickEffect">
+                                  <p:stCondLst>
+                                    <p:cond delay="0"/>
+                                  </p:stCondLst>
+                                  <p:childTnLst>
+                                    <p:set>
+                                      <p:cBhvr>
+                                        <p:cTn id="6" dur="1" fill="hold">
+                                          <p:stCondLst>
+                                            <p:cond delay="0"/>
+                                          </p:stCondLst>
+                                        </p:cTn>
+                                        <p:tgtEl>
+                                          <p:spTgt spid="7"/>
+                                        </p:tgtEl>
+                                        <p:attrNameLst>
+                                          <p:attrName>style.visibility</p:attrName>
+                                        </p:attrNameLst>
+                                      </p:cBhvr>
+                                      <p:to>
+                                        <p:strVal val="visible"/>
+                                      </p:to>
+                                    </p:set>
+                                  </p:childTnLst>
+                                </p:cTn>
+                              </p:par>
+                              <p:par>
+                                <p:cTn id="7" presetID="1" presetClass="entr" presetSubtype="0" fill="hold" nodeType="withEffect">
+                                  <p:stCondLst>
+                                    <p:cond delay="0"/>
+                                  </p:stCondLst>
+                                  <p:childTnLst>
+                                    <p:set>
+                                      <p:cBhvr>
+                                        <p:cTn id="8" dur="1" fill="hold">
+                                          <p:stCondLst>
+                                            <p:cond delay="0"/>
+                                          </p:stCondLst>
+                                        </p:cTn>
+                                        <p:tgtEl>
+                                          <p:spTgt spid="5"/>
+                                        </p:tgtEl>
+                                        <p:attrNameLst>
+                                          <p:attrName>style.visibility</p:attrName>
+                                        </p:attrNameLst>
+                                      </p:cBhvr>
+                                      <p:to>
+                                        <p:strVal val="visible"/>
+                                      </p:to>
+                                    </p:set>
+                                  </p:childTnLst>
+                                </p:cTn>
+                              </p:par>
+                            </p:childTnLst>
+                          </p:cTn>
+                        </p:par>
+                      </p:childTnLst>
+                    </p:cTn>
+                  </p:par>
+                  <p:par>
+                    <p:cTn id="9" fill="hold">
+                      <p:stCondLst>
+                        <p:cond delay="indefinite"/>
+                      </p:stCondLst>
+                      <p:childTnLst>
+                        <p:par>
+                          <p:cTn id="10" fill="hold">
+                            <p:stCondLst>
+                              <p:cond delay="0"/>
+                            </p:stCondLst>
+                            <p:childTnLst>
+                              <p:par>
+                                <p:cTn id="11" presetID="1" presetClass="entr" presetSubtype="0" fill="hold" grpId="0" nodeType="clickEffect">
+                                  <p:stCondLst>
+                                    <p:cond delay="0"/>
+                                  </p:stCondLst>
+                                  <p:childTnLst>
+                                    <p:set>
+                                      <p:cBhvr>
+                                        <p:cTn id="12" dur="1" fill="hold">
+                                          <p:stCondLst>
+                                            <p:cond delay="0"/>
+                                          </p:stCondLst>
+                                        </p:cTn>
+                                        <p:tgtEl>
+                                          <p:spTgt spid="8"/>
+                                        </p:tgtEl>
+                                        <p:attrNameLst>
+                                          <p:attrName>style.visibility</p:attrName>
+                                        </p:attrNameLst>
+                                      </p:cBhvr>
+                                      <p:to>
+                                        <p:strVal val="visible"/>
+                                      </p:to>
+                                    </p:set>
+                                  </p:childTnLst>
+                                </p:cTn>
+                              </p:par>
+                              <p:par>
+                                <p:cTn id="13" presetID="1" presetClass="entr" presetSubtype="0" fill="hold" nodeType="withEffect">
+                                  <p:stCondLst>
+                                    <p:cond delay="0"/>
+                                  </p:stCondLst>
+                                  <p:childTnLst>
+                                    <p:set>
+                                      <p:cBhvr>
+                                        <p:cTn id="14" dur="1" fill="hold">
+                                          <p:stCondLst>
+                                            <p:cond delay="0"/>
+                                          </p:stCondLst>
+                                        </p:cTn>
+                                        <p:tgtEl>
+                                          <p:spTgt spid="6"/>
+                                        </p:tgtEl>
+                                        <p:attrNameLst>
+                                          <p:attrName>style.visibility</p:attrName>
+                                        </p:attrNameLst>
+                                      </p:cBhvr>
+                                      <p:to>
+                                        <p:strVal val="visible"/>
+                                      </p:to>
+                                    </p:set>
+                                  </p:childTnLst>
+                                </p:cTn>
+                              </p:par>
+                            </p:childTnLst>
+                          </p:cTn>
+                        </p:par>
+                      </p:childTnLst>
+                    </p:cTn>
+                  </p:par>
+                </p:childTnLst>
+              </p:cTn>
+              <p:prevCondLst>
+                <p:cond evt="onPrev" delay="0">
+                  <p:tgtEl>
+                    <p:sldTgt/>
+                  </p:tgtEl>
+                </p:cond>
+              </p:prevCondLst>
+              <p:nextCondLst>
+                <p:cond evt="onNext" delay="0">
+                  <p:tgtEl>
+                    <p:sldTgt/>
+                  </p:tgtEl>
+                </p:cond>
+              </p:nextCondLst>
+            </p:seq>
+          </p:childTnLst>
+        </p:cTn>
+      </p:par>
+    </p:tnLst>
+    <p:bldLst>
+      <p:bldP spid="7" grpId="0" animBg="1"/>
+      <p:bldP spid="8" grpId="0" animBg="1"/>
+    </p:bldLst>
+  </p:timing>
+</p:sld>
+</file>
+
+<file path=ppt/slides/slide13.xml><?xml version="1.0" encoding="utf-8"?>
+<p:sld xmlns:a="http://schemas.openxmlformats.org/drawingml/2006/main" xmlns:r="http://schemas.openxmlformats.org/officeDocument/2006/relationships" xmlns:p="http://schemas.openxmlformats.org/presentationml/2006/main">
+  <p:cSld>
+    <p:bg>
+      <p:bgPr>
+        <a:solidFill>
+          <a:schemeClr val="bg1"/>
+        </a:solidFill>
+        <a:effectLst/>
+      </p:bgPr>
+    </p:bg>
+    <p:spTree>
+      <p:nvGrpSpPr>
+        <p:cNvPr id="1" name=""/>
+        <p:cNvGrpSpPr/>
+        <p:nvPr/>
+      </p:nvGrpSpPr>
+      <p:grpSpPr>
+        <a:xfrm>
+          <a:off x="0" y="0"/>
+          <a:ext cx="0" cy="0"/>
+          <a:chOff x="0" y="0"/>
+          <a:chExt cx="0" cy="0"/>
+        </a:xfrm>
+      </p:grpSpPr>
+      <p:sp>
+        <p:nvSpPr>
+          <p:cNvPr id="2" name="Title 1"/>
+          <p:cNvSpPr>
+            <a:spLocks noGrp="1"/>
+          </p:cNvSpPr>
+          <p:nvPr>
+            <p:ph type="title"/>
+          </p:nvPr>
+        </p:nvSpPr>
         <p:spPr/>
         <p:txBody>
           <a:bodyPr/>
@@ -6330,7 +6972,7 @@
 </p:sld>
 </file>
 
-<file path=ppt/slides/slide11.xml><?xml version="1.0" encoding="utf-8"?>
+<file path=ppt/slides/slide14.xml><?xml version="1.0" encoding="utf-8"?>
 <p:sld xmlns:a="http://schemas.openxmlformats.org/drawingml/2006/main" xmlns:r="http://schemas.openxmlformats.org/officeDocument/2006/relationships" xmlns:p="http://schemas.openxmlformats.org/presentationml/2006/main">
   <p:cSld>
     <p:bg>
@@ -6906,7 +7548,7 @@
 </p:sld>
 </file>
 
-<file path=ppt/slides/slide12.xml><?xml version="1.0" encoding="utf-8"?>
+<file path=ppt/slides/slide15.xml><?xml version="1.0" encoding="utf-8"?>
 <p:sld xmlns:a="http://schemas.openxmlformats.org/drawingml/2006/main" xmlns:r="http://schemas.openxmlformats.org/officeDocument/2006/relationships" xmlns:p="http://schemas.openxmlformats.org/presentationml/2006/main">
   <p:cSld>
     <p:bg>
@@ -7127,7 +7769,7 @@
 </p:sld>
 </file>
 
-<file path=ppt/slides/slide13.xml><?xml version="1.0" encoding="utf-8"?>
+<file path=ppt/slides/slide16.xml><?xml version="1.0" encoding="utf-8"?>
 <p:sld xmlns:a="http://schemas.openxmlformats.org/drawingml/2006/main" xmlns:r="http://schemas.openxmlformats.org/officeDocument/2006/relationships" xmlns:p="http://schemas.openxmlformats.org/presentationml/2006/main">
   <p:cSld>
     <p:bg>
@@ -7893,7 +8535,7 @@
 </p:sld>
 </file>
 
-<file path=ppt/slides/slide14.xml><?xml version="1.0" encoding="utf-8"?>
+<file path=ppt/slides/slide17.xml><?xml version="1.0" encoding="utf-8"?>
 <p:sld xmlns:a="http://schemas.openxmlformats.org/drawingml/2006/main" xmlns:r="http://schemas.openxmlformats.org/officeDocument/2006/relationships" xmlns:p="http://schemas.openxmlformats.org/presentationml/2006/main">
   <p:cSld>
     <p:bg>
@@ -8712,7 +9354,7 @@
 </p:sld>
 </file>
 
-<file path=ppt/slides/slide15.xml><?xml version="1.0" encoding="utf-8"?>
+<file path=ppt/slides/slide18.xml><?xml version="1.0" encoding="utf-8"?>
 <p:sld xmlns:a="http://schemas.openxmlformats.org/drawingml/2006/main" xmlns:r="http://schemas.openxmlformats.org/officeDocument/2006/relationships" xmlns:p="http://schemas.openxmlformats.org/presentationml/2006/main">
   <p:cSld>
     <p:bg>
@@ -8754,7 +9396,7 @@
           <a:p>
             <a:r>
               <a:rPr lang="en-GB" dirty="0" smtClean="0"/>
-              <a:t>What is NOSQL?</a:t>
+              <a:t>CAP Theorem</a:t>
             </a:r>
             <a:endParaRPr lang="en-GB" dirty="0"/>
           </a:p>
@@ -8773,77 +9415,145 @@
         <p:spPr/>
         <p:txBody>
           <a:bodyPr>
-            <a:normAutofit fontScale="92500" lnSpcReduction="10000"/>
+            <a:normAutofit/>
           </a:bodyPr>
           <a:lstStyle/>
           <a:p>
-            <a:r>
-              <a:rPr lang="en-GB" dirty="0"/>
-              <a:t>Early 2000’s – “Web-Scale” companies</a:t>
-            </a:r>
+            <a:pPr fontAlgn="base"/>
+            <a:r>
+              <a:rPr lang="en-GB" sz="2400" dirty="0"/>
+              <a:t>Eric A. </a:t>
+            </a:r>
+            <a:r>
+              <a:rPr lang="en-GB" sz="2400" dirty="0" smtClean="0"/>
+              <a:t>Brewer.</a:t>
+            </a:r>
+          </a:p>
+          <a:p>
+            <a:pPr marL="0" indent="0" fontAlgn="base">
+              <a:buNone/>
+            </a:pPr>
+            <a:r>
+              <a:rPr lang="en-GB" sz="2800" b="1" dirty="0" smtClean="0"/>
+              <a:t>“Towards </a:t>
+            </a:r>
+            <a:r>
+              <a:rPr lang="en-GB" sz="2800" b="1" dirty="0"/>
+              <a:t>robust distributed </a:t>
+            </a:r>
+            <a:r>
+              <a:rPr lang="en-GB" sz="2800" b="1" dirty="0" smtClean="0"/>
+              <a:t>systems”</a:t>
+            </a:r>
+            <a:endParaRPr lang="en-GB" sz="2400" dirty="0"/>
           </a:p>
           <a:p>
             <a:pPr marL="0" indent="0">
               <a:buNone/>
             </a:pPr>
-            <a:endParaRPr lang="en-GB" dirty="0" smtClean="0"/>
-          </a:p>
-          <a:p>
-            <a:r>
-              <a:rPr lang="en-GB" dirty="0" smtClean="0"/>
-              <a:t>“Big Data” – 3 V’s</a:t>
-            </a:r>
-            <a:endParaRPr lang="en-GB" dirty="0"/>
-          </a:p>
-          <a:p>
-            <a:pPr lvl="1"/>
-            <a:r>
-              <a:rPr lang="en-GB" dirty="0" smtClean="0"/>
-              <a:t>Volume</a:t>
-            </a:r>
-          </a:p>
-          <a:p>
-            <a:pPr lvl="1"/>
-            <a:r>
-              <a:rPr lang="en-GB" dirty="0"/>
-              <a:t>Velocity </a:t>
-            </a:r>
-            <a:endParaRPr lang="en-GB" dirty="0" smtClean="0"/>
-          </a:p>
-          <a:p>
-            <a:pPr lvl="1"/>
-            <a:r>
-              <a:rPr lang="en-GB" dirty="0" smtClean="0"/>
-              <a:t>Variety</a:t>
-            </a:r>
-            <a:r>
-              <a:rPr lang="en-GB" dirty="0" smtClean="0"/>
-              <a:t>		</a:t>
-            </a:r>
-            <a:r>
-              <a:rPr lang="en-GB" sz="2200" i="1" dirty="0" smtClean="0"/>
-              <a:t>(Structured, Unstructured)</a:t>
-            </a:r>
-          </a:p>
-          <a:p>
-            <a:pPr lvl="1"/>
-            <a:endParaRPr lang="en-GB" dirty="0" smtClean="0"/>
-          </a:p>
-          <a:p>
-            <a:endParaRPr lang="en-GB" dirty="0" smtClean="0"/>
-          </a:p>
-          <a:p>
-            <a:r>
-              <a:rPr lang="en-GB" dirty="0" smtClean="0"/>
-              <a:t>Tools for Massively Distributed Systems</a:t>
-            </a:r>
+            <a:r>
+              <a:rPr lang="en-GB" sz="2000" dirty="0"/>
+              <a:t>Principles of Distributed </a:t>
+            </a:r>
+            <a:r>
+              <a:rPr lang="en-GB" sz="2000" dirty="0" smtClean="0"/>
+              <a:t>Computing</a:t>
+            </a:r>
+            <a:r>
+              <a:rPr lang="en-GB" sz="2000" dirty="0"/>
+              <a:t>, Portland, Oregon, July </a:t>
+            </a:r>
+            <a:r>
+              <a:rPr lang="en-GB" sz="2000" dirty="0" smtClean="0"/>
+              <a:t>2000</a:t>
+            </a:r>
+          </a:p>
+          <a:p>
+            <a:pPr marL="0" indent="0">
+              <a:buNone/>
+            </a:pPr>
+            <a:r>
+              <a:rPr lang="en-GB" sz="2000" i="1" dirty="0">
+                <a:hlinkClick r:id="rId3"/>
+              </a:rPr>
+              <a:t>https://www.cs.berkeley.edu/~</a:t>
+            </a:r>
+            <a:r>
+              <a:rPr lang="en-GB" sz="2000" i="1" dirty="0" smtClean="0">
+                <a:hlinkClick r:id="rId3"/>
+              </a:rPr>
+              <a:t>brewer/cs262b-2004/PODC-keynote.pdf</a:t>
+            </a:r>
+            <a:endParaRPr lang="en-GB" sz="2000" i="1" dirty="0" smtClean="0"/>
+          </a:p>
+          <a:p>
+            <a:pPr marL="0" indent="0">
+              <a:buNone/>
+            </a:pPr>
+            <a:endParaRPr lang="en-GB" sz="2400" dirty="0" smtClean="0"/>
+          </a:p>
+          <a:p>
+            <a:pPr fontAlgn="base"/>
+            <a:r>
+              <a:rPr lang="en-GB" sz="2400" dirty="0"/>
+              <a:t>Seth Gilbert, Nancy Lynch</a:t>
+            </a:r>
+          </a:p>
+          <a:p>
+            <a:pPr marL="0" indent="0">
+              <a:buNone/>
+            </a:pPr>
+            <a:r>
+              <a:rPr lang="en-GB" sz="2800" b="1" dirty="0" smtClean="0"/>
+              <a:t>“Brewer’s </a:t>
+            </a:r>
+            <a:r>
+              <a:rPr lang="en-GB" sz="2800" b="1" dirty="0"/>
+              <a:t>Conjecture and the Feasibility of Consistent, Available, Partition-Tolerant Web </a:t>
+            </a:r>
+            <a:r>
+              <a:rPr lang="en-GB" sz="2800" b="1" dirty="0" smtClean="0"/>
+              <a:t>Services”</a:t>
+            </a:r>
+            <a:endParaRPr lang="en-GB" sz="2800" b="1" dirty="0"/>
+          </a:p>
+          <a:p>
+            <a:pPr marL="0" indent="0">
+              <a:buNone/>
+            </a:pPr>
+            <a:r>
+              <a:rPr lang="en-GB" sz="2000" dirty="0"/>
+              <a:t>ACM SIGACT News Volume 33 Issue 2, June </a:t>
+            </a:r>
+            <a:r>
+              <a:rPr lang="en-GB" sz="2000" dirty="0" smtClean="0"/>
+              <a:t>2002</a:t>
+            </a:r>
+          </a:p>
+          <a:p>
+            <a:pPr marL="0" indent="0">
+              <a:buNone/>
+            </a:pPr>
+            <a:r>
+              <a:rPr lang="en-GB" sz="2000" i="1" dirty="0">
+                <a:hlinkClick r:id="rId4"/>
+              </a:rPr>
+              <a:t>http://webpages.cs.luc.edu/~</a:t>
+            </a:r>
+            <a:r>
+              <a:rPr lang="en-GB" sz="2000" i="1" dirty="0" smtClean="0">
+                <a:hlinkClick r:id="rId4"/>
+              </a:rPr>
+              <a:t>pld/353/gilbert_lynch_brewer_proof.pdf</a:t>
+            </a:r>
+            <a:endParaRPr lang="en-GB" sz="2000" i="1" dirty="0" smtClean="0"/>
           </a:p>
         </p:txBody>
       </p:sp>
     </p:spTree>
     <p:extLst>
       <p:ext uri="{BB962C8B-B14F-4D97-AF65-F5344CB8AC3E}">
-        <p14:creationId xmlns:p14="http://schemas.microsoft.com/office/powerpoint/2010/main" val="2375340114"/>
+        <p14:creationId xmlns:p14="http://schemas.microsoft.com/office/powerpoint/2010/main" val="3075418744"/>
       </p:ext>
     </p:extLst>
   </p:cSld>
@@ -8853,277 +9563,14 @@
   <p:timing>
     <p:tnLst>
       <p:par>
-        <p:cTn id="1" dur="indefinite" restart="never" nodeType="tmRoot">
-          <p:childTnLst>
-            <p:seq concurrent="1" nextAc="seek">
-              <p:cTn id="2" dur="indefinite" nodeType="mainSeq">
-                <p:childTnLst>
-                  <p:par>
-                    <p:cTn id="3" fill="hold">
-                      <p:stCondLst>
-                        <p:cond delay="indefinite"/>
-                      </p:stCondLst>
-                      <p:childTnLst>
-                        <p:par>
-                          <p:cTn id="4" fill="hold">
-                            <p:stCondLst>
-                              <p:cond delay="0"/>
-                            </p:stCondLst>
-                            <p:childTnLst>
-                              <p:par>
-                                <p:cTn id="5" presetID="1" presetClass="entr" presetSubtype="0" fill="hold" nodeType="clickEffect">
-                                  <p:stCondLst>
-                                    <p:cond delay="0"/>
-                                  </p:stCondLst>
-                                  <p:childTnLst>
-                                    <p:set>
-                                      <p:cBhvr>
-                                        <p:cTn id="6" dur="1" fill="hold">
-                                          <p:stCondLst>
-                                            <p:cond delay="0"/>
-                                          </p:stCondLst>
-                                        </p:cTn>
-                                        <p:tgtEl>
-                                          <p:spTgt spid="3">
-                                            <p:txEl>
-                                              <p:pRg st="0" end="0"/>
-                                            </p:txEl>
-                                          </p:spTgt>
-                                        </p:tgtEl>
-                                        <p:attrNameLst>
-                                          <p:attrName>style.visibility</p:attrName>
-                                        </p:attrNameLst>
-                                      </p:cBhvr>
-                                      <p:to>
-                                        <p:strVal val="visible"/>
-                                      </p:to>
-                                    </p:set>
-                                  </p:childTnLst>
-                                </p:cTn>
-                              </p:par>
-                            </p:childTnLst>
-                          </p:cTn>
-                        </p:par>
-                      </p:childTnLst>
-                    </p:cTn>
-                  </p:par>
-                  <p:par>
-                    <p:cTn id="7" fill="hold">
-                      <p:stCondLst>
-                        <p:cond delay="indefinite"/>
-                      </p:stCondLst>
-                      <p:childTnLst>
-                        <p:par>
-                          <p:cTn id="8" fill="hold">
-                            <p:stCondLst>
-                              <p:cond delay="0"/>
-                            </p:stCondLst>
-                            <p:childTnLst>
-                              <p:par>
-                                <p:cTn id="9" presetID="1" presetClass="entr" presetSubtype="0" fill="hold" nodeType="clickEffect">
-                                  <p:stCondLst>
-                                    <p:cond delay="0"/>
-                                  </p:stCondLst>
-                                  <p:childTnLst>
-                                    <p:set>
-                                      <p:cBhvr>
-                                        <p:cTn id="10" dur="1" fill="hold">
-                                          <p:stCondLst>
-                                            <p:cond delay="0"/>
-                                          </p:stCondLst>
-                                        </p:cTn>
-                                        <p:tgtEl>
-                                          <p:spTgt spid="3">
-                                            <p:txEl>
-                                              <p:pRg st="2" end="2"/>
-                                            </p:txEl>
-                                          </p:spTgt>
-                                        </p:tgtEl>
-                                        <p:attrNameLst>
-                                          <p:attrName>style.visibility</p:attrName>
-                                        </p:attrNameLst>
-                                      </p:cBhvr>
-                                      <p:to>
-                                        <p:strVal val="visible"/>
-                                      </p:to>
-                                    </p:set>
-                                  </p:childTnLst>
-                                </p:cTn>
-                              </p:par>
-                              <p:par>
-                                <p:cTn id="11" presetID="1" presetClass="entr" presetSubtype="0" fill="hold" nodeType="withEffect">
-                                  <p:stCondLst>
-                                    <p:cond delay="0"/>
-                                  </p:stCondLst>
-                                  <p:childTnLst>
-                                    <p:set>
-                                      <p:cBhvr>
-                                        <p:cTn id="12" dur="1" fill="hold">
-                                          <p:stCondLst>
-                                            <p:cond delay="0"/>
-                                          </p:stCondLst>
-                                        </p:cTn>
-                                        <p:tgtEl>
-                                          <p:spTgt spid="3">
-                                            <p:txEl>
-                                              <p:pRg st="3" end="3"/>
-                                            </p:txEl>
-                                          </p:spTgt>
-                                        </p:tgtEl>
-                                        <p:attrNameLst>
-                                          <p:attrName>style.visibility</p:attrName>
-                                        </p:attrNameLst>
-                                      </p:cBhvr>
-                                      <p:to>
-                                        <p:strVal val="visible"/>
-                                      </p:to>
-                                    </p:set>
-                                  </p:childTnLst>
-                                </p:cTn>
-                              </p:par>
-                              <p:par>
-                                <p:cTn id="13" presetID="1" presetClass="entr" presetSubtype="0" fill="hold" nodeType="withEffect">
-                                  <p:stCondLst>
-                                    <p:cond delay="0"/>
-                                  </p:stCondLst>
-                                  <p:childTnLst>
-                                    <p:set>
-                                      <p:cBhvr>
-                                        <p:cTn id="14" dur="1" fill="hold">
-                                          <p:stCondLst>
-                                            <p:cond delay="0"/>
-                                          </p:stCondLst>
-                                        </p:cTn>
-                                        <p:tgtEl>
-                                          <p:spTgt spid="3">
-                                            <p:txEl>
-                                              <p:pRg st="4" end="4"/>
-                                            </p:txEl>
-                                          </p:spTgt>
-                                        </p:tgtEl>
-                                        <p:attrNameLst>
-                                          <p:attrName>style.visibility</p:attrName>
-                                        </p:attrNameLst>
-                                      </p:cBhvr>
-                                      <p:to>
-                                        <p:strVal val="visible"/>
-                                      </p:to>
-                                    </p:set>
-                                  </p:childTnLst>
-                                </p:cTn>
-                              </p:par>
-                              <p:par>
-                                <p:cTn id="15" presetID="1" presetClass="entr" presetSubtype="0" fill="hold" nodeType="withEffect">
-                                  <p:stCondLst>
-                                    <p:cond delay="0"/>
-                                  </p:stCondLst>
-                                  <p:childTnLst>
-                                    <p:set>
-                                      <p:cBhvr>
-                                        <p:cTn id="16" dur="1" fill="hold">
-                                          <p:stCondLst>
-                                            <p:cond delay="0"/>
-                                          </p:stCondLst>
-                                        </p:cTn>
-                                        <p:tgtEl>
-                                          <p:spTgt spid="3">
-                                            <p:txEl>
-                                              <p:pRg st="5" end="5"/>
-                                            </p:txEl>
-                                          </p:spTgt>
-                                        </p:tgtEl>
-                                        <p:attrNameLst>
-                                          <p:attrName>style.visibility</p:attrName>
-                                        </p:attrNameLst>
-                                      </p:cBhvr>
-                                      <p:to>
-                                        <p:strVal val="visible"/>
-                                      </p:to>
-                                    </p:set>
-                                  </p:childTnLst>
-                                </p:cTn>
-                              </p:par>
-                            </p:childTnLst>
-                          </p:cTn>
-                        </p:par>
-                      </p:childTnLst>
-                    </p:cTn>
-                  </p:par>
-                  <p:par>
-                    <p:cTn id="17" fill="hold">
-                      <p:stCondLst>
-                        <p:cond delay="indefinite"/>
-                      </p:stCondLst>
-                      <p:childTnLst>
-                        <p:par>
-                          <p:cTn id="18" fill="hold">
-                            <p:stCondLst>
-                              <p:cond delay="0"/>
-                            </p:stCondLst>
-                            <p:childTnLst>
-                              <p:par>
-                                <p:cTn id="19" presetID="1" presetClass="entr" presetSubtype="0" fill="hold" nodeType="clickEffect">
-                                  <p:stCondLst>
-                                    <p:cond delay="0"/>
-                                  </p:stCondLst>
-                                  <p:childTnLst>
-                                    <p:set>
-                                      <p:cBhvr>
-                                        <p:cTn id="20" dur="1" fill="hold">
-                                          <p:stCondLst>
-                                            <p:cond delay="0"/>
-                                          </p:stCondLst>
-                                        </p:cTn>
-                                        <p:tgtEl>
-                                          <p:spTgt spid="3">
-                                            <p:txEl>
-                                              <p:pRg st="8" end="8"/>
-                                            </p:txEl>
-                                          </p:spTgt>
-                                        </p:tgtEl>
-                                        <p:attrNameLst>
-                                          <p:attrName>style.visibility</p:attrName>
-                                        </p:attrNameLst>
-                                      </p:cBhvr>
-                                      <p:to>
-                                        <p:strVal val="visible"/>
-                                      </p:to>
-                                    </p:set>
-                                  </p:childTnLst>
-                                </p:cTn>
-                              </p:par>
-                            </p:childTnLst>
-                          </p:cTn>
-                        </p:par>
-                      </p:childTnLst>
-                    </p:cTn>
-                  </p:par>
-                </p:childTnLst>
-              </p:cTn>
-              <p:prevCondLst>
-                <p:cond evt="onPrev" delay="0">
-                  <p:tgtEl>
-                    <p:sldTgt/>
-                  </p:tgtEl>
-                </p:cond>
-              </p:prevCondLst>
-              <p:nextCondLst>
-                <p:cond evt="onNext" delay="0">
-                  <p:tgtEl>
-                    <p:sldTgt/>
-                  </p:tgtEl>
-                </p:cond>
-              </p:nextCondLst>
-            </p:seq>
-          </p:childTnLst>
-        </p:cTn>
+        <p:cTn id="1" dur="indefinite" restart="never" nodeType="tmRoot"/>
       </p:par>
     </p:tnLst>
   </p:timing>
 </p:sld>
 </file>
 
-<file path=ppt/slides/slide16.xml><?xml version="1.0" encoding="utf-8"?>
+<file path=ppt/slides/slide19.xml><?xml version="1.0" encoding="utf-8"?>
 <p:sld xmlns:a="http://schemas.openxmlformats.org/drawingml/2006/main" xmlns:r="http://schemas.openxmlformats.org/officeDocument/2006/relationships" xmlns:p="http://schemas.openxmlformats.org/presentationml/2006/main">
   <p:cSld>
     <p:bg>
@@ -9184,145 +9631,127 @@
         <p:spPr/>
         <p:txBody>
           <a:bodyPr>
-            <a:normAutofit/>
+            <a:normAutofit fontScale="92500" lnSpcReduction="20000"/>
           </a:bodyPr>
           <a:lstStyle/>
           <a:p>
-            <a:pPr fontAlgn="base"/>
-            <a:r>
-              <a:rPr lang="en-GB" sz="2400" dirty="0"/>
-              <a:t>Eric A. </a:t>
-            </a:r>
-            <a:r>
-              <a:rPr lang="en-GB" sz="2400" dirty="0" smtClean="0"/>
-              <a:t>Brewer.</a:t>
-            </a:r>
-          </a:p>
-          <a:p>
-            <a:pPr marL="0" indent="0" fontAlgn="base">
+            <a:r>
+              <a:rPr lang="en-GB" dirty="0" smtClean="0"/>
+              <a:t>We can guarantee (at most) two of:</a:t>
+            </a:r>
+          </a:p>
+          <a:p>
+            <a:pPr lvl="1"/>
+            <a:endParaRPr lang="en-GB" dirty="0" smtClean="0"/>
+          </a:p>
+          <a:p>
+            <a:pPr lvl="1"/>
+            <a:r>
+              <a:rPr lang="en-GB" dirty="0" smtClean="0"/>
+              <a:t>Consistency</a:t>
+            </a:r>
+          </a:p>
+          <a:p>
+            <a:pPr lvl="2"/>
+            <a:r>
+              <a:rPr lang="en-GB" dirty="0" smtClean="0"/>
+              <a:t>same data/ history on all nodes</a:t>
+            </a:r>
+          </a:p>
+          <a:p>
+            <a:pPr lvl="1"/>
+            <a:endParaRPr lang="en-GB" dirty="0" smtClean="0"/>
+          </a:p>
+          <a:p>
+            <a:pPr lvl="1"/>
+            <a:r>
+              <a:rPr lang="en-GB" dirty="0" smtClean="0"/>
+              <a:t>Availability</a:t>
+            </a:r>
+          </a:p>
+          <a:p>
+            <a:pPr lvl="2"/>
+            <a:r>
+              <a:rPr lang="en-GB" dirty="0" smtClean="0"/>
+              <a:t>ability to respond (fast)</a:t>
+            </a:r>
+          </a:p>
+          <a:p>
+            <a:pPr lvl="1"/>
+            <a:endParaRPr lang="en-GB" dirty="0" smtClean="0"/>
+          </a:p>
+          <a:p>
+            <a:pPr lvl="1"/>
+            <a:r>
+              <a:rPr lang="en-GB" dirty="0" smtClean="0"/>
+              <a:t>Partition Tolerance</a:t>
+            </a:r>
+          </a:p>
+          <a:p>
+            <a:pPr lvl="2"/>
+            <a:r>
+              <a:rPr lang="en-GB" dirty="0" smtClean="0"/>
+              <a:t>nodes/ communication </a:t>
+            </a:r>
+            <a:r>
+              <a:rPr lang="en-GB" b="1" dirty="0" smtClean="0"/>
+              <a:t>may </a:t>
+            </a:r>
+            <a:r>
+              <a:rPr lang="en-GB" dirty="0" smtClean="0"/>
+              <a:t>fail 	(</a:t>
+            </a:r>
+            <a:r>
+              <a:rPr lang="en-GB" b="1" dirty="0" smtClean="0">
+                <a:solidFill>
+                  <a:srgbClr val="FF0000"/>
+                </a:solidFill>
+              </a:rPr>
+              <a:t>non-negotiable</a:t>
+            </a:r>
+            <a:r>
+              <a:rPr lang="en-GB" dirty="0" smtClean="0"/>
+              <a:t>)</a:t>
+            </a:r>
+          </a:p>
+          <a:p>
+            <a:pPr marL="914400" lvl="2" indent="0">
               <a:buNone/>
             </a:pPr>
-            <a:r>
-              <a:rPr lang="en-GB" sz="2800" b="1" dirty="0" smtClean="0"/>
-              <a:t>“Towards </a:t>
-            </a:r>
-            <a:r>
-              <a:rPr lang="en-GB" sz="2800" b="1" dirty="0"/>
-              <a:t>robust distributed </a:t>
-            </a:r>
-            <a:r>
-              <a:rPr lang="en-GB" sz="2800" b="1" dirty="0" smtClean="0"/>
-              <a:t>systems”</a:t>
-            </a:r>
-            <a:endParaRPr lang="en-GB" sz="2400" dirty="0"/>
-          </a:p>
-          <a:p>
-            <a:pPr marL="0" indent="0">
+            <a:endParaRPr lang="en-GB" dirty="0">
+              <a:hlinkClick r:id="rId3"/>
+            </a:endParaRPr>
+          </a:p>
+          <a:p>
+            <a:pPr marL="914400" lvl="2" indent="0">
               <a:buNone/>
             </a:pPr>
             <a:r>
-              <a:rPr lang="en-GB" sz="2000" dirty="0"/>
-              <a:t>Principles of Distributed </a:t>
-            </a:r>
-            <a:r>
-              <a:rPr lang="en-GB" sz="2000" dirty="0" smtClean="0"/>
-              <a:t>Computing</a:t>
-            </a:r>
-            <a:r>
-              <a:rPr lang="en-GB" sz="2000" dirty="0"/>
-              <a:t>, Portland, Oregon, July </a:t>
-            </a:r>
-            <a:r>
-              <a:rPr lang="en-GB" sz="2000" dirty="0" smtClean="0"/>
-              <a:t>2000</a:t>
-            </a:r>
-          </a:p>
-          <a:p>
-            <a:pPr marL="0" indent="0">
-              <a:buNone/>
-            </a:pPr>
-            <a:r>
-              <a:rPr lang="en-GB" sz="2000" i="1" dirty="0">
+              <a:rPr lang="en-GB" sz="1700" i="1" dirty="0" smtClean="0">
                 <a:hlinkClick r:id="rId3"/>
               </a:rPr>
-              <a:t>https://www.cs.berkeley.edu/~</a:t>
-            </a:r>
-            <a:r>
-              <a:rPr lang="en-GB" sz="2000" i="1" dirty="0" smtClean="0">
-                <a:hlinkClick r:id="rId3"/>
-              </a:rPr>
-              <a:t>brewer/cs262b-2004/PODC-keynote.pdf</a:t>
-            </a:r>
-            <a:endParaRPr lang="en-GB" sz="2000" i="1" dirty="0" smtClean="0"/>
-          </a:p>
-          <a:p>
-            <a:pPr marL="0" indent="0">
-              <a:buNone/>
-            </a:pPr>
-            <a:endParaRPr lang="en-GB" sz="2400" dirty="0" smtClean="0"/>
-          </a:p>
-          <a:p>
-            <a:pPr fontAlgn="base"/>
-            <a:r>
-              <a:rPr lang="en-GB" sz="2400" dirty="0"/>
-              <a:t>Seth Gilbert, Nancy Lynch</a:t>
-            </a:r>
-          </a:p>
-          <a:p>
-            <a:pPr marL="0" indent="0">
-              <a:buNone/>
-            </a:pPr>
-            <a:r>
-              <a:rPr lang="en-GB" sz="2800" b="1" dirty="0" smtClean="0"/>
-              <a:t>“Brewer’s </a:t>
-            </a:r>
-            <a:r>
-              <a:rPr lang="en-GB" sz="2800" b="1" dirty="0"/>
-              <a:t>Conjecture and the Feasibility of Consistent, Available, Partition-Tolerant Web </a:t>
-            </a:r>
-            <a:r>
-              <a:rPr lang="en-GB" sz="2800" b="1" dirty="0" smtClean="0"/>
-              <a:t>Services”</a:t>
-            </a:r>
-            <a:endParaRPr lang="en-GB" sz="2800" b="1" dirty="0"/>
-          </a:p>
-          <a:p>
-            <a:pPr marL="0" indent="0">
-              <a:buNone/>
-            </a:pPr>
-            <a:r>
-              <a:rPr lang="en-GB" sz="2000" dirty="0"/>
-              <a:t>ACM SIGACT News Volume 33 Issue 2, June </a:t>
-            </a:r>
-            <a:r>
-              <a:rPr lang="en-GB" sz="2000" dirty="0" smtClean="0"/>
-              <a:t>2002</a:t>
-            </a:r>
-          </a:p>
-          <a:p>
-            <a:pPr marL="0" indent="0">
-              <a:buNone/>
-            </a:pPr>
-            <a:r>
-              <a:rPr lang="en-GB" sz="2000" i="1" dirty="0">
-                <a:hlinkClick r:id="rId4"/>
-              </a:rPr>
-              <a:t>http://webpages.cs.luc.edu/~</a:t>
-            </a:r>
-            <a:r>
-              <a:rPr lang="en-GB" sz="2000" i="1" dirty="0" smtClean="0">
-                <a:hlinkClick r:id="rId4"/>
-              </a:rPr>
-              <a:t>pld/353/gilbert_lynch_brewer_proof.pdf</a:t>
-            </a:r>
-            <a:endParaRPr lang="en-GB" sz="2000" i="1" dirty="0" smtClean="0"/>
+              <a:t>blog.cloudera.com/blog/2010/04/cap-confusion-problems-with-partition-tolerance</a:t>
+            </a:r>
+            <a:endParaRPr lang="en-GB" sz="1700" i="1" dirty="0"/>
+          </a:p>
+          <a:p>
+            <a:pPr lvl="2"/>
+            <a:endParaRPr lang="en-GB" dirty="0"/>
+          </a:p>
+          <a:p>
+            <a:pPr lvl="1"/>
+            <a:endParaRPr lang="en-GB" dirty="0" smtClean="0"/>
+          </a:p>
+          <a:p>
+            <a:pPr lvl="1"/>
+            <a:endParaRPr lang="en-GB" dirty="0"/>
           </a:p>
         </p:txBody>
       </p:sp>
     </p:spTree>
     <p:extLst>
       <p:ext uri="{BB962C8B-B14F-4D97-AF65-F5344CB8AC3E}">
-        <p14:creationId xmlns:p14="http://schemas.microsoft.com/office/powerpoint/2010/main" val="3075418744"/>
+        <p14:creationId xmlns:p14="http://schemas.microsoft.com/office/powerpoint/2010/main" val="3703200671"/>
       </p:ext>
     </p:extLst>
   </p:cSld>
@@ -9339,7 +9768,7 @@
 </p:sld>
 </file>
 
-<file path=ppt/slides/slide17.xml><?xml version="1.0" encoding="utf-8"?>
+<file path=ppt/slides/slide2.xml><?xml version="1.0" encoding="utf-8"?>
 <p:sld xmlns:a="http://schemas.openxmlformats.org/drawingml/2006/main" xmlns:r="http://schemas.openxmlformats.org/officeDocument/2006/relationships" xmlns:p="http://schemas.openxmlformats.org/presentationml/2006/main">
   <p:cSld>
     <p:bg>
@@ -9376,12 +9805,14 @@
         </p:nvSpPr>
         <p:spPr/>
         <p:txBody>
-          <a:bodyPr/>
+          <a:bodyPr>
+            <a:normAutofit/>
+          </a:bodyPr>
           <a:lstStyle/>
           <a:p>
             <a:r>
               <a:rPr lang="en-GB" dirty="0" smtClean="0"/>
-              <a:t>CAP Theorem</a:t>
+              <a:t>About Me</a:t>
             </a:r>
             <a:endParaRPr lang="en-GB" dirty="0"/>
           </a:p>
@@ -9400,127 +9831,190 @@
         <p:spPr/>
         <p:txBody>
           <a:bodyPr>
-            <a:normAutofit fontScale="92500" lnSpcReduction="20000"/>
+            <a:normAutofit/>
           </a:bodyPr>
           <a:lstStyle/>
           <a:p>
-            <a:r>
-              <a:rPr lang="en-GB" dirty="0" smtClean="0"/>
-              <a:t>We can guarantee (at most) two of:</a:t>
-            </a:r>
-          </a:p>
-          <a:p>
-            <a:pPr lvl="1"/>
-            <a:endParaRPr lang="en-GB" dirty="0" smtClean="0"/>
-          </a:p>
-          <a:p>
-            <a:pPr lvl="1"/>
-            <a:r>
-              <a:rPr lang="en-GB" dirty="0" smtClean="0"/>
-              <a:t>Consistency</a:t>
-            </a:r>
-          </a:p>
-          <a:p>
-            <a:pPr lvl="2"/>
-            <a:r>
-              <a:rPr lang="en-GB" dirty="0" smtClean="0"/>
-              <a:t>same data/ history on all nodes</a:t>
-            </a:r>
-          </a:p>
-          <a:p>
-            <a:pPr lvl="1"/>
-            <a:endParaRPr lang="en-GB" dirty="0" smtClean="0"/>
-          </a:p>
-          <a:p>
-            <a:pPr lvl="1"/>
-            <a:r>
-              <a:rPr lang="en-GB" dirty="0" smtClean="0"/>
-              <a:t>Availability</a:t>
-            </a:r>
-          </a:p>
-          <a:p>
-            <a:pPr lvl="2"/>
-            <a:r>
-              <a:rPr lang="en-GB" dirty="0" smtClean="0"/>
-              <a:t>ability to respond (fast)</a:t>
-            </a:r>
-          </a:p>
-          <a:p>
-            <a:pPr lvl="1"/>
-            <a:endParaRPr lang="en-GB" dirty="0" smtClean="0"/>
-          </a:p>
-          <a:p>
-            <a:pPr lvl="1"/>
-            <a:r>
-              <a:rPr lang="en-GB" dirty="0" smtClean="0"/>
-              <a:t>Partition Tolerance</a:t>
-            </a:r>
-          </a:p>
-          <a:p>
-            <a:pPr lvl="2"/>
-            <a:r>
-              <a:rPr lang="en-GB" dirty="0" smtClean="0"/>
-              <a:t>nodes/ communication </a:t>
-            </a:r>
-            <a:r>
-              <a:rPr lang="en-GB" b="1" dirty="0" smtClean="0"/>
-              <a:t>may </a:t>
-            </a:r>
-            <a:r>
-              <a:rPr lang="en-GB" dirty="0" smtClean="0"/>
-              <a:t>fail 	(</a:t>
-            </a:r>
-            <a:r>
-              <a:rPr lang="en-GB" b="1" dirty="0" smtClean="0">
-                <a:solidFill>
-                  <a:srgbClr val="FF0000"/>
-                </a:solidFill>
-              </a:rPr>
-              <a:t>non-negotiable</a:t>
-            </a:r>
-            <a:r>
-              <a:rPr lang="en-GB" dirty="0" smtClean="0"/>
-              <a:t>)</a:t>
-            </a:r>
-          </a:p>
-          <a:p>
-            <a:pPr marL="914400" lvl="2" indent="0">
+            <a:pPr marL="0" indent="0" fontAlgn="base">
               <a:buNone/>
             </a:pPr>
-            <a:endParaRPr lang="en-GB" dirty="0">
-              <a:hlinkClick r:id="rId3"/>
-            </a:endParaRPr>
-          </a:p>
-          <a:p>
-            <a:pPr marL="914400" lvl="2" indent="0">
+            <a:endParaRPr lang="en-GB" sz="2800" dirty="0" smtClean="0"/>
+          </a:p>
+          <a:p>
+            <a:pPr marL="0" indent="0" fontAlgn="base">
               <a:buNone/>
             </a:pPr>
             <a:r>
-              <a:rPr lang="en-GB" sz="1700" i="1" dirty="0" smtClean="0">
-                <a:hlinkClick r:id="rId3"/>
+              <a:rPr lang="en-GB" sz="2800" dirty="0" smtClean="0"/>
+              <a:t>Senior Database Developer</a:t>
+            </a:r>
+          </a:p>
+          <a:p>
+            <a:pPr marL="0" indent="0" fontAlgn="base">
+              <a:buNone/>
+            </a:pPr>
+            <a:r>
+              <a:rPr lang="en-GB" sz="2800" dirty="0"/>
+              <a:t>	</a:t>
+            </a:r>
+            <a:r>
+              <a:rPr lang="en-GB" sz="2800" dirty="0" smtClean="0"/>
+              <a:t>-&gt; MS SQL Server, Hadoop (HDFS)</a:t>
+            </a:r>
+          </a:p>
+          <a:p>
+            <a:pPr marL="0" indent="0" fontAlgn="base">
+              <a:buNone/>
+            </a:pPr>
+            <a:endParaRPr lang="en-GB" sz="2800" dirty="0" smtClean="0"/>
+          </a:p>
+          <a:p>
+            <a:pPr marL="0" indent="0" fontAlgn="base">
+              <a:buNone/>
+            </a:pPr>
+            <a:endParaRPr lang="en-GB" sz="2800" dirty="0" smtClean="0"/>
+          </a:p>
+          <a:p>
+            <a:pPr marL="0" indent="0" fontAlgn="base">
+              <a:buNone/>
+            </a:pPr>
+            <a:r>
+              <a:rPr lang="en-GB" sz="2800" dirty="0" smtClean="0"/>
+              <a:t>Senior Data Engineer</a:t>
+            </a:r>
+          </a:p>
+          <a:p>
+            <a:pPr marL="0" indent="0" fontAlgn="base">
+              <a:buNone/>
+            </a:pPr>
+            <a:r>
+              <a:rPr lang="en-GB" sz="2800" dirty="0"/>
+              <a:t>	</a:t>
+            </a:r>
+            <a:r>
+              <a:rPr lang="en-GB" sz="2800" dirty="0" smtClean="0"/>
+              <a:t>-&gt; Hadoop, Hive, Impala, Spark</a:t>
+            </a:r>
+          </a:p>
+          <a:p>
+            <a:pPr marL="0" indent="0" fontAlgn="base">
+              <a:buNone/>
+            </a:pPr>
+            <a:endParaRPr lang="en-GB" sz="2800" dirty="0"/>
+          </a:p>
+        </p:txBody>
+      </p:sp>
+      <p:pic>
+        <p:nvPicPr>
+          <p:cNvPr id="4" name="Picture 3"/>
+          <p:cNvPicPr>
+            <a:picLocks noChangeAspect="1"/>
+          </p:cNvPicPr>
+          <p:nvPr/>
+        </p:nvPicPr>
+        <p:blipFill>
+          <a:blip r:embed="rId3">
+            <a:extLst>
+              <a:ext uri="{28A0092B-C50C-407E-A947-70E740481C1C}">
+                <a14:useLocalDpi xmlns:a14="http://schemas.microsoft.com/office/drawing/2010/main" val="0"/>
+              </a:ext>
+            </a:extLst>
+          </a:blip>
+          <a:stretch>
+            <a:fillRect/>
+          </a:stretch>
+        </p:blipFill>
+        <p:spPr>
+          <a:xfrm>
+            <a:off x="6910146" y="2132856"/>
+            <a:ext cx="1334262" cy="884969"/>
+          </a:xfrm>
+          <a:prstGeom prst="rect">
+            <a:avLst/>
+          </a:prstGeom>
+        </p:spPr>
+      </p:pic>
+      <p:pic>
+        <p:nvPicPr>
+          <p:cNvPr id="5" name="Picture 4"/>
+          <p:cNvPicPr>
+            <a:picLocks noChangeAspect="1"/>
+          </p:cNvPicPr>
+          <p:nvPr/>
+        </p:nvPicPr>
+        <p:blipFill>
+          <a:blip r:embed="rId4">
+            <a:extLst>
+              <a:ext uri="{28A0092B-C50C-407E-A947-70E740481C1C}">
+                <a14:useLocalDpi xmlns:a14="http://schemas.microsoft.com/office/drawing/2010/main" val="0"/>
+              </a:ext>
+            </a:extLst>
+          </a:blip>
+          <a:stretch>
+            <a:fillRect/>
+          </a:stretch>
+        </p:blipFill>
+        <p:spPr>
+          <a:xfrm>
+            <a:off x="6473297" y="3789040"/>
+            <a:ext cx="2158091" cy="1728192"/>
+          </a:xfrm>
+          <a:prstGeom prst="rect">
+            <a:avLst/>
+          </a:prstGeom>
+        </p:spPr>
+      </p:pic>
+      <p:sp>
+        <p:nvSpPr>
+          <p:cNvPr id="6" name="TextBox 5"/>
+          <p:cNvSpPr txBox="1"/>
+          <p:nvPr/>
+        </p:nvSpPr>
+        <p:spPr>
+          <a:xfrm>
+            <a:off x="683568" y="6011996"/>
+            <a:ext cx="7848872" cy="369332"/>
+          </a:xfrm>
+          <a:prstGeom prst="rect">
+            <a:avLst/>
+          </a:prstGeom>
+          <a:noFill/>
+        </p:spPr>
+        <p:txBody>
+          <a:bodyPr wrap="square" rtlCol="0">
+            <a:spAutoFit/>
+          </a:bodyPr>
+          <a:lstStyle/>
+          <a:p>
+            <a:pPr algn="ctr"/>
+            <a:r>
+              <a:rPr lang="en-GB" i="1" dirty="0" smtClean="0">
+                <a:hlinkClick r:id="rId5"/>
               </a:rPr>
-              <a:t>blog.cloudera.com/blog/2010/04/cap-confusion-problems-with-partition-tolerance</a:t>
-            </a:r>
-            <a:endParaRPr lang="en-GB" sz="1700" i="1" dirty="0"/>
-          </a:p>
-          <a:p>
-            <a:pPr lvl="2"/>
-            <a:endParaRPr lang="en-GB" dirty="0"/>
-          </a:p>
-          <a:p>
-            <a:pPr lvl="1"/>
-            <a:endParaRPr lang="en-GB" dirty="0" smtClean="0"/>
-          </a:p>
-          <a:p>
-            <a:pPr lvl="1"/>
-            <a:endParaRPr lang="en-GB" dirty="0"/>
+              <a:t>www.alexdgarland.com</a:t>
+            </a:r>
+            <a:r>
+              <a:rPr lang="en-GB" i="1" dirty="0"/>
+              <a:t>		</a:t>
+            </a:r>
+            <a:r>
+              <a:rPr lang="en-GB" i="1" dirty="0" smtClean="0">
+                <a:hlinkClick r:id="rId6"/>
+              </a:rPr>
+              <a:t>www.twitter.com/alexdgarland</a:t>
+            </a:r>
+            <a:r>
+              <a:rPr lang="en-GB" i="1" dirty="0" smtClean="0"/>
+              <a:t> </a:t>
+            </a:r>
+            <a:endParaRPr lang="en-GB" i="1" dirty="0"/>
           </a:p>
         </p:txBody>
       </p:sp>
     </p:spTree>
     <p:extLst>
       <p:ext uri="{BB962C8B-B14F-4D97-AF65-F5344CB8AC3E}">
-        <p14:creationId xmlns:p14="http://schemas.microsoft.com/office/powerpoint/2010/main" val="3703200671"/>
+        <p14:creationId xmlns:p14="http://schemas.microsoft.com/office/powerpoint/2010/main" val="2351351091"/>
       </p:ext>
     </p:extLst>
   </p:cSld>
@@ -9537,7 +10031,7 @@
 </p:sld>
 </file>
 
-<file path=ppt/slides/slide18.xml><?xml version="1.0" encoding="utf-8"?>
+<file path=ppt/slides/slide20.xml><?xml version="1.0" encoding="utf-8"?>
 <p:sld xmlns:a="http://schemas.openxmlformats.org/drawingml/2006/main" xmlns:r="http://schemas.openxmlformats.org/officeDocument/2006/relationships" xmlns:p="http://schemas.openxmlformats.org/presentationml/2006/main">
   <p:cSld>
     <p:bg>
@@ -10916,618 +11410,6 @@
 </p:sld>
 </file>
 
-<file path=ppt/slides/slide19.xml><?xml version="1.0" encoding="utf-8"?>
-<p:sld xmlns:a="http://schemas.openxmlformats.org/drawingml/2006/main" xmlns:r="http://schemas.openxmlformats.org/officeDocument/2006/relationships" xmlns:p="http://schemas.openxmlformats.org/presentationml/2006/main">
-  <p:cSld>
-    <p:bg>
-      <p:bgPr>
-        <a:solidFill>
-          <a:schemeClr val="bg1"/>
-        </a:solidFill>
-        <a:effectLst/>
-      </p:bgPr>
-    </p:bg>
-    <p:spTree>
-      <p:nvGrpSpPr>
-        <p:cNvPr id="1" name=""/>
-        <p:cNvGrpSpPr/>
-        <p:nvPr/>
-      </p:nvGrpSpPr>
-      <p:grpSpPr>
-        <a:xfrm>
-          <a:off x="0" y="0"/>
-          <a:ext cx="0" cy="0"/>
-          <a:chOff x="0" y="0"/>
-          <a:chExt cx="0" cy="0"/>
-        </a:xfrm>
-      </p:grpSpPr>
-      <p:sp>
-        <p:nvSpPr>
-          <p:cNvPr id="2" name="Title 1"/>
-          <p:cNvSpPr>
-            <a:spLocks noGrp="1"/>
-          </p:cNvSpPr>
-          <p:nvPr>
-            <p:ph type="title"/>
-          </p:nvPr>
-        </p:nvSpPr>
-        <p:spPr>
-          <a:xfrm>
-            <a:off x="457200" y="274638"/>
-            <a:ext cx="8229600" cy="850106"/>
-          </a:xfrm>
-        </p:spPr>
-        <p:txBody>
-          <a:bodyPr>
-            <a:normAutofit/>
-          </a:bodyPr>
-          <a:lstStyle/>
-          <a:p>
-            <a:r>
-              <a:rPr lang="en-GB" dirty="0" smtClean="0"/>
-              <a:t>Document Databases</a:t>
-            </a:r>
-            <a:endParaRPr lang="en-GB" dirty="0"/>
-          </a:p>
-        </p:txBody>
-      </p:sp>
-      <p:sp>
-        <p:nvSpPr>
-          <p:cNvPr id="3" name="Content Placeholder 2"/>
-          <p:cNvSpPr>
-            <a:spLocks noGrp="1"/>
-          </p:cNvSpPr>
-          <p:nvPr>
-            <p:ph idx="1"/>
-          </p:nvPr>
-        </p:nvSpPr>
-        <p:spPr>
-          <a:xfrm>
-            <a:off x="457200" y="1340768"/>
-            <a:ext cx="8229600" cy="4785395"/>
-          </a:xfrm>
-        </p:spPr>
-        <p:txBody>
-          <a:bodyPr>
-            <a:normAutofit/>
-          </a:bodyPr>
-          <a:lstStyle/>
-          <a:p>
-            <a:r>
-              <a:rPr lang="en-GB" dirty="0" smtClean="0"/>
-              <a:t>Extends the idea of document serialization to primary storage format</a:t>
-            </a:r>
-            <a:endParaRPr lang="en-GB" dirty="0" smtClean="0"/>
-          </a:p>
-          <a:p>
-            <a:pPr marL="0" indent="0">
-              <a:buNone/>
-            </a:pPr>
-            <a:endParaRPr lang="en-GB" dirty="0" smtClean="0"/>
-          </a:p>
-          <a:p>
-            <a:endParaRPr lang="en-GB" dirty="0" smtClean="0"/>
-          </a:p>
-          <a:p>
-            <a:endParaRPr lang="en-GB" dirty="0"/>
-          </a:p>
-          <a:p>
-            <a:endParaRPr lang="en-GB" dirty="0"/>
-          </a:p>
-          <a:p>
-            <a:pPr lvl="1"/>
-            <a:endParaRPr lang="en-GB" dirty="0" smtClean="0"/>
-          </a:p>
-          <a:p>
-            <a:endParaRPr lang="en-GB" dirty="0"/>
-          </a:p>
-          <a:p>
-            <a:endParaRPr lang="en-GB" dirty="0"/>
-          </a:p>
-        </p:txBody>
-      </p:sp>
-      <p:pic>
-        <p:nvPicPr>
-          <p:cNvPr id="4" name="Picture 3"/>
-          <p:cNvPicPr>
-            <a:picLocks noChangeAspect="1"/>
-          </p:cNvPicPr>
-          <p:nvPr/>
-        </p:nvPicPr>
-        <p:blipFill>
-          <a:blip r:embed="rId2">
-            <a:extLst>
-              <a:ext uri="{28A0092B-C50C-407E-A947-70E740481C1C}">
-                <a14:useLocalDpi xmlns:a14="http://schemas.microsoft.com/office/drawing/2010/main" val="0"/>
-              </a:ext>
-            </a:extLst>
-          </a:blip>
-          <a:stretch>
-            <a:fillRect/>
-          </a:stretch>
-        </p:blipFill>
-        <p:spPr>
-          <a:xfrm>
-            <a:off x="700682" y="2780928"/>
-            <a:ext cx="7159887" cy="2520280"/>
-          </a:xfrm>
-          <a:prstGeom prst="rect">
-            <a:avLst/>
-          </a:prstGeom>
-        </p:spPr>
-      </p:pic>
-    </p:spTree>
-    <p:extLst>
-      <p:ext uri="{BB962C8B-B14F-4D97-AF65-F5344CB8AC3E}">
-        <p14:creationId xmlns:p14="http://schemas.microsoft.com/office/powerpoint/2010/main" val="3399482219"/>
-      </p:ext>
-    </p:extLst>
-  </p:cSld>
-  <p:clrMapOvr>
-    <a:masterClrMapping/>
-  </p:clrMapOvr>
-  <p:timing>
-    <p:tnLst>
-      <p:par>
-        <p:cTn id="1" dur="indefinite" restart="never" nodeType="tmRoot"/>
-      </p:par>
-    </p:tnLst>
-  </p:timing>
-</p:sld>
-</file>
-
-<file path=ppt/slides/slide2.xml><?xml version="1.0" encoding="utf-8"?>
-<p:sld xmlns:a="http://schemas.openxmlformats.org/drawingml/2006/main" xmlns:r="http://schemas.openxmlformats.org/officeDocument/2006/relationships" xmlns:p="http://schemas.openxmlformats.org/presentationml/2006/main">
-  <p:cSld>
-    <p:bg>
-      <p:bgPr>
-        <a:solidFill>
-          <a:schemeClr val="bg1"/>
-        </a:solidFill>
-        <a:effectLst/>
-      </p:bgPr>
-    </p:bg>
-    <p:spTree>
-      <p:nvGrpSpPr>
-        <p:cNvPr id="1" name=""/>
-        <p:cNvGrpSpPr/>
-        <p:nvPr/>
-      </p:nvGrpSpPr>
-      <p:grpSpPr>
-        <a:xfrm>
-          <a:off x="0" y="0"/>
-          <a:ext cx="0" cy="0"/>
-          <a:chOff x="0" y="0"/>
-          <a:chExt cx="0" cy="0"/>
-        </a:xfrm>
-      </p:grpSpPr>
-      <p:sp>
-        <p:nvSpPr>
-          <p:cNvPr id="2" name="Title 1"/>
-          <p:cNvSpPr>
-            <a:spLocks noGrp="1"/>
-          </p:cNvSpPr>
-          <p:nvPr>
-            <p:ph type="title"/>
-          </p:nvPr>
-        </p:nvSpPr>
-        <p:spPr/>
-        <p:txBody>
-          <a:bodyPr>
-            <a:normAutofit/>
-          </a:bodyPr>
-          <a:lstStyle/>
-          <a:p>
-            <a:r>
-              <a:rPr lang="en-GB" dirty="0" smtClean="0"/>
-              <a:t>About Me</a:t>
-            </a:r>
-            <a:endParaRPr lang="en-GB" dirty="0"/>
-          </a:p>
-        </p:txBody>
-      </p:sp>
-      <p:sp>
-        <p:nvSpPr>
-          <p:cNvPr id="3" name="Content Placeholder 2"/>
-          <p:cNvSpPr>
-            <a:spLocks noGrp="1"/>
-          </p:cNvSpPr>
-          <p:nvPr>
-            <p:ph idx="1"/>
-          </p:nvPr>
-        </p:nvSpPr>
-        <p:spPr/>
-        <p:txBody>
-          <a:bodyPr>
-            <a:normAutofit/>
-          </a:bodyPr>
-          <a:lstStyle/>
-          <a:p>
-            <a:pPr marL="0" indent="0" fontAlgn="base">
-              <a:buNone/>
-            </a:pPr>
-            <a:endParaRPr lang="en-GB" sz="2800" dirty="0" smtClean="0"/>
-          </a:p>
-          <a:p>
-            <a:pPr marL="0" indent="0" fontAlgn="base">
-              <a:buNone/>
-            </a:pPr>
-            <a:r>
-              <a:rPr lang="en-GB" sz="2800" dirty="0" smtClean="0"/>
-              <a:t>Senior Database Developer</a:t>
-            </a:r>
-          </a:p>
-          <a:p>
-            <a:pPr marL="0" indent="0" fontAlgn="base">
-              <a:buNone/>
-            </a:pPr>
-            <a:r>
-              <a:rPr lang="en-GB" sz="2800" dirty="0"/>
-              <a:t>	</a:t>
-            </a:r>
-            <a:r>
-              <a:rPr lang="en-GB" sz="2800" dirty="0" smtClean="0"/>
-              <a:t>-&gt; MS SQL Server, Hadoop (HDFS)</a:t>
-            </a:r>
-          </a:p>
-          <a:p>
-            <a:pPr marL="0" indent="0" fontAlgn="base">
-              <a:buNone/>
-            </a:pPr>
-            <a:endParaRPr lang="en-GB" sz="2800" dirty="0" smtClean="0"/>
-          </a:p>
-          <a:p>
-            <a:pPr marL="0" indent="0" fontAlgn="base">
-              <a:buNone/>
-            </a:pPr>
-            <a:endParaRPr lang="en-GB" sz="2800" dirty="0" smtClean="0"/>
-          </a:p>
-          <a:p>
-            <a:pPr marL="0" indent="0" fontAlgn="base">
-              <a:buNone/>
-            </a:pPr>
-            <a:r>
-              <a:rPr lang="en-GB" sz="2800" dirty="0" smtClean="0"/>
-              <a:t>Senior Data Engineer</a:t>
-            </a:r>
-          </a:p>
-          <a:p>
-            <a:pPr marL="0" indent="0" fontAlgn="base">
-              <a:buNone/>
-            </a:pPr>
-            <a:r>
-              <a:rPr lang="en-GB" sz="2800" dirty="0"/>
-              <a:t>	</a:t>
-            </a:r>
-            <a:r>
-              <a:rPr lang="en-GB" sz="2800" dirty="0" smtClean="0"/>
-              <a:t>-&gt; Hadoop, Hive, Impala, Spark</a:t>
-            </a:r>
-          </a:p>
-          <a:p>
-            <a:pPr marL="0" indent="0" fontAlgn="base">
-              <a:buNone/>
-            </a:pPr>
-            <a:endParaRPr lang="en-GB" sz="2800" dirty="0"/>
-          </a:p>
-        </p:txBody>
-      </p:sp>
-      <p:pic>
-        <p:nvPicPr>
-          <p:cNvPr id="4" name="Picture 3"/>
-          <p:cNvPicPr>
-            <a:picLocks noChangeAspect="1"/>
-          </p:cNvPicPr>
-          <p:nvPr/>
-        </p:nvPicPr>
-        <p:blipFill>
-          <a:blip r:embed="rId3">
-            <a:extLst>
-              <a:ext uri="{28A0092B-C50C-407E-A947-70E740481C1C}">
-                <a14:useLocalDpi xmlns:a14="http://schemas.microsoft.com/office/drawing/2010/main" val="0"/>
-              </a:ext>
-            </a:extLst>
-          </a:blip>
-          <a:stretch>
-            <a:fillRect/>
-          </a:stretch>
-        </p:blipFill>
-        <p:spPr>
-          <a:xfrm>
-            <a:off x="6910146" y="2132856"/>
-            <a:ext cx="1334262" cy="884969"/>
-          </a:xfrm>
-          <a:prstGeom prst="rect">
-            <a:avLst/>
-          </a:prstGeom>
-        </p:spPr>
-      </p:pic>
-      <p:pic>
-        <p:nvPicPr>
-          <p:cNvPr id="5" name="Picture 4"/>
-          <p:cNvPicPr>
-            <a:picLocks noChangeAspect="1"/>
-          </p:cNvPicPr>
-          <p:nvPr/>
-        </p:nvPicPr>
-        <p:blipFill>
-          <a:blip r:embed="rId4">
-            <a:extLst>
-              <a:ext uri="{28A0092B-C50C-407E-A947-70E740481C1C}">
-                <a14:useLocalDpi xmlns:a14="http://schemas.microsoft.com/office/drawing/2010/main" val="0"/>
-              </a:ext>
-            </a:extLst>
-          </a:blip>
-          <a:stretch>
-            <a:fillRect/>
-          </a:stretch>
-        </p:blipFill>
-        <p:spPr>
-          <a:xfrm>
-            <a:off x="6473297" y="3789040"/>
-            <a:ext cx="2158091" cy="1728192"/>
-          </a:xfrm>
-          <a:prstGeom prst="rect">
-            <a:avLst/>
-          </a:prstGeom>
-        </p:spPr>
-      </p:pic>
-      <p:sp>
-        <p:nvSpPr>
-          <p:cNvPr id="6" name="TextBox 5"/>
-          <p:cNvSpPr txBox="1"/>
-          <p:nvPr/>
-        </p:nvSpPr>
-        <p:spPr>
-          <a:xfrm>
-            <a:off x="683568" y="6011996"/>
-            <a:ext cx="7848872" cy="369332"/>
-          </a:xfrm>
-          <a:prstGeom prst="rect">
-            <a:avLst/>
-          </a:prstGeom>
-          <a:noFill/>
-        </p:spPr>
-        <p:txBody>
-          <a:bodyPr wrap="square" rtlCol="0">
-            <a:spAutoFit/>
-          </a:bodyPr>
-          <a:lstStyle/>
-          <a:p>
-            <a:pPr algn="ctr"/>
-            <a:r>
-              <a:rPr lang="en-GB" i="1" dirty="0" smtClean="0">
-                <a:hlinkClick r:id="rId5"/>
-              </a:rPr>
-              <a:t>www.alexdgarland.com</a:t>
-            </a:r>
-            <a:r>
-              <a:rPr lang="en-GB" i="1" dirty="0"/>
-              <a:t>		</a:t>
-            </a:r>
-            <a:r>
-              <a:rPr lang="en-GB" i="1" dirty="0" smtClean="0">
-                <a:hlinkClick r:id="rId6"/>
-              </a:rPr>
-              <a:t>www.twitter.com/alexdgarland</a:t>
-            </a:r>
-            <a:r>
-              <a:rPr lang="en-GB" i="1" dirty="0" smtClean="0"/>
-              <a:t> </a:t>
-            </a:r>
-            <a:endParaRPr lang="en-GB" i="1" dirty="0"/>
-          </a:p>
-        </p:txBody>
-      </p:sp>
-    </p:spTree>
-    <p:extLst>
-      <p:ext uri="{BB962C8B-B14F-4D97-AF65-F5344CB8AC3E}">
-        <p14:creationId xmlns:p14="http://schemas.microsoft.com/office/powerpoint/2010/main" val="2351351091"/>
-      </p:ext>
-    </p:extLst>
-  </p:cSld>
-  <p:clrMapOvr>
-    <a:masterClrMapping/>
-  </p:clrMapOvr>
-  <p:timing>
-    <p:tnLst>
-      <p:par>
-        <p:cTn id="1" dur="indefinite" restart="never" nodeType="tmRoot"/>
-      </p:par>
-    </p:tnLst>
-  </p:timing>
-</p:sld>
-</file>
-
-<file path=ppt/slides/slide20.xml><?xml version="1.0" encoding="utf-8"?>
-<p:sld xmlns:a="http://schemas.openxmlformats.org/drawingml/2006/main" xmlns:r="http://schemas.openxmlformats.org/officeDocument/2006/relationships" xmlns:p="http://schemas.openxmlformats.org/presentationml/2006/main">
-  <p:cSld>
-    <p:bg>
-      <p:bgPr>
-        <a:solidFill>
-          <a:schemeClr val="bg1"/>
-        </a:solidFill>
-        <a:effectLst/>
-      </p:bgPr>
-    </p:bg>
-    <p:spTree>
-      <p:nvGrpSpPr>
-        <p:cNvPr id="1" name=""/>
-        <p:cNvGrpSpPr/>
-        <p:nvPr/>
-      </p:nvGrpSpPr>
-      <p:grpSpPr>
-        <a:xfrm>
-          <a:off x="0" y="0"/>
-          <a:ext cx="0" cy="0"/>
-          <a:chOff x="0" y="0"/>
-          <a:chExt cx="0" cy="0"/>
-        </a:xfrm>
-      </p:grpSpPr>
-      <p:sp>
-        <p:nvSpPr>
-          <p:cNvPr id="2" name="Title 1"/>
-          <p:cNvSpPr>
-            <a:spLocks noGrp="1"/>
-          </p:cNvSpPr>
-          <p:nvPr>
-            <p:ph type="title"/>
-          </p:nvPr>
-        </p:nvSpPr>
-        <p:spPr>
-          <a:xfrm>
-            <a:off x="457200" y="274638"/>
-            <a:ext cx="8229600" cy="850106"/>
-          </a:xfrm>
-        </p:spPr>
-        <p:txBody>
-          <a:bodyPr>
-            <a:normAutofit/>
-          </a:bodyPr>
-          <a:lstStyle/>
-          <a:p>
-            <a:r>
-              <a:rPr lang="en-GB" dirty="0" smtClean="0"/>
-              <a:t>Document Databases</a:t>
-            </a:r>
-            <a:endParaRPr lang="en-GB" dirty="0"/>
-          </a:p>
-        </p:txBody>
-      </p:sp>
-      <p:sp>
-        <p:nvSpPr>
-          <p:cNvPr id="3" name="Content Placeholder 2"/>
-          <p:cNvSpPr>
-            <a:spLocks noGrp="1"/>
-          </p:cNvSpPr>
-          <p:nvPr>
-            <p:ph idx="1"/>
-          </p:nvPr>
-        </p:nvSpPr>
-        <p:spPr>
-          <a:xfrm>
-            <a:off x="457200" y="1340768"/>
-            <a:ext cx="8229600" cy="4785395"/>
-          </a:xfrm>
-        </p:spPr>
-        <p:txBody>
-          <a:bodyPr>
-            <a:normAutofit/>
-          </a:bodyPr>
-          <a:lstStyle/>
-          <a:p>
-            <a:r>
-              <a:rPr lang="en-GB" dirty="0" smtClean="0"/>
-              <a:t>Less good at:</a:t>
-            </a:r>
-          </a:p>
-          <a:p>
-            <a:pPr lvl="1"/>
-            <a:r>
-              <a:rPr lang="en-GB" dirty="0" smtClean="0"/>
-              <a:t>Protecting data integrity</a:t>
-            </a:r>
-          </a:p>
-          <a:p>
-            <a:pPr lvl="1"/>
-            <a:r>
-              <a:rPr lang="en-GB" dirty="0" smtClean="0"/>
-              <a:t>Summary queries</a:t>
-            </a:r>
-          </a:p>
-          <a:p>
-            <a:endParaRPr lang="en-GB" dirty="0" smtClean="0"/>
-          </a:p>
-          <a:p>
-            <a:r>
-              <a:rPr lang="en-GB" dirty="0" smtClean="0"/>
-              <a:t>Different </a:t>
-            </a:r>
-            <a:r>
-              <a:rPr lang="en-GB" dirty="0"/>
-              <a:t>CAP </a:t>
-            </a:r>
-            <a:r>
-              <a:rPr lang="en-GB" dirty="0" smtClean="0"/>
-              <a:t>trade-offs</a:t>
-            </a:r>
-          </a:p>
-          <a:p>
-            <a:pPr marL="457200" lvl="1" indent="0">
-              <a:buNone/>
-            </a:pPr>
-            <a:r>
-              <a:rPr lang="en-GB" dirty="0" smtClean="0"/>
-              <a:t>e.g</a:t>
-            </a:r>
-            <a:r>
-              <a:rPr lang="en-GB" dirty="0" smtClean="0"/>
-              <a:t>.,</a:t>
-            </a:r>
-            <a:endParaRPr lang="en-GB" dirty="0" smtClean="0"/>
-          </a:p>
-          <a:p>
-            <a:pPr lvl="2"/>
-            <a:r>
-              <a:rPr lang="en-GB" dirty="0" err="1" smtClean="0"/>
-              <a:t>CouchDB</a:t>
-            </a:r>
-            <a:r>
-              <a:rPr lang="en-GB" dirty="0" smtClean="0"/>
-              <a:t> </a:t>
-            </a:r>
-            <a:r>
-              <a:rPr lang="en-GB" dirty="0"/>
-              <a:t>(</a:t>
-            </a:r>
-            <a:r>
-              <a:rPr lang="en-GB" dirty="0" smtClean="0"/>
-              <a:t>AP)</a:t>
-            </a:r>
-          </a:p>
-          <a:p>
-            <a:pPr lvl="2"/>
-            <a:r>
-              <a:rPr lang="en-GB" dirty="0" smtClean="0"/>
-              <a:t>MongoDB </a:t>
-            </a:r>
-            <a:r>
-              <a:rPr lang="en-GB" dirty="0"/>
-              <a:t>(CP)</a:t>
-            </a:r>
-          </a:p>
-          <a:p>
-            <a:pPr lvl="1"/>
-            <a:endParaRPr lang="en-GB" dirty="0" smtClean="0"/>
-          </a:p>
-          <a:p>
-            <a:endParaRPr lang="en-GB" dirty="0"/>
-          </a:p>
-          <a:p>
-            <a:endParaRPr lang="en-GB" dirty="0"/>
-          </a:p>
-        </p:txBody>
-      </p:sp>
-    </p:spTree>
-    <p:extLst>
-      <p:ext uri="{BB962C8B-B14F-4D97-AF65-F5344CB8AC3E}">
-        <p14:creationId xmlns:p14="http://schemas.microsoft.com/office/powerpoint/2010/main" val="52318775"/>
-      </p:ext>
-    </p:extLst>
-  </p:cSld>
-  <p:clrMapOvr>
-    <a:masterClrMapping/>
-  </p:clrMapOvr>
-  <p:timing>
-    <p:tnLst>
-      <p:par>
-        <p:cTn id="1" dur="indefinite" restart="never" nodeType="tmRoot"/>
-      </p:par>
-    </p:tnLst>
-  </p:timing>
-</p:sld>
-</file>
-
 <file path=ppt/slides/slide21.xml><?xml version="1.0" encoding="utf-8"?>
 <p:sld xmlns:a="http://schemas.openxmlformats.org/drawingml/2006/main" xmlns:r="http://schemas.openxmlformats.org/officeDocument/2006/relationships" xmlns:p="http://schemas.openxmlformats.org/presentationml/2006/main">
   <p:cSld>
@@ -11568,7 +11450,18 @@
           <a:bodyPr/>
           <a:lstStyle/>
           <a:p>
-            <a:pPr marL="0" indent="0"/>
+            <a:r>
+              <a:rPr lang="en-GB" dirty="0" smtClean="0"/>
+              <a:t>“AP” Systems – </a:t>
+            </a:r>
+            <a:r>
+              <a:rPr lang="en-GB" dirty="0" err="1" smtClean="0"/>
+              <a:t>Riak</a:t>
+            </a:r>
+            <a:r>
+              <a:rPr lang="en-GB" dirty="0" smtClean="0"/>
+              <a:t> &amp; Cassandra</a:t>
+            </a:r>
             <a:endParaRPr lang="en-GB" dirty="0"/>
           </a:p>
         </p:txBody>
@@ -11583,70 +11476,81 @@
             <p:ph idx="1"/>
           </p:nvPr>
         </p:nvSpPr>
-        <p:spPr>
-          <a:xfrm>
-            <a:off x="457200" y="2204864"/>
-            <a:ext cx="8229600" cy="3921299"/>
-          </a:xfrm>
-        </p:spPr>
+        <p:spPr/>
         <p:txBody>
           <a:bodyPr/>
           <a:lstStyle/>
           <a:p>
-            <a:pPr marL="0" indent="0" algn="ctr">
+            <a:r>
+              <a:rPr lang="en-GB" dirty="0" smtClean="0"/>
+              <a:t>Highly </a:t>
+            </a:r>
+            <a:r>
+              <a:rPr lang="en-GB" dirty="0" smtClean="0"/>
+              <a:t>optimised for availability</a:t>
+            </a:r>
+          </a:p>
+          <a:p>
+            <a:pPr lvl="1"/>
+            <a:r>
+              <a:rPr lang="en-GB" dirty="0" smtClean="0"/>
+              <a:t>Based on Amazon “Dynamo” </a:t>
+            </a:r>
+            <a:r>
+              <a:rPr lang="en-GB" dirty="0" smtClean="0"/>
+              <a:t>paper</a:t>
+            </a:r>
+          </a:p>
+          <a:p>
+            <a:pPr lvl="1"/>
+            <a:r>
+              <a:rPr lang="en-GB" dirty="0" smtClean="0"/>
+              <a:t>“Ring Model” for data distribution</a:t>
+            </a:r>
+          </a:p>
+          <a:p>
+            <a:pPr lvl="1"/>
+            <a:r>
+              <a:rPr lang="en-GB" dirty="0" smtClean="0"/>
+              <a:t>“</a:t>
+            </a:r>
+            <a:r>
+              <a:rPr lang="en-GB" dirty="0" err="1" smtClean="0"/>
+              <a:t>Tunable</a:t>
+            </a:r>
+            <a:r>
+              <a:rPr lang="en-GB" dirty="0" smtClean="0"/>
+              <a:t> Consistency”</a:t>
+            </a:r>
+            <a:endParaRPr lang="en-GB" dirty="0" smtClean="0"/>
+          </a:p>
+          <a:p>
+            <a:pPr marL="0" indent="0">
               <a:buNone/>
             </a:pPr>
+            <a:endParaRPr lang="en-GB" dirty="0"/>
+          </a:p>
+          <a:p>
+            <a:r>
+              <a:rPr lang="en-GB" dirty="0" smtClean="0"/>
+              <a:t>Key-based “Aggregate</a:t>
+            </a:r>
+            <a:r>
+              <a:rPr lang="en-GB" dirty="0"/>
+              <a:t>” data models (as per document DBs) – </a:t>
+            </a:r>
+            <a:r>
+              <a:rPr lang="en-GB" dirty="0" smtClean="0"/>
+              <a:t>no joins!</a:t>
+            </a:r>
             <a:endParaRPr lang="en-GB" dirty="0" smtClean="0"/>
           </a:p>
-          <a:p>
-            <a:pPr marL="0" indent="0" algn="ctr">
-              <a:buNone/>
-            </a:pPr>
-            <a:r>
-              <a:rPr lang="en-GB" sz="4400" dirty="0" smtClean="0"/>
-              <a:t>(</a:t>
-            </a:r>
-            <a:r>
-              <a:rPr lang="en-GB" sz="4400" dirty="0"/>
-              <a:t>MongoDB Demo)</a:t>
-            </a:r>
-          </a:p>
-        </p:txBody>
-      </p:sp>
-      <p:pic>
-        <p:nvPicPr>
-          <p:cNvPr id="4" name="Picture 3"/>
-          <p:cNvPicPr>
-            <a:picLocks noChangeAspect="1"/>
-          </p:cNvPicPr>
-          <p:nvPr/>
-        </p:nvPicPr>
-        <p:blipFill>
-          <a:blip r:embed="rId3" cstate="print">
-            <a:extLst>
-              <a:ext uri="{28A0092B-C50C-407E-A947-70E740481C1C}">
-                <a14:useLocalDpi xmlns:a14="http://schemas.microsoft.com/office/drawing/2010/main" val="0"/>
-              </a:ext>
-            </a:extLst>
-          </a:blip>
-          <a:stretch>
-            <a:fillRect/>
-          </a:stretch>
-        </p:blipFill>
-        <p:spPr>
-          <a:xfrm>
-            <a:off x="539552" y="220037"/>
-            <a:ext cx="1368152" cy="1603355"/>
-          </a:xfrm>
-          <a:prstGeom prst="rect">
-            <a:avLst/>
-          </a:prstGeom>
-        </p:spPr>
-      </p:pic>
+        </p:txBody>
+      </p:sp>
     </p:spTree>
     <p:extLst>
       <p:ext uri="{BB962C8B-B14F-4D97-AF65-F5344CB8AC3E}">
-        <p14:creationId xmlns:p14="http://schemas.microsoft.com/office/powerpoint/2010/main" val="1804820634"/>
+        <p14:creationId xmlns:p14="http://schemas.microsoft.com/office/powerpoint/2010/main" val="2924640553"/>
       </p:ext>
     </p:extLst>
   </p:cSld>
@@ -11705,145 +11609,6 @@
           <a:p>
             <a:r>
               <a:rPr lang="en-GB" dirty="0" smtClean="0"/>
-              <a:t>“AP” Systems – </a:t>
-            </a:r>
-            <a:r>
-              <a:rPr lang="en-GB" dirty="0" err="1" smtClean="0"/>
-              <a:t>Riak</a:t>
-            </a:r>
-            <a:r>
-              <a:rPr lang="en-GB" dirty="0" smtClean="0"/>
-              <a:t> &amp; Cassandra</a:t>
-            </a:r>
-            <a:endParaRPr lang="en-GB" dirty="0"/>
-          </a:p>
-        </p:txBody>
-      </p:sp>
-      <p:sp>
-        <p:nvSpPr>
-          <p:cNvPr id="3" name="Content Placeholder 2"/>
-          <p:cNvSpPr>
-            <a:spLocks noGrp="1"/>
-          </p:cNvSpPr>
-          <p:nvPr>
-            <p:ph idx="1"/>
-          </p:nvPr>
-        </p:nvSpPr>
-        <p:spPr/>
-        <p:txBody>
-          <a:bodyPr/>
-          <a:lstStyle/>
-          <a:p>
-            <a:r>
-              <a:rPr lang="en-GB" dirty="0" smtClean="0"/>
-              <a:t>“</a:t>
-            </a:r>
-            <a:r>
-              <a:rPr lang="en-GB" dirty="0" smtClean="0"/>
-              <a:t>Aggregate” data models </a:t>
-            </a:r>
-            <a:r>
-              <a:rPr lang="en-GB" dirty="0" smtClean="0"/>
-              <a:t>(as per document DBs) – </a:t>
-            </a:r>
-            <a:r>
-              <a:rPr lang="en-GB" dirty="0" smtClean="0"/>
-              <a:t>avoid joins</a:t>
-            </a:r>
-          </a:p>
-          <a:p>
-            <a:endParaRPr lang="en-GB" dirty="0" smtClean="0"/>
-          </a:p>
-          <a:p>
-            <a:r>
-              <a:rPr lang="en-GB" dirty="0" smtClean="0"/>
-              <a:t>Highly optimised for availability</a:t>
-            </a:r>
-          </a:p>
-          <a:p>
-            <a:pPr lvl="1"/>
-            <a:r>
-              <a:rPr lang="en-GB" dirty="0" smtClean="0"/>
-              <a:t>Based on Amazon “Dynamo” paper</a:t>
-            </a:r>
-          </a:p>
-          <a:p>
-            <a:endParaRPr lang="en-GB" dirty="0"/>
-          </a:p>
-          <a:p>
-            <a:r>
-              <a:rPr lang="en-GB" dirty="0" err="1" smtClean="0"/>
-              <a:t>Tunable</a:t>
-            </a:r>
-            <a:r>
-              <a:rPr lang="en-GB" dirty="0" smtClean="0"/>
-              <a:t> AP/ CP trade-offs</a:t>
-            </a:r>
-          </a:p>
-        </p:txBody>
-      </p:sp>
-    </p:spTree>
-    <p:extLst>
-      <p:ext uri="{BB962C8B-B14F-4D97-AF65-F5344CB8AC3E}">
-        <p14:creationId xmlns:p14="http://schemas.microsoft.com/office/powerpoint/2010/main" val="2924640553"/>
-      </p:ext>
-    </p:extLst>
-  </p:cSld>
-  <p:clrMapOvr>
-    <a:masterClrMapping/>
-  </p:clrMapOvr>
-  <p:timing>
-    <p:tnLst>
-      <p:par>
-        <p:cTn id="1" dur="indefinite" restart="never" nodeType="tmRoot"/>
-      </p:par>
-    </p:tnLst>
-  </p:timing>
-</p:sld>
-</file>
-
-<file path=ppt/slides/slide23.xml><?xml version="1.0" encoding="utf-8"?>
-<p:sld xmlns:a="http://schemas.openxmlformats.org/drawingml/2006/main" xmlns:r="http://schemas.openxmlformats.org/officeDocument/2006/relationships" xmlns:p="http://schemas.openxmlformats.org/presentationml/2006/main">
-  <p:cSld>
-    <p:bg>
-      <p:bgPr>
-        <a:solidFill>
-          <a:schemeClr val="bg1"/>
-        </a:solidFill>
-        <a:effectLst/>
-      </p:bgPr>
-    </p:bg>
-    <p:spTree>
-      <p:nvGrpSpPr>
-        <p:cNvPr id="1" name=""/>
-        <p:cNvGrpSpPr/>
-        <p:nvPr/>
-      </p:nvGrpSpPr>
-      <p:grpSpPr>
-        <a:xfrm>
-          <a:off x="0" y="0"/>
-          <a:ext cx="0" cy="0"/>
-          <a:chOff x="0" y="0"/>
-          <a:chExt cx="0" cy="0"/>
-        </a:xfrm>
-      </p:grpSpPr>
-      <p:sp>
-        <p:nvSpPr>
-          <p:cNvPr id="2" name="Title 1"/>
-          <p:cNvSpPr>
-            <a:spLocks noGrp="1"/>
-          </p:cNvSpPr>
-          <p:nvPr>
-            <p:ph type="title"/>
-          </p:nvPr>
-        </p:nvSpPr>
-        <p:spPr/>
-        <p:txBody>
-          <a:bodyPr/>
-          <a:lstStyle/>
-          <a:p>
-            <a:r>
-              <a:rPr lang="en-GB" dirty="0" smtClean="0"/>
               <a:t>The Ring Model</a:t>
             </a:r>
             <a:endParaRPr lang="en-GB" dirty="0"/>
@@ -11940,1480 +11705,7 @@
 </p:sld>
 </file>
 
-<file path=ppt/slides/slide24.xml><?xml version="1.0" encoding="utf-8"?>
-<p:sld xmlns:a="http://schemas.openxmlformats.org/drawingml/2006/main" xmlns:r="http://schemas.openxmlformats.org/officeDocument/2006/relationships" xmlns:p="http://schemas.openxmlformats.org/presentationml/2006/main">
-  <p:cSld>
-    <p:bg>
-      <p:bgPr>
-        <a:solidFill>
-          <a:schemeClr val="bg1"/>
-        </a:solidFill>
-        <a:effectLst/>
-      </p:bgPr>
-    </p:bg>
-    <p:spTree>
-      <p:nvGrpSpPr>
-        <p:cNvPr id="1" name=""/>
-        <p:cNvGrpSpPr/>
-        <p:nvPr/>
-      </p:nvGrpSpPr>
-      <p:grpSpPr>
-        <a:xfrm>
-          <a:off x="0" y="0"/>
-          <a:ext cx="0" cy="0"/>
-          <a:chOff x="0" y="0"/>
-          <a:chExt cx="0" cy="0"/>
-        </a:xfrm>
-      </p:grpSpPr>
-      <p:sp>
-        <p:nvSpPr>
-          <p:cNvPr id="2" name="Title 1"/>
-          <p:cNvSpPr>
-            <a:spLocks noGrp="1"/>
-          </p:cNvSpPr>
-          <p:nvPr>
-            <p:ph type="title"/>
-          </p:nvPr>
-        </p:nvSpPr>
-        <p:spPr/>
-        <p:txBody>
-          <a:bodyPr/>
-          <a:lstStyle/>
-          <a:p>
-            <a:r>
-              <a:rPr lang="en-GB" dirty="0" err="1" smtClean="0"/>
-              <a:t>Tunable</a:t>
-            </a:r>
-            <a:r>
-              <a:rPr lang="en-GB" dirty="0" smtClean="0"/>
-              <a:t> Consistency</a:t>
-            </a:r>
-            <a:endParaRPr lang="en-GB" dirty="0"/>
-          </a:p>
-        </p:txBody>
-      </p:sp>
-      <p:sp>
-        <p:nvSpPr>
-          <p:cNvPr id="3" name="Content Placeholder 2"/>
-          <p:cNvSpPr>
-            <a:spLocks noGrp="1"/>
-          </p:cNvSpPr>
-          <p:nvPr>
-            <p:ph idx="1"/>
-          </p:nvPr>
-        </p:nvSpPr>
-        <p:spPr/>
-        <p:txBody>
-          <a:bodyPr/>
-          <a:lstStyle/>
-          <a:p>
-            <a:r>
-              <a:rPr lang="en-GB" dirty="0" smtClean="0"/>
-              <a:t>Immediate vs Eventual</a:t>
-            </a:r>
-          </a:p>
-          <a:p>
-            <a:endParaRPr lang="en-GB" dirty="0" smtClean="0"/>
-          </a:p>
-          <a:p>
-            <a:r>
-              <a:rPr lang="en-GB" dirty="0" smtClean="0"/>
-              <a:t>N, R &amp; W Values – Strong, Quorum, Weak</a:t>
-            </a:r>
-          </a:p>
-          <a:p>
-            <a:endParaRPr lang="en-GB" dirty="0" smtClean="0"/>
-          </a:p>
-          <a:p>
-            <a:r>
-              <a:rPr lang="en-GB" dirty="0" smtClean="0"/>
-              <a:t>“Read-Your-Writes”</a:t>
-            </a:r>
-            <a:endParaRPr lang="en-GB" dirty="0"/>
-          </a:p>
-        </p:txBody>
-      </p:sp>
-    </p:spTree>
-    <p:extLst>
-      <p:ext uri="{BB962C8B-B14F-4D97-AF65-F5344CB8AC3E}">
-        <p14:creationId xmlns:p14="http://schemas.microsoft.com/office/powerpoint/2010/main" val="3798638517"/>
-      </p:ext>
-    </p:extLst>
-  </p:cSld>
-  <p:clrMapOvr>
-    <a:masterClrMapping/>
-  </p:clrMapOvr>
-  <p:timing>
-    <p:tnLst>
-      <p:par>
-        <p:cTn id="1" dur="indefinite" restart="never" nodeType="tmRoot"/>
-      </p:par>
-    </p:tnLst>
-  </p:timing>
-</p:sld>
-</file>
-
-<file path=ppt/slides/slide25.xml><?xml version="1.0" encoding="utf-8"?>
-<p:sld xmlns:a="http://schemas.openxmlformats.org/drawingml/2006/main" xmlns:r="http://schemas.openxmlformats.org/officeDocument/2006/relationships" xmlns:p="http://schemas.openxmlformats.org/presentationml/2006/main">
-  <p:cSld>
-    <p:bg>
-      <p:bgPr>
-        <a:solidFill>
-          <a:schemeClr val="bg1"/>
-        </a:solidFill>
-        <a:effectLst/>
-      </p:bgPr>
-    </p:bg>
-    <p:spTree>
-      <p:nvGrpSpPr>
-        <p:cNvPr id="1" name=""/>
-        <p:cNvGrpSpPr/>
-        <p:nvPr/>
-      </p:nvGrpSpPr>
-      <p:grpSpPr>
-        <a:xfrm>
-          <a:off x="0" y="0"/>
-          <a:ext cx="0" cy="0"/>
-          <a:chOff x="0" y="0"/>
-          <a:chExt cx="0" cy="0"/>
-        </a:xfrm>
-      </p:grpSpPr>
-      <p:sp>
-        <p:nvSpPr>
-          <p:cNvPr id="2" name="Title 1"/>
-          <p:cNvSpPr>
-            <a:spLocks noGrp="1"/>
-          </p:cNvSpPr>
-          <p:nvPr>
-            <p:ph type="title"/>
-          </p:nvPr>
-        </p:nvSpPr>
-        <p:spPr/>
-        <p:txBody>
-          <a:bodyPr/>
-          <a:lstStyle/>
-          <a:p>
-            <a:r>
-              <a:rPr lang="en-GB" dirty="0" smtClean="0"/>
-              <a:t>N, R &amp; W</a:t>
-            </a:r>
-            <a:endParaRPr lang="en-GB" dirty="0"/>
-          </a:p>
-        </p:txBody>
-      </p:sp>
-      <p:pic>
-        <p:nvPicPr>
-          <p:cNvPr id="4" name="Content Placeholder 3"/>
-          <p:cNvPicPr>
-            <a:picLocks noGrp="1" noChangeAspect="1"/>
-          </p:cNvPicPr>
-          <p:nvPr>
-            <p:ph idx="1"/>
-          </p:nvPr>
-        </p:nvPicPr>
-        <p:blipFill>
-          <a:blip r:embed="rId2" cstate="print">
-            <a:extLst>
-              <a:ext uri="{28A0092B-C50C-407E-A947-70E740481C1C}">
-                <a14:useLocalDpi xmlns:a14="http://schemas.microsoft.com/office/drawing/2010/main" val="0"/>
-              </a:ext>
-            </a:extLst>
-          </a:blip>
-          <a:stretch>
-            <a:fillRect/>
-          </a:stretch>
-        </p:blipFill>
-        <p:spPr>
-          <a:xfrm>
-            <a:off x="2627784" y="1844823"/>
-            <a:ext cx="1251065" cy="1251065"/>
-          </a:xfrm>
-          <a:prstGeom prst="rect">
-            <a:avLst/>
-          </a:prstGeom>
-        </p:spPr>
-      </p:pic>
-      <p:pic>
-        <p:nvPicPr>
-          <p:cNvPr id="5" name="Content Placeholder 3"/>
-          <p:cNvPicPr>
-            <a:picLocks noChangeAspect="1"/>
-          </p:cNvPicPr>
-          <p:nvPr/>
-        </p:nvPicPr>
-        <p:blipFill>
-          <a:blip r:embed="rId2" cstate="print">
-            <a:extLst>
-              <a:ext uri="{28A0092B-C50C-407E-A947-70E740481C1C}">
-                <a14:useLocalDpi xmlns:a14="http://schemas.microsoft.com/office/drawing/2010/main" val="0"/>
-              </a:ext>
-            </a:extLst>
-          </a:blip>
-          <a:stretch>
-            <a:fillRect/>
-          </a:stretch>
-        </p:blipFill>
-        <p:spPr>
-          <a:xfrm>
-            <a:off x="3491880" y="3527168"/>
-            <a:ext cx="1251065" cy="1251065"/>
-          </a:xfrm>
-          <a:prstGeom prst="rect">
-            <a:avLst/>
-          </a:prstGeom>
-        </p:spPr>
-      </p:pic>
-      <p:pic>
-        <p:nvPicPr>
-          <p:cNvPr id="6" name="Content Placeholder 3"/>
-          <p:cNvPicPr>
-            <a:picLocks noChangeAspect="1"/>
-          </p:cNvPicPr>
-          <p:nvPr/>
-        </p:nvPicPr>
-        <p:blipFill>
-          <a:blip r:embed="rId2" cstate="print">
-            <a:extLst>
-              <a:ext uri="{28A0092B-C50C-407E-A947-70E740481C1C}">
-                <a14:useLocalDpi xmlns:a14="http://schemas.microsoft.com/office/drawing/2010/main" val="0"/>
-              </a:ext>
-            </a:extLst>
-          </a:blip>
-          <a:stretch>
-            <a:fillRect/>
-          </a:stretch>
-        </p:blipFill>
-        <p:spPr>
-          <a:xfrm>
-            <a:off x="4499992" y="1844824"/>
-            <a:ext cx="1251065" cy="1251065"/>
-          </a:xfrm>
-          <a:prstGeom prst="rect">
-            <a:avLst/>
-          </a:prstGeom>
-        </p:spPr>
-      </p:pic>
-      <p:pic>
-        <p:nvPicPr>
-          <p:cNvPr id="7" name="Content Placeholder 3"/>
-          <p:cNvPicPr>
-            <a:picLocks noChangeAspect="1"/>
-          </p:cNvPicPr>
-          <p:nvPr/>
-        </p:nvPicPr>
-        <p:blipFill>
-          <a:blip r:embed="rId3" cstate="print">
-            <a:extLst>
-              <a:ext uri="{BEBA8EAE-BF5A-486C-A8C5-ECC9F3942E4B}">
-                <a14:imgProps xmlns:a14="http://schemas.microsoft.com/office/drawing/2010/main">
-                  <a14:imgLayer r:embed="rId4">
-                    <a14:imgEffect>
-                      <a14:artisticBlur/>
-                    </a14:imgEffect>
-                    <a14:imgEffect>
-                      <a14:sharpenSoften amount="-100000"/>
-                    </a14:imgEffect>
-                    <a14:imgEffect>
-                      <a14:saturation sat="0"/>
-                    </a14:imgEffect>
-                    <a14:imgEffect>
-                      <a14:brightnessContrast bright="40000" contrast="-20000"/>
-                    </a14:imgEffect>
-                  </a14:imgLayer>
-                </a14:imgProps>
-              </a:ext>
-              <a:ext uri="{28A0092B-C50C-407E-A947-70E740481C1C}">
-                <a14:useLocalDpi xmlns:a14="http://schemas.microsoft.com/office/drawing/2010/main" val="0"/>
-              </a:ext>
-            </a:extLst>
-          </a:blip>
-          <a:stretch>
-            <a:fillRect/>
-          </a:stretch>
-        </p:blipFill>
-        <p:spPr>
-          <a:xfrm>
-            <a:off x="6876256" y="3140968"/>
-            <a:ext cx="1251065" cy="1251065"/>
-          </a:xfrm>
-          <a:prstGeom prst="rect">
-            <a:avLst/>
-          </a:prstGeom>
-          <a:solidFill>
-            <a:schemeClr val="accent1"/>
-          </a:solidFill>
-        </p:spPr>
-      </p:pic>
-      <p:pic>
-        <p:nvPicPr>
-          <p:cNvPr id="8" name="Content Placeholder 3"/>
-          <p:cNvPicPr>
-            <a:picLocks noChangeAspect="1"/>
-          </p:cNvPicPr>
-          <p:nvPr/>
-        </p:nvPicPr>
-        <p:blipFill>
-          <a:blip r:embed="rId3" cstate="print">
-            <a:extLst>
-              <a:ext uri="{BEBA8EAE-BF5A-486C-A8C5-ECC9F3942E4B}">
-                <a14:imgProps xmlns:a14="http://schemas.microsoft.com/office/drawing/2010/main">
-                  <a14:imgLayer r:embed="rId4">
-                    <a14:imgEffect>
-                      <a14:artisticBlur/>
-                    </a14:imgEffect>
-                    <a14:imgEffect>
-                      <a14:sharpenSoften amount="-100000"/>
-                    </a14:imgEffect>
-                    <a14:imgEffect>
-                      <a14:saturation sat="0"/>
-                    </a14:imgEffect>
-                    <a14:imgEffect>
-                      <a14:brightnessContrast bright="40000" contrast="-20000"/>
-                    </a14:imgEffect>
-                  </a14:imgLayer>
-                </a14:imgProps>
-              </a:ext>
-              <a:ext uri="{28A0092B-C50C-407E-A947-70E740481C1C}">
-                <a14:useLocalDpi xmlns:a14="http://schemas.microsoft.com/office/drawing/2010/main" val="0"/>
-              </a:ext>
-            </a:extLst>
-          </a:blip>
-          <a:stretch>
-            <a:fillRect/>
-          </a:stretch>
-        </p:blipFill>
-        <p:spPr>
-          <a:xfrm>
-            <a:off x="6925725" y="1441719"/>
-            <a:ext cx="1251065" cy="1251065"/>
-          </a:xfrm>
-          <a:prstGeom prst="rect">
-            <a:avLst/>
-          </a:prstGeom>
-          <a:solidFill>
-            <a:schemeClr val="accent1"/>
-          </a:solidFill>
-        </p:spPr>
-      </p:pic>
-      <p:pic>
-        <p:nvPicPr>
-          <p:cNvPr id="9" name="Content Placeholder 3"/>
-          <p:cNvPicPr>
-            <a:picLocks noChangeAspect="1"/>
-          </p:cNvPicPr>
-          <p:nvPr/>
-        </p:nvPicPr>
-        <p:blipFill>
-          <a:blip r:embed="rId3" cstate="print">
-            <a:extLst>
-              <a:ext uri="{BEBA8EAE-BF5A-486C-A8C5-ECC9F3942E4B}">
-                <a14:imgProps xmlns:a14="http://schemas.microsoft.com/office/drawing/2010/main">
-                  <a14:imgLayer r:embed="rId4">
-                    <a14:imgEffect>
-                      <a14:artisticBlur/>
-                    </a14:imgEffect>
-                    <a14:imgEffect>
-                      <a14:sharpenSoften amount="-100000"/>
-                    </a14:imgEffect>
-                    <a14:imgEffect>
-                      <a14:saturation sat="0"/>
-                    </a14:imgEffect>
-                    <a14:imgEffect>
-                      <a14:brightnessContrast bright="40000" contrast="-20000"/>
-                    </a14:imgEffect>
-                  </a14:imgLayer>
-                </a14:imgProps>
-              </a:ext>
-              <a:ext uri="{28A0092B-C50C-407E-A947-70E740481C1C}">
-                <a14:useLocalDpi xmlns:a14="http://schemas.microsoft.com/office/drawing/2010/main" val="0"/>
-              </a:ext>
-            </a:extLst>
-          </a:blip>
-          <a:stretch>
-            <a:fillRect/>
-          </a:stretch>
-        </p:blipFill>
-        <p:spPr>
-          <a:xfrm>
-            <a:off x="584631" y="4704175"/>
-            <a:ext cx="1251065" cy="1251065"/>
-          </a:xfrm>
-          <a:prstGeom prst="rect">
-            <a:avLst/>
-          </a:prstGeom>
-          <a:solidFill>
-            <a:schemeClr val="accent1"/>
-          </a:solidFill>
-        </p:spPr>
-      </p:pic>
-      <p:pic>
-        <p:nvPicPr>
-          <p:cNvPr id="10" name="Content Placeholder 3"/>
-          <p:cNvPicPr>
-            <a:picLocks noChangeAspect="1"/>
-          </p:cNvPicPr>
-          <p:nvPr/>
-        </p:nvPicPr>
-        <p:blipFill>
-          <a:blip r:embed="rId3" cstate="print">
-            <a:extLst>
-              <a:ext uri="{BEBA8EAE-BF5A-486C-A8C5-ECC9F3942E4B}">
-                <a14:imgProps xmlns:a14="http://schemas.microsoft.com/office/drawing/2010/main">
-                  <a14:imgLayer r:embed="rId4">
-                    <a14:imgEffect>
-                      <a14:artisticBlur/>
-                    </a14:imgEffect>
-                    <a14:imgEffect>
-                      <a14:sharpenSoften amount="-100000"/>
-                    </a14:imgEffect>
-                    <a14:imgEffect>
-                      <a14:saturation sat="0"/>
-                    </a14:imgEffect>
-                    <a14:imgEffect>
-                      <a14:brightnessContrast bright="40000" contrast="-20000"/>
-                    </a14:imgEffect>
-                  </a14:imgLayer>
-                </a14:imgProps>
-              </a:ext>
-              <a:ext uri="{28A0092B-C50C-407E-A947-70E740481C1C}">
-                <a14:useLocalDpi xmlns:a14="http://schemas.microsoft.com/office/drawing/2010/main" val="0"/>
-              </a:ext>
-            </a:extLst>
-          </a:blip>
-          <a:stretch>
-            <a:fillRect/>
-          </a:stretch>
-        </p:blipFill>
-        <p:spPr>
-          <a:xfrm>
-            <a:off x="418966" y="1334027"/>
-            <a:ext cx="1251065" cy="1251065"/>
-          </a:xfrm>
-          <a:prstGeom prst="rect">
-            <a:avLst/>
-          </a:prstGeom>
-          <a:solidFill>
-            <a:schemeClr val="accent1"/>
-          </a:solidFill>
-        </p:spPr>
-      </p:pic>
-      <p:sp>
-        <p:nvSpPr>
-          <p:cNvPr id="11" name="TextBox 10"/>
-          <p:cNvSpPr txBox="1"/>
-          <p:nvPr/>
-        </p:nvSpPr>
-        <p:spPr>
-          <a:xfrm>
-            <a:off x="2987824" y="1619508"/>
-            <a:ext cx="648072" cy="369332"/>
-          </a:xfrm>
-          <a:prstGeom prst="rect">
-            <a:avLst/>
-          </a:prstGeom>
-          <a:noFill/>
-        </p:spPr>
-        <p:txBody>
-          <a:bodyPr wrap="square" rtlCol="0">
-            <a:spAutoFit/>
-          </a:bodyPr>
-          <a:lstStyle/>
-          <a:p>
-            <a:r>
-              <a:rPr lang="en-GB" dirty="0" smtClean="0">
-                <a:solidFill>
-                  <a:srgbClr val="00B0F0"/>
-                </a:solidFill>
-              </a:rPr>
-              <a:t>a = 1</a:t>
-            </a:r>
-            <a:endParaRPr lang="en-GB" dirty="0">
-              <a:solidFill>
-                <a:srgbClr val="00B0F0"/>
-              </a:solidFill>
-            </a:endParaRPr>
-          </a:p>
-        </p:txBody>
-      </p:sp>
-      <p:sp>
-        <p:nvSpPr>
-          <p:cNvPr id="12" name="TextBox 11"/>
-          <p:cNvSpPr txBox="1"/>
-          <p:nvPr/>
-        </p:nvSpPr>
-        <p:spPr>
-          <a:xfrm>
-            <a:off x="4801488" y="1660158"/>
-            <a:ext cx="648072" cy="369332"/>
-          </a:xfrm>
-          <a:prstGeom prst="rect">
-            <a:avLst/>
-          </a:prstGeom>
-          <a:noFill/>
-        </p:spPr>
-        <p:txBody>
-          <a:bodyPr wrap="square" rtlCol="0">
-            <a:spAutoFit/>
-          </a:bodyPr>
-          <a:lstStyle/>
-          <a:p>
-            <a:r>
-              <a:rPr lang="en-GB" dirty="0" smtClean="0">
-                <a:solidFill>
-                  <a:srgbClr val="00B0F0"/>
-                </a:solidFill>
-              </a:rPr>
-              <a:t>a = 1</a:t>
-            </a:r>
-            <a:endParaRPr lang="en-GB" dirty="0">
-              <a:solidFill>
-                <a:srgbClr val="00B0F0"/>
-              </a:solidFill>
-            </a:endParaRPr>
-          </a:p>
-        </p:txBody>
-      </p:sp>
-      <p:sp>
-        <p:nvSpPr>
-          <p:cNvPr id="13" name="TextBox 12"/>
-          <p:cNvSpPr txBox="1"/>
-          <p:nvPr/>
-        </p:nvSpPr>
-        <p:spPr>
-          <a:xfrm>
-            <a:off x="3851920" y="3286359"/>
-            <a:ext cx="648072" cy="369332"/>
-          </a:xfrm>
-          <a:prstGeom prst="rect">
-            <a:avLst/>
-          </a:prstGeom>
-          <a:noFill/>
-        </p:spPr>
-        <p:txBody>
-          <a:bodyPr wrap="square" rtlCol="0">
-            <a:spAutoFit/>
-          </a:bodyPr>
-          <a:lstStyle/>
-          <a:p>
-            <a:r>
-              <a:rPr lang="en-GB" dirty="0" smtClean="0">
-                <a:solidFill>
-                  <a:srgbClr val="00B0F0"/>
-                </a:solidFill>
-              </a:rPr>
-              <a:t>a = 1</a:t>
-            </a:r>
-            <a:endParaRPr lang="en-GB" dirty="0">
-              <a:solidFill>
-                <a:srgbClr val="00B0F0"/>
-              </a:solidFill>
-            </a:endParaRPr>
-          </a:p>
-        </p:txBody>
-      </p:sp>
-      <p:sp>
-        <p:nvSpPr>
-          <p:cNvPr id="14" name="TextBox 13"/>
-          <p:cNvSpPr txBox="1"/>
-          <p:nvPr/>
-        </p:nvSpPr>
-        <p:spPr>
-          <a:xfrm>
-            <a:off x="720461" y="1124744"/>
-            <a:ext cx="830015" cy="369332"/>
-          </a:xfrm>
-          <a:prstGeom prst="rect">
-            <a:avLst/>
-          </a:prstGeom>
-          <a:noFill/>
-        </p:spPr>
-        <p:txBody>
-          <a:bodyPr wrap="square" rtlCol="0">
-            <a:spAutoFit/>
-          </a:bodyPr>
-          <a:lstStyle/>
-          <a:p>
-            <a:r>
-              <a:rPr lang="en-GB" dirty="0">
-                <a:solidFill>
-                  <a:schemeClr val="bg1">
-                    <a:lumMod val="65000"/>
-                  </a:schemeClr>
-                </a:solidFill>
-              </a:rPr>
-              <a:t>b</a:t>
-            </a:r>
-            <a:r>
-              <a:rPr lang="en-GB" dirty="0" smtClean="0">
-                <a:solidFill>
-                  <a:schemeClr val="bg1">
-                    <a:lumMod val="65000"/>
-                  </a:schemeClr>
-                </a:solidFill>
-              </a:rPr>
-              <a:t> = 10</a:t>
-            </a:r>
-            <a:endParaRPr lang="en-GB" dirty="0">
-              <a:solidFill>
-                <a:schemeClr val="bg1">
-                  <a:lumMod val="65000"/>
-                </a:schemeClr>
-              </a:solidFill>
-            </a:endParaRPr>
-          </a:p>
-        </p:txBody>
-      </p:sp>
-      <p:sp>
-        <p:nvSpPr>
-          <p:cNvPr id="15" name="TextBox 14"/>
-          <p:cNvSpPr txBox="1"/>
-          <p:nvPr/>
-        </p:nvSpPr>
-        <p:spPr>
-          <a:xfrm>
-            <a:off x="795155" y="4519509"/>
-            <a:ext cx="830015" cy="369332"/>
-          </a:xfrm>
-          <a:prstGeom prst="rect">
-            <a:avLst/>
-          </a:prstGeom>
-          <a:noFill/>
-        </p:spPr>
-        <p:txBody>
-          <a:bodyPr wrap="square" rtlCol="0">
-            <a:spAutoFit/>
-          </a:bodyPr>
-          <a:lstStyle/>
-          <a:p>
-            <a:r>
-              <a:rPr lang="en-GB" dirty="0">
-                <a:solidFill>
-                  <a:schemeClr val="bg1">
-                    <a:lumMod val="65000"/>
-                  </a:schemeClr>
-                </a:solidFill>
-              </a:rPr>
-              <a:t>b</a:t>
-            </a:r>
-            <a:r>
-              <a:rPr lang="en-GB" dirty="0" smtClean="0">
-                <a:solidFill>
-                  <a:schemeClr val="bg1">
-                    <a:lumMod val="65000"/>
-                  </a:schemeClr>
-                </a:solidFill>
-              </a:rPr>
-              <a:t> = 10</a:t>
-            </a:r>
-            <a:endParaRPr lang="en-GB" dirty="0">
-              <a:solidFill>
-                <a:schemeClr val="bg1">
-                  <a:lumMod val="65000"/>
-                </a:schemeClr>
-              </a:solidFill>
-            </a:endParaRPr>
-          </a:p>
-        </p:txBody>
-      </p:sp>
-      <p:sp>
-        <p:nvSpPr>
-          <p:cNvPr id="16" name="TextBox 15"/>
-          <p:cNvSpPr txBox="1"/>
-          <p:nvPr/>
-        </p:nvSpPr>
-        <p:spPr>
-          <a:xfrm>
-            <a:off x="7136249" y="1124744"/>
-            <a:ext cx="830015" cy="369332"/>
-          </a:xfrm>
-          <a:prstGeom prst="rect">
-            <a:avLst/>
-          </a:prstGeom>
-          <a:noFill/>
-        </p:spPr>
-        <p:txBody>
-          <a:bodyPr wrap="square" rtlCol="0">
-            <a:spAutoFit/>
-          </a:bodyPr>
-          <a:lstStyle/>
-          <a:p>
-            <a:r>
-              <a:rPr lang="en-GB" dirty="0" smtClean="0">
-                <a:solidFill>
-                  <a:schemeClr val="bg1">
-                    <a:lumMod val="65000"/>
-                  </a:schemeClr>
-                </a:solidFill>
-              </a:rPr>
-              <a:t>c = 20</a:t>
-            </a:r>
-            <a:endParaRPr lang="en-GB" dirty="0">
-              <a:solidFill>
-                <a:schemeClr val="bg1">
-                  <a:lumMod val="65000"/>
-                </a:schemeClr>
-              </a:solidFill>
-            </a:endParaRPr>
-          </a:p>
-        </p:txBody>
-      </p:sp>
-      <p:sp>
-        <p:nvSpPr>
-          <p:cNvPr id="17" name="TextBox 16"/>
-          <p:cNvSpPr txBox="1"/>
-          <p:nvPr/>
-        </p:nvSpPr>
-        <p:spPr>
-          <a:xfrm>
-            <a:off x="7175830" y="2924944"/>
-            <a:ext cx="830015" cy="369332"/>
-          </a:xfrm>
-          <a:prstGeom prst="rect">
-            <a:avLst/>
-          </a:prstGeom>
-          <a:noFill/>
-        </p:spPr>
-        <p:txBody>
-          <a:bodyPr wrap="square" rtlCol="0">
-            <a:spAutoFit/>
-          </a:bodyPr>
-          <a:lstStyle/>
-          <a:p>
-            <a:r>
-              <a:rPr lang="en-GB" dirty="0" smtClean="0">
-                <a:solidFill>
-                  <a:schemeClr val="bg1">
-                    <a:lumMod val="65000"/>
-                  </a:schemeClr>
-                </a:solidFill>
-              </a:rPr>
-              <a:t>c = 20</a:t>
-            </a:r>
-            <a:endParaRPr lang="en-GB" dirty="0">
-              <a:solidFill>
-                <a:schemeClr val="bg1">
-                  <a:lumMod val="65000"/>
-                </a:schemeClr>
-              </a:solidFill>
-            </a:endParaRPr>
-          </a:p>
-        </p:txBody>
-      </p:sp>
-      <p:sp>
-        <p:nvSpPr>
-          <p:cNvPr id="18" name="TextBox 17"/>
-          <p:cNvSpPr txBox="1"/>
-          <p:nvPr/>
-        </p:nvSpPr>
-        <p:spPr>
-          <a:xfrm>
-            <a:off x="3203848" y="5034433"/>
-            <a:ext cx="2160240" cy="369332"/>
-          </a:xfrm>
-          <a:prstGeom prst="rect">
-            <a:avLst/>
-          </a:prstGeom>
-          <a:noFill/>
-        </p:spPr>
-        <p:txBody>
-          <a:bodyPr wrap="square" rtlCol="0">
-            <a:spAutoFit/>
-          </a:bodyPr>
-          <a:lstStyle/>
-          <a:p>
-            <a:pPr algn="r"/>
-            <a:r>
-              <a:rPr lang="en-GB" dirty="0" smtClean="0">
-                <a:solidFill>
-                  <a:srgbClr val="00B0F0"/>
-                </a:solidFill>
-              </a:rPr>
-              <a:t>N (total replicas) = 3</a:t>
-            </a:r>
-            <a:endParaRPr lang="en-GB" dirty="0">
-              <a:solidFill>
-                <a:srgbClr val="00B0F0"/>
-              </a:solidFill>
-            </a:endParaRPr>
-          </a:p>
-        </p:txBody>
-      </p:sp>
-      <p:pic>
-        <p:nvPicPr>
-          <p:cNvPr id="19" name="Content Placeholder 3"/>
-          <p:cNvPicPr>
-            <a:picLocks noChangeAspect="1"/>
-          </p:cNvPicPr>
-          <p:nvPr/>
-        </p:nvPicPr>
-        <p:blipFill>
-          <a:blip r:embed="rId3" cstate="print">
-            <a:extLst>
-              <a:ext uri="{BEBA8EAE-BF5A-486C-A8C5-ECC9F3942E4B}">
-                <a14:imgProps xmlns:a14="http://schemas.microsoft.com/office/drawing/2010/main">
-                  <a14:imgLayer r:embed="rId4">
-                    <a14:imgEffect>
-                      <a14:artisticBlur/>
-                    </a14:imgEffect>
-                    <a14:imgEffect>
-                      <a14:sharpenSoften amount="-100000"/>
-                    </a14:imgEffect>
-                    <a14:imgEffect>
-                      <a14:saturation sat="0"/>
-                    </a14:imgEffect>
-                    <a14:imgEffect>
-                      <a14:brightnessContrast bright="40000" contrast="-20000"/>
-                    </a14:imgEffect>
-                  </a14:imgLayer>
-                </a14:imgProps>
-              </a:ext>
-              <a:ext uri="{28A0092B-C50C-407E-A947-70E740481C1C}">
-                <a14:useLocalDpi xmlns:a14="http://schemas.microsoft.com/office/drawing/2010/main" val="0"/>
-              </a:ext>
-            </a:extLst>
-          </a:blip>
-          <a:stretch>
-            <a:fillRect/>
-          </a:stretch>
-        </p:blipFill>
-        <p:spPr>
-          <a:xfrm>
-            <a:off x="558645" y="3053709"/>
-            <a:ext cx="1251065" cy="1251065"/>
-          </a:xfrm>
-          <a:prstGeom prst="rect">
-            <a:avLst/>
-          </a:prstGeom>
-          <a:solidFill>
-            <a:schemeClr val="accent1"/>
-          </a:solidFill>
-        </p:spPr>
-      </p:pic>
-      <p:sp>
-        <p:nvSpPr>
-          <p:cNvPr id="20" name="TextBox 19"/>
-          <p:cNvSpPr txBox="1"/>
-          <p:nvPr/>
-        </p:nvSpPr>
-        <p:spPr>
-          <a:xfrm>
-            <a:off x="769169" y="2869043"/>
-            <a:ext cx="830015" cy="369332"/>
-          </a:xfrm>
-          <a:prstGeom prst="rect">
-            <a:avLst/>
-          </a:prstGeom>
-          <a:noFill/>
-        </p:spPr>
-        <p:txBody>
-          <a:bodyPr wrap="square" rtlCol="0">
-            <a:spAutoFit/>
-          </a:bodyPr>
-          <a:lstStyle/>
-          <a:p>
-            <a:r>
-              <a:rPr lang="en-GB" dirty="0">
-                <a:solidFill>
-                  <a:schemeClr val="bg1">
-                    <a:lumMod val="65000"/>
-                  </a:schemeClr>
-                </a:solidFill>
-              </a:rPr>
-              <a:t>b</a:t>
-            </a:r>
-            <a:r>
-              <a:rPr lang="en-GB" dirty="0" smtClean="0">
-                <a:solidFill>
-                  <a:schemeClr val="bg1">
-                    <a:lumMod val="65000"/>
-                  </a:schemeClr>
-                </a:solidFill>
-              </a:rPr>
-              <a:t> = 10</a:t>
-            </a:r>
-            <a:endParaRPr lang="en-GB" dirty="0">
-              <a:solidFill>
-                <a:schemeClr val="bg1">
-                  <a:lumMod val="65000"/>
-                </a:schemeClr>
-              </a:solidFill>
-            </a:endParaRPr>
-          </a:p>
-        </p:txBody>
-      </p:sp>
-      <p:pic>
-        <p:nvPicPr>
-          <p:cNvPr id="21" name="Content Placeholder 3"/>
-          <p:cNvPicPr>
-            <a:picLocks noChangeAspect="1"/>
-          </p:cNvPicPr>
-          <p:nvPr/>
-        </p:nvPicPr>
-        <p:blipFill>
-          <a:blip r:embed="rId3" cstate="print">
-            <a:extLst>
-              <a:ext uri="{BEBA8EAE-BF5A-486C-A8C5-ECC9F3942E4B}">
-                <a14:imgProps xmlns:a14="http://schemas.microsoft.com/office/drawing/2010/main">
-                  <a14:imgLayer r:embed="rId4">
-                    <a14:imgEffect>
-                      <a14:artisticBlur/>
-                    </a14:imgEffect>
-                    <a14:imgEffect>
-                      <a14:sharpenSoften amount="-100000"/>
-                    </a14:imgEffect>
-                    <a14:imgEffect>
-                      <a14:saturation sat="0"/>
-                    </a14:imgEffect>
-                    <a14:imgEffect>
-                      <a14:brightnessContrast bright="40000" contrast="-20000"/>
-                    </a14:imgEffect>
-                  </a14:imgLayer>
-                </a14:imgProps>
-              </a:ext>
-              <a:ext uri="{28A0092B-C50C-407E-A947-70E740481C1C}">
-                <a14:useLocalDpi xmlns:a14="http://schemas.microsoft.com/office/drawing/2010/main" val="0"/>
-              </a:ext>
-            </a:extLst>
-          </a:blip>
-          <a:stretch>
-            <a:fillRect/>
-          </a:stretch>
-        </p:blipFill>
-        <p:spPr>
-          <a:xfrm>
-            <a:off x="6965304" y="4778233"/>
-            <a:ext cx="1251065" cy="1251065"/>
-          </a:xfrm>
-          <a:prstGeom prst="rect">
-            <a:avLst/>
-          </a:prstGeom>
-          <a:solidFill>
-            <a:schemeClr val="accent1"/>
-          </a:solidFill>
-        </p:spPr>
-      </p:pic>
-      <p:sp>
-        <p:nvSpPr>
-          <p:cNvPr id="22" name="TextBox 21"/>
-          <p:cNvSpPr txBox="1"/>
-          <p:nvPr/>
-        </p:nvSpPr>
-        <p:spPr>
-          <a:xfrm>
-            <a:off x="7264878" y="4562209"/>
-            <a:ext cx="830015" cy="369332"/>
-          </a:xfrm>
-          <a:prstGeom prst="rect">
-            <a:avLst/>
-          </a:prstGeom>
-          <a:noFill/>
-        </p:spPr>
-        <p:txBody>
-          <a:bodyPr wrap="square" rtlCol="0">
-            <a:spAutoFit/>
-          </a:bodyPr>
-          <a:lstStyle/>
-          <a:p>
-            <a:r>
-              <a:rPr lang="en-GB" dirty="0" smtClean="0">
-                <a:solidFill>
-                  <a:schemeClr val="bg1">
-                    <a:lumMod val="65000"/>
-                  </a:schemeClr>
-                </a:solidFill>
-              </a:rPr>
-              <a:t>c = 20</a:t>
-            </a:r>
-            <a:endParaRPr lang="en-GB" dirty="0">
-              <a:solidFill>
-                <a:schemeClr val="bg1">
-                  <a:lumMod val="65000"/>
-                </a:schemeClr>
-              </a:solidFill>
-            </a:endParaRPr>
-          </a:p>
-        </p:txBody>
-      </p:sp>
-      <p:sp>
-        <p:nvSpPr>
-          <p:cNvPr id="23" name="TextBox 22"/>
-          <p:cNvSpPr txBox="1"/>
-          <p:nvPr/>
-        </p:nvSpPr>
-        <p:spPr>
-          <a:xfrm>
-            <a:off x="3851920" y="3284984"/>
-            <a:ext cx="648072" cy="369332"/>
-          </a:xfrm>
-          <a:prstGeom prst="rect">
-            <a:avLst/>
-          </a:prstGeom>
-          <a:noFill/>
-        </p:spPr>
-        <p:txBody>
-          <a:bodyPr wrap="square" rtlCol="0">
-            <a:spAutoFit/>
-          </a:bodyPr>
-          <a:lstStyle/>
-          <a:p>
-            <a:r>
-              <a:rPr lang="en-GB" dirty="0" smtClean="0">
-                <a:solidFill>
-                  <a:srgbClr val="FF0000"/>
-                </a:solidFill>
-              </a:rPr>
-              <a:t>a = 2</a:t>
-            </a:r>
-            <a:endParaRPr lang="en-GB" dirty="0">
-              <a:solidFill>
-                <a:srgbClr val="FF0000"/>
-              </a:solidFill>
-            </a:endParaRPr>
-          </a:p>
-        </p:txBody>
-      </p:sp>
-      <p:sp>
-        <p:nvSpPr>
-          <p:cNvPr id="24" name="TextBox 23"/>
-          <p:cNvSpPr txBox="1"/>
-          <p:nvPr/>
-        </p:nvSpPr>
-        <p:spPr>
-          <a:xfrm>
-            <a:off x="2555776" y="5445224"/>
-            <a:ext cx="2664296" cy="584775"/>
-          </a:xfrm>
-          <a:prstGeom prst="rect">
-            <a:avLst/>
-          </a:prstGeom>
-          <a:noFill/>
-        </p:spPr>
-        <p:txBody>
-          <a:bodyPr wrap="square" rtlCol="0">
-            <a:spAutoFit/>
-          </a:bodyPr>
-          <a:lstStyle/>
-          <a:p>
-            <a:pPr algn="r"/>
-            <a:r>
-              <a:rPr lang="en-GB" dirty="0" smtClean="0">
-                <a:solidFill>
-                  <a:srgbClr val="FF0000"/>
-                </a:solidFill>
-              </a:rPr>
-              <a:t>Satisfies W =</a:t>
-            </a:r>
-          </a:p>
-          <a:p>
-            <a:pPr algn="r"/>
-            <a:r>
-              <a:rPr lang="en-GB" sz="1400" dirty="0" smtClean="0">
-                <a:solidFill>
-                  <a:srgbClr val="FF0000"/>
-                </a:solidFill>
-              </a:rPr>
-              <a:t>(minimum acknowledged writes)</a:t>
-            </a:r>
-            <a:endParaRPr lang="en-GB" sz="1400" dirty="0">
-              <a:solidFill>
-                <a:srgbClr val="FF0000"/>
-              </a:solidFill>
-            </a:endParaRPr>
-          </a:p>
-        </p:txBody>
-      </p:sp>
-      <p:sp>
-        <p:nvSpPr>
-          <p:cNvPr id="25" name="TextBox 24"/>
-          <p:cNvSpPr txBox="1"/>
-          <p:nvPr/>
-        </p:nvSpPr>
-        <p:spPr>
-          <a:xfrm>
-            <a:off x="5148064" y="5445224"/>
-            <a:ext cx="216025" cy="369332"/>
-          </a:xfrm>
-          <a:prstGeom prst="rect">
-            <a:avLst/>
-          </a:prstGeom>
-          <a:noFill/>
-        </p:spPr>
-        <p:txBody>
-          <a:bodyPr wrap="square" rtlCol="0">
-            <a:spAutoFit/>
-          </a:bodyPr>
-          <a:lstStyle/>
-          <a:p>
-            <a:r>
-              <a:rPr lang="en-GB" dirty="0" smtClean="0">
-                <a:solidFill>
-                  <a:srgbClr val="FF0000"/>
-                </a:solidFill>
-              </a:rPr>
-              <a:t>1</a:t>
-            </a:r>
-            <a:endParaRPr lang="en-GB" dirty="0">
-              <a:solidFill>
-                <a:srgbClr val="FF0000"/>
-              </a:solidFill>
-            </a:endParaRPr>
-          </a:p>
-        </p:txBody>
-      </p:sp>
-      <p:sp>
-        <p:nvSpPr>
-          <p:cNvPr id="27" name="TextBox 26"/>
-          <p:cNvSpPr txBox="1"/>
-          <p:nvPr/>
-        </p:nvSpPr>
-        <p:spPr>
-          <a:xfrm>
-            <a:off x="4801488" y="1660158"/>
-            <a:ext cx="648072" cy="369332"/>
-          </a:xfrm>
-          <a:prstGeom prst="rect">
-            <a:avLst/>
-          </a:prstGeom>
-          <a:noFill/>
-        </p:spPr>
-        <p:txBody>
-          <a:bodyPr wrap="square" rtlCol="0">
-            <a:spAutoFit/>
-          </a:bodyPr>
-          <a:lstStyle/>
-          <a:p>
-            <a:r>
-              <a:rPr lang="en-GB" dirty="0" smtClean="0">
-                <a:solidFill>
-                  <a:srgbClr val="FF0000"/>
-                </a:solidFill>
-              </a:rPr>
-              <a:t>a = 2</a:t>
-            </a:r>
-            <a:endParaRPr lang="en-GB" dirty="0">
-              <a:solidFill>
-                <a:srgbClr val="FF0000"/>
-              </a:solidFill>
-            </a:endParaRPr>
-          </a:p>
-        </p:txBody>
-      </p:sp>
-      <p:sp>
-        <p:nvSpPr>
-          <p:cNvPr id="28" name="TextBox 27"/>
-          <p:cNvSpPr txBox="1"/>
-          <p:nvPr/>
-        </p:nvSpPr>
-        <p:spPr>
-          <a:xfrm>
-            <a:off x="5148064" y="5445224"/>
-            <a:ext cx="216025" cy="369332"/>
-          </a:xfrm>
-          <a:prstGeom prst="rect">
-            <a:avLst/>
-          </a:prstGeom>
-          <a:noFill/>
-        </p:spPr>
-        <p:txBody>
-          <a:bodyPr wrap="square" rtlCol="0">
-            <a:spAutoFit/>
-          </a:bodyPr>
-          <a:lstStyle/>
-          <a:p>
-            <a:r>
-              <a:rPr lang="en-GB" dirty="0" smtClean="0">
-                <a:solidFill>
-                  <a:srgbClr val="FF0000"/>
-                </a:solidFill>
-              </a:rPr>
-              <a:t>2</a:t>
-            </a:r>
-            <a:endParaRPr lang="en-GB" dirty="0">
-              <a:solidFill>
-                <a:srgbClr val="FF0000"/>
-              </a:solidFill>
-            </a:endParaRPr>
-          </a:p>
-        </p:txBody>
-      </p:sp>
-    </p:spTree>
-    <p:extLst>
-      <p:ext uri="{BB962C8B-B14F-4D97-AF65-F5344CB8AC3E}">
-        <p14:creationId xmlns:p14="http://schemas.microsoft.com/office/powerpoint/2010/main" val="3141502094"/>
-      </p:ext>
-    </p:extLst>
-  </p:cSld>
-  <p:clrMapOvr>
-    <a:masterClrMapping/>
-  </p:clrMapOvr>
-  <p:timing>
-    <p:tnLst>
-      <p:par>
-        <p:cTn id="1" dur="indefinite" restart="never" nodeType="tmRoot">
-          <p:childTnLst>
-            <p:seq concurrent="1" nextAc="seek">
-              <p:cTn id="2" dur="indefinite" nodeType="mainSeq">
-                <p:childTnLst>
-                  <p:par>
-                    <p:cTn id="3" fill="hold">
-                      <p:stCondLst>
-                        <p:cond delay="indefinite"/>
-                      </p:stCondLst>
-                      <p:childTnLst>
-                        <p:par>
-                          <p:cTn id="4" fill="hold">
-                            <p:stCondLst>
-                              <p:cond delay="0"/>
-                            </p:stCondLst>
-                            <p:childTnLst>
-                              <p:par>
-                                <p:cTn id="5" presetID="1" presetClass="exit" presetSubtype="0" fill="hold" grpId="0" nodeType="clickEffect">
-                                  <p:stCondLst>
-                                    <p:cond delay="0"/>
-                                  </p:stCondLst>
-                                  <p:childTnLst>
-                                    <p:set>
-                                      <p:cBhvr>
-                                        <p:cTn id="6" dur="1" fill="hold">
-                                          <p:stCondLst>
-                                            <p:cond delay="0"/>
-                                          </p:stCondLst>
-                                        </p:cTn>
-                                        <p:tgtEl>
-                                          <p:spTgt spid="13"/>
-                                        </p:tgtEl>
-                                        <p:attrNameLst>
-                                          <p:attrName>style.visibility</p:attrName>
-                                        </p:attrNameLst>
-                                      </p:cBhvr>
-                                      <p:to>
-                                        <p:strVal val="hidden"/>
-                                      </p:to>
-                                    </p:set>
-                                  </p:childTnLst>
-                                </p:cTn>
-                              </p:par>
-                              <p:par>
-                                <p:cTn id="7" presetID="1" presetClass="entr" presetSubtype="0" fill="hold" grpId="0" nodeType="withEffect">
-                                  <p:stCondLst>
-                                    <p:cond delay="0"/>
-                                  </p:stCondLst>
-                                  <p:childTnLst>
-                                    <p:set>
-                                      <p:cBhvr>
-                                        <p:cTn id="8" dur="1" fill="hold">
-                                          <p:stCondLst>
-                                            <p:cond delay="0"/>
-                                          </p:stCondLst>
-                                        </p:cTn>
-                                        <p:tgtEl>
-                                          <p:spTgt spid="23"/>
-                                        </p:tgtEl>
-                                        <p:attrNameLst>
-                                          <p:attrName>style.visibility</p:attrName>
-                                        </p:attrNameLst>
-                                      </p:cBhvr>
-                                      <p:to>
-                                        <p:strVal val="visible"/>
-                                      </p:to>
-                                    </p:set>
-                                  </p:childTnLst>
-                                </p:cTn>
-                              </p:par>
-                              <p:par>
-                                <p:cTn id="9" presetID="1" presetClass="entr" presetSubtype="0" fill="hold" grpId="0" nodeType="withEffect">
-                                  <p:stCondLst>
-                                    <p:cond delay="0"/>
-                                  </p:stCondLst>
-                                  <p:childTnLst>
-                                    <p:set>
-                                      <p:cBhvr>
-                                        <p:cTn id="10" dur="1" fill="hold">
-                                          <p:stCondLst>
-                                            <p:cond delay="0"/>
-                                          </p:stCondLst>
-                                        </p:cTn>
-                                        <p:tgtEl>
-                                          <p:spTgt spid="24"/>
-                                        </p:tgtEl>
-                                        <p:attrNameLst>
-                                          <p:attrName>style.visibility</p:attrName>
-                                        </p:attrNameLst>
-                                      </p:cBhvr>
-                                      <p:to>
-                                        <p:strVal val="visible"/>
-                                      </p:to>
-                                    </p:set>
-                                  </p:childTnLst>
-                                </p:cTn>
-                              </p:par>
-                            </p:childTnLst>
-                          </p:cTn>
-                        </p:par>
-                      </p:childTnLst>
-                    </p:cTn>
-                  </p:par>
-                  <p:par>
-                    <p:cTn id="11" fill="hold">
-                      <p:stCondLst>
-                        <p:cond delay="indefinite"/>
-                      </p:stCondLst>
-                      <p:childTnLst>
-                        <p:par>
-                          <p:cTn id="12" fill="hold">
-                            <p:stCondLst>
-                              <p:cond delay="0"/>
-                            </p:stCondLst>
-                            <p:childTnLst>
-                              <p:par>
-                                <p:cTn id="13" presetID="1" presetClass="exit" presetSubtype="0" fill="hold" grpId="0" nodeType="clickEffect">
-                                  <p:stCondLst>
-                                    <p:cond delay="0"/>
-                                  </p:stCondLst>
-                                  <p:childTnLst>
-                                    <p:set>
-                                      <p:cBhvr>
-                                        <p:cTn id="14" dur="1" fill="hold">
-                                          <p:stCondLst>
-                                            <p:cond delay="0"/>
-                                          </p:stCondLst>
-                                        </p:cTn>
-                                        <p:tgtEl>
-                                          <p:spTgt spid="25"/>
-                                        </p:tgtEl>
-                                        <p:attrNameLst>
-                                          <p:attrName>style.visibility</p:attrName>
-                                        </p:attrNameLst>
-                                      </p:cBhvr>
-                                      <p:to>
-                                        <p:strVal val="hidden"/>
-                                      </p:to>
-                                    </p:set>
-                                  </p:childTnLst>
-                                </p:cTn>
-                              </p:par>
-                              <p:par>
-                                <p:cTn id="15" presetID="1" presetClass="entr" presetSubtype="0" fill="hold" grpId="0" nodeType="withEffect">
-                                  <p:stCondLst>
-                                    <p:cond delay="0"/>
-                                  </p:stCondLst>
-                                  <p:childTnLst>
-                                    <p:set>
-                                      <p:cBhvr>
-                                        <p:cTn id="16" dur="1" fill="hold">
-                                          <p:stCondLst>
-                                            <p:cond delay="0"/>
-                                          </p:stCondLst>
-                                        </p:cTn>
-                                        <p:tgtEl>
-                                          <p:spTgt spid="27"/>
-                                        </p:tgtEl>
-                                        <p:attrNameLst>
-                                          <p:attrName>style.visibility</p:attrName>
-                                        </p:attrNameLst>
-                                      </p:cBhvr>
-                                      <p:to>
-                                        <p:strVal val="visible"/>
-                                      </p:to>
-                                    </p:set>
-                                  </p:childTnLst>
-                                </p:cTn>
-                              </p:par>
-                              <p:par>
-                                <p:cTn id="17" presetID="1" presetClass="exit" presetSubtype="0" fill="hold" grpId="0" nodeType="withEffect">
-                                  <p:stCondLst>
-                                    <p:cond delay="0"/>
-                                  </p:stCondLst>
-                                  <p:childTnLst>
-                                    <p:set>
-                                      <p:cBhvr>
-                                        <p:cTn id="18" dur="1" fill="hold">
-                                          <p:stCondLst>
-                                            <p:cond delay="0"/>
-                                          </p:stCondLst>
-                                        </p:cTn>
-                                        <p:tgtEl>
-                                          <p:spTgt spid="12"/>
-                                        </p:tgtEl>
-                                        <p:attrNameLst>
-                                          <p:attrName>style.visibility</p:attrName>
-                                        </p:attrNameLst>
-                                      </p:cBhvr>
-                                      <p:to>
-                                        <p:strVal val="hidden"/>
-                                      </p:to>
-                                    </p:set>
-                                  </p:childTnLst>
-                                </p:cTn>
-                              </p:par>
-                              <p:par>
-                                <p:cTn id="19" presetID="1" presetClass="entr" presetSubtype="0" fill="hold" grpId="0" nodeType="withEffect">
-                                  <p:stCondLst>
-                                    <p:cond delay="0"/>
-                                  </p:stCondLst>
-                                  <p:childTnLst>
-                                    <p:set>
-                                      <p:cBhvr>
-                                        <p:cTn id="20" dur="1" fill="hold">
-                                          <p:stCondLst>
-                                            <p:cond delay="0"/>
-                                          </p:stCondLst>
-                                        </p:cTn>
-                                        <p:tgtEl>
-                                          <p:spTgt spid="28"/>
-                                        </p:tgtEl>
-                                        <p:attrNameLst>
-                                          <p:attrName>style.visibility</p:attrName>
-                                        </p:attrNameLst>
-                                      </p:cBhvr>
-                                      <p:to>
-                                        <p:strVal val="visible"/>
-                                      </p:to>
-                                    </p:set>
-                                  </p:childTnLst>
-                                </p:cTn>
-                              </p:par>
-                            </p:childTnLst>
-                          </p:cTn>
-                        </p:par>
-                      </p:childTnLst>
-                    </p:cTn>
-                  </p:par>
-                </p:childTnLst>
-              </p:cTn>
-              <p:prevCondLst>
-                <p:cond evt="onPrev" delay="0">
-                  <p:tgtEl>
-                    <p:sldTgt/>
-                  </p:tgtEl>
-                </p:cond>
-              </p:prevCondLst>
-              <p:nextCondLst>
-                <p:cond evt="onNext" delay="0">
-                  <p:tgtEl>
-                    <p:sldTgt/>
-                  </p:tgtEl>
-                </p:cond>
-              </p:nextCondLst>
-            </p:seq>
-          </p:childTnLst>
-        </p:cTn>
-      </p:par>
-    </p:tnLst>
-    <p:bldLst>
-      <p:bldP spid="12" grpId="0"/>
-      <p:bldP spid="13" grpId="0"/>
-      <p:bldP spid="23" grpId="0"/>
-      <p:bldP spid="24" grpId="0"/>
-      <p:bldP spid="25" grpId="0"/>
-      <p:bldP spid="27" grpId="0"/>
-      <p:bldP spid="28" grpId="0"/>
-    </p:bldLst>
-  </p:timing>
-</p:sld>
-</file>
-
-<file path=ppt/slides/slide26.xml><?xml version="1.0" encoding="utf-8"?>
+<file path=ppt/slides/slide23.xml><?xml version="1.0" encoding="utf-8"?>
 <p:sld xmlns:a="http://schemas.openxmlformats.org/drawingml/2006/main" xmlns:r="http://schemas.openxmlformats.org/officeDocument/2006/relationships" xmlns:p="http://schemas.openxmlformats.org/presentationml/2006/main">
   <p:cSld>
     <p:bg>
@@ -13616,7 +11908,7 @@
 </p:sld>
 </file>
 
-<file path=ppt/slides/slide27.xml><?xml version="1.0" encoding="utf-8"?>
+<file path=ppt/slides/slide24.xml><?xml version="1.0" encoding="utf-8"?>
 <p:sld xmlns:a="http://schemas.openxmlformats.org/drawingml/2006/main" xmlns:r="http://schemas.openxmlformats.org/officeDocument/2006/relationships" xmlns:p="http://schemas.openxmlformats.org/presentationml/2006/main">
   <p:cSld>
     <p:bg>
@@ -13711,7 +12003,7 @@
 </p:sld>
 </file>
 
-<file path=ppt/slides/slide28.xml><?xml version="1.0" encoding="utf-8"?>
+<file path=ppt/slides/slide25.xml><?xml version="1.0" encoding="utf-8"?>
 <p:sld xmlns:a="http://schemas.openxmlformats.org/drawingml/2006/main" xmlns:r="http://schemas.openxmlformats.org/officeDocument/2006/relationships" xmlns:p="http://schemas.openxmlformats.org/presentationml/2006/main">
   <p:cSld>
     <p:bg>
@@ -13849,7 +12141,7 @@
             </a:r>
             <a:r>
               <a:rPr lang="en-GB" sz="2600" i="1" dirty="0" smtClean="0"/>
-              <a:t>Thrift -&gt; CQL1 -&gt; CQL2 -&gt; CQL3</a:t>
+              <a:t>Thrift RPC -&gt; CQL1 -&gt; CQL2 -&gt; CQL3</a:t>
             </a:r>
             <a:r>
               <a:rPr lang="en-GB" sz="2600" dirty="0" smtClean="0"/>
@@ -13948,7 +12240,7 @@
 </p:sld>
 </file>
 
-<file path=ppt/slides/slide29.xml><?xml version="1.0" encoding="utf-8"?>
+<file path=ppt/slides/slide26.xml><?xml version="1.0" encoding="utf-8"?>
 <p:sld xmlns:a="http://schemas.openxmlformats.org/drawingml/2006/main" xmlns:r="http://schemas.openxmlformats.org/officeDocument/2006/relationships" xmlns:p="http://schemas.openxmlformats.org/presentationml/2006/main">
   <p:cSld>
     <p:bg>
@@ -14035,7 +12327,7 @@
 </p:sld>
 </file>
 
-<file path=ppt/slides/slide3.xml><?xml version="1.0" encoding="utf-8"?>
+<file path=ppt/slides/slide27.xml><?xml version="1.0" encoding="utf-8"?>
 <p:sld xmlns:a="http://schemas.openxmlformats.org/drawingml/2006/main" xmlns:r="http://schemas.openxmlformats.org/officeDocument/2006/relationships" xmlns:p="http://schemas.openxmlformats.org/presentationml/2006/main">
   <p:cSld>
     <p:bg>
@@ -14077,138 +12369,6 @@
           <a:p>
             <a:r>
               <a:rPr lang="en-GB" dirty="0" smtClean="0"/>
-              <a:t>In This Presentation…</a:t>
-            </a:r>
-            <a:endParaRPr lang="en-GB" dirty="0"/>
-          </a:p>
-        </p:txBody>
-      </p:sp>
-      <p:sp>
-        <p:nvSpPr>
-          <p:cNvPr id="3" name="Content Placeholder 2"/>
-          <p:cNvSpPr>
-            <a:spLocks noGrp="1"/>
-          </p:cNvSpPr>
-          <p:nvPr>
-            <p:ph idx="1"/>
-          </p:nvPr>
-        </p:nvSpPr>
-        <p:spPr/>
-        <p:txBody>
-          <a:bodyPr>
-            <a:normAutofit/>
-          </a:bodyPr>
-          <a:lstStyle/>
-          <a:p>
-            <a:r>
-              <a:rPr lang="en-GB" dirty="0" smtClean="0"/>
-              <a:t>Theory, context</a:t>
-            </a:r>
-          </a:p>
-          <a:p>
-            <a:endParaRPr lang="en-GB" dirty="0"/>
-          </a:p>
-          <a:p>
-            <a:r>
-              <a:rPr lang="en-GB" dirty="0" smtClean="0"/>
-              <a:t>Comparison of database systems, architectures</a:t>
-            </a:r>
-          </a:p>
-          <a:p>
-            <a:endParaRPr lang="en-GB" dirty="0"/>
-          </a:p>
-          <a:p>
-            <a:r>
-              <a:rPr lang="en-GB" dirty="0" smtClean="0"/>
-              <a:t>Code examples!</a:t>
-            </a:r>
-          </a:p>
-          <a:p>
-            <a:endParaRPr lang="en-GB" dirty="0" smtClean="0"/>
-          </a:p>
-          <a:p>
-            <a:pPr marL="0" lvl="1" indent="0" algn="r">
-              <a:buNone/>
-            </a:pPr>
-            <a:r>
-              <a:rPr lang="en-GB" sz="2200" i="1" dirty="0" smtClean="0">
-                <a:hlinkClick r:id="rId3"/>
-              </a:rPr>
-              <a:t>https://github.com/alexdgarland/database-demos</a:t>
-            </a:r>
-            <a:endParaRPr lang="en-GB" sz="2200" i="1" dirty="0" smtClean="0"/>
-          </a:p>
-          <a:p>
-            <a:pPr marL="342900" lvl="1" indent="-342900">
-              <a:buFont typeface="Arial" panose="020B0604020202020204" pitchFamily="34" charset="0"/>
-              <a:buChar char="•"/>
-            </a:pPr>
-            <a:endParaRPr lang="en-GB" sz="3200" dirty="0" smtClean="0"/>
-          </a:p>
-        </p:txBody>
-      </p:sp>
-    </p:spTree>
-    <p:extLst>
-      <p:ext uri="{BB962C8B-B14F-4D97-AF65-F5344CB8AC3E}">
-        <p14:creationId xmlns:p14="http://schemas.microsoft.com/office/powerpoint/2010/main" val="28346961"/>
-      </p:ext>
-    </p:extLst>
-  </p:cSld>
-  <p:clrMapOvr>
-    <a:masterClrMapping/>
-  </p:clrMapOvr>
-  <p:timing>
-    <p:tnLst>
-      <p:par>
-        <p:cTn id="1" dur="indefinite" restart="never" nodeType="tmRoot"/>
-      </p:par>
-    </p:tnLst>
-  </p:timing>
-</p:sld>
-</file>
-
-<file path=ppt/slides/slide30.xml><?xml version="1.0" encoding="utf-8"?>
-<p:sld xmlns:a="http://schemas.openxmlformats.org/drawingml/2006/main" xmlns:r="http://schemas.openxmlformats.org/officeDocument/2006/relationships" xmlns:p="http://schemas.openxmlformats.org/presentationml/2006/main">
-  <p:cSld>
-    <p:bg>
-      <p:bgPr>
-        <a:solidFill>
-          <a:schemeClr val="bg1"/>
-        </a:solidFill>
-        <a:effectLst/>
-      </p:bgPr>
-    </p:bg>
-    <p:spTree>
-      <p:nvGrpSpPr>
-        <p:cNvPr id="1" name=""/>
-        <p:cNvGrpSpPr/>
-        <p:nvPr/>
-      </p:nvGrpSpPr>
-      <p:grpSpPr>
-        <a:xfrm>
-          <a:off x="0" y="0"/>
-          <a:ext cx="0" cy="0"/>
-          <a:chOff x="0" y="0"/>
-          <a:chExt cx="0" cy="0"/>
-        </a:xfrm>
-      </p:grpSpPr>
-      <p:sp>
-        <p:nvSpPr>
-          <p:cNvPr id="2" name="Title 1"/>
-          <p:cNvSpPr>
-            <a:spLocks noGrp="1"/>
-          </p:cNvSpPr>
-          <p:nvPr>
-            <p:ph type="title"/>
-          </p:nvPr>
-        </p:nvSpPr>
-        <p:spPr/>
-        <p:txBody>
-          <a:bodyPr/>
-          <a:lstStyle/>
-          <a:p>
-            <a:r>
-              <a:rPr lang="en-GB" dirty="0" smtClean="0"/>
               <a:t>Cassandra Data Modelling</a:t>
             </a:r>
             <a:endParaRPr lang="en-GB" dirty="0"/>
@@ -14249,11 +12409,7 @@
           <a:p>
             <a:r>
               <a:rPr lang="en-GB" dirty="0" smtClean="0"/>
-              <a:t>Tables – But No </a:t>
-            </a:r>
-            <a:r>
-              <a:rPr lang="en-GB" dirty="0" smtClean="0"/>
-              <a:t>Joins</a:t>
+              <a:t>Tables – But No Joins</a:t>
             </a:r>
           </a:p>
           <a:p>
@@ -14296,7 +12452,7 @@
 </p:sld>
 </file>
 
-<file path=ppt/slides/slide31.xml><?xml version="1.0" encoding="utf-8"?>
+<file path=ppt/slides/slide28.xml><?xml version="1.0" encoding="utf-8"?>
 <p:sld xmlns:a="http://schemas.openxmlformats.org/drawingml/2006/main" xmlns:r="http://schemas.openxmlformats.org/officeDocument/2006/relationships" xmlns:p="http://schemas.openxmlformats.org/presentationml/2006/main">
   <p:cSld>
     <p:bg>
@@ -14424,7 +12580,7 @@
 </p:sld>
 </file>
 
-<file path=ppt/slides/slide32.xml><?xml version="1.0" encoding="utf-8"?>
+<file path=ppt/slides/slide29.xml><?xml version="1.0" encoding="utf-8"?>
 <p:sld xmlns:a="http://schemas.openxmlformats.org/drawingml/2006/main" xmlns:r="http://schemas.openxmlformats.org/officeDocument/2006/relationships" xmlns:p="http://schemas.openxmlformats.org/presentationml/2006/main">
   <p:cSld>
     <p:bg>
@@ -14687,7 +12843,469 @@
 </p:sld>
 </file>
 
-<file path=ppt/slides/slide33.xml><?xml version="1.0" encoding="utf-8"?>
+<file path=ppt/slides/slide3.xml><?xml version="1.0" encoding="utf-8"?>
+<p:sld xmlns:a="http://schemas.openxmlformats.org/drawingml/2006/main" xmlns:r="http://schemas.openxmlformats.org/officeDocument/2006/relationships" xmlns:p="http://schemas.openxmlformats.org/presentationml/2006/main">
+  <p:cSld>
+    <p:bg>
+      <p:bgPr>
+        <a:solidFill>
+          <a:schemeClr val="bg1"/>
+        </a:solidFill>
+        <a:effectLst/>
+      </p:bgPr>
+    </p:bg>
+    <p:spTree>
+      <p:nvGrpSpPr>
+        <p:cNvPr id="1" name=""/>
+        <p:cNvGrpSpPr/>
+        <p:nvPr/>
+      </p:nvGrpSpPr>
+      <p:grpSpPr>
+        <a:xfrm>
+          <a:off x="0" y="0"/>
+          <a:ext cx="0" cy="0"/>
+          <a:chOff x="0" y="0"/>
+          <a:chExt cx="0" cy="0"/>
+        </a:xfrm>
+      </p:grpSpPr>
+      <p:sp>
+        <p:nvSpPr>
+          <p:cNvPr id="2" name="Title 1"/>
+          <p:cNvSpPr>
+            <a:spLocks noGrp="1"/>
+          </p:cNvSpPr>
+          <p:nvPr>
+            <p:ph type="title"/>
+          </p:nvPr>
+        </p:nvSpPr>
+        <p:spPr/>
+        <p:txBody>
+          <a:bodyPr/>
+          <a:lstStyle/>
+          <a:p>
+            <a:r>
+              <a:rPr lang="en-GB" dirty="0" smtClean="0"/>
+              <a:t>In This Presentation…</a:t>
+            </a:r>
+            <a:endParaRPr lang="en-GB" dirty="0"/>
+          </a:p>
+        </p:txBody>
+      </p:sp>
+      <p:sp>
+        <p:nvSpPr>
+          <p:cNvPr id="3" name="Content Placeholder 2"/>
+          <p:cNvSpPr>
+            <a:spLocks noGrp="1"/>
+          </p:cNvSpPr>
+          <p:nvPr>
+            <p:ph idx="1"/>
+          </p:nvPr>
+        </p:nvSpPr>
+        <p:spPr/>
+        <p:txBody>
+          <a:bodyPr>
+            <a:normAutofit/>
+          </a:bodyPr>
+          <a:lstStyle/>
+          <a:p>
+            <a:r>
+              <a:rPr lang="en-GB" dirty="0" smtClean="0"/>
+              <a:t>History &amp; Definitions – Relational vs NoSQL</a:t>
+            </a:r>
+            <a:endParaRPr lang="en-GB" dirty="0"/>
+          </a:p>
+          <a:p>
+            <a:r>
+              <a:rPr lang="en-GB" dirty="0" smtClean="0"/>
+              <a:t>Document Data Models</a:t>
+            </a:r>
+            <a:endParaRPr lang="en-GB" dirty="0"/>
+          </a:p>
+          <a:p>
+            <a:r>
+              <a:rPr lang="en-GB" dirty="0" smtClean="0"/>
+              <a:t>Scalability, “AP” Systems</a:t>
+            </a:r>
+            <a:endParaRPr lang="en-GB" dirty="0"/>
+          </a:p>
+          <a:p>
+            <a:r>
+              <a:rPr lang="en-GB" dirty="0" smtClean="0"/>
+              <a:t>Architectures – “Polyglot Persistence”</a:t>
+            </a:r>
+          </a:p>
+          <a:p>
+            <a:endParaRPr lang="en-GB" dirty="0"/>
+          </a:p>
+          <a:p>
+            <a:pPr marL="0" indent="0">
+              <a:buNone/>
+            </a:pPr>
+            <a:r>
+              <a:rPr lang="en-GB" i="1" dirty="0" smtClean="0"/>
+              <a:t>If we have time:</a:t>
+            </a:r>
+          </a:p>
+          <a:p>
+            <a:r>
+              <a:rPr lang="en-GB" dirty="0" smtClean="0"/>
+              <a:t>Analytical Systems – Hadoop, Neo4j</a:t>
+            </a:r>
+            <a:endParaRPr lang="en-GB" dirty="0"/>
+          </a:p>
+          <a:p>
+            <a:pPr marL="0" indent="0" algn="r">
+              <a:buNone/>
+            </a:pPr>
+            <a:endParaRPr lang="en-GB" sz="2200" i="1" dirty="0" smtClean="0"/>
+          </a:p>
+          <a:p>
+            <a:pPr marL="342900" lvl="1" indent="-342900">
+              <a:buFont typeface="Arial" panose="020B0604020202020204" pitchFamily="34" charset="0"/>
+              <a:buChar char="•"/>
+            </a:pPr>
+            <a:endParaRPr lang="en-GB" sz="3200" dirty="0" smtClean="0"/>
+          </a:p>
+        </p:txBody>
+      </p:sp>
+    </p:spTree>
+    <p:extLst>
+      <p:ext uri="{BB962C8B-B14F-4D97-AF65-F5344CB8AC3E}">
+        <p14:creationId xmlns:p14="http://schemas.microsoft.com/office/powerpoint/2010/main" val="28346961"/>
+      </p:ext>
+    </p:extLst>
+  </p:cSld>
+  <p:clrMapOvr>
+    <a:masterClrMapping/>
+  </p:clrMapOvr>
+  <p:timing>
+    <p:tnLst>
+      <p:par>
+        <p:cTn id="1" dur="indefinite" restart="never" nodeType="tmRoot">
+          <p:childTnLst>
+            <p:seq concurrent="1" nextAc="seek">
+              <p:cTn id="2" dur="indefinite" nodeType="mainSeq">
+                <p:childTnLst>
+                  <p:par>
+                    <p:cTn id="3" fill="hold">
+                      <p:stCondLst>
+                        <p:cond delay="indefinite"/>
+                      </p:stCondLst>
+                      <p:childTnLst>
+                        <p:par>
+                          <p:cTn id="4" fill="hold">
+                            <p:stCondLst>
+                              <p:cond delay="0"/>
+                            </p:stCondLst>
+                            <p:childTnLst>
+                              <p:par>
+                                <p:cTn id="5" presetID="1" presetClass="entr" presetSubtype="0" fill="hold" nodeType="clickEffect">
+                                  <p:stCondLst>
+                                    <p:cond delay="0"/>
+                                  </p:stCondLst>
+                                  <p:childTnLst>
+                                    <p:set>
+                                      <p:cBhvr>
+                                        <p:cTn id="6" dur="1" fill="hold">
+                                          <p:stCondLst>
+                                            <p:cond delay="0"/>
+                                          </p:stCondLst>
+                                        </p:cTn>
+                                        <p:tgtEl>
+                                          <p:spTgt spid="3">
+                                            <p:txEl>
+                                              <p:pRg st="0" end="0"/>
+                                            </p:txEl>
+                                          </p:spTgt>
+                                        </p:tgtEl>
+                                        <p:attrNameLst>
+                                          <p:attrName>style.visibility</p:attrName>
+                                        </p:attrNameLst>
+                                      </p:cBhvr>
+                                      <p:to>
+                                        <p:strVal val="visible"/>
+                                      </p:to>
+                                    </p:set>
+                                  </p:childTnLst>
+                                </p:cTn>
+                              </p:par>
+                            </p:childTnLst>
+                          </p:cTn>
+                        </p:par>
+                      </p:childTnLst>
+                    </p:cTn>
+                  </p:par>
+                  <p:par>
+                    <p:cTn id="7" fill="hold">
+                      <p:stCondLst>
+                        <p:cond delay="indefinite"/>
+                      </p:stCondLst>
+                      <p:childTnLst>
+                        <p:par>
+                          <p:cTn id="8" fill="hold">
+                            <p:stCondLst>
+                              <p:cond delay="0"/>
+                            </p:stCondLst>
+                            <p:childTnLst>
+                              <p:par>
+                                <p:cTn id="9" presetID="1" presetClass="entr" presetSubtype="0" fill="hold" nodeType="clickEffect">
+                                  <p:stCondLst>
+                                    <p:cond delay="0"/>
+                                  </p:stCondLst>
+                                  <p:childTnLst>
+                                    <p:set>
+                                      <p:cBhvr>
+                                        <p:cTn id="10" dur="1" fill="hold">
+                                          <p:stCondLst>
+                                            <p:cond delay="0"/>
+                                          </p:stCondLst>
+                                        </p:cTn>
+                                        <p:tgtEl>
+                                          <p:spTgt spid="3">
+                                            <p:txEl>
+                                              <p:pRg st="1" end="1"/>
+                                            </p:txEl>
+                                          </p:spTgt>
+                                        </p:tgtEl>
+                                        <p:attrNameLst>
+                                          <p:attrName>style.visibility</p:attrName>
+                                        </p:attrNameLst>
+                                      </p:cBhvr>
+                                      <p:to>
+                                        <p:strVal val="visible"/>
+                                      </p:to>
+                                    </p:set>
+                                  </p:childTnLst>
+                                </p:cTn>
+                              </p:par>
+                            </p:childTnLst>
+                          </p:cTn>
+                        </p:par>
+                      </p:childTnLst>
+                    </p:cTn>
+                  </p:par>
+                  <p:par>
+                    <p:cTn id="11" fill="hold">
+                      <p:stCondLst>
+                        <p:cond delay="indefinite"/>
+                      </p:stCondLst>
+                      <p:childTnLst>
+                        <p:par>
+                          <p:cTn id="12" fill="hold">
+                            <p:stCondLst>
+                              <p:cond delay="0"/>
+                            </p:stCondLst>
+                            <p:childTnLst>
+                              <p:par>
+                                <p:cTn id="13" presetID="1" presetClass="entr" presetSubtype="0" fill="hold" nodeType="clickEffect">
+                                  <p:stCondLst>
+                                    <p:cond delay="0"/>
+                                  </p:stCondLst>
+                                  <p:childTnLst>
+                                    <p:set>
+                                      <p:cBhvr>
+                                        <p:cTn id="14" dur="1" fill="hold">
+                                          <p:stCondLst>
+                                            <p:cond delay="0"/>
+                                          </p:stCondLst>
+                                        </p:cTn>
+                                        <p:tgtEl>
+                                          <p:spTgt spid="3">
+                                            <p:txEl>
+                                              <p:pRg st="2" end="2"/>
+                                            </p:txEl>
+                                          </p:spTgt>
+                                        </p:tgtEl>
+                                        <p:attrNameLst>
+                                          <p:attrName>style.visibility</p:attrName>
+                                        </p:attrNameLst>
+                                      </p:cBhvr>
+                                      <p:to>
+                                        <p:strVal val="visible"/>
+                                      </p:to>
+                                    </p:set>
+                                  </p:childTnLst>
+                                </p:cTn>
+                              </p:par>
+                            </p:childTnLst>
+                          </p:cTn>
+                        </p:par>
+                      </p:childTnLst>
+                    </p:cTn>
+                  </p:par>
+                  <p:par>
+                    <p:cTn id="15" fill="hold">
+                      <p:stCondLst>
+                        <p:cond delay="indefinite"/>
+                      </p:stCondLst>
+                      <p:childTnLst>
+                        <p:par>
+                          <p:cTn id="16" fill="hold">
+                            <p:stCondLst>
+                              <p:cond delay="0"/>
+                            </p:stCondLst>
+                            <p:childTnLst>
+                              <p:par>
+                                <p:cTn id="17" presetID="1" presetClass="entr" presetSubtype="0" fill="hold" nodeType="clickEffect">
+                                  <p:stCondLst>
+                                    <p:cond delay="0"/>
+                                  </p:stCondLst>
+                                  <p:childTnLst>
+                                    <p:set>
+                                      <p:cBhvr>
+                                        <p:cTn id="18" dur="1" fill="hold">
+                                          <p:stCondLst>
+                                            <p:cond delay="0"/>
+                                          </p:stCondLst>
+                                        </p:cTn>
+                                        <p:tgtEl>
+                                          <p:spTgt spid="3">
+                                            <p:txEl>
+                                              <p:pRg st="3" end="3"/>
+                                            </p:txEl>
+                                          </p:spTgt>
+                                        </p:tgtEl>
+                                        <p:attrNameLst>
+                                          <p:attrName>style.visibility</p:attrName>
+                                        </p:attrNameLst>
+                                      </p:cBhvr>
+                                      <p:to>
+                                        <p:strVal val="visible"/>
+                                      </p:to>
+                                    </p:set>
+                                  </p:childTnLst>
+                                </p:cTn>
+                              </p:par>
+                            </p:childTnLst>
+                          </p:cTn>
+                        </p:par>
+                      </p:childTnLst>
+                    </p:cTn>
+                  </p:par>
+                  <p:par>
+                    <p:cTn id="19" fill="hold">
+                      <p:stCondLst>
+                        <p:cond delay="indefinite"/>
+                      </p:stCondLst>
+                      <p:childTnLst>
+                        <p:par>
+                          <p:cTn id="20" fill="hold">
+                            <p:stCondLst>
+                              <p:cond delay="0"/>
+                            </p:stCondLst>
+                            <p:childTnLst>
+                              <p:par>
+                                <p:cTn id="21" presetID="1" presetClass="entr" presetSubtype="0" fill="hold" nodeType="clickEffect">
+                                  <p:stCondLst>
+                                    <p:cond delay="0"/>
+                                  </p:stCondLst>
+                                  <p:childTnLst>
+                                    <p:set>
+                                      <p:cBhvr>
+                                        <p:cTn id="22" dur="1" fill="hold">
+                                          <p:stCondLst>
+                                            <p:cond delay="0"/>
+                                          </p:stCondLst>
+                                        </p:cTn>
+                                        <p:tgtEl>
+                                          <p:spTgt spid="3">
+                                            <p:txEl>
+                                              <p:pRg st="5" end="5"/>
+                                            </p:txEl>
+                                          </p:spTgt>
+                                        </p:tgtEl>
+                                        <p:attrNameLst>
+                                          <p:attrName>style.visibility</p:attrName>
+                                        </p:attrNameLst>
+                                      </p:cBhvr>
+                                      <p:to>
+                                        <p:strVal val="visible"/>
+                                      </p:to>
+                                    </p:set>
+                                  </p:childTnLst>
+                                </p:cTn>
+                              </p:par>
+                            </p:childTnLst>
+                          </p:cTn>
+                        </p:par>
+                      </p:childTnLst>
+                    </p:cTn>
+                  </p:par>
+                  <p:par>
+                    <p:cTn id="23" fill="hold">
+                      <p:stCondLst>
+                        <p:cond delay="indefinite"/>
+                      </p:stCondLst>
+                      <p:childTnLst>
+                        <p:par>
+                          <p:cTn id="24" fill="hold">
+                            <p:stCondLst>
+                              <p:cond delay="0"/>
+                            </p:stCondLst>
+                            <p:childTnLst>
+                              <p:par>
+                                <p:cTn id="25" presetID="1" presetClass="entr" presetSubtype="0" fill="hold" nodeType="clickEffect">
+                                  <p:stCondLst>
+                                    <p:cond delay="0"/>
+                                  </p:stCondLst>
+                                  <p:childTnLst>
+                                    <p:set>
+                                      <p:cBhvr>
+                                        <p:cTn id="26" dur="1" fill="hold">
+                                          <p:stCondLst>
+                                            <p:cond delay="0"/>
+                                          </p:stCondLst>
+                                        </p:cTn>
+                                        <p:tgtEl>
+                                          <p:spTgt spid="3">
+                                            <p:txEl>
+                                              <p:pRg st="6" end="6"/>
+                                            </p:txEl>
+                                          </p:spTgt>
+                                        </p:tgtEl>
+                                        <p:attrNameLst>
+                                          <p:attrName>style.visibility</p:attrName>
+                                        </p:attrNameLst>
+                                      </p:cBhvr>
+                                      <p:to>
+                                        <p:strVal val="visible"/>
+                                      </p:to>
+                                    </p:set>
+                                  </p:childTnLst>
+                                </p:cTn>
+                              </p:par>
+                            </p:childTnLst>
+                          </p:cTn>
+                        </p:par>
+                      </p:childTnLst>
+                    </p:cTn>
+                  </p:par>
+                </p:childTnLst>
+              </p:cTn>
+              <p:prevCondLst>
+                <p:cond evt="onPrev" delay="0">
+                  <p:tgtEl>
+                    <p:sldTgt/>
+                  </p:tgtEl>
+                </p:cond>
+              </p:prevCondLst>
+              <p:nextCondLst>
+                <p:cond evt="onNext" delay="0">
+                  <p:tgtEl>
+                    <p:sldTgt/>
+                  </p:tgtEl>
+                </p:cond>
+              </p:nextCondLst>
+            </p:seq>
+          </p:childTnLst>
+        </p:cTn>
+      </p:par>
+    </p:tnLst>
+  </p:timing>
+</p:sld>
+</file>
+
+<file path=ppt/slides/slide30.xml><?xml version="1.0" encoding="utf-8"?>
 <p:sld xmlns:a="http://schemas.openxmlformats.org/drawingml/2006/main" xmlns:r="http://schemas.openxmlformats.org/officeDocument/2006/relationships" xmlns:p="http://schemas.openxmlformats.org/presentationml/2006/main">
   <p:cSld>
     <p:bg>
@@ -14960,7 +13578,7 @@
 </p:sld>
 </file>
 
-<file path=ppt/slides/slide34.xml><?xml version="1.0" encoding="utf-8"?>
+<file path=ppt/slides/slide31.xml><?xml version="1.0" encoding="utf-8"?>
 <p:sld xmlns:a="http://schemas.openxmlformats.org/drawingml/2006/main" xmlns:r="http://schemas.openxmlformats.org/officeDocument/2006/relationships" xmlns:p="http://schemas.openxmlformats.org/presentationml/2006/main">
   <p:cSld>
     <p:bg>
@@ -15194,7 +13812,7 @@
 </p:sld>
 </file>
 
-<file path=ppt/slides/slide35.xml><?xml version="1.0" encoding="utf-8"?>
+<file path=ppt/slides/slide32.xml><?xml version="1.0" encoding="utf-8"?>
 <p:sld xmlns:a="http://schemas.openxmlformats.org/drawingml/2006/main" xmlns:r="http://schemas.openxmlformats.org/officeDocument/2006/relationships" xmlns:p="http://schemas.openxmlformats.org/presentationml/2006/main">
   <p:cSld>
     <p:bg>
@@ -15369,6 +13987,429 @@
 </p:sld>
 </file>
 
+<file path=ppt/slides/slide33.xml><?xml version="1.0" encoding="utf-8"?>
+<p:sld xmlns:a="http://schemas.openxmlformats.org/drawingml/2006/main" xmlns:r="http://schemas.openxmlformats.org/officeDocument/2006/relationships" xmlns:p="http://schemas.openxmlformats.org/presentationml/2006/main">
+  <p:cSld>
+    <p:bg>
+      <p:bgPr>
+        <a:solidFill>
+          <a:schemeClr val="bg1"/>
+        </a:solidFill>
+        <a:effectLst/>
+      </p:bgPr>
+    </p:bg>
+    <p:spTree>
+      <p:nvGrpSpPr>
+        <p:cNvPr id="1" name=""/>
+        <p:cNvGrpSpPr/>
+        <p:nvPr/>
+      </p:nvGrpSpPr>
+      <p:grpSpPr>
+        <a:xfrm>
+          <a:off x="0" y="0"/>
+          <a:ext cx="0" cy="0"/>
+          <a:chOff x="0" y="0"/>
+          <a:chExt cx="0" cy="0"/>
+        </a:xfrm>
+      </p:grpSpPr>
+      <p:sp>
+        <p:nvSpPr>
+          <p:cNvPr id="2" name="Title 1"/>
+          <p:cNvSpPr>
+            <a:spLocks noGrp="1"/>
+          </p:cNvSpPr>
+          <p:nvPr>
+            <p:ph type="ctrTitle"/>
+          </p:nvPr>
+        </p:nvSpPr>
+        <p:spPr/>
+        <p:txBody>
+          <a:bodyPr/>
+          <a:lstStyle/>
+          <a:p>
+            <a:r>
+              <a:rPr lang="en-GB" dirty="0" smtClean="0"/>
+              <a:t>(</a:t>
+            </a:r>
+            <a:r>
+              <a:rPr lang="en-GB" dirty="0" err="1" smtClean="0"/>
+              <a:t>DocumentDB</a:t>
+            </a:r>
+            <a:r>
+              <a:rPr lang="en-GB" dirty="0" smtClean="0"/>
+              <a:t> Demo)</a:t>
+            </a:r>
+            <a:endParaRPr lang="en-GB" dirty="0"/>
+          </a:p>
+        </p:txBody>
+      </p:sp>
+      <p:sp>
+        <p:nvSpPr>
+          <p:cNvPr id="3" name="Subtitle 2"/>
+          <p:cNvSpPr>
+            <a:spLocks noGrp="1"/>
+          </p:cNvSpPr>
+          <p:nvPr>
+            <p:ph type="subTitle" idx="1"/>
+          </p:nvPr>
+        </p:nvSpPr>
+        <p:spPr/>
+        <p:txBody>
+          <a:bodyPr/>
+          <a:lstStyle/>
+          <a:p>
+            <a:endParaRPr lang="en-GB"/>
+          </a:p>
+        </p:txBody>
+      </p:sp>
+    </p:spTree>
+    <p:extLst>
+      <p:ext uri="{BB962C8B-B14F-4D97-AF65-F5344CB8AC3E}">
+        <p14:creationId xmlns:p14="http://schemas.microsoft.com/office/powerpoint/2010/main" val="1956378066"/>
+      </p:ext>
+    </p:extLst>
+  </p:cSld>
+  <p:clrMapOvr>
+    <a:masterClrMapping/>
+  </p:clrMapOvr>
+  <p:timing>
+    <p:tnLst>
+      <p:par>
+        <p:cTn id="1" dur="indefinite" restart="never" nodeType="tmRoot"/>
+      </p:par>
+    </p:tnLst>
+  </p:timing>
+</p:sld>
+</file>
+
+<file path=ppt/slides/slide34.xml><?xml version="1.0" encoding="utf-8"?>
+<p:sld xmlns:a="http://schemas.openxmlformats.org/drawingml/2006/main" xmlns:r="http://schemas.openxmlformats.org/officeDocument/2006/relationships" xmlns:p="http://schemas.openxmlformats.org/presentationml/2006/main">
+  <p:cSld>
+    <p:bg>
+      <p:bgPr>
+        <a:solidFill>
+          <a:schemeClr val="bg1"/>
+        </a:solidFill>
+        <a:effectLst/>
+      </p:bgPr>
+    </p:bg>
+    <p:spTree>
+      <p:nvGrpSpPr>
+        <p:cNvPr id="1" name=""/>
+        <p:cNvGrpSpPr/>
+        <p:nvPr/>
+      </p:nvGrpSpPr>
+      <p:grpSpPr>
+        <a:xfrm>
+          <a:off x="0" y="0"/>
+          <a:ext cx="0" cy="0"/>
+          <a:chOff x="0" y="0"/>
+          <a:chExt cx="0" cy="0"/>
+        </a:xfrm>
+      </p:grpSpPr>
+      <p:sp>
+        <p:nvSpPr>
+          <p:cNvPr id="2" name="Title 1"/>
+          <p:cNvSpPr>
+            <a:spLocks noGrp="1"/>
+          </p:cNvSpPr>
+          <p:nvPr>
+            <p:ph type="title"/>
+          </p:nvPr>
+        </p:nvSpPr>
+        <p:spPr/>
+        <p:txBody>
+          <a:bodyPr/>
+          <a:lstStyle/>
+          <a:p>
+            <a:r>
+              <a:rPr lang="en-GB" dirty="0" smtClean="0"/>
+              <a:t>Mixed Architectures</a:t>
+            </a:r>
+            <a:endParaRPr lang="en-GB" dirty="0"/>
+          </a:p>
+        </p:txBody>
+      </p:sp>
+      <p:sp>
+        <p:nvSpPr>
+          <p:cNvPr id="3" name="Content Placeholder 2"/>
+          <p:cNvSpPr>
+            <a:spLocks noGrp="1"/>
+          </p:cNvSpPr>
+          <p:nvPr>
+            <p:ph idx="1"/>
+          </p:nvPr>
+        </p:nvSpPr>
+        <p:spPr/>
+        <p:txBody>
+          <a:bodyPr>
+            <a:normAutofit/>
+          </a:bodyPr>
+          <a:lstStyle/>
+          <a:p>
+            <a:r>
+              <a:rPr lang="en-GB" dirty="0" smtClean="0"/>
+              <a:t>“Polyglot Persistence”</a:t>
+            </a:r>
+            <a:endParaRPr lang="en-GB" dirty="0"/>
+          </a:p>
+          <a:p>
+            <a:pPr lvl="1"/>
+            <a:r>
+              <a:rPr lang="en-GB" sz="2000" dirty="0" smtClean="0">
+                <a:hlinkClick r:id="rId2"/>
+              </a:rPr>
+              <a:t>martinfowler.com/</a:t>
+            </a:r>
+            <a:r>
+              <a:rPr lang="en-GB" sz="2000" dirty="0" err="1" smtClean="0">
+                <a:hlinkClick r:id="rId2"/>
+              </a:rPr>
+              <a:t>bliki</a:t>
+            </a:r>
+            <a:r>
+              <a:rPr lang="en-GB" sz="2000" dirty="0" smtClean="0">
+                <a:hlinkClick r:id="rId2"/>
+              </a:rPr>
+              <a:t>/PolyglotPersistence.html</a:t>
+            </a:r>
+            <a:endParaRPr lang="en-GB" sz="2000" dirty="0" smtClean="0"/>
+          </a:p>
+          <a:p>
+            <a:pPr marL="0" indent="0">
+              <a:buNone/>
+            </a:pPr>
+            <a:endParaRPr lang="en-GB" sz="2000" dirty="0" smtClean="0"/>
+          </a:p>
+          <a:p>
+            <a:endParaRPr lang="en-GB" dirty="0" smtClean="0"/>
+          </a:p>
+          <a:p>
+            <a:r>
+              <a:rPr lang="en-GB" dirty="0" smtClean="0"/>
+              <a:t>Different Business Processes</a:t>
+            </a:r>
+          </a:p>
+          <a:p>
+            <a:pPr marL="0" indent="0">
+              <a:buNone/>
+            </a:pPr>
+            <a:endParaRPr lang="en-GB" dirty="0" smtClean="0"/>
+          </a:p>
+          <a:p>
+            <a:r>
+              <a:rPr lang="en-GB" dirty="0" smtClean="0"/>
+              <a:t>Read-Write Split</a:t>
+            </a:r>
+            <a:r>
+              <a:rPr lang="en-GB" dirty="0"/>
+              <a:t> </a:t>
+            </a:r>
+            <a:r>
+              <a:rPr lang="en-GB" dirty="0" smtClean="0"/>
+              <a:t>-&gt; Reporting</a:t>
+            </a:r>
+          </a:p>
+        </p:txBody>
+      </p:sp>
+    </p:spTree>
+    <p:extLst>
+      <p:ext uri="{BB962C8B-B14F-4D97-AF65-F5344CB8AC3E}">
+        <p14:creationId xmlns:p14="http://schemas.microsoft.com/office/powerpoint/2010/main" val="1132971709"/>
+      </p:ext>
+    </p:extLst>
+  </p:cSld>
+  <p:clrMapOvr>
+    <a:masterClrMapping/>
+  </p:clrMapOvr>
+  <p:timing>
+    <p:tnLst>
+      <p:par>
+        <p:cTn id="1" dur="indefinite" restart="never" nodeType="tmRoot"/>
+      </p:par>
+    </p:tnLst>
+  </p:timing>
+</p:sld>
+</file>
+
+<file path=ppt/slides/slide35.xml><?xml version="1.0" encoding="utf-8"?>
+<p:sld xmlns:a="http://schemas.openxmlformats.org/drawingml/2006/main" xmlns:r="http://schemas.openxmlformats.org/officeDocument/2006/relationships" xmlns:p="http://schemas.openxmlformats.org/presentationml/2006/main">
+  <p:cSld>
+    <p:bg>
+      <p:bgPr>
+        <a:solidFill>
+          <a:schemeClr val="bg1"/>
+        </a:solidFill>
+        <a:effectLst/>
+      </p:bgPr>
+    </p:bg>
+    <p:spTree>
+      <p:nvGrpSpPr>
+        <p:cNvPr id="1" name=""/>
+        <p:cNvGrpSpPr/>
+        <p:nvPr/>
+      </p:nvGrpSpPr>
+      <p:grpSpPr>
+        <a:xfrm>
+          <a:off x="0" y="0"/>
+          <a:ext cx="0" cy="0"/>
+          <a:chOff x="0" y="0"/>
+          <a:chExt cx="0" cy="0"/>
+        </a:xfrm>
+      </p:grpSpPr>
+      <p:sp>
+        <p:nvSpPr>
+          <p:cNvPr id="2" name="Title 1"/>
+          <p:cNvSpPr>
+            <a:spLocks noGrp="1"/>
+          </p:cNvSpPr>
+          <p:nvPr>
+            <p:ph type="title"/>
+          </p:nvPr>
+        </p:nvSpPr>
+        <p:spPr/>
+        <p:txBody>
+          <a:bodyPr/>
+          <a:lstStyle/>
+          <a:p>
+            <a:r>
+              <a:rPr lang="en-GB" dirty="0" smtClean="0"/>
+              <a:t>Business Processes (Amazon)</a:t>
+            </a:r>
+            <a:endParaRPr lang="en-GB" dirty="0"/>
+          </a:p>
+        </p:txBody>
+      </p:sp>
+      <p:sp>
+        <p:nvSpPr>
+          <p:cNvPr id="3" name="Content Placeholder 2"/>
+          <p:cNvSpPr>
+            <a:spLocks noGrp="1"/>
+          </p:cNvSpPr>
+          <p:nvPr>
+            <p:ph idx="1"/>
+          </p:nvPr>
+        </p:nvSpPr>
+        <p:spPr/>
+        <p:txBody>
+          <a:bodyPr>
+            <a:normAutofit fontScale="85000" lnSpcReduction="20000"/>
+          </a:bodyPr>
+          <a:lstStyle/>
+          <a:p>
+            <a:r>
+              <a:rPr lang="en-GB" dirty="0"/>
+              <a:t>“For the checkout process you always want to </a:t>
+            </a:r>
+            <a:r>
+              <a:rPr lang="en-GB" dirty="0" err="1"/>
+              <a:t>honor</a:t>
+            </a:r>
+            <a:r>
+              <a:rPr lang="en-GB" dirty="0"/>
+              <a:t> requests to add items to a shopping cart because it's revenue producing. </a:t>
+            </a:r>
+            <a:r>
+              <a:rPr lang="en-GB" b="1" dirty="0">
+                <a:solidFill>
+                  <a:srgbClr val="0070C0"/>
+                </a:solidFill>
+              </a:rPr>
+              <a:t>In this case you choose high availability.</a:t>
+            </a:r>
+            <a:r>
+              <a:rPr lang="en-GB" dirty="0"/>
+              <a:t> Errors are hidden from the customer and sorted out later.” </a:t>
+            </a:r>
+            <a:endParaRPr lang="en-GB" dirty="0" smtClean="0"/>
+          </a:p>
+          <a:p>
+            <a:endParaRPr lang="en-GB" dirty="0"/>
+          </a:p>
+          <a:p>
+            <a:r>
+              <a:rPr lang="en-GB" dirty="0" smtClean="0"/>
+              <a:t>“</a:t>
+            </a:r>
+            <a:r>
+              <a:rPr lang="en-GB" b="1" dirty="0">
+                <a:solidFill>
+                  <a:srgbClr val="0070C0"/>
+                </a:solidFill>
+              </a:rPr>
+              <a:t>When a customer submits an order you </a:t>
+            </a:r>
+            <a:r>
+              <a:rPr lang="en-GB" b="1" dirty="0" err="1">
+                <a:solidFill>
+                  <a:srgbClr val="0070C0"/>
+                </a:solidFill>
+              </a:rPr>
+              <a:t>favor</a:t>
+            </a:r>
+            <a:r>
+              <a:rPr lang="en-GB" b="1" dirty="0">
+                <a:solidFill>
+                  <a:srgbClr val="0070C0"/>
+                </a:solidFill>
+              </a:rPr>
+              <a:t> consistency </a:t>
+            </a:r>
+            <a:r>
+              <a:rPr lang="en-GB" dirty="0"/>
+              <a:t>because several services--credit card processing, shipping and handling, reporting--are simultaneously accessing the data</a:t>
+            </a:r>
+            <a:r>
+              <a:rPr lang="en-GB" dirty="0" smtClean="0"/>
+              <a:t>.”</a:t>
+            </a:r>
+          </a:p>
+          <a:p>
+            <a:endParaRPr lang="en-GB" dirty="0"/>
+          </a:p>
+          <a:p>
+            <a:pPr marL="457200" lvl="1" indent="0" algn="ctr">
+              <a:buNone/>
+            </a:pPr>
+            <a:r>
+              <a:rPr lang="en-GB" dirty="0" smtClean="0">
+                <a:hlinkClick r:id="rId3"/>
+              </a:rPr>
+              <a:t>highscalability.com/amazon-architecture</a:t>
+            </a:r>
+            <a:endParaRPr lang="en-GB" dirty="0" smtClean="0"/>
+          </a:p>
+          <a:p>
+            <a:pPr marL="457200" lvl="1" indent="0">
+              <a:buNone/>
+            </a:pPr>
+            <a:endParaRPr lang="en-GB" dirty="0"/>
+          </a:p>
+          <a:p>
+            <a:endParaRPr lang="en-GB" dirty="0"/>
+          </a:p>
+        </p:txBody>
+      </p:sp>
+    </p:spTree>
+    <p:extLst>
+      <p:ext uri="{BB962C8B-B14F-4D97-AF65-F5344CB8AC3E}">
+        <p14:creationId xmlns:p14="http://schemas.microsoft.com/office/powerpoint/2010/main" val="2839110553"/>
+      </p:ext>
+    </p:extLst>
+  </p:cSld>
+  <p:clrMapOvr>
+    <a:masterClrMapping/>
+  </p:clrMapOvr>
+  <p:timing>
+    <p:tnLst>
+      <p:par>
+        <p:cTn id="1" dur="indefinite" restart="never" nodeType="tmRoot"/>
+      </p:par>
+    </p:tnLst>
+  </p:timing>
+</p:sld>
+</file>
+
 <file path=ppt/slides/slide36.xml><?xml version="1.0" encoding="utf-8"?>
 <p:sld xmlns:a="http://schemas.openxmlformats.org/drawingml/2006/main" xmlns:r="http://schemas.openxmlformats.org/officeDocument/2006/relationships" xmlns:p="http://schemas.openxmlformats.org/presentationml/2006/main">
   <p:cSld>
@@ -15401,429 +14442,6 @@
             <a:spLocks noGrp="1"/>
           </p:cNvSpPr>
           <p:nvPr>
-            <p:ph type="ctrTitle"/>
-          </p:nvPr>
-        </p:nvSpPr>
-        <p:spPr/>
-        <p:txBody>
-          <a:bodyPr/>
-          <a:lstStyle/>
-          <a:p>
-            <a:r>
-              <a:rPr lang="en-GB" dirty="0" smtClean="0"/>
-              <a:t>(</a:t>
-            </a:r>
-            <a:r>
-              <a:rPr lang="en-GB" dirty="0" err="1" smtClean="0"/>
-              <a:t>DocumentDB</a:t>
-            </a:r>
-            <a:r>
-              <a:rPr lang="en-GB" dirty="0" smtClean="0"/>
-              <a:t> Demo)</a:t>
-            </a:r>
-            <a:endParaRPr lang="en-GB" dirty="0"/>
-          </a:p>
-        </p:txBody>
-      </p:sp>
-      <p:sp>
-        <p:nvSpPr>
-          <p:cNvPr id="3" name="Subtitle 2"/>
-          <p:cNvSpPr>
-            <a:spLocks noGrp="1"/>
-          </p:cNvSpPr>
-          <p:nvPr>
-            <p:ph type="subTitle" idx="1"/>
-          </p:nvPr>
-        </p:nvSpPr>
-        <p:spPr/>
-        <p:txBody>
-          <a:bodyPr/>
-          <a:lstStyle/>
-          <a:p>
-            <a:endParaRPr lang="en-GB"/>
-          </a:p>
-        </p:txBody>
-      </p:sp>
-    </p:spTree>
-    <p:extLst>
-      <p:ext uri="{BB962C8B-B14F-4D97-AF65-F5344CB8AC3E}">
-        <p14:creationId xmlns:p14="http://schemas.microsoft.com/office/powerpoint/2010/main" val="1956378066"/>
-      </p:ext>
-    </p:extLst>
-  </p:cSld>
-  <p:clrMapOvr>
-    <a:masterClrMapping/>
-  </p:clrMapOvr>
-  <p:timing>
-    <p:tnLst>
-      <p:par>
-        <p:cTn id="1" dur="indefinite" restart="never" nodeType="tmRoot"/>
-      </p:par>
-    </p:tnLst>
-  </p:timing>
-</p:sld>
-</file>
-
-<file path=ppt/slides/slide37.xml><?xml version="1.0" encoding="utf-8"?>
-<p:sld xmlns:a="http://schemas.openxmlformats.org/drawingml/2006/main" xmlns:r="http://schemas.openxmlformats.org/officeDocument/2006/relationships" xmlns:p="http://schemas.openxmlformats.org/presentationml/2006/main">
-  <p:cSld>
-    <p:bg>
-      <p:bgPr>
-        <a:solidFill>
-          <a:schemeClr val="bg1"/>
-        </a:solidFill>
-        <a:effectLst/>
-      </p:bgPr>
-    </p:bg>
-    <p:spTree>
-      <p:nvGrpSpPr>
-        <p:cNvPr id="1" name=""/>
-        <p:cNvGrpSpPr/>
-        <p:nvPr/>
-      </p:nvGrpSpPr>
-      <p:grpSpPr>
-        <a:xfrm>
-          <a:off x="0" y="0"/>
-          <a:ext cx="0" cy="0"/>
-          <a:chOff x="0" y="0"/>
-          <a:chExt cx="0" cy="0"/>
-        </a:xfrm>
-      </p:grpSpPr>
-      <p:sp>
-        <p:nvSpPr>
-          <p:cNvPr id="2" name="Title 1"/>
-          <p:cNvSpPr>
-            <a:spLocks noGrp="1"/>
-          </p:cNvSpPr>
-          <p:nvPr>
-            <p:ph type="title"/>
-          </p:nvPr>
-        </p:nvSpPr>
-        <p:spPr/>
-        <p:txBody>
-          <a:bodyPr/>
-          <a:lstStyle/>
-          <a:p>
-            <a:r>
-              <a:rPr lang="en-GB" dirty="0" smtClean="0"/>
-              <a:t>Mixed Architectures</a:t>
-            </a:r>
-            <a:endParaRPr lang="en-GB" dirty="0"/>
-          </a:p>
-        </p:txBody>
-      </p:sp>
-      <p:sp>
-        <p:nvSpPr>
-          <p:cNvPr id="3" name="Content Placeholder 2"/>
-          <p:cNvSpPr>
-            <a:spLocks noGrp="1"/>
-          </p:cNvSpPr>
-          <p:nvPr>
-            <p:ph idx="1"/>
-          </p:nvPr>
-        </p:nvSpPr>
-        <p:spPr/>
-        <p:txBody>
-          <a:bodyPr>
-            <a:normAutofit/>
-          </a:bodyPr>
-          <a:lstStyle/>
-          <a:p>
-            <a:r>
-              <a:rPr lang="en-GB" dirty="0" smtClean="0"/>
-              <a:t>“Polyglot Persistence”</a:t>
-            </a:r>
-            <a:endParaRPr lang="en-GB" dirty="0"/>
-          </a:p>
-          <a:p>
-            <a:pPr lvl="1"/>
-            <a:r>
-              <a:rPr lang="en-GB" sz="2000" dirty="0" smtClean="0">
-                <a:hlinkClick r:id="rId2"/>
-              </a:rPr>
-              <a:t>martinfowler.com/</a:t>
-            </a:r>
-            <a:r>
-              <a:rPr lang="en-GB" sz="2000" dirty="0" err="1" smtClean="0">
-                <a:hlinkClick r:id="rId2"/>
-              </a:rPr>
-              <a:t>bliki</a:t>
-            </a:r>
-            <a:r>
-              <a:rPr lang="en-GB" sz="2000" dirty="0" smtClean="0">
-                <a:hlinkClick r:id="rId2"/>
-              </a:rPr>
-              <a:t>/PolyglotPersistence.html</a:t>
-            </a:r>
-            <a:endParaRPr lang="en-GB" sz="2000" dirty="0" smtClean="0"/>
-          </a:p>
-          <a:p>
-            <a:pPr marL="0" indent="0">
-              <a:buNone/>
-            </a:pPr>
-            <a:endParaRPr lang="en-GB" sz="2000" dirty="0" smtClean="0"/>
-          </a:p>
-          <a:p>
-            <a:endParaRPr lang="en-GB" dirty="0" smtClean="0"/>
-          </a:p>
-          <a:p>
-            <a:r>
-              <a:rPr lang="en-GB" dirty="0" smtClean="0"/>
-              <a:t>Different Business Processes</a:t>
-            </a:r>
-          </a:p>
-          <a:p>
-            <a:pPr marL="0" indent="0">
-              <a:buNone/>
-            </a:pPr>
-            <a:endParaRPr lang="en-GB" dirty="0" smtClean="0"/>
-          </a:p>
-          <a:p>
-            <a:r>
-              <a:rPr lang="en-GB" dirty="0" smtClean="0"/>
-              <a:t>Read-Write Split</a:t>
-            </a:r>
-            <a:r>
-              <a:rPr lang="en-GB" dirty="0"/>
-              <a:t> </a:t>
-            </a:r>
-            <a:r>
-              <a:rPr lang="en-GB" dirty="0" smtClean="0"/>
-              <a:t>-&gt; Reporting</a:t>
-            </a:r>
-          </a:p>
-        </p:txBody>
-      </p:sp>
-    </p:spTree>
-    <p:extLst>
-      <p:ext uri="{BB962C8B-B14F-4D97-AF65-F5344CB8AC3E}">
-        <p14:creationId xmlns:p14="http://schemas.microsoft.com/office/powerpoint/2010/main" val="1132971709"/>
-      </p:ext>
-    </p:extLst>
-  </p:cSld>
-  <p:clrMapOvr>
-    <a:masterClrMapping/>
-  </p:clrMapOvr>
-  <p:timing>
-    <p:tnLst>
-      <p:par>
-        <p:cTn id="1" dur="indefinite" restart="never" nodeType="tmRoot"/>
-      </p:par>
-    </p:tnLst>
-  </p:timing>
-</p:sld>
-</file>
-
-<file path=ppt/slides/slide38.xml><?xml version="1.0" encoding="utf-8"?>
-<p:sld xmlns:a="http://schemas.openxmlformats.org/drawingml/2006/main" xmlns:r="http://schemas.openxmlformats.org/officeDocument/2006/relationships" xmlns:p="http://schemas.openxmlformats.org/presentationml/2006/main">
-  <p:cSld>
-    <p:bg>
-      <p:bgPr>
-        <a:solidFill>
-          <a:schemeClr val="bg1"/>
-        </a:solidFill>
-        <a:effectLst/>
-      </p:bgPr>
-    </p:bg>
-    <p:spTree>
-      <p:nvGrpSpPr>
-        <p:cNvPr id="1" name=""/>
-        <p:cNvGrpSpPr/>
-        <p:nvPr/>
-      </p:nvGrpSpPr>
-      <p:grpSpPr>
-        <a:xfrm>
-          <a:off x="0" y="0"/>
-          <a:ext cx="0" cy="0"/>
-          <a:chOff x="0" y="0"/>
-          <a:chExt cx="0" cy="0"/>
-        </a:xfrm>
-      </p:grpSpPr>
-      <p:sp>
-        <p:nvSpPr>
-          <p:cNvPr id="2" name="Title 1"/>
-          <p:cNvSpPr>
-            <a:spLocks noGrp="1"/>
-          </p:cNvSpPr>
-          <p:nvPr>
-            <p:ph type="title"/>
-          </p:nvPr>
-        </p:nvSpPr>
-        <p:spPr/>
-        <p:txBody>
-          <a:bodyPr/>
-          <a:lstStyle/>
-          <a:p>
-            <a:r>
-              <a:rPr lang="en-GB" dirty="0" smtClean="0"/>
-              <a:t>Business Processes (Amazon)</a:t>
-            </a:r>
-            <a:endParaRPr lang="en-GB" dirty="0"/>
-          </a:p>
-        </p:txBody>
-      </p:sp>
-      <p:sp>
-        <p:nvSpPr>
-          <p:cNvPr id="3" name="Content Placeholder 2"/>
-          <p:cNvSpPr>
-            <a:spLocks noGrp="1"/>
-          </p:cNvSpPr>
-          <p:nvPr>
-            <p:ph idx="1"/>
-          </p:nvPr>
-        </p:nvSpPr>
-        <p:spPr/>
-        <p:txBody>
-          <a:bodyPr>
-            <a:normAutofit fontScale="85000" lnSpcReduction="20000"/>
-          </a:bodyPr>
-          <a:lstStyle/>
-          <a:p>
-            <a:r>
-              <a:rPr lang="en-GB" dirty="0"/>
-              <a:t>“For the checkout process you always want to </a:t>
-            </a:r>
-            <a:r>
-              <a:rPr lang="en-GB" dirty="0" err="1"/>
-              <a:t>honor</a:t>
-            </a:r>
-            <a:r>
-              <a:rPr lang="en-GB" dirty="0"/>
-              <a:t> requests to add items to a shopping cart because it's revenue producing. </a:t>
-            </a:r>
-            <a:r>
-              <a:rPr lang="en-GB" b="1" dirty="0">
-                <a:solidFill>
-                  <a:srgbClr val="0070C0"/>
-                </a:solidFill>
-              </a:rPr>
-              <a:t>In this case you choose high availability.</a:t>
-            </a:r>
-            <a:r>
-              <a:rPr lang="en-GB" dirty="0"/>
-              <a:t> Errors are hidden from the customer and sorted out later.” </a:t>
-            </a:r>
-            <a:endParaRPr lang="en-GB" dirty="0" smtClean="0"/>
-          </a:p>
-          <a:p>
-            <a:endParaRPr lang="en-GB" dirty="0"/>
-          </a:p>
-          <a:p>
-            <a:r>
-              <a:rPr lang="en-GB" dirty="0" smtClean="0"/>
-              <a:t>“</a:t>
-            </a:r>
-            <a:r>
-              <a:rPr lang="en-GB" b="1" dirty="0">
-                <a:solidFill>
-                  <a:srgbClr val="0070C0"/>
-                </a:solidFill>
-              </a:rPr>
-              <a:t>When a customer submits an order you </a:t>
-            </a:r>
-            <a:r>
-              <a:rPr lang="en-GB" b="1" dirty="0" err="1">
-                <a:solidFill>
-                  <a:srgbClr val="0070C0"/>
-                </a:solidFill>
-              </a:rPr>
-              <a:t>favor</a:t>
-            </a:r>
-            <a:r>
-              <a:rPr lang="en-GB" b="1" dirty="0">
-                <a:solidFill>
-                  <a:srgbClr val="0070C0"/>
-                </a:solidFill>
-              </a:rPr>
-              <a:t> consistency </a:t>
-            </a:r>
-            <a:r>
-              <a:rPr lang="en-GB" dirty="0"/>
-              <a:t>because several services--credit card processing, shipping and handling, reporting--are simultaneously accessing the data</a:t>
-            </a:r>
-            <a:r>
-              <a:rPr lang="en-GB" dirty="0" smtClean="0"/>
-              <a:t>.”</a:t>
-            </a:r>
-          </a:p>
-          <a:p>
-            <a:endParaRPr lang="en-GB" dirty="0"/>
-          </a:p>
-          <a:p>
-            <a:pPr marL="457200" lvl="1" indent="0" algn="ctr">
-              <a:buNone/>
-            </a:pPr>
-            <a:r>
-              <a:rPr lang="en-GB" dirty="0" smtClean="0">
-                <a:hlinkClick r:id="rId3"/>
-              </a:rPr>
-              <a:t>highscalability.com/amazon-architecture</a:t>
-            </a:r>
-            <a:endParaRPr lang="en-GB" dirty="0" smtClean="0"/>
-          </a:p>
-          <a:p>
-            <a:pPr marL="457200" lvl="1" indent="0">
-              <a:buNone/>
-            </a:pPr>
-            <a:endParaRPr lang="en-GB" dirty="0"/>
-          </a:p>
-          <a:p>
-            <a:endParaRPr lang="en-GB" dirty="0"/>
-          </a:p>
-        </p:txBody>
-      </p:sp>
-    </p:spTree>
-    <p:extLst>
-      <p:ext uri="{BB962C8B-B14F-4D97-AF65-F5344CB8AC3E}">
-        <p14:creationId xmlns:p14="http://schemas.microsoft.com/office/powerpoint/2010/main" val="2839110553"/>
-      </p:ext>
-    </p:extLst>
-  </p:cSld>
-  <p:clrMapOvr>
-    <a:masterClrMapping/>
-  </p:clrMapOvr>
-  <p:timing>
-    <p:tnLst>
-      <p:par>
-        <p:cTn id="1" dur="indefinite" restart="never" nodeType="tmRoot"/>
-      </p:par>
-    </p:tnLst>
-  </p:timing>
-</p:sld>
-</file>
-
-<file path=ppt/slides/slide39.xml><?xml version="1.0" encoding="utf-8"?>
-<p:sld xmlns:a="http://schemas.openxmlformats.org/drawingml/2006/main" xmlns:r="http://schemas.openxmlformats.org/officeDocument/2006/relationships" xmlns:p="http://schemas.openxmlformats.org/presentationml/2006/main">
-  <p:cSld>
-    <p:bg>
-      <p:bgPr>
-        <a:solidFill>
-          <a:schemeClr val="bg1"/>
-        </a:solidFill>
-        <a:effectLst/>
-      </p:bgPr>
-    </p:bg>
-    <p:spTree>
-      <p:nvGrpSpPr>
-        <p:cNvPr id="1" name=""/>
-        <p:cNvGrpSpPr/>
-        <p:nvPr/>
-      </p:nvGrpSpPr>
-      <p:grpSpPr>
-        <a:xfrm>
-          <a:off x="0" y="0"/>
-          <a:ext cx="0" cy="0"/>
-          <a:chOff x="0" y="0"/>
-          <a:chExt cx="0" cy="0"/>
-        </a:xfrm>
-      </p:grpSpPr>
-      <p:sp>
-        <p:nvSpPr>
-          <p:cNvPr id="2" name="Title 1"/>
-          <p:cNvSpPr>
-            <a:spLocks noGrp="1"/>
-          </p:cNvSpPr>
-          <p:nvPr>
             <p:ph type="title"/>
           </p:nvPr>
         </p:nvSpPr>
@@ -15931,241 +14549,7 @@
 </p:sld>
 </file>
 
-<file path=ppt/slides/slide4.xml><?xml version="1.0" encoding="utf-8"?>
-<p:sld xmlns:a="http://schemas.openxmlformats.org/drawingml/2006/main" xmlns:r="http://schemas.openxmlformats.org/officeDocument/2006/relationships" xmlns:p="http://schemas.openxmlformats.org/presentationml/2006/main">
-  <p:cSld>
-    <p:bg>
-      <p:bgPr>
-        <a:solidFill>
-          <a:schemeClr val="bg1"/>
-        </a:solidFill>
-        <a:effectLst/>
-      </p:bgPr>
-    </p:bg>
-    <p:spTree>
-      <p:nvGrpSpPr>
-        <p:cNvPr id="1" name=""/>
-        <p:cNvGrpSpPr/>
-        <p:nvPr/>
-      </p:nvGrpSpPr>
-      <p:grpSpPr>
-        <a:xfrm>
-          <a:off x="0" y="0"/>
-          <a:ext cx="0" cy="0"/>
-          <a:chOff x="0" y="0"/>
-          <a:chExt cx="0" cy="0"/>
-        </a:xfrm>
-      </p:grpSpPr>
-      <p:sp>
-        <p:nvSpPr>
-          <p:cNvPr id="2" name="Title 1"/>
-          <p:cNvSpPr>
-            <a:spLocks noGrp="1"/>
-          </p:cNvSpPr>
-          <p:nvPr>
-            <p:ph type="title"/>
-          </p:nvPr>
-        </p:nvSpPr>
-        <p:spPr/>
-        <p:txBody>
-          <a:bodyPr/>
-          <a:lstStyle/>
-          <a:p>
-            <a:r>
-              <a:rPr lang="en-GB" dirty="0" smtClean="0"/>
-              <a:t>10 Years Ago</a:t>
-            </a:r>
-            <a:endParaRPr lang="en-GB" dirty="0"/>
-          </a:p>
-        </p:txBody>
-      </p:sp>
-      <p:pic>
-        <p:nvPicPr>
-          <p:cNvPr id="4" name="Content Placeholder 3"/>
-          <p:cNvPicPr>
-            <a:picLocks noGrp="1" noChangeAspect="1"/>
-          </p:cNvPicPr>
-          <p:nvPr>
-            <p:ph idx="1"/>
-          </p:nvPr>
-        </p:nvPicPr>
-        <p:blipFill>
-          <a:blip r:embed="rId3">
-            <a:extLst>
-              <a:ext uri="{28A0092B-C50C-407E-A947-70E740481C1C}">
-                <a14:useLocalDpi xmlns:a14="http://schemas.microsoft.com/office/drawing/2010/main" val="0"/>
-              </a:ext>
-            </a:extLst>
-          </a:blip>
-          <a:stretch>
-            <a:fillRect/>
-          </a:stretch>
-        </p:blipFill>
-        <p:spPr>
-          <a:xfrm>
-            <a:off x="1475656" y="2797644"/>
-            <a:ext cx="1512873" cy="1242548"/>
-          </a:xfrm>
-        </p:spPr>
-      </p:pic>
-      <p:pic>
-        <p:nvPicPr>
-          <p:cNvPr id="3" name="Picture 2"/>
-          <p:cNvPicPr>
-            <a:picLocks noChangeAspect="1"/>
-          </p:cNvPicPr>
-          <p:nvPr/>
-        </p:nvPicPr>
-        <p:blipFill>
-          <a:blip r:embed="rId4">
-            <a:extLst>
-              <a:ext uri="{28A0092B-C50C-407E-A947-70E740481C1C}">
-                <a14:useLocalDpi xmlns:a14="http://schemas.microsoft.com/office/drawing/2010/main" val="0"/>
-              </a:ext>
-            </a:extLst>
-          </a:blip>
-          <a:stretch>
-            <a:fillRect/>
-          </a:stretch>
-        </p:blipFill>
-        <p:spPr>
-          <a:xfrm>
-            <a:off x="4115852" y="2132856"/>
-            <a:ext cx="2112332" cy="2112332"/>
-          </a:xfrm>
-          <a:prstGeom prst="rect">
-            <a:avLst/>
-          </a:prstGeom>
-        </p:spPr>
-      </p:pic>
-      <p:pic>
-        <p:nvPicPr>
-          <p:cNvPr id="5" name="Picture 4"/>
-          <p:cNvPicPr>
-            <a:picLocks noChangeAspect="1"/>
-          </p:cNvPicPr>
-          <p:nvPr/>
-        </p:nvPicPr>
-        <p:blipFill>
-          <a:blip r:embed="rId5">
-            <a:extLst>
-              <a:ext uri="{28A0092B-C50C-407E-A947-70E740481C1C}">
-                <a14:useLocalDpi xmlns:a14="http://schemas.microsoft.com/office/drawing/2010/main" val="0"/>
-              </a:ext>
-            </a:extLst>
-          </a:blip>
-          <a:stretch>
-            <a:fillRect/>
-          </a:stretch>
-        </p:blipFill>
-        <p:spPr>
-          <a:xfrm>
-            <a:off x="2627784" y="4335316"/>
-            <a:ext cx="1829988" cy="1829988"/>
-          </a:xfrm>
-          <a:prstGeom prst="rect">
-            <a:avLst/>
-          </a:prstGeom>
-        </p:spPr>
-      </p:pic>
-      <p:pic>
-        <p:nvPicPr>
-          <p:cNvPr id="6" name="Picture 5"/>
-          <p:cNvPicPr>
-            <a:picLocks noChangeAspect="1"/>
-          </p:cNvPicPr>
-          <p:nvPr/>
-        </p:nvPicPr>
-        <p:blipFill>
-          <a:blip r:embed="rId6">
-            <a:extLst>
-              <a:ext uri="{28A0092B-C50C-407E-A947-70E740481C1C}">
-                <a14:useLocalDpi xmlns:a14="http://schemas.microsoft.com/office/drawing/2010/main" val="0"/>
-              </a:ext>
-            </a:extLst>
-          </a:blip>
-          <a:stretch>
-            <a:fillRect/>
-          </a:stretch>
-        </p:blipFill>
-        <p:spPr>
-          <a:xfrm>
-            <a:off x="6475198" y="3789040"/>
-            <a:ext cx="1553186" cy="1728192"/>
-          </a:xfrm>
-          <a:prstGeom prst="rect">
-            <a:avLst/>
-          </a:prstGeom>
-        </p:spPr>
-      </p:pic>
-      <p:sp>
-        <p:nvSpPr>
-          <p:cNvPr id="8" name="TextBox 7"/>
-          <p:cNvSpPr txBox="1"/>
-          <p:nvPr/>
-        </p:nvSpPr>
-        <p:spPr>
-          <a:xfrm>
-            <a:off x="611560" y="1702549"/>
-            <a:ext cx="8064896" cy="523220"/>
-          </a:xfrm>
-          <a:prstGeom prst="rect">
-            <a:avLst/>
-          </a:prstGeom>
-          <a:noFill/>
-        </p:spPr>
-        <p:txBody>
-          <a:bodyPr wrap="square" rtlCol="0">
-            <a:spAutoFit/>
-          </a:bodyPr>
-          <a:lstStyle/>
-          <a:p>
-            <a:pPr algn="ctr"/>
-            <a:r>
-              <a:rPr lang="en-GB" sz="2800" dirty="0" smtClean="0"/>
-              <a:t>Application/“OLTP”</a:t>
-            </a:r>
-            <a:r>
-              <a:rPr lang="en-GB" sz="2800" dirty="0"/>
-              <a:t>	</a:t>
-            </a:r>
-            <a:r>
-              <a:rPr lang="en-GB" sz="2800" dirty="0" smtClean="0"/>
-              <a:t>Data </a:t>
-            </a:r>
-            <a:r>
-              <a:rPr lang="en-GB" sz="2800" dirty="0"/>
-              <a:t>Warehouse/ “OLAP</a:t>
-            </a:r>
-            <a:r>
-              <a:rPr lang="en-GB" sz="2800" dirty="0" smtClean="0"/>
-              <a:t>”</a:t>
-            </a:r>
-            <a:endParaRPr lang="en-GB" sz="2800" dirty="0"/>
-          </a:p>
-        </p:txBody>
-      </p:sp>
-    </p:spTree>
-    <p:extLst>
-      <p:ext uri="{BB962C8B-B14F-4D97-AF65-F5344CB8AC3E}">
-        <p14:creationId xmlns:p14="http://schemas.microsoft.com/office/powerpoint/2010/main" val="2789532668"/>
-      </p:ext>
-    </p:extLst>
-  </p:cSld>
-  <p:clrMapOvr>
-    <a:masterClrMapping/>
-  </p:clrMapOvr>
-  <p:timing>
-    <p:tnLst>
-      <p:par>
-        <p:cTn id="1" dur="indefinite" restart="never" nodeType="tmRoot"/>
-      </p:par>
-    </p:tnLst>
-  </p:timing>
-</p:sld>
-</file>
-
-<file path=ppt/slides/slide40.xml><?xml version="1.0" encoding="utf-8"?>
+<file path=ppt/slides/slide37.xml><?xml version="1.0" encoding="utf-8"?>
 <p:sld xmlns:a="http://schemas.openxmlformats.org/drawingml/2006/main" xmlns:r="http://schemas.openxmlformats.org/officeDocument/2006/relationships" xmlns:p="http://schemas.openxmlformats.org/presentationml/2006/main">
   <p:cSld>
     <p:spTree>
@@ -16232,7 +14616,7 @@
 </p:sld>
 </file>
 
-<file path=ppt/slides/slide41.xml><?xml version="1.0" encoding="utf-8"?>
+<file path=ppt/slides/slide38.xml><?xml version="1.0" encoding="utf-8"?>
 <p:sld xmlns:a="http://schemas.openxmlformats.org/drawingml/2006/main" xmlns:r="http://schemas.openxmlformats.org/officeDocument/2006/relationships" xmlns:p="http://schemas.openxmlformats.org/presentationml/2006/main">
   <p:cSld>
     <p:bg>
@@ -16480,7 +14864,7 @@
 </p:sld>
 </file>
 
-<file path=ppt/slides/slide42.xml><?xml version="1.0" encoding="utf-8"?>
+<file path=ppt/slides/slide39.xml><?xml version="1.0" encoding="utf-8"?>
 <p:sld xmlns:a="http://schemas.openxmlformats.org/drawingml/2006/main" xmlns:r="http://schemas.openxmlformats.org/officeDocument/2006/relationships" xmlns:p="http://schemas.openxmlformats.org/presentationml/2006/main">
   <p:cSld>
     <p:bg>
@@ -16648,7 +15032,241 @@
 </p:sld>
 </file>
 
-<file path=ppt/slides/slide43.xml><?xml version="1.0" encoding="utf-8"?>
+<file path=ppt/slides/slide4.xml><?xml version="1.0" encoding="utf-8"?>
+<p:sld xmlns:a="http://schemas.openxmlformats.org/drawingml/2006/main" xmlns:r="http://schemas.openxmlformats.org/officeDocument/2006/relationships" xmlns:p="http://schemas.openxmlformats.org/presentationml/2006/main">
+  <p:cSld>
+    <p:bg>
+      <p:bgPr>
+        <a:solidFill>
+          <a:schemeClr val="bg1"/>
+        </a:solidFill>
+        <a:effectLst/>
+      </p:bgPr>
+    </p:bg>
+    <p:spTree>
+      <p:nvGrpSpPr>
+        <p:cNvPr id="1" name=""/>
+        <p:cNvGrpSpPr/>
+        <p:nvPr/>
+      </p:nvGrpSpPr>
+      <p:grpSpPr>
+        <a:xfrm>
+          <a:off x="0" y="0"/>
+          <a:ext cx="0" cy="0"/>
+          <a:chOff x="0" y="0"/>
+          <a:chExt cx="0" cy="0"/>
+        </a:xfrm>
+      </p:grpSpPr>
+      <p:sp>
+        <p:nvSpPr>
+          <p:cNvPr id="2" name="Title 1"/>
+          <p:cNvSpPr>
+            <a:spLocks noGrp="1"/>
+          </p:cNvSpPr>
+          <p:nvPr>
+            <p:ph type="title"/>
+          </p:nvPr>
+        </p:nvSpPr>
+        <p:spPr/>
+        <p:txBody>
+          <a:bodyPr/>
+          <a:lstStyle/>
+          <a:p>
+            <a:r>
+              <a:rPr lang="en-GB" dirty="0" smtClean="0"/>
+              <a:t>10 Years Ago</a:t>
+            </a:r>
+            <a:endParaRPr lang="en-GB" dirty="0"/>
+          </a:p>
+        </p:txBody>
+      </p:sp>
+      <p:pic>
+        <p:nvPicPr>
+          <p:cNvPr id="4" name="Content Placeholder 3"/>
+          <p:cNvPicPr>
+            <a:picLocks noGrp="1" noChangeAspect="1"/>
+          </p:cNvPicPr>
+          <p:nvPr>
+            <p:ph idx="1"/>
+          </p:nvPr>
+        </p:nvPicPr>
+        <p:blipFill>
+          <a:blip r:embed="rId3">
+            <a:extLst>
+              <a:ext uri="{28A0092B-C50C-407E-A947-70E740481C1C}">
+                <a14:useLocalDpi xmlns:a14="http://schemas.microsoft.com/office/drawing/2010/main" val="0"/>
+              </a:ext>
+            </a:extLst>
+          </a:blip>
+          <a:stretch>
+            <a:fillRect/>
+          </a:stretch>
+        </p:blipFill>
+        <p:spPr>
+          <a:xfrm>
+            <a:off x="1475656" y="2797644"/>
+            <a:ext cx="1512873" cy="1242548"/>
+          </a:xfrm>
+        </p:spPr>
+      </p:pic>
+      <p:pic>
+        <p:nvPicPr>
+          <p:cNvPr id="3" name="Picture 2"/>
+          <p:cNvPicPr>
+            <a:picLocks noChangeAspect="1"/>
+          </p:cNvPicPr>
+          <p:nvPr/>
+        </p:nvPicPr>
+        <p:blipFill>
+          <a:blip r:embed="rId4">
+            <a:extLst>
+              <a:ext uri="{28A0092B-C50C-407E-A947-70E740481C1C}">
+                <a14:useLocalDpi xmlns:a14="http://schemas.microsoft.com/office/drawing/2010/main" val="0"/>
+              </a:ext>
+            </a:extLst>
+          </a:blip>
+          <a:stretch>
+            <a:fillRect/>
+          </a:stretch>
+        </p:blipFill>
+        <p:spPr>
+          <a:xfrm>
+            <a:off x="4115852" y="2132856"/>
+            <a:ext cx="2112332" cy="2112332"/>
+          </a:xfrm>
+          <a:prstGeom prst="rect">
+            <a:avLst/>
+          </a:prstGeom>
+        </p:spPr>
+      </p:pic>
+      <p:pic>
+        <p:nvPicPr>
+          <p:cNvPr id="5" name="Picture 4"/>
+          <p:cNvPicPr>
+            <a:picLocks noChangeAspect="1"/>
+          </p:cNvPicPr>
+          <p:nvPr/>
+        </p:nvPicPr>
+        <p:blipFill>
+          <a:blip r:embed="rId5">
+            <a:extLst>
+              <a:ext uri="{28A0092B-C50C-407E-A947-70E740481C1C}">
+                <a14:useLocalDpi xmlns:a14="http://schemas.microsoft.com/office/drawing/2010/main" val="0"/>
+              </a:ext>
+            </a:extLst>
+          </a:blip>
+          <a:stretch>
+            <a:fillRect/>
+          </a:stretch>
+        </p:blipFill>
+        <p:spPr>
+          <a:xfrm>
+            <a:off x="2627784" y="4335316"/>
+            <a:ext cx="1829988" cy="1829988"/>
+          </a:xfrm>
+          <a:prstGeom prst="rect">
+            <a:avLst/>
+          </a:prstGeom>
+        </p:spPr>
+      </p:pic>
+      <p:pic>
+        <p:nvPicPr>
+          <p:cNvPr id="6" name="Picture 5"/>
+          <p:cNvPicPr>
+            <a:picLocks noChangeAspect="1"/>
+          </p:cNvPicPr>
+          <p:nvPr/>
+        </p:nvPicPr>
+        <p:blipFill>
+          <a:blip r:embed="rId6">
+            <a:extLst>
+              <a:ext uri="{28A0092B-C50C-407E-A947-70E740481C1C}">
+                <a14:useLocalDpi xmlns:a14="http://schemas.microsoft.com/office/drawing/2010/main" val="0"/>
+              </a:ext>
+            </a:extLst>
+          </a:blip>
+          <a:stretch>
+            <a:fillRect/>
+          </a:stretch>
+        </p:blipFill>
+        <p:spPr>
+          <a:xfrm>
+            <a:off x="6475198" y="3789040"/>
+            <a:ext cx="1553186" cy="1728192"/>
+          </a:xfrm>
+          <a:prstGeom prst="rect">
+            <a:avLst/>
+          </a:prstGeom>
+        </p:spPr>
+      </p:pic>
+      <p:sp>
+        <p:nvSpPr>
+          <p:cNvPr id="8" name="TextBox 7"/>
+          <p:cNvSpPr txBox="1"/>
+          <p:nvPr/>
+        </p:nvSpPr>
+        <p:spPr>
+          <a:xfrm>
+            <a:off x="611560" y="1702549"/>
+            <a:ext cx="8064896" cy="523220"/>
+          </a:xfrm>
+          <a:prstGeom prst="rect">
+            <a:avLst/>
+          </a:prstGeom>
+          <a:noFill/>
+        </p:spPr>
+        <p:txBody>
+          <a:bodyPr wrap="square" rtlCol="0">
+            <a:spAutoFit/>
+          </a:bodyPr>
+          <a:lstStyle/>
+          <a:p>
+            <a:pPr algn="ctr"/>
+            <a:r>
+              <a:rPr lang="en-GB" sz="2800" dirty="0" smtClean="0"/>
+              <a:t>Application/“OLTP”</a:t>
+            </a:r>
+            <a:r>
+              <a:rPr lang="en-GB" sz="2800" dirty="0"/>
+              <a:t>	</a:t>
+            </a:r>
+            <a:r>
+              <a:rPr lang="en-GB" sz="2800" dirty="0" smtClean="0"/>
+              <a:t>Data </a:t>
+            </a:r>
+            <a:r>
+              <a:rPr lang="en-GB" sz="2800" dirty="0"/>
+              <a:t>Warehouse/ “OLAP</a:t>
+            </a:r>
+            <a:r>
+              <a:rPr lang="en-GB" sz="2800" dirty="0" smtClean="0"/>
+              <a:t>”</a:t>
+            </a:r>
+            <a:endParaRPr lang="en-GB" sz="2800" dirty="0"/>
+          </a:p>
+        </p:txBody>
+      </p:sp>
+    </p:spTree>
+    <p:extLst>
+      <p:ext uri="{BB962C8B-B14F-4D97-AF65-F5344CB8AC3E}">
+        <p14:creationId xmlns:p14="http://schemas.microsoft.com/office/powerpoint/2010/main" val="2789532668"/>
+      </p:ext>
+    </p:extLst>
+  </p:cSld>
+  <p:clrMapOvr>
+    <a:masterClrMapping/>
+  </p:clrMapOvr>
+  <p:timing>
+    <p:tnLst>
+      <p:par>
+        <p:cTn id="1" dur="indefinite" restart="never" nodeType="tmRoot"/>
+      </p:par>
+    </p:tnLst>
+  </p:timing>
+</p:sld>
+</file>
+
+<file path=ppt/slides/slide40.xml><?xml version="1.0" encoding="utf-8"?>
 <p:sld xmlns:a="http://schemas.openxmlformats.org/drawingml/2006/main" xmlns:r="http://schemas.openxmlformats.org/officeDocument/2006/relationships" xmlns:p="http://schemas.openxmlformats.org/presentationml/2006/main">
   <p:cSld>
     <p:bg>
@@ -17683,7 +16301,7 @@
 </p:sld>
 </file>
 
-<file path=ppt/slides/slide44.xml><?xml version="1.0" encoding="utf-8"?>
+<file path=ppt/slides/slide41.xml><?xml version="1.0" encoding="utf-8"?>
 <p:sld xmlns:a="http://schemas.openxmlformats.org/drawingml/2006/main" xmlns:r="http://schemas.openxmlformats.org/officeDocument/2006/relationships" xmlns:p="http://schemas.openxmlformats.org/presentationml/2006/main">
   <p:cSld>
     <p:spTree>
@@ -17800,7 +16418,7 @@
 </p:sld>
 </file>
 
-<file path=ppt/slides/slide45.xml><?xml version="1.0" encoding="utf-8"?>
+<file path=ppt/slides/slide42.xml><?xml version="1.0" encoding="utf-8"?>
 <p:sld xmlns:a="http://schemas.openxmlformats.org/drawingml/2006/main" xmlns:r="http://schemas.openxmlformats.org/officeDocument/2006/relationships" xmlns:p="http://schemas.openxmlformats.org/presentationml/2006/main">
   <p:cSld>
     <p:spTree>
@@ -17867,7 +16485,7 @@
 </p:sld>
 </file>
 
-<file path=ppt/slides/slide46.xml><?xml version="1.0" encoding="utf-8"?>
+<file path=ppt/slides/slide43.xml><?xml version="1.0" encoding="utf-8"?>
 <p:sld xmlns:a="http://schemas.openxmlformats.org/drawingml/2006/main" xmlns:r="http://schemas.openxmlformats.org/officeDocument/2006/relationships" xmlns:p="http://schemas.openxmlformats.org/presentationml/2006/main">
   <p:cSld>
     <p:bg>
@@ -17962,7 +16580,7 @@
 </p:sld>
 </file>
 
-<file path=ppt/slides/slide47.xml><?xml version="1.0" encoding="utf-8"?>
+<file path=ppt/slides/slide44.xml><?xml version="1.0" encoding="utf-8"?>
 <p:sld xmlns:a="http://schemas.openxmlformats.org/drawingml/2006/main" xmlns:r="http://schemas.openxmlformats.org/officeDocument/2006/relationships" xmlns:p="http://schemas.openxmlformats.org/presentationml/2006/main">
   <p:cSld>
     <p:bg>
@@ -18300,7 +16918,7 @@
 </p:sld>
 </file>
 
-<file path=ppt/slides/slide48.xml><?xml version="1.0" encoding="utf-8"?>
+<file path=ppt/slides/slide45.xml><?xml version="1.0" encoding="utf-8"?>
 <p:sld xmlns:a="http://schemas.openxmlformats.org/drawingml/2006/main" xmlns:r="http://schemas.openxmlformats.org/officeDocument/2006/relationships" xmlns:p="http://schemas.openxmlformats.org/presentationml/2006/main">
   <p:cSld>
     <p:bg>
@@ -18494,7 +17112,7 @@
 </p:sld>
 </file>
 
-<file path=ppt/slides/slide49.xml><?xml version="1.0" encoding="utf-8"?>
+<file path=ppt/slides/slide46.xml><?xml version="1.0" encoding="utf-8"?>
 <p:sld xmlns:a="http://schemas.openxmlformats.org/drawingml/2006/main" xmlns:r="http://schemas.openxmlformats.org/officeDocument/2006/relationships" xmlns:p="http://schemas.openxmlformats.org/presentationml/2006/main">
   <p:cSld>
     <p:spTree>
@@ -18705,130 +17323,7 @@
 </p:sld>
 </file>
 
-<file path=ppt/slides/slide5.xml><?xml version="1.0" encoding="utf-8"?>
-<p:sld xmlns:a="http://schemas.openxmlformats.org/drawingml/2006/main" xmlns:r="http://schemas.openxmlformats.org/officeDocument/2006/relationships" xmlns:p="http://schemas.openxmlformats.org/presentationml/2006/main">
-  <p:cSld>
-    <p:bg>
-      <p:bgPr>
-        <a:solidFill>
-          <a:schemeClr val="bg1"/>
-        </a:solidFill>
-        <a:effectLst/>
-      </p:bgPr>
-    </p:bg>
-    <p:spTree>
-      <p:nvGrpSpPr>
-        <p:cNvPr id="1" name=""/>
-        <p:cNvGrpSpPr/>
-        <p:nvPr/>
-      </p:nvGrpSpPr>
-      <p:grpSpPr>
-        <a:xfrm>
-          <a:off x="0" y="0"/>
-          <a:ext cx="0" cy="0"/>
-          <a:chOff x="0" y="0"/>
-          <a:chExt cx="0" cy="0"/>
-        </a:xfrm>
-      </p:grpSpPr>
-      <p:sp>
-        <p:nvSpPr>
-          <p:cNvPr id="2" name="Title 1"/>
-          <p:cNvSpPr>
-            <a:spLocks noGrp="1"/>
-          </p:cNvSpPr>
-          <p:nvPr>
-            <p:ph type="title"/>
-          </p:nvPr>
-        </p:nvSpPr>
-        <p:spPr/>
-        <p:txBody>
-          <a:bodyPr/>
-          <a:lstStyle/>
-          <a:p>
-            <a:r>
-              <a:rPr lang="en-GB" dirty="0" smtClean="0"/>
-              <a:t>Relational – The Good Parts</a:t>
-            </a:r>
-            <a:endParaRPr lang="en-GB" dirty="0"/>
-          </a:p>
-        </p:txBody>
-      </p:sp>
-      <p:sp>
-        <p:nvSpPr>
-          <p:cNvPr id="3" name="Content Placeholder 2"/>
-          <p:cNvSpPr>
-            <a:spLocks noGrp="1"/>
-          </p:cNvSpPr>
-          <p:nvPr>
-            <p:ph idx="1"/>
-          </p:nvPr>
-        </p:nvSpPr>
-        <p:spPr/>
-        <p:txBody>
-          <a:bodyPr>
-            <a:normAutofit/>
-          </a:bodyPr>
-          <a:lstStyle/>
-          <a:p>
-            <a:r>
-              <a:rPr lang="en-GB" dirty="0" smtClean="0"/>
-              <a:t>Flexible - Good “All-Rounder”</a:t>
-            </a:r>
-          </a:p>
-          <a:p>
-            <a:endParaRPr lang="en-GB" dirty="0" smtClean="0"/>
-          </a:p>
-          <a:p>
-            <a:r>
-              <a:rPr lang="en-GB" dirty="0"/>
-              <a:t>Strong Theoretical Basis (Maths/ Logic, ACID)</a:t>
-            </a:r>
-          </a:p>
-          <a:p>
-            <a:pPr marL="0" indent="0">
-              <a:buNone/>
-            </a:pPr>
-            <a:endParaRPr lang="en-GB" dirty="0" smtClean="0"/>
-          </a:p>
-          <a:p>
-            <a:r>
-              <a:rPr lang="en-GB" dirty="0" smtClean="0"/>
-              <a:t>Plain-English Query Language (SQL)</a:t>
-            </a:r>
-          </a:p>
-          <a:p>
-            <a:endParaRPr lang="en-GB" dirty="0"/>
-          </a:p>
-          <a:p>
-            <a:r>
-              <a:rPr lang="en-GB" dirty="0" smtClean="0"/>
-              <a:t>Mature Technology</a:t>
-            </a:r>
-            <a:endParaRPr lang="en-GB" dirty="0"/>
-          </a:p>
-        </p:txBody>
-      </p:sp>
-    </p:spTree>
-    <p:extLst>
-      <p:ext uri="{BB962C8B-B14F-4D97-AF65-F5344CB8AC3E}">
-        <p14:creationId xmlns:p14="http://schemas.microsoft.com/office/powerpoint/2010/main" val="2299222946"/>
-      </p:ext>
-    </p:extLst>
-  </p:cSld>
-  <p:clrMapOvr>
-    <a:masterClrMapping/>
-  </p:clrMapOvr>
-  <p:timing>
-    <p:tnLst>
-      <p:par>
-        <p:cTn id="1" dur="indefinite" restart="never" nodeType="tmRoot"/>
-      </p:par>
-    </p:tnLst>
-  </p:timing>
-</p:sld>
-</file>
-
-<file path=ppt/slides/slide50.xml><?xml version="1.0" encoding="utf-8"?>
+<file path=ppt/slides/slide47.xml><?xml version="1.0" encoding="utf-8"?>
 <p:sld xmlns:a="http://schemas.openxmlformats.org/drawingml/2006/main" xmlns:r="http://schemas.openxmlformats.org/officeDocument/2006/relationships" xmlns:p="http://schemas.openxmlformats.org/presentationml/2006/main">
   <p:cSld>
     <p:bg>
@@ -19152,7 +17647,7 @@
 </p:sld>
 </file>
 
-<file path=ppt/slides/slide51.xml><?xml version="1.0" encoding="utf-8"?>
+<file path=ppt/slides/slide48.xml><?xml version="1.0" encoding="utf-8"?>
 <p:sld xmlns:a="http://schemas.openxmlformats.org/drawingml/2006/main" xmlns:r="http://schemas.openxmlformats.org/officeDocument/2006/relationships" xmlns:p="http://schemas.openxmlformats.org/presentationml/2006/main">
   <p:cSld>
     <p:bg>
@@ -19434,6 +17929,129 @@
             </p:seq>
           </p:childTnLst>
         </p:cTn>
+      </p:par>
+    </p:tnLst>
+  </p:timing>
+</p:sld>
+</file>
+
+<file path=ppt/slides/slide5.xml><?xml version="1.0" encoding="utf-8"?>
+<p:sld xmlns:a="http://schemas.openxmlformats.org/drawingml/2006/main" xmlns:r="http://schemas.openxmlformats.org/officeDocument/2006/relationships" xmlns:p="http://schemas.openxmlformats.org/presentationml/2006/main">
+  <p:cSld>
+    <p:bg>
+      <p:bgPr>
+        <a:solidFill>
+          <a:schemeClr val="bg1"/>
+        </a:solidFill>
+        <a:effectLst/>
+      </p:bgPr>
+    </p:bg>
+    <p:spTree>
+      <p:nvGrpSpPr>
+        <p:cNvPr id="1" name=""/>
+        <p:cNvGrpSpPr/>
+        <p:nvPr/>
+      </p:nvGrpSpPr>
+      <p:grpSpPr>
+        <a:xfrm>
+          <a:off x="0" y="0"/>
+          <a:ext cx="0" cy="0"/>
+          <a:chOff x="0" y="0"/>
+          <a:chExt cx="0" cy="0"/>
+        </a:xfrm>
+      </p:grpSpPr>
+      <p:sp>
+        <p:nvSpPr>
+          <p:cNvPr id="2" name="Title 1"/>
+          <p:cNvSpPr>
+            <a:spLocks noGrp="1"/>
+          </p:cNvSpPr>
+          <p:nvPr>
+            <p:ph type="title"/>
+          </p:nvPr>
+        </p:nvSpPr>
+        <p:spPr/>
+        <p:txBody>
+          <a:bodyPr/>
+          <a:lstStyle/>
+          <a:p>
+            <a:r>
+              <a:rPr lang="en-GB" dirty="0" smtClean="0"/>
+              <a:t>Relational – The Good Parts</a:t>
+            </a:r>
+            <a:endParaRPr lang="en-GB" dirty="0"/>
+          </a:p>
+        </p:txBody>
+      </p:sp>
+      <p:sp>
+        <p:nvSpPr>
+          <p:cNvPr id="3" name="Content Placeholder 2"/>
+          <p:cNvSpPr>
+            <a:spLocks noGrp="1"/>
+          </p:cNvSpPr>
+          <p:nvPr>
+            <p:ph idx="1"/>
+          </p:nvPr>
+        </p:nvSpPr>
+        <p:spPr/>
+        <p:txBody>
+          <a:bodyPr>
+            <a:normAutofit/>
+          </a:bodyPr>
+          <a:lstStyle/>
+          <a:p>
+            <a:r>
+              <a:rPr lang="en-GB" dirty="0" smtClean="0"/>
+              <a:t>Flexible - Good “All-Rounder”</a:t>
+            </a:r>
+          </a:p>
+          <a:p>
+            <a:endParaRPr lang="en-GB" dirty="0" smtClean="0"/>
+          </a:p>
+          <a:p>
+            <a:r>
+              <a:rPr lang="en-GB" dirty="0"/>
+              <a:t>Strong Theoretical Basis (Maths/ Logic, ACID)</a:t>
+            </a:r>
+          </a:p>
+          <a:p>
+            <a:pPr marL="0" indent="0">
+              <a:buNone/>
+            </a:pPr>
+            <a:endParaRPr lang="en-GB" dirty="0" smtClean="0"/>
+          </a:p>
+          <a:p>
+            <a:r>
+              <a:rPr lang="en-GB" dirty="0" smtClean="0"/>
+              <a:t>Plain-English Query Language (SQL)</a:t>
+            </a:r>
+          </a:p>
+          <a:p>
+            <a:endParaRPr lang="en-GB" dirty="0"/>
+          </a:p>
+          <a:p>
+            <a:r>
+              <a:rPr lang="en-GB" dirty="0" smtClean="0"/>
+              <a:t>Mature Technology</a:t>
+            </a:r>
+            <a:endParaRPr lang="en-GB" dirty="0"/>
+          </a:p>
+        </p:txBody>
+      </p:sp>
+    </p:spTree>
+    <p:extLst>
+      <p:ext uri="{BB962C8B-B14F-4D97-AF65-F5344CB8AC3E}">
+        <p14:creationId xmlns:p14="http://schemas.microsoft.com/office/powerpoint/2010/main" val="2299222946"/>
+      </p:ext>
+    </p:extLst>
+  </p:cSld>
+  <p:clrMapOvr>
+    <a:masterClrMapping/>
+  </p:clrMapOvr>
+  <p:timing>
+    <p:tnLst>
+      <p:par>
+        <p:cTn id="1" dur="indefinite" restart="never" nodeType="tmRoot"/>
       </p:par>
     </p:tnLst>
   </p:timing>
@@ -19806,7 +18424,7 @@
           <a:p>
             <a:r>
               <a:rPr lang="en-GB" dirty="0" smtClean="0"/>
-              <a:t>Serialization</a:t>
+              <a:t>What is NOSQL?</a:t>
             </a:r>
             <a:endParaRPr lang="en-GB" dirty="0"/>
           </a:p>
@@ -19825,25 +18443,13 @@
         <p:spPr/>
         <p:txBody>
           <a:bodyPr>
-            <a:normAutofit/>
+            <a:normAutofit fontScale="92500" lnSpcReduction="10000"/>
           </a:bodyPr>
           <a:lstStyle/>
           <a:p>
-            <a:endParaRPr lang="en-GB" dirty="0" smtClean="0"/>
-          </a:p>
-          <a:p>
-            <a:r>
-              <a:rPr lang="en-GB" dirty="0" smtClean="0"/>
-              <a:t>“Across The Wire” – Binary, XML, JSON</a:t>
-            </a:r>
-          </a:p>
-          <a:p>
-            <a:endParaRPr lang="en-GB" dirty="0"/>
-          </a:p>
-          <a:p>
-            <a:r>
-              <a:rPr lang="en-GB" dirty="0" smtClean="0"/>
-              <a:t>MS SQL Server – Binary, XML</a:t>
+            <a:r>
+              <a:rPr lang="en-GB" dirty="0"/>
+              <a:t>Early 2000’s – “Web-Scale” companies</a:t>
             </a:r>
           </a:p>
           <a:p>
@@ -19854,6 +18460,433 @@
           </a:p>
           <a:p>
             <a:r>
+              <a:rPr lang="en-GB" dirty="0" smtClean="0"/>
+              <a:t>“Big Data” – 3 V’s</a:t>
+            </a:r>
+            <a:endParaRPr lang="en-GB" dirty="0"/>
+          </a:p>
+          <a:p>
+            <a:pPr lvl="1"/>
+            <a:r>
+              <a:rPr lang="en-GB" dirty="0" smtClean="0"/>
+              <a:t>Volume</a:t>
+            </a:r>
+          </a:p>
+          <a:p>
+            <a:pPr lvl="1"/>
+            <a:r>
+              <a:rPr lang="en-GB" dirty="0"/>
+              <a:t>Velocity </a:t>
+            </a:r>
+            <a:endParaRPr lang="en-GB" dirty="0" smtClean="0"/>
+          </a:p>
+          <a:p>
+            <a:pPr lvl="1"/>
+            <a:r>
+              <a:rPr lang="en-GB" dirty="0" smtClean="0"/>
+              <a:t>Variety		</a:t>
+            </a:r>
+            <a:r>
+              <a:rPr lang="en-GB" sz="2200" i="1" dirty="0" smtClean="0"/>
+              <a:t>(Structured, Unstructured)</a:t>
+            </a:r>
+          </a:p>
+          <a:p>
+            <a:pPr lvl="1"/>
+            <a:endParaRPr lang="en-GB" dirty="0" smtClean="0"/>
+          </a:p>
+          <a:p>
+            <a:endParaRPr lang="en-GB" dirty="0" smtClean="0"/>
+          </a:p>
+          <a:p>
+            <a:r>
+              <a:rPr lang="en-GB" dirty="0" smtClean="0"/>
+              <a:t>Tools for Massively Distributed Systems</a:t>
+            </a:r>
+          </a:p>
+        </p:txBody>
+      </p:sp>
+    </p:spTree>
+    <p:extLst>
+      <p:ext uri="{BB962C8B-B14F-4D97-AF65-F5344CB8AC3E}">
+        <p14:creationId xmlns:p14="http://schemas.microsoft.com/office/powerpoint/2010/main" val="2375340114"/>
+      </p:ext>
+    </p:extLst>
+  </p:cSld>
+  <p:clrMapOvr>
+    <a:masterClrMapping/>
+  </p:clrMapOvr>
+  <p:timing>
+    <p:tnLst>
+      <p:par>
+        <p:cTn id="1" dur="indefinite" restart="never" nodeType="tmRoot">
+          <p:childTnLst>
+            <p:seq concurrent="1" nextAc="seek">
+              <p:cTn id="2" dur="indefinite" nodeType="mainSeq">
+                <p:childTnLst>
+                  <p:par>
+                    <p:cTn id="3" fill="hold">
+                      <p:stCondLst>
+                        <p:cond delay="indefinite"/>
+                      </p:stCondLst>
+                      <p:childTnLst>
+                        <p:par>
+                          <p:cTn id="4" fill="hold">
+                            <p:stCondLst>
+                              <p:cond delay="0"/>
+                            </p:stCondLst>
+                            <p:childTnLst>
+                              <p:par>
+                                <p:cTn id="5" presetID="1" presetClass="entr" presetSubtype="0" fill="hold" nodeType="clickEffect">
+                                  <p:stCondLst>
+                                    <p:cond delay="0"/>
+                                  </p:stCondLst>
+                                  <p:childTnLst>
+                                    <p:set>
+                                      <p:cBhvr>
+                                        <p:cTn id="6" dur="1" fill="hold">
+                                          <p:stCondLst>
+                                            <p:cond delay="0"/>
+                                          </p:stCondLst>
+                                        </p:cTn>
+                                        <p:tgtEl>
+                                          <p:spTgt spid="3">
+                                            <p:txEl>
+                                              <p:pRg st="0" end="0"/>
+                                            </p:txEl>
+                                          </p:spTgt>
+                                        </p:tgtEl>
+                                        <p:attrNameLst>
+                                          <p:attrName>style.visibility</p:attrName>
+                                        </p:attrNameLst>
+                                      </p:cBhvr>
+                                      <p:to>
+                                        <p:strVal val="visible"/>
+                                      </p:to>
+                                    </p:set>
+                                  </p:childTnLst>
+                                </p:cTn>
+                              </p:par>
+                            </p:childTnLst>
+                          </p:cTn>
+                        </p:par>
+                      </p:childTnLst>
+                    </p:cTn>
+                  </p:par>
+                  <p:par>
+                    <p:cTn id="7" fill="hold">
+                      <p:stCondLst>
+                        <p:cond delay="indefinite"/>
+                      </p:stCondLst>
+                      <p:childTnLst>
+                        <p:par>
+                          <p:cTn id="8" fill="hold">
+                            <p:stCondLst>
+                              <p:cond delay="0"/>
+                            </p:stCondLst>
+                            <p:childTnLst>
+                              <p:par>
+                                <p:cTn id="9" presetID="1" presetClass="entr" presetSubtype="0" fill="hold" nodeType="clickEffect">
+                                  <p:stCondLst>
+                                    <p:cond delay="0"/>
+                                  </p:stCondLst>
+                                  <p:childTnLst>
+                                    <p:set>
+                                      <p:cBhvr>
+                                        <p:cTn id="10" dur="1" fill="hold">
+                                          <p:stCondLst>
+                                            <p:cond delay="0"/>
+                                          </p:stCondLst>
+                                        </p:cTn>
+                                        <p:tgtEl>
+                                          <p:spTgt spid="3">
+                                            <p:txEl>
+                                              <p:pRg st="2" end="2"/>
+                                            </p:txEl>
+                                          </p:spTgt>
+                                        </p:tgtEl>
+                                        <p:attrNameLst>
+                                          <p:attrName>style.visibility</p:attrName>
+                                        </p:attrNameLst>
+                                      </p:cBhvr>
+                                      <p:to>
+                                        <p:strVal val="visible"/>
+                                      </p:to>
+                                    </p:set>
+                                  </p:childTnLst>
+                                </p:cTn>
+                              </p:par>
+                              <p:par>
+                                <p:cTn id="11" presetID="1" presetClass="entr" presetSubtype="0" fill="hold" nodeType="withEffect">
+                                  <p:stCondLst>
+                                    <p:cond delay="0"/>
+                                  </p:stCondLst>
+                                  <p:childTnLst>
+                                    <p:set>
+                                      <p:cBhvr>
+                                        <p:cTn id="12" dur="1" fill="hold">
+                                          <p:stCondLst>
+                                            <p:cond delay="0"/>
+                                          </p:stCondLst>
+                                        </p:cTn>
+                                        <p:tgtEl>
+                                          <p:spTgt spid="3">
+                                            <p:txEl>
+                                              <p:pRg st="3" end="3"/>
+                                            </p:txEl>
+                                          </p:spTgt>
+                                        </p:tgtEl>
+                                        <p:attrNameLst>
+                                          <p:attrName>style.visibility</p:attrName>
+                                        </p:attrNameLst>
+                                      </p:cBhvr>
+                                      <p:to>
+                                        <p:strVal val="visible"/>
+                                      </p:to>
+                                    </p:set>
+                                  </p:childTnLst>
+                                </p:cTn>
+                              </p:par>
+                              <p:par>
+                                <p:cTn id="13" presetID="1" presetClass="entr" presetSubtype="0" fill="hold" nodeType="withEffect">
+                                  <p:stCondLst>
+                                    <p:cond delay="0"/>
+                                  </p:stCondLst>
+                                  <p:childTnLst>
+                                    <p:set>
+                                      <p:cBhvr>
+                                        <p:cTn id="14" dur="1" fill="hold">
+                                          <p:stCondLst>
+                                            <p:cond delay="0"/>
+                                          </p:stCondLst>
+                                        </p:cTn>
+                                        <p:tgtEl>
+                                          <p:spTgt spid="3">
+                                            <p:txEl>
+                                              <p:pRg st="4" end="4"/>
+                                            </p:txEl>
+                                          </p:spTgt>
+                                        </p:tgtEl>
+                                        <p:attrNameLst>
+                                          <p:attrName>style.visibility</p:attrName>
+                                        </p:attrNameLst>
+                                      </p:cBhvr>
+                                      <p:to>
+                                        <p:strVal val="visible"/>
+                                      </p:to>
+                                    </p:set>
+                                  </p:childTnLst>
+                                </p:cTn>
+                              </p:par>
+                              <p:par>
+                                <p:cTn id="15" presetID="1" presetClass="entr" presetSubtype="0" fill="hold" nodeType="withEffect">
+                                  <p:stCondLst>
+                                    <p:cond delay="0"/>
+                                  </p:stCondLst>
+                                  <p:childTnLst>
+                                    <p:set>
+                                      <p:cBhvr>
+                                        <p:cTn id="16" dur="1" fill="hold">
+                                          <p:stCondLst>
+                                            <p:cond delay="0"/>
+                                          </p:stCondLst>
+                                        </p:cTn>
+                                        <p:tgtEl>
+                                          <p:spTgt spid="3">
+                                            <p:txEl>
+                                              <p:pRg st="5" end="5"/>
+                                            </p:txEl>
+                                          </p:spTgt>
+                                        </p:tgtEl>
+                                        <p:attrNameLst>
+                                          <p:attrName>style.visibility</p:attrName>
+                                        </p:attrNameLst>
+                                      </p:cBhvr>
+                                      <p:to>
+                                        <p:strVal val="visible"/>
+                                      </p:to>
+                                    </p:set>
+                                  </p:childTnLst>
+                                </p:cTn>
+                              </p:par>
+                            </p:childTnLst>
+                          </p:cTn>
+                        </p:par>
+                      </p:childTnLst>
+                    </p:cTn>
+                  </p:par>
+                  <p:par>
+                    <p:cTn id="17" fill="hold">
+                      <p:stCondLst>
+                        <p:cond delay="indefinite"/>
+                      </p:stCondLst>
+                      <p:childTnLst>
+                        <p:par>
+                          <p:cTn id="18" fill="hold">
+                            <p:stCondLst>
+                              <p:cond delay="0"/>
+                            </p:stCondLst>
+                            <p:childTnLst>
+                              <p:par>
+                                <p:cTn id="19" presetID="1" presetClass="entr" presetSubtype="0" fill="hold" nodeType="clickEffect">
+                                  <p:stCondLst>
+                                    <p:cond delay="0"/>
+                                  </p:stCondLst>
+                                  <p:childTnLst>
+                                    <p:set>
+                                      <p:cBhvr>
+                                        <p:cTn id="20" dur="1" fill="hold">
+                                          <p:stCondLst>
+                                            <p:cond delay="0"/>
+                                          </p:stCondLst>
+                                        </p:cTn>
+                                        <p:tgtEl>
+                                          <p:spTgt spid="3">
+                                            <p:txEl>
+                                              <p:pRg st="8" end="8"/>
+                                            </p:txEl>
+                                          </p:spTgt>
+                                        </p:tgtEl>
+                                        <p:attrNameLst>
+                                          <p:attrName>style.visibility</p:attrName>
+                                        </p:attrNameLst>
+                                      </p:cBhvr>
+                                      <p:to>
+                                        <p:strVal val="visible"/>
+                                      </p:to>
+                                    </p:set>
+                                  </p:childTnLst>
+                                </p:cTn>
+                              </p:par>
+                            </p:childTnLst>
+                          </p:cTn>
+                        </p:par>
+                      </p:childTnLst>
+                    </p:cTn>
+                  </p:par>
+                </p:childTnLst>
+              </p:cTn>
+              <p:prevCondLst>
+                <p:cond evt="onPrev" delay="0">
+                  <p:tgtEl>
+                    <p:sldTgt/>
+                  </p:tgtEl>
+                </p:cond>
+              </p:prevCondLst>
+              <p:nextCondLst>
+                <p:cond evt="onNext" delay="0">
+                  <p:tgtEl>
+                    <p:sldTgt/>
+                  </p:tgtEl>
+                </p:cond>
+              </p:nextCondLst>
+            </p:seq>
+          </p:childTnLst>
+        </p:cTn>
+      </p:par>
+    </p:tnLst>
+  </p:timing>
+</p:sld>
+</file>
+
+<file path=ppt/slides/slide8.xml><?xml version="1.0" encoding="utf-8"?>
+<p:sld xmlns:a="http://schemas.openxmlformats.org/drawingml/2006/main" xmlns:r="http://schemas.openxmlformats.org/officeDocument/2006/relationships" xmlns:p="http://schemas.openxmlformats.org/presentationml/2006/main">
+  <p:cSld>
+    <p:bg>
+      <p:bgPr>
+        <a:solidFill>
+          <a:schemeClr val="bg1"/>
+        </a:solidFill>
+        <a:effectLst/>
+      </p:bgPr>
+    </p:bg>
+    <p:spTree>
+      <p:nvGrpSpPr>
+        <p:cNvPr id="1" name=""/>
+        <p:cNvGrpSpPr/>
+        <p:nvPr/>
+      </p:nvGrpSpPr>
+      <p:grpSpPr>
+        <a:xfrm>
+          <a:off x="0" y="0"/>
+          <a:ext cx="0" cy="0"/>
+          <a:chOff x="0" y="0"/>
+          <a:chExt cx="0" cy="0"/>
+        </a:xfrm>
+      </p:grpSpPr>
+      <p:sp>
+        <p:nvSpPr>
+          <p:cNvPr id="2" name="Title 1"/>
+          <p:cNvSpPr>
+            <a:spLocks noGrp="1"/>
+          </p:cNvSpPr>
+          <p:nvPr>
+            <p:ph type="title"/>
+          </p:nvPr>
+        </p:nvSpPr>
+        <p:spPr/>
+        <p:txBody>
+          <a:bodyPr/>
+          <a:lstStyle/>
+          <a:p>
+            <a:r>
+              <a:rPr lang="en-GB" dirty="0" smtClean="0"/>
+              <a:t>Dat</a:t>
+            </a:r>
+            <a:r>
+              <a:rPr lang="en-GB" dirty="0" smtClean="0"/>
+              <a:t>a Model - </a:t>
+            </a:r>
+            <a:r>
+              <a:rPr lang="en-GB" dirty="0" smtClean="0"/>
+              <a:t>Serialization</a:t>
+            </a:r>
+            <a:endParaRPr lang="en-GB" dirty="0"/>
+          </a:p>
+        </p:txBody>
+      </p:sp>
+      <p:sp>
+        <p:nvSpPr>
+          <p:cNvPr id="3" name="Content Placeholder 2"/>
+          <p:cNvSpPr>
+            <a:spLocks noGrp="1"/>
+          </p:cNvSpPr>
+          <p:nvPr>
+            <p:ph idx="1"/>
+          </p:nvPr>
+        </p:nvSpPr>
+        <p:spPr/>
+        <p:txBody>
+          <a:bodyPr>
+            <a:normAutofit lnSpcReduction="10000"/>
+          </a:bodyPr>
+          <a:lstStyle/>
+          <a:p>
+            <a:endParaRPr lang="en-GB" dirty="0" smtClean="0"/>
+          </a:p>
+          <a:p>
+            <a:r>
+              <a:rPr lang="en-GB" dirty="0" smtClean="0"/>
+              <a:t>“Across The Wire” – Binary, XML, JSON</a:t>
+            </a:r>
+          </a:p>
+          <a:p>
+            <a:endParaRPr lang="en-GB" dirty="0"/>
+          </a:p>
+          <a:p>
+            <a:r>
+              <a:rPr lang="en-GB" dirty="0" smtClean="0"/>
+              <a:t>MS SQL Server – Binary, XML</a:t>
+            </a:r>
+          </a:p>
+          <a:p>
+            <a:pPr marL="0" indent="0">
+              <a:buNone/>
+            </a:pPr>
+            <a:endParaRPr lang="en-GB" dirty="0" smtClean="0"/>
+          </a:p>
+          <a:p>
+            <a:r>
               <a:rPr lang="en-GB" dirty="0"/>
               <a:t>PostgreSQL – </a:t>
             </a:r>
@@ -19861,6 +18894,16 @@
               <a:rPr lang="en-GB" dirty="0" smtClean="0"/>
               <a:t>JSON</a:t>
             </a:r>
+          </a:p>
+          <a:p>
+            <a:endParaRPr lang="en-GB" dirty="0" smtClean="0"/>
+          </a:p>
+          <a:p>
+            <a:r>
+              <a:rPr lang="en-GB" dirty="0" smtClean="0"/>
+              <a:t>Document Databases</a:t>
+            </a:r>
+            <a:endParaRPr lang="en-GB" dirty="0" smtClean="0"/>
           </a:p>
         </p:txBody>
       </p:sp>
@@ -20029,508 +19072,37 @@
                       </p:childTnLst>
                     </p:cTn>
                   </p:par>
-                </p:childTnLst>
-              </p:cTn>
-              <p:prevCondLst>
-                <p:cond evt="onPrev" delay="0">
-                  <p:tgtEl>
-                    <p:sldTgt/>
-                  </p:tgtEl>
-                </p:cond>
-              </p:prevCondLst>
-              <p:nextCondLst>
-                <p:cond evt="onNext" delay="0">
-                  <p:tgtEl>
-                    <p:sldTgt/>
-                  </p:tgtEl>
-                </p:cond>
-              </p:nextCondLst>
-            </p:seq>
-          </p:childTnLst>
-        </p:cTn>
-      </p:par>
-    </p:tnLst>
-  </p:timing>
-</p:sld>
-</file>
-
-<file path=ppt/slides/slide8.xml><?xml version="1.0" encoding="utf-8"?>
-<p:sld xmlns:a="http://schemas.openxmlformats.org/drawingml/2006/main" xmlns:r="http://schemas.openxmlformats.org/officeDocument/2006/relationships" xmlns:p="http://schemas.openxmlformats.org/presentationml/2006/main">
-  <p:cSld>
-    <p:spTree>
-      <p:nvGrpSpPr>
-        <p:cNvPr id="1" name=""/>
-        <p:cNvGrpSpPr/>
-        <p:nvPr/>
-      </p:nvGrpSpPr>
-      <p:grpSpPr>
-        <a:xfrm>
-          <a:off x="0" y="0"/>
-          <a:ext cx="0" cy="0"/>
-          <a:chOff x="0" y="0"/>
-          <a:chExt cx="0" cy="0"/>
-        </a:xfrm>
-      </p:grpSpPr>
-      <p:sp>
-        <p:nvSpPr>
-          <p:cNvPr id="2" name="Title 1"/>
-          <p:cNvSpPr>
-            <a:spLocks noGrp="1"/>
-          </p:cNvSpPr>
-          <p:nvPr>
-            <p:ph type="title"/>
-          </p:nvPr>
-        </p:nvSpPr>
-        <p:spPr/>
-        <p:txBody>
-          <a:bodyPr/>
-          <a:lstStyle/>
-          <a:p>
-            <a:endParaRPr lang="en-GB"/>
-          </a:p>
-        </p:txBody>
-      </p:sp>
-      <p:sp>
-        <p:nvSpPr>
-          <p:cNvPr id="3" name="Content Placeholder 2"/>
-          <p:cNvSpPr>
-            <a:spLocks noGrp="1"/>
-          </p:cNvSpPr>
-          <p:nvPr>
-            <p:ph idx="1"/>
-          </p:nvPr>
-        </p:nvSpPr>
-        <p:spPr/>
-        <p:txBody>
-          <a:bodyPr>
-            <a:normAutofit/>
-          </a:bodyPr>
-          <a:lstStyle/>
-          <a:p>
-            <a:pPr marL="0" indent="0">
-              <a:buNone/>
-            </a:pPr>
-            <a:endParaRPr lang="en-GB" sz="3600" dirty="0" smtClean="0"/>
-          </a:p>
-          <a:p>
-            <a:pPr marL="0" indent="0">
-              <a:buNone/>
-            </a:pPr>
-            <a:endParaRPr lang="en-GB" sz="3600" dirty="0"/>
-          </a:p>
-          <a:p>
-            <a:pPr marL="0" indent="0" algn="ctr">
-              <a:buNone/>
-            </a:pPr>
-            <a:r>
-              <a:rPr lang="en-GB" sz="3600" dirty="0" smtClean="0"/>
-              <a:t>(Serialization Demo)</a:t>
-            </a:r>
-            <a:endParaRPr lang="en-GB" sz="3600" dirty="0"/>
-          </a:p>
-        </p:txBody>
-      </p:sp>
-    </p:spTree>
-    <p:extLst>
-      <p:ext uri="{BB962C8B-B14F-4D97-AF65-F5344CB8AC3E}">
-        <p14:creationId xmlns:p14="http://schemas.microsoft.com/office/powerpoint/2010/main" val="863200104"/>
-      </p:ext>
-    </p:extLst>
-  </p:cSld>
-  <p:clrMapOvr>
-    <a:masterClrMapping/>
-  </p:clrMapOvr>
-  <p:timing>
-    <p:tnLst>
-      <p:par>
-        <p:cTn id="1" dur="indefinite" restart="never" nodeType="tmRoot"/>
-      </p:par>
-    </p:tnLst>
-  </p:timing>
-</p:sld>
-</file>
-
-<file path=ppt/slides/slide9.xml><?xml version="1.0" encoding="utf-8"?>
-<p:sld xmlns:a="http://schemas.openxmlformats.org/drawingml/2006/main" xmlns:r="http://schemas.openxmlformats.org/officeDocument/2006/relationships" xmlns:p="http://schemas.openxmlformats.org/presentationml/2006/main">
-  <p:cSld>
-    <p:bg>
-      <p:bgPr>
-        <a:solidFill>
-          <a:schemeClr val="bg1"/>
-        </a:solidFill>
-        <a:effectLst/>
-      </p:bgPr>
-    </p:bg>
-    <p:spTree>
-      <p:nvGrpSpPr>
-        <p:cNvPr id="1" name=""/>
-        <p:cNvGrpSpPr/>
-        <p:nvPr/>
-      </p:nvGrpSpPr>
-      <p:grpSpPr>
-        <a:xfrm>
-          <a:off x="0" y="0"/>
-          <a:ext cx="0" cy="0"/>
-          <a:chOff x="0" y="0"/>
-          <a:chExt cx="0" cy="0"/>
-        </a:xfrm>
-      </p:grpSpPr>
-      <p:sp>
-        <p:nvSpPr>
-          <p:cNvPr id="2" name="Title 1"/>
-          <p:cNvSpPr>
-            <a:spLocks noGrp="1"/>
-          </p:cNvSpPr>
-          <p:nvPr>
-            <p:ph type="title"/>
-          </p:nvPr>
-        </p:nvSpPr>
-        <p:spPr/>
-        <p:txBody>
-          <a:bodyPr/>
-          <a:lstStyle/>
-          <a:p>
-            <a:r>
-              <a:rPr lang="en-GB" dirty="0" smtClean="0"/>
-              <a:t>Vertical Scaling</a:t>
-            </a:r>
-            <a:endParaRPr lang="en-GB" dirty="0"/>
-          </a:p>
-        </p:txBody>
-      </p:sp>
-      <p:sp>
-        <p:nvSpPr>
-          <p:cNvPr id="3" name="Content Placeholder 2"/>
-          <p:cNvSpPr>
-            <a:spLocks noGrp="1"/>
-          </p:cNvSpPr>
-          <p:nvPr>
-            <p:ph idx="1"/>
-          </p:nvPr>
-        </p:nvSpPr>
-        <p:spPr/>
-        <p:txBody>
-          <a:bodyPr/>
-          <a:lstStyle/>
-          <a:p>
-            <a:endParaRPr lang="en-GB" dirty="0"/>
-          </a:p>
-        </p:txBody>
-      </p:sp>
-      <p:pic>
-        <p:nvPicPr>
-          <p:cNvPr id="4" name="Content Placeholder 3"/>
-          <p:cNvPicPr>
-            <a:picLocks noChangeAspect="1"/>
-          </p:cNvPicPr>
-          <p:nvPr/>
-        </p:nvPicPr>
-        <p:blipFill>
-          <a:blip r:embed="rId3" cstate="print">
-            <a:extLst>
-              <a:ext uri="{28A0092B-C50C-407E-A947-70E740481C1C}">
-                <a14:useLocalDpi xmlns:a14="http://schemas.microsoft.com/office/drawing/2010/main" val="0"/>
-              </a:ext>
-            </a:extLst>
-          </a:blip>
-          <a:stretch>
-            <a:fillRect/>
-          </a:stretch>
-        </p:blipFill>
-        <p:spPr>
-          <a:xfrm>
-            <a:off x="827584" y="3065275"/>
-            <a:ext cx="1252735" cy="1252735"/>
-          </a:xfrm>
-          <a:prstGeom prst="rect">
-            <a:avLst/>
-          </a:prstGeom>
-        </p:spPr>
-      </p:pic>
-      <p:pic>
-        <p:nvPicPr>
-          <p:cNvPr id="5" name="Content Placeholder 3"/>
-          <p:cNvPicPr>
-            <a:picLocks noChangeAspect="1"/>
-          </p:cNvPicPr>
-          <p:nvPr/>
-        </p:nvPicPr>
-        <p:blipFill>
-          <a:blip r:embed="rId4" cstate="print">
-            <a:extLst>
-              <a:ext uri="{28A0092B-C50C-407E-A947-70E740481C1C}">
-                <a14:useLocalDpi xmlns:a14="http://schemas.microsoft.com/office/drawing/2010/main" val="0"/>
-              </a:ext>
-            </a:extLst>
-          </a:blip>
-          <a:stretch>
-            <a:fillRect/>
-          </a:stretch>
-        </p:blipFill>
-        <p:spPr>
-          <a:xfrm>
-            <a:off x="2843808" y="2633227"/>
-            <a:ext cx="1970675" cy="1970675"/>
-          </a:xfrm>
-          <a:prstGeom prst="rect">
-            <a:avLst/>
-          </a:prstGeom>
-        </p:spPr>
-      </p:pic>
-      <p:pic>
-        <p:nvPicPr>
-          <p:cNvPr id="6" name="Content Placeholder 3"/>
-          <p:cNvPicPr>
-            <a:picLocks noChangeAspect="1"/>
-          </p:cNvPicPr>
-          <p:nvPr/>
-        </p:nvPicPr>
-        <p:blipFill>
-          <a:blip r:embed="rId4">
-            <a:extLst>
-              <a:ext uri="{28A0092B-C50C-407E-A947-70E740481C1C}">
-                <a14:useLocalDpi xmlns:a14="http://schemas.microsoft.com/office/drawing/2010/main" val="0"/>
-              </a:ext>
-            </a:extLst>
-          </a:blip>
-          <a:stretch>
-            <a:fillRect/>
-          </a:stretch>
-        </p:blipFill>
-        <p:spPr>
-          <a:xfrm>
-            <a:off x="5166716" y="1769131"/>
-            <a:ext cx="3456384" cy="3456384"/>
-          </a:xfrm>
-          <a:prstGeom prst="rect">
-            <a:avLst/>
-          </a:prstGeom>
-        </p:spPr>
-      </p:pic>
-      <p:sp>
-        <p:nvSpPr>
-          <p:cNvPr id="7" name="Right Arrow 6"/>
-          <p:cNvSpPr/>
-          <p:nvPr/>
-        </p:nvSpPr>
-        <p:spPr>
-          <a:xfrm>
-            <a:off x="2267744" y="3497323"/>
-            <a:ext cx="648072" cy="504056"/>
-          </a:xfrm>
-          <a:prstGeom prst="rightArrow">
-            <a:avLst/>
-          </a:prstGeom>
-        </p:spPr>
-        <p:style>
-          <a:lnRef idx="2">
-            <a:schemeClr val="accent1">
-              <a:shade val="50000"/>
-            </a:schemeClr>
-          </a:lnRef>
-          <a:fillRef idx="1">
-            <a:schemeClr val="accent1"/>
-          </a:fillRef>
-          <a:effectRef idx="0">
-            <a:schemeClr val="accent1"/>
-          </a:effectRef>
-          <a:fontRef idx="minor">
-            <a:schemeClr val="lt1"/>
-          </a:fontRef>
-        </p:style>
-        <p:txBody>
-          <a:bodyPr rtlCol="0" anchor="ctr"/>
-          <a:lstStyle/>
-          <a:p>
-            <a:pPr algn="ctr"/>
-            <a:endParaRPr lang="en-GB"/>
-          </a:p>
-        </p:txBody>
-      </p:sp>
-      <p:sp>
-        <p:nvSpPr>
-          <p:cNvPr id="8" name="Right Arrow 7"/>
-          <p:cNvSpPr/>
-          <p:nvPr/>
-        </p:nvSpPr>
-        <p:spPr>
-          <a:xfrm>
-            <a:off x="4814483" y="3497323"/>
-            <a:ext cx="648072" cy="504056"/>
-          </a:xfrm>
-          <a:prstGeom prst="rightArrow">
-            <a:avLst/>
-          </a:prstGeom>
-        </p:spPr>
-        <p:style>
-          <a:lnRef idx="2">
-            <a:schemeClr val="accent1">
-              <a:shade val="50000"/>
-            </a:schemeClr>
-          </a:lnRef>
-          <a:fillRef idx="1">
-            <a:schemeClr val="accent1"/>
-          </a:fillRef>
-          <a:effectRef idx="0">
-            <a:schemeClr val="accent1"/>
-          </a:effectRef>
-          <a:fontRef idx="minor">
-            <a:schemeClr val="lt1"/>
-          </a:fontRef>
-        </p:style>
-        <p:txBody>
-          <a:bodyPr rtlCol="0" anchor="ctr"/>
-          <a:lstStyle/>
-          <a:p>
-            <a:pPr algn="ctr"/>
-            <a:endParaRPr lang="en-GB"/>
-          </a:p>
-        </p:txBody>
-      </p:sp>
-    </p:spTree>
-    <p:extLst>
-      <p:ext uri="{BB962C8B-B14F-4D97-AF65-F5344CB8AC3E}">
-        <p14:creationId xmlns:p14="http://schemas.microsoft.com/office/powerpoint/2010/main" val="35232764"/>
-      </p:ext>
-    </p:extLst>
-  </p:cSld>
-  <p:clrMapOvr>
-    <a:masterClrMapping/>
-  </p:clrMapOvr>
-  <p:timing>
-    <p:tnLst>
-      <p:par>
-        <p:cTn id="1" dur="indefinite" restart="never" nodeType="tmRoot">
-          <p:childTnLst>
-            <p:seq concurrent="1" nextAc="seek">
-              <p:cTn id="2" dur="indefinite" nodeType="mainSeq">
-                <p:childTnLst>
                   <p:par>
-                    <p:cTn id="3" fill="hold">
+                    <p:cTn id="15" fill="hold">
                       <p:stCondLst>
                         <p:cond delay="indefinite"/>
                       </p:stCondLst>
                       <p:childTnLst>
                         <p:par>
-                          <p:cTn id="4" fill="hold">
+                          <p:cTn id="16" fill="hold">
                             <p:stCondLst>
                               <p:cond delay="0"/>
                             </p:stCondLst>
                             <p:childTnLst>
                               <p:par>
-                                <p:cTn id="5" presetID="1" presetClass="entr" presetSubtype="0" fill="hold" grpId="0" nodeType="clickEffect">
+                                <p:cTn id="17" presetID="1" presetClass="entr" presetSubtype="0" fill="hold" nodeType="clickEffect">
                                   <p:stCondLst>
                                     <p:cond delay="0"/>
                                   </p:stCondLst>
                                   <p:childTnLst>
                                     <p:set>
                                       <p:cBhvr>
-                                        <p:cTn id="6" dur="1" fill="hold">
+                                        <p:cTn id="18" dur="1" fill="hold">
                                           <p:stCondLst>
                                             <p:cond delay="0"/>
                                           </p:stCondLst>
                                         </p:cTn>
                                         <p:tgtEl>
-                                          <p:spTgt spid="7"/>
-                                        </p:tgtEl>
-                                        <p:attrNameLst>
-                                          <p:attrName>style.visibility</p:attrName>
-                                        </p:attrNameLst>
-                                      </p:cBhvr>
-                                      <p:to>
-                                        <p:strVal val="visible"/>
-                                      </p:to>
-                                    </p:set>
-                                  </p:childTnLst>
-                                </p:cTn>
-                              </p:par>
-                              <p:par>
-                                <p:cTn id="7" presetID="1" presetClass="entr" presetSubtype="0" fill="hold" nodeType="withEffect">
-                                  <p:stCondLst>
-                                    <p:cond delay="0"/>
-                                  </p:stCondLst>
-                                  <p:childTnLst>
-                                    <p:set>
-                                      <p:cBhvr>
-                                        <p:cTn id="8" dur="1" fill="hold">
-                                          <p:stCondLst>
-                                            <p:cond delay="0"/>
-                                          </p:stCondLst>
-                                        </p:cTn>
-                                        <p:tgtEl>
-                                          <p:spTgt spid="5"/>
-                                        </p:tgtEl>
-                                        <p:attrNameLst>
-                                          <p:attrName>style.visibility</p:attrName>
-                                        </p:attrNameLst>
-                                      </p:cBhvr>
-                                      <p:to>
-                                        <p:strVal val="visible"/>
-                                      </p:to>
-                                    </p:set>
-                                  </p:childTnLst>
-                                </p:cTn>
-                              </p:par>
-                            </p:childTnLst>
-                          </p:cTn>
-                        </p:par>
-                      </p:childTnLst>
-                    </p:cTn>
-                  </p:par>
-                  <p:par>
-                    <p:cTn id="9" fill="hold">
-                      <p:stCondLst>
-                        <p:cond delay="indefinite"/>
-                      </p:stCondLst>
-                      <p:childTnLst>
-                        <p:par>
-                          <p:cTn id="10" fill="hold">
-                            <p:stCondLst>
-                              <p:cond delay="0"/>
-                            </p:stCondLst>
-                            <p:childTnLst>
-                              <p:par>
-                                <p:cTn id="11" presetID="1" presetClass="entr" presetSubtype="0" fill="hold" grpId="0" nodeType="clickEffect">
-                                  <p:stCondLst>
-                                    <p:cond delay="0"/>
-                                  </p:stCondLst>
-                                  <p:childTnLst>
-                                    <p:set>
-                                      <p:cBhvr>
-                                        <p:cTn id="12" dur="1" fill="hold">
-                                          <p:stCondLst>
-                                            <p:cond delay="0"/>
-                                          </p:stCondLst>
-                                        </p:cTn>
-                                        <p:tgtEl>
-                                          <p:spTgt spid="8"/>
-                                        </p:tgtEl>
-                                        <p:attrNameLst>
-                                          <p:attrName>style.visibility</p:attrName>
-                                        </p:attrNameLst>
-                                      </p:cBhvr>
-                                      <p:to>
-                                        <p:strVal val="visible"/>
-                                      </p:to>
-                                    </p:set>
-                                  </p:childTnLst>
-                                </p:cTn>
-                              </p:par>
-                              <p:par>
-                                <p:cTn id="13" presetID="1" presetClass="entr" presetSubtype="0" fill="hold" nodeType="withEffect">
-                                  <p:stCondLst>
-                                    <p:cond delay="0"/>
-                                  </p:stCondLst>
-                                  <p:childTnLst>
-                                    <p:set>
-                                      <p:cBhvr>
-                                        <p:cTn id="14" dur="1" fill="hold">
-                                          <p:stCondLst>
-                                            <p:cond delay="0"/>
-                                          </p:stCondLst>
-                                        </p:cTn>
-                                        <p:tgtEl>
-                                          <p:spTgt spid="6"/>
+                                          <p:spTgt spid="3">
+                                            <p:txEl>
+                                              <p:pRg st="7" end="7"/>
+                                            </p:txEl>
+                                          </p:spTgt>
                                         </p:tgtEl>
                                         <p:attrNameLst>
                                           <p:attrName>style.visibility</p:attrName>
@@ -20570,10 +19142,106 @@
         </p:cTn>
       </p:par>
     </p:tnLst>
-    <p:bldLst>
-      <p:bldP spid="7" grpId="0" animBg="1"/>
-      <p:bldP spid="8" grpId="0" animBg="1"/>
-    </p:bldLst>
+  </p:timing>
+</p:sld>
+</file>
+
+<file path=ppt/slides/slide9.xml><?xml version="1.0" encoding="utf-8"?>
+<p:sld xmlns:a="http://schemas.openxmlformats.org/drawingml/2006/main" xmlns:r="http://schemas.openxmlformats.org/officeDocument/2006/relationships" xmlns:p="http://schemas.openxmlformats.org/presentationml/2006/main">
+  <p:cSld>
+    <p:spTree>
+      <p:nvGrpSpPr>
+        <p:cNvPr id="1" name=""/>
+        <p:cNvGrpSpPr/>
+        <p:nvPr/>
+      </p:nvGrpSpPr>
+      <p:grpSpPr>
+        <a:xfrm>
+          <a:off x="0" y="0"/>
+          <a:ext cx="0" cy="0"/>
+          <a:chOff x="0" y="0"/>
+          <a:chExt cx="0" cy="0"/>
+        </a:xfrm>
+      </p:grpSpPr>
+      <p:sp>
+        <p:nvSpPr>
+          <p:cNvPr id="2" name="Title 1"/>
+          <p:cNvSpPr>
+            <a:spLocks noGrp="1"/>
+          </p:cNvSpPr>
+          <p:nvPr>
+            <p:ph type="title"/>
+          </p:nvPr>
+        </p:nvSpPr>
+        <p:spPr/>
+        <p:txBody>
+          <a:bodyPr/>
+          <a:lstStyle/>
+          <a:p>
+            <a:endParaRPr lang="en-GB"/>
+          </a:p>
+        </p:txBody>
+      </p:sp>
+      <p:sp>
+        <p:nvSpPr>
+          <p:cNvPr id="3" name="Content Placeholder 2"/>
+          <p:cNvSpPr>
+            <a:spLocks noGrp="1"/>
+          </p:cNvSpPr>
+          <p:nvPr>
+            <p:ph idx="1"/>
+          </p:nvPr>
+        </p:nvSpPr>
+        <p:spPr/>
+        <p:txBody>
+          <a:bodyPr>
+            <a:normAutofit/>
+          </a:bodyPr>
+          <a:lstStyle/>
+          <a:p>
+            <a:pPr marL="0" indent="0">
+              <a:buNone/>
+            </a:pPr>
+            <a:endParaRPr lang="en-GB" sz="3600" dirty="0" smtClean="0"/>
+          </a:p>
+          <a:p>
+            <a:pPr marL="0" indent="0">
+              <a:buNone/>
+            </a:pPr>
+            <a:endParaRPr lang="en-GB" sz="3600" dirty="0"/>
+          </a:p>
+          <a:p>
+            <a:pPr marL="0" indent="0" algn="ctr">
+              <a:buNone/>
+            </a:pPr>
+            <a:r>
+              <a:rPr lang="en-GB" sz="3600" dirty="0" smtClean="0"/>
+              <a:t>(Database Serialization </a:t>
+            </a:r>
+            <a:r>
+              <a:rPr lang="en-GB" sz="3600" dirty="0" smtClean="0"/>
+              <a:t>Demo)</a:t>
+            </a:r>
+            <a:endParaRPr lang="en-GB" sz="3600" dirty="0"/>
+          </a:p>
+        </p:txBody>
+      </p:sp>
+    </p:spTree>
+    <p:extLst>
+      <p:ext uri="{BB962C8B-B14F-4D97-AF65-F5344CB8AC3E}">
+        <p14:creationId xmlns:p14="http://schemas.microsoft.com/office/powerpoint/2010/main" val="863200104"/>
+      </p:ext>
+    </p:extLst>
+  </p:cSld>
+  <p:clrMapOvr>
+    <a:masterClrMapping/>
+  </p:clrMapOvr>
+  <p:timing>
+    <p:tnLst>
+      <p:par>
+        <p:cTn id="1" dur="indefinite" restart="never" nodeType="tmRoot"/>
+      </p:par>
+    </p:tnLst>
   </p:timing>
 </p:sld>
 </file>

--- a/Slides/Not Only SQL - Picking A Database for DotNET.pptx
+++ b/Slides/Not Only SQL - Picking A Database for DotNET.pptx
@@ -5,7 +5,7 @@
     <p:sldMasterId id="2147483648" r:id="rId1"/>
   </p:sldMasterIdLst>
   <p:notesMasterIdLst>
-    <p:notesMasterId r:id="rId50"/>
+    <p:notesMasterId r:id="rId51"/>
   </p:notesMasterIdLst>
   <p:sldIdLst>
     <p:sldId id="256" r:id="rId2"/>
@@ -28,34 +28,35 @@
     <p:sldId id="284" r:id="rId19"/>
     <p:sldId id="285" r:id="rId20"/>
     <p:sldId id="289" r:id="rId21"/>
-    <p:sldId id="295" r:id="rId22"/>
-    <p:sldId id="296" r:id="rId23"/>
-    <p:sldId id="333" r:id="rId24"/>
-    <p:sldId id="328" r:id="rId25"/>
-    <p:sldId id="331" r:id="rId26"/>
-    <p:sldId id="330" r:id="rId27"/>
-    <p:sldId id="337" r:id="rId28"/>
-    <p:sldId id="338" r:id="rId29"/>
-    <p:sldId id="339" r:id="rId30"/>
-    <p:sldId id="335" r:id="rId31"/>
-    <p:sldId id="336" r:id="rId32"/>
-    <p:sldId id="326" r:id="rId33"/>
-    <p:sldId id="329" r:id="rId34"/>
-    <p:sldId id="305" r:id="rId35"/>
-    <p:sldId id="306" r:id="rId36"/>
-    <p:sldId id="307" r:id="rId37"/>
-    <p:sldId id="344" r:id="rId38"/>
-    <p:sldId id="341" r:id="rId39"/>
-    <p:sldId id="340" r:id="rId40"/>
-    <p:sldId id="309" r:id="rId41"/>
-    <p:sldId id="302" r:id="rId42"/>
-    <p:sldId id="346" r:id="rId43"/>
-    <p:sldId id="332" r:id="rId44"/>
-    <p:sldId id="311" r:id="rId45"/>
-    <p:sldId id="267" r:id="rId46"/>
-    <p:sldId id="343" r:id="rId47"/>
-    <p:sldId id="268" r:id="rId48"/>
-    <p:sldId id="272" r:id="rId49"/>
+    <p:sldId id="348" r:id="rId22"/>
+    <p:sldId id="295" r:id="rId23"/>
+    <p:sldId id="296" r:id="rId24"/>
+    <p:sldId id="333" r:id="rId25"/>
+    <p:sldId id="328" r:id="rId26"/>
+    <p:sldId id="331" r:id="rId27"/>
+    <p:sldId id="330" r:id="rId28"/>
+    <p:sldId id="337" r:id="rId29"/>
+    <p:sldId id="338" r:id="rId30"/>
+    <p:sldId id="339" r:id="rId31"/>
+    <p:sldId id="335" r:id="rId32"/>
+    <p:sldId id="336" r:id="rId33"/>
+    <p:sldId id="326" r:id="rId34"/>
+    <p:sldId id="329" r:id="rId35"/>
+    <p:sldId id="305" r:id="rId36"/>
+    <p:sldId id="306" r:id="rId37"/>
+    <p:sldId id="307" r:id="rId38"/>
+    <p:sldId id="344" r:id="rId39"/>
+    <p:sldId id="341" r:id="rId40"/>
+    <p:sldId id="340" r:id="rId41"/>
+    <p:sldId id="309" r:id="rId42"/>
+    <p:sldId id="302" r:id="rId43"/>
+    <p:sldId id="346" r:id="rId44"/>
+    <p:sldId id="332" r:id="rId45"/>
+    <p:sldId id="311" r:id="rId46"/>
+    <p:sldId id="267" r:id="rId47"/>
+    <p:sldId id="343" r:id="rId48"/>
+    <p:sldId id="268" r:id="rId49"/>
+    <p:sldId id="272" r:id="rId50"/>
   </p:sldIdLst>
   <p:sldSz cx="9144000" cy="6858000" type="screen4x3"/>
   <p:notesSz cx="6858000" cy="9144000"/>
@@ -201,8 +202,9 @@
             <p14:sldId id="289"/>
           </p14:sldIdLst>
         </p14:section>
-        <p14:section name="AP - Riak &amp; Cassandra" id="{BD5FAAEB-85ED-43B1-9F71-45F33E59E497}">
+        <p14:section name="CP &amp; AP Systems" id="{BD5FAAEB-85ED-43B1-9F71-45F33E59E497}">
           <p14:sldIdLst>
+            <p14:sldId id="348"/>
             <p14:sldId id="295"/>
             <p14:sldId id="296"/>
           </p14:sldIdLst>
@@ -345,7 +347,7 @@
           <a:p>
             <a:fld id="{4B8F0AD9-C137-4A52-8600-32592EF064CA}" type="datetimeFigureOut">
               <a:rPr lang="en-GB" smtClean="0"/>
-              <a:t>27/04/2015</a:t>
+              <a:t>29/04/2015</a:t>
             </a:fld>
             <a:endParaRPr lang="en-GB"/>
           </a:p>
@@ -1367,7 +1369,7 @@
           <a:p>
             <a:fld id="{B88E1A96-A68C-4ED7-8535-7FE27C72D2F0}" type="slidenum">
               <a:rPr lang="en-GB" smtClean="0"/>
-              <a:t>21</a:t>
+              <a:t>22</a:t>
             </a:fld>
             <a:endParaRPr lang="en-GB"/>
           </a:p>
@@ -1475,7 +1477,7 @@
           <a:p>
             <a:fld id="{B88E1A96-A68C-4ED7-8535-7FE27C72D2F0}" type="slidenum">
               <a:rPr lang="en-GB" smtClean="0"/>
-              <a:t>22</a:t>
+              <a:t>23</a:t>
             </a:fld>
             <a:endParaRPr lang="en-GB"/>
           </a:p>
@@ -1559,7 +1561,7 @@
           <a:p>
             <a:fld id="{B88E1A96-A68C-4ED7-8535-7FE27C72D2F0}" type="slidenum">
               <a:rPr lang="en-GB" smtClean="0"/>
-              <a:t>25</a:t>
+              <a:t>26</a:t>
             </a:fld>
             <a:endParaRPr lang="en-GB"/>
           </a:p>
@@ -1643,7 +1645,7 @@
           <a:p>
             <a:fld id="{B88E1A96-A68C-4ED7-8535-7FE27C72D2F0}" type="slidenum">
               <a:rPr lang="en-GB" smtClean="0"/>
-              <a:t>35</a:t>
+              <a:t>36</a:t>
             </a:fld>
             <a:endParaRPr lang="en-GB"/>
           </a:p>
@@ -1811,7 +1813,7 @@
           <a:p>
             <a:fld id="{B88E1A96-A68C-4ED7-8535-7FE27C72D2F0}" type="slidenum">
               <a:rPr lang="en-GB" smtClean="0"/>
-              <a:t>39</a:t>
+              <a:t>40</a:t>
             </a:fld>
             <a:endParaRPr lang="en-GB"/>
           </a:p>
@@ -1895,7 +1897,7 @@
           <a:p>
             <a:fld id="{B88E1A96-A68C-4ED7-8535-7FE27C72D2F0}" type="slidenum">
               <a:rPr lang="en-GB" smtClean="0"/>
-              <a:t>40</a:t>
+              <a:t>41</a:t>
             </a:fld>
             <a:endParaRPr lang="en-GB"/>
           </a:p>
@@ -1979,7 +1981,7 @@
           <a:p>
             <a:fld id="{B88E1A96-A68C-4ED7-8535-7FE27C72D2F0}" type="slidenum">
               <a:rPr lang="en-GB" smtClean="0"/>
-              <a:t>41</a:t>
+              <a:t>42</a:t>
             </a:fld>
             <a:endParaRPr lang="en-GB"/>
           </a:p>
@@ -2063,7 +2065,7 @@
           <a:p>
             <a:fld id="{B88E1A96-A68C-4ED7-8535-7FE27C72D2F0}" type="slidenum">
               <a:rPr lang="en-GB" smtClean="0"/>
-              <a:t>45</a:t>
+              <a:t>46</a:t>
             </a:fld>
             <a:endParaRPr lang="en-GB"/>
           </a:p>
@@ -2147,7 +2149,7 @@
           <a:p>
             <a:fld id="{B88E1A96-A68C-4ED7-8535-7FE27C72D2F0}" type="slidenum">
               <a:rPr lang="en-GB" smtClean="0"/>
-              <a:t>47</a:t>
+              <a:t>48</a:t>
             </a:fld>
             <a:endParaRPr lang="en-GB"/>
           </a:p>
@@ -2231,7 +2233,7 @@
           <a:p>
             <a:fld id="{B88E1A96-A68C-4ED7-8535-7FE27C72D2F0}" type="slidenum">
               <a:rPr lang="en-GB" smtClean="0"/>
-              <a:t>48</a:t>
+              <a:t>49</a:t>
             </a:fld>
             <a:endParaRPr lang="en-GB"/>
           </a:p>
@@ -3023,7 +3025,7 @@
           <a:p>
             <a:fld id="{02F45FB7-11FC-4A5D-8578-8A11B0F11936}" type="datetimeFigureOut">
               <a:rPr lang="en-GB" smtClean="0"/>
-              <a:t>27/04/2015</a:t>
+              <a:t>29/04/2015</a:t>
             </a:fld>
             <a:endParaRPr lang="en-GB"/>
           </a:p>
@@ -3193,7 +3195,7 @@
           <a:p>
             <a:fld id="{02F45FB7-11FC-4A5D-8578-8A11B0F11936}" type="datetimeFigureOut">
               <a:rPr lang="en-GB" smtClean="0"/>
-              <a:t>27/04/2015</a:t>
+              <a:t>29/04/2015</a:t>
             </a:fld>
             <a:endParaRPr lang="en-GB"/>
           </a:p>
@@ -3373,7 +3375,7 @@
           <a:p>
             <a:fld id="{02F45FB7-11FC-4A5D-8578-8A11B0F11936}" type="datetimeFigureOut">
               <a:rPr lang="en-GB" smtClean="0"/>
-              <a:t>27/04/2015</a:t>
+              <a:t>29/04/2015</a:t>
             </a:fld>
             <a:endParaRPr lang="en-GB"/>
           </a:p>
@@ -3543,7 +3545,7 @@
           <a:p>
             <a:fld id="{02F45FB7-11FC-4A5D-8578-8A11B0F11936}" type="datetimeFigureOut">
               <a:rPr lang="en-GB" smtClean="0"/>
-              <a:t>27/04/2015</a:t>
+              <a:t>29/04/2015</a:t>
             </a:fld>
             <a:endParaRPr lang="en-GB"/>
           </a:p>
@@ -3789,7 +3791,7 @@
           <a:p>
             <a:fld id="{02F45FB7-11FC-4A5D-8578-8A11B0F11936}" type="datetimeFigureOut">
               <a:rPr lang="en-GB" smtClean="0"/>
-              <a:t>27/04/2015</a:t>
+              <a:t>29/04/2015</a:t>
             </a:fld>
             <a:endParaRPr lang="en-GB"/>
           </a:p>
@@ -4077,7 +4079,7 @@
           <a:p>
             <a:fld id="{02F45FB7-11FC-4A5D-8578-8A11B0F11936}" type="datetimeFigureOut">
               <a:rPr lang="en-GB" smtClean="0"/>
-              <a:t>27/04/2015</a:t>
+              <a:t>29/04/2015</a:t>
             </a:fld>
             <a:endParaRPr lang="en-GB"/>
           </a:p>
@@ -4499,7 +4501,7 @@
           <a:p>
             <a:fld id="{02F45FB7-11FC-4A5D-8578-8A11B0F11936}" type="datetimeFigureOut">
               <a:rPr lang="en-GB" smtClean="0"/>
-              <a:t>27/04/2015</a:t>
+              <a:t>29/04/2015</a:t>
             </a:fld>
             <a:endParaRPr lang="en-GB"/>
           </a:p>
@@ -4617,7 +4619,7 @@
           <a:p>
             <a:fld id="{02F45FB7-11FC-4A5D-8578-8A11B0F11936}" type="datetimeFigureOut">
               <a:rPr lang="en-GB" smtClean="0"/>
-              <a:t>27/04/2015</a:t>
+              <a:t>29/04/2015</a:t>
             </a:fld>
             <a:endParaRPr lang="en-GB"/>
           </a:p>
@@ -4712,7 +4714,7 @@
           <a:p>
             <a:fld id="{02F45FB7-11FC-4A5D-8578-8A11B0F11936}" type="datetimeFigureOut">
               <a:rPr lang="en-GB" smtClean="0"/>
-              <a:t>27/04/2015</a:t>
+              <a:t>29/04/2015</a:t>
             </a:fld>
             <a:endParaRPr lang="en-GB"/>
           </a:p>
@@ -4989,7 +4991,7 @@
           <a:p>
             <a:fld id="{02F45FB7-11FC-4A5D-8578-8A11B0F11936}" type="datetimeFigureOut">
               <a:rPr lang="en-GB" smtClean="0"/>
-              <a:t>27/04/2015</a:t>
+              <a:t>29/04/2015</a:t>
             </a:fld>
             <a:endParaRPr lang="en-GB"/>
           </a:p>
@@ -5242,7 +5244,7 @@
           <a:p>
             <a:fld id="{02F45FB7-11FC-4A5D-8578-8A11B0F11936}" type="datetimeFigureOut">
               <a:rPr lang="en-GB" smtClean="0"/>
-              <a:t>27/04/2015</a:t>
+              <a:t>29/04/2015</a:t>
             </a:fld>
             <a:endParaRPr lang="en-GB"/>
           </a:p>
@@ -5455,7 +5457,7 @@
           <a:p>
             <a:fld id="{02F45FB7-11FC-4A5D-8578-8A11B0F11936}" type="datetimeFigureOut">
               <a:rPr lang="en-GB" smtClean="0"/>
-              <a:t>27/04/2015</a:t>
+              <a:t>29/04/2015</a:t>
             </a:fld>
             <a:endParaRPr lang="en-GB"/>
           </a:p>
@@ -11413,14 +11415,6 @@
 <file path=ppt/slides/slide21.xml><?xml version="1.0" encoding="utf-8"?>
 <p:sld xmlns:a="http://schemas.openxmlformats.org/drawingml/2006/main" xmlns:r="http://schemas.openxmlformats.org/officeDocument/2006/relationships" xmlns:p="http://schemas.openxmlformats.org/presentationml/2006/main">
   <p:cSld>
-    <p:bg>
-      <p:bgPr>
-        <a:solidFill>
-          <a:schemeClr val="bg1"/>
-        </a:solidFill>
-        <a:effectLst/>
-      </p:bgPr>
-    </p:bg>
     <p:spTree>
       <p:nvGrpSpPr>
         <p:cNvPr id="1" name=""/>
@@ -11452,77 +11446,81 @@
           <a:p>
             <a:r>
               <a:rPr lang="en-GB" dirty="0" smtClean="0"/>
-              <a:t>“AP” Systems – </a:t>
-            </a:r>
-            <a:r>
-              <a:rPr lang="en-GB" dirty="0" err="1" smtClean="0"/>
-              <a:t>Riak</a:t>
-            </a:r>
+              <a:t>“CP” Systems</a:t>
+            </a:r>
+            <a:endParaRPr lang="en-GB" dirty="0"/>
+          </a:p>
+        </p:txBody>
+      </p:sp>
+      <p:sp>
+        <p:nvSpPr>
+          <p:cNvPr id="3" name="Content Placeholder 2"/>
+          <p:cNvSpPr>
+            <a:spLocks noGrp="1"/>
+          </p:cNvSpPr>
+          <p:nvPr>
+            <p:ph idx="1"/>
+          </p:nvPr>
+        </p:nvSpPr>
+        <p:spPr/>
+        <p:txBody>
+          <a:bodyPr>
+            <a:normAutofit/>
+          </a:bodyPr>
+          <a:lstStyle/>
+          <a:p>
             <a:r>
               <a:rPr lang="en-GB" dirty="0" smtClean="0"/>
-              <a:t> &amp; Cassandra</a:t>
-            </a:r>
+              <a:t>Relational Databases</a:t>
+            </a:r>
+          </a:p>
+          <a:p>
             <a:endParaRPr lang="en-GB" dirty="0"/>
           </a:p>
-        </p:txBody>
-      </p:sp>
-      <p:sp>
-        <p:nvSpPr>
-          <p:cNvPr id="3" name="Content Placeholder 2"/>
-          <p:cNvSpPr>
-            <a:spLocks noGrp="1"/>
-          </p:cNvSpPr>
-          <p:nvPr>
-            <p:ph idx="1"/>
-          </p:nvPr>
-        </p:nvSpPr>
-        <p:spPr/>
-        <p:txBody>
-          <a:bodyPr/>
-          <a:lstStyle/>
           <a:p>
             <a:r>
               <a:rPr lang="en-GB" dirty="0" smtClean="0"/>
-              <a:t>Highly </a:t>
-            </a:r>
-            <a:r>
-              <a:rPr lang="en-GB" dirty="0" smtClean="0"/>
-              <a:t>optimised for availability</a:t>
+              <a:t>MongoDB</a:t>
             </a:r>
           </a:p>
           <a:p>
             <a:pPr lvl="1"/>
             <a:r>
-              <a:rPr lang="en-GB" dirty="0" smtClean="0"/>
-              <a:t>Based on Amazon “Dynamo” </a:t>
-            </a:r>
-            <a:r>
-              <a:rPr lang="en-GB" dirty="0" smtClean="0"/>
-              <a:t>paper</a:t>
-            </a:r>
-          </a:p>
-          <a:p>
-            <a:pPr lvl="1"/>
-            <a:r>
-              <a:rPr lang="en-GB" dirty="0" smtClean="0"/>
-              <a:t>“Ring Model” for data distribution</a:t>
-            </a:r>
-          </a:p>
-          <a:p>
-            <a:pPr lvl="1"/>
-            <a:r>
-              <a:rPr lang="en-GB" dirty="0" smtClean="0"/>
-              <a:t>“</a:t>
-            </a:r>
-            <a:r>
-              <a:rPr lang="en-GB" dirty="0" err="1" smtClean="0"/>
-              <a:t>Tunable</a:t>
-            </a:r>
-            <a:r>
-              <a:rPr lang="en-GB" dirty="0" smtClean="0"/>
-              <a:t> Consistency”</a:t>
-            </a:r>
-            <a:endParaRPr lang="en-GB" dirty="0" smtClean="0"/>
+              <a:rPr lang="en-GB" sz="2400" dirty="0" smtClean="0"/>
+              <a:t>Although:</a:t>
+            </a:r>
+          </a:p>
+          <a:p>
+            <a:pPr lvl="2"/>
+            <a:r>
+              <a:rPr lang="en-GB" sz="2000" dirty="0">
+                <a:hlinkClick r:id="rId2"/>
+              </a:rPr>
+              <a:t>https://</a:t>
+            </a:r>
+            <a:r>
+              <a:rPr lang="en-GB" sz="2000" dirty="0" smtClean="0">
+                <a:hlinkClick r:id="rId2"/>
+              </a:rPr>
+              <a:t>aphyr.com/posts/284-call-me-maybe-mongodb</a:t>
+            </a:r>
+            <a:endParaRPr lang="en-GB" sz="2000" dirty="0" smtClean="0"/>
+          </a:p>
+          <a:p>
+            <a:pPr lvl="2"/>
+            <a:r>
+              <a:rPr lang="en-GB" sz="2000" dirty="0">
+                <a:hlinkClick r:id="rId3"/>
+              </a:rPr>
+              <a:t>https://</a:t>
+            </a:r>
+            <a:r>
+              <a:rPr lang="en-GB" sz="2000" dirty="0" smtClean="0">
+                <a:hlinkClick r:id="rId3"/>
+              </a:rPr>
+              <a:t>aphyr.com/posts/322-call-me-maybe-mongodb-stale-reads</a:t>
+            </a:r>
+            <a:endParaRPr lang="en-GB" sz="2000" dirty="0" smtClean="0"/>
           </a:p>
           <a:p>
             <a:pPr marL="0" indent="0">
@@ -11531,26 +11529,24 @@
             <a:endParaRPr lang="en-GB" dirty="0"/>
           </a:p>
           <a:p>
+            <a:pPr marL="0" indent="0">
+              <a:buNone/>
+            </a:pPr>
             <a:r>
               <a:rPr lang="en-GB" dirty="0" smtClean="0"/>
-              <a:t>Key-based “Aggregate</a:t>
-            </a:r>
-            <a:r>
-              <a:rPr lang="en-GB" dirty="0"/>
-              <a:t>” data models (as per document DBs) – </a:t>
-            </a:r>
-            <a:r>
-              <a:rPr lang="en-GB" dirty="0" smtClean="0"/>
-              <a:t>no joins!</a:t>
-            </a:r>
-            <a:endParaRPr lang="en-GB" dirty="0" smtClean="0"/>
+              <a:t>etc. …</a:t>
+            </a:r>
+          </a:p>
+          <a:p>
+            <a:pPr lvl="2"/>
+            <a:endParaRPr lang="en-GB" dirty="0"/>
           </a:p>
         </p:txBody>
       </p:sp>
     </p:spTree>
     <p:extLst>
       <p:ext uri="{BB962C8B-B14F-4D97-AF65-F5344CB8AC3E}">
-        <p14:creationId xmlns:p14="http://schemas.microsoft.com/office/powerpoint/2010/main" val="2924640553"/>
+        <p14:creationId xmlns:p14="http://schemas.microsoft.com/office/powerpoint/2010/main" val="1983139557"/>
       </p:ext>
     </p:extLst>
   </p:cSld>
@@ -11609,6 +11605,154 @@
           <a:p>
             <a:r>
               <a:rPr lang="en-GB" dirty="0" smtClean="0"/>
+              <a:t>“AP” Systems – </a:t>
+            </a:r>
+            <a:r>
+              <a:rPr lang="en-GB" dirty="0" err="1" smtClean="0"/>
+              <a:t>Riak</a:t>
+            </a:r>
+            <a:r>
+              <a:rPr lang="en-GB" dirty="0" smtClean="0"/>
+              <a:t> &amp; Cassandra</a:t>
+            </a:r>
+            <a:endParaRPr lang="en-GB" dirty="0"/>
+          </a:p>
+        </p:txBody>
+      </p:sp>
+      <p:sp>
+        <p:nvSpPr>
+          <p:cNvPr id="3" name="Content Placeholder 2"/>
+          <p:cNvSpPr>
+            <a:spLocks noGrp="1"/>
+          </p:cNvSpPr>
+          <p:nvPr>
+            <p:ph idx="1"/>
+          </p:nvPr>
+        </p:nvSpPr>
+        <p:spPr/>
+        <p:txBody>
+          <a:bodyPr/>
+          <a:lstStyle/>
+          <a:p>
+            <a:r>
+              <a:rPr lang="en-GB" dirty="0" smtClean="0"/>
+              <a:t>Highly optimised for availability</a:t>
+            </a:r>
+          </a:p>
+          <a:p>
+            <a:pPr lvl="1"/>
+            <a:r>
+              <a:rPr lang="en-GB" dirty="0" smtClean="0"/>
+              <a:t>Based on Amazon “Dynamo” paper</a:t>
+            </a:r>
+          </a:p>
+          <a:p>
+            <a:pPr lvl="1"/>
+            <a:r>
+              <a:rPr lang="en-GB" dirty="0" smtClean="0"/>
+              <a:t>“Ring Model” for data distribution</a:t>
+            </a:r>
+          </a:p>
+          <a:p>
+            <a:pPr lvl="1"/>
+            <a:r>
+              <a:rPr lang="en-GB" dirty="0" smtClean="0"/>
+              <a:t>“Eventual” Consistency, </a:t>
+            </a:r>
+            <a:r>
+              <a:rPr lang="en-GB" dirty="0" err="1" smtClean="0"/>
+              <a:t>Tunable</a:t>
+            </a:r>
+            <a:r>
+              <a:rPr lang="en-GB" dirty="0" smtClean="0"/>
+              <a:t> Consistency</a:t>
+            </a:r>
+            <a:endParaRPr lang="en-GB" dirty="0" smtClean="0"/>
+          </a:p>
+          <a:p>
+            <a:pPr marL="0" indent="0">
+              <a:buNone/>
+            </a:pPr>
+            <a:endParaRPr lang="en-GB" dirty="0"/>
+          </a:p>
+          <a:p>
+            <a:r>
+              <a:rPr lang="en-GB" dirty="0" smtClean="0"/>
+              <a:t>Key-based “Aggregate</a:t>
+            </a:r>
+            <a:r>
+              <a:rPr lang="en-GB" dirty="0"/>
+              <a:t>” data models (as per document DBs) – </a:t>
+            </a:r>
+            <a:r>
+              <a:rPr lang="en-GB" dirty="0" smtClean="0"/>
+              <a:t>no joins!</a:t>
+            </a:r>
+          </a:p>
+        </p:txBody>
+      </p:sp>
+    </p:spTree>
+    <p:extLst>
+      <p:ext uri="{BB962C8B-B14F-4D97-AF65-F5344CB8AC3E}">
+        <p14:creationId xmlns:p14="http://schemas.microsoft.com/office/powerpoint/2010/main" val="2924640553"/>
+      </p:ext>
+    </p:extLst>
+  </p:cSld>
+  <p:clrMapOvr>
+    <a:masterClrMapping/>
+  </p:clrMapOvr>
+  <p:timing>
+    <p:tnLst>
+      <p:par>
+        <p:cTn id="1" dur="indefinite" restart="never" nodeType="tmRoot"/>
+      </p:par>
+    </p:tnLst>
+  </p:timing>
+</p:sld>
+</file>
+
+<file path=ppt/slides/slide23.xml><?xml version="1.0" encoding="utf-8"?>
+<p:sld xmlns:a="http://schemas.openxmlformats.org/drawingml/2006/main" xmlns:r="http://schemas.openxmlformats.org/officeDocument/2006/relationships" xmlns:p="http://schemas.openxmlformats.org/presentationml/2006/main">
+  <p:cSld>
+    <p:bg>
+      <p:bgPr>
+        <a:solidFill>
+          <a:schemeClr val="bg1"/>
+        </a:solidFill>
+        <a:effectLst/>
+      </p:bgPr>
+    </p:bg>
+    <p:spTree>
+      <p:nvGrpSpPr>
+        <p:cNvPr id="1" name=""/>
+        <p:cNvGrpSpPr/>
+        <p:nvPr/>
+      </p:nvGrpSpPr>
+      <p:grpSpPr>
+        <a:xfrm>
+          <a:off x="0" y="0"/>
+          <a:ext cx="0" cy="0"/>
+          <a:chOff x="0" y="0"/>
+          <a:chExt cx="0" cy="0"/>
+        </a:xfrm>
+      </p:grpSpPr>
+      <p:sp>
+        <p:nvSpPr>
+          <p:cNvPr id="2" name="Title 1"/>
+          <p:cNvSpPr>
+            <a:spLocks noGrp="1"/>
+          </p:cNvSpPr>
+          <p:nvPr>
+            <p:ph type="title"/>
+          </p:nvPr>
+        </p:nvSpPr>
+        <p:spPr/>
+        <p:txBody>
+          <a:bodyPr/>
+          <a:lstStyle/>
+          <a:p>
+            <a:r>
+              <a:rPr lang="en-GB" dirty="0" smtClean="0"/>
               <a:t>The Ring Model</a:t>
             </a:r>
             <a:endParaRPr lang="en-GB" dirty="0"/>
@@ -11705,7 +11849,7 @@
 </p:sld>
 </file>
 
-<file path=ppt/slides/slide23.xml><?xml version="1.0" encoding="utf-8"?>
+<file path=ppt/slides/slide24.xml><?xml version="1.0" encoding="utf-8"?>
 <p:sld xmlns:a="http://schemas.openxmlformats.org/drawingml/2006/main" xmlns:r="http://schemas.openxmlformats.org/officeDocument/2006/relationships" xmlns:p="http://schemas.openxmlformats.org/presentationml/2006/main">
   <p:cSld>
     <p:bg>
@@ -11908,7 +12052,7 @@
 </p:sld>
 </file>
 
-<file path=ppt/slides/slide24.xml><?xml version="1.0" encoding="utf-8"?>
+<file path=ppt/slides/slide25.xml><?xml version="1.0" encoding="utf-8"?>
 <p:sld xmlns:a="http://schemas.openxmlformats.org/drawingml/2006/main" xmlns:r="http://schemas.openxmlformats.org/officeDocument/2006/relationships" xmlns:p="http://schemas.openxmlformats.org/presentationml/2006/main">
   <p:cSld>
     <p:bg>
@@ -12003,7 +12147,7 @@
 </p:sld>
 </file>
 
-<file path=ppt/slides/slide25.xml><?xml version="1.0" encoding="utf-8"?>
+<file path=ppt/slides/slide26.xml><?xml version="1.0" encoding="utf-8"?>
 <p:sld xmlns:a="http://schemas.openxmlformats.org/drawingml/2006/main" xmlns:r="http://schemas.openxmlformats.org/officeDocument/2006/relationships" xmlns:p="http://schemas.openxmlformats.org/presentationml/2006/main">
   <p:cSld>
     <p:bg>
@@ -12240,93 +12384,6 @@
 </p:sld>
 </file>
 
-<file path=ppt/slides/slide26.xml><?xml version="1.0" encoding="utf-8"?>
-<p:sld xmlns:a="http://schemas.openxmlformats.org/drawingml/2006/main" xmlns:r="http://schemas.openxmlformats.org/officeDocument/2006/relationships" xmlns:p="http://schemas.openxmlformats.org/presentationml/2006/main">
-  <p:cSld>
-    <p:bg>
-      <p:bgPr>
-        <a:solidFill>
-          <a:schemeClr val="bg1"/>
-        </a:solidFill>
-        <a:effectLst/>
-      </p:bgPr>
-    </p:bg>
-    <p:spTree>
-      <p:nvGrpSpPr>
-        <p:cNvPr id="1" name=""/>
-        <p:cNvGrpSpPr/>
-        <p:nvPr/>
-      </p:nvGrpSpPr>
-      <p:grpSpPr>
-        <a:xfrm>
-          <a:off x="0" y="0"/>
-          <a:ext cx="0" cy="0"/>
-          <a:chOff x="0" y="0"/>
-          <a:chExt cx="0" cy="0"/>
-        </a:xfrm>
-      </p:grpSpPr>
-      <p:sp>
-        <p:nvSpPr>
-          <p:cNvPr id="2" name="Title 1"/>
-          <p:cNvSpPr>
-            <a:spLocks noGrp="1"/>
-          </p:cNvSpPr>
-          <p:nvPr>
-            <p:ph type="ctrTitle"/>
-          </p:nvPr>
-        </p:nvSpPr>
-        <p:spPr/>
-        <p:txBody>
-          <a:bodyPr/>
-          <a:lstStyle/>
-          <a:p>
-            <a:r>
-              <a:rPr lang="en-GB" dirty="0" smtClean="0"/>
-              <a:t>(Cassandra Demo)</a:t>
-            </a:r>
-            <a:endParaRPr lang="en-GB" dirty="0"/>
-          </a:p>
-        </p:txBody>
-      </p:sp>
-      <p:sp>
-        <p:nvSpPr>
-          <p:cNvPr id="3" name="Subtitle 2"/>
-          <p:cNvSpPr>
-            <a:spLocks noGrp="1"/>
-          </p:cNvSpPr>
-          <p:nvPr>
-            <p:ph type="subTitle" idx="1"/>
-          </p:nvPr>
-        </p:nvSpPr>
-        <p:spPr/>
-        <p:txBody>
-          <a:bodyPr/>
-          <a:lstStyle/>
-          <a:p>
-            <a:endParaRPr lang="en-GB"/>
-          </a:p>
-        </p:txBody>
-      </p:sp>
-    </p:spTree>
-    <p:extLst>
-      <p:ext uri="{BB962C8B-B14F-4D97-AF65-F5344CB8AC3E}">
-        <p14:creationId xmlns:p14="http://schemas.microsoft.com/office/powerpoint/2010/main" val="3763083771"/>
-      </p:ext>
-    </p:extLst>
-  </p:cSld>
-  <p:clrMapOvr>
-    <a:masterClrMapping/>
-  </p:clrMapOvr>
-  <p:timing>
-    <p:tnLst>
-      <p:par>
-        <p:cTn id="1" dur="indefinite" restart="never" nodeType="tmRoot"/>
-      </p:par>
-    </p:tnLst>
-  </p:timing>
-</p:sld>
-</file>
-
 <file path=ppt/slides/slide27.xml><?xml version="1.0" encoding="utf-8"?>
 <p:sld xmlns:a="http://schemas.openxmlformats.org/drawingml/2006/main" xmlns:r="http://schemas.openxmlformats.org/officeDocument/2006/relationships" xmlns:p="http://schemas.openxmlformats.org/presentationml/2006/main">
   <p:cSld>
@@ -12359,6 +12416,93 @@
             <a:spLocks noGrp="1"/>
           </p:cNvSpPr>
           <p:nvPr>
+            <p:ph type="ctrTitle"/>
+          </p:nvPr>
+        </p:nvSpPr>
+        <p:spPr/>
+        <p:txBody>
+          <a:bodyPr/>
+          <a:lstStyle/>
+          <a:p>
+            <a:r>
+              <a:rPr lang="en-GB" dirty="0" smtClean="0"/>
+              <a:t>(Cassandra Demo)</a:t>
+            </a:r>
+            <a:endParaRPr lang="en-GB" dirty="0"/>
+          </a:p>
+        </p:txBody>
+      </p:sp>
+      <p:sp>
+        <p:nvSpPr>
+          <p:cNvPr id="3" name="Subtitle 2"/>
+          <p:cNvSpPr>
+            <a:spLocks noGrp="1"/>
+          </p:cNvSpPr>
+          <p:nvPr>
+            <p:ph type="subTitle" idx="1"/>
+          </p:nvPr>
+        </p:nvSpPr>
+        <p:spPr/>
+        <p:txBody>
+          <a:bodyPr/>
+          <a:lstStyle/>
+          <a:p>
+            <a:endParaRPr lang="en-GB"/>
+          </a:p>
+        </p:txBody>
+      </p:sp>
+    </p:spTree>
+    <p:extLst>
+      <p:ext uri="{BB962C8B-B14F-4D97-AF65-F5344CB8AC3E}">
+        <p14:creationId xmlns:p14="http://schemas.microsoft.com/office/powerpoint/2010/main" val="3763083771"/>
+      </p:ext>
+    </p:extLst>
+  </p:cSld>
+  <p:clrMapOvr>
+    <a:masterClrMapping/>
+  </p:clrMapOvr>
+  <p:timing>
+    <p:tnLst>
+      <p:par>
+        <p:cTn id="1" dur="indefinite" restart="never" nodeType="tmRoot"/>
+      </p:par>
+    </p:tnLst>
+  </p:timing>
+</p:sld>
+</file>
+
+<file path=ppt/slides/slide28.xml><?xml version="1.0" encoding="utf-8"?>
+<p:sld xmlns:a="http://schemas.openxmlformats.org/drawingml/2006/main" xmlns:r="http://schemas.openxmlformats.org/officeDocument/2006/relationships" xmlns:p="http://schemas.openxmlformats.org/presentationml/2006/main">
+  <p:cSld>
+    <p:bg>
+      <p:bgPr>
+        <a:solidFill>
+          <a:schemeClr val="bg1"/>
+        </a:solidFill>
+        <a:effectLst/>
+      </p:bgPr>
+    </p:bg>
+    <p:spTree>
+      <p:nvGrpSpPr>
+        <p:cNvPr id="1" name=""/>
+        <p:cNvGrpSpPr/>
+        <p:nvPr/>
+      </p:nvGrpSpPr>
+      <p:grpSpPr>
+        <a:xfrm>
+          <a:off x="0" y="0"/>
+          <a:ext cx="0" cy="0"/>
+          <a:chOff x="0" y="0"/>
+          <a:chExt cx="0" cy="0"/>
+        </a:xfrm>
+      </p:grpSpPr>
+      <p:sp>
+        <p:nvSpPr>
+          <p:cNvPr id="2" name="Title 1"/>
+          <p:cNvSpPr>
+            <a:spLocks noGrp="1"/>
+          </p:cNvSpPr>
+          <p:nvPr>
             <p:ph type="title"/>
           </p:nvPr>
         </p:nvSpPr>
@@ -12452,7 +12596,7 @@
 </p:sld>
 </file>
 
-<file path=ppt/slides/slide28.xml><?xml version="1.0" encoding="utf-8"?>
+<file path=ppt/slides/slide29.xml><?xml version="1.0" encoding="utf-8"?>
 <p:sld xmlns:a="http://schemas.openxmlformats.org/drawingml/2006/main" xmlns:r="http://schemas.openxmlformats.org/officeDocument/2006/relationships" xmlns:p="http://schemas.openxmlformats.org/presentationml/2006/main">
   <p:cSld>
     <p:bg>
@@ -12580,269 +12724,6 @@
 </p:sld>
 </file>
 
-<file path=ppt/slides/slide29.xml><?xml version="1.0" encoding="utf-8"?>
-<p:sld xmlns:a="http://schemas.openxmlformats.org/drawingml/2006/main" xmlns:r="http://schemas.openxmlformats.org/officeDocument/2006/relationships" xmlns:p="http://schemas.openxmlformats.org/presentationml/2006/main">
-  <p:cSld>
-    <p:bg>
-      <p:bgPr>
-        <a:solidFill>
-          <a:schemeClr val="bg1"/>
-        </a:solidFill>
-        <a:effectLst/>
-      </p:bgPr>
-    </p:bg>
-    <p:spTree>
-      <p:nvGrpSpPr>
-        <p:cNvPr id="1" name=""/>
-        <p:cNvGrpSpPr/>
-        <p:nvPr/>
-      </p:nvGrpSpPr>
-      <p:grpSpPr>
-        <a:xfrm>
-          <a:off x="0" y="0"/>
-          <a:ext cx="0" cy="0"/>
-          <a:chOff x="0" y="0"/>
-          <a:chExt cx="0" cy="0"/>
-        </a:xfrm>
-      </p:grpSpPr>
-      <p:sp>
-        <p:nvSpPr>
-          <p:cNvPr id="2" name="Title 1"/>
-          <p:cNvSpPr>
-            <a:spLocks noGrp="1"/>
-          </p:cNvSpPr>
-          <p:nvPr>
-            <p:ph type="title"/>
-          </p:nvPr>
-        </p:nvSpPr>
-        <p:spPr/>
-        <p:txBody>
-          <a:bodyPr/>
-          <a:lstStyle/>
-          <a:p>
-            <a:r>
-              <a:rPr lang="en-GB" dirty="0" smtClean="0"/>
-              <a:t>Cassandra Row Storage</a:t>
-            </a:r>
-            <a:endParaRPr lang="en-GB" dirty="0"/>
-          </a:p>
-        </p:txBody>
-      </p:sp>
-      <p:sp>
-        <p:nvSpPr>
-          <p:cNvPr id="3" name="Content Placeholder 2"/>
-          <p:cNvSpPr>
-            <a:spLocks noGrp="1"/>
-          </p:cNvSpPr>
-          <p:nvPr>
-            <p:ph idx="1"/>
-          </p:nvPr>
-        </p:nvSpPr>
-        <p:spPr/>
-        <p:txBody>
-          <a:bodyPr/>
-          <a:lstStyle/>
-          <a:p>
-            <a:r>
-              <a:rPr lang="en-GB" dirty="0" smtClean="0"/>
-              <a:t>Composite Row (Partition) Key</a:t>
-            </a:r>
-          </a:p>
-          <a:p>
-            <a:pPr marL="0" indent="0">
-              <a:buNone/>
-            </a:pPr>
-            <a:r>
-              <a:rPr lang="en-GB" dirty="0" smtClean="0"/>
-              <a:t>			</a:t>
-            </a:r>
-            <a:r>
-              <a:rPr lang="en-GB" sz="2400" dirty="0" smtClean="0">
-                <a:solidFill>
-                  <a:srgbClr val="0070C0"/>
-                </a:solidFill>
-              </a:rPr>
-              <a:t>PRIMARY </a:t>
-            </a:r>
-            <a:r>
-              <a:rPr lang="en-GB" sz="2400" dirty="0">
-                <a:solidFill>
-                  <a:srgbClr val="0070C0"/>
-                </a:solidFill>
-              </a:rPr>
-              <a:t>KEY </a:t>
-            </a:r>
-            <a:r>
-              <a:rPr lang="en-GB" sz="2400" dirty="0"/>
-              <a:t>(</a:t>
-            </a:r>
-            <a:r>
-              <a:rPr lang="en-GB" sz="2400" b="1" dirty="0">
-                <a:solidFill>
-                  <a:srgbClr val="FF0000"/>
-                </a:solidFill>
-              </a:rPr>
-              <a:t>(</a:t>
-            </a:r>
-            <a:r>
-              <a:rPr lang="en-GB" sz="2400" dirty="0" err="1"/>
-              <a:t>OrderID</a:t>
-            </a:r>
-            <a:r>
-              <a:rPr lang="en-GB" sz="2400" dirty="0"/>
-              <a:t>, </a:t>
-            </a:r>
-            <a:r>
-              <a:rPr lang="en-GB" sz="2400" dirty="0" err="1"/>
-              <a:t>ItemID</a:t>
-            </a:r>
-            <a:r>
-              <a:rPr lang="en-GB" sz="2400" b="1" dirty="0">
-                <a:solidFill>
-                  <a:srgbClr val="FF0000"/>
-                </a:solidFill>
-              </a:rPr>
-              <a:t>)</a:t>
-            </a:r>
-            <a:r>
-              <a:rPr lang="en-GB" sz="2400" dirty="0"/>
-              <a:t>)</a:t>
-            </a:r>
-          </a:p>
-          <a:p>
-            <a:endParaRPr lang="en-GB" dirty="0" smtClean="0"/>
-          </a:p>
-          <a:p>
-            <a:endParaRPr lang="en-GB" dirty="0" smtClean="0"/>
-          </a:p>
-          <a:p>
-            <a:r>
-              <a:rPr lang="en-GB" dirty="0" smtClean="0"/>
-              <a:t>“Wide Rows”	</a:t>
-            </a:r>
-            <a:r>
-              <a:rPr lang="en-GB" sz="2400" dirty="0" smtClean="0">
-                <a:solidFill>
-                  <a:srgbClr val="0070C0"/>
-                </a:solidFill>
-              </a:rPr>
-              <a:t>PRIMARY </a:t>
-            </a:r>
-            <a:r>
-              <a:rPr lang="en-GB" sz="2400" dirty="0">
-                <a:solidFill>
-                  <a:srgbClr val="0070C0"/>
-                </a:solidFill>
-              </a:rPr>
-              <a:t>KEY </a:t>
-            </a:r>
-            <a:r>
-              <a:rPr lang="en-GB" sz="2400" dirty="0" smtClean="0"/>
-              <a:t>(</a:t>
-            </a:r>
-            <a:r>
-              <a:rPr lang="en-GB" sz="2400" dirty="0" err="1" smtClean="0"/>
-              <a:t>OrderID</a:t>
-            </a:r>
-            <a:r>
-              <a:rPr lang="en-GB" sz="2400" dirty="0"/>
-              <a:t>, </a:t>
-            </a:r>
-            <a:r>
-              <a:rPr lang="en-GB" sz="2400" dirty="0" err="1" smtClean="0"/>
-              <a:t>ItemID</a:t>
-            </a:r>
-            <a:r>
-              <a:rPr lang="en-GB" sz="2400" dirty="0" smtClean="0"/>
-              <a:t>)</a:t>
-            </a:r>
-            <a:endParaRPr lang="en-GB" sz="2400" dirty="0"/>
-          </a:p>
-          <a:p>
-            <a:endParaRPr lang="en-GB" dirty="0" smtClean="0"/>
-          </a:p>
-        </p:txBody>
-      </p:sp>
-      <p:pic>
-        <p:nvPicPr>
-          <p:cNvPr id="7" name="Picture 6"/>
-          <p:cNvPicPr>
-            <a:picLocks noChangeAspect="1"/>
-          </p:cNvPicPr>
-          <p:nvPr/>
-        </p:nvPicPr>
-        <p:blipFill>
-          <a:blip r:embed="rId2">
-            <a:extLst>
-              <a:ext uri="{28A0092B-C50C-407E-A947-70E740481C1C}">
-                <a14:useLocalDpi xmlns:a14="http://schemas.microsoft.com/office/drawing/2010/main" val="0"/>
-              </a:ext>
-            </a:extLst>
-          </a:blip>
-          <a:stretch>
-            <a:fillRect/>
-          </a:stretch>
-        </p:blipFill>
-        <p:spPr>
-          <a:xfrm>
-            <a:off x="291405" y="4941168"/>
-            <a:ext cx="8601075" cy="390525"/>
-          </a:xfrm>
-          <a:prstGeom prst="rect">
-            <a:avLst/>
-          </a:prstGeom>
-        </p:spPr>
-      </p:pic>
-      <p:pic>
-        <p:nvPicPr>
-          <p:cNvPr id="8" name="Picture 7"/>
-          <p:cNvPicPr>
-            <a:picLocks noChangeAspect="1"/>
-          </p:cNvPicPr>
-          <p:nvPr/>
-        </p:nvPicPr>
-        <p:blipFill>
-          <a:blip r:embed="rId3">
-            <a:extLst>
-              <a:ext uri="{28A0092B-C50C-407E-A947-70E740481C1C}">
-                <a14:useLocalDpi xmlns:a14="http://schemas.microsoft.com/office/drawing/2010/main" val="0"/>
-              </a:ext>
-            </a:extLst>
-          </a:blip>
-          <a:stretch>
-            <a:fillRect/>
-          </a:stretch>
-        </p:blipFill>
-        <p:spPr>
-          <a:xfrm>
-            <a:off x="360040" y="2996952"/>
-            <a:ext cx="4572000" cy="581025"/>
-          </a:xfrm>
-          <a:prstGeom prst="rect">
-            <a:avLst/>
-          </a:prstGeom>
-        </p:spPr>
-      </p:pic>
-    </p:spTree>
-    <p:extLst>
-      <p:ext uri="{BB962C8B-B14F-4D97-AF65-F5344CB8AC3E}">
-        <p14:creationId xmlns:p14="http://schemas.microsoft.com/office/powerpoint/2010/main" val="2680485887"/>
-      </p:ext>
-    </p:extLst>
-  </p:cSld>
-  <p:clrMapOvr>
-    <a:masterClrMapping/>
-  </p:clrMapOvr>
-  <p:timing>
-    <p:tnLst>
-      <p:par>
-        <p:cTn id="1" dur="indefinite" restart="never" nodeType="tmRoot"/>
-      </p:par>
-    </p:tnLst>
-  </p:timing>
-</p:sld>
-</file>
-
 <file path=ppt/slides/slide3.xml><?xml version="1.0" encoding="utf-8"?>
 <p:sld xmlns:a="http://schemas.openxmlformats.org/drawingml/2006/main" xmlns:r="http://schemas.openxmlformats.org/officeDocument/2006/relationships" xmlns:p="http://schemas.openxmlformats.org/presentationml/2006/main">
   <p:cSld>
@@ -12924,7 +12805,15 @@
           <a:p>
             <a:r>
               <a:rPr lang="en-GB" dirty="0" smtClean="0"/>
-              <a:t>Scalability, “AP” Systems</a:t>
+              <a:t>Scalability, </a:t>
+            </a:r>
+            <a:r>
+              <a:rPr lang="en-GB" dirty="0" smtClean="0"/>
+              <a:t>“CP” &amp; “AP</a:t>
+            </a:r>
+            <a:r>
+              <a:rPr lang="en-GB" dirty="0" smtClean="0"/>
+              <a:t>” Systems</a:t>
             </a:r>
             <a:endParaRPr lang="en-GB" dirty="0"/>
           </a:p>
@@ -13347,6 +13236,269 @@
           <a:p>
             <a:r>
               <a:rPr lang="en-GB" dirty="0" smtClean="0"/>
+              <a:t>Cassandra Row Storage</a:t>
+            </a:r>
+            <a:endParaRPr lang="en-GB" dirty="0"/>
+          </a:p>
+        </p:txBody>
+      </p:sp>
+      <p:sp>
+        <p:nvSpPr>
+          <p:cNvPr id="3" name="Content Placeholder 2"/>
+          <p:cNvSpPr>
+            <a:spLocks noGrp="1"/>
+          </p:cNvSpPr>
+          <p:nvPr>
+            <p:ph idx="1"/>
+          </p:nvPr>
+        </p:nvSpPr>
+        <p:spPr/>
+        <p:txBody>
+          <a:bodyPr/>
+          <a:lstStyle/>
+          <a:p>
+            <a:r>
+              <a:rPr lang="en-GB" dirty="0" smtClean="0"/>
+              <a:t>Composite Row (Partition) Key</a:t>
+            </a:r>
+          </a:p>
+          <a:p>
+            <a:pPr marL="0" indent="0">
+              <a:buNone/>
+            </a:pPr>
+            <a:r>
+              <a:rPr lang="en-GB" dirty="0" smtClean="0"/>
+              <a:t>			</a:t>
+            </a:r>
+            <a:r>
+              <a:rPr lang="en-GB" sz="2400" dirty="0" smtClean="0">
+                <a:solidFill>
+                  <a:srgbClr val="0070C0"/>
+                </a:solidFill>
+              </a:rPr>
+              <a:t>PRIMARY </a:t>
+            </a:r>
+            <a:r>
+              <a:rPr lang="en-GB" sz="2400" dirty="0">
+                <a:solidFill>
+                  <a:srgbClr val="0070C0"/>
+                </a:solidFill>
+              </a:rPr>
+              <a:t>KEY </a:t>
+            </a:r>
+            <a:r>
+              <a:rPr lang="en-GB" sz="2400" dirty="0"/>
+              <a:t>(</a:t>
+            </a:r>
+            <a:r>
+              <a:rPr lang="en-GB" sz="2400" b="1" dirty="0">
+                <a:solidFill>
+                  <a:srgbClr val="FF0000"/>
+                </a:solidFill>
+              </a:rPr>
+              <a:t>(</a:t>
+            </a:r>
+            <a:r>
+              <a:rPr lang="en-GB" sz="2400" dirty="0" err="1"/>
+              <a:t>OrderID</a:t>
+            </a:r>
+            <a:r>
+              <a:rPr lang="en-GB" sz="2400" dirty="0"/>
+              <a:t>, </a:t>
+            </a:r>
+            <a:r>
+              <a:rPr lang="en-GB" sz="2400" dirty="0" err="1"/>
+              <a:t>ItemID</a:t>
+            </a:r>
+            <a:r>
+              <a:rPr lang="en-GB" sz="2400" b="1" dirty="0">
+                <a:solidFill>
+                  <a:srgbClr val="FF0000"/>
+                </a:solidFill>
+              </a:rPr>
+              <a:t>)</a:t>
+            </a:r>
+            <a:r>
+              <a:rPr lang="en-GB" sz="2400" dirty="0"/>
+              <a:t>)</a:t>
+            </a:r>
+          </a:p>
+          <a:p>
+            <a:endParaRPr lang="en-GB" dirty="0" smtClean="0"/>
+          </a:p>
+          <a:p>
+            <a:endParaRPr lang="en-GB" dirty="0" smtClean="0"/>
+          </a:p>
+          <a:p>
+            <a:r>
+              <a:rPr lang="en-GB" dirty="0" smtClean="0"/>
+              <a:t>“Wide Rows”	</a:t>
+            </a:r>
+            <a:r>
+              <a:rPr lang="en-GB" sz="2400" dirty="0" smtClean="0">
+                <a:solidFill>
+                  <a:srgbClr val="0070C0"/>
+                </a:solidFill>
+              </a:rPr>
+              <a:t>PRIMARY </a:t>
+            </a:r>
+            <a:r>
+              <a:rPr lang="en-GB" sz="2400" dirty="0">
+                <a:solidFill>
+                  <a:srgbClr val="0070C0"/>
+                </a:solidFill>
+              </a:rPr>
+              <a:t>KEY </a:t>
+            </a:r>
+            <a:r>
+              <a:rPr lang="en-GB" sz="2400" dirty="0" smtClean="0"/>
+              <a:t>(</a:t>
+            </a:r>
+            <a:r>
+              <a:rPr lang="en-GB" sz="2400" dirty="0" err="1" smtClean="0"/>
+              <a:t>OrderID</a:t>
+            </a:r>
+            <a:r>
+              <a:rPr lang="en-GB" sz="2400" dirty="0"/>
+              <a:t>, </a:t>
+            </a:r>
+            <a:r>
+              <a:rPr lang="en-GB" sz="2400" dirty="0" err="1" smtClean="0"/>
+              <a:t>ItemID</a:t>
+            </a:r>
+            <a:r>
+              <a:rPr lang="en-GB" sz="2400" dirty="0" smtClean="0"/>
+              <a:t>)</a:t>
+            </a:r>
+            <a:endParaRPr lang="en-GB" sz="2400" dirty="0"/>
+          </a:p>
+          <a:p>
+            <a:endParaRPr lang="en-GB" dirty="0" smtClean="0"/>
+          </a:p>
+        </p:txBody>
+      </p:sp>
+      <p:pic>
+        <p:nvPicPr>
+          <p:cNvPr id="7" name="Picture 6"/>
+          <p:cNvPicPr>
+            <a:picLocks noChangeAspect="1"/>
+          </p:cNvPicPr>
+          <p:nvPr/>
+        </p:nvPicPr>
+        <p:blipFill>
+          <a:blip r:embed="rId2">
+            <a:extLst>
+              <a:ext uri="{28A0092B-C50C-407E-A947-70E740481C1C}">
+                <a14:useLocalDpi xmlns:a14="http://schemas.microsoft.com/office/drawing/2010/main" val="0"/>
+              </a:ext>
+            </a:extLst>
+          </a:blip>
+          <a:stretch>
+            <a:fillRect/>
+          </a:stretch>
+        </p:blipFill>
+        <p:spPr>
+          <a:xfrm>
+            <a:off x="291405" y="4941168"/>
+            <a:ext cx="8601075" cy="390525"/>
+          </a:xfrm>
+          <a:prstGeom prst="rect">
+            <a:avLst/>
+          </a:prstGeom>
+        </p:spPr>
+      </p:pic>
+      <p:pic>
+        <p:nvPicPr>
+          <p:cNvPr id="8" name="Picture 7"/>
+          <p:cNvPicPr>
+            <a:picLocks noChangeAspect="1"/>
+          </p:cNvPicPr>
+          <p:nvPr/>
+        </p:nvPicPr>
+        <p:blipFill>
+          <a:blip r:embed="rId3">
+            <a:extLst>
+              <a:ext uri="{28A0092B-C50C-407E-A947-70E740481C1C}">
+                <a14:useLocalDpi xmlns:a14="http://schemas.microsoft.com/office/drawing/2010/main" val="0"/>
+              </a:ext>
+            </a:extLst>
+          </a:blip>
+          <a:stretch>
+            <a:fillRect/>
+          </a:stretch>
+        </p:blipFill>
+        <p:spPr>
+          <a:xfrm>
+            <a:off x="360040" y="2996952"/>
+            <a:ext cx="4572000" cy="581025"/>
+          </a:xfrm>
+          <a:prstGeom prst="rect">
+            <a:avLst/>
+          </a:prstGeom>
+        </p:spPr>
+      </p:pic>
+    </p:spTree>
+    <p:extLst>
+      <p:ext uri="{BB962C8B-B14F-4D97-AF65-F5344CB8AC3E}">
+        <p14:creationId xmlns:p14="http://schemas.microsoft.com/office/powerpoint/2010/main" val="2680485887"/>
+      </p:ext>
+    </p:extLst>
+  </p:cSld>
+  <p:clrMapOvr>
+    <a:masterClrMapping/>
+  </p:clrMapOvr>
+  <p:timing>
+    <p:tnLst>
+      <p:par>
+        <p:cTn id="1" dur="indefinite" restart="never" nodeType="tmRoot"/>
+      </p:par>
+    </p:tnLst>
+  </p:timing>
+</p:sld>
+</file>
+
+<file path=ppt/slides/slide31.xml><?xml version="1.0" encoding="utf-8"?>
+<p:sld xmlns:a="http://schemas.openxmlformats.org/drawingml/2006/main" xmlns:r="http://schemas.openxmlformats.org/officeDocument/2006/relationships" xmlns:p="http://schemas.openxmlformats.org/presentationml/2006/main">
+  <p:cSld>
+    <p:bg>
+      <p:bgPr>
+        <a:solidFill>
+          <a:schemeClr val="bg1"/>
+        </a:solidFill>
+        <a:effectLst/>
+      </p:bgPr>
+    </p:bg>
+    <p:spTree>
+      <p:nvGrpSpPr>
+        <p:cNvPr id="1" name=""/>
+        <p:cNvGrpSpPr/>
+        <p:nvPr/>
+      </p:nvGrpSpPr>
+      <p:grpSpPr>
+        <a:xfrm>
+          <a:off x="0" y="0"/>
+          <a:ext cx="0" cy="0"/>
+          <a:chOff x="0" y="0"/>
+          <a:chExt cx="0" cy="0"/>
+        </a:xfrm>
+      </p:grpSpPr>
+      <p:sp>
+        <p:nvSpPr>
+          <p:cNvPr id="2" name="Title 1"/>
+          <p:cNvSpPr>
+            <a:spLocks noGrp="1"/>
+          </p:cNvSpPr>
+          <p:nvPr>
+            <p:ph type="title"/>
+          </p:nvPr>
+        </p:nvSpPr>
+        <p:spPr/>
+        <p:txBody>
+          <a:bodyPr/>
+          <a:lstStyle/>
+          <a:p>
+            <a:r>
+              <a:rPr lang="en-GB" dirty="0" smtClean="0"/>
               <a:t>Cloud Hosting</a:t>
             </a:r>
             <a:endParaRPr lang="en-GB" dirty="0"/>
@@ -13476,8 +13628,12 @@
               <a:t>DataStore</a:t>
             </a:r>
             <a:r>
+              <a:rPr lang="en-GB" sz="2000" dirty="0"/>
+              <a:t>,</a:t>
+            </a:r>
+            <a:r>
               <a:rPr lang="en-GB" sz="2000" dirty="0" smtClean="0"/>
-              <a:t>. </a:t>
+              <a:t> </a:t>
             </a:r>
             <a:r>
               <a:rPr lang="en-GB" sz="2000" dirty="0" err="1" smtClean="0"/>
@@ -13578,7 +13734,7 @@
 </p:sld>
 </file>
 
-<file path=ppt/slides/slide31.xml><?xml version="1.0" encoding="utf-8"?>
+<file path=ppt/slides/slide32.xml><?xml version="1.0" encoding="utf-8"?>
 <p:sld xmlns:a="http://schemas.openxmlformats.org/drawingml/2006/main" xmlns:r="http://schemas.openxmlformats.org/officeDocument/2006/relationships" xmlns:p="http://schemas.openxmlformats.org/presentationml/2006/main">
   <p:cSld>
     <p:bg>
@@ -13812,7 +13968,7 @@
 </p:sld>
 </file>
 
-<file path=ppt/slides/slide32.xml><?xml version="1.0" encoding="utf-8"?>
+<file path=ppt/slides/slide33.xml><?xml version="1.0" encoding="utf-8"?>
 <p:sld xmlns:a="http://schemas.openxmlformats.org/drawingml/2006/main" xmlns:r="http://schemas.openxmlformats.org/officeDocument/2006/relationships" xmlns:p="http://schemas.openxmlformats.org/presentationml/2006/main">
   <p:cSld>
     <p:bg>
@@ -13987,101 +14143,6 @@
 </p:sld>
 </file>
 
-<file path=ppt/slides/slide33.xml><?xml version="1.0" encoding="utf-8"?>
-<p:sld xmlns:a="http://schemas.openxmlformats.org/drawingml/2006/main" xmlns:r="http://schemas.openxmlformats.org/officeDocument/2006/relationships" xmlns:p="http://schemas.openxmlformats.org/presentationml/2006/main">
-  <p:cSld>
-    <p:bg>
-      <p:bgPr>
-        <a:solidFill>
-          <a:schemeClr val="bg1"/>
-        </a:solidFill>
-        <a:effectLst/>
-      </p:bgPr>
-    </p:bg>
-    <p:spTree>
-      <p:nvGrpSpPr>
-        <p:cNvPr id="1" name=""/>
-        <p:cNvGrpSpPr/>
-        <p:nvPr/>
-      </p:nvGrpSpPr>
-      <p:grpSpPr>
-        <a:xfrm>
-          <a:off x="0" y="0"/>
-          <a:ext cx="0" cy="0"/>
-          <a:chOff x="0" y="0"/>
-          <a:chExt cx="0" cy="0"/>
-        </a:xfrm>
-      </p:grpSpPr>
-      <p:sp>
-        <p:nvSpPr>
-          <p:cNvPr id="2" name="Title 1"/>
-          <p:cNvSpPr>
-            <a:spLocks noGrp="1"/>
-          </p:cNvSpPr>
-          <p:nvPr>
-            <p:ph type="ctrTitle"/>
-          </p:nvPr>
-        </p:nvSpPr>
-        <p:spPr/>
-        <p:txBody>
-          <a:bodyPr/>
-          <a:lstStyle/>
-          <a:p>
-            <a:r>
-              <a:rPr lang="en-GB" dirty="0" smtClean="0"/>
-              <a:t>(</a:t>
-            </a:r>
-            <a:r>
-              <a:rPr lang="en-GB" dirty="0" err="1" smtClean="0"/>
-              <a:t>DocumentDB</a:t>
-            </a:r>
-            <a:r>
-              <a:rPr lang="en-GB" dirty="0" smtClean="0"/>
-              <a:t> Demo)</a:t>
-            </a:r>
-            <a:endParaRPr lang="en-GB" dirty="0"/>
-          </a:p>
-        </p:txBody>
-      </p:sp>
-      <p:sp>
-        <p:nvSpPr>
-          <p:cNvPr id="3" name="Subtitle 2"/>
-          <p:cNvSpPr>
-            <a:spLocks noGrp="1"/>
-          </p:cNvSpPr>
-          <p:nvPr>
-            <p:ph type="subTitle" idx="1"/>
-          </p:nvPr>
-        </p:nvSpPr>
-        <p:spPr/>
-        <p:txBody>
-          <a:bodyPr/>
-          <a:lstStyle/>
-          <a:p>
-            <a:endParaRPr lang="en-GB"/>
-          </a:p>
-        </p:txBody>
-      </p:sp>
-    </p:spTree>
-    <p:extLst>
-      <p:ext uri="{BB962C8B-B14F-4D97-AF65-F5344CB8AC3E}">
-        <p14:creationId xmlns:p14="http://schemas.microsoft.com/office/powerpoint/2010/main" val="1956378066"/>
-      </p:ext>
-    </p:extLst>
-  </p:cSld>
-  <p:clrMapOvr>
-    <a:masterClrMapping/>
-  </p:clrMapOvr>
-  <p:timing>
-    <p:tnLst>
-      <p:par>
-        <p:cTn id="1" dur="indefinite" restart="never" nodeType="tmRoot"/>
-      </p:par>
-    </p:tnLst>
-  </p:timing>
-</p:sld>
-</file>
-
 <file path=ppt/slides/slide34.xml><?xml version="1.0" encoding="utf-8"?>
 <p:sld xmlns:a="http://schemas.openxmlformats.org/drawingml/2006/main" xmlns:r="http://schemas.openxmlformats.org/officeDocument/2006/relationships" xmlns:p="http://schemas.openxmlformats.org/presentationml/2006/main">
   <p:cSld>
@@ -14114,7 +14175,7 @@
             <a:spLocks noGrp="1"/>
           </p:cNvSpPr>
           <p:nvPr>
-            <p:ph type="title"/>
+            <p:ph type="ctrTitle"/>
           </p:nvPr>
         </p:nvSpPr>
         <p:spPr/>
@@ -14124,7 +14185,15 @@
           <a:p>
             <a:r>
               <a:rPr lang="en-GB" dirty="0" smtClean="0"/>
-              <a:t>Mixed Architectures</a:t>
+              <a:t>(</a:t>
+            </a:r>
+            <a:r>
+              <a:rPr lang="en-GB" dirty="0" err="1" smtClean="0"/>
+              <a:t>DocumentDB</a:t>
+            </a:r>
+            <a:r>
+              <a:rPr lang="en-GB" dirty="0" smtClean="0"/>
+              <a:t> Demo)</a:t>
             </a:r>
             <a:endParaRPr lang="en-GB" dirty="0"/>
           </a:p>
@@ -14132,90 +14201,27 @@
       </p:sp>
       <p:sp>
         <p:nvSpPr>
-          <p:cNvPr id="3" name="Content Placeholder 2"/>
-          <p:cNvSpPr>
-            <a:spLocks noGrp="1"/>
-          </p:cNvSpPr>
-          <p:nvPr>
-            <p:ph idx="1"/>
+          <p:cNvPr id="3" name="Subtitle 2"/>
+          <p:cNvSpPr>
+            <a:spLocks noGrp="1"/>
+          </p:cNvSpPr>
+          <p:nvPr>
+            <p:ph type="subTitle" idx="1"/>
           </p:nvPr>
         </p:nvSpPr>
         <p:spPr/>
         <p:txBody>
-          <a:bodyPr>
-            <a:normAutofit/>
-          </a:bodyPr>
-          <a:lstStyle/>
-          <a:p>
-            <a:r>
-              <a:rPr lang="en-GB" dirty="0" smtClean="0"/>
-              <a:t>“Polyglot Persistence”</a:t>
-            </a:r>
-            <a:endParaRPr lang="en-GB" dirty="0"/>
-          </a:p>
-          <a:p>
-            <a:pPr lvl="1"/>
-            <a:r>
-              <a:rPr lang="en-GB" sz="2000" dirty="0" smtClean="0">
-                <a:hlinkClick r:id="rId2"/>
-              </a:rPr>
-              <a:t>martinfowler.com/</a:t>
-            </a:r>
-            <a:r>
-              <a:rPr lang="en-GB" sz="2000" dirty="0" err="1" smtClean="0">
-                <a:hlinkClick r:id="rId2"/>
-              </a:rPr>
-              <a:t>bliki</a:t>
-            </a:r>
-            <a:r>
-              <a:rPr lang="en-GB" sz="2000" dirty="0" smtClean="0">
-                <a:hlinkClick r:id="rId2"/>
-              </a:rPr>
-              <a:t>/PolyglotPersistence.html</a:t>
-            </a:r>
-            <a:endParaRPr lang="en-GB" sz="2000" dirty="0" smtClean="0"/>
-          </a:p>
-          <a:p>
-            <a:pPr marL="0" indent="0">
-              <a:buNone/>
-            </a:pPr>
-            <a:endParaRPr lang="en-GB" sz="2000" dirty="0" smtClean="0"/>
-          </a:p>
-          <a:p>
-            <a:endParaRPr lang="en-GB" dirty="0" smtClean="0"/>
-          </a:p>
-          <a:p>
-            <a:r>
-              <a:rPr lang="en-GB" dirty="0" smtClean="0"/>
-              <a:t>Different Business Processes</a:t>
-            </a:r>
-          </a:p>
-          <a:p>
-            <a:pPr marL="0" indent="0">
-              <a:buNone/>
-            </a:pPr>
-            <a:endParaRPr lang="en-GB" dirty="0" smtClean="0"/>
-          </a:p>
-          <a:p>
-            <a:r>
-              <a:rPr lang="en-GB" dirty="0" smtClean="0"/>
-              <a:t>Read-Write Split</a:t>
-            </a:r>
-            <a:r>
-              <a:rPr lang="en-GB" dirty="0"/>
-              <a:t> </a:t>
-            </a:r>
-            <a:r>
-              <a:rPr lang="en-GB" dirty="0" smtClean="0"/>
-              <a:t>-&gt; Reporting</a:t>
-            </a:r>
+          <a:bodyPr/>
+          <a:lstStyle/>
+          <a:p>
+            <a:endParaRPr lang="en-GB"/>
           </a:p>
         </p:txBody>
       </p:sp>
     </p:spTree>
     <p:extLst>
       <p:ext uri="{BB962C8B-B14F-4D97-AF65-F5344CB8AC3E}">
-        <p14:creationId xmlns:p14="http://schemas.microsoft.com/office/powerpoint/2010/main" val="1132971709"/>
+        <p14:creationId xmlns:p14="http://schemas.microsoft.com/office/powerpoint/2010/main" val="1956378066"/>
       </p:ext>
     </p:extLst>
   </p:cSld>
@@ -14274,7 +14280,7 @@
           <a:p>
             <a:r>
               <a:rPr lang="en-GB" dirty="0" smtClean="0"/>
-              <a:t>Business Processes (Amazon)</a:t>
+              <a:t>Mixed Architectures</a:t>
             </a:r>
             <a:endParaRPr lang="en-GB" dirty="0"/>
           </a:p>
@@ -14293,107 +14299,79 @@
         <p:spPr/>
         <p:txBody>
           <a:bodyPr>
-            <a:normAutofit fontScale="85000" lnSpcReduction="20000"/>
+            <a:normAutofit/>
           </a:bodyPr>
           <a:lstStyle/>
           <a:p>
             <a:r>
-              <a:rPr lang="en-GB" dirty="0"/>
-              <a:t>“For the checkout process you always want to </a:t>
-            </a:r>
-            <a:r>
-              <a:rPr lang="en-GB" dirty="0" err="1"/>
-              <a:t>honor</a:t>
-            </a:r>
-            <a:r>
-              <a:rPr lang="en-GB" dirty="0"/>
-              <a:t> requests to add items to a shopping cart because it's revenue producing. </a:t>
-            </a:r>
-            <a:r>
-              <a:rPr lang="en-GB" b="1" dirty="0">
-                <a:solidFill>
-                  <a:srgbClr val="0070C0"/>
-                </a:solidFill>
+              <a:rPr lang="en-GB" dirty="0" smtClean="0"/>
+              <a:t>“Polyglot Persistence”</a:t>
+            </a:r>
+            <a:endParaRPr lang="en-GB" dirty="0"/>
+          </a:p>
+          <a:p>
+            <a:pPr lvl="1"/>
+            <a:r>
+              <a:rPr lang="en-GB" sz="2000" dirty="0" smtClean="0">
+                <a:hlinkClick r:id="rId2"/>
               </a:rPr>
-              <a:t>In this case you choose high availability.</a:t>
-            </a:r>
-            <a:r>
-              <a:rPr lang="en-GB" dirty="0"/>
-              <a:t> Errors are hidden from the customer and sorted out later.” </a:t>
-            </a:r>
-            <a:endParaRPr lang="en-GB" dirty="0" smtClean="0"/>
-          </a:p>
-          <a:p>
-            <a:endParaRPr lang="en-GB" dirty="0"/>
-          </a:p>
-          <a:p>
-            <a:r>
-              <a:rPr lang="en-GB" dirty="0" smtClean="0"/>
-              <a:t>“</a:t>
-            </a:r>
-            <a:r>
-              <a:rPr lang="en-GB" b="1" dirty="0">
-                <a:solidFill>
-                  <a:srgbClr val="0070C0"/>
-                </a:solidFill>
+              <a:t>martinfowler.com/</a:t>
+            </a:r>
+            <a:r>
+              <a:rPr lang="en-GB" sz="2000" dirty="0" err="1" smtClean="0">
+                <a:hlinkClick r:id="rId2"/>
               </a:rPr>
-              <a:t>When a customer submits an order you </a:t>
-            </a:r>
-            <a:r>
-              <a:rPr lang="en-GB" b="1" dirty="0" err="1">
-                <a:solidFill>
-                  <a:srgbClr val="0070C0"/>
-                </a:solidFill>
+              <a:t>bliki</a:t>
+            </a:r>
+            <a:r>
+              <a:rPr lang="en-GB" sz="2000" dirty="0" smtClean="0">
+                <a:hlinkClick r:id="rId2"/>
               </a:rPr>
-              <a:t>favor</a:t>
-            </a:r>
-            <a:r>
-              <a:rPr lang="en-GB" b="1" dirty="0">
-                <a:solidFill>
-                  <a:srgbClr val="0070C0"/>
-                </a:solidFill>
-              </a:rPr>
-              <a:t> consistency </a:t>
-            </a:r>
-            <a:r>
-              <a:rPr lang="en-GB" dirty="0"/>
-              <a:t>because several services--credit card processing, shipping and handling, reporting--are simultaneously accessing the data</a:t>
-            </a:r>
-            <a:r>
-              <a:rPr lang="en-GB" dirty="0" smtClean="0"/>
-              <a:t>.”</a:t>
-            </a:r>
-          </a:p>
-          <a:p>
-            <a:endParaRPr lang="en-GB" dirty="0"/>
-          </a:p>
-          <a:p>
-            <a:pPr marL="457200" lvl="1" indent="0" algn="ctr">
+              <a:t>/PolyglotPersistence.html</a:t>
+            </a:r>
+            <a:endParaRPr lang="en-GB" sz="2000" dirty="0" smtClean="0"/>
+          </a:p>
+          <a:p>
+            <a:pPr marL="0" indent="0">
               <a:buNone/>
             </a:pPr>
-            <a:r>
-              <a:rPr lang="en-GB" dirty="0" smtClean="0">
-                <a:hlinkClick r:id="rId3"/>
-              </a:rPr>
-              <a:t>highscalability.com/amazon-architecture</a:t>
-            </a:r>
+            <a:endParaRPr lang="en-GB" sz="2000" dirty="0" smtClean="0"/>
+          </a:p>
+          <a:p>
             <a:endParaRPr lang="en-GB" dirty="0" smtClean="0"/>
           </a:p>
           <a:p>
-            <a:pPr marL="457200" lvl="1" indent="0">
+            <a:r>
+              <a:rPr lang="en-GB" dirty="0" smtClean="0"/>
+              <a:t>Different Business Processes</a:t>
+            </a:r>
+          </a:p>
+          <a:p>
+            <a:pPr marL="0" indent="0">
               <a:buNone/>
             </a:pPr>
-            <a:endParaRPr lang="en-GB" dirty="0"/>
-          </a:p>
-          <a:p>
-            <a:endParaRPr lang="en-GB" dirty="0"/>
+            <a:endParaRPr lang="en-GB" dirty="0" smtClean="0"/>
+          </a:p>
+          <a:p>
+            <a:r>
+              <a:rPr lang="en-GB" dirty="0" smtClean="0"/>
+              <a:t>Read-Write Split</a:t>
+            </a:r>
+            <a:r>
+              <a:rPr lang="en-GB" dirty="0"/>
+              <a:t> </a:t>
+            </a:r>
+            <a:r>
+              <a:rPr lang="en-GB" dirty="0" smtClean="0"/>
+              <a:t>-&gt; Reporting</a:t>
+            </a:r>
           </a:p>
         </p:txBody>
       </p:sp>
     </p:spTree>
     <p:extLst>
       <p:ext uri="{BB962C8B-B14F-4D97-AF65-F5344CB8AC3E}">
-        <p14:creationId xmlns:p14="http://schemas.microsoft.com/office/powerpoint/2010/main" val="2839110553"/>
+        <p14:creationId xmlns:p14="http://schemas.microsoft.com/office/powerpoint/2010/main" val="1132971709"/>
       </p:ext>
     </p:extLst>
   </p:cSld>
@@ -14452,6 +14430,184 @@
           <a:p>
             <a:r>
               <a:rPr lang="en-GB" dirty="0" smtClean="0"/>
+              <a:t>Business Processes (Amazon)</a:t>
+            </a:r>
+            <a:endParaRPr lang="en-GB" dirty="0"/>
+          </a:p>
+        </p:txBody>
+      </p:sp>
+      <p:sp>
+        <p:nvSpPr>
+          <p:cNvPr id="3" name="Content Placeholder 2"/>
+          <p:cNvSpPr>
+            <a:spLocks noGrp="1"/>
+          </p:cNvSpPr>
+          <p:nvPr>
+            <p:ph idx="1"/>
+          </p:nvPr>
+        </p:nvSpPr>
+        <p:spPr/>
+        <p:txBody>
+          <a:bodyPr>
+            <a:normAutofit fontScale="85000" lnSpcReduction="20000"/>
+          </a:bodyPr>
+          <a:lstStyle/>
+          <a:p>
+            <a:r>
+              <a:rPr lang="en-GB" dirty="0"/>
+              <a:t>“For the checkout process you always want to </a:t>
+            </a:r>
+            <a:r>
+              <a:rPr lang="en-GB" dirty="0" err="1"/>
+              <a:t>honor</a:t>
+            </a:r>
+            <a:r>
+              <a:rPr lang="en-GB" dirty="0"/>
+              <a:t> requests to add items to a shopping cart because it's revenue producing. </a:t>
+            </a:r>
+            <a:r>
+              <a:rPr lang="en-GB" b="1" dirty="0">
+                <a:solidFill>
+                  <a:srgbClr val="0070C0"/>
+                </a:solidFill>
+              </a:rPr>
+              <a:t>In this case you choose high availability.</a:t>
+            </a:r>
+            <a:r>
+              <a:rPr lang="en-GB" dirty="0"/>
+              <a:t> Errors are hidden from the customer and sorted out later.” </a:t>
+            </a:r>
+            <a:endParaRPr lang="en-GB" dirty="0" smtClean="0"/>
+          </a:p>
+          <a:p>
+            <a:endParaRPr lang="en-GB" dirty="0"/>
+          </a:p>
+          <a:p>
+            <a:r>
+              <a:rPr lang="en-GB" dirty="0" smtClean="0"/>
+              <a:t>“</a:t>
+            </a:r>
+            <a:r>
+              <a:rPr lang="en-GB" b="1" dirty="0">
+                <a:solidFill>
+                  <a:srgbClr val="0070C0"/>
+                </a:solidFill>
+              </a:rPr>
+              <a:t>When a customer submits an order you </a:t>
+            </a:r>
+            <a:r>
+              <a:rPr lang="en-GB" b="1" dirty="0" err="1">
+                <a:solidFill>
+                  <a:srgbClr val="0070C0"/>
+                </a:solidFill>
+              </a:rPr>
+              <a:t>favor</a:t>
+            </a:r>
+            <a:r>
+              <a:rPr lang="en-GB" b="1" dirty="0">
+                <a:solidFill>
+                  <a:srgbClr val="0070C0"/>
+                </a:solidFill>
+              </a:rPr>
+              <a:t> consistency </a:t>
+            </a:r>
+            <a:r>
+              <a:rPr lang="en-GB" dirty="0"/>
+              <a:t>because several services--credit card processing, shipping and handling, reporting--are simultaneously accessing the data</a:t>
+            </a:r>
+            <a:r>
+              <a:rPr lang="en-GB" dirty="0" smtClean="0"/>
+              <a:t>.”</a:t>
+            </a:r>
+          </a:p>
+          <a:p>
+            <a:endParaRPr lang="en-GB" dirty="0"/>
+          </a:p>
+          <a:p>
+            <a:pPr marL="457200" lvl="1" indent="0" algn="ctr">
+              <a:buNone/>
+            </a:pPr>
+            <a:r>
+              <a:rPr lang="en-GB" dirty="0" smtClean="0">
+                <a:hlinkClick r:id="rId3"/>
+              </a:rPr>
+              <a:t>highscalability.com/amazon-architecture</a:t>
+            </a:r>
+            <a:endParaRPr lang="en-GB" dirty="0" smtClean="0"/>
+          </a:p>
+          <a:p>
+            <a:pPr marL="457200" lvl="1" indent="0">
+              <a:buNone/>
+            </a:pPr>
+            <a:endParaRPr lang="en-GB" dirty="0"/>
+          </a:p>
+          <a:p>
+            <a:endParaRPr lang="en-GB" dirty="0"/>
+          </a:p>
+        </p:txBody>
+      </p:sp>
+    </p:spTree>
+    <p:extLst>
+      <p:ext uri="{BB962C8B-B14F-4D97-AF65-F5344CB8AC3E}">
+        <p14:creationId xmlns:p14="http://schemas.microsoft.com/office/powerpoint/2010/main" val="2839110553"/>
+      </p:ext>
+    </p:extLst>
+  </p:cSld>
+  <p:clrMapOvr>
+    <a:masterClrMapping/>
+  </p:clrMapOvr>
+  <p:timing>
+    <p:tnLst>
+      <p:par>
+        <p:cTn id="1" dur="indefinite" restart="never" nodeType="tmRoot"/>
+      </p:par>
+    </p:tnLst>
+  </p:timing>
+</p:sld>
+</file>
+
+<file path=ppt/slides/slide37.xml><?xml version="1.0" encoding="utf-8"?>
+<p:sld xmlns:a="http://schemas.openxmlformats.org/drawingml/2006/main" xmlns:r="http://schemas.openxmlformats.org/officeDocument/2006/relationships" xmlns:p="http://schemas.openxmlformats.org/presentationml/2006/main">
+  <p:cSld>
+    <p:bg>
+      <p:bgPr>
+        <a:solidFill>
+          <a:schemeClr val="bg1"/>
+        </a:solidFill>
+        <a:effectLst/>
+      </p:bgPr>
+    </p:bg>
+    <p:spTree>
+      <p:nvGrpSpPr>
+        <p:cNvPr id="1" name=""/>
+        <p:cNvGrpSpPr/>
+        <p:nvPr/>
+      </p:nvGrpSpPr>
+      <p:grpSpPr>
+        <a:xfrm>
+          <a:off x="0" y="0"/>
+          <a:ext cx="0" cy="0"/>
+          <a:chOff x="0" y="0"/>
+          <a:chExt cx="0" cy="0"/>
+        </a:xfrm>
+      </p:grpSpPr>
+      <p:sp>
+        <p:nvSpPr>
+          <p:cNvPr id="2" name="Title 1"/>
+          <p:cNvSpPr>
+            <a:spLocks noGrp="1"/>
+          </p:cNvSpPr>
+          <p:nvPr>
+            <p:ph type="title"/>
+          </p:nvPr>
+        </p:nvSpPr>
+        <p:spPr/>
+        <p:txBody>
+          <a:bodyPr/>
+          <a:lstStyle/>
+          <a:p>
+            <a:r>
+              <a:rPr lang="en-GB" dirty="0" smtClean="0"/>
               <a:t>Reporting Systems</a:t>
             </a:r>
             <a:endParaRPr lang="en-GB" dirty="0"/>
@@ -14549,7 +14705,7 @@
 </p:sld>
 </file>
 
-<file path=ppt/slides/slide37.xml><?xml version="1.0" encoding="utf-8"?>
+<file path=ppt/slides/slide38.xml><?xml version="1.0" encoding="utf-8"?>
 <p:sld xmlns:a="http://schemas.openxmlformats.org/drawingml/2006/main" xmlns:r="http://schemas.openxmlformats.org/officeDocument/2006/relationships" xmlns:p="http://schemas.openxmlformats.org/presentationml/2006/main">
   <p:cSld>
     <p:spTree>
@@ -14616,7 +14772,7 @@
 </p:sld>
 </file>
 
-<file path=ppt/slides/slide38.xml><?xml version="1.0" encoding="utf-8"?>
+<file path=ppt/slides/slide39.xml><?xml version="1.0" encoding="utf-8"?>
 <p:sld xmlns:a="http://schemas.openxmlformats.org/drawingml/2006/main" xmlns:r="http://schemas.openxmlformats.org/officeDocument/2006/relationships" xmlns:p="http://schemas.openxmlformats.org/presentationml/2006/main">
   <p:cSld>
     <p:bg>
@@ -14864,174 +15020,6 @@
 </p:sld>
 </file>
 
-<file path=ppt/slides/slide39.xml><?xml version="1.0" encoding="utf-8"?>
-<p:sld xmlns:a="http://schemas.openxmlformats.org/drawingml/2006/main" xmlns:r="http://schemas.openxmlformats.org/officeDocument/2006/relationships" xmlns:p="http://schemas.openxmlformats.org/presentationml/2006/main">
-  <p:cSld>
-    <p:bg>
-      <p:bgPr>
-        <a:solidFill>
-          <a:schemeClr val="bg1"/>
-        </a:solidFill>
-        <a:effectLst/>
-      </p:bgPr>
-    </p:bg>
-    <p:spTree>
-      <p:nvGrpSpPr>
-        <p:cNvPr id="1" name=""/>
-        <p:cNvGrpSpPr/>
-        <p:nvPr/>
-      </p:nvGrpSpPr>
-      <p:grpSpPr>
-        <a:xfrm>
-          <a:off x="0" y="0"/>
-          <a:ext cx="0" cy="0"/>
-          <a:chOff x="0" y="0"/>
-          <a:chExt cx="0" cy="0"/>
-        </a:xfrm>
-      </p:grpSpPr>
-      <p:sp>
-        <p:nvSpPr>
-          <p:cNvPr id="2" name="Title 1"/>
-          <p:cNvSpPr>
-            <a:spLocks noGrp="1"/>
-          </p:cNvSpPr>
-          <p:nvPr>
-            <p:ph type="title"/>
-          </p:nvPr>
-        </p:nvSpPr>
-        <p:spPr>
-          <a:xfrm>
-            <a:off x="1763688" y="274638"/>
-            <a:ext cx="6923112" cy="1143000"/>
-          </a:xfrm>
-        </p:spPr>
-        <p:txBody>
-          <a:bodyPr>
-            <a:normAutofit fontScale="90000"/>
-          </a:bodyPr>
-          <a:lstStyle/>
-          <a:p>
-            <a:r>
-              <a:rPr lang="en-GB" dirty="0" smtClean="0"/>
-              <a:t>Distributed File System (HDFS)</a:t>
-            </a:r>
-            <a:endParaRPr lang="en-GB" dirty="0"/>
-          </a:p>
-        </p:txBody>
-      </p:sp>
-      <p:sp>
-        <p:nvSpPr>
-          <p:cNvPr id="3" name="Content Placeholder 2"/>
-          <p:cNvSpPr>
-            <a:spLocks noGrp="1"/>
-          </p:cNvSpPr>
-          <p:nvPr>
-            <p:ph idx="1"/>
-          </p:nvPr>
-        </p:nvSpPr>
-        <p:spPr/>
-        <p:txBody>
-          <a:bodyPr/>
-          <a:lstStyle/>
-          <a:p>
-            <a:r>
-              <a:rPr lang="en-GB" dirty="0" smtClean="0"/>
-              <a:t>Distributed, CP, Append-Only </a:t>
-            </a:r>
-            <a:r>
-              <a:rPr lang="en-GB" dirty="0" err="1" smtClean="0"/>
-              <a:t>FileSystem</a:t>
-            </a:r>
-            <a:endParaRPr lang="en-GB" dirty="0" smtClean="0"/>
-          </a:p>
-          <a:p>
-            <a:endParaRPr lang="en-GB" dirty="0"/>
-          </a:p>
-          <a:p>
-            <a:r>
-              <a:rPr lang="en-GB" dirty="0" smtClean="0"/>
-              <a:t>High-Latency Access/ ETL via Java </a:t>
-            </a:r>
-            <a:r>
-              <a:rPr lang="en-GB" dirty="0" err="1" smtClean="0"/>
-              <a:t>MapReduce</a:t>
-            </a:r>
-            <a:endParaRPr lang="en-GB" dirty="0" smtClean="0"/>
-          </a:p>
-          <a:p>
-            <a:pPr lvl="1"/>
-            <a:r>
-              <a:rPr lang="en-GB" dirty="0" smtClean="0"/>
-              <a:t>vs. -&gt; </a:t>
-            </a:r>
-            <a:r>
-              <a:rPr lang="en-GB" dirty="0" err="1" smtClean="0"/>
-              <a:t>HBase</a:t>
-            </a:r>
-            <a:endParaRPr lang="en-GB" dirty="0" smtClean="0"/>
-          </a:p>
-          <a:p>
-            <a:endParaRPr lang="en-GB" dirty="0"/>
-          </a:p>
-          <a:p>
-            <a:r>
-              <a:rPr lang="en-GB" dirty="0" smtClean="0"/>
-              <a:t>Basis for other analysis/ query tools</a:t>
-            </a:r>
-            <a:endParaRPr lang="en-GB" dirty="0"/>
-          </a:p>
-        </p:txBody>
-      </p:sp>
-      <p:pic>
-        <p:nvPicPr>
-          <p:cNvPr id="4" name="Picture 3"/>
-          <p:cNvPicPr>
-            <a:picLocks noChangeAspect="1"/>
-          </p:cNvPicPr>
-          <p:nvPr/>
-        </p:nvPicPr>
-        <p:blipFill>
-          <a:blip r:embed="rId3">
-            <a:extLst>
-              <a:ext uri="{28A0092B-C50C-407E-A947-70E740481C1C}">
-                <a14:useLocalDpi xmlns:a14="http://schemas.microsoft.com/office/drawing/2010/main" val="0"/>
-              </a:ext>
-            </a:extLst>
-          </a:blip>
-          <a:stretch>
-            <a:fillRect/>
-          </a:stretch>
-        </p:blipFill>
-        <p:spPr>
-          <a:xfrm>
-            <a:off x="395536" y="260648"/>
-            <a:ext cx="1368152" cy="917467"/>
-          </a:xfrm>
-          <a:prstGeom prst="rect">
-            <a:avLst/>
-          </a:prstGeom>
-        </p:spPr>
-      </p:pic>
-    </p:spTree>
-    <p:extLst>
-      <p:ext uri="{BB962C8B-B14F-4D97-AF65-F5344CB8AC3E}">
-        <p14:creationId xmlns:p14="http://schemas.microsoft.com/office/powerpoint/2010/main" val="2855720551"/>
-      </p:ext>
-    </p:extLst>
-  </p:cSld>
-  <p:clrMapOvr>
-    <a:masterClrMapping/>
-  </p:clrMapOvr>
-  <p:timing>
-    <p:tnLst>
-      <p:par>
-        <p:cTn id="1" dur="indefinite" restart="never" nodeType="tmRoot"/>
-      </p:par>
-    </p:tnLst>
-  </p:timing>
-</p:sld>
-</file>
-
 <file path=ppt/slides/slide4.xml><?xml version="1.0" encoding="utf-8"?>
 <p:sld xmlns:a="http://schemas.openxmlformats.org/drawingml/2006/main" xmlns:r="http://schemas.openxmlformats.org/officeDocument/2006/relationships" xmlns:p="http://schemas.openxmlformats.org/presentationml/2006/main">
   <p:cSld>
@@ -15267,6 +15255,174 @@
 </file>
 
 <file path=ppt/slides/slide40.xml><?xml version="1.0" encoding="utf-8"?>
+<p:sld xmlns:a="http://schemas.openxmlformats.org/drawingml/2006/main" xmlns:r="http://schemas.openxmlformats.org/officeDocument/2006/relationships" xmlns:p="http://schemas.openxmlformats.org/presentationml/2006/main">
+  <p:cSld>
+    <p:bg>
+      <p:bgPr>
+        <a:solidFill>
+          <a:schemeClr val="bg1"/>
+        </a:solidFill>
+        <a:effectLst/>
+      </p:bgPr>
+    </p:bg>
+    <p:spTree>
+      <p:nvGrpSpPr>
+        <p:cNvPr id="1" name=""/>
+        <p:cNvGrpSpPr/>
+        <p:nvPr/>
+      </p:nvGrpSpPr>
+      <p:grpSpPr>
+        <a:xfrm>
+          <a:off x="0" y="0"/>
+          <a:ext cx="0" cy="0"/>
+          <a:chOff x="0" y="0"/>
+          <a:chExt cx="0" cy="0"/>
+        </a:xfrm>
+      </p:grpSpPr>
+      <p:sp>
+        <p:nvSpPr>
+          <p:cNvPr id="2" name="Title 1"/>
+          <p:cNvSpPr>
+            <a:spLocks noGrp="1"/>
+          </p:cNvSpPr>
+          <p:nvPr>
+            <p:ph type="title"/>
+          </p:nvPr>
+        </p:nvSpPr>
+        <p:spPr>
+          <a:xfrm>
+            <a:off x="1763688" y="274638"/>
+            <a:ext cx="6923112" cy="1143000"/>
+          </a:xfrm>
+        </p:spPr>
+        <p:txBody>
+          <a:bodyPr>
+            <a:normAutofit fontScale="90000"/>
+          </a:bodyPr>
+          <a:lstStyle/>
+          <a:p>
+            <a:r>
+              <a:rPr lang="en-GB" dirty="0" smtClean="0"/>
+              <a:t>Distributed File System (HDFS)</a:t>
+            </a:r>
+            <a:endParaRPr lang="en-GB" dirty="0"/>
+          </a:p>
+        </p:txBody>
+      </p:sp>
+      <p:sp>
+        <p:nvSpPr>
+          <p:cNvPr id="3" name="Content Placeholder 2"/>
+          <p:cNvSpPr>
+            <a:spLocks noGrp="1"/>
+          </p:cNvSpPr>
+          <p:nvPr>
+            <p:ph idx="1"/>
+          </p:nvPr>
+        </p:nvSpPr>
+        <p:spPr/>
+        <p:txBody>
+          <a:bodyPr/>
+          <a:lstStyle/>
+          <a:p>
+            <a:r>
+              <a:rPr lang="en-GB" dirty="0" smtClean="0"/>
+              <a:t>Distributed, CP, Append-Only </a:t>
+            </a:r>
+            <a:r>
+              <a:rPr lang="en-GB" dirty="0" err="1" smtClean="0"/>
+              <a:t>FileSystem</a:t>
+            </a:r>
+            <a:endParaRPr lang="en-GB" dirty="0" smtClean="0"/>
+          </a:p>
+          <a:p>
+            <a:endParaRPr lang="en-GB" dirty="0"/>
+          </a:p>
+          <a:p>
+            <a:r>
+              <a:rPr lang="en-GB" dirty="0" smtClean="0"/>
+              <a:t>High-Latency Access/ ETL via Java </a:t>
+            </a:r>
+            <a:r>
+              <a:rPr lang="en-GB" dirty="0" err="1" smtClean="0"/>
+              <a:t>MapReduce</a:t>
+            </a:r>
+            <a:endParaRPr lang="en-GB" dirty="0" smtClean="0"/>
+          </a:p>
+          <a:p>
+            <a:pPr lvl="1"/>
+            <a:r>
+              <a:rPr lang="en-GB" dirty="0" smtClean="0"/>
+              <a:t>vs. -&gt; </a:t>
+            </a:r>
+            <a:r>
+              <a:rPr lang="en-GB" dirty="0" err="1" smtClean="0"/>
+              <a:t>HBase</a:t>
+            </a:r>
+            <a:endParaRPr lang="en-GB" dirty="0" smtClean="0"/>
+          </a:p>
+          <a:p>
+            <a:endParaRPr lang="en-GB" dirty="0"/>
+          </a:p>
+          <a:p>
+            <a:r>
+              <a:rPr lang="en-GB" dirty="0" smtClean="0"/>
+              <a:t>Basis for other analysis/ query tools</a:t>
+            </a:r>
+            <a:endParaRPr lang="en-GB" dirty="0"/>
+          </a:p>
+        </p:txBody>
+      </p:sp>
+      <p:pic>
+        <p:nvPicPr>
+          <p:cNvPr id="4" name="Picture 3"/>
+          <p:cNvPicPr>
+            <a:picLocks noChangeAspect="1"/>
+          </p:cNvPicPr>
+          <p:nvPr/>
+        </p:nvPicPr>
+        <p:blipFill>
+          <a:blip r:embed="rId3">
+            <a:extLst>
+              <a:ext uri="{28A0092B-C50C-407E-A947-70E740481C1C}">
+                <a14:useLocalDpi xmlns:a14="http://schemas.microsoft.com/office/drawing/2010/main" val="0"/>
+              </a:ext>
+            </a:extLst>
+          </a:blip>
+          <a:stretch>
+            <a:fillRect/>
+          </a:stretch>
+        </p:blipFill>
+        <p:spPr>
+          <a:xfrm>
+            <a:off x="395536" y="260648"/>
+            <a:ext cx="1368152" cy="917467"/>
+          </a:xfrm>
+          <a:prstGeom prst="rect">
+            <a:avLst/>
+          </a:prstGeom>
+        </p:spPr>
+      </p:pic>
+    </p:spTree>
+    <p:extLst>
+      <p:ext uri="{BB962C8B-B14F-4D97-AF65-F5344CB8AC3E}">
+        <p14:creationId xmlns:p14="http://schemas.microsoft.com/office/powerpoint/2010/main" val="2855720551"/>
+      </p:ext>
+    </p:extLst>
+  </p:cSld>
+  <p:clrMapOvr>
+    <a:masterClrMapping/>
+  </p:clrMapOvr>
+  <p:timing>
+    <p:tnLst>
+      <p:par>
+        <p:cTn id="1" dur="indefinite" restart="never" nodeType="tmRoot"/>
+      </p:par>
+    </p:tnLst>
+  </p:timing>
+</p:sld>
+</file>
+
+<file path=ppt/slides/slide41.xml><?xml version="1.0" encoding="utf-8"?>
 <p:sld xmlns:a="http://schemas.openxmlformats.org/drawingml/2006/main" xmlns:r="http://schemas.openxmlformats.org/officeDocument/2006/relationships" xmlns:p="http://schemas.openxmlformats.org/presentationml/2006/main">
   <p:cSld>
     <p:bg>
@@ -16301,7 +16457,7 @@
 </p:sld>
 </file>
 
-<file path=ppt/slides/slide41.xml><?xml version="1.0" encoding="utf-8"?>
+<file path=ppt/slides/slide42.xml><?xml version="1.0" encoding="utf-8"?>
 <p:sld xmlns:a="http://schemas.openxmlformats.org/drawingml/2006/main" xmlns:r="http://schemas.openxmlformats.org/officeDocument/2006/relationships" xmlns:p="http://schemas.openxmlformats.org/presentationml/2006/main">
   <p:cSld>
     <p:spTree>
@@ -16418,7 +16574,7 @@
 </p:sld>
 </file>
 
-<file path=ppt/slides/slide42.xml><?xml version="1.0" encoding="utf-8"?>
+<file path=ppt/slides/slide43.xml><?xml version="1.0" encoding="utf-8"?>
 <p:sld xmlns:a="http://schemas.openxmlformats.org/drawingml/2006/main" xmlns:r="http://schemas.openxmlformats.org/officeDocument/2006/relationships" xmlns:p="http://schemas.openxmlformats.org/presentationml/2006/main">
   <p:cSld>
     <p:spTree>
@@ -16485,7 +16641,7 @@
 </p:sld>
 </file>
 
-<file path=ppt/slides/slide43.xml><?xml version="1.0" encoding="utf-8"?>
+<file path=ppt/slides/slide44.xml><?xml version="1.0" encoding="utf-8"?>
 <p:sld xmlns:a="http://schemas.openxmlformats.org/drawingml/2006/main" xmlns:r="http://schemas.openxmlformats.org/officeDocument/2006/relationships" xmlns:p="http://schemas.openxmlformats.org/presentationml/2006/main">
   <p:cSld>
     <p:bg>
@@ -16580,7 +16736,7 @@
 </p:sld>
 </file>
 
-<file path=ppt/slides/slide44.xml><?xml version="1.0" encoding="utf-8"?>
+<file path=ppt/slides/slide45.xml><?xml version="1.0" encoding="utf-8"?>
 <p:sld xmlns:a="http://schemas.openxmlformats.org/drawingml/2006/main" xmlns:r="http://schemas.openxmlformats.org/officeDocument/2006/relationships" xmlns:p="http://schemas.openxmlformats.org/presentationml/2006/main">
   <p:cSld>
     <p:bg>
@@ -16918,7 +17074,7 @@
 </p:sld>
 </file>
 
-<file path=ppt/slides/slide45.xml><?xml version="1.0" encoding="utf-8"?>
+<file path=ppt/slides/slide46.xml><?xml version="1.0" encoding="utf-8"?>
 <p:sld xmlns:a="http://schemas.openxmlformats.org/drawingml/2006/main" xmlns:r="http://schemas.openxmlformats.org/officeDocument/2006/relationships" xmlns:p="http://schemas.openxmlformats.org/presentationml/2006/main">
   <p:cSld>
     <p:bg>
@@ -17112,7 +17268,7 @@
 </p:sld>
 </file>
 
-<file path=ppt/slides/slide46.xml><?xml version="1.0" encoding="utf-8"?>
+<file path=ppt/slides/slide47.xml><?xml version="1.0" encoding="utf-8"?>
 <p:sld xmlns:a="http://schemas.openxmlformats.org/drawingml/2006/main" xmlns:r="http://schemas.openxmlformats.org/officeDocument/2006/relationships" xmlns:p="http://schemas.openxmlformats.org/presentationml/2006/main">
   <p:cSld>
     <p:spTree>
@@ -17323,7 +17479,7 @@
 </p:sld>
 </file>
 
-<file path=ppt/slides/slide47.xml><?xml version="1.0" encoding="utf-8"?>
+<file path=ppt/slides/slide48.xml><?xml version="1.0" encoding="utf-8"?>
 <p:sld xmlns:a="http://schemas.openxmlformats.org/drawingml/2006/main" xmlns:r="http://schemas.openxmlformats.org/officeDocument/2006/relationships" xmlns:p="http://schemas.openxmlformats.org/presentationml/2006/main">
   <p:cSld>
     <p:bg>
@@ -17647,7 +17803,7 @@
 </p:sld>
 </file>
 
-<file path=ppt/slides/slide48.xml><?xml version="1.0" encoding="utf-8"?>
+<file path=ppt/slides/slide49.xml><?xml version="1.0" encoding="utf-8"?>
 <p:sld xmlns:a="http://schemas.openxmlformats.org/drawingml/2006/main" xmlns:r="http://schemas.openxmlformats.org/officeDocument/2006/relationships" xmlns:p="http://schemas.openxmlformats.org/presentationml/2006/main">
   <p:cSld>
     <p:bg>
@@ -18831,15 +18987,7 @@
           <a:p>
             <a:r>
               <a:rPr lang="en-GB" dirty="0" smtClean="0"/>
-              <a:t>Dat</a:t>
-            </a:r>
-            <a:r>
-              <a:rPr lang="en-GB" dirty="0" smtClean="0"/>
-              <a:t>a Model - </a:t>
-            </a:r>
-            <a:r>
-              <a:rPr lang="en-GB" dirty="0" smtClean="0"/>
-              <a:t>Serialization</a:t>
+              <a:t>Data Model - Serialization</a:t>
             </a:r>
             <a:endParaRPr lang="en-GB" dirty="0"/>
           </a:p>
@@ -18903,7 +19051,6 @@
               <a:rPr lang="en-GB" dirty="0" smtClean="0"/>
               <a:t>Document Databases</a:t>
             </a:r>
-            <a:endParaRPr lang="en-GB" dirty="0" smtClean="0"/>
           </a:p>
         </p:txBody>
       </p:sp>
@@ -19216,11 +19363,7 @@
             </a:pPr>
             <a:r>
               <a:rPr lang="en-GB" sz="3600" dirty="0" smtClean="0"/>
-              <a:t>(Database Serialization </a:t>
-            </a:r>
-            <a:r>
-              <a:rPr lang="en-GB" sz="3600" dirty="0" smtClean="0"/>
-              <a:t>Demo)</a:t>
+              <a:t>(Database Serialization Demo)</a:t>
             </a:r>
             <a:endParaRPr lang="en-GB" sz="3600" dirty="0"/>
           </a:p>

--- a/Slides/Not Only SQL - Picking A Database for DotNET.pptx
+++ b/Slides/Not Only SQL - Picking A Database for DotNET.pptx
@@ -347,7 +347,7 @@
           <a:p>
             <a:fld id="{4B8F0AD9-C137-4A52-8600-32592EF064CA}" type="datetimeFigureOut">
               <a:rPr lang="en-GB" smtClean="0"/>
-              <a:t>29/04/2015</a:t>
+              <a:t>30/04/2015</a:t>
             </a:fld>
             <a:endParaRPr lang="en-GB"/>
           </a:p>
@@ -3025,7 +3025,7 @@
           <a:p>
             <a:fld id="{02F45FB7-11FC-4A5D-8578-8A11B0F11936}" type="datetimeFigureOut">
               <a:rPr lang="en-GB" smtClean="0"/>
-              <a:t>29/04/2015</a:t>
+              <a:t>30/04/2015</a:t>
             </a:fld>
             <a:endParaRPr lang="en-GB"/>
           </a:p>
@@ -3195,7 +3195,7 @@
           <a:p>
             <a:fld id="{02F45FB7-11FC-4A5D-8578-8A11B0F11936}" type="datetimeFigureOut">
               <a:rPr lang="en-GB" smtClean="0"/>
-              <a:t>29/04/2015</a:t>
+              <a:t>30/04/2015</a:t>
             </a:fld>
             <a:endParaRPr lang="en-GB"/>
           </a:p>
@@ -3375,7 +3375,7 @@
           <a:p>
             <a:fld id="{02F45FB7-11FC-4A5D-8578-8A11B0F11936}" type="datetimeFigureOut">
               <a:rPr lang="en-GB" smtClean="0"/>
-              <a:t>29/04/2015</a:t>
+              <a:t>30/04/2015</a:t>
             </a:fld>
             <a:endParaRPr lang="en-GB"/>
           </a:p>
@@ -3545,7 +3545,7 @@
           <a:p>
             <a:fld id="{02F45FB7-11FC-4A5D-8578-8A11B0F11936}" type="datetimeFigureOut">
               <a:rPr lang="en-GB" smtClean="0"/>
-              <a:t>29/04/2015</a:t>
+              <a:t>30/04/2015</a:t>
             </a:fld>
             <a:endParaRPr lang="en-GB"/>
           </a:p>
@@ -3791,7 +3791,7 @@
           <a:p>
             <a:fld id="{02F45FB7-11FC-4A5D-8578-8A11B0F11936}" type="datetimeFigureOut">
               <a:rPr lang="en-GB" smtClean="0"/>
-              <a:t>29/04/2015</a:t>
+              <a:t>30/04/2015</a:t>
             </a:fld>
             <a:endParaRPr lang="en-GB"/>
           </a:p>
@@ -4079,7 +4079,7 @@
           <a:p>
             <a:fld id="{02F45FB7-11FC-4A5D-8578-8A11B0F11936}" type="datetimeFigureOut">
               <a:rPr lang="en-GB" smtClean="0"/>
-              <a:t>29/04/2015</a:t>
+              <a:t>30/04/2015</a:t>
             </a:fld>
             <a:endParaRPr lang="en-GB"/>
           </a:p>
@@ -4501,7 +4501,7 @@
           <a:p>
             <a:fld id="{02F45FB7-11FC-4A5D-8578-8A11B0F11936}" type="datetimeFigureOut">
               <a:rPr lang="en-GB" smtClean="0"/>
-              <a:t>29/04/2015</a:t>
+              <a:t>30/04/2015</a:t>
             </a:fld>
             <a:endParaRPr lang="en-GB"/>
           </a:p>
@@ -4619,7 +4619,7 @@
           <a:p>
             <a:fld id="{02F45FB7-11FC-4A5D-8578-8A11B0F11936}" type="datetimeFigureOut">
               <a:rPr lang="en-GB" smtClean="0"/>
-              <a:t>29/04/2015</a:t>
+              <a:t>30/04/2015</a:t>
             </a:fld>
             <a:endParaRPr lang="en-GB"/>
           </a:p>
@@ -4714,7 +4714,7 @@
           <a:p>
             <a:fld id="{02F45FB7-11FC-4A5D-8578-8A11B0F11936}" type="datetimeFigureOut">
               <a:rPr lang="en-GB" smtClean="0"/>
-              <a:t>29/04/2015</a:t>
+              <a:t>30/04/2015</a:t>
             </a:fld>
             <a:endParaRPr lang="en-GB"/>
           </a:p>
@@ -4991,7 +4991,7 @@
           <a:p>
             <a:fld id="{02F45FB7-11FC-4A5D-8578-8A11B0F11936}" type="datetimeFigureOut">
               <a:rPr lang="en-GB" smtClean="0"/>
-              <a:t>29/04/2015</a:t>
+              <a:t>30/04/2015</a:t>
             </a:fld>
             <a:endParaRPr lang="en-GB"/>
           </a:p>
@@ -5244,7 +5244,7 @@
           <a:p>
             <a:fld id="{02F45FB7-11FC-4A5D-8578-8A11B0F11936}" type="datetimeFigureOut">
               <a:rPr lang="en-GB" smtClean="0"/>
-              <a:t>29/04/2015</a:t>
+              <a:t>30/04/2015</a:t>
             </a:fld>
             <a:endParaRPr lang="en-GB"/>
           </a:p>
@@ -5457,7 +5457,7 @@
           <a:p>
             <a:fld id="{02F45FB7-11FC-4A5D-8578-8A11B0F11936}" type="datetimeFigureOut">
               <a:rPr lang="en-GB" smtClean="0"/>
-              <a:t>29/04/2015</a:t>
+              <a:t>30/04/2015</a:t>
             </a:fld>
             <a:endParaRPr lang="en-GB"/>
           </a:p>
@@ -11465,7 +11465,7 @@
         <p:spPr/>
         <p:txBody>
           <a:bodyPr>
-            <a:normAutofit/>
+            <a:normAutofit fontScale="92500" lnSpcReduction="10000"/>
           </a:bodyPr>
           <a:lstStyle/>
           <a:p>
@@ -11482,6 +11482,25 @@
               <a:rPr lang="en-GB" dirty="0" smtClean="0"/>
               <a:t>MongoDB</a:t>
             </a:r>
+          </a:p>
+          <a:p>
+            <a:pPr lvl="1"/>
+            <a:r>
+              <a:rPr lang="en-GB" dirty="0" smtClean="0"/>
+              <a:t>CP with built-in </a:t>
+            </a:r>
+            <a:r>
+              <a:rPr lang="en-GB" dirty="0" err="1" smtClean="0"/>
+              <a:t>sharding</a:t>
+            </a:r>
+            <a:r>
+              <a:rPr lang="en-GB" dirty="0" smtClean="0"/>
+              <a:t>, replica sets</a:t>
+            </a:r>
+          </a:p>
+          <a:p>
+            <a:pPr lvl="1"/>
+            <a:endParaRPr lang="en-GB" dirty="0" smtClean="0"/>
           </a:p>
           <a:p>
             <a:pPr lvl="1"/>
@@ -11650,8 +11669,20 @@
             <a:pPr lvl="1"/>
             <a:r>
               <a:rPr lang="en-GB" dirty="0" smtClean="0"/>
-              <a:t>“Ring Model” for data distribution</a:t>
-            </a:r>
+              <a:t>“Ring Model” for data </a:t>
+            </a:r>
+            <a:r>
+              <a:rPr lang="en-GB" dirty="0" smtClean="0"/>
+              <a:t>distribution</a:t>
+            </a:r>
+          </a:p>
+          <a:p>
+            <a:pPr lvl="1"/>
+            <a:r>
+              <a:rPr lang="en-GB" dirty="0" smtClean="0"/>
+              <a:t>No privileged/ “primary” nodes</a:t>
+            </a:r>
+            <a:endParaRPr lang="en-GB" dirty="0" smtClean="0"/>
           </a:p>
           <a:p>
             <a:pPr lvl="1"/>
@@ -11665,9 +11696,12 @@
             </a:r>
             <a:r>
               <a:rPr lang="en-GB" dirty="0" smtClean="0"/>
-              <a:t> Consistency</a:t>
-            </a:r>
-            <a:endParaRPr lang="en-GB" dirty="0" smtClean="0"/>
+              <a:t> </a:t>
+            </a:r>
+            <a:r>
+              <a:rPr lang="en-GB" dirty="0" smtClean="0"/>
+              <a:t>Consistency</a:t>
+            </a:r>
           </a:p>
           <a:p>
             <a:pPr marL="0" indent="0">
@@ -12805,15 +12839,7 @@
           <a:p>
             <a:r>
               <a:rPr lang="en-GB" dirty="0" smtClean="0"/>
-              <a:t>Scalability, </a:t>
-            </a:r>
-            <a:r>
-              <a:rPr lang="en-GB" dirty="0" smtClean="0"/>
-              <a:t>“CP” &amp; “AP</a:t>
-            </a:r>
-            <a:r>
-              <a:rPr lang="en-GB" dirty="0" smtClean="0"/>
-              <a:t>” Systems</a:t>
+              <a:t>Scalability, “CP” &amp; “AP” Systems</a:t>
             </a:r>
             <a:endParaRPr lang="en-GB" dirty="0"/>
           </a:p>
